--- a/content/blog/test.pptx
+++ b/content/blog/test.pptx
@@ -11,6 +11,9 @@
     <p:sldId id="259" r:id="rId11"/>
     <p:sldId id="260" r:id="rId12"/>
     <p:sldId id="261" r:id="rId13"/>
+    <p:sldId id="262" r:id="rId14"/>
+    <p:sldId id="263" r:id="rId15"/>
+    <p:sldId id="264" r:id="rId16"/>
   </p:sldIdLst>
   <p:sldSz cx="9144000" cy="6858000" type="screen4x3"/>
   <p:notesSz cx="6858000" cy="9144000"/>
@@ -12196,6 +12199,5003 @@
 </p:sld>
 </file>
 
+<file path=ppt/slides/slide7.xml><?xml version="1.0" encoding="utf-8"?>
+<p:sld xmlns:a="http://schemas.openxmlformats.org/drawingml/2006/main" xmlns:r="http://schemas.openxmlformats.org/officeDocument/2006/relationships" xmlns:p="http://schemas.openxmlformats.org/presentationml/2006/main">
+  <p:cSld>
+    <p:spTree>
+      <p:nvGrpSpPr>
+        <p:cNvPr id="1" name=""/>
+        <p:cNvGrpSpPr/>
+        <p:nvPr/>
+      </p:nvGrpSpPr>
+      <p:grpSpPr>
+        <a:xfrm>
+          <a:off x="0" y="0"/>
+          <a:ext cx="0" cy="0"/>
+          <a:chOff x="0" y="0"/>
+          <a:chExt cx="0" cy="0"/>
+        </a:xfrm>
+      </p:grpSpPr>
+      <p:grpSp xmlns:a="http://schemas.openxmlformats.org/drawingml/2006/main" xmlns:r="http://schemas.openxmlformats.org/officeDocument/2006/relationships" xmlns:p="http://schemas.openxmlformats.org/presentationml/2006/main" xmlns:pic="http://schemas.openxmlformats.org/drawingml/2006/picture">
+        <p:nvGrpSpPr>
+          <p:cNvPr id="2" name="grp1"/>
+          <p:cNvGrpSpPr/>
+          <p:nvPr/>
+        </p:nvGrpSpPr>
+        <p:grpSpPr>
+          <a:xfrm>
+            <a:off x="457200" y="1600200"/>
+            <a:ext cx="8229600" cy="4525962"/>
+            <a:chOff x="457200" y="1600200"/>
+            <a:chExt cx="8229600" cy="4525962"/>
+          </a:xfrm>
+        </p:grpSpPr>
+        <p:sp>
+          <p:nvSpPr>
+            <p:cNvPr id="3" name="rc3"/>
+            <p:cNvSpPr/>
+            <p:nvPr/>
+          </p:nvSpPr>
+          <p:spPr>
+            <a:xfrm>
+              <a:off x="457200" y="1600200"/>
+              <a:ext cx="8229600" cy="4525962"/>
+            </a:xfrm>
+            <a:prstGeom prst="rect">
+              <a:avLst/>
+            </a:prstGeom>
+            <a:solidFill>
+              <a:srgbClr val="FFFFFF">
+                <a:alpha val="100000"/>
+              </a:srgbClr>
+            </a:solidFill>
+            <a:ln w="9525" cap="rnd">
+              <a:solidFill>
+                <a:srgbClr val="FFFFFF">
+                  <a:alpha val="100000"/>
+                </a:srgbClr>
+              </a:solidFill>
+              <a:prstDash val="solid"/>
+              <a:round/>
+            </a:ln>
+          </p:spPr>
+          <p:txBody>
+            <a:bodyPr/>
+            <a:lstStyle/>
+            <a:p/>
+          </p:txBody>
+        </p:sp>
+        <p:sp>
+          <p:nvSpPr>
+            <p:cNvPr id="4" name="pl4"/>
+            <p:cNvSpPr/>
+            <p:nvPr/>
+          </p:nvSpPr>
+          <p:spPr>
+            <a:xfrm>
+              <a:off x="938418" y="5031798"/>
+              <a:ext cx="6738730" cy="0"/>
+            </a:xfrm>
+            <a:custGeom>
+              <a:avLst/>
+              <a:pathLst>
+                <a:path w="6738730" h="0">
+                  <a:moveTo>
+                    <a:pt x="0" y="0"/>
+                  </a:moveTo>
+                  <a:lnTo>
+                    <a:pt x="6738730" y="0"/>
+                  </a:lnTo>
+                  <a:lnTo>
+                    <a:pt x="6738730" y="0"/>
+                  </a:lnTo>
+                </a:path>
+              </a:pathLst>
+            </a:custGeom>
+            <a:ln w="6775" cap="flat">
+              <a:solidFill>
+                <a:srgbClr val="EBEBEB">
+                  <a:alpha val="100000"/>
+                </a:srgbClr>
+              </a:solidFill>
+              <a:prstDash val="solid"/>
+              <a:round/>
+            </a:ln>
+          </p:spPr>
+          <p:txBody>
+            <a:bodyPr/>
+            <a:lstStyle/>
+            <a:p/>
+          </p:txBody>
+        </p:sp>
+        <p:sp>
+          <p:nvSpPr>
+            <p:cNvPr id="5" name="pl5"/>
+            <p:cNvSpPr/>
+            <p:nvPr/>
+          </p:nvSpPr>
+          <p:spPr>
+            <a:xfrm>
+              <a:off x="938418" y="3998382"/>
+              <a:ext cx="6738730" cy="0"/>
+            </a:xfrm>
+            <a:custGeom>
+              <a:avLst/>
+              <a:pathLst>
+                <a:path w="6738730" h="0">
+                  <a:moveTo>
+                    <a:pt x="0" y="0"/>
+                  </a:moveTo>
+                  <a:lnTo>
+                    <a:pt x="6738730" y="0"/>
+                  </a:lnTo>
+                  <a:lnTo>
+                    <a:pt x="6738730" y="0"/>
+                  </a:lnTo>
+                </a:path>
+              </a:pathLst>
+            </a:custGeom>
+            <a:ln w="6775" cap="flat">
+              <a:solidFill>
+                <a:srgbClr val="EBEBEB">
+                  <a:alpha val="100000"/>
+                </a:srgbClr>
+              </a:solidFill>
+              <a:prstDash val="solid"/>
+              <a:round/>
+            </a:ln>
+          </p:spPr>
+          <p:txBody>
+            <a:bodyPr/>
+            <a:lstStyle/>
+            <a:p/>
+          </p:txBody>
+        </p:sp>
+        <p:sp>
+          <p:nvSpPr>
+            <p:cNvPr id="6" name="pl6"/>
+            <p:cNvSpPr/>
+            <p:nvPr/>
+          </p:nvSpPr>
+          <p:spPr>
+            <a:xfrm>
+              <a:off x="938418" y="2964966"/>
+              <a:ext cx="6738730" cy="0"/>
+            </a:xfrm>
+            <a:custGeom>
+              <a:avLst/>
+              <a:pathLst>
+                <a:path w="6738730" h="0">
+                  <a:moveTo>
+                    <a:pt x="0" y="0"/>
+                  </a:moveTo>
+                  <a:lnTo>
+                    <a:pt x="6738730" y="0"/>
+                  </a:lnTo>
+                  <a:lnTo>
+                    <a:pt x="6738730" y="0"/>
+                  </a:lnTo>
+                </a:path>
+              </a:pathLst>
+            </a:custGeom>
+            <a:ln w="6775" cap="flat">
+              <a:solidFill>
+                <a:srgbClr val="EBEBEB">
+                  <a:alpha val="100000"/>
+                </a:srgbClr>
+              </a:solidFill>
+              <a:prstDash val="solid"/>
+              <a:round/>
+            </a:ln>
+          </p:spPr>
+          <p:txBody>
+            <a:bodyPr/>
+            <a:lstStyle/>
+            <a:p/>
+          </p:txBody>
+        </p:sp>
+        <p:sp>
+          <p:nvSpPr>
+            <p:cNvPr id="7" name="pl7"/>
+            <p:cNvSpPr/>
+            <p:nvPr/>
+          </p:nvSpPr>
+          <p:spPr>
+            <a:xfrm>
+              <a:off x="938418" y="1931550"/>
+              <a:ext cx="6738730" cy="0"/>
+            </a:xfrm>
+            <a:custGeom>
+              <a:avLst/>
+              <a:pathLst>
+                <a:path w="6738730" h="0">
+                  <a:moveTo>
+                    <a:pt x="0" y="0"/>
+                  </a:moveTo>
+                  <a:lnTo>
+                    <a:pt x="6738730" y="0"/>
+                  </a:lnTo>
+                  <a:lnTo>
+                    <a:pt x="6738730" y="0"/>
+                  </a:lnTo>
+                </a:path>
+              </a:pathLst>
+            </a:custGeom>
+            <a:ln w="6775" cap="flat">
+              <a:solidFill>
+                <a:srgbClr val="EBEBEB">
+                  <a:alpha val="100000"/>
+                </a:srgbClr>
+              </a:solidFill>
+              <a:prstDash val="solid"/>
+              <a:round/>
+            </a:ln>
+          </p:spPr>
+          <p:txBody>
+            <a:bodyPr/>
+            <a:lstStyle/>
+            <a:p/>
+          </p:txBody>
+        </p:sp>
+        <p:sp>
+          <p:nvSpPr>
+            <p:cNvPr id="8" name="pl8"/>
+            <p:cNvSpPr/>
+            <p:nvPr/>
+          </p:nvSpPr>
+          <p:spPr>
+            <a:xfrm>
+              <a:off x="938418" y="5548506"/>
+              <a:ext cx="6738730" cy="0"/>
+            </a:xfrm>
+            <a:custGeom>
+              <a:avLst/>
+              <a:pathLst>
+                <a:path w="6738730" h="0">
+                  <a:moveTo>
+                    <a:pt x="0" y="0"/>
+                  </a:moveTo>
+                  <a:lnTo>
+                    <a:pt x="6738730" y="0"/>
+                  </a:lnTo>
+                  <a:lnTo>
+                    <a:pt x="6738730" y="0"/>
+                  </a:lnTo>
+                </a:path>
+              </a:pathLst>
+            </a:custGeom>
+            <a:ln w="13550" cap="flat">
+              <a:solidFill>
+                <a:srgbClr val="EBEBEB">
+                  <a:alpha val="100000"/>
+                </a:srgbClr>
+              </a:solidFill>
+              <a:prstDash val="solid"/>
+              <a:round/>
+            </a:ln>
+          </p:spPr>
+          <p:txBody>
+            <a:bodyPr/>
+            <a:lstStyle/>
+            <a:p/>
+          </p:txBody>
+        </p:sp>
+        <p:sp>
+          <p:nvSpPr>
+            <p:cNvPr id="9" name="pl9"/>
+            <p:cNvSpPr/>
+            <p:nvPr/>
+          </p:nvSpPr>
+          <p:spPr>
+            <a:xfrm>
+              <a:off x="938418" y="4515090"/>
+              <a:ext cx="6738730" cy="0"/>
+            </a:xfrm>
+            <a:custGeom>
+              <a:avLst/>
+              <a:pathLst>
+                <a:path w="6738730" h="0">
+                  <a:moveTo>
+                    <a:pt x="0" y="0"/>
+                  </a:moveTo>
+                  <a:lnTo>
+                    <a:pt x="6738730" y="0"/>
+                  </a:lnTo>
+                  <a:lnTo>
+                    <a:pt x="6738730" y="0"/>
+                  </a:lnTo>
+                </a:path>
+              </a:pathLst>
+            </a:custGeom>
+            <a:ln w="13550" cap="flat">
+              <a:solidFill>
+                <a:srgbClr val="EBEBEB">
+                  <a:alpha val="100000"/>
+                </a:srgbClr>
+              </a:solidFill>
+              <a:prstDash val="solid"/>
+              <a:round/>
+            </a:ln>
+          </p:spPr>
+          <p:txBody>
+            <a:bodyPr/>
+            <a:lstStyle/>
+            <a:p/>
+          </p:txBody>
+        </p:sp>
+        <p:sp>
+          <p:nvSpPr>
+            <p:cNvPr id="10" name="pl10"/>
+            <p:cNvSpPr/>
+            <p:nvPr/>
+          </p:nvSpPr>
+          <p:spPr>
+            <a:xfrm>
+              <a:off x="938418" y="3481674"/>
+              <a:ext cx="6738730" cy="0"/>
+            </a:xfrm>
+            <a:custGeom>
+              <a:avLst/>
+              <a:pathLst>
+                <a:path w="6738730" h="0">
+                  <a:moveTo>
+                    <a:pt x="0" y="0"/>
+                  </a:moveTo>
+                  <a:lnTo>
+                    <a:pt x="6738730" y="0"/>
+                  </a:lnTo>
+                  <a:lnTo>
+                    <a:pt x="6738730" y="0"/>
+                  </a:lnTo>
+                </a:path>
+              </a:pathLst>
+            </a:custGeom>
+            <a:ln w="13550" cap="flat">
+              <a:solidFill>
+                <a:srgbClr val="EBEBEB">
+                  <a:alpha val="100000"/>
+                </a:srgbClr>
+              </a:solidFill>
+              <a:prstDash val="solid"/>
+              <a:round/>
+            </a:ln>
+          </p:spPr>
+          <p:txBody>
+            <a:bodyPr/>
+            <a:lstStyle/>
+            <a:p/>
+          </p:txBody>
+        </p:sp>
+        <p:sp>
+          <p:nvSpPr>
+            <p:cNvPr id="11" name="pl11"/>
+            <p:cNvSpPr/>
+            <p:nvPr/>
+          </p:nvSpPr>
+          <p:spPr>
+            <a:xfrm>
+              <a:off x="938418" y="2448258"/>
+              <a:ext cx="6738730" cy="0"/>
+            </a:xfrm>
+            <a:custGeom>
+              <a:avLst/>
+              <a:pathLst>
+                <a:path w="6738730" h="0">
+                  <a:moveTo>
+                    <a:pt x="0" y="0"/>
+                  </a:moveTo>
+                  <a:lnTo>
+                    <a:pt x="6738730" y="0"/>
+                  </a:lnTo>
+                  <a:lnTo>
+                    <a:pt x="6738730" y="0"/>
+                  </a:lnTo>
+                </a:path>
+              </a:pathLst>
+            </a:custGeom>
+            <a:ln w="13550" cap="flat">
+              <a:solidFill>
+                <a:srgbClr val="EBEBEB">
+                  <a:alpha val="100000"/>
+                </a:srgbClr>
+              </a:solidFill>
+              <a:prstDash val="solid"/>
+              <a:round/>
+            </a:ln>
+          </p:spPr>
+          <p:txBody>
+            <a:bodyPr/>
+            <a:lstStyle/>
+            <a:p/>
+          </p:txBody>
+        </p:sp>
+        <p:sp>
+          <p:nvSpPr>
+            <p:cNvPr id="12" name="pl12"/>
+            <p:cNvSpPr/>
+            <p:nvPr/>
+          </p:nvSpPr>
+          <p:spPr>
+            <a:xfrm>
+              <a:off x="1715964" y="1886338"/>
+              <a:ext cx="0" cy="3836557"/>
+            </a:xfrm>
+            <a:custGeom>
+              <a:avLst/>
+              <a:pathLst>
+                <a:path w="0" h="3836557">
+                  <a:moveTo>
+                    <a:pt x="0" y="3836557"/>
+                  </a:moveTo>
+                  <a:lnTo>
+                    <a:pt x="0" y="0"/>
+                  </a:lnTo>
+                  <a:lnTo>
+                    <a:pt x="0" y="0"/>
+                  </a:lnTo>
+                </a:path>
+              </a:pathLst>
+            </a:custGeom>
+            <a:ln w="13550" cap="flat">
+              <a:solidFill>
+                <a:srgbClr val="EBEBEB">
+                  <a:alpha val="100000"/>
+                </a:srgbClr>
+              </a:solidFill>
+              <a:prstDash val="solid"/>
+              <a:round/>
+            </a:ln>
+          </p:spPr>
+          <p:txBody>
+            <a:bodyPr/>
+            <a:lstStyle/>
+            <a:p/>
+          </p:txBody>
+        </p:sp>
+        <p:sp>
+          <p:nvSpPr>
+            <p:cNvPr id="13" name="pl13"/>
+            <p:cNvSpPr/>
+            <p:nvPr/>
+          </p:nvSpPr>
+          <p:spPr>
+            <a:xfrm>
+              <a:off x="3011873" y="1886338"/>
+              <a:ext cx="0" cy="3836557"/>
+            </a:xfrm>
+            <a:custGeom>
+              <a:avLst/>
+              <a:pathLst>
+                <a:path w="0" h="3836557">
+                  <a:moveTo>
+                    <a:pt x="0" y="3836557"/>
+                  </a:moveTo>
+                  <a:lnTo>
+                    <a:pt x="0" y="0"/>
+                  </a:lnTo>
+                  <a:lnTo>
+                    <a:pt x="0" y="0"/>
+                  </a:lnTo>
+                </a:path>
+              </a:pathLst>
+            </a:custGeom>
+            <a:ln w="13550" cap="flat">
+              <a:solidFill>
+                <a:srgbClr val="EBEBEB">
+                  <a:alpha val="100000"/>
+                </a:srgbClr>
+              </a:solidFill>
+              <a:prstDash val="solid"/>
+              <a:round/>
+            </a:ln>
+          </p:spPr>
+          <p:txBody>
+            <a:bodyPr/>
+            <a:lstStyle/>
+            <a:p/>
+          </p:txBody>
+        </p:sp>
+        <p:sp>
+          <p:nvSpPr>
+            <p:cNvPr id="14" name="pl14"/>
+            <p:cNvSpPr/>
+            <p:nvPr/>
+          </p:nvSpPr>
+          <p:spPr>
+            <a:xfrm>
+              <a:off x="4307783" y="1886338"/>
+              <a:ext cx="0" cy="3836557"/>
+            </a:xfrm>
+            <a:custGeom>
+              <a:avLst/>
+              <a:pathLst>
+                <a:path w="0" h="3836557">
+                  <a:moveTo>
+                    <a:pt x="0" y="3836557"/>
+                  </a:moveTo>
+                  <a:lnTo>
+                    <a:pt x="0" y="0"/>
+                  </a:lnTo>
+                  <a:lnTo>
+                    <a:pt x="0" y="0"/>
+                  </a:lnTo>
+                </a:path>
+              </a:pathLst>
+            </a:custGeom>
+            <a:ln w="13550" cap="flat">
+              <a:solidFill>
+                <a:srgbClr val="EBEBEB">
+                  <a:alpha val="100000"/>
+                </a:srgbClr>
+              </a:solidFill>
+              <a:prstDash val="solid"/>
+              <a:round/>
+            </a:ln>
+          </p:spPr>
+          <p:txBody>
+            <a:bodyPr/>
+            <a:lstStyle/>
+            <a:p/>
+          </p:txBody>
+        </p:sp>
+        <p:sp>
+          <p:nvSpPr>
+            <p:cNvPr id="15" name="pl15"/>
+            <p:cNvSpPr/>
+            <p:nvPr/>
+          </p:nvSpPr>
+          <p:spPr>
+            <a:xfrm>
+              <a:off x="5603693" y="1886338"/>
+              <a:ext cx="0" cy="3836557"/>
+            </a:xfrm>
+            <a:custGeom>
+              <a:avLst/>
+              <a:pathLst>
+                <a:path w="0" h="3836557">
+                  <a:moveTo>
+                    <a:pt x="0" y="3836557"/>
+                  </a:moveTo>
+                  <a:lnTo>
+                    <a:pt x="0" y="0"/>
+                  </a:lnTo>
+                  <a:lnTo>
+                    <a:pt x="0" y="0"/>
+                  </a:lnTo>
+                </a:path>
+              </a:pathLst>
+            </a:custGeom>
+            <a:ln w="13550" cap="flat">
+              <a:solidFill>
+                <a:srgbClr val="EBEBEB">
+                  <a:alpha val="100000"/>
+                </a:srgbClr>
+              </a:solidFill>
+              <a:prstDash val="solid"/>
+              <a:round/>
+            </a:ln>
+          </p:spPr>
+          <p:txBody>
+            <a:bodyPr/>
+            <a:lstStyle/>
+            <a:p/>
+          </p:txBody>
+        </p:sp>
+        <p:sp>
+          <p:nvSpPr>
+            <p:cNvPr id="16" name="pl16"/>
+            <p:cNvSpPr/>
+            <p:nvPr/>
+          </p:nvSpPr>
+          <p:spPr>
+            <a:xfrm>
+              <a:off x="6899603" y="1886338"/>
+              <a:ext cx="0" cy="3836557"/>
+            </a:xfrm>
+            <a:custGeom>
+              <a:avLst/>
+              <a:pathLst>
+                <a:path w="0" h="3836557">
+                  <a:moveTo>
+                    <a:pt x="0" y="3836557"/>
+                  </a:moveTo>
+                  <a:lnTo>
+                    <a:pt x="0" y="0"/>
+                  </a:lnTo>
+                  <a:lnTo>
+                    <a:pt x="0" y="0"/>
+                  </a:lnTo>
+                </a:path>
+              </a:pathLst>
+            </a:custGeom>
+            <a:ln w="13550" cap="flat">
+              <a:solidFill>
+                <a:srgbClr val="EBEBEB">
+                  <a:alpha val="100000"/>
+                </a:srgbClr>
+              </a:solidFill>
+              <a:prstDash val="solid"/>
+              <a:round/>
+            </a:ln>
+          </p:spPr>
+          <p:txBody>
+            <a:bodyPr/>
+            <a:lstStyle/>
+            <a:p/>
+          </p:txBody>
+        </p:sp>
+        <p:sp>
+          <p:nvSpPr>
+            <p:cNvPr id="17" name="rc17"/>
+            <p:cNvSpPr/>
+            <p:nvPr/>
+          </p:nvSpPr>
+          <p:spPr>
+            <a:xfrm>
+              <a:off x="1715964" y="5000796"/>
+              <a:ext cx="583159" cy="547710"/>
+            </a:xfrm>
+            <a:prstGeom prst="rect">
+              <a:avLst/>
+            </a:prstGeom>
+            <a:solidFill>
+              <a:srgbClr val="00BFC4">
+                <a:alpha val="100000"/>
+              </a:srgbClr>
+            </a:solidFill>
+          </p:spPr>
+          <p:txBody>
+            <a:bodyPr/>
+            <a:lstStyle/>
+            <a:p/>
+          </p:txBody>
+        </p:sp>
+        <p:sp>
+          <p:nvSpPr>
+            <p:cNvPr id="18" name="rc18"/>
+            <p:cNvSpPr/>
+            <p:nvPr/>
+          </p:nvSpPr>
+          <p:spPr>
+            <a:xfrm>
+              <a:off x="1132804" y="4990462"/>
+              <a:ext cx="583159" cy="558044"/>
+            </a:xfrm>
+            <a:prstGeom prst="rect">
+              <a:avLst/>
+            </a:prstGeom>
+            <a:solidFill>
+              <a:srgbClr val="F8766D">
+                <a:alpha val="100000"/>
+              </a:srgbClr>
+            </a:solidFill>
+          </p:spPr>
+          <p:txBody>
+            <a:bodyPr/>
+            <a:lstStyle/>
+            <a:p/>
+          </p:txBody>
+        </p:sp>
+        <p:sp>
+          <p:nvSpPr>
+            <p:cNvPr id="19" name="rc19"/>
+            <p:cNvSpPr/>
+            <p:nvPr/>
+          </p:nvSpPr>
+          <p:spPr>
+            <a:xfrm>
+              <a:off x="3011873" y="3011470"/>
+              <a:ext cx="583159" cy="2537036"/>
+            </a:xfrm>
+            <a:prstGeom prst="rect">
+              <a:avLst/>
+            </a:prstGeom>
+            <a:solidFill>
+              <a:srgbClr val="00BFC4">
+                <a:alpha val="100000"/>
+              </a:srgbClr>
+            </a:solidFill>
+          </p:spPr>
+          <p:txBody>
+            <a:bodyPr/>
+            <a:lstStyle/>
+            <a:p/>
+          </p:txBody>
+        </p:sp>
+        <p:sp>
+          <p:nvSpPr>
+            <p:cNvPr id="20" name="rc20"/>
+            <p:cNvSpPr/>
+            <p:nvPr/>
+          </p:nvSpPr>
+          <p:spPr>
+            <a:xfrm>
+              <a:off x="2428714" y="3409335"/>
+              <a:ext cx="583159" cy="2139171"/>
+            </a:xfrm>
+            <a:prstGeom prst="rect">
+              <a:avLst/>
+            </a:prstGeom>
+            <a:solidFill>
+              <a:srgbClr val="F8766D">
+                <a:alpha val="100000"/>
+              </a:srgbClr>
+            </a:solidFill>
+          </p:spPr>
+          <p:txBody>
+            <a:bodyPr/>
+            <a:lstStyle/>
+            <a:p/>
+          </p:txBody>
+        </p:sp>
+        <p:sp>
+          <p:nvSpPr>
+            <p:cNvPr id="21" name="rc21"/>
+            <p:cNvSpPr/>
+            <p:nvPr/>
+          </p:nvSpPr>
+          <p:spPr>
+            <a:xfrm>
+              <a:off x="4307783" y="4933624"/>
+              <a:ext cx="583159" cy="614882"/>
+            </a:xfrm>
+            <a:prstGeom prst="rect">
+              <a:avLst/>
+            </a:prstGeom>
+            <a:solidFill>
+              <a:srgbClr val="00BFC4">
+                <a:alpha val="100000"/>
+              </a:srgbClr>
+            </a:solidFill>
+          </p:spPr>
+          <p:txBody>
+            <a:bodyPr/>
+            <a:lstStyle/>
+            <a:p/>
+          </p:txBody>
+        </p:sp>
+        <p:sp>
+          <p:nvSpPr>
+            <p:cNvPr id="22" name="rc22"/>
+            <p:cNvSpPr/>
+            <p:nvPr/>
+          </p:nvSpPr>
+          <p:spPr>
+            <a:xfrm>
+              <a:off x="3724624" y="4365245"/>
+              <a:ext cx="583159" cy="1183261"/>
+            </a:xfrm>
+            <a:prstGeom prst="rect">
+              <a:avLst/>
+            </a:prstGeom>
+            <a:solidFill>
+              <a:srgbClr val="F8766D">
+                <a:alpha val="100000"/>
+              </a:srgbClr>
+            </a:solidFill>
+          </p:spPr>
+          <p:txBody>
+            <a:bodyPr/>
+            <a:lstStyle/>
+            <a:p/>
+          </p:txBody>
+        </p:sp>
+        <p:sp>
+          <p:nvSpPr>
+            <p:cNvPr id="23" name="rc23"/>
+            <p:cNvSpPr/>
+            <p:nvPr/>
+          </p:nvSpPr>
+          <p:spPr>
+            <a:xfrm>
+              <a:off x="5603693" y="2138233"/>
+              <a:ext cx="583159" cy="3410273"/>
+            </a:xfrm>
+            <a:prstGeom prst="rect">
+              <a:avLst/>
+            </a:prstGeom>
+            <a:solidFill>
+              <a:srgbClr val="00BFC4">
+                <a:alpha val="100000"/>
+              </a:srgbClr>
+            </a:solidFill>
+          </p:spPr>
+          <p:txBody>
+            <a:bodyPr/>
+            <a:lstStyle/>
+            <a:p/>
+          </p:txBody>
+        </p:sp>
+        <p:sp>
+          <p:nvSpPr>
+            <p:cNvPr id="24" name="rc24"/>
+            <p:cNvSpPr/>
+            <p:nvPr/>
+          </p:nvSpPr>
+          <p:spPr>
+            <a:xfrm>
+              <a:off x="5020534" y="2060727"/>
+              <a:ext cx="583159" cy="3487779"/>
+            </a:xfrm>
+            <a:prstGeom prst="rect">
+              <a:avLst/>
+            </a:prstGeom>
+            <a:solidFill>
+              <a:srgbClr val="F8766D">
+                <a:alpha val="100000"/>
+              </a:srgbClr>
+            </a:solidFill>
+          </p:spPr>
+          <p:txBody>
+            <a:bodyPr/>
+            <a:lstStyle/>
+            <a:p/>
+          </p:txBody>
+        </p:sp>
+        <p:sp>
+          <p:nvSpPr>
+            <p:cNvPr id="25" name="rc25"/>
+            <p:cNvSpPr/>
+            <p:nvPr/>
+          </p:nvSpPr>
+          <p:spPr>
+            <a:xfrm>
+              <a:off x="6899603" y="2944298"/>
+              <a:ext cx="583159" cy="2604208"/>
+            </a:xfrm>
+            <a:prstGeom prst="rect">
+              <a:avLst/>
+            </a:prstGeom>
+            <a:solidFill>
+              <a:srgbClr val="00BFC4">
+                <a:alpha val="100000"/>
+              </a:srgbClr>
+            </a:solidFill>
+          </p:spPr>
+          <p:txBody>
+            <a:bodyPr/>
+            <a:lstStyle/>
+            <a:p/>
+          </p:txBody>
+        </p:sp>
+        <p:sp>
+          <p:nvSpPr>
+            <p:cNvPr id="26" name="rc26"/>
+            <p:cNvSpPr/>
+            <p:nvPr/>
+          </p:nvSpPr>
+          <p:spPr>
+            <a:xfrm>
+              <a:off x="6316443" y="2928796"/>
+              <a:ext cx="583159" cy="2619709"/>
+            </a:xfrm>
+            <a:prstGeom prst="rect">
+              <a:avLst/>
+            </a:prstGeom>
+            <a:solidFill>
+              <a:srgbClr val="F8766D">
+                <a:alpha val="100000"/>
+              </a:srgbClr>
+            </a:solidFill>
+          </p:spPr>
+          <p:txBody>
+            <a:bodyPr/>
+            <a:lstStyle/>
+            <a:p/>
+          </p:txBody>
+        </p:sp>
+        <p:sp>
+          <p:nvSpPr>
+            <p:cNvPr id="27" name="tx27"/>
+            <p:cNvSpPr/>
+            <p:nvPr/>
+          </p:nvSpPr>
+          <p:spPr>
+            <a:xfrm>
+              <a:off x="813632" y="5507824"/>
+              <a:ext cx="62155" cy="79126"/>
+            </a:xfrm>
+            <a:prstGeom prst="rect">
+              <a:avLst/>
+            </a:prstGeom>
+            <a:noFill/>
+          </p:spPr>
+          <p:txBody>
+            <a:bodyPr lIns="0" rIns="0" tIns="0" bIns="0" anchorCtr="1" anchor="ctr" wrap="none"/>
+            <a:lstStyle/>
+            <a:p>
+              <a:pPr algn="l" marL="0" marR="0" indent="0">
+                <a:lnSpc>
+                  <a:spcPts val="880"/>
+                </a:lnSpc>
+                <a:spcBef>
+                  <a:spcPts val="0"/>
+                </a:spcBef>
+                <a:spcAft>
+                  <a:spcPts val="0"/>
+                </a:spcAft>
+              </a:pPr>
+              <a:r>
+                <a:rPr sz="880">
+                  <a:solidFill>
+                    <a:srgbClr val="4D4D4D">
+                      <a:alpha val="100000"/>
+                    </a:srgbClr>
+                  </a:solidFill>
+                  <a:latin typeface="Liberation Sans"/>
+                  <a:cs typeface="Liberation Sans"/>
+                </a:rPr>
+                <a:t>0</a:t>
+              </a:r>
+            </a:p>
+          </p:txBody>
+        </p:sp>
+        <p:sp>
+          <p:nvSpPr>
+            <p:cNvPr id="28" name="tx28"/>
+            <p:cNvSpPr/>
+            <p:nvPr/>
+          </p:nvSpPr>
+          <p:spPr>
+            <a:xfrm>
+              <a:off x="689321" y="4474408"/>
+              <a:ext cx="186466" cy="79126"/>
+            </a:xfrm>
+            <a:prstGeom prst="rect">
+              <a:avLst/>
+            </a:prstGeom>
+            <a:noFill/>
+          </p:spPr>
+          <p:txBody>
+            <a:bodyPr lIns="0" rIns="0" tIns="0" bIns="0" anchorCtr="1" anchor="ctr" wrap="none"/>
+            <a:lstStyle/>
+            <a:p>
+              <a:pPr algn="l" marL="0" marR="0" indent="0">
+                <a:lnSpc>
+                  <a:spcPts val="880"/>
+                </a:lnSpc>
+                <a:spcBef>
+                  <a:spcPts val="0"/>
+                </a:spcBef>
+                <a:spcAft>
+                  <a:spcPts val="0"/>
+                </a:spcAft>
+              </a:pPr>
+              <a:r>
+                <a:rPr sz="880">
+                  <a:solidFill>
+                    <a:srgbClr val="4D4D4D">
+                      <a:alpha val="100000"/>
+                    </a:srgbClr>
+                  </a:solidFill>
+                  <a:latin typeface="Liberation Sans"/>
+                  <a:cs typeface="Liberation Sans"/>
+                </a:rPr>
+                <a:t>200</a:t>
+              </a:r>
+            </a:p>
+          </p:txBody>
+        </p:sp>
+        <p:sp>
+          <p:nvSpPr>
+            <p:cNvPr id="29" name="tx29"/>
+            <p:cNvSpPr/>
+            <p:nvPr/>
+          </p:nvSpPr>
+          <p:spPr>
+            <a:xfrm>
+              <a:off x="689321" y="3440992"/>
+              <a:ext cx="186466" cy="79126"/>
+            </a:xfrm>
+            <a:prstGeom prst="rect">
+              <a:avLst/>
+            </a:prstGeom>
+            <a:noFill/>
+          </p:spPr>
+          <p:txBody>
+            <a:bodyPr lIns="0" rIns="0" tIns="0" bIns="0" anchorCtr="1" anchor="ctr" wrap="none"/>
+            <a:lstStyle/>
+            <a:p>
+              <a:pPr algn="l" marL="0" marR="0" indent="0">
+                <a:lnSpc>
+                  <a:spcPts val="880"/>
+                </a:lnSpc>
+                <a:spcBef>
+                  <a:spcPts val="0"/>
+                </a:spcBef>
+                <a:spcAft>
+                  <a:spcPts val="0"/>
+                </a:spcAft>
+              </a:pPr>
+              <a:r>
+                <a:rPr sz="880">
+                  <a:solidFill>
+                    <a:srgbClr val="4D4D4D">
+                      <a:alpha val="100000"/>
+                    </a:srgbClr>
+                  </a:solidFill>
+                  <a:latin typeface="Liberation Sans"/>
+                  <a:cs typeface="Liberation Sans"/>
+                </a:rPr>
+                <a:t>400</a:t>
+              </a:r>
+            </a:p>
+          </p:txBody>
+        </p:sp>
+        <p:sp>
+          <p:nvSpPr>
+            <p:cNvPr id="30" name="tx30"/>
+            <p:cNvSpPr/>
+            <p:nvPr/>
+          </p:nvSpPr>
+          <p:spPr>
+            <a:xfrm>
+              <a:off x="689321" y="2407576"/>
+              <a:ext cx="186466" cy="79126"/>
+            </a:xfrm>
+            <a:prstGeom prst="rect">
+              <a:avLst/>
+            </a:prstGeom>
+            <a:noFill/>
+          </p:spPr>
+          <p:txBody>
+            <a:bodyPr lIns="0" rIns="0" tIns="0" bIns="0" anchorCtr="1" anchor="ctr" wrap="none"/>
+            <a:lstStyle/>
+            <a:p>
+              <a:pPr algn="l" marL="0" marR="0" indent="0">
+                <a:lnSpc>
+                  <a:spcPts val="880"/>
+                </a:lnSpc>
+                <a:spcBef>
+                  <a:spcPts val="0"/>
+                </a:spcBef>
+                <a:spcAft>
+                  <a:spcPts val="0"/>
+                </a:spcAft>
+              </a:pPr>
+              <a:r>
+                <a:rPr sz="880">
+                  <a:solidFill>
+                    <a:srgbClr val="4D4D4D">
+                      <a:alpha val="100000"/>
+                    </a:srgbClr>
+                  </a:solidFill>
+                  <a:latin typeface="Liberation Sans"/>
+                  <a:cs typeface="Liberation Sans"/>
+                </a:rPr>
+                <a:t>600</a:t>
+              </a:r>
+            </a:p>
+          </p:txBody>
+        </p:sp>
+        <p:sp>
+          <p:nvSpPr>
+            <p:cNvPr id="31" name="tx31"/>
+            <p:cNvSpPr/>
+            <p:nvPr/>
+          </p:nvSpPr>
+          <p:spPr>
+            <a:xfrm>
+              <a:off x="1557519" y="5758240"/>
+              <a:ext cx="316889" cy="104174"/>
+            </a:xfrm>
+            <a:prstGeom prst="rect">
+              <a:avLst/>
+            </a:prstGeom>
+            <a:noFill/>
+          </p:spPr>
+          <p:txBody>
+            <a:bodyPr lIns="0" rIns="0" tIns="0" bIns="0" anchorCtr="1" anchor="ctr" wrap="none"/>
+            <a:lstStyle/>
+            <a:p>
+              <a:pPr algn="l" marL="0" marR="0" indent="0">
+                <a:lnSpc>
+                  <a:spcPts val="880"/>
+                </a:lnSpc>
+                <a:spcBef>
+                  <a:spcPts val="0"/>
+                </a:spcBef>
+                <a:spcAft>
+                  <a:spcPts val="0"/>
+                </a:spcAft>
+              </a:pPr>
+              <a:r>
+                <a:rPr sz="880">
+                  <a:solidFill>
+                    <a:srgbClr val="4D4D4D">
+                      <a:alpha val="100000"/>
+                    </a:srgbClr>
+                  </a:solidFill>
+                  <a:latin typeface="Liberation Sans"/>
+                  <a:cs typeface="Liberation Sans"/>
+                </a:rPr>
+                <a:t>Eating</a:t>
+              </a:r>
+            </a:p>
+          </p:txBody>
+        </p:sp>
+        <p:sp>
+          <p:nvSpPr>
+            <p:cNvPr id="32" name="tx32"/>
+            <p:cNvSpPr/>
+            <p:nvPr/>
+          </p:nvSpPr>
+          <p:spPr>
+            <a:xfrm>
+              <a:off x="2701314" y="5758240"/>
+              <a:ext cx="621119" cy="104174"/>
+            </a:xfrm>
+            <a:prstGeom prst="rect">
+              <a:avLst/>
+            </a:prstGeom>
+            <a:noFill/>
+          </p:spPr>
+          <p:txBody>
+            <a:bodyPr lIns="0" rIns="0" tIns="0" bIns="0" anchorCtr="1" anchor="ctr" wrap="none"/>
+            <a:lstStyle/>
+            <a:p>
+              <a:pPr algn="l" marL="0" marR="0" indent="0">
+                <a:lnSpc>
+                  <a:spcPts val="880"/>
+                </a:lnSpc>
+                <a:spcBef>
+                  <a:spcPts val="0"/>
+                </a:spcBef>
+                <a:spcAft>
+                  <a:spcPts val="0"/>
+                </a:spcAft>
+              </a:pPr>
+              <a:r>
+                <a:rPr sz="880">
+                  <a:solidFill>
+                    <a:srgbClr val="4D4D4D">
+                      <a:alpha val="100000"/>
+                    </a:srgbClr>
+                  </a:solidFill>
+                  <a:latin typeface="Liberation Sans"/>
+                  <a:cs typeface="Liberation Sans"/>
+                </a:rPr>
+                <a:t>Employment</a:t>
+              </a:r>
+            </a:p>
+          </p:txBody>
+        </p:sp>
+        <p:sp>
+          <p:nvSpPr>
+            <p:cNvPr id="33" name="tx33"/>
+            <p:cNvSpPr/>
+            <p:nvPr/>
+          </p:nvSpPr>
+          <p:spPr>
+            <a:xfrm>
+              <a:off x="3646173" y="5758240"/>
+              <a:ext cx="1323220" cy="104174"/>
+            </a:xfrm>
+            <a:prstGeom prst="rect">
+              <a:avLst/>
+            </a:prstGeom>
+            <a:noFill/>
+          </p:spPr>
+          <p:txBody>
+            <a:bodyPr lIns="0" rIns="0" tIns="0" bIns="0" anchorCtr="1" anchor="ctr" wrap="none"/>
+            <a:lstStyle/>
+            <a:p>
+              <a:pPr algn="l" marL="0" marR="0" indent="0">
+                <a:lnSpc>
+                  <a:spcPts val="880"/>
+                </a:lnSpc>
+                <a:spcBef>
+                  <a:spcPts val="0"/>
+                </a:spcBef>
+                <a:spcAft>
+                  <a:spcPts val="0"/>
+                </a:spcAft>
+              </a:pPr>
+              <a:r>
+                <a:rPr sz="880">
+                  <a:solidFill>
+                    <a:srgbClr val="4D4D4D">
+                      <a:alpha val="100000"/>
+                    </a:srgbClr>
+                  </a:solidFill>
+                  <a:latin typeface="Liberation Sans"/>
+                  <a:cs typeface="Liberation Sans"/>
+                </a:rPr>
+                <a:t>Household and family care</a:t>
+              </a:r>
+            </a:p>
+          </p:txBody>
+        </p:sp>
+        <p:sp>
+          <p:nvSpPr>
+            <p:cNvPr id="34" name="tx34"/>
+            <p:cNvSpPr/>
+            <p:nvPr/>
+          </p:nvSpPr>
+          <p:spPr>
+            <a:xfrm>
+              <a:off x="5258918" y="5780341"/>
+              <a:ext cx="689550" cy="82073"/>
+            </a:xfrm>
+            <a:prstGeom prst="rect">
+              <a:avLst/>
+            </a:prstGeom>
+            <a:noFill/>
+          </p:spPr>
+          <p:txBody>
+            <a:bodyPr lIns="0" rIns="0" tIns="0" bIns="0" anchorCtr="1" anchor="ctr" wrap="none"/>
+            <a:lstStyle/>
+            <a:p>
+              <a:pPr algn="l" marL="0" marR="0" indent="0">
+                <a:lnSpc>
+                  <a:spcPts val="880"/>
+                </a:lnSpc>
+                <a:spcBef>
+                  <a:spcPts val="0"/>
+                </a:spcBef>
+                <a:spcAft>
+                  <a:spcPts val="0"/>
+                </a:spcAft>
+              </a:pPr>
+              <a:r>
+                <a:rPr sz="880">
+                  <a:solidFill>
+                    <a:srgbClr val="4D4D4D">
+                      <a:alpha val="100000"/>
+                    </a:srgbClr>
+                  </a:solidFill>
+                  <a:latin typeface="Liberation Sans"/>
+                  <a:cs typeface="Liberation Sans"/>
+                </a:rPr>
+                <a:t>Personal care</a:t>
+              </a:r>
+            </a:p>
+          </p:txBody>
+        </p:sp>
+        <p:sp>
+          <p:nvSpPr>
+            <p:cNvPr id="35" name="tx35"/>
+            <p:cNvSpPr/>
+            <p:nvPr/>
+          </p:nvSpPr>
+          <p:spPr>
+            <a:xfrm>
+              <a:off x="6756683" y="5758240"/>
+              <a:ext cx="285839" cy="104174"/>
+            </a:xfrm>
+            <a:prstGeom prst="rect">
+              <a:avLst/>
+            </a:prstGeom>
+            <a:noFill/>
+          </p:spPr>
+          <p:txBody>
+            <a:bodyPr lIns="0" rIns="0" tIns="0" bIns="0" anchorCtr="1" anchor="ctr" wrap="none"/>
+            <a:lstStyle/>
+            <a:p>
+              <a:pPr algn="l" marL="0" marR="0" indent="0">
+                <a:lnSpc>
+                  <a:spcPts val="880"/>
+                </a:lnSpc>
+                <a:spcBef>
+                  <a:spcPts val="0"/>
+                </a:spcBef>
+                <a:spcAft>
+                  <a:spcPts val="0"/>
+                </a:spcAft>
+              </a:pPr>
+              <a:r>
+                <a:rPr sz="880">
+                  <a:solidFill>
+                    <a:srgbClr val="4D4D4D">
+                      <a:alpha val="100000"/>
+                    </a:srgbClr>
+                  </a:solidFill>
+                  <a:latin typeface="Liberation Sans"/>
+                  <a:cs typeface="Liberation Sans"/>
+                </a:rPr>
+                <a:t>Sleep</a:t>
+              </a:r>
+            </a:p>
+          </p:txBody>
+        </p:sp>
+        <p:sp>
+          <p:nvSpPr>
+            <p:cNvPr id="36" name="tx36"/>
+            <p:cNvSpPr/>
+            <p:nvPr/>
+          </p:nvSpPr>
+          <p:spPr>
+            <a:xfrm>
+              <a:off x="4032203" y="5922355"/>
+              <a:ext cx="551160" cy="102592"/>
+            </a:xfrm>
+            <a:prstGeom prst="rect">
+              <a:avLst/>
+            </a:prstGeom>
+            <a:noFill/>
+          </p:spPr>
+          <p:txBody>
+            <a:bodyPr lIns="0" rIns="0" tIns="0" bIns="0" anchorCtr="1" anchor="ctr" wrap="none"/>
+            <a:lstStyle/>
+            <a:p>
+              <a:pPr algn="l" marL="0" marR="0" indent="0">
+                <a:lnSpc>
+                  <a:spcPts val="1100"/>
+                </a:lnSpc>
+                <a:spcBef>
+                  <a:spcPts val="0"/>
+                </a:spcBef>
+                <a:spcAft>
+                  <a:spcPts val="0"/>
+                </a:spcAft>
+              </a:pPr>
+              <a:r>
+                <a:rPr sz="1100">
+                  <a:solidFill>
+                    <a:srgbClr val="000000">
+                      <a:alpha val="100000"/>
+                    </a:srgbClr>
+                  </a:solidFill>
+                  <a:latin typeface="Liberation Sans"/>
+                  <a:cs typeface="Liberation Sans"/>
+                </a:rPr>
+                <a:t>Activities</a:t>
+              </a:r>
+            </a:p>
+          </p:txBody>
+        </p:sp>
+        <p:sp>
+          <p:nvSpPr>
+            <p:cNvPr id="37" name="tx37"/>
+            <p:cNvSpPr/>
+            <p:nvPr/>
+          </p:nvSpPr>
+          <p:spPr>
+            <a:xfrm rot="-5400000">
+              <a:off x="78630" y="3753321"/>
+              <a:ext cx="985949" cy="102592"/>
+            </a:xfrm>
+            <a:prstGeom prst="rect">
+              <a:avLst/>
+            </a:prstGeom>
+            <a:noFill/>
+          </p:spPr>
+          <p:txBody>
+            <a:bodyPr lIns="0" rIns="0" tIns="0" bIns="0" anchorCtr="1" anchor="ctr" wrap="none"/>
+            <a:lstStyle/>
+            <a:p>
+              <a:pPr algn="l" marL="0" marR="0" indent="0">
+                <a:lnSpc>
+                  <a:spcPts val="1100"/>
+                </a:lnSpc>
+                <a:spcBef>
+                  <a:spcPts val="0"/>
+                </a:spcBef>
+                <a:spcAft>
+                  <a:spcPts val="0"/>
+                </a:spcAft>
+              </a:pPr>
+              <a:r>
+                <a:rPr sz="1100">
+                  <a:solidFill>
+                    <a:srgbClr val="000000">
+                      <a:alpha val="100000"/>
+                    </a:srgbClr>
+                  </a:solidFill>
+                  <a:latin typeface="Liberation Sans"/>
+                  <a:cs typeface="Liberation Sans"/>
+                </a:rPr>
+                <a:t>Time in minutes</a:t>
+              </a:r>
+            </a:p>
+          </p:txBody>
+        </p:sp>
+        <p:sp>
+          <p:nvSpPr>
+            <p:cNvPr id="38" name="tx38"/>
+            <p:cNvSpPr/>
+            <p:nvPr/>
+          </p:nvSpPr>
+          <p:spPr>
+            <a:xfrm>
+              <a:off x="7885916" y="3468204"/>
+              <a:ext cx="644748" cy="130218"/>
+            </a:xfrm>
+            <a:prstGeom prst="rect">
+              <a:avLst/>
+            </a:prstGeom>
+            <a:noFill/>
+          </p:spPr>
+          <p:txBody>
+            <a:bodyPr lIns="0" rIns="0" tIns="0" bIns="0" anchorCtr="1" anchor="ctr" wrap="none"/>
+            <a:lstStyle/>
+            <a:p>
+              <a:pPr algn="l" marL="0" marR="0" indent="0">
+                <a:lnSpc>
+                  <a:spcPts val="1100"/>
+                </a:lnSpc>
+                <a:spcBef>
+                  <a:spcPts val="0"/>
+                </a:spcBef>
+                <a:spcAft>
+                  <a:spcPts val="0"/>
+                </a:spcAft>
+              </a:pPr>
+              <a:r>
+                <a:rPr sz="1100">
+                  <a:solidFill>
+                    <a:srgbClr val="000000">
+                      <a:alpha val="100000"/>
+                    </a:srgbClr>
+                  </a:solidFill>
+                  <a:latin typeface="Liberation Sans"/>
+                  <a:cs typeface="Liberation Sans"/>
+                </a:rPr>
+                <a:t>population</a:t>
+              </a:r>
+            </a:p>
+          </p:txBody>
+        </p:sp>
+        <p:sp>
+          <p:nvSpPr>
+            <p:cNvPr id="39" name="rc39"/>
+            <p:cNvSpPr/>
+            <p:nvPr/>
+          </p:nvSpPr>
+          <p:spPr>
+            <a:xfrm>
+              <a:off x="7894916" y="3692824"/>
+              <a:ext cx="201455" cy="201456"/>
+            </a:xfrm>
+            <a:prstGeom prst="rect">
+              <a:avLst/>
+            </a:prstGeom>
+            <a:solidFill>
+              <a:srgbClr val="F8766D">
+                <a:alpha val="100000"/>
+              </a:srgbClr>
+            </a:solidFill>
+          </p:spPr>
+          <p:txBody>
+            <a:bodyPr/>
+            <a:lstStyle/>
+            <a:p/>
+          </p:txBody>
+        </p:sp>
+        <p:sp>
+          <p:nvSpPr>
+            <p:cNvPr id="40" name="rc40"/>
+            <p:cNvSpPr/>
+            <p:nvPr/>
+          </p:nvSpPr>
+          <p:spPr>
+            <a:xfrm>
+              <a:off x="7894916" y="3912280"/>
+              <a:ext cx="201455" cy="201456"/>
+            </a:xfrm>
+            <a:prstGeom prst="rect">
+              <a:avLst/>
+            </a:prstGeom>
+            <a:solidFill>
+              <a:srgbClr val="00BFC4">
+                <a:alpha val="100000"/>
+              </a:srgbClr>
+            </a:solidFill>
+          </p:spPr>
+          <p:txBody>
+            <a:bodyPr/>
+            <a:lstStyle/>
+            <a:p/>
+          </p:txBody>
+        </p:sp>
+        <p:sp>
+          <p:nvSpPr>
+            <p:cNvPr id="41" name="tx41"/>
+            <p:cNvSpPr/>
+            <p:nvPr/>
+          </p:nvSpPr>
+          <p:spPr>
+            <a:xfrm>
+              <a:off x="8174961" y="3749923"/>
+              <a:ext cx="372660" cy="82073"/>
+            </a:xfrm>
+            <a:prstGeom prst="rect">
+              <a:avLst/>
+            </a:prstGeom>
+            <a:noFill/>
+          </p:spPr>
+          <p:txBody>
+            <a:bodyPr lIns="0" rIns="0" tIns="0" bIns="0" anchorCtr="1" anchor="ctr" wrap="none"/>
+            <a:lstStyle/>
+            <a:p>
+              <a:pPr algn="l" marL="0" marR="0" indent="0">
+                <a:lnSpc>
+                  <a:spcPts val="880"/>
+                </a:lnSpc>
+                <a:spcBef>
+                  <a:spcPts val="0"/>
+                </a:spcBef>
+                <a:spcAft>
+                  <a:spcPts val="0"/>
+                </a:spcAft>
+              </a:pPr>
+              <a:r>
+                <a:rPr sz="880">
+                  <a:solidFill>
+                    <a:srgbClr val="000000">
+                      <a:alpha val="100000"/>
+                    </a:srgbClr>
+                  </a:solidFill>
+                  <a:latin typeface="Liberation Sans"/>
+                  <a:cs typeface="Liberation Sans"/>
+                </a:rPr>
+                <a:t>Female</a:t>
+              </a:r>
+            </a:p>
+          </p:txBody>
+        </p:sp>
+        <p:sp>
+          <p:nvSpPr>
+            <p:cNvPr id="42" name="tx42"/>
+            <p:cNvSpPr/>
+            <p:nvPr/>
+          </p:nvSpPr>
+          <p:spPr>
+            <a:xfrm>
+              <a:off x="8174961" y="3969379"/>
+              <a:ext cx="242237" cy="82073"/>
+            </a:xfrm>
+            <a:prstGeom prst="rect">
+              <a:avLst/>
+            </a:prstGeom>
+            <a:noFill/>
+          </p:spPr>
+          <p:txBody>
+            <a:bodyPr lIns="0" rIns="0" tIns="0" bIns="0" anchorCtr="1" anchor="ctr" wrap="none"/>
+            <a:lstStyle/>
+            <a:p>
+              <a:pPr algn="l" marL="0" marR="0" indent="0">
+                <a:lnSpc>
+                  <a:spcPts val="880"/>
+                </a:lnSpc>
+                <a:spcBef>
+                  <a:spcPts val="0"/>
+                </a:spcBef>
+                <a:spcAft>
+                  <a:spcPts val="0"/>
+                </a:spcAft>
+              </a:pPr>
+              <a:r>
+                <a:rPr sz="880">
+                  <a:solidFill>
+                    <a:srgbClr val="000000">
+                      <a:alpha val="100000"/>
+                    </a:srgbClr>
+                  </a:solidFill>
+                  <a:latin typeface="Liberation Sans"/>
+                  <a:cs typeface="Liberation Sans"/>
+                </a:rPr>
+                <a:t>Male</a:t>
+              </a:r>
+            </a:p>
+          </p:txBody>
+        </p:sp>
+        <p:sp>
+          <p:nvSpPr>
+            <p:cNvPr id="43" name="tx43"/>
+            <p:cNvSpPr/>
+            <p:nvPr/>
+          </p:nvSpPr>
+          <p:spPr>
+            <a:xfrm>
+              <a:off x="938418" y="1628861"/>
+              <a:ext cx="2143221" cy="156262"/>
+            </a:xfrm>
+            <a:prstGeom prst="rect">
+              <a:avLst/>
+            </a:prstGeom>
+            <a:noFill/>
+          </p:spPr>
+          <p:txBody>
+            <a:bodyPr lIns="0" rIns="0" tIns="0" bIns="0" anchorCtr="1" anchor="ctr" wrap="none"/>
+            <a:lstStyle/>
+            <a:p>
+              <a:pPr algn="l" marL="0" marR="0" indent="0">
+                <a:lnSpc>
+                  <a:spcPts val="1320"/>
+                </a:lnSpc>
+                <a:spcBef>
+                  <a:spcPts val="0"/>
+                </a:spcBef>
+                <a:spcAft>
+                  <a:spcPts val="0"/>
+                </a:spcAft>
+              </a:pPr>
+              <a:r>
+                <a:rPr sz="1320">
+                  <a:solidFill>
+                    <a:srgbClr val="000000">
+                      <a:alpha val="100000"/>
+                    </a:srgbClr>
+                  </a:solidFill>
+                  <a:latin typeface="Liberation Sans"/>
+                  <a:cs typeface="Liberation Sans"/>
+                </a:rPr>
+                <a:t>Year 2014_Monday til Friday</a:t>
+              </a:r>
+            </a:p>
+          </p:txBody>
+        </p:sp>
+      </p:grpSp>
+    </p:spTree>
+  </p:cSld>
+  <p:clrMapOvr>
+    <a:masterClrMapping/>
+  </p:clrMapOvr>
+</p:sld>
+</file>
+
+<file path=ppt/slides/slide8.xml><?xml version="1.0" encoding="utf-8"?>
+<p:sld xmlns:a="http://schemas.openxmlformats.org/drawingml/2006/main" xmlns:r="http://schemas.openxmlformats.org/officeDocument/2006/relationships" xmlns:p="http://schemas.openxmlformats.org/presentationml/2006/main">
+  <p:cSld>
+    <p:spTree>
+      <p:nvGrpSpPr>
+        <p:cNvPr id="1" name=""/>
+        <p:cNvGrpSpPr/>
+        <p:nvPr/>
+      </p:nvGrpSpPr>
+      <p:grpSpPr>
+        <a:xfrm>
+          <a:off x="0" y="0"/>
+          <a:ext cx="0" cy="0"/>
+          <a:chOff x="0" y="0"/>
+          <a:chExt cx="0" cy="0"/>
+        </a:xfrm>
+      </p:grpSpPr>
+      <p:grpSp xmlns:a="http://schemas.openxmlformats.org/drawingml/2006/main" xmlns:r="http://schemas.openxmlformats.org/officeDocument/2006/relationships" xmlns:p="http://schemas.openxmlformats.org/presentationml/2006/main" xmlns:pic="http://schemas.openxmlformats.org/drawingml/2006/picture">
+        <p:nvGrpSpPr>
+          <p:cNvPr id="2" name="grp1"/>
+          <p:cNvGrpSpPr/>
+          <p:nvPr/>
+        </p:nvGrpSpPr>
+        <p:grpSpPr>
+          <a:xfrm>
+            <a:off x="457200" y="1600200"/>
+            <a:ext cx="8229600" cy="4525962"/>
+            <a:chOff x="457200" y="1600200"/>
+            <a:chExt cx="8229600" cy="4525962"/>
+          </a:xfrm>
+        </p:grpSpPr>
+        <p:sp>
+          <p:nvSpPr>
+            <p:cNvPr id="3" name="rc3"/>
+            <p:cNvSpPr/>
+            <p:nvPr/>
+          </p:nvSpPr>
+          <p:spPr>
+            <a:xfrm>
+              <a:off x="457200" y="1600200"/>
+              <a:ext cx="8229600" cy="4525962"/>
+            </a:xfrm>
+            <a:prstGeom prst="rect">
+              <a:avLst/>
+            </a:prstGeom>
+            <a:solidFill>
+              <a:srgbClr val="FFFFFF">
+                <a:alpha val="100000"/>
+              </a:srgbClr>
+            </a:solidFill>
+            <a:ln w="9525" cap="rnd">
+              <a:solidFill>
+                <a:srgbClr val="FFFFFF">
+                  <a:alpha val="100000"/>
+                </a:srgbClr>
+              </a:solidFill>
+              <a:prstDash val="solid"/>
+              <a:round/>
+            </a:ln>
+          </p:spPr>
+          <p:txBody>
+            <a:bodyPr/>
+            <a:lstStyle/>
+            <a:p/>
+          </p:txBody>
+        </p:sp>
+        <p:sp>
+          <p:nvSpPr>
+            <p:cNvPr id="4" name="pl4"/>
+            <p:cNvSpPr/>
+            <p:nvPr/>
+          </p:nvSpPr>
+          <p:spPr>
+            <a:xfrm>
+              <a:off x="938418" y="5081601"/>
+              <a:ext cx="6738730" cy="0"/>
+            </a:xfrm>
+            <a:custGeom>
+              <a:avLst/>
+              <a:pathLst>
+                <a:path w="6738730" h="0">
+                  <a:moveTo>
+                    <a:pt x="0" y="0"/>
+                  </a:moveTo>
+                  <a:lnTo>
+                    <a:pt x="6738730" y="0"/>
+                  </a:lnTo>
+                  <a:lnTo>
+                    <a:pt x="6738730" y="0"/>
+                  </a:lnTo>
+                </a:path>
+              </a:pathLst>
+            </a:custGeom>
+            <a:ln w="6775" cap="flat">
+              <a:solidFill>
+                <a:srgbClr val="EBEBEB">
+                  <a:alpha val="100000"/>
+                </a:srgbClr>
+              </a:solidFill>
+              <a:prstDash val="solid"/>
+              <a:round/>
+            </a:ln>
+          </p:spPr>
+          <p:txBody>
+            <a:bodyPr/>
+            <a:lstStyle/>
+            <a:p/>
+          </p:txBody>
+        </p:sp>
+        <p:sp>
+          <p:nvSpPr>
+            <p:cNvPr id="5" name="pl5"/>
+            <p:cNvSpPr/>
+            <p:nvPr/>
+          </p:nvSpPr>
+          <p:spPr>
+            <a:xfrm>
+              <a:off x="938418" y="4147792"/>
+              <a:ext cx="6738730" cy="0"/>
+            </a:xfrm>
+            <a:custGeom>
+              <a:avLst/>
+              <a:pathLst>
+                <a:path w="6738730" h="0">
+                  <a:moveTo>
+                    <a:pt x="0" y="0"/>
+                  </a:moveTo>
+                  <a:lnTo>
+                    <a:pt x="6738730" y="0"/>
+                  </a:lnTo>
+                  <a:lnTo>
+                    <a:pt x="6738730" y="0"/>
+                  </a:lnTo>
+                </a:path>
+              </a:pathLst>
+            </a:custGeom>
+            <a:ln w="6775" cap="flat">
+              <a:solidFill>
+                <a:srgbClr val="EBEBEB">
+                  <a:alpha val="100000"/>
+                </a:srgbClr>
+              </a:solidFill>
+              <a:prstDash val="solid"/>
+              <a:round/>
+            </a:ln>
+          </p:spPr>
+          <p:txBody>
+            <a:bodyPr/>
+            <a:lstStyle/>
+            <a:p/>
+          </p:txBody>
+        </p:sp>
+        <p:sp>
+          <p:nvSpPr>
+            <p:cNvPr id="6" name="pl6"/>
+            <p:cNvSpPr/>
+            <p:nvPr/>
+          </p:nvSpPr>
+          <p:spPr>
+            <a:xfrm>
+              <a:off x="938418" y="3213982"/>
+              <a:ext cx="6738730" cy="0"/>
+            </a:xfrm>
+            <a:custGeom>
+              <a:avLst/>
+              <a:pathLst>
+                <a:path w="6738730" h="0">
+                  <a:moveTo>
+                    <a:pt x="0" y="0"/>
+                  </a:moveTo>
+                  <a:lnTo>
+                    <a:pt x="6738730" y="0"/>
+                  </a:lnTo>
+                  <a:lnTo>
+                    <a:pt x="6738730" y="0"/>
+                  </a:lnTo>
+                </a:path>
+              </a:pathLst>
+            </a:custGeom>
+            <a:ln w="6775" cap="flat">
+              <a:solidFill>
+                <a:srgbClr val="EBEBEB">
+                  <a:alpha val="100000"/>
+                </a:srgbClr>
+              </a:solidFill>
+              <a:prstDash val="solid"/>
+              <a:round/>
+            </a:ln>
+          </p:spPr>
+          <p:txBody>
+            <a:bodyPr/>
+            <a:lstStyle/>
+            <a:p/>
+          </p:txBody>
+        </p:sp>
+        <p:sp>
+          <p:nvSpPr>
+            <p:cNvPr id="7" name="pl7"/>
+            <p:cNvSpPr/>
+            <p:nvPr/>
+          </p:nvSpPr>
+          <p:spPr>
+            <a:xfrm>
+              <a:off x="938418" y="2280172"/>
+              <a:ext cx="6738730" cy="0"/>
+            </a:xfrm>
+            <a:custGeom>
+              <a:avLst/>
+              <a:pathLst>
+                <a:path w="6738730" h="0">
+                  <a:moveTo>
+                    <a:pt x="0" y="0"/>
+                  </a:moveTo>
+                  <a:lnTo>
+                    <a:pt x="6738730" y="0"/>
+                  </a:lnTo>
+                  <a:lnTo>
+                    <a:pt x="6738730" y="0"/>
+                  </a:lnTo>
+                </a:path>
+              </a:pathLst>
+            </a:custGeom>
+            <a:ln w="6775" cap="flat">
+              <a:solidFill>
+                <a:srgbClr val="EBEBEB">
+                  <a:alpha val="100000"/>
+                </a:srgbClr>
+              </a:solidFill>
+              <a:prstDash val="solid"/>
+              <a:round/>
+            </a:ln>
+          </p:spPr>
+          <p:txBody>
+            <a:bodyPr/>
+            <a:lstStyle/>
+            <a:p/>
+          </p:txBody>
+        </p:sp>
+        <p:sp>
+          <p:nvSpPr>
+            <p:cNvPr id="8" name="pl8"/>
+            <p:cNvSpPr/>
+            <p:nvPr/>
+          </p:nvSpPr>
+          <p:spPr>
+            <a:xfrm>
+              <a:off x="938418" y="5548506"/>
+              <a:ext cx="6738730" cy="0"/>
+            </a:xfrm>
+            <a:custGeom>
+              <a:avLst/>
+              <a:pathLst>
+                <a:path w="6738730" h="0">
+                  <a:moveTo>
+                    <a:pt x="0" y="0"/>
+                  </a:moveTo>
+                  <a:lnTo>
+                    <a:pt x="6738730" y="0"/>
+                  </a:lnTo>
+                  <a:lnTo>
+                    <a:pt x="6738730" y="0"/>
+                  </a:lnTo>
+                </a:path>
+              </a:pathLst>
+            </a:custGeom>
+            <a:ln w="13550" cap="flat">
+              <a:solidFill>
+                <a:srgbClr val="EBEBEB">
+                  <a:alpha val="100000"/>
+                </a:srgbClr>
+              </a:solidFill>
+              <a:prstDash val="solid"/>
+              <a:round/>
+            </a:ln>
+          </p:spPr>
+          <p:txBody>
+            <a:bodyPr/>
+            <a:lstStyle/>
+            <a:p/>
+          </p:txBody>
+        </p:sp>
+        <p:sp>
+          <p:nvSpPr>
+            <p:cNvPr id="9" name="pl9"/>
+            <p:cNvSpPr/>
+            <p:nvPr/>
+          </p:nvSpPr>
+          <p:spPr>
+            <a:xfrm>
+              <a:off x="938418" y="4614697"/>
+              <a:ext cx="6738730" cy="0"/>
+            </a:xfrm>
+            <a:custGeom>
+              <a:avLst/>
+              <a:pathLst>
+                <a:path w="6738730" h="0">
+                  <a:moveTo>
+                    <a:pt x="0" y="0"/>
+                  </a:moveTo>
+                  <a:lnTo>
+                    <a:pt x="6738730" y="0"/>
+                  </a:lnTo>
+                  <a:lnTo>
+                    <a:pt x="6738730" y="0"/>
+                  </a:lnTo>
+                </a:path>
+              </a:pathLst>
+            </a:custGeom>
+            <a:ln w="13550" cap="flat">
+              <a:solidFill>
+                <a:srgbClr val="EBEBEB">
+                  <a:alpha val="100000"/>
+                </a:srgbClr>
+              </a:solidFill>
+              <a:prstDash val="solid"/>
+              <a:round/>
+            </a:ln>
+          </p:spPr>
+          <p:txBody>
+            <a:bodyPr/>
+            <a:lstStyle/>
+            <a:p/>
+          </p:txBody>
+        </p:sp>
+        <p:sp>
+          <p:nvSpPr>
+            <p:cNvPr id="10" name="pl10"/>
+            <p:cNvSpPr/>
+            <p:nvPr/>
+          </p:nvSpPr>
+          <p:spPr>
+            <a:xfrm>
+              <a:off x="938418" y="3680887"/>
+              <a:ext cx="6738730" cy="0"/>
+            </a:xfrm>
+            <a:custGeom>
+              <a:avLst/>
+              <a:pathLst>
+                <a:path w="6738730" h="0">
+                  <a:moveTo>
+                    <a:pt x="0" y="0"/>
+                  </a:moveTo>
+                  <a:lnTo>
+                    <a:pt x="6738730" y="0"/>
+                  </a:lnTo>
+                  <a:lnTo>
+                    <a:pt x="6738730" y="0"/>
+                  </a:lnTo>
+                </a:path>
+              </a:pathLst>
+            </a:custGeom>
+            <a:ln w="13550" cap="flat">
+              <a:solidFill>
+                <a:srgbClr val="EBEBEB">
+                  <a:alpha val="100000"/>
+                </a:srgbClr>
+              </a:solidFill>
+              <a:prstDash val="solid"/>
+              <a:round/>
+            </a:ln>
+          </p:spPr>
+          <p:txBody>
+            <a:bodyPr/>
+            <a:lstStyle/>
+            <a:p/>
+          </p:txBody>
+        </p:sp>
+        <p:sp>
+          <p:nvSpPr>
+            <p:cNvPr id="11" name="pl11"/>
+            <p:cNvSpPr/>
+            <p:nvPr/>
+          </p:nvSpPr>
+          <p:spPr>
+            <a:xfrm>
+              <a:off x="938418" y="2747077"/>
+              <a:ext cx="6738730" cy="0"/>
+            </a:xfrm>
+            <a:custGeom>
+              <a:avLst/>
+              <a:pathLst>
+                <a:path w="6738730" h="0">
+                  <a:moveTo>
+                    <a:pt x="0" y="0"/>
+                  </a:moveTo>
+                  <a:lnTo>
+                    <a:pt x="6738730" y="0"/>
+                  </a:lnTo>
+                  <a:lnTo>
+                    <a:pt x="6738730" y="0"/>
+                  </a:lnTo>
+                </a:path>
+              </a:pathLst>
+            </a:custGeom>
+            <a:ln w="13550" cap="flat">
+              <a:solidFill>
+                <a:srgbClr val="EBEBEB">
+                  <a:alpha val="100000"/>
+                </a:srgbClr>
+              </a:solidFill>
+              <a:prstDash val="solid"/>
+              <a:round/>
+            </a:ln>
+          </p:spPr>
+          <p:txBody>
+            <a:bodyPr/>
+            <a:lstStyle/>
+            <a:p/>
+          </p:txBody>
+        </p:sp>
+        <p:sp>
+          <p:nvSpPr>
+            <p:cNvPr id="12" name="pl12"/>
+            <p:cNvSpPr/>
+            <p:nvPr/>
+          </p:nvSpPr>
+          <p:spPr>
+            <a:xfrm>
+              <a:off x="1715964" y="1886338"/>
+              <a:ext cx="0" cy="3836557"/>
+            </a:xfrm>
+            <a:custGeom>
+              <a:avLst/>
+              <a:pathLst>
+                <a:path w="0" h="3836557">
+                  <a:moveTo>
+                    <a:pt x="0" y="3836557"/>
+                  </a:moveTo>
+                  <a:lnTo>
+                    <a:pt x="0" y="0"/>
+                  </a:lnTo>
+                  <a:lnTo>
+                    <a:pt x="0" y="0"/>
+                  </a:lnTo>
+                </a:path>
+              </a:pathLst>
+            </a:custGeom>
+            <a:ln w="13550" cap="flat">
+              <a:solidFill>
+                <a:srgbClr val="EBEBEB">
+                  <a:alpha val="100000"/>
+                </a:srgbClr>
+              </a:solidFill>
+              <a:prstDash val="solid"/>
+              <a:round/>
+            </a:ln>
+          </p:spPr>
+          <p:txBody>
+            <a:bodyPr/>
+            <a:lstStyle/>
+            <a:p/>
+          </p:txBody>
+        </p:sp>
+        <p:sp>
+          <p:nvSpPr>
+            <p:cNvPr id="13" name="pl13"/>
+            <p:cNvSpPr/>
+            <p:nvPr/>
+          </p:nvSpPr>
+          <p:spPr>
+            <a:xfrm>
+              <a:off x="3011873" y="1886338"/>
+              <a:ext cx="0" cy="3836557"/>
+            </a:xfrm>
+            <a:custGeom>
+              <a:avLst/>
+              <a:pathLst>
+                <a:path w="0" h="3836557">
+                  <a:moveTo>
+                    <a:pt x="0" y="3836557"/>
+                  </a:moveTo>
+                  <a:lnTo>
+                    <a:pt x="0" y="0"/>
+                  </a:lnTo>
+                  <a:lnTo>
+                    <a:pt x="0" y="0"/>
+                  </a:lnTo>
+                </a:path>
+              </a:pathLst>
+            </a:custGeom>
+            <a:ln w="13550" cap="flat">
+              <a:solidFill>
+                <a:srgbClr val="EBEBEB">
+                  <a:alpha val="100000"/>
+                </a:srgbClr>
+              </a:solidFill>
+              <a:prstDash val="solid"/>
+              <a:round/>
+            </a:ln>
+          </p:spPr>
+          <p:txBody>
+            <a:bodyPr/>
+            <a:lstStyle/>
+            <a:p/>
+          </p:txBody>
+        </p:sp>
+        <p:sp>
+          <p:nvSpPr>
+            <p:cNvPr id="14" name="pl14"/>
+            <p:cNvSpPr/>
+            <p:nvPr/>
+          </p:nvSpPr>
+          <p:spPr>
+            <a:xfrm>
+              <a:off x="4307783" y="1886338"/>
+              <a:ext cx="0" cy="3836557"/>
+            </a:xfrm>
+            <a:custGeom>
+              <a:avLst/>
+              <a:pathLst>
+                <a:path w="0" h="3836557">
+                  <a:moveTo>
+                    <a:pt x="0" y="3836557"/>
+                  </a:moveTo>
+                  <a:lnTo>
+                    <a:pt x="0" y="0"/>
+                  </a:lnTo>
+                  <a:lnTo>
+                    <a:pt x="0" y="0"/>
+                  </a:lnTo>
+                </a:path>
+              </a:pathLst>
+            </a:custGeom>
+            <a:ln w="13550" cap="flat">
+              <a:solidFill>
+                <a:srgbClr val="EBEBEB">
+                  <a:alpha val="100000"/>
+                </a:srgbClr>
+              </a:solidFill>
+              <a:prstDash val="solid"/>
+              <a:round/>
+            </a:ln>
+          </p:spPr>
+          <p:txBody>
+            <a:bodyPr/>
+            <a:lstStyle/>
+            <a:p/>
+          </p:txBody>
+        </p:sp>
+        <p:sp>
+          <p:nvSpPr>
+            <p:cNvPr id="15" name="pl15"/>
+            <p:cNvSpPr/>
+            <p:nvPr/>
+          </p:nvSpPr>
+          <p:spPr>
+            <a:xfrm>
+              <a:off x="5603693" y="1886338"/>
+              <a:ext cx="0" cy="3836557"/>
+            </a:xfrm>
+            <a:custGeom>
+              <a:avLst/>
+              <a:pathLst>
+                <a:path w="0" h="3836557">
+                  <a:moveTo>
+                    <a:pt x="0" y="3836557"/>
+                  </a:moveTo>
+                  <a:lnTo>
+                    <a:pt x="0" y="0"/>
+                  </a:lnTo>
+                  <a:lnTo>
+                    <a:pt x="0" y="0"/>
+                  </a:lnTo>
+                </a:path>
+              </a:pathLst>
+            </a:custGeom>
+            <a:ln w="13550" cap="flat">
+              <a:solidFill>
+                <a:srgbClr val="EBEBEB">
+                  <a:alpha val="100000"/>
+                </a:srgbClr>
+              </a:solidFill>
+              <a:prstDash val="solid"/>
+              <a:round/>
+            </a:ln>
+          </p:spPr>
+          <p:txBody>
+            <a:bodyPr/>
+            <a:lstStyle/>
+            <a:p/>
+          </p:txBody>
+        </p:sp>
+        <p:sp>
+          <p:nvSpPr>
+            <p:cNvPr id="16" name="pl16"/>
+            <p:cNvSpPr/>
+            <p:nvPr/>
+          </p:nvSpPr>
+          <p:spPr>
+            <a:xfrm>
+              <a:off x="6899603" y="1886338"/>
+              <a:ext cx="0" cy="3836557"/>
+            </a:xfrm>
+            <a:custGeom>
+              <a:avLst/>
+              <a:pathLst>
+                <a:path w="0" h="3836557">
+                  <a:moveTo>
+                    <a:pt x="0" y="3836557"/>
+                  </a:moveTo>
+                  <a:lnTo>
+                    <a:pt x="0" y="0"/>
+                  </a:lnTo>
+                  <a:lnTo>
+                    <a:pt x="0" y="0"/>
+                  </a:lnTo>
+                </a:path>
+              </a:pathLst>
+            </a:custGeom>
+            <a:ln w="13550" cap="flat">
+              <a:solidFill>
+                <a:srgbClr val="EBEBEB">
+                  <a:alpha val="100000"/>
+                </a:srgbClr>
+              </a:solidFill>
+              <a:prstDash val="solid"/>
+              <a:round/>
+            </a:ln>
+          </p:spPr>
+          <p:txBody>
+            <a:bodyPr/>
+            <a:lstStyle/>
+            <a:p/>
+          </p:txBody>
+        </p:sp>
+        <p:sp>
+          <p:nvSpPr>
+            <p:cNvPr id="17" name="rc17"/>
+            <p:cNvSpPr/>
+            <p:nvPr/>
+          </p:nvSpPr>
+          <p:spPr>
+            <a:xfrm>
+              <a:off x="1715964" y="4950868"/>
+              <a:ext cx="583159" cy="597638"/>
+            </a:xfrm>
+            <a:prstGeom prst="rect">
+              <a:avLst/>
+            </a:prstGeom>
+            <a:solidFill>
+              <a:srgbClr val="00BFC4">
+                <a:alpha val="100000"/>
+              </a:srgbClr>
+            </a:solidFill>
+          </p:spPr>
+          <p:txBody>
+            <a:bodyPr/>
+            <a:lstStyle/>
+            <a:p/>
+          </p:txBody>
+        </p:sp>
+        <p:sp>
+          <p:nvSpPr>
+            <p:cNvPr id="18" name="rc18"/>
+            <p:cNvSpPr/>
+            <p:nvPr/>
+          </p:nvSpPr>
+          <p:spPr>
+            <a:xfrm>
+              <a:off x="1132804" y="4941530"/>
+              <a:ext cx="583159" cy="606976"/>
+            </a:xfrm>
+            <a:prstGeom prst="rect">
+              <a:avLst/>
+            </a:prstGeom>
+            <a:solidFill>
+              <a:srgbClr val="F8766D">
+                <a:alpha val="100000"/>
+              </a:srgbClr>
+            </a:solidFill>
+          </p:spPr>
+          <p:txBody>
+            <a:bodyPr/>
+            <a:lstStyle/>
+            <a:p/>
+          </p:txBody>
+        </p:sp>
+        <p:sp>
+          <p:nvSpPr>
+            <p:cNvPr id="19" name="rc19"/>
+            <p:cNvSpPr/>
+            <p:nvPr/>
+          </p:nvSpPr>
+          <p:spPr>
+            <a:xfrm>
+              <a:off x="3011873" y="3666880"/>
+              <a:ext cx="583159" cy="1881626"/>
+            </a:xfrm>
+            <a:prstGeom prst="rect">
+              <a:avLst/>
+            </a:prstGeom>
+            <a:solidFill>
+              <a:srgbClr val="00BFC4">
+                <a:alpha val="100000"/>
+              </a:srgbClr>
+            </a:solidFill>
+          </p:spPr>
+          <p:txBody>
+            <a:bodyPr/>
+            <a:lstStyle/>
+            <a:p/>
+          </p:txBody>
+        </p:sp>
+        <p:sp>
+          <p:nvSpPr>
+            <p:cNvPr id="20" name="rc20"/>
+            <p:cNvSpPr/>
+            <p:nvPr/>
+          </p:nvSpPr>
+          <p:spPr>
+            <a:xfrm>
+              <a:off x="2428714" y="3820958"/>
+              <a:ext cx="583159" cy="1727548"/>
+            </a:xfrm>
+            <a:prstGeom prst="rect">
+              <a:avLst/>
+            </a:prstGeom>
+            <a:solidFill>
+              <a:srgbClr val="F8766D">
+                <a:alpha val="100000"/>
+              </a:srgbClr>
+            </a:solidFill>
+          </p:spPr>
+          <p:txBody>
+            <a:bodyPr/>
+            <a:lstStyle/>
+            <a:p/>
+          </p:txBody>
+        </p:sp>
+        <p:sp>
+          <p:nvSpPr>
+            <p:cNvPr id="21" name="rc21"/>
+            <p:cNvSpPr/>
+            <p:nvPr/>
+          </p:nvSpPr>
+          <p:spPr>
+            <a:xfrm>
+              <a:off x="4307783" y="4712747"/>
+              <a:ext cx="583159" cy="835759"/>
+            </a:xfrm>
+            <a:prstGeom prst="rect">
+              <a:avLst/>
+            </a:prstGeom>
+            <a:solidFill>
+              <a:srgbClr val="00BFC4">
+                <a:alpha val="100000"/>
+              </a:srgbClr>
+            </a:solidFill>
+          </p:spPr>
+          <p:txBody>
+            <a:bodyPr/>
+            <a:lstStyle/>
+            <a:p/>
+          </p:txBody>
+        </p:sp>
+        <p:sp>
+          <p:nvSpPr>
+            <p:cNvPr id="22" name="rc22"/>
+            <p:cNvSpPr/>
+            <p:nvPr/>
+          </p:nvSpPr>
+          <p:spPr>
+            <a:xfrm>
+              <a:off x="3724624" y="4423266"/>
+              <a:ext cx="583159" cy="1125240"/>
+            </a:xfrm>
+            <a:prstGeom prst="rect">
+              <a:avLst/>
+            </a:prstGeom>
+            <a:solidFill>
+              <a:srgbClr val="F8766D">
+                <a:alpha val="100000"/>
+              </a:srgbClr>
+            </a:solidFill>
+          </p:spPr>
+          <p:txBody>
+            <a:bodyPr/>
+            <a:lstStyle/>
+            <a:p/>
+          </p:txBody>
+        </p:sp>
+        <p:sp>
+          <p:nvSpPr>
+            <p:cNvPr id="23" name="rc23"/>
+            <p:cNvSpPr/>
+            <p:nvPr/>
+          </p:nvSpPr>
+          <p:spPr>
+            <a:xfrm>
+              <a:off x="5603693" y="2177453"/>
+              <a:ext cx="583159" cy="3371053"/>
+            </a:xfrm>
+            <a:prstGeom prst="rect">
+              <a:avLst/>
+            </a:prstGeom>
+            <a:solidFill>
+              <a:srgbClr val="00BFC4">
+                <a:alpha val="100000"/>
+              </a:srgbClr>
+            </a:solidFill>
+          </p:spPr>
+          <p:txBody>
+            <a:bodyPr/>
+            <a:lstStyle/>
+            <a:p/>
+          </p:txBody>
+        </p:sp>
+        <p:sp>
+          <p:nvSpPr>
+            <p:cNvPr id="24" name="rc24"/>
+            <p:cNvSpPr/>
+            <p:nvPr/>
+          </p:nvSpPr>
+          <p:spPr>
+            <a:xfrm>
+              <a:off x="5020534" y="2060727"/>
+              <a:ext cx="583159" cy="3487779"/>
+            </a:xfrm>
+            <a:prstGeom prst="rect">
+              <a:avLst/>
+            </a:prstGeom>
+            <a:solidFill>
+              <a:srgbClr val="F8766D">
+                <a:alpha val="100000"/>
+              </a:srgbClr>
+            </a:solidFill>
+          </p:spPr>
+          <p:txBody>
+            <a:bodyPr/>
+            <a:lstStyle/>
+            <a:p/>
+          </p:txBody>
+        </p:sp>
+        <p:sp>
+          <p:nvSpPr>
+            <p:cNvPr id="25" name="rc25"/>
+            <p:cNvSpPr/>
+            <p:nvPr/>
+          </p:nvSpPr>
+          <p:spPr>
+            <a:xfrm>
+              <a:off x="6899603" y="3027220"/>
+              <a:ext cx="583159" cy="2521286"/>
+            </a:xfrm>
+            <a:prstGeom prst="rect">
+              <a:avLst/>
+            </a:prstGeom>
+            <a:solidFill>
+              <a:srgbClr val="00BFC4">
+                <a:alpha val="100000"/>
+              </a:srgbClr>
+            </a:solidFill>
+          </p:spPr>
+          <p:txBody>
+            <a:bodyPr/>
+            <a:lstStyle/>
+            <a:p/>
+          </p:txBody>
+        </p:sp>
+        <p:sp>
+          <p:nvSpPr>
+            <p:cNvPr id="26" name="rc26"/>
+            <p:cNvSpPr/>
+            <p:nvPr/>
+          </p:nvSpPr>
+          <p:spPr>
+            <a:xfrm>
+              <a:off x="6316443" y="2971191"/>
+              <a:ext cx="583159" cy="2577314"/>
+            </a:xfrm>
+            <a:prstGeom prst="rect">
+              <a:avLst/>
+            </a:prstGeom>
+            <a:solidFill>
+              <a:srgbClr val="F8766D">
+                <a:alpha val="100000"/>
+              </a:srgbClr>
+            </a:solidFill>
+          </p:spPr>
+          <p:txBody>
+            <a:bodyPr/>
+            <a:lstStyle/>
+            <a:p/>
+          </p:txBody>
+        </p:sp>
+        <p:sp>
+          <p:nvSpPr>
+            <p:cNvPr id="27" name="tx27"/>
+            <p:cNvSpPr/>
+            <p:nvPr/>
+          </p:nvSpPr>
+          <p:spPr>
+            <a:xfrm>
+              <a:off x="813632" y="5507824"/>
+              <a:ext cx="62155" cy="79126"/>
+            </a:xfrm>
+            <a:prstGeom prst="rect">
+              <a:avLst/>
+            </a:prstGeom>
+            <a:noFill/>
+          </p:spPr>
+          <p:txBody>
+            <a:bodyPr lIns="0" rIns="0" tIns="0" bIns="0" anchorCtr="1" anchor="ctr" wrap="none"/>
+            <a:lstStyle/>
+            <a:p>
+              <a:pPr algn="l" marL="0" marR="0" indent="0">
+                <a:lnSpc>
+                  <a:spcPts val="880"/>
+                </a:lnSpc>
+                <a:spcBef>
+                  <a:spcPts val="0"/>
+                </a:spcBef>
+                <a:spcAft>
+                  <a:spcPts val="0"/>
+                </a:spcAft>
+              </a:pPr>
+              <a:r>
+                <a:rPr sz="880">
+                  <a:solidFill>
+                    <a:srgbClr val="4D4D4D">
+                      <a:alpha val="100000"/>
+                    </a:srgbClr>
+                  </a:solidFill>
+                  <a:latin typeface="Liberation Sans"/>
+                  <a:cs typeface="Liberation Sans"/>
+                </a:rPr>
+                <a:t>0</a:t>
+              </a:r>
+            </a:p>
+          </p:txBody>
+        </p:sp>
+        <p:sp>
+          <p:nvSpPr>
+            <p:cNvPr id="28" name="tx28"/>
+            <p:cNvSpPr/>
+            <p:nvPr/>
+          </p:nvSpPr>
+          <p:spPr>
+            <a:xfrm>
+              <a:off x="689321" y="4574014"/>
+              <a:ext cx="186466" cy="79126"/>
+            </a:xfrm>
+            <a:prstGeom prst="rect">
+              <a:avLst/>
+            </a:prstGeom>
+            <a:noFill/>
+          </p:spPr>
+          <p:txBody>
+            <a:bodyPr lIns="0" rIns="0" tIns="0" bIns="0" anchorCtr="1" anchor="ctr" wrap="none"/>
+            <a:lstStyle/>
+            <a:p>
+              <a:pPr algn="l" marL="0" marR="0" indent="0">
+                <a:lnSpc>
+                  <a:spcPts val="880"/>
+                </a:lnSpc>
+                <a:spcBef>
+                  <a:spcPts val="0"/>
+                </a:spcBef>
+                <a:spcAft>
+                  <a:spcPts val="0"/>
+                </a:spcAft>
+              </a:pPr>
+              <a:r>
+                <a:rPr sz="880">
+                  <a:solidFill>
+                    <a:srgbClr val="4D4D4D">
+                      <a:alpha val="100000"/>
+                    </a:srgbClr>
+                  </a:solidFill>
+                  <a:latin typeface="Liberation Sans"/>
+                  <a:cs typeface="Liberation Sans"/>
+                </a:rPr>
+                <a:t>200</a:t>
+              </a:r>
+            </a:p>
+          </p:txBody>
+        </p:sp>
+        <p:sp>
+          <p:nvSpPr>
+            <p:cNvPr id="29" name="tx29"/>
+            <p:cNvSpPr/>
+            <p:nvPr/>
+          </p:nvSpPr>
+          <p:spPr>
+            <a:xfrm>
+              <a:off x="689321" y="3640205"/>
+              <a:ext cx="186466" cy="79126"/>
+            </a:xfrm>
+            <a:prstGeom prst="rect">
+              <a:avLst/>
+            </a:prstGeom>
+            <a:noFill/>
+          </p:spPr>
+          <p:txBody>
+            <a:bodyPr lIns="0" rIns="0" tIns="0" bIns="0" anchorCtr="1" anchor="ctr" wrap="none"/>
+            <a:lstStyle/>
+            <a:p>
+              <a:pPr algn="l" marL="0" marR="0" indent="0">
+                <a:lnSpc>
+                  <a:spcPts val="880"/>
+                </a:lnSpc>
+                <a:spcBef>
+                  <a:spcPts val="0"/>
+                </a:spcBef>
+                <a:spcAft>
+                  <a:spcPts val="0"/>
+                </a:spcAft>
+              </a:pPr>
+              <a:r>
+                <a:rPr sz="880">
+                  <a:solidFill>
+                    <a:srgbClr val="4D4D4D">
+                      <a:alpha val="100000"/>
+                    </a:srgbClr>
+                  </a:solidFill>
+                  <a:latin typeface="Liberation Sans"/>
+                  <a:cs typeface="Liberation Sans"/>
+                </a:rPr>
+                <a:t>400</a:t>
+              </a:r>
+            </a:p>
+          </p:txBody>
+        </p:sp>
+        <p:sp>
+          <p:nvSpPr>
+            <p:cNvPr id="30" name="tx30"/>
+            <p:cNvSpPr/>
+            <p:nvPr/>
+          </p:nvSpPr>
+          <p:spPr>
+            <a:xfrm>
+              <a:off x="689321" y="2706395"/>
+              <a:ext cx="186466" cy="79126"/>
+            </a:xfrm>
+            <a:prstGeom prst="rect">
+              <a:avLst/>
+            </a:prstGeom>
+            <a:noFill/>
+          </p:spPr>
+          <p:txBody>
+            <a:bodyPr lIns="0" rIns="0" tIns="0" bIns="0" anchorCtr="1" anchor="ctr" wrap="none"/>
+            <a:lstStyle/>
+            <a:p>
+              <a:pPr algn="l" marL="0" marR="0" indent="0">
+                <a:lnSpc>
+                  <a:spcPts val="880"/>
+                </a:lnSpc>
+                <a:spcBef>
+                  <a:spcPts val="0"/>
+                </a:spcBef>
+                <a:spcAft>
+                  <a:spcPts val="0"/>
+                </a:spcAft>
+              </a:pPr>
+              <a:r>
+                <a:rPr sz="880">
+                  <a:solidFill>
+                    <a:srgbClr val="4D4D4D">
+                      <a:alpha val="100000"/>
+                    </a:srgbClr>
+                  </a:solidFill>
+                  <a:latin typeface="Liberation Sans"/>
+                  <a:cs typeface="Liberation Sans"/>
+                </a:rPr>
+                <a:t>600</a:t>
+              </a:r>
+            </a:p>
+          </p:txBody>
+        </p:sp>
+        <p:sp>
+          <p:nvSpPr>
+            <p:cNvPr id="31" name="tx31"/>
+            <p:cNvSpPr/>
+            <p:nvPr/>
+          </p:nvSpPr>
+          <p:spPr>
+            <a:xfrm>
+              <a:off x="1557519" y="5758240"/>
+              <a:ext cx="316889" cy="104174"/>
+            </a:xfrm>
+            <a:prstGeom prst="rect">
+              <a:avLst/>
+            </a:prstGeom>
+            <a:noFill/>
+          </p:spPr>
+          <p:txBody>
+            <a:bodyPr lIns="0" rIns="0" tIns="0" bIns="0" anchorCtr="1" anchor="ctr" wrap="none"/>
+            <a:lstStyle/>
+            <a:p>
+              <a:pPr algn="l" marL="0" marR="0" indent="0">
+                <a:lnSpc>
+                  <a:spcPts val="880"/>
+                </a:lnSpc>
+                <a:spcBef>
+                  <a:spcPts val="0"/>
+                </a:spcBef>
+                <a:spcAft>
+                  <a:spcPts val="0"/>
+                </a:spcAft>
+              </a:pPr>
+              <a:r>
+                <a:rPr sz="880">
+                  <a:solidFill>
+                    <a:srgbClr val="4D4D4D">
+                      <a:alpha val="100000"/>
+                    </a:srgbClr>
+                  </a:solidFill>
+                  <a:latin typeface="Liberation Sans"/>
+                  <a:cs typeface="Liberation Sans"/>
+                </a:rPr>
+                <a:t>Eating</a:t>
+              </a:r>
+            </a:p>
+          </p:txBody>
+        </p:sp>
+        <p:sp>
+          <p:nvSpPr>
+            <p:cNvPr id="32" name="tx32"/>
+            <p:cNvSpPr/>
+            <p:nvPr/>
+          </p:nvSpPr>
+          <p:spPr>
+            <a:xfrm>
+              <a:off x="2701314" y="5758240"/>
+              <a:ext cx="621119" cy="104174"/>
+            </a:xfrm>
+            <a:prstGeom prst="rect">
+              <a:avLst/>
+            </a:prstGeom>
+            <a:noFill/>
+          </p:spPr>
+          <p:txBody>
+            <a:bodyPr lIns="0" rIns="0" tIns="0" bIns="0" anchorCtr="1" anchor="ctr" wrap="none"/>
+            <a:lstStyle/>
+            <a:p>
+              <a:pPr algn="l" marL="0" marR="0" indent="0">
+                <a:lnSpc>
+                  <a:spcPts val="880"/>
+                </a:lnSpc>
+                <a:spcBef>
+                  <a:spcPts val="0"/>
+                </a:spcBef>
+                <a:spcAft>
+                  <a:spcPts val="0"/>
+                </a:spcAft>
+              </a:pPr>
+              <a:r>
+                <a:rPr sz="880">
+                  <a:solidFill>
+                    <a:srgbClr val="4D4D4D">
+                      <a:alpha val="100000"/>
+                    </a:srgbClr>
+                  </a:solidFill>
+                  <a:latin typeface="Liberation Sans"/>
+                  <a:cs typeface="Liberation Sans"/>
+                </a:rPr>
+                <a:t>Employment</a:t>
+              </a:r>
+            </a:p>
+          </p:txBody>
+        </p:sp>
+        <p:sp>
+          <p:nvSpPr>
+            <p:cNvPr id="33" name="tx33"/>
+            <p:cNvSpPr/>
+            <p:nvPr/>
+          </p:nvSpPr>
+          <p:spPr>
+            <a:xfrm>
+              <a:off x="3646173" y="5758240"/>
+              <a:ext cx="1323220" cy="104174"/>
+            </a:xfrm>
+            <a:prstGeom prst="rect">
+              <a:avLst/>
+            </a:prstGeom>
+            <a:noFill/>
+          </p:spPr>
+          <p:txBody>
+            <a:bodyPr lIns="0" rIns="0" tIns="0" bIns="0" anchorCtr="1" anchor="ctr" wrap="none"/>
+            <a:lstStyle/>
+            <a:p>
+              <a:pPr algn="l" marL="0" marR="0" indent="0">
+                <a:lnSpc>
+                  <a:spcPts val="880"/>
+                </a:lnSpc>
+                <a:spcBef>
+                  <a:spcPts val="0"/>
+                </a:spcBef>
+                <a:spcAft>
+                  <a:spcPts val="0"/>
+                </a:spcAft>
+              </a:pPr>
+              <a:r>
+                <a:rPr sz="880">
+                  <a:solidFill>
+                    <a:srgbClr val="4D4D4D">
+                      <a:alpha val="100000"/>
+                    </a:srgbClr>
+                  </a:solidFill>
+                  <a:latin typeface="Liberation Sans"/>
+                  <a:cs typeface="Liberation Sans"/>
+                </a:rPr>
+                <a:t>Household and family care</a:t>
+              </a:r>
+            </a:p>
+          </p:txBody>
+        </p:sp>
+        <p:sp>
+          <p:nvSpPr>
+            <p:cNvPr id="34" name="tx34"/>
+            <p:cNvSpPr/>
+            <p:nvPr/>
+          </p:nvSpPr>
+          <p:spPr>
+            <a:xfrm>
+              <a:off x="5258918" y="5780341"/>
+              <a:ext cx="689550" cy="82073"/>
+            </a:xfrm>
+            <a:prstGeom prst="rect">
+              <a:avLst/>
+            </a:prstGeom>
+            <a:noFill/>
+          </p:spPr>
+          <p:txBody>
+            <a:bodyPr lIns="0" rIns="0" tIns="0" bIns="0" anchorCtr="1" anchor="ctr" wrap="none"/>
+            <a:lstStyle/>
+            <a:p>
+              <a:pPr algn="l" marL="0" marR="0" indent="0">
+                <a:lnSpc>
+                  <a:spcPts val="880"/>
+                </a:lnSpc>
+                <a:spcBef>
+                  <a:spcPts val="0"/>
+                </a:spcBef>
+                <a:spcAft>
+                  <a:spcPts val="0"/>
+                </a:spcAft>
+              </a:pPr>
+              <a:r>
+                <a:rPr sz="880">
+                  <a:solidFill>
+                    <a:srgbClr val="4D4D4D">
+                      <a:alpha val="100000"/>
+                    </a:srgbClr>
+                  </a:solidFill>
+                  <a:latin typeface="Liberation Sans"/>
+                  <a:cs typeface="Liberation Sans"/>
+                </a:rPr>
+                <a:t>Personal care</a:t>
+              </a:r>
+            </a:p>
+          </p:txBody>
+        </p:sp>
+        <p:sp>
+          <p:nvSpPr>
+            <p:cNvPr id="35" name="tx35"/>
+            <p:cNvSpPr/>
+            <p:nvPr/>
+          </p:nvSpPr>
+          <p:spPr>
+            <a:xfrm>
+              <a:off x="6756683" y="5758240"/>
+              <a:ext cx="285839" cy="104174"/>
+            </a:xfrm>
+            <a:prstGeom prst="rect">
+              <a:avLst/>
+            </a:prstGeom>
+            <a:noFill/>
+          </p:spPr>
+          <p:txBody>
+            <a:bodyPr lIns="0" rIns="0" tIns="0" bIns="0" anchorCtr="1" anchor="ctr" wrap="none"/>
+            <a:lstStyle/>
+            <a:p>
+              <a:pPr algn="l" marL="0" marR="0" indent="0">
+                <a:lnSpc>
+                  <a:spcPts val="880"/>
+                </a:lnSpc>
+                <a:spcBef>
+                  <a:spcPts val="0"/>
+                </a:spcBef>
+                <a:spcAft>
+                  <a:spcPts val="0"/>
+                </a:spcAft>
+              </a:pPr>
+              <a:r>
+                <a:rPr sz="880">
+                  <a:solidFill>
+                    <a:srgbClr val="4D4D4D">
+                      <a:alpha val="100000"/>
+                    </a:srgbClr>
+                  </a:solidFill>
+                  <a:latin typeface="Liberation Sans"/>
+                  <a:cs typeface="Liberation Sans"/>
+                </a:rPr>
+                <a:t>Sleep</a:t>
+              </a:r>
+            </a:p>
+          </p:txBody>
+        </p:sp>
+        <p:sp>
+          <p:nvSpPr>
+            <p:cNvPr id="36" name="tx36"/>
+            <p:cNvSpPr/>
+            <p:nvPr/>
+          </p:nvSpPr>
+          <p:spPr>
+            <a:xfrm>
+              <a:off x="4032203" y="5922355"/>
+              <a:ext cx="551160" cy="102592"/>
+            </a:xfrm>
+            <a:prstGeom prst="rect">
+              <a:avLst/>
+            </a:prstGeom>
+            <a:noFill/>
+          </p:spPr>
+          <p:txBody>
+            <a:bodyPr lIns="0" rIns="0" tIns="0" bIns="0" anchorCtr="1" anchor="ctr" wrap="none"/>
+            <a:lstStyle/>
+            <a:p>
+              <a:pPr algn="l" marL="0" marR="0" indent="0">
+                <a:lnSpc>
+                  <a:spcPts val="1100"/>
+                </a:lnSpc>
+                <a:spcBef>
+                  <a:spcPts val="0"/>
+                </a:spcBef>
+                <a:spcAft>
+                  <a:spcPts val="0"/>
+                </a:spcAft>
+              </a:pPr>
+              <a:r>
+                <a:rPr sz="1100">
+                  <a:solidFill>
+                    <a:srgbClr val="000000">
+                      <a:alpha val="100000"/>
+                    </a:srgbClr>
+                  </a:solidFill>
+                  <a:latin typeface="Liberation Sans"/>
+                  <a:cs typeface="Liberation Sans"/>
+                </a:rPr>
+                <a:t>Activities</a:t>
+              </a:r>
+            </a:p>
+          </p:txBody>
+        </p:sp>
+        <p:sp>
+          <p:nvSpPr>
+            <p:cNvPr id="37" name="tx37"/>
+            <p:cNvSpPr/>
+            <p:nvPr/>
+          </p:nvSpPr>
+          <p:spPr>
+            <a:xfrm rot="-5400000">
+              <a:off x="78630" y="3753321"/>
+              <a:ext cx="985949" cy="102592"/>
+            </a:xfrm>
+            <a:prstGeom prst="rect">
+              <a:avLst/>
+            </a:prstGeom>
+            <a:noFill/>
+          </p:spPr>
+          <p:txBody>
+            <a:bodyPr lIns="0" rIns="0" tIns="0" bIns="0" anchorCtr="1" anchor="ctr" wrap="none"/>
+            <a:lstStyle/>
+            <a:p>
+              <a:pPr algn="l" marL="0" marR="0" indent="0">
+                <a:lnSpc>
+                  <a:spcPts val="1100"/>
+                </a:lnSpc>
+                <a:spcBef>
+                  <a:spcPts val="0"/>
+                </a:spcBef>
+                <a:spcAft>
+                  <a:spcPts val="0"/>
+                </a:spcAft>
+              </a:pPr>
+              <a:r>
+                <a:rPr sz="1100">
+                  <a:solidFill>
+                    <a:srgbClr val="000000">
+                      <a:alpha val="100000"/>
+                    </a:srgbClr>
+                  </a:solidFill>
+                  <a:latin typeface="Liberation Sans"/>
+                  <a:cs typeface="Liberation Sans"/>
+                </a:rPr>
+                <a:t>Time in minutes</a:t>
+              </a:r>
+            </a:p>
+          </p:txBody>
+        </p:sp>
+        <p:sp>
+          <p:nvSpPr>
+            <p:cNvPr id="38" name="tx38"/>
+            <p:cNvSpPr/>
+            <p:nvPr/>
+          </p:nvSpPr>
+          <p:spPr>
+            <a:xfrm>
+              <a:off x="7885916" y="3468204"/>
+              <a:ext cx="644748" cy="130218"/>
+            </a:xfrm>
+            <a:prstGeom prst="rect">
+              <a:avLst/>
+            </a:prstGeom>
+            <a:noFill/>
+          </p:spPr>
+          <p:txBody>
+            <a:bodyPr lIns="0" rIns="0" tIns="0" bIns="0" anchorCtr="1" anchor="ctr" wrap="none"/>
+            <a:lstStyle/>
+            <a:p>
+              <a:pPr algn="l" marL="0" marR="0" indent="0">
+                <a:lnSpc>
+                  <a:spcPts val="1100"/>
+                </a:lnSpc>
+                <a:spcBef>
+                  <a:spcPts val="0"/>
+                </a:spcBef>
+                <a:spcAft>
+                  <a:spcPts val="0"/>
+                </a:spcAft>
+              </a:pPr>
+              <a:r>
+                <a:rPr sz="1100">
+                  <a:solidFill>
+                    <a:srgbClr val="000000">
+                      <a:alpha val="100000"/>
+                    </a:srgbClr>
+                  </a:solidFill>
+                  <a:latin typeface="Liberation Sans"/>
+                  <a:cs typeface="Liberation Sans"/>
+                </a:rPr>
+                <a:t>population</a:t>
+              </a:r>
+            </a:p>
+          </p:txBody>
+        </p:sp>
+        <p:sp>
+          <p:nvSpPr>
+            <p:cNvPr id="39" name="rc39"/>
+            <p:cNvSpPr/>
+            <p:nvPr/>
+          </p:nvSpPr>
+          <p:spPr>
+            <a:xfrm>
+              <a:off x="7894916" y="3692824"/>
+              <a:ext cx="201455" cy="201456"/>
+            </a:xfrm>
+            <a:prstGeom prst="rect">
+              <a:avLst/>
+            </a:prstGeom>
+            <a:solidFill>
+              <a:srgbClr val="F8766D">
+                <a:alpha val="100000"/>
+              </a:srgbClr>
+            </a:solidFill>
+          </p:spPr>
+          <p:txBody>
+            <a:bodyPr/>
+            <a:lstStyle/>
+            <a:p/>
+          </p:txBody>
+        </p:sp>
+        <p:sp>
+          <p:nvSpPr>
+            <p:cNvPr id="40" name="rc40"/>
+            <p:cNvSpPr/>
+            <p:nvPr/>
+          </p:nvSpPr>
+          <p:spPr>
+            <a:xfrm>
+              <a:off x="7894916" y="3912280"/>
+              <a:ext cx="201455" cy="201456"/>
+            </a:xfrm>
+            <a:prstGeom prst="rect">
+              <a:avLst/>
+            </a:prstGeom>
+            <a:solidFill>
+              <a:srgbClr val="00BFC4">
+                <a:alpha val="100000"/>
+              </a:srgbClr>
+            </a:solidFill>
+          </p:spPr>
+          <p:txBody>
+            <a:bodyPr/>
+            <a:lstStyle/>
+            <a:p/>
+          </p:txBody>
+        </p:sp>
+        <p:sp>
+          <p:nvSpPr>
+            <p:cNvPr id="41" name="tx41"/>
+            <p:cNvSpPr/>
+            <p:nvPr/>
+          </p:nvSpPr>
+          <p:spPr>
+            <a:xfrm>
+              <a:off x="8174961" y="3749923"/>
+              <a:ext cx="372660" cy="82073"/>
+            </a:xfrm>
+            <a:prstGeom prst="rect">
+              <a:avLst/>
+            </a:prstGeom>
+            <a:noFill/>
+          </p:spPr>
+          <p:txBody>
+            <a:bodyPr lIns="0" rIns="0" tIns="0" bIns="0" anchorCtr="1" anchor="ctr" wrap="none"/>
+            <a:lstStyle/>
+            <a:p>
+              <a:pPr algn="l" marL="0" marR="0" indent="0">
+                <a:lnSpc>
+                  <a:spcPts val="880"/>
+                </a:lnSpc>
+                <a:spcBef>
+                  <a:spcPts val="0"/>
+                </a:spcBef>
+                <a:spcAft>
+                  <a:spcPts val="0"/>
+                </a:spcAft>
+              </a:pPr>
+              <a:r>
+                <a:rPr sz="880">
+                  <a:solidFill>
+                    <a:srgbClr val="000000">
+                      <a:alpha val="100000"/>
+                    </a:srgbClr>
+                  </a:solidFill>
+                  <a:latin typeface="Liberation Sans"/>
+                  <a:cs typeface="Liberation Sans"/>
+                </a:rPr>
+                <a:t>Female</a:t>
+              </a:r>
+            </a:p>
+          </p:txBody>
+        </p:sp>
+        <p:sp>
+          <p:nvSpPr>
+            <p:cNvPr id="42" name="tx42"/>
+            <p:cNvSpPr/>
+            <p:nvPr/>
+          </p:nvSpPr>
+          <p:spPr>
+            <a:xfrm>
+              <a:off x="8174961" y="3969379"/>
+              <a:ext cx="242237" cy="82073"/>
+            </a:xfrm>
+            <a:prstGeom prst="rect">
+              <a:avLst/>
+            </a:prstGeom>
+            <a:noFill/>
+          </p:spPr>
+          <p:txBody>
+            <a:bodyPr lIns="0" rIns="0" tIns="0" bIns="0" anchorCtr="1" anchor="ctr" wrap="none"/>
+            <a:lstStyle/>
+            <a:p>
+              <a:pPr algn="l" marL="0" marR="0" indent="0">
+                <a:lnSpc>
+                  <a:spcPts val="880"/>
+                </a:lnSpc>
+                <a:spcBef>
+                  <a:spcPts val="0"/>
+                </a:spcBef>
+                <a:spcAft>
+                  <a:spcPts val="0"/>
+                </a:spcAft>
+              </a:pPr>
+              <a:r>
+                <a:rPr sz="880">
+                  <a:solidFill>
+                    <a:srgbClr val="000000">
+                      <a:alpha val="100000"/>
+                    </a:srgbClr>
+                  </a:solidFill>
+                  <a:latin typeface="Liberation Sans"/>
+                  <a:cs typeface="Liberation Sans"/>
+                </a:rPr>
+                <a:t>Male</a:t>
+              </a:r>
+            </a:p>
+          </p:txBody>
+        </p:sp>
+        <p:sp>
+          <p:nvSpPr>
+            <p:cNvPr id="43" name="tx43"/>
+            <p:cNvSpPr/>
+            <p:nvPr/>
+          </p:nvSpPr>
+          <p:spPr>
+            <a:xfrm>
+              <a:off x="938418" y="1628861"/>
+              <a:ext cx="1537818" cy="156262"/>
+            </a:xfrm>
+            <a:prstGeom prst="rect">
+              <a:avLst/>
+            </a:prstGeom>
+            <a:noFill/>
+          </p:spPr>
+          <p:txBody>
+            <a:bodyPr lIns="0" rIns="0" tIns="0" bIns="0" anchorCtr="1" anchor="ctr" wrap="none"/>
+            <a:lstStyle/>
+            <a:p>
+              <a:pPr algn="l" marL="0" marR="0" indent="0">
+                <a:lnSpc>
+                  <a:spcPts val="1320"/>
+                </a:lnSpc>
+                <a:spcBef>
+                  <a:spcPts val="0"/>
+                </a:spcBef>
+                <a:spcAft>
+                  <a:spcPts val="0"/>
+                </a:spcAft>
+              </a:pPr>
+              <a:r>
+                <a:rPr sz="1320">
+                  <a:solidFill>
+                    <a:srgbClr val="000000">
+                      <a:alpha val="100000"/>
+                    </a:srgbClr>
+                  </a:solidFill>
+                  <a:latin typeface="Liberation Sans"/>
+                  <a:cs typeface="Liberation Sans"/>
+                </a:rPr>
+                <a:t>Year 2014_Saturday</a:t>
+              </a:r>
+            </a:p>
+          </p:txBody>
+        </p:sp>
+      </p:grpSp>
+    </p:spTree>
+  </p:cSld>
+  <p:clrMapOvr>
+    <a:masterClrMapping/>
+  </p:clrMapOvr>
+</p:sld>
+</file>
+
+<file path=ppt/slides/slide9.xml><?xml version="1.0" encoding="utf-8"?>
+<p:sld xmlns:a="http://schemas.openxmlformats.org/drawingml/2006/main" xmlns:r="http://schemas.openxmlformats.org/officeDocument/2006/relationships" xmlns:p="http://schemas.openxmlformats.org/presentationml/2006/main">
+  <p:cSld>
+    <p:spTree>
+      <p:nvGrpSpPr>
+        <p:cNvPr id="1" name=""/>
+        <p:cNvGrpSpPr/>
+        <p:nvPr/>
+      </p:nvGrpSpPr>
+      <p:grpSpPr>
+        <a:xfrm>
+          <a:off x="0" y="0"/>
+          <a:ext cx="0" cy="0"/>
+          <a:chOff x="0" y="0"/>
+          <a:chExt cx="0" cy="0"/>
+        </a:xfrm>
+      </p:grpSpPr>
+      <p:grpSp xmlns:a="http://schemas.openxmlformats.org/drawingml/2006/main" xmlns:r="http://schemas.openxmlformats.org/officeDocument/2006/relationships" xmlns:p="http://schemas.openxmlformats.org/presentationml/2006/main" xmlns:pic="http://schemas.openxmlformats.org/drawingml/2006/picture">
+        <p:nvGrpSpPr>
+          <p:cNvPr id="2" name="grp1"/>
+          <p:cNvGrpSpPr/>
+          <p:nvPr/>
+        </p:nvGrpSpPr>
+        <p:grpSpPr>
+          <a:xfrm>
+            <a:off x="457200" y="1600200"/>
+            <a:ext cx="8229600" cy="4525962"/>
+            <a:chOff x="457200" y="1600200"/>
+            <a:chExt cx="8229600" cy="4525962"/>
+          </a:xfrm>
+        </p:grpSpPr>
+        <p:sp>
+          <p:nvSpPr>
+            <p:cNvPr id="3" name="rc3"/>
+            <p:cNvSpPr/>
+            <p:nvPr/>
+          </p:nvSpPr>
+          <p:spPr>
+            <a:xfrm>
+              <a:off x="457200" y="1600200"/>
+              <a:ext cx="8229600" cy="4525962"/>
+            </a:xfrm>
+            <a:prstGeom prst="rect">
+              <a:avLst/>
+            </a:prstGeom>
+            <a:solidFill>
+              <a:srgbClr val="FFFFFF">
+                <a:alpha val="100000"/>
+              </a:srgbClr>
+            </a:solidFill>
+            <a:ln w="9525" cap="rnd">
+              <a:solidFill>
+                <a:srgbClr val="FFFFFF">
+                  <a:alpha val="100000"/>
+                </a:srgbClr>
+              </a:solidFill>
+              <a:prstDash val="solid"/>
+              <a:round/>
+            </a:ln>
+          </p:spPr>
+          <p:txBody>
+            <a:bodyPr/>
+            <a:lstStyle/>
+            <a:p/>
+          </p:txBody>
+        </p:sp>
+        <p:sp>
+          <p:nvSpPr>
+            <p:cNvPr id="4" name="pl4"/>
+            <p:cNvSpPr/>
+            <p:nvPr/>
+          </p:nvSpPr>
+          <p:spPr>
+            <a:xfrm>
+              <a:off x="938418" y="5112534"/>
+              <a:ext cx="6738730" cy="0"/>
+            </a:xfrm>
+            <a:custGeom>
+              <a:avLst/>
+              <a:pathLst>
+                <a:path w="6738730" h="0">
+                  <a:moveTo>
+                    <a:pt x="0" y="0"/>
+                  </a:moveTo>
+                  <a:lnTo>
+                    <a:pt x="6738730" y="0"/>
+                  </a:lnTo>
+                  <a:lnTo>
+                    <a:pt x="6738730" y="0"/>
+                  </a:lnTo>
+                </a:path>
+              </a:pathLst>
+            </a:custGeom>
+            <a:ln w="6775" cap="flat">
+              <a:solidFill>
+                <a:srgbClr val="EBEBEB">
+                  <a:alpha val="100000"/>
+                </a:srgbClr>
+              </a:solidFill>
+              <a:prstDash val="solid"/>
+              <a:round/>
+            </a:ln>
+          </p:spPr>
+          <p:txBody>
+            <a:bodyPr/>
+            <a:lstStyle/>
+            <a:p/>
+          </p:txBody>
+        </p:sp>
+        <p:sp>
+          <p:nvSpPr>
+            <p:cNvPr id="5" name="pl5"/>
+            <p:cNvSpPr/>
+            <p:nvPr/>
+          </p:nvSpPr>
+          <p:spPr>
+            <a:xfrm>
+              <a:off x="938418" y="4240589"/>
+              <a:ext cx="6738730" cy="0"/>
+            </a:xfrm>
+            <a:custGeom>
+              <a:avLst/>
+              <a:pathLst>
+                <a:path w="6738730" h="0">
+                  <a:moveTo>
+                    <a:pt x="0" y="0"/>
+                  </a:moveTo>
+                  <a:lnTo>
+                    <a:pt x="6738730" y="0"/>
+                  </a:lnTo>
+                  <a:lnTo>
+                    <a:pt x="6738730" y="0"/>
+                  </a:lnTo>
+                </a:path>
+              </a:pathLst>
+            </a:custGeom>
+            <a:ln w="6775" cap="flat">
+              <a:solidFill>
+                <a:srgbClr val="EBEBEB">
+                  <a:alpha val="100000"/>
+                </a:srgbClr>
+              </a:solidFill>
+              <a:prstDash val="solid"/>
+              <a:round/>
+            </a:ln>
+          </p:spPr>
+          <p:txBody>
+            <a:bodyPr/>
+            <a:lstStyle/>
+            <a:p/>
+          </p:txBody>
+        </p:sp>
+        <p:sp>
+          <p:nvSpPr>
+            <p:cNvPr id="6" name="pl6"/>
+            <p:cNvSpPr/>
+            <p:nvPr/>
+          </p:nvSpPr>
+          <p:spPr>
+            <a:xfrm>
+              <a:off x="938418" y="3368644"/>
+              <a:ext cx="6738730" cy="0"/>
+            </a:xfrm>
+            <a:custGeom>
+              <a:avLst/>
+              <a:pathLst>
+                <a:path w="6738730" h="0">
+                  <a:moveTo>
+                    <a:pt x="0" y="0"/>
+                  </a:moveTo>
+                  <a:lnTo>
+                    <a:pt x="6738730" y="0"/>
+                  </a:lnTo>
+                  <a:lnTo>
+                    <a:pt x="6738730" y="0"/>
+                  </a:lnTo>
+                </a:path>
+              </a:pathLst>
+            </a:custGeom>
+            <a:ln w="6775" cap="flat">
+              <a:solidFill>
+                <a:srgbClr val="EBEBEB">
+                  <a:alpha val="100000"/>
+                </a:srgbClr>
+              </a:solidFill>
+              <a:prstDash val="solid"/>
+              <a:round/>
+            </a:ln>
+          </p:spPr>
+          <p:txBody>
+            <a:bodyPr/>
+            <a:lstStyle/>
+            <a:p/>
+          </p:txBody>
+        </p:sp>
+        <p:sp>
+          <p:nvSpPr>
+            <p:cNvPr id="7" name="pl7"/>
+            <p:cNvSpPr/>
+            <p:nvPr/>
+          </p:nvSpPr>
+          <p:spPr>
+            <a:xfrm>
+              <a:off x="938418" y="2496699"/>
+              <a:ext cx="6738730" cy="0"/>
+            </a:xfrm>
+            <a:custGeom>
+              <a:avLst/>
+              <a:pathLst>
+                <a:path w="6738730" h="0">
+                  <a:moveTo>
+                    <a:pt x="0" y="0"/>
+                  </a:moveTo>
+                  <a:lnTo>
+                    <a:pt x="6738730" y="0"/>
+                  </a:lnTo>
+                  <a:lnTo>
+                    <a:pt x="6738730" y="0"/>
+                  </a:lnTo>
+                </a:path>
+              </a:pathLst>
+            </a:custGeom>
+            <a:ln w="6775" cap="flat">
+              <a:solidFill>
+                <a:srgbClr val="EBEBEB">
+                  <a:alpha val="100000"/>
+                </a:srgbClr>
+              </a:solidFill>
+              <a:prstDash val="solid"/>
+              <a:round/>
+            </a:ln>
+          </p:spPr>
+          <p:txBody>
+            <a:bodyPr/>
+            <a:lstStyle/>
+            <a:p/>
+          </p:txBody>
+        </p:sp>
+        <p:sp>
+          <p:nvSpPr>
+            <p:cNvPr id="8" name="pl8"/>
+            <p:cNvSpPr/>
+            <p:nvPr/>
+          </p:nvSpPr>
+          <p:spPr>
+            <a:xfrm>
+              <a:off x="938418" y="5548506"/>
+              <a:ext cx="6738730" cy="0"/>
+            </a:xfrm>
+            <a:custGeom>
+              <a:avLst/>
+              <a:pathLst>
+                <a:path w="6738730" h="0">
+                  <a:moveTo>
+                    <a:pt x="0" y="0"/>
+                  </a:moveTo>
+                  <a:lnTo>
+                    <a:pt x="6738730" y="0"/>
+                  </a:lnTo>
+                  <a:lnTo>
+                    <a:pt x="6738730" y="0"/>
+                  </a:lnTo>
+                </a:path>
+              </a:pathLst>
+            </a:custGeom>
+            <a:ln w="13550" cap="flat">
+              <a:solidFill>
+                <a:srgbClr val="EBEBEB">
+                  <a:alpha val="100000"/>
+                </a:srgbClr>
+              </a:solidFill>
+              <a:prstDash val="solid"/>
+              <a:round/>
+            </a:ln>
+          </p:spPr>
+          <p:txBody>
+            <a:bodyPr/>
+            <a:lstStyle/>
+            <a:p/>
+          </p:txBody>
+        </p:sp>
+        <p:sp>
+          <p:nvSpPr>
+            <p:cNvPr id="9" name="pl9"/>
+            <p:cNvSpPr/>
+            <p:nvPr/>
+          </p:nvSpPr>
+          <p:spPr>
+            <a:xfrm>
+              <a:off x="938418" y="4676561"/>
+              <a:ext cx="6738730" cy="0"/>
+            </a:xfrm>
+            <a:custGeom>
+              <a:avLst/>
+              <a:pathLst>
+                <a:path w="6738730" h="0">
+                  <a:moveTo>
+                    <a:pt x="0" y="0"/>
+                  </a:moveTo>
+                  <a:lnTo>
+                    <a:pt x="6738730" y="0"/>
+                  </a:lnTo>
+                  <a:lnTo>
+                    <a:pt x="6738730" y="0"/>
+                  </a:lnTo>
+                </a:path>
+              </a:pathLst>
+            </a:custGeom>
+            <a:ln w="13550" cap="flat">
+              <a:solidFill>
+                <a:srgbClr val="EBEBEB">
+                  <a:alpha val="100000"/>
+                </a:srgbClr>
+              </a:solidFill>
+              <a:prstDash val="solid"/>
+              <a:round/>
+            </a:ln>
+          </p:spPr>
+          <p:txBody>
+            <a:bodyPr/>
+            <a:lstStyle/>
+            <a:p/>
+          </p:txBody>
+        </p:sp>
+        <p:sp>
+          <p:nvSpPr>
+            <p:cNvPr id="10" name="pl10"/>
+            <p:cNvSpPr/>
+            <p:nvPr/>
+          </p:nvSpPr>
+          <p:spPr>
+            <a:xfrm>
+              <a:off x="938418" y="3804617"/>
+              <a:ext cx="6738730" cy="0"/>
+            </a:xfrm>
+            <a:custGeom>
+              <a:avLst/>
+              <a:pathLst>
+                <a:path w="6738730" h="0">
+                  <a:moveTo>
+                    <a:pt x="0" y="0"/>
+                  </a:moveTo>
+                  <a:lnTo>
+                    <a:pt x="6738730" y="0"/>
+                  </a:lnTo>
+                  <a:lnTo>
+                    <a:pt x="6738730" y="0"/>
+                  </a:lnTo>
+                </a:path>
+              </a:pathLst>
+            </a:custGeom>
+            <a:ln w="13550" cap="flat">
+              <a:solidFill>
+                <a:srgbClr val="EBEBEB">
+                  <a:alpha val="100000"/>
+                </a:srgbClr>
+              </a:solidFill>
+              <a:prstDash val="solid"/>
+              <a:round/>
+            </a:ln>
+          </p:spPr>
+          <p:txBody>
+            <a:bodyPr/>
+            <a:lstStyle/>
+            <a:p/>
+          </p:txBody>
+        </p:sp>
+        <p:sp>
+          <p:nvSpPr>
+            <p:cNvPr id="11" name="pl11"/>
+            <p:cNvSpPr/>
+            <p:nvPr/>
+          </p:nvSpPr>
+          <p:spPr>
+            <a:xfrm>
+              <a:off x="938418" y="2932672"/>
+              <a:ext cx="6738730" cy="0"/>
+            </a:xfrm>
+            <a:custGeom>
+              <a:avLst/>
+              <a:pathLst>
+                <a:path w="6738730" h="0">
+                  <a:moveTo>
+                    <a:pt x="0" y="0"/>
+                  </a:moveTo>
+                  <a:lnTo>
+                    <a:pt x="6738730" y="0"/>
+                  </a:lnTo>
+                  <a:lnTo>
+                    <a:pt x="6738730" y="0"/>
+                  </a:lnTo>
+                </a:path>
+              </a:pathLst>
+            </a:custGeom>
+            <a:ln w="13550" cap="flat">
+              <a:solidFill>
+                <a:srgbClr val="EBEBEB">
+                  <a:alpha val="100000"/>
+                </a:srgbClr>
+              </a:solidFill>
+              <a:prstDash val="solid"/>
+              <a:round/>
+            </a:ln>
+          </p:spPr>
+          <p:txBody>
+            <a:bodyPr/>
+            <a:lstStyle/>
+            <a:p/>
+          </p:txBody>
+        </p:sp>
+        <p:sp>
+          <p:nvSpPr>
+            <p:cNvPr id="12" name="pl12"/>
+            <p:cNvSpPr/>
+            <p:nvPr/>
+          </p:nvSpPr>
+          <p:spPr>
+            <a:xfrm>
+              <a:off x="938418" y="2060727"/>
+              <a:ext cx="6738730" cy="0"/>
+            </a:xfrm>
+            <a:custGeom>
+              <a:avLst/>
+              <a:pathLst>
+                <a:path w="6738730" h="0">
+                  <a:moveTo>
+                    <a:pt x="0" y="0"/>
+                  </a:moveTo>
+                  <a:lnTo>
+                    <a:pt x="6738730" y="0"/>
+                  </a:lnTo>
+                  <a:lnTo>
+                    <a:pt x="6738730" y="0"/>
+                  </a:lnTo>
+                </a:path>
+              </a:pathLst>
+            </a:custGeom>
+            <a:ln w="13550" cap="flat">
+              <a:solidFill>
+                <a:srgbClr val="EBEBEB">
+                  <a:alpha val="100000"/>
+                </a:srgbClr>
+              </a:solidFill>
+              <a:prstDash val="solid"/>
+              <a:round/>
+            </a:ln>
+          </p:spPr>
+          <p:txBody>
+            <a:bodyPr/>
+            <a:lstStyle/>
+            <a:p/>
+          </p:txBody>
+        </p:sp>
+        <p:sp>
+          <p:nvSpPr>
+            <p:cNvPr id="13" name="pl13"/>
+            <p:cNvSpPr/>
+            <p:nvPr/>
+          </p:nvSpPr>
+          <p:spPr>
+            <a:xfrm>
+              <a:off x="1715964" y="1886338"/>
+              <a:ext cx="0" cy="3836557"/>
+            </a:xfrm>
+            <a:custGeom>
+              <a:avLst/>
+              <a:pathLst>
+                <a:path w="0" h="3836557">
+                  <a:moveTo>
+                    <a:pt x="0" y="3836557"/>
+                  </a:moveTo>
+                  <a:lnTo>
+                    <a:pt x="0" y="0"/>
+                  </a:lnTo>
+                  <a:lnTo>
+                    <a:pt x="0" y="0"/>
+                  </a:lnTo>
+                </a:path>
+              </a:pathLst>
+            </a:custGeom>
+            <a:ln w="13550" cap="flat">
+              <a:solidFill>
+                <a:srgbClr val="EBEBEB">
+                  <a:alpha val="100000"/>
+                </a:srgbClr>
+              </a:solidFill>
+              <a:prstDash val="solid"/>
+              <a:round/>
+            </a:ln>
+          </p:spPr>
+          <p:txBody>
+            <a:bodyPr/>
+            <a:lstStyle/>
+            <a:p/>
+          </p:txBody>
+        </p:sp>
+        <p:sp>
+          <p:nvSpPr>
+            <p:cNvPr id="14" name="pl14"/>
+            <p:cNvSpPr/>
+            <p:nvPr/>
+          </p:nvSpPr>
+          <p:spPr>
+            <a:xfrm>
+              <a:off x="3011873" y="1886338"/>
+              <a:ext cx="0" cy="3836557"/>
+            </a:xfrm>
+            <a:custGeom>
+              <a:avLst/>
+              <a:pathLst>
+                <a:path w="0" h="3836557">
+                  <a:moveTo>
+                    <a:pt x="0" y="3836557"/>
+                  </a:moveTo>
+                  <a:lnTo>
+                    <a:pt x="0" y="0"/>
+                  </a:lnTo>
+                  <a:lnTo>
+                    <a:pt x="0" y="0"/>
+                  </a:lnTo>
+                </a:path>
+              </a:pathLst>
+            </a:custGeom>
+            <a:ln w="13550" cap="flat">
+              <a:solidFill>
+                <a:srgbClr val="EBEBEB">
+                  <a:alpha val="100000"/>
+                </a:srgbClr>
+              </a:solidFill>
+              <a:prstDash val="solid"/>
+              <a:round/>
+            </a:ln>
+          </p:spPr>
+          <p:txBody>
+            <a:bodyPr/>
+            <a:lstStyle/>
+            <a:p/>
+          </p:txBody>
+        </p:sp>
+        <p:sp>
+          <p:nvSpPr>
+            <p:cNvPr id="15" name="pl15"/>
+            <p:cNvSpPr/>
+            <p:nvPr/>
+          </p:nvSpPr>
+          <p:spPr>
+            <a:xfrm>
+              <a:off x="4307783" y="1886338"/>
+              <a:ext cx="0" cy="3836557"/>
+            </a:xfrm>
+            <a:custGeom>
+              <a:avLst/>
+              <a:pathLst>
+                <a:path w="0" h="3836557">
+                  <a:moveTo>
+                    <a:pt x="0" y="3836557"/>
+                  </a:moveTo>
+                  <a:lnTo>
+                    <a:pt x="0" y="0"/>
+                  </a:lnTo>
+                  <a:lnTo>
+                    <a:pt x="0" y="0"/>
+                  </a:lnTo>
+                </a:path>
+              </a:pathLst>
+            </a:custGeom>
+            <a:ln w="13550" cap="flat">
+              <a:solidFill>
+                <a:srgbClr val="EBEBEB">
+                  <a:alpha val="100000"/>
+                </a:srgbClr>
+              </a:solidFill>
+              <a:prstDash val="solid"/>
+              <a:round/>
+            </a:ln>
+          </p:spPr>
+          <p:txBody>
+            <a:bodyPr/>
+            <a:lstStyle/>
+            <a:p/>
+          </p:txBody>
+        </p:sp>
+        <p:sp>
+          <p:nvSpPr>
+            <p:cNvPr id="16" name="pl16"/>
+            <p:cNvSpPr/>
+            <p:nvPr/>
+          </p:nvSpPr>
+          <p:spPr>
+            <a:xfrm>
+              <a:off x="5603693" y="1886338"/>
+              <a:ext cx="0" cy="3836557"/>
+            </a:xfrm>
+            <a:custGeom>
+              <a:avLst/>
+              <a:pathLst>
+                <a:path w="0" h="3836557">
+                  <a:moveTo>
+                    <a:pt x="0" y="3836557"/>
+                  </a:moveTo>
+                  <a:lnTo>
+                    <a:pt x="0" y="0"/>
+                  </a:lnTo>
+                  <a:lnTo>
+                    <a:pt x="0" y="0"/>
+                  </a:lnTo>
+                </a:path>
+              </a:pathLst>
+            </a:custGeom>
+            <a:ln w="13550" cap="flat">
+              <a:solidFill>
+                <a:srgbClr val="EBEBEB">
+                  <a:alpha val="100000"/>
+                </a:srgbClr>
+              </a:solidFill>
+              <a:prstDash val="solid"/>
+              <a:round/>
+            </a:ln>
+          </p:spPr>
+          <p:txBody>
+            <a:bodyPr/>
+            <a:lstStyle/>
+            <a:p/>
+          </p:txBody>
+        </p:sp>
+        <p:sp>
+          <p:nvSpPr>
+            <p:cNvPr id="17" name="pl17"/>
+            <p:cNvSpPr/>
+            <p:nvPr/>
+          </p:nvSpPr>
+          <p:spPr>
+            <a:xfrm>
+              <a:off x="6899603" y="1886338"/>
+              <a:ext cx="0" cy="3836557"/>
+            </a:xfrm>
+            <a:custGeom>
+              <a:avLst/>
+              <a:pathLst>
+                <a:path w="0" h="3836557">
+                  <a:moveTo>
+                    <a:pt x="0" y="3836557"/>
+                  </a:moveTo>
+                  <a:lnTo>
+                    <a:pt x="0" y="0"/>
+                  </a:lnTo>
+                  <a:lnTo>
+                    <a:pt x="0" y="0"/>
+                  </a:lnTo>
+                </a:path>
+              </a:pathLst>
+            </a:custGeom>
+            <a:ln w="13550" cap="flat">
+              <a:solidFill>
+                <a:srgbClr val="EBEBEB">
+                  <a:alpha val="100000"/>
+                </a:srgbClr>
+              </a:solidFill>
+              <a:prstDash val="solid"/>
+              <a:round/>
+            </a:ln>
+          </p:spPr>
+          <p:txBody>
+            <a:bodyPr/>
+            <a:lstStyle/>
+            <a:p/>
+          </p:txBody>
+        </p:sp>
+        <p:sp>
+          <p:nvSpPr>
+            <p:cNvPr id="18" name="rc18"/>
+            <p:cNvSpPr/>
+            <p:nvPr/>
+          </p:nvSpPr>
+          <p:spPr>
+            <a:xfrm>
+              <a:off x="1715964" y="4977382"/>
+              <a:ext cx="583159" cy="571123"/>
+            </a:xfrm>
+            <a:prstGeom prst="rect">
+              <a:avLst/>
+            </a:prstGeom>
+            <a:solidFill>
+              <a:srgbClr val="00BFC4">
+                <a:alpha val="100000"/>
+              </a:srgbClr>
+            </a:solidFill>
+          </p:spPr>
+          <p:txBody>
+            <a:bodyPr/>
+            <a:lstStyle/>
+            <a:p/>
+          </p:txBody>
+        </p:sp>
+        <p:sp>
+          <p:nvSpPr>
+            <p:cNvPr id="19" name="rc19"/>
+            <p:cNvSpPr/>
+            <p:nvPr/>
+          </p:nvSpPr>
+          <p:spPr>
+            <a:xfrm>
+              <a:off x="1132804" y="4977382"/>
+              <a:ext cx="583159" cy="571123"/>
+            </a:xfrm>
+            <a:prstGeom prst="rect">
+              <a:avLst/>
+            </a:prstGeom>
+            <a:solidFill>
+              <a:srgbClr val="F8766D">
+                <a:alpha val="100000"/>
+              </a:srgbClr>
+            </a:solidFill>
+          </p:spPr>
+          <p:txBody>
+            <a:bodyPr/>
+            <a:lstStyle/>
+            <a:p/>
+          </p:txBody>
+        </p:sp>
+        <p:sp>
+          <p:nvSpPr>
+            <p:cNvPr id="20" name="rc20"/>
+            <p:cNvSpPr/>
+            <p:nvPr/>
+          </p:nvSpPr>
+          <p:spPr>
+            <a:xfrm>
+              <a:off x="3011873" y="4131596"/>
+              <a:ext cx="583159" cy="1416910"/>
+            </a:xfrm>
+            <a:prstGeom prst="rect">
+              <a:avLst/>
+            </a:prstGeom>
+            <a:solidFill>
+              <a:srgbClr val="00BFC4">
+                <a:alpha val="100000"/>
+              </a:srgbClr>
+            </a:solidFill>
+          </p:spPr>
+          <p:txBody>
+            <a:bodyPr/>
+            <a:lstStyle/>
+            <a:p/>
+          </p:txBody>
+        </p:sp>
+        <p:sp>
+          <p:nvSpPr>
+            <p:cNvPr id="21" name="rc21"/>
+            <p:cNvSpPr/>
+            <p:nvPr/>
+          </p:nvSpPr>
+          <p:spPr>
+            <a:xfrm>
+              <a:off x="2428714" y="4362661"/>
+              <a:ext cx="583159" cy="1185845"/>
+            </a:xfrm>
+            <a:prstGeom prst="rect">
+              <a:avLst/>
+            </a:prstGeom>
+            <a:solidFill>
+              <a:srgbClr val="F8766D">
+                <a:alpha val="100000"/>
+              </a:srgbClr>
+            </a:solidFill>
+          </p:spPr>
+          <p:txBody>
+            <a:bodyPr/>
+            <a:lstStyle/>
+            <a:p/>
+          </p:txBody>
+        </p:sp>
+        <p:sp>
+          <p:nvSpPr>
+            <p:cNvPr id="22" name="rc22"/>
+            <p:cNvSpPr/>
+            <p:nvPr/>
+          </p:nvSpPr>
+          <p:spPr>
+            <a:xfrm>
+              <a:off x="4307783" y="4925066"/>
+              <a:ext cx="583159" cy="623440"/>
+            </a:xfrm>
+            <a:prstGeom prst="rect">
+              <a:avLst/>
+            </a:prstGeom>
+            <a:solidFill>
+              <a:srgbClr val="00BFC4">
+                <a:alpha val="100000"/>
+              </a:srgbClr>
+            </a:solidFill>
+          </p:spPr>
+          <p:txBody>
+            <a:bodyPr/>
+            <a:lstStyle/>
+            <a:p/>
+          </p:txBody>
+        </p:sp>
+        <p:sp>
+          <p:nvSpPr>
+            <p:cNvPr id="23" name="rc23"/>
+            <p:cNvSpPr/>
+            <p:nvPr/>
+          </p:nvSpPr>
+          <p:spPr>
+            <a:xfrm>
+              <a:off x="3724624" y="4598086"/>
+              <a:ext cx="583159" cy="950419"/>
+            </a:xfrm>
+            <a:prstGeom prst="rect">
+              <a:avLst/>
+            </a:prstGeom>
+            <a:solidFill>
+              <a:srgbClr val="F8766D">
+                <a:alpha val="100000"/>
+              </a:srgbClr>
+            </a:solidFill>
+          </p:spPr>
+          <p:txBody>
+            <a:bodyPr/>
+            <a:lstStyle/>
+            <a:p/>
+          </p:txBody>
+        </p:sp>
+        <p:sp>
+          <p:nvSpPr>
+            <p:cNvPr id="24" name="rc24"/>
+            <p:cNvSpPr/>
+            <p:nvPr/>
+          </p:nvSpPr>
+          <p:spPr>
+            <a:xfrm>
+              <a:off x="5603693" y="2073806"/>
+              <a:ext cx="583159" cy="3474700"/>
+            </a:xfrm>
+            <a:prstGeom prst="rect">
+              <a:avLst/>
+            </a:prstGeom>
+            <a:solidFill>
+              <a:srgbClr val="00BFC4">
+                <a:alpha val="100000"/>
+              </a:srgbClr>
+            </a:solidFill>
+          </p:spPr>
+          <p:txBody>
+            <a:bodyPr/>
+            <a:lstStyle/>
+            <a:p/>
+          </p:txBody>
+        </p:sp>
+        <p:sp>
+          <p:nvSpPr>
+            <p:cNvPr id="25" name="rc25"/>
+            <p:cNvSpPr/>
+            <p:nvPr/>
+          </p:nvSpPr>
+          <p:spPr>
+            <a:xfrm>
+              <a:off x="5020534" y="2060727"/>
+              <a:ext cx="583159" cy="3487779"/>
+            </a:xfrm>
+            <a:prstGeom prst="rect">
+              <a:avLst/>
+            </a:prstGeom>
+            <a:solidFill>
+              <a:srgbClr val="F8766D">
+                <a:alpha val="100000"/>
+              </a:srgbClr>
+            </a:solidFill>
+          </p:spPr>
+          <p:txBody>
+            <a:bodyPr/>
+            <a:lstStyle/>
+            <a:p/>
+          </p:txBody>
+        </p:sp>
+        <p:sp>
+          <p:nvSpPr>
+            <p:cNvPr id="26" name="rc26"/>
+            <p:cNvSpPr/>
+            <p:nvPr/>
+          </p:nvSpPr>
+          <p:spPr>
+            <a:xfrm>
+              <a:off x="6899603" y="2862916"/>
+              <a:ext cx="583159" cy="2685590"/>
+            </a:xfrm>
+            <a:prstGeom prst="rect">
+              <a:avLst/>
+            </a:prstGeom>
+            <a:solidFill>
+              <a:srgbClr val="00BFC4">
+                <a:alpha val="100000"/>
+              </a:srgbClr>
+            </a:solidFill>
+          </p:spPr>
+          <p:txBody>
+            <a:bodyPr/>
+            <a:lstStyle/>
+            <a:p/>
+          </p:txBody>
+        </p:sp>
+        <p:sp>
+          <p:nvSpPr>
+            <p:cNvPr id="27" name="rc27"/>
+            <p:cNvSpPr/>
+            <p:nvPr/>
+          </p:nvSpPr>
+          <p:spPr>
+            <a:xfrm>
+              <a:off x="6316443" y="2893434"/>
+              <a:ext cx="583159" cy="2655072"/>
+            </a:xfrm>
+            <a:prstGeom prst="rect">
+              <a:avLst/>
+            </a:prstGeom>
+            <a:solidFill>
+              <a:srgbClr val="F8766D">
+                <a:alpha val="100000"/>
+              </a:srgbClr>
+            </a:solidFill>
+          </p:spPr>
+          <p:txBody>
+            <a:bodyPr/>
+            <a:lstStyle/>
+            <a:p/>
+          </p:txBody>
+        </p:sp>
+        <p:sp>
+          <p:nvSpPr>
+            <p:cNvPr id="28" name="tx28"/>
+            <p:cNvSpPr/>
+            <p:nvPr/>
+          </p:nvSpPr>
+          <p:spPr>
+            <a:xfrm>
+              <a:off x="813632" y="5507824"/>
+              <a:ext cx="62155" cy="79126"/>
+            </a:xfrm>
+            <a:prstGeom prst="rect">
+              <a:avLst/>
+            </a:prstGeom>
+            <a:noFill/>
+          </p:spPr>
+          <p:txBody>
+            <a:bodyPr lIns="0" rIns="0" tIns="0" bIns="0" anchorCtr="1" anchor="ctr" wrap="none"/>
+            <a:lstStyle/>
+            <a:p>
+              <a:pPr algn="l" marL="0" marR="0" indent="0">
+                <a:lnSpc>
+                  <a:spcPts val="880"/>
+                </a:lnSpc>
+                <a:spcBef>
+                  <a:spcPts val="0"/>
+                </a:spcBef>
+                <a:spcAft>
+                  <a:spcPts val="0"/>
+                </a:spcAft>
+              </a:pPr>
+              <a:r>
+                <a:rPr sz="880">
+                  <a:solidFill>
+                    <a:srgbClr val="4D4D4D">
+                      <a:alpha val="100000"/>
+                    </a:srgbClr>
+                  </a:solidFill>
+                  <a:latin typeface="Liberation Sans"/>
+                  <a:cs typeface="Liberation Sans"/>
+                </a:rPr>
+                <a:t>0</a:t>
+              </a:r>
+            </a:p>
+          </p:txBody>
+        </p:sp>
+        <p:sp>
+          <p:nvSpPr>
+            <p:cNvPr id="29" name="tx29"/>
+            <p:cNvSpPr/>
+            <p:nvPr/>
+          </p:nvSpPr>
+          <p:spPr>
+            <a:xfrm>
+              <a:off x="689321" y="4635879"/>
+              <a:ext cx="186466" cy="79126"/>
+            </a:xfrm>
+            <a:prstGeom prst="rect">
+              <a:avLst/>
+            </a:prstGeom>
+            <a:noFill/>
+          </p:spPr>
+          <p:txBody>
+            <a:bodyPr lIns="0" rIns="0" tIns="0" bIns="0" anchorCtr="1" anchor="ctr" wrap="none"/>
+            <a:lstStyle/>
+            <a:p>
+              <a:pPr algn="l" marL="0" marR="0" indent="0">
+                <a:lnSpc>
+                  <a:spcPts val="880"/>
+                </a:lnSpc>
+                <a:spcBef>
+                  <a:spcPts val="0"/>
+                </a:spcBef>
+                <a:spcAft>
+                  <a:spcPts val="0"/>
+                </a:spcAft>
+              </a:pPr>
+              <a:r>
+                <a:rPr sz="880">
+                  <a:solidFill>
+                    <a:srgbClr val="4D4D4D">
+                      <a:alpha val="100000"/>
+                    </a:srgbClr>
+                  </a:solidFill>
+                  <a:latin typeface="Liberation Sans"/>
+                  <a:cs typeface="Liberation Sans"/>
+                </a:rPr>
+                <a:t>200</a:t>
+              </a:r>
+            </a:p>
+          </p:txBody>
+        </p:sp>
+        <p:sp>
+          <p:nvSpPr>
+            <p:cNvPr id="30" name="tx30"/>
+            <p:cNvSpPr/>
+            <p:nvPr/>
+          </p:nvSpPr>
+          <p:spPr>
+            <a:xfrm>
+              <a:off x="689321" y="3763934"/>
+              <a:ext cx="186466" cy="79126"/>
+            </a:xfrm>
+            <a:prstGeom prst="rect">
+              <a:avLst/>
+            </a:prstGeom>
+            <a:noFill/>
+          </p:spPr>
+          <p:txBody>
+            <a:bodyPr lIns="0" rIns="0" tIns="0" bIns="0" anchorCtr="1" anchor="ctr" wrap="none"/>
+            <a:lstStyle/>
+            <a:p>
+              <a:pPr algn="l" marL="0" marR="0" indent="0">
+                <a:lnSpc>
+                  <a:spcPts val="880"/>
+                </a:lnSpc>
+                <a:spcBef>
+                  <a:spcPts val="0"/>
+                </a:spcBef>
+                <a:spcAft>
+                  <a:spcPts val="0"/>
+                </a:spcAft>
+              </a:pPr>
+              <a:r>
+                <a:rPr sz="880">
+                  <a:solidFill>
+                    <a:srgbClr val="4D4D4D">
+                      <a:alpha val="100000"/>
+                    </a:srgbClr>
+                  </a:solidFill>
+                  <a:latin typeface="Liberation Sans"/>
+                  <a:cs typeface="Liberation Sans"/>
+                </a:rPr>
+                <a:t>400</a:t>
+              </a:r>
+            </a:p>
+          </p:txBody>
+        </p:sp>
+        <p:sp>
+          <p:nvSpPr>
+            <p:cNvPr id="31" name="tx31"/>
+            <p:cNvSpPr/>
+            <p:nvPr/>
+          </p:nvSpPr>
+          <p:spPr>
+            <a:xfrm>
+              <a:off x="689321" y="2891990"/>
+              <a:ext cx="186466" cy="79126"/>
+            </a:xfrm>
+            <a:prstGeom prst="rect">
+              <a:avLst/>
+            </a:prstGeom>
+            <a:noFill/>
+          </p:spPr>
+          <p:txBody>
+            <a:bodyPr lIns="0" rIns="0" tIns="0" bIns="0" anchorCtr="1" anchor="ctr" wrap="none"/>
+            <a:lstStyle/>
+            <a:p>
+              <a:pPr algn="l" marL="0" marR="0" indent="0">
+                <a:lnSpc>
+                  <a:spcPts val="880"/>
+                </a:lnSpc>
+                <a:spcBef>
+                  <a:spcPts val="0"/>
+                </a:spcBef>
+                <a:spcAft>
+                  <a:spcPts val="0"/>
+                </a:spcAft>
+              </a:pPr>
+              <a:r>
+                <a:rPr sz="880">
+                  <a:solidFill>
+                    <a:srgbClr val="4D4D4D">
+                      <a:alpha val="100000"/>
+                    </a:srgbClr>
+                  </a:solidFill>
+                  <a:latin typeface="Liberation Sans"/>
+                  <a:cs typeface="Liberation Sans"/>
+                </a:rPr>
+                <a:t>600</a:t>
+              </a:r>
+            </a:p>
+          </p:txBody>
+        </p:sp>
+        <p:sp>
+          <p:nvSpPr>
+            <p:cNvPr id="32" name="tx32"/>
+            <p:cNvSpPr/>
+            <p:nvPr/>
+          </p:nvSpPr>
+          <p:spPr>
+            <a:xfrm>
+              <a:off x="689321" y="2020045"/>
+              <a:ext cx="186466" cy="79126"/>
+            </a:xfrm>
+            <a:prstGeom prst="rect">
+              <a:avLst/>
+            </a:prstGeom>
+            <a:noFill/>
+          </p:spPr>
+          <p:txBody>
+            <a:bodyPr lIns="0" rIns="0" tIns="0" bIns="0" anchorCtr="1" anchor="ctr" wrap="none"/>
+            <a:lstStyle/>
+            <a:p>
+              <a:pPr algn="l" marL="0" marR="0" indent="0">
+                <a:lnSpc>
+                  <a:spcPts val="880"/>
+                </a:lnSpc>
+                <a:spcBef>
+                  <a:spcPts val="0"/>
+                </a:spcBef>
+                <a:spcAft>
+                  <a:spcPts val="0"/>
+                </a:spcAft>
+              </a:pPr>
+              <a:r>
+                <a:rPr sz="880">
+                  <a:solidFill>
+                    <a:srgbClr val="4D4D4D">
+                      <a:alpha val="100000"/>
+                    </a:srgbClr>
+                  </a:solidFill>
+                  <a:latin typeface="Liberation Sans"/>
+                  <a:cs typeface="Liberation Sans"/>
+                </a:rPr>
+                <a:t>800</a:t>
+              </a:r>
+            </a:p>
+          </p:txBody>
+        </p:sp>
+        <p:sp>
+          <p:nvSpPr>
+            <p:cNvPr id="33" name="tx33"/>
+            <p:cNvSpPr/>
+            <p:nvPr/>
+          </p:nvSpPr>
+          <p:spPr>
+            <a:xfrm>
+              <a:off x="1557519" y="5758240"/>
+              <a:ext cx="316889" cy="104174"/>
+            </a:xfrm>
+            <a:prstGeom prst="rect">
+              <a:avLst/>
+            </a:prstGeom>
+            <a:noFill/>
+          </p:spPr>
+          <p:txBody>
+            <a:bodyPr lIns="0" rIns="0" tIns="0" bIns="0" anchorCtr="1" anchor="ctr" wrap="none"/>
+            <a:lstStyle/>
+            <a:p>
+              <a:pPr algn="l" marL="0" marR="0" indent="0">
+                <a:lnSpc>
+                  <a:spcPts val="880"/>
+                </a:lnSpc>
+                <a:spcBef>
+                  <a:spcPts val="0"/>
+                </a:spcBef>
+                <a:spcAft>
+                  <a:spcPts val="0"/>
+                </a:spcAft>
+              </a:pPr>
+              <a:r>
+                <a:rPr sz="880">
+                  <a:solidFill>
+                    <a:srgbClr val="4D4D4D">
+                      <a:alpha val="100000"/>
+                    </a:srgbClr>
+                  </a:solidFill>
+                  <a:latin typeface="Liberation Sans"/>
+                  <a:cs typeface="Liberation Sans"/>
+                </a:rPr>
+                <a:t>Eating</a:t>
+              </a:r>
+            </a:p>
+          </p:txBody>
+        </p:sp>
+        <p:sp>
+          <p:nvSpPr>
+            <p:cNvPr id="34" name="tx34"/>
+            <p:cNvSpPr/>
+            <p:nvPr/>
+          </p:nvSpPr>
+          <p:spPr>
+            <a:xfrm>
+              <a:off x="2701314" y="5758240"/>
+              <a:ext cx="621119" cy="104174"/>
+            </a:xfrm>
+            <a:prstGeom prst="rect">
+              <a:avLst/>
+            </a:prstGeom>
+            <a:noFill/>
+          </p:spPr>
+          <p:txBody>
+            <a:bodyPr lIns="0" rIns="0" tIns="0" bIns="0" anchorCtr="1" anchor="ctr" wrap="none"/>
+            <a:lstStyle/>
+            <a:p>
+              <a:pPr algn="l" marL="0" marR="0" indent="0">
+                <a:lnSpc>
+                  <a:spcPts val="880"/>
+                </a:lnSpc>
+                <a:spcBef>
+                  <a:spcPts val="0"/>
+                </a:spcBef>
+                <a:spcAft>
+                  <a:spcPts val="0"/>
+                </a:spcAft>
+              </a:pPr>
+              <a:r>
+                <a:rPr sz="880">
+                  <a:solidFill>
+                    <a:srgbClr val="4D4D4D">
+                      <a:alpha val="100000"/>
+                    </a:srgbClr>
+                  </a:solidFill>
+                  <a:latin typeface="Liberation Sans"/>
+                  <a:cs typeface="Liberation Sans"/>
+                </a:rPr>
+                <a:t>Employment</a:t>
+              </a:r>
+            </a:p>
+          </p:txBody>
+        </p:sp>
+        <p:sp>
+          <p:nvSpPr>
+            <p:cNvPr id="35" name="tx35"/>
+            <p:cNvSpPr/>
+            <p:nvPr/>
+          </p:nvSpPr>
+          <p:spPr>
+            <a:xfrm>
+              <a:off x="3646173" y="5758240"/>
+              <a:ext cx="1323220" cy="104174"/>
+            </a:xfrm>
+            <a:prstGeom prst="rect">
+              <a:avLst/>
+            </a:prstGeom>
+            <a:noFill/>
+          </p:spPr>
+          <p:txBody>
+            <a:bodyPr lIns="0" rIns="0" tIns="0" bIns="0" anchorCtr="1" anchor="ctr" wrap="none"/>
+            <a:lstStyle/>
+            <a:p>
+              <a:pPr algn="l" marL="0" marR="0" indent="0">
+                <a:lnSpc>
+                  <a:spcPts val="880"/>
+                </a:lnSpc>
+                <a:spcBef>
+                  <a:spcPts val="0"/>
+                </a:spcBef>
+                <a:spcAft>
+                  <a:spcPts val="0"/>
+                </a:spcAft>
+              </a:pPr>
+              <a:r>
+                <a:rPr sz="880">
+                  <a:solidFill>
+                    <a:srgbClr val="4D4D4D">
+                      <a:alpha val="100000"/>
+                    </a:srgbClr>
+                  </a:solidFill>
+                  <a:latin typeface="Liberation Sans"/>
+                  <a:cs typeface="Liberation Sans"/>
+                </a:rPr>
+                <a:t>Household and family care</a:t>
+              </a:r>
+            </a:p>
+          </p:txBody>
+        </p:sp>
+        <p:sp>
+          <p:nvSpPr>
+            <p:cNvPr id="36" name="tx36"/>
+            <p:cNvSpPr/>
+            <p:nvPr/>
+          </p:nvSpPr>
+          <p:spPr>
+            <a:xfrm>
+              <a:off x="5258918" y="5780341"/>
+              <a:ext cx="689550" cy="82073"/>
+            </a:xfrm>
+            <a:prstGeom prst="rect">
+              <a:avLst/>
+            </a:prstGeom>
+            <a:noFill/>
+          </p:spPr>
+          <p:txBody>
+            <a:bodyPr lIns="0" rIns="0" tIns="0" bIns="0" anchorCtr="1" anchor="ctr" wrap="none"/>
+            <a:lstStyle/>
+            <a:p>
+              <a:pPr algn="l" marL="0" marR="0" indent="0">
+                <a:lnSpc>
+                  <a:spcPts val="880"/>
+                </a:lnSpc>
+                <a:spcBef>
+                  <a:spcPts val="0"/>
+                </a:spcBef>
+                <a:spcAft>
+                  <a:spcPts val="0"/>
+                </a:spcAft>
+              </a:pPr>
+              <a:r>
+                <a:rPr sz="880">
+                  <a:solidFill>
+                    <a:srgbClr val="4D4D4D">
+                      <a:alpha val="100000"/>
+                    </a:srgbClr>
+                  </a:solidFill>
+                  <a:latin typeface="Liberation Sans"/>
+                  <a:cs typeface="Liberation Sans"/>
+                </a:rPr>
+                <a:t>Personal care</a:t>
+              </a:r>
+            </a:p>
+          </p:txBody>
+        </p:sp>
+        <p:sp>
+          <p:nvSpPr>
+            <p:cNvPr id="37" name="tx37"/>
+            <p:cNvSpPr/>
+            <p:nvPr/>
+          </p:nvSpPr>
+          <p:spPr>
+            <a:xfrm>
+              <a:off x="6756683" y="5758240"/>
+              <a:ext cx="285839" cy="104174"/>
+            </a:xfrm>
+            <a:prstGeom prst="rect">
+              <a:avLst/>
+            </a:prstGeom>
+            <a:noFill/>
+          </p:spPr>
+          <p:txBody>
+            <a:bodyPr lIns="0" rIns="0" tIns="0" bIns="0" anchorCtr="1" anchor="ctr" wrap="none"/>
+            <a:lstStyle/>
+            <a:p>
+              <a:pPr algn="l" marL="0" marR="0" indent="0">
+                <a:lnSpc>
+                  <a:spcPts val="880"/>
+                </a:lnSpc>
+                <a:spcBef>
+                  <a:spcPts val="0"/>
+                </a:spcBef>
+                <a:spcAft>
+                  <a:spcPts val="0"/>
+                </a:spcAft>
+              </a:pPr>
+              <a:r>
+                <a:rPr sz="880">
+                  <a:solidFill>
+                    <a:srgbClr val="4D4D4D">
+                      <a:alpha val="100000"/>
+                    </a:srgbClr>
+                  </a:solidFill>
+                  <a:latin typeface="Liberation Sans"/>
+                  <a:cs typeface="Liberation Sans"/>
+                </a:rPr>
+                <a:t>Sleep</a:t>
+              </a:r>
+            </a:p>
+          </p:txBody>
+        </p:sp>
+        <p:sp>
+          <p:nvSpPr>
+            <p:cNvPr id="38" name="tx38"/>
+            <p:cNvSpPr/>
+            <p:nvPr/>
+          </p:nvSpPr>
+          <p:spPr>
+            <a:xfrm>
+              <a:off x="4032203" y="5922355"/>
+              <a:ext cx="551160" cy="102592"/>
+            </a:xfrm>
+            <a:prstGeom prst="rect">
+              <a:avLst/>
+            </a:prstGeom>
+            <a:noFill/>
+          </p:spPr>
+          <p:txBody>
+            <a:bodyPr lIns="0" rIns="0" tIns="0" bIns="0" anchorCtr="1" anchor="ctr" wrap="none"/>
+            <a:lstStyle/>
+            <a:p>
+              <a:pPr algn="l" marL="0" marR="0" indent="0">
+                <a:lnSpc>
+                  <a:spcPts val="1100"/>
+                </a:lnSpc>
+                <a:spcBef>
+                  <a:spcPts val="0"/>
+                </a:spcBef>
+                <a:spcAft>
+                  <a:spcPts val="0"/>
+                </a:spcAft>
+              </a:pPr>
+              <a:r>
+                <a:rPr sz="1100">
+                  <a:solidFill>
+                    <a:srgbClr val="000000">
+                      <a:alpha val="100000"/>
+                    </a:srgbClr>
+                  </a:solidFill>
+                  <a:latin typeface="Liberation Sans"/>
+                  <a:cs typeface="Liberation Sans"/>
+                </a:rPr>
+                <a:t>Activities</a:t>
+              </a:r>
+            </a:p>
+          </p:txBody>
+        </p:sp>
+        <p:sp>
+          <p:nvSpPr>
+            <p:cNvPr id="39" name="tx39"/>
+            <p:cNvSpPr/>
+            <p:nvPr/>
+          </p:nvSpPr>
+          <p:spPr>
+            <a:xfrm rot="-5400000">
+              <a:off x="78630" y="3753321"/>
+              <a:ext cx="985949" cy="102592"/>
+            </a:xfrm>
+            <a:prstGeom prst="rect">
+              <a:avLst/>
+            </a:prstGeom>
+            <a:noFill/>
+          </p:spPr>
+          <p:txBody>
+            <a:bodyPr lIns="0" rIns="0" tIns="0" bIns="0" anchorCtr="1" anchor="ctr" wrap="none"/>
+            <a:lstStyle/>
+            <a:p>
+              <a:pPr algn="l" marL="0" marR="0" indent="0">
+                <a:lnSpc>
+                  <a:spcPts val="1100"/>
+                </a:lnSpc>
+                <a:spcBef>
+                  <a:spcPts val="0"/>
+                </a:spcBef>
+                <a:spcAft>
+                  <a:spcPts val="0"/>
+                </a:spcAft>
+              </a:pPr>
+              <a:r>
+                <a:rPr sz="1100">
+                  <a:solidFill>
+                    <a:srgbClr val="000000">
+                      <a:alpha val="100000"/>
+                    </a:srgbClr>
+                  </a:solidFill>
+                  <a:latin typeface="Liberation Sans"/>
+                  <a:cs typeface="Liberation Sans"/>
+                </a:rPr>
+                <a:t>Time in minutes</a:t>
+              </a:r>
+            </a:p>
+          </p:txBody>
+        </p:sp>
+        <p:sp>
+          <p:nvSpPr>
+            <p:cNvPr id="40" name="tx40"/>
+            <p:cNvSpPr/>
+            <p:nvPr/>
+          </p:nvSpPr>
+          <p:spPr>
+            <a:xfrm>
+              <a:off x="7885916" y="3468204"/>
+              <a:ext cx="644748" cy="130218"/>
+            </a:xfrm>
+            <a:prstGeom prst="rect">
+              <a:avLst/>
+            </a:prstGeom>
+            <a:noFill/>
+          </p:spPr>
+          <p:txBody>
+            <a:bodyPr lIns="0" rIns="0" tIns="0" bIns="0" anchorCtr="1" anchor="ctr" wrap="none"/>
+            <a:lstStyle/>
+            <a:p>
+              <a:pPr algn="l" marL="0" marR="0" indent="0">
+                <a:lnSpc>
+                  <a:spcPts val="1100"/>
+                </a:lnSpc>
+                <a:spcBef>
+                  <a:spcPts val="0"/>
+                </a:spcBef>
+                <a:spcAft>
+                  <a:spcPts val="0"/>
+                </a:spcAft>
+              </a:pPr>
+              <a:r>
+                <a:rPr sz="1100">
+                  <a:solidFill>
+                    <a:srgbClr val="000000">
+                      <a:alpha val="100000"/>
+                    </a:srgbClr>
+                  </a:solidFill>
+                  <a:latin typeface="Liberation Sans"/>
+                  <a:cs typeface="Liberation Sans"/>
+                </a:rPr>
+                <a:t>population</a:t>
+              </a:r>
+            </a:p>
+          </p:txBody>
+        </p:sp>
+        <p:sp>
+          <p:nvSpPr>
+            <p:cNvPr id="41" name="rc41"/>
+            <p:cNvSpPr/>
+            <p:nvPr/>
+          </p:nvSpPr>
+          <p:spPr>
+            <a:xfrm>
+              <a:off x="7894916" y="3692824"/>
+              <a:ext cx="201455" cy="201456"/>
+            </a:xfrm>
+            <a:prstGeom prst="rect">
+              <a:avLst/>
+            </a:prstGeom>
+            <a:solidFill>
+              <a:srgbClr val="F8766D">
+                <a:alpha val="100000"/>
+              </a:srgbClr>
+            </a:solidFill>
+          </p:spPr>
+          <p:txBody>
+            <a:bodyPr/>
+            <a:lstStyle/>
+            <a:p/>
+          </p:txBody>
+        </p:sp>
+        <p:sp>
+          <p:nvSpPr>
+            <p:cNvPr id="42" name="rc42"/>
+            <p:cNvSpPr/>
+            <p:nvPr/>
+          </p:nvSpPr>
+          <p:spPr>
+            <a:xfrm>
+              <a:off x="7894916" y="3912280"/>
+              <a:ext cx="201455" cy="201456"/>
+            </a:xfrm>
+            <a:prstGeom prst="rect">
+              <a:avLst/>
+            </a:prstGeom>
+            <a:solidFill>
+              <a:srgbClr val="00BFC4">
+                <a:alpha val="100000"/>
+              </a:srgbClr>
+            </a:solidFill>
+          </p:spPr>
+          <p:txBody>
+            <a:bodyPr/>
+            <a:lstStyle/>
+            <a:p/>
+          </p:txBody>
+        </p:sp>
+        <p:sp>
+          <p:nvSpPr>
+            <p:cNvPr id="43" name="tx43"/>
+            <p:cNvSpPr/>
+            <p:nvPr/>
+          </p:nvSpPr>
+          <p:spPr>
+            <a:xfrm>
+              <a:off x="8174961" y="3749923"/>
+              <a:ext cx="372660" cy="82073"/>
+            </a:xfrm>
+            <a:prstGeom prst="rect">
+              <a:avLst/>
+            </a:prstGeom>
+            <a:noFill/>
+          </p:spPr>
+          <p:txBody>
+            <a:bodyPr lIns="0" rIns="0" tIns="0" bIns="0" anchorCtr="1" anchor="ctr" wrap="none"/>
+            <a:lstStyle/>
+            <a:p>
+              <a:pPr algn="l" marL="0" marR="0" indent="0">
+                <a:lnSpc>
+                  <a:spcPts val="880"/>
+                </a:lnSpc>
+                <a:spcBef>
+                  <a:spcPts val="0"/>
+                </a:spcBef>
+                <a:spcAft>
+                  <a:spcPts val="0"/>
+                </a:spcAft>
+              </a:pPr>
+              <a:r>
+                <a:rPr sz="880">
+                  <a:solidFill>
+                    <a:srgbClr val="000000">
+                      <a:alpha val="100000"/>
+                    </a:srgbClr>
+                  </a:solidFill>
+                  <a:latin typeface="Liberation Sans"/>
+                  <a:cs typeface="Liberation Sans"/>
+                </a:rPr>
+                <a:t>Female</a:t>
+              </a:r>
+            </a:p>
+          </p:txBody>
+        </p:sp>
+        <p:sp>
+          <p:nvSpPr>
+            <p:cNvPr id="44" name="tx44"/>
+            <p:cNvSpPr/>
+            <p:nvPr/>
+          </p:nvSpPr>
+          <p:spPr>
+            <a:xfrm>
+              <a:off x="8174961" y="3969379"/>
+              <a:ext cx="242237" cy="82073"/>
+            </a:xfrm>
+            <a:prstGeom prst="rect">
+              <a:avLst/>
+            </a:prstGeom>
+            <a:noFill/>
+          </p:spPr>
+          <p:txBody>
+            <a:bodyPr lIns="0" rIns="0" tIns="0" bIns="0" anchorCtr="1" anchor="ctr" wrap="none"/>
+            <a:lstStyle/>
+            <a:p>
+              <a:pPr algn="l" marL="0" marR="0" indent="0">
+                <a:lnSpc>
+                  <a:spcPts val="880"/>
+                </a:lnSpc>
+                <a:spcBef>
+                  <a:spcPts val="0"/>
+                </a:spcBef>
+                <a:spcAft>
+                  <a:spcPts val="0"/>
+                </a:spcAft>
+              </a:pPr>
+              <a:r>
+                <a:rPr sz="880">
+                  <a:solidFill>
+                    <a:srgbClr val="000000">
+                      <a:alpha val="100000"/>
+                    </a:srgbClr>
+                  </a:solidFill>
+                  <a:latin typeface="Liberation Sans"/>
+                  <a:cs typeface="Liberation Sans"/>
+                </a:rPr>
+                <a:t>Male</a:t>
+              </a:r>
+            </a:p>
+          </p:txBody>
+        </p:sp>
+        <p:sp>
+          <p:nvSpPr>
+            <p:cNvPr id="45" name="tx45"/>
+            <p:cNvSpPr/>
+            <p:nvPr/>
+          </p:nvSpPr>
+          <p:spPr>
+            <a:xfrm>
+              <a:off x="938418" y="1628861"/>
+              <a:ext cx="1435417" cy="156262"/>
+            </a:xfrm>
+            <a:prstGeom prst="rect">
+              <a:avLst/>
+            </a:prstGeom>
+            <a:noFill/>
+          </p:spPr>
+          <p:txBody>
+            <a:bodyPr lIns="0" rIns="0" tIns="0" bIns="0" anchorCtr="1" anchor="ctr" wrap="none"/>
+            <a:lstStyle/>
+            <a:p>
+              <a:pPr algn="l" marL="0" marR="0" indent="0">
+                <a:lnSpc>
+                  <a:spcPts val="1320"/>
+                </a:lnSpc>
+                <a:spcBef>
+                  <a:spcPts val="0"/>
+                </a:spcBef>
+                <a:spcAft>
+                  <a:spcPts val="0"/>
+                </a:spcAft>
+              </a:pPr>
+              <a:r>
+                <a:rPr sz="1320">
+                  <a:solidFill>
+                    <a:srgbClr val="000000">
+                      <a:alpha val="100000"/>
+                    </a:srgbClr>
+                  </a:solidFill>
+                  <a:latin typeface="Liberation Sans"/>
+                  <a:cs typeface="Liberation Sans"/>
+                </a:rPr>
+                <a:t>Year 2014_Sunday</a:t>
+              </a:r>
+            </a:p>
+          </p:txBody>
+        </p:sp>
+      </p:grpSp>
+    </p:spTree>
+  </p:cSld>
+  <p:clrMapOvr>
+    <a:masterClrMapping/>
+  </p:clrMapOvr>
+</p:sld>
+</file>
+
 <file path=ppt/tags/tag1.xml><?xml version="1.0" encoding="utf-8"?>
 <p:tagLst xmlns:a="http://schemas.openxmlformats.org/drawingml/2006/main" xmlns:r="http://schemas.openxmlformats.org/officeDocument/2006/relationships" xmlns:p="http://schemas.openxmlformats.org/presentationml/2006/main">
   <p:tag name="_AMO_UNIQUEIDENTIFIER" val="Empty"/>

--- a/content/blog/test.pptx
+++ b/content/blog/test.pptx
@@ -14,6 +14,9 @@
     <p:sldId id="262" r:id="rId14"/>
     <p:sldId id="263" r:id="rId15"/>
     <p:sldId id="264" r:id="rId16"/>
+    <p:sldId id="265" r:id="rId17"/>
+    <p:sldId id="266" r:id="rId18"/>
+    <p:sldId id="267" r:id="rId19"/>
   </p:sldIdLst>
   <p:sldSz cx="9144000" cy="6858000" type="screen4x3"/>
   <p:notesSz cx="6858000" cy="9144000"/>
@@ -3841,6 +3844,5003 @@
 </p:sld>
 </file>
 
+<file path=ppt/slides/slide10.xml><?xml version="1.0" encoding="utf-8"?>
+<p:sld xmlns:a="http://schemas.openxmlformats.org/drawingml/2006/main" xmlns:r="http://schemas.openxmlformats.org/officeDocument/2006/relationships" xmlns:p="http://schemas.openxmlformats.org/presentationml/2006/main">
+  <p:cSld>
+    <p:spTree>
+      <p:nvGrpSpPr>
+        <p:cNvPr id="1" name=""/>
+        <p:cNvGrpSpPr/>
+        <p:nvPr/>
+      </p:nvGrpSpPr>
+      <p:grpSpPr>
+        <a:xfrm>
+          <a:off x="0" y="0"/>
+          <a:ext cx="0" cy="0"/>
+          <a:chOff x="0" y="0"/>
+          <a:chExt cx="0" cy="0"/>
+        </a:xfrm>
+      </p:grpSpPr>
+      <p:grpSp xmlns:a="http://schemas.openxmlformats.org/drawingml/2006/main" xmlns:r="http://schemas.openxmlformats.org/officeDocument/2006/relationships" xmlns:p="http://schemas.openxmlformats.org/presentationml/2006/main" xmlns:pic="http://schemas.openxmlformats.org/drawingml/2006/picture">
+        <p:nvGrpSpPr>
+          <p:cNvPr id="2" name="grp1"/>
+          <p:cNvGrpSpPr/>
+          <p:nvPr/>
+        </p:nvGrpSpPr>
+        <p:grpSpPr>
+          <a:xfrm>
+            <a:off x="457200" y="1600200"/>
+            <a:ext cx="8229600" cy="4525962"/>
+            <a:chOff x="457200" y="1600200"/>
+            <a:chExt cx="8229600" cy="4525962"/>
+          </a:xfrm>
+        </p:grpSpPr>
+        <p:sp>
+          <p:nvSpPr>
+            <p:cNvPr id="3" name="rc3"/>
+            <p:cNvSpPr/>
+            <p:nvPr/>
+          </p:nvSpPr>
+          <p:spPr>
+            <a:xfrm>
+              <a:off x="457200" y="1600200"/>
+              <a:ext cx="8229600" cy="4525962"/>
+            </a:xfrm>
+            <a:prstGeom prst="rect">
+              <a:avLst/>
+            </a:prstGeom>
+            <a:solidFill>
+              <a:srgbClr val="FFFFFF">
+                <a:alpha val="100000"/>
+              </a:srgbClr>
+            </a:solidFill>
+            <a:ln w="9525" cap="rnd">
+              <a:solidFill>
+                <a:srgbClr val="FFFFFF">
+                  <a:alpha val="100000"/>
+                </a:srgbClr>
+              </a:solidFill>
+              <a:prstDash val="solid"/>
+              <a:round/>
+            </a:ln>
+          </p:spPr>
+          <p:txBody>
+            <a:bodyPr/>
+            <a:lstStyle/>
+            <a:p/>
+          </p:txBody>
+        </p:sp>
+        <p:sp>
+          <p:nvSpPr>
+            <p:cNvPr id="4" name="pl4"/>
+            <p:cNvSpPr/>
+            <p:nvPr/>
+          </p:nvSpPr>
+          <p:spPr>
+            <a:xfrm>
+              <a:off x="938418" y="5031798"/>
+              <a:ext cx="6738730" cy="0"/>
+            </a:xfrm>
+            <a:custGeom>
+              <a:avLst/>
+              <a:pathLst>
+                <a:path w="6738730" h="0">
+                  <a:moveTo>
+                    <a:pt x="0" y="0"/>
+                  </a:moveTo>
+                  <a:lnTo>
+                    <a:pt x="6738730" y="0"/>
+                  </a:lnTo>
+                  <a:lnTo>
+                    <a:pt x="6738730" y="0"/>
+                  </a:lnTo>
+                </a:path>
+              </a:pathLst>
+            </a:custGeom>
+            <a:ln w="6775" cap="flat">
+              <a:solidFill>
+                <a:srgbClr val="EBEBEB">
+                  <a:alpha val="100000"/>
+                </a:srgbClr>
+              </a:solidFill>
+              <a:prstDash val="solid"/>
+              <a:round/>
+            </a:ln>
+          </p:spPr>
+          <p:txBody>
+            <a:bodyPr/>
+            <a:lstStyle/>
+            <a:p/>
+          </p:txBody>
+        </p:sp>
+        <p:sp>
+          <p:nvSpPr>
+            <p:cNvPr id="5" name="pl5"/>
+            <p:cNvSpPr/>
+            <p:nvPr/>
+          </p:nvSpPr>
+          <p:spPr>
+            <a:xfrm>
+              <a:off x="938418" y="3998382"/>
+              <a:ext cx="6738730" cy="0"/>
+            </a:xfrm>
+            <a:custGeom>
+              <a:avLst/>
+              <a:pathLst>
+                <a:path w="6738730" h="0">
+                  <a:moveTo>
+                    <a:pt x="0" y="0"/>
+                  </a:moveTo>
+                  <a:lnTo>
+                    <a:pt x="6738730" y="0"/>
+                  </a:lnTo>
+                  <a:lnTo>
+                    <a:pt x="6738730" y="0"/>
+                  </a:lnTo>
+                </a:path>
+              </a:pathLst>
+            </a:custGeom>
+            <a:ln w="6775" cap="flat">
+              <a:solidFill>
+                <a:srgbClr val="EBEBEB">
+                  <a:alpha val="100000"/>
+                </a:srgbClr>
+              </a:solidFill>
+              <a:prstDash val="solid"/>
+              <a:round/>
+            </a:ln>
+          </p:spPr>
+          <p:txBody>
+            <a:bodyPr/>
+            <a:lstStyle/>
+            <a:p/>
+          </p:txBody>
+        </p:sp>
+        <p:sp>
+          <p:nvSpPr>
+            <p:cNvPr id="6" name="pl6"/>
+            <p:cNvSpPr/>
+            <p:nvPr/>
+          </p:nvSpPr>
+          <p:spPr>
+            <a:xfrm>
+              <a:off x="938418" y="2964966"/>
+              <a:ext cx="6738730" cy="0"/>
+            </a:xfrm>
+            <a:custGeom>
+              <a:avLst/>
+              <a:pathLst>
+                <a:path w="6738730" h="0">
+                  <a:moveTo>
+                    <a:pt x="0" y="0"/>
+                  </a:moveTo>
+                  <a:lnTo>
+                    <a:pt x="6738730" y="0"/>
+                  </a:lnTo>
+                  <a:lnTo>
+                    <a:pt x="6738730" y="0"/>
+                  </a:lnTo>
+                </a:path>
+              </a:pathLst>
+            </a:custGeom>
+            <a:ln w="6775" cap="flat">
+              <a:solidFill>
+                <a:srgbClr val="EBEBEB">
+                  <a:alpha val="100000"/>
+                </a:srgbClr>
+              </a:solidFill>
+              <a:prstDash val="solid"/>
+              <a:round/>
+            </a:ln>
+          </p:spPr>
+          <p:txBody>
+            <a:bodyPr/>
+            <a:lstStyle/>
+            <a:p/>
+          </p:txBody>
+        </p:sp>
+        <p:sp>
+          <p:nvSpPr>
+            <p:cNvPr id="7" name="pl7"/>
+            <p:cNvSpPr/>
+            <p:nvPr/>
+          </p:nvSpPr>
+          <p:spPr>
+            <a:xfrm>
+              <a:off x="938418" y="1931550"/>
+              <a:ext cx="6738730" cy="0"/>
+            </a:xfrm>
+            <a:custGeom>
+              <a:avLst/>
+              <a:pathLst>
+                <a:path w="6738730" h="0">
+                  <a:moveTo>
+                    <a:pt x="0" y="0"/>
+                  </a:moveTo>
+                  <a:lnTo>
+                    <a:pt x="6738730" y="0"/>
+                  </a:lnTo>
+                  <a:lnTo>
+                    <a:pt x="6738730" y="0"/>
+                  </a:lnTo>
+                </a:path>
+              </a:pathLst>
+            </a:custGeom>
+            <a:ln w="6775" cap="flat">
+              <a:solidFill>
+                <a:srgbClr val="EBEBEB">
+                  <a:alpha val="100000"/>
+                </a:srgbClr>
+              </a:solidFill>
+              <a:prstDash val="solid"/>
+              <a:round/>
+            </a:ln>
+          </p:spPr>
+          <p:txBody>
+            <a:bodyPr/>
+            <a:lstStyle/>
+            <a:p/>
+          </p:txBody>
+        </p:sp>
+        <p:sp>
+          <p:nvSpPr>
+            <p:cNvPr id="8" name="pl8"/>
+            <p:cNvSpPr/>
+            <p:nvPr/>
+          </p:nvSpPr>
+          <p:spPr>
+            <a:xfrm>
+              <a:off x="938418" y="5548506"/>
+              <a:ext cx="6738730" cy="0"/>
+            </a:xfrm>
+            <a:custGeom>
+              <a:avLst/>
+              <a:pathLst>
+                <a:path w="6738730" h="0">
+                  <a:moveTo>
+                    <a:pt x="0" y="0"/>
+                  </a:moveTo>
+                  <a:lnTo>
+                    <a:pt x="6738730" y="0"/>
+                  </a:lnTo>
+                  <a:lnTo>
+                    <a:pt x="6738730" y="0"/>
+                  </a:lnTo>
+                </a:path>
+              </a:pathLst>
+            </a:custGeom>
+            <a:ln w="13550" cap="flat">
+              <a:solidFill>
+                <a:srgbClr val="EBEBEB">
+                  <a:alpha val="100000"/>
+                </a:srgbClr>
+              </a:solidFill>
+              <a:prstDash val="solid"/>
+              <a:round/>
+            </a:ln>
+          </p:spPr>
+          <p:txBody>
+            <a:bodyPr/>
+            <a:lstStyle/>
+            <a:p/>
+          </p:txBody>
+        </p:sp>
+        <p:sp>
+          <p:nvSpPr>
+            <p:cNvPr id="9" name="pl9"/>
+            <p:cNvSpPr/>
+            <p:nvPr/>
+          </p:nvSpPr>
+          <p:spPr>
+            <a:xfrm>
+              <a:off x="938418" y="4515090"/>
+              <a:ext cx="6738730" cy="0"/>
+            </a:xfrm>
+            <a:custGeom>
+              <a:avLst/>
+              <a:pathLst>
+                <a:path w="6738730" h="0">
+                  <a:moveTo>
+                    <a:pt x="0" y="0"/>
+                  </a:moveTo>
+                  <a:lnTo>
+                    <a:pt x="6738730" y="0"/>
+                  </a:lnTo>
+                  <a:lnTo>
+                    <a:pt x="6738730" y="0"/>
+                  </a:lnTo>
+                </a:path>
+              </a:pathLst>
+            </a:custGeom>
+            <a:ln w="13550" cap="flat">
+              <a:solidFill>
+                <a:srgbClr val="EBEBEB">
+                  <a:alpha val="100000"/>
+                </a:srgbClr>
+              </a:solidFill>
+              <a:prstDash val="solid"/>
+              <a:round/>
+            </a:ln>
+          </p:spPr>
+          <p:txBody>
+            <a:bodyPr/>
+            <a:lstStyle/>
+            <a:p/>
+          </p:txBody>
+        </p:sp>
+        <p:sp>
+          <p:nvSpPr>
+            <p:cNvPr id="10" name="pl10"/>
+            <p:cNvSpPr/>
+            <p:nvPr/>
+          </p:nvSpPr>
+          <p:spPr>
+            <a:xfrm>
+              <a:off x="938418" y="3481674"/>
+              <a:ext cx="6738730" cy="0"/>
+            </a:xfrm>
+            <a:custGeom>
+              <a:avLst/>
+              <a:pathLst>
+                <a:path w="6738730" h="0">
+                  <a:moveTo>
+                    <a:pt x="0" y="0"/>
+                  </a:moveTo>
+                  <a:lnTo>
+                    <a:pt x="6738730" y="0"/>
+                  </a:lnTo>
+                  <a:lnTo>
+                    <a:pt x="6738730" y="0"/>
+                  </a:lnTo>
+                </a:path>
+              </a:pathLst>
+            </a:custGeom>
+            <a:ln w="13550" cap="flat">
+              <a:solidFill>
+                <a:srgbClr val="EBEBEB">
+                  <a:alpha val="100000"/>
+                </a:srgbClr>
+              </a:solidFill>
+              <a:prstDash val="solid"/>
+              <a:round/>
+            </a:ln>
+          </p:spPr>
+          <p:txBody>
+            <a:bodyPr/>
+            <a:lstStyle/>
+            <a:p/>
+          </p:txBody>
+        </p:sp>
+        <p:sp>
+          <p:nvSpPr>
+            <p:cNvPr id="11" name="pl11"/>
+            <p:cNvSpPr/>
+            <p:nvPr/>
+          </p:nvSpPr>
+          <p:spPr>
+            <a:xfrm>
+              <a:off x="938418" y="2448258"/>
+              <a:ext cx="6738730" cy="0"/>
+            </a:xfrm>
+            <a:custGeom>
+              <a:avLst/>
+              <a:pathLst>
+                <a:path w="6738730" h="0">
+                  <a:moveTo>
+                    <a:pt x="0" y="0"/>
+                  </a:moveTo>
+                  <a:lnTo>
+                    <a:pt x="6738730" y="0"/>
+                  </a:lnTo>
+                  <a:lnTo>
+                    <a:pt x="6738730" y="0"/>
+                  </a:lnTo>
+                </a:path>
+              </a:pathLst>
+            </a:custGeom>
+            <a:ln w="13550" cap="flat">
+              <a:solidFill>
+                <a:srgbClr val="EBEBEB">
+                  <a:alpha val="100000"/>
+                </a:srgbClr>
+              </a:solidFill>
+              <a:prstDash val="solid"/>
+              <a:round/>
+            </a:ln>
+          </p:spPr>
+          <p:txBody>
+            <a:bodyPr/>
+            <a:lstStyle/>
+            <a:p/>
+          </p:txBody>
+        </p:sp>
+        <p:sp>
+          <p:nvSpPr>
+            <p:cNvPr id="12" name="pl12"/>
+            <p:cNvSpPr/>
+            <p:nvPr/>
+          </p:nvSpPr>
+          <p:spPr>
+            <a:xfrm>
+              <a:off x="1715964" y="1886338"/>
+              <a:ext cx="0" cy="3836557"/>
+            </a:xfrm>
+            <a:custGeom>
+              <a:avLst/>
+              <a:pathLst>
+                <a:path w="0" h="3836557">
+                  <a:moveTo>
+                    <a:pt x="0" y="3836557"/>
+                  </a:moveTo>
+                  <a:lnTo>
+                    <a:pt x="0" y="0"/>
+                  </a:lnTo>
+                  <a:lnTo>
+                    <a:pt x="0" y="0"/>
+                  </a:lnTo>
+                </a:path>
+              </a:pathLst>
+            </a:custGeom>
+            <a:ln w="13550" cap="flat">
+              <a:solidFill>
+                <a:srgbClr val="EBEBEB">
+                  <a:alpha val="100000"/>
+                </a:srgbClr>
+              </a:solidFill>
+              <a:prstDash val="solid"/>
+              <a:round/>
+            </a:ln>
+          </p:spPr>
+          <p:txBody>
+            <a:bodyPr/>
+            <a:lstStyle/>
+            <a:p/>
+          </p:txBody>
+        </p:sp>
+        <p:sp>
+          <p:nvSpPr>
+            <p:cNvPr id="13" name="pl13"/>
+            <p:cNvSpPr/>
+            <p:nvPr/>
+          </p:nvSpPr>
+          <p:spPr>
+            <a:xfrm>
+              <a:off x="3011873" y="1886338"/>
+              <a:ext cx="0" cy="3836557"/>
+            </a:xfrm>
+            <a:custGeom>
+              <a:avLst/>
+              <a:pathLst>
+                <a:path w="0" h="3836557">
+                  <a:moveTo>
+                    <a:pt x="0" y="3836557"/>
+                  </a:moveTo>
+                  <a:lnTo>
+                    <a:pt x="0" y="0"/>
+                  </a:lnTo>
+                  <a:lnTo>
+                    <a:pt x="0" y="0"/>
+                  </a:lnTo>
+                </a:path>
+              </a:pathLst>
+            </a:custGeom>
+            <a:ln w="13550" cap="flat">
+              <a:solidFill>
+                <a:srgbClr val="EBEBEB">
+                  <a:alpha val="100000"/>
+                </a:srgbClr>
+              </a:solidFill>
+              <a:prstDash val="solid"/>
+              <a:round/>
+            </a:ln>
+          </p:spPr>
+          <p:txBody>
+            <a:bodyPr/>
+            <a:lstStyle/>
+            <a:p/>
+          </p:txBody>
+        </p:sp>
+        <p:sp>
+          <p:nvSpPr>
+            <p:cNvPr id="14" name="pl14"/>
+            <p:cNvSpPr/>
+            <p:nvPr/>
+          </p:nvSpPr>
+          <p:spPr>
+            <a:xfrm>
+              <a:off x="4307783" y="1886338"/>
+              <a:ext cx="0" cy="3836557"/>
+            </a:xfrm>
+            <a:custGeom>
+              <a:avLst/>
+              <a:pathLst>
+                <a:path w="0" h="3836557">
+                  <a:moveTo>
+                    <a:pt x="0" y="3836557"/>
+                  </a:moveTo>
+                  <a:lnTo>
+                    <a:pt x="0" y="0"/>
+                  </a:lnTo>
+                  <a:lnTo>
+                    <a:pt x="0" y="0"/>
+                  </a:lnTo>
+                </a:path>
+              </a:pathLst>
+            </a:custGeom>
+            <a:ln w="13550" cap="flat">
+              <a:solidFill>
+                <a:srgbClr val="EBEBEB">
+                  <a:alpha val="100000"/>
+                </a:srgbClr>
+              </a:solidFill>
+              <a:prstDash val="solid"/>
+              <a:round/>
+            </a:ln>
+          </p:spPr>
+          <p:txBody>
+            <a:bodyPr/>
+            <a:lstStyle/>
+            <a:p/>
+          </p:txBody>
+        </p:sp>
+        <p:sp>
+          <p:nvSpPr>
+            <p:cNvPr id="15" name="pl15"/>
+            <p:cNvSpPr/>
+            <p:nvPr/>
+          </p:nvSpPr>
+          <p:spPr>
+            <a:xfrm>
+              <a:off x="5603693" y="1886338"/>
+              <a:ext cx="0" cy="3836557"/>
+            </a:xfrm>
+            <a:custGeom>
+              <a:avLst/>
+              <a:pathLst>
+                <a:path w="0" h="3836557">
+                  <a:moveTo>
+                    <a:pt x="0" y="3836557"/>
+                  </a:moveTo>
+                  <a:lnTo>
+                    <a:pt x="0" y="0"/>
+                  </a:lnTo>
+                  <a:lnTo>
+                    <a:pt x="0" y="0"/>
+                  </a:lnTo>
+                </a:path>
+              </a:pathLst>
+            </a:custGeom>
+            <a:ln w="13550" cap="flat">
+              <a:solidFill>
+                <a:srgbClr val="EBEBEB">
+                  <a:alpha val="100000"/>
+                </a:srgbClr>
+              </a:solidFill>
+              <a:prstDash val="solid"/>
+              <a:round/>
+            </a:ln>
+          </p:spPr>
+          <p:txBody>
+            <a:bodyPr/>
+            <a:lstStyle/>
+            <a:p/>
+          </p:txBody>
+        </p:sp>
+        <p:sp>
+          <p:nvSpPr>
+            <p:cNvPr id="16" name="pl16"/>
+            <p:cNvSpPr/>
+            <p:nvPr/>
+          </p:nvSpPr>
+          <p:spPr>
+            <a:xfrm>
+              <a:off x="6899603" y="1886338"/>
+              <a:ext cx="0" cy="3836557"/>
+            </a:xfrm>
+            <a:custGeom>
+              <a:avLst/>
+              <a:pathLst>
+                <a:path w="0" h="3836557">
+                  <a:moveTo>
+                    <a:pt x="0" y="3836557"/>
+                  </a:moveTo>
+                  <a:lnTo>
+                    <a:pt x="0" y="0"/>
+                  </a:lnTo>
+                  <a:lnTo>
+                    <a:pt x="0" y="0"/>
+                  </a:lnTo>
+                </a:path>
+              </a:pathLst>
+            </a:custGeom>
+            <a:ln w="13550" cap="flat">
+              <a:solidFill>
+                <a:srgbClr val="EBEBEB">
+                  <a:alpha val="100000"/>
+                </a:srgbClr>
+              </a:solidFill>
+              <a:prstDash val="solid"/>
+              <a:round/>
+            </a:ln>
+          </p:spPr>
+          <p:txBody>
+            <a:bodyPr/>
+            <a:lstStyle/>
+            <a:p/>
+          </p:txBody>
+        </p:sp>
+        <p:sp>
+          <p:nvSpPr>
+            <p:cNvPr id="17" name="rc17"/>
+            <p:cNvSpPr/>
+            <p:nvPr/>
+          </p:nvSpPr>
+          <p:spPr>
+            <a:xfrm>
+              <a:off x="1715964" y="5000796"/>
+              <a:ext cx="583159" cy="547710"/>
+            </a:xfrm>
+            <a:prstGeom prst="rect">
+              <a:avLst/>
+            </a:prstGeom>
+            <a:solidFill>
+              <a:srgbClr val="00BFC4">
+                <a:alpha val="100000"/>
+              </a:srgbClr>
+            </a:solidFill>
+          </p:spPr>
+          <p:txBody>
+            <a:bodyPr/>
+            <a:lstStyle/>
+            <a:p/>
+          </p:txBody>
+        </p:sp>
+        <p:sp>
+          <p:nvSpPr>
+            <p:cNvPr id="18" name="rc18"/>
+            <p:cNvSpPr/>
+            <p:nvPr/>
+          </p:nvSpPr>
+          <p:spPr>
+            <a:xfrm>
+              <a:off x="1132804" y="4990462"/>
+              <a:ext cx="583159" cy="558044"/>
+            </a:xfrm>
+            <a:prstGeom prst="rect">
+              <a:avLst/>
+            </a:prstGeom>
+            <a:solidFill>
+              <a:srgbClr val="F8766D">
+                <a:alpha val="100000"/>
+              </a:srgbClr>
+            </a:solidFill>
+          </p:spPr>
+          <p:txBody>
+            <a:bodyPr/>
+            <a:lstStyle/>
+            <a:p/>
+          </p:txBody>
+        </p:sp>
+        <p:sp>
+          <p:nvSpPr>
+            <p:cNvPr id="19" name="rc19"/>
+            <p:cNvSpPr/>
+            <p:nvPr/>
+          </p:nvSpPr>
+          <p:spPr>
+            <a:xfrm>
+              <a:off x="3011873" y="3011470"/>
+              <a:ext cx="583159" cy="2537036"/>
+            </a:xfrm>
+            <a:prstGeom prst="rect">
+              <a:avLst/>
+            </a:prstGeom>
+            <a:solidFill>
+              <a:srgbClr val="00BFC4">
+                <a:alpha val="100000"/>
+              </a:srgbClr>
+            </a:solidFill>
+          </p:spPr>
+          <p:txBody>
+            <a:bodyPr/>
+            <a:lstStyle/>
+            <a:p/>
+          </p:txBody>
+        </p:sp>
+        <p:sp>
+          <p:nvSpPr>
+            <p:cNvPr id="20" name="rc20"/>
+            <p:cNvSpPr/>
+            <p:nvPr/>
+          </p:nvSpPr>
+          <p:spPr>
+            <a:xfrm>
+              <a:off x="2428714" y="3409335"/>
+              <a:ext cx="583159" cy="2139171"/>
+            </a:xfrm>
+            <a:prstGeom prst="rect">
+              <a:avLst/>
+            </a:prstGeom>
+            <a:solidFill>
+              <a:srgbClr val="F8766D">
+                <a:alpha val="100000"/>
+              </a:srgbClr>
+            </a:solidFill>
+          </p:spPr>
+          <p:txBody>
+            <a:bodyPr/>
+            <a:lstStyle/>
+            <a:p/>
+          </p:txBody>
+        </p:sp>
+        <p:sp>
+          <p:nvSpPr>
+            <p:cNvPr id="21" name="rc21"/>
+            <p:cNvSpPr/>
+            <p:nvPr/>
+          </p:nvSpPr>
+          <p:spPr>
+            <a:xfrm>
+              <a:off x="4307783" y="4933624"/>
+              <a:ext cx="583159" cy="614882"/>
+            </a:xfrm>
+            <a:prstGeom prst="rect">
+              <a:avLst/>
+            </a:prstGeom>
+            <a:solidFill>
+              <a:srgbClr val="00BFC4">
+                <a:alpha val="100000"/>
+              </a:srgbClr>
+            </a:solidFill>
+          </p:spPr>
+          <p:txBody>
+            <a:bodyPr/>
+            <a:lstStyle/>
+            <a:p/>
+          </p:txBody>
+        </p:sp>
+        <p:sp>
+          <p:nvSpPr>
+            <p:cNvPr id="22" name="rc22"/>
+            <p:cNvSpPr/>
+            <p:nvPr/>
+          </p:nvSpPr>
+          <p:spPr>
+            <a:xfrm>
+              <a:off x="3724624" y="4365245"/>
+              <a:ext cx="583159" cy="1183261"/>
+            </a:xfrm>
+            <a:prstGeom prst="rect">
+              <a:avLst/>
+            </a:prstGeom>
+            <a:solidFill>
+              <a:srgbClr val="F8766D">
+                <a:alpha val="100000"/>
+              </a:srgbClr>
+            </a:solidFill>
+          </p:spPr>
+          <p:txBody>
+            <a:bodyPr/>
+            <a:lstStyle/>
+            <a:p/>
+          </p:txBody>
+        </p:sp>
+        <p:sp>
+          <p:nvSpPr>
+            <p:cNvPr id="23" name="rc23"/>
+            <p:cNvSpPr/>
+            <p:nvPr/>
+          </p:nvSpPr>
+          <p:spPr>
+            <a:xfrm>
+              <a:off x="5603693" y="2138233"/>
+              <a:ext cx="583159" cy="3410273"/>
+            </a:xfrm>
+            <a:prstGeom prst="rect">
+              <a:avLst/>
+            </a:prstGeom>
+            <a:solidFill>
+              <a:srgbClr val="00BFC4">
+                <a:alpha val="100000"/>
+              </a:srgbClr>
+            </a:solidFill>
+          </p:spPr>
+          <p:txBody>
+            <a:bodyPr/>
+            <a:lstStyle/>
+            <a:p/>
+          </p:txBody>
+        </p:sp>
+        <p:sp>
+          <p:nvSpPr>
+            <p:cNvPr id="24" name="rc24"/>
+            <p:cNvSpPr/>
+            <p:nvPr/>
+          </p:nvSpPr>
+          <p:spPr>
+            <a:xfrm>
+              <a:off x="5020534" y="2060727"/>
+              <a:ext cx="583159" cy="3487779"/>
+            </a:xfrm>
+            <a:prstGeom prst="rect">
+              <a:avLst/>
+            </a:prstGeom>
+            <a:solidFill>
+              <a:srgbClr val="F8766D">
+                <a:alpha val="100000"/>
+              </a:srgbClr>
+            </a:solidFill>
+          </p:spPr>
+          <p:txBody>
+            <a:bodyPr/>
+            <a:lstStyle/>
+            <a:p/>
+          </p:txBody>
+        </p:sp>
+        <p:sp>
+          <p:nvSpPr>
+            <p:cNvPr id="25" name="rc25"/>
+            <p:cNvSpPr/>
+            <p:nvPr/>
+          </p:nvSpPr>
+          <p:spPr>
+            <a:xfrm>
+              <a:off x="6899603" y="2944298"/>
+              <a:ext cx="583159" cy="2604208"/>
+            </a:xfrm>
+            <a:prstGeom prst="rect">
+              <a:avLst/>
+            </a:prstGeom>
+            <a:solidFill>
+              <a:srgbClr val="00BFC4">
+                <a:alpha val="100000"/>
+              </a:srgbClr>
+            </a:solidFill>
+          </p:spPr>
+          <p:txBody>
+            <a:bodyPr/>
+            <a:lstStyle/>
+            <a:p/>
+          </p:txBody>
+        </p:sp>
+        <p:sp>
+          <p:nvSpPr>
+            <p:cNvPr id="26" name="rc26"/>
+            <p:cNvSpPr/>
+            <p:nvPr/>
+          </p:nvSpPr>
+          <p:spPr>
+            <a:xfrm>
+              <a:off x="6316443" y="2928796"/>
+              <a:ext cx="583159" cy="2619709"/>
+            </a:xfrm>
+            <a:prstGeom prst="rect">
+              <a:avLst/>
+            </a:prstGeom>
+            <a:solidFill>
+              <a:srgbClr val="F8766D">
+                <a:alpha val="100000"/>
+              </a:srgbClr>
+            </a:solidFill>
+          </p:spPr>
+          <p:txBody>
+            <a:bodyPr/>
+            <a:lstStyle/>
+            <a:p/>
+          </p:txBody>
+        </p:sp>
+        <p:sp>
+          <p:nvSpPr>
+            <p:cNvPr id="27" name="tx27"/>
+            <p:cNvSpPr/>
+            <p:nvPr/>
+          </p:nvSpPr>
+          <p:spPr>
+            <a:xfrm>
+              <a:off x="813632" y="5507824"/>
+              <a:ext cx="62155" cy="79126"/>
+            </a:xfrm>
+            <a:prstGeom prst="rect">
+              <a:avLst/>
+            </a:prstGeom>
+            <a:noFill/>
+          </p:spPr>
+          <p:txBody>
+            <a:bodyPr lIns="0" rIns="0" tIns="0" bIns="0" anchorCtr="1" anchor="ctr" wrap="none"/>
+            <a:lstStyle/>
+            <a:p>
+              <a:pPr algn="l" marL="0" marR="0" indent="0">
+                <a:lnSpc>
+                  <a:spcPts val="880"/>
+                </a:lnSpc>
+                <a:spcBef>
+                  <a:spcPts val="0"/>
+                </a:spcBef>
+                <a:spcAft>
+                  <a:spcPts val="0"/>
+                </a:spcAft>
+              </a:pPr>
+              <a:r>
+                <a:rPr sz="880">
+                  <a:solidFill>
+                    <a:srgbClr val="4D4D4D">
+                      <a:alpha val="100000"/>
+                    </a:srgbClr>
+                  </a:solidFill>
+                  <a:latin typeface="Liberation Sans"/>
+                  <a:cs typeface="Liberation Sans"/>
+                </a:rPr>
+                <a:t>0</a:t>
+              </a:r>
+            </a:p>
+          </p:txBody>
+        </p:sp>
+        <p:sp>
+          <p:nvSpPr>
+            <p:cNvPr id="28" name="tx28"/>
+            <p:cNvSpPr/>
+            <p:nvPr/>
+          </p:nvSpPr>
+          <p:spPr>
+            <a:xfrm>
+              <a:off x="689321" y="4474408"/>
+              <a:ext cx="186466" cy="79126"/>
+            </a:xfrm>
+            <a:prstGeom prst="rect">
+              <a:avLst/>
+            </a:prstGeom>
+            <a:noFill/>
+          </p:spPr>
+          <p:txBody>
+            <a:bodyPr lIns="0" rIns="0" tIns="0" bIns="0" anchorCtr="1" anchor="ctr" wrap="none"/>
+            <a:lstStyle/>
+            <a:p>
+              <a:pPr algn="l" marL="0" marR="0" indent="0">
+                <a:lnSpc>
+                  <a:spcPts val="880"/>
+                </a:lnSpc>
+                <a:spcBef>
+                  <a:spcPts val="0"/>
+                </a:spcBef>
+                <a:spcAft>
+                  <a:spcPts val="0"/>
+                </a:spcAft>
+              </a:pPr>
+              <a:r>
+                <a:rPr sz="880">
+                  <a:solidFill>
+                    <a:srgbClr val="4D4D4D">
+                      <a:alpha val="100000"/>
+                    </a:srgbClr>
+                  </a:solidFill>
+                  <a:latin typeface="Liberation Sans"/>
+                  <a:cs typeface="Liberation Sans"/>
+                </a:rPr>
+                <a:t>200</a:t>
+              </a:r>
+            </a:p>
+          </p:txBody>
+        </p:sp>
+        <p:sp>
+          <p:nvSpPr>
+            <p:cNvPr id="29" name="tx29"/>
+            <p:cNvSpPr/>
+            <p:nvPr/>
+          </p:nvSpPr>
+          <p:spPr>
+            <a:xfrm>
+              <a:off x="689321" y="3440992"/>
+              <a:ext cx="186466" cy="79126"/>
+            </a:xfrm>
+            <a:prstGeom prst="rect">
+              <a:avLst/>
+            </a:prstGeom>
+            <a:noFill/>
+          </p:spPr>
+          <p:txBody>
+            <a:bodyPr lIns="0" rIns="0" tIns="0" bIns="0" anchorCtr="1" anchor="ctr" wrap="none"/>
+            <a:lstStyle/>
+            <a:p>
+              <a:pPr algn="l" marL="0" marR="0" indent="0">
+                <a:lnSpc>
+                  <a:spcPts val="880"/>
+                </a:lnSpc>
+                <a:spcBef>
+                  <a:spcPts val="0"/>
+                </a:spcBef>
+                <a:spcAft>
+                  <a:spcPts val="0"/>
+                </a:spcAft>
+              </a:pPr>
+              <a:r>
+                <a:rPr sz="880">
+                  <a:solidFill>
+                    <a:srgbClr val="4D4D4D">
+                      <a:alpha val="100000"/>
+                    </a:srgbClr>
+                  </a:solidFill>
+                  <a:latin typeface="Liberation Sans"/>
+                  <a:cs typeface="Liberation Sans"/>
+                </a:rPr>
+                <a:t>400</a:t>
+              </a:r>
+            </a:p>
+          </p:txBody>
+        </p:sp>
+        <p:sp>
+          <p:nvSpPr>
+            <p:cNvPr id="30" name="tx30"/>
+            <p:cNvSpPr/>
+            <p:nvPr/>
+          </p:nvSpPr>
+          <p:spPr>
+            <a:xfrm>
+              <a:off x="689321" y="2407576"/>
+              <a:ext cx="186466" cy="79126"/>
+            </a:xfrm>
+            <a:prstGeom prst="rect">
+              <a:avLst/>
+            </a:prstGeom>
+            <a:noFill/>
+          </p:spPr>
+          <p:txBody>
+            <a:bodyPr lIns="0" rIns="0" tIns="0" bIns="0" anchorCtr="1" anchor="ctr" wrap="none"/>
+            <a:lstStyle/>
+            <a:p>
+              <a:pPr algn="l" marL="0" marR="0" indent="0">
+                <a:lnSpc>
+                  <a:spcPts val="880"/>
+                </a:lnSpc>
+                <a:spcBef>
+                  <a:spcPts val="0"/>
+                </a:spcBef>
+                <a:spcAft>
+                  <a:spcPts val="0"/>
+                </a:spcAft>
+              </a:pPr>
+              <a:r>
+                <a:rPr sz="880">
+                  <a:solidFill>
+                    <a:srgbClr val="4D4D4D">
+                      <a:alpha val="100000"/>
+                    </a:srgbClr>
+                  </a:solidFill>
+                  <a:latin typeface="Liberation Sans"/>
+                  <a:cs typeface="Liberation Sans"/>
+                </a:rPr>
+                <a:t>600</a:t>
+              </a:r>
+            </a:p>
+          </p:txBody>
+        </p:sp>
+        <p:sp>
+          <p:nvSpPr>
+            <p:cNvPr id="31" name="tx31"/>
+            <p:cNvSpPr/>
+            <p:nvPr/>
+          </p:nvSpPr>
+          <p:spPr>
+            <a:xfrm>
+              <a:off x="1557519" y="5758240"/>
+              <a:ext cx="316889" cy="104174"/>
+            </a:xfrm>
+            <a:prstGeom prst="rect">
+              <a:avLst/>
+            </a:prstGeom>
+            <a:noFill/>
+          </p:spPr>
+          <p:txBody>
+            <a:bodyPr lIns="0" rIns="0" tIns="0" bIns="0" anchorCtr="1" anchor="ctr" wrap="none"/>
+            <a:lstStyle/>
+            <a:p>
+              <a:pPr algn="l" marL="0" marR="0" indent="0">
+                <a:lnSpc>
+                  <a:spcPts val="880"/>
+                </a:lnSpc>
+                <a:spcBef>
+                  <a:spcPts val="0"/>
+                </a:spcBef>
+                <a:spcAft>
+                  <a:spcPts val="0"/>
+                </a:spcAft>
+              </a:pPr>
+              <a:r>
+                <a:rPr sz="880">
+                  <a:solidFill>
+                    <a:srgbClr val="4D4D4D">
+                      <a:alpha val="100000"/>
+                    </a:srgbClr>
+                  </a:solidFill>
+                  <a:latin typeface="Liberation Sans"/>
+                  <a:cs typeface="Liberation Sans"/>
+                </a:rPr>
+                <a:t>Eating</a:t>
+              </a:r>
+            </a:p>
+          </p:txBody>
+        </p:sp>
+        <p:sp>
+          <p:nvSpPr>
+            <p:cNvPr id="32" name="tx32"/>
+            <p:cNvSpPr/>
+            <p:nvPr/>
+          </p:nvSpPr>
+          <p:spPr>
+            <a:xfrm>
+              <a:off x="2701314" y="5758240"/>
+              <a:ext cx="621119" cy="104174"/>
+            </a:xfrm>
+            <a:prstGeom prst="rect">
+              <a:avLst/>
+            </a:prstGeom>
+            <a:noFill/>
+          </p:spPr>
+          <p:txBody>
+            <a:bodyPr lIns="0" rIns="0" tIns="0" bIns="0" anchorCtr="1" anchor="ctr" wrap="none"/>
+            <a:lstStyle/>
+            <a:p>
+              <a:pPr algn="l" marL="0" marR="0" indent="0">
+                <a:lnSpc>
+                  <a:spcPts val="880"/>
+                </a:lnSpc>
+                <a:spcBef>
+                  <a:spcPts val="0"/>
+                </a:spcBef>
+                <a:spcAft>
+                  <a:spcPts val="0"/>
+                </a:spcAft>
+              </a:pPr>
+              <a:r>
+                <a:rPr sz="880">
+                  <a:solidFill>
+                    <a:srgbClr val="4D4D4D">
+                      <a:alpha val="100000"/>
+                    </a:srgbClr>
+                  </a:solidFill>
+                  <a:latin typeface="Liberation Sans"/>
+                  <a:cs typeface="Liberation Sans"/>
+                </a:rPr>
+                <a:t>Employment</a:t>
+              </a:r>
+            </a:p>
+          </p:txBody>
+        </p:sp>
+        <p:sp>
+          <p:nvSpPr>
+            <p:cNvPr id="33" name="tx33"/>
+            <p:cNvSpPr/>
+            <p:nvPr/>
+          </p:nvSpPr>
+          <p:spPr>
+            <a:xfrm>
+              <a:off x="3646173" y="5758240"/>
+              <a:ext cx="1323220" cy="104174"/>
+            </a:xfrm>
+            <a:prstGeom prst="rect">
+              <a:avLst/>
+            </a:prstGeom>
+            <a:noFill/>
+          </p:spPr>
+          <p:txBody>
+            <a:bodyPr lIns="0" rIns="0" tIns="0" bIns="0" anchorCtr="1" anchor="ctr" wrap="none"/>
+            <a:lstStyle/>
+            <a:p>
+              <a:pPr algn="l" marL="0" marR="0" indent="0">
+                <a:lnSpc>
+                  <a:spcPts val="880"/>
+                </a:lnSpc>
+                <a:spcBef>
+                  <a:spcPts val="0"/>
+                </a:spcBef>
+                <a:spcAft>
+                  <a:spcPts val="0"/>
+                </a:spcAft>
+              </a:pPr>
+              <a:r>
+                <a:rPr sz="880">
+                  <a:solidFill>
+                    <a:srgbClr val="4D4D4D">
+                      <a:alpha val="100000"/>
+                    </a:srgbClr>
+                  </a:solidFill>
+                  <a:latin typeface="Liberation Sans"/>
+                  <a:cs typeface="Liberation Sans"/>
+                </a:rPr>
+                <a:t>Household and family care</a:t>
+              </a:r>
+            </a:p>
+          </p:txBody>
+        </p:sp>
+        <p:sp>
+          <p:nvSpPr>
+            <p:cNvPr id="34" name="tx34"/>
+            <p:cNvSpPr/>
+            <p:nvPr/>
+          </p:nvSpPr>
+          <p:spPr>
+            <a:xfrm>
+              <a:off x="5258918" y="5780341"/>
+              <a:ext cx="689550" cy="82073"/>
+            </a:xfrm>
+            <a:prstGeom prst="rect">
+              <a:avLst/>
+            </a:prstGeom>
+            <a:noFill/>
+          </p:spPr>
+          <p:txBody>
+            <a:bodyPr lIns="0" rIns="0" tIns="0" bIns="0" anchorCtr="1" anchor="ctr" wrap="none"/>
+            <a:lstStyle/>
+            <a:p>
+              <a:pPr algn="l" marL="0" marR="0" indent="0">
+                <a:lnSpc>
+                  <a:spcPts val="880"/>
+                </a:lnSpc>
+                <a:spcBef>
+                  <a:spcPts val="0"/>
+                </a:spcBef>
+                <a:spcAft>
+                  <a:spcPts val="0"/>
+                </a:spcAft>
+              </a:pPr>
+              <a:r>
+                <a:rPr sz="880">
+                  <a:solidFill>
+                    <a:srgbClr val="4D4D4D">
+                      <a:alpha val="100000"/>
+                    </a:srgbClr>
+                  </a:solidFill>
+                  <a:latin typeface="Liberation Sans"/>
+                  <a:cs typeface="Liberation Sans"/>
+                </a:rPr>
+                <a:t>Personal care</a:t>
+              </a:r>
+            </a:p>
+          </p:txBody>
+        </p:sp>
+        <p:sp>
+          <p:nvSpPr>
+            <p:cNvPr id="35" name="tx35"/>
+            <p:cNvSpPr/>
+            <p:nvPr/>
+          </p:nvSpPr>
+          <p:spPr>
+            <a:xfrm>
+              <a:off x="6756683" y="5758240"/>
+              <a:ext cx="285839" cy="104174"/>
+            </a:xfrm>
+            <a:prstGeom prst="rect">
+              <a:avLst/>
+            </a:prstGeom>
+            <a:noFill/>
+          </p:spPr>
+          <p:txBody>
+            <a:bodyPr lIns="0" rIns="0" tIns="0" bIns="0" anchorCtr="1" anchor="ctr" wrap="none"/>
+            <a:lstStyle/>
+            <a:p>
+              <a:pPr algn="l" marL="0" marR="0" indent="0">
+                <a:lnSpc>
+                  <a:spcPts val="880"/>
+                </a:lnSpc>
+                <a:spcBef>
+                  <a:spcPts val="0"/>
+                </a:spcBef>
+                <a:spcAft>
+                  <a:spcPts val="0"/>
+                </a:spcAft>
+              </a:pPr>
+              <a:r>
+                <a:rPr sz="880">
+                  <a:solidFill>
+                    <a:srgbClr val="4D4D4D">
+                      <a:alpha val="100000"/>
+                    </a:srgbClr>
+                  </a:solidFill>
+                  <a:latin typeface="Liberation Sans"/>
+                  <a:cs typeface="Liberation Sans"/>
+                </a:rPr>
+                <a:t>Sleep</a:t>
+              </a:r>
+            </a:p>
+          </p:txBody>
+        </p:sp>
+        <p:sp>
+          <p:nvSpPr>
+            <p:cNvPr id="36" name="tx36"/>
+            <p:cNvSpPr/>
+            <p:nvPr/>
+          </p:nvSpPr>
+          <p:spPr>
+            <a:xfrm>
+              <a:off x="4032203" y="5922355"/>
+              <a:ext cx="551160" cy="102592"/>
+            </a:xfrm>
+            <a:prstGeom prst="rect">
+              <a:avLst/>
+            </a:prstGeom>
+            <a:noFill/>
+          </p:spPr>
+          <p:txBody>
+            <a:bodyPr lIns="0" rIns="0" tIns="0" bIns="0" anchorCtr="1" anchor="ctr" wrap="none"/>
+            <a:lstStyle/>
+            <a:p>
+              <a:pPr algn="l" marL="0" marR="0" indent="0">
+                <a:lnSpc>
+                  <a:spcPts val="1100"/>
+                </a:lnSpc>
+                <a:spcBef>
+                  <a:spcPts val="0"/>
+                </a:spcBef>
+                <a:spcAft>
+                  <a:spcPts val="0"/>
+                </a:spcAft>
+              </a:pPr>
+              <a:r>
+                <a:rPr sz="1100">
+                  <a:solidFill>
+                    <a:srgbClr val="000000">
+                      <a:alpha val="100000"/>
+                    </a:srgbClr>
+                  </a:solidFill>
+                  <a:latin typeface="Liberation Sans"/>
+                  <a:cs typeface="Liberation Sans"/>
+                </a:rPr>
+                <a:t>Activities</a:t>
+              </a:r>
+            </a:p>
+          </p:txBody>
+        </p:sp>
+        <p:sp>
+          <p:nvSpPr>
+            <p:cNvPr id="37" name="tx37"/>
+            <p:cNvSpPr/>
+            <p:nvPr/>
+          </p:nvSpPr>
+          <p:spPr>
+            <a:xfrm rot="-5400000">
+              <a:off x="78630" y="3753321"/>
+              <a:ext cx="985949" cy="102592"/>
+            </a:xfrm>
+            <a:prstGeom prst="rect">
+              <a:avLst/>
+            </a:prstGeom>
+            <a:noFill/>
+          </p:spPr>
+          <p:txBody>
+            <a:bodyPr lIns="0" rIns="0" tIns="0" bIns="0" anchorCtr="1" anchor="ctr" wrap="none"/>
+            <a:lstStyle/>
+            <a:p>
+              <a:pPr algn="l" marL="0" marR="0" indent="0">
+                <a:lnSpc>
+                  <a:spcPts val="1100"/>
+                </a:lnSpc>
+                <a:spcBef>
+                  <a:spcPts val="0"/>
+                </a:spcBef>
+                <a:spcAft>
+                  <a:spcPts val="0"/>
+                </a:spcAft>
+              </a:pPr>
+              <a:r>
+                <a:rPr sz="1100">
+                  <a:solidFill>
+                    <a:srgbClr val="000000">
+                      <a:alpha val="100000"/>
+                    </a:srgbClr>
+                  </a:solidFill>
+                  <a:latin typeface="Liberation Sans"/>
+                  <a:cs typeface="Liberation Sans"/>
+                </a:rPr>
+                <a:t>Time in minutes</a:t>
+              </a:r>
+            </a:p>
+          </p:txBody>
+        </p:sp>
+        <p:sp>
+          <p:nvSpPr>
+            <p:cNvPr id="38" name="tx38"/>
+            <p:cNvSpPr/>
+            <p:nvPr/>
+          </p:nvSpPr>
+          <p:spPr>
+            <a:xfrm>
+              <a:off x="7885916" y="3468204"/>
+              <a:ext cx="644748" cy="130218"/>
+            </a:xfrm>
+            <a:prstGeom prst="rect">
+              <a:avLst/>
+            </a:prstGeom>
+            <a:noFill/>
+          </p:spPr>
+          <p:txBody>
+            <a:bodyPr lIns="0" rIns="0" tIns="0" bIns="0" anchorCtr="1" anchor="ctr" wrap="none"/>
+            <a:lstStyle/>
+            <a:p>
+              <a:pPr algn="l" marL="0" marR="0" indent="0">
+                <a:lnSpc>
+                  <a:spcPts val="1100"/>
+                </a:lnSpc>
+                <a:spcBef>
+                  <a:spcPts val="0"/>
+                </a:spcBef>
+                <a:spcAft>
+                  <a:spcPts val="0"/>
+                </a:spcAft>
+              </a:pPr>
+              <a:r>
+                <a:rPr sz="1100">
+                  <a:solidFill>
+                    <a:srgbClr val="000000">
+                      <a:alpha val="100000"/>
+                    </a:srgbClr>
+                  </a:solidFill>
+                  <a:latin typeface="Liberation Sans"/>
+                  <a:cs typeface="Liberation Sans"/>
+                </a:rPr>
+                <a:t>population</a:t>
+              </a:r>
+            </a:p>
+          </p:txBody>
+        </p:sp>
+        <p:sp>
+          <p:nvSpPr>
+            <p:cNvPr id="39" name="rc39"/>
+            <p:cNvSpPr/>
+            <p:nvPr/>
+          </p:nvSpPr>
+          <p:spPr>
+            <a:xfrm>
+              <a:off x="7894916" y="3692824"/>
+              <a:ext cx="201455" cy="201456"/>
+            </a:xfrm>
+            <a:prstGeom prst="rect">
+              <a:avLst/>
+            </a:prstGeom>
+            <a:solidFill>
+              <a:srgbClr val="F8766D">
+                <a:alpha val="100000"/>
+              </a:srgbClr>
+            </a:solidFill>
+          </p:spPr>
+          <p:txBody>
+            <a:bodyPr/>
+            <a:lstStyle/>
+            <a:p/>
+          </p:txBody>
+        </p:sp>
+        <p:sp>
+          <p:nvSpPr>
+            <p:cNvPr id="40" name="rc40"/>
+            <p:cNvSpPr/>
+            <p:nvPr/>
+          </p:nvSpPr>
+          <p:spPr>
+            <a:xfrm>
+              <a:off x="7894916" y="3912280"/>
+              <a:ext cx="201455" cy="201456"/>
+            </a:xfrm>
+            <a:prstGeom prst="rect">
+              <a:avLst/>
+            </a:prstGeom>
+            <a:solidFill>
+              <a:srgbClr val="00BFC4">
+                <a:alpha val="100000"/>
+              </a:srgbClr>
+            </a:solidFill>
+          </p:spPr>
+          <p:txBody>
+            <a:bodyPr/>
+            <a:lstStyle/>
+            <a:p/>
+          </p:txBody>
+        </p:sp>
+        <p:sp>
+          <p:nvSpPr>
+            <p:cNvPr id="41" name="tx41"/>
+            <p:cNvSpPr/>
+            <p:nvPr/>
+          </p:nvSpPr>
+          <p:spPr>
+            <a:xfrm>
+              <a:off x="8174961" y="3749923"/>
+              <a:ext cx="372660" cy="82073"/>
+            </a:xfrm>
+            <a:prstGeom prst="rect">
+              <a:avLst/>
+            </a:prstGeom>
+            <a:noFill/>
+          </p:spPr>
+          <p:txBody>
+            <a:bodyPr lIns="0" rIns="0" tIns="0" bIns="0" anchorCtr="1" anchor="ctr" wrap="none"/>
+            <a:lstStyle/>
+            <a:p>
+              <a:pPr algn="l" marL="0" marR="0" indent="0">
+                <a:lnSpc>
+                  <a:spcPts val="880"/>
+                </a:lnSpc>
+                <a:spcBef>
+                  <a:spcPts val="0"/>
+                </a:spcBef>
+                <a:spcAft>
+                  <a:spcPts val="0"/>
+                </a:spcAft>
+              </a:pPr>
+              <a:r>
+                <a:rPr sz="880">
+                  <a:solidFill>
+                    <a:srgbClr val="000000">
+                      <a:alpha val="100000"/>
+                    </a:srgbClr>
+                  </a:solidFill>
+                  <a:latin typeface="Liberation Sans"/>
+                  <a:cs typeface="Liberation Sans"/>
+                </a:rPr>
+                <a:t>Female</a:t>
+              </a:r>
+            </a:p>
+          </p:txBody>
+        </p:sp>
+        <p:sp>
+          <p:nvSpPr>
+            <p:cNvPr id="42" name="tx42"/>
+            <p:cNvSpPr/>
+            <p:nvPr/>
+          </p:nvSpPr>
+          <p:spPr>
+            <a:xfrm>
+              <a:off x="8174961" y="3969379"/>
+              <a:ext cx="242237" cy="82073"/>
+            </a:xfrm>
+            <a:prstGeom prst="rect">
+              <a:avLst/>
+            </a:prstGeom>
+            <a:noFill/>
+          </p:spPr>
+          <p:txBody>
+            <a:bodyPr lIns="0" rIns="0" tIns="0" bIns="0" anchorCtr="1" anchor="ctr" wrap="none"/>
+            <a:lstStyle/>
+            <a:p>
+              <a:pPr algn="l" marL="0" marR="0" indent="0">
+                <a:lnSpc>
+                  <a:spcPts val="880"/>
+                </a:lnSpc>
+                <a:spcBef>
+                  <a:spcPts val="0"/>
+                </a:spcBef>
+                <a:spcAft>
+                  <a:spcPts val="0"/>
+                </a:spcAft>
+              </a:pPr>
+              <a:r>
+                <a:rPr sz="880">
+                  <a:solidFill>
+                    <a:srgbClr val="000000">
+                      <a:alpha val="100000"/>
+                    </a:srgbClr>
+                  </a:solidFill>
+                  <a:latin typeface="Liberation Sans"/>
+                  <a:cs typeface="Liberation Sans"/>
+                </a:rPr>
+                <a:t>Male</a:t>
+              </a:r>
+            </a:p>
+          </p:txBody>
+        </p:sp>
+        <p:sp>
+          <p:nvSpPr>
+            <p:cNvPr id="43" name="tx43"/>
+            <p:cNvSpPr/>
+            <p:nvPr/>
+          </p:nvSpPr>
+          <p:spPr>
+            <a:xfrm>
+              <a:off x="938418" y="1628861"/>
+              <a:ext cx="2143221" cy="156262"/>
+            </a:xfrm>
+            <a:prstGeom prst="rect">
+              <a:avLst/>
+            </a:prstGeom>
+            <a:noFill/>
+          </p:spPr>
+          <p:txBody>
+            <a:bodyPr lIns="0" rIns="0" tIns="0" bIns="0" anchorCtr="1" anchor="ctr" wrap="none"/>
+            <a:lstStyle/>
+            <a:p>
+              <a:pPr algn="l" marL="0" marR="0" indent="0">
+                <a:lnSpc>
+                  <a:spcPts val="1320"/>
+                </a:lnSpc>
+                <a:spcBef>
+                  <a:spcPts val="0"/>
+                </a:spcBef>
+                <a:spcAft>
+                  <a:spcPts val="0"/>
+                </a:spcAft>
+              </a:pPr>
+              <a:r>
+                <a:rPr sz="1320">
+                  <a:solidFill>
+                    <a:srgbClr val="000000">
+                      <a:alpha val="100000"/>
+                    </a:srgbClr>
+                  </a:solidFill>
+                  <a:latin typeface="Liberation Sans"/>
+                  <a:cs typeface="Liberation Sans"/>
+                </a:rPr>
+                <a:t>Year 2014_Monday til Friday</a:t>
+              </a:r>
+            </a:p>
+          </p:txBody>
+        </p:sp>
+      </p:grpSp>
+    </p:spTree>
+  </p:cSld>
+  <p:clrMapOvr>
+    <a:masterClrMapping/>
+  </p:clrMapOvr>
+</p:sld>
+</file>
+
+<file path=ppt/slides/slide11.xml><?xml version="1.0" encoding="utf-8"?>
+<p:sld xmlns:a="http://schemas.openxmlformats.org/drawingml/2006/main" xmlns:r="http://schemas.openxmlformats.org/officeDocument/2006/relationships" xmlns:p="http://schemas.openxmlformats.org/presentationml/2006/main">
+  <p:cSld>
+    <p:spTree>
+      <p:nvGrpSpPr>
+        <p:cNvPr id="1" name=""/>
+        <p:cNvGrpSpPr/>
+        <p:nvPr/>
+      </p:nvGrpSpPr>
+      <p:grpSpPr>
+        <a:xfrm>
+          <a:off x="0" y="0"/>
+          <a:ext cx="0" cy="0"/>
+          <a:chOff x="0" y="0"/>
+          <a:chExt cx="0" cy="0"/>
+        </a:xfrm>
+      </p:grpSpPr>
+      <p:grpSp xmlns:a="http://schemas.openxmlformats.org/drawingml/2006/main" xmlns:r="http://schemas.openxmlformats.org/officeDocument/2006/relationships" xmlns:p="http://schemas.openxmlformats.org/presentationml/2006/main" xmlns:pic="http://schemas.openxmlformats.org/drawingml/2006/picture">
+        <p:nvGrpSpPr>
+          <p:cNvPr id="2" name="grp1"/>
+          <p:cNvGrpSpPr/>
+          <p:nvPr/>
+        </p:nvGrpSpPr>
+        <p:grpSpPr>
+          <a:xfrm>
+            <a:off x="457200" y="1600200"/>
+            <a:ext cx="8229600" cy="4525962"/>
+            <a:chOff x="457200" y="1600200"/>
+            <a:chExt cx="8229600" cy="4525962"/>
+          </a:xfrm>
+        </p:grpSpPr>
+        <p:sp>
+          <p:nvSpPr>
+            <p:cNvPr id="3" name="rc3"/>
+            <p:cNvSpPr/>
+            <p:nvPr/>
+          </p:nvSpPr>
+          <p:spPr>
+            <a:xfrm>
+              <a:off x="457200" y="1600200"/>
+              <a:ext cx="8229600" cy="4525962"/>
+            </a:xfrm>
+            <a:prstGeom prst="rect">
+              <a:avLst/>
+            </a:prstGeom>
+            <a:solidFill>
+              <a:srgbClr val="FFFFFF">
+                <a:alpha val="100000"/>
+              </a:srgbClr>
+            </a:solidFill>
+            <a:ln w="9525" cap="rnd">
+              <a:solidFill>
+                <a:srgbClr val="FFFFFF">
+                  <a:alpha val="100000"/>
+                </a:srgbClr>
+              </a:solidFill>
+              <a:prstDash val="solid"/>
+              <a:round/>
+            </a:ln>
+          </p:spPr>
+          <p:txBody>
+            <a:bodyPr/>
+            <a:lstStyle/>
+            <a:p/>
+          </p:txBody>
+        </p:sp>
+        <p:sp>
+          <p:nvSpPr>
+            <p:cNvPr id="4" name="pl4"/>
+            <p:cNvSpPr/>
+            <p:nvPr/>
+          </p:nvSpPr>
+          <p:spPr>
+            <a:xfrm>
+              <a:off x="938418" y="5081601"/>
+              <a:ext cx="6738730" cy="0"/>
+            </a:xfrm>
+            <a:custGeom>
+              <a:avLst/>
+              <a:pathLst>
+                <a:path w="6738730" h="0">
+                  <a:moveTo>
+                    <a:pt x="0" y="0"/>
+                  </a:moveTo>
+                  <a:lnTo>
+                    <a:pt x="6738730" y="0"/>
+                  </a:lnTo>
+                  <a:lnTo>
+                    <a:pt x="6738730" y="0"/>
+                  </a:lnTo>
+                </a:path>
+              </a:pathLst>
+            </a:custGeom>
+            <a:ln w="6775" cap="flat">
+              <a:solidFill>
+                <a:srgbClr val="EBEBEB">
+                  <a:alpha val="100000"/>
+                </a:srgbClr>
+              </a:solidFill>
+              <a:prstDash val="solid"/>
+              <a:round/>
+            </a:ln>
+          </p:spPr>
+          <p:txBody>
+            <a:bodyPr/>
+            <a:lstStyle/>
+            <a:p/>
+          </p:txBody>
+        </p:sp>
+        <p:sp>
+          <p:nvSpPr>
+            <p:cNvPr id="5" name="pl5"/>
+            <p:cNvSpPr/>
+            <p:nvPr/>
+          </p:nvSpPr>
+          <p:spPr>
+            <a:xfrm>
+              <a:off x="938418" y="4147792"/>
+              <a:ext cx="6738730" cy="0"/>
+            </a:xfrm>
+            <a:custGeom>
+              <a:avLst/>
+              <a:pathLst>
+                <a:path w="6738730" h="0">
+                  <a:moveTo>
+                    <a:pt x="0" y="0"/>
+                  </a:moveTo>
+                  <a:lnTo>
+                    <a:pt x="6738730" y="0"/>
+                  </a:lnTo>
+                  <a:lnTo>
+                    <a:pt x="6738730" y="0"/>
+                  </a:lnTo>
+                </a:path>
+              </a:pathLst>
+            </a:custGeom>
+            <a:ln w="6775" cap="flat">
+              <a:solidFill>
+                <a:srgbClr val="EBEBEB">
+                  <a:alpha val="100000"/>
+                </a:srgbClr>
+              </a:solidFill>
+              <a:prstDash val="solid"/>
+              <a:round/>
+            </a:ln>
+          </p:spPr>
+          <p:txBody>
+            <a:bodyPr/>
+            <a:lstStyle/>
+            <a:p/>
+          </p:txBody>
+        </p:sp>
+        <p:sp>
+          <p:nvSpPr>
+            <p:cNvPr id="6" name="pl6"/>
+            <p:cNvSpPr/>
+            <p:nvPr/>
+          </p:nvSpPr>
+          <p:spPr>
+            <a:xfrm>
+              <a:off x="938418" y="3213982"/>
+              <a:ext cx="6738730" cy="0"/>
+            </a:xfrm>
+            <a:custGeom>
+              <a:avLst/>
+              <a:pathLst>
+                <a:path w="6738730" h="0">
+                  <a:moveTo>
+                    <a:pt x="0" y="0"/>
+                  </a:moveTo>
+                  <a:lnTo>
+                    <a:pt x="6738730" y="0"/>
+                  </a:lnTo>
+                  <a:lnTo>
+                    <a:pt x="6738730" y="0"/>
+                  </a:lnTo>
+                </a:path>
+              </a:pathLst>
+            </a:custGeom>
+            <a:ln w="6775" cap="flat">
+              <a:solidFill>
+                <a:srgbClr val="EBEBEB">
+                  <a:alpha val="100000"/>
+                </a:srgbClr>
+              </a:solidFill>
+              <a:prstDash val="solid"/>
+              <a:round/>
+            </a:ln>
+          </p:spPr>
+          <p:txBody>
+            <a:bodyPr/>
+            <a:lstStyle/>
+            <a:p/>
+          </p:txBody>
+        </p:sp>
+        <p:sp>
+          <p:nvSpPr>
+            <p:cNvPr id="7" name="pl7"/>
+            <p:cNvSpPr/>
+            <p:nvPr/>
+          </p:nvSpPr>
+          <p:spPr>
+            <a:xfrm>
+              <a:off x="938418" y="2280172"/>
+              <a:ext cx="6738730" cy="0"/>
+            </a:xfrm>
+            <a:custGeom>
+              <a:avLst/>
+              <a:pathLst>
+                <a:path w="6738730" h="0">
+                  <a:moveTo>
+                    <a:pt x="0" y="0"/>
+                  </a:moveTo>
+                  <a:lnTo>
+                    <a:pt x="6738730" y="0"/>
+                  </a:lnTo>
+                  <a:lnTo>
+                    <a:pt x="6738730" y="0"/>
+                  </a:lnTo>
+                </a:path>
+              </a:pathLst>
+            </a:custGeom>
+            <a:ln w="6775" cap="flat">
+              <a:solidFill>
+                <a:srgbClr val="EBEBEB">
+                  <a:alpha val="100000"/>
+                </a:srgbClr>
+              </a:solidFill>
+              <a:prstDash val="solid"/>
+              <a:round/>
+            </a:ln>
+          </p:spPr>
+          <p:txBody>
+            <a:bodyPr/>
+            <a:lstStyle/>
+            <a:p/>
+          </p:txBody>
+        </p:sp>
+        <p:sp>
+          <p:nvSpPr>
+            <p:cNvPr id="8" name="pl8"/>
+            <p:cNvSpPr/>
+            <p:nvPr/>
+          </p:nvSpPr>
+          <p:spPr>
+            <a:xfrm>
+              <a:off x="938418" y="5548506"/>
+              <a:ext cx="6738730" cy="0"/>
+            </a:xfrm>
+            <a:custGeom>
+              <a:avLst/>
+              <a:pathLst>
+                <a:path w="6738730" h="0">
+                  <a:moveTo>
+                    <a:pt x="0" y="0"/>
+                  </a:moveTo>
+                  <a:lnTo>
+                    <a:pt x="6738730" y="0"/>
+                  </a:lnTo>
+                  <a:lnTo>
+                    <a:pt x="6738730" y="0"/>
+                  </a:lnTo>
+                </a:path>
+              </a:pathLst>
+            </a:custGeom>
+            <a:ln w="13550" cap="flat">
+              <a:solidFill>
+                <a:srgbClr val="EBEBEB">
+                  <a:alpha val="100000"/>
+                </a:srgbClr>
+              </a:solidFill>
+              <a:prstDash val="solid"/>
+              <a:round/>
+            </a:ln>
+          </p:spPr>
+          <p:txBody>
+            <a:bodyPr/>
+            <a:lstStyle/>
+            <a:p/>
+          </p:txBody>
+        </p:sp>
+        <p:sp>
+          <p:nvSpPr>
+            <p:cNvPr id="9" name="pl9"/>
+            <p:cNvSpPr/>
+            <p:nvPr/>
+          </p:nvSpPr>
+          <p:spPr>
+            <a:xfrm>
+              <a:off x="938418" y="4614697"/>
+              <a:ext cx="6738730" cy="0"/>
+            </a:xfrm>
+            <a:custGeom>
+              <a:avLst/>
+              <a:pathLst>
+                <a:path w="6738730" h="0">
+                  <a:moveTo>
+                    <a:pt x="0" y="0"/>
+                  </a:moveTo>
+                  <a:lnTo>
+                    <a:pt x="6738730" y="0"/>
+                  </a:lnTo>
+                  <a:lnTo>
+                    <a:pt x="6738730" y="0"/>
+                  </a:lnTo>
+                </a:path>
+              </a:pathLst>
+            </a:custGeom>
+            <a:ln w="13550" cap="flat">
+              <a:solidFill>
+                <a:srgbClr val="EBEBEB">
+                  <a:alpha val="100000"/>
+                </a:srgbClr>
+              </a:solidFill>
+              <a:prstDash val="solid"/>
+              <a:round/>
+            </a:ln>
+          </p:spPr>
+          <p:txBody>
+            <a:bodyPr/>
+            <a:lstStyle/>
+            <a:p/>
+          </p:txBody>
+        </p:sp>
+        <p:sp>
+          <p:nvSpPr>
+            <p:cNvPr id="10" name="pl10"/>
+            <p:cNvSpPr/>
+            <p:nvPr/>
+          </p:nvSpPr>
+          <p:spPr>
+            <a:xfrm>
+              <a:off x="938418" y="3680887"/>
+              <a:ext cx="6738730" cy="0"/>
+            </a:xfrm>
+            <a:custGeom>
+              <a:avLst/>
+              <a:pathLst>
+                <a:path w="6738730" h="0">
+                  <a:moveTo>
+                    <a:pt x="0" y="0"/>
+                  </a:moveTo>
+                  <a:lnTo>
+                    <a:pt x="6738730" y="0"/>
+                  </a:lnTo>
+                  <a:lnTo>
+                    <a:pt x="6738730" y="0"/>
+                  </a:lnTo>
+                </a:path>
+              </a:pathLst>
+            </a:custGeom>
+            <a:ln w="13550" cap="flat">
+              <a:solidFill>
+                <a:srgbClr val="EBEBEB">
+                  <a:alpha val="100000"/>
+                </a:srgbClr>
+              </a:solidFill>
+              <a:prstDash val="solid"/>
+              <a:round/>
+            </a:ln>
+          </p:spPr>
+          <p:txBody>
+            <a:bodyPr/>
+            <a:lstStyle/>
+            <a:p/>
+          </p:txBody>
+        </p:sp>
+        <p:sp>
+          <p:nvSpPr>
+            <p:cNvPr id="11" name="pl11"/>
+            <p:cNvSpPr/>
+            <p:nvPr/>
+          </p:nvSpPr>
+          <p:spPr>
+            <a:xfrm>
+              <a:off x="938418" y="2747077"/>
+              <a:ext cx="6738730" cy="0"/>
+            </a:xfrm>
+            <a:custGeom>
+              <a:avLst/>
+              <a:pathLst>
+                <a:path w="6738730" h="0">
+                  <a:moveTo>
+                    <a:pt x="0" y="0"/>
+                  </a:moveTo>
+                  <a:lnTo>
+                    <a:pt x="6738730" y="0"/>
+                  </a:lnTo>
+                  <a:lnTo>
+                    <a:pt x="6738730" y="0"/>
+                  </a:lnTo>
+                </a:path>
+              </a:pathLst>
+            </a:custGeom>
+            <a:ln w="13550" cap="flat">
+              <a:solidFill>
+                <a:srgbClr val="EBEBEB">
+                  <a:alpha val="100000"/>
+                </a:srgbClr>
+              </a:solidFill>
+              <a:prstDash val="solid"/>
+              <a:round/>
+            </a:ln>
+          </p:spPr>
+          <p:txBody>
+            <a:bodyPr/>
+            <a:lstStyle/>
+            <a:p/>
+          </p:txBody>
+        </p:sp>
+        <p:sp>
+          <p:nvSpPr>
+            <p:cNvPr id="12" name="pl12"/>
+            <p:cNvSpPr/>
+            <p:nvPr/>
+          </p:nvSpPr>
+          <p:spPr>
+            <a:xfrm>
+              <a:off x="1715964" y="1886338"/>
+              <a:ext cx="0" cy="3836557"/>
+            </a:xfrm>
+            <a:custGeom>
+              <a:avLst/>
+              <a:pathLst>
+                <a:path w="0" h="3836557">
+                  <a:moveTo>
+                    <a:pt x="0" y="3836557"/>
+                  </a:moveTo>
+                  <a:lnTo>
+                    <a:pt x="0" y="0"/>
+                  </a:lnTo>
+                  <a:lnTo>
+                    <a:pt x="0" y="0"/>
+                  </a:lnTo>
+                </a:path>
+              </a:pathLst>
+            </a:custGeom>
+            <a:ln w="13550" cap="flat">
+              <a:solidFill>
+                <a:srgbClr val="EBEBEB">
+                  <a:alpha val="100000"/>
+                </a:srgbClr>
+              </a:solidFill>
+              <a:prstDash val="solid"/>
+              <a:round/>
+            </a:ln>
+          </p:spPr>
+          <p:txBody>
+            <a:bodyPr/>
+            <a:lstStyle/>
+            <a:p/>
+          </p:txBody>
+        </p:sp>
+        <p:sp>
+          <p:nvSpPr>
+            <p:cNvPr id="13" name="pl13"/>
+            <p:cNvSpPr/>
+            <p:nvPr/>
+          </p:nvSpPr>
+          <p:spPr>
+            <a:xfrm>
+              <a:off x="3011873" y="1886338"/>
+              <a:ext cx="0" cy="3836557"/>
+            </a:xfrm>
+            <a:custGeom>
+              <a:avLst/>
+              <a:pathLst>
+                <a:path w="0" h="3836557">
+                  <a:moveTo>
+                    <a:pt x="0" y="3836557"/>
+                  </a:moveTo>
+                  <a:lnTo>
+                    <a:pt x="0" y="0"/>
+                  </a:lnTo>
+                  <a:lnTo>
+                    <a:pt x="0" y="0"/>
+                  </a:lnTo>
+                </a:path>
+              </a:pathLst>
+            </a:custGeom>
+            <a:ln w="13550" cap="flat">
+              <a:solidFill>
+                <a:srgbClr val="EBEBEB">
+                  <a:alpha val="100000"/>
+                </a:srgbClr>
+              </a:solidFill>
+              <a:prstDash val="solid"/>
+              <a:round/>
+            </a:ln>
+          </p:spPr>
+          <p:txBody>
+            <a:bodyPr/>
+            <a:lstStyle/>
+            <a:p/>
+          </p:txBody>
+        </p:sp>
+        <p:sp>
+          <p:nvSpPr>
+            <p:cNvPr id="14" name="pl14"/>
+            <p:cNvSpPr/>
+            <p:nvPr/>
+          </p:nvSpPr>
+          <p:spPr>
+            <a:xfrm>
+              <a:off x="4307783" y="1886338"/>
+              <a:ext cx="0" cy="3836557"/>
+            </a:xfrm>
+            <a:custGeom>
+              <a:avLst/>
+              <a:pathLst>
+                <a:path w="0" h="3836557">
+                  <a:moveTo>
+                    <a:pt x="0" y="3836557"/>
+                  </a:moveTo>
+                  <a:lnTo>
+                    <a:pt x="0" y="0"/>
+                  </a:lnTo>
+                  <a:lnTo>
+                    <a:pt x="0" y="0"/>
+                  </a:lnTo>
+                </a:path>
+              </a:pathLst>
+            </a:custGeom>
+            <a:ln w="13550" cap="flat">
+              <a:solidFill>
+                <a:srgbClr val="EBEBEB">
+                  <a:alpha val="100000"/>
+                </a:srgbClr>
+              </a:solidFill>
+              <a:prstDash val="solid"/>
+              <a:round/>
+            </a:ln>
+          </p:spPr>
+          <p:txBody>
+            <a:bodyPr/>
+            <a:lstStyle/>
+            <a:p/>
+          </p:txBody>
+        </p:sp>
+        <p:sp>
+          <p:nvSpPr>
+            <p:cNvPr id="15" name="pl15"/>
+            <p:cNvSpPr/>
+            <p:nvPr/>
+          </p:nvSpPr>
+          <p:spPr>
+            <a:xfrm>
+              <a:off x="5603693" y="1886338"/>
+              <a:ext cx="0" cy="3836557"/>
+            </a:xfrm>
+            <a:custGeom>
+              <a:avLst/>
+              <a:pathLst>
+                <a:path w="0" h="3836557">
+                  <a:moveTo>
+                    <a:pt x="0" y="3836557"/>
+                  </a:moveTo>
+                  <a:lnTo>
+                    <a:pt x="0" y="0"/>
+                  </a:lnTo>
+                  <a:lnTo>
+                    <a:pt x="0" y="0"/>
+                  </a:lnTo>
+                </a:path>
+              </a:pathLst>
+            </a:custGeom>
+            <a:ln w="13550" cap="flat">
+              <a:solidFill>
+                <a:srgbClr val="EBEBEB">
+                  <a:alpha val="100000"/>
+                </a:srgbClr>
+              </a:solidFill>
+              <a:prstDash val="solid"/>
+              <a:round/>
+            </a:ln>
+          </p:spPr>
+          <p:txBody>
+            <a:bodyPr/>
+            <a:lstStyle/>
+            <a:p/>
+          </p:txBody>
+        </p:sp>
+        <p:sp>
+          <p:nvSpPr>
+            <p:cNvPr id="16" name="pl16"/>
+            <p:cNvSpPr/>
+            <p:nvPr/>
+          </p:nvSpPr>
+          <p:spPr>
+            <a:xfrm>
+              <a:off x="6899603" y="1886338"/>
+              <a:ext cx="0" cy="3836557"/>
+            </a:xfrm>
+            <a:custGeom>
+              <a:avLst/>
+              <a:pathLst>
+                <a:path w="0" h="3836557">
+                  <a:moveTo>
+                    <a:pt x="0" y="3836557"/>
+                  </a:moveTo>
+                  <a:lnTo>
+                    <a:pt x="0" y="0"/>
+                  </a:lnTo>
+                  <a:lnTo>
+                    <a:pt x="0" y="0"/>
+                  </a:lnTo>
+                </a:path>
+              </a:pathLst>
+            </a:custGeom>
+            <a:ln w="13550" cap="flat">
+              <a:solidFill>
+                <a:srgbClr val="EBEBEB">
+                  <a:alpha val="100000"/>
+                </a:srgbClr>
+              </a:solidFill>
+              <a:prstDash val="solid"/>
+              <a:round/>
+            </a:ln>
+          </p:spPr>
+          <p:txBody>
+            <a:bodyPr/>
+            <a:lstStyle/>
+            <a:p/>
+          </p:txBody>
+        </p:sp>
+        <p:sp>
+          <p:nvSpPr>
+            <p:cNvPr id="17" name="rc17"/>
+            <p:cNvSpPr/>
+            <p:nvPr/>
+          </p:nvSpPr>
+          <p:spPr>
+            <a:xfrm>
+              <a:off x="1715964" y="4950868"/>
+              <a:ext cx="583159" cy="597638"/>
+            </a:xfrm>
+            <a:prstGeom prst="rect">
+              <a:avLst/>
+            </a:prstGeom>
+            <a:solidFill>
+              <a:srgbClr val="00BFC4">
+                <a:alpha val="100000"/>
+              </a:srgbClr>
+            </a:solidFill>
+          </p:spPr>
+          <p:txBody>
+            <a:bodyPr/>
+            <a:lstStyle/>
+            <a:p/>
+          </p:txBody>
+        </p:sp>
+        <p:sp>
+          <p:nvSpPr>
+            <p:cNvPr id="18" name="rc18"/>
+            <p:cNvSpPr/>
+            <p:nvPr/>
+          </p:nvSpPr>
+          <p:spPr>
+            <a:xfrm>
+              <a:off x="1132804" y="4941530"/>
+              <a:ext cx="583159" cy="606976"/>
+            </a:xfrm>
+            <a:prstGeom prst="rect">
+              <a:avLst/>
+            </a:prstGeom>
+            <a:solidFill>
+              <a:srgbClr val="F8766D">
+                <a:alpha val="100000"/>
+              </a:srgbClr>
+            </a:solidFill>
+          </p:spPr>
+          <p:txBody>
+            <a:bodyPr/>
+            <a:lstStyle/>
+            <a:p/>
+          </p:txBody>
+        </p:sp>
+        <p:sp>
+          <p:nvSpPr>
+            <p:cNvPr id="19" name="rc19"/>
+            <p:cNvSpPr/>
+            <p:nvPr/>
+          </p:nvSpPr>
+          <p:spPr>
+            <a:xfrm>
+              <a:off x="3011873" y="3666880"/>
+              <a:ext cx="583159" cy="1881626"/>
+            </a:xfrm>
+            <a:prstGeom prst="rect">
+              <a:avLst/>
+            </a:prstGeom>
+            <a:solidFill>
+              <a:srgbClr val="00BFC4">
+                <a:alpha val="100000"/>
+              </a:srgbClr>
+            </a:solidFill>
+          </p:spPr>
+          <p:txBody>
+            <a:bodyPr/>
+            <a:lstStyle/>
+            <a:p/>
+          </p:txBody>
+        </p:sp>
+        <p:sp>
+          <p:nvSpPr>
+            <p:cNvPr id="20" name="rc20"/>
+            <p:cNvSpPr/>
+            <p:nvPr/>
+          </p:nvSpPr>
+          <p:spPr>
+            <a:xfrm>
+              <a:off x="2428714" y="3820958"/>
+              <a:ext cx="583159" cy="1727548"/>
+            </a:xfrm>
+            <a:prstGeom prst="rect">
+              <a:avLst/>
+            </a:prstGeom>
+            <a:solidFill>
+              <a:srgbClr val="F8766D">
+                <a:alpha val="100000"/>
+              </a:srgbClr>
+            </a:solidFill>
+          </p:spPr>
+          <p:txBody>
+            <a:bodyPr/>
+            <a:lstStyle/>
+            <a:p/>
+          </p:txBody>
+        </p:sp>
+        <p:sp>
+          <p:nvSpPr>
+            <p:cNvPr id="21" name="rc21"/>
+            <p:cNvSpPr/>
+            <p:nvPr/>
+          </p:nvSpPr>
+          <p:spPr>
+            <a:xfrm>
+              <a:off x="4307783" y="4712747"/>
+              <a:ext cx="583159" cy="835759"/>
+            </a:xfrm>
+            <a:prstGeom prst="rect">
+              <a:avLst/>
+            </a:prstGeom>
+            <a:solidFill>
+              <a:srgbClr val="00BFC4">
+                <a:alpha val="100000"/>
+              </a:srgbClr>
+            </a:solidFill>
+          </p:spPr>
+          <p:txBody>
+            <a:bodyPr/>
+            <a:lstStyle/>
+            <a:p/>
+          </p:txBody>
+        </p:sp>
+        <p:sp>
+          <p:nvSpPr>
+            <p:cNvPr id="22" name="rc22"/>
+            <p:cNvSpPr/>
+            <p:nvPr/>
+          </p:nvSpPr>
+          <p:spPr>
+            <a:xfrm>
+              <a:off x="3724624" y="4423266"/>
+              <a:ext cx="583159" cy="1125240"/>
+            </a:xfrm>
+            <a:prstGeom prst="rect">
+              <a:avLst/>
+            </a:prstGeom>
+            <a:solidFill>
+              <a:srgbClr val="F8766D">
+                <a:alpha val="100000"/>
+              </a:srgbClr>
+            </a:solidFill>
+          </p:spPr>
+          <p:txBody>
+            <a:bodyPr/>
+            <a:lstStyle/>
+            <a:p/>
+          </p:txBody>
+        </p:sp>
+        <p:sp>
+          <p:nvSpPr>
+            <p:cNvPr id="23" name="rc23"/>
+            <p:cNvSpPr/>
+            <p:nvPr/>
+          </p:nvSpPr>
+          <p:spPr>
+            <a:xfrm>
+              <a:off x="5603693" y="2177453"/>
+              <a:ext cx="583159" cy="3371053"/>
+            </a:xfrm>
+            <a:prstGeom prst="rect">
+              <a:avLst/>
+            </a:prstGeom>
+            <a:solidFill>
+              <a:srgbClr val="00BFC4">
+                <a:alpha val="100000"/>
+              </a:srgbClr>
+            </a:solidFill>
+          </p:spPr>
+          <p:txBody>
+            <a:bodyPr/>
+            <a:lstStyle/>
+            <a:p/>
+          </p:txBody>
+        </p:sp>
+        <p:sp>
+          <p:nvSpPr>
+            <p:cNvPr id="24" name="rc24"/>
+            <p:cNvSpPr/>
+            <p:nvPr/>
+          </p:nvSpPr>
+          <p:spPr>
+            <a:xfrm>
+              <a:off x="5020534" y="2060727"/>
+              <a:ext cx="583159" cy="3487779"/>
+            </a:xfrm>
+            <a:prstGeom prst="rect">
+              <a:avLst/>
+            </a:prstGeom>
+            <a:solidFill>
+              <a:srgbClr val="F8766D">
+                <a:alpha val="100000"/>
+              </a:srgbClr>
+            </a:solidFill>
+          </p:spPr>
+          <p:txBody>
+            <a:bodyPr/>
+            <a:lstStyle/>
+            <a:p/>
+          </p:txBody>
+        </p:sp>
+        <p:sp>
+          <p:nvSpPr>
+            <p:cNvPr id="25" name="rc25"/>
+            <p:cNvSpPr/>
+            <p:nvPr/>
+          </p:nvSpPr>
+          <p:spPr>
+            <a:xfrm>
+              <a:off x="6899603" y="3027220"/>
+              <a:ext cx="583159" cy="2521286"/>
+            </a:xfrm>
+            <a:prstGeom prst="rect">
+              <a:avLst/>
+            </a:prstGeom>
+            <a:solidFill>
+              <a:srgbClr val="00BFC4">
+                <a:alpha val="100000"/>
+              </a:srgbClr>
+            </a:solidFill>
+          </p:spPr>
+          <p:txBody>
+            <a:bodyPr/>
+            <a:lstStyle/>
+            <a:p/>
+          </p:txBody>
+        </p:sp>
+        <p:sp>
+          <p:nvSpPr>
+            <p:cNvPr id="26" name="rc26"/>
+            <p:cNvSpPr/>
+            <p:nvPr/>
+          </p:nvSpPr>
+          <p:spPr>
+            <a:xfrm>
+              <a:off x="6316443" y="2971191"/>
+              <a:ext cx="583159" cy="2577314"/>
+            </a:xfrm>
+            <a:prstGeom prst="rect">
+              <a:avLst/>
+            </a:prstGeom>
+            <a:solidFill>
+              <a:srgbClr val="F8766D">
+                <a:alpha val="100000"/>
+              </a:srgbClr>
+            </a:solidFill>
+          </p:spPr>
+          <p:txBody>
+            <a:bodyPr/>
+            <a:lstStyle/>
+            <a:p/>
+          </p:txBody>
+        </p:sp>
+        <p:sp>
+          <p:nvSpPr>
+            <p:cNvPr id="27" name="tx27"/>
+            <p:cNvSpPr/>
+            <p:nvPr/>
+          </p:nvSpPr>
+          <p:spPr>
+            <a:xfrm>
+              <a:off x="813632" y="5507824"/>
+              <a:ext cx="62155" cy="79126"/>
+            </a:xfrm>
+            <a:prstGeom prst="rect">
+              <a:avLst/>
+            </a:prstGeom>
+            <a:noFill/>
+          </p:spPr>
+          <p:txBody>
+            <a:bodyPr lIns="0" rIns="0" tIns="0" bIns="0" anchorCtr="1" anchor="ctr" wrap="none"/>
+            <a:lstStyle/>
+            <a:p>
+              <a:pPr algn="l" marL="0" marR="0" indent="0">
+                <a:lnSpc>
+                  <a:spcPts val="880"/>
+                </a:lnSpc>
+                <a:spcBef>
+                  <a:spcPts val="0"/>
+                </a:spcBef>
+                <a:spcAft>
+                  <a:spcPts val="0"/>
+                </a:spcAft>
+              </a:pPr>
+              <a:r>
+                <a:rPr sz="880">
+                  <a:solidFill>
+                    <a:srgbClr val="4D4D4D">
+                      <a:alpha val="100000"/>
+                    </a:srgbClr>
+                  </a:solidFill>
+                  <a:latin typeface="Liberation Sans"/>
+                  <a:cs typeface="Liberation Sans"/>
+                </a:rPr>
+                <a:t>0</a:t>
+              </a:r>
+            </a:p>
+          </p:txBody>
+        </p:sp>
+        <p:sp>
+          <p:nvSpPr>
+            <p:cNvPr id="28" name="tx28"/>
+            <p:cNvSpPr/>
+            <p:nvPr/>
+          </p:nvSpPr>
+          <p:spPr>
+            <a:xfrm>
+              <a:off x="689321" y="4574014"/>
+              <a:ext cx="186466" cy="79126"/>
+            </a:xfrm>
+            <a:prstGeom prst="rect">
+              <a:avLst/>
+            </a:prstGeom>
+            <a:noFill/>
+          </p:spPr>
+          <p:txBody>
+            <a:bodyPr lIns="0" rIns="0" tIns="0" bIns="0" anchorCtr="1" anchor="ctr" wrap="none"/>
+            <a:lstStyle/>
+            <a:p>
+              <a:pPr algn="l" marL="0" marR="0" indent="0">
+                <a:lnSpc>
+                  <a:spcPts val="880"/>
+                </a:lnSpc>
+                <a:spcBef>
+                  <a:spcPts val="0"/>
+                </a:spcBef>
+                <a:spcAft>
+                  <a:spcPts val="0"/>
+                </a:spcAft>
+              </a:pPr>
+              <a:r>
+                <a:rPr sz="880">
+                  <a:solidFill>
+                    <a:srgbClr val="4D4D4D">
+                      <a:alpha val="100000"/>
+                    </a:srgbClr>
+                  </a:solidFill>
+                  <a:latin typeface="Liberation Sans"/>
+                  <a:cs typeface="Liberation Sans"/>
+                </a:rPr>
+                <a:t>200</a:t>
+              </a:r>
+            </a:p>
+          </p:txBody>
+        </p:sp>
+        <p:sp>
+          <p:nvSpPr>
+            <p:cNvPr id="29" name="tx29"/>
+            <p:cNvSpPr/>
+            <p:nvPr/>
+          </p:nvSpPr>
+          <p:spPr>
+            <a:xfrm>
+              <a:off x="689321" y="3640205"/>
+              <a:ext cx="186466" cy="79126"/>
+            </a:xfrm>
+            <a:prstGeom prst="rect">
+              <a:avLst/>
+            </a:prstGeom>
+            <a:noFill/>
+          </p:spPr>
+          <p:txBody>
+            <a:bodyPr lIns="0" rIns="0" tIns="0" bIns="0" anchorCtr="1" anchor="ctr" wrap="none"/>
+            <a:lstStyle/>
+            <a:p>
+              <a:pPr algn="l" marL="0" marR="0" indent="0">
+                <a:lnSpc>
+                  <a:spcPts val="880"/>
+                </a:lnSpc>
+                <a:spcBef>
+                  <a:spcPts val="0"/>
+                </a:spcBef>
+                <a:spcAft>
+                  <a:spcPts val="0"/>
+                </a:spcAft>
+              </a:pPr>
+              <a:r>
+                <a:rPr sz="880">
+                  <a:solidFill>
+                    <a:srgbClr val="4D4D4D">
+                      <a:alpha val="100000"/>
+                    </a:srgbClr>
+                  </a:solidFill>
+                  <a:latin typeface="Liberation Sans"/>
+                  <a:cs typeface="Liberation Sans"/>
+                </a:rPr>
+                <a:t>400</a:t>
+              </a:r>
+            </a:p>
+          </p:txBody>
+        </p:sp>
+        <p:sp>
+          <p:nvSpPr>
+            <p:cNvPr id="30" name="tx30"/>
+            <p:cNvSpPr/>
+            <p:nvPr/>
+          </p:nvSpPr>
+          <p:spPr>
+            <a:xfrm>
+              <a:off x="689321" y="2706395"/>
+              <a:ext cx="186466" cy="79126"/>
+            </a:xfrm>
+            <a:prstGeom prst="rect">
+              <a:avLst/>
+            </a:prstGeom>
+            <a:noFill/>
+          </p:spPr>
+          <p:txBody>
+            <a:bodyPr lIns="0" rIns="0" tIns="0" bIns="0" anchorCtr="1" anchor="ctr" wrap="none"/>
+            <a:lstStyle/>
+            <a:p>
+              <a:pPr algn="l" marL="0" marR="0" indent="0">
+                <a:lnSpc>
+                  <a:spcPts val="880"/>
+                </a:lnSpc>
+                <a:spcBef>
+                  <a:spcPts val="0"/>
+                </a:spcBef>
+                <a:spcAft>
+                  <a:spcPts val="0"/>
+                </a:spcAft>
+              </a:pPr>
+              <a:r>
+                <a:rPr sz="880">
+                  <a:solidFill>
+                    <a:srgbClr val="4D4D4D">
+                      <a:alpha val="100000"/>
+                    </a:srgbClr>
+                  </a:solidFill>
+                  <a:latin typeface="Liberation Sans"/>
+                  <a:cs typeface="Liberation Sans"/>
+                </a:rPr>
+                <a:t>600</a:t>
+              </a:r>
+            </a:p>
+          </p:txBody>
+        </p:sp>
+        <p:sp>
+          <p:nvSpPr>
+            <p:cNvPr id="31" name="tx31"/>
+            <p:cNvSpPr/>
+            <p:nvPr/>
+          </p:nvSpPr>
+          <p:spPr>
+            <a:xfrm>
+              <a:off x="1557519" y="5758240"/>
+              <a:ext cx="316889" cy="104174"/>
+            </a:xfrm>
+            <a:prstGeom prst="rect">
+              <a:avLst/>
+            </a:prstGeom>
+            <a:noFill/>
+          </p:spPr>
+          <p:txBody>
+            <a:bodyPr lIns="0" rIns="0" tIns="0" bIns="0" anchorCtr="1" anchor="ctr" wrap="none"/>
+            <a:lstStyle/>
+            <a:p>
+              <a:pPr algn="l" marL="0" marR="0" indent="0">
+                <a:lnSpc>
+                  <a:spcPts val="880"/>
+                </a:lnSpc>
+                <a:spcBef>
+                  <a:spcPts val="0"/>
+                </a:spcBef>
+                <a:spcAft>
+                  <a:spcPts val="0"/>
+                </a:spcAft>
+              </a:pPr>
+              <a:r>
+                <a:rPr sz="880">
+                  <a:solidFill>
+                    <a:srgbClr val="4D4D4D">
+                      <a:alpha val="100000"/>
+                    </a:srgbClr>
+                  </a:solidFill>
+                  <a:latin typeface="Liberation Sans"/>
+                  <a:cs typeface="Liberation Sans"/>
+                </a:rPr>
+                <a:t>Eating</a:t>
+              </a:r>
+            </a:p>
+          </p:txBody>
+        </p:sp>
+        <p:sp>
+          <p:nvSpPr>
+            <p:cNvPr id="32" name="tx32"/>
+            <p:cNvSpPr/>
+            <p:nvPr/>
+          </p:nvSpPr>
+          <p:spPr>
+            <a:xfrm>
+              <a:off x="2701314" y="5758240"/>
+              <a:ext cx="621119" cy="104174"/>
+            </a:xfrm>
+            <a:prstGeom prst="rect">
+              <a:avLst/>
+            </a:prstGeom>
+            <a:noFill/>
+          </p:spPr>
+          <p:txBody>
+            <a:bodyPr lIns="0" rIns="0" tIns="0" bIns="0" anchorCtr="1" anchor="ctr" wrap="none"/>
+            <a:lstStyle/>
+            <a:p>
+              <a:pPr algn="l" marL="0" marR="0" indent="0">
+                <a:lnSpc>
+                  <a:spcPts val="880"/>
+                </a:lnSpc>
+                <a:spcBef>
+                  <a:spcPts val="0"/>
+                </a:spcBef>
+                <a:spcAft>
+                  <a:spcPts val="0"/>
+                </a:spcAft>
+              </a:pPr>
+              <a:r>
+                <a:rPr sz="880">
+                  <a:solidFill>
+                    <a:srgbClr val="4D4D4D">
+                      <a:alpha val="100000"/>
+                    </a:srgbClr>
+                  </a:solidFill>
+                  <a:latin typeface="Liberation Sans"/>
+                  <a:cs typeface="Liberation Sans"/>
+                </a:rPr>
+                <a:t>Employment</a:t>
+              </a:r>
+            </a:p>
+          </p:txBody>
+        </p:sp>
+        <p:sp>
+          <p:nvSpPr>
+            <p:cNvPr id="33" name="tx33"/>
+            <p:cNvSpPr/>
+            <p:nvPr/>
+          </p:nvSpPr>
+          <p:spPr>
+            <a:xfrm>
+              <a:off x="3646173" y="5758240"/>
+              <a:ext cx="1323220" cy="104174"/>
+            </a:xfrm>
+            <a:prstGeom prst="rect">
+              <a:avLst/>
+            </a:prstGeom>
+            <a:noFill/>
+          </p:spPr>
+          <p:txBody>
+            <a:bodyPr lIns="0" rIns="0" tIns="0" bIns="0" anchorCtr="1" anchor="ctr" wrap="none"/>
+            <a:lstStyle/>
+            <a:p>
+              <a:pPr algn="l" marL="0" marR="0" indent="0">
+                <a:lnSpc>
+                  <a:spcPts val="880"/>
+                </a:lnSpc>
+                <a:spcBef>
+                  <a:spcPts val="0"/>
+                </a:spcBef>
+                <a:spcAft>
+                  <a:spcPts val="0"/>
+                </a:spcAft>
+              </a:pPr>
+              <a:r>
+                <a:rPr sz="880">
+                  <a:solidFill>
+                    <a:srgbClr val="4D4D4D">
+                      <a:alpha val="100000"/>
+                    </a:srgbClr>
+                  </a:solidFill>
+                  <a:latin typeface="Liberation Sans"/>
+                  <a:cs typeface="Liberation Sans"/>
+                </a:rPr>
+                <a:t>Household and family care</a:t>
+              </a:r>
+            </a:p>
+          </p:txBody>
+        </p:sp>
+        <p:sp>
+          <p:nvSpPr>
+            <p:cNvPr id="34" name="tx34"/>
+            <p:cNvSpPr/>
+            <p:nvPr/>
+          </p:nvSpPr>
+          <p:spPr>
+            <a:xfrm>
+              <a:off x="5258918" y="5780341"/>
+              <a:ext cx="689550" cy="82073"/>
+            </a:xfrm>
+            <a:prstGeom prst="rect">
+              <a:avLst/>
+            </a:prstGeom>
+            <a:noFill/>
+          </p:spPr>
+          <p:txBody>
+            <a:bodyPr lIns="0" rIns="0" tIns="0" bIns="0" anchorCtr="1" anchor="ctr" wrap="none"/>
+            <a:lstStyle/>
+            <a:p>
+              <a:pPr algn="l" marL="0" marR="0" indent="0">
+                <a:lnSpc>
+                  <a:spcPts val="880"/>
+                </a:lnSpc>
+                <a:spcBef>
+                  <a:spcPts val="0"/>
+                </a:spcBef>
+                <a:spcAft>
+                  <a:spcPts val="0"/>
+                </a:spcAft>
+              </a:pPr>
+              <a:r>
+                <a:rPr sz="880">
+                  <a:solidFill>
+                    <a:srgbClr val="4D4D4D">
+                      <a:alpha val="100000"/>
+                    </a:srgbClr>
+                  </a:solidFill>
+                  <a:latin typeface="Liberation Sans"/>
+                  <a:cs typeface="Liberation Sans"/>
+                </a:rPr>
+                <a:t>Personal care</a:t>
+              </a:r>
+            </a:p>
+          </p:txBody>
+        </p:sp>
+        <p:sp>
+          <p:nvSpPr>
+            <p:cNvPr id="35" name="tx35"/>
+            <p:cNvSpPr/>
+            <p:nvPr/>
+          </p:nvSpPr>
+          <p:spPr>
+            <a:xfrm>
+              <a:off x="6756683" y="5758240"/>
+              <a:ext cx="285839" cy="104174"/>
+            </a:xfrm>
+            <a:prstGeom prst="rect">
+              <a:avLst/>
+            </a:prstGeom>
+            <a:noFill/>
+          </p:spPr>
+          <p:txBody>
+            <a:bodyPr lIns="0" rIns="0" tIns="0" bIns="0" anchorCtr="1" anchor="ctr" wrap="none"/>
+            <a:lstStyle/>
+            <a:p>
+              <a:pPr algn="l" marL="0" marR="0" indent="0">
+                <a:lnSpc>
+                  <a:spcPts val="880"/>
+                </a:lnSpc>
+                <a:spcBef>
+                  <a:spcPts val="0"/>
+                </a:spcBef>
+                <a:spcAft>
+                  <a:spcPts val="0"/>
+                </a:spcAft>
+              </a:pPr>
+              <a:r>
+                <a:rPr sz="880">
+                  <a:solidFill>
+                    <a:srgbClr val="4D4D4D">
+                      <a:alpha val="100000"/>
+                    </a:srgbClr>
+                  </a:solidFill>
+                  <a:latin typeface="Liberation Sans"/>
+                  <a:cs typeface="Liberation Sans"/>
+                </a:rPr>
+                <a:t>Sleep</a:t>
+              </a:r>
+            </a:p>
+          </p:txBody>
+        </p:sp>
+        <p:sp>
+          <p:nvSpPr>
+            <p:cNvPr id="36" name="tx36"/>
+            <p:cNvSpPr/>
+            <p:nvPr/>
+          </p:nvSpPr>
+          <p:spPr>
+            <a:xfrm>
+              <a:off x="4032203" y="5922355"/>
+              <a:ext cx="551160" cy="102592"/>
+            </a:xfrm>
+            <a:prstGeom prst="rect">
+              <a:avLst/>
+            </a:prstGeom>
+            <a:noFill/>
+          </p:spPr>
+          <p:txBody>
+            <a:bodyPr lIns="0" rIns="0" tIns="0" bIns="0" anchorCtr="1" anchor="ctr" wrap="none"/>
+            <a:lstStyle/>
+            <a:p>
+              <a:pPr algn="l" marL="0" marR="0" indent="0">
+                <a:lnSpc>
+                  <a:spcPts val="1100"/>
+                </a:lnSpc>
+                <a:spcBef>
+                  <a:spcPts val="0"/>
+                </a:spcBef>
+                <a:spcAft>
+                  <a:spcPts val="0"/>
+                </a:spcAft>
+              </a:pPr>
+              <a:r>
+                <a:rPr sz="1100">
+                  <a:solidFill>
+                    <a:srgbClr val="000000">
+                      <a:alpha val="100000"/>
+                    </a:srgbClr>
+                  </a:solidFill>
+                  <a:latin typeface="Liberation Sans"/>
+                  <a:cs typeface="Liberation Sans"/>
+                </a:rPr>
+                <a:t>Activities</a:t>
+              </a:r>
+            </a:p>
+          </p:txBody>
+        </p:sp>
+        <p:sp>
+          <p:nvSpPr>
+            <p:cNvPr id="37" name="tx37"/>
+            <p:cNvSpPr/>
+            <p:nvPr/>
+          </p:nvSpPr>
+          <p:spPr>
+            <a:xfrm rot="-5400000">
+              <a:off x="78630" y="3753321"/>
+              <a:ext cx="985949" cy="102592"/>
+            </a:xfrm>
+            <a:prstGeom prst="rect">
+              <a:avLst/>
+            </a:prstGeom>
+            <a:noFill/>
+          </p:spPr>
+          <p:txBody>
+            <a:bodyPr lIns="0" rIns="0" tIns="0" bIns="0" anchorCtr="1" anchor="ctr" wrap="none"/>
+            <a:lstStyle/>
+            <a:p>
+              <a:pPr algn="l" marL="0" marR="0" indent="0">
+                <a:lnSpc>
+                  <a:spcPts val="1100"/>
+                </a:lnSpc>
+                <a:spcBef>
+                  <a:spcPts val="0"/>
+                </a:spcBef>
+                <a:spcAft>
+                  <a:spcPts val="0"/>
+                </a:spcAft>
+              </a:pPr>
+              <a:r>
+                <a:rPr sz="1100">
+                  <a:solidFill>
+                    <a:srgbClr val="000000">
+                      <a:alpha val="100000"/>
+                    </a:srgbClr>
+                  </a:solidFill>
+                  <a:latin typeface="Liberation Sans"/>
+                  <a:cs typeface="Liberation Sans"/>
+                </a:rPr>
+                <a:t>Time in minutes</a:t>
+              </a:r>
+            </a:p>
+          </p:txBody>
+        </p:sp>
+        <p:sp>
+          <p:nvSpPr>
+            <p:cNvPr id="38" name="tx38"/>
+            <p:cNvSpPr/>
+            <p:nvPr/>
+          </p:nvSpPr>
+          <p:spPr>
+            <a:xfrm>
+              <a:off x="7885916" y="3468204"/>
+              <a:ext cx="644748" cy="130218"/>
+            </a:xfrm>
+            <a:prstGeom prst="rect">
+              <a:avLst/>
+            </a:prstGeom>
+            <a:noFill/>
+          </p:spPr>
+          <p:txBody>
+            <a:bodyPr lIns="0" rIns="0" tIns="0" bIns="0" anchorCtr="1" anchor="ctr" wrap="none"/>
+            <a:lstStyle/>
+            <a:p>
+              <a:pPr algn="l" marL="0" marR="0" indent="0">
+                <a:lnSpc>
+                  <a:spcPts val="1100"/>
+                </a:lnSpc>
+                <a:spcBef>
+                  <a:spcPts val="0"/>
+                </a:spcBef>
+                <a:spcAft>
+                  <a:spcPts val="0"/>
+                </a:spcAft>
+              </a:pPr>
+              <a:r>
+                <a:rPr sz="1100">
+                  <a:solidFill>
+                    <a:srgbClr val="000000">
+                      <a:alpha val="100000"/>
+                    </a:srgbClr>
+                  </a:solidFill>
+                  <a:latin typeface="Liberation Sans"/>
+                  <a:cs typeface="Liberation Sans"/>
+                </a:rPr>
+                <a:t>population</a:t>
+              </a:r>
+            </a:p>
+          </p:txBody>
+        </p:sp>
+        <p:sp>
+          <p:nvSpPr>
+            <p:cNvPr id="39" name="rc39"/>
+            <p:cNvSpPr/>
+            <p:nvPr/>
+          </p:nvSpPr>
+          <p:spPr>
+            <a:xfrm>
+              <a:off x="7894916" y="3692824"/>
+              <a:ext cx="201455" cy="201456"/>
+            </a:xfrm>
+            <a:prstGeom prst="rect">
+              <a:avLst/>
+            </a:prstGeom>
+            <a:solidFill>
+              <a:srgbClr val="F8766D">
+                <a:alpha val="100000"/>
+              </a:srgbClr>
+            </a:solidFill>
+          </p:spPr>
+          <p:txBody>
+            <a:bodyPr/>
+            <a:lstStyle/>
+            <a:p/>
+          </p:txBody>
+        </p:sp>
+        <p:sp>
+          <p:nvSpPr>
+            <p:cNvPr id="40" name="rc40"/>
+            <p:cNvSpPr/>
+            <p:nvPr/>
+          </p:nvSpPr>
+          <p:spPr>
+            <a:xfrm>
+              <a:off x="7894916" y="3912280"/>
+              <a:ext cx="201455" cy="201456"/>
+            </a:xfrm>
+            <a:prstGeom prst="rect">
+              <a:avLst/>
+            </a:prstGeom>
+            <a:solidFill>
+              <a:srgbClr val="00BFC4">
+                <a:alpha val="100000"/>
+              </a:srgbClr>
+            </a:solidFill>
+          </p:spPr>
+          <p:txBody>
+            <a:bodyPr/>
+            <a:lstStyle/>
+            <a:p/>
+          </p:txBody>
+        </p:sp>
+        <p:sp>
+          <p:nvSpPr>
+            <p:cNvPr id="41" name="tx41"/>
+            <p:cNvSpPr/>
+            <p:nvPr/>
+          </p:nvSpPr>
+          <p:spPr>
+            <a:xfrm>
+              <a:off x="8174961" y="3749923"/>
+              <a:ext cx="372660" cy="82073"/>
+            </a:xfrm>
+            <a:prstGeom prst="rect">
+              <a:avLst/>
+            </a:prstGeom>
+            <a:noFill/>
+          </p:spPr>
+          <p:txBody>
+            <a:bodyPr lIns="0" rIns="0" tIns="0" bIns="0" anchorCtr="1" anchor="ctr" wrap="none"/>
+            <a:lstStyle/>
+            <a:p>
+              <a:pPr algn="l" marL="0" marR="0" indent="0">
+                <a:lnSpc>
+                  <a:spcPts val="880"/>
+                </a:lnSpc>
+                <a:spcBef>
+                  <a:spcPts val="0"/>
+                </a:spcBef>
+                <a:spcAft>
+                  <a:spcPts val="0"/>
+                </a:spcAft>
+              </a:pPr>
+              <a:r>
+                <a:rPr sz="880">
+                  <a:solidFill>
+                    <a:srgbClr val="000000">
+                      <a:alpha val="100000"/>
+                    </a:srgbClr>
+                  </a:solidFill>
+                  <a:latin typeface="Liberation Sans"/>
+                  <a:cs typeface="Liberation Sans"/>
+                </a:rPr>
+                <a:t>Female</a:t>
+              </a:r>
+            </a:p>
+          </p:txBody>
+        </p:sp>
+        <p:sp>
+          <p:nvSpPr>
+            <p:cNvPr id="42" name="tx42"/>
+            <p:cNvSpPr/>
+            <p:nvPr/>
+          </p:nvSpPr>
+          <p:spPr>
+            <a:xfrm>
+              <a:off x="8174961" y="3969379"/>
+              <a:ext cx="242237" cy="82073"/>
+            </a:xfrm>
+            <a:prstGeom prst="rect">
+              <a:avLst/>
+            </a:prstGeom>
+            <a:noFill/>
+          </p:spPr>
+          <p:txBody>
+            <a:bodyPr lIns="0" rIns="0" tIns="0" bIns="0" anchorCtr="1" anchor="ctr" wrap="none"/>
+            <a:lstStyle/>
+            <a:p>
+              <a:pPr algn="l" marL="0" marR="0" indent="0">
+                <a:lnSpc>
+                  <a:spcPts val="880"/>
+                </a:lnSpc>
+                <a:spcBef>
+                  <a:spcPts val="0"/>
+                </a:spcBef>
+                <a:spcAft>
+                  <a:spcPts val="0"/>
+                </a:spcAft>
+              </a:pPr>
+              <a:r>
+                <a:rPr sz="880">
+                  <a:solidFill>
+                    <a:srgbClr val="000000">
+                      <a:alpha val="100000"/>
+                    </a:srgbClr>
+                  </a:solidFill>
+                  <a:latin typeface="Liberation Sans"/>
+                  <a:cs typeface="Liberation Sans"/>
+                </a:rPr>
+                <a:t>Male</a:t>
+              </a:r>
+            </a:p>
+          </p:txBody>
+        </p:sp>
+        <p:sp>
+          <p:nvSpPr>
+            <p:cNvPr id="43" name="tx43"/>
+            <p:cNvSpPr/>
+            <p:nvPr/>
+          </p:nvSpPr>
+          <p:spPr>
+            <a:xfrm>
+              <a:off x="938418" y="1628861"/>
+              <a:ext cx="1537818" cy="156262"/>
+            </a:xfrm>
+            <a:prstGeom prst="rect">
+              <a:avLst/>
+            </a:prstGeom>
+            <a:noFill/>
+          </p:spPr>
+          <p:txBody>
+            <a:bodyPr lIns="0" rIns="0" tIns="0" bIns="0" anchorCtr="1" anchor="ctr" wrap="none"/>
+            <a:lstStyle/>
+            <a:p>
+              <a:pPr algn="l" marL="0" marR="0" indent="0">
+                <a:lnSpc>
+                  <a:spcPts val="1320"/>
+                </a:lnSpc>
+                <a:spcBef>
+                  <a:spcPts val="0"/>
+                </a:spcBef>
+                <a:spcAft>
+                  <a:spcPts val="0"/>
+                </a:spcAft>
+              </a:pPr>
+              <a:r>
+                <a:rPr sz="1320">
+                  <a:solidFill>
+                    <a:srgbClr val="000000">
+                      <a:alpha val="100000"/>
+                    </a:srgbClr>
+                  </a:solidFill>
+                  <a:latin typeface="Liberation Sans"/>
+                  <a:cs typeface="Liberation Sans"/>
+                </a:rPr>
+                <a:t>Year 2014_Saturday</a:t>
+              </a:r>
+            </a:p>
+          </p:txBody>
+        </p:sp>
+      </p:grpSp>
+    </p:spTree>
+  </p:cSld>
+  <p:clrMapOvr>
+    <a:masterClrMapping/>
+  </p:clrMapOvr>
+</p:sld>
+</file>
+
+<file path=ppt/slides/slide12.xml><?xml version="1.0" encoding="utf-8"?>
+<p:sld xmlns:a="http://schemas.openxmlformats.org/drawingml/2006/main" xmlns:r="http://schemas.openxmlformats.org/officeDocument/2006/relationships" xmlns:p="http://schemas.openxmlformats.org/presentationml/2006/main">
+  <p:cSld>
+    <p:spTree>
+      <p:nvGrpSpPr>
+        <p:cNvPr id="1" name=""/>
+        <p:cNvGrpSpPr/>
+        <p:nvPr/>
+      </p:nvGrpSpPr>
+      <p:grpSpPr>
+        <a:xfrm>
+          <a:off x="0" y="0"/>
+          <a:ext cx="0" cy="0"/>
+          <a:chOff x="0" y="0"/>
+          <a:chExt cx="0" cy="0"/>
+        </a:xfrm>
+      </p:grpSpPr>
+      <p:grpSp xmlns:a="http://schemas.openxmlformats.org/drawingml/2006/main" xmlns:r="http://schemas.openxmlformats.org/officeDocument/2006/relationships" xmlns:p="http://schemas.openxmlformats.org/presentationml/2006/main" xmlns:pic="http://schemas.openxmlformats.org/drawingml/2006/picture">
+        <p:nvGrpSpPr>
+          <p:cNvPr id="2" name="grp1"/>
+          <p:cNvGrpSpPr/>
+          <p:nvPr/>
+        </p:nvGrpSpPr>
+        <p:grpSpPr>
+          <a:xfrm>
+            <a:off x="457200" y="1600200"/>
+            <a:ext cx="8229600" cy="4525962"/>
+            <a:chOff x="457200" y="1600200"/>
+            <a:chExt cx="8229600" cy="4525962"/>
+          </a:xfrm>
+        </p:grpSpPr>
+        <p:sp>
+          <p:nvSpPr>
+            <p:cNvPr id="3" name="rc3"/>
+            <p:cNvSpPr/>
+            <p:nvPr/>
+          </p:nvSpPr>
+          <p:spPr>
+            <a:xfrm>
+              <a:off x="457200" y="1600200"/>
+              <a:ext cx="8229600" cy="4525962"/>
+            </a:xfrm>
+            <a:prstGeom prst="rect">
+              <a:avLst/>
+            </a:prstGeom>
+            <a:solidFill>
+              <a:srgbClr val="FFFFFF">
+                <a:alpha val="100000"/>
+              </a:srgbClr>
+            </a:solidFill>
+            <a:ln w="9525" cap="rnd">
+              <a:solidFill>
+                <a:srgbClr val="FFFFFF">
+                  <a:alpha val="100000"/>
+                </a:srgbClr>
+              </a:solidFill>
+              <a:prstDash val="solid"/>
+              <a:round/>
+            </a:ln>
+          </p:spPr>
+          <p:txBody>
+            <a:bodyPr/>
+            <a:lstStyle/>
+            <a:p/>
+          </p:txBody>
+        </p:sp>
+        <p:sp>
+          <p:nvSpPr>
+            <p:cNvPr id="4" name="pl4"/>
+            <p:cNvSpPr/>
+            <p:nvPr/>
+          </p:nvSpPr>
+          <p:spPr>
+            <a:xfrm>
+              <a:off x="938418" y="5112534"/>
+              <a:ext cx="6738730" cy="0"/>
+            </a:xfrm>
+            <a:custGeom>
+              <a:avLst/>
+              <a:pathLst>
+                <a:path w="6738730" h="0">
+                  <a:moveTo>
+                    <a:pt x="0" y="0"/>
+                  </a:moveTo>
+                  <a:lnTo>
+                    <a:pt x="6738730" y="0"/>
+                  </a:lnTo>
+                  <a:lnTo>
+                    <a:pt x="6738730" y="0"/>
+                  </a:lnTo>
+                </a:path>
+              </a:pathLst>
+            </a:custGeom>
+            <a:ln w="6775" cap="flat">
+              <a:solidFill>
+                <a:srgbClr val="EBEBEB">
+                  <a:alpha val="100000"/>
+                </a:srgbClr>
+              </a:solidFill>
+              <a:prstDash val="solid"/>
+              <a:round/>
+            </a:ln>
+          </p:spPr>
+          <p:txBody>
+            <a:bodyPr/>
+            <a:lstStyle/>
+            <a:p/>
+          </p:txBody>
+        </p:sp>
+        <p:sp>
+          <p:nvSpPr>
+            <p:cNvPr id="5" name="pl5"/>
+            <p:cNvSpPr/>
+            <p:nvPr/>
+          </p:nvSpPr>
+          <p:spPr>
+            <a:xfrm>
+              <a:off x="938418" y="4240589"/>
+              <a:ext cx="6738730" cy="0"/>
+            </a:xfrm>
+            <a:custGeom>
+              <a:avLst/>
+              <a:pathLst>
+                <a:path w="6738730" h="0">
+                  <a:moveTo>
+                    <a:pt x="0" y="0"/>
+                  </a:moveTo>
+                  <a:lnTo>
+                    <a:pt x="6738730" y="0"/>
+                  </a:lnTo>
+                  <a:lnTo>
+                    <a:pt x="6738730" y="0"/>
+                  </a:lnTo>
+                </a:path>
+              </a:pathLst>
+            </a:custGeom>
+            <a:ln w="6775" cap="flat">
+              <a:solidFill>
+                <a:srgbClr val="EBEBEB">
+                  <a:alpha val="100000"/>
+                </a:srgbClr>
+              </a:solidFill>
+              <a:prstDash val="solid"/>
+              <a:round/>
+            </a:ln>
+          </p:spPr>
+          <p:txBody>
+            <a:bodyPr/>
+            <a:lstStyle/>
+            <a:p/>
+          </p:txBody>
+        </p:sp>
+        <p:sp>
+          <p:nvSpPr>
+            <p:cNvPr id="6" name="pl6"/>
+            <p:cNvSpPr/>
+            <p:nvPr/>
+          </p:nvSpPr>
+          <p:spPr>
+            <a:xfrm>
+              <a:off x="938418" y="3368644"/>
+              <a:ext cx="6738730" cy="0"/>
+            </a:xfrm>
+            <a:custGeom>
+              <a:avLst/>
+              <a:pathLst>
+                <a:path w="6738730" h="0">
+                  <a:moveTo>
+                    <a:pt x="0" y="0"/>
+                  </a:moveTo>
+                  <a:lnTo>
+                    <a:pt x="6738730" y="0"/>
+                  </a:lnTo>
+                  <a:lnTo>
+                    <a:pt x="6738730" y="0"/>
+                  </a:lnTo>
+                </a:path>
+              </a:pathLst>
+            </a:custGeom>
+            <a:ln w="6775" cap="flat">
+              <a:solidFill>
+                <a:srgbClr val="EBEBEB">
+                  <a:alpha val="100000"/>
+                </a:srgbClr>
+              </a:solidFill>
+              <a:prstDash val="solid"/>
+              <a:round/>
+            </a:ln>
+          </p:spPr>
+          <p:txBody>
+            <a:bodyPr/>
+            <a:lstStyle/>
+            <a:p/>
+          </p:txBody>
+        </p:sp>
+        <p:sp>
+          <p:nvSpPr>
+            <p:cNvPr id="7" name="pl7"/>
+            <p:cNvSpPr/>
+            <p:nvPr/>
+          </p:nvSpPr>
+          <p:spPr>
+            <a:xfrm>
+              <a:off x="938418" y="2496699"/>
+              <a:ext cx="6738730" cy="0"/>
+            </a:xfrm>
+            <a:custGeom>
+              <a:avLst/>
+              <a:pathLst>
+                <a:path w="6738730" h="0">
+                  <a:moveTo>
+                    <a:pt x="0" y="0"/>
+                  </a:moveTo>
+                  <a:lnTo>
+                    <a:pt x="6738730" y="0"/>
+                  </a:lnTo>
+                  <a:lnTo>
+                    <a:pt x="6738730" y="0"/>
+                  </a:lnTo>
+                </a:path>
+              </a:pathLst>
+            </a:custGeom>
+            <a:ln w="6775" cap="flat">
+              <a:solidFill>
+                <a:srgbClr val="EBEBEB">
+                  <a:alpha val="100000"/>
+                </a:srgbClr>
+              </a:solidFill>
+              <a:prstDash val="solid"/>
+              <a:round/>
+            </a:ln>
+          </p:spPr>
+          <p:txBody>
+            <a:bodyPr/>
+            <a:lstStyle/>
+            <a:p/>
+          </p:txBody>
+        </p:sp>
+        <p:sp>
+          <p:nvSpPr>
+            <p:cNvPr id="8" name="pl8"/>
+            <p:cNvSpPr/>
+            <p:nvPr/>
+          </p:nvSpPr>
+          <p:spPr>
+            <a:xfrm>
+              <a:off x="938418" y="5548506"/>
+              <a:ext cx="6738730" cy="0"/>
+            </a:xfrm>
+            <a:custGeom>
+              <a:avLst/>
+              <a:pathLst>
+                <a:path w="6738730" h="0">
+                  <a:moveTo>
+                    <a:pt x="0" y="0"/>
+                  </a:moveTo>
+                  <a:lnTo>
+                    <a:pt x="6738730" y="0"/>
+                  </a:lnTo>
+                  <a:lnTo>
+                    <a:pt x="6738730" y="0"/>
+                  </a:lnTo>
+                </a:path>
+              </a:pathLst>
+            </a:custGeom>
+            <a:ln w="13550" cap="flat">
+              <a:solidFill>
+                <a:srgbClr val="EBEBEB">
+                  <a:alpha val="100000"/>
+                </a:srgbClr>
+              </a:solidFill>
+              <a:prstDash val="solid"/>
+              <a:round/>
+            </a:ln>
+          </p:spPr>
+          <p:txBody>
+            <a:bodyPr/>
+            <a:lstStyle/>
+            <a:p/>
+          </p:txBody>
+        </p:sp>
+        <p:sp>
+          <p:nvSpPr>
+            <p:cNvPr id="9" name="pl9"/>
+            <p:cNvSpPr/>
+            <p:nvPr/>
+          </p:nvSpPr>
+          <p:spPr>
+            <a:xfrm>
+              <a:off x="938418" y="4676561"/>
+              <a:ext cx="6738730" cy="0"/>
+            </a:xfrm>
+            <a:custGeom>
+              <a:avLst/>
+              <a:pathLst>
+                <a:path w="6738730" h="0">
+                  <a:moveTo>
+                    <a:pt x="0" y="0"/>
+                  </a:moveTo>
+                  <a:lnTo>
+                    <a:pt x="6738730" y="0"/>
+                  </a:lnTo>
+                  <a:lnTo>
+                    <a:pt x="6738730" y="0"/>
+                  </a:lnTo>
+                </a:path>
+              </a:pathLst>
+            </a:custGeom>
+            <a:ln w="13550" cap="flat">
+              <a:solidFill>
+                <a:srgbClr val="EBEBEB">
+                  <a:alpha val="100000"/>
+                </a:srgbClr>
+              </a:solidFill>
+              <a:prstDash val="solid"/>
+              <a:round/>
+            </a:ln>
+          </p:spPr>
+          <p:txBody>
+            <a:bodyPr/>
+            <a:lstStyle/>
+            <a:p/>
+          </p:txBody>
+        </p:sp>
+        <p:sp>
+          <p:nvSpPr>
+            <p:cNvPr id="10" name="pl10"/>
+            <p:cNvSpPr/>
+            <p:nvPr/>
+          </p:nvSpPr>
+          <p:spPr>
+            <a:xfrm>
+              <a:off x="938418" y="3804617"/>
+              <a:ext cx="6738730" cy="0"/>
+            </a:xfrm>
+            <a:custGeom>
+              <a:avLst/>
+              <a:pathLst>
+                <a:path w="6738730" h="0">
+                  <a:moveTo>
+                    <a:pt x="0" y="0"/>
+                  </a:moveTo>
+                  <a:lnTo>
+                    <a:pt x="6738730" y="0"/>
+                  </a:lnTo>
+                  <a:lnTo>
+                    <a:pt x="6738730" y="0"/>
+                  </a:lnTo>
+                </a:path>
+              </a:pathLst>
+            </a:custGeom>
+            <a:ln w="13550" cap="flat">
+              <a:solidFill>
+                <a:srgbClr val="EBEBEB">
+                  <a:alpha val="100000"/>
+                </a:srgbClr>
+              </a:solidFill>
+              <a:prstDash val="solid"/>
+              <a:round/>
+            </a:ln>
+          </p:spPr>
+          <p:txBody>
+            <a:bodyPr/>
+            <a:lstStyle/>
+            <a:p/>
+          </p:txBody>
+        </p:sp>
+        <p:sp>
+          <p:nvSpPr>
+            <p:cNvPr id="11" name="pl11"/>
+            <p:cNvSpPr/>
+            <p:nvPr/>
+          </p:nvSpPr>
+          <p:spPr>
+            <a:xfrm>
+              <a:off x="938418" y="2932672"/>
+              <a:ext cx="6738730" cy="0"/>
+            </a:xfrm>
+            <a:custGeom>
+              <a:avLst/>
+              <a:pathLst>
+                <a:path w="6738730" h="0">
+                  <a:moveTo>
+                    <a:pt x="0" y="0"/>
+                  </a:moveTo>
+                  <a:lnTo>
+                    <a:pt x="6738730" y="0"/>
+                  </a:lnTo>
+                  <a:lnTo>
+                    <a:pt x="6738730" y="0"/>
+                  </a:lnTo>
+                </a:path>
+              </a:pathLst>
+            </a:custGeom>
+            <a:ln w="13550" cap="flat">
+              <a:solidFill>
+                <a:srgbClr val="EBEBEB">
+                  <a:alpha val="100000"/>
+                </a:srgbClr>
+              </a:solidFill>
+              <a:prstDash val="solid"/>
+              <a:round/>
+            </a:ln>
+          </p:spPr>
+          <p:txBody>
+            <a:bodyPr/>
+            <a:lstStyle/>
+            <a:p/>
+          </p:txBody>
+        </p:sp>
+        <p:sp>
+          <p:nvSpPr>
+            <p:cNvPr id="12" name="pl12"/>
+            <p:cNvSpPr/>
+            <p:nvPr/>
+          </p:nvSpPr>
+          <p:spPr>
+            <a:xfrm>
+              <a:off x="938418" y="2060727"/>
+              <a:ext cx="6738730" cy="0"/>
+            </a:xfrm>
+            <a:custGeom>
+              <a:avLst/>
+              <a:pathLst>
+                <a:path w="6738730" h="0">
+                  <a:moveTo>
+                    <a:pt x="0" y="0"/>
+                  </a:moveTo>
+                  <a:lnTo>
+                    <a:pt x="6738730" y="0"/>
+                  </a:lnTo>
+                  <a:lnTo>
+                    <a:pt x="6738730" y="0"/>
+                  </a:lnTo>
+                </a:path>
+              </a:pathLst>
+            </a:custGeom>
+            <a:ln w="13550" cap="flat">
+              <a:solidFill>
+                <a:srgbClr val="EBEBEB">
+                  <a:alpha val="100000"/>
+                </a:srgbClr>
+              </a:solidFill>
+              <a:prstDash val="solid"/>
+              <a:round/>
+            </a:ln>
+          </p:spPr>
+          <p:txBody>
+            <a:bodyPr/>
+            <a:lstStyle/>
+            <a:p/>
+          </p:txBody>
+        </p:sp>
+        <p:sp>
+          <p:nvSpPr>
+            <p:cNvPr id="13" name="pl13"/>
+            <p:cNvSpPr/>
+            <p:nvPr/>
+          </p:nvSpPr>
+          <p:spPr>
+            <a:xfrm>
+              <a:off x="1715964" y="1886338"/>
+              <a:ext cx="0" cy="3836557"/>
+            </a:xfrm>
+            <a:custGeom>
+              <a:avLst/>
+              <a:pathLst>
+                <a:path w="0" h="3836557">
+                  <a:moveTo>
+                    <a:pt x="0" y="3836557"/>
+                  </a:moveTo>
+                  <a:lnTo>
+                    <a:pt x="0" y="0"/>
+                  </a:lnTo>
+                  <a:lnTo>
+                    <a:pt x="0" y="0"/>
+                  </a:lnTo>
+                </a:path>
+              </a:pathLst>
+            </a:custGeom>
+            <a:ln w="13550" cap="flat">
+              <a:solidFill>
+                <a:srgbClr val="EBEBEB">
+                  <a:alpha val="100000"/>
+                </a:srgbClr>
+              </a:solidFill>
+              <a:prstDash val="solid"/>
+              <a:round/>
+            </a:ln>
+          </p:spPr>
+          <p:txBody>
+            <a:bodyPr/>
+            <a:lstStyle/>
+            <a:p/>
+          </p:txBody>
+        </p:sp>
+        <p:sp>
+          <p:nvSpPr>
+            <p:cNvPr id="14" name="pl14"/>
+            <p:cNvSpPr/>
+            <p:nvPr/>
+          </p:nvSpPr>
+          <p:spPr>
+            <a:xfrm>
+              <a:off x="3011873" y="1886338"/>
+              <a:ext cx="0" cy="3836557"/>
+            </a:xfrm>
+            <a:custGeom>
+              <a:avLst/>
+              <a:pathLst>
+                <a:path w="0" h="3836557">
+                  <a:moveTo>
+                    <a:pt x="0" y="3836557"/>
+                  </a:moveTo>
+                  <a:lnTo>
+                    <a:pt x="0" y="0"/>
+                  </a:lnTo>
+                  <a:lnTo>
+                    <a:pt x="0" y="0"/>
+                  </a:lnTo>
+                </a:path>
+              </a:pathLst>
+            </a:custGeom>
+            <a:ln w="13550" cap="flat">
+              <a:solidFill>
+                <a:srgbClr val="EBEBEB">
+                  <a:alpha val="100000"/>
+                </a:srgbClr>
+              </a:solidFill>
+              <a:prstDash val="solid"/>
+              <a:round/>
+            </a:ln>
+          </p:spPr>
+          <p:txBody>
+            <a:bodyPr/>
+            <a:lstStyle/>
+            <a:p/>
+          </p:txBody>
+        </p:sp>
+        <p:sp>
+          <p:nvSpPr>
+            <p:cNvPr id="15" name="pl15"/>
+            <p:cNvSpPr/>
+            <p:nvPr/>
+          </p:nvSpPr>
+          <p:spPr>
+            <a:xfrm>
+              <a:off x="4307783" y="1886338"/>
+              <a:ext cx="0" cy="3836557"/>
+            </a:xfrm>
+            <a:custGeom>
+              <a:avLst/>
+              <a:pathLst>
+                <a:path w="0" h="3836557">
+                  <a:moveTo>
+                    <a:pt x="0" y="3836557"/>
+                  </a:moveTo>
+                  <a:lnTo>
+                    <a:pt x="0" y="0"/>
+                  </a:lnTo>
+                  <a:lnTo>
+                    <a:pt x="0" y="0"/>
+                  </a:lnTo>
+                </a:path>
+              </a:pathLst>
+            </a:custGeom>
+            <a:ln w="13550" cap="flat">
+              <a:solidFill>
+                <a:srgbClr val="EBEBEB">
+                  <a:alpha val="100000"/>
+                </a:srgbClr>
+              </a:solidFill>
+              <a:prstDash val="solid"/>
+              <a:round/>
+            </a:ln>
+          </p:spPr>
+          <p:txBody>
+            <a:bodyPr/>
+            <a:lstStyle/>
+            <a:p/>
+          </p:txBody>
+        </p:sp>
+        <p:sp>
+          <p:nvSpPr>
+            <p:cNvPr id="16" name="pl16"/>
+            <p:cNvSpPr/>
+            <p:nvPr/>
+          </p:nvSpPr>
+          <p:spPr>
+            <a:xfrm>
+              <a:off x="5603693" y="1886338"/>
+              <a:ext cx="0" cy="3836557"/>
+            </a:xfrm>
+            <a:custGeom>
+              <a:avLst/>
+              <a:pathLst>
+                <a:path w="0" h="3836557">
+                  <a:moveTo>
+                    <a:pt x="0" y="3836557"/>
+                  </a:moveTo>
+                  <a:lnTo>
+                    <a:pt x="0" y="0"/>
+                  </a:lnTo>
+                  <a:lnTo>
+                    <a:pt x="0" y="0"/>
+                  </a:lnTo>
+                </a:path>
+              </a:pathLst>
+            </a:custGeom>
+            <a:ln w="13550" cap="flat">
+              <a:solidFill>
+                <a:srgbClr val="EBEBEB">
+                  <a:alpha val="100000"/>
+                </a:srgbClr>
+              </a:solidFill>
+              <a:prstDash val="solid"/>
+              <a:round/>
+            </a:ln>
+          </p:spPr>
+          <p:txBody>
+            <a:bodyPr/>
+            <a:lstStyle/>
+            <a:p/>
+          </p:txBody>
+        </p:sp>
+        <p:sp>
+          <p:nvSpPr>
+            <p:cNvPr id="17" name="pl17"/>
+            <p:cNvSpPr/>
+            <p:nvPr/>
+          </p:nvSpPr>
+          <p:spPr>
+            <a:xfrm>
+              <a:off x="6899603" y="1886338"/>
+              <a:ext cx="0" cy="3836557"/>
+            </a:xfrm>
+            <a:custGeom>
+              <a:avLst/>
+              <a:pathLst>
+                <a:path w="0" h="3836557">
+                  <a:moveTo>
+                    <a:pt x="0" y="3836557"/>
+                  </a:moveTo>
+                  <a:lnTo>
+                    <a:pt x="0" y="0"/>
+                  </a:lnTo>
+                  <a:lnTo>
+                    <a:pt x="0" y="0"/>
+                  </a:lnTo>
+                </a:path>
+              </a:pathLst>
+            </a:custGeom>
+            <a:ln w="13550" cap="flat">
+              <a:solidFill>
+                <a:srgbClr val="EBEBEB">
+                  <a:alpha val="100000"/>
+                </a:srgbClr>
+              </a:solidFill>
+              <a:prstDash val="solid"/>
+              <a:round/>
+            </a:ln>
+          </p:spPr>
+          <p:txBody>
+            <a:bodyPr/>
+            <a:lstStyle/>
+            <a:p/>
+          </p:txBody>
+        </p:sp>
+        <p:sp>
+          <p:nvSpPr>
+            <p:cNvPr id="18" name="rc18"/>
+            <p:cNvSpPr/>
+            <p:nvPr/>
+          </p:nvSpPr>
+          <p:spPr>
+            <a:xfrm>
+              <a:off x="1715964" y="4977382"/>
+              <a:ext cx="583159" cy="571123"/>
+            </a:xfrm>
+            <a:prstGeom prst="rect">
+              <a:avLst/>
+            </a:prstGeom>
+            <a:solidFill>
+              <a:srgbClr val="00BFC4">
+                <a:alpha val="100000"/>
+              </a:srgbClr>
+            </a:solidFill>
+          </p:spPr>
+          <p:txBody>
+            <a:bodyPr/>
+            <a:lstStyle/>
+            <a:p/>
+          </p:txBody>
+        </p:sp>
+        <p:sp>
+          <p:nvSpPr>
+            <p:cNvPr id="19" name="rc19"/>
+            <p:cNvSpPr/>
+            <p:nvPr/>
+          </p:nvSpPr>
+          <p:spPr>
+            <a:xfrm>
+              <a:off x="1132804" y="4977382"/>
+              <a:ext cx="583159" cy="571123"/>
+            </a:xfrm>
+            <a:prstGeom prst="rect">
+              <a:avLst/>
+            </a:prstGeom>
+            <a:solidFill>
+              <a:srgbClr val="F8766D">
+                <a:alpha val="100000"/>
+              </a:srgbClr>
+            </a:solidFill>
+          </p:spPr>
+          <p:txBody>
+            <a:bodyPr/>
+            <a:lstStyle/>
+            <a:p/>
+          </p:txBody>
+        </p:sp>
+        <p:sp>
+          <p:nvSpPr>
+            <p:cNvPr id="20" name="rc20"/>
+            <p:cNvSpPr/>
+            <p:nvPr/>
+          </p:nvSpPr>
+          <p:spPr>
+            <a:xfrm>
+              <a:off x="3011873" y="4131596"/>
+              <a:ext cx="583159" cy="1416910"/>
+            </a:xfrm>
+            <a:prstGeom prst="rect">
+              <a:avLst/>
+            </a:prstGeom>
+            <a:solidFill>
+              <a:srgbClr val="00BFC4">
+                <a:alpha val="100000"/>
+              </a:srgbClr>
+            </a:solidFill>
+          </p:spPr>
+          <p:txBody>
+            <a:bodyPr/>
+            <a:lstStyle/>
+            <a:p/>
+          </p:txBody>
+        </p:sp>
+        <p:sp>
+          <p:nvSpPr>
+            <p:cNvPr id="21" name="rc21"/>
+            <p:cNvSpPr/>
+            <p:nvPr/>
+          </p:nvSpPr>
+          <p:spPr>
+            <a:xfrm>
+              <a:off x="2428714" y="4362661"/>
+              <a:ext cx="583159" cy="1185845"/>
+            </a:xfrm>
+            <a:prstGeom prst="rect">
+              <a:avLst/>
+            </a:prstGeom>
+            <a:solidFill>
+              <a:srgbClr val="F8766D">
+                <a:alpha val="100000"/>
+              </a:srgbClr>
+            </a:solidFill>
+          </p:spPr>
+          <p:txBody>
+            <a:bodyPr/>
+            <a:lstStyle/>
+            <a:p/>
+          </p:txBody>
+        </p:sp>
+        <p:sp>
+          <p:nvSpPr>
+            <p:cNvPr id="22" name="rc22"/>
+            <p:cNvSpPr/>
+            <p:nvPr/>
+          </p:nvSpPr>
+          <p:spPr>
+            <a:xfrm>
+              <a:off x="4307783" y="4925066"/>
+              <a:ext cx="583159" cy="623440"/>
+            </a:xfrm>
+            <a:prstGeom prst="rect">
+              <a:avLst/>
+            </a:prstGeom>
+            <a:solidFill>
+              <a:srgbClr val="00BFC4">
+                <a:alpha val="100000"/>
+              </a:srgbClr>
+            </a:solidFill>
+          </p:spPr>
+          <p:txBody>
+            <a:bodyPr/>
+            <a:lstStyle/>
+            <a:p/>
+          </p:txBody>
+        </p:sp>
+        <p:sp>
+          <p:nvSpPr>
+            <p:cNvPr id="23" name="rc23"/>
+            <p:cNvSpPr/>
+            <p:nvPr/>
+          </p:nvSpPr>
+          <p:spPr>
+            <a:xfrm>
+              <a:off x="3724624" y="4598086"/>
+              <a:ext cx="583159" cy="950419"/>
+            </a:xfrm>
+            <a:prstGeom prst="rect">
+              <a:avLst/>
+            </a:prstGeom>
+            <a:solidFill>
+              <a:srgbClr val="F8766D">
+                <a:alpha val="100000"/>
+              </a:srgbClr>
+            </a:solidFill>
+          </p:spPr>
+          <p:txBody>
+            <a:bodyPr/>
+            <a:lstStyle/>
+            <a:p/>
+          </p:txBody>
+        </p:sp>
+        <p:sp>
+          <p:nvSpPr>
+            <p:cNvPr id="24" name="rc24"/>
+            <p:cNvSpPr/>
+            <p:nvPr/>
+          </p:nvSpPr>
+          <p:spPr>
+            <a:xfrm>
+              <a:off x="5603693" y="2073806"/>
+              <a:ext cx="583159" cy="3474700"/>
+            </a:xfrm>
+            <a:prstGeom prst="rect">
+              <a:avLst/>
+            </a:prstGeom>
+            <a:solidFill>
+              <a:srgbClr val="00BFC4">
+                <a:alpha val="100000"/>
+              </a:srgbClr>
+            </a:solidFill>
+          </p:spPr>
+          <p:txBody>
+            <a:bodyPr/>
+            <a:lstStyle/>
+            <a:p/>
+          </p:txBody>
+        </p:sp>
+        <p:sp>
+          <p:nvSpPr>
+            <p:cNvPr id="25" name="rc25"/>
+            <p:cNvSpPr/>
+            <p:nvPr/>
+          </p:nvSpPr>
+          <p:spPr>
+            <a:xfrm>
+              <a:off x="5020534" y="2060727"/>
+              <a:ext cx="583159" cy="3487779"/>
+            </a:xfrm>
+            <a:prstGeom prst="rect">
+              <a:avLst/>
+            </a:prstGeom>
+            <a:solidFill>
+              <a:srgbClr val="F8766D">
+                <a:alpha val="100000"/>
+              </a:srgbClr>
+            </a:solidFill>
+          </p:spPr>
+          <p:txBody>
+            <a:bodyPr/>
+            <a:lstStyle/>
+            <a:p/>
+          </p:txBody>
+        </p:sp>
+        <p:sp>
+          <p:nvSpPr>
+            <p:cNvPr id="26" name="rc26"/>
+            <p:cNvSpPr/>
+            <p:nvPr/>
+          </p:nvSpPr>
+          <p:spPr>
+            <a:xfrm>
+              <a:off x="6899603" y="2862916"/>
+              <a:ext cx="583159" cy="2685590"/>
+            </a:xfrm>
+            <a:prstGeom prst="rect">
+              <a:avLst/>
+            </a:prstGeom>
+            <a:solidFill>
+              <a:srgbClr val="00BFC4">
+                <a:alpha val="100000"/>
+              </a:srgbClr>
+            </a:solidFill>
+          </p:spPr>
+          <p:txBody>
+            <a:bodyPr/>
+            <a:lstStyle/>
+            <a:p/>
+          </p:txBody>
+        </p:sp>
+        <p:sp>
+          <p:nvSpPr>
+            <p:cNvPr id="27" name="rc27"/>
+            <p:cNvSpPr/>
+            <p:nvPr/>
+          </p:nvSpPr>
+          <p:spPr>
+            <a:xfrm>
+              <a:off x="6316443" y="2893434"/>
+              <a:ext cx="583159" cy="2655072"/>
+            </a:xfrm>
+            <a:prstGeom prst="rect">
+              <a:avLst/>
+            </a:prstGeom>
+            <a:solidFill>
+              <a:srgbClr val="F8766D">
+                <a:alpha val="100000"/>
+              </a:srgbClr>
+            </a:solidFill>
+          </p:spPr>
+          <p:txBody>
+            <a:bodyPr/>
+            <a:lstStyle/>
+            <a:p/>
+          </p:txBody>
+        </p:sp>
+        <p:sp>
+          <p:nvSpPr>
+            <p:cNvPr id="28" name="tx28"/>
+            <p:cNvSpPr/>
+            <p:nvPr/>
+          </p:nvSpPr>
+          <p:spPr>
+            <a:xfrm>
+              <a:off x="813632" y="5507824"/>
+              <a:ext cx="62155" cy="79126"/>
+            </a:xfrm>
+            <a:prstGeom prst="rect">
+              <a:avLst/>
+            </a:prstGeom>
+            <a:noFill/>
+          </p:spPr>
+          <p:txBody>
+            <a:bodyPr lIns="0" rIns="0" tIns="0" bIns="0" anchorCtr="1" anchor="ctr" wrap="none"/>
+            <a:lstStyle/>
+            <a:p>
+              <a:pPr algn="l" marL="0" marR="0" indent="0">
+                <a:lnSpc>
+                  <a:spcPts val="880"/>
+                </a:lnSpc>
+                <a:spcBef>
+                  <a:spcPts val="0"/>
+                </a:spcBef>
+                <a:spcAft>
+                  <a:spcPts val="0"/>
+                </a:spcAft>
+              </a:pPr>
+              <a:r>
+                <a:rPr sz="880">
+                  <a:solidFill>
+                    <a:srgbClr val="4D4D4D">
+                      <a:alpha val="100000"/>
+                    </a:srgbClr>
+                  </a:solidFill>
+                  <a:latin typeface="Liberation Sans"/>
+                  <a:cs typeface="Liberation Sans"/>
+                </a:rPr>
+                <a:t>0</a:t>
+              </a:r>
+            </a:p>
+          </p:txBody>
+        </p:sp>
+        <p:sp>
+          <p:nvSpPr>
+            <p:cNvPr id="29" name="tx29"/>
+            <p:cNvSpPr/>
+            <p:nvPr/>
+          </p:nvSpPr>
+          <p:spPr>
+            <a:xfrm>
+              <a:off x="689321" y="4635879"/>
+              <a:ext cx="186466" cy="79126"/>
+            </a:xfrm>
+            <a:prstGeom prst="rect">
+              <a:avLst/>
+            </a:prstGeom>
+            <a:noFill/>
+          </p:spPr>
+          <p:txBody>
+            <a:bodyPr lIns="0" rIns="0" tIns="0" bIns="0" anchorCtr="1" anchor="ctr" wrap="none"/>
+            <a:lstStyle/>
+            <a:p>
+              <a:pPr algn="l" marL="0" marR="0" indent="0">
+                <a:lnSpc>
+                  <a:spcPts val="880"/>
+                </a:lnSpc>
+                <a:spcBef>
+                  <a:spcPts val="0"/>
+                </a:spcBef>
+                <a:spcAft>
+                  <a:spcPts val="0"/>
+                </a:spcAft>
+              </a:pPr>
+              <a:r>
+                <a:rPr sz="880">
+                  <a:solidFill>
+                    <a:srgbClr val="4D4D4D">
+                      <a:alpha val="100000"/>
+                    </a:srgbClr>
+                  </a:solidFill>
+                  <a:latin typeface="Liberation Sans"/>
+                  <a:cs typeface="Liberation Sans"/>
+                </a:rPr>
+                <a:t>200</a:t>
+              </a:r>
+            </a:p>
+          </p:txBody>
+        </p:sp>
+        <p:sp>
+          <p:nvSpPr>
+            <p:cNvPr id="30" name="tx30"/>
+            <p:cNvSpPr/>
+            <p:nvPr/>
+          </p:nvSpPr>
+          <p:spPr>
+            <a:xfrm>
+              <a:off x="689321" y="3763934"/>
+              <a:ext cx="186466" cy="79126"/>
+            </a:xfrm>
+            <a:prstGeom prst="rect">
+              <a:avLst/>
+            </a:prstGeom>
+            <a:noFill/>
+          </p:spPr>
+          <p:txBody>
+            <a:bodyPr lIns="0" rIns="0" tIns="0" bIns="0" anchorCtr="1" anchor="ctr" wrap="none"/>
+            <a:lstStyle/>
+            <a:p>
+              <a:pPr algn="l" marL="0" marR="0" indent="0">
+                <a:lnSpc>
+                  <a:spcPts val="880"/>
+                </a:lnSpc>
+                <a:spcBef>
+                  <a:spcPts val="0"/>
+                </a:spcBef>
+                <a:spcAft>
+                  <a:spcPts val="0"/>
+                </a:spcAft>
+              </a:pPr>
+              <a:r>
+                <a:rPr sz="880">
+                  <a:solidFill>
+                    <a:srgbClr val="4D4D4D">
+                      <a:alpha val="100000"/>
+                    </a:srgbClr>
+                  </a:solidFill>
+                  <a:latin typeface="Liberation Sans"/>
+                  <a:cs typeface="Liberation Sans"/>
+                </a:rPr>
+                <a:t>400</a:t>
+              </a:r>
+            </a:p>
+          </p:txBody>
+        </p:sp>
+        <p:sp>
+          <p:nvSpPr>
+            <p:cNvPr id="31" name="tx31"/>
+            <p:cNvSpPr/>
+            <p:nvPr/>
+          </p:nvSpPr>
+          <p:spPr>
+            <a:xfrm>
+              <a:off x="689321" y="2891990"/>
+              <a:ext cx="186466" cy="79126"/>
+            </a:xfrm>
+            <a:prstGeom prst="rect">
+              <a:avLst/>
+            </a:prstGeom>
+            <a:noFill/>
+          </p:spPr>
+          <p:txBody>
+            <a:bodyPr lIns="0" rIns="0" tIns="0" bIns="0" anchorCtr="1" anchor="ctr" wrap="none"/>
+            <a:lstStyle/>
+            <a:p>
+              <a:pPr algn="l" marL="0" marR="0" indent="0">
+                <a:lnSpc>
+                  <a:spcPts val="880"/>
+                </a:lnSpc>
+                <a:spcBef>
+                  <a:spcPts val="0"/>
+                </a:spcBef>
+                <a:spcAft>
+                  <a:spcPts val="0"/>
+                </a:spcAft>
+              </a:pPr>
+              <a:r>
+                <a:rPr sz="880">
+                  <a:solidFill>
+                    <a:srgbClr val="4D4D4D">
+                      <a:alpha val="100000"/>
+                    </a:srgbClr>
+                  </a:solidFill>
+                  <a:latin typeface="Liberation Sans"/>
+                  <a:cs typeface="Liberation Sans"/>
+                </a:rPr>
+                <a:t>600</a:t>
+              </a:r>
+            </a:p>
+          </p:txBody>
+        </p:sp>
+        <p:sp>
+          <p:nvSpPr>
+            <p:cNvPr id="32" name="tx32"/>
+            <p:cNvSpPr/>
+            <p:nvPr/>
+          </p:nvSpPr>
+          <p:spPr>
+            <a:xfrm>
+              <a:off x="689321" y="2020045"/>
+              <a:ext cx="186466" cy="79126"/>
+            </a:xfrm>
+            <a:prstGeom prst="rect">
+              <a:avLst/>
+            </a:prstGeom>
+            <a:noFill/>
+          </p:spPr>
+          <p:txBody>
+            <a:bodyPr lIns="0" rIns="0" tIns="0" bIns="0" anchorCtr="1" anchor="ctr" wrap="none"/>
+            <a:lstStyle/>
+            <a:p>
+              <a:pPr algn="l" marL="0" marR="0" indent="0">
+                <a:lnSpc>
+                  <a:spcPts val="880"/>
+                </a:lnSpc>
+                <a:spcBef>
+                  <a:spcPts val="0"/>
+                </a:spcBef>
+                <a:spcAft>
+                  <a:spcPts val="0"/>
+                </a:spcAft>
+              </a:pPr>
+              <a:r>
+                <a:rPr sz="880">
+                  <a:solidFill>
+                    <a:srgbClr val="4D4D4D">
+                      <a:alpha val="100000"/>
+                    </a:srgbClr>
+                  </a:solidFill>
+                  <a:latin typeface="Liberation Sans"/>
+                  <a:cs typeface="Liberation Sans"/>
+                </a:rPr>
+                <a:t>800</a:t>
+              </a:r>
+            </a:p>
+          </p:txBody>
+        </p:sp>
+        <p:sp>
+          <p:nvSpPr>
+            <p:cNvPr id="33" name="tx33"/>
+            <p:cNvSpPr/>
+            <p:nvPr/>
+          </p:nvSpPr>
+          <p:spPr>
+            <a:xfrm>
+              <a:off x="1557519" y="5758240"/>
+              <a:ext cx="316889" cy="104174"/>
+            </a:xfrm>
+            <a:prstGeom prst="rect">
+              <a:avLst/>
+            </a:prstGeom>
+            <a:noFill/>
+          </p:spPr>
+          <p:txBody>
+            <a:bodyPr lIns="0" rIns="0" tIns="0" bIns="0" anchorCtr="1" anchor="ctr" wrap="none"/>
+            <a:lstStyle/>
+            <a:p>
+              <a:pPr algn="l" marL="0" marR="0" indent="0">
+                <a:lnSpc>
+                  <a:spcPts val="880"/>
+                </a:lnSpc>
+                <a:spcBef>
+                  <a:spcPts val="0"/>
+                </a:spcBef>
+                <a:spcAft>
+                  <a:spcPts val="0"/>
+                </a:spcAft>
+              </a:pPr>
+              <a:r>
+                <a:rPr sz="880">
+                  <a:solidFill>
+                    <a:srgbClr val="4D4D4D">
+                      <a:alpha val="100000"/>
+                    </a:srgbClr>
+                  </a:solidFill>
+                  <a:latin typeface="Liberation Sans"/>
+                  <a:cs typeface="Liberation Sans"/>
+                </a:rPr>
+                <a:t>Eating</a:t>
+              </a:r>
+            </a:p>
+          </p:txBody>
+        </p:sp>
+        <p:sp>
+          <p:nvSpPr>
+            <p:cNvPr id="34" name="tx34"/>
+            <p:cNvSpPr/>
+            <p:nvPr/>
+          </p:nvSpPr>
+          <p:spPr>
+            <a:xfrm>
+              <a:off x="2701314" y="5758240"/>
+              <a:ext cx="621119" cy="104174"/>
+            </a:xfrm>
+            <a:prstGeom prst="rect">
+              <a:avLst/>
+            </a:prstGeom>
+            <a:noFill/>
+          </p:spPr>
+          <p:txBody>
+            <a:bodyPr lIns="0" rIns="0" tIns="0" bIns="0" anchorCtr="1" anchor="ctr" wrap="none"/>
+            <a:lstStyle/>
+            <a:p>
+              <a:pPr algn="l" marL="0" marR="0" indent="0">
+                <a:lnSpc>
+                  <a:spcPts val="880"/>
+                </a:lnSpc>
+                <a:spcBef>
+                  <a:spcPts val="0"/>
+                </a:spcBef>
+                <a:spcAft>
+                  <a:spcPts val="0"/>
+                </a:spcAft>
+              </a:pPr>
+              <a:r>
+                <a:rPr sz="880">
+                  <a:solidFill>
+                    <a:srgbClr val="4D4D4D">
+                      <a:alpha val="100000"/>
+                    </a:srgbClr>
+                  </a:solidFill>
+                  <a:latin typeface="Liberation Sans"/>
+                  <a:cs typeface="Liberation Sans"/>
+                </a:rPr>
+                <a:t>Employment</a:t>
+              </a:r>
+            </a:p>
+          </p:txBody>
+        </p:sp>
+        <p:sp>
+          <p:nvSpPr>
+            <p:cNvPr id="35" name="tx35"/>
+            <p:cNvSpPr/>
+            <p:nvPr/>
+          </p:nvSpPr>
+          <p:spPr>
+            <a:xfrm>
+              <a:off x="3646173" y="5758240"/>
+              <a:ext cx="1323220" cy="104174"/>
+            </a:xfrm>
+            <a:prstGeom prst="rect">
+              <a:avLst/>
+            </a:prstGeom>
+            <a:noFill/>
+          </p:spPr>
+          <p:txBody>
+            <a:bodyPr lIns="0" rIns="0" tIns="0" bIns="0" anchorCtr="1" anchor="ctr" wrap="none"/>
+            <a:lstStyle/>
+            <a:p>
+              <a:pPr algn="l" marL="0" marR="0" indent="0">
+                <a:lnSpc>
+                  <a:spcPts val="880"/>
+                </a:lnSpc>
+                <a:spcBef>
+                  <a:spcPts val="0"/>
+                </a:spcBef>
+                <a:spcAft>
+                  <a:spcPts val="0"/>
+                </a:spcAft>
+              </a:pPr>
+              <a:r>
+                <a:rPr sz="880">
+                  <a:solidFill>
+                    <a:srgbClr val="4D4D4D">
+                      <a:alpha val="100000"/>
+                    </a:srgbClr>
+                  </a:solidFill>
+                  <a:latin typeface="Liberation Sans"/>
+                  <a:cs typeface="Liberation Sans"/>
+                </a:rPr>
+                <a:t>Household and family care</a:t>
+              </a:r>
+            </a:p>
+          </p:txBody>
+        </p:sp>
+        <p:sp>
+          <p:nvSpPr>
+            <p:cNvPr id="36" name="tx36"/>
+            <p:cNvSpPr/>
+            <p:nvPr/>
+          </p:nvSpPr>
+          <p:spPr>
+            <a:xfrm>
+              <a:off x="5258918" y="5780341"/>
+              <a:ext cx="689550" cy="82073"/>
+            </a:xfrm>
+            <a:prstGeom prst="rect">
+              <a:avLst/>
+            </a:prstGeom>
+            <a:noFill/>
+          </p:spPr>
+          <p:txBody>
+            <a:bodyPr lIns="0" rIns="0" tIns="0" bIns="0" anchorCtr="1" anchor="ctr" wrap="none"/>
+            <a:lstStyle/>
+            <a:p>
+              <a:pPr algn="l" marL="0" marR="0" indent="0">
+                <a:lnSpc>
+                  <a:spcPts val="880"/>
+                </a:lnSpc>
+                <a:spcBef>
+                  <a:spcPts val="0"/>
+                </a:spcBef>
+                <a:spcAft>
+                  <a:spcPts val="0"/>
+                </a:spcAft>
+              </a:pPr>
+              <a:r>
+                <a:rPr sz="880">
+                  <a:solidFill>
+                    <a:srgbClr val="4D4D4D">
+                      <a:alpha val="100000"/>
+                    </a:srgbClr>
+                  </a:solidFill>
+                  <a:latin typeface="Liberation Sans"/>
+                  <a:cs typeface="Liberation Sans"/>
+                </a:rPr>
+                <a:t>Personal care</a:t>
+              </a:r>
+            </a:p>
+          </p:txBody>
+        </p:sp>
+        <p:sp>
+          <p:nvSpPr>
+            <p:cNvPr id="37" name="tx37"/>
+            <p:cNvSpPr/>
+            <p:nvPr/>
+          </p:nvSpPr>
+          <p:spPr>
+            <a:xfrm>
+              <a:off x="6756683" y="5758240"/>
+              <a:ext cx="285839" cy="104174"/>
+            </a:xfrm>
+            <a:prstGeom prst="rect">
+              <a:avLst/>
+            </a:prstGeom>
+            <a:noFill/>
+          </p:spPr>
+          <p:txBody>
+            <a:bodyPr lIns="0" rIns="0" tIns="0" bIns="0" anchorCtr="1" anchor="ctr" wrap="none"/>
+            <a:lstStyle/>
+            <a:p>
+              <a:pPr algn="l" marL="0" marR="0" indent="0">
+                <a:lnSpc>
+                  <a:spcPts val="880"/>
+                </a:lnSpc>
+                <a:spcBef>
+                  <a:spcPts val="0"/>
+                </a:spcBef>
+                <a:spcAft>
+                  <a:spcPts val="0"/>
+                </a:spcAft>
+              </a:pPr>
+              <a:r>
+                <a:rPr sz="880">
+                  <a:solidFill>
+                    <a:srgbClr val="4D4D4D">
+                      <a:alpha val="100000"/>
+                    </a:srgbClr>
+                  </a:solidFill>
+                  <a:latin typeface="Liberation Sans"/>
+                  <a:cs typeface="Liberation Sans"/>
+                </a:rPr>
+                <a:t>Sleep</a:t>
+              </a:r>
+            </a:p>
+          </p:txBody>
+        </p:sp>
+        <p:sp>
+          <p:nvSpPr>
+            <p:cNvPr id="38" name="tx38"/>
+            <p:cNvSpPr/>
+            <p:nvPr/>
+          </p:nvSpPr>
+          <p:spPr>
+            <a:xfrm>
+              <a:off x="4032203" y="5922355"/>
+              <a:ext cx="551160" cy="102592"/>
+            </a:xfrm>
+            <a:prstGeom prst="rect">
+              <a:avLst/>
+            </a:prstGeom>
+            <a:noFill/>
+          </p:spPr>
+          <p:txBody>
+            <a:bodyPr lIns="0" rIns="0" tIns="0" bIns="0" anchorCtr="1" anchor="ctr" wrap="none"/>
+            <a:lstStyle/>
+            <a:p>
+              <a:pPr algn="l" marL="0" marR="0" indent="0">
+                <a:lnSpc>
+                  <a:spcPts val="1100"/>
+                </a:lnSpc>
+                <a:spcBef>
+                  <a:spcPts val="0"/>
+                </a:spcBef>
+                <a:spcAft>
+                  <a:spcPts val="0"/>
+                </a:spcAft>
+              </a:pPr>
+              <a:r>
+                <a:rPr sz="1100">
+                  <a:solidFill>
+                    <a:srgbClr val="000000">
+                      <a:alpha val="100000"/>
+                    </a:srgbClr>
+                  </a:solidFill>
+                  <a:latin typeface="Liberation Sans"/>
+                  <a:cs typeface="Liberation Sans"/>
+                </a:rPr>
+                <a:t>Activities</a:t>
+              </a:r>
+            </a:p>
+          </p:txBody>
+        </p:sp>
+        <p:sp>
+          <p:nvSpPr>
+            <p:cNvPr id="39" name="tx39"/>
+            <p:cNvSpPr/>
+            <p:nvPr/>
+          </p:nvSpPr>
+          <p:spPr>
+            <a:xfrm rot="-5400000">
+              <a:off x="78630" y="3753321"/>
+              <a:ext cx="985949" cy="102592"/>
+            </a:xfrm>
+            <a:prstGeom prst="rect">
+              <a:avLst/>
+            </a:prstGeom>
+            <a:noFill/>
+          </p:spPr>
+          <p:txBody>
+            <a:bodyPr lIns="0" rIns="0" tIns="0" bIns="0" anchorCtr="1" anchor="ctr" wrap="none"/>
+            <a:lstStyle/>
+            <a:p>
+              <a:pPr algn="l" marL="0" marR="0" indent="0">
+                <a:lnSpc>
+                  <a:spcPts val="1100"/>
+                </a:lnSpc>
+                <a:spcBef>
+                  <a:spcPts val="0"/>
+                </a:spcBef>
+                <a:spcAft>
+                  <a:spcPts val="0"/>
+                </a:spcAft>
+              </a:pPr>
+              <a:r>
+                <a:rPr sz="1100">
+                  <a:solidFill>
+                    <a:srgbClr val="000000">
+                      <a:alpha val="100000"/>
+                    </a:srgbClr>
+                  </a:solidFill>
+                  <a:latin typeface="Liberation Sans"/>
+                  <a:cs typeface="Liberation Sans"/>
+                </a:rPr>
+                <a:t>Time in minutes</a:t>
+              </a:r>
+            </a:p>
+          </p:txBody>
+        </p:sp>
+        <p:sp>
+          <p:nvSpPr>
+            <p:cNvPr id="40" name="tx40"/>
+            <p:cNvSpPr/>
+            <p:nvPr/>
+          </p:nvSpPr>
+          <p:spPr>
+            <a:xfrm>
+              <a:off x="7885916" y="3468204"/>
+              <a:ext cx="644748" cy="130218"/>
+            </a:xfrm>
+            <a:prstGeom prst="rect">
+              <a:avLst/>
+            </a:prstGeom>
+            <a:noFill/>
+          </p:spPr>
+          <p:txBody>
+            <a:bodyPr lIns="0" rIns="0" tIns="0" bIns="0" anchorCtr="1" anchor="ctr" wrap="none"/>
+            <a:lstStyle/>
+            <a:p>
+              <a:pPr algn="l" marL="0" marR="0" indent="0">
+                <a:lnSpc>
+                  <a:spcPts val="1100"/>
+                </a:lnSpc>
+                <a:spcBef>
+                  <a:spcPts val="0"/>
+                </a:spcBef>
+                <a:spcAft>
+                  <a:spcPts val="0"/>
+                </a:spcAft>
+              </a:pPr>
+              <a:r>
+                <a:rPr sz="1100">
+                  <a:solidFill>
+                    <a:srgbClr val="000000">
+                      <a:alpha val="100000"/>
+                    </a:srgbClr>
+                  </a:solidFill>
+                  <a:latin typeface="Liberation Sans"/>
+                  <a:cs typeface="Liberation Sans"/>
+                </a:rPr>
+                <a:t>population</a:t>
+              </a:r>
+            </a:p>
+          </p:txBody>
+        </p:sp>
+        <p:sp>
+          <p:nvSpPr>
+            <p:cNvPr id="41" name="rc41"/>
+            <p:cNvSpPr/>
+            <p:nvPr/>
+          </p:nvSpPr>
+          <p:spPr>
+            <a:xfrm>
+              <a:off x="7894916" y="3692824"/>
+              <a:ext cx="201455" cy="201456"/>
+            </a:xfrm>
+            <a:prstGeom prst="rect">
+              <a:avLst/>
+            </a:prstGeom>
+            <a:solidFill>
+              <a:srgbClr val="F8766D">
+                <a:alpha val="100000"/>
+              </a:srgbClr>
+            </a:solidFill>
+          </p:spPr>
+          <p:txBody>
+            <a:bodyPr/>
+            <a:lstStyle/>
+            <a:p/>
+          </p:txBody>
+        </p:sp>
+        <p:sp>
+          <p:nvSpPr>
+            <p:cNvPr id="42" name="rc42"/>
+            <p:cNvSpPr/>
+            <p:nvPr/>
+          </p:nvSpPr>
+          <p:spPr>
+            <a:xfrm>
+              <a:off x="7894916" y="3912280"/>
+              <a:ext cx="201455" cy="201456"/>
+            </a:xfrm>
+            <a:prstGeom prst="rect">
+              <a:avLst/>
+            </a:prstGeom>
+            <a:solidFill>
+              <a:srgbClr val="00BFC4">
+                <a:alpha val="100000"/>
+              </a:srgbClr>
+            </a:solidFill>
+          </p:spPr>
+          <p:txBody>
+            <a:bodyPr/>
+            <a:lstStyle/>
+            <a:p/>
+          </p:txBody>
+        </p:sp>
+        <p:sp>
+          <p:nvSpPr>
+            <p:cNvPr id="43" name="tx43"/>
+            <p:cNvSpPr/>
+            <p:nvPr/>
+          </p:nvSpPr>
+          <p:spPr>
+            <a:xfrm>
+              <a:off x="8174961" y="3749923"/>
+              <a:ext cx="372660" cy="82073"/>
+            </a:xfrm>
+            <a:prstGeom prst="rect">
+              <a:avLst/>
+            </a:prstGeom>
+            <a:noFill/>
+          </p:spPr>
+          <p:txBody>
+            <a:bodyPr lIns="0" rIns="0" tIns="0" bIns="0" anchorCtr="1" anchor="ctr" wrap="none"/>
+            <a:lstStyle/>
+            <a:p>
+              <a:pPr algn="l" marL="0" marR="0" indent="0">
+                <a:lnSpc>
+                  <a:spcPts val="880"/>
+                </a:lnSpc>
+                <a:spcBef>
+                  <a:spcPts val="0"/>
+                </a:spcBef>
+                <a:spcAft>
+                  <a:spcPts val="0"/>
+                </a:spcAft>
+              </a:pPr>
+              <a:r>
+                <a:rPr sz="880">
+                  <a:solidFill>
+                    <a:srgbClr val="000000">
+                      <a:alpha val="100000"/>
+                    </a:srgbClr>
+                  </a:solidFill>
+                  <a:latin typeface="Liberation Sans"/>
+                  <a:cs typeface="Liberation Sans"/>
+                </a:rPr>
+                <a:t>Female</a:t>
+              </a:r>
+            </a:p>
+          </p:txBody>
+        </p:sp>
+        <p:sp>
+          <p:nvSpPr>
+            <p:cNvPr id="44" name="tx44"/>
+            <p:cNvSpPr/>
+            <p:nvPr/>
+          </p:nvSpPr>
+          <p:spPr>
+            <a:xfrm>
+              <a:off x="8174961" y="3969379"/>
+              <a:ext cx="242237" cy="82073"/>
+            </a:xfrm>
+            <a:prstGeom prst="rect">
+              <a:avLst/>
+            </a:prstGeom>
+            <a:noFill/>
+          </p:spPr>
+          <p:txBody>
+            <a:bodyPr lIns="0" rIns="0" tIns="0" bIns="0" anchorCtr="1" anchor="ctr" wrap="none"/>
+            <a:lstStyle/>
+            <a:p>
+              <a:pPr algn="l" marL="0" marR="0" indent="0">
+                <a:lnSpc>
+                  <a:spcPts val="880"/>
+                </a:lnSpc>
+                <a:spcBef>
+                  <a:spcPts val="0"/>
+                </a:spcBef>
+                <a:spcAft>
+                  <a:spcPts val="0"/>
+                </a:spcAft>
+              </a:pPr>
+              <a:r>
+                <a:rPr sz="880">
+                  <a:solidFill>
+                    <a:srgbClr val="000000">
+                      <a:alpha val="100000"/>
+                    </a:srgbClr>
+                  </a:solidFill>
+                  <a:latin typeface="Liberation Sans"/>
+                  <a:cs typeface="Liberation Sans"/>
+                </a:rPr>
+                <a:t>Male</a:t>
+              </a:r>
+            </a:p>
+          </p:txBody>
+        </p:sp>
+        <p:sp>
+          <p:nvSpPr>
+            <p:cNvPr id="45" name="tx45"/>
+            <p:cNvSpPr/>
+            <p:nvPr/>
+          </p:nvSpPr>
+          <p:spPr>
+            <a:xfrm>
+              <a:off x="938418" y="1628861"/>
+              <a:ext cx="1435417" cy="156262"/>
+            </a:xfrm>
+            <a:prstGeom prst="rect">
+              <a:avLst/>
+            </a:prstGeom>
+            <a:noFill/>
+          </p:spPr>
+          <p:txBody>
+            <a:bodyPr lIns="0" rIns="0" tIns="0" bIns="0" anchorCtr="1" anchor="ctr" wrap="none"/>
+            <a:lstStyle/>
+            <a:p>
+              <a:pPr algn="l" marL="0" marR="0" indent="0">
+                <a:lnSpc>
+                  <a:spcPts val="1320"/>
+                </a:lnSpc>
+                <a:spcBef>
+                  <a:spcPts val="0"/>
+                </a:spcBef>
+                <a:spcAft>
+                  <a:spcPts val="0"/>
+                </a:spcAft>
+              </a:pPr>
+              <a:r>
+                <a:rPr sz="1320">
+                  <a:solidFill>
+                    <a:srgbClr val="000000">
+                      <a:alpha val="100000"/>
+                    </a:srgbClr>
+                  </a:solidFill>
+                  <a:latin typeface="Liberation Sans"/>
+                  <a:cs typeface="Liberation Sans"/>
+                </a:rPr>
+                <a:t>Year 2014_Sunday</a:t>
+              </a:r>
+            </a:p>
+          </p:txBody>
+        </p:sp>
+      </p:grpSp>
+    </p:spTree>
+  </p:cSld>
+  <p:clrMapOvr>
+    <a:masterClrMapping/>
+  </p:clrMapOvr>
+</p:sld>
+</file>
+
 <file path=ppt/slides/slide2.xml><?xml version="1.0" encoding="utf-8"?>
 <p:sld xmlns:a="http://schemas.openxmlformats.org/drawingml/2006/main" xmlns:r="http://schemas.openxmlformats.org/officeDocument/2006/relationships" xmlns:p="http://schemas.openxmlformats.org/presentationml/2006/main">
   <p:cSld>

--- a/content/blog/test.pptx
+++ b/content/blog/test.pptx
@@ -17,6 +17,9 @@
     <p:sldId id="265" r:id="rId17"/>
     <p:sldId id="266" r:id="rId18"/>
     <p:sldId id="267" r:id="rId19"/>
+    <p:sldId id="268" r:id="rId20"/>
+    <p:sldId id="269" r:id="rId21"/>
+    <p:sldId id="270" r:id="rId22"/>
   </p:sldIdLst>
   <p:sldSz cx="9144000" cy="6858000" type="screen4x3"/>
   <p:notesSz cx="6858000" cy="9144000"/>
@@ -8841,6 +8844,5003 @@
 </p:sld>
 </file>
 
+<file path=ppt/slides/slide13.xml><?xml version="1.0" encoding="utf-8"?>
+<p:sld xmlns:a="http://schemas.openxmlformats.org/drawingml/2006/main" xmlns:r="http://schemas.openxmlformats.org/officeDocument/2006/relationships" xmlns:p="http://schemas.openxmlformats.org/presentationml/2006/main">
+  <p:cSld>
+    <p:spTree>
+      <p:nvGrpSpPr>
+        <p:cNvPr id="1" name=""/>
+        <p:cNvGrpSpPr/>
+        <p:nvPr/>
+      </p:nvGrpSpPr>
+      <p:grpSpPr>
+        <a:xfrm>
+          <a:off x="0" y="0"/>
+          <a:ext cx="0" cy="0"/>
+          <a:chOff x="0" y="0"/>
+          <a:chExt cx="0" cy="0"/>
+        </a:xfrm>
+      </p:grpSpPr>
+      <p:grpSp xmlns:a="http://schemas.openxmlformats.org/drawingml/2006/main" xmlns:r="http://schemas.openxmlformats.org/officeDocument/2006/relationships" xmlns:p="http://schemas.openxmlformats.org/presentationml/2006/main" xmlns:pic="http://schemas.openxmlformats.org/drawingml/2006/picture">
+        <p:nvGrpSpPr>
+          <p:cNvPr id="2" name="grp1"/>
+          <p:cNvGrpSpPr/>
+          <p:nvPr/>
+        </p:nvGrpSpPr>
+        <p:grpSpPr>
+          <a:xfrm>
+            <a:off x="457200" y="1600200"/>
+            <a:ext cx="8229600" cy="4525962"/>
+            <a:chOff x="457200" y="1600200"/>
+            <a:chExt cx="8229600" cy="4525962"/>
+          </a:xfrm>
+        </p:grpSpPr>
+        <p:sp>
+          <p:nvSpPr>
+            <p:cNvPr id="3" name="rc3"/>
+            <p:cNvSpPr/>
+            <p:nvPr/>
+          </p:nvSpPr>
+          <p:spPr>
+            <a:xfrm>
+              <a:off x="457200" y="1600200"/>
+              <a:ext cx="8229600" cy="4525962"/>
+            </a:xfrm>
+            <a:prstGeom prst="rect">
+              <a:avLst/>
+            </a:prstGeom>
+            <a:solidFill>
+              <a:srgbClr val="FFFFFF">
+                <a:alpha val="100000"/>
+              </a:srgbClr>
+            </a:solidFill>
+            <a:ln w="9525" cap="rnd">
+              <a:solidFill>
+                <a:srgbClr val="FFFFFF">
+                  <a:alpha val="100000"/>
+                </a:srgbClr>
+              </a:solidFill>
+              <a:prstDash val="solid"/>
+              <a:round/>
+            </a:ln>
+          </p:spPr>
+          <p:txBody>
+            <a:bodyPr/>
+            <a:lstStyle/>
+            <a:p/>
+          </p:txBody>
+        </p:sp>
+        <p:sp>
+          <p:nvSpPr>
+            <p:cNvPr id="4" name="pl4"/>
+            <p:cNvSpPr/>
+            <p:nvPr/>
+          </p:nvSpPr>
+          <p:spPr>
+            <a:xfrm>
+              <a:off x="938418" y="5031798"/>
+              <a:ext cx="6738730" cy="0"/>
+            </a:xfrm>
+            <a:custGeom>
+              <a:avLst/>
+              <a:pathLst>
+                <a:path w="6738730" h="0">
+                  <a:moveTo>
+                    <a:pt x="0" y="0"/>
+                  </a:moveTo>
+                  <a:lnTo>
+                    <a:pt x="6738730" y="0"/>
+                  </a:lnTo>
+                  <a:lnTo>
+                    <a:pt x="6738730" y="0"/>
+                  </a:lnTo>
+                </a:path>
+              </a:pathLst>
+            </a:custGeom>
+            <a:ln w="6775" cap="flat">
+              <a:solidFill>
+                <a:srgbClr val="EBEBEB">
+                  <a:alpha val="100000"/>
+                </a:srgbClr>
+              </a:solidFill>
+              <a:prstDash val="solid"/>
+              <a:round/>
+            </a:ln>
+          </p:spPr>
+          <p:txBody>
+            <a:bodyPr/>
+            <a:lstStyle/>
+            <a:p/>
+          </p:txBody>
+        </p:sp>
+        <p:sp>
+          <p:nvSpPr>
+            <p:cNvPr id="5" name="pl5"/>
+            <p:cNvSpPr/>
+            <p:nvPr/>
+          </p:nvSpPr>
+          <p:spPr>
+            <a:xfrm>
+              <a:off x="938418" y="3998382"/>
+              <a:ext cx="6738730" cy="0"/>
+            </a:xfrm>
+            <a:custGeom>
+              <a:avLst/>
+              <a:pathLst>
+                <a:path w="6738730" h="0">
+                  <a:moveTo>
+                    <a:pt x="0" y="0"/>
+                  </a:moveTo>
+                  <a:lnTo>
+                    <a:pt x="6738730" y="0"/>
+                  </a:lnTo>
+                  <a:lnTo>
+                    <a:pt x="6738730" y="0"/>
+                  </a:lnTo>
+                </a:path>
+              </a:pathLst>
+            </a:custGeom>
+            <a:ln w="6775" cap="flat">
+              <a:solidFill>
+                <a:srgbClr val="EBEBEB">
+                  <a:alpha val="100000"/>
+                </a:srgbClr>
+              </a:solidFill>
+              <a:prstDash val="solid"/>
+              <a:round/>
+            </a:ln>
+          </p:spPr>
+          <p:txBody>
+            <a:bodyPr/>
+            <a:lstStyle/>
+            <a:p/>
+          </p:txBody>
+        </p:sp>
+        <p:sp>
+          <p:nvSpPr>
+            <p:cNvPr id="6" name="pl6"/>
+            <p:cNvSpPr/>
+            <p:nvPr/>
+          </p:nvSpPr>
+          <p:spPr>
+            <a:xfrm>
+              <a:off x="938418" y="2964966"/>
+              <a:ext cx="6738730" cy="0"/>
+            </a:xfrm>
+            <a:custGeom>
+              <a:avLst/>
+              <a:pathLst>
+                <a:path w="6738730" h="0">
+                  <a:moveTo>
+                    <a:pt x="0" y="0"/>
+                  </a:moveTo>
+                  <a:lnTo>
+                    <a:pt x="6738730" y="0"/>
+                  </a:lnTo>
+                  <a:lnTo>
+                    <a:pt x="6738730" y="0"/>
+                  </a:lnTo>
+                </a:path>
+              </a:pathLst>
+            </a:custGeom>
+            <a:ln w="6775" cap="flat">
+              <a:solidFill>
+                <a:srgbClr val="EBEBEB">
+                  <a:alpha val="100000"/>
+                </a:srgbClr>
+              </a:solidFill>
+              <a:prstDash val="solid"/>
+              <a:round/>
+            </a:ln>
+          </p:spPr>
+          <p:txBody>
+            <a:bodyPr/>
+            <a:lstStyle/>
+            <a:p/>
+          </p:txBody>
+        </p:sp>
+        <p:sp>
+          <p:nvSpPr>
+            <p:cNvPr id="7" name="pl7"/>
+            <p:cNvSpPr/>
+            <p:nvPr/>
+          </p:nvSpPr>
+          <p:spPr>
+            <a:xfrm>
+              <a:off x="938418" y="1931550"/>
+              <a:ext cx="6738730" cy="0"/>
+            </a:xfrm>
+            <a:custGeom>
+              <a:avLst/>
+              <a:pathLst>
+                <a:path w="6738730" h="0">
+                  <a:moveTo>
+                    <a:pt x="0" y="0"/>
+                  </a:moveTo>
+                  <a:lnTo>
+                    <a:pt x="6738730" y="0"/>
+                  </a:lnTo>
+                  <a:lnTo>
+                    <a:pt x="6738730" y="0"/>
+                  </a:lnTo>
+                </a:path>
+              </a:pathLst>
+            </a:custGeom>
+            <a:ln w="6775" cap="flat">
+              <a:solidFill>
+                <a:srgbClr val="EBEBEB">
+                  <a:alpha val="100000"/>
+                </a:srgbClr>
+              </a:solidFill>
+              <a:prstDash val="solid"/>
+              <a:round/>
+            </a:ln>
+          </p:spPr>
+          <p:txBody>
+            <a:bodyPr/>
+            <a:lstStyle/>
+            <a:p/>
+          </p:txBody>
+        </p:sp>
+        <p:sp>
+          <p:nvSpPr>
+            <p:cNvPr id="8" name="pl8"/>
+            <p:cNvSpPr/>
+            <p:nvPr/>
+          </p:nvSpPr>
+          <p:spPr>
+            <a:xfrm>
+              <a:off x="938418" y="5548506"/>
+              <a:ext cx="6738730" cy="0"/>
+            </a:xfrm>
+            <a:custGeom>
+              <a:avLst/>
+              <a:pathLst>
+                <a:path w="6738730" h="0">
+                  <a:moveTo>
+                    <a:pt x="0" y="0"/>
+                  </a:moveTo>
+                  <a:lnTo>
+                    <a:pt x="6738730" y="0"/>
+                  </a:lnTo>
+                  <a:lnTo>
+                    <a:pt x="6738730" y="0"/>
+                  </a:lnTo>
+                </a:path>
+              </a:pathLst>
+            </a:custGeom>
+            <a:ln w="13550" cap="flat">
+              <a:solidFill>
+                <a:srgbClr val="EBEBEB">
+                  <a:alpha val="100000"/>
+                </a:srgbClr>
+              </a:solidFill>
+              <a:prstDash val="solid"/>
+              <a:round/>
+            </a:ln>
+          </p:spPr>
+          <p:txBody>
+            <a:bodyPr/>
+            <a:lstStyle/>
+            <a:p/>
+          </p:txBody>
+        </p:sp>
+        <p:sp>
+          <p:nvSpPr>
+            <p:cNvPr id="9" name="pl9"/>
+            <p:cNvSpPr/>
+            <p:nvPr/>
+          </p:nvSpPr>
+          <p:spPr>
+            <a:xfrm>
+              <a:off x="938418" y="4515090"/>
+              <a:ext cx="6738730" cy="0"/>
+            </a:xfrm>
+            <a:custGeom>
+              <a:avLst/>
+              <a:pathLst>
+                <a:path w="6738730" h="0">
+                  <a:moveTo>
+                    <a:pt x="0" y="0"/>
+                  </a:moveTo>
+                  <a:lnTo>
+                    <a:pt x="6738730" y="0"/>
+                  </a:lnTo>
+                  <a:lnTo>
+                    <a:pt x="6738730" y="0"/>
+                  </a:lnTo>
+                </a:path>
+              </a:pathLst>
+            </a:custGeom>
+            <a:ln w="13550" cap="flat">
+              <a:solidFill>
+                <a:srgbClr val="EBEBEB">
+                  <a:alpha val="100000"/>
+                </a:srgbClr>
+              </a:solidFill>
+              <a:prstDash val="solid"/>
+              <a:round/>
+            </a:ln>
+          </p:spPr>
+          <p:txBody>
+            <a:bodyPr/>
+            <a:lstStyle/>
+            <a:p/>
+          </p:txBody>
+        </p:sp>
+        <p:sp>
+          <p:nvSpPr>
+            <p:cNvPr id="10" name="pl10"/>
+            <p:cNvSpPr/>
+            <p:nvPr/>
+          </p:nvSpPr>
+          <p:spPr>
+            <a:xfrm>
+              <a:off x="938418" y="3481674"/>
+              <a:ext cx="6738730" cy="0"/>
+            </a:xfrm>
+            <a:custGeom>
+              <a:avLst/>
+              <a:pathLst>
+                <a:path w="6738730" h="0">
+                  <a:moveTo>
+                    <a:pt x="0" y="0"/>
+                  </a:moveTo>
+                  <a:lnTo>
+                    <a:pt x="6738730" y="0"/>
+                  </a:lnTo>
+                  <a:lnTo>
+                    <a:pt x="6738730" y="0"/>
+                  </a:lnTo>
+                </a:path>
+              </a:pathLst>
+            </a:custGeom>
+            <a:ln w="13550" cap="flat">
+              <a:solidFill>
+                <a:srgbClr val="EBEBEB">
+                  <a:alpha val="100000"/>
+                </a:srgbClr>
+              </a:solidFill>
+              <a:prstDash val="solid"/>
+              <a:round/>
+            </a:ln>
+          </p:spPr>
+          <p:txBody>
+            <a:bodyPr/>
+            <a:lstStyle/>
+            <a:p/>
+          </p:txBody>
+        </p:sp>
+        <p:sp>
+          <p:nvSpPr>
+            <p:cNvPr id="11" name="pl11"/>
+            <p:cNvSpPr/>
+            <p:nvPr/>
+          </p:nvSpPr>
+          <p:spPr>
+            <a:xfrm>
+              <a:off x="938418" y="2448258"/>
+              <a:ext cx="6738730" cy="0"/>
+            </a:xfrm>
+            <a:custGeom>
+              <a:avLst/>
+              <a:pathLst>
+                <a:path w="6738730" h="0">
+                  <a:moveTo>
+                    <a:pt x="0" y="0"/>
+                  </a:moveTo>
+                  <a:lnTo>
+                    <a:pt x="6738730" y="0"/>
+                  </a:lnTo>
+                  <a:lnTo>
+                    <a:pt x="6738730" y="0"/>
+                  </a:lnTo>
+                </a:path>
+              </a:pathLst>
+            </a:custGeom>
+            <a:ln w="13550" cap="flat">
+              <a:solidFill>
+                <a:srgbClr val="EBEBEB">
+                  <a:alpha val="100000"/>
+                </a:srgbClr>
+              </a:solidFill>
+              <a:prstDash val="solid"/>
+              <a:round/>
+            </a:ln>
+          </p:spPr>
+          <p:txBody>
+            <a:bodyPr/>
+            <a:lstStyle/>
+            <a:p/>
+          </p:txBody>
+        </p:sp>
+        <p:sp>
+          <p:nvSpPr>
+            <p:cNvPr id="12" name="pl12"/>
+            <p:cNvSpPr/>
+            <p:nvPr/>
+          </p:nvSpPr>
+          <p:spPr>
+            <a:xfrm>
+              <a:off x="1715964" y="1886338"/>
+              <a:ext cx="0" cy="3836557"/>
+            </a:xfrm>
+            <a:custGeom>
+              <a:avLst/>
+              <a:pathLst>
+                <a:path w="0" h="3836557">
+                  <a:moveTo>
+                    <a:pt x="0" y="3836557"/>
+                  </a:moveTo>
+                  <a:lnTo>
+                    <a:pt x="0" y="0"/>
+                  </a:lnTo>
+                  <a:lnTo>
+                    <a:pt x="0" y="0"/>
+                  </a:lnTo>
+                </a:path>
+              </a:pathLst>
+            </a:custGeom>
+            <a:ln w="13550" cap="flat">
+              <a:solidFill>
+                <a:srgbClr val="EBEBEB">
+                  <a:alpha val="100000"/>
+                </a:srgbClr>
+              </a:solidFill>
+              <a:prstDash val="solid"/>
+              <a:round/>
+            </a:ln>
+          </p:spPr>
+          <p:txBody>
+            <a:bodyPr/>
+            <a:lstStyle/>
+            <a:p/>
+          </p:txBody>
+        </p:sp>
+        <p:sp>
+          <p:nvSpPr>
+            <p:cNvPr id="13" name="pl13"/>
+            <p:cNvSpPr/>
+            <p:nvPr/>
+          </p:nvSpPr>
+          <p:spPr>
+            <a:xfrm>
+              <a:off x="3011873" y="1886338"/>
+              <a:ext cx="0" cy="3836557"/>
+            </a:xfrm>
+            <a:custGeom>
+              <a:avLst/>
+              <a:pathLst>
+                <a:path w="0" h="3836557">
+                  <a:moveTo>
+                    <a:pt x="0" y="3836557"/>
+                  </a:moveTo>
+                  <a:lnTo>
+                    <a:pt x="0" y="0"/>
+                  </a:lnTo>
+                  <a:lnTo>
+                    <a:pt x="0" y="0"/>
+                  </a:lnTo>
+                </a:path>
+              </a:pathLst>
+            </a:custGeom>
+            <a:ln w="13550" cap="flat">
+              <a:solidFill>
+                <a:srgbClr val="EBEBEB">
+                  <a:alpha val="100000"/>
+                </a:srgbClr>
+              </a:solidFill>
+              <a:prstDash val="solid"/>
+              <a:round/>
+            </a:ln>
+          </p:spPr>
+          <p:txBody>
+            <a:bodyPr/>
+            <a:lstStyle/>
+            <a:p/>
+          </p:txBody>
+        </p:sp>
+        <p:sp>
+          <p:nvSpPr>
+            <p:cNvPr id="14" name="pl14"/>
+            <p:cNvSpPr/>
+            <p:nvPr/>
+          </p:nvSpPr>
+          <p:spPr>
+            <a:xfrm>
+              <a:off x="4307783" y="1886338"/>
+              <a:ext cx="0" cy="3836557"/>
+            </a:xfrm>
+            <a:custGeom>
+              <a:avLst/>
+              <a:pathLst>
+                <a:path w="0" h="3836557">
+                  <a:moveTo>
+                    <a:pt x="0" y="3836557"/>
+                  </a:moveTo>
+                  <a:lnTo>
+                    <a:pt x="0" y="0"/>
+                  </a:lnTo>
+                  <a:lnTo>
+                    <a:pt x="0" y="0"/>
+                  </a:lnTo>
+                </a:path>
+              </a:pathLst>
+            </a:custGeom>
+            <a:ln w="13550" cap="flat">
+              <a:solidFill>
+                <a:srgbClr val="EBEBEB">
+                  <a:alpha val="100000"/>
+                </a:srgbClr>
+              </a:solidFill>
+              <a:prstDash val="solid"/>
+              <a:round/>
+            </a:ln>
+          </p:spPr>
+          <p:txBody>
+            <a:bodyPr/>
+            <a:lstStyle/>
+            <a:p/>
+          </p:txBody>
+        </p:sp>
+        <p:sp>
+          <p:nvSpPr>
+            <p:cNvPr id="15" name="pl15"/>
+            <p:cNvSpPr/>
+            <p:nvPr/>
+          </p:nvSpPr>
+          <p:spPr>
+            <a:xfrm>
+              <a:off x="5603693" y="1886338"/>
+              <a:ext cx="0" cy="3836557"/>
+            </a:xfrm>
+            <a:custGeom>
+              <a:avLst/>
+              <a:pathLst>
+                <a:path w="0" h="3836557">
+                  <a:moveTo>
+                    <a:pt x="0" y="3836557"/>
+                  </a:moveTo>
+                  <a:lnTo>
+                    <a:pt x="0" y="0"/>
+                  </a:lnTo>
+                  <a:lnTo>
+                    <a:pt x="0" y="0"/>
+                  </a:lnTo>
+                </a:path>
+              </a:pathLst>
+            </a:custGeom>
+            <a:ln w="13550" cap="flat">
+              <a:solidFill>
+                <a:srgbClr val="EBEBEB">
+                  <a:alpha val="100000"/>
+                </a:srgbClr>
+              </a:solidFill>
+              <a:prstDash val="solid"/>
+              <a:round/>
+            </a:ln>
+          </p:spPr>
+          <p:txBody>
+            <a:bodyPr/>
+            <a:lstStyle/>
+            <a:p/>
+          </p:txBody>
+        </p:sp>
+        <p:sp>
+          <p:nvSpPr>
+            <p:cNvPr id="16" name="pl16"/>
+            <p:cNvSpPr/>
+            <p:nvPr/>
+          </p:nvSpPr>
+          <p:spPr>
+            <a:xfrm>
+              <a:off x="6899603" y="1886338"/>
+              <a:ext cx="0" cy="3836557"/>
+            </a:xfrm>
+            <a:custGeom>
+              <a:avLst/>
+              <a:pathLst>
+                <a:path w="0" h="3836557">
+                  <a:moveTo>
+                    <a:pt x="0" y="3836557"/>
+                  </a:moveTo>
+                  <a:lnTo>
+                    <a:pt x="0" y="0"/>
+                  </a:lnTo>
+                  <a:lnTo>
+                    <a:pt x="0" y="0"/>
+                  </a:lnTo>
+                </a:path>
+              </a:pathLst>
+            </a:custGeom>
+            <a:ln w="13550" cap="flat">
+              <a:solidFill>
+                <a:srgbClr val="EBEBEB">
+                  <a:alpha val="100000"/>
+                </a:srgbClr>
+              </a:solidFill>
+              <a:prstDash val="solid"/>
+              <a:round/>
+            </a:ln>
+          </p:spPr>
+          <p:txBody>
+            <a:bodyPr/>
+            <a:lstStyle/>
+            <a:p/>
+          </p:txBody>
+        </p:sp>
+        <p:sp>
+          <p:nvSpPr>
+            <p:cNvPr id="17" name="rc17"/>
+            <p:cNvSpPr/>
+            <p:nvPr/>
+          </p:nvSpPr>
+          <p:spPr>
+            <a:xfrm>
+              <a:off x="1715964" y="5000796"/>
+              <a:ext cx="583159" cy="547710"/>
+            </a:xfrm>
+            <a:prstGeom prst="rect">
+              <a:avLst/>
+            </a:prstGeom>
+            <a:solidFill>
+              <a:srgbClr val="00BFC4">
+                <a:alpha val="100000"/>
+              </a:srgbClr>
+            </a:solidFill>
+          </p:spPr>
+          <p:txBody>
+            <a:bodyPr/>
+            <a:lstStyle/>
+            <a:p/>
+          </p:txBody>
+        </p:sp>
+        <p:sp>
+          <p:nvSpPr>
+            <p:cNvPr id="18" name="rc18"/>
+            <p:cNvSpPr/>
+            <p:nvPr/>
+          </p:nvSpPr>
+          <p:spPr>
+            <a:xfrm>
+              <a:off x="1132804" y="4990462"/>
+              <a:ext cx="583159" cy="558044"/>
+            </a:xfrm>
+            <a:prstGeom prst="rect">
+              <a:avLst/>
+            </a:prstGeom>
+            <a:solidFill>
+              <a:srgbClr val="F8766D">
+                <a:alpha val="100000"/>
+              </a:srgbClr>
+            </a:solidFill>
+          </p:spPr>
+          <p:txBody>
+            <a:bodyPr/>
+            <a:lstStyle/>
+            <a:p/>
+          </p:txBody>
+        </p:sp>
+        <p:sp>
+          <p:nvSpPr>
+            <p:cNvPr id="19" name="rc19"/>
+            <p:cNvSpPr/>
+            <p:nvPr/>
+          </p:nvSpPr>
+          <p:spPr>
+            <a:xfrm>
+              <a:off x="3011873" y="3011470"/>
+              <a:ext cx="583159" cy="2537036"/>
+            </a:xfrm>
+            <a:prstGeom prst="rect">
+              <a:avLst/>
+            </a:prstGeom>
+            <a:solidFill>
+              <a:srgbClr val="00BFC4">
+                <a:alpha val="100000"/>
+              </a:srgbClr>
+            </a:solidFill>
+          </p:spPr>
+          <p:txBody>
+            <a:bodyPr/>
+            <a:lstStyle/>
+            <a:p/>
+          </p:txBody>
+        </p:sp>
+        <p:sp>
+          <p:nvSpPr>
+            <p:cNvPr id="20" name="rc20"/>
+            <p:cNvSpPr/>
+            <p:nvPr/>
+          </p:nvSpPr>
+          <p:spPr>
+            <a:xfrm>
+              <a:off x="2428714" y="3409335"/>
+              <a:ext cx="583159" cy="2139171"/>
+            </a:xfrm>
+            <a:prstGeom prst="rect">
+              <a:avLst/>
+            </a:prstGeom>
+            <a:solidFill>
+              <a:srgbClr val="F8766D">
+                <a:alpha val="100000"/>
+              </a:srgbClr>
+            </a:solidFill>
+          </p:spPr>
+          <p:txBody>
+            <a:bodyPr/>
+            <a:lstStyle/>
+            <a:p/>
+          </p:txBody>
+        </p:sp>
+        <p:sp>
+          <p:nvSpPr>
+            <p:cNvPr id="21" name="rc21"/>
+            <p:cNvSpPr/>
+            <p:nvPr/>
+          </p:nvSpPr>
+          <p:spPr>
+            <a:xfrm>
+              <a:off x="4307783" y="4933624"/>
+              <a:ext cx="583159" cy="614882"/>
+            </a:xfrm>
+            <a:prstGeom prst="rect">
+              <a:avLst/>
+            </a:prstGeom>
+            <a:solidFill>
+              <a:srgbClr val="00BFC4">
+                <a:alpha val="100000"/>
+              </a:srgbClr>
+            </a:solidFill>
+          </p:spPr>
+          <p:txBody>
+            <a:bodyPr/>
+            <a:lstStyle/>
+            <a:p/>
+          </p:txBody>
+        </p:sp>
+        <p:sp>
+          <p:nvSpPr>
+            <p:cNvPr id="22" name="rc22"/>
+            <p:cNvSpPr/>
+            <p:nvPr/>
+          </p:nvSpPr>
+          <p:spPr>
+            <a:xfrm>
+              <a:off x="3724624" y="4365245"/>
+              <a:ext cx="583159" cy="1183261"/>
+            </a:xfrm>
+            <a:prstGeom prst="rect">
+              <a:avLst/>
+            </a:prstGeom>
+            <a:solidFill>
+              <a:srgbClr val="F8766D">
+                <a:alpha val="100000"/>
+              </a:srgbClr>
+            </a:solidFill>
+          </p:spPr>
+          <p:txBody>
+            <a:bodyPr/>
+            <a:lstStyle/>
+            <a:p/>
+          </p:txBody>
+        </p:sp>
+        <p:sp>
+          <p:nvSpPr>
+            <p:cNvPr id="23" name="rc23"/>
+            <p:cNvSpPr/>
+            <p:nvPr/>
+          </p:nvSpPr>
+          <p:spPr>
+            <a:xfrm>
+              <a:off x="5603693" y="2138233"/>
+              <a:ext cx="583159" cy="3410273"/>
+            </a:xfrm>
+            <a:prstGeom prst="rect">
+              <a:avLst/>
+            </a:prstGeom>
+            <a:solidFill>
+              <a:srgbClr val="00BFC4">
+                <a:alpha val="100000"/>
+              </a:srgbClr>
+            </a:solidFill>
+          </p:spPr>
+          <p:txBody>
+            <a:bodyPr/>
+            <a:lstStyle/>
+            <a:p/>
+          </p:txBody>
+        </p:sp>
+        <p:sp>
+          <p:nvSpPr>
+            <p:cNvPr id="24" name="rc24"/>
+            <p:cNvSpPr/>
+            <p:nvPr/>
+          </p:nvSpPr>
+          <p:spPr>
+            <a:xfrm>
+              <a:off x="5020534" y="2060727"/>
+              <a:ext cx="583159" cy="3487779"/>
+            </a:xfrm>
+            <a:prstGeom prst="rect">
+              <a:avLst/>
+            </a:prstGeom>
+            <a:solidFill>
+              <a:srgbClr val="F8766D">
+                <a:alpha val="100000"/>
+              </a:srgbClr>
+            </a:solidFill>
+          </p:spPr>
+          <p:txBody>
+            <a:bodyPr/>
+            <a:lstStyle/>
+            <a:p/>
+          </p:txBody>
+        </p:sp>
+        <p:sp>
+          <p:nvSpPr>
+            <p:cNvPr id="25" name="rc25"/>
+            <p:cNvSpPr/>
+            <p:nvPr/>
+          </p:nvSpPr>
+          <p:spPr>
+            <a:xfrm>
+              <a:off x="6899603" y="2944298"/>
+              <a:ext cx="583159" cy="2604208"/>
+            </a:xfrm>
+            <a:prstGeom prst="rect">
+              <a:avLst/>
+            </a:prstGeom>
+            <a:solidFill>
+              <a:srgbClr val="00BFC4">
+                <a:alpha val="100000"/>
+              </a:srgbClr>
+            </a:solidFill>
+          </p:spPr>
+          <p:txBody>
+            <a:bodyPr/>
+            <a:lstStyle/>
+            <a:p/>
+          </p:txBody>
+        </p:sp>
+        <p:sp>
+          <p:nvSpPr>
+            <p:cNvPr id="26" name="rc26"/>
+            <p:cNvSpPr/>
+            <p:nvPr/>
+          </p:nvSpPr>
+          <p:spPr>
+            <a:xfrm>
+              <a:off x="6316443" y="2928796"/>
+              <a:ext cx="583159" cy="2619709"/>
+            </a:xfrm>
+            <a:prstGeom prst="rect">
+              <a:avLst/>
+            </a:prstGeom>
+            <a:solidFill>
+              <a:srgbClr val="F8766D">
+                <a:alpha val="100000"/>
+              </a:srgbClr>
+            </a:solidFill>
+          </p:spPr>
+          <p:txBody>
+            <a:bodyPr/>
+            <a:lstStyle/>
+            <a:p/>
+          </p:txBody>
+        </p:sp>
+        <p:sp>
+          <p:nvSpPr>
+            <p:cNvPr id="27" name="tx27"/>
+            <p:cNvSpPr/>
+            <p:nvPr/>
+          </p:nvSpPr>
+          <p:spPr>
+            <a:xfrm>
+              <a:off x="813632" y="5507824"/>
+              <a:ext cx="62155" cy="79126"/>
+            </a:xfrm>
+            <a:prstGeom prst="rect">
+              <a:avLst/>
+            </a:prstGeom>
+            <a:noFill/>
+          </p:spPr>
+          <p:txBody>
+            <a:bodyPr lIns="0" rIns="0" tIns="0" bIns="0" anchorCtr="1" anchor="ctr" wrap="none"/>
+            <a:lstStyle/>
+            <a:p>
+              <a:pPr algn="l" marL="0" marR="0" indent="0">
+                <a:lnSpc>
+                  <a:spcPts val="880"/>
+                </a:lnSpc>
+                <a:spcBef>
+                  <a:spcPts val="0"/>
+                </a:spcBef>
+                <a:spcAft>
+                  <a:spcPts val="0"/>
+                </a:spcAft>
+              </a:pPr>
+              <a:r>
+                <a:rPr sz="880">
+                  <a:solidFill>
+                    <a:srgbClr val="4D4D4D">
+                      <a:alpha val="100000"/>
+                    </a:srgbClr>
+                  </a:solidFill>
+                  <a:latin typeface="Liberation Sans"/>
+                  <a:cs typeface="Liberation Sans"/>
+                </a:rPr>
+                <a:t>0</a:t>
+              </a:r>
+            </a:p>
+          </p:txBody>
+        </p:sp>
+        <p:sp>
+          <p:nvSpPr>
+            <p:cNvPr id="28" name="tx28"/>
+            <p:cNvSpPr/>
+            <p:nvPr/>
+          </p:nvSpPr>
+          <p:spPr>
+            <a:xfrm>
+              <a:off x="689321" y="4474408"/>
+              <a:ext cx="186466" cy="79126"/>
+            </a:xfrm>
+            <a:prstGeom prst="rect">
+              <a:avLst/>
+            </a:prstGeom>
+            <a:noFill/>
+          </p:spPr>
+          <p:txBody>
+            <a:bodyPr lIns="0" rIns="0" tIns="0" bIns="0" anchorCtr="1" anchor="ctr" wrap="none"/>
+            <a:lstStyle/>
+            <a:p>
+              <a:pPr algn="l" marL="0" marR="0" indent="0">
+                <a:lnSpc>
+                  <a:spcPts val="880"/>
+                </a:lnSpc>
+                <a:spcBef>
+                  <a:spcPts val="0"/>
+                </a:spcBef>
+                <a:spcAft>
+                  <a:spcPts val="0"/>
+                </a:spcAft>
+              </a:pPr>
+              <a:r>
+                <a:rPr sz="880">
+                  <a:solidFill>
+                    <a:srgbClr val="4D4D4D">
+                      <a:alpha val="100000"/>
+                    </a:srgbClr>
+                  </a:solidFill>
+                  <a:latin typeface="Liberation Sans"/>
+                  <a:cs typeface="Liberation Sans"/>
+                </a:rPr>
+                <a:t>200</a:t>
+              </a:r>
+            </a:p>
+          </p:txBody>
+        </p:sp>
+        <p:sp>
+          <p:nvSpPr>
+            <p:cNvPr id="29" name="tx29"/>
+            <p:cNvSpPr/>
+            <p:nvPr/>
+          </p:nvSpPr>
+          <p:spPr>
+            <a:xfrm>
+              <a:off x="689321" y="3440992"/>
+              <a:ext cx="186466" cy="79126"/>
+            </a:xfrm>
+            <a:prstGeom prst="rect">
+              <a:avLst/>
+            </a:prstGeom>
+            <a:noFill/>
+          </p:spPr>
+          <p:txBody>
+            <a:bodyPr lIns="0" rIns="0" tIns="0" bIns="0" anchorCtr="1" anchor="ctr" wrap="none"/>
+            <a:lstStyle/>
+            <a:p>
+              <a:pPr algn="l" marL="0" marR="0" indent="0">
+                <a:lnSpc>
+                  <a:spcPts val="880"/>
+                </a:lnSpc>
+                <a:spcBef>
+                  <a:spcPts val="0"/>
+                </a:spcBef>
+                <a:spcAft>
+                  <a:spcPts val="0"/>
+                </a:spcAft>
+              </a:pPr>
+              <a:r>
+                <a:rPr sz="880">
+                  <a:solidFill>
+                    <a:srgbClr val="4D4D4D">
+                      <a:alpha val="100000"/>
+                    </a:srgbClr>
+                  </a:solidFill>
+                  <a:latin typeface="Liberation Sans"/>
+                  <a:cs typeface="Liberation Sans"/>
+                </a:rPr>
+                <a:t>400</a:t>
+              </a:r>
+            </a:p>
+          </p:txBody>
+        </p:sp>
+        <p:sp>
+          <p:nvSpPr>
+            <p:cNvPr id="30" name="tx30"/>
+            <p:cNvSpPr/>
+            <p:nvPr/>
+          </p:nvSpPr>
+          <p:spPr>
+            <a:xfrm>
+              <a:off x="689321" y="2407576"/>
+              <a:ext cx="186466" cy="79126"/>
+            </a:xfrm>
+            <a:prstGeom prst="rect">
+              <a:avLst/>
+            </a:prstGeom>
+            <a:noFill/>
+          </p:spPr>
+          <p:txBody>
+            <a:bodyPr lIns="0" rIns="0" tIns="0" bIns="0" anchorCtr="1" anchor="ctr" wrap="none"/>
+            <a:lstStyle/>
+            <a:p>
+              <a:pPr algn="l" marL="0" marR="0" indent="0">
+                <a:lnSpc>
+                  <a:spcPts val="880"/>
+                </a:lnSpc>
+                <a:spcBef>
+                  <a:spcPts val="0"/>
+                </a:spcBef>
+                <a:spcAft>
+                  <a:spcPts val="0"/>
+                </a:spcAft>
+              </a:pPr>
+              <a:r>
+                <a:rPr sz="880">
+                  <a:solidFill>
+                    <a:srgbClr val="4D4D4D">
+                      <a:alpha val="100000"/>
+                    </a:srgbClr>
+                  </a:solidFill>
+                  <a:latin typeface="Liberation Sans"/>
+                  <a:cs typeface="Liberation Sans"/>
+                </a:rPr>
+                <a:t>600</a:t>
+              </a:r>
+            </a:p>
+          </p:txBody>
+        </p:sp>
+        <p:sp>
+          <p:nvSpPr>
+            <p:cNvPr id="31" name="tx31"/>
+            <p:cNvSpPr/>
+            <p:nvPr/>
+          </p:nvSpPr>
+          <p:spPr>
+            <a:xfrm>
+              <a:off x="1557519" y="5758240"/>
+              <a:ext cx="316889" cy="104174"/>
+            </a:xfrm>
+            <a:prstGeom prst="rect">
+              <a:avLst/>
+            </a:prstGeom>
+            <a:noFill/>
+          </p:spPr>
+          <p:txBody>
+            <a:bodyPr lIns="0" rIns="0" tIns="0" bIns="0" anchorCtr="1" anchor="ctr" wrap="none"/>
+            <a:lstStyle/>
+            <a:p>
+              <a:pPr algn="l" marL="0" marR="0" indent="0">
+                <a:lnSpc>
+                  <a:spcPts val="880"/>
+                </a:lnSpc>
+                <a:spcBef>
+                  <a:spcPts val="0"/>
+                </a:spcBef>
+                <a:spcAft>
+                  <a:spcPts val="0"/>
+                </a:spcAft>
+              </a:pPr>
+              <a:r>
+                <a:rPr sz="880">
+                  <a:solidFill>
+                    <a:srgbClr val="4D4D4D">
+                      <a:alpha val="100000"/>
+                    </a:srgbClr>
+                  </a:solidFill>
+                  <a:latin typeface="Liberation Sans"/>
+                  <a:cs typeface="Liberation Sans"/>
+                </a:rPr>
+                <a:t>Eating</a:t>
+              </a:r>
+            </a:p>
+          </p:txBody>
+        </p:sp>
+        <p:sp>
+          <p:nvSpPr>
+            <p:cNvPr id="32" name="tx32"/>
+            <p:cNvSpPr/>
+            <p:nvPr/>
+          </p:nvSpPr>
+          <p:spPr>
+            <a:xfrm>
+              <a:off x="2701314" y="5758240"/>
+              <a:ext cx="621119" cy="104174"/>
+            </a:xfrm>
+            <a:prstGeom prst="rect">
+              <a:avLst/>
+            </a:prstGeom>
+            <a:noFill/>
+          </p:spPr>
+          <p:txBody>
+            <a:bodyPr lIns="0" rIns="0" tIns="0" bIns="0" anchorCtr="1" anchor="ctr" wrap="none"/>
+            <a:lstStyle/>
+            <a:p>
+              <a:pPr algn="l" marL="0" marR="0" indent="0">
+                <a:lnSpc>
+                  <a:spcPts val="880"/>
+                </a:lnSpc>
+                <a:spcBef>
+                  <a:spcPts val="0"/>
+                </a:spcBef>
+                <a:spcAft>
+                  <a:spcPts val="0"/>
+                </a:spcAft>
+              </a:pPr>
+              <a:r>
+                <a:rPr sz="880">
+                  <a:solidFill>
+                    <a:srgbClr val="4D4D4D">
+                      <a:alpha val="100000"/>
+                    </a:srgbClr>
+                  </a:solidFill>
+                  <a:latin typeface="Liberation Sans"/>
+                  <a:cs typeface="Liberation Sans"/>
+                </a:rPr>
+                <a:t>Employment</a:t>
+              </a:r>
+            </a:p>
+          </p:txBody>
+        </p:sp>
+        <p:sp>
+          <p:nvSpPr>
+            <p:cNvPr id="33" name="tx33"/>
+            <p:cNvSpPr/>
+            <p:nvPr/>
+          </p:nvSpPr>
+          <p:spPr>
+            <a:xfrm>
+              <a:off x="3646173" y="5758240"/>
+              <a:ext cx="1323220" cy="104174"/>
+            </a:xfrm>
+            <a:prstGeom prst="rect">
+              <a:avLst/>
+            </a:prstGeom>
+            <a:noFill/>
+          </p:spPr>
+          <p:txBody>
+            <a:bodyPr lIns="0" rIns="0" tIns="0" bIns="0" anchorCtr="1" anchor="ctr" wrap="none"/>
+            <a:lstStyle/>
+            <a:p>
+              <a:pPr algn="l" marL="0" marR="0" indent="0">
+                <a:lnSpc>
+                  <a:spcPts val="880"/>
+                </a:lnSpc>
+                <a:spcBef>
+                  <a:spcPts val="0"/>
+                </a:spcBef>
+                <a:spcAft>
+                  <a:spcPts val="0"/>
+                </a:spcAft>
+              </a:pPr>
+              <a:r>
+                <a:rPr sz="880">
+                  <a:solidFill>
+                    <a:srgbClr val="4D4D4D">
+                      <a:alpha val="100000"/>
+                    </a:srgbClr>
+                  </a:solidFill>
+                  <a:latin typeface="Liberation Sans"/>
+                  <a:cs typeface="Liberation Sans"/>
+                </a:rPr>
+                <a:t>Household and family care</a:t>
+              </a:r>
+            </a:p>
+          </p:txBody>
+        </p:sp>
+        <p:sp>
+          <p:nvSpPr>
+            <p:cNvPr id="34" name="tx34"/>
+            <p:cNvSpPr/>
+            <p:nvPr/>
+          </p:nvSpPr>
+          <p:spPr>
+            <a:xfrm>
+              <a:off x="5258918" y="5780341"/>
+              <a:ext cx="689550" cy="82073"/>
+            </a:xfrm>
+            <a:prstGeom prst="rect">
+              <a:avLst/>
+            </a:prstGeom>
+            <a:noFill/>
+          </p:spPr>
+          <p:txBody>
+            <a:bodyPr lIns="0" rIns="0" tIns="0" bIns="0" anchorCtr="1" anchor="ctr" wrap="none"/>
+            <a:lstStyle/>
+            <a:p>
+              <a:pPr algn="l" marL="0" marR="0" indent="0">
+                <a:lnSpc>
+                  <a:spcPts val="880"/>
+                </a:lnSpc>
+                <a:spcBef>
+                  <a:spcPts val="0"/>
+                </a:spcBef>
+                <a:spcAft>
+                  <a:spcPts val="0"/>
+                </a:spcAft>
+              </a:pPr>
+              <a:r>
+                <a:rPr sz="880">
+                  <a:solidFill>
+                    <a:srgbClr val="4D4D4D">
+                      <a:alpha val="100000"/>
+                    </a:srgbClr>
+                  </a:solidFill>
+                  <a:latin typeface="Liberation Sans"/>
+                  <a:cs typeface="Liberation Sans"/>
+                </a:rPr>
+                <a:t>Personal care</a:t>
+              </a:r>
+            </a:p>
+          </p:txBody>
+        </p:sp>
+        <p:sp>
+          <p:nvSpPr>
+            <p:cNvPr id="35" name="tx35"/>
+            <p:cNvSpPr/>
+            <p:nvPr/>
+          </p:nvSpPr>
+          <p:spPr>
+            <a:xfrm>
+              <a:off x="6756683" y="5758240"/>
+              <a:ext cx="285839" cy="104174"/>
+            </a:xfrm>
+            <a:prstGeom prst="rect">
+              <a:avLst/>
+            </a:prstGeom>
+            <a:noFill/>
+          </p:spPr>
+          <p:txBody>
+            <a:bodyPr lIns="0" rIns="0" tIns="0" bIns="0" anchorCtr="1" anchor="ctr" wrap="none"/>
+            <a:lstStyle/>
+            <a:p>
+              <a:pPr algn="l" marL="0" marR="0" indent="0">
+                <a:lnSpc>
+                  <a:spcPts val="880"/>
+                </a:lnSpc>
+                <a:spcBef>
+                  <a:spcPts val="0"/>
+                </a:spcBef>
+                <a:spcAft>
+                  <a:spcPts val="0"/>
+                </a:spcAft>
+              </a:pPr>
+              <a:r>
+                <a:rPr sz="880">
+                  <a:solidFill>
+                    <a:srgbClr val="4D4D4D">
+                      <a:alpha val="100000"/>
+                    </a:srgbClr>
+                  </a:solidFill>
+                  <a:latin typeface="Liberation Sans"/>
+                  <a:cs typeface="Liberation Sans"/>
+                </a:rPr>
+                <a:t>Sleep</a:t>
+              </a:r>
+            </a:p>
+          </p:txBody>
+        </p:sp>
+        <p:sp>
+          <p:nvSpPr>
+            <p:cNvPr id="36" name="tx36"/>
+            <p:cNvSpPr/>
+            <p:nvPr/>
+          </p:nvSpPr>
+          <p:spPr>
+            <a:xfrm>
+              <a:off x="4032203" y="5922355"/>
+              <a:ext cx="551160" cy="102592"/>
+            </a:xfrm>
+            <a:prstGeom prst="rect">
+              <a:avLst/>
+            </a:prstGeom>
+            <a:noFill/>
+          </p:spPr>
+          <p:txBody>
+            <a:bodyPr lIns="0" rIns="0" tIns="0" bIns="0" anchorCtr="1" anchor="ctr" wrap="none"/>
+            <a:lstStyle/>
+            <a:p>
+              <a:pPr algn="l" marL="0" marR="0" indent="0">
+                <a:lnSpc>
+                  <a:spcPts val="1100"/>
+                </a:lnSpc>
+                <a:spcBef>
+                  <a:spcPts val="0"/>
+                </a:spcBef>
+                <a:spcAft>
+                  <a:spcPts val="0"/>
+                </a:spcAft>
+              </a:pPr>
+              <a:r>
+                <a:rPr sz="1100">
+                  <a:solidFill>
+                    <a:srgbClr val="000000">
+                      <a:alpha val="100000"/>
+                    </a:srgbClr>
+                  </a:solidFill>
+                  <a:latin typeface="Liberation Sans"/>
+                  <a:cs typeface="Liberation Sans"/>
+                </a:rPr>
+                <a:t>Activities</a:t>
+              </a:r>
+            </a:p>
+          </p:txBody>
+        </p:sp>
+        <p:sp>
+          <p:nvSpPr>
+            <p:cNvPr id="37" name="tx37"/>
+            <p:cNvSpPr/>
+            <p:nvPr/>
+          </p:nvSpPr>
+          <p:spPr>
+            <a:xfrm rot="-5400000">
+              <a:off x="78630" y="3753321"/>
+              <a:ext cx="985949" cy="102592"/>
+            </a:xfrm>
+            <a:prstGeom prst="rect">
+              <a:avLst/>
+            </a:prstGeom>
+            <a:noFill/>
+          </p:spPr>
+          <p:txBody>
+            <a:bodyPr lIns="0" rIns="0" tIns="0" bIns="0" anchorCtr="1" anchor="ctr" wrap="none"/>
+            <a:lstStyle/>
+            <a:p>
+              <a:pPr algn="l" marL="0" marR="0" indent="0">
+                <a:lnSpc>
+                  <a:spcPts val="1100"/>
+                </a:lnSpc>
+                <a:spcBef>
+                  <a:spcPts val="0"/>
+                </a:spcBef>
+                <a:spcAft>
+                  <a:spcPts val="0"/>
+                </a:spcAft>
+              </a:pPr>
+              <a:r>
+                <a:rPr sz="1100">
+                  <a:solidFill>
+                    <a:srgbClr val="000000">
+                      <a:alpha val="100000"/>
+                    </a:srgbClr>
+                  </a:solidFill>
+                  <a:latin typeface="Liberation Sans"/>
+                  <a:cs typeface="Liberation Sans"/>
+                </a:rPr>
+                <a:t>Time in minutes</a:t>
+              </a:r>
+            </a:p>
+          </p:txBody>
+        </p:sp>
+        <p:sp>
+          <p:nvSpPr>
+            <p:cNvPr id="38" name="tx38"/>
+            <p:cNvSpPr/>
+            <p:nvPr/>
+          </p:nvSpPr>
+          <p:spPr>
+            <a:xfrm>
+              <a:off x="7885916" y="3468204"/>
+              <a:ext cx="644748" cy="130218"/>
+            </a:xfrm>
+            <a:prstGeom prst="rect">
+              <a:avLst/>
+            </a:prstGeom>
+            <a:noFill/>
+          </p:spPr>
+          <p:txBody>
+            <a:bodyPr lIns="0" rIns="0" tIns="0" bIns="0" anchorCtr="1" anchor="ctr" wrap="none"/>
+            <a:lstStyle/>
+            <a:p>
+              <a:pPr algn="l" marL="0" marR="0" indent="0">
+                <a:lnSpc>
+                  <a:spcPts val="1100"/>
+                </a:lnSpc>
+                <a:spcBef>
+                  <a:spcPts val="0"/>
+                </a:spcBef>
+                <a:spcAft>
+                  <a:spcPts val="0"/>
+                </a:spcAft>
+              </a:pPr>
+              <a:r>
+                <a:rPr sz="1100">
+                  <a:solidFill>
+                    <a:srgbClr val="000000">
+                      <a:alpha val="100000"/>
+                    </a:srgbClr>
+                  </a:solidFill>
+                  <a:latin typeface="Liberation Sans"/>
+                  <a:cs typeface="Liberation Sans"/>
+                </a:rPr>
+                <a:t>population</a:t>
+              </a:r>
+            </a:p>
+          </p:txBody>
+        </p:sp>
+        <p:sp>
+          <p:nvSpPr>
+            <p:cNvPr id="39" name="rc39"/>
+            <p:cNvSpPr/>
+            <p:nvPr/>
+          </p:nvSpPr>
+          <p:spPr>
+            <a:xfrm>
+              <a:off x="7894916" y="3692824"/>
+              <a:ext cx="201455" cy="201456"/>
+            </a:xfrm>
+            <a:prstGeom prst="rect">
+              <a:avLst/>
+            </a:prstGeom>
+            <a:solidFill>
+              <a:srgbClr val="F8766D">
+                <a:alpha val="100000"/>
+              </a:srgbClr>
+            </a:solidFill>
+          </p:spPr>
+          <p:txBody>
+            <a:bodyPr/>
+            <a:lstStyle/>
+            <a:p/>
+          </p:txBody>
+        </p:sp>
+        <p:sp>
+          <p:nvSpPr>
+            <p:cNvPr id="40" name="rc40"/>
+            <p:cNvSpPr/>
+            <p:nvPr/>
+          </p:nvSpPr>
+          <p:spPr>
+            <a:xfrm>
+              <a:off x="7894916" y="3912280"/>
+              <a:ext cx="201455" cy="201456"/>
+            </a:xfrm>
+            <a:prstGeom prst="rect">
+              <a:avLst/>
+            </a:prstGeom>
+            <a:solidFill>
+              <a:srgbClr val="00BFC4">
+                <a:alpha val="100000"/>
+              </a:srgbClr>
+            </a:solidFill>
+          </p:spPr>
+          <p:txBody>
+            <a:bodyPr/>
+            <a:lstStyle/>
+            <a:p/>
+          </p:txBody>
+        </p:sp>
+        <p:sp>
+          <p:nvSpPr>
+            <p:cNvPr id="41" name="tx41"/>
+            <p:cNvSpPr/>
+            <p:nvPr/>
+          </p:nvSpPr>
+          <p:spPr>
+            <a:xfrm>
+              <a:off x="8174961" y="3749923"/>
+              <a:ext cx="372660" cy="82073"/>
+            </a:xfrm>
+            <a:prstGeom prst="rect">
+              <a:avLst/>
+            </a:prstGeom>
+            <a:noFill/>
+          </p:spPr>
+          <p:txBody>
+            <a:bodyPr lIns="0" rIns="0" tIns="0" bIns="0" anchorCtr="1" anchor="ctr" wrap="none"/>
+            <a:lstStyle/>
+            <a:p>
+              <a:pPr algn="l" marL="0" marR="0" indent="0">
+                <a:lnSpc>
+                  <a:spcPts val="880"/>
+                </a:lnSpc>
+                <a:spcBef>
+                  <a:spcPts val="0"/>
+                </a:spcBef>
+                <a:spcAft>
+                  <a:spcPts val="0"/>
+                </a:spcAft>
+              </a:pPr>
+              <a:r>
+                <a:rPr sz="880">
+                  <a:solidFill>
+                    <a:srgbClr val="000000">
+                      <a:alpha val="100000"/>
+                    </a:srgbClr>
+                  </a:solidFill>
+                  <a:latin typeface="Liberation Sans"/>
+                  <a:cs typeface="Liberation Sans"/>
+                </a:rPr>
+                <a:t>Female</a:t>
+              </a:r>
+            </a:p>
+          </p:txBody>
+        </p:sp>
+        <p:sp>
+          <p:nvSpPr>
+            <p:cNvPr id="42" name="tx42"/>
+            <p:cNvSpPr/>
+            <p:nvPr/>
+          </p:nvSpPr>
+          <p:spPr>
+            <a:xfrm>
+              <a:off x="8174961" y="3969379"/>
+              <a:ext cx="242237" cy="82073"/>
+            </a:xfrm>
+            <a:prstGeom prst="rect">
+              <a:avLst/>
+            </a:prstGeom>
+            <a:noFill/>
+          </p:spPr>
+          <p:txBody>
+            <a:bodyPr lIns="0" rIns="0" tIns="0" bIns="0" anchorCtr="1" anchor="ctr" wrap="none"/>
+            <a:lstStyle/>
+            <a:p>
+              <a:pPr algn="l" marL="0" marR="0" indent="0">
+                <a:lnSpc>
+                  <a:spcPts val="880"/>
+                </a:lnSpc>
+                <a:spcBef>
+                  <a:spcPts val="0"/>
+                </a:spcBef>
+                <a:spcAft>
+                  <a:spcPts val="0"/>
+                </a:spcAft>
+              </a:pPr>
+              <a:r>
+                <a:rPr sz="880">
+                  <a:solidFill>
+                    <a:srgbClr val="000000">
+                      <a:alpha val="100000"/>
+                    </a:srgbClr>
+                  </a:solidFill>
+                  <a:latin typeface="Liberation Sans"/>
+                  <a:cs typeface="Liberation Sans"/>
+                </a:rPr>
+                <a:t>Male</a:t>
+              </a:r>
+            </a:p>
+          </p:txBody>
+        </p:sp>
+        <p:sp>
+          <p:nvSpPr>
+            <p:cNvPr id="43" name="tx43"/>
+            <p:cNvSpPr/>
+            <p:nvPr/>
+          </p:nvSpPr>
+          <p:spPr>
+            <a:xfrm>
+              <a:off x="938418" y="1628861"/>
+              <a:ext cx="2143221" cy="156262"/>
+            </a:xfrm>
+            <a:prstGeom prst="rect">
+              <a:avLst/>
+            </a:prstGeom>
+            <a:noFill/>
+          </p:spPr>
+          <p:txBody>
+            <a:bodyPr lIns="0" rIns="0" tIns="0" bIns="0" anchorCtr="1" anchor="ctr" wrap="none"/>
+            <a:lstStyle/>
+            <a:p>
+              <a:pPr algn="l" marL="0" marR="0" indent="0">
+                <a:lnSpc>
+                  <a:spcPts val="1320"/>
+                </a:lnSpc>
+                <a:spcBef>
+                  <a:spcPts val="0"/>
+                </a:spcBef>
+                <a:spcAft>
+                  <a:spcPts val="0"/>
+                </a:spcAft>
+              </a:pPr>
+              <a:r>
+                <a:rPr sz="1320">
+                  <a:solidFill>
+                    <a:srgbClr val="000000">
+                      <a:alpha val="100000"/>
+                    </a:srgbClr>
+                  </a:solidFill>
+                  <a:latin typeface="Liberation Sans"/>
+                  <a:cs typeface="Liberation Sans"/>
+                </a:rPr>
+                <a:t>Year 2014_Monday til Friday</a:t>
+              </a:r>
+            </a:p>
+          </p:txBody>
+        </p:sp>
+      </p:grpSp>
+    </p:spTree>
+  </p:cSld>
+  <p:clrMapOvr>
+    <a:masterClrMapping/>
+  </p:clrMapOvr>
+</p:sld>
+</file>
+
+<file path=ppt/slides/slide14.xml><?xml version="1.0" encoding="utf-8"?>
+<p:sld xmlns:a="http://schemas.openxmlformats.org/drawingml/2006/main" xmlns:r="http://schemas.openxmlformats.org/officeDocument/2006/relationships" xmlns:p="http://schemas.openxmlformats.org/presentationml/2006/main">
+  <p:cSld>
+    <p:spTree>
+      <p:nvGrpSpPr>
+        <p:cNvPr id="1" name=""/>
+        <p:cNvGrpSpPr/>
+        <p:nvPr/>
+      </p:nvGrpSpPr>
+      <p:grpSpPr>
+        <a:xfrm>
+          <a:off x="0" y="0"/>
+          <a:ext cx="0" cy="0"/>
+          <a:chOff x="0" y="0"/>
+          <a:chExt cx="0" cy="0"/>
+        </a:xfrm>
+      </p:grpSpPr>
+      <p:grpSp xmlns:a="http://schemas.openxmlformats.org/drawingml/2006/main" xmlns:r="http://schemas.openxmlformats.org/officeDocument/2006/relationships" xmlns:p="http://schemas.openxmlformats.org/presentationml/2006/main" xmlns:pic="http://schemas.openxmlformats.org/drawingml/2006/picture">
+        <p:nvGrpSpPr>
+          <p:cNvPr id="2" name="grp1"/>
+          <p:cNvGrpSpPr/>
+          <p:nvPr/>
+        </p:nvGrpSpPr>
+        <p:grpSpPr>
+          <a:xfrm>
+            <a:off x="457200" y="1600200"/>
+            <a:ext cx="8229600" cy="4525962"/>
+            <a:chOff x="457200" y="1600200"/>
+            <a:chExt cx="8229600" cy="4525962"/>
+          </a:xfrm>
+        </p:grpSpPr>
+        <p:sp>
+          <p:nvSpPr>
+            <p:cNvPr id="3" name="rc3"/>
+            <p:cNvSpPr/>
+            <p:nvPr/>
+          </p:nvSpPr>
+          <p:spPr>
+            <a:xfrm>
+              <a:off x="457200" y="1600200"/>
+              <a:ext cx="8229600" cy="4525962"/>
+            </a:xfrm>
+            <a:prstGeom prst="rect">
+              <a:avLst/>
+            </a:prstGeom>
+            <a:solidFill>
+              <a:srgbClr val="FFFFFF">
+                <a:alpha val="100000"/>
+              </a:srgbClr>
+            </a:solidFill>
+            <a:ln w="9525" cap="rnd">
+              <a:solidFill>
+                <a:srgbClr val="FFFFFF">
+                  <a:alpha val="100000"/>
+                </a:srgbClr>
+              </a:solidFill>
+              <a:prstDash val="solid"/>
+              <a:round/>
+            </a:ln>
+          </p:spPr>
+          <p:txBody>
+            <a:bodyPr/>
+            <a:lstStyle/>
+            <a:p/>
+          </p:txBody>
+        </p:sp>
+        <p:sp>
+          <p:nvSpPr>
+            <p:cNvPr id="4" name="pl4"/>
+            <p:cNvSpPr/>
+            <p:nvPr/>
+          </p:nvSpPr>
+          <p:spPr>
+            <a:xfrm>
+              <a:off x="938418" y="5081601"/>
+              <a:ext cx="6738730" cy="0"/>
+            </a:xfrm>
+            <a:custGeom>
+              <a:avLst/>
+              <a:pathLst>
+                <a:path w="6738730" h="0">
+                  <a:moveTo>
+                    <a:pt x="0" y="0"/>
+                  </a:moveTo>
+                  <a:lnTo>
+                    <a:pt x="6738730" y="0"/>
+                  </a:lnTo>
+                  <a:lnTo>
+                    <a:pt x="6738730" y="0"/>
+                  </a:lnTo>
+                </a:path>
+              </a:pathLst>
+            </a:custGeom>
+            <a:ln w="6775" cap="flat">
+              <a:solidFill>
+                <a:srgbClr val="EBEBEB">
+                  <a:alpha val="100000"/>
+                </a:srgbClr>
+              </a:solidFill>
+              <a:prstDash val="solid"/>
+              <a:round/>
+            </a:ln>
+          </p:spPr>
+          <p:txBody>
+            <a:bodyPr/>
+            <a:lstStyle/>
+            <a:p/>
+          </p:txBody>
+        </p:sp>
+        <p:sp>
+          <p:nvSpPr>
+            <p:cNvPr id="5" name="pl5"/>
+            <p:cNvSpPr/>
+            <p:nvPr/>
+          </p:nvSpPr>
+          <p:spPr>
+            <a:xfrm>
+              <a:off x="938418" y="4147792"/>
+              <a:ext cx="6738730" cy="0"/>
+            </a:xfrm>
+            <a:custGeom>
+              <a:avLst/>
+              <a:pathLst>
+                <a:path w="6738730" h="0">
+                  <a:moveTo>
+                    <a:pt x="0" y="0"/>
+                  </a:moveTo>
+                  <a:lnTo>
+                    <a:pt x="6738730" y="0"/>
+                  </a:lnTo>
+                  <a:lnTo>
+                    <a:pt x="6738730" y="0"/>
+                  </a:lnTo>
+                </a:path>
+              </a:pathLst>
+            </a:custGeom>
+            <a:ln w="6775" cap="flat">
+              <a:solidFill>
+                <a:srgbClr val="EBEBEB">
+                  <a:alpha val="100000"/>
+                </a:srgbClr>
+              </a:solidFill>
+              <a:prstDash val="solid"/>
+              <a:round/>
+            </a:ln>
+          </p:spPr>
+          <p:txBody>
+            <a:bodyPr/>
+            <a:lstStyle/>
+            <a:p/>
+          </p:txBody>
+        </p:sp>
+        <p:sp>
+          <p:nvSpPr>
+            <p:cNvPr id="6" name="pl6"/>
+            <p:cNvSpPr/>
+            <p:nvPr/>
+          </p:nvSpPr>
+          <p:spPr>
+            <a:xfrm>
+              <a:off x="938418" y="3213982"/>
+              <a:ext cx="6738730" cy="0"/>
+            </a:xfrm>
+            <a:custGeom>
+              <a:avLst/>
+              <a:pathLst>
+                <a:path w="6738730" h="0">
+                  <a:moveTo>
+                    <a:pt x="0" y="0"/>
+                  </a:moveTo>
+                  <a:lnTo>
+                    <a:pt x="6738730" y="0"/>
+                  </a:lnTo>
+                  <a:lnTo>
+                    <a:pt x="6738730" y="0"/>
+                  </a:lnTo>
+                </a:path>
+              </a:pathLst>
+            </a:custGeom>
+            <a:ln w="6775" cap="flat">
+              <a:solidFill>
+                <a:srgbClr val="EBEBEB">
+                  <a:alpha val="100000"/>
+                </a:srgbClr>
+              </a:solidFill>
+              <a:prstDash val="solid"/>
+              <a:round/>
+            </a:ln>
+          </p:spPr>
+          <p:txBody>
+            <a:bodyPr/>
+            <a:lstStyle/>
+            <a:p/>
+          </p:txBody>
+        </p:sp>
+        <p:sp>
+          <p:nvSpPr>
+            <p:cNvPr id="7" name="pl7"/>
+            <p:cNvSpPr/>
+            <p:nvPr/>
+          </p:nvSpPr>
+          <p:spPr>
+            <a:xfrm>
+              <a:off x="938418" y="2280172"/>
+              <a:ext cx="6738730" cy="0"/>
+            </a:xfrm>
+            <a:custGeom>
+              <a:avLst/>
+              <a:pathLst>
+                <a:path w="6738730" h="0">
+                  <a:moveTo>
+                    <a:pt x="0" y="0"/>
+                  </a:moveTo>
+                  <a:lnTo>
+                    <a:pt x="6738730" y="0"/>
+                  </a:lnTo>
+                  <a:lnTo>
+                    <a:pt x="6738730" y="0"/>
+                  </a:lnTo>
+                </a:path>
+              </a:pathLst>
+            </a:custGeom>
+            <a:ln w="6775" cap="flat">
+              <a:solidFill>
+                <a:srgbClr val="EBEBEB">
+                  <a:alpha val="100000"/>
+                </a:srgbClr>
+              </a:solidFill>
+              <a:prstDash val="solid"/>
+              <a:round/>
+            </a:ln>
+          </p:spPr>
+          <p:txBody>
+            <a:bodyPr/>
+            <a:lstStyle/>
+            <a:p/>
+          </p:txBody>
+        </p:sp>
+        <p:sp>
+          <p:nvSpPr>
+            <p:cNvPr id="8" name="pl8"/>
+            <p:cNvSpPr/>
+            <p:nvPr/>
+          </p:nvSpPr>
+          <p:spPr>
+            <a:xfrm>
+              <a:off x="938418" y="5548506"/>
+              <a:ext cx="6738730" cy="0"/>
+            </a:xfrm>
+            <a:custGeom>
+              <a:avLst/>
+              <a:pathLst>
+                <a:path w="6738730" h="0">
+                  <a:moveTo>
+                    <a:pt x="0" y="0"/>
+                  </a:moveTo>
+                  <a:lnTo>
+                    <a:pt x="6738730" y="0"/>
+                  </a:lnTo>
+                  <a:lnTo>
+                    <a:pt x="6738730" y="0"/>
+                  </a:lnTo>
+                </a:path>
+              </a:pathLst>
+            </a:custGeom>
+            <a:ln w="13550" cap="flat">
+              <a:solidFill>
+                <a:srgbClr val="EBEBEB">
+                  <a:alpha val="100000"/>
+                </a:srgbClr>
+              </a:solidFill>
+              <a:prstDash val="solid"/>
+              <a:round/>
+            </a:ln>
+          </p:spPr>
+          <p:txBody>
+            <a:bodyPr/>
+            <a:lstStyle/>
+            <a:p/>
+          </p:txBody>
+        </p:sp>
+        <p:sp>
+          <p:nvSpPr>
+            <p:cNvPr id="9" name="pl9"/>
+            <p:cNvSpPr/>
+            <p:nvPr/>
+          </p:nvSpPr>
+          <p:spPr>
+            <a:xfrm>
+              <a:off x="938418" y="4614697"/>
+              <a:ext cx="6738730" cy="0"/>
+            </a:xfrm>
+            <a:custGeom>
+              <a:avLst/>
+              <a:pathLst>
+                <a:path w="6738730" h="0">
+                  <a:moveTo>
+                    <a:pt x="0" y="0"/>
+                  </a:moveTo>
+                  <a:lnTo>
+                    <a:pt x="6738730" y="0"/>
+                  </a:lnTo>
+                  <a:lnTo>
+                    <a:pt x="6738730" y="0"/>
+                  </a:lnTo>
+                </a:path>
+              </a:pathLst>
+            </a:custGeom>
+            <a:ln w="13550" cap="flat">
+              <a:solidFill>
+                <a:srgbClr val="EBEBEB">
+                  <a:alpha val="100000"/>
+                </a:srgbClr>
+              </a:solidFill>
+              <a:prstDash val="solid"/>
+              <a:round/>
+            </a:ln>
+          </p:spPr>
+          <p:txBody>
+            <a:bodyPr/>
+            <a:lstStyle/>
+            <a:p/>
+          </p:txBody>
+        </p:sp>
+        <p:sp>
+          <p:nvSpPr>
+            <p:cNvPr id="10" name="pl10"/>
+            <p:cNvSpPr/>
+            <p:nvPr/>
+          </p:nvSpPr>
+          <p:spPr>
+            <a:xfrm>
+              <a:off x="938418" y="3680887"/>
+              <a:ext cx="6738730" cy="0"/>
+            </a:xfrm>
+            <a:custGeom>
+              <a:avLst/>
+              <a:pathLst>
+                <a:path w="6738730" h="0">
+                  <a:moveTo>
+                    <a:pt x="0" y="0"/>
+                  </a:moveTo>
+                  <a:lnTo>
+                    <a:pt x="6738730" y="0"/>
+                  </a:lnTo>
+                  <a:lnTo>
+                    <a:pt x="6738730" y="0"/>
+                  </a:lnTo>
+                </a:path>
+              </a:pathLst>
+            </a:custGeom>
+            <a:ln w="13550" cap="flat">
+              <a:solidFill>
+                <a:srgbClr val="EBEBEB">
+                  <a:alpha val="100000"/>
+                </a:srgbClr>
+              </a:solidFill>
+              <a:prstDash val="solid"/>
+              <a:round/>
+            </a:ln>
+          </p:spPr>
+          <p:txBody>
+            <a:bodyPr/>
+            <a:lstStyle/>
+            <a:p/>
+          </p:txBody>
+        </p:sp>
+        <p:sp>
+          <p:nvSpPr>
+            <p:cNvPr id="11" name="pl11"/>
+            <p:cNvSpPr/>
+            <p:nvPr/>
+          </p:nvSpPr>
+          <p:spPr>
+            <a:xfrm>
+              <a:off x="938418" y="2747077"/>
+              <a:ext cx="6738730" cy="0"/>
+            </a:xfrm>
+            <a:custGeom>
+              <a:avLst/>
+              <a:pathLst>
+                <a:path w="6738730" h="0">
+                  <a:moveTo>
+                    <a:pt x="0" y="0"/>
+                  </a:moveTo>
+                  <a:lnTo>
+                    <a:pt x="6738730" y="0"/>
+                  </a:lnTo>
+                  <a:lnTo>
+                    <a:pt x="6738730" y="0"/>
+                  </a:lnTo>
+                </a:path>
+              </a:pathLst>
+            </a:custGeom>
+            <a:ln w="13550" cap="flat">
+              <a:solidFill>
+                <a:srgbClr val="EBEBEB">
+                  <a:alpha val="100000"/>
+                </a:srgbClr>
+              </a:solidFill>
+              <a:prstDash val="solid"/>
+              <a:round/>
+            </a:ln>
+          </p:spPr>
+          <p:txBody>
+            <a:bodyPr/>
+            <a:lstStyle/>
+            <a:p/>
+          </p:txBody>
+        </p:sp>
+        <p:sp>
+          <p:nvSpPr>
+            <p:cNvPr id="12" name="pl12"/>
+            <p:cNvSpPr/>
+            <p:nvPr/>
+          </p:nvSpPr>
+          <p:spPr>
+            <a:xfrm>
+              <a:off x="1715964" y="1886338"/>
+              <a:ext cx="0" cy="3836557"/>
+            </a:xfrm>
+            <a:custGeom>
+              <a:avLst/>
+              <a:pathLst>
+                <a:path w="0" h="3836557">
+                  <a:moveTo>
+                    <a:pt x="0" y="3836557"/>
+                  </a:moveTo>
+                  <a:lnTo>
+                    <a:pt x="0" y="0"/>
+                  </a:lnTo>
+                  <a:lnTo>
+                    <a:pt x="0" y="0"/>
+                  </a:lnTo>
+                </a:path>
+              </a:pathLst>
+            </a:custGeom>
+            <a:ln w="13550" cap="flat">
+              <a:solidFill>
+                <a:srgbClr val="EBEBEB">
+                  <a:alpha val="100000"/>
+                </a:srgbClr>
+              </a:solidFill>
+              <a:prstDash val="solid"/>
+              <a:round/>
+            </a:ln>
+          </p:spPr>
+          <p:txBody>
+            <a:bodyPr/>
+            <a:lstStyle/>
+            <a:p/>
+          </p:txBody>
+        </p:sp>
+        <p:sp>
+          <p:nvSpPr>
+            <p:cNvPr id="13" name="pl13"/>
+            <p:cNvSpPr/>
+            <p:nvPr/>
+          </p:nvSpPr>
+          <p:spPr>
+            <a:xfrm>
+              <a:off x="3011873" y="1886338"/>
+              <a:ext cx="0" cy="3836557"/>
+            </a:xfrm>
+            <a:custGeom>
+              <a:avLst/>
+              <a:pathLst>
+                <a:path w="0" h="3836557">
+                  <a:moveTo>
+                    <a:pt x="0" y="3836557"/>
+                  </a:moveTo>
+                  <a:lnTo>
+                    <a:pt x="0" y="0"/>
+                  </a:lnTo>
+                  <a:lnTo>
+                    <a:pt x="0" y="0"/>
+                  </a:lnTo>
+                </a:path>
+              </a:pathLst>
+            </a:custGeom>
+            <a:ln w="13550" cap="flat">
+              <a:solidFill>
+                <a:srgbClr val="EBEBEB">
+                  <a:alpha val="100000"/>
+                </a:srgbClr>
+              </a:solidFill>
+              <a:prstDash val="solid"/>
+              <a:round/>
+            </a:ln>
+          </p:spPr>
+          <p:txBody>
+            <a:bodyPr/>
+            <a:lstStyle/>
+            <a:p/>
+          </p:txBody>
+        </p:sp>
+        <p:sp>
+          <p:nvSpPr>
+            <p:cNvPr id="14" name="pl14"/>
+            <p:cNvSpPr/>
+            <p:nvPr/>
+          </p:nvSpPr>
+          <p:spPr>
+            <a:xfrm>
+              <a:off x="4307783" y="1886338"/>
+              <a:ext cx="0" cy="3836557"/>
+            </a:xfrm>
+            <a:custGeom>
+              <a:avLst/>
+              <a:pathLst>
+                <a:path w="0" h="3836557">
+                  <a:moveTo>
+                    <a:pt x="0" y="3836557"/>
+                  </a:moveTo>
+                  <a:lnTo>
+                    <a:pt x="0" y="0"/>
+                  </a:lnTo>
+                  <a:lnTo>
+                    <a:pt x="0" y="0"/>
+                  </a:lnTo>
+                </a:path>
+              </a:pathLst>
+            </a:custGeom>
+            <a:ln w="13550" cap="flat">
+              <a:solidFill>
+                <a:srgbClr val="EBEBEB">
+                  <a:alpha val="100000"/>
+                </a:srgbClr>
+              </a:solidFill>
+              <a:prstDash val="solid"/>
+              <a:round/>
+            </a:ln>
+          </p:spPr>
+          <p:txBody>
+            <a:bodyPr/>
+            <a:lstStyle/>
+            <a:p/>
+          </p:txBody>
+        </p:sp>
+        <p:sp>
+          <p:nvSpPr>
+            <p:cNvPr id="15" name="pl15"/>
+            <p:cNvSpPr/>
+            <p:nvPr/>
+          </p:nvSpPr>
+          <p:spPr>
+            <a:xfrm>
+              <a:off x="5603693" y="1886338"/>
+              <a:ext cx="0" cy="3836557"/>
+            </a:xfrm>
+            <a:custGeom>
+              <a:avLst/>
+              <a:pathLst>
+                <a:path w="0" h="3836557">
+                  <a:moveTo>
+                    <a:pt x="0" y="3836557"/>
+                  </a:moveTo>
+                  <a:lnTo>
+                    <a:pt x="0" y="0"/>
+                  </a:lnTo>
+                  <a:lnTo>
+                    <a:pt x="0" y="0"/>
+                  </a:lnTo>
+                </a:path>
+              </a:pathLst>
+            </a:custGeom>
+            <a:ln w="13550" cap="flat">
+              <a:solidFill>
+                <a:srgbClr val="EBEBEB">
+                  <a:alpha val="100000"/>
+                </a:srgbClr>
+              </a:solidFill>
+              <a:prstDash val="solid"/>
+              <a:round/>
+            </a:ln>
+          </p:spPr>
+          <p:txBody>
+            <a:bodyPr/>
+            <a:lstStyle/>
+            <a:p/>
+          </p:txBody>
+        </p:sp>
+        <p:sp>
+          <p:nvSpPr>
+            <p:cNvPr id="16" name="pl16"/>
+            <p:cNvSpPr/>
+            <p:nvPr/>
+          </p:nvSpPr>
+          <p:spPr>
+            <a:xfrm>
+              <a:off x="6899603" y="1886338"/>
+              <a:ext cx="0" cy="3836557"/>
+            </a:xfrm>
+            <a:custGeom>
+              <a:avLst/>
+              <a:pathLst>
+                <a:path w="0" h="3836557">
+                  <a:moveTo>
+                    <a:pt x="0" y="3836557"/>
+                  </a:moveTo>
+                  <a:lnTo>
+                    <a:pt x="0" y="0"/>
+                  </a:lnTo>
+                  <a:lnTo>
+                    <a:pt x="0" y="0"/>
+                  </a:lnTo>
+                </a:path>
+              </a:pathLst>
+            </a:custGeom>
+            <a:ln w="13550" cap="flat">
+              <a:solidFill>
+                <a:srgbClr val="EBEBEB">
+                  <a:alpha val="100000"/>
+                </a:srgbClr>
+              </a:solidFill>
+              <a:prstDash val="solid"/>
+              <a:round/>
+            </a:ln>
+          </p:spPr>
+          <p:txBody>
+            <a:bodyPr/>
+            <a:lstStyle/>
+            <a:p/>
+          </p:txBody>
+        </p:sp>
+        <p:sp>
+          <p:nvSpPr>
+            <p:cNvPr id="17" name="rc17"/>
+            <p:cNvSpPr/>
+            <p:nvPr/>
+          </p:nvSpPr>
+          <p:spPr>
+            <a:xfrm>
+              <a:off x="1715964" y="4950868"/>
+              <a:ext cx="583159" cy="597638"/>
+            </a:xfrm>
+            <a:prstGeom prst="rect">
+              <a:avLst/>
+            </a:prstGeom>
+            <a:solidFill>
+              <a:srgbClr val="00BFC4">
+                <a:alpha val="100000"/>
+              </a:srgbClr>
+            </a:solidFill>
+          </p:spPr>
+          <p:txBody>
+            <a:bodyPr/>
+            <a:lstStyle/>
+            <a:p/>
+          </p:txBody>
+        </p:sp>
+        <p:sp>
+          <p:nvSpPr>
+            <p:cNvPr id="18" name="rc18"/>
+            <p:cNvSpPr/>
+            <p:nvPr/>
+          </p:nvSpPr>
+          <p:spPr>
+            <a:xfrm>
+              <a:off x="1132804" y="4941530"/>
+              <a:ext cx="583159" cy="606976"/>
+            </a:xfrm>
+            <a:prstGeom prst="rect">
+              <a:avLst/>
+            </a:prstGeom>
+            <a:solidFill>
+              <a:srgbClr val="F8766D">
+                <a:alpha val="100000"/>
+              </a:srgbClr>
+            </a:solidFill>
+          </p:spPr>
+          <p:txBody>
+            <a:bodyPr/>
+            <a:lstStyle/>
+            <a:p/>
+          </p:txBody>
+        </p:sp>
+        <p:sp>
+          <p:nvSpPr>
+            <p:cNvPr id="19" name="rc19"/>
+            <p:cNvSpPr/>
+            <p:nvPr/>
+          </p:nvSpPr>
+          <p:spPr>
+            <a:xfrm>
+              <a:off x="3011873" y="3666880"/>
+              <a:ext cx="583159" cy="1881626"/>
+            </a:xfrm>
+            <a:prstGeom prst="rect">
+              <a:avLst/>
+            </a:prstGeom>
+            <a:solidFill>
+              <a:srgbClr val="00BFC4">
+                <a:alpha val="100000"/>
+              </a:srgbClr>
+            </a:solidFill>
+          </p:spPr>
+          <p:txBody>
+            <a:bodyPr/>
+            <a:lstStyle/>
+            <a:p/>
+          </p:txBody>
+        </p:sp>
+        <p:sp>
+          <p:nvSpPr>
+            <p:cNvPr id="20" name="rc20"/>
+            <p:cNvSpPr/>
+            <p:nvPr/>
+          </p:nvSpPr>
+          <p:spPr>
+            <a:xfrm>
+              <a:off x="2428714" y="3820958"/>
+              <a:ext cx="583159" cy="1727548"/>
+            </a:xfrm>
+            <a:prstGeom prst="rect">
+              <a:avLst/>
+            </a:prstGeom>
+            <a:solidFill>
+              <a:srgbClr val="F8766D">
+                <a:alpha val="100000"/>
+              </a:srgbClr>
+            </a:solidFill>
+          </p:spPr>
+          <p:txBody>
+            <a:bodyPr/>
+            <a:lstStyle/>
+            <a:p/>
+          </p:txBody>
+        </p:sp>
+        <p:sp>
+          <p:nvSpPr>
+            <p:cNvPr id="21" name="rc21"/>
+            <p:cNvSpPr/>
+            <p:nvPr/>
+          </p:nvSpPr>
+          <p:spPr>
+            <a:xfrm>
+              <a:off x="4307783" y="4712747"/>
+              <a:ext cx="583159" cy="835759"/>
+            </a:xfrm>
+            <a:prstGeom prst="rect">
+              <a:avLst/>
+            </a:prstGeom>
+            <a:solidFill>
+              <a:srgbClr val="00BFC4">
+                <a:alpha val="100000"/>
+              </a:srgbClr>
+            </a:solidFill>
+          </p:spPr>
+          <p:txBody>
+            <a:bodyPr/>
+            <a:lstStyle/>
+            <a:p/>
+          </p:txBody>
+        </p:sp>
+        <p:sp>
+          <p:nvSpPr>
+            <p:cNvPr id="22" name="rc22"/>
+            <p:cNvSpPr/>
+            <p:nvPr/>
+          </p:nvSpPr>
+          <p:spPr>
+            <a:xfrm>
+              <a:off x="3724624" y="4423266"/>
+              <a:ext cx="583159" cy="1125240"/>
+            </a:xfrm>
+            <a:prstGeom prst="rect">
+              <a:avLst/>
+            </a:prstGeom>
+            <a:solidFill>
+              <a:srgbClr val="F8766D">
+                <a:alpha val="100000"/>
+              </a:srgbClr>
+            </a:solidFill>
+          </p:spPr>
+          <p:txBody>
+            <a:bodyPr/>
+            <a:lstStyle/>
+            <a:p/>
+          </p:txBody>
+        </p:sp>
+        <p:sp>
+          <p:nvSpPr>
+            <p:cNvPr id="23" name="rc23"/>
+            <p:cNvSpPr/>
+            <p:nvPr/>
+          </p:nvSpPr>
+          <p:spPr>
+            <a:xfrm>
+              <a:off x="5603693" y="2177453"/>
+              <a:ext cx="583159" cy="3371053"/>
+            </a:xfrm>
+            <a:prstGeom prst="rect">
+              <a:avLst/>
+            </a:prstGeom>
+            <a:solidFill>
+              <a:srgbClr val="00BFC4">
+                <a:alpha val="100000"/>
+              </a:srgbClr>
+            </a:solidFill>
+          </p:spPr>
+          <p:txBody>
+            <a:bodyPr/>
+            <a:lstStyle/>
+            <a:p/>
+          </p:txBody>
+        </p:sp>
+        <p:sp>
+          <p:nvSpPr>
+            <p:cNvPr id="24" name="rc24"/>
+            <p:cNvSpPr/>
+            <p:nvPr/>
+          </p:nvSpPr>
+          <p:spPr>
+            <a:xfrm>
+              <a:off x="5020534" y="2060727"/>
+              <a:ext cx="583159" cy="3487779"/>
+            </a:xfrm>
+            <a:prstGeom prst="rect">
+              <a:avLst/>
+            </a:prstGeom>
+            <a:solidFill>
+              <a:srgbClr val="F8766D">
+                <a:alpha val="100000"/>
+              </a:srgbClr>
+            </a:solidFill>
+          </p:spPr>
+          <p:txBody>
+            <a:bodyPr/>
+            <a:lstStyle/>
+            <a:p/>
+          </p:txBody>
+        </p:sp>
+        <p:sp>
+          <p:nvSpPr>
+            <p:cNvPr id="25" name="rc25"/>
+            <p:cNvSpPr/>
+            <p:nvPr/>
+          </p:nvSpPr>
+          <p:spPr>
+            <a:xfrm>
+              <a:off x="6899603" y="3027220"/>
+              <a:ext cx="583159" cy="2521286"/>
+            </a:xfrm>
+            <a:prstGeom prst="rect">
+              <a:avLst/>
+            </a:prstGeom>
+            <a:solidFill>
+              <a:srgbClr val="00BFC4">
+                <a:alpha val="100000"/>
+              </a:srgbClr>
+            </a:solidFill>
+          </p:spPr>
+          <p:txBody>
+            <a:bodyPr/>
+            <a:lstStyle/>
+            <a:p/>
+          </p:txBody>
+        </p:sp>
+        <p:sp>
+          <p:nvSpPr>
+            <p:cNvPr id="26" name="rc26"/>
+            <p:cNvSpPr/>
+            <p:nvPr/>
+          </p:nvSpPr>
+          <p:spPr>
+            <a:xfrm>
+              <a:off x="6316443" y="2971191"/>
+              <a:ext cx="583159" cy="2577314"/>
+            </a:xfrm>
+            <a:prstGeom prst="rect">
+              <a:avLst/>
+            </a:prstGeom>
+            <a:solidFill>
+              <a:srgbClr val="F8766D">
+                <a:alpha val="100000"/>
+              </a:srgbClr>
+            </a:solidFill>
+          </p:spPr>
+          <p:txBody>
+            <a:bodyPr/>
+            <a:lstStyle/>
+            <a:p/>
+          </p:txBody>
+        </p:sp>
+        <p:sp>
+          <p:nvSpPr>
+            <p:cNvPr id="27" name="tx27"/>
+            <p:cNvSpPr/>
+            <p:nvPr/>
+          </p:nvSpPr>
+          <p:spPr>
+            <a:xfrm>
+              <a:off x="813632" y="5507824"/>
+              <a:ext cx="62155" cy="79126"/>
+            </a:xfrm>
+            <a:prstGeom prst="rect">
+              <a:avLst/>
+            </a:prstGeom>
+            <a:noFill/>
+          </p:spPr>
+          <p:txBody>
+            <a:bodyPr lIns="0" rIns="0" tIns="0" bIns="0" anchorCtr="1" anchor="ctr" wrap="none"/>
+            <a:lstStyle/>
+            <a:p>
+              <a:pPr algn="l" marL="0" marR="0" indent="0">
+                <a:lnSpc>
+                  <a:spcPts val="880"/>
+                </a:lnSpc>
+                <a:spcBef>
+                  <a:spcPts val="0"/>
+                </a:spcBef>
+                <a:spcAft>
+                  <a:spcPts val="0"/>
+                </a:spcAft>
+              </a:pPr>
+              <a:r>
+                <a:rPr sz="880">
+                  <a:solidFill>
+                    <a:srgbClr val="4D4D4D">
+                      <a:alpha val="100000"/>
+                    </a:srgbClr>
+                  </a:solidFill>
+                  <a:latin typeface="Liberation Sans"/>
+                  <a:cs typeface="Liberation Sans"/>
+                </a:rPr>
+                <a:t>0</a:t>
+              </a:r>
+            </a:p>
+          </p:txBody>
+        </p:sp>
+        <p:sp>
+          <p:nvSpPr>
+            <p:cNvPr id="28" name="tx28"/>
+            <p:cNvSpPr/>
+            <p:nvPr/>
+          </p:nvSpPr>
+          <p:spPr>
+            <a:xfrm>
+              <a:off x="689321" y="4574014"/>
+              <a:ext cx="186466" cy="79126"/>
+            </a:xfrm>
+            <a:prstGeom prst="rect">
+              <a:avLst/>
+            </a:prstGeom>
+            <a:noFill/>
+          </p:spPr>
+          <p:txBody>
+            <a:bodyPr lIns="0" rIns="0" tIns="0" bIns="0" anchorCtr="1" anchor="ctr" wrap="none"/>
+            <a:lstStyle/>
+            <a:p>
+              <a:pPr algn="l" marL="0" marR="0" indent="0">
+                <a:lnSpc>
+                  <a:spcPts val="880"/>
+                </a:lnSpc>
+                <a:spcBef>
+                  <a:spcPts val="0"/>
+                </a:spcBef>
+                <a:spcAft>
+                  <a:spcPts val="0"/>
+                </a:spcAft>
+              </a:pPr>
+              <a:r>
+                <a:rPr sz="880">
+                  <a:solidFill>
+                    <a:srgbClr val="4D4D4D">
+                      <a:alpha val="100000"/>
+                    </a:srgbClr>
+                  </a:solidFill>
+                  <a:latin typeface="Liberation Sans"/>
+                  <a:cs typeface="Liberation Sans"/>
+                </a:rPr>
+                <a:t>200</a:t>
+              </a:r>
+            </a:p>
+          </p:txBody>
+        </p:sp>
+        <p:sp>
+          <p:nvSpPr>
+            <p:cNvPr id="29" name="tx29"/>
+            <p:cNvSpPr/>
+            <p:nvPr/>
+          </p:nvSpPr>
+          <p:spPr>
+            <a:xfrm>
+              <a:off x="689321" y="3640205"/>
+              <a:ext cx="186466" cy="79126"/>
+            </a:xfrm>
+            <a:prstGeom prst="rect">
+              <a:avLst/>
+            </a:prstGeom>
+            <a:noFill/>
+          </p:spPr>
+          <p:txBody>
+            <a:bodyPr lIns="0" rIns="0" tIns="0" bIns="0" anchorCtr="1" anchor="ctr" wrap="none"/>
+            <a:lstStyle/>
+            <a:p>
+              <a:pPr algn="l" marL="0" marR="0" indent="0">
+                <a:lnSpc>
+                  <a:spcPts val="880"/>
+                </a:lnSpc>
+                <a:spcBef>
+                  <a:spcPts val="0"/>
+                </a:spcBef>
+                <a:spcAft>
+                  <a:spcPts val="0"/>
+                </a:spcAft>
+              </a:pPr>
+              <a:r>
+                <a:rPr sz="880">
+                  <a:solidFill>
+                    <a:srgbClr val="4D4D4D">
+                      <a:alpha val="100000"/>
+                    </a:srgbClr>
+                  </a:solidFill>
+                  <a:latin typeface="Liberation Sans"/>
+                  <a:cs typeface="Liberation Sans"/>
+                </a:rPr>
+                <a:t>400</a:t>
+              </a:r>
+            </a:p>
+          </p:txBody>
+        </p:sp>
+        <p:sp>
+          <p:nvSpPr>
+            <p:cNvPr id="30" name="tx30"/>
+            <p:cNvSpPr/>
+            <p:nvPr/>
+          </p:nvSpPr>
+          <p:spPr>
+            <a:xfrm>
+              <a:off x="689321" y="2706395"/>
+              <a:ext cx="186466" cy="79126"/>
+            </a:xfrm>
+            <a:prstGeom prst="rect">
+              <a:avLst/>
+            </a:prstGeom>
+            <a:noFill/>
+          </p:spPr>
+          <p:txBody>
+            <a:bodyPr lIns="0" rIns="0" tIns="0" bIns="0" anchorCtr="1" anchor="ctr" wrap="none"/>
+            <a:lstStyle/>
+            <a:p>
+              <a:pPr algn="l" marL="0" marR="0" indent="0">
+                <a:lnSpc>
+                  <a:spcPts val="880"/>
+                </a:lnSpc>
+                <a:spcBef>
+                  <a:spcPts val="0"/>
+                </a:spcBef>
+                <a:spcAft>
+                  <a:spcPts val="0"/>
+                </a:spcAft>
+              </a:pPr>
+              <a:r>
+                <a:rPr sz="880">
+                  <a:solidFill>
+                    <a:srgbClr val="4D4D4D">
+                      <a:alpha val="100000"/>
+                    </a:srgbClr>
+                  </a:solidFill>
+                  <a:latin typeface="Liberation Sans"/>
+                  <a:cs typeface="Liberation Sans"/>
+                </a:rPr>
+                <a:t>600</a:t>
+              </a:r>
+            </a:p>
+          </p:txBody>
+        </p:sp>
+        <p:sp>
+          <p:nvSpPr>
+            <p:cNvPr id="31" name="tx31"/>
+            <p:cNvSpPr/>
+            <p:nvPr/>
+          </p:nvSpPr>
+          <p:spPr>
+            <a:xfrm>
+              <a:off x="1557519" y="5758240"/>
+              <a:ext cx="316889" cy="104174"/>
+            </a:xfrm>
+            <a:prstGeom prst="rect">
+              <a:avLst/>
+            </a:prstGeom>
+            <a:noFill/>
+          </p:spPr>
+          <p:txBody>
+            <a:bodyPr lIns="0" rIns="0" tIns="0" bIns="0" anchorCtr="1" anchor="ctr" wrap="none"/>
+            <a:lstStyle/>
+            <a:p>
+              <a:pPr algn="l" marL="0" marR="0" indent="0">
+                <a:lnSpc>
+                  <a:spcPts val="880"/>
+                </a:lnSpc>
+                <a:spcBef>
+                  <a:spcPts val="0"/>
+                </a:spcBef>
+                <a:spcAft>
+                  <a:spcPts val="0"/>
+                </a:spcAft>
+              </a:pPr>
+              <a:r>
+                <a:rPr sz="880">
+                  <a:solidFill>
+                    <a:srgbClr val="4D4D4D">
+                      <a:alpha val="100000"/>
+                    </a:srgbClr>
+                  </a:solidFill>
+                  <a:latin typeface="Liberation Sans"/>
+                  <a:cs typeface="Liberation Sans"/>
+                </a:rPr>
+                <a:t>Eating</a:t>
+              </a:r>
+            </a:p>
+          </p:txBody>
+        </p:sp>
+        <p:sp>
+          <p:nvSpPr>
+            <p:cNvPr id="32" name="tx32"/>
+            <p:cNvSpPr/>
+            <p:nvPr/>
+          </p:nvSpPr>
+          <p:spPr>
+            <a:xfrm>
+              <a:off x="2701314" y="5758240"/>
+              <a:ext cx="621119" cy="104174"/>
+            </a:xfrm>
+            <a:prstGeom prst="rect">
+              <a:avLst/>
+            </a:prstGeom>
+            <a:noFill/>
+          </p:spPr>
+          <p:txBody>
+            <a:bodyPr lIns="0" rIns="0" tIns="0" bIns="0" anchorCtr="1" anchor="ctr" wrap="none"/>
+            <a:lstStyle/>
+            <a:p>
+              <a:pPr algn="l" marL="0" marR="0" indent="0">
+                <a:lnSpc>
+                  <a:spcPts val="880"/>
+                </a:lnSpc>
+                <a:spcBef>
+                  <a:spcPts val="0"/>
+                </a:spcBef>
+                <a:spcAft>
+                  <a:spcPts val="0"/>
+                </a:spcAft>
+              </a:pPr>
+              <a:r>
+                <a:rPr sz="880">
+                  <a:solidFill>
+                    <a:srgbClr val="4D4D4D">
+                      <a:alpha val="100000"/>
+                    </a:srgbClr>
+                  </a:solidFill>
+                  <a:latin typeface="Liberation Sans"/>
+                  <a:cs typeface="Liberation Sans"/>
+                </a:rPr>
+                <a:t>Employment</a:t>
+              </a:r>
+            </a:p>
+          </p:txBody>
+        </p:sp>
+        <p:sp>
+          <p:nvSpPr>
+            <p:cNvPr id="33" name="tx33"/>
+            <p:cNvSpPr/>
+            <p:nvPr/>
+          </p:nvSpPr>
+          <p:spPr>
+            <a:xfrm>
+              <a:off x="3646173" y="5758240"/>
+              <a:ext cx="1323220" cy="104174"/>
+            </a:xfrm>
+            <a:prstGeom prst="rect">
+              <a:avLst/>
+            </a:prstGeom>
+            <a:noFill/>
+          </p:spPr>
+          <p:txBody>
+            <a:bodyPr lIns="0" rIns="0" tIns="0" bIns="0" anchorCtr="1" anchor="ctr" wrap="none"/>
+            <a:lstStyle/>
+            <a:p>
+              <a:pPr algn="l" marL="0" marR="0" indent="0">
+                <a:lnSpc>
+                  <a:spcPts val="880"/>
+                </a:lnSpc>
+                <a:spcBef>
+                  <a:spcPts val="0"/>
+                </a:spcBef>
+                <a:spcAft>
+                  <a:spcPts val="0"/>
+                </a:spcAft>
+              </a:pPr>
+              <a:r>
+                <a:rPr sz="880">
+                  <a:solidFill>
+                    <a:srgbClr val="4D4D4D">
+                      <a:alpha val="100000"/>
+                    </a:srgbClr>
+                  </a:solidFill>
+                  <a:latin typeface="Liberation Sans"/>
+                  <a:cs typeface="Liberation Sans"/>
+                </a:rPr>
+                <a:t>Household and family care</a:t>
+              </a:r>
+            </a:p>
+          </p:txBody>
+        </p:sp>
+        <p:sp>
+          <p:nvSpPr>
+            <p:cNvPr id="34" name="tx34"/>
+            <p:cNvSpPr/>
+            <p:nvPr/>
+          </p:nvSpPr>
+          <p:spPr>
+            <a:xfrm>
+              <a:off x="5258918" y="5780341"/>
+              <a:ext cx="689550" cy="82073"/>
+            </a:xfrm>
+            <a:prstGeom prst="rect">
+              <a:avLst/>
+            </a:prstGeom>
+            <a:noFill/>
+          </p:spPr>
+          <p:txBody>
+            <a:bodyPr lIns="0" rIns="0" tIns="0" bIns="0" anchorCtr="1" anchor="ctr" wrap="none"/>
+            <a:lstStyle/>
+            <a:p>
+              <a:pPr algn="l" marL="0" marR="0" indent="0">
+                <a:lnSpc>
+                  <a:spcPts val="880"/>
+                </a:lnSpc>
+                <a:spcBef>
+                  <a:spcPts val="0"/>
+                </a:spcBef>
+                <a:spcAft>
+                  <a:spcPts val="0"/>
+                </a:spcAft>
+              </a:pPr>
+              <a:r>
+                <a:rPr sz="880">
+                  <a:solidFill>
+                    <a:srgbClr val="4D4D4D">
+                      <a:alpha val="100000"/>
+                    </a:srgbClr>
+                  </a:solidFill>
+                  <a:latin typeface="Liberation Sans"/>
+                  <a:cs typeface="Liberation Sans"/>
+                </a:rPr>
+                <a:t>Personal care</a:t>
+              </a:r>
+            </a:p>
+          </p:txBody>
+        </p:sp>
+        <p:sp>
+          <p:nvSpPr>
+            <p:cNvPr id="35" name="tx35"/>
+            <p:cNvSpPr/>
+            <p:nvPr/>
+          </p:nvSpPr>
+          <p:spPr>
+            <a:xfrm>
+              <a:off x="6756683" y="5758240"/>
+              <a:ext cx="285839" cy="104174"/>
+            </a:xfrm>
+            <a:prstGeom prst="rect">
+              <a:avLst/>
+            </a:prstGeom>
+            <a:noFill/>
+          </p:spPr>
+          <p:txBody>
+            <a:bodyPr lIns="0" rIns="0" tIns="0" bIns="0" anchorCtr="1" anchor="ctr" wrap="none"/>
+            <a:lstStyle/>
+            <a:p>
+              <a:pPr algn="l" marL="0" marR="0" indent="0">
+                <a:lnSpc>
+                  <a:spcPts val="880"/>
+                </a:lnSpc>
+                <a:spcBef>
+                  <a:spcPts val="0"/>
+                </a:spcBef>
+                <a:spcAft>
+                  <a:spcPts val="0"/>
+                </a:spcAft>
+              </a:pPr>
+              <a:r>
+                <a:rPr sz="880">
+                  <a:solidFill>
+                    <a:srgbClr val="4D4D4D">
+                      <a:alpha val="100000"/>
+                    </a:srgbClr>
+                  </a:solidFill>
+                  <a:latin typeface="Liberation Sans"/>
+                  <a:cs typeface="Liberation Sans"/>
+                </a:rPr>
+                <a:t>Sleep</a:t>
+              </a:r>
+            </a:p>
+          </p:txBody>
+        </p:sp>
+        <p:sp>
+          <p:nvSpPr>
+            <p:cNvPr id="36" name="tx36"/>
+            <p:cNvSpPr/>
+            <p:nvPr/>
+          </p:nvSpPr>
+          <p:spPr>
+            <a:xfrm>
+              <a:off x="4032203" y="5922355"/>
+              <a:ext cx="551160" cy="102592"/>
+            </a:xfrm>
+            <a:prstGeom prst="rect">
+              <a:avLst/>
+            </a:prstGeom>
+            <a:noFill/>
+          </p:spPr>
+          <p:txBody>
+            <a:bodyPr lIns="0" rIns="0" tIns="0" bIns="0" anchorCtr="1" anchor="ctr" wrap="none"/>
+            <a:lstStyle/>
+            <a:p>
+              <a:pPr algn="l" marL="0" marR="0" indent="0">
+                <a:lnSpc>
+                  <a:spcPts val="1100"/>
+                </a:lnSpc>
+                <a:spcBef>
+                  <a:spcPts val="0"/>
+                </a:spcBef>
+                <a:spcAft>
+                  <a:spcPts val="0"/>
+                </a:spcAft>
+              </a:pPr>
+              <a:r>
+                <a:rPr sz="1100">
+                  <a:solidFill>
+                    <a:srgbClr val="000000">
+                      <a:alpha val="100000"/>
+                    </a:srgbClr>
+                  </a:solidFill>
+                  <a:latin typeface="Liberation Sans"/>
+                  <a:cs typeface="Liberation Sans"/>
+                </a:rPr>
+                <a:t>Activities</a:t>
+              </a:r>
+            </a:p>
+          </p:txBody>
+        </p:sp>
+        <p:sp>
+          <p:nvSpPr>
+            <p:cNvPr id="37" name="tx37"/>
+            <p:cNvSpPr/>
+            <p:nvPr/>
+          </p:nvSpPr>
+          <p:spPr>
+            <a:xfrm rot="-5400000">
+              <a:off x="78630" y="3753321"/>
+              <a:ext cx="985949" cy="102592"/>
+            </a:xfrm>
+            <a:prstGeom prst="rect">
+              <a:avLst/>
+            </a:prstGeom>
+            <a:noFill/>
+          </p:spPr>
+          <p:txBody>
+            <a:bodyPr lIns="0" rIns="0" tIns="0" bIns="0" anchorCtr="1" anchor="ctr" wrap="none"/>
+            <a:lstStyle/>
+            <a:p>
+              <a:pPr algn="l" marL="0" marR="0" indent="0">
+                <a:lnSpc>
+                  <a:spcPts val="1100"/>
+                </a:lnSpc>
+                <a:spcBef>
+                  <a:spcPts val="0"/>
+                </a:spcBef>
+                <a:spcAft>
+                  <a:spcPts val="0"/>
+                </a:spcAft>
+              </a:pPr>
+              <a:r>
+                <a:rPr sz="1100">
+                  <a:solidFill>
+                    <a:srgbClr val="000000">
+                      <a:alpha val="100000"/>
+                    </a:srgbClr>
+                  </a:solidFill>
+                  <a:latin typeface="Liberation Sans"/>
+                  <a:cs typeface="Liberation Sans"/>
+                </a:rPr>
+                <a:t>Time in minutes</a:t>
+              </a:r>
+            </a:p>
+          </p:txBody>
+        </p:sp>
+        <p:sp>
+          <p:nvSpPr>
+            <p:cNvPr id="38" name="tx38"/>
+            <p:cNvSpPr/>
+            <p:nvPr/>
+          </p:nvSpPr>
+          <p:spPr>
+            <a:xfrm>
+              <a:off x="7885916" y="3468204"/>
+              <a:ext cx="644748" cy="130218"/>
+            </a:xfrm>
+            <a:prstGeom prst="rect">
+              <a:avLst/>
+            </a:prstGeom>
+            <a:noFill/>
+          </p:spPr>
+          <p:txBody>
+            <a:bodyPr lIns="0" rIns="0" tIns="0" bIns="0" anchorCtr="1" anchor="ctr" wrap="none"/>
+            <a:lstStyle/>
+            <a:p>
+              <a:pPr algn="l" marL="0" marR="0" indent="0">
+                <a:lnSpc>
+                  <a:spcPts val="1100"/>
+                </a:lnSpc>
+                <a:spcBef>
+                  <a:spcPts val="0"/>
+                </a:spcBef>
+                <a:spcAft>
+                  <a:spcPts val="0"/>
+                </a:spcAft>
+              </a:pPr>
+              <a:r>
+                <a:rPr sz="1100">
+                  <a:solidFill>
+                    <a:srgbClr val="000000">
+                      <a:alpha val="100000"/>
+                    </a:srgbClr>
+                  </a:solidFill>
+                  <a:latin typeface="Liberation Sans"/>
+                  <a:cs typeface="Liberation Sans"/>
+                </a:rPr>
+                <a:t>population</a:t>
+              </a:r>
+            </a:p>
+          </p:txBody>
+        </p:sp>
+        <p:sp>
+          <p:nvSpPr>
+            <p:cNvPr id="39" name="rc39"/>
+            <p:cNvSpPr/>
+            <p:nvPr/>
+          </p:nvSpPr>
+          <p:spPr>
+            <a:xfrm>
+              <a:off x="7894916" y="3692824"/>
+              <a:ext cx="201455" cy="201456"/>
+            </a:xfrm>
+            <a:prstGeom prst="rect">
+              <a:avLst/>
+            </a:prstGeom>
+            <a:solidFill>
+              <a:srgbClr val="F8766D">
+                <a:alpha val="100000"/>
+              </a:srgbClr>
+            </a:solidFill>
+          </p:spPr>
+          <p:txBody>
+            <a:bodyPr/>
+            <a:lstStyle/>
+            <a:p/>
+          </p:txBody>
+        </p:sp>
+        <p:sp>
+          <p:nvSpPr>
+            <p:cNvPr id="40" name="rc40"/>
+            <p:cNvSpPr/>
+            <p:nvPr/>
+          </p:nvSpPr>
+          <p:spPr>
+            <a:xfrm>
+              <a:off x="7894916" y="3912280"/>
+              <a:ext cx="201455" cy="201456"/>
+            </a:xfrm>
+            <a:prstGeom prst="rect">
+              <a:avLst/>
+            </a:prstGeom>
+            <a:solidFill>
+              <a:srgbClr val="00BFC4">
+                <a:alpha val="100000"/>
+              </a:srgbClr>
+            </a:solidFill>
+          </p:spPr>
+          <p:txBody>
+            <a:bodyPr/>
+            <a:lstStyle/>
+            <a:p/>
+          </p:txBody>
+        </p:sp>
+        <p:sp>
+          <p:nvSpPr>
+            <p:cNvPr id="41" name="tx41"/>
+            <p:cNvSpPr/>
+            <p:nvPr/>
+          </p:nvSpPr>
+          <p:spPr>
+            <a:xfrm>
+              <a:off x="8174961" y="3749923"/>
+              <a:ext cx="372660" cy="82073"/>
+            </a:xfrm>
+            <a:prstGeom prst="rect">
+              <a:avLst/>
+            </a:prstGeom>
+            <a:noFill/>
+          </p:spPr>
+          <p:txBody>
+            <a:bodyPr lIns="0" rIns="0" tIns="0" bIns="0" anchorCtr="1" anchor="ctr" wrap="none"/>
+            <a:lstStyle/>
+            <a:p>
+              <a:pPr algn="l" marL="0" marR="0" indent="0">
+                <a:lnSpc>
+                  <a:spcPts val="880"/>
+                </a:lnSpc>
+                <a:spcBef>
+                  <a:spcPts val="0"/>
+                </a:spcBef>
+                <a:spcAft>
+                  <a:spcPts val="0"/>
+                </a:spcAft>
+              </a:pPr>
+              <a:r>
+                <a:rPr sz="880">
+                  <a:solidFill>
+                    <a:srgbClr val="000000">
+                      <a:alpha val="100000"/>
+                    </a:srgbClr>
+                  </a:solidFill>
+                  <a:latin typeface="Liberation Sans"/>
+                  <a:cs typeface="Liberation Sans"/>
+                </a:rPr>
+                <a:t>Female</a:t>
+              </a:r>
+            </a:p>
+          </p:txBody>
+        </p:sp>
+        <p:sp>
+          <p:nvSpPr>
+            <p:cNvPr id="42" name="tx42"/>
+            <p:cNvSpPr/>
+            <p:nvPr/>
+          </p:nvSpPr>
+          <p:spPr>
+            <a:xfrm>
+              <a:off x="8174961" y="3969379"/>
+              <a:ext cx="242237" cy="82073"/>
+            </a:xfrm>
+            <a:prstGeom prst="rect">
+              <a:avLst/>
+            </a:prstGeom>
+            <a:noFill/>
+          </p:spPr>
+          <p:txBody>
+            <a:bodyPr lIns="0" rIns="0" tIns="0" bIns="0" anchorCtr="1" anchor="ctr" wrap="none"/>
+            <a:lstStyle/>
+            <a:p>
+              <a:pPr algn="l" marL="0" marR="0" indent="0">
+                <a:lnSpc>
+                  <a:spcPts val="880"/>
+                </a:lnSpc>
+                <a:spcBef>
+                  <a:spcPts val="0"/>
+                </a:spcBef>
+                <a:spcAft>
+                  <a:spcPts val="0"/>
+                </a:spcAft>
+              </a:pPr>
+              <a:r>
+                <a:rPr sz="880">
+                  <a:solidFill>
+                    <a:srgbClr val="000000">
+                      <a:alpha val="100000"/>
+                    </a:srgbClr>
+                  </a:solidFill>
+                  <a:latin typeface="Liberation Sans"/>
+                  <a:cs typeface="Liberation Sans"/>
+                </a:rPr>
+                <a:t>Male</a:t>
+              </a:r>
+            </a:p>
+          </p:txBody>
+        </p:sp>
+        <p:sp>
+          <p:nvSpPr>
+            <p:cNvPr id="43" name="tx43"/>
+            <p:cNvSpPr/>
+            <p:nvPr/>
+          </p:nvSpPr>
+          <p:spPr>
+            <a:xfrm>
+              <a:off x="938418" y="1628861"/>
+              <a:ext cx="1537818" cy="156262"/>
+            </a:xfrm>
+            <a:prstGeom prst="rect">
+              <a:avLst/>
+            </a:prstGeom>
+            <a:noFill/>
+          </p:spPr>
+          <p:txBody>
+            <a:bodyPr lIns="0" rIns="0" tIns="0" bIns="0" anchorCtr="1" anchor="ctr" wrap="none"/>
+            <a:lstStyle/>
+            <a:p>
+              <a:pPr algn="l" marL="0" marR="0" indent="0">
+                <a:lnSpc>
+                  <a:spcPts val="1320"/>
+                </a:lnSpc>
+                <a:spcBef>
+                  <a:spcPts val="0"/>
+                </a:spcBef>
+                <a:spcAft>
+                  <a:spcPts val="0"/>
+                </a:spcAft>
+              </a:pPr>
+              <a:r>
+                <a:rPr sz="1320">
+                  <a:solidFill>
+                    <a:srgbClr val="000000">
+                      <a:alpha val="100000"/>
+                    </a:srgbClr>
+                  </a:solidFill>
+                  <a:latin typeface="Liberation Sans"/>
+                  <a:cs typeface="Liberation Sans"/>
+                </a:rPr>
+                <a:t>Year 2014_Saturday</a:t>
+              </a:r>
+            </a:p>
+          </p:txBody>
+        </p:sp>
+      </p:grpSp>
+    </p:spTree>
+  </p:cSld>
+  <p:clrMapOvr>
+    <a:masterClrMapping/>
+  </p:clrMapOvr>
+</p:sld>
+</file>
+
+<file path=ppt/slides/slide15.xml><?xml version="1.0" encoding="utf-8"?>
+<p:sld xmlns:a="http://schemas.openxmlformats.org/drawingml/2006/main" xmlns:r="http://schemas.openxmlformats.org/officeDocument/2006/relationships" xmlns:p="http://schemas.openxmlformats.org/presentationml/2006/main">
+  <p:cSld>
+    <p:spTree>
+      <p:nvGrpSpPr>
+        <p:cNvPr id="1" name=""/>
+        <p:cNvGrpSpPr/>
+        <p:nvPr/>
+      </p:nvGrpSpPr>
+      <p:grpSpPr>
+        <a:xfrm>
+          <a:off x="0" y="0"/>
+          <a:ext cx="0" cy="0"/>
+          <a:chOff x="0" y="0"/>
+          <a:chExt cx="0" cy="0"/>
+        </a:xfrm>
+      </p:grpSpPr>
+      <p:grpSp xmlns:a="http://schemas.openxmlformats.org/drawingml/2006/main" xmlns:r="http://schemas.openxmlformats.org/officeDocument/2006/relationships" xmlns:p="http://schemas.openxmlformats.org/presentationml/2006/main" xmlns:pic="http://schemas.openxmlformats.org/drawingml/2006/picture">
+        <p:nvGrpSpPr>
+          <p:cNvPr id="2" name="grp1"/>
+          <p:cNvGrpSpPr/>
+          <p:nvPr/>
+        </p:nvGrpSpPr>
+        <p:grpSpPr>
+          <a:xfrm>
+            <a:off x="457200" y="1600200"/>
+            <a:ext cx="8229600" cy="4525962"/>
+            <a:chOff x="457200" y="1600200"/>
+            <a:chExt cx="8229600" cy="4525962"/>
+          </a:xfrm>
+        </p:grpSpPr>
+        <p:sp>
+          <p:nvSpPr>
+            <p:cNvPr id="3" name="rc3"/>
+            <p:cNvSpPr/>
+            <p:nvPr/>
+          </p:nvSpPr>
+          <p:spPr>
+            <a:xfrm>
+              <a:off x="457200" y="1600200"/>
+              <a:ext cx="8229600" cy="4525962"/>
+            </a:xfrm>
+            <a:prstGeom prst="rect">
+              <a:avLst/>
+            </a:prstGeom>
+            <a:solidFill>
+              <a:srgbClr val="FFFFFF">
+                <a:alpha val="100000"/>
+              </a:srgbClr>
+            </a:solidFill>
+            <a:ln w="9525" cap="rnd">
+              <a:solidFill>
+                <a:srgbClr val="FFFFFF">
+                  <a:alpha val="100000"/>
+                </a:srgbClr>
+              </a:solidFill>
+              <a:prstDash val="solid"/>
+              <a:round/>
+            </a:ln>
+          </p:spPr>
+          <p:txBody>
+            <a:bodyPr/>
+            <a:lstStyle/>
+            <a:p/>
+          </p:txBody>
+        </p:sp>
+        <p:sp>
+          <p:nvSpPr>
+            <p:cNvPr id="4" name="pl4"/>
+            <p:cNvSpPr/>
+            <p:nvPr/>
+          </p:nvSpPr>
+          <p:spPr>
+            <a:xfrm>
+              <a:off x="938418" y="5112534"/>
+              <a:ext cx="6738730" cy="0"/>
+            </a:xfrm>
+            <a:custGeom>
+              <a:avLst/>
+              <a:pathLst>
+                <a:path w="6738730" h="0">
+                  <a:moveTo>
+                    <a:pt x="0" y="0"/>
+                  </a:moveTo>
+                  <a:lnTo>
+                    <a:pt x="6738730" y="0"/>
+                  </a:lnTo>
+                  <a:lnTo>
+                    <a:pt x="6738730" y="0"/>
+                  </a:lnTo>
+                </a:path>
+              </a:pathLst>
+            </a:custGeom>
+            <a:ln w="6775" cap="flat">
+              <a:solidFill>
+                <a:srgbClr val="EBEBEB">
+                  <a:alpha val="100000"/>
+                </a:srgbClr>
+              </a:solidFill>
+              <a:prstDash val="solid"/>
+              <a:round/>
+            </a:ln>
+          </p:spPr>
+          <p:txBody>
+            <a:bodyPr/>
+            <a:lstStyle/>
+            <a:p/>
+          </p:txBody>
+        </p:sp>
+        <p:sp>
+          <p:nvSpPr>
+            <p:cNvPr id="5" name="pl5"/>
+            <p:cNvSpPr/>
+            <p:nvPr/>
+          </p:nvSpPr>
+          <p:spPr>
+            <a:xfrm>
+              <a:off x="938418" y="4240589"/>
+              <a:ext cx="6738730" cy="0"/>
+            </a:xfrm>
+            <a:custGeom>
+              <a:avLst/>
+              <a:pathLst>
+                <a:path w="6738730" h="0">
+                  <a:moveTo>
+                    <a:pt x="0" y="0"/>
+                  </a:moveTo>
+                  <a:lnTo>
+                    <a:pt x="6738730" y="0"/>
+                  </a:lnTo>
+                  <a:lnTo>
+                    <a:pt x="6738730" y="0"/>
+                  </a:lnTo>
+                </a:path>
+              </a:pathLst>
+            </a:custGeom>
+            <a:ln w="6775" cap="flat">
+              <a:solidFill>
+                <a:srgbClr val="EBEBEB">
+                  <a:alpha val="100000"/>
+                </a:srgbClr>
+              </a:solidFill>
+              <a:prstDash val="solid"/>
+              <a:round/>
+            </a:ln>
+          </p:spPr>
+          <p:txBody>
+            <a:bodyPr/>
+            <a:lstStyle/>
+            <a:p/>
+          </p:txBody>
+        </p:sp>
+        <p:sp>
+          <p:nvSpPr>
+            <p:cNvPr id="6" name="pl6"/>
+            <p:cNvSpPr/>
+            <p:nvPr/>
+          </p:nvSpPr>
+          <p:spPr>
+            <a:xfrm>
+              <a:off x="938418" y="3368644"/>
+              <a:ext cx="6738730" cy="0"/>
+            </a:xfrm>
+            <a:custGeom>
+              <a:avLst/>
+              <a:pathLst>
+                <a:path w="6738730" h="0">
+                  <a:moveTo>
+                    <a:pt x="0" y="0"/>
+                  </a:moveTo>
+                  <a:lnTo>
+                    <a:pt x="6738730" y="0"/>
+                  </a:lnTo>
+                  <a:lnTo>
+                    <a:pt x="6738730" y="0"/>
+                  </a:lnTo>
+                </a:path>
+              </a:pathLst>
+            </a:custGeom>
+            <a:ln w="6775" cap="flat">
+              <a:solidFill>
+                <a:srgbClr val="EBEBEB">
+                  <a:alpha val="100000"/>
+                </a:srgbClr>
+              </a:solidFill>
+              <a:prstDash val="solid"/>
+              <a:round/>
+            </a:ln>
+          </p:spPr>
+          <p:txBody>
+            <a:bodyPr/>
+            <a:lstStyle/>
+            <a:p/>
+          </p:txBody>
+        </p:sp>
+        <p:sp>
+          <p:nvSpPr>
+            <p:cNvPr id="7" name="pl7"/>
+            <p:cNvSpPr/>
+            <p:nvPr/>
+          </p:nvSpPr>
+          <p:spPr>
+            <a:xfrm>
+              <a:off x="938418" y="2496699"/>
+              <a:ext cx="6738730" cy="0"/>
+            </a:xfrm>
+            <a:custGeom>
+              <a:avLst/>
+              <a:pathLst>
+                <a:path w="6738730" h="0">
+                  <a:moveTo>
+                    <a:pt x="0" y="0"/>
+                  </a:moveTo>
+                  <a:lnTo>
+                    <a:pt x="6738730" y="0"/>
+                  </a:lnTo>
+                  <a:lnTo>
+                    <a:pt x="6738730" y="0"/>
+                  </a:lnTo>
+                </a:path>
+              </a:pathLst>
+            </a:custGeom>
+            <a:ln w="6775" cap="flat">
+              <a:solidFill>
+                <a:srgbClr val="EBEBEB">
+                  <a:alpha val="100000"/>
+                </a:srgbClr>
+              </a:solidFill>
+              <a:prstDash val="solid"/>
+              <a:round/>
+            </a:ln>
+          </p:spPr>
+          <p:txBody>
+            <a:bodyPr/>
+            <a:lstStyle/>
+            <a:p/>
+          </p:txBody>
+        </p:sp>
+        <p:sp>
+          <p:nvSpPr>
+            <p:cNvPr id="8" name="pl8"/>
+            <p:cNvSpPr/>
+            <p:nvPr/>
+          </p:nvSpPr>
+          <p:spPr>
+            <a:xfrm>
+              <a:off x="938418" y="5548506"/>
+              <a:ext cx="6738730" cy="0"/>
+            </a:xfrm>
+            <a:custGeom>
+              <a:avLst/>
+              <a:pathLst>
+                <a:path w="6738730" h="0">
+                  <a:moveTo>
+                    <a:pt x="0" y="0"/>
+                  </a:moveTo>
+                  <a:lnTo>
+                    <a:pt x="6738730" y="0"/>
+                  </a:lnTo>
+                  <a:lnTo>
+                    <a:pt x="6738730" y="0"/>
+                  </a:lnTo>
+                </a:path>
+              </a:pathLst>
+            </a:custGeom>
+            <a:ln w="13550" cap="flat">
+              <a:solidFill>
+                <a:srgbClr val="EBEBEB">
+                  <a:alpha val="100000"/>
+                </a:srgbClr>
+              </a:solidFill>
+              <a:prstDash val="solid"/>
+              <a:round/>
+            </a:ln>
+          </p:spPr>
+          <p:txBody>
+            <a:bodyPr/>
+            <a:lstStyle/>
+            <a:p/>
+          </p:txBody>
+        </p:sp>
+        <p:sp>
+          <p:nvSpPr>
+            <p:cNvPr id="9" name="pl9"/>
+            <p:cNvSpPr/>
+            <p:nvPr/>
+          </p:nvSpPr>
+          <p:spPr>
+            <a:xfrm>
+              <a:off x="938418" y="4676561"/>
+              <a:ext cx="6738730" cy="0"/>
+            </a:xfrm>
+            <a:custGeom>
+              <a:avLst/>
+              <a:pathLst>
+                <a:path w="6738730" h="0">
+                  <a:moveTo>
+                    <a:pt x="0" y="0"/>
+                  </a:moveTo>
+                  <a:lnTo>
+                    <a:pt x="6738730" y="0"/>
+                  </a:lnTo>
+                  <a:lnTo>
+                    <a:pt x="6738730" y="0"/>
+                  </a:lnTo>
+                </a:path>
+              </a:pathLst>
+            </a:custGeom>
+            <a:ln w="13550" cap="flat">
+              <a:solidFill>
+                <a:srgbClr val="EBEBEB">
+                  <a:alpha val="100000"/>
+                </a:srgbClr>
+              </a:solidFill>
+              <a:prstDash val="solid"/>
+              <a:round/>
+            </a:ln>
+          </p:spPr>
+          <p:txBody>
+            <a:bodyPr/>
+            <a:lstStyle/>
+            <a:p/>
+          </p:txBody>
+        </p:sp>
+        <p:sp>
+          <p:nvSpPr>
+            <p:cNvPr id="10" name="pl10"/>
+            <p:cNvSpPr/>
+            <p:nvPr/>
+          </p:nvSpPr>
+          <p:spPr>
+            <a:xfrm>
+              <a:off x="938418" y="3804617"/>
+              <a:ext cx="6738730" cy="0"/>
+            </a:xfrm>
+            <a:custGeom>
+              <a:avLst/>
+              <a:pathLst>
+                <a:path w="6738730" h="0">
+                  <a:moveTo>
+                    <a:pt x="0" y="0"/>
+                  </a:moveTo>
+                  <a:lnTo>
+                    <a:pt x="6738730" y="0"/>
+                  </a:lnTo>
+                  <a:lnTo>
+                    <a:pt x="6738730" y="0"/>
+                  </a:lnTo>
+                </a:path>
+              </a:pathLst>
+            </a:custGeom>
+            <a:ln w="13550" cap="flat">
+              <a:solidFill>
+                <a:srgbClr val="EBEBEB">
+                  <a:alpha val="100000"/>
+                </a:srgbClr>
+              </a:solidFill>
+              <a:prstDash val="solid"/>
+              <a:round/>
+            </a:ln>
+          </p:spPr>
+          <p:txBody>
+            <a:bodyPr/>
+            <a:lstStyle/>
+            <a:p/>
+          </p:txBody>
+        </p:sp>
+        <p:sp>
+          <p:nvSpPr>
+            <p:cNvPr id="11" name="pl11"/>
+            <p:cNvSpPr/>
+            <p:nvPr/>
+          </p:nvSpPr>
+          <p:spPr>
+            <a:xfrm>
+              <a:off x="938418" y="2932672"/>
+              <a:ext cx="6738730" cy="0"/>
+            </a:xfrm>
+            <a:custGeom>
+              <a:avLst/>
+              <a:pathLst>
+                <a:path w="6738730" h="0">
+                  <a:moveTo>
+                    <a:pt x="0" y="0"/>
+                  </a:moveTo>
+                  <a:lnTo>
+                    <a:pt x="6738730" y="0"/>
+                  </a:lnTo>
+                  <a:lnTo>
+                    <a:pt x="6738730" y="0"/>
+                  </a:lnTo>
+                </a:path>
+              </a:pathLst>
+            </a:custGeom>
+            <a:ln w="13550" cap="flat">
+              <a:solidFill>
+                <a:srgbClr val="EBEBEB">
+                  <a:alpha val="100000"/>
+                </a:srgbClr>
+              </a:solidFill>
+              <a:prstDash val="solid"/>
+              <a:round/>
+            </a:ln>
+          </p:spPr>
+          <p:txBody>
+            <a:bodyPr/>
+            <a:lstStyle/>
+            <a:p/>
+          </p:txBody>
+        </p:sp>
+        <p:sp>
+          <p:nvSpPr>
+            <p:cNvPr id="12" name="pl12"/>
+            <p:cNvSpPr/>
+            <p:nvPr/>
+          </p:nvSpPr>
+          <p:spPr>
+            <a:xfrm>
+              <a:off x="938418" y="2060727"/>
+              <a:ext cx="6738730" cy="0"/>
+            </a:xfrm>
+            <a:custGeom>
+              <a:avLst/>
+              <a:pathLst>
+                <a:path w="6738730" h="0">
+                  <a:moveTo>
+                    <a:pt x="0" y="0"/>
+                  </a:moveTo>
+                  <a:lnTo>
+                    <a:pt x="6738730" y="0"/>
+                  </a:lnTo>
+                  <a:lnTo>
+                    <a:pt x="6738730" y="0"/>
+                  </a:lnTo>
+                </a:path>
+              </a:pathLst>
+            </a:custGeom>
+            <a:ln w="13550" cap="flat">
+              <a:solidFill>
+                <a:srgbClr val="EBEBEB">
+                  <a:alpha val="100000"/>
+                </a:srgbClr>
+              </a:solidFill>
+              <a:prstDash val="solid"/>
+              <a:round/>
+            </a:ln>
+          </p:spPr>
+          <p:txBody>
+            <a:bodyPr/>
+            <a:lstStyle/>
+            <a:p/>
+          </p:txBody>
+        </p:sp>
+        <p:sp>
+          <p:nvSpPr>
+            <p:cNvPr id="13" name="pl13"/>
+            <p:cNvSpPr/>
+            <p:nvPr/>
+          </p:nvSpPr>
+          <p:spPr>
+            <a:xfrm>
+              <a:off x="1715964" y="1886338"/>
+              <a:ext cx="0" cy="3836557"/>
+            </a:xfrm>
+            <a:custGeom>
+              <a:avLst/>
+              <a:pathLst>
+                <a:path w="0" h="3836557">
+                  <a:moveTo>
+                    <a:pt x="0" y="3836557"/>
+                  </a:moveTo>
+                  <a:lnTo>
+                    <a:pt x="0" y="0"/>
+                  </a:lnTo>
+                  <a:lnTo>
+                    <a:pt x="0" y="0"/>
+                  </a:lnTo>
+                </a:path>
+              </a:pathLst>
+            </a:custGeom>
+            <a:ln w="13550" cap="flat">
+              <a:solidFill>
+                <a:srgbClr val="EBEBEB">
+                  <a:alpha val="100000"/>
+                </a:srgbClr>
+              </a:solidFill>
+              <a:prstDash val="solid"/>
+              <a:round/>
+            </a:ln>
+          </p:spPr>
+          <p:txBody>
+            <a:bodyPr/>
+            <a:lstStyle/>
+            <a:p/>
+          </p:txBody>
+        </p:sp>
+        <p:sp>
+          <p:nvSpPr>
+            <p:cNvPr id="14" name="pl14"/>
+            <p:cNvSpPr/>
+            <p:nvPr/>
+          </p:nvSpPr>
+          <p:spPr>
+            <a:xfrm>
+              <a:off x="3011873" y="1886338"/>
+              <a:ext cx="0" cy="3836557"/>
+            </a:xfrm>
+            <a:custGeom>
+              <a:avLst/>
+              <a:pathLst>
+                <a:path w="0" h="3836557">
+                  <a:moveTo>
+                    <a:pt x="0" y="3836557"/>
+                  </a:moveTo>
+                  <a:lnTo>
+                    <a:pt x="0" y="0"/>
+                  </a:lnTo>
+                  <a:lnTo>
+                    <a:pt x="0" y="0"/>
+                  </a:lnTo>
+                </a:path>
+              </a:pathLst>
+            </a:custGeom>
+            <a:ln w="13550" cap="flat">
+              <a:solidFill>
+                <a:srgbClr val="EBEBEB">
+                  <a:alpha val="100000"/>
+                </a:srgbClr>
+              </a:solidFill>
+              <a:prstDash val="solid"/>
+              <a:round/>
+            </a:ln>
+          </p:spPr>
+          <p:txBody>
+            <a:bodyPr/>
+            <a:lstStyle/>
+            <a:p/>
+          </p:txBody>
+        </p:sp>
+        <p:sp>
+          <p:nvSpPr>
+            <p:cNvPr id="15" name="pl15"/>
+            <p:cNvSpPr/>
+            <p:nvPr/>
+          </p:nvSpPr>
+          <p:spPr>
+            <a:xfrm>
+              <a:off x="4307783" y="1886338"/>
+              <a:ext cx="0" cy="3836557"/>
+            </a:xfrm>
+            <a:custGeom>
+              <a:avLst/>
+              <a:pathLst>
+                <a:path w="0" h="3836557">
+                  <a:moveTo>
+                    <a:pt x="0" y="3836557"/>
+                  </a:moveTo>
+                  <a:lnTo>
+                    <a:pt x="0" y="0"/>
+                  </a:lnTo>
+                  <a:lnTo>
+                    <a:pt x="0" y="0"/>
+                  </a:lnTo>
+                </a:path>
+              </a:pathLst>
+            </a:custGeom>
+            <a:ln w="13550" cap="flat">
+              <a:solidFill>
+                <a:srgbClr val="EBEBEB">
+                  <a:alpha val="100000"/>
+                </a:srgbClr>
+              </a:solidFill>
+              <a:prstDash val="solid"/>
+              <a:round/>
+            </a:ln>
+          </p:spPr>
+          <p:txBody>
+            <a:bodyPr/>
+            <a:lstStyle/>
+            <a:p/>
+          </p:txBody>
+        </p:sp>
+        <p:sp>
+          <p:nvSpPr>
+            <p:cNvPr id="16" name="pl16"/>
+            <p:cNvSpPr/>
+            <p:nvPr/>
+          </p:nvSpPr>
+          <p:spPr>
+            <a:xfrm>
+              <a:off x="5603693" y="1886338"/>
+              <a:ext cx="0" cy="3836557"/>
+            </a:xfrm>
+            <a:custGeom>
+              <a:avLst/>
+              <a:pathLst>
+                <a:path w="0" h="3836557">
+                  <a:moveTo>
+                    <a:pt x="0" y="3836557"/>
+                  </a:moveTo>
+                  <a:lnTo>
+                    <a:pt x="0" y="0"/>
+                  </a:lnTo>
+                  <a:lnTo>
+                    <a:pt x="0" y="0"/>
+                  </a:lnTo>
+                </a:path>
+              </a:pathLst>
+            </a:custGeom>
+            <a:ln w="13550" cap="flat">
+              <a:solidFill>
+                <a:srgbClr val="EBEBEB">
+                  <a:alpha val="100000"/>
+                </a:srgbClr>
+              </a:solidFill>
+              <a:prstDash val="solid"/>
+              <a:round/>
+            </a:ln>
+          </p:spPr>
+          <p:txBody>
+            <a:bodyPr/>
+            <a:lstStyle/>
+            <a:p/>
+          </p:txBody>
+        </p:sp>
+        <p:sp>
+          <p:nvSpPr>
+            <p:cNvPr id="17" name="pl17"/>
+            <p:cNvSpPr/>
+            <p:nvPr/>
+          </p:nvSpPr>
+          <p:spPr>
+            <a:xfrm>
+              <a:off x="6899603" y="1886338"/>
+              <a:ext cx="0" cy="3836557"/>
+            </a:xfrm>
+            <a:custGeom>
+              <a:avLst/>
+              <a:pathLst>
+                <a:path w="0" h="3836557">
+                  <a:moveTo>
+                    <a:pt x="0" y="3836557"/>
+                  </a:moveTo>
+                  <a:lnTo>
+                    <a:pt x="0" y="0"/>
+                  </a:lnTo>
+                  <a:lnTo>
+                    <a:pt x="0" y="0"/>
+                  </a:lnTo>
+                </a:path>
+              </a:pathLst>
+            </a:custGeom>
+            <a:ln w="13550" cap="flat">
+              <a:solidFill>
+                <a:srgbClr val="EBEBEB">
+                  <a:alpha val="100000"/>
+                </a:srgbClr>
+              </a:solidFill>
+              <a:prstDash val="solid"/>
+              <a:round/>
+            </a:ln>
+          </p:spPr>
+          <p:txBody>
+            <a:bodyPr/>
+            <a:lstStyle/>
+            <a:p/>
+          </p:txBody>
+        </p:sp>
+        <p:sp>
+          <p:nvSpPr>
+            <p:cNvPr id="18" name="rc18"/>
+            <p:cNvSpPr/>
+            <p:nvPr/>
+          </p:nvSpPr>
+          <p:spPr>
+            <a:xfrm>
+              <a:off x="1715964" y="4977382"/>
+              <a:ext cx="583159" cy="571123"/>
+            </a:xfrm>
+            <a:prstGeom prst="rect">
+              <a:avLst/>
+            </a:prstGeom>
+            <a:solidFill>
+              <a:srgbClr val="00BFC4">
+                <a:alpha val="100000"/>
+              </a:srgbClr>
+            </a:solidFill>
+          </p:spPr>
+          <p:txBody>
+            <a:bodyPr/>
+            <a:lstStyle/>
+            <a:p/>
+          </p:txBody>
+        </p:sp>
+        <p:sp>
+          <p:nvSpPr>
+            <p:cNvPr id="19" name="rc19"/>
+            <p:cNvSpPr/>
+            <p:nvPr/>
+          </p:nvSpPr>
+          <p:spPr>
+            <a:xfrm>
+              <a:off x="1132804" y="4977382"/>
+              <a:ext cx="583159" cy="571123"/>
+            </a:xfrm>
+            <a:prstGeom prst="rect">
+              <a:avLst/>
+            </a:prstGeom>
+            <a:solidFill>
+              <a:srgbClr val="F8766D">
+                <a:alpha val="100000"/>
+              </a:srgbClr>
+            </a:solidFill>
+          </p:spPr>
+          <p:txBody>
+            <a:bodyPr/>
+            <a:lstStyle/>
+            <a:p/>
+          </p:txBody>
+        </p:sp>
+        <p:sp>
+          <p:nvSpPr>
+            <p:cNvPr id="20" name="rc20"/>
+            <p:cNvSpPr/>
+            <p:nvPr/>
+          </p:nvSpPr>
+          <p:spPr>
+            <a:xfrm>
+              <a:off x="3011873" y="4131596"/>
+              <a:ext cx="583159" cy="1416910"/>
+            </a:xfrm>
+            <a:prstGeom prst="rect">
+              <a:avLst/>
+            </a:prstGeom>
+            <a:solidFill>
+              <a:srgbClr val="00BFC4">
+                <a:alpha val="100000"/>
+              </a:srgbClr>
+            </a:solidFill>
+          </p:spPr>
+          <p:txBody>
+            <a:bodyPr/>
+            <a:lstStyle/>
+            <a:p/>
+          </p:txBody>
+        </p:sp>
+        <p:sp>
+          <p:nvSpPr>
+            <p:cNvPr id="21" name="rc21"/>
+            <p:cNvSpPr/>
+            <p:nvPr/>
+          </p:nvSpPr>
+          <p:spPr>
+            <a:xfrm>
+              <a:off x="2428714" y="4362661"/>
+              <a:ext cx="583159" cy="1185845"/>
+            </a:xfrm>
+            <a:prstGeom prst="rect">
+              <a:avLst/>
+            </a:prstGeom>
+            <a:solidFill>
+              <a:srgbClr val="F8766D">
+                <a:alpha val="100000"/>
+              </a:srgbClr>
+            </a:solidFill>
+          </p:spPr>
+          <p:txBody>
+            <a:bodyPr/>
+            <a:lstStyle/>
+            <a:p/>
+          </p:txBody>
+        </p:sp>
+        <p:sp>
+          <p:nvSpPr>
+            <p:cNvPr id="22" name="rc22"/>
+            <p:cNvSpPr/>
+            <p:nvPr/>
+          </p:nvSpPr>
+          <p:spPr>
+            <a:xfrm>
+              <a:off x="4307783" y="4925066"/>
+              <a:ext cx="583159" cy="623440"/>
+            </a:xfrm>
+            <a:prstGeom prst="rect">
+              <a:avLst/>
+            </a:prstGeom>
+            <a:solidFill>
+              <a:srgbClr val="00BFC4">
+                <a:alpha val="100000"/>
+              </a:srgbClr>
+            </a:solidFill>
+          </p:spPr>
+          <p:txBody>
+            <a:bodyPr/>
+            <a:lstStyle/>
+            <a:p/>
+          </p:txBody>
+        </p:sp>
+        <p:sp>
+          <p:nvSpPr>
+            <p:cNvPr id="23" name="rc23"/>
+            <p:cNvSpPr/>
+            <p:nvPr/>
+          </p:nvSpPr>
+          <p:spPr>
+            <a:xfrm>
+              <a:off x="3724624" y="4598086"/>
+              <a:ext cx="583159" cy="950419"/>
+            </a:xfrm>
+            <a:prstGeom prst="rect">
+              <a:avLst/>
+            </a:prstGeom>
+            <a:solidFill>
+              <a:srgbClr val="F8766D">
+                <a:alpha val="100000"/>
+              </a:srgbClr>
+            </a:solidFill>
+          </p:spPr>
+          <p:txBody>
+            <a:bodyPr/>
+            <a:lstStyle/>
+            <a:p/>
+          </p:txBody>
+        </p:sp>
+        <p:sp>
+          <p:nvSpPr>
+            <p:cNvPr id="24" name="rc24"/>
+            <p:cNvSpPr/>
+            <p:nvPr/>
+          </p:nvSpPr>
+          <p:spPr>
+            <a:xfrm>
+              <a:off x="5603693" y="2073806"/>
+              <a:ext cx="583159" cy="3474700"/>
+            </a:xfrm>
+            <a:prstGeom prst="rect">
+              <a:avLst/>
+            </a:prstGeom>
+            <a:solidFill>
+              <a:srgbClr val="00BFC4">
+                <a:alpha val="100000"/>
+              </a:srgbClr>
+            </a:solidFill>
+          </p:spPr>
+          <p:txBody>
+            <a:bodyPr/>
+            <a:lstStyle/>
+            <a:p/>
+          </p:txBody>
+        </p:sp>
+        <p:sp>
+          <p:nvSpPr>
+            <p:cNvPr id="25" name="rc25"/>
+            <p:cNvSpPr/>
+            <p:nvPr/>
+          </p:nvSpPr>
+          <p:spPr>
+            <a:xfrm>
+              <a:off x="5020534" y="2060727"/>
+              <a:ext cx="583159" cy="3487779"/>
+            </a:xfrm>
+            <a:prstGeom prst="rect">
+              <a:avLst/>
+            </a:prstGeom>
+            <a:solidFill>
+              <a:srgbClr val="F8766D">
+                <a:alpha val="100000"/>
+              </a:srgbClr>
+            </a:solidFill>
+          </p:spPr>
+          <p:txBody>
+            <a:bodyPr/>
+            <a:lstStyle/>
+            <a:p/>
+          </p:txBody>
+        </p:sp>
+        <p:sp>
+          <p:nvSpPr>
+            <p:cNvPr id="26" name="rc26"/>
+            <p:cNvSpPr/>
+            <p:nvPr/>
+          </p:nvSpPr>
+          <p:spPr>
+            <a:xfrm>
+              <a:off x="6899603" y="2862916"/>
+              <a:ext cx="583159" cy="2685590"/>
+            </a:xfrm>
+            <a:prstGeom prst="rect">
+              <a:avLst/>
+            </a:prstGeom>
+            <a:solidFill>
+              <a:srgbClr val="00BFC4">
+                <a:alpha val="100000"/>
+              </a:srgbClr>
+            </a:solidFill>
+          </p:spPr>
+          <p:txBody>
+            <a:bodyPr/>
+            <a:lstStyle/>
+            <a:p/>
+          </p:txBody>
+        </p:sp>
+        <p:sp>
+          <p:nvSpPr>
+            <p:cNvPr id="27" name="rc27"/>
+            <p:cNvSpPr/>
+            <p:nvPr/>
+          </p:nvSpPr>
+          <p:spPr>
+            <a:xfrm>
+              <a:off x="6316443" y="2893434"/>
+              <a:ext cx="583159" cy="2655072"/>
+            </a:xfrm>
+            <a:prstGeom prst="rect">
+              <a:avLst/>
+            </a:prstGeom>
+            <a:solidFill>
+              <a:srgbClr val="F8766D">
+                <a:alpha val="100000"/>
+              </a:srgbClr>
+            </a:solidFill>
+          </p:spPr>
+          <p:txBody>
+            <a:bodyPr/>
+            <a:lstStyle/>
+            <a:p/>
+          </p:txBody>
+        </p:sp>
+        <p:sp>
+          <p:nvSpPr>
+            <p:cNvPr id="28" name="tx28"/>
+            <p:cNvSpPr/>
+            <p:nvPr/>
+          </p:nvSpPr>
+          <p:spPr>
+            <a:xfrm>
+              <a:off x="813632" y="5507824"/>
+              <a:ext cx="62155" cy="79126"/>
+            </a:xfrm>
+            <a:prstGeom prst="rect">
+              <a:avLst/>
+            </a:prstGeom>
+            <a:noFill/>
+          </p:spPr>
+          <p:txBody>
+            <a:bodyPr lIns="0" rIns="0" tIns="0" bIns="0" anchorCtr="1" anchor="ctr" wrap="none"/>
+            <a:lstStyle/>
+            <a:p>
+              <a:pPr algn="l" marL="0" marR="0" indent="0">
+                <a:lnSpc>
+                  <a:spcPts val="880"/>
+                </a:lnSpc>
+                <a:spcBef>
+                  <a:spcPts val="0"/>
+                </a:spcBef>
+                <a:spcAft>
+                  <a:spcPts val="0"/>
+                </a:spcAft>
+              </a:pPr>
+              <a:r>
+                <a:rPr sz="880">
+                  <a:solidFill>
+                    <a:srgbClr val="4D4D4D">
+                      <a:alpha val="100000"/>
+                    </a:srgbClr>
+                  </a:solidFill>
+                  <a:latin typeface="Liberation Sans"/>
+                  <a:cs typeface="Liberation Sans"/>
+                </a:rPr>
+                <a:t>0</a:t>
+              </a:r>
+            </a:p>
+          </p:txBody>
+        </p:sp>
+        <p:sp>
+          <p:nvSpPr>
+            <p:cNvPr id="29" name="tx29"/>
+            <p:cNvSpPr/>
+            <p:nvPr/>
+          </p:nvSpPr>
+          <p:spPr>
+            <a:xfrm>
+              <a:off x="689321" y="4635879"/>
+              <a:ext cx="186466" cy="79126"/>
+            </a:xfrm>
+            <a:prstGeom prst="rect">
+              <a:avLst/>
+            </a:prstGeom>
+            <a:noFill/>
+          </p:spPr>
+          <p:txBody>
+            <a:bodyPr lIns="0" rIns="0" tIns="0" bIns="0" anchorCtr="1" anchor="ctr" wrap="none"/>
+            <a:lstStyle/>
+            <a:p>
+              <a:pPr algn="l" marL="0" marR="0" indent="0">
+                <a:lnSpc>
+                  <a:spcPts val="880"/>
+                </a:lnSpc>
+                <a:spcBef>
+                  <a:spcPts val="0"/>
+                </a:spcBef>
+                <a:spcAft>
+                  <a:spcPts val="0"/>
+                </a:spcAft>
+              </a:pPr>
+              <a:r>
+                <a:rPr sz="880">
+                  <a:solidFill>
+                    <a:srgbClr val="4D4D4D">
+                      <a:alpha val="100000"/>
+                    </a:srgbClr>
+                  </a:solidFill>
+                  <a:latin typeface="Liberation Sans"/>
+                  <a:cs typeface="Liberation Sans"/>
+                </a:rPr>
+                <a:t>200</a:t>
+              </a:r>
+            </a:p>
+          </p:txBody>
+        </p:sp>
+        <p:sp>
+          <p:nvSpPr>
+            <p:cNvPr id="30" name="tx30"/>
+            <p:cNvSpPr/>
+            <p:nvPr/>
+          </p:nvSpPr>
+          <p:spPr>
+            <a:xfrm>
+              <a:off x="689321" y="3763934"/>
+              <a:ext cx="186466" cy="79126"/>
+            </a:xfrm>
+            <a:prstGeom prst="rect">
+              <a:avLst/>
+            </a:prstGeom>
+            <a:noFill/>
+          </p:spPr>
+          <p:txBody>
+            <a:bodyPr lIns="0" rIns="0" tIns="0" bIns="0" anchorCtr="1" anchor="ctr" wrap="none"/>
+            <a:lstStyle/>
+            <a:p>
+              <a:pPr algn="l" marL="0" marR="0" indent="0">
+                <a:lnSpc>
+                  <a:spcPts val="880"/>
+                </a:lnSpc>
+                <a:spcBef>
+                  <a:spcPts val="0"/>
+                </a:spcBef>
+                <a:spcAft>
+                  <a:spcPts val="0"/>
+                </a:spcAft>
+              </a:pPr>
+              <a:r>
+                <a:rPr sz="880">
+                  <a:solidFill>
+                    <a:srgbClr val="4D4D4D">
+                      <a:alpha val="100000"/>
+                    </a:srgbClr>
+                  </a:solidFill>
+                  <a:latin typeface="Liberation Sans"/>
+                  <a:cs typeface="Liberation Sans"/>
+                </a:rPr>
+                <a:t>400</a:t>
+              </a:r>
+            </a:p>
+          </p:txBody>
+        </p:sp>
+        <p:sp>
+          <p:nvSpPr>
+            <p:cNvPr id="31" name="tx31"/>
+            <p:cNvSpPr/>
+            <p:nvPr/>
+          </p:nvSpPr>
+          <p:spPr>
+            <a:xfrm>
+              <a:off x="689321" y="2891990"/>
+              <a:ext cx="186466" cy="79126"/>
+            </a:xfrm>
+            <a:prstGeom prst="rect">
+              <a:avLst/>
+            </a:prstGeom>
+            <a:noFill/>
+          </p:spPr>
+          <p:txBody>
+            <a:bodyPr lIns="0" rIns="0" tIns="0" bIns="0" anchorCtr="1" anchor="ctr" wrap="none"/>
+            <a:lstStyle/>
+            <a:p>
+              <a:pPr algn="l" marL="0" marR="0" indent="0">
+                <a:lnSpc>
+                  <a:spcPts val="880"/>
+                </a:lnSpc>
+                <a:spcBef>
+                  <a:spcPts val="0"/>
+                </a:spcBef>
+                <a:spcAft>
+                  <a:spcPts val="0"/>
+                </a:spcAft>
+              </a:pPr>
+              <a:r>
+                <a:rPr sz="880">
+                  <a:solidFill>
+                    <a:srgbClr val="4D4D4D">
+                      <a:alpha val="100000"/>
+                    </a:srgbClr>
+                  </a:solidFill>
+                  <a:latin typeface="Liberation Sans"/>
+                  <a:cs typeface="Liberation Sans"/>
+                </a:rPr>
+                <a:t>600</a:t>
+              </a:r>
+            </a:p>
+          </p:txBody>
+        </p:sp>
+        <p:sp>
+          <p:nvSpPr>
+            <p:cNvPr id="32" name="tx32"/>
+            <p:cNvSpPr/>
+            <p:nvPr/>
+          </p:nvSpPr>
+          <p:spPr>
+            <a:xfrm>
+              <a:off x="689321" y="2020045"/>
+              <a:ext cx="186466" cy="79126"/>
+            </a:xfrm>
+            <a:prstGeom prst="rect">
+              <a:avLst/>
+            </a:prstGeom>
+            <a:noFill/>
+          </p:spPr>
+          <p:txBody>
+            <a:bodyPr lIns="0" rIns="0" tIns="0" bIns="0" anchorCtr="1" anchor="ctr" wrap="none"/>
+            <a:lstStyle/>
+            <a:p>
+              <a:pPr algn="l" marL="0" marR="0" indent="0">
+                <a:lnSpc>
+                  <a:spcPts val="880"/>
+                </a:lnSpc>
+                <a:spcBef>
+                  <a:spcPts val="0"/>
+                </a:spcBef>
+                <a:spcAft>
+                  <a:spcPts val="0"/>
+                </a:spcAft>
+              </a:pPr>
+              <a:r>
+                <a:rPr sz="880">
+                  <a:solidFill>
+                    <a:srgbClr val="4D4D4D">
+                      <a:alpha val="100000"/>
+                    </a:srgbClr>
+                  </a:solidFill>
+                  <a:latin typeface="Liberation Sans"/>
+                  <a:cs typeface="Liberation Sans"/>
+                </a:rPr>
+                <a:t>800</a:t>
+              </a:r>
+            </a:p>
+          </p:txBody>
+        </p:sp>
+        <p:sp>
+          <p:nvSpPr>
+            <p:cNvPr id="33" name="tx33"/>
+            <p:cNvSpPr/>
+            <p:nvPr/>
+          </p:nvSpPr>
+          <p:spPr>
+            <a:xfrm>
+              <a:off x="1557519" y="5758240"/>
+              <a:ext cx="316889" cy="104174"/>
+            </a:xfrm>
+            <a:prstGeom prst="rect">
+              <a:avLst/>
+            </a:prstGeom>
+            <a:noFill/>
+          </p:spPr>
+          <p:txBody>
+            <a:bodyPr lIns="0" rIns="0" tIns="0" bIns="0" anchorCtr="1" anchor="ctr" wrap="none"/>
+            <a:lstStyle/>
+            <a:p>
+              <a:pPr algn="l" marL="0" marR="0" indent="0">
+                <a:lnSpc>
+                  <a:spcPts val="880"/>
+                </a:lnSpc>
+                <a:spcBef>
+                  <a:spcPts val="0"/>
+                </a:spcBef>
+                <a:spcAft>
+                  <a:spcPts val="0"/>
+                </a:spcAft>
+              </a:pPr>
+              <a:r>
+                <a:rPr sz="880">
+                  <a:solidFill>
+                    <a:srgbClr val="4D4D4D">
+                      <a:alpha val="100000"/>
+                    </a:srgbClr>
+                  </a:solidFill>
+                  <a:latin typeface="Liberation Sans"/>
+                  <a:cs typeface="Liberation Sans"/>
+                </a:rPr>
+                <a:t>Eating</a:t>
+              </a:r>
+            </a:p>
+          </p:txBody>
+        </p:sp>
+        <p:sp>
+          <p:nvSpPr>
+            <p:cNvPr id="34" name="tx34"/>
+            <p:cNvSpPr/>
+            <p:nvPr/>
+          </p:nvSpPr>
+          <p:spPr>
+            <a:xfrm>
+              <a:off x="2701314" y="5758240"/>
+              <a:ext cx="621119" cy="104174"/>
+            </a:xfrm>
+            <a:prstGeom prst="rect">
+              <a:avLst/>
+            </a:prstGeom>
+            <a:noFill/>
+          </p:spPr>
+          <p:txBody>
+            <a:bodyPr lIns="0" rIns="0" tIns="0" bIns="0" anchorCtr="1" anchor="ctr" wrap="none"/>
+            <a:lstStyle/>
+            <a:p>
+              <a:pPr algn="l" marL="0" marR="0" indent="0">
+                <a:lnSpc>
+                  <a:spcPts val="880"/>
+                </a:lnSpc>
+                <a:spcBef>
+                  <a:spcPts val="0"/>
+                </a:spcBef>
+                <a:spcAft>
+                  <a:spcPts val="0"/>
+                </a:spcAft>
+              </a:pPr>
+              <a:r>
+                <a:rPr sz="880">
+                  <a:solidFill>
+                    <a:srgbClr val="4D4D4D">
+                      <a:alpha val="100000"/>
+                    </a:srgbClr>
+                  </a:solidFill>
+                  <a:latin typeface="Liberation Sans"/>
+                  <a:cs typeface="Liberation Sans"/>
+                </a:rPr>
+                <a:t>Employment</a:t>
+              </a:r>
+            </a:p>
+          </p:txBody>
+        </p:sp>
+        <p:sp>
+          <p:nvSpPr>
+            <p:cNvPr id="35" name="tx35"/>
+            <p:cNvSpPr/>
+            <p:nvPr/>
+          </p:nvSpPr>
+          <p:spPr>
+            <a:xfrm>
+              <a:off x="3646173" y="5758240"/>
+              <a:ext cx="1323220" cy="104174"/>
+            </a:xfrm>
+            <a:prstGeom prst="rect">
+              <a:avLst/>
+            </a:prstGeom>
+            <a:noFill/>
+          </p:spPr>
+          <p:txBody>
+            <a:bodyPr lIns="0" rIns="0" tIns="0" bIns="0" anchorCtr="1" anchor="ctr" wrap="none"/>
+            <a:lstStyle/>
+            <a:p>
+              <a:pPr algn="l" marL="0" marR="0" indent="0">
+                <a:lnSpc>
+                  <a:spcPts val="880"/>
+                </a:lnSpc>
+                <a:spcBef>
+                  <a:spcPts val="0"/>
+                </a:spcBef>
+                <a:spcAft>
+                  <a:spcPts val="0"/>
+                </a:spcAft>
+              </a:pPr>
+              <a:r>
+                <a:rPr sz="880">
+                  <a:solidFill>
+                    <a:srgbClr val="4D4D4D">
+                      <a:alpha val="100000"/>
+                    </a:srgbClr>
+                  </a:solidFill>
+                  <a:latin typeface="Liberation Sans"/>
+                  <a:cs typeface="Liberation Sans"/>
+                </a:rPr>
+                <a:t>Household and family care</a:t>
+              </a:r>
+            </a:p>
+          </p:txBody>
+        </p:sp>
+        <p:sp>
+          <p:nvSpPr>
+            <p:cNvPr id="36" name="tx36"/>
+            <p:cNvSpPr/>
+            <p:nvPr/>
+          </p:nvSpPr>
+          <p:spPr>
+            <a:xfrm>
+              <a:off x="5258918" y="5780341"/>
+              <a:ext cx="689550" cy="82073"/>
+            </a:xfrm>
+            <a:prstGeom prst="rect">
+              <a:avLst/>
+            </a:prstGeom>
+            <a:noFill/>
+          </p:spPr>
+          <p:txBody>
+            <a:bodyPr lIns="0" rIns="0" tIns="0" bIns="0" anchorCtr="1" anchor="ctr" wrap="none"/>
+            <a:lstStyle/>
+            <a:p>
+              <a:pPr algn="l" marL="0" marR="0" indent="0">
+                <a:lnSpc>
+                  <a:spcPts val="880"/>
+                </a:lnSpc>
+                <a:spcBef>
+                  <a:spcPts val="0"/>
+                </a:spcBef>
+                <a:spcAft>
+                  <a:spcPts val="0"/>
+                </a:spcAft>
+              </a:pPr>
+              <a:r>
+                <a:rPr sz="880">
+                  <a:solidFill>
+                    <a:srgbClr val="4D4D4D">
+                      <a:alpha val="100000"/>
+                    </a:srgbClr>
+                  </a:solidFill>
+                  <a:latin typeface="Liberation Sans"/>
+                  <a:cs typeface="Liberation Sans"/>
+                </a:rPr>
+                <a:t>Personal care</a:t>
+              </a:r>
+            </a:p>
+          </p:txBody>
+        </p:sp>
+        <p:sp>
+          <p:nvSpPr>
+            <p:cNvPr id="37" name="tx37"/>
+            <p:cNvSpPr/>
+            <p:nvPr/>
+          </p:nvSpPr>
+          <p:spPr>
+            <a:xfrm>
+              <a:off x="6756683" y="5758240"/>
+              <a:ext cx="285839" cy="104174"/>
+            </a:xfrm>
+            <a:prstGeom prst="rect">
+              <a:avLst/>
+            </a:prstGeom>
+            <a:noFill/>
+          </p:spPr>
+          <p:txBody>
+            <a:bodyPr lIns="0" rIns="0" tIns="0" bIns="0" anchorCtr="1" anchor="ctr" wrap="none"/>
+            <a:lstStyle/>
+            <a:p>
+              <a:pPr algn="l" marL="0" marR="0" indent="0">
+                <a:lnSpc>
+                  <a:spcPts val="880"/>
+                </a:lnSpc>
+                <a:spcBef>
+                  <a:spcPts val="0"/>
+                </a:spcBef>
+                <a:spcAft>
+                  <a:spcPts val="0"/>
+                </a:spcAft>
+              </a:pPr>
+              <a:r>
+                <a:rPr sz="880">
+                  <a:solidFill>
+                    <a:srgbClr val="4D4D4D">
+                      <a:alpha val="100000"/>
+                    </a:srgbClr>
+                  </a:solidFill>
+                  <a:latin typeface="Liberation Sans"/>
+                  <a:cs typeface="Liberation Sans"/>
+                </a:rPr>
+                <a:t>Sleep</a:t>
+              </a:r>
+            </a:p>
+          </p:txBody>
+        </p:sp>
+        <p:sp>
+          <p:nvSpPr>
+            <p:cNvPr id="38" name="tx38"/>
+            <p:cNvSpPr/>
+            <p:nvPr/>
+          </p:nvSpPr>
+          <p:spPr>
+            <a:xfrm>
+              <a:off x="4032203" y="5922355"/>
+              <a:ext cx="551160" cy="102592"/>
+            </a:xfrm>
+            <a:prstGeom prst="rect">
+              <a:avLst/>
+            </a:prstGeom>
+            <a:noFill/>
+          </p:spPr>
+          <p:txBody>
+            <a:bodyPr lIns="0" rIns="0" tIns="0" bIns="0" anchorCtr="1" anchor="ctr" wrap="none"/>
+            <a:lstStyle/>
+            <a:p>
+              <a:pPr algn="l" marL="0" marR="0" indent="0">
+                <a:lnSpc>
+                  <a:spcPts val="1100"/>
+                </a:lnSpc>
+                <a:spcBef>
+                  <a:spcPts val="0"/>
+                </a:spcBef>
+                <a:spcAft>
+                  <a:spcPts val="0"/>
+                </a:spcAft>
+              </a:pPr>
+              <a:r>
+                <a:rPr sz="1100">
+                  <a:solidFill>
+                    <a:srgbClr val="000000">
+                      <a:alpha val="100000"/>
+                    </a:srgbClr>
+                  </a:solidFill>
+                  <a:latin typeface="Liberation Sans"/>
+                  <a:cs typeface="Liberation Sans"/>
+                </a:rPr>
+                <a:t>Activities</a:t>
+              </a:r>
+            </a:p>
+          </p:txBody>
+        </p:sp>
+        <p:sp>
+          <p:nvSpPr>
+            <p:cNvPr id="39" name="tx39"/>
+            <p:cNvSpPr/>
+            <p:nvPr/>
+          </p:nvSpPr>
+          <p:spPr>
+            <a:xfrm rot="-5400000">
+              <a:off x="78630" y="3753321"/>
+              <a:ext cx="985949" cy="102592"/>
+            </a:xfrm>
+            <a:prstGeom prst="rect">
+              <a:avLst/>
+            </a:prstGeom>
+            <a:noFill/>
+          </p:spPr>
+          <p:txBody>
+            <a:bodyPr lIns="0" rIns="0" tIns="0" bIns="0" anchorCtr="1" anchor="ctr" wrap="none"/>
+            <a:lstStyle/>
+            <a:p>
+              <a:pPr algn="l" marL="0" marR="0" indent="0">
+                <a:lnSpc>
+                  <a:spcPts val="1100"/>
+                </a:lnSpc>
+                <a:spcBef>
+                  <a:spcPts val="0"/>
+                </a:spcBef>
+                <a:spcAft>
+                  <a:spcPts val="0"/>
+                </a:spcAft>
+              </a:pPr>
+              <a:r>
+                <a:rPr sz="1100">
+                  <a:solidFill>
+                    <a:srgbClr val="000000">
+                      <a:alpha val="100000"/>
+                    </a:srgbClr>
+                  </a:solidFill>
+                  <a:latin typeface="Liberation Sans"/>
+                  <a:cs typeface="Liberation Sans"/>
+                </a:rPr>
+                <a:t>Time in minutes</a:t>
+              </a:r>
+            </a:p>
+          </p:txBody>
+        </p:sp>
+        <p:sp>
+          <p:nvSpPr>
+            <p:cNvPr id="40" name="tx40"/>
+            <p:cNvSpPr/>
+            <p:nvPr/>
+          </p:nvSpPr>
+          <p:spPr>
+            <a:xfrm>
+              <a:off x="7885916" y="3468204"/>
+              <a:ext cx="644748" cy="130218"/>
+            </a:xfrm>
+            <a:prstGeom prst="rect">
+              <a:avLst/>
+            </a:prstGeom>
+            <a:noFill/>
+          </p:spPr>
+          <p:txBody>
+            <a:bodyPr lIns="0" rIns="0" tIns="0" bIns="0" anchorCtr="1" anchor="ctr" wrap="none"/>
+            <a:lstStyle/>
+            <a:p>
+              <a:pPr algn="l" marL="0" marR="0" indent="0">
+                <a:lnSpc>
+                  <a:spcPts val="1100"/>
+                </a:lnSpc>
+                <a:spcBef>
+                  <a:spcPts val="0"/>
+                </a:spcBef>
+                <a:spcAft>
+                  <a:spcPts val="0"/>
+                </a:spcAft>
+              </a:pPr>
+              <a:r>
+                <a:rPr sz="1100">
+                  <a:solidFill>
+                    <a:srgbClr val="000000">
+                      <a:alpha val="100000"/>
+                    </a:srgbClr>
+                  </a:solidFill>
+                  <a:latin typeface="Liberation Sans"/>
+                  <a:cs typeface="Liberation Sans"/>
+                </a:rPr>
+                <a:t>population</a:t>
+              </a:r>
+            </a:p>
+          </p:txBody>
+        </p:sp>
+        <p:sp>
+          <p:nvSpPr>
+            <p:cNvPr id="41" name="rc41"/>
+            <p:cNvSpPr/>
+            <p:nvPr/>
+          </p:nvSpPr>
+          <p:spPr>
+            <a:xfrm>
+              <a:off x="7894916" y="3692824"/>
+              <a:ext cx="201455" cy="201456"/>
+            </a:xfrm>
+            <a:prstGeom prst="rect">
+              <a:avLst/>
+            </a:prstGeom>
+            <a:solidFill>
+              <a:srgbClr val="F8766D">
+                <a:alpha val="100000"/>
+              </a:srgbClr>
+            </a:solidFill>
+          </p:spPr>
+          <p:txBody>
+            <a:bodyPr/>
+            <a:lstStyle/>
+            <a:p/>
+          </p:txBody>
+        </p:sp>
+        <p:sp>
+          <p:nvSpPr>
+            <p:cNvPr id="42" name="rc42"/>
+            <p:cNvSpPr/>
+            <p:nvPr/>
+          </p:nvSpPr>
+          <p:spPr>
+            <a:xfrm>
+              <a:off x="7894916" y="3912280"/>
+              <a:ext cx="201455" cy="201456"/>
+            </a:xfrm>
+            <a:prstGeom prst="rect">
+              <a:avLst/>
+            </a:prstGeom>
+            <a:solidFill>
+              <a:srgbClr val="00BFC4">
+                <a:alpha val="100000"/>
+              </a:srgbClr>
+            </a:solidFill>
+          </p:spPr>
+          <p:txBody>
+            <a:bodyPr/>
+            <a:lstStyle/>
+            <a:p/>
+          </p:txBody>
+        </p:sp>
+        <p:sp>
+          <p:nvSpPr>
+            <p:cNvPr id="43" name="tx43"/>
+            <p:cNvSpPr/>
+            <p:nvPr/>
+          </p:nvSpPr>
+          <p:spPr>
+            <a:xfrm>
+              <a:off x="8174961" y="3749923"/>
+              <a:ext cx="372660" cy="82073"/>
+            </a:xfrm>
+            <a:prstGeom prst="rect">
+              <a:avLst/>
+            </a:prstGeom>
+            <a:noFill/>
+          </p:spPr>
+          <p:txBody>
+            <a:bodyPr lIns="0" rIns="0" tIns="0" bIns="0" anchorCtr="1" anchor="ctr" wrap="none"/>
+            <a:lstStyle/>
+            <a:p>
+              <a:pPr algn="l" marL="0" marR="0" indent="0">
+                <a:lnSpc>
+                  <a:spcPts val="880"/>
+                </a:lnSpc>
+                <a:spcBef>
+                  <a:spcPts val="0"/>
+                </a:spcBef>
+                <a:spcAft>
+                  <a:spcPts val="0"/>
+                </a:spcAft>
+              </a:pPr>
+              <a:r>
+                <a:rPr sz="880">
+                  <a:solidFill>
+                    <a:srgbClr val="000000">
+                      <a:alpha val="100000"/>
+                    </a:srgbClr>
+                  </a:solidFill>
+                  <a:latin typeface="Liberation Sans"/>
+                  <a:cs typeface="Liberation Sans"/>
+                </a:rPr>
+                <a:t>Female</a:t>
+              </a:r>
+            </a:p>
+          </p:txBody>
+        </p:sp>
+        <p:sp>
+          <p:nvSpPr>
+            <p:cNvPr id="44" name="tx44"/>
+            <p:cNvSpPr/>
+            <p:nvPr/>
+          </p:nvSpPr>
+          <p:spPr>
+            <a:xfrm>
+              <a:off x="8174961" y="3969379"/>
+              <a:ext cx="242237" cy="82073"/>
+            </a:xfrm>
+            <a:prstGeom prst="rect">
+              <a:avLst/>
+            </a:prstGeom>
+            <a:noFill/>
+          </p:spPr>
+          <p:txBody>
+            <a:bodyPr lIns="0" rIns="0" tIns="0" bIns="0" anchorCtr="1" anchor="ctr" wrap="none"/>
+            <a:lstStyle/>
+            <a:p>
+              <a:pPr algn="l" marL="0" marR="0" indent="0">
+                <a:lnSpc>
+                  <a:spcPts val="880"/>
+                </a:lnSpc>
+                <a:spcBef>
+                  <a:spcPts val="0"/>
+                </a:spcBef>
+                <a:spcAft>
+                  <a:spcPts val="0"/>
+                </a:spcAft>
+              </a:pPr>
+              <a:r>
+                <a:rPr sz="880">
+                  <a:solidFill>
+                    <a:srgbClr val="000000">
+                      <a:alpha val="100000"/>
+                    </a:srgbClr>
+                  </a:solidFill>
+                  <a:latin typeface="Liberation Sans"/>
+                  <a:cs typeface="Liberation Sans"/>
+                </a:rPr>
+                <a:t>Male</a:t>
+              </a:r>
+            </a:p>
+          </p:txBody>
+        </p:sp>
+        <p:sp>
+          <p:nvSpPr>
+            <p:cNvPr id="45" name="tx45"/>
+            <p:cNvSpPr/>
+            <p:nvPr/>
+          </p:nvSpPr>
+          <p:spPr>
+            <a:xfrm>
+              <a:off x="938418" y="1628861"/>
+              <a:ext cx="1435417" cy="156262"/>
+            </a:xfrm>
+            <a:prstGeom prst="rect">
+              <a:avLst/>
+            </a:prstGeom>
+            <a:noFill/>
+          </p:spPr>
+          <p:txBody>
+            <a:bodyPr lIns="0" rIns="0" tIns="0" bIns="0" anchorCtr="1" anchor="ctr" wrap="none"/>
+            <a:lstStyle/>
+            <a:p>
+              <a:pPr algn="l" marL="0" marR="0" indent="0">
+                <a:lnSpc>
+                  <a:spcPts val="1320"/>
+                </a:lnSpc>
+                <a:spcBef>
+                  <a:spcPts val="0"/>
+                </a:spcBef>
+                <a:spcAft>
+                  <a:spcPts val="0"/>
+                </a:spcAft>
+              </a:pPr>
+              <a:r>
+                <a:rPr sz="1320">
+                  <a:solidFill>
+                    <a:srgbClr val="000000">
+                      <a:alpha val="100000"/>
+                    </a:srgbClr>
+                  </a:solidFill>
+                  <a:latin typeface="Liberation Sans"/>
+                  <a:cs typeface="Liberation Sans"/>
+                </a:rPr>
+                <a:t>Year 2014_Sunday</a:t>
+              </a:r>
+            </a:p>
+          </p:txBody>
+        </p:sp>
+      </p:grpSp>
+    </p:spTree>
+  </p:cSld>
+  <p:clrMapOvr>
+    <a:masterClrMapping/>
+  </p:clrMapOvr>
+</p:sld>
+</file>
+
 <file path=ppt/slides/slide2.xml><?xml version="1.0" encoding="utf-8"?>
 <p:sld xmlns:a="http://schemas.openxmlformats.org/drawingml/2006/main" xmlns:r="http://schemas.openxmlformats.org/officeDocument/2006/relationships" xmlns:p="http://schemas.openxmlformats.org/presentationml/2006/main">
   <p:cSld>

--- a/content/blog/test.pptx
+++ b/content/blog/test.pptx
@@ -20,6 +20,9 @@
     <p:sldId id="268" r:id="rId20"/>
     <p:sldId id="269" r:id="rId21"/>
     <p:sldId id="270" r:id="rId22"/>
+    <p:sldId id="271" r:id="rId23"/>
+    <p:sldId id="272" r:id="rId24"/>
+    <p:sldId id="273" r:id="rId25"/>
   </p:sldIdLst>
   <p:sldSz cx="9144000" cy="6858000" type="screen4x3"/>
   <p:notesSz cx="6858000" cy="9144000"/>
@@ -13841,6 +13844,5003 @@
 </p:sld>
 </file>
 
+<file path=ppt/slides/slide16.xml><?xml version="1.0" encoding="utf-8"?>
+<p:sld xmlns:a="http://schemas.openxmlformats.org/drawingml/2006/main" xmlns:r="http://schemas.openxmlformats.org/officeDocument/2006/relationships" xmlns:p="http://schemas.openxmlformats.org/presentationml/2006/main">
+  <p:cSld>
+    <p:spTree>
+      <p:nvGrpSpPr>
+        <p:cNvPr id="1" name=""/>
+        <p:cNvGrpSpPr/>
+        <p:nvPr/>
+      </p:nvGrpSpPr>
+      <p:grpSpPr>
+        <a:xfrm>
+          <a:off x="0" y="0"/>
+          <a:ext cx="0" cy="0"/>
+          <a:chOff x="0" y="0"/>
+          <a:chExt cx="0" cy="0"/>
+        </a:xfrm>
+      </p:grpSpPr>
+      <p:grpSp xmlns:a="http://schemas.openxmlformats.org/drawingml/2006/main" xmlns:r="http://schemas.openxmlformats.org/officeDocument/2006/relationships" xmlns:p="http://schemas.openxmlformats.org/presentationml/2006/main" xmlns:pic="http://schemas.openxmlformats.org/drawingml/2006/picture">
+        <p:nvGrpSpPr>
+          <p:cNvPr id="2" name="grp1"/>
+          <p:cNvGrpSpPr/>
+          <p:nvPr/>
+        </p:nvGrpSpPr>
+        <p:grpSpPr>
+          <a:xfrm>
+            <a:off x="457200" y="1600200"/>
+            <a:ext cx="8229600" cy="4525962"/>
+            <a:chOff x="457200" y="1600200"/>
+            <a:chExt cx="8229600" cy="4525962"/>
+          </a:xfrm>
+        </p:grpSpPr>
+        <p:sp>
+          <p:nvSpPr>
+            <p:cNvPr id="3" name="rc3"/>
+            <p:cNvSpPr/>
+            <p:nvPr/>
+          </p:nvSpPr>
+          <p:spPr>
+            <a:xfrm>
+              <a:off x="457200" y="1600200"/>
+              <a:ext cx="8229600" cy="4525962"/>
+            </a:xfrm>
+            <a:prstGeom prst="rect">
+              <a:avLst/>
+            </a:prstGeom>
+            <a:solidFill>
+              <a:srgbClr val="FFFFFF">
+                <a:alpha val="100000"/>
+              </a:srgbClr>
+            </a:solidFill>
+            <a:ln w="9525" cap="rnd">
+              <a:solidFill>
+                <a:srgbClr val="FFFFFF">
+                  <a:alpha val="100000"/>
+                </a:srgbClr>
+              </a:solidFill>
+              <a:prstDash val="solid"/>
+              <a:round/>
+            </a:ln>
+          </p:spPr>
+          <p:txBody>
+            <a:bodyPr/>
+            <a:lstStyle/>
+            <a:p/>
+          </p:txBody>
+        </p:sp>
+        <p:sp>
+          <p:nvSpPr>
+            <p:cNvPr id="4" name="pl4"/>
+            <p:cNvSpPr/>
+            <p:nvPr/>
+          </p:nvSpPr>
+          <p:spPr>
+            <a:xfrm>
+              <a:off x="938418" y="5031798"/>
+              <a:ext cx="6738730" cy="0"/>
+            </a:xfrm>
+            <a:custGeom>
+              <a:avLst/>
+              <a:pathLst>
+                <a:path w="6738730" h="0">
+                  <a:moveTo>
+                    <a:pt x="0" y="0"/>
+                  </a:moveTo>
+                  <a:lnTo>
+                    <a:pt x="6738730" y="0"/>
+                  </a:lnTo>
+                  <a:lnTo>
+                    <a:pt x="6738730" y="0"/>
+                  </a:lnTo>
+                </a:path>
+              </a:pathLst>
+            </a:custGeom>
+            <a:ln w="6775" cap="flat">
+              <a:solidFill>
+                <a:srgbClr val="EBEBEB">
+                  <a:alpha val="100000"/>
+                </a:srgbClr>
+              </a:solidFill>
+              <a:prstDash val="solid"/>
+              <a:round/>
+            </a:ln>
+          </p:spPr>
+          <p:txBody>
+            <a:bodyPr/>
+            <a:lstStyle/>
+            <a:p/>
+          </p:txBody>
+        </p:sp>
+        <p:sp>
+          <p:nvSpPr>
+            <p:cNvPr id="5" name="pl5"/>
+            <p:cNvSpPr/>
+            <p:nvPr/>
+          </p:nvSpPr>
+          <p:spPr>
+            <a:xfrm>
+              <a:off x="938418" y="3998382"/>
+              <a:ext cx="6738730" cy="0"/>
+            </a:xfrm>
+            <a:custGeom>
+              <a:avLst/>
+              <a:pathLst>
+                <a:path w="6738730" h="0">
+                  <a:moveTo>
+                    <a:pt x="0" y="0"/>
+                  </a:moveTo>
+                  <a:lnTo>
+                    <a:pt x="6738730" y="0"/>
+                  </a:lnTo>
+                  <a:lnTo>
+                    <a:pt x="6738730" y="0"/>
+                  </a:lnTo>
+                </a:path>
+              </a:pathLst>
+            </a:custGeom>
+            <a:ln w="6775" cap="flat">
+              <a:solidFill>
+                <a:srgbClr val="EBEBEB">
+                  <a:alpha val="100000"/>
+                </a:srgbClr>
+              </a:solidFill>
+              <a:prstDash val="solid"/>
+              <a:round/>
+            </a:ln>
+          </p:spPr>
+          <p:txBody>
+            <a:bodyPr/>
+            <a:lstStyle/>
+            <a:p/>
+          </p:txBody>
+        </p:sp>
+        <p:sp>
+          <p:nvSpPr>
+            <p:cNvPr id="6" name="pl6"/>
+            <p:cNvSpPr/>
+            <p:nvPr/>
+          </p:nvSpPr>
+          <p:spPr>
+            <a:xfrm>
+              <a:off x="938418" y="2964966"/>
+              <a:ext cx="6738730" cy="0"/>
+            </a:xfrm>
+            <a:custGeom>
+              <a:avLst/>
+              <a:pathLst>
+                <a:path w="6738730" h="0">
+                  <a:moveTo>
+                    <a:pt x="0" y="0"/>
+                  </a:moveTo>
+                  <a:lnTo>
+                    <a:pt x="6738730" y="0"/>
+                  </a:lnTo>
+                  <a:lnTo>
+                    <a:pt x="6738730" y="0"/>
+                  </a:lnTo>
+                </a:path>
+              </a:pathLst>
+            </a:custGeom>
+            <a:ln w="6775" cap="flat">
+              <a:solidFill>
+                <a:srgbClr val="EBEBEB">
+                  <a:alpha val="100000"/>
+                </a:srgbClr>
+              </a:solidFill>
+              <a:prstDash val="solid"/>
+              <a:round/>
+            </a:ln>
+          </p:spPr>
+          <p:txBody>
+            <a:bodyPr/>
+            <a:lstStyle/>
+            <a:p/>
+          </p:txBody>
+        </p:sp>
+        <p:sp>
+          <p:nvSpPr>
+            <p:cNvPr id="7" name="pl7"/>
+            <p:cNvSpPr/>
+            <p:nvPr/>
+          </p:nvSpPr>
+          <p:spPr>
+            <a:xfrm>
+              <a:off x="938418" y="1931550"/>
+              <a:ext cx="6738730" cy="0"/>
+            </a:xfrm>
+            <a:custGeom>
+              <a:avLst/>
+              <a:pathLst>
+                <a:path w="6738730" h="0">
+                  <a:moveTo>
+                    <a:pt x="0" y="0"/>
+                  </a:moveTo>
+                  <a:lnTo>
+                    <a:pt x="6738730" y="0"/>
+                  </a:lnTo>
+                  <a:lnTo>
+                    <a:pt x="6738730" y="0"/>
+                  </a:lnTo>
+                </a:path>
+              </a:pathLst>
+            </a:custGeom>
+            <a:ln w="6775" cap="flat">
+              <a:solidFill>
+                <a:srgbClr val="EBEBEB">
+                  <a:alpha val="100000"/>
+                </a:srgbClr>
+              </a:solidFill>
+              <a:prstDash val="solid"/>
+              <a:round/>
+            </a:ln>
+          </p:spPr>
+          <p:txBody>
+            <a:bodyPr/>
+            <a:lstStyle/>
+            <a:p/>
+          </p:txBody>
+        </p:sp>
+        <p:sp>
+          <p:nvSpPr>
+            <p:cNvPr id="8" name="pl8"/>
+            <p:cNvSpPr/>
+            <p:nvPr/>
+          </p:nvSpPr>
+          <p:spPr>
+            <a:xfrm>
+              <a:off x="938418" y="5548506"/>
+              <a:ext cx="6738730" cy="0"/>
+            </a:xfrm>
+            <a:custGeom>
+              <a:avLst/>
+              <a:pathLst>
+                <a:path w="6738730" h="0">
+                  <a:moveTo>
+                    <a:pt x="0" y="0"/>
+                  </a:moveTo>
+                  <a:lnTo>
+                    <a:pt x="6738730" y="0"/>
+                  </a:lnTo>
+                  <a:lnTo>
+                    <a:pt x="6738730" y="0"/>
+                  </a:lnTo>
+                </a:path>
+              </a:pathLst>
+            </a:custGeom>
+            <a:ln w="13550" cap="flat">
+              <a:solidFill>
+                <a:srgbClr val="EBEBEB">
+                  <a:alpha val="100000"/>
+                </a:srgbClr>
+              </a:solidFill>
+              <a:prstDash val="solid"/>
+              <a:round/>
+            </a:ln>
+          </p:spPr>
+          <p:txBody>
+            <a:bodyPr/>
+            <a:lstStyle/>
+            <a:p/>
+          </p:txBody>
+        </p:sp>
+        <p:sp>
+          <p:nvSpPr>
+            <p:cNvPr id="9" name="pl9"/>
+            <p:cNvSpPr/>
+            <p:nvPr/>
+          </p:nvSpPr>
+          <p:spPr>
+            <a:xfrm>
+              <a:off x="938418" y="4515090"/>
+              <a:ext cx="6738730" cy="0"/>
+            </a:xfrm>
+            <a:custGeom>
+              <a:avLst/>
+              <a:pathLst>
+                <a:path w="6738730" h="0">
+                  <a:moveTo>
+                    <a:pt x="0" y="0"/>
+                  </a:moveTo>
+                  <a:lnTo>
+                    <a:pt x="6738730" y="0"/>
+                  </a:lnTo>
+                  <a:lnTo>
+                    <a:pt x="6738730" y="0"/>
+                  </a:lnTo>
+                </a:path>
+              </a:pathLst>
+            </a:custGeom>
+            <a:ln w="13550" cap="flat">
+              <a:solidFill>
+                <a:srgbClr val="EBEBEB">
+                  <a:alpha val="100000"/>
+                </a:srgbClr>
+              </a:solidFill>
+              <a:prstDash val="solid"/>
+              <a:round/>
+            </a:ln>
+          </p:spPr>
+          <p:txBody>
+            <a:bodyPr/>
+            <a:lstStyle/>
+            <a:p/>
+          </p:txBody>
+        </p:sp>
+        <p:sp>
+          <p:nvSpPr>
+            <p:cNvPr id="10" name="pl10"/>
+            <p:cNvSpPr/>
+            <p:nvPr/>
+          </p:nvSpPr>
+          <p:spPr>
+            <a:xfrm>
+              <a:off x="938418" y="3481674"/>
+              <a:ext cx="6738730" cy="0"/>
+            </a:xfrm>
+            <a:custGeom>
+              <a:avLst/>
+              <a:pathLst>
+                <a:path w="6738730" h="0">
+                  <a:moveTo>
+                    <a:pt x="0" y="0"/>
+                  </a:moveTo>
+                  <a:lnTo>
+                    <a:pt x="6738730" y="0"/>
+                  </a:lnTo>
+                  <a:lnTo>
+                    <a:pt x="6738730" y="0"/>
+                  </a:lnTo>
+                </a:path>
+              </a:pathLst>
+            </a:custGeom>
+            <a:ln w="13550" cap="flat">
+              <a:solidFill>
+                <a:srgbClr val="EBEBEB">
+                  <a:alpha val="100000"/>
+                </a:srgbClr>
+              </a:solidFill>
+              <a:prstDash val="solid"/>
+              <a:round/>
+            </a:ln>
+          </p:spPr>
+          <p:txBody>
+            <a:bodyPr/>
+            <a:lstStyle/>
+            <a:p/>
+          </p:txBody>
+        </p:sp>
+        <p:sp>
+          <p:nvSpPr>
+            <p:cNvPr id="11" name="pl11"/>
+            <p:cNvSpPr/>
+            <p:nvPr/>
+          </p:nvSpPr>
+          <p:spPr>
+            <a:xfrm>
+              <a:off x="938418" y="2448258"/>
+              <a:ext cx="6738730" cy="0"/>
+            </a:xfrm>
+            <a:custGeom>
+              <a:avLst/>
+              <a:pathLst>
+                <a:path w="6738730" h="0">
+                  <a:moveTo>
+                    <a:pt x="0" y="0"/>
+                  </a:moveTo>
+                  <a:lnTo>
+                    <a:pt x="6738730" y="0"/>
+                  </a:lnTo>
+                  <a:lnTo>
+                    <a:pt x="6738730" y="0"/>
+                  </a:lnTo>
+                </a:path>
+              </a:pathLst>
+            </a:custGeom>
+            <a:ln w="13550" cap="flat">
+              <a:solidFill>
+                <a:srgbClr val="EBEBEB">
+                  <a:alpha val="100000"/>
+                </a:srgbClr>
+              </a:solidFill>
+              <a:prstDash val="solid"/>
+              <a:round/>
+            </a:ln>
+          </p:spPr>
+          <p:txBody>
+            <a:bodyPr/>
+            <a:lstStyle/>
+            <a:p/>
+          </p:txBody>
+        </p:sp>
+        <p:sp>
+          <p:nvSpPr>
+            <p:cNvPr id="12" name="pl12"/>
+            <p:cNvSpPr/>
+            <p:nvPr/>
+          </p:nvSpPr>
+          <p:spPr>
+            <a:xfrm>
+              <a:off x="1715964" y="1886338"/>
+              <a:ext cx="0" cy="3836557"/>
+            </a:xfrm>
+            <a:custGeom>
+              <a:avLst/>
+              <a:pathLst>
+                <a:path w="0" h="3836557">
+                  <a:moveTo>
+                    <a:pt x="0" y="3836557"/>
+                  </a:moveTo>
+                  <a:lnTo>
+                    <a:pt x="0" y="0"/>
+                  </a:lnTo>
+                  <a:lnTo>
+                    <a:pt x="0" y="0"/>
+                  </a:lnTo>
+                </a:path>
+              </a:pathLst>
+            </a:custGeom>
+            <a:ln w="13550" cap="flat">
+              <a:solidFill>
+                <a:srgbClr val="EBEBEB">
+                  <a:alpha val="100000"/>
+                </a:srgbClr>
+              </a:solidFill>
+              <a:prstDash val="solid"/>
+              <a:round/>
+            </a:ln>
+          </p:spPr>
+          <p:txBody>
+            <a:bodyPr/>
+            <a:lstStyle/>
+            <a:p/>
+          </p:txBody>
+        </p:sp>
+        <p:sp>
+          <p:nvSpPr>
+            <p:cNvPr id="13" name="pl13"/>
+            <p:cNvSpPr/>
+            <p:nvPr/>
+          </p:nvSpPr>
+          <p:spPr>
+            <a:xfrm>
+              <a:off x="3011873" y="1886338"/>
+              <a:ext cx="0" cy="3836557"/>
+            </a:xfrm>
+            <a:custGeom>
+              <a:avLst/>
+              <a:pathLst>
+                <a:path w="0" h="3836557">
+                  <a:moveTo>
+                    <a:pt x="0" y="3836557"/>
+                  </a:moveTo>
+                  <a:lnTo>
+                    <a:pt x="0" y="0"/>
+                  </a:lnTo>
+                  <a:lnTo>
+                    <a:pt x="0" y="0"/>
+                  </a:lnTo>
+                </a:path>
+              </a:pathLst>
+            </a:custGeom>
+            <a:ln w="13550" cap="flat">
+              <a:solidFill>
+                <a:srgbClr val="EBEBEB">
+                  <a:alpha val="100000"/>
+                </a:srgbClr>
+              </a:solidFill>
+              <a:prstDash val="solid"/>
+              <a:round/>
+            </a:ln>
+          </p:spPr>
+          <p:txBody>
+            <a:bodyPr/>
+            <a:lstStyle/>
+            <a:p/>
+          </p:txBody>
+        </p:sp>
+        <p:sp>
+          <p:nvSpPr>
+            <p:cNvPr id="14" name="pl14"/>
+            <p:cNvSpPr/>
+            <p:nvPr/>
+          </p:nvSpPr>
+          <p:spPr>
+            <a:xfrm>
+              <a:off x="4307783" y="1886338"/>
+              <a:ext cx="0" cy="3836557"/>
+            </a:xfrm>
+            <a:custGeom>
+              <a:avLst/>
+              <a:pathLst>
+                <a:path w="0" h="3836557">
+                  <a:moveTo>
+                    <a:pt x="0" y="3836557"/>
+                  </a:moveTo>
+                  <a:lnTo>
+                    <a:pt x="0" y="0"/>
+                  </a:lnTo>
+                  <a:lnTo>
+                    <a:pt x="0" y="0"/>
+                  </a:lnTo>
+                </a:path>
+              </a:pathLst>
+            </a:custGeom>
+            <a:ln w="13550" cap="flat">
+              <a:solidFill>
+                <a:srgbClr val="EBEBEB">
+                  <a:alpha val="100000"/>
+                </a:srgbClr>
+              </a:solidFill>
+              <a:prstDash val="solid"/>
+              <a:round/>
+            </a:ln>
+          </p:spPr>
+          <p:txBody>
+            <a:bodyPr/>
+            <a:lstStyle/>
+            <a:p/>
+          </p:txBody>
+        </p:sp>
+        <p:sp>
+          <p:nvSpPr>
+            <p:cNvPr id="15" name="pl15"/>
+            <p:cNvSpPr/>
+            <p:nvPr/>
+          </p:nvSpPr>
+          <p:spPr>
+            <a:xfrm>
+              <a:off x="5603693" y="1886338"/>
+              <a:ext cx="0" cy="3836557"/>
+            </a:xfrm>
+            <a:custGeom>
+              <a:avLst/>
+              <a:pathLst>
+                <a:path w="0" h="3836557">
+                  <a:moveTo>
+                    <a:pt x="0" y="3836557"/>
+                  </a:moveTo>
+                  <a:lnTo>
+                    <a:pt x="0" y="0"/>
+                  </a:lnTo>
+                  <a:lnTo>
+                    <a:pt x="0" y="0"/>
+                  </a:lnTo>
+                </a:path>
+              </a:pathLst>
+            </a:custGeom>
+            <a:ln w="13550" cap="flat">
+              <a:solidFill>
+                <a:srgbClr val="EBEBEB">
+                  <a:alpha val="100000"/>
+                </a:srgbClr>
+              </a:solidFill>
+              <a:prstDash val="solid"/>
+              <a:round/>
+            </a:ln>
+          </p:spPr>
+          <p:txBody>
+            <a:bodyPr/>
+            <a:lstStyle/>
+            <a:p/>
+          </p:txBody>
+        </p:sp>
+        <p:sp>
+          <p:nvSpPr>
+            <p:cNvPr id="16" name="pl16"/>
+            <p:cNvSpPr/>
+            <p:nvPr/>
+          </p:nvSpPr>
+          <p:spPr>
+            <a:xfrm>
+              <a:off x="6899603" y="1886338"/>
+              <a:ext cx="0" cy="3836557"/>
+            </a:xfrm>
+            <a:custGeom>
+              <a:avLst/>
+              <a:pathLst>
+                <a:path w="0" h="3836557">
+                  <a:moveTo>
+                    <a:pt x="0" y="3836557"/>
+                  </a:moveTo>
+                  <a:lnTo>
+                    <a:pt x="0" y="0"/>
+                  </a:lnTo>
+                  <a:lnTo>
+                    <a:pt x="0" y="0"/>
+                  </a:lnTo>
+                </a:path>
+              </a:pathLst>
+            </a:custGeom>
+            <a:ln w="13550" cap="flat">
+              <a:solidFill>
+                <a:srgbClr val="EBEBEB">
+                  <a:alpha val="100000"/>
+                </a:srgbClr>
+              </a:solidFill>
+              <a:prstDash val="solid"/>
+              <a:round/>
+            </a:ln>
+          </p:spPr>
+          <p:txBody>
+            <a:bodyPr/>
+            <a:lstStyle/>
+            <a:p/>
+          </p:txBody>
+        </p:sp>
+        <p:sp>
+          <p:nvSpPr>
+            <p:cNvPr id="17" name="rc17"/>
+            <p:cNvSpPr/>
+            <p:nvPr/>
+          </p:nvSpPr>
+          <p:spPr>
+            <a:xfrm>
+              <a:off x="1715964" y="5000796"/>
+              <a:ext cx="583159" cy="547710"/>
+            </a:xfrm>
+            <a:prstGeom prst="rect">
+              <a:avLst/>
+            </a:prstGeom>
+            <a:solidFill>
+              <a:srgbClr val="00BFC4">
+                <a:alpha val="100000"/>
+              </a:srgbClr>
+            </a:solidFill>
+          </p:spPr>
+          <p:txBody>
+            <a:bodyPr/>
+            <a:lstStyle/>
+            <a:p/>
+          </p:txBody>
+        </p:sp>
+        <p:sp>
+          <p:nvSpPr>
+            <p:cNvPr id="18" name="rc18"/>
+            <p:cNvSpPr/>
+            <p:nvPr/>
+          </p:nvSpPr>
+          <p:spPr>
+            <a:xfrm>
+              <a:off x="1132804" y="4990462"/>
+              <a:ext cx="583159" cy="558044"/>
+            </a:xfrm>
+            <a:prstGeom prst="rect">
+              <a:avLst/>
+            </a:prstGeom>
+            <a:solidFill>
+              <a:srgbClr val="F8766D">
+                <a:alpha val="100000"/>
+              </a:srgbClr>
+            </a:solidFill>
+          </p:spPr>
+          <p:txBody>
+            <a:bodyPr/>
+            <a:lstStyle/>
+            <a:p/>
+          </p:txBody>
+        </p:sp>
+        <p:sp>
+          <p:nvSpPr>
+            <p:cNvPr id="19" name="rc19"/>
+            <p:cNvSpPr/>
+            <p:nvPr/>
+          </p:nvSpPr>
+          <p:spPr>
+            <a:xfrm>
+              <a:off x="3011873" y="3011470"/>
+              <a:ext cx="583159" cy="2537036"/>
+            </a:xfrm>
+            <a:prstGeom prst="rect">
+              <a:avLst/>
+            </a:prstGeom>
+            <a:solidFill>
+              <a:srgbClr val="00BFC4">
+                <a:alpha val="100000"/>
+              </a:srgbClr>
+            </a:solidFill>
+          </p:spPr>
+          <p:txBody>
+            <a:bodyPr/>
+            <a:lstStyle/>
+            <a:p/>
+          </p:txBody>
+        </p:sp>
+        <p:sp>
+          <p:nvSpPr>
+            <p:cNvPr id="20" name="rc20"/>
+            <p:cNvSpPr/>
+            <p:nvPr/>
+          </p:nvSpPr>
+          <p:spPr>
+            <a:xfrm>
+              <a:off x="2428714" y="3409335"/>
+              <a:ext cx="583159" cy="2139171"/>
+            </a:xfrm>
+            <a:prstGeom prst="rect">
+              <a:avLst/>
+            </a:prstGeom>
+            <a:solidFill>
+              <a:srgbClr val="F8766D">
+                <a:alpha val="100000"/>
+              </a:srgbClr>
+            </a:solidFill>
+          </p:spPr>
+          <p:txBody>
+            <a:bodyPr/>
+            <a:lstStyle/>
+            <a:p/>
+          </p:txBody>
+        </p:sp>
+        <p:sp>
+          <p:nvSpPr>
+            <p:cNvPr id="21" name="rc21"/>
+            <p:cNvSpPr/>
+            <p:nvPr/>
+          </p:nvSpPr>
+          <p:spPr>
+            <a:xfrm>
+              <a:off x="4307783" y="4933624"/>
+              <a:ext cx="583159" cy="614882"/>
+            </a:xfrm>
+            <a:prstGeom prst="rect">
+              <a:avLst/>
+            </a:prstGeom>
+            <a:solidFill>
+              <a:srgbClr val="00BFC4">
+                <a:alpha val="100000"/>
+              </a:srgbClr>
+            </a:solidFill>
+          </p:spPr>
+          <p:txBody>
+            <a:bodyPr/>
+            <a:lstStyle/>
+            <a:p/>
+          </p:txBody>
+        </p:sp>
+        <p:sp>
+          <p:nvSpPr>
+            <p:cNvPr id="22" name="rc22"/>
+            <p:cNvSpPr/>
+            <p:nvPr/>
+          </p:nvSpPr>
+          <p:spPr>
+            <a:xfrm>
+              <a:off x="3724624" y="4365245"/>
+              <a:ext cx="583159" cy="1183261"/>
+            </a:xfrm>
+            <a:prstGeom prst="rect">
+              <a:avLst/>
+            </a:prstGeom>
+            <a:solidFill>
+              <a:srgbClr val="F8766D">
+                <a:alpha val="100000"/>
+              </a:srgbClr>
+            </a:solidFill>
+          </p:spPr>
+          <p:txBody>
+            <a:bodyPr/>
+            <a:lstStyle/>
+            <a:p/>
+          </p:txBody>
+        </p:sp>
+        <p:sp>
+          <p:nvSpPr>
+            <p:cNvPr id="23" name="rc23"/>
+            <p:cNvSpPr/>
+            <p:nvPr/>
+          </p:nvSpPr>
+          <p:spPr>
+            <a:xfrm>
+              <a:off x="5603693" y="2138233"/>
+              <a:ext cx="583159" cy="3410273"/>
+            </a:xfrm>
+            <a:prstGeom prst="rect">
+              <a:avLst/>
+            </a:prstGeom>
+            <a:solidFill>
+              <a:srgbClr val="00BFC4">
+                <a:alpha val="100000"/>
+              </a:srgbClr>
+            </a:solidFill>
+          </p:spPr>
+          <p:txBody>
+            <a:bodyPr/>
+            <a:lstStyle/>
+            <a:p/>
+          </p:txBody>
+        </p:sp>
+        <p:sp>
+          <p:nvSpPr>
+            <p:cNvPr id="24" name="rc24"/>
+            <p:cNvSpPr/>
+            <p:nvPr/>
+          </p:nvSpPr>
+          <p:spPr>
+            <a:xfrm>
+              <a:off x="5020534" y="2060727"/>
+              <a:ext cx="583159" cy="3487779"/>
+            </a:xfrm>
+            <a:prstGeom prst="rect">
+              <a:avLst/>
+            </a:prstGeom>
+            <a:solidFill>
+              <a:srgbClr val="F8766D">
+                <a:alpha val="100000"/>
+              </a:srgbClr>
+            </a:solidFill>
+          </p:spPr>
+          <p:txBody>
+            <a:bodyPr/>
+            <a:lstStyle/>
+            <a:p/>
+          </p:txBody>
+        </p:sp>
+        <p:sp>
+          <p:nvSpPr>
+            <p:cNvPr id="25" name="rc25"/>
+            <p:cNvSpPr/>
+            <p:nvPr/>
+          </p:nvSpPr>
+          <p:spPr>
+            <a:xfrm>
+              <a:off x="6899603" y="2944298"/>
+              <a:ext cx="583159" cy="2604208"/>
+            </a:xfrm>
+            <a:prstGeom prst="rect">
+              <a:avLst/>
+            </a:prstGeom>
+            <a:solidFill>
+              <a:srgbClr val="00BFC4">
+                <a:alpha val="100000"/>
+              </a:srgbClr>
+            </a:solidFill>
+          </p:spPr>
+          <p:txBody>
+            <a:bodyPr/>
+            <a:lstStyle/>
+            <a:p/>
+          </p:txBody>
+        </p:sp>
+        <p:sp>
+          <p:nvSpPr>
+            <p:cNvPr id="26" name="rc26"/>
+            <p:cNvSpPr/>
+            <p:nvPr/>
+          </p:nvSpPr>
+          <p:spPr>
+            <a:xfrm>
+              <a:off x="6316443" y="2928796"/>
+              <a:ext cx="583159" cy="2619709"/>
+            </a:xfrm>
+            <a:prstGeom prst="rect">
+              <a:avLst/>
+            </a:prstGeom>
+            <a:solidFill>
+              <a:srgbClr val="F8766D">
+                <a:alpha val="100000"/>
+              </a:srgbClr>
+            </a:solidFill>
+          </p:spPr>
+          <p:txBody>
+            <a:bodyPr/>
+            <a:lstStyle/>
+            <a:p/>
+          </p:txBody>
+        </p:sp>
+        <p:sp>
+          <p:nvSpPr>
+            <p:cNvPr id="27" name="tx27"/>
+            <p:cNvSpPr/>
+            <p:nvPr/>
+          </p:nvSpPr>
+          <p:spPr>
+            <a:xfrm>
+              <a:off x="813632" y="5507824"/>
+              <a:ext cx="62155" cy="79126"/>
+            </a:xfrm>
+            <a:prstGeom prst="rect">
+              <a:avLst/>
+            </a:prstGeom>
+            <a:noFill/>
+          </p:spPr>
+          <p:txBody>
+            <a:bodyPr lIns="0" rIns="0" tIns="0" bIns="0" anchorCtr="1" anchor="ctr" wrap="none"/>
+            <a:lstStyle/>
+            <a:p>
+              <a:pPr algn="l" marL="0" marR="0" indent="0">
+                <a:lnSpc>
+                  <a:spcPts val="880"/>
+                </a:lnSpc>
+                <a:spcBef>
+                  <a:spcPts val="0"/>
+                </a:spcBef>
+                <a:spcAft>
+                  <a:spcPts val="0"/>
+                </a:spcAft>
+              </a:pPr>
+              <a:r>
+                <a:rPr sz="880">
+                  <a:solidFill>
+                    <a:srgbClr val="4D4D4D">
+                      <a:alpha val="100000"/>
+                    </a:srgbClr>
+                  </a:solidFill>
+                  <a:latin typeface="Liberation Sans"/>
+                  <a:cs typeface="Liberation Sans"/>
+                </a:rPr>
+                <a:t>0</a:t>
+              </a:r>
+            </a:p>
+          </p:txBody>
+        </p:sp>
+        <p:sp>
+          <p:nvSpPr>
+            <p:cNvPr id="28" name="tx28"/>
+            <p:cNvSpPr/>
+            <p:nvPr/>
+          </p:nvSpPr>
+          <p:spPr>
+            <a:xfrm>
+              <a:off x="689321" y="4474408"/>
+              <a:ext cx="186466" cy="79126"/>
+            </a:xfrm>
+            <a:prstGeom prst="rect">
+              <a:avLst/>
+            </a:prstGeom>
+            <a:noFill/>
+          </p:spPr>
+          <p:txBody>
+            <a:bodyPr lIns="0" rIns="0" tIns="0" bIns="0" anchorCtr="1" anchor="ctr" wrap="none"/>
+            <a:lstStyle/>
+            <a:p>
+              <a:pPr algn="l" marL="0" marR="0" indent="0">
+                <a:lnSpc>
+                  <a:spcPts val="880"/>
+                </a:lnSpc>
+                <a:spcBef>
+                  <a:spcPts val="0"/>
+                </a:spcBef>
+                <a:spcAft>
+                  <a:spcPts val="0"/>
+                </a:spcAft>
+              </a:pPr>
+              <a:r>
+                <a:rPr sz="880">
+                  <a:solidFill>
+                    <a:srgbClr val="4D4D4D">
+                      <a:alpha val="100000"/>
+                    </a:srgbClr>
+                  </a:solidFill>
+                  <a:latin typeface="Liberation Sans"/>
+                  <a:cs typeface="Liberation Sans"/>
+                </a:rPr>
+                <a:t>200</a:t>
+              </a:r>
+            </a:p>
+          </p:txBody>
+        </p:sp>
+        <p:sp>
+          <p:nvSpPr>
+            <p:cNvPr id="29" name="tx29"/>
+            <p:cNvSpPr/>
+            <p:nvPr/>
+          </p:nvSpPr>
+          <p:spPr>
+            <a:xfrm>
+              <a:off x="689321" y="3440992"/>
+              <a:ext cx="186466" cy="79126"/>
+            </a:xfrm>
+            <a:prstGeom prst="rect">
+              <a:avLst/>
+            </a:prstGeom>
+            <a:noFill/>
+          </p:spPr>
+          <p:txBody>
+            <a:bodyPr lIns="0" rIns="0" tIns="0" bIns="0" anchorCtr="1" anchor="ctr" wrap="none"/>
+            <a:lstStyle/>
+            <a:p>
+              <a:pPr algn="l" marL="0" marR="0" indent="0">
+                <a:lnSpc>
+                  <a:spcPts val="880"/>
+                </a:lnSpc>
+                <a:spcBef>
+                  <a:spcPts val="0"/>
+                </a:spcBef>
+                <a:spcAft>
+                  <a:spcPts val="0"/>
+                </a:spcAft>
+              </a:pPr>
+              <a:r>
+                <a:rPr sz="880">
+                  <a:solidFill>
+                    <a:srgbClr val="4D4D4D">
+                      <a:alpha val="100000"/>
+                    </a:srgbClr>
+                  </a:solidFill>
+                  <a:latin typeface="Liberation Sans"/>
+                  <a:cs typeface="Liberation Sans"/>
+                </a:rPr>
+                <a:t>400</a:t>
+              </a:r>
+            </a:p>
+          </p:txBody>
+        </p:sp>
+        <p:sp>
+          <p:nvSpPr>
+            <p:cNvPr id="30" name="tx30"/>
+            <p:cNvSpPr/>
+            <p:nvPr/>
+          </p:nvSpPr>
+          <p:spPr>
+            <a:xfrm>
+              <a:off x="689321" y="2407576"/>
+              <a:ext cx="186466" cy="79126"/>
+            </a:xfrm>
+            <a:prstGeom prst="rect">
+              <a:avLst/>
+            </a:prstGeom>
+            <a:noFill/>
+          </p:spPr>
+          <p:txBody>
+            <a:bodyPr lIns="0" rIns="0" tIns="0" bIns="0" anchorCtr="1" anchor="ctr" wrap="none"/>
+            <a:lstStyle/>
+            <a:p>
+              <a:pPr algn="l" marL="0" marR="0" indent="0">
+                <a:lnSpc>
+                  <a:spcPts val="880"/>
+                </a:lnSpc>
+                <a:spcBef>
+                  <a:spcPts val="0"/>
+                </a:spcBef>
+                <a:spcAft>
+                  <a:spcPts val="0"/>
+                </a:spcAft>
+              </a:pPr>
+              <a:r>
+                <a:rPr sz="880">
+                  <a:solidFill>
+                    <a:srgbClr val="4D4D4D">
+                      <a:alpha val="100000"/>
+                    </a:srgbClr>
+                  </a:solidFill>
+                  <a:latin typeface="Liberation Sans"/>
+                  <a:cs typeface="Liberation Sans"/>
+                </a:rPr>
+                <a:t>600</a:t>
+              </a:r>
+            </a:p>
+          </p:txBody>
+        </p:sp>
+        <p:sp>
+          <p:nvSpPr>
+            <p:cNvPr id="31" name="tx31"/>
+            <p:cNvSpPr/>
+            <p:nvPr/>
+          </p:nvSpPr>
+          <p:spPr>
+            <a:xfrm>
+              <a:off x="1557519" y="5758240"/>
+              <a:ext cx="316889" cy="104174"/>
+            </a:xfrm>
+            <a:prstGeom prst="rect">
+              <a:avLst/>
+            </a:prstGeom>
+            <a:noFill/>
+          </p:spPr>
+          <p:txBody>
+            <a:bodyPr lIns="0" rIns="0" tIns="0" bIns="0" anchorCtr="1" anchor="ctr" wrap="none"/>
+            <a:lstStyle/>
+            <a:p>
+              <a:pPr algn="l" marL="0" marR="0" indent="0">
+                <a:lnSpc>
+                  <a:spcPts val="880"/>
+                </a:lnSpc>
+                <a:spcBef>
+                  <a:spcPts val="0"/>
+                </a:spcBef>
+                <a:spcAft>
+                  <a:spcPts val="0"/>
+                </a:spcAft>
+              </a:pPr>
+              <a:r>
+                <a:rPr sz="880">
+                  <a:solidFill>
+                    <a:srgbClr val="4D4D4D">
+                      <a:alpha val="100000"/>
+                    </a:srgbClr>
+                  </a:solidFill>
+                  <a:latin typeface="Liberation Sans"/>
+                  <a:cs typeface="Liberation Sans"/>
+                </a:rPr>
+                <a:t>Eating</a:t>
+              </a:r>
+            </a:p>
+          </p:txBody>
+        </p:sp>
+        <p:sp>
+          <p:nvSpPr>
+            <p:cNvPr id="32" name="tx32"/>
+            <p:cNvSpPr/>
+            <p:nvPr/>
+          </p:nvSpPr>
+          <p:spPr>
+            <a:xfrm>
+              <a:off x="2701314" y="5758240"/>
+              <a:ext cx="621119" cy="104174"/>
+            </a:xfrm>
+            <a:prstGeom prst="rect">
+              <a:avLst/>
+            </a:prstGeom>
+            <a:noFill/>
+          </p:spPr>
+          <p:txBody>
+            <a:bodyPr lIns="0" rIns="0" tIns="0" bIns="0" anchorCtr="1" anchor="ctr" wrap="none"/>
+            <a:lstStyle/>
+            <a:p>
+              <a:pPr algn="l" marL="0" marR="0" indent="0">
+                <a:lnSpc>
+                  <a:spcPts val="880"/>
+                </a:lnSpc>
+                <a:spcBef>
+                  <a:spcPts val="0"/>
+                </a:spcBef>
+                <a:spcAft>
+                  <a:spcPts val="0"/>
+                </a:spcAft>
+              </a:pPr>
+              <a:r>
+                <a:rPr sz="880">
+                  <a:solidFill>
+                    <a:srgbClr val="4D4D4D">
+                      <a:alpha val="100000"/>
+                    </a:srgbClr>
+                  </a:solidFill>
+                  <a:latin typeface="Liberation Sans"/>
+                  <a:cs typeface="Liberation Sans"/>
+                </a:rPr>
+                <a:t>Employment</a:t>
+              </a:r>
+            </a:p>
+          </p:txBody>
+        </p:sp>
+        <p:sp>
+          <p:nvSpPr>
+            <p:cNvPr id="33" name="tx33"/>
+            <p:cNvSpPr/>
+            <p:nvPr/>
+          </p:nvSpPr>
+          <p:spPr>
+            <a:xfrm>
+              <a:off x="3646173" y="5758240"/>
+              <a:ext cx="1323220" cy="104174"/>
+            </a:xfrm>
+            <a:prstGeom prst="rect">
+              <a:avLst/>
+            </a:prstGeom>
+            <a:noFill/>
+          </p:spPr>
+          <p:txBody>
+            <a:bodyPr lIns="0" rIns="0" tIns="0" bIns="0" anchorCtr="1" anchor="ctr" wrap="none"/>
+            <a:lstStyle/>
+            <a:p>
+              <a:pPr algn="l" marL="0" marR="0" indent="0">
+                <a:lnSpc>
+                  <a:spcPts val="880"/>
+                </a:lnSpc>
+                <a:spcBef>
+                  <a:spcPts val="0"/>
+                </a:spcBef>
+                <a:spcAft>
+                  <a:spcPts val="0"/>
+                </a:spcAft>
+              </a:pPr>
+              <a:r>
+                <a:rPr sz="880">
+                  <a:solidFill>
+                    <a:srgbClr val="4D4D4D">
+                      <a:alpha val="100000"/>
+                    </a:srgbClr>
+                  </a:solidFill>
+                  <a:latin typeface="Liberation Sans"/>
+                  <a:cs typeface="Liberation Sans"/>
+                </a:rPr>
+                <a:t>Household and family care</a:t>
+              </a:r>
+            </a:p>
+          </p:txBody>
+        </p:sp>
+        <p:sp>
+          <p:nvSpPr>
+            <p:cNvPr id="34" name="tx34"/>
+            <p:cNvSpPr/>
+            <p:nvPr/>
+          </p:nvSpPr>
+          <p:spPr>
+            <a:xfrm>
+              <a:off x="5258918" y="5780341"/>
+              <a:ext cx="689550" cy="82073"/>
+            </a:xfrm>
+            <a:prstGeom prst="rect">
+              <a:avLst/>
+            </a:prstGeom>
+            <a:noFill/>
+          </p:spPr>
+          <p:txBody>
+            <a:bodyPr lIns="0" rIns="0" tIns="0" bIns="0" anchorCtr="1" anchor="ctr" wrap="none"/>
+            <a:lstStyle/>
+            <a:p>
+              <a:pPr algn="l" marL="0" marR="0" indent="0">
+                <a:lnSpc>
+                  <a:spcPts val="880"/>
+                </a:lnSpc>
+                <a:spcBef>
+                  <a:spcPts val="0"/>
+                </a:spcBef>
+                <a:spcAft>
+                  <a:spcPts val="0"/>
+                </a:spcAft>
+              </a:pPr>
+              <a:r>
+                <a:rPr sz="880">
+                  <a:solidFill>
+                    <a:srgbClr val="4D4D4D">
+                      <a:alpha val="100000"/>
+                    </a:srgbClr>
+                  </a:solidFill>
+                  <a:latin typeface="Liberation Sans"/>
+                  <a:cs typeface="Liberation Sans"/>
+                </a:rPr>
+                <a:t>Personal care</a:t>
+              </a:r>
+            </a:p>
+          </p:txBody>
+        </p:sp>
+        <p:sp>
+          <p:nvSpPr>
+            <p:cNvPr id="35" name="tx35"/>
+            <p:cNvSpPr/>
+            <p:nvPr/>
+          </p:nvSpPr>
+          <p:spPr>
+            <a:xfrm>
+              <a:off x="6756683" y="5758240"/>
+              <a:ext cx="285839" cy="104174"/>
+            </a:xfrm>
+            <a:prstGeom prst="rect">
+              <a:avLst/>
+            </a:prstGeom>
+            <a:noFill/>
+          </p:spPr>
+          <p:txBody>
+            <a:bodyPr lIns="0" rIns="0" tIns="0" bIns="0" anchorCtr="1" anchor="ctr" wrap="none"/>
+            <a:lstStyle/>
+            <a:p>
+              <a:pPr algn="l" marL="0" marR="0" indent="0">
+                <a:lnSpc>
+                  <a:spcPts val="880"/>
+                </a:lnSpc>
+                <a:spcBef>
+                  <a:spcPts val="0"/>
+                </a:spcBef>
+                <a:spcAft>
+                  <a:spcPts val="0"/>
+                </a:spcAft>
+              </a:pPr>
+              <a:r>
+                <a:rPr sz="880">
+                  <a:solidFill>
+                    <a:srgbClr val="4D4D4D">
+                      <a:alpha val="100000"/>
+                    </a:srgbClr>
+                  </a:solidFill>
+                  <a:latin typeface="Liberation Sans"/>
+                  <a:cs typeface="Liberation Sans"/>
+                </a:rPr>
+                <a:t>Sleep</a:t>
+              </a:r>
+            </a:p>
+          </p:txBody>
+        </p:sp>
+        <p:sp>
+          <p:nvSpPr>
+            <p:cNvPr id="36" name="tx36"/>
+            <p:cNvSpPr/>
+            <p:nvPr/>
+          </p:nvSpPr>
+          <p:spPr>
+            <a:xfrm>
+              <a:off x="4032203" y="5922355"/>
+              <a:ext cx="551160" cy="102592"/>
+            </a:xfrm>
+            <a:prstGeom prst="rect">
+              <a:avLst/>
+            </a:prstGeom>
+            <a:noFill/>
+          </p:spPr>
+          <p:txBody>
+            <a:bodyPr lIns="0" rIns="0" tIns="0" bIns="0" anchorCtr="1" anchor="ctr" wrap="none"/>
+            <a:lstStyle/>
+            <a:p>
+              <a:pPr algn="l" marL="0" marR="0" indent="0">
+                <a:lnSpc>
+                  <a:spcPts val="1100"/>
+                </a:lnSpc>
+                <a:spcBef>
+                  <a:spcPts val="0"/>
+                </a:spcBef>
+                <a:spcAft>
+                  <a:spcPts val="0"/>
+                </a:spcAft>
+              </a:pPr>
+              <a:r>
+                <a:rPr sz="1100">
+                  <a:solidFill>
+                    <a:srgbClr val="000000">
+                      <a:alpha val="100000"/>
+                    </a:srgbClr>
+                  </a:solidFill>
+                  <a:latin typeface="Liberation Sans"/>
+                  <a:cs typeface="Liberation Sans"/>
+                </a:rPr>
+                <a:t>Activities</a:t>
+              </a:r>
+            </a:p>
+          </p:txBody>
+        </p:sp>
+        <p:sp>
+          <p:nvSpPr>
+            <p:cNvPr id="37" name="tx37"/>
+            <p:cNvSpPr/>
+            <p:nvPr/>
+          </p:nvSpPr>
+          <p:spPr>
+            <a:xfrm rot="-5400000">
+              <a:off x="78630" y="3753321"/>
+              <a:ext cx="985949" cy="102592"/>
+            </a:xfrm>
+            <a:prstGeom prst="rect">
+              <a:avLst/>
+            </a:prstGeom>
+            <a:noFill/>
+          </p:spPr>
+          <p:txBody>
+            <a:bodyPr lIns="0" rIns="0" tIns="0" bIns="0" anchorCtr="1" anchor="ctr" wrap="none"/>
+            <a:lstStyle/>
+            <a:p>
+              <a:pPr algn="l" marL="0" marR="0" indent="0">
+                <a:lnSpc>
+                  <a:spcPts val="1100"/>
+                </a:lnSpc>
+                <a:spcBef>
+                  <a:spcPts val="0"/>
+                </a:spcBef>
+                <a:spcAft>
+                  <a:spcPts val="0"/>
+                </a:spcAft>
+              </a:pPr>
+              <a:r>
+                <a:rPr sz="1100">
+                  <a:solidFill>
+                    <a:srgbClr val="000000">
+                      <a:alpha val="100000"/>
+                    </a:srgbClr>
+                  </a:solidFill>
+                  <a:latin typeface="Liberation Sans"/>
+                  <a:cs typeface="Liberation Sans"/>
+                </a:rPr>
+                <a:t>Time in minutes</a:t>
+              </a:r>
+            </a:p>
+          </p:txBody>
+        </p:sp>
+        <p:sp>
+          <p:nvSpPr>
+            <p:cNvPr id="38" name="tx38"/>
+            <p:cNvSpPr/>
+            <p:nvPr/>
+          </p:nvSpPr>
+          <p:spPr>
+            <a:xfrm>
+              <a:off x="7885916" y="3468204"/>
+              <a:ext cx="644748" cy="130218"/>
+            </a:xfrm>
+            <a:prstGeom prst="rect">
+              <a:avLst/>
+            </a:prstGeom>
+            <a:noFill/>
+          </p:spPr>
+          <p:txBody>
+            <a:bodyPr lIns="0" rIns="0" tIns="0" bIns="0" anchorCtr="1" anchor="ctr" wrap="none"/>
+            <a:lstStyle/>
+            <a:p>
+              <a:pPr algn="l" marL="0" marR="0" indent="0">
+                <a:lnSpc>
+                  <a:spcPts val="1100"/>
+                </a:lnSpc>
+                <a:spcBef>
+                  <a:spcPts val="0"/>
+                </a:spcBef>
+                <a:spcAft>
+                  <a:spcPts val="0"/>
+                </a:spcAft>
+              </a:pPr>
+              <a:r>
+                <a:rPr sz="1100">
+                  <a:solidFill>
+                    <a:srgbClr val="000000">
+                      <a:alpha val="100000"/>
+                    </a:srgbClr>
+                  </a:solidFill>
+                  <a:latin typeface="Liberation Sans"/>
+                  <a:cs typeface="Liberation Sans"/>
+                </a:rPr>
+                <a:t>population</a:t>
+              </a:r>
+            </a:p>
+          </p:txBody>
+        </p:sp>
+        <p:sp>
+          <p:nvSpPr>
+            <p:cNvPr id="39" name="rc39"/>
+            <p:cNvSpPr/>
+            <p:nvPr/>
+          </p:nvSpPr>
+          <p:spPr>
+            <a:xfrm>
+              <a:off x="7894916" y="3692824"/>
+              <a:ext cx="201455" cy="201456"/>
+            </a:xfrm>
+            <a:prstGeom prst="rect">
+              <a:avLst/>
+            </a:prstGeom>
+            <a:solidFill>
+              <a:srgbClr val="F8766D">
+                <a:alpha val="100000"/>
+              </a:srgbClr>
+            </a:solidFill>
+          </p:spPr>
+          <p:txBody>
+            <a:bodyPr/>
+            <a:lstStyle/>
+            <a:p/>
+          </p:txBody>
+        </p:sp>
+        <p:sp>
+          <p:nvSpPr>
+            <p:cNvPr id="40" name="rc40"/>
+            <p:cNvSpPr/>
+            <p:nvPr/>
+          </p:nvSpPr>
+          <p:spPr>
+            <a:xfrm>
+              <a:off x="7894916" y="3912280"/>
+              <a:ext cx="201455" cy="201456"/>
+            </a:xfrm>
+            <a:prstGeom prst="rect">
+              <a:avLst/>
+            </a:prstGeom>
+            <a:solidFill>
+              <a:srgbClr val="00BFC4">
+                <a:alpha val="100000"/>
+              </a:srgbClr>
+            </a:solidFill>
+          </p:spPr>
+          <p:txBody>
+            <a:bodyPr/>
+            <a:lstStyle/>
+            <a:p/>
+          </p:txBody>
+        </p:sp>
+        <p:sp>
+          <p:nvSpPr>
+            <p:cNvPr id="41" name="tx41"/>
+            <p:cNvSpPr/>
+            <p:nvPr/>
+          </p:nvSpPr>
+          <p:spPr>
+            <a:xfrm>
+              <a:off x="8174961" y="3749923"/>
+              <a:ext cx="372660" cy="82073"/>
+            </a:xfrm>
+            <a:prstGeom prst="rect">
+              <a:avLst/>
+            </a:prstGeom>
+            <a:noFill/>
+          </p:spPr>
+          <p:txBody>
+            <a:bodyPr lIns="0" rIns="0" tIns="0" bIns="0" anchorCtr="1" anchor="ctr" wrap="none"/>
+            <a:lstStyle/>
+            <a:p>
+              <a:pPr algn="l" marL="0" marR="0" indent="0">
+                <a:lnSpc>
+                  <a:spcPts val="880"/>
+                </a:lnSpc>
+                <a:spcBef>
+                  <a:spcPts val="0"/>
+                </a:spcBef>
+                <a:spcAft>
+                  <a:spcPts val="0"/>
+                </a:spcAft>
+              </a:pPr>
+              <a:r>
+                <a:rPr sz="880">
+                  <a:solidFill>
+                    <a:srgbClr val="000000">
+                      <a:alpha val="100000"/>
+                    </a:srgbClr>
+                  </a:solidFill>
+                  <a:latin typeface="Liberation Sans"/>
+                  <a:cs typeface="Liberation Sans"/>
+                </a:rPr>
+                <a:t>Female</a:t>
+              </a:r>
+            </a:p>
+          </p:txBody>
+        </p:sp>
+        <p:sp>
+          <p:nvSpPr>
+            <p:cNvPr id="42" name="tx42"/>
+            <p:cNvSpPr/>
+            <p:nvPr/>
+          </p:nvSpPr>
+          <p:spPr>
+            <a:xfrm>
+              <a:off x="8174961" y="3969379"/>
+              <a:ext cx="242237" cy="82073"/>
+            </a:xfrm>
+            <a:prstGeom prst="rect">
+              <a:avLst/>
+            </a:prstGeom>
+            <a:noFill/>
+          </p:spPr>
+          <p:txBody>
+            <a:bodyPr lIns="0" rIns="0" tIns="0" bIns="0" anchorCtr="1" anchor="ctr" wrap="none"/>
+            <a:lstStyle/>
+            <a:p>
+              <a:pPr algn="l" marL="0" marR="0" indent="0">
+                <a:lnSpc>
+                  <a:spcPts val="880"/>
+                </a:lnSpc>
+                <a:spcBef>
+                  <a:spcPts val="0"/>
+                </a:spcBef>
+                <a:spcAft>
+                  <a:spcPts val="0"/>
+                </a:spcAft>
+              </a:pPr>
+              <a:r>
+                <a:rPr sz="880">
+                  <a:solidFill>
+                    <a:srgbClr val="000000">
+                      <a:alpha val="100000"/>
+                    </a:srgbClr>
+                  </a:solidFill>
+                  <a:latin typeface="Liberation Sans"/>
+                  <a:cs typeface="Liberation Sans"/>
+                </a:rPr>
+                <a:t>Male</a:t>
+              </a:r>
+            </a:p>
+          </p:txBody>
+        </p:sp>
+        <p:sp>
+          <p:nvSpPr>
+            <p:cNvPr id="43" name="tx43"/>
+            <p:cNvSpPr/>
+            <p:nvPr/>
+          </p:nvSpPr>
+          <p:spPr>
+            <a:xfrm>
+              <a:off x="938418" y="1628861"/>
+              <a:ext cx="2143221" cy="156262"/>
+            </a:xfrm>
+            <a:prstGeom prst="rect">
+              <a:avLst/>
+            </a:prstGeom>
+            <a:noFill/>
+          </p:spPr>
+          <p:txBody>
+            <a:bodyPr lIns="0" rIns="0" tIns="0" bIns="0" anchorCtr="1" anchor="ctr" wrap="none"/>
+            <a:lstStyle/>
+            <a:p>
+              <a:pPr algn="l" marL="0" marR="0" indent="0">
+                <a:lnSpc>
+                  <a:spcPts val="1320"/>
+                </a:lnSpc>
+                <a:spcBef>
+                  <a:spcPts val="0"/>
+                </a:spcBef>
+                <a:spcAft>
+                  <a:spcPts val="0"/>
+                </a:spcAft>
+              </a:pPr>
+              <a:r>
+                <a:rPr sz="1320">
+                  <a:solidFill>
+                    <a:srgbClr val="000000">
+                      <a:alpha val="100000"/>
+                    </a:srgbClr>
+                  </a:solidFill>
+                  <a:latin typeface="Liberation Sans"/>
+                  <a:cs typeface="Liberation Sans"/>
+                </a:rPr>
+                <a:t>Year 2014_Monday til Friday</a:t>
+              </a:r>
+            </a:p>
+          </p:txBody>
+        </p:sp>
+      </p:grpSp>
+    </p:spTree>
+  </p:cSld>
+  <p:clrMapOvr>
+    <a:masterClrMapping/>
+  </p:clrMapOvr>
+</p:sld>
+</file>
+
+<file path=ppt/slides/slide17.xml><?xml version="1.0" encoding="utf-8"?>
+<p:sld xmlns:a="http://schemas.openxmlformats.org/drawingml/2006/main" xmlns:r="http://schemas.openxmlformats.org/officeDocument/2006/relationships" xmlns:p="http://schemas.openxmlformats.org/presentationml/2006/main">
+  <p:cSld>
+    <p:spTree>
+      <p:nvGrpSpPr>
+        <p:cNvPr id="1" name=""/>
+        <p:cNvGrpSpPr/>
+        <p:nvPr/>
+      </p:nvGrpSpPr>
+      <p:grpSpPr>
+        <a:xfrm>
+          <a:off x="0" y="0"/>
+          <a:ext cx="0" cy="0"/>
+          <a:chOff x="0" y="0"/>
+          <a:chExt cx="0" cy="0"/>
+        </a:xfrm>
+      </p:grpSpPr>
+      <p:grpSp xmlns:a="http://schemas.openxmlformats.org/drawingml/2006/main" xmlns:r="http://schemas.openxmlformats.org/officeDocument/2006/relationships" xmlns:p="http://schemas.openxmlformats.org/presentationml/2006/main" xmlns:pic="http://schemas.openxmlformats.org/drawingml/2006/picture">
+        <p:nvGrpSpPr>
+          <p:cNvPr id="2" name="grp1"/>
+          <p:cNvGrpSpPr/>
+          <p:nvPr/>
+        </p:nvGrpSpPr>
+        <p:grpSpPr>
+          <a:xfrm>
+            <a:off x="457200" y="1600200"/>
+            <a:ext cx="8229600" cy="4525962"/>
+            <a:chOff x="457200" y="1600200"/>
+            <a:chExt cx="8229600" cy="4525962"/>
+          </a:xfrm>
+        </p:grpSpPr>
+        <p:sp>
+          <p:nvSpPr>
+            <p:cNvPr id="3" name="rc3"/>
+            <p:cNvSpPr/>
+            <p:nvPr/>
+          </p:nvSpPr>
+          <p:spPr>
+            <a:xfrm>
+              <a:off x="457200" y="1600200"/>
+              <a:ext cx="8229600" cy="4525962"/>
+            </a:xfrm>
+            <a:prstGeom prst="rect">
+              <a:avLst/>
+            </a:prstGeom>
+            <a:solidFill>
+              <a:srgbClr val="FFFFFF">
+                <a:alpha val="100000"/>
+              </a:srgbClr>
+            </a:solidFill>
+            <a:ln w="9525" cap="rnd">
+              <a:solidFill>
+                <a:srgbClr val="FFFFFF">
+                  <a:alpha val="100000"/>
+                </a:srgbClr>
+              </a:solidFill>
+              <a:prstDash val="solid"/>
+              <a:round/>
+            </a:ln>
+          </p:spPr>
+          <p:txBody>
+            <a:bodyPr/>
+            <a:lstStyle/>
+            <a:p/>
+          </p:txBody>
+        </p:sp>
+        <p:sp>
+          <p:nvSpPr>
+            <p:cNvPr id="4" name="pl4"/>
+            <p:cNvSpPr/>
+            <p:nvPr/>
+          </p:nvSpPr>
+          <p:spPr>
+            <a:xfrm>
+              <a:off x="938418" y="5081601"/>
+              <a:ext cx="6738730" cy="0"/>
+            </a:xfrm>
+            <a:custGeom>
+              <a:avLst/>
+              <a:pathLst>
+                <a:path w="6738730" h="0">
+                  <a:moveTo>
+                    <a:pt x="0" y="0"/>
+                  </a:moveTo>
+                  <a:lnTo>
+                    <a:pt x="6738730" y="0"/>
+                  </a:lnTo>
+                  <a:lnTo>
+                    <a:pt x="6738730" y="0"/>
+                  </a:lnTo>
+                </a:path>
+              </a:pathLst>
+            </a:custGeom>
+            <a:ln w="6775" cap="flat">
+              <a:solidFill>
+                <a:srgbClr val="EBEBEB">
+                  <a:alpha val="100000"/>
+                </a:srgbClr>
+              </a:solidFill>
+              <a:prstDash val="solid"/>
+              <a:round/>
+            </a:ln>
+          </p:spPr>
+          <p:txBody>
+            <a:bodyPr/>
+            <a:lstStyle/>
+            <a:p/>
+          </p:txBody>
+        </p:sp>
+        <p:sp>
+          <p:nvSpPr>
+            <p:cNvPr id="5" name="pl5"/>
+            <p:cNvSpPr/>
+            <p:nvPr/>
+          </p:nvSpPr>
+          <p:spPr>
+            <a:xfrm>
+              <a:off x="938418" y="4147792"/>
+              <a:ext cx="6738730" cy="0"/>
+            </a:xfrm>
+            <a:custGeom>
+              <a:avLst/>
+              <a:pathLst>
+                <a:path w="6738730" h="0">
+                  <a:moveTo>
+                    <a:pt x="0" y="0"/>
+                  </a:moveTo>
+                  <a:lnTo>
+                    <a:pt x="6738730" y="0"/>
+                  </a:lnTo>
+                  <a:lnTo>
+                    <a:pt x="6738730" y="0"/>
+                  </a:lnTo>
+                </a:path>
+              </a:pathLst>
+            </a:custGeom>
+            <a:ln w="6775" cap="flat">
+              <a:solidFill>
+                <a:srgbClr val="EBEBEB">
+                  <a:alpha val="100000"/>
+                </a:srgbClr>
+              </a:solidFill>
+              <a:prstDash val="solid"/>
+              <a:round/>
+            </a:ln>
+          </p:spPr>
+          <p:txBody>
+            <a:bodyPr/>
+            <a:lstStyle/>
+            <a:p/>
+          </p:txBody>
+        </p:sp>
+        <p:sp>
+          <p:nvSpPr>
+            <p:cNvPr id="6" name="pl6"/>
+            <p:cNvSpPr/>
+            <p:nvPr/>
+          </p:nvSpPr>
+          <p:spPr>
+            <a:xfrm>
+              <a:off x="938418" y="3213982"/>
+              <a:ext cx="6738730" cy="0"/>
+            </a:xfrm>
+            <a:custGeom>
+              <a:avLst/>
+              <a:pathLst>
+                <a:path w="6738730" h="0">
+                  <a:moveTo>
+                    <a:pt x="0" y="0"/>
+                  </a:moveTo>
+                  <a:lnTo>
+                    <a:pt x="6738730" y="0"/>
+                  </a:lnTo>
+                  <a:lnTo>
+                    <a:pt x="6738730" y="0"/>
+                  </a:lnTo>
+                </a:path>
+              </a:pathLst>
+            </a:custGeom>
+            <a:ln w="6775" cap="flat">
+              <a:solidFill>
+                <a:srgbClr val="EBEBEB">
+                  <a:alpha val="100000"/>
+                </a:srgbClr>
+              </a:solidFill>
+              <a:prstDash val="solid"/>
+              <a:round/>
+            </a:ln>
+          </p:spPr>
+          <p:txBody>
+            <a:bodyPr/>
+            <a:lstStyle/>
+            <a:p/>
+          </p:txBody>
+        </p:sp>
+        <p:sp>
+          <p:nvSpPr>
+            <p:cNvPr id="7" name="pl7"/>
+            <p:cNvSpPr/>
+            <p:nvPr/>
+          </p:nvSpPr>
+          <p:spPr>
+            <a:xfrm>
+              <a:off x="938418" y="2280172"/>
+              <a:ext cx="6738730" cy="0"/>
+            </a:xfrm>
+            <a:custGeom>
+              <a:avLst/>
+              <a:pathLst>
+                <a:path w="6738730" h="0">
+                  <a:moveTo>
+                    <a:pt x="0" y="0"/>
+                  </a:moveTo>
+                  <a:lnTo>
+                    <a:pt x="6738730" y="0"/>
+                  </a:lnTo>
+                  <a:lnTo>
+                    <a:pt x="6738730" y="0"/>
+                  </a:lnTo>
+                </a:path>
+              </a:pathLst>
+            </a:custGeom>
+            <a:ln w="6775" cap="flat">
+              <a:solidFill>
+                <a:srgbClr val="EBEBEB">
+                  <a:alpha val="100000"/>
+                </a:srgbClr>
+              </a:solidFill>
+              <a:prstDash val="solid"/>
+              <a:round/>
+            </a:ln>
+          </p:spPr>
+          <p:txBody>
+            <a:bodyPr/>
+            <a:lstStyle/>
+            <a:p/>
+          </p:txBody>
+        </p:sp>
+        <p:sp>
+          <p:nvSpPr>
+            <p:cNvPr id="8" name="pl8"/>
+            <p:cNvSpPr/>
+            <p:nvPr/>
+          </p:nvSpPr>
+          <p:spPr>
+            <a:xfrm>
+              <a:off x="938418" y="5548506"/>
+              <a:ext cx="6738730" cy="0"/>
+            </a:xfrm>
+            <a:custGeom>
+              <a:avLst/>
+              <a:pathLst>
+                <a:path w="6738730" h="0">
+                  <a:moveTo>
+                    <a:pt x="0" y="0"/>
+                  </a:moveTo>
+                  <a:lnTo>
+                    <a:pt x="6738730" y="0"/>
+                  </a:lnTo>
+                  <a:lnTo>
+                    <a:pt x="6738730" y="0"/>
+                  </a:lnTo>
+                </a:path>
+              </a:pathLst>
+            </a:custGeom>
+            <a:ln w="13550" cap="flat">
+              <a:solidFill>
+                <a:srgbClr val="EBEBEB">
+                  <a:alpha val="100000"/>
+                </a:srgbClr>
+              </a:solidFill>
+              <a:prstDash val="solid"/>
+              <a:round/>
+            </a:ln>
+          </p:spPr>
+          <p:txBody>
+            <a:bodyPr/>
+            <a:lstStyle/>
+            <a:p/>
+          </p:txBody>
+        </p:sp>
+        <p:sp>
+          <p:nvSpPr>
+            <p:cNvPr id="9" name="pl9"/>
+            <p:cNvSpPr/>
+            <p:nvPr/>
+          </p:nvSpPr>
+          <p:spPr>
+            <a:xfrm>
+              <a:off x="938418" y="4614697"/>
+              <a:ext cx="6738730" cy="0"/>
+            </a:xfrm>
+            <a:custGeom>
+              <a:avLst/>
+              <a:pathLst>
+                <a:path w="6738730" h="0">
+                  <a:moveTo>
+                    <a:pt x="0" y="0"/>
+                  </a:moveTo>
+                  <a:lnTo>
+                    <a:pt x="6738730" y="0"/>
+                  </a:lnTo>
+                  <a:lnTo>
+                    <a:pt x="6738730" y="0"/>
+                  </a:lnTo>
+                </a:path>
+              </a:pathLst>
+            </a:custGeom>
+            <a:ln w="13550" cap="flat">
+              <a:solidFill>
+                <a:srgbClr val="EBEBEB">
+                  <a:alpha val="100000"/>
+                </a:srgbClr>
+              </a:solidFill>
+              <a:prstDash val="solid"/>
+              <a:round/>
+            </a:ln>
+          </p:spPr>
+          <p:txBody>
+            <a:bodyPr/>
+            <a:lstStyle/>
+            <a:p/>
+          </p:txBody>
+        </p:sp>
+        <p:sp>
+          <p:nvSpPr>
+            <p:cNvPr id="10" name="pl10"/>
+            <p:cNvSpPr/>
+            <p:nvPr/>
+          </p:nvSpPr>
+          <p:spPr>
+            <a:xfrm>
+              <a:off x="938418" y="3680887"/>
+              <a:ext cx="6738730" cy="0"/>
+            </a:xfrm>
+            <a:custGeom>
+              <a:avLst/>
+              <a:pathLst>
+                <a:path w="6738730" h="0">
+                  <a:moveTo>
+                    <a:pt x="0" y="0"/>
+                  </a:moveTo>
+                  <a:lnTo>
+                    <a:pt x="6738730" y="0"/>
+                  </a:lnTo>
+                  <a:lnTo>
+                    <a:pt x="6738730" y="0"/>
+                  </a:lnTo>
+                </a:path>
+              </a:pathLst>
+            </a:custGeom>
+            <a:ln w="13550" cap="flat">
+              <a:solidFill>
+                <a:srgbClr val="EBEBEB">
+                  <a:alpha val="100000"/>
+                </a:srgbClr>
+              </a:solidFill>
+              <a:prstDash val="solid"/>
+              <a:round/>
+            </a:ln>
+          </p:spPr>
+          <p:txBody>
+            <a:bodyPr/>
+            <a:lstStyle/>
+            <a:p/>
+          </p:txBody>
+        </p:sp>
+        <p:sp>
+          <p:nvSpPr>
+            <p:cNvPr id="11" name="pl11"/>
+            <p:cNvSpPr/>
+            <p:nvPr/>
+          </p:nvSpPr>
+          <p:spPr>
+            <a:xfrm>
+              <a:off x="938418" y="2747077"/>
+              <a:ext cx="6738730" cy="0"/>
+            </a:xfrm>
+            <a:custGeom>
+              <a:avLst/>
+              <a:pathLst>
+                <a:path w="6738730" h="0">
+                  <a:moveTo>
+                    <a:pt x="0" y="0"/>
+                  </a:moveTo>
+                  <a:lnTo>
+                    <a:pt x="6738730" y="0"/>
+                  </a:lnTo>
+                  <a:lnTo>
+                    <a:pt x="6738730" y="0"/>
+                  </a:lnTo>
+                </a:path>
+              </a:pathLst>
+            </a:custGeom>
+            <a:ln w="13550" cap="flat">
+              <a:solidFill>
+                <a:srgbClr val="EBEBEB">
+                  <a:alpha val="100000"/>
+                </a:srgbClr>
+              </a:solidFill>
+              <a:prstDash val="solid"/>
+              <a:round/>
+            </a:ln>
+          </p:spPr>
+          <p:txBody>
+            <a:bodyPr/>
+            <a:lstStyle/>
+            <a:p/>
+          </p:txBody>
+        </p:sp>
+        <p:sp>
+          <p:nvSpPr>
+            <p:cNvPr id="12" name="pl12"/>
+            <p:cNvSpPr/>
+            <p:nvPr/>
+          </p:nvSpPr>
+          <p:spPr>
+            <a:xfrm>
+              <a:off x="1715964" y="1886338"/>
+              <a:ext cx="0" cy="3836557"/>
+            </a:xfrm>
+            <a:custGeom>
+              <a:avLst/>
+              <a:pathLst>
+                <a:path w="0" h="3836557">
+                  <a:moveTo>
+                    <a:pt x="0" y="3836557"/>
+                  </a:moveTo>
+                  <a:lnTo>
+                    <a:pt x="0" y="0"/>
+                  </a:lnTo>
+                  <a:lnTo>
+                    <a:pt x="0" y="0"/>
+                  </a:lnTo>
+                </a:path>
+              </a:pathLst>
+            </a:custGeom>
+            <a:ln w="13550" cap="flat">
+              <a:solidFill>
+                <a:srgbClr val="EBEBEB">
+                  <a:alpha val="100000"/>
+                </a:srgbClr>
+              </a:solidFill>
+              <a:prstDash val="solid"/>
+              <a:round/>
+            </a:ln>
+          </p:spPr>
+          <p:txBody>
+            <a:bodyPr/>
+            <a:lstStyle/>
+            <a:p/>
+          </p:txBody>
+        </p:sp>
+        <p:sp>
+          <p:nvSpPr>
+            <p:cNvPr id="13" name="pl13"/>
+            <p:cNvSpPr/>
+            <p:nvPr/>
+          </p:nvSpPr>
+          <p:spPr>
+            <a:xfrm>
+              <a:off x="3011873" y="1886338"/>
+              <a:ext cx="0" cy="3836557"/>
+            </a:xfrm>
+            <a:custGeom>
+              <a:avLst/>
+              <a:pathLst>
+                <a:path w="0" h="3836557">
+                  <a:moveTo>
+                    <a:pt x="0" y="3836557"/>
+                  </a:moveTo>
+                  <a:lnTo>
+                    <a:pt x="0" y="0"/>
+                  </a:lnTo>
+                  <a:lnTo>
+                    <a:pt x="0" y="0"/>
+                  </a:lnTo>
+                </a:path>
+              </a:pathLst>
+            </a:custGeom>
+            <a:ln w="13550" cap="flat">
+              <a:solidFill>
+                <a:srgbClr val="EBEBEB">
+                  <a:alpha val="100000"/>
+                </a:srgbClr>
+              </a:solidFill>
+              <a:prstDash val="solid"/>
+              <a:round/>
+            </a:ln>
+          </p:spPr>
+          <p:txBody>
+            <a:bodyPr/>
+            <a:lstStyle/>
+            <a:p/>
+          </p:txBody>
+        </p:sp>
+        <p:sp>
+          <p:nvSpPr>
+            <p:cNvPr id="14" name="pl14"/>
+            <p:cNvSpPr/>
+            <p:nvPr/>
+          </p:nvSpPr>
+          <p:spPr>
+            <a:xfrm>
+              <a:off x="4307783" y="1886338"/>
+              <a:ext cx="0" cy="3836557"/>
+            </a:xfrm>
+            <a:custGeom>
+              <a:avLst/>
+              <a:pathLst>
+                <a:path w="0" h="3836557">
+                  <a:moveTo>
+                    <a:pt x="0" y="3836557"/>
+                  </a:moveTo>
+                  <a:lnTo>
+                    <a:pt x="0" y="0"/>
+                  </a:lnTo>
+                  <a:lnTo>
+                    <a:pt x="0" y="0"/>
+                  </a:lnTo>
+                </a:path>
+              </a:pathLst>
+            </a:custGeom>
+            <a:ln w="13550" cap="flat">
+              <a:solidFill>
+                <a:srgbClr val="EBEBEB">
+                  <a:alpha val="100000"/>
+                </a:srgbClr>
+              </a:solidFill>
+              <a:prstDash val="solid"/>
+              <a:round/>
+            </a:ln>
+          </p:spPr>
+          <p:txBody>
+            <a:bodyPr/>
+            <a:lstStyle/>
+            <a:p/>
+          </p:txBody>
+        </p:sp>
+        <p:sp>
+          <p:nvSpPr>
+            <p:cNvPr id="15" name="pl15"/>
+            <p:cNvSpPr/>
+            <p:nvPr/>
+          </p:nvSpPr>
+          <p:spPr>
+            <a:xfrm>
+              <a:off x="5603693" y="1886338"/>
+              <a:ext cx="0" cy="3836557"/>
+            </a:xfrm>
+            <a:custGeom>
+              <a:avLst/>
+              <a:pathLst>
+                <a:path w="0" h="3836557">
+                  <a:moveTo>
+                    <a:pt x="0" y="3836557"/>
+                  </a:moveTo>
+                  <a:lnTo>
+                    <a:pt x="0" y="0"/>
+                  </a:lnTo>
+                  <a:lnTo>
+                    <a:pt x="0" y="0"/>
+                  </a:lnTo>
+                </a:path>
+              </a:pathLst>
+            </a:custGeom>
+            <a:ln w="13550" cap="flat">
+              <a:solidFill>
+                <a:srgbClr val="EBEBEB">
+                  <a:alpha val="100000"/>
+                </a:srgbClr>
+              </a:solidFill>
+              <a:prstDash val="solid"/>
+              <a:round/>
+            </a:ln>
+          </p:spPr>
+          <p:txBody>
+            <a:bodyPr/>
+            <a:lstStyle/>
+            <a:p/>
+          </p:txBody>
+        </p:sp>
+        <p:sp>
+          <p:nvSpPr>
+            <p:cNvPr id="16" name="pl16"/>
+            <p:cNvSpPr/>
+            <p:nvPr/>
+          </p:nvSpPr>
+          <p:spPr>
+            <a:xfrm>
+              <a:off x="6899603" y="1886338"/>
+              <a:ext cx="0" cy="3836557"/>
+            </a:xfrm>
+            <a:custGeom>
+              <a:avLst/>
+              <a:pathLst>
+                <a:path w="0" h="3836557">
+                  <a:moveTo>
+                    <a:pt x="0" y="3836557"/>
+                  </a:moveTo>
+                  <a:lnTo>
+                    <a:pt x="0" y="0"/>
+                  </a:lnTo>
+                  <a:lnTo>
+                    <a:pt x="0" y="0"/>
+                  </a:lnTo>
+                </a:path>
+              </a:pathLst>
+            </a:custGeom>
+            <a:ln w="13550" cap="flat">
+              <a:solidFill>
+                <a:srgbClr val="EBEBEB">
+                  <a:alpha val="100000"/>
+                </a:srgbClr>
+              </a:solidFill>
+              <a:prstDash val="solid"/>
+              <a:round/>
+            </a:ln>
+          </p:spPr>
+          <p:txBody>
+            <a:bodyPr/>
+            <a:lstStyle/>
+            <a:p/>
+          </p:txBody>
+        </p:sp>
+        <p:sp>
+          <p:nvSpPr>
+            <p:cNvPr id="17" name="rc17"/>
+            <p:cNvSpPr/>
+            <p:nvPr/>
+          </p:nvSpPr>
+          <p:spPr>
+            <a:xfrm>
+              <a:off x="1715964" y="4950868"/>
+              <a:ext cx="583159" cy="597638"/>
+            </a:xfrm>
+            <a:prstGeom prst="rect">
+              <a:avLst/>
+            </a:prstGeom>
+            <a:solidFill>
+              <a:srgbClr val="00BFC4">
+                <a:alpha val="100000"/>
+              </a:srgbClr>
+            </a:solidFill>
+          </p:spPr>
+          <p:txBody>
+            <a:bodyPr/>
+            <a:lstStyle/>
+            <a:p/>
+          </p:txBody>
+        </p:sp>
+        <p:sp>
+          <p:nvSpPr>
+            <p:cNvPr id="18" name="rc18"/>
+            <p:cNvSpPr/>
+            <p:nvPr/>
+          </p:nvSpPr>
+          <p:spPr>
+            <a:xfrm>
+              <a:off x="1132804" y="4941530"/>
+              <a:ext cx="583159" cy="606976"/>
+            </a:xfrm>
+            <a:prstGeom prst="rect">
+              <a:avLst/>
+            </a:prstGeom>
+            <a:solidFill>
+              <a:srgbClr val="F8766D">
+                <a:alpha val="100000"/>
+              </a:srgbClr>
+            </a:solidFill>
+          </p:spPr>
+          <p:txBody>
+            <a:bodyPr/>
+            <a:lstStyle/>
+            <a:p/>
+          </p:txBody>
+        </p:sp>
+        <p:sp>
+          <p:nvSpPr>
+            <p:cNvPr id="19" name="rc19"/>
+            <p:cNvSpPr/>
+            <p:nvPr/>
+          </p:nvSpPr>
+          <p:spPr>
+            <a:xfrm>
+              <a:off x="3011873" y="3666880"/>
+              <a:ext cx="583159" cy="1881626"/>
+            </a:xfrm>
+            <a:prstGeom prst="rect">
+              <a:avLst/>
+            </a:prstGeom>
+            <a:solidFill>
+              <a:srgbClr val="00BFC4">
+                <a:alpha val="100000"/>
+              </a:srgbClr>
+            </a:solidFill>
+          </p:spPr>
+          <p:txBody>
+            <a:bodyPr/>
+            <a:lstStyle/>
+            <a:p/>
+          </p:txBody>
+        </p:sp>
+        <p:sp>
+          <p:nvSpPr>
+            <p:cNvPr id="20" name="rc20"/>
+            <p:cNvSpPr/>
+            <p:nvPr/>
+          </p:nvSpPr>
+          <p:spPr>
+            <a:xfrm>
+              <a:off x="2428714" y="3820958"/>
+              <a:ext cx="583159" cy="1727548"/>
+            </a:xfrm>
+            <a:prstGeom prst="rect">
+              <a:avLst/>
+            </a:prstGeom>
+            <a:solidFill>
+              <a:srgbClr val="F8766D">
+                <a:alpha val="100000"/>
+              </a:srgbClr>
+            </a:solidFill>
+          </p:spPr>
+          <p:txBody>
+            <a:bodyPr/>
+            <a:lstStyle/>
+            <a:p/>
+          </p:txBody>
+        </p:sp>
+        <p:sp>
+          <p:nvSpPr>
+            <p:cNvPr id="21" name="rc21"/>
+            <p:cNvSpPr/>
+            <p:nvPr/>
+          </p:nvSpPr>
+          <p:spPr>
+            <a:xfrm>
+              <a:off x="4307783" y="4712747"/>
+              <a:ext cx="583159" cy="835759"/>
+            </a:xfrm>
+            <a:prstGeom prst="rect">
+              <a:avLst/>
+            </a:prstGeom>
+            <a:solidFill>
+              <a:srgbClr val="00BFC4">
+                <a:alpha val="100000"/>
+              </a:srgbClr>
+            </a:solidFill>
+          </p:spPr>
+          <p:txBody>
+            <a:bodyPr/>
+            <a:lstStyle/>
+            <a:p/>
+          </p:txBody>
+        </p:sp>
+        <p:sp>
+          <p:nvSpPr>
+            <p:cNvPr id="22" name="rc22"/>
+            <p:cNvSpPr/>
+            <p:nvPr/>
+          </p:nvSpPr>
+          <p:spPr>
+            <a:xfrm>
+              <a:off x="3724624" y="4423266"/>
+              <a:ext cx="583159" cy="1125240"/>
+            </a:xfrm>
+            <a:prstGeom prst="rect">
+              <a:avLst/>
+            </a:prstGeom>
+            <a:solidFill>
+              <a:srgbClr val="F8766D">
+                <a:alpha val="100000"/>
+              </a:srgbClr>
+            </a:solidFill>
+          </p:spPr>
+          <p:txBody>
+            <a:bodyPr/>
+            <a:lstStyle/>
+            <a:p/>
+          </p:txBody>
+        </p:sp>
+        <p:sp>
+          <p:nvSpPr>
+            <p:cNvPr id="23" name="rc23"/>
+            <p:cNvSpPr/>
+            <p:nvPr/>
+          </p:nvSpPr>
+          <p:spPr>
+            <a:xfrm>
+              <a:off x="5603693" y="2177453"/>
+              <a:ext cx="583159" cy="3371053"/>
+            </a:xfrm>
+            <a:prstGeom prst="rect">
+              <a:avLst/>
+            </a:prstGeom>
+            <a:solidFill>
+              <a:srgbClr val="00BFC4">
+                <a:alpha val="100000"/>
+              </a:srgbClr>
+            </a:solidFill>
+          </p:spPr>
+          <p:txBody>
+            <a:bodyPr/>
+            <a:lstStyle/>
+            <a:p/>
+          </p:txBody>
+        </p:sp>
+        <p:sp>
+          <p:nvSpPr>
+            <p:cNvPr id="24" name="rc24"/>
+            <p:cNvSpPr/>
+            <p:nvPr/>
+          </p:nvSpPr>
+          <p:spPr>
+            <a:xfrm>
+              <a:off x="5020534" y="2060727"/>
+              <a:ext cx="583159" cy="3487779"/>
+            </a:xfrm>
+            <a:prstGeom prst="rect">
+              <a:avLst/>
+            </a:prstGeom>
+            <a:solidFill>
+              <a:srgbClr val="F8766D">
+                <a:alpha val="100000"/>
+              </a:srgbClr>
+            </a:solidFill>
+          </p:spPr>
+          <p:txBody>
+            <a:bodyPr/>
+            <a:lstStyle/>
+            <a:p/>
+          </p:txBody>
+        </p:sp>
+        <p:sp>
+          <p:nvSpPr>
+            <p:cNvPr id="25" name="rc25"/>
+            <p:cNvSpPr/>
+            <p:nvPr/>
+          </p:nvSpPr>
+          <p:spPr>
+            <a:xfrm>
+              <a:off x="6899603" y="3027220"/>
+              <a:ext cx="583159" cy="2521286"/>
+            </a:xfrm>
+            <a:prstGeom prst="rect">
+              <a:avLst/>
+            </a:prstGeom>
+            <a:solidFill>
+              <a:srgbClr val="00BFC4">
+                <a:alpha val="100000"/>
+              </a:srgbClr>
+            </a:solidFill>
+          </p:spPr>
+          <p:txBody>
+            <a:bodyPr/>
+            <a:lstStyle/>
+            <a:p/>
+          </p:txBody>
+        </p:sp>
+        <p:sp>
+          <p:nvSpPr>
+            <p:cNvPr id="26" name="rc26"/>
+            <p:cNvSpPr/>
+            <p:nvPr/>
+          </p:nvSpPr>
+          <p:spPr>
+            <a:xfrm>
+              <a:off x="6316443" y="2971191"/>
+              <a:ext cx="583159" cy="2577314"/>
+            </a:xfrm>
+            <a:prstGeom prst="rect">
+              <a:avLst/>
+            </a:prstGeom>
+            <a:solidFill>
+              <a:srgbClr val="F8766D">
+                <a:alpha val="100000"/>
+              </a:srgbClr>
+            </a:solidFill>
+          </p:spPr>
+          <p:txBody>
+            <a:bodyPr/>
+            <a:lstStyle/>
+            <a:p/>
+          </p:txBody>
+        </p:sp>
+        <p:sp>
+          <p:nvSpPr>
+            <p:cNvPr id="27" name="tx27"/>
+            <p:cNvSpPr/>
+            <p:nvPr/>
+          </p:nvSpPr>
+          <p:spPr>
+            <a:xfrm>
+              <a:off x="813632" y="5507824"/>
+              <a:ext cx="62155" cy="79126"/>
+            </a:xfrm>
+            <a:prstGeom prst="rect">
+              <a:avLst/>
+            </a:prstGeom>
+            <a:noFill/>
+          </p:spPr>
+          <p:txBody>
+            <a:bodyPr lIns="0" rIns="0" tIns="0" bIns="0" anchorCtr="1" anchor="ctr" wrap="none"/>
+            <a:lstStyle/>
+            <a:p>
+              <a:pPr algn="l" marL="0" marR="0" indent="0">
+                <a:lnSpc>
+                  <a:spcPts val="880"/>
+                </a:lnSpc>
+                <a:spcBef>
+                  <a:spcPts val="0"/>
+                </a:spcBef>
+                <a:spcAft>
+                  <a:spcPts val="0"/>
+                </a:spcAft>
+              </a:pPr>
+              <a:r>
+                <a:rPr sz="880">
+                  <a:solidFill>
+                    <a:srgbClr val="4D4D4D">
+                      <a:alpha val="100000"/>
+                    </a:srgbClr>
+                  </a:solidFill>
+                  <a:latin typeface="Liberation Sans"/>
+                  <a:cs typeface="Liberation Sans"/>
+                </a:rPr>
+                <a:t>0</a:t>
+              </a:r>
+            </a:p>
+          </p:txBody>
+        </p:sp>
+        <p:sp>
+          <p:nvSpPr>
+            <p:cNvPr id="28" name="tx28"/>
+            <p:cNvSpPr/>
+            <p:nvPr/>
+          </p:nvSpPr>
+          <p:spPr>
+            <a:xfrm>
+              <a:off x="689321" y="4574014"/>
+              <a:ext cx="186466" cy="79126"/>
+            </a:xfrm>
+            <a:prstGeom prst="rect">
+              <a:avLst/>
+            </a:prstGeom>
+            <a:noFill/>
+          </p:spPr>
+          <p:txBody>
+            <a:bodyPr lIns="0" rIns="0" tIns="0" bIns="0" anchorCtr="1" anchor="ctr" wrap="none"/>
+            <a:lstStyle/>
+            <a:p>
+              <a:pPr algn="l" marL="0" marR="0" indent="0">
+                <a:lnSpc>
+                  <a:spcPts val="880"/>
+                </a:lnSpc>
+                <a:spcBef>
+                  <a:spcPts val="0"/>
+                </a:spcBef>
+                <a:spcAft>
+                  <a:spcPts val="0"/>
+                </a:spcAft>
+              </a:pPr>
+              <a:r>
+                <a:rPr sz="880">
+                  <a:solidFill>
+                    <a:srgbClr val="4D4D4D">
+                      <a:alpha val="100000"/>
+                    </a:srgbClr>
+                  </a:solidFill>
+                  <a:latin typeface="Liberation Sans"/>
+                  <a:cs typeface="Liberation Sans"/>
+                </a:rPr>
+                <a:t>200</a:t>
+              </a:r>
+            </a:p>
+          </p:txBody>
+        </p:sp>
+        <p:sp>
+          <p:nvSpPr>
+            <p:cNvPr id="29" name="tx29"/>
+            <p:cNvSpPr/>
+            <p:nvPr/>
+          </p:nvSpPr>
+          <p:spPr>
+            <a:xfrm>
+              <a:off x="689321" y="3640205"/>
+              <a:ext cx="186466" cy="79126"/>
+            </a:xfrm>
+            <a:prstGeom prst="rect">
+              <a:avLst/>
+            </a:prstGeom>
+            <a:noFill/>
+          </p:spPr>
+          <p:txBody>
+            <a:bodyPr lIns="0" rIns="0" tIns="0" bIns="0" anchorCtr="1" anchor="ctr" wrap="none"/>
+            <a:lstStyle/>
+            <a:p>
+              <a:pPr algn="l" marL="0" marR="0" indent="0">
+                <a:lnSpc>
+                  <a:spcPts val="880"/>
+                </a:lnSpc>
+                <a:spcBef>
+                  <a:spcPts val="0"/>
+                </a:spcBef>
+                <a:spcAft>
+                  <a:spcPts val="0"/>
+                </a:spcAft>
+              </a:pPr>
+              <a:r>
+                <a:rPr sz="880">
+                  <a:solidFill>
+                    <a:srgbClr val="4D4D4D">
+                      <a:alpha val="100000"/>
+                    </a:srgbClr>
+                  </a:solidFill>
+                  <a:latin typeface="Liberation Sans"/>
+                  <a:cs typeface="Liberation Sans"/>
+                </a:rPr>
+                <a:t>400</a:t>
+              </a:r>
+            </a:p>
+          </p:txBody>
+        </p:sp>
+        <p:sp>
+          <p:nvSpPr>
+            <p:cNvPr id="30" name="tx30"/>
+            <p:cNvSpPr/>
+            <p:nvPr/>
+          </p:nvSpPr>
+          <p:spPr>
+            <a:xfrm>
+              <a:off x="689321" y="2706395"/>
+              <a:ext cx="186466" cy="79126"/>
+            </a:xfrm>
+            <a:prstGeom prst="rect">
+              <a:avLst/>
+            </a:prstGeom>
+            <a:noFill/>
+          </p:spPr>
+          <p:txBody>
+            <a:bodyPr lIns="0" rIns="0" tIns="0" bIns="0" anchorCtr="1" anchor="ctr" wrap="none"/>
+            <a:lstStyle/>
+            <a:p>
+              <a:pPr algn="l" marL="0" marR="0" indent="0">
+                <a:lnSpc>
+                  <a:spcPts val="880"/>
+                </a:lnSpc>
+                <a:spcBef>
+                  <a:spcPts val="0"/>
+                </a:spcBef>
+                <a:spcAft>
+                  <a:spcPts val="0"/>
+                </a:spcAft>
+              </a:pPr>
+              <a:r>
+                <a:rPr sz="880">
+                  <a:solidFill>
+                    <a:srgbClr val="4D4D4D">
+                      <a:alpha val="100000"/>
+                    </a:srgbClr>
+                  </a:solidFill>
+                  <a:latin typeface="Liberation Sans"/>
+                  <a:cs typeface="Liberation Sans"/>
+                </a:rPr>
+                <a:t>600</a:t>
+              </a:r>
+            </a:p>
+          </p:txBody>
+        </p:sp>
+        <p:sp>
+          <p:nvSpPr>
+            <p:cNvPr id="31" name="tx31"/>
+            <p:cNvSpPr/>
+            <p:nvPr/>
+          </p:nvSpPr>
+          <p:spPr>
+            <a:xfrm>
+              <a:off x="1557519" y="5758240"/>
+              <a:ext cx="316889" cy="104174"/>
+            </a:xfrm>
+            <a:prstGeom prst="rect">
+              <a:avLst/>
+            </a:prstGeom>
+            <a:noFill/>
+          </p:spPr>
+          <p:txBody>
+            <a:bodyPr lIns="0" rIns="0" tIns="0" bIns="0" anchorCtr="1" anchor="ctr" wrap="none"/>
+            <a:lstStyle/>
+            <a:p>
+              <a:pPr algn="l" marL="0" marR="0" indent="0">
+                <a:lnSpc>
+                  <a:spcPts val="880"/>
+                </a:lnSpc>
+                <a:spcBef>
+                  <a:spcPts val="0"/>
+                </a:spcBef>
+                <a:spcAft>
+                  <a:spcPts val="0"/>
+                </a:spcAft>
+              </a:pPr>
+              <a:r>
+                <a:rPr sz="880">
+                  <a:solidFill>
+                    <a:srgbClr val="4D4D4D">
+                      <a:alpha val="100000"/>
+                    </a:srgbClr>
+                  </a:solidFill>
+                  <a:latin typeface="Liberation Sans"/>
+                  <a:cs typeface="Liberation Sans"/>
+                </a:rPr>
+                <a:t>Eating</a:t>
+              </a:r>
+            </a:p>
+          </p:txBody>
+        </p:sp>
+        <p:sp>
+          <p:nvSpPr>
+            <p:cNvPr id="32" name="tx32"/>
+            <p:cNvSpPr/>
+            <p:nvPr/>
+          </p:nvSpPr>
+          <p:spPr>
+            <a:xfrm>
+              <a:off x="2701314" y="5758240"/>
+              <a:ext cx="621119" cy="104174"/>
+            </a:xfrm>
+            <a:prstGeom prst="rect">
+              <a:avLst/>
+            </a:prstGeom>
+            <a:noFill/>
+          </p:spPr>
+          <p:txBody>
+            <a:bodyPr lIns="0" rIns="0" tIns="0" bIns="0" anchorCtr="1" anchor="ctr" wrap="none"/>
+            <a:lstStyle/>
+            <a:p>
+              <a:pPr algn="l" marL="0" marR="0" indent="0">
+                <a:lnSpc>
+                  <a:spcPts val="880"/>
+                </a:lnSpc>
+                <a:spcBef>
+                  <a:spcPts val="0"/>
+                </a:spcBef>
+                <a:spcAft>
+                  <a:spcPts val="0"/>
+                </a:spcAft>
+              </a:pPr>
+              <a:r>
+                <a:rPr sz="880">
+                  <a:solidFill>
+                    <a:srgbClr val="4D4D4D">
+                      <a:alpha val="100000"/>
+                    </a:srgbClr>
+                  </a:solidFill>
+                  <a:latin typeface="Liberation Sans"/>
+                  <a:cs typeface="Liberation Sans"/>
+                </a:rPr>
+                <a:t>Employment</a:t>
+              </a:r>
+            </a:p>
+          </p:txBody>
+        </p:sp>
+        <p:sp>
+          <p:nvSpPr>
+            <p:cNvPr id="33" name="tx33"/>
+            <p:cNvSpPr/>
+            <p:nvPr/>
+          </p:nvSpPr>
+          <p:spPr>
+            <a:xfrm>
+              <a:off x="3646173" y="5758240"/>
+              <a:ext cx="1323220" cy="104174"/>
+            </a:xfrm>
+            <a:prstGeom prst="rect">
+              <a:avLst/>
+            </a:prstGeom>
+            <a:noFill/>
+          </p:spPr>
+          <p:txBody>
+            <a:bodyPr lIns="0" rIns="0" tIns="0" bIns="0" anchorCtr="1" anchor="ctr" wrap="none"/>
+            <a:lstStyle/>
+            <a:p>
+              <a:pPr algn="l" marL="0" marR="0" indent="0">
+                <a:lnSpc>
+                  <a:spcPts val="880"/>
+                </a:lnSpc>
+                <a:spcBef>
+                  <a:spcPts val="0"/>
+                </a:spcBef>
+                <a:spcAft>
+                  <a:spcPts val="0"/>
+                </a:spcAft>
+              </a:pPr>
+              <a:r>
+                <a:rPr sz="880">
+                  <a:solidFill>
+                    <a:srgbClr val="4D4D4D">
+                      <a:alpha val="100000"/>
+                    </a:srgbClr>
+                  </a:solidFill>
+                  <a:latin typeface="Liberation Sans"/>
+                  <a:cs typeface="Liberation Sans"/>
+                </a:rPr>
+                <a:t>Household and family care</a:t>
+              </a:r>
+            </a:p>
+          </p:txBody>
+        </p:sp>
+        <p:sp>
+          <p:nvSpPr>
+            <p:cNvPr id="34" name="tx34"/>
+            <p:cNvSpPr/>
+            <p:nvPr/>
+          </p:nvSpPr>
+          <p:spPr>
+            <a:xfrm>
+              <a:off x="5258918" y="5780341"/>
+              <a:ext cx="689550" cy="82073"/>
+            </a:xfrm>
+            <a:prstGeom prst="rect">
+              <a:avLst/>
+            </a:prstGeom>
+            <a:noFill/>
+          </p:spPr>
+          <p:txBody>
+            <a:bodyPr lIns="0" rIns="0" tIns="0" bIns="0" anchorCtr="1" anchor="ctr" wrap="none"/>
+            <a:lstStyle/>
+            <a:p>
+              <a:pPr algn="l" marL="0" marR="0" indent="0">
+                <a:lnSpc>
+                  <a:spcPts val="880"/>
+                </a:lnSpc>
+                <a:spcBef>
+                  <a:spcPts val="0"/>
+                </a:spcBef>
+                <a:spcAft>
+                  <a:spcPts val="0"/>
+                </a:spcAft>
+              </a:pPr>
+              <a:r>
+                <a:rPr sz="880">
+                  <a:solidFill>
+                    <a:srgbClr val="4D4D4D">
+                      <a:alpha val="100000"/>
+                    </a:srgbClr>
+                  </a:solidFill>
+                  <a:latin typeface="Liberation Sans"/>
+                  <a:cs typeface="Liberation Sans"/>
+                </a:rPr>
+                <a:t>Personal care</a:t>
+              </a:r>
+            </a:p>
+          </p:txBody>
+        </p:sp>
+        <p:sp>
+          <p:nvSpPr>
+            <p:cNvPr id="35" name="tx35"/>
+            <p:cNvSpPr/>
+            <p:nvPr/>
+          </p:nvSpPr>
+          <p:spPr>
+            <a:xfrm>
+              <a:off x="6756683" y="5758240"/>
+              <a:ext cx="285839" cy="104174"/>
+            </a:xfrm>
+            <a:prstGeom prst="rect">
+              <a:avLst/>
+            </a:prstGeom>
+            <a:noFill/>
+          </p:spPr>
+          <p:txBody>
+            <a:bodyPr lIns="0" rIns="0" tIns="0" bIns="0" anchorCtr="1" anchor="ctr" wrap="none"/>
+            <a:lstStyle/>
+            <a:p>
+              <a:pPr algn="l" marL="0" marR="0" indent="0">
+                <a:lnSpc>
+                  <a:spcPts val="880"/>
+                </a:lnSpc>
+                <a:spcBef>
+                  <a:spcPts val="0"/>
+                </a:spcBef>
+                <a:spcAft>
+                  <a:spcPts val="0"/>
+                </a:spcAft>
+              </a:pPr>
+              <a:r>
+                <a:rPr sz="880">
+                  <a:solidFill>
+                    <a:srgbClr val="4D4D4D">
+                      <a:alpha val="100000"/>
+                    </a:srgbClr>
+                  </a:solidFill>
+                  <a:latin typeface="Liberation Sans"/>
+                  <a:cs typeface="Liberation Sans"/>
+                </a:rPr>
+                <a:t>Sleep</a:t>
+              </a:r>
+            </a:p>
+          </p:txBody>
+        </p:sp>
+        <p:sp>
+          <p:nvSpPr>
+            <p:cNvPr id="36" name="tx36"/>
+            <p:cNvSpPr/>
+            <p:nvPr/>
+          </p:nvSpPr>
+          <p:spPr>
+            <a:xfrm>
+              <a:off x="4032203" y="5922355"/>
+              <a:ext cx="551160" cy="102592"/>
+            </a:xfrm>
+            <a:prstGeom prst="rect">
+              <a:avLst/>
+            </a:prstGeom>
+            <a:noFill/>
+          </p:spPr>
+          <p:txBody>
+            <a:bodyPr lIns="0" rIns="0" tIns="0" bIns="0" anchorCtr="1" anchor="ctr" wrap="none"/>
+            <a:lstStyle/>
+            <a:p>
+              <a:pPr algn="l" marL="0" marR="0" indent="0">
+                <a:lnSpc>
+                  <a:spcPts val="1100"/>
+                </a:lnSpc>
+                <a:spcBef>
+                  <a:spcPts val="0"/>
+                </a:spcBef>
+                <a:spcAft>
+                  <a:spcPts val="0"/>
+                </a:spcAft>
+              </a:pPr>
+              <a:r>
+                <a:rPr sz="1100">
+                  <a:solidFill>
+                    <a:srgbClr val="000000">
+                      <a:alpha val="100000"/>
+                    </a:srgbClr>
+                  </a:solidFill>
+                  <a:latin typeface="Liberation Sans"/>
+                  <a:cs typeface="Liberation Sans"/>
+                </a:rPr>
+                <a:t>Activities</a:t>
+              </a:r>
+            </a:p>
+          </p:txBody>
+        </p:sp>
+        <p:sp>
+          <p:nvSpPr>
+            <p:cNvPr id="37" name="tx37"/>
+            <p:cNvSpPr/>
+            <p:nvPr/>
+          </p:nvSpPr>
+          <p:spPr>
+            <a:xfrm rot="-5400000">
+              <a:off x="78630" y="3753321"/>
+              <a:ext cx="985949" cy="102592"/>
+            </a:xfrm>
+            <a:prstGeom prst="rect">
+              <a:avLst/>
+            </a:prstGeom>
+            <a:noFill/>
+          </p:spPr>
+          <p:txBody>
+            <a:bodyPr lIns="0" rIns="0" tIns="0" bIns="0" anchorCtr="1" anchor="ctr" wrap="none"/>
+            <a:lstStyle/>
+            <a:p>
+              <a:pPr algn="l" marL="0" marR="0" indent="0">
+                <a:lnSpc>
+                  <a:spcPts val="1100"/>
+                </a:lnSpc>
+                <a:spcBef>
+                  <a:spcPts val="0"/>
+                </a:spcBef>
+                <a:spcAft>
+                  <a:spcPts val="0"/>
+                </a:spcAft>
+              </a:pPr>
+              <a:r>
+                <a:rPr sz="1100">
+                  <a:solidFill>
+                    <a:srgbClr val="000000">
+                      <a:alpha val="100000"/>
+                    </a:srgbClr>
+                  </a:solidFill>
+                  <a:latin typeface="Liberation Sans"/>
+                  <a:cs typeface="Liberation Sans"/>
+                </a:rPr>
+                <a:t>Time in minutes</a:t>
+              </a:r>
+            </a:p>
+          </p:txBody>
+        </p:sp>
+        <p:sp>
+          <p:nvSpPr>
+            <p:cNvPr id="38" name="tx38"/>
+            <p:cNvSpPr/>
+            <p:nvPr/>
+          </p:nvSpPr>
+          <p:spPr>
+            <a:xfrm>
+              <a:off x="7885916" y="3468204"/>
+              <a:ext cx="644748" cy="130218"/>
+            </a:xfrm>
+            <a:prstGeom prst="rect">
+              <a:avLst/>
+            </a:prstGeom>
+            <a:noFill/>
+          </p:spPr>
+          <p:txBody>
+            <a:bodyPr lIns="0" rIns="0" tIns="0" bIns="0" anchorCtr="1" anchor="ctr" wrap="none"/>
+            <a:lstStyle/>
+            <a:p>
+              <a:pPr algn="l" marL="0" marR="0" indent="0">
+                <a:lnSpc>
+                  <a:spcPts val="1100"/>
+                </a:lnSpc>
+                <a:spcBef>
+                  <a:spcPts val="0"/>
+                </a:spcBef>
+                <a:spcAft>
+                  <a:spcPts val="0"/>
+                </a:spcAft>
+              </a:pPr>
+              <a:r>
+                <a:rPr sz="1100">
+                  <a:solidFill>
+                    <a:srgbClr val="000000">
+                      <a:alpha val="100000"/>
+                    </a:srgbClr>
+                  </a:solidFill>
+                  <a:latin typeface="Liberation Sans"/>
+                  <a:cs typeface="Liberation Sans"/>
+                </a:rPr>
+                <a:t>population</a:t>
+              </a:r>
+            </a:p>
+          </p:txBody>
+        </p:sp>
+        <p:sp>
+          <p:nvSpPr>
+            <p:cNvPr id="39" name="rc39"/>
+            <p:cNvSpPr/>
+            <p:nvPr/>
+          </p:nvSpPr>
+          <p:spPr>
+            <a:xfrm>
+              <a:off x="7894916" y="3692824"/>
+              <a:ext cx="201455" cy="201456"/>
+            </a:xfrm>
+            <a:prstGeom prst="rect">
+              <a:avLst/>
+            </a:prstGeom>
+            <a:solidFill>
+              <a:srgbClr val="F8766D">
+                <a:alpha val="100000"/>
+              </a:srgbClr>
+            </a:solidFill>
+          </p:spPr>
+          <p:txBody>
+            <a:bodyPr/>
+            <a:lstStyle/>
+            <a:p/>
+          </p:txBody>
+        </p:sp>
+        <p:sp>
+          <p:nvSpPr>
+            <p:cNvPr id="40" name="rc40"/>
+            <p:cNvSpPr/>
+            <p:nvPr/>
+          </p:nvSpPr>
+          <p:spPr>
+            <a:xfrm>
+              <a:off x="7894916" y="3912280"/>
+              <a:ext cx="201455" cy="201456"/>
+            </a:xfrm>
+            <a:prstGeom prst="rect">
+              <a:avLst/>
+            </a:prstGeom>
+            <a:solidFill>
+              <a:srgbClr val="00BFC4">
+                <a:alpha val="100000"/>
+              </a:srgbClr>
+            </a:solidFill>
+          </p:spPr>
+          <p:txBody>
+            <a:bodyPr/>
+            <a:lstStyle/>
+            <a:p/>
+          </p:txBody>
+        </p:sp>
+        <p:sp>
+          <p:nvSpPr>
+            <p:cNvPr id="41" name="tx41"/>
+            <p:cNvSpPr/>
+            <p:nvPr/>
+          </p:nvSpPr>
+          <p:spPr>
+            <a:xfrm>
+              <a:off x="8174961" y="3749923"/>
+              <a:ext cx="372660" cy="82073"/>
+            </a:xfrm>
+            <a:prstGeom prst="rect">
+              <a:avLst/>
+            </a:prstGeom>
+            <a:noFill/>
+          </p:spPr>
+          <p:txBody>
+            <a:bodyPr lIns="0" rIns="0" tIns="0" bIns="0" anchorCtr="1" anchor="ctr" wrap="none"/>
+            <a:lstStyle/>
+            <a:p>
+              <a:pPr algn="l" marL="0" marR="0" indent="0">
+                <a:lnSpc>
+                  <a:spcPts val="880"/>
+                </a:lnSpc>
+                <a:spcBef>
+                  <a:spcPts val="0"/>
+                </a:spcBef>
+                <a:spcAft>
+                  <a:spcPts val="0"/>
+                </a:spcAft>
+              </a:pPr>
+              <a:r>
+                <a:rPr sz="880">
+                  <a:solidFill>
+                    <a:srgbClr val="000000">
+                      <a:alpha val="100000"/>
+                    </a:srgbClr>
+                  </a:solidFill>
+                  <a:latin typeface="Liberation Sans"/>
+                  <a:cs typeface="Liberation Sans"/>
+                </a:rPr>
+                <a:t>Female</a:t>
+              </a:r>
+            </a:p>
+          </p:txBody>
+        </p:sp>
+        <p:sp>
+          <p:nvSpPr>
+            <p:cNvPr id="42" name="tx42"/>
+            <p:cNvSpPr/>
+            <p:nvPr/>
+          </p:nvSpPr>
+          <p:spPr>
+            <a:xfrm>
+              <a:off x="8174961" y="3969379"/>
+              <a:ext cx="242237" cy="82073"/>
+            </a:xfrm>
+            <a:prstGeom prst="rect">
+              <a:avLst/>
+            </a:prstGeom>
+            <a:noFill/>
+          </p:spPr>
+          <p:txBody>
+            <a:bodyPr lIns="0" rIns="0" tIns="0" bIns="0" anchorCtr="1" anchor="ctr" wrap="none"/>
+            <a:lstStyle/>
+            <a:p>
+              <a:pPr algn="l" marL="0" marR="0" indent="0">
+                <a:lnSpc>
+                  <a:spcPts val="880"/>
+                </a:lnSpc>
+                <a:spcBef>
+                  <a:spcPts val="0"/>
+                </a:spcBef>
+                <a:spcAft>
+                  <a:spcPts val="0"/>
+                </a:spcAft>
+              </a:pPr>
+              <a:r>
+                <a:rPr sz="880">
+                  <a:solidFill>
+                    <a:srgbClr val="000000">
+                      <a:alpha val="100000"/>
+                    </a:srgbClr>
+                  </a:solidFill>
+                  <a:latin typeface="Liberation Sans"/>
+                  <a:cs typeface="Liberation Sans"/>
+                </a:rPr>
+                <a:t>Male</a:t>
+              </a:r>
+            </a:p>
+          </p:txBody>
+        </p:sp>
+        <p:sp>
+          <p:nvSpPr>
+            <p:cNvPr id="43" name="tx43"/>
+            <p:cNvSpPr/>
+            <p:nvPr/>
+          </p:nvSpPr>
+          <p:spPr>
+            <a:xfrm>
+              <a:off x="938418" y="1628861"/>
+              <a:ext cx="1537818" cy="156262"/>
+            </a:xfrm>
+            <a:prstGeom prst="rect">
+              <a:avLst/>
+            </a:prstGeom>
+            <a:noFill/>
+          </p:spPr>
+          <p:txBody>
+            <a:bodyPr lIns="0" rIns="0" tIns="0" bIns="0" anchorCtr="1" anchor="ctr" wrap="none"/>
+            <a:lstStyle/>
+            <a:p>
+              <a:pPr algn="l" marL="0" marR="0" indent="0">
+                <a:lnSpc>
+                  <a:spcPts val="1320"/>
+                </a:lnSpc>
+                <a:spcBef>
+                  <a:spcPts val="0"/>
+                </a:spcBef>
+                <a:spcAft>
+                  <a:spcPts val="0"/>
+                </a:spcAft>
+              </a:pPr>
+              <a:r>
+                <a:rPr sz="1320">
+                  <a:solidFill>
+                    <a:srgbClr val="000000">
+                      <a:alpha val="100000"/>
+                    </a:srgbClr>
+                  </a:solidFill>
+                  <a:latin typeface="Liberation Sans"/>
+                  <a:cs typeface="Liberation Sans"/>
+                </a:rPr>
+                <a:t>Year 2014_Saturday</a:t>
+              </a:r>
+            </a:p>
+          </p:txBody>
+        </p:sp>
+      </p:grpSp>
+    </p:spTree>
+  </p:cSld>
+  <p:clrMapOvr>
+    <a:masterClrMapping/>
+  </p:clrMapOvr>
+</p:sld>
+</file>
+
+<file path=ppt/slides/slide18.xml><?xml version="1.0" encoding="utf-8"?>
+<p:sld xmlns:a="http://schemas.openxmlformats.org/drawingml/2006/main" xmlns:r="http://schemas.openxmlformats.org/officeDocument/2006/relationships" xmlns:p="http://schemas.openxmlformats.org/presentationml/2006/main">
+  <p:cSld>
+    <p:spTree>
+      <p:nvGrpSpPr>
+        <p:cNvPr id="1" name=""/>
+        <p:cNvGrpSpPr/>
+        <p:nvPr/>
+      </p:nvGrpSpPr>
+      <p:grpSpPr>
+        <a:xfrm>
+          <a:off x="0" y="0"/>
+          <a:ext cx="0" cy="0"/>
+          <a:chOff x="0" y="0"/>
+          <a:chExt cx="0" cy="0"/>
+        </a:xfrm>
+      </p:grpSpPr>
+      <p:grpSp xmlns:a="http://schemas.openxmlformats.org/drawingml/2006/main" xmlns:r="http://schemas.openxmlformats.org/officeDocument/2006/relationships" xmlns:p="http://schemas.openxmlformats.org/presentationml/2006/main" xmlns:pic="http://schemas.openxmlformats.org/drawingml/2006/picture">
+        <p:nvGrpSpPr>
+          <p:cNvPr id="2" name="grp1"/>
+          <p:cNvGrpSpPr/>
+          <p:nvPr/>
+        </p:nvGrpSpPr>
+        <p:grpSpPr>
+          <a:xfrm>
+            <a:off x="457200" y="1600200"/>
+            <a:ext cx="8229600" cy="4525962"/>
+            <a:chOff x="457200" y="1600200"/>
+            <a:chExt cx="8229600" cy="4525962"/>
+          </a:xfrm>
+        </p:grpSpPr>
+        <p:sp>
+          <p:nvSpPr>
+            <p:cNvPr id="3" name="rc3"/>
+            <p:cNvSpPr/>
+            <p:nvPr/>
+          </p:nvSpPr>
+          <p:spPr>
+            <a:xfrm>
+              <a:off x="457200" y="1600200"/>
+              <a:ext cx="8229600" cy="4525962"/>
+            </a:xfrm>
+            <a:prstGeom prst="rect">
+              <a:avLst/>
+            </a:prstGeom>
+            <a:solidFill>
+              <a:srgbClr val="FFFFFF">
+                <a:alpha val="100000"/>
+              </a:srgbClr>
+            </a:solidFill>
+            <a:ln w="9525" cap="rnd">
+              <a:solidFill>
+                <a:srgbClr val="FFFFFF">
+                  <a:alpha val="100000"/>
+                </a:srgbClr>
+              </a:solidFill>
+              <a:prstDash val="solid"/>
+              <a:round/>
+            </a:ln>
+          </p:spPr>
+          <p:txBody>
+            <a:bodyPr/>
+            <a:lstStyle/>
+            <a:p/>
+          </p:txBody>
+        </p:sp>
+        <p:sp>
+          <p:nvSpPr>
+            <p:cNvPr id="4" name="pl4"/>
+            <p:cNvSpPr/>
+            <p:nvPr/>
+          </p:nvSpPr>
+          <p:spPr>
+            <a:xfrm>
+              <a:off x="938418" y="5112534"/>
+              <a:ext cx="6738730" cy="0"/>
+            </a:xfrm>
+            <a:custGeom>
+              <a:avLst/>
+              <a:pathLst>
+                <a:path w="6738730" h="0">
+                  <a:moveTo>
+                    <a:pt x="0" y="0"/>
+                  </a:moveTo>
+                  <a:lnTo>
+                    <a:pt x="6738730" y="0"/>
+                  </a:lnTo>
+                  <a:lnTo>
+                    <a:pt x="6738730" y="0"/>
+                  </a:lnTo>
+                </a:path>
+              </a:pathLst>
+            </a:custGeom>
+            <a:ln w="6775" cap="flat">
+              <a:solidFill>
+                <a:srgbClr val="EBEBEB">
+                  <a:alpha val="100000"/>
+                </a:srgbClr>
+              </a:solidFill>
+              <a:prstDash val="solid"/>
+              <a:round/>
+            </a:ln>
+          </p:spPr>
+          <p:txBody>
+            <a:bodyPr/>
+            <a:lstStyle/>
+            <a:p/>
+          </p:txBody>
+        </p:sp>
+        <p:sp>
+          <p:nvSpPr>
+            <p:cNvPr id="5" name="pl5"/>
+            <p:cNvSpPr/>
+            <p:nvPr/>
+          </p:nvSpPr>
+          <p:spPr>
+            <a:xfrm>
+              <a:off x="938418" y="4240589"/>
+              <a:ext cx="6738730" cy="0"/>
+            </a:xfrm>
+            <a:custGeom>
+              <a:avLst/>
+              <a:pathLst>
+                <a:path w="6738730" h="0">
+                  <a:moveTo>
+                    <a:pt x="0" y="0"/>
+                  </a:moveTo>
+                  <a:lnTo>
+                    <a:pt x="6738730" y="0"/>
+                  </a:lnTo>
+                  <a:lnTo>
+                    <a:pt x="6738730" y="0"/>
+                  </a:lnTo>
+                </a:path>
+              </a:pathLst>
+            </a:custGeom>
+            <a:ln w="6775" cap="flat">
+              <a:solidFill>
+                <a:srgbClr val="EBEBEB">
+                  <a:alpha val="100000"/>
+                </a:srgbClr>
+              </a:solidFill>
+              <a:prstDash val="solid"/>
+              <a:round/>
+            </a:ln>
+          </p:spPr>
+          <p:txBody>
+            <a:bodyPr/>
+            <a:lstStyle/>
+            <a:p/>
+          </p:txBody>
+        </p:sp>
+        <p:sp>
+          <p:nvSpPr>
+            <p:cNvPr id="6" name="pl6"/>
+            <p:cNvSpPr/>
+            <p:nvPr/>
+          </p:nvSpPr>
+          <p:spPr>
+            <a:xfrm>
+              <a:off x="938418" y="3368644"/>
+              <a:ext cx="6738730" cy="0"/>
+            </a:xfrm>
+            <a:custGeom>
+              <a:avLst/>
+              <a:pathLst>
+                <a:path w="6738730" h="0">
+                  <a:moveTo>
+                    <a:pt x="0" y="0"/>
+                  </a:moveTo>
+                  <a:lnTo>
+                    <a:pt x="6738730" y="0"/>
+                  </a:lnTo>
+                  <a:lnTo>
+                    <a:pt x="6738730" y="0"/>
+                  </a:lnTo>
+                </a:path>
+              </a:pathLst>
+            </a:custGeom>
+            <a:ln w="6775" cap="flat">
+              <a:solidFill>
+                <a:srgbClr val="EBEBEB">
+                  <a:alpha val="100000"/>
+                </a:srgbClr>
+              </a:solidFill>
+              <a:prstDash val="solid"/>
+              <a:round/>
+            </a:ln>
+          </p:spPr>
+          <p:txBody>
+            <a:bodyPr/>
+            <a:lstStyle/>
+            <a:p/>
+          </p:txBody>
+        </p:sp>
+        <p:sp>
+          <p:nvSpPr>
+            <p:cNvPr id="7" name="pl7"/>
+            <p:cNvSpPr/>
+            <p:nvPr/>
+          </p:nvSpPr>
+          <p:spPr>
+            <a:xfrm>
+              <a:off x="938418" y="2496699"/>
+              <a:ext cx="6738730" cy="0"/>
+            </a:xfrm>
+            <a:custGeom>
+              <a:avLst/>
+              <a:pathLst>
+                <a:path w="6738730" h="0">
+                  <a:moveTo>
+                    <a:pt x="0" y="0"/>
+                  </a:moveTo>
+                  <a:lnTo>
+                    <a:pt x="6738730" y="0"/>
+                  </a:lnTo>
+                  <a:lnTo>
+                    <a:pt x="6738730" y="0"/>
+                  </a:lnTo>
+                </a:path>
+              </a:pathLst>
+            </a:custGeom>
+            <a:ln w="6775" cap="flat">
+              <a:solidFill>
+                <a:srgbClr val="EBEBEB">
+                  <a:alpha val="100000"/>
+                </a:srgbClr>
+              </a:solidFill>
+              <a:prstDash val="solid"/>
+              <a:round/>
+            </a:ln>
+          </p:spPr>
+          <p:txBody>
+            <a:bodyPr/>
+            <a:lstStyle/>
+            <a:p/>
+          </p:txBody>
+        </p:sp>
+        <p:sp>
+          <p:nvSpPr>
+            <p:cNvPr id="8" name="pl8"/>
+            <p:cNvSpPr/>
+            <p:nvPr/>
+          </p:nvSpPr>
+          <p:spPr>
+            <a:xfrm>
+              <a:off x="938418" y="5548506"/>
+              <a:ext cx="6738730" cy="0"/>
+            </a:xfrm>
+            <a:custGeom>
+              <a:avLst/>
+              <a:pathLst>
+                <a:path w="6738730" h="0">
+                  <a:moveTo>
+                    <a:pt x="0" y="0"/>
+                  </a:moveTo>
+                  <a:lnTo>
+                    <a:pt x="6738730" y="0"/>
+                  </a:lnTo>
+                  <a:lnTo>
+                    <a:pt x="6738730" y="0"/>
+                  </a:lnTo>
+                </a:path>
+              </a:pathLst>
+            </a:custGeom>
+            <a:ln w="13550" cap="flat">
+              <a:solidFill>
+                <a:srgbClr val="EBEBEB">
+                  <a:alpha val="100000"/>
+                </a:srgbClr>
+              </a:solidFill>
+              <a:prstDash val="solid"/>
+              <a:round/>
+            </a:ln>
+          </p:spPr>
+          <p:txBody>
+            <a:bodyPr/>
+            <a:lstStyle/>
+            <a:p/>
+          </p:txBody>
+        </p:sp>
+        <p:sp>
+          <p:nvSpPr>
+            <p:cNvPr id="9" name="pl9"/>
+            <p:cNvSpPr/>
+            <p:nvPr/>
+          </p:nvSpPr>
+          <p:spPr>
+            <a:xfrm>
+              <a:off x="938418" y="4676561"/>
+              <a:ext cx="6738730" cy="0"/>
+            </a:xfrm>
+            <a:custGeom>
+              <a:avLst/>
+              <a:pathLst>
+                <a:path w="6738730" h="0">
+                  <a:moveTo>
+                    <a:pt x="0" y="0"/>
+                  </a:moveTo>
+                  <a:lnTo>
+                    <a:pt x="6738730" y="0"/>
+                  </a:lnTo>
+                  <a:lnTo>
+                    <a:pt x="6738730" y="0"/>
+                  </a:lnTo>
+                </a:path>
+              </a:pathLst>
+            </a:custGeom>
+            <a:ln w="13550" cap="flat">
+              <a:solidFill>
+                <a:srgbClr val="EBEBEB">
+                  <a:alpha val="100000"/>
+                </a:srgbClr>
+              </a:solidFill>
+              <a:prstDash val="solid"/>
+              <a:round/>
+            </a:ln>
+          </p:spPr>
+          <p:txBody>
+            <a:bodyPr/>
+            <a:lstStyle/>
+            <a:p/>
+          </p:txBody>
+        </p:sp>
+        <p:sp>
+          <p:nvSpPr>
+            <p:cNvPr id="10" name="pl10"/>
+            <p:cNvSpPr/>
+            <p:nvPr/>
+          </p:nvSpPr>
+          <p:spPr>
+            <a:xfrm>
+              <a:off x="938418" y="3804617"/>
+              <a:ext cx="6738730" cy="0"/>
+            </a:xfrm>
+            <a:custGeom>
+              <a:avLst/>
+              <a:pathLst>
+                <a:path w="6738730" h="0">
+                  <a:moveTo>
+                    <a:pt x="0" y="0"/>
+                  </a:moveTo>
+                  <a:lnTo>
+                    <a:pt x="6738730" y="0"/>
+                  </a:lnTo>
+                  <a:lnTo>
+                    <a:pt x="6738730" y="0"/>
+                  </a:lnTo>
+                </a:path>
+              </a:pathLst>
+            </a:custGeom>
+            <a:ln w="13550" cap="flat">
+              <a:solidFill>
+                <a:srgbClr val="EBEBEB">
+                  <a:alpha val="100000"/>
+                </a:srgbClr>
+              </a:solidFill>
+              <a:prstDash val="solid"/>
+              <a:round/>
+            </a:ln>
+          </p:spPr>
+          <p:txBody>
+            <a:bodyPr/>
+            <a:lstStyle/>
+            <a:p/>
+          </p:txBody>
+        </p:sp>
+        <p:sp>
+          <p:nvSpPr>
+            <p:cNvPr id="11" name="pl11"/>
+            <p:cNvSpPr/>
+            <p:nvPr/>
+          </p:nvSpPr>
+          <p:spPr>
+            <a:xfrm>
+              <a:off x="938418" y="2932672"/>
+              <a:ext cx="6738730" cy="0"/>
+            </a:xfrm>
+            <a:custGeom>
+              <a:avLst/>
+              <a:pathLst>
+                <a:path w="6738730" h="0">
+                  <a:moveTo>
+                    <a:pt x="0" y="0"/>
+                  </a:moveTo>
+                  <a:lnTo>
+                    <a:pt x="6738730" y="0"/>
+                  </a:lnTo>
+                  <a:lnTo>
+                    <a:pt x="6738730" y="0"/>
+                  </a:lnTo>
+                </a:path>
+              </a:pathLst>
+            </a:custGeom>
+            <a:ln w="13550" cap="flat">
+              <a:solidFill>
+                <a:srgbClr val="EBEBEB">
+                  <a:alpha val="100000"/>
+                </a:srgbClr>
+              </a:solidFill>
+              <a:prstDash val="solid"/>
+              <a:round/>
+            </a:ln>
+          </p:spPr>
+          <p:txBody>
+            <a:bodyPr/>
+            <a:lstStyle/>
+            <a:p/>
+          </p:txBody>
+        </p:sp>
+        <p:sp>
+          <p:nvSpPr>
+            <p:cNvPr id="12" name="pl12"/>
+            <p:cNvSpPr/>
+            <p:nvPr/>
+          </p:nvSpPr>
+          <p:spPr>
+            <a:xfrm>
+              <a:off x="938418" y="2060727"/>
+              <a:ext cx="6738730" cy="0"/>
+            </a:xfrm>
+            <a:custGeom>
+              <a:avLst/>
+              <a:pathLst>
+                <a:path w="6738730" h="0">
+                  <a:moveTo>
+                    <a:pt x="0" y="0"/>
+                  </a:moveTo>
+                  <a:lnTo>
+                    <a:pt x="6738730" y="0"/>
+                  </a:lnTo>
+                  <a:lnTo>
+                    <a:pt x="6738730" y="0"/>
+                  </a:lnTo>
+                </a:path>
+              </a:pathLst>
+            </a:custGeom>
+            <a:ln w="13550" cap="flat">
+              <a:solidFill>
+                <a:srgbClr val="EBEBEB">
+                  <a:alpha val="100000"/>
+                </a:srgbClr>
+              </a:solidFill>
+              <a:prstDash val="solid"/>
+              <a:round/>
+            </a:ln>
+          </p:spPr>
+          <p:txBody>
+            <a:bodyPr/>
+            <a:lstStyle/>
+            <a:p/>
+          </p:txBody>
+        </p:sp>
+        <p:sp>
+          <p:nvSpPr>
+            <p:cNvPr id="13" name="pl13"/>
+            <p:cNvSpPr/>
+            <p:nvPr/>
+          </p:nvSpPr>
+          <p:spPr>
+            <a:xfrm>
+              <a:off x="1715964" y="1886338"/>
+              <a:ext cx="0" cy="3836557"/>
+            </a:xfrm>
+            <a:custGeom>
+              <a:avLst/>
+              <a:pathLst>
+                <a:path w="0" h="3836557">
+                  <a:moveTo>
+                    <a:pt x="0" y="3836557"/>
+                  </a:moveTo>
+                  <a:lnTo>
+                    <a:pt x="0" y="0"/>
+                  </a:lnTo>
+                  <a:lnTo>
+                    <a:pt x="0" y="0"/>
+                  </a:lnTo>
+                </a:path>
+              </a:pathLst>
+            </a:custGeom>
+            <a:ln w="13550" cap="flat">
+              <a:solidFill>
+                <a:srgbClr val="EBEBEB">
+                  <a:alpha val="100000"/>
+                </a:srgbClr>
+              </a:solidFill>
+              <a:prstDash val="solid"/>
+              <a:round/>
+            </a:ln>
+          </p:spPr>
+          <p:txBody>
+            <a:bodyPr/>
+            <a:lstStyle/>
+            <a:p/>
+          </p:txBody>
+        </p:sp>
+        <p:sp>
+          <p:nvSpPr>
+            <p:cNvPr id="14" name="pl14"/>
+            <p:cNvSpPr/>
+            <p:nvPr/>
+          </p:nvSpPr>
+          <p:spPr>
+            <a:xfrm>
+              <a:off x="3011873" y="1886338"/>
+              <a:ext cx="0" cy="3836557"/>
+            </a:xfrm>
+            <a:custGeom>
+              <a:avLst/>
+              <a:pathLst>
+                <a:path w="0" h="3836557">
+                  <a:moveTo>
+                    <a:pt x="0" y="3836557"/>
+                  </a:moveTo>
+                  <a:lnTo>
+                    <a:pt x="0" y="0"/>
+                  </a:lnTo>
+                  <a:lnTo>
+                    <a:pt x="0" y="0"/>
+                  </a:lnTo>
+                </a:path>
+              </a:pathLst>
+            </a:custGeom>
+            <a:ln w="13550" cap="flat">
+              <a:solidFill>
+                <a:srgbClr val="EBEBEB">
+                  <a:alpha val="100000"/>
+                </a:srgbClr>
+              </a:solidFill>
+              <a:prstDash val="solid"/>
+              <a:round/>
+            </a:ln>
+          </p:spPr>
+          <p:txBody>
+            <a:bodyPr/>
+            <a:lstStyle/>
+            <a:p/>
+          </p:txBody>
+        </p:sp>
+        <p:sp>
+          <p:nvSpPr>
+            <p:cNvPr id="15" name="pl15"/>
+            <p:cNvSpPr/>
+            <p:nvPr/>
+          </p:nvSpPr>
+          <p:spPr>
+            <a:xfrm>
+              <a:off x="4307783" y="1886338"/>
+              <a:ext cx="0" cy="3836557"/>
+            </a:xfrm>
+            <a:custGeom>
+              <a:avLst/>
+              <a:pathLst>
+                <a:path w="0" h="3836557">
+                  <a:moveTo>
+                    <a:pt x="0" y="3836557"/>
+                  </a:moveTo>
+                  <a:lnTo>
+                    <a:pt x="0" y="0"/>
+                  </a:lnTo>
+                  <a:lnTo>
+                    <a:pt x="0" y="0"/>
+                  </a:lnTo>
+                </a:path>
+              </a:pathLst>
+            </a:custGeom>
+            <a:ln w="13550" cap="flat">
+              <a:solidFill>
+                <a:srgbClr val="EBEBEB">
+                  <a:alpha val="100000"/>
+                </a:srgbClr>
+              </a:solidFill>
+              <a:prstDash val="solid"/>
+              <a:round/>
+            </a:ln>
+          </p:spPr>
+          <p:txBody>
+            <a:bodyPr/>
+            <a:lstStyle/>
+            <a:p/>
+          </p:txBody>
+        </p:sp>
+        <p:sp>
+          <p:nvSpPr>
+            <p:cNvPr id="16" name="pl16"/>
+            <p:cNvSpPr/>
+            <p:nvPr/>
+          </p:nvSpPr>
+          <p:spPr>
+            <a:xfrm>
+              <a:off x="5603693" y="1886338"/>
+              <a:ext cx="0" cy="3836557"/>
+            </a:xfrm>
+            <a:custGeom>
+              <a:avLst/>
+              <a:pathLst>
+                <a:path w="0" h="3836557">
+                  <a:moveTo>
+                    <a:pt x="0" y="3836557"/>
+                  </a:moveTo>
+                  <a:lnTo>
+                    <a:pt x="0" y="0"/>
+                  </a:lnTo>
+                  <a:lnTo>
+                    <a:pt x="0" y="0"/>
+                  </a:lnTo>
+                </a:path>
+              </a:pathLst>
+            </a:custGeom>
+            <a:ln w="13550" cap="flat">
+              <a:solidFill>
+                <a:srgbClr val="EBEBEB">
+                  <a:alpha val="100000"/>
+                </a:srgbClr>
+              </a:solidFill>
+              <a:prstDash val="solid"/>
+              <a:round/>
+            </a:ln>
+          </p:spPr>
+          <p:txBody>
+            <a:bodyPr/>
+            <a:lstStyle/>
+            <a:p/>
+          </p:txBody>
+        </p:sp>
+        <p:sp>
+          <p:nvSpPr>
+            <p:cNvPr id="17" name="pl17"/>
+            <p:cNvSpPr/>
+            <p:nvPr/>
+          </p:nvSpPr>
+          <p:spPr>
+            <a:xfrm>
+              <a:off x="6899603" y="1886338"/>
+              <a:ext cx="0" cy="3836557"/>
+            </a:xfrm>
+            <a:custGeom>
+              <a:avLst/>
+              <a:pathLst>
+                <a:path w="0" h="3836557">
+                  <a:moveTo>
+                    <a:pt x="0" y="3836557"/>
+                  </a:moveTo>
+                  <a:lnTo>
+                    <a:pt x="0" y="0"/>
+                  </a:lnTo>
+                  <a:lnTo>
+                    <a:pt x="0" y="0"/>
+                  </a:lnTo>
+                </a:path>
+              </a:pathLst>
+            </a:custGeom>
+            <a:ln w="13550" cap="flat">
+              <a:solidFill>
+                <a:srgbClr val="EBEBEB">
+                  <a:alpha val="100000"/>
+                </a:srgbClr>
+              </a:solidFill>
+              <a:prstDash val="solid"/>
+              <a:round/>
+            </a:ln>
+          </p:spPr>
+          <p:txBody>
+            <a:bodyPr/>
+            <a:lstStyle/>
+            <a:p/>
+          </p:txBody>
+        </p:sp>
+        <p:sp>
+          <p:nvSpPr>
+            <p:cNvPr id="18" name="rc18"/>
+            <p:cNvSpPr/>
+            <p:nvPr/>
+          </p:nvSpPr>
+          <p:spPr>
+            <a:xfrm>
+              <a:off x="1715964" y="4977382"/>
+              <a:ext cx="583159" cy="571123"/>
+            </a:xfrm>
+            <a:prstGeom prst="rect">
+              <a:avLst/>
+            </a:prstGeom>
+            <a:solidFill>
+              <a:srgbClr val="00BFC4">
+                <a:alpha val="100000"/>
+              </a:srgbClr>
+            </a:solidFill>
+          </p:spPr>
+          <p:txBody>
+            <a:bodyPr/>
+            <a:lstStyle/>
+            <a:p/>
+          </p:txBody>
+        </p:sp>
+        <p:sp>
+          <p:nvSpPr>
+            <p:cNvPr id="19" name="rc19"/>
+            <p:cNvSpPr/>
+            <p:nvPr/>
+          </p:nvSpPr>
+          <p:spPr>
+            <a:xfrm>
+              <a:off x="1132804" y="4977382"/>
+              <a:ext cx="583159" cy="571123"/>
+            </a:xfrm>
+            <a:prstGeom prst="rect">
+              <a:avLst/>
+            </a:prstGeom>
+            <a:solidFill>
+              <a:srgbClr val="F8766D">
+                <a:alpha val="100000"/>
+              </a:srgbClr>
+            </a:solidFill>
+          </p:spPr>
+          <p:txBody>
+            <a:bodyPr/>
+            <a:lstStyle/>
+            <a:p/>
+          </p:txBody>
+        </p:sp>
+        <p:sp>
+          <p:nvSpPr>
+            <p:cNvPr id="20" name="rc20"/>
+            <p:cNvSpPr/>
+            <p:nvPr/>
+          </p:nvSpPr>
+          <p:spPr>
+            <a:xfrm>
+              <a:off x="3011873" y="4131596"/>
+              <a:ext cx="583159" cy="1416910"/>
+            </a:xfrm>
+            <a:prstGeom prst="rect">
+              <a:avLst/>
+            </a:prstGeom>
+            <a:solidFill>
+              <a:srgbClr val="00BFC4">
+                <a:alpha val="100000"/>
+              </a:srgbClr>
+            </a:solidFill>
+          </p:spPr>
+          <p:txBody>
+            <a:bodyPr/>
+            <a:lstStyle/>
+            <a:p/>
+          </p:txBody>
+        </p:sp>
+        <p:sp>
+          <p:nvSpPr>
+            <p:cNvPr id="21" name="rc21"/>
+            <p:cNvSpPr/>
+            <p:nvPr/>
+          </p:nvSpPr>
+          <p:spPr>
+            <a:xfrm>
+              <a:off x="2428714" y="4362661"/>
+              <a:ext cx="583159" cy="1185845"/>
+            </a:xfrm>
+            <a:prstGeom prst="rect">
+              <a:avLst/>
+            </a:prstGeom>
+            <a:solidFill>
+              <a:srgbClr val="F8766D">
+                <a:alpha val="100000"/>
+              </a:srgbClr>
+            </a:solidFill>
+          </p:spPr>
+          <p:txBody>
+            <a:bodyPr/>
+            <a:lstStyle/>
+            <a:p/>
+          </p:txBody>
+        </p:sp>
+        <p:sp>
+          <p:nvSpPr>
+            <p:cNvPr id="22" name="rc22"/>
+            <p:cNvSpPr/>
+            <p:nvPr/>
+          </p:nvSpPr>
+          <p:spPr>
+            <a:xfrm>
+              <a:off x="4307783" y="4925066"/>
+              <a:ext cx="583159" cy="623440"/>
+            </a:xfrm>
+            <a:prstGeom prst="rect">
+              <a:avLst/>
+            </a:prstGeom>
+            <a:solidFill>
+              <a:srgbClr val="00BFC4">
+                <a:alpha val="100000"/>
+              </a:srgbClr>
+            </a:solidFill>
+          </p:spPr>
+          <p:txBody>
+            <a:bodyPr/>
+            <a:lstStyle/>
+            <a:p/>
+          </p:txBody>
+        </p:sp>
+        <p:sp>
+          <p:nvSpPr>
+            <p:cNvPr id="23" name="rc23"/>
+            <p:cNvSpPr/>
+            <p:nvPr/>
+          </p:nvSpPr>
+          <p:spPr>
+            <a:xfrm>
+              <a:off x="3724624" y="4598086"/>
+              <a:ext cx="583159" cy="950419"/>
+            </a:xfrm>
+            <a:prstGeom prst="rect">
+              <a:avLst/>
+            </a:prstGeom>
+            <a:solidFill>
+              <a:srgbClr val="F8766D">
+                <a:alpha val="100000"/>
+              </a:srgbClr>
+            </a:solidFill>
+          </p:spPr>
+          <p:txBody>
+            <a:bodyPr/>
+            <a:lstStyle/>
+            <a:p/>
+          </p:txBody>
+        </p:sp>
+        <p:sp>
+          <p:nvSpPr>
+            <p:cNvPr id="24" name="rc24"/>
+            <p:cNvSpPr/>
+            <p:nvPr/>
+          </p:nvSpPr>
+          <p:spPr>
+            <a:xfrm>
+              <a:off x="5603693" y="2073806"/>
+              <a:ext cx="583159" cy="3474700"/>
+            </a:xfrm>
+            <a:prstGeom prst="rect">
+              <a:avLst/>
+            </a:prstGeom>
+            <a:solidFill>
+              <a:srgbClr val="00BFC4">
+                <a:alpha val="100000"/>
+              </a:srgbClr>
+            </a:solidFill>
+          </p:spPr>
+          <p:txBody>
+            <a:bodyPr/>
+            <a:lstStyle/>
+            <a:p/>
+          </p:txBody>
+        </p:sp>
+        <p:sp>
+          <p:nvSpPr>
+            <p:cNvPr id="25" name="rc25"/>
+            <p:cNvSpPr/>
+            <p:nvPr/>
+          </p:nvSpPr>
+          <p:spPr>
+            <a:xfrm>
+              <a:off x="5020534" y="2060727"/>
+              <a:ext cx="583159" cy="3487779"/>
+            </a:xfrm>
+            <a:prstGeom prst="rect">
+              <a:avLst/>
+            </a:prstGeom>
+            <a:solidFill>
+              <a:srgbClr val="F8766D">
+                <a:alpha val="100000"/>
+              </a:srgbClr>
+            </a:solidFill>
+          </p:spPr>
+          <p:txBody>
+            <a:bodyPr/>
+            <a:lstStyle/>
+            <a:p/>
+          </p:txBody>
+        </p:sp>
+        <p:sp>
+          <p:nvSpPr>
+            <p:cNvPr id="26" name="rc26"/>
+            <p:cNvSpPr/>
+            <p:nvPr/>
+          </p:nvSpPr>
+          <p:spPr>
+            <a:xfrm>
+              <a:off x="6899603" y="2862916"/>
+              <a:ext cx="583159" cy="2685590"/>
+            </a:xfrm>
+            <a:prstGeom prst="rect">
+              <a:avLst/>
+            </a:prstGeom>
+            <a:solidFill>
+              <a:srgbClr val="00BFC4">
+                <a:alpha val="100000"/>
+              </a:srgbClr>
+            </a:solidFill>
+          </p:spPr>
+          <p:txBody>
+            <a:bodyPr/>
+            <a:lstStyle/>
+            <a:p/>
+          </p:txBody>
+        </p:sp>
+        <p:sp>
+          <p:nvSpPr>
+            <p:cNvPr id="27" name="rc27"/>
+            <p:cNvSpPr/>
+            <p:nvPr/>
+          </p:nvSpPr>
+          <p:spPr>
+            <a:xfrm>
+              <a:off x="6316443" y="2893434"/>
+              <a:ext cx="583159" cy="2655072"/>
+            </a:xfrm>
+            <a:prstGeom prst="rect">
+              <a:avLst/>
+            </a:prstGeom>
+            <a:solidFill>
+              <a:srgbClr val="F8766D">
+                <a:alpha val="100000"/>
+              </a:srgbClr>
+            </a:solidFill>
+          </p:spPr>
+          <p:txBody>
+            <a:bodyPr/>
+            <a:lstStyle/>
+            <a:p/>
+          </p:txBody>
+        </p:sp>
+        <p:sp>
+          <p:nvSpPr>
+            <p:cNvPr id="28" name="tx28"/>
+            <p:cNvSpPr/>
+            <p:nvPr/>
+          </p:nvSpPr>
+          <p:spPr>
+            <a:xfrm>
+              <a:off x="813632" y="5507824"/>
+              <a:ext cx="62155" cy="79126"/>
+            </a:xfrm>
+            <a:prstGeom prst="rect">
+              <a:avLst/>
+            </a:prstGeom>
+            <a:noFill/>
+          </p:spPr>
+          <p:txBody>
+            <a:bodyPr lIns="0" rIns="0" tIns="0" bIns="0" anchorCtr="1" anchor="ctr" wrap="none"/>
+            <a:lstStyle/>
+            <a:p>
+              <a:pPr algn="l" marL="0" marR="0" indent="0">
+                <a:lnSpc>
+                  <a:spcPts val="880"/>
+                </a:lnSpc>
+                <a:spcBef>
+                  <a:spcPts val="0"/>
+                </a:spcBef>
+                <a:spcAft>
+                  <a:spcPts val="0"/>
+                </a:spcAft>
+              </a:pPr>
+              <a:r>
+                <a:rPr sz="880">
+                  <a:solidFill>
+                    <a:srgbClr val="4D4D4D">
+                      <a:alpha val="100000"/>
+                    </a:srgbClr>
+                  </a:solidFill>
+                  <a:latin typeface="Liberation Sans"/>
+                  <a:cs typeface="Liberation Sans"/>
+                </a:rPr>
+                <a:t>0</a:t>
+              </a:r>
+            </a:p>
+          </p:txBody>
+        </p:sp>
+        <p:sp>
+          <p:nvSpPr>
+            <p:cNvPr id="29" name="tx29"/>
+            <p:cNvSpPr/>
+            <p:nvPr/>
+          </p:nvSpPr>
+          <p:spPr>
+            <a:xfrm>
+              <a:off x="689321" y="4635879"/>
+              <a:ext cx="186466" cy="79126"/>
+            </a:xfrm>
+            <a:prstGeom prst="rect">
+              <a:avLst/>
+            </a:prstGeom>
+            <a:noFill/>
+          </p:spPr>
+          <p:txBody>
+            <a:bodyPr lIns="0" rIns="0" tIns="0" bIns="0" anchorCtr="1" anchor="ctr" wrap="none"/>
+            <a:lstStyle/>
+            <a:p>
+              <a:pPr algn="l" marL="0" marR="0" indent="0">
+                <a:lnSpc>
+                  <a:spcPts val="880"/>
+                </a:lnSpc>
+                <a:spcBef>
+                  <a:spcPts val="0"/>
+                </a:spcBef>
+                <a:spcAft>
+                  <a:spcPts val="0"/>
+                </a:spcAft>
+              </a:pPr>
+              <a:r>
+                <a:rPr sz="880">
+                  <a:solidFill>
+                    <a:srgbClr val="4D4D4D">
+                      <a:alpha val="100000"/>
+                    </a:srgbClr>
+                  </a:solidFill>
+                  <a:latin typeface="Liberation Sans"/>
+                  <a:cs typeface="Liberation Sans"/>
+                </a:rPr>
+                <a:t>200</a:t>
+              </a:r>
+            </a:p>
+          </p:txBody>
+        </p:sp>
+        <p:sp>
+          <p:nvSpPr>
+            <p:cNvPr id="30" name="tx30"/>
+            <p:cNvSpPr/>
+            <p:nvPr/>
+          </p:nvSpPr>
+          <p:spPr>
+            <a:xfrm>
+              <a:off x="689321" y="3763934"/>
+              <a:ext cx="186466" cy="79126"/>
+            </a:xfrm>
+            <a:prstGeom prst="rect">
+              <a:avLst/>
+            </a:prstGeom>
+            <a:noFill/>
+          </p:spPr>
+          <p:txBody>
+            <a:bodyPr lIns="0" rIns="0" tIns="0" bIns="0" anchorCtr="1" anchor="ctr" wrap="none"/>
+            <a:lstStyle/>
+            <a:p>
+              <a:pPr algn="l" marL="0" marR="0" indent="0">
+                <a:lnSpc>
+                  <a:spcPts val="880"/>
+                </a:lnSpc>
+                <a:spcBef>
+                  <a:spcPts val="0"/>
+                </a:spcBef>
+                <a:spcAft>
+                  <a:spcPts val="0"/>
+                </a:spcAft>
+              </a:pPr>
+              <a:r>
+                <a:rPr sz="880">
+                  <a:solidFill>
+                    <a:srgbClr val="4D4D4D">
+                      <a:alpha val="100000"/>
+                    </a:srgbClr>
+                  </a:solidFill>
+                  <a:latin typeface="Liberation Sans"/>
+                  <a:cs typeface="Liberation Sans"/>
+                </a:rPr>
+                <a:t>400</a:t>
+              </a:r>
+            </a:p>
+          </p:txBody>
+        </p:sp>
+        <p:sp>
+          <p:nvSpPr>
+            <p:cNvPr id="31" name="tx31"/>
+            <p:cNvSpPr/>
+            <p:nvPr/>
+          </p:nvSpPr>
+          <p:spPr>
+            <a:xfrm>
+              <a:off x="689321" y="2891990"/>
+              <a:ext cx="186466" cy="79126"/>
+            </a:xfrm>
+            <a:prstGeom prst="rect">
+              <a:avLst/>
+            </a:prstGeom>
+            <a:noFill/>
+          </p:spPr>
+          <p:txBody>
+            <a:bodyPr lIns="0" rIns="0" tIns="0" bIns="0" anchorCtr="1" anchor="ctr" wrap="none"/>
+            <a:lstStyle/>
+            <a:p>
+              <a:pPr algn="l" marL="0" marR="0" indent="0">
+                <a:lnSpc>
+                  <a:spcPts val="880"/>
+                </a:lnSpc>
+                <a:spcBef>
+                  <a:spcPts val="0"/>
+                </a:spcBef>
+                <a:spcAft>
+                  <a:spcPts val="0"/>
+                </a:spcAft>
+              </a:pPr>
+              <a:r>
+                <a:rPr sz="880">
+                  <a:solidFill>
+                    <a:srgbClr val="4D4D4D">
+                      <a:alpha val="100000"/>
+                    </a:srgbClr>
+                  </a:solidFill>
+                  <a:latin typeface="Liberation Sans"/>
+                  <a:cs typeface="Liberation Sans"/>
+                </a:rPr>
+                <a:t>600</a:t>
+              </a:r>
+            </a:p>
+          </p:txBody>
+        </p:sp>
+        <p:sp>
+          <p:nvSpPr>
+            <p:cNvPr id="32" name="tx32"/>
+            <p:cNvSpPr/>
+            <p:nvPr/>
+          </p:nvSpPr>
+          <p:spPr>
+            <a:xfrm>
+              <a:off x="689321" y="2020045"/>
+              <a:ext cx="186466" cy="79126"/>
+            </a:xfrm>
+            <a:prstGeom prst="rect">
+              <a:avLst/>
+            </a:prstGeom>
+            <a:noFill/>
+          </p:spPr>
+          <p:txBody>
+            <a:bodyPr lIns="0" rIns="0" tIns="0" bIns="0" anchorCtr="1" anchor="ctr" wrap="none"/>
+            <a:lstStyle/>
+            <a:p>
+              <a:pPr algn="l" marL="0" marR="0" indent="0">
+                <a:lnSpc>
+                  <a:spcPts val="880"/>
+                </a:lnSpc>
+                <a:spcBef>
+                  <a:spcPts val="0"/>
+                </a:spcBef>
+                <a:spcAft>
+                  <a:spcPts val="0"/>
+                </a:spcAft>
+              </a:pPr>
+              <a:r>
+                <a:rPr sz="880">
+                  <a:solidFill>
+                    <a:srgbClr val="4D4D4D">
+                      <a:alpha val="100000"/>
+                    </a:srgbClr>
+                  </a:solidFill>
+                  <a:latin typeface="Liberation Sans"/>
+                  <a:cs typeface="Liberation Sans"/>
+                </a:rPr>
+                <a:t>800</a:t>
+              </a:r>
+            </a:p>
+          </p:txBody>
+        </p:sp>
+        <p:sp>
+          <p:nvSpPr>
+            <p:cNvPr id="33" name="tx33"/>
+            <p:cNvSpPr/>
+            <p:nvPr/>
+          </p:nvSpPr>
+          <p:spPr>
+            <a:xfrm>
+              <a:off x="1557519" y="5758240"/>
+              <a:ext cx="316889" cy="104174"/>
+            </a:xfrm>
+            <a:prstGeom prst="rect">
+              <a:avLst/>
+            </a:prstGeom>
+            <a:noFill/>
+          </p:spPr>
+          <p:txBody>
+            <a:bodyPr lIns="0" rIns="0" tIns="0" bIns="0" anchorCtr="1" anchor="ctr" wrap="none"/>
+            <a:lstStyle/>
+            <a:p>
+              <a:pPr algn="l" marL="0" marR="0" indent="0">
+                <a:lnSpc>
+                  <a:spcPts val="880"/>
+                </a:lnSpc>
+                <a:spcBef>
+                  <a:spcPts val="0"/>
+                </a:spcBef>
+                <a:spcAft>
+                  <a:spcPts val="0"/>
+                </a:spcAft>
+              </a:pPr>
+              <a:r>
+                <a:rPr sz="880">
+                  <a:solidFill>
+                    <a:srgbClr val="4D4D4D">
+                      <a:alpha val="100000"/>
+                    </a:srgbClr>
+                  </a:solidFill>
+                  <a:latin typeface="Liberation Sans"/>
+                  <a:cs typeface="Liberation Sans"/>
+                </a:rPr>
+                <a:t>Eating</a:t>
+              </a:r>
+            </a:p>
+          </p:txBody>
+        </p:sp>
+        <p:sp>
+          <p:nvSpPr>
+            <p:cNvPr id="34" name="tx34"/>
+            <p:cNvSpPr/>
+            <p:nvPr/>
+          </p:nvSpPr>
+          <p:spPr>
+            <a:xfrm>
+              <a:off x="2701314" y="5758240"/>
+              <a:ext cx="621119" cy="104174"/>
+            </a:xfrm>
+            <a:prstGeom prst="rect">
+              <a:avLst/>
+            </a:prstGeom>
+            <a:noFill/>
+          </p:spPr>
+          <p:txBody>
+            <a:bodyPr lIns="0" rIns="0" tIns="0" bIns="0" anchorCtr="1" anchor="ctr" wrap="none"/>
+            <a:lstStyle/>
+            <a:p>
+              <a:pPr algn="l" marL="0" marR="0" indent="0">
+                <a:lnSpc>
+                  <a:spcPts val="880"/>
+                </a:lnSpc>
+                <a:spcBef>
+                  <a:spcPts val="0"/>
+                </a:spcBef>
+                <a:spcAft>
+                  <a:spcPts val="0"/>
+                </a:spcAft>
+              </a:pPr>
+              <a:r>
+                <a:rPr sz="880">
+                  <a:solidFill>
+                    <a:srgbClr val="4D4D4D">
+                      <a:alpha val="100000"/>
+                    </a:srgbClr>
+                  </a:solidFill>
+                  <a:latin typeface="Liberation Sans"/>
+                  <a:cs typeface="Liberation Sans"/>
+                </a:rPr>
+                <a:t>Employment</a:t>
+              </a:r>
+            </a:p>
+          </p:txBody>
+        </p:sp>
+        <p:sp>
+          <p:nvSpPr>
+            <p:cNvPr id="35" name="tx35"/>
+            <p:cNvSpPr/>
+            <p:nvPr/>
+          </p:nvSpPr>
+          <p:spPr>
+            <a:xfrm>
+              <a:off x="3646173" y="5758240"/>
+              <a:ext cx="1323220" cy="104174"/>
+            </a:xfrm>
+            <a:prstGeom prst="rect">
+              <a:avLst/>
+            </a:prstGeom>
+            <a:noFill/>
+          </p:spPr>
+          <p:txBody>
+            <a:bodyPr lIns="0" rIns="0" tIns="0" bIns="0" anchorCtr="1" anchor="ctr" wrap="none"/>
+            <a:lstStyle/>
+            <a:p>
+              <a:pPr algn="l" marL="0" marR="0" indent="0">
+                <a:lnSpc>
+                  <a:spcPts val="880"/>
+                </a:lnSpc>
+                <a:spcBef>
+                  <a:spcPts val="0"/>
+                </a:spcBef>
+                <a:spcAft>
+                  <a:spcPts val="0"/>
+                </a:spcAft>
+              </a:pPr>
+              <a:r>
+                <a:rPr sz="880">
+                  <a:solidFill>
+                    <a:srgbClr val="4D4D4D">
+                      <a:alpha val="100000"/>
+                    </a:srgbClr>
+                  </a:solidFill>
+                  <a:latin typeface="Liberation Sans"/>
+                  <a:cs typeface="Liberation Sans"/>
+                </a:rPr>
+                <a:t>Household and family care</a:t>
+              </a:r>
+            </a:p>
+          </p:txBody>
+        </p:sp>
+        <p:sp>
+          <p:nvSpPr>
+            <p:cNvPr id="36" name="tx36"/>
+            <p:cNvSpPr/>
+            <p:nvPr/>
+          </p:nvSpPr>
+          <p:spPr>
+            <a:xfrm>
+              <a:off x="5258918" y="5780341"/>
+              <a:ext cx="689550" cy="82073"/>
+            </a:xfrm>
+            <a:prstGeom prst="rect">
+              <a:avLst/>
+            </a:prstGeom>
+            <a:noFill/>
+          </p:spPr>
+          <p:txBody>
+            <a:bodyPr lIns="0" rIns="0" tIns="0" bIns="0" anchorCtr="1" anchor="ctr" wrap="none"/>
+            <a:lstStyle/>
+            <a:p>
+              <a:pPr algn="l" marL="0" marR="0" indent="0">
+                <a:lnSpc>
+                  <a:spcPts val="880"/>
+                </a:lnSpc>
+                <a:spcBef>
+                  <a:spcPts val="0"/>
+                </a:spcBef>
+                <a:spcAft>
+                  <a:spcPts val="0"/>
+                </a:spcAft>
+              </a:pPr>
+              <a:r>
+                <a:rPr sz="880">
+                  <a:solidFill>
+                    <a:srgbClr val="4D4D4D">
+                      <a:alpha val="100000"/>
+                    </a:srgbClr>
+                  </a:solidFill>
+                  <a:latin typeface="Liberation Sans"/>
+                  <a:cs typeface="Liberation Sans"/>
+                </a:rPr>
+                <a:t>Personal care</a:t>
+              </a:r>
+            </a:p>
+          </p:txBody>
+        </p:sp>
+        <p:sp>
+          <p:nvSpPr>
+            <p:cNvPr id="37" name="tx37"/>
+            <p:cNvSpPr/>
+            <p:nvPr/>
+          </p:nvSpPr>
+          <p:spPr>
+            <a:xfrm>
+              <a:off x="6756683" y="5758240"/>
+              <a:ext cx="285839" cy="104174"/>
+            </a:xfrm>
+            <a:prstGeom prst="rect">
+              <a:avLst/>
+            </a:prstGeom>
+            <a:noFill/>
+          </p:spPr>
+          <p:txBody>
+            <a:bodyPr lIns="0" rIns="0" tIns="0" bIns="0" anchorCtr="1" anchor="ctr" wrap="none"/>
+            <a:lstStyle/>
+            <a:p>
+              <a:pPr algn="l" marL="0" marR="0" indent="0">
+                <a:lnSpc>
+                  <a:spcPts val="880"/>
+                </a:lnSpc>
+                <a:spcBef>
+                  <a:spcPts val="0"/>
+                </a:spcBef>
+                <a:spcAft>
+                  <a:spcPts val="0"/>
+                </a:spcAft>
+              </a:pPr>
+              <a:r>
+                <a:rPr sz="880">
+                  <a:solidFill>
+                    <a:srgbClr val="4D4D4D">
+                      <a:alpha val="100000"/>
+                    </a:srgbClr>
+                  </a:solidFill>
+                  <a:latin typeface="Liberation Sans"/>
+                  <a:cs typeface="Liberation Sans"/>
+                </a:rPr>
+                <a:t>Sleep</a:t>
+              </a:r>
+            </a:p>
+          </p:txBody>
+        </p:sp>
+        <p:sp>
+          <p:nvSpPr>
+            <p:cNvPr id="38" name="tx38"/>
+            <p:cNvSpPr/>
+            <p:nvPr/>
+          </p:nvSpPr>
+          <p:spPr>
+            <a:xfrm>
+              <a:off x="4032203" y="5922355"/>
+              <a:ext cx="551160" cy="102592"/>
+            </a:xfrm>
+            <a:prstGeom prst="rect">
+              <a:avLst/>
+            </a:prstGeom>
+            <a:noFill/>
+          </p:spPr>
+          <p:txBody>
+            <a:bodyPr lIns="0" rIns="0" tIns="0" bIns="0" anchorCtr="1" anchor="ctr" wrap="none"/>
+            <a:lstStyle/>
+            <a:p>
+              <a:pPr algn="l" marL="0" marR="0" indent="0">
+                <a:lnSpc>
+                  <a:spcPts val="1100"/>
+                </a:lnSpc>
+                <a:spcBef>
+                  <a:spcPts val="0"/>
+                </a:spcBef>
+                <a:spcAft>
+                  <a:spcPts val="0"/>
+                </a:spcAft>
+              </a:pPr>
+              <a:r>
+                <a:rPr sz="1100">
+                  <a:solidFill>
+                    <a:srgbClr val="000000">
+                      <a:alpha val="100000"/>
+                    </a:srgbClr>
+                  </a:solidFill>
+                  <a:latin typeface="Liberation Sans"/>
+                  <a:cs typeface="Liberation Sans"/>
+                </a:rPr>
+                <a:t>Activities</a:t>
+              </a:r>
+            </a:p>
+          </p:txBody>
+        </p:sp>
+        <p:sp>
+          <p:nvSpPr>
+            <p:cNvPr id="39" name="tx39"/>
+            <p:cNvSpPr/>
+            <p:nvPr/>
+          </p:nvSpPr>
+          <p:spPr>
+            <a:xfrm rot="-5400000">
+              <a:off x="78630" y="3753321"/>
+              <a:ext cx="985949" cy="102592"/>
+            </a:xfrm>
+            <a:prstGeom prst="rect">
+              <a:avLst/>
+            </a:prstGeom>
+            <a:noFill/>
+          </p:spPr>
+          <p:txBody>
+            <a:bodyPr lIns="0" rIns="0" tIns="0" bIns="0" anchorCtr="1" anchor="ctr" wrap="none"/>
+            <a:lstStyle/>
+            <a:p>
+              <a:pPr algn="l" marL="0" marR="0" indent="0">
+                <a:lnSpc>
+                  <a:spcPts val="1100"/>
+                </a:lnSpc>
+                <a:spcBef>
+                  <a:spcPts val="0"/>
+                </a:spcBef>
+                <a:spcAft>
+                  <a:spcPts val="0"/>
+                </a:spcAft>
+              </a:pPr>
+              <a:r>
+                <a:rPr sz="1100">
+                  <a:solidFill>
+                    <a:srgbClr val="000000">
+                      <a:alpha val="100000"/>
+                    </a:srgbClr>
+                  </a:solidFill>
+                  <a:latin typeface="Liberation Sans"/>
+                  <a:cs typeface="Liberation Sans"/>
+                </a:rPr>
+                <a:t>Time in minutes</a:t>
+              </a:r>
+            </a:p>
+          </p:txBody>
+        </p:sp>
+        <p:sp>
+          <p:nvSpPr>
+            <p:cNvPr id="40" name="tx40"/>
+            <p:cNvSpPr/>
+            <p:nvPr/>
+          </p:nvSpPr>
+          <p:spPr>
+            <a:xfrm>
+              <a:off x="7885916" y="3468204"/>
+              <a:ext cx="644748" cy="130218"/>
+            </a:xfrm>
+            <a:prstGeom prst="rect">
+              <a:avLst/>
+            </a:prstGeom>
+            <a:noFill/>
+          </p:spPr>
+          <p:txBody>
+            <a:bodyPr lIns="0" rIns="0" tIns="0" bIns="0" anchorCtr="1" anchor="ctr" wrap="none"/>
+            <a:lstStyle/>
+            <a:p>
+              <a:pPr algn="l" marL="0" marR="0" indent="0">
+                <a:lnSpc>
+                  <a:spcPts val="1100"/>
+                </a:lnSpc>
+                <a:spcBef>
+                  <a:spcPts val="0"/>
+                </a:spcBef>
+                <a:spcAft>
+                  <a:spcPts val="0"/>
+                </a:spcAft>
+              </a:pPr>
+              <a:r>
+                <a:rPr sz="1100">
+                  <a:solidFill>
+                    <a:srgbClr val="000000">
+                      <a:alpha val="100000"/>
+                    </a:srgbClr>
+                  </a:solidFill>
+                  <a:latin typeface="Liberation Sans"/>
+                  <a:cs typeface="Liberation Sans"/>
+                </a:rPr>
+                <a:t>population</a:t>
+              </a:r>
+            </a:p>
+          </p:txBody>
+        </p:sp>
+        <p:sp>
+          <p:nvSpPr>
+            <p:cNvPr id="41" name="rc41"/>
+            <p:cNvSpPr/>
+            <p:nvPr/>
+          </p:nvSpPr>
+          <p:spPr>
+            <a:xfrm>
+              <a:off x="7894916" y="3692824"/>
+              <a:ext cx="201455" cy="201456"/>
+            </a:xfrm>
+            <a:prstGeom prst="rect">
+              <a:avLst/>
+            </a:prstGeom>
+            <a:solidFill>
+              <a:srgbClr val="F8766D">
+                <a:alpha val="100000"/>
+              </a:srgbClr>
+            </a:solidFill>
+          </p:spPr>
+          <p:txBody>
+            <a:bodyPr/>
+            <a:lstStyle/>
+            <a:p/>
+          </p:txBody>
+        </p:sp>
+        <p:sp>
+          <p:nvSpPr>
+            <p:cNvPr id="42" name="rc42"/>
+            <p:cNvSpPr/>
+            <p:nvPr/>
+          </p:nvSpPr>
+          <p:spPr>
+            <a:xfrm>
+              <a:off x="7894916" y="3912280"/>
+              <a:ext cx="201455" cy="201456"/>
+            </a:xfrm>
+            <a:prstGeom prst="rect">
+              <a:avLst/>
+            </a:prstGeom>
+            <a:solidFill>
+              <a:srgbClr val="00BFC4">
+                <a:alpha val="100000"/>
+              </a:srgbClr>
+            </a:solidFill>
+          </p:spPr>
+          <p:txBody>
+            <a:bodyPr/>
+            <a:lstStyle/>
+            <a:p/>
+          </p:txBody>
+        </p:sp>
+        <p:sp>
+          <p:nvSpPr>
+            <p:cNvPr id="43" name="tx43"/>
+            <p:cNvSpPr/>
+            <p:nvPr/>
+          </p:nvSpPr>
+          <p:spPr>
+            <a:xfrm>
+              <a:off x="8174961" y="3749923"/>
+              <a:ext cx="372660" cy="82073"/>
+            </a:xfrm>
+            <a:prstGeom prst="rect">
+              <a:avLst/>
+            </a:prstGeom>
+            <a:noFill/>
+          </p:spPr>
+          <p:txBody>
+            <a:bodyPr lIns="0" rIns="0" tIns="0" bIns="0" anchorCtr="1" anchor="ctr" wrap="none"/>
+            <a:lstStyle/>
+            <a:p>
+              <a:pPr algn="l" marL="0" marR="0" indent="0">
+                <a:lnSpc>
+                  <a:spcPts val="880"/>
+                </a:lnSpc>
+                <a:spcBef>
+                  <a:spcPts val="0"/>
+                </a:spcBef>
+                <a:spcAft>
+                  <a:spcPts val="0"/>
+                </a:spcAft>
+              </a:pPr>
+              <a:r>
+                <a:rPr sz="880">
+                  <a:solidFill>
+                    <a:srgbClr val="000000">
+                      <a:alpha val="100000"/>
+                    </a:srgbClr>
+                  </a:solidFill>
+                  <a:latin typeface="Liberation Sans"/>
+                  <a:cs typeface="Liberation Sans"/>
+                </a:rPr>
+                <a:t>Female</a:t>
+              </a:r>
+            </a:p>
+          </p:txBody>
+        </p:sp>
+        <p:sp>
+          <p:nvSpPr>
+            <p:cNvPr id="44" name="tx44"/>
+            <p:cNvSpPr/>
+            <p:nvPr/>
+          </p:nvSpPr>
+          <p:spPr>
+            <a:xfrm>
+              <a:off x="8174961" y="3969379"/>
+              <a:ext cx="242237" cy="82073"/>
+            </a:xfrm>
+            <a:prstGeom prst="rect">
+              <a:avLst/>
+            </a:prstGeom>
+            <a:noFill/>
+          </p:spPr>
+          <p:txBody>
+            <a:bodyPr lIns="0" rIns="0" tIns="0" bIns="0" anchorCtr="1" anchor="ctr" wrap="none"/>
+            <a:lstStyle/>
+            <a:p>
+              <a:pPr algn="l" marL="0" marR="0" indent="0">
+                <a:lnSpc>
+                  <a:spcPts val="880"/>
+                </a:lnSpc>
+                <a:spcBef>
+                  <a:spcPts val="0"/>
+                </a:spcBef>
+                <a:spcAft>
+                  <a:spcPts val="0"/>
+                </a:spcAft>
+              </a:pPr>
+              <a:r>
+                <a:rPr sz="880">
+                  <a:solidFill>
+                    <a:srgbClr val="000000">
+                      <a:alpha val="100000"/>
+                    </a:srgbClr>
+                  </a:solidFill>
+                  <a:latin typeface="Liberation Sans"/>
+                  <a:cs typeface="Liberation Sans"/>
+                </a:rPr>
+                <a:t>Male</a:t>
+              </a:r>
+            </a:p>
+          </p:txBody>
+        </p:sp>
+        <p:sp>
+          <p:nvSpPr>
+            <p:cNvPr id="45" name="tx45"/>
+            <p:cNvSpPr/>
+            <p:nvPr/>
+          </p:nvSpPr>
+          <p:spPr>
+            <a:xfrm>
+              <a:off x="938418" y="1628861"/>
+              <a:ext cx="1435417" cy="156262"/>
+            </a:xfrm>
+            <a:prstGeom prst="rect">
+              <a:avLst/>
+            </a:prstGeom>
+            <a:noFill/>
+          </p:spPr>
+          <p:txBody>
+            <a:bodyPr lIns="0" rIns="0" tIns="0" bIns="0" anchorCtr="1" anchor="ctr" wrap="none"/>
+            <a:lstStyle/>
+            <a:p>
+              <a:pPr algn="l" marL="0" marR="0" indent="0">
+                <a:lnSpc>
+                  <a:spcPts val="1320"/>
+                </a:lnSpc>
+                <a:spcBef>
+                  <a:spcPts val="0"/>
+                </a:spcBef>
+                <a:spcAft>
+                  <a:spcPts val="0"/>
+                </a:spcAft>
+              </a:pPr>
+              <a:r>
+                <a:rPr sz="1320">
+                  <a:solidFill>
+                    <a:srgbClr val="000000">
+                      <a:alpha val="100000"/>
+                    </a:srgbClr>
+                  </a:solidFill>
+                  <a:latin typeface="Liberation Sans"/>
+                  <a:cs typeface="Liberation Sans"/>
+                </a:rPr>
+                <a:t>Year 2014_Sunday</a:t>
+              </a:r>
+            </a:p>
+          </p:txBody>
+        </p:sp>
+      </p:grpSp>
+    </p:spTree>
+  </p:cSld>
+  <p:clrMapOvr>
+    <a:masterClrMapping/>
+  </p:clrMapOvr>
+</p:sld>
+</file>
+
 <file path=ppt/slides/slide2.xml><?xml version="1.0" encoding="utf-8"?>
 <p:sld xmlns:a="http://schemas.openxmlformats.org/drawingml/2006/main" xmlns:r="http://schemas.openxmlformats.org/officeDocument/2006/relationships" xmlns:p="http://schemas.openxmlformats.org/presentationml/2006/main">
   <p:cSld>

--- a/content/blog/test.pptx
+++ b/content/blog/test.pptx
@@ -23,6 +23,9 @@
     <p:sldId id="271" r:id="rId23"/>
     <p:sldId id="272" r:id="rId24"/>
     <p:sldId id="273" r:id="rId25"/>
+    <p:sldId id="274" r:id="rId26"/>
+    <p:sldId id="275" r:id="rId27"/>
+    <p:sldId id="276" r:id="rId28"/>
   </p:sldIdLst>
   <p:sldSz cx="9144000" cy="6858000" type="screen4x3"/>
   <p:notesSz cx="6858000" cy="9144000"/>
@@ -18841,6 +18844,1642 @@
 </p:sld>
 </file>
 
+<file path=ppt/slides/slide19.xml><?xml version="1.0" encoding="utf-8"?>
+<p:sld xmlns:a="http://schemas.openxmlformats.org/drawingml/2006/main" xmlns:r="http://schemas.openxmlformats.org/officeDocument/2006/relationships" xmlns:p="http://schemas.openxmlformats.org/presentationml/2006/main">
+  <p:cSld>
+    <p:spTree>
+      <p:nvGrpSpPr>
+        <p:cNvPr id="1" name=""/>
+        <p:cNvGrpSpPr/>
+        <p:nvPr/>
+      </p:nvGrpSpPr>
+      <p:grpSpPr>
+        <a:xfrm>
+          <a:off x="0" y="0"/>
+          <a:ext cx="0" cy="0"/>
+          <a:chOff x="0" y="0"/>
+          <a:chExt cx="0" cy="0"/>
+        </a:xfrm>
+      </p:grpSpPr>
+      <p:grpSp xmlns:a="http://schemas.openxmlformats.org/drawingml/2006/main" xmlns:r="http://schemas.openxmlformats.org/officeDocument/2006/relationships" xmlns:p="http://schemas.openxmlformats.org/presentationml/2006/main" xmlns:pic="http://schemas.openxmlformats.org/drawingml/2006/picture">
+        <p:nvGrpSpPr>
+          <p:cNvPr id="2" name="grp1"/>
+          <p:cNvGrpSpPr/>
+          <p:nvPr/>
+        </p:nvGrpSpPr>
+        <p:grpSpPr>
+          <a:xfrm>
+            <a:off x="457200" y="1600200"/>
+            <a:ext cx="8229600" cy="4525962"/>
+            <a:chOff x="457200" y="1600200"/>
+            <a:chExt cx="8229600" cy="4525962"/>
+          </a:xfrm>
+        </p:grpSpPr>
+        <p:sp>
+          <p:nvSpPr>
+            <p:cNvPr id="3" name="rc3"/>
+            <p:cNvSpPr/>
+            <p:nvPr/>
+          </p:nvSpPr>
+          <p:spPr>
+            <a:xfrm>
+              <a:off x="457200" y="1600200"/>
+              <a:ext cx="8229600" cy="4525962"/>
+            </a:xfrm>
+            <a:prstGeom prst="rect">
+              <a:avLst/>
+            </a:prstGeom>
+            <a:solidFill>
+              <a:srgbClr val="FFFFFF">
+                <a:alpha val="100000"/>
+              </a:srgbClr>
+            </a:solidFill>
+            <a:ln w="9525" cap="rnd">
+              <a:solidFill>
+                <a:srgbClr val="FFFFFF">
+                  <a:alpha val="100000"/>
+                </a:srgbClr>
+              </a:solidFill>
+              <a:prstDash val="solid"/>
+              <a:round/>
+            </a:ln>
+          </p:spPr>
+          <p:txBody>
+            <a:bodyPr/>
+            <a:lstStyle/>
+            <a:p/>
+          </p:txBody>
+        </p:sp>
+        <p:sp>
+          <p:nvSpPr>
+            <p:cNvPr id="4" name="pl4"/>
+            <p:cNvSpPr/>
+            <p:nvPr/>
+          </p:nvSpPr>
+          <p:spPr>
+            <a:xfrm>
+              <a:off x="938418" y="5031798"/>
+              <a:ext cx="6738730" cy="0"/>
+            </a:xfrm>
+            <a:custGeom>
+              <a:avLst/>
+              <a:pathLst>
+                <a:path w="6738730" h="0">
+                  <a:moveTo>
+                    <a:pt x="0" y="0"/>
+                  </a:moveTo>
+                  <a:lnTo>
+                    <a:pt x="6738730" y="0"/>
+                  </a:lnTo>
+                  <a:lnTo>
+                    <a:pt x="6738730" y="0"/>
+                  </a:lnTo>
+                </a:path>
+              </a:pathLst>
+            </a:custGeom>
+            <a:ln w="6775" cap="flat">
+              <a:solidFill>
+                <a:srgbClr val="EBEBEB">
+                  <a:alpha val="100000"/>
+                </a:srgbClr>
+              </a:solidFill>
+              <a:prstDash val="solid"/>
+              <a:round/>
+            </a:ln>
+          </p:spPr>
+          <p:txBody>
+            <a:bodyPr/>
+            <a:lstStyle/>
+            <a:p/>
+          </p:txBody>
+        </p:sp>
+        <p:sp>
+          <p:nvSpPr>
+            <p:cNvPr id="5" name="pl5"/>
+            <p:cNvSpPr/>
+            <p:nvPr/>
+          </p:nvSpPr>
+          <p:spPr>
+            <a:xfrm>
+              <a:off x="938418" y="3998382"/>
+              <a:ext cx="6738730" cy="0"/>
+            </a:xfrm>
+            <a:custGeom>
+              <a:avLst/>
+              <a:pathLst>
+                <a:path w="6738730" h="0">
+                  <a:moveTo>
+                    <a:pt x="0" y="0"/>
+                  </a:moveTo>
+                  <a:lnTo>
+                    <a:pt x="6738730" y="0"/>
+                  </a:lnTo>
+                  <a:lnTo>
+                    <a:pt x="6738730" y="0"/>
+                  </a:lnTo>
+                </a:path>
+              </a:pathLst>
+            </a:custGeom>
+            <a:ln w="6775" cap="flat">
+              <a:solidFill>
+                <a:srgbClr val="EBEBEB">
+                  <a:alpha val="100000"/>
+                </a:srgbClr>
+              </a:solidFill>
+              <a:prstDash val="solid"/>
+              <a:round/>
+            </a:ln>
+          </p:spPr>
+          <p:txBody>
+            <a:bodyPr/>
+            <a:lstStyle/>
+            <a:p/>
+          </p:txBody>
+        </p:sp>
+        <p:sp>
+          <p:nvSpPr>
+            <p:cNvPr id="6" name="pl6"/>
+            <p:cNvSpPr/>
+            <p:nvPr/>
+          </p:nvSpPr>
+          <p:spPr>
+            <a:xfrm>
+              <a:off x="938418" y="2964966"/>
+              <a:ext cx="6738730" cy="0"/>
+            </a:xfrm>
+            <a:custGeom>
+              <a:avLst/>
+              <a:pathLst>
+                <a:path w="6738730" h="0">
+                  <a:moveTo>
+                    <a:pt x="0" y="0"/>
+                  </a:moveTo>
+                  <a:lnTo>
+                    <a:pt x="6738730" y="0"/>
+                  </a:lnTo>
+                  <a:lnTo>
+                    <a:pt x="6738730" y="0"/>
+                  </a:lnTo>
+                </a:path>
+              </a:pathLst>
+            </a:custGeom>
+            <a:ln w="6775" cap="flat">
+              <a:solidFill>
+                <a:srgbClr val="EBEBEB">
+                  <a:alpha val="100000"/>
+                </a:srgbClr>
+              </a:solidFill>
+              <a:prstDash val="solid"/>
+              <a:round/>
+            </a:ln>
+          </p:spPr>
+          <p:txBody>
+            <a:bodyPr/>
+            <a:lstStyle/>
+            <a:p/>
+          </p:txBody>
+        </p:sp>
+        <p:sp>
+          <p:nvSpPr>
+            <p:cNvPr id="7" name="pl7"/>
+            <p:cNvSpPr/>
+            <p:nvPr/>
+          </p:nvSpPr>
+          <p:spPr>
+            <a:xfrm>
+              <a:off x="938418" y="1931550"/>
+              <a:ext cx="6738730" cy="0"/>
+            </a:xfrm>
+            <a:custGeom>
+              <a:avLst/>
+              <a:pathLst>
+                <a:path w="6738730" h="0">
+                  <a:moveTo>
+                    <a:pt x="0" y="0"/>
+                  </a:moveTo>
+                  <a:lnTo>
+                    <a:pt x="6738730" y="0"/>
+                  </a:lnTo>
+                  <a:lnTo>
+                    <a:pt x="6738730" y="0"/>
+                  </a:lnTo>
+                </a:path>
+              </a:pathLst>
+            </a:custGeom>
+            <a:ln w="6775" cap="flat">
+              <a:solidFill>
+                <a:srgbClr val="EBEBEB">
+                  <a:alpha val="100000"/>
+                </a:srgbClr>
+              </a:solidFill>
+              <a:prstDash val="solid"/>
+              <a:round/>
+            </a:ln>
+          </p:spPr>
+          <p:txBody>
+            <a:bodyPr/>
+            <a:lstStyle/>
+            <a:p/>
+          </p:txBody>
+        </p:sp>
+        <p:sp>
+          <p:nvSpPr>
+            <p:cNvPr id="8" name="pl8"/>
+            <p:cNvSpPr/>
+            <p:nvPr/>
+          </p:nvSpPr>
+          <p:spPr>
+            <a:xfrm>
+              <a:off x="938418" y="5548506"/>
+              <a:ext cx="6738730" cy="0"/>
+            </a:xfrm>
+            <a:custGeom>
+              <a:avLst/>
+              <a:pathLst>
+                <a:path w="6738730" h="0">
+                  <a:moveTo>
+                    <a:pt x="0" y="0"/>
+                  </a:moveTo>
+                  <a:lnTo>
+                    <a:pt x="6738730" y="0"/>
+                  </a:lnTo>
+                  <a:lnTo>
+                    <a:pt x="6738730" y="0"/>
+                  </a:lnTo>
+                </a:path>
+              </a:pathLst>
+            </a:custGeom>
+            <a:ln w="13550" cap="flat">
+              <a:solidFill>
+                <a:srgbClr val="EBEBEB">
+                  <a:alpha val="100000"/>
+                </a:srgbClr>
+              </a:solidFill>
+              <a:prstDash val="solid"/>
+              <a:round/>
+            </a:ln>
+          </p:spPr>
+          <p:txBody>
+            <a:bodyPr/>
+            <a:lstStyle/>
+            <a:p/>
+          </p:txBody>
+        </p:sp>
+        <p:sp>
+          <p:nvSpPr>
+            <p:cNvPr id="9" name="pl9"/>
+            <p:cNvSpPr/>
+            <p:nvPr/>
+          </p:nvSpPr>
+          <p:spPr>
+            <a:xfrm>
+              <a:off x="938418" y="4515090"/>
+              <a:ext cx="6738730" cy="0"/>
+            </a:xfrm>
+            <a:custGeom>
+              <a:avLst/>
+              <a:pathLst>
+                <a:path w="6738730" h="0">
+                  <a:moveTo>
+                    <a:pt x="0" y="0"/>
+                  </a:moveTo>
+                  <a:lnTo>
+                    <a:pt x="6738730" y="0"/>
+                  </a:lnTo>
+                  <a:lnTo>
+                    <a:pt x="6738730" y="0"/>
+                  </a:lnTo>
+                </a:path>
+              </a:pathLst>
+            </a:custGeom>
+            <a:ln w="13550" cap="flat">
+              <a:solidFill>
+                <a:srgbClr val="EBEBEB">
+                  <a:alpha val="100000"/>
+                </a:srgbClr>
+              </a:solidFill>
+              <a:prstDash val="solid"/>
+              <a:round/>
+            </a:ln>
+          </p:spPr>
+          <p:txBody>
+            <a:bodyPr/>
+            <a:lstStyle/>
+            <a:p/>
+          </p:txBody>
+        </p:sp>
+        <p:sp>
+          <p:nvSpPr>
+            <p:cNvPr id="10" name="pl10"/>
+            <p:cNvSpPr/>
+            <p:nvPr/>
+          </p:nvSpPr>
+          <p:spPr>
+            <a:xfrm>
+              <a:off x="938418" y="3481674"/>
+              <a:ext cx="6738730" cy="0"/>
+            </a:xfrm>
+            <a:custGeom>
+              <a:avLst/>
+              <a:pathLst>
+                <a:path w="6738730" h="0">
+                  <a:moveTo>
+                    <a:pt x="0" y="0"/>
+                  </a:moveTo>
+                  <a:lnTo>
+                    <a:pt x="6738730" y="0"/>
+                  </a:lnTo>
+                  <a:lnTo>
+                    <a:pt x="6738730" y="0"/>
+                  </a:lnTo>
+                </a:path>
+              </a:pathLst>
+            </a:custGeom>
+            <a:ln w="13550" cap="flat">
+              <a:solidFill>
+                <a:srgbClr val="EBEBEB">
+                  <a:alpha val="100000"/>
+                </a:srgbClr>
+              </a:solidFill>
+              <a:prstDash val="solid"/>
+              <a:round/>
+            </a:ln>
+          </p:spPr>
+          <p:txBody>
+            <a:bodyPr/>
+            <a:lstStyle/>
+            <a:p/>
+          </p:txBody>
+        </p:sp>
+        <p:sp>
+          <p:nvSpPr>
+            <p:cNvPr id="11" name="pl11"/>
+            <p:cNvSpPr/>
+            <p:nvPr/>
+          </p:nvSpPr>
+          <p:spPr>
+            <a:xfrm>
+              <a:off x="938418" y="2448258"/>
+              <a:ext cx="6738730" cy="0"/>
+            </a:xfrm>
+            <a:custGeom>
+              <a:avLst/>
+              <a:pathLst>
+                <a:path w="6738730" h="0">
+                  <a:moveTo>
+                    <a:pt x="0" y="0"/>
+                  </a:moveTo>
+                  <a:lnTo>
+                    <a:pt x="6738730" y="0"/>
+                  </a:lnTo>
+                  <a:lnTo>
+                    <a:pt x="6738730" y="0"/>
+                  </a:lnTo>
+                </a:path>
+              </a:pathLst>
+            </a:custGeom>
+            <a:ln w="13550" cap="flat">
+              <a:solidFill>
+                <a:srgbClr val="EBEBEB">
+                  <a:alpha val="100000"/>
+                </a:srgbClr>
+              </a:solidFill>
+              <a:prstDash val="solid"/>
+              <a:round/>
+            </a:ln>
+          </p:spPr>
+          <p:txBody>
+            <a:bodyPr/>
+            <a:lstStyle/>
+            <a:p/>
+          </p:txBody>
+        </p:sp>
+        <p:sp>
+          <p:nvSpPr>
+            <p:cNvPr id="12" name="pl12"/>
+            <p:cNvSpPr/>
+            <p:nvPr/>
+          </p:nvSpPr>
+          <p:spPr>
+            <a:xfrm>
+              <a:off x="1715964" y="1886338"/>
+              <a:ext cx="0" cy="3836557"/>
+            </a:xfrm>
+            <a:custGeom>
+              <a:avLst/>
+              <a:pathLst>
+                <a:path w="0" h="3836557">
+                  <a:moveTo>
+                    <a:pt x="0" y="3836557"/>
+                  </a:moveTo>
+                  <a:lnTo>
+                    <a:pt x="0" y="0"/>
+                  </a:lnTo>
+                  <a:lnTo>
+                    <a:pt x="0" y="0"/>
+                  </a:lnTo>
+                </a:path>
+              </a:pathLst>
+            </a:custGeom>
+            <a:ln w="13550" cap="flat">
+              <a:solidFill>
+                <a:srgbClr val="EBEBEB">
+                  <a:alpha val="100000"/>
+                </a:srgbClr>
+              </a:solidFill>
+              <a:prstDash val="solid"/>
+              <a:round/>
+            </a:ln>
+          </p:spPr>
+          <p:txBody>
+            <a:bodyPr/>
+            <a:lstStyle/>
+            <a:p/>
+          </p:txBody>
+        </p:sp>
+        <p:sp>
+          <p:nvSpPr>
+            <p:cNvPr id="13" name="pl13"/>
+            <p:cNvSpPr/>
+            <p:nvPr/>
+          </p:nvSpPr>
+          <p:spPr>
+            <a:xfrm>
+              <a:off x="3011873" y="1886338"/>
+              <a:ext cx="0" cy="3836557"/>
+            </a:xfrm>
+            <a:custGeom>
+              <a:avLst/>
+              <a:pathLst>
+                <a:path w="0" h="3836557">
+                  <a:moveTo>
+                    <a:pt x="0" y="3836557"/>
+                  </a:moveTo>
+                  <a:lnTo>
+                    <a:pt x="0" y="0"/>
+                  </a:lnTo>
+                  <a:lnTo>
+                    <a:pt x="0" y="0"/>
+                  </a:lnTo>
+                </a:path>
+              </a:pathLst>
+            </a:custGeom>
+            <a:ln w="13550" cap="flat">
+              <a:solidFill>
+                <a:srgbClr val="EBEBEB">
+                  <a:alpha val="100000"/>
+                </a:srgbClr>
+              </a:solidFill>
+              <a:prstDash val="solid"/>
+              <a:round/>
+            </a:ln>
+          </p:spPr>
+          <p:txBody>
+            <a:bodyPr/>
+            <a:lstStyle/>
+            <a:p/>
+          </p:txBody>
+        </p:sp>
+        <p:sp>
+          <p:nvSpPr>
+            <p:cNvPr id="14" name="pl14"/>
+            <p:cNvSpPr/>
+            <p:nvPr/>
+          </p:nvSpPr>
+          <p:spPr>
+            <a:xfrm>
+              <a:off x="4307783" y="1886338"/>
+              <a:ext cx="0" cy="3836557"/>
+            </a:xfrm>
+            <a:custGeom>
+              <a:avLst/>
+              <a:pathLst>
+                <a:path w="0" h="3836557">
+                  <a:moveTo>
+                    <a:pt x="0" y="3836557"/>
+                  </a:moveTo>
+                  <a:lnTo>
+                    <a:pt x="0" y="0"/>
+                  </a:lnTo>
+                  <a:lnTo>
+                    <a:pt x="0" y="0"/>
+                  </a:lnTo>
+                </a:path>
+              </a:pathLst>
+            </a:custGeom>
+            <a:ln w="13550" cap="flat">
+              <a:solidFill>
+                <a:srgbClr val="EBEBEB">
+                  <a:alpha val="100000"/>
+                </a:srgbClr>
+              </a:solidFill>
+              <a:prstDash val="solid"/>
+              <a:round/>
+            </a:ln>
+          </p:spPr>
+          <p:txBody>
+            <a:bodyPr/>
+            <a:lstStyle/>
+            <a:p/>
+          </p:txBody>
+        </p:sp>
+        <p:sp>
+          <p:nvSpPr>
+            <p:cNvPr id="15" name="pl15"/>
+            <p:cNvSpPr/>
+            <p:nvPr/>
+          </p:nvSpPr>
+          <p:spPr>
+            <a:xfrm>
+              <a:off x="5603693" y="1886338"/>
+              <a:ext cx="0" cy="3836557"/>
+            </a:xfrm>
+            <a:custGeom>
+              <a:avLst/>
+              <a:pathLst>
+                <a:path w="0" h="3836557">
+                  <a:moveTo>
+                    <a:pt x="0" y="3836557"/>
+                  </a:moveTo>
+                  <a:lnTo>
+                    <a:pt x="0" y="0"/>
+                  </a:lnTo>
+                  <a:lnTo>
+                    <a:pt x="0" y="0"/>
+                  </a:lnTo>
+                </a:path>
+              </a:pathLst>
+            </a:custGeom>
+            <a:ln w="13550" cap="flat">
+              <a:solidFill>
+                <a:srgbClr val="EBEBEB">
+                  <a:alpha val="100000"/>
+                </a:srgbClr>
+              </a:solidFill>
+              <a:prstDash val="solid"/>
+              <a:round/>
+            </a:ln>
+          </p:spPr>
+          <p:txBody>
+            <a:bodyPr/>
+            <a:lstStyle/>
+            <a:p/>
+          </p:txBody>
+        </p:sp>
+        <p:sp>
+          <p:nvSpPr>
+            <p:cNvPr id="16" name="pl16"/>
+            <p:cNvSpPr/>
+            <p:nvPr/>
+          </p:nvSpPr>
+          <p:spPr>
+            <a:xfrm>
+              <a:off x="6899603" y="1886338"/>
+              <a:ext cx="0" cy="3836557"/>
+            </a:xfrm>
+            <a:custGeom>
+              <a:avLst/>
+              <a:pathLst>
+                <a:path w="0" h="3836557">
+                  <a:moveTo>
+                    <a:pt x="0" y="3836557"/>
+                  </a:moveTo>
+                  <a:lnTo>
+                    <a:pt x="0" y="0"/>
+                  </a:lnTo>
+                  <a:lnTo>
+                    <a:pt x="0" y="0"/>
+                  </a:lnTo>
+                </a:path>
+              </a:pathLst>
+            </a:custGeom>
+            <a:ln w="13550" cap="flat">
+              <a:solidFill>
+                <a:srgbClr val="EBEBEB">
+                  <a:alpha val="100000"/>
+                </a:srgbClr>
+              </a:solidFill>
+              <a:prstDash val="solid"/>
+              <a:round/>
+            </a:ln>
+          </p:spPr>
+          <p:txBody>
+            <a:bodyPr/>
+            <a:lstStyle/>
+            <a:p/>
+          </p:txBody>
+        </p:sp>
+        <p:sp>
+          <p:nvSpPr>
+            <p:cNvPr id="17" name="rc17"/>
+            <p:cNvSpPr/>
+            <p:nvPr/>
+          </p:nvSpPr>
+          <p:spPr>
+            <a:xfrm>
+              <a:off x="1715964" y="5000796"/>
+              <a:ext cx="583159" cy="547710"/>
+            </a:xfrm>
+            <a:prstGeom prst="rect">
+              <a:avLst/>
+            </a:prstGeom>
+            <a:solidFill>
+              <a:srgbClr val="00BFC4">
+                <a:alpha val="100000"/>
+              </a:srgbClr>
+            </a:solidFill>
+          </p:spPr>
+          <p:txBody>
+            <a:bodyPr/>
+            <a:lstStyle/>
+            <a:p/>
+          </p:txBody>
+        </p:sp>
+        <p:sp>
+          <p:nvSpPr>
+            <p:cNvPr id="18" name="rc18"/>
+            <p:cNvSpPr/>
+            <p:nvPr/>
+          </p:nvSpPr>
+          <p:spPr>
+            <a:xfrm>
+              <a:off x="1132804" y="4990462"/>
+              <a:ext cx="583159" cy="558044"/>
+            </a:xfrm>
+            <a:prstGeom prst="rect">
+              <a:avLst/>
+            </a:prstGeom>
+            <a:solidFill>
+              <a:srgbClr val="F8766D">
+                <a:alpha val="100000"/>
+              </a:srgbClr>
+            </a:solidFill>
+          </p:spPr>
+          <p:txBody>
+            <a:bodyPr/>
+            <a:lstStyle/>
+            <a:p/>
+          </p:txBody>
+        </p:sp>
+        <p:sp>
+          <p:nvSpPr>
+            <p:cNvPr id="19" name="rc19"/>
+            <p:cNvSpPr/>
+            <p:nvPr/>
+          </p:nvSpPr>
+          <p:spPr>
+            <a:xfrm>
+              <a:off x="3011873" y="3011470"/>
+              <a:ext cx="583159" cy="2537036"/>
+            </a:xfrm>
+            <a:prstGeom prst="rect">
+              <a:avLst/>
+            </a:prstGeom>
+            <a:solidFill>
+              <a:srgbClr val="00BFC4">
+                <a:alpha val="100000"/>
+              </a:srgbClr>
+            </a:solidFill>
+          </p:spPr>
+          <p:txBody>
+            <a:bodyPr/>
+            <a:lstStyle/>
+            <a:p/>
+          </p:txBody>
+        </p:sp>
+        <p:sp>
+          <p:nvSpPr>
+            <p:cNvPr id="20" name="rc20"/>
+            <p:cNvSpPr/>
+            <p:nvPr/>
+          </p:nvSpPr>
+          <p:spPr>
+            <a:xfrm>
+              <a:off x="2428714" y="3409335"/>
+              <a:ext cx="583159" cy="2139171"/>
+            </a:xfrm>
+            <a:prstGeom prst="rect">
+              <a:avLst/>
+            </a:prstGeom>
+            <a:solidFill>
+              <a:srgbClr val="F8766D">
+                <a:alpha val="100000"/>
+              </a:srgbClr>
+            </a:solidFill>
+          </p:spPr>
+          <p:txBody>
+            <a:bodyPr/>
+            <a:lstStyle/>
+            <a:p/>
+          </p:txBody>
+        </p:sp>
+        <p:sp>
+          <p:nvSpPr>
+            <p:cNvPr id="21" name="rc21"/>
+            <p:cNvSpPr/>
+            <p:nvPr/>
+          </p:nvSpPr>
+          <p:spPr>
+            <a:xfrm>
+              <a:off x="4307783" y="4933624"/>
+              <a:ext cx="583159" cy="614882"/>
+            </a:xfrm>
+            <a:prstGeom prst="rect">
+              <a:avLst/>
+            </a:prstGeom>
+            <a:solidFill>
+              <a:srgbClr val="00BFC4">
+                <a:alpha val="100000"/>
+              </a:srgbClr>
+            </a:solidFill>
+          </p:spPr>
+          <p:txBody>
+            <a:bodyPr/>
+            <a:lstStyle/>
+            <a:p/>
+          </p:txBody>
+        </p:sp>
+        <p:sp>
+          <p:nvSpPr>
+            <p:cNvPr id="22" name="rc22"/>
+            <p:cNvSpPr/>
+            <p:nvPr/>
+          </p:nvSpPr>
+          <p:spPr>
+            <a:xfrm>
+              <a:off x="3724624" y="4365245"/>
+              <a:ext cx="583159" cy="1183261"/>
+            </a:xfrm>
+            <a:prstGeom prst="rect">
+              <a:avLst/>
+            </a:prstGeom>
+            <a:solidFill>
+              <a:srgbClr val="F8766D">
+                <a:alpha val="100000"/>
+              </a:srgbClr>
+            </a:solidFill>
+          </p:spPr>
+          <p:txBody>
+            <a:bodyPr/>
+            <a:lstStyle/>
+            <a:p/>
+          </p:txBody>
+        </p:sp>
+        <p:sp>
+          <p:nvSpPr>
+            <p:cNvPr id="23" name="rc23"/>
+            <p:cNvSpPr/>
+            <p:nvPr/>
+          </p:nvSpPr>
+          <p:spPr>
+            <a:xfrm>
+              <a:off x="5603693" y="2138233"/>
+              <a:ext cx="583159" cy="3410273"/>
+            </a:xfrm>
+            <a:prstGeom prst="rect">
+              <a:avLst/>
+            </a:prstGeom>
+            <a:solidFill>
+              <a:srgbClr val="00BFC4">
+                <a:alpha val="100000"/>
+              </a:srgbClr>
+            </a:solidFill>
+          </p:spPr>
+          <p:txBody>
+            <a:bodyPr/>
+            <a:lstStyle/>
+            <a:p/>
+          </p:txBody>
+        </p:sp>
+        <p:sp>
+          <p:nvSpPr>
+            <p:cNvPr id="24" name="rc24"/>
+            <p:cNvSpPr/>
+            <p:nvPr/>
+          </p:nvSpPr>
+          <p:spPr>
+            <a:xfrm>
+              <a:off x="5020534" y="2060727"/>
+              <a:ext cx="583159" cy="3487779"/>
+            </a:xfrm>
+            <a:prstGeom prst="rect">
+              <a:avLst/>
+            </a:prstGeom>
+            <a:solidFill>
+              <a:srgbClr val="F8766D">
+                <a:alpha val="100000"/>
+              </a:srgbClr>
+            </a:solidFill>
+          </p:spPr>
+          <p:txBody>
+            <a:bodyPr/>
+            <a:lstStyle/>
+            <a:p/>
+          </p:txBody>
+        </p:sp>
+        <p:sp>
+          <p:nvSpPr>
+            <p:cNvPr id="25" name="rc25"/>
+            <p:cNvSpPr/>
+            <p:nvPr/>
+          </p:nvSpPr>
+          <p:spPr>
+            <a:xfrm>
+              <a:off x="6899603" y="2944298"/>
+              <a:ext cx="583159" cy="2604208"/>
+            </a:xfrm>
+            <a:prstGeom prst="rect">
+              <a:avLst/>
+            </a:prstGeom>
+            <a:solidFill>
+              <a:srgbClr val="00BFC4">
+                <a:alpha val="100000"/>
+              </a:srgbClr>
+            </a:solidFill>
+          </p:spPr>
+          <p:txBody>
+            <a:bodyPr/>
+            <a:lstStyle/>
+            <a:p/>
+          </p:txBody>
+        </p:sp>
+        <p:sp>
+          <p:nvSpPr>
+            <p:cNvPr id="26" name="rc26"/>
+            <p:cNvSpPr/>
+            <p:nvPr/>
+          </p:nvSpPr>
+          <p:spPr>
+            <a:xfrm>
+              <a:off x="6316443" y="2928796"/>
+              <a:ext cx="583159" cy="2619709"/>
+            </a:xfrm>
+            <a:prstGeom prst="rect">
+              <a:avLst/>
+            </a:prstGeom>
+            <a:solidFill>
+              <a:srgbClr val="F8766D">
+                <a:alpha val="100000"/>
+              </a:srgbClr>
+            </a:solidFill>
+          </p:spPr>
+          <p:txBody>
+            <a:bodyPr/>
+            <a:lstStyle/>
+            <a:p/>
+          </p:txBody>
+        </p:sp>
+        <p:sp>
+          <p:nvSpPr>
+            <p:cNvPr id="27" name="tx27"/>
+            <p:cNvSpPr/>
+            <p:nvPr/>
+          </p:nvSpPr>
+          <p:spPr>
+            <a:xfrm>
+              <a:off x="813632" y="5507824"/>
+              <a:ext cx="62155" cy="79126"/>
+            </a:xfrm>
+            <a:prstGeom prst="rect">
+              <a:avLst/>
+            </a:prstGeom>
+            <a:noFill/>
+          </p:spPr>
+          <p:txBody>
+            <a:bodyPr lIns="0" rIns="0" tIns="0" bIns="0" anchorCtr="1" anchor="ctr" wrap="none"/>
+            <a:lstStyle/>
+            <a:p>
+              <a:pPr algn="l" marL="0" marR="0" indent="0">
+                <a:lnSpc>
+                  <a:spcPts val="880"/>
+                </a:lnSpc>
+                <a:spcBef>
+                  <a:spcPts val="0"/>
+                </a:spcBef>
+                <a:spcAft>
+                  <a:spcPts val="0"/>
+                </a:spcAft>
+              </a:pPr>
+              <a:r>
+                <a:rPr sz="880">
+                  <a:solidFill>
+                    <a:srgbClr val="4D4D4D">
+                      <a:alpha val="100000"/>
+                    </a:srgbClr>
+                  </a:solidFill>
+                  <a:latin typeface="Liberation Sans"/>
+                  <a:cs typeface="Liberation Sans"/>
+                </a:rPr>
+                <a:t>0</a:t>
+              </a:r>
+            </a:p>
+          </p:txBody>
+        </p:sp>
+        <p:sp>
+          <p:nvSpPr>
+            <p:cNvPr id="28" name="tx28"/>
+            <p:cNvSpPr/>
+            <p:nvPr/>
+          </p:nvSpPr>
+          <p:spPr>
+            <a:xfrm>
+              <a:off x="689321" y="4474408"/>
+              <a:ext cx="186466" cy="79126"/>
+            </a:xfrm>
+            <a:prstGeom prst="rect">
+              <a:avLst/>
+            </a:prstGeom>
+            <a:noFill/>
+          </p:spPr>
+          <p:txBody>
+            <a:bodyPr lIns="0" rIns="0" tIns="0" bIns="0" anchorCtr="1" anchor="ctr" wrap="none"/>
+            <a:lstStyle/>
+            <a:p>
+              <a:pPr algn="l" marL="0" marR="0" indent="0">
+                <a:lnSpc>
+                  <a:spcPts val="880"/>
+                </a:lnSpc>
+                <a:spcBef>
+                  <a:spcPts val="0"/>
+                </a:spcBef>
+                <a:spcAft>
+                  <a:spcPts val="0"/>
+                </a:spcAft>
+              </a:pPr>
+              <a:r>
+                <a:rPr sz="880">
+                  <a:solidFill>
+                    <a:srgbClr val="4D4D4D">
+                      <a:alpha val="100000"/>
+                    </a:srgbClr>
+                  </a:solidFill>
+                  <a:latin typeface="Liberation Sans"/>
+                  <a:cs typeface="Liberation Sans"/>
+                </a:rPr>
+                <a:t>200</a:t>
+              </a:r>
+            </a:p>
+          </p:txBody>
+        </p:sp>
+        <p:sp>
+          <p:nvSpPr>
+            <p:cNvPr id="29" name="tx29"/>
+            <p:cNvSpPr/>
+            <p:nvPr/>
+          </p:nvSpPr>
+          <p:spPr>
+            <a:xfrm>
+              <a:off x="689321" y="3440992"/>
+              <a:ext cx="186466" cy="79126"/>
+            </a:xfrm>
+            <a:prstGeom prst="rect">
+              <a:avLst/>
+            </a:prstGeom>
+            <a:noFill/>
+          </p:spPr>
+          <p:txBody>
+            <a:bodyPr lIns="0" rIns="0" tIns="0" bIns="0" anchorCtr="1" anchor="ctr" wrap="none"/>
+            <a:lstStyle/>
+            <a:p>
+              <a:pPr algn="l" marL="0" marR="0" indent="0">
+                <a:lnSpc>
+                  <a:spcPts val="880"/>
+                </a:lnSpc>
+                <a:spcBef>
+                  <a:spcPts val="0"/>
+                </a:spcBef>
+                <a:spcAft>
+                  <a:spcPts val="0"/>
+                </a:spcAft>
+              </a:pPr>
+              <a:r>
+                <a:rPr sz="880">
+                  <a:solidFill>
+                    <a:srgbClr val="4D4D4D">
+                      <a:alpha val="100000"/>
+                    </a:srgbClr>
+                  </a:solidFill>
+                  <a:latin typeface="Liberation Sans"/>
+                  <a:cs typeface="Liberation Sans"/>
+                </a:rPr>
+                <a:t>400</a:t>
+              </a:r>
+            </a:p>
+          </p:txBody>
+        </p:sp>
+        <p:sp>
+          <p:nvSpPr>
+            <p:cNvPr id="30" name="tx30"/>
+            <p:cNvSpPr/>
+            <p:nvPr/>
+          </p:nvSpPr>
+          <p:spPr>
+            <a:xfrm>
+              <a:off x="689321" y="2407576"/>
+              <a:ext cx="186466" cy="79126"/>
+            </a:xfrm>
+            <a:prstGeom prst="rect">
+              <a:avLst/>
+            </a:prstGeom>
+            <a:noFill/>
+          </p:spPr>
+          <p:txBody>
+            <a:bodyPr lIns="0" rIns="0" tIns="0" bIns="0" anchorCtr="1" anchor="ctr" wrap="none"/>
+            <a:lstStyle/>
+            <a:p>
+              <a:pPr algn="l" marL="0" marR="0" indent="0">
+                <a:lnSpc>
+                  <a:spcPts val="880"/>
+                </a:lnSpc>
+                <a:spcBef>
+                  <a:spcPts val="0"/>
+                </a:spcBef>
+                <a:spcAft>
+                  <a:spcPts val="0"/>
+                </a:spcAft>
+              </a:pPr>
+              <a:r>
+                <a:rPr sz="880">
+                  <a:solidFill>
+                    <a:srgbClr val="4D4D4D">
+                      <a:alpha val="100000"/>
+                    </a:srgbClr>
+                  </a:solidFill>
+                  <a:latin typeface="Liberation Sans"/>
+                  <a:cs typeface="Liberation Sans"/>
+                </a:rPr>
+                <a:t>600</a:t>
+              </a:r>
+            </a:p>
+          </p:txBody>
+        </p:sp>
+        <p:sp>
+          <p:nvSpPr>
+            <p:cNvPr id="31" name="tx31"/>
+            <p:cNvSpPr/>
+            <p:nvPr/>
+          </p:nvSpPr>
+          <p:spPr>
+            <a:xfrm>
+              <a:off x="1557519" y="5758240"/>
+              <a:ext cx="316889" cy="104174"/>
+            </a:xfrm>
+            <a:prstGeom prst="rect">
+              <a:avLst/>
+            </a:prstGeom>
+            <a:noFill/>
+          </p:spPr>
+          <p:txBody>
+            <a:bodyPr lIns="0" rIns="0" tIns="0" bIns="0" anchorCtr="1" anchor="ctr" wrap="none"/>
+            <a:lstStyle/>
+            <a:p>
+              <a:pPr algn="l" marL="0" marR="0" indent="0">
+                <a:lnSpc>
+                  <a:spcPts val="880"/>
+                </a:lnSpc>
+                <a:spcBef>
+                  <a:spcPts val="0"/>
+                </a:spcBef>
+                <a:spcAft>
+                  <a:spcPts val="0"/>
+                </a:spcAft>
+              </a:pPr>
+              <a:r>
+                <a:rPr sz="880">
+                  <a:solidFill>
+                    <a:srgbClr val="4D4D4D">
+                      <a:alpha val="100000"/>
+                    </a:srgbClr>
+                  </a:solidFill>
+                  <a:latin typeface="Liberation Sans"/>
+                  <a:cs typeface="Liberation Sans"/>
+                </a:rPr>
+                <a:t>Eating</a:t>
+              </a:r>
+            </a:p>
+          </p:txBody>
+        </p:sp>
+        <p:sp>
+          <p:nvSpPr>
+            <p:cNvPr id="32" name="tx32"/>
+            <p:cNvSpPr/>
+            <p:nvPr/>
+          </p:nvSpPr>
+          <p:spPr>
+            <a:xfrm>
+              <a:off x="2701314" y="5758240"/>
+              <a:ext cx="621119" cy="104174"/>
+            </a:xfrm>
+            <a:prstGeom prst="rect">
+              <a:avLst/>
+            </a:prstGeom>
+            <a:noFill/>
+          </p:spPr>
+          <p:txBody>
+            <a:bodyPr lIns="0" rIns="0" tIns="0" bIns="0" anchorCtr="1" anchor="ctr" wrap="none"/>
+            <a:lstStyle/>
+            <a:p>
+              <a:pPr algn="l" marL="0" marR="0" indent="0">
+                <a:lnSpc>
+                  <a:spcPts val="880"/>
+                </a:lnSpc>
+                <a:spcBef>
+                  <a:spcPts val="0"/>
+                </a:spcBef>
+                <a:spcAft>
+                  <a:spcPts val="0"/>
+                </a:spcAft>
+              </a:pPr>
+              <a:r>
+                <a:rPr sz="880">
+                  <a:solidFill>
+                    <a:srgbClr val="4D4D4D">
+                      <a:alpha val="100000"/>
+                    </a:srgbClr>
+                  </a:solidFill>
+                  <a:latin typeface="Liberation Sans"/>
+                  <a:cs typeface="Liberation Sans"/>
+                </a:rPr>
+                <a:t>Employment</a:t>
+              </a:r>
+            </a:p>
+          </p:txBody>
+        </p:sp>
+        <p:sp>
+          <p:nvSpPr>
+            <p:cNvPr id="33" name="tx33"/>
+            <p:cNvSpPr/>
+            <p:nvPr/>
+          </p:nvSpPr>
+          <p:spPr>
+            <a:xfrm>
+              <a:off x="3646173" y="5758240"/>
+              <a:ext cx="1323220" cy="104174"/>
+            </a:xfrm>
+            <a:prstGeom prst="rect">
+              <a:avLst/>
+            </a:prstGeom>
+            <a:noFill/>
+          </p:spPr>
+          <p:txBody>
+            <a:bodyPr lIns="0" rIns="0" tIns="0" bIns="0" anchorCtr="1" anchor="ctr" wrap="none"/>
+            <a:lstStyle/>
+            <a:p>
+              <a:pPr algn="l" marL="0" marR="0" indent="0">
+                <a:lnSpc>
+                  <a:spcPts val="880"/>
+                </a:lnSpc>
+                <a:spcBef>
+                  <a:spcPts val="0"/>
+                </a:spcBef>
+                <a:spcAft>
+                  <a:spcPts val="0"/>
+                </a:spcAft>
+              </a:pPr>
+              <a:r>
+                <a:rPr sz="880">
+                  <a:solidFill>
+                    <a:srgbClr val="4D4D4D">
+                      <a:alpha val="100000"/>
+                    </a:srgbClr>
+                  </a:solidFill>
+                  <a:latin typeface="Liberation Sans"/>
+                  <a:cs typeface="Liberation Sans"/>
+                </a:rPr>
+                <a:t>Household and family care</a:t>
+              </a:r>
+            </a:p>
+          </p:txBody>
+        </p:sp>
+        <p:sp>
+          <p:nvSpPr>
+            <p:cNvPr id="34" name="tx34"/>
+            <p:cNvSpPr/>
+            <p:nvPr/>
+          </p:nvSpPr>
+          <p:spPr>
+            <a:xfrm>
+              <a:off x="5258918" y="5780341"/>
+              <a:ext cx="689550" cy="82073"/>
+            </a:xfrm>
+            <a:prstGeom prst="rect">
+              <a:avLst/>
+            </a:prstGeom>
+            <a:noFill/>
+          </p:spPr>
+          <p:txBody>
+            <a:bodyPr lIns="0" rIns="0" tIns="0" bIns="0" anchorCtr="1" anchor="ctr" wrap="none"/>
+            <a:lstStyle/>
+            <a:p>
+              <a:pPr algn="l" marL="0" marR="0" indent="0">
+                <a:lnSpc>
+                  <a:spcPts val="880"/>
+                </a:lnSpc>
+                <a:spcBef>
+                  <a:spcPts val="0"/>
+                </a:spcBef>
+                <a:spcAft>
+                  <a:spcPts val="0"/>
+                </a:spcAft>
+              </a:pPr>
+              <a:r>
+                <a:rPr sz="880">
+                  <a:solidFill>
+                    <a:srgbClr val="4D4D4D">
+                      <a:alpha val="100000"/>
+                    </a:srgbClr>
+                  </a:solidFill>
+                  <a:latin typeface="Liberation Sans"/>
+                  <a:cs typeface="Liberation Sans"/>
+                </a:rPr>
+                <a:t>Personal care</a:t>
+              </a:r>
+            </a:p>
+          </p:txBody>
+        </p:sp>
+        <p:sp>
+          <p:nvSpPr>
+            <p:cNvPr id="35" name="tx35"/>
+            <p:cNvSpPr/>
+            <p:nvPr/>
+          </p:nvSpPr>
+          <p:spPr>
+            <a:xfrm>
+              <a:off x="6756683" y="5758240"/>
+              <a:ext cx="285839" cy="104174"/>
+            </a:xfrm>
+            <a:prstGeom prst="rect">
+              <a:avLst/>
+            </a:prstGeom>
+            <a:noFill/>
+          </p:spPr>
+          <p:txBody>
+            <a:bodyPr lIns="0" rIns="0" tIns="0" bIns="0" anchorCtr="1" anchor="ctr" wrap="none"/>
+            <a:lstStyle/>
+            <a:p>
+              <a:pPr algn="l" marL="0" marR="0" indent="0">
+                <a:lnSpc>
+                  <a:spcPts val="880"/>
+                </a:lnSpc>
+                <a:spcBef>
+                  <a:spcPts val="0"/>
+                </a:spcBef>
+                <a:spcAft>
+                  <a:spcPts val="0"/>
+                </a:spcAft>
+              </a:pPr>
+              <a:r>
+                <a:rPr sz="880">
+                  <a:solidFill>
+                    <a:srgbClr val="4D4D4D">
+                      <a:alpha val="100000"/>
+                    </a:srgbClr>
+                  </a:solidFill>
+                  <a:latin typeface="Liberation Sans"/>
+                  <a:cs typeface="Liberation Sans"/>
+                </a:rPr>
+                <a:t>Sleep</a:t>
+              </a:r>
+            </a:p>
+          </p:txBody>
+        </p:sp>
+        <p:sp>
+          <p:nvSpPr>
+            <p:cNvPr id="36" name="tx36"/>
+            <p:cNvSpPr/>
+            <p:nvPr/>
+          </p:nvSpPr>
+          <p:spPr>
+            <a:xfrm>
+              <a:off x="4032203" y="5922355"/>
+              <a:ext cx="551160" cy="102592"/>
+            </a:xfrm>
+            <a:prstGeom prst="rect">
+              <a:avLst/>
+            </a:prstGeom>
+            <a:noFill/>
+          </p:spPr>
+          <p:txBody>
+            <a:bodyPr lIns="0" rIns="0" tIns="0" bIns="0" anchorCtr="1" anchor="ctr" wrap="none"/>
+            <a:lstStyle/>
+            <a:p>
+              <a:pPr algn="l" marL="0" marR="0" indent="0">
+                <a:lnSpc>
+                  <a:spcPts val="1100"/>
+                </a:lnSpc>
+                <a:spcBef>
+                  <a:spcPts val="0"/>
+                </a:spcBef>
+                <a:spcAft>
+                  <a:spcPts val="0"/>
+                </a:spcAft>
+              </a:pPr>
+              <a:r>
+                <a:rPr sz="1100">
+                  <a:solidFill>
+                    <a:srgbClr val="000000">
+                      <a:alpha val="100000"/>
+                    </a:srgbClr>
+                  </a:solidFill>
+                  <a:latin typeface="Liberation Sans"/>
+                  <a:cs typeface="Liberation Sans"/>
+                </a:rPr>
+                <a:t>Activities</a:t>
+              </a:r>
+            </a:p>
+          </p:txBody>
+        </p:sp>
+        <p:sp>
+          <p:nvSpPr>
+            <p:cNvPr id="37" name="tx37"/>
+            <p:cNvSpPr/>
+            <p:nvPr/>
+          </p:nvSpPr>
+          <p:spPr>
+            <a:xfrm rot="-5400000">
+              <a:off x="78630" y="3753321"/>
+              <a:ext cx="985949" cy="102592"/>
+            </a:xfrm>
+            <a:prstGeom prst="rect">
+              <a:avLst/>
+            </a:prstGeom>
+            <a:noFill/>
+          </p:spPr>
+          <p:txBody>
+            <a:bodyPr lIns="0" rIns="0" tIns="0" bIns="0" anchorCtr="1" anchor="ctr" wrap="none"/>
+            <a:lstStyle/>
+            <a:p>
+              <a:pPr algn="l" marL="0" marR="0" indent="0">
+                <a:lnSpc>
+                  <a:spcPts val="1100"/>
+                </a:lnSpc>
+                <a:spcBef>
+                  <a:spcPts val="0"/>
+                </a:spcBef>
+                <a:spcAft>
+                  <a:spcPts val="0"/>
+                </a:spcAft>
+              </a:pPr>
+              <a:r>
+                <a:rPr sz="1100">
+                  <a:solidFill>
+                    <a:srgbClr val="000000">
+                      <a:alpha val="100000"/>
+                    </a:srgbClr>
+                  </a:solidFill>
+                  <a:latin typeface="Liberation Sans"/>
+                  <a:cs typeface="Liberation Sans"/>
+                </a:rPr>
+                <a:t>Time in minutes</a:t>
+              </a:r>
+            </a:p>
+          </p:txBody>
+        </p:sp>
+        <p:sp>
+          <p:nvSpPr>
+            <p:cNvPr id="38" name="tx38"/>
+            <p:cNvSpPr/>
+            <p:nvPr/>
+          </p:nvSpPr>
+          <p:spPr>
+            <a:xfrm>
+              <a:off x="7885916" y="3468204"/>
+              <a:ext cx="644748" cy="130218"/>
+            </a:xfrm>
+            <a:prstGeom prst="rect">
+              <a:avLst/>
+            </a:prstGeom>
+            <a:noFill/>
+          </p:spPr>
+          <p:txBody>
+            <a:bodyPr lIns="0" rIns="0" tIns="0" bIns="0" anchorCtr="1" anchor="ctr" wrap="none"/>
+            <a:lstStyle/>
+            <a:p>
+              <a:pPr algn="l" marL="0" marR="0" indent="0">
+                <a:lnSpc>
+                  <a:spcPts val="1100"/>
+                </a:lnSpc>
+                <a:spcBef>
+                  <a:spcPts val="0"/>
+                </a:spcBef>
+                <a:spcAft>
+                  <a:spcPts val="0"/>
+                </a:spcAft>
+              </a:pPr>
+              <a:r>
+                <a:rPr sz="1100">
+                  <a:solidFill>
+                    <a:srgbClr val="000000">
+                      <a:alpha val="100000"/>
+                    </a:srgbClr>
+                  </a:solidFill>
+                  <a:latin typeface="Liberation Sans"/>
+                  <a:cs typeface="Liberation Sans"/>
+                </a:rPr>
+                <a:t>population</a:t>
+              </a:r>
+            </a:p>
+          </p:txBody>
+        </p:sp>
+        <p:sp>
+          <p:nvSpPr>
+            <p:cNvPr id="39" name="rc39"/>
+            <p:cNvSpPr/>
+            <p:nvPr/>
+          </p:nvSpPr>
+          <p:spPr>
+            <a:xfrm>
+              <a:off x="7894916" y="3692824"/>
+              <a:ext cx="201455" cy="201456"/>
+            </a:xfrm>
+            <a:prstGeom prst="rect">
+              <a:avLst/>
+            </a:prstGeom>
+            <a:solidFill>
+              <a:srgbClr val="F8766D">
+                <a:alpha val="100000"/>
+              </a:srgbClr>
+            </a:solidFill>
+          </p:spPr>
+          <p:txBody>
+            <a:bodyPr/>
+            <a:lstStyle/>
+            <a:p/>
+          </p:txBody>
+        </p:sp>
+        <p:sp>
+          <p:nvSpPr>
+            <p:cNvPr id="40" name="rc40"/>
+            <p:cNvSpPr/>
+            <p:nvPr/>
+          </p:nvSpPr>
+          <p:spPr>
+            <a:xfrm>
+              <a:off x="7894916" y="3912280"/>
+              <a:ext cx="201455" cy="201456"/>
+            </a:xfrm>
+            <a:prstGeom prst="rect">
+              <a:avLst/>
+            </a:prstGeom>
+            <a:solidFill>
+              <a:srgbClr val="00BFC4">
+                <a:alpha val="100000"/>
+              </a:srgbClr>
+            </a:solidFill>
+          </p:spPr>
+          <p:txBody>
+            <a:bodyPr/>
+            <a:lstStyle/>
+            <a:p/>
+          </p:txBody>
+        </p:sp>
+        <p:sp>
+          <p:nvSpPr>
+            <p:cNvPr id="41" name="tx41"/>
+            <p:cNvSpPr/>
+            <p:nvPr/>
+          </p:nvSpPr>
+          <p:spPr>
+            <a:xfrm>
+              <a:off x="8174961" y="3749923"/>
+              <a:ext cx="372660" cy="82073"/>
+            </a:xfrm>
+            <a:prstGeom prst="rect">
+              <a:avLst/>
+            </a:prstGeom>
+            <a:noFill/>
+          </p:spPr>
+          <p:txBody>
+            <a:bodyPr lIns="0" rIns="0" tIns="0" bIns="0" anchorCtr="1" anchor="ctr" wrap="none"/>
+            <a:lstStyle/>
+            <a:p>
+              <a:pPr algn="l" marL="0" marR="0" indent="0">
+                <a:lnSpc>
+                  <a:spcPts val="880"/>
+                </a:lnSpc>
+                <a:spcBef>
+                  <a:spcPts val="0"/>
+                </a:spcBef>
+                <a:spcAft>
+                  <a:spcPts val="0"/>
+                </a:spcAft>
+              </a:pPr>
+              <a:r>
+                <a:rPr sz="880">
+                  <a:solidFill>
+                    <a:srgbClr val="000000">
+                      <a:alpha val="100000"/>
+                    </a:srgbClr>
+                  </a:solidFill>
+                  <a:latin typeface="Liberation Sans"/>
+                  <a:cs typeface="Liberation Sans"/>
+                </a:rPr>
+                <a:t>Female</a:t>
+              </a:r>
+            </a:p>
+          </p:txBody>
+        </p:sp>
+        <p:sp>
+          <p:nvSpPr>
+            <p:cNvPr id="42" name="tx42"/>
+            <p:cNvSpPr/>
+            <p:nvPr/>
+          </p:nvSpPr>
+          <p:spPr>
+            <a:xfrm>
+              <a:off x="8174961" y="3969379"/>
+              <a:ext cx="242237" cy="82073"/>
+            </a:xfrm>
+            <a:prstGeom prst="rect">
+              <a:avLst/>
+            </a:prstGeom>
+            <a:noFill/>
+          </p:spPr>
+          <p:txBody>
+            <a:bodyPr lIns="0" rIns="0" tIns="0" bIns="0" anchorCtr="1" anchor="ctr" wrap="none"/>
+            <a:lstStyle/>
+            <a:p>
+              <a:pPr algn="l" marL="0" marR="0" indent="0">
+                <a:lnSpc>
+                  <a:spcPts val="880"/>
+                </a:lnSpc>
+                <a:spcBef>
+                  <a:spcPts val="0"/>
+                </a:spcBef>
+                <a:spcAft>
+                  <a:spcPts val="0"/>
+                </a:spcAft>
+              </a:pPr>
+              <a:r>
+                <a:rPr sz="880">
+                  <a:solidFill>
+                    <a:srgbClr val="000000">
+                      <a:alpha val="100000"/>
+                    </a:srgbClr>
+                  </a:solidFill>
+                  <a:latin typeface="Liberation Sans"/>
+                  <a:cs typeface="Liberation Sans"/>
+                </a:rPr>
+                <a:t>Male</a:t>
+              </a:r>
+            </a:p>
+          </p:txBody>
+        </p:sp>
+        <p:sp>
+          <p:nvSpPr>
+            <p:cNvPr id="43" name="tx43"/>
+            <p:cNvSpPr/>
+            <p:nvPr/>
+          </p:nvSpPr>
+          <p:spPr>
+            <a:xfrm>
+              <a:off x="938418" y="1628861"/>
+              <a:ext cx="2143221" cy="156262"/>
+            </a:xfrm>
+            <a:prstGeom prst="rect">
+              <a:avLst/>
+            </a:prstGeom>
+            <a:noFill/>
+          </p:spPr>
+          <p:txBody>
+            <a:bodyPr lIns="0" rIns="0" tIns="0" bIns="0" anchorCtr="1" anchor="ctr" wrap="none"/>
+            <a:lstStyle/>
+            <a:p>
+              <a:pPr algn="l" marL="0" marR="0" indent="0">
+                <a:lnSpc>
+                  <a:spcPts val="1320"/>
+                </a:lnSpc>
+                <a:spcBef>
+                  <a:spcPts val="0"/>
+                </a:spcBef>
+                <a:spcAft>
+                  <a:spcPts val="0"/>
+                </a:spcAft>
+              </a:pPr>
+              <a:r>
+                <a:rPr sz="1320">
+                  <a:solidFill>
+                    <a:srgbClr val="000000">
+                      <a:alpha val="100000"/>
+                    </a:srgbClr>
+                  </a:solidFill>
+                  <a:latin typeface="Liberation Sans"/>
+                  <a:cs typeface="Liberation Sans"/>
+                </a:rPr>
+                <a:t>Year 2014_Monday til Friday</a:t>
+              </a:r>
+            </a:p>
+          </p:txBody>
+        </p:sp>
+      </p:grpSp>
+    </p:spTree>
+  </p:cSld>
+  <p:clrMapOvr>
+    <a:masterClrMapping/>
+  </p:clrMapOvr>
+</p:sld>
+</file>
+
 <file path=ppt/slides/slide2.xml><?xml version="1.0" encoding="utf-8"?>
 <p:sld xmlns:a="http://schemas.openxmlformats.org/drawingml/2006/main" xmlns:r="http://schemas.openxmlformats.org/officeDocument/2006/relationships" xmlns:p="http://schemas.openxmlformats.org/presentationml/2006/main">
   <p:cSld>
@@ -20464,6 +22103,3367 @@
                   <a:cs typeface="Liberation Sans"/>
                 </a:rPr>
                 <a:t>Year 2014_Saturday</a:t>
+              </a:r>
+            </a:p>
+          </p:txBody>
+        </p:sp>
+      </p:grpSp>
+    </p:spTree>
+  </p:cSld>
+  <p:clrMapOvr>
+    <a:masterClrMapping/>
+  </p:clrMapOvr>
+</p:sld>
+</file>
+
+<file path=ppt/slides/slide20.xml><?xml version="1.0" encoding="utf-8"?>
+<p:sld xmlns:a="http://schemas.openxmlformats.org/drawingml/2006/main" xmlns:r="http://schemas.openxmlformats.org/officeDocument/2006/relationships" xmlns:p="http://schemas.openxmlformats.org/presentationml/2006/main">
+  <p:cSld>
+    <p:spTree>
+      <p:nvGrpSpPr>
+        <p:cNvPr id="1" name=""/>
+        <p:cNvGrpSpPr/>
+        <p:nvPr/>
+      </p:nvGrpSpPr>
+      <p:grpSpPr>
+        <a:xfrm>
+          <a:off x="0" y="0"/>
+          <a:ext cx="0" cy="0"/>
+          <a:chOff x="0" y="0"/>
+          <a:chExt cx="0" cy="0"/>
+        </a:xfrm>
+      </p:grpSpPr>
+      <p:grpSp xmlns:a="http://schemas.openxmlformats.org/drawingml/2006/main" xmlns:r="http://schemas.openxmlformats.org/officeDocument/2006/relationships" xmlns:p="http://schemas.openxmlformats.org/presentationml/2006/main" xmlns:pic="http://schemas.openxmlformats.org/drawingml/2006/picture">
+        <p:nvGrpSpPr>
+          <p:cNvPr id="2" name="grp1"/>
+          <p:cNvGrpSpPr/>
+          <p:nvPr/>
+        </p:nvGrpSpPr>
+        <p:grpSpPr>
+          <a:xfrm>
+            <a:off x="457200" y="1600200"/>
+            <a:ext cx="8229600" cy="4525962"/>
+            <a:chOff x="457200" y="1600200"/>
+            <a:chExt cx="8229600" cy="4525962"/>
+          </a:xfrm>
+        </p:grpSpPr>
+        <p:sp>
+          <p:nvSpPr>
+            <p:cNvPr id="3" name="rc3"/>
+            <p:cNvSpPr/>
+            <p:nvPr/>
+          </p:nvSpPr>
+          <p:spPr>
+            <a:xfrm>
+              <a:off x="457200" y="1600200"/>
+              <a:ext cx="8229600" cy="4525962"/>
+            </a:xfrm>
+            <a:prstGeom prst="rect">
+              <a:avLst/>
+            </a:prstGeom>
+            <a:solidFill>
+              <a:srgbClr val="FFFFFF">
+                <a:alpha val="100000"/>
+              </a:srgbClr>
+            </a:solidFill>
+            <a:ln w="9525" cap="rnd">
+              <a:solidFill>
+                <a:srgbClr val="FFFFFF">
+                  <a:alpha val="100000"/>
+                </a:srgbClr>
+              </a:solidFill>
+              <a:prstDash val="solid"/>
+              <a:round/>
+            </a:ln>
+          </p:spPr>
+          <p:txBody>
+            <a:bodyPr/>
+            <a:lstStyle/>
+            <a:p/>
+          </p:txBody>
+        </p:sp>
+        <p:sp>
+          <p:nvSpPr>
+            <p:cNvPr id="4" name="pl4"/>
+            <p:cNvSpPr/>
+            <p:nvPr/>
+          </p:nvSpPr>
+          <p:spPr>
+            <a:xfrm>
+              <a:off x="938418" y="5081601"/>
+              <a:ext cx="6738730" cy="0"/>
+            </a:xfrm>
+            <a:custGeom>
+              <a:avLst/>
+              <a:pathLst>
+                <a:path w="6738730" h="0">
+                  <a:moveTo>
+                    <a:pt x="0" y="0"/>
+                  </a:moveTo>
+                  <a:lnTo>
+                    <a:pt x="6738730" y="0"/>
+                  </a:lnTo>
+                  <a:lnTo>
+                    <a:pt x="6738730" y="0"/>
+                  </a:lnTo>
+                </a:path>
+              </a:pathLst>
+            </a:custGeom>
+            <a:ln w="6775" cap="flat">
+              <a:solidFill>
+                <a:srgbClr val="EBEBEB">
+                  <a:alpha val="100000"/>
+                </a:srgbClr>
+              </a:solidFill>
+              <a:prstDash val="solid"/>
+              <a:round/>
+            </a:ln>
+          </p:spPr>
+          <p:txBody>
+            <a:bodyPr/>
+            <a:lstStyle/>
+            <a:p/>
+          </p:txBody>
+        </p:sp>
+        <p:sp>
+          <p:nvSpPr>
+            <p:cNvPr id="5" name="pl5"/>
+            <p:cNvSpPr/>
+            <p:nvPr/>
+          </p:nvSpPr>
+          <p:spPr>
+            <a:xfrm>
+              <a:off x="938418" y="4147792"/>
+              <a:ext cx="6738730" cy="0"/>
+            </a:xfrm>
+            <a:custGeom>
+              <a:avLst/>
+              <a:pathLst>
+                <a:path w="6738730" h="0">
+                  <a:moveTo>
+                    <a:pt x="0" y="0"/>
+                  </a:moveTo>
+                  <a:lnTo>
+                    <a:pt x="6738730" y="0"/>
+                  </a:lnTo>
+                  <a:lnTo>
+                    <a:pt x="6738730" y="0"/>
+                  </a:lnTo>
+                </a:path>
+              </a:pathLst>
+            </a:custGeom>
+            <a:ln w="6775" cap="flat">
+              <a:solidFill>
+                <a:srgbClr val="EBEBEB">
+                  <a:alpha val="100000"/>
+                </a:srgbClr>
+              </a:solidFill>
+              <a:prstDash val="solid"/>
+              <a:round/>
+            </a:ln>
+          </p:spPr>
+          <p:txBody>
+            <a:bodyPr/>
+            <a:lstStyle/>
+            <a:p/>
+          </p:txBody>
+        </p:sp>
+        <p:sp>
+          <p:nvSpPr>
+            <p:cNvPr id="6" name="pl6"/>
+            <p:cNvSpPr/>
+            <p:nvPr/>
+          </p:nvSpPr>
+          <p:spPr>
+            <a:xfrm>
+              <a:off x="938418" y="3213982"/>
+              <a:ext cx="6738730" cy="0"/>
+            </a:xfrm>
+            <a:custGeom>
+              <a:avLst/>
+              <a:pathLst>
+                <a:path w="6738730" h="0">
+                  <a:moveTo>
+                    <a:pt x="0" y="0"/>
+                  </a:moveTo>
+                  <a:lnTo>
+                    <a:pt x="6738730" y="0"/>
+                  </a:lnTo>
+                  <a:lnTo>
+                    <a:pt x="6738730" y="0"/>
+                  </a:lnTo>
+                </a:path>
+              </a:pathLst>
+            </a:custGeom>
+            <a:ln w="6775" cap="flat">
+              <a:solidFill>
+                <a:srgbClr val="EBEBEB">
+                  <a:alpha val="100000"/>
+                </a:srgbClr>
+              </a:solidFill>
+              <a:prstDash val="solid"/>
+              <a:round/>
+            </a:ln>
+          </p:spPr>
+          <p:txBody>
+            <a:bodyPr/>
+            <a:lstStyle/>
+            <a:p/>
+          </p:txBody>
+        </p:sp>
+        <p:sp>
+          <p:nvSpPr>
+            <p:cNvPr id="7" name="pl7"/>
+            <p:cNvSpPr/>
+            <p:nvPr/>
+          </p:nvSpPr>
+          <p:spPr>
+            <a:xfrm>
+              <a:off x="938418" y="2280172"/>
+              <a:ext cx="6738730" cy="0"/>
+            </a:xfrm>
+            <a:custGeom>
+              <a:avLst/>
+              <a:pathLst>
+                <a:path w="6738730" h="0">
+                  <a:moveTo>
+                    <a:pt x="0" y="0"/>
+                  </a:moveTo>
+                  <a:lnTo>
+                    <a:pt x="6738730" y="0"/>
+                  </a:lnTo>
+                  <a:lnTo>
+                    <a:pt x="6738730" y="0"/>
+                  </a:lnTo>
+                </a:path>
+              </a:pathLst>
+            </a:custGeom>
+            <a:ln w="6775" cap="flat">
+              <a:solidFill>
+                <a:srgbClr val="EBEBEB">
+                  <a:alpha val="100000"/>
+                </a:srgbClr>
+              </a:solidFill>
+              <a:prstDash val="solid"/>
+              <a:round/>
+            </a:ln>
+          </p:spPr>
+          <p:txBody>
+            <a:bodyPr/>
+            <a:lstStyle/>
+            <a:p/>
+          </p:txBody>
+        </p:sp>
+        <p:sp>
+          <p:nvSpPr>
+            <p:cNvPr id="8" name="pl8"/>
+            <p:cNvSpPr/>
+            <p:nvPr/>
+          </p:nvSpPr>
+          <p:spPr>
+            <a:xfrm>
+              <a:off x="938418" y="5548506"/>
+              <a:ext cx="6738730" cy="0"/>
+            </a:xfrm>
+            <a:custGeom>
+              <a:avLst/>
+              <a:pathLst>
+                <a:path w="6738730" h="0">
+                  <a:moveTo>
+                    <a:pt x="0" y="0"/>
+                  </a:moveTo>
+                  <a:lnTo>
+                    <a:pt x="6738730" y="0"/>
+                  </a:lnTo>
+                  <a:lnTo>
+                    <a:pt x="6738730" y="0"/>
+                  </a:lnTo>
+                </a:path>
+              </a:pathLst>
+            </a:custGeom>
+            <a:ln w="13550" cap="flat">
+              <a:solidFill>
+                <a:srgbClr val="EBEBEB">
+                  <a:alpha val="100000"/>
+                </a:srgbClr>
+              </a:solidFill>
+              <a:prstDash val="solid"/>
+              <a:round/>
+            </a:ln>
+          </p:spPr>
+          <p:txBody>
+            <a:bodyPr/>
+            <a:lstStyle/>
+            <a:p/>
+          </p:txBody>
+        </p:sp>
+        <p:sp>
+          <p:nvSpPr>
+            <p:cNvPr id="9" name="pl9"/>
+            <p:cNvSpPr/>
+            <p:nvPr/>
+          </p:nvSpPr>
+          <p:spPr>
+            <a:xfrm>
+              <a:off x="938418" y="4614697"/>
+              <a:ext cx="6738730" cy="0"/>
+            </a:xfrm>
+            <a:custGeom>
+              <a:avLst/>
+              <a:pathLst>
+                <a:path w="6738730" h="0">
+                  <a:moveTo>
+                    <a:pt x="0" y="0"/>
+                  </a:moveTo>
+                  <a:lnTo>
+                    <a:pt x="6738730" y="0"/>
+                  </a:lnTo>
+                  <a:lnTo>
+                    <a:pt x="6738730" y="0"/>
+                  </a:lnTo>
+                </a:path>
+              </a:pathLst>
+            </a:custGeom>
+            <a:ln w="13550" cap="flat">
+              <a:solidFill>
+                <a:srgbClr val="EBEBEB">
+                  <a:alpha val="100000"/>
+                </a:srgbClr>
+              </a:solidFill>
+              <a:prstDash val="solid"/>
+              <a:round/>
+            </a:ln>
+          </p:spPr>
+          <p:txBody>
+            <a:bodyPr/>
+            <a:lstStyle/>
+            <a:p/>
+          </p:txBody>
+        </p:sp>
+        <p:sp>
+          <p:nvSpPr>
+            <p:cNvPr id="10" name="pl10"/>
+            <p:cNvSpPr/>
+            <p:nvPr/>
+          </p:nvSpPr>
+          <p:spPr>
+            <a:xfrm>
+              <a:off x="938418" y="3680887"/>
+              <a:ext cx="6738730" cy="0"/>
+            </a:xfrm>
+            <a:custGeom>
+              <a:avLst/>
+              <a:pathLst>
+                <a:path w="6738730" h="0">
+                  <a:moveTo>
+                    <a:pt x="0" y="0"/>
+                  </a:moveTo>
+                  <a:lnTo>
+                    <a:pt x="6738730" y="0"/>
+                  </a:lnTo>
+                  <a:lnTo>
+                    <a:pt x="6738730" y="0"/>
+                  </a:lnTo>
+                </a:path>
+              </a:pathLst>
+            </a:custGeom>
+            <a:ln w="13550" cap="flat">
+              <a:solidFill>
+                <a:srgbClr val="EBEBEB">
+                  <a:alpha val="100000"/>
+                </a:srgbClr>
+              </a:solidFill>
+              <a:prstDash val="solid"/>
+              <a:round/>
+            </a:ln>
+          </p:spPr>
+          <p:txBody>
+            <a:bodyPr/>
+            <a:lstStyle/>
+            <a:p/>
+          </p:txBody>
+        </p:sp>
+        <p:sp>
+          <p:nvSpPr>
+            <p:cNvPr id="11" name="pl11"/>
+            <p:cNvSpPr/>
+            <p:nvPr/>
+          </p:nvSpPr>
+          <p:spPr>
+            <a:xfrm>
+              <a:off x="938418" y="2747077"/>
+              <a:ext cx="6738730" cy="0"/>
+            </a:xfrm>
+            <a:custGeom>
+              <a:avLst/>
+              <a:pathLst>
+                <a:path w="6738730" h="0">
+                  <a:moveTo>
+                    <a:pt x="0" y="0"/>
+                  </a:moveTo>
+                  <a:lnTo>
+                    <a:pt x="6738730" y="0"/>
+                  </a:lnTo>
+                  <a:lnTo>
+                    <a:pt x="6738730" y="0"/>
+                  </a:lnTo>
+                </a:path>
+              </a:pathLst>
+            </a:custGeom>
+            <a:ln w="13550" cap="flat">
+              <a:solidFill>
+                <a:srgbClr val="EBEBEB">
+                  <a:alpha val="100000"/>
+                </a:srgbClr>
+              </a:solidFill>
+              <a:prstDash val="solid"/>
+              <a:round/>
+            </a:ln>
+          </p:spPr>
+          <p:txBody>
+            <a:bodyPr/>
+            <a:lstStyle/>
+            <a:p/>
+          </p:txBody>
+        </p:sp>
+        <p:sp>
+          <p:nvSpPr>
+            <p:cNvPr id="12" name="pl12"/>
+            <p:cNvSpPr/>
+            <p:nvPr/>
+          </p:nvSpPr>
+          <p:spPr>
+            <a:xfrm>
+              <a:off x="1715964" y="1886338"/>
+              <a:ext cx="0" cy="3836557"/>
+            </a:xfrm>
+            <a:custGeom>
+              <a:avLst/>
+              <a:pathLst>
+                <a:path w="0" h="3836557">
+                  <a:moveTo>
+                    <a:pt x="0" y="3836557"/>
+                  </a:moveTo>
+                  <a:lnTo>
+                    <a:pt x="0" y="0"/>
+                  </a:lnTo>
+                  <a:lnTo>
+                    <a:pt x="0" y="0"/>
+                  </a:lnTo>
+                </a:path>
+              </a:pathLst>
+            </a:custGeom>
+            <a:ln w="13550" cap="flat">
+              <a:solidFill>
+                <a:srgbClr val="EBEBEB">
+                  <a:alpha val="100000"/>
+                </a:srgbClr>
+              </a:solidFill>
+              <a:prstDash val="solid"/>
+              <a:round/>
+            </a:ln>
+          </p:spPr>
+          <p:txBody>
+            <a:bodyPr/>
+            <a:lstStyle/>
+            <a:p/>
+          </p:txBody>
+        </p:sp>
+        <p:sp>
+          <p:nvSpPr>
+            <p:cNvPr id="13" name="pl13"/>
+            <p:cNvSpPr/>
+            <p:nvPr/>
+          </p:nvSpPr>
+          <p:spPr>
+            <a:xfrm>
+              <a:off x="3011873" y="1886338"/>
+              <a:ext cx="0" cy="3836557"/>
+            </a:xfrm>
+            <a:custGeom>
+              <a:avLst/>
+              <a:pathLst>
+                <a:path w="0" h="3836557">
+                  <a:moveTo>
+                    <a:pt x="0" y="3836557"/>
+                  </a:moveTo>
+                  <a:lnTo>
+                    <a:pt x="0" y="0"/>
+                  </a:lnTo>
+                  <a:lnTo>
+                    <a:pt x="0" y="0"/>
+                  </a:lnTo>
+                </a:path>
+              </a:pathLst>
+            </a:custGeom>
+            <a:ln w="13550" cap="flat">
+              <a:solidFill>
+                <a:srgbClr val="EBEBEB">
+                  <a:alpha val="100000"/>
+                </a:srgbClr>
+              </a:solidFill>
+              <a:prstDash val="solid"/>
+              <a:round/>
+            </a:ln>
+          </p:spPr>
+          <p:txBody>
+            <a:bodyPr/>
+            <a:lstStyle/>
+            <a:p/>
+          </p:txBody>
+        </p:sp>
+        <p:sp>
+          <p:nvSpPr>
+            <p:cNvPr id="14" name="pl14"/>
+            <p:cNvSpPr/>
+            <p:nvPr/>
+          </p:nvSpPr>
+          <p:spPr>
+            <a:xfrm>
+              <a:off x="4307783" y="1886338"/>
+              <a:ext cx="0" cy="3836557"/>
+            </a:xfrm>
+            <a:custGeom>
+              <a:avLst/>
+              <a:pathLst>
+                <a:path w="0" h="3836557">
+                  <a:moveTo>
+                    <a:pt x="0" y="3836557"/>
+                  </a:moveTo>
+                  <a:lnTo>
+                    <a:pt x="0" y="0"/>
+                  </a:lnTo>
+                  <a:lnTo>
+                    <a:pt x="0" y="0"/>
+                  </a:lnTo>
+                </a:path>
+              </a:pathLst>
+            </a:custGeom>
+            <a:ln w="13550" cap="flat">
+              <a:solidFill>
+                <a:srgbClr val="EBEBEB">
+                  <a:alpha val="100000"/>
+                </a:srgbClr>
+              </a:solidFill>
+              <a:prstDash val="solid"/>
+              <a:round/>
+            </a:ln>
+          </p:spPr>
+          <p:txBody>
+            <a:bodyPr/>
+            <a:lstStyle/>
+            <a:p/>
+          </p:txBody>
+        </p:sp>
+        <p:sp>
+          <p:nvSpPr>
+            <p:cNvPr id="15" name="pl15"/>
+            <p:cNvSpPr/>
+            <p:nvPr/>
+          </p:nvSpPr>
+          <p:spPr>
+            <a:xfrm>
+              <a:off x="5603693" y="1886338"/>
+              <a:ext cx="0" cy="3836557"/>
+            </a:xfrm>
+            <a:custGeom>
+              <a:avLst/>
+              <a:pathLst>
+                <a:path w="0" h="3836557">
+                  <a:moveTo>
+                    <a:pt x="0" y="3836557"/>
+                  </a:moveTo>
+                  <a:lnTo>
+                    <a:pt x="0" y="0"/>
+                  </a:lnTo>
+                  <a:lnTo>
+                    <a:pt x="0" y="0"/>
+                  </a:lnTo>
+                </a:path>
+              </a:pathLst>
+            </a:custGeom>
+            <a:ln w="13550" cap="flat">
+              <a:solidFill>
+                <a:srgbClr val="EBEBEB">
+                  <a:alpha val="100000"/>
+                </a:srgbClr>
+              </a:solidFill>
+              <a:prstDash val="solid"/>
+              <a:round/>
+            </a:ln>
+          </p:spPr>
+          <p:txBody>
+            <a:bodyPr/>
+            <a:lstStyle/>
+            <a:p/>
+          </p:txBody>
+        </p:sp>
+        <p:sp>
+          <p:nvSpPr>
+            <p:cNvPr id="16" name="pl16"/>
+            <p:cNvSpPr/>
+            <p:nvPr/>
+          </p:nvSpPr>
+          <p:spPr>
+            <a:xfrm>
+              <a:off x="6899603" y="1886338"/>
+              <a:ext cx="0" cy="3836557"/>
+            </a:xfrm>
+            <a:custGeom>
+              <a:avLst/>
+              <a:pathLst>
+                <a:path w="0" h="3836557">
+                  <a:moveTo>
+                    <a:pt x="0" y="3836557"/>
+                  </a:moveTo>
+                  <a:lnTo>
+                    <a:pt x="0" y="0"/>
+                  </a:lnTo>
+                  <a:lnTo>
+                    <a:pt x="0" y="0"/>
+                  </a:lnTo>
+                </a:path>
+              </a:pathLst>
+            </a:custGeom>
+            <a:ln w="13550" cap="flat">
+              <a:solidFill>
+                <a:srgbClr val="EBEBEB">
+                  <a:alpha val="100000"/>
+                </a:srgbClr>
+              </a:solidFill>
+              <a:prstDash val="solid"/>
+              <a:round/>
+            </a:ln>
+          </p:spPr>
+          <p:txBody>
+            <a:bodyPr/>
+            <a:lstStyle/>
+            <a:p/>
+          </p:txBody>
+        </p:sp>
+        <p:sp>
+          <p:nvSpPr>
+            <p:cNvPr id="17" name="rc17"/>
+            <p:cNvSpPr/>
+            <p:nvPr/>
+          </p:nvSpPr>
+          <p:spPr>
+            <a:xfrm>
+              <a:off x="1715964" y="4950868"/>
+              <a:ext cx="583159" cy="597638"/>
+            </a:xfrm>
+            <a:prstGeom prst="rect">
+              <a:avLst/>
+            </a:prstGeom>
+            <a:solidFill>
+              <a:srgbClr val="00BFC4">
+                <a:alpha val="100000"/>
+              </a:srgbClr>
+            </a:solidFill>
+          </p:spPr>
+          <p:txBody>
+            <a:bodyPr/>
+            <a:lstStyle/>
+            <a:p/>
+          </p:txBody>
+        </p:sp>
+        <p:sp>
+          <p:nvSpPr>
+            <p:cNvPr id="18" name="rc18"/>
+            <p:cNvSpPr/>
+            <p:nvPr/>
+          </p:nvSpPr>
+          <p:spPr>
+            <a:xfrm>
+              <a:off x="1132804" y="4941530"/>
+              <a:ext cx="583159" cy="606976"/>
+            </a:xfrm>
+            <a:prstGeom prst="rect">
+              <a:avLst/>
+            </a:prstGeom>
+            <a:solidFill>
+              <a:srgbClr val="F8766D">
+                <a:alpha val="100000"/>
+              </a:srgbClr>
+            </a:solidFill>
+          </p:spPr>
+          <p:txBody>
+            <a:bodyPr/>
+            <a:lstStyle/>
+            <a:p/>
+          </p:txBody>
+        </p:sp>
+        <p:sp>
+          <p:nvSpPr>
+            <p:cNvPr id="19" name="rc19"/>
+            <p:cNvSpPr/>
+            <p:nvPr/>
+          </p:nvSpPr>
+          <p:spPr>
+            <a:xfrm>
+              <a:off x="3011873" y="3666880"/>
+              <a:ext cx="583159" cy="1881626"/>
+            </a:xfrm>
+            <a:prstGeom prst="rect">
+              <a:avLst/>
+            </a:prstGeom>
+            <a:solidFill>
+              <a:srgbClr val="00BFC4">
+                <a:alpha val="100000"/>
+              </a:srgbClr>
+            </a:solidFill>
+          </p:spPr>
+          <p:txBody>
+            <a:bodyPr/>
+            <a:lstStyle/>
+            <a:p/>
+          </p:txBody>
+        </p:sp>
+        <p:sp>
+          <p:nvSpPr>
+            <p:cNvPr id="20" name="rc20"/>
+            <p:cNvSpPr/>
+            <p:nvPr/>
+          </p:nvSpPr>
+          <p:spPr>
+            <a:xfrm>
+              <a:off x="2428714" y="3820958"/>
+              <a:ext cx="583159" cy="1727548"/>
+            </a:xfrm>
+            <a:prstGeom prst="rect">
+              <a:avLst/>
+            </a:prstGeom>
+            <a:solidFill>
+              <a:srgbClr val="F8766D">
+                <a:alpha val="100000"/>
+              </a:srgbClr>
+            </a:solidFill>
+          </p:spPr>
+          <p:txBody>
+            <a:bodyPr/>
+            <a:lstStyle/>
+            <a:p/>
+          </p:txBody>
+        </p:sp>
+        <p:sp>
+          <p:nvSpPr>
+            <p:cNvPr id="21" name="rc21"/>
+            <p:cNvSpPr/>
+            <p:nvPr/>
+          </p:nvSpPr>
+          <p:spPr>
+            <a:xfrm>
+              <a:off x="4307783" y="4712747"/>
+              <a:ext cx="583159" cy="835759"/>
+            </a:xfrm>
+            <a:prstGeom prst="rect">
+              <a:avLst/>
+            </a:prstGeom>
+            <a:solidFill>
+              <a:srgbClr val="00BFC4">
+                <a:alpha val="100000"/>
+              </a:srgbClr>
+            </a:solidFill>
+          </p:spPr>
+          <p:txBody>
+            <a:bodyPr/>
+            <a:lstStyle/>
+            <a:p/>
+          </p:txBody>
+        </p:sp>
+        <p:sp>
+          <p:nvSpPr>
+            <p:cNvPr id="22" name="rc22"/>
+            <p:cNvSpPr/>
+            <p:nvPr/>
+          </p:nvSpPr>
+          <p:spPr>
+            <a:xfrm>
+              <a:off x="3724624" y="4423266"/>
+              <a:ext cx="583159" cy="1125240"/>
+            </a:xfrm>
+            <a:prstGeom prst="rect">
+              <a:avLst/>
+            </a:prstGeom>
+            <a:solidFill>
+              <a:srgbClr val="F8766D">
+                <a:alpha val="100000"/>
+              </a:srgbClr>
+            </a:solidFill>
+          </p:spPr>
+          <p:txBody>
+            <a:bodyPr/>
+            <a:lstStyle/>
+            <a:p/>
+          </p:txBody>
+        </p:sp>
+        <p:sp>
+          <p:nvSpPr>
+            <p:cNvPr id="23" name="rc23"/>
+            <p:cNvSpPr/>
+            <p:nvPr/>
+          </p:nvSpPr>
+          <p:spPr>
+            <a:xfrm>
+              <a:off x="5603693" y="2177453"/>
+              <a:ext cx="583159" cy="3371053"/>
+            </a:xfrm>
+            <a:prstGeom prst="rect">
+              <a:avLst/>
+            </a:prstGeom>
+            <a:solidFill>
+              <a:srgbClr val="00BFC4">
+                <a:alpha val="100000"/>
+              </a:srgbClr>
+            </a:solidFill>
+          </p:spPr>
+          <p:txBody>
+            <a:bodyPr/>
+            <a:lstStyle/>
+            <a:p/>
+          </p:txBody>
+        </p:sp>
+        <p:sp>
+          <p:nvSpPr>
+            <p:cNvPr id="24" name="rc24"/>
+            <p:cNvSpPr/>
+            <p:nvPr/>
+          </p:nvSpPr>
+          <p:spPr>
+            <a:xfrm>
+              <a:off x="5020534" y="2060727"/>
+              <a:ext cx="583159" cy="3487779"/>
+            </a:xfrm>
+            <a:prstGeom prst="rect">
+              <a:avLst/>
+            </a:prstGeom>
+            <a:solidFill>
+              <a:srgbClr val="F8766D">
+                <a:alpha val="100000"/>
+              </a:srgbClr>
+            </a:solidFill>
+          </p:spPr>
+          <p:txBody>
+            <a:bodyPr/>
+            <a:lstStyle/>
+            <a:p/>
+          </p:txBody>
+        </p:sp>
+        <p:sp>
+          <p:nvSpPr>
+            <p:cNvPr id="25" name="rc25"/>
+            <p:cNvSpPr/>
+            <p:nvPr/>
+          </p:nvSpPr>
+          <p:spPr>
+            <a:xfrm>
+              <a:off x="6899603" y="3027220"/>
+              <a:ext cx="583159" cy="2521286"/>
+            </a:xfrm>
+            <a:prstGeom prst="rect">
+              <a:avLst/>
+            </a:prstGeom>
+            <a:solidFill>
+              <a:srgbClr val="00BFC4">
+                <a:alpha val="100000"/>
+              </a:srgbClr>
+            </a:solidFill>
+          </p:spPr>
+          <p:txBody>
+            <a:bodyPr/>
+            <a:lstStyle/>
+            <a:p/>
+          </p:txBody>
+        </p:sp>
+        <p:sp>
+          <p:nvSpPr>
+            <p:cNvPr id="26" name="rc26"/>
+            <p:cNvSpPr/>
+            <p:nvPr/>
+          </p:nvSpPr>
+          <p:spPr>
+            <a:xfrm>
+              <a:off x="6316443" y="2971191"/>
+              <a:ext cx="583159" cy="2577314"/>
+            </a:xfrm>
+            <a:prstGeom prst="rect">
+              <a:avLst/>
+            </a:prstGeom>
+            <a:solidFill>
+              <a:srgbClr val="F8766D">
+                <a:alpha val="100000"/>
+              </a:srgbClr>
+            </a:solidFill>
+          </p:spPr>
+          <p:txBody>
+            <a:bodyPr/>
+            <a:lstStyle/>
+            <a:p/>
+          </p:txBody>
+        </p:sp>
+        <p:sp>
+          <p:nvSpPr>
+            <p:cNvPr id="27" name="tx27"/>
+            <p:cNvSpPr/>
+            <p:nvPr/>
+          </p:nvSpPr>
+          <p:spPr>
+            <a:xfrm>
+              <a:off x="813632" y="5507824"/>
+              <a:ext cx="62155" cy="79126"/>
+            </a:xfrm>
+            <a:prstGeom prst="rect">
+              <a:avLst/>
+            </a:prstGeom>
+            <a:noFill/>
+          </p:spPr>
+          <p:txBody>
+            <a:bodyPr lIns="0" rIns="0" tIns="0" bIns="0" anchorCtr="1" anchor="ctr" wrap="none"/>
+            <a:lstStyle/>
+            <a:p>
+              <a:pPr algn="l" marL="0" marR="0" indent="0">
+                <a:lnSpc>
+                  <a:spcPts val="880"/>
+                </a:lnSpc>
+                <a:spcBef>
+                  <a:spcPts val="0"/>
+                </a:spcBef>
+                <a:spcAft>
+                  <a:spcPts val="0"/>
+                </a:spcAft>
+              </a:pPr>
+              <a:r>
+                <a:rPr sz="880">
+                  <a:solidFill>
+                    <a:srgbClr val="4D4D4D">
+                      <a:alpha val="100000"/>
+                    </a:srgbClr>
+                  </a:solidFill>
+                  <a:latin typeface="Liberation Sans"/>
+                  <a:cs typeface="Liberation Sans"/>
+                </a:rPr>
+                <a:t>0</a:t>
+              </a:r>
+            </a:p>
+          </p:txBody>
+        </p:sp>
+        <p:sp>
+          <p:nvSpPr>
+            <p:cNvPr id="28" name="tx28"/>
+            <p:cNvSpPr/>
+            <p:nvPr/>
+          </p:nvSpPr>
+          <p:spPr>
+            <a:xfrm>
+              <a:off x="689321" y="4574014"/>
+              <a:ext cx="186466" cy="79126"/>
+            </a:xfrm>
+            <a:prstGeom prst="rect">
+              <a:avLst/>
+            </a:prstGeom>
+            <a:noFill/>
+          </p:spPr>
+          <p:txBody>
+            <a:bodyPr lIns="0" rIns="0" tIns="0" bIns="0" anchorCtr="1" anchor="ctr" wrap="none"/>
+            <a:lstStyle/>
+            <a:p>
+              <a:pPr algn="l" marL="0" marR="0" indent="0">
+                <a:lnSpc>
+                  <a:spcPts val="880"/>
+                </a:lnSpc>
+                <a:spcBef>
+                  <a:spcPts val="0"/>
+                </a:spcBef>
+                <a:spcAft>
+                  <a:spcPts val="0"/>
+                </a:spcAft>
+              </a:pPr>
+              <a:r>
+                <a:rPr sz="880">
+                  <a:solidFill>
+                    <a:srgbClr val="4D4D4D">
+                      <a:alpha val="100000"/>
+                    </a:srgbClr>
+                  </a:solidFill>
+                  <a:latin typeface="Liberation Sans"/>
+                  <a:cs typeface="Liberation Sans"/>
+                </a:rPr>
+                <a:t>200</a:t>
+              </a:r>
+            </a:p>
+          </p:txBody>
+        </p:sp>
+        <p:sp>
+          <p:nvSpPr>
+            <p:cNvPr id="29" name="tx29"/>
+            <p:cNvSpPr/>
+            <p:nvPr/>
+          </p:nvSpPr>
+          <p:spPr>
+            <a:xfrm>
+              <a:off x="689321" y="3640205"/>
+              <a:ext cx="186466" cy="79126"/>
+            </a:xfrm>
+            <a:prstGeom prst="rect">
+              <a:avLst/>
+            </a:prstGeom>
+            <a:noFill/>
+          </p:spPr>
+          <p:txBody>
+            <a:bodyPr lIns="0" rIns="0" tIns="0" bIns="0" anchorCtr="1" anchor="ctr" wrap="none"/>
+            <a:lstStyle/>
+            <a:p>
+              <a:pPr algn="l" marL="0" marR="0" indent="0">
+                <a:lnSpc>
+                  <a:spcPts val="880"/>
+                </a:lnSpc>
+                <a:spcBef>
+                  <a:spcPts val="0"/>
+                </a:spcBef>
+                <a:spcAft>
+                  <a:spcPts val="0"/>
+                </a:spcAft>
+              </a:pPr>
+              <a:r>
+                <a:rPr sz="880">
+                  <a:solidFill>
+                    <a:srgbClr val="4D4D4D">
+                      <a:alpha val="100000"/>
+                    </a:srgbClr>
+                  </a:solidFill>
+                  <a:latin typeface="Liberation Sans"/>
+                  <a:cs typeface="Liberation Sans"/>
+                </a:rPr>
+                <a:t>400</a:t>
+              </a:r>
+            </a:p>
+          </p:txBody>
+        </p:sp>
+        <p:sp>
+          <p:nvSpPr>
+            <p:cNvPr id="30" name="tx30"/>
+            <p:cNvSpPr/>
+            <p:nvPr/>
+          </p:nvSpPr>
+          <p:spPr>
+            <a:xfrm>
+              <a:off x="689321" y="2706395"/>
+              <a:ext cx="186466" cy="79126"/>
+            </a:xfrm>
+            <a:prstGeom prst="rect">
+              <a:avLst/>
+            </a:prstGeom>
+            <a:noFill/>
+          </p:spPr>
+          <p:txBody>
+            <a:bodyPr lIns="0" rIns="0" tIns="0" bIns="0" anchorCtr="1" anchor="ctr" wrap="none"/>
+            <a:lstStyle/>
+            <a:p>
+              <a:pPr algn="l" marL="0" marR="0" indent="0">
+                <a:lnSpc>
+                  <a:spcPts val="880"/>
+                </a:lnSpc>
+                <a:spcBef>
+                  <a:spcPts val="0"/>
+                </a:spcBef>
+                <a:spcAft>
+                  <a:spcPts val="0"/>
+                </a:spcAft>
+              </a:pPr>
+              <a:r>
+                <a:rPr sz="880">
+                  <a:solidFill>
+                    <a:srgbClr val="4D4D4D">
+                      <a:alpha val="100000"/>
+                    </a:srgbClr>
+                  </a:solidFill>
+                  <a:latin typeface="Liberation Sans"/>
+                  <a:cs typeface="Liberation Sans"/>
+                </a:rPr>
+                <a:t>600</a:t>
+              </a:r>
+            </a:p>
+          </p:txBody>
+        </p:sp>
+        <p:sp>
+          <p:nvSpPr>
+            <p:cNvPr id="31" name="tx31"/>
+            <p:cNvSpPr/>
+            <p:nvPr/>
+          </p:nvSpPr>
+          <p:spPr>
+            <a:xfrm>
+              <a:off x="1557519" y="5758240"/>
+              <a:ext cx="316889" cy="104174"/>
+            </a:xfrm>
+            <a:prstGeom prst="rect">
+              <a:avLst/>
+            </a:prstGeom>
+            <a:noFill/>
+          </p:spPr>
+          <p:txBody>
+            <a:bodyPr lIns="0" rIns="0" tIns="0" bIns="0" anchorCtr="1" anchor="ctr" wrap="none"/>
+            <a:lstStyle/>
+            <a:p>
+              <a:pPr algn="l" marL="0" marR="0" indent="0">
+                <a:lnSpc>
+                  <a:spcPts val="880"/>
+                </a:lnSpc>
+                <a:spcBef>
+                  <a:spcPts val="0"/>
+                </a:spcBef>
+                <a:spcAft>
+                  <a:spcPts val="0"/>
+                </a:spcAft>
+              </a:pPr>
+              <a:r>
+                <a:rPr sz="880">
+                  <a:solidFill>
+                    <a:srgbClr val="4D4D4D">
+                      <a:alpha val="100000"/>
+                    </a:srgbClr>
+                  </a:solidFill>
+                  <a:latin typeface="Liberation Sans"/>
+                  <a:cs typeface="Liberation Sans"/>
+                </a:rPr>
+                <a:t>Eating</a:t>
+              </a:r>
+            </a:p>
+          </p:txBody>
+        </p:sp>
+        <p:sp>
+          <p:nvSpPr>
+            <p:cNvPr id="32" name="tx32"/>
+            <p:cNvSpPr/>
+            <p:nvPr/>
+          </p:nvSpPr>
+          <p:spPr>
+            <a:xfrm>
+              <a:off x="2701314" y="5758240"/>
+              <a:ext cx="621119" cy="104174"/>
+            </a:xfrm>
+            <a:prstGeom prst="rect">
+              <a:avLst/>
+            </a:prstGeom>
+            <a:noFill/>
+          </p:spPr>
+          <p:txBody>
+            <a:bodyPr lIns="0" rIns="0" tIns="0" bIns="0" anchorCtr="1" anchor="ctr" wrap="none"/>
+            <a:lstStyle/>
+            <a:p>
+              <a:pPr algn="l" marL="0" marR="0" indent="0">
+                <a:lnSpc>
+                  <a:spcPts val="880"/>
+                </a:lnSpc>
+                <a:spcBef>
+                  <a:spcPts val="0"/>
+                </a:spcBef>
+                <a:spcAft>
+                  <a:spcPts val="0"/>
+                </a:spcAft>
+              </a:pPr>
+              <a:r>
+                <a:rPr sz="880">
+                  <a:solidFill>
+                    <a:srgbClr val="4D4D4D">
+                      <a:alpha val="100000"/>
+                    </a:srgbClr>
+                  </a:solidFill>
+                  <a:latin typeface="Liberation Sans"/>
+                  <a:cs typeface="Liberation Sans"/>
+                </a:rPr>
+                <a:t>Employment</a:t>
+              </a:r>
+            </a:p>
+          </p:txBody>
+        </p:sp>
+        <p:sp>
+          <p:nvSpPr>
+            <p:cNvPr id="33" name="tx33"/>
+            <p:cNvSpPr/>
+            <p:nvPr/>
+          </p:nvSpPr>
+          <p:spPr>
+            <a:xfrm>
+              <a:off x="3646173" y="5758240"/>
+              <a:ext cx="1323220" cy="104174"/>
+            </a:xfrm>
+            <a:prstGeom prst="rect">
+              <a:avLst/>
+            </a:prstGeom>
+            <a:noFill/>
+          </p:spPr>
+          <p:txBody>
+            <a:bodyPr lIns="0" rIns="0" tIns="0" bIns="0" anchorCtr="1" anchor="ctr" wrap="none"/>
+            <a:lstStyle/>
+            <a:p>
+              <a:pPr algn="l" marL="0" marR="0" indent="0">
+                <a:lnSpc>
+                  <a:spcPts val="880"/>
+                </a:lnSpc>
+                <a:spcBef>
+                  <a:spcPts val="0"/>
+                </a:spcBef>
+                <a:spcAft>
+                  <a:spcPts val="0"/>
+                </a:spcAft>
+              </a:pPr>
+              <a:r>
+                <a:rPr sz="880">
+                  <a:solidFill>
+                    <a:srgbClr val="4D4D4D">
+                      <a:alpha val="100000"/>
+                    </a:srgbClr>
+                  </a:solidFill>
+                  <a:latin typeface="Liberation Sans"/>
+                  <a:cs typeface="Liberation Sans"/>
+                </a:rPr>
+                <a:t>Household and family care</a:t>
+              </a:r>
+            </a:p>
+          </p:txBody>
+        </p:sp>
+        <p:sp>
+          <p:nvSpPr>
+            <p:cNvPr id="34" name="tx34"/>
+            <p:cNvSpPr/>
+            <p:nvPr/>
+          </p:nvSpPr>
+          <p:spPr>
+            <a:xfrm>
+              <a:off x="5258918" y="5780341"/>
+              <a:ext cx="689550" cy="82073"/>
+            </a:xfrm>
+            <a:prstGeom prst="rect">
+              <a:avLst/>
+            </a:prstGeom>
+            <a:noFill/>
+          </p:spPr>
+          <p:txBody>
+            <a:bodyPr lIns="0" rIns="0" tIns="0" bIns="0" anchorCtr="1" anchor="ctr" wrap="none"/>
+            <a:lstStyle/>
+            <a:p>
+              <a:pPr algn="l" marL="0" marR="0" indent="0">
+                <a:lnSpc>
+                  <a:spcPts val="880"/>
+                </a:lnSpc>
+                <a:spcBef>
+                  <a:spcPts val="0"/>
+                </a:spcBef>
+                <a:spcAft>
+                  <a:spcPts val="0"/>
+                </a:spcAft>
+              </a:pPr>
+              <a:r>
+                <a:rPr sz="880">
+                  <a:solidFill>
+                    <a:srgbClr val="4D4D4D">
+                      <a:alpha val="100000"/>
+                    </a:srgbClr>
+                  </a:solidFill>
+                  <a:latin typeface="Liberation Sans"/>
+                  <a:cs typeface="Liberation Sans"/>
+                </a:rPr>
+                <a:t>Personal care</a:t>
+              </a:r>
+            </a:p>
+          </p:txBody>
+        </p:sp>
+        <p:sp>
+          <p:nvSpPr>
+            <p:cNvPr id="35" name="tx35"/>
+            <p:cNvSpPr/>
+            <p:nvPr/>
+          </p:nvSpPr>
+          <p:spPr>
+            <a:xfrm>
+              <a:off x="6756683" y="5758240"/>
+              <a:ext cx="285839" cy="104174"/>
+            </a:xfrm>
+            <a:prstGeom prst="rect">
+              <a:avLst/>
+            </a:prstGeom>
+            <a:noFill/>
+          </p:spPr>
+          <p:txBody>
+            <a:bodyPr lIns="0" rIns="0" tIns="0" bIns="0" anchorCtr="1" anchor="ctr" wrap="none"/>
+            <a:lstStyle/>
+            <a:p>
+              <a:pPr algn="l" marL="0" marR="0" indent="0">
+                <a:lnSpc>
+                  <a:spcPts val="880"/>
+                </a:lnSpc>
+                <a:spcBef>
+                  <a:spcPts val="0"/>
+                </a:spcBef>
+                <a:spcAft>
+                  <a:spcPts val="0"/>
+                </a:spcAft>
+              </a:pPr>
+              <a:r>
+                <a:rPr sz="880">
+                  <a:solidFill>
+                    <a:srgbClr val="4D4D4D">
+                      <a:alpha val="100000"/>
+                    </a:srgbClr>
+                  </a:solidFill>
+                  <a:latin typeface="Liberation Sans"/>
+                  <a:cs typeface="Liberation Sans"/>
+                </a:rPr>
+                <a:t>Sleep</a:t>
+              </a:r>
+            </a:p>
+          </p:txBody>
+        </p:sp>
+        <p:sp>
+          <p:nvSpPr>
+            <p:cNvPr id="36" name="tx36"/>
+            <p:cNvSpPr/>
+            <p:nvPr/>
+          </p:nvSpPr>
+          <p:spPr>
+            <a:xfrm>
+              <a:off x="4032203" y="5922355"/>
+              <a:ext cx="551160" cy="102592"/>
+            </a:xfrm>
+            <a:prstGeom prst="rect">
+              <a:avLst/>
+            </a:prstGeom>
+            <a:noFill/>
+          </p:spPr>
+          <p:txBody>
+            <a:bodyPr lIns="0" rIns="0" tIns="0" bIns="0" anchorCtr="1" anchor="ctr" wrap="none"/>
+            <a:lstStyle/>
+            <a:p>
+              <a:pPr algn="l" marL="0" marR="0" indent="0">
+                <a:lnSpc>
+                  <a:spcPts val="1100"/>
+                </a:lnSpc>
+                <a:spcBef>
+                  <a:spcPts val="0"/>
+                </a:spcBef>
+                <a:spcAft>
+                  <a:spcPts val="0"/>
+                </a:spcAft>
+              </a:pPr>
+              <a:r>
+                <a:rPr sz="1100">
+                  <a:solidFill>
+                    <a:srgbClr val="000000">
+                      <a:alpha val="100000"/>
+                    </a:srgbClr>
+                  </a:solidFill>
+                  <a:latin typeface="Liberation Sans"/>
+                  <a:cs typeface="Liberation Sans"/>
+                </a:rPr>
+                <a:t>Activities</a:t>
+              </a:r>
+            </a:p>
+          </p:txBody>
+        </p:sp>
+        <p:sp>
+          <p:nvSpPr>
+            <p:cNvPr id="37" name="tx37"/>
+            <p:cNvSpPr/>
+            <p:nvPr/>
+          </p:nvSpPr>
+          <p:spPr>
+            <a:xfrm rot="-5400000">
+              <a:off x="78630" y="3753321"/>
+              <a:ext cx="985949" cy="102592"/>
+            </a:xfrm>
+            <a:prstGeom prst="rect">
+              <a:avLst/>
+            </a:prstGeom>
+            <a:noFill/>
+          </p:spPr>
+          <p:txBody>
+            <a:bodyPr lIns="0" rIns="0" tIns="0" bIns="0" anchorCtr="1" anchor="ctr" wrap="none"/>
+            <a:lstStyle/>
+            <a:p>
+              <a:pPr algn="l" marL="0" marR="0" indent="0">
+                <a:lnSpc>
+                  <a:spcPts val="1100"/>
+                </a:lnSpc>
+                <a:spcBef>
+                  <a:spcPts val="0"/>
+                </a:spcBef>
+                <a:spcAft>
+                  <a:spcPts val="0"/>
+                </a:spcAft>
+              </a:pPr>
+              <a:r>
+                <a:rPr sz="1100">
+                  <a:solidFill>
+                    <a:srgbClr val="000000">
+                      <a:alpha val="100000"/>
+                    </a:srgbClr>
+                  </a:solidFill>
+                  <a:latin typeface="Liberation Sans"/>
+                  <a:cs typeface="Liberation Sans"/>
+                </a:rPr>
+                <a:t>Time in minutes</a:t>
+              </a:r>
+            </a:p>
+          </p:txBody>
+        </p:sp>
+        <p:sp>
+          <p:nvSpPr>
+            <p:cNvPr id="38" name="tx38"/>
+            <p:cNvSpPr/>
+            <p:nvPr/>
+          </p:nvSpPr>
+          <p:spPr>
+            <a:xfrm>
+              <a:off x="7885916" y="3468204"/>
+              <a:ext cx="644748" cy="130218"/>
+            </a:xfrm>
+            <a:prstGeom prst="rect">
+              <a:avLst/>
+            </a:prstGeom>
+            <a:noFill/>
+          </p:spPr>
+          <p:txBody>
+            <a:bodyPr lIns="0" rIns="0" tIns="0" bIns="0" anchorCtr="1" anchor="ctr" wrap="none"/>
+            <a:lstStyle/>
+            <a:p>
+              <a:pPr algn="l" marL="0" marR="0" indent="0">
+                <a:lnSpc>
+                  <a:spcPts val="1100"/>
+                </a:lnSpc>
+                <a:spcBef>
+                  <a:spcPts val="0"/>
+                </a:spcBef>
+                <a:spcAft>
+                  <a:spcPts val="0"/>
+                </a:spcAft>
+              </a:pPr>
+              <a:r>
+                <a:rPr sz="1100">
+                  <a:solidFill>
+                    <a:srgbClr val="000000">
+                      <a:alpha val="100000"/>
+                    </a:srgbClr>
+                  </a:solidFill>
+                  <a:latin typeface="Liberation Sans"/>
+                  <a:cs typeface="Liberation Sans"/>
+                </a:rPr>
+                <a:t>population</a:t>
+              </a:r>
+            </a:p>
+          </p:txBody>
+        </p:sp>
+        <p:sp>
+          <p:nvSpPr>
+            <p:cNvPr id="39" name="rc39"/>
+            <p:cNvSpPr/>
+            <p:nvPr/>
+          </p:nvSpPr>
+          <p:spPr>
+            <a:xfrm>
+              <a:off x="7894916" y="3692824"/>
+              <a:ext cx="201455" cy="201456"/>
+            </a:xfrm>
+            <a:prstGeom prst="rect">
+              <a:avLst/>
+            </a:prstGeom>
+            <a:solidFill>
+              <a:srgbClr val="F8766D">
+                <a:alpha val="100000"/>
+              </a:srgbClr>
+            </a:solidFill>
+          </p:spPr>
+          <p:txBody>
+            <a:bodyPr/>
+            <a:lstStyle/>
+            <a:p/>
+          </p:txBody>
+        </p:sp>
+        <p:sp>
+          <p:nvSpPr>
+            <p:cNvPr id="40" name="rc40"/>
+            <p:cNvSpPr/>
+            <p:nvPr/>
+          </p:nvSpPr>
+          <p:spPr>
+            <a:xfrm>
+              <a:off x="7894916" y="3912280"/>
+              <a:ext cx="201455" cy="201456"/>
+            </a:xfrm>
+            <a:prstGeom prst="rect">
+              <a:avLst/>
+            </a:prstGeom>
+            <a:solidFill>
+              <a:srgbClr val="00BFC4">
+                <a:alpha val="100000"/>
+              </a:srgbClr>
+            </a:solidFill>
+          </p:spPr>
+          <p:txBody>
+            <a:bodyPr/>
+            <a:lstStyle/>
+            <a:p/>
+          </p:txBody>
+        </p:sp>
+        <p:sp>
+          <p:nvSpPr>
+            <p:cNvPr id="41" name="tx41"/>
+            <p:cNvSpPr/>
+            <p:nvPr/>
+          </p:nvSpPr>
+          <p:spPr>
+            <a:xfrm>
+              <a:off x="8174961" y="3749923"/>
+              <a:ext cx="372660" cy="82073"/>
+            </a:xfrm>
+            <a:prstGeom prst="rect">
+              <a:avLst/>
+            </a:prstGeom>
+            <a:noFill/>
+          </p:spPr>
+          <p:txBody>
+            <a:bodyPr lIns="0" rIns="0" tIns="0" bIns="0" anchorCtr="1" anchor="ctr" wrap="none"/>
+            <a:lstStyle/>
+            <a:p>
+              <a:pPr algn="l" marL="0" marR="0" indent="0">
+                <a:lnSpc>
+                  <a:spcPts val="880"/>
+                </a:lnSpc>
+                <a:spcBef>
+                  <a:spcPts val="0"/>
+                </a:spcBef>
+                <a:spcAft>
+                  <a:spcPts val="0"/>
+                </a:spcAft>
+              </a:pPr>
+              <a:r>
+                <a:rPr sz="880">
+                  <a:solidFill>
+                    <a:srgbClr val="000000">
+                      <a:alpha val="100000"/>
+                    </a:srgbClr>
+                  </a:solidFill>
+                  <a:latin typeface="Liberation Sans"/>
+                  <a:cs typeface="Liberation Sans"/>
+                </a:rPr>
+                <a:t>Female</a:t>
+              </a:r>
+            </a:p>
+          </p:txBody>
+        </p:sp>
+        <p:sp>
+          <p:nvSpPr>
+            <p:cNvPr id="42" name="tx42"/>
+            <p:cNvSpPr/>
+            <p:nvPr/>
+          </p:nvSpPr>
+          <p:spPr>
+            <a:xfrm>
+              <a:off x="8174961" y="3969379"/>
+              <a:ext cx="242237" cy="82073"/>
+            </a:xfrm>
+            <a:prstGeom prst="rect">
+              <a:avLst/>
+            </a:prstGeom>
+            <a:noFill/>
+          </p:spPr>
+          <p:txBody>
+            <a:bodyPr lIns="0" rIns="0" tIns="0" bIns="0" anchorCtr="1" anchor="ctr" wrap="none"/>
+            <a:lstStyle/>
+            <a:p>
+              <a:pPr algn="l" marL="0" marR="0" indent="0">
+                <a:lnSpc>
+                  <a:spcPts val="880"/>
+                </a:lnSpc>
+                <a:spcBef>
+                  <a:spcPts val="0"/>
+                </a:spcBef>
+                <a:spcAft>
+                  <a:spcPts val="0"/>
+                </a:spcAft>
+              </a:pPr>
+              <a:r>
+                <a:rPr sz="880">
+                  <a:solidFill>
+                    <a:srgbClr val="000000">
+                      <a:alpha val="100000"/>
+                    </a:srgbClr>
+                  </a:solidFill>
+                  <a:latin typeface="Liberation Sans"/>
+                  <a:cs typeface="Liberation Sans"/>
+                </a:rPr>
+                <a:t>Male</a:t>
+              </a:r>
+            </a:p>
+          </p:txBody>
+        </p:sp>
+        <p:sp>
+          <p:nvSpPr>
+            <p:cNvPr id="43" name="tx43"/>
+            <p:cNvSpPr/>
+            <p:nvPr/>
+          </p:nvSpPr>
+          <p:spPr>
+            <a:xfrm>
+              <a:off x="938418" y="1628861"/>
+              <a:ext cx="1537818" cy="156262"/>
+            </a:xfrm>
+            <a:prstGeom prst="rect">
+              <a:avLst/>
+            </a:prstGeom>
+            <a:noFill/>
+          </p:spPr>
+          <p:txBody>
+            <a:bodyPr lIns="0" rIns="0" tIns="0" bIns="0" anchorCtr="1" anchor="ctr" wrap="none"/>
+            <a:lstStyle/>
+            <a:p>
+              <a:pPr algn="l" marL="0" marR="0" indent="0">
+                <a:lnSpc>
+                  <a:spcPts val="1320"/>
+                </a:lnSpc>
+                <a:spcBef>
+                  <a:spcPts val="0"/>
+                </a:spcBef>
+                <a:spcAft>
+                  <a:spcPts val="0"/>
+                </a:spcAft>
+              </a:pPr>
+              <a:r>
+                <a:rPr sz="1320">
+                  <a:solidFill>
+                    <a:srgbClr val="000000">
+                      <a:alpha val="100000"/>
+                    </a:srgbClr>
+                  </a:solidFill>
+                  <a:latin typeface="Liberation Sans"/>
+                  <a:cs typeface="Liberation Sans"/>
+                </a:rPr>
+                <a:t>Year 2014_Saturday</a:t>
+              </a:r>
+            </a:p>
+          </p:txBody>
+        </p:sp>
+      </p:grpSp>
+    </p:spTree>
+  </p:cSld>
+  <p:clrMapOvr>
+    <a:masterClrMapping/>
+  </p:clrMapOvr>
+</p:sld>
+</file>
+
+<file path=ppt/slides/slide21.xml><?xml version="1.0" encoding="utf-8"?>
+<p:sld xmlns:a="http://schemas.openxmlformats.org/drawingml/2006/main" xmlns:r="http://schemas.openxmlformats.org/officeDocument/2006/relationships" xmlns:p="http://schemas.openxmlformats.org/presentationml/2006/main">
+  <p:cSld>
+    <p:spTree>
+      <p:nvGrpSpPr>
+        <p:cNvPr id="1" name=""/>
+        <p:cNvGrpSpPr/>
+        <p:nvPr/>
+      </p:nvGrpSpPr>
+      <p:grpSpPr>
+        <a:xfrm>
+          <a:off x="0" y="0"/>
+          <a:ext cx="0" cy="0"/>
+          <a:chOff x="0" y="0"/>
+          <a:chExt cx="0" cy="0"/>
+        </a:xfrm>
+      </p:grpSpPr>
+      <p:grpSp xmlns:a="http://schemas.openxmlformats.org/drawingml/2006/main" xmlns:r="http://schemas.openxmlformats.org/officeDocument/2006/relationships" xmlns:p="http://schemas.openxmlformats.org/presentationml/2006/main" xmlns:pic="http://schemas.openxmlformats.org/drawingml/2006/picture">
+        <p:nvGrpSpPr>
+          <p:cNvPr id="2" name="grp1"/>
+          <p:cNvGrpSpPr/>
+          <p:nvPr/>
+        </p:nvGrpSpPr>
+        <p:grpSpPr>
+          <a:xfrm>
+            <a:off x="457200" y="1600200"/>
+            <a:ext cx="8229600" cy="4525962"/>
+            <a:chOff x="457200" y="1600200"/>
+            <a:chExt cx="8229600" cy="4525962"/>
+          </a:xfrm>
+        </p:grpSpPr>
+        <p:sp>
+          <p:nvSpPr>
+            <p:cNvPr id="3" name="rc3"/>
+            <p:cNvSpPr/>
+            <p:nvPr/>
+          </p:nvSpPr>
+          <p:spPr>
+            <a:xfrm>
+              <a:off x="457200" y="1600200"/>
+              <a:ext cx="8229600" cy="4525962"/>
+            </a:xfrm>
+            <a:prstGeom prst="rect">
+              <a:avLst/>
+            </a:prstGeom>
+            <a:solidFill>
+              <a:srgbClr val="FFFFFF">
+                <a:alpha val="100000"/>
+              </a:srgbClr>
+            </a:solidFill>
+            <a:ln w="9525" cap="rnd">
+              <a:solidFill>
+                <a:srgbClr val="FFFFFF">
+                  <a:alpha val="100000"/>
+                </a:srgbClr>
+              </a:solidFill>
+              <a:prstDash val="solid"/>
+              <a:round/>
+            </a:ln>
+          </p:spPr>
+          <p:txBody>
+            <a:bodyPr/>
+            <a:lstStyle/>
+            <a:p/>
+          </p:txBody>
+        </p:sp>
+        <p:sp>
+          <p:nvSpPr>
+            <p:cNvPr id="4" name="pl4"/>
+            <p:cNvSpPr/>
+            <p:nvPr/>
+          </p:nvSpPr>
+          <p:spPr>
+            <a:xfrm>
+              <a:off x="938418" y="5112534"/>
+              <a:ext cx="6738730" cy="0"/>
+            </a:xfrm>
+            <a:custGeom>
+              <a:avLst/>
+              <a:pathLst>
+                <a:path w="6738730" h="0">
+                  <a:moveTo>
+                    <a:pt x="0" y="0"/>
+                  </a:moveTo>
+                  <a:lnTo>
+                    <a:pt x="6738730" y="0"/>
+                  </a:lnTo>
+                  <a:lnTo>
+                    <a:pt x="6738730" y="0"/>
+                  </a:lnTo>
+                </a:path>
+              </a:pathLst>
+            </a:custGeom>
+            <a:ln w="6775" cap="flat">
+              <a:solidFill>
+                <a:srgbClr val="EBEBEB">
+                  <a:alpha val="100000"/>
+                </a:srgbClr>
+              </a:solidFill>
+              <a:prstDash val="solid"/>
+              <a:round/>
+            </a:ln>
+          </p:spPr>
+          <p:txBody>
+            <a:bodyPr/>
+            <a:lstStyle/>
+            <a:p/>
+          </p:txBody>
+        </p:sp>
+        <p:sp>
+          <p:nvSpPr>
+            <p:cNvPr id="5" name="pl5"/>
+            <p:cNvSpPr/>
+            <p:nvPr/>
+          </p:nvSpPr>
+          <p:spPr>
+            <a:xfrm>
+              <a:off x="938418" y="4240589"/>
+              <a:ext cx="6738730" cy="0"/>
+            </a:xfrm>
+            <a:custGeom>
+              <a:avLst/>
+              <a:pathLst>
+                <a:path w="6738730" h="0">
+                  <a:moveTo>
+                    <a:pt x="0" y="0"/>
+                  </a:moveTo>
+                  <a:lnTo>
+                    <a:pt x="6738730" y="0"/>
+                  </a:lnTo>
+                  <a:lnTo>
+                    <a:pt x="6738730" y="0"/>
+                  </a:lnTo>
+                </a:path>
+              </a:pathLst>
+            </a:custGeom>
+            <a:ln w="6775" cap="flat">
+              <a:solidFill>
+                <a:srgbClr val="EBEBEB">
+                  <a:alpha val="100000"/>
+                </a:srgbClr>
+              </a:solidFill>
+              <a:prstDash val="solid"/>
+              <a:round/>
+            </a:ln>
+          </p:spPr>
+          <p:txBody>
+            <a:bodyPr/>
+            <a:lstStyle/>
+            <a:p/>
+          </p:txBody>
+        </p:sp>
+        <p:sp>
+          <p:nvSpPr>
+            <p:cNvPr id="6" name="pl6"/>
+            <p:cNvSpPr/>
+            <p:nvPr/>
+          </p:nvSpPr>
+          <p:spPr>
+            <a:xfrm>
+              <a:off x="938418" y="3368644"/>
+              <a:ext cx="6738730" cy="0"/>
+            </a:xfrm>
+            <a:custGeom>
+              <a:avLst/>
+              <a:pathLst>
+                <a:path w="6738730" h="0">
+                  <a:moveTo>
+                    <a:pt x="0" y="0"/>
+                  </a:moveTo>
+                  <a:lnTo>
+                    <a:pt x="6738730" y="0"/>
+                  </a:lnTo>
+                  <a:lnTo>
+                    <a:pt x="6738730" y="0"/>
+                  </a:lnTo>
+                </a:path>
+              </a:pathLst>
+            </a:custGeom>
+            <a:ln w="6775" cap="flat">
+              <a:solidFill>
+                <a:srgbClr val="EBEBEB">
+                  <a:alpha val="100000"/>
+                </a:srgbClr>
+              </a:solidFill>
+              <a:prstDash val="solid"/>
+              <a:round/>
+            </a:ln>
+          </p:spPr>
+          <p:txBody>
+            <a:bodyPr/>
+            <a:lstStyle/>
+            <a:p/>
+          </p:txBody>
+        </p:sp>
+        <p:sp>
+          <p:nvSpPr>
+            <p:cNvPr id="7" name="pl7"/>
+            <p:cNvSpPr/>
+            <p:nvPr/>
+          </p:nvSpPr>
+          <p:spPr>
+            <a:xfrm>
+              <a:off x="938418" y="2496699"/>
+              <a:ext cx="6738730" cy="0"/>
+            </a:xfrm>
+            <a:custGeom>
+              <a:avLst/>
+              <a:pathLst>
+                <a:path w="6738730" h="0">
+                  <a:moveTo>
+                    <a:pt x="0" y="0"/>
+                  </a:moveTo>
+                  <a:lnTo>
+                    <a:pt x="6738730" y="0"/>
+                  </a:lnTo>
+                  <a:lnTo>
+                    <a:pt x="6738730" y="0"/>
+                  </a:lnTo>
+                </a:path>
+              </a:pathLst>
+            </a:custGeom>
+            <a:ln w="6775" cap="flat">
+              <a:solidFill>
+                <a:srgbClr val="EBEBEB">
+                  <a:alpha val="100000"/>
+                </a:srgbClr>
+              </a:solidFill>
+              <a:prstDash val="solid"/>
+              <a:round/>
+            </a:ln>
+          </p:spPr>
+          <p:txBody>
+            <a:bodyPr/>
+            <a:lstStyle/>
+            <a:p/>
+          </p:txBody>
+        </p:sp>
+        <p:sp>
+          <p:nvSpPr>
+            <p:cNvPr id="8" name="pl8"/>
+            <p:cNvSpPr/>
+            <p:nvPr/>
+          </p:nvSpPr>
+          <p:spPr>
+            <a:xfrm>
+              <a:off x="938418" y="5548506"/>
+              <a:ext cx="6738730" cy="0"/>
+            </a:xfrm>
+            <a:custGeom>
+              <a:avLst/>
+              <a:pathLst>
+                <a:path w="6738730" h="0">
+                  <a:moveTo>
+                    <a:pt x="0" y="0"/>
+                  </a:moveTo>
+                  <a:lnTo>
+                    <a:pt x="6738730" y="0"/>
+                  </a:lnTo>
+                  <a:lnTo>
+                    <a:pt x="6738730" y="0"/>
+                  </a:lnTo>
+                </a:path>
+              </a:pathLst>
+            </a:custGeom>
+            <a:ln w="13550" cap="flat">
+              <a:solidFill>
+                <a:srgbClr val="EBEBEB">
+                  <a:alpha val="100000"/>
+                </a:srgbClr>
+              </a:solidFill>
+              <a:prstDash val="solid"/>
+              <a:round/>
+            </a:ln>
+          </p:spPr>
+          <p:txBody>
+            <a:bodyPr/>
+            <a:lstStyle/>
+            <a:p/>
+          </p:txBody>
+        </p:sp>
+        <p:sp>
+          <p:nvSpPr>
+            <p:cNvPr id="9" name="pl9"/>
+            <p:cNvSpPr/>
+            <p:nvPr/>
+          </p:nvSpPr>
+          <p:spPr>
+            <a:xfrm>
+              <a:off x="938418" y="4676561"/>
+              <a:ext cx="6738730" cy="0"/>
+            </a:xfrm>
+            <a:custGeom>
+              <a:avLst/>
+              <a:pathLst>
+                <a:path w="6738730" h="0">
+                  <a:moveTo>
+                    <a:pt x="0" y="0"/>
+                  </a:moveTo>
+                  <a:lnTo>
+                    <a:pt x="6738730" y="0"/>
+                  </a:lnTo>
+                  <a:lnTo>
+                    <a:pt x="6738730" y="0"/>
+                  </a:lnTo>
+                </a:path>
+              </a:pathLst>
+            </a:custGeom>
+            <a:ln w="13550" cap="flat">
+              <a:solidFill>
+                <a:srgbClr val="EBEBEB">
+                  <a:alpha val="100000"/>
+                </a:srgbClr>
+              </a:solidFill>
+              <a:prstDash val="solid"/>
+              <a:round/>
+            </a:ln>
+          </p:spPr>
+          <p:txBody>
+            <a:bodyPr/>
+            <a:lstStyle/>
+            <a:p/>
+          </p:txBody>
+        </p:sp>
+        <p:sp>
+          <p:nvSpPr>
+            <p:cNvPr id="10" name="pl10"/>
+            <p:cNvSpPr/>
+            <p:nvPr/>
+          </p:nvSpPr>
+          <p:spPr>
+            <a:xfrm>
+              <a:off x="938418" y="3804617"/>
+              <a:ext cx="6738730" cy="0"/>
+            </a:xfrm>
+            <a:custGeom>
+              <a:avLst/>
+              <a:pathLst>
+                <a:path w="6738730" h="0">
+                  <a:moveTo>
+                    <a:pt x="0" y="0"/>
+                  </a:moveTo>
+                  <a:lnTo>
+                    <a:pt x="6738730" y="0"/>
+                  </a:lnTo>
+                  <a:lnTo>
+                    <a:pt x="6738730" y="0"/>
+                  </a:lnTo>
+                </a:path>
+              </a:pathLst>
+            </a:custGeom>
+            <a:ln w="13550" cap="flat">
+              <a:solidFill>
+                <a:srgbClr val="EBEBEB">
+                  <a:alpha val="100000"/>
+                </a:srgbClr>
+              </a:solidFill>
+              <a:prstDash val="solid"/>
+              <a:round/>
+            </a:ln>
+          </p:spPr>
+          <p:txBody>
+            <a:bodyPr/>
+            <a:lstStyle/>
+            <a:p/>
+          </p:txBody>
+        </p:sp>
+        <p:sp>
+          <p:nvSpPr>
+            <p:cNvPr id="11" name="pl11"/>
+            <p:cNvSpPr/>
+            <p:nvPr/>
+          </p:nvSpPr>
+          <p:spPr>
+            <a:xfrm>
+              <a:off x="938418" y="2932672"/>
+              <a:ext cx="6738730" cy="0"/>
+            </a:xfrm>
+            <a:custGeom>
+              <a:avLst/>
+              <a:pathLst>
+                <a:path w="6738730" h="0">
+                  <a:moveTo>
+                    <a:pt x="0" y="0"/>
+                  </a:moveTo>
+                  <a:lnTo>
+                    <a:pt x="6738730" y="0"/>
+                  </a:lnTo>
+                  <a:lnTo>
+                    <a:pt x="6738730" y="0"/>
+                  </a:lnTo>
+                </a:path>
+              </a:pathLst>
+            </a:custGeom>
+            <a:ln w="13550" cap="flat">
+              <a:solidFill>
+                <a:srgbClr val="EBEBEB">
+                  <a:alpha val="100000"/>
+                </a:srgbClr>
+              </a:solidFill>
+              <a:prstDash val="solid"/>
+              <a:round/>
+            </a:ln>
+          </p:spPr>
+          <p:txBody>
+            <a:bodyPr/>
+            <a:lstStyle/>
+            <a:p/>
+          </p:txBody>
+        </p:sp>
+        <p:sp>
+          <p:nvSpPr>
+            <p:cNvPr id="12" name="pl12"/>
+            <p:cNvSpPr/>
+            <p:nvPr/>
+          </p:nvSpPr>
+          <p:spPr>
+            <a:xfrm>
+              <a:off x="938418" y="2060727"/>
+              <a:ext cx="6738730" cy="0"/>
+            </a:xfrm>
+            <a:custGeom>
+              <a:avLst/>
+              <a:pathLst>
+                <a:path w="6738730" h="0">
+                  <a:moveTo>
+                    <a:pt x="0" y="0"/>
+                  </a:moveTo>
+                  <a:lnTo>
+                    <a:pt x="6738730" y="0"/>
+                  </a:lnTo>
+                  <a:lnTo>
+                    <a:pt x="6738730" y="0"/>
+                  </a:lnTo>
+                </a:path>
+              </a:pathLst>
+            </a:custGeom>
+            <a:ln w="13550" cap="flat">
+              <a:solidFill>
+                <a:srgbClr val="EBEBEB">
+                  <a:alpha val="100000"/>
+                </a:srgbClr>
+              </a:solidFill>
+              <a:prstDash val="solid"/>
+              <a:round/>
+            </a:ln>
+          </p:spPr>
+          <p:txBody>
+            <a:bodyPr/>
+            <a:lstStyle/>
+            <a:p/>
+          </p:txBody>
+        </p:sp>
+        <p:sp>
+          <p:nvSpPr>
+            <p:cNvPr id="13" name="pl13"/>
+            <p:cNvSpPr/>
+            <p:nvPr/>
+          </p:nvSpPr>
+          <p:spPr>
+            <a:xfrm>
+              <a:off x="1715964" y="1886338"/>
+              <a:ext cx="0" cy="3836557"/>
+            </a:xfrm>
+            <a:custGeom>
+              <a:avLst/>
+              <a:pathLst>
+                <a:path w="0" h="3836557">
+                  <a:moveTo>
+                    <a:pt x="0" y="3836557"/>
+                  </a:moveTo>
+                  <a:lnTo>
+                    <a:pt x="0" y="0"/>
+                  </a:lnTo>
+                  <a:lnTo>
+                    <a:pt x="0" y="0"/>
+                  </a:lnTo>
+                </a:path>
+              </a:pathLst>
+            </a:custGeom>
+            <a:ln w="13550" cap="flat">
+              <a:solidFill>
+                <a:srgbClr val="EBEBEB">
+                  <a:alpha val="100000"/>
+                </a:srgbClr>
+              </a:solidFill>
+              <a:prstDash val="solid"/>
+              <a:round/>
+            </a:ln>
+          </p:spPr>
+          <p:txBody>
+            <a:bodyPr/>
+            <a:lstStyle/>
+            <a:p/>
+          </p:txBody>
+        </p:sp>
+        <p:sp>
+          <p:nvSpPr>
+            <p:cNvPr id="14" name="pl14"/>
+            <p:cNvSpPr/>
+            <p:nvPr/>
+          </p:nvSpPr>
+          <p:spPr>
+            <a:xfrm>
+              <a:off x="3011873" y="1886338"/>
+              <a:ext cx="0" cy="3836557"/>
+            </a:xfrm>
+            <a:custGeom>
+              <a:avLst/>
+              <a:pathLst>
+                <a:path w="0" h="3836557">
+                  <a:moveTo>
+                    <a:pt x="0" y="3836557"/>
+                  </a:moveTo>
+                  <a:lnTo>
+                    <a:pt x="0" y="0"/>
+                  </a:lnTo>
+                  <a:lnTo>
+                    <a:pt x="0" y="0"/>
+                  </a:lnTo>
+                </a:path>
+              </a:pathLst>
+            </a:custGeom>
+            <a:ln w="13550" cap="flat">
+              <a:solidFill>
+                <a:srgbClr val="EBEBEB">
+                  <a:alpha val="100000"/>
+                </a:srgbClr>
+              </a:solidFill>
+              <a:prstDash val="solid"/>
+              <a:round/>
+            </a:ln>
+          </p:spPr>
+          <p:txBody>
+            <a:bodyPr/>
+            <a:lstStyle/>
+            <a:p/>
+          </p:txBody>
+        </p:sp>
+        <p:sp>
+          <p:nvSpPr>
+            <p:cNvPr id="15" name="pl15"/>
+            <p:cNvSpPr/>
+            <p:nvPr/>
+          </p:nvSpPr>
+          <p:spPr>
+            <a:xfrm>
+              <a:off x="4307783" y="1886338"/>
+              <a:ext cx="0" cy="3836557"/>
+            </a:xfrm>
+            <a:custGeom>
+              <a:avLst/>
+              <a:pathLst>
+                <a:path w="0" h="3836557">
+                  <a:moveTo>
+                    <a:pt x="0" y="3836557"/>
+                  </a:moveTo>
+                  <a:lnTo>
+                    <a:pt x="0" y="0"/>
+                  </a:lnTo>
+                  <a:lnTo>
+                    <a:pt x="0" y="0"/>
+                  </a:lnTo>
+                </a:path>
+              </a:pathLst>
+            </a:custGeom>
+            <a:ln w="13550" cap="flat">
+              <a:solidFill>
+                <a:srgbClr val="EBEBEB">
+                  <a:alpha val="100000"/>
+                </a:srgbClr>
+              </a:solidFill>
+              <a:prstDash val="solid"/>
+              <a:round/>
+            </a:ln>
+          </p:spPr>
+          <p:txBody>
+            <a:bodyPr/>
+            <a:lstStyle/>
+            <a:p/>
+          </p:txBody>
+        </p:sp>
+        <p:sp>
+          <p:nvSpPr>
+            <p:cNvPr id="16" name="pl16"/>
+            <p:cNvSpPr/>
+            <p:nvPr/>
+          </p:nvSpPr>
+          <p:spPr>
+            <a:xfrm>
+              <a:off x="5603693" y="1886338"/>
+              <a:ext cx="0" cy="3836557"/>
+            </a:xfrm>
+            <a:custGeom>
+              <a:avLst/>
+              <a:pathLst>
+                <a:path w="0" h="3836557">
+                  <a:moveTo>
+                    <a:pt x="0" y="3836557"/>
+                  </a:moveTo>
+                  <a:lnTo>
+                    <a:pt x="0" y="0"/>
+                  </a:lnTo>
+                  <a:lnTo>
+                    <a:pt x="0" y="0"/>
+                  </a:lnTo>
+                </a:path>
+              </a:pathLst>
+            </a:custGeom>
+            <a:ln w="13550" cap="flat">
+              <a:solidFill>
+                <a:srgbClr val="EBEBEB">
+                  <a:alpha val="100000"/>
+                </a:srgbClr>
+              </a:solidFill>
+              <a:prstDash val="solid"/>
+              <a:round/>
+            </a:ln>
+          </p:spPr>
+          <p:txBody>
+            <a:bodyPr/>
+            <a:lstStyle/>
+            <a:p/>
+          </p:txBody>
+        </p:sp>
+        <p:sp>
+          <p:nvSpPr>
+            <p:cNvPr id="17" name="pl17"/>
+            <p:cNvSpPr/>
+            <p:nvPr/>
+          </p:nvSpPr>
+          <p:spPr>
+            <a:xfrm>
+              <a:off x="6899603" y="1886338"/>
+              <a:ext cx="0" cy="3836557"/>
+            </a:xfrm>
+            <a:custGeom>
+              <a:avLst/>
+              <a:pathLst>
+                <a:path w="0" h="3836557">
+                  <a:moveTo>
+                    <a:pt x="0" y="3836557"/>
+                  </a:moveTo>
+                  <a:lnTo>
+                    <a:pt x="0" y="0"/>
+                  </a:lnTo>
+                  <a:lnTo>
+                    <a:pt x="0" y="0"/>
+                  </a:lnTo>
+                </a:path>
+              </a:pathLst>
+            </a:custGeom>
+            <a:ln w="13550" cap="flat">
+              <a:solidFill>
+                <a:srgbClr val="EBEBEB">
+                  <a:alpha val="100000"/>
+                </a:srgbClr>
+              </a:solidFill>
+              <a:prstDash val="solid"/>
+              <a:round/>
+            </a:ln>
+          </p:spPr>
+          <p:txBody>
+            <a:bodyPr/>
+            <a:lstStyle/>
+            <a:p/>
+          </p:txBody>
+        </p:sp>
+        <p:sp>
+          <p:nvSpPr>
+            <p:cNvPr id="18" name="rc18"/>
+            <p:cNvSpPr/>
+            <p:nvPr/>
+          </p:nvSpPr>
+          <p:spPr>
+            <a:xfrm>
+              <a:off x="1715964" y="4977382"/>
+              <a:ext cx="583159" cy="571123"/>
+            </a:xfrm>
+            <a:prstGeom prst="rect">
+              <a:avLst/>
+            </a:prstGeom>
+            <a:solidFill>
+              <a:srgbClr val="00BFC4">
+                <a:alpha val="100000"/>
+              </a:srgbClr>
+            </a:solidFill>
+          </p:spPr>
+          <p:txBody>
+            <a:bodyPr/>
+            <a:lstStyle/>
+            <a:p/>
+          </p:txBody>
+        </p:sp>
+        <p:sp>
+          <p:nvSpPr>
+            <p:cNvPr id="19" name="rc19"/>
+            <p:cNvSpPr/>
+            <p:nvPr/>
+          </p:nvSpPr>
+          <p:spPr>
+            <a:xfrm>
+              <a:off x="1132804" y="4977382"/>
+              <a:ext cx="583159" cy="571123"/>
+            </a:xfrm>
+            <a:prstGeom prst="rect">
+              <a:avLst/>
+            </a:prstGeom>
+            <a:solidFill>
+              <a:srgbClr val="F8766D">
+                <a:alpha val="100000"/>
+              </a:srgbClr>
+            </a:solidFill>
+          </p:spPr>
+          <p:txBody>
+            <a:bodyPr/>
+            <a:lstStyle/>
+            <a:p/>
+          </p:txBody>
+        </p:sp>
+        <p:sp>
+          <p:nvSpPr>
+            <p:cNvPr id="20" name="rc20"/>
+            <p:cNvSpPr/>
+            <p:nvPr/>
+          </p:nvSpPr>
+          <p:spPr>
+            <a:xfrm>
+              <a:off x="3011873" y="4131596"/>
+              <a:ext cx="583159" cy="1416910"/>
+            </a:xfrm>
+            <a:prstGeom prst="rect">
+              <a:avLst/>
+            </a:prstGeom>
+            <a:solidFill>
+              <a:srgbClr val="00BFC4">
+                <a:alpha val="100000"/>
+              </a:srgbClr>
+            </a:solidFill>
+          </p:spPr>
+          <p:txBody>
+            <a:bodyPr/>
+            <a:lstStyle/>
+            <a:p/>
+          </p:txBody>
+        </p:sp>
+        <p:sp>
+          <p:nvSpPr>
+            <p:cNvPr id="21" name="rc21"/>
+            <p:cNvSpPr/>
+            <p:nvPr/>
+          </p:nvSpPr>
+          <p:spPr>
+            <a:xfrm>
+              <a:off x="2428714" y="4362661"/>
+              <a:ext cx="583159" cy="1185845"/>
+            </a:xfrm>
+            <a:prstGeom prst="rect">
+              <a:avLst/>
+            </a:prstGeom>
+            <a:solidFill>
+              <a:srgbClr val="F8766D">
+                <a:alpha val="100000"/>
+              </a:srgbClr>
+            </a:solidFill>
+          </p:spPr>
+          <p:txBody>
+            <a:bodyPr/>
+            <a:lstStyle/>
+            <a:p/>
+          </p:txBody>
+        </p:sp>
+        <p:sp>
+          <p:nvSpPr>
+            <p:cNvPr id="22" name="rc22"/>
+            <p:cNvSpPr/>
+            <p:nvPr/>
+          </p:nvSpPr>
+          <p:spPr>
+            <a:xfrm>
+              <a:off x="4307783" y="4925066"/>
+              <a:ext cx="583159" cy="623440"/>
+            </a:xfrm>
+            <a:prstGeom prst="rect">
+              <a:avLst/>
+            </a:prstGeom>
+            <a:solidFill>
+              <a:srgbClr val="00BFC4">
+                <a:alpha val="100000"/>
+              </a:srgbClr>
+            </a:solidFill>
+          </p:spPr>
+          <p:txBody>
+            <a:bodyPr/>
+            <a:lstStyle/>
+            <a:p/>
+          </p:txBody>
+        </p:sp>
+        <p:sp>
+          <p:nvSpPr>
+            <p:cNvPr id="23" name="rc23"/>
+            <p:cNvSpPr/>
+            <p:nvPr/>
+          </p:nvSpPr>
+          <p:spPr>
+            <a:xfrm>
+              <a:off x="3724624" y="4598086"/>
+              <a:ext cx="583159" cy="950419"/>
+            </a:xfrm>
+            <a:prstGeom prst="rect">
+              <a:avLst/>
+            </a:prstGeom>
+            <a:solidFill>
+              <a:srgbClr val="F8766D">
+                <a:alpha val="100000"/>
+              </a:srgbClr>
+            </a:solidFill>
+          </p:spPr>
+          <p:txBody>
+            <a:bodyPr/>
+            <a:lstStyle/>
+            <a:p/>
+          </p:txBody>
+        </p:sp>
+        <p:sp>
+          <p:nvSpPr>
+            <p:cNvPr id="24" name="rc24"/>
+            <p:cNvSpPr/>
+            <p:nvPr/>
+          </p:nvSpPr>
+          <p:spPr>
+            <a:xfrm>
+              <a:off x="5603693" y="2073806"/>
+              <a:ext cx="583159" cy="3474700"/>
+            </a:xfrm>
+            <a:prstGeom prst="rect">
+              <a:avLst/>
+            </a:prstGeom>
+            <a:solidFill>
+              <a:srgbClr val="00BFC4">
+                <a:alpha val="100000"/>
+              </a:srgbClr>
+            </a:solidFill>
+          </p:spPr>
+          <p:txBody>
+            <a:bodyPr/>
+            <a:lstStyle/>
+            <a:p/>
+          </p:txBody>
+        </p:sp>
+        <p:sp>
+          <p:nvSpPr>
+            <p:cNvPr id="25" name="rc25"/>
+            <p:cNvSpPr/>
+            <p:nvPr/>
+          </p:nvSpPr>
+          <p:spPr>
+            <a:xfrm>
+              <a:off x="5020534" y="2060727"/>
+              <a:ext cx="583159" cy="3487779"/>
+            </a:xfrm>
+            <a:prstGeom prst="rect">
+              <a:avLst/>
+            </a:prstGeom>
+            <a:solidFill>
+              <a:srgbClr val="F8766D">
+                <a:alpha val="100000"/>
+              </a:srgbClr>
+            </a:solidFill>
+          </p:spPr>
+          <p:txBody>
+            <a:bodyPr/>
+            <a:lstStyle/>
+            <a:p/>
+          </p:txBody>
+        </p:sp>
+        <p:sp>
+          <p:nvSpPr>
+            <p:cNvPr id="26" name="rc26"/>
+            <p:cNvSpPr/>
+            <p:nvPr/>
+          </p:nvSpPr>
+          <p:spPr>
+            <a:xfrm>
+              <a:off x="6899603" y="2862916"/>
+              <a:ext cx="583159" cy="2685590"/>
+            </a:xfrm>
+            <a:prstGeom prst="rect">
+              <a:avLst/>
+            </a:prstGeom>
+            <a:solidFill>
+              <a:srgbClr val="00BFC4">
+                <a:alpha val="100000"/>
+              </a:srgbClr>
+            </a:solidFill>
+          </p:spPr>
+          <p:txBody>
+            <a:bodyPr/>
+            <a:lstStyle/>
+            <a:p/>
+          </p:txBody>
+        </p:sp>
+        <p:sp>
+          <p:nvSpPr>
+            <p:cNvPr id="27" name="rc27"/>
+            <p:cNvSpPr/>
+            <p:nvPr/>
+          </p:nvSpPr>
+          <p:spPr>
+            <a:xfrm>
+              <a:off x="6316443" y="2893434"/>
+              <a:ext cx="583159" cy="2655072"/>
+            </a:xfrm>
+            <a:prstGeom prst="rect">
+              <a:avLst/>
+            </a:prstGeom>
+            <a:solidFill>
+              <a:srgbClr val="F8766D">
+                <a:alpha val="100000"/>
+              </a:srgbClr>
+            </a:solidFill>
+          </p:spPr>
+          <p:txBody>
+            <a:bodyPr/>
+            <a:lstStyle/>
+            <a:p/>
+          </p:txBody>
+        </p:sp>
+        <p:sp>
+          <p:nvSpPr>
+            <p:cNvPr id="28" name="tx28"/>
+            <p:cNvSpPr/>
+            <p:nvPr/>
+          </p:nvSpPr>
+          <p:spPr>
+            <a:xfrm>
+              <a:off x="813632" y="5507824"/>
+              <a:ext cx="62155" cy="79126"/>
+            </a:xfrm>
+            <a:prstGeom prst="rect">
+              <a:avLst/>
+            </a:prstGeom>
+            <a:noFill/>
+          </p:spPr>
+          <p:txBody>
+            <a:bodyPr lIns="0" rIns="0" tIns="0" bIns="0" anchorCtr="1" anchor="ctr" wrap="none"/>
+            <a:lstStyle/>
+            <a:p>
+              <a:pPr algn="l" marL="0" marR="0" indent="0">
+                <a:lnSpc>
+                  <a:spcPts val="880"/>
+                </a:lnSpc>
+                <a:spcBef>
+                  <a:spcPts val="0"/>
+                </a:spcBef>
+                <a:spcAft>
+                  <a:spcPts val="0"/>
+                </a:spcAft>
+              </a:pPr>
+              <a:r>
+                <a:rPr sz="880">
+                  <a:solidFill>
+                    <a:srgbClr val="4D4D4D">
+                      <a:alpha val="100000"/>
+                    </a:srgbClr>
+                  </a:solidFill>
+                  <a:latin typeface="Liberation Sans"/>
+                  <a:cs typeface="Liberation Sans"/>
+                </a:rPr>
+                <a:t>0</a:t>
+              </a:r>
+            </a:p>
+          </p:txBody>
+        </p:sp>
+        <p:sp>
+          <p:nvSpPr>
+            <p:cNvPr id="29" name="tx29"/>
+            <p:cNvSpPr/>
+            <p:nvPr/>
+          </p:nvSpPr>
+          <p:spPr>
+            <a:xfrm>
+              <a:off x="689321" y="4635879"/>
+              <a:ext cx="186466" cy="79126"/>
+            </a:xfrm>
+            <a:prstGeom prst="rect">
+              <a:avLst/>
+            </a:prstGeom>
+            <a:noFill/>
+          </p:spPr>
+          <p:txBody>
+            <a:bodyPr lIns="0" rIns="0" tIns="0" bIns="0" anchorCtr="1" anchor="ctr" wrap="none"/>
+            <a:lstStyle/>
+            <a:p>
+              <a:pPr algn="l" marL="0" marR="0" indent="0">
+                <a:lnSpc>
+                  <a:spcPts val="880"/>
+                </a:lnSpc>
+                <a:spcBef>
+                  <a:spcPts val="0"/>
+                </a:spcBef>
+                <a:spcAft>
+                  <a:spcPts val="0"/>
+                </a:spcAft>
+              </a:pPr>
+              <a:r>
+                <a:rPr sz="880">
+                  <a:solidFill>
+                    <a:srgbClr val="4D4D4D">
+                      <a:alpha val="100000"/>
+                    </a:srgbClr>
+                  </a:solidFill>
+                  <a:latin typeface="Liberation Sans"/>
+                  <a:cs typeface="Liberation Sans"/>
+                </a:rPr>
+                <a:t>200</a:t>
+              </a:r>
+            </a:p>
+          </p:txBody>
+        </p:sp>
+        <p:sp>
+          <p:nvSpPr>
+            <p:cNvPr id="30" name="tx30"/>
+            <p:cNvSpPr/>
+            <p:nvPr/>
+          </p:nvSpPr>
+          <p:spPr>
+            <a:xfrm>
+              <a:off x="689321" y="3763934"/>
+              <a:ext cx="186466" cy="79126"/>
+            </a:xfrm>
+            <a:prstGeom prst="rect">
+              <a:avLst/>
+            </a:prstGeom>
+            <a:noFill/>
+          </p:spPr>
+          <p:txBody>
+            <a:bodyPr lIns="0" rIns="0" tIns="0" bIns="0" anchorCtr="1" anchor="ctr" wrap="none"/>
+            <a:lstStyle/>
+            <a:p>
+              <a:pPr algn="l" marL="0" marR="0" indent="0">
+                <a:lnSpc>
+                  <a:spcPts val="880"/>
+                </a:lnSpc>
+                <a:spcBef>
+                  <a:spcPts val="0"/>
+                </a:spcBef>
+                <a:spcAft>
+                  <a:spcPts val="0"/>
+                </a:spcAft>
+              </a:pPr>
+              <a:r>
+                <a:rPr sz="880">
+                  <a:solidFill>
+                    <a:srgbClr val="4D4D4D">
+                      <a:alpha val="100000"/>
+                    </a:srgbClr>
+                  </a:solidFill>
+                  <a:latin typeface="Liberation Sans"/>
+                  <a:cs typeface="Liberation Sans"/>
+                </a:rPr>
+                <a:t>400</a:t>
+              </a:r>
+            </a:p>
+          </p:txBody>
+        </p:sp>
+        <p:sp>
+          <p:nvSpPr>
+            <p:cNvPr id="31" name="tx31"/>
+            <p:cNvSpPr/>
+            <p:nvPr/>
+          </p:nvSpPr>
+          <p:spPr>
+            <a:xfrm>
+              <a:off x="689321" y="2891990"/>
+              <a:ext cx="186466" cy="79126"/>
+            </a:xfrm>
+            <a:prstGeom prst="rect">
+              <a:avLst/>
+            </a:prstGeom>
+            <a:noFill/>
+          </p:spPr>
+          <p:txBody>
+            <a:bodyPr lIns="0" rIns="0" tIns="0" bIns="0" anchorCtr="1" anchor="ctr" wrap="none"/>
+            <a:lstStyle/>
+            <a:p>
+              <a:pPr algn="l" marL="0" marR="0" indent="0">
+                <a:lnSpc>
+                  <a:spcPts val="880"/>
+                </a:lnSpc>
+                <a:spcBef>
+                  <a:spcPts val="0"/>
+                </a:spcBef>
+                <a:spcAft>
+                  <a:spcPts val="0"/>
+                </a:spcAft>
+              </a:pPr>
+              <a:r>
+                <a:rPr sz="880">
+                  <a:solidFill>
+                    <a:srgbClr val="4D4D4D">
+                      <a:alpha val="100000"/>
+                    </a:srgbClr>
+                  </a:solidFill>
+                  <a:latin typeface="Liberation Sans"/>
+                  <a:cs typeface="Liberation Sans"/>
+                </a:rPr>
+                <a:t>600</a:t>
+              </a:r>
+            </a:p>
+          </p:txBody>
+        </p:sp>
+        <p:sp>
+          <p:nvSpPr>
+            <p:cNvPr id="32" name="tx32"/>
+            <p:cNvSpPr/>
+            <p:nvPr/>
+          </p:nvSpPr>
+          <p:spPr>
+            <a:xfrm>
+              <a:off x="689321" y="2020045"/>
+              <a:ext cx="186466" cy="79126"/>
+            </a:xfrm>
+            <a:prstGeom prst="rect">
+              <a:avLst/>
+            </a:prstGeom>
+            <a:noFill/>
+          </p:spPr>
+          <p:txBody>
+            <a:bodyPr lIns="0" rIns="0" tIns="0" bIns="0" anchorCtr="1" anchor="ctr" wrap="none"/>
+            <a:lstStyle/>
+            <a:p>
+              <a:pPr algn="l" marL="0" marR="0" indent="0">
+                <a:lnSpc>
+                  <a:spcPts val="880"/>
+                </a:lnSpc>
+                <a:spcBef>
+                  <a:spcPts val="0"/>
+                </a:spcBef>
+                <a:spcAft>
+                  <a:spcPts val="0"/>
+                </a:spcAft>
+              </a:pPr>
+              <a:r>
+                <a:rPr sz="880">
+                  <a:solidFill>
+                    <a:srgbClr val="4D4D4D">
+                      <a:alpha val="100000"/>
+                    </a:srgbClr>
+                  </a:solidFill>
+                  <a:latin typeface="Liberation Sans"/>
+                  <a:cs typeface="Liberation Sans"/>
+                </a:rPr>
+                <a:t>800</a:t>
+              </a:r>
+            </a:p>
+          </p:txBody>
+        </p:sp>
+        <p:sp>
+          <p:nvSpPr>
+            <p:cNvPr id="33" name="tx33"/>
+            <p:cNvSpPr/>
+            <p:nvPr/>
+          </p:nvSpPr>
+          <p:spPr>
+            <a:xfrm>
+              <a:off x="1557519" y="5758240"/>
+              <a:ext cx="316889" cy="104174"/>
+            </a:xfrm>
+            <a:prstGeom prst="rect">
+              <a:avLst/>
+            </a:prstGeom>
+            <a:noFill/>
+          </p:spPr>
+          <p:txBody>
+            <a:bodyPr lIns="0" rIns="0" tIns="0" bIns="0" anchorCtr="1" anchor="ctr" wrap="none"/>
+            <a:lstStyle/>
+            <a:p>
+              <a:pPr algn="l" marL="0" marR="0" indent="0">
+                <a:lnSpc>
+                  <a:spcPts val="880"/>
+                </a:lnSpc>
+                <a:spcBef>
+                  <a:spcPts val="0"/>
+                </a:spcBef>
+                <a:spcAft>
+                  <a:spcPts val="0"/>
+                </a:spcAft>
+              </a:pPr>
+              <a:r>
+                <a:rPr sz="880">
+                  <a:solidFill>
+                    <a:srgbClr val="4D4D4D">
+                      <a:alpha val="100000"/>
+                    </a:srgbClr>
+                  </a:solidFill>
+                  <a:latin typeface="Liberation Sans"/>
+                  <a:cs typeface="Liberation Sans"/>
+                </a:rPr>
+                <a:t>Eating</a:t>
+              </a:r>
+            </a:p>
+          </p:txBody>
+        </p:sp>
+        <p:sp>
+          <p:nvSpPr>
+            <p:cNvPr id="34" name="tx34"/>
+            <p:cNvSpPr/>
+            <p:nvPr/>
+          </p:nvSpPr>
+          <p:spPr>
+            <a:xfrm>
+              <a:off x="2701314" y="5758240"/>
+              <a:ext cx="621119" cy="104174"/>
+            </a:xfrm>
+            <a:prstGeom prst="rect">
+              <a:avLst/>
+            </a:prstGeom>
+            <a:noFill/>
+          </p:spPr>
+          <p:txBody>
+            <a:bodyPr lIns="0" rIns="0" tIns="0" bIns="0" anchorCtr="1" anchor="ctr" wrap="none"/>
+            <a:lstStyle/>
+            <a:p>
+              <a:pPr algn="l" marL="0" marR="0" indent="0">
+                <a:lnSpc>
+                  <a:spcPts val="880"/>
+                </a:lnSpc>
+                <a:spcBef>
+                  <a:spcPts val="0"/>
+                </a:spcBef>
+                <a:spcAft>
+                  <a:spcPts val="0"/>
+                </a:spcAft>
+              </a:pPr>
+              <a:r>
+                <a:rPr sz="880">
+                  <a:solidFill>
+                    <a:srgbClr val="4D4D4D">
+                      <a:alpha val="100000"/>
+                    </a:srgbClr>
+                  </a:solidFill>
+                  <a:latin typeface="Liberation Sans"/>
+                  <a:cs typeface="Liberation Sans"/>
+                </a:rPr>
+                <a:t>Employment</a:t>
+              </a:r>
+            </a:p>
+          </p:txBody>
+        </p:sp>
+        <p:sp>
+          <p:nvSpPr>
+            <p:cNvPr id="35" name="tx35"/>
+            <p:cNvSpPr/>
+            <p:nvPr/>
+          </p:nvSpPr>
+          <p:spPr>
+            <a:xfrm>
+              <a:off x="3646173" y="5758240"/>
+              <a:ext cx="1323220" cy="104174"/>
+            </a:xfrm>
+            <a:prstGeom prst="rect">
+              <a:avLst/>
+            </a:prstGeom>
+            <a:noFill/>
+          </p:spPr>
+          <p:txBody>
+            <a:bodyPr lIns="0" rIns="0" tIns="0" bIns="0" anchorCtr="1" anchor="ctr" wrap="none"/>
+            <a:lstStyle/>
+            <a:p>
+              <a:pPr algn="l" marL="0" marR="0" indent="0">
+                <a:lnSpc>
+                  <a:spcPts val="880"/>
+                </a:lnSpc>
+                <a:spcBef>
+                  <a:spcPts val="0"/>
+                </a:spcBef>
+                <a:spcAft>
+                  <a:spcPts val="0"/>
+                </a:spcAft>
+              </a:pPr>
+              <a:r>
+                <a:rPr sz="880">
+                  <a:solidFill>
+                    <a:srgbClr val="4D4D4D">
+                      <a:alpha val="100000"/>
+                    </a:srgbClr>
+                  </a:solidFill>
+                  <a:latin typeface="Liberation Sans"/>
+                  <a:cs typeface="Liberation Sans"/>
+                </a:rPr>
+                <a:t>Household and family care</a:t>
+              </a:r>
+            </a:p>
+          </p:txBody>
+        </p:sp>
+        <p:sp>
+          <p:nvSpPr>
+            <p:cNvPr id="36" name="tx36"/>
+            <p:cNvSpPr/>
+            <p:nvPr/>
+          </p:nvSpPr>
+          <p:spPr>
+            <a:xfrm>
+              <a:off x="5258918" y="5780341"/>
+              <a:ext cx="689550" cy="82073"/>
+            </a:xfrm>
+            <a:prstGeom prst="rect">
+              <a:avLst/>
+            </a:prstGeom>
+            <a:noFill/>
+          </p:spPr>
+          <p:txBody>
+            <a:bodyPr lIns="0" rIns="0" tIns="0" bIns="0" anchorCtr="1" anchor="ctr" wrap="none"/>
+            <a:lstStyle/>
+            <a:p>
+              <a:pPr algn="l" marL="0" marR="0" indent="0">
+                <a:lnSpc>
+                  <a:spcPts val="880"/>
+                </a:lnSpc>
+                <a:spcBef>
+                  <a:spcPts val="0"/>
+                </a:spcBef>
+                <a:spcAft>
+                  <a:spcPts val="0"/>
+                </a:spcAft>
+              </a:pPr>
+              <a:r>
+                <a:rPr sz="880">
+                  <a:solidFill>
+                    <a:srgbClr val="4D4D4D">
+                      <a:alpha val="100000"/>
+                    </a:srgbClr>
+                  </a:solidFill>
+                  <a:latin typeface="Liberation Sans"/>
+                  <a:cs typeface="Liberation Sans"/>
+                </a:rPr>
+                <a:t>Personal care</a:t>
+              </a:r>
+            </a:p>
+          </p:txBody>
+        </p:sp>
+        <p:sp>
+          <p:nvSpPr>
+            <p:cNvPr id="37" name="tx37"/>
+            <p:cNvSpPr/>
+            <p:nvPr/>
+          </p:nvSpPr>
+          <p:spPr>
+            <a:xfrm>
+              <a:off x="6756683" y="5758240"/>
+              <a:ext cx="285839" cy="104174"/>
+            </a:xfrm>
+            <a:prstGeom prst="rect">
+              <a:avLst/>
+            </a:prstGeom>
+            <a:noFill/>
+          </p:spPr>
+          <p:txBody>
+            <a:bodyPr lIns="0" rIns="0" tIns="0" bIns="0" anchorCtr="1" anchor="ctr" wrap="none"/>
+            <a:lstStyle/>
+            <a:p>
+              <a:pPr algn="l" marL="0" marR="0" indent="0">
+                <a:lnSpc>
+                  <a:spcPts val="880"/>
+                </a:lnSpc>
+                <a:spcBef>
+                  <a:spcPts val="0"/>
+                </a:spcBef>
+                <a:spcAft>
+                  <a:spcPts val="0"/>
+                </a:spcAft>
+              </a:pPr>
+              <a:r>
+                <a:rPr sz="880">
+                  <a:solidFill>
+                    <a:srgbClr val="4D4D4D">
+                      <a:alpha val="100000"/>
+                    </a:srgbClr>
+                  </a:solidFill>
+                  <a:latin typeface="Liberation Sans"/>
+                  <a:cs typeface="Liberation Sans"/>
+                </a:rPr>
+                <a:t>Sleep</a:t>
+              </a:r>
+            </a:p>
+          </p:txBody>
+        </p:sp>
+        <p:sp>
+          <p:nvSpPr>
+            <p:cNvPr id="38" name="tx38"/>
+            <p:cNvSpPr/>
+            <p:nvPr/>
+          </p:nvSpPr>
+          <p:spPr>
+            <a:xfrm>
+              <a:off x="4032203" y="5922355"/>
+              <a:ext cx="551160" cy="102592"/>
+            </a:xfrm>
+            <a:prstGeom prst="rect">
+              <a:avLst/>
+            </a:prstGeom>
+            <a:noFill/>
+          </p:spPr>
+          <p:txBody>
+            <a:bodyPr lIns="0" rIns="0" tIns="0" bIns="0" anchorCtr="1" anchor="ctr" wrap="none"/>
+            <a:lstStyle/>
+            <a:p>
+              <a:pPr algn="l" marL="0" marR="0" indent="0">
+                <a:lnSpc>
+                  <a:spcPts val="1100"/>
+                </a:lnSpc>
+                <a:spcBef>
+                  <a:spcPts val="0"/>
+                </a:spcBef>
+                <a:spcAft>
+                  <a:spcPts val="0"/>
+                </a:spcAft>
+              </a:pPr>
+              <a:r>
+                <a:rPr sz="1100">
+                  <a:solidFill>
+                    <a:srgbClr val="000000">
+                      <a:alpha val="100000"/>
+                    </a:srgbClr>
+                  </a:solidFill>
+                  <a:latin typeface="Liberation Sans"/>
+                  <a:cs typeface="Liberation Sans"/>
+                </a:rPr>
+                <a:t>Activities</a:t>
+              </a:r>
+            </a:p>
+          </p:txBody>
+        </p:sp>
+        <p:sp>
+          <p:nvSpPr>
+            <p:cNvPr id="39" name="tx39"/>
+            <p:cNvSpPr/>
+            <p:nvPr/>
+          </p:nvSpPr>
+          <p:spPr>
+            <a:xfrm rot="-5400000">
+              <a:off x="78630" y="3753321"/>
+              <a:ext cx="985949" cy="102592"/>
+            </a:xfrm>
+            <a:prstGeom prst="rect">
+              <a:avLst/>
+            </a:prstGeom>
+            <a:noFill/>
+          </p:spPr>
+          <p:txBody>
+            <a:bodyPr lIns="0" rIns="0" tIns="0" bIns="0" anchorCtr="1" anchor="ctr" wrap="none"/>
+            <a:lstStyle/>
+            <a:p>
+              <a:pPr algn="l" marL="0" marR="0" indent="0">
+                <a:lnSpc>
+                  <a:spcPts val="1100"/>
+                </a:lnSpc>
+                <a:spcBef>
+                  <a:spcPts val="0"/>
+                </a:spcBef>
+                <a:spcAft>
+                  <a:spcPts val="0"/>
+                </a:spcAft>
+              </a:pPr>
+              <a:r>
+                <a:rPr sz="1100">
+                  <a:solidFill>
+                    <a:srgbClr val="000000">
+                      <a:alpha val="100000"/>
+                    </a:srgbClr>
+                  </a:solidFill>
+                  <a:latin typeface="Liberation Sans"/>
+                  <a:cs typeface="Liberation Sans"/>
+                </a:rPr>
+                <a:t>Time in minutes</a:t>
+              </a:r>
+            </a:p>
+          </p:txBody>
+        </p:sp>
+        <p:sp>
+          <p:nvSpPr>
+            <p:cNvPr id="40" name="tx40"/>
+            <p:cNvSpPr/>
+            <p:nvPr/>
+          </p:nvSpPr>
+          <p:spPr>
+            <a:xfrm>
+              <a:off x="7885916" y="3468204"/>
+              <a:ext cx="644748" cy="130218"/>
+            </a:xfrm>
+            <a:prstGeom prst="rect">
+              <a:avLst/>
+            </a:prstGeom>
+            <a:noFill/>
+          </p:spPr>
+          <p:txBody>
+            <a:bodyPr lIns="0" rIns="0" tIns="0" bIns="0" anchorCtr="1" anchor="ctr" wrap="none"/>
+            <a:lstStyle/>
+            <a:p>
+              <a:pPr algn="l" marL="0" marR="0" indent="0">
+                <a:lnSpc>
+                  <a:spcPts val="1100"/>
+                </a:lnSpc>
+                <a:spcBef>
+                  <a:spcPts val="0"/>
+                </a:spcBef>
+                <a:spcAft>
+                  <a:spcPts val="0"/>
+                </a:spcAft>
+              </a:pPr>
+              <a:r>
+                <a:rPr sz="1100">
+                  <a:solidFill>
+                    <a:srgbClr val="000000">
+                      <a:alpha val="100000"/>
+                    </a:srgbClr>
+                  </a:solidFill>
+                  <a:latin typeface="Liberation Sans"/>
+                  <a:cs typeface="Liberation Sans"/>
+                </a:rPr>
+                <a:t>population</a:t>
+              </a:r>
+            </a:p>
+          </p:txBody>
+        </p:sp>
+        <p:sp>
+          <p:nvSpPr>
+            <p:cNvPr id="41" name="rc41"/>
+            <p:cNvSpPr/>
+            <p:nvPr/>
+          </p:nvSpPr>
+          <p:spPr>
+            <a:xfrm>
+              <a:off x="7894916" y="3692824"/>
+              <a:ext cx="201455" cy="201456"/>
+            </a:xfrm>
+            <a:prstGeom prst="rect">
+              <a:avLst/>
+            </a:prstGeom>
+            <a:solidFill>
+              <a:srgbClr val="F8766D">
+                <a:alpha val="100000"/>
+              </a:srgbClr>
+            </a:solidFill>
+          </p:spPr>
+          <p:txBody>
+            <a:bodyPr/>
+            <a:lstStyle/>
+            <a:p/>
+          </p:txBody>
+        </p:sp>
+        <p:sp>
+          <p:nvSpPr>
+            <p:cNvPr id="42" name="rc42"/>
+            <p:cNvSpPr/>
+            <p:nvPr/>
+          </p:nvSpPr>
+          <p:spPr>
+            <a:xfrm>
+              <a:off x="7894916" y="3912280"/>
+              <a:ext cx="201455" cy="201456"/>
+            </a:xfrm>
+            <a:prstGeom prst="rect">
+              <a:avLst/>
+            </a:prstGeom>
+            <a:solidFill>
+              <a:srgbClr val="00BFC4">
+                <a:alpha val="100000"/>
+              </a:srgbClr>
+            </a:solidFill>
+          </p:spPr>
+          <p:txBody>
+            <a:bodyPr/>
+            <a:lstStyle/>
+            <a:p/>
+          </p:txBody>
+        </p:sp>
+        <p:sp>
+          <p:nvSpPr>
+            <p:cNvPr id="43" name="tx43"/>
+            <p:cNvSpPr/>
+            <p:nvPr/>
+          </p:nvSpPr>
+          <p:spPr>
+            <a:xfrm>
+              <a:off x="8174961" y="3749923"/>
+              <a:ext cx="372660" cy="82073"/>
+            </a:xfrm>
+            <a:prstGeom prst="rect">
+              <a:avLst/>
+            </a:prstGeom>
+            <a:noFill/>
+          </p:spPr>
+          <p:txBody>
+            <a:bodyPr lIns="0" rIns="0" tIns="0" bIns="0" anchorCtr="1" anchor="ctr" wrap="none"/>
+            <a:lstStyle/>
+            <a:p>
+              <a:pPr algn="l" marL="0" marR="0" indent="0">
+                <a:lnSpc>
+                  <a:spcPts val="880"/>
+                </a:lnSpc>
+                <a:spcBef>
+                  <a:spcPts val="0"/>
+                </a:spcBef>
+                <a:spcAft>
+                  <a:spcPts val="0"/>
+                </a:spcAft>
+              </a:pPr>
+              <a:r>
+                <a:rPr sz="880">
+                  <a:solidFill>
+                    <a:srgbClr val="000000">
+                      <a:alpha val="100000"/>
+                    </a:srgbClr>
+                  </a:solidFill>
+                  <a:latin typeface="Liberation Sans"/>
+                  <a:cs typeface="Liberation Sans"/>
+                </a:rPr>
+                <a:t>Female</a:t>
+              </a:r>
+            </a:p>
+          </p:txBody>
+        </p:sp>
+        <p:sp>
+          <p:nvSpPr>
+            <p:cNvPr id="44" name="tx44"/>
+            <p:cNvSpPr/>
+            <p:nvPr/>
+          </p:nvSpPr>
+          <p:spPr>
+            <a:xfrm>
+              <a:off x="8174961" y="3969379"/>
+              <a:ext cx="242237" cy="82073"/>
+            </a:xfrm>
+            <a:prstGeom prst="rect">
+              <a:avLst/>
+            </a:prstGeom>
+            <a:noFill/>
+          </p:spPr>
+          <p:txBody>
+            <a:bodyPr lIns="0" rIns="0" tIns="0" bIns="0" anchorCtr="1" anchor="ctr" wrap="none"/>
+            <a:lstStyle/>
+            <a:p>
+              <a:pPr algn="l" marL="0" marR="0" indent="0">
+                <a:lnSpc>
+                  <a:spcPts val="880"/>
+                </a:lnSpc>
+                <a:spcBef>
+                  <a:spcPts val="0"/>
+                </a:spcBef>
+                <a:spcAft>
+                  <a:spcPts val="0"/>
+                </a:spcAft>
+              </a:pPr>
+              <a:r>
+                <a:rPr sz="880">
+                  <a:solidFill>
+                    <a:srgbClr val="000000">
+                      <a:alpha val="100000"/>
+                    </a:srgbClr>
+                  </a:solidFill>
+                  <a:latin typeface="Liberation Sans"/>
+                  <a:cs typeface="Liberation Sans"/>
+                </a:rPr>
+                <a:t>Male</a:t>
+              </a:r>
+            </a:p>
+          </p:txBody>
+        </p:sp>
+        <p:sp>
+          <p:nvSpPr>
+            <p:cNvPr id="45" name="tx45"/>
+            <p:cNvSpPr/>
+            <p:nvPr/>
+          </p:nvSpPr>
+          <p:spPr>
+            <a:xfrm>
+              <a:off x="938418" y="1628861"/>
+              <a:ext cx="1435417" cy="156262"/>
+            </a:xfrm>
+            <a:prstGeom prst="rect">
+              <a:avLst/>
+            </a:prstGeom>
+            <a:noFill/>
+          </p:spPr>
+          <p:txBody>
+            <a:bodyPr lIns="0" rIns="0" tIns="0" bIns="0" anchorCtr="1" anchor="ctr" wrap="none"/>
+            <a:lstStyle/>
+            <a:p>
+              <a:pPr algn="l" marL="0" marR="0" indent="0">
+                <a:lnSpc>
+                  <a:spcPts val="1320"/>
+                </a:lnSpc>
+                <a:spcBef>
+                  <a:spcPts val="0"/>
+                </a:spcBef>
+                <a:spcAft>
+                  <a:spcPts val="0"/>
+                </a:spcAft>
+              </a:pPr>
+              <a:r>
+                <a:rPr sz="1320">
+                  <a:solidFill>
+                    <a:srgbClr val="000000">
+                      <a:alpha val="100000"/>
+                    </a:srgbClr>
+                  </a:solidFill>
+                  <a:latin typeface="Liberation Sans"/>
+                  <a:cs typeface="Liberation Sans"/>
+                </a:rPr>
+                <a:t>Year 2014_Sunday</a:t>
               </a:r>
             </a:p>
           </p:txBody>

--- a/content/blog/test.pptx
+++ b/content/blog/test.pptx
@@ -26,6 +26,9 @@
     <p:sldId id="274" r:id="rId26"/>
     <p:sldId id="275" r:id="rId27"/>
     <p:sldId id="276" r:id="rId28"/>
+    <p:sldId id="277" r:id="rId29"/>
+    <p:sldId id="278" r:id="rId30"/>
+    <p:sldId id="279" r:id="rId31"/>
   </p:sldIdLst>
   <p:sldSz cx="9144000" cy="6858000" type="screen4x3"/>
   <p:notesSz cx="6858000" cy="9144000"/>
@@ -25477,6 +25480,5003 @@
 </p:sld>
 </file>
 
+<file path=ppt/slides/slide22.xml><?xml version="1.0" encoding="utf-8"?>
+<p:sld xmlns:a="http://schemas.openxmlformats.org/drawingml/2006/main" xmlns:r="http://schemas.openxmlformats.org/officeDocument/2006/relationships" xmlns:p="http://schemas.openxmlformats.org/presentationml/2006/main">
+  <p:cSld>
+    <p:spTree>
+      <p:nvGrpSpPr>
+        <p:cNvPr id="1" name=""/>
+        <p:cNvGrpSpPr/>
+        <p:nvPr/>
+      </p:nvGrpSpPr>
+      <p:grpSpPr>
+        <a:xfrm>
+          <a:off x="0" y="0"/>
+          <a:ext cx="0" cy="0"/>
+          <a:chOff x="0" y="0"/>
+          <a:chExt cx="0" cy="0"/>
+        </a:xfrm>
+      </p:grpSpPr>
+      <p:grpSp xmlns:a="http://schemas.openxmlformats.org/drawingml/2006/main" xmlns:r="http://schemas.openxmlformats.org/officeDocument/2006/relationships" xmlns:p="http://schemas.openxmlformats.org/presentationml/2006/main" xmlns:pic="http://schemas.openxmlformats.org/drawingml/2006/picture">
+        <p:nvGrpSpPr>
+          <p:cNvPr id="2" name="grp1"/>
+          <p:cNvGrpSpPr/>
+          <p:nvPr/>
+        </p:nvGrpSpPr>
+        <p:grpSpPr>
+          <a:xfrm>
+            <a:off x="457200" y="1600200"/>
+            <a:ext cx="8229600" cy="4525962"/>
+            <a:chOff x="457200" y="1600200"/>
+            <a:chExt cx="8229600" cy="4525962"/>
+          </a:xfrm>
+        </p:grpSpPr>
+        <p:sp>
+          <p:nvSpPr>
+            <p:cNvPr id="3" name="rc3"/>
+            <p:cNvSpPr/>
+            <p:nvPr/>
+          </p:nvSpPr>
+          <p:spPr>
+            <a:xfrm>
+              <a:off x="457200" y="1600200"/>
+              <a:ext cx="8229600" cy="4525962"/>
+            </a:xfrm>
+            <a:prstGeom prst="rect">
+              <a:avLst/>
+            </a:prstGeom>
+            <a:solidFill>
+              <a:srgbClr val="FFFFFF">
+                <a:alpha val="100000"/>
+              </a:srgbClr>
+            </a:solidFill>
+            <a:ln w="9525" cap="rnd">
+              <a:solidFill>
+                <a:srgbClr val="FFFFFF">
+                  <a:alpha val="100000"/>
+                </a:srgbClr>
+              </a:solidFill>
+              <a:prstDash val="solid"/>
+              <a:round/>
+            </a:ln>
+          </p:spPr>
+          <p:txBody>
+            <a:bodyPr/>
+            <a:lstStyle/>
+            <a:p/>
+          </p:txBody>
+        </p:sp>
+        <p:sp>
+          <p:nvSpPr>
+            <p:cNvPr id="4" name="pl4"/>
+            <p:cNvSpPr/>
+            <p:nvPr/>
+          </p:nvSpPr>
+          <p:spPr>
+            <a:xfrm>
+              <a:off x="938418" y="5031798"/>
+              <a:ext cx="6738730" cy="0"/>
+            </a:xfrm>
+            <a:custGeom>
+              <a:avLst/>
+              <a:pathLst>
+                <a:path w="6738730" h="0">
+                  <a:moveTo>
+                    <a:pt x="0" y="0"/>
+                  </a:moveTo>
+                  <a:lnTo>
+                    <a:pt x="6738730" y="0"/>
+                  </a:lnTo>
+                  <a:lnTo>
+                    <a:pt x="6738730" y="0"/>
+                  </a:lnTo>
+                </a:path>
+              </a:pathLst>
+            </a:custGeom>
+            <a:ln w="6775" cap="flat">
+              <a:solidFill>
+                <a:srgbClr val="EBEBEB">
+                  <a:alpha val="100000"/>
+                </a:srgbClr>
+              </a:solidFill>
+              <a:prstDash val="solid"/>
+              <a:round/>
+            </a:ln>
+          </p:spPr>
+          <p:txBody>
+            <a:bodyPr/>
+            <a:lstStyle/>
+            <a:p/>
+          </p:txBody>
+        </p:sp>
+        <p:sp>
+          <p:nvSpPr>
+            <p:cNvPr id="5" name="pl5"/>
+            <p:cNvSpPr/>
+            <p:nvPr/>
+          </p:nvSpPr>
+          <p:spPr>
+            <a:xfrm>
+              <a:off x="938418" y="3998382"/>
+              <a:ext cx="6738730" cy="0"/>
+            </a:xfrm>
+            <a:custGeom>
+              <a:avLst/>
+              <a:pathLst>
+                <a:path w="6738730" h="0">
+                  <a:moveTo>
+                    <a:pt x="0" y="0"/>
+                  </a:moveTo>
+                  <a:lnTo>
+                    <a:pt x="6738730" y="0"/>
+                  </a:lnTo>
+                  <a:lnTo>
+                    <a:pt x="6738730" y="0"/>
+                  </a:lnTo>
+                </a:path>
+              </a:pathLst>
+            </a:custGeom>
+            <a:ln w="6775" cap="flat">
+              <a:solidFill>
+                <a:srgbClr val="EBEBEB">
+                  <a:alpha val="100000"/>
+                </a:srgbClr>
+              </a:solidFill>
+              <a:prstDash val="solid"/>
+              <a:round/>
+            </a:ln>
+          </p:spPr>
+          <p:txBody>
+            <a:bodyPr/>
+            <a:lstStyle/>
+            <a:p/>
+          </p:txBody>
+        </p:sp>
+        <p:sp>
+          <p:nvSpPr>
+            <p:cNvPr id="6" name="pl6"/>
+            <p:cNvSpPr/>
+            <p:nvPr/>
+          </p:nvSpPr>
+          <p:spPr>
+            <a:xfrm>
+              <a:off x="938418" y="2964966"/>
+              <a:ext cx="6738730" cy="0"/>
+            </a:xfrm>
+            <a:custGeom>
+              <a:avLst/>
+              <a:pathLst>
+                <a:path w="6738730" h="0">
+                  <a:moveTo>
+                    <a:pt x="0" y="0"/>
+                  </a:moveTo>
+                  <a:lnTo>
+                    <a:pt x="6738730" y="0"/>
+                  </a:lnTo>
+                  <a:lnTo>
+                    <a:pt x="6738730" y="0"/>
+                  </a:lnTo>
+                </a:path>
+              </a:pathLst>
+            </a:custGeom>
+            <a:ln w="6775" cap="flat">
+              <a:solidFill>
+                <a:srgbClr val="EBEBEB">
+                  <a:alpha val="100000"/>
+                </a:srgbClr>
+              </a:solidFill>
+              <a:prstDash val="solid"/>
+              <a:round/>
+            </a:ln>
+          </p:spPr>
+          <p:txBody>
+            <a:bodyPr/>
+            <a:lstStyle/>
+            <a:p/>
+          </p:txBody>
+        </p:sp>
+        <p:sp>
+          <p:nvSpPr>
+            <p:cNvPr id="7" name="pl7"/>
+            <p:cNvSpPr/>
+            <p:nvPr/>
+          </p:nvSpPr>
+          <p:spPr>
+            <a:xfrm>
+              <a:off x="938418" y="1931550"/>
+              <a:ext cx="6738730" cy="0"/>
+            </a:xfrm>
+            <a:custGeom>
+              <a:avLst/>
+              <a:pathLst>
+                <a:path w="6738730" h="0">
+                  <a:moveTo>
+                    <a:pt x="0" y="0"/>
+                  </a:moveTo>
+                  <a:lnTo>
+                    <a:pt x="6738730" y="0"/>
+                  </a:lnTo>
+                  <a:lnTo>
+                    <a:pt x="6738730" y="0"/>
+                  </a:lnTo>
+                </a:path>
+              </a:pathLst>
+            </a:custGeom>
+            <a:ln w="6775" cap="flat">
+              <a:solidFill>
+                <a:srgbClr val="EBEBEB">
+                  <a:alpha val="100000"/>
+                </a:srgbClr>
+              </a:solidFill>
+              <a:prstDash val="solid"/>
+              <a:round/>
+            </a:ln>
+          </p:spPr>
+          <p:txBody>
+            <a:bodyPr/>
+            <a:lstStyle/>
+            <a:p/>
+          </p:txBody>
+        </p:sp>
+        <p:sp>
+          <p:nvSpPr>
+            <p:cNvPr id="8" name="pl8"/>
+            <p:cNvSpPr/>
+            <p:nvPr/>
+          </p:nvSpPr>
+          <p:spPr>
+            <a:xfrm>
+              <a:off x="938418" y="5548506"/>
+              <a:ext cx="6738730" cy="0"/>
+            </a:xfrm>
+            <a:custGeom>
+              <a:avLst/>
+              <a:pathLst>
+                <a:path w="6738730" h="0">
+                  <a:moveTo>
+                    <a:pt x="0" y="0"/>
+                  </a:moveTo>
+                  <a:lnTo>
+                    <a:pt x="6738730" y="0"/>
+                  </a:lnTo>
+                  <a:lnTo>
+                    <a:pt x="6738730" y="0"/>
+                  </a:lnTo>
+                </a:path>
+              </a:pathLst>
+            </a:custGeom>
+            <a:ln w="13550" cap="flat">
+              <a:solidFill>
+                <a:srgbClr val="EBEBEB">
+                  <a:alpha val="100000"/>
+                </a:srgbClr>
+              </a:solidFill>
+              <a:prstDash val="solid"/>
+              <a:round/>
+            </a:ln>
+          </p:spPr>
+          <p:txBody>
+            <a:bodyPr/>
+            <a:lstStyle/>
+            <a:p/>
+          </p:txBody>
+        </p:sp>
+        <p:sp>
+          <p:nvSpPr>
+            <p:cNvPr id="9" name="pl9"/>
+            <p:cNvSpPr/>
+            <p:nvPr/>
+          </p:nvSpPr>
+          <p:spPr>
+            <a:xfrm>
+              <a:off x="938418" y="4515090"/>
+              <a:ext cx="6738730" cy="0"/>
+            </a:xfrm>
+            <a:custGeom>
+              <a:avLst/>
+              <a:pathLst>
+                <a:path w="6738730" h="0">
+                  <a:moveTo>
+                    <a:pt x="0" y="0"/>
+                  </a:moveTo>
+                  <a:lnTo>
+                    <a:pt x="6738730" y="0"/>
+                  </a:lnTo>
+                  <a:lnTo>
+                    <a:pt x="6738730" y="0"/>
+                  </a:lnTo>
+                </a:path>
+              </a:pathLst>
+            </a:custGeom>
+            <a:ln w="13550" cap="flat">
+              <a:solidFill>
+                <a:srgbClr val="EBEBEB">
+                  <a:alpha val="100000"/>
+                </a:srgbClr>
+              </a:solidFill>
+              <a:prstDash val="solid"/>
+              <a:round/>
+            </a:ln>
+          </p:spPr>
+          <p:txBody>
+            <a:bodyPr/>
+            <a:lstStyle/>
+            <a:p/>
+          </p:txBody>
+        </p:sp>
+        <p:sp>
+          <p:nvSpPr>
+            <p:cNvPr id="10" name="pl10"/>
+            <p:cNvSpPr/>
+            <p:nvPr/>
+          </p:nvSpPr>
+          <p:spPr>
+            <a:xfrm>
+              <a:off x="938418" y="3481674"/>
+              <a:ext cx="6738730" cy="0"/>
+            </a:xfrm>
+            <a:custGeom>
+              <a:avLst/>
+              <a:pathLst>
+                <a:path w="6738730" h="0">
+                  <a:moveTo>
+                    <a:pt x="0" y="0"/>
+                  </a:moveTo>
+                  <a:lnTo>
+                    <a:pt x="6738730" y="0"/>
+                  </a:lnTo>
+                  <a:lnTo>
+                    <a:pt x="6738730" y="0"/>
+                  </a:lnTo>
+                </a:path>
+              </a:pathLst>
+            </a:custGeom>
+            <a:ln w="13550" cap="flat">
+              <a:solidFill>
+                <a:srgbClr val="EBEBEB">
+                  <a:alpha val="100000"/>
+                </a:srgbClr>
+              </a:solidFill>
+              <a:prstDash val="solid"/>
+              <a:round/>
+            </a:ln>
+          </p:spPr>
+          <p:txBody>
+            <a:bodyPr/>
+            <a:lstStyle/>
+            <a:p/>
+          </p:txBody>
+        </p:sp>
+        <p:sp>
+          <p:nvSpPr>
+            <p:cNvPr id="11" name="pl11"/>
+            <p:cNvSpPr/>
+            <p:nvPr/>
+          </p:nvSpPr>
+          <p:spPr>
+            <a:xfrm>
+              <a:off x="938418" y="2448258"/>
+              <a:ext cx="6738730" cy="0"/>
+            </a:xfrm>
+            <a:custGeom>
+              <a:avLst/>
+              <a:pathLst>
+                <a:path w="6738730" h="0">
+                  <a:moveTo>
+                    <a:pt x="0" y="0"/>
+                  </a:moveTo>
+                  <a:lnTo>
+                    <a:pt x="6738730" y="0"/>
+                  </a:lnTo>
+                  <a:lnTo>
+                    <a:pt x="6738730" y="0"/>
+                  </a:lnTo>
+                </a:path>
+              </a:pathLst>
+            </a:custGeom>
+            <a:ln w="13550" cap="flat">
+              <a:solidFill>
+                <a:srgbClr val="EBEBEB">
+                  <a:alpha val="100000"/>
+                </a:srgbClr>
+              </a:solidFill>
+              <a:prstDash val="solid"/>
+              <a:round/>
+            </a:ln>
+          </p:spPr>
+          <p:txBody>
+            <a:bodyPr/>
+            <a:lstStyle/>
+            <a:p/>
+          </p:txBody>
+        </p:sp>
+        <p:sp>
+          <p:nvSpPr>
+            <p:cNvPr id="12" name="pl12"/>
+            <p:cNvSpPr/>
+            <p:nvPr/>
+          </p:nvSpPr>
+          <p:spPr>
+            <a:xfrm>
+              <a:off x="1715964" y="1886338"/>
+              <a:ext cx="0" cy="3836557"/>
+            </a:xfrm>
+            <a:custGeom>
+              <a:avLst/>
+              <a:pathLst>
+                <a:path w="0" h="3836557">
+                  <a:moveTo>
+                    <a:pt x="0" y="3836557"/>
+                  </a:moveTo>
+                  <a:lnTo>
+                    <a:pt x="0" y="0"/>
+                  </a:lnTo>
+                  <a:lnTo>
+                    <a:pt x="0" y="0"/>
+                  </a:lnTo>
+                </a:path>
+              </a:pathLst>
+            </a:custGeom>
+            <a:ln w="13550" cap="flat">
+              <a:solidFill>
+                <a:srgbClr val="EBEBEB">
+                  <a:alpha val="100000"/>
+                </a:srgbClr>
+              </a:solidFill>
+              <a:prstDash val="solid"/>
+              <a:round/>
+            </a:ln>
+          </p:spPr>
+          <p:txBody>
+            <a:bodyPr/>
+            <a:lstStyle/>
+            <a:p/>
+          </p:txBody>
+        </p:sp>
+        <p:sp>
+          <p:nvSpPr>
+            <p:cNvPr id="13" name="pl13"/>
+            <p:cNvSpPr/>
+            <p:nvPr/>
+          </p:nvSpPr>
+          <p:spPr>
+            <a:xfrm>
+              <a:off x="3011873" y="1886338"/>
+              <a:ext cx="0" cy="3836557"/>
+            </a:xfrm>
+            <a:custGeom>
+              <a:avLst/>
+              <a:pathLst>
+                <a:path w="0" h="3836557">
+                  <a:moveTo>
+                    <a:pt x="0" y="3836557"/>
+                  </a:moveTo>
+                  <a:lnTo>
+                    <a:pt x="0" y="0"/>
+                  </a:lnTo>
+                  <a:lnTo>
+                    <a:pt x="0" y="0"/>
+                  </a:lnTo>
+                </a:path>
+              </a:pathLst>
+            </a:custGeom>
+            <a:ln w="13550" cap="flat">
+              <a:solidFill>
+                <a:srgbClr val="EBEBEB">
+                  <a:alpha val="100000"/>
+                </a:srgbClr>
+              </a:solidFill>
+              <a:prstDash val="solid"/>
+              <a:round/>
+            </a:ln>
+          </p:spPr>
+          <p:txBody>
+            <a:bodyPr/>
+            <a:lstStyle/>
+            <a:p/>
+          </p:txBody>
+        </p:sp>
+        <p:sp>
+          <p:nvSpPr>
+            <p:cNvPr id="14" name="pl14"/>
+            <p:cNvSpPr/>
+            <p:nvPr/>
+          </p:nvSpPr>
+          <p:spPr>
+            <a:xfrm>
+              <a:off x="4307783" y="1886338"/>
+              <a:ext cx="0" cy="3836557"/>
+            </a:xfrm>
+            <a:custGeom>
+              <a:avLst/>
+              <a:pathLst>
+                <a:path w="0" h="3836557">
+                  <a:moveTo>
+                    <a:pt x="0" y="3836557"/>
+                  </a:moveTo>
+                  <a:lnTo>
+                    <a:pt x="0" y="0"/>
+                  </a:lnTo>
+                  <a:lnTo>
+                    <a:pt x="0" y="0"/>
+                  </a:lnTo>
+                </a:path>
+              </a:pathLst>
+            </a:custGeom>
+            <a:ln w="13550" cap="flat">
+              <a:solidFill>
+                <a:srgbClr val="EBEBEB">
+                  <a:alpha val="100000"/>
+                </a:srgbClr>
+              </a:solidFill>
+              <a:prstDash val="solid"/>
+              <a:round/>
+            </a:ln>
+          </p:spPr>
+          <p:txBody>
+            <a:bodyPr/>
+            <a:lstStyle/>
+            <a:p/>
+          </p:txBody>
+        </p:sp>
+        <p:sp>
+          <p:nvSpPr>
+            <p:cNvPr id="15" name="pl15"/>
+            <p:cNvSpPr/>
+            <p:nvPr/>
+          </p:nvSpPr>
+          <p:spPr>
+            <a:xfrm>
+              <a:off x="5603693" y="1886338"/>
+              <a:ext cx="0" cy="3836557"/>
+            </a:xfrm>
+            <a:custGeom>
+              <a:avLst/>
+              <a:pathLst>
+                <a:path w="0" h="3836557">
+                  <a:moveTo>
+                    <a:pt x="0" y="3836557"/>
+                  </a:moveTo>
+                  <a:lnTo>
+                    <a:pt x="0" y="0"/>
+                  </a:lnTo>
+                  <a:lnTo>
+                    <a:pt x="0" y="0"/>
+                  </a:lnTo>
+                </a:path>
+              </a:pathLst>
+            </a:custGeom>
+            <a:ln w="13550" cap="flat">
+              <a:solidFill>
+                <a:srgbClr val="EBEBEB">
+                  <a:alpha val="100000"/>
+                </a:srgbClr>
+              </a:solidFill>
+              <a:prstDash val="solid"/>
+              <a:round/>
+            </a:ln>
+          </p:spPr>
+          <p:txBody>
+            <a:bodyPr/>
+            <a:lstStyle/>
+            <a:p/>
+          </p:txBody>
+        </p:sp>
+        <p:sp>
+          <p:nvSpPr>
+            <p:cNvPr id="16" name="pl16"/>
+            <p:cNvSpPr/>
+            <p:nvPr/>
+          </p:nvSpPr>
+          <p:spPr>
+            <a:xfrm>
+              <a:off x="6899603" y="1886338"/>
+              <a:ext cx="0" cy="3836557"/>
+            </a:xfrm>
+            <a:custGeom>
+              <a:avLst/>
+              <a:pathLst>
+                <a:path w="0" h="3836557">
+                  <a:moveTo>
+                    <a:pt x="0" y="3836557"/>
+                  </a:moveTo>
+                  <a:lnTo>
+                    <a:pt x="0" y="0"/>
+                  </a:lnTo>
+                  <a:lnTo>
+                    <a:pt x="0" y="0"/>
+                  </a:lnTo>
+                </a:path>
+              </a:pathLst>
+            </a:custGeom>
+            <a:ln w="13550" cap="flat">
+              <a:solidFill>
+                <a:srgbClr val="EBEBEB">
+                  <a:alpha val="100000"/>
+                </a:srgbClr>
+              </a:solidFill>
+              <a:prstDash val="solid"/>
+              <a:round/>
+            </a:ln>
+          </p:spPr>
+          <p:txBody>
+            <a:bodyPr/>
+            <a:lstStyle/>
+            <a:p/>
+          </p:txBody>
+        </p:sp>
+        <p:sp>
+          <p:nvSpPr>
+            <p:cNvPr id="17" name="rc17"/>
+            <p:cNvSpPr/>
+            <p:nvPr/>
+          </p:nvSpPr>
+          <p:spPr>
+            <a:xfrm>
+              <a:off x="1715964" y="5000796"/>
+              <a:ext cx="583159" cy="547710"/>
+            </a:xfrm>
+            <a:prstGeom prst="rect">
+              <a:avLst/>
+            </a:prstGeom>
+            <a:solidFill>
+              <a:srgbClr val="00BFC4">
+                <a:alpha val="100000"/>
+              </a:srgbClr>
+            </a:solidFill>
+          </p:spPr>
+          <p:txBody>
+            <a:bodyPr/>
+            <a:lstStyle/>
+            <a:p/>
+          </p:txBody>
+        </p:sp>
+        <p:sp>
+          <p:nvSpPr>
+            <p:cNvPr id="18" name="rc18"/>
+            <p:cNvSpPr/>
+            <p:nvPr/>
+          </p:nvSpPr>
+          <p:spPr>
+            <a:xfrm>
+              <a:off x="1132804" y="4990462"/>
+              <a:ext cx="583159" cy="558044"/>
+            </a:xfrm>
+            <a:prstGeom prst="rect">
+              <a:avLst/>
+            </a:prstGeom>
+            <a:solidFill>
+              <a:srgbClr val="F8766D">
+                <a:alpha val="100000"/>
+              </a:srgbClr>
+            </a:solidFill>
+          </p:spPr>
+          <p:txBody>
+            <a:bodyPr/>
+            <a:lstStyle/>
+            <a:p/>
+          </p:txBody>
+        </p:sp>
+        <p:sp>
+          <p:nvSpPr>
+            <p:cNvPr id="19" name="rc19"/>
+            <p:cNvSpPr/>
+            <p:nvPr/>
+          </p:nvSpPr>
+          <p:spPr>
+            <a:xfrm>
+              <a:off x="3011873" y="3011470"/>
+              <a:ext cx="583159" cy="2537036"/>
+            </a:xfrm>
+            <a:prstGeom prst="rect">
+              <a:avLst/>
+            </a:prstGeom>
+            <a:solidFill>
+              <a:srgbClr val="00BFC4">
+                <a:alpha val="100000"/>
+              </a:srgbClr>
+            </a:solidFill>
+          </p:spPr>
+          <p:txBody>
+            <a:bodyPr/>
+            <a:lstStyle/>
+            <a:p/>
+          </p:txBody>
+        </p:sp>
+        <p:sp>
+          <p:nvSpPr>
+            <p:cNvPr id="20" name="rc20"/>
+            <p:cNvSpPr/>
+            <p:nvPr/>
+          </p:nvSpPr>
+          <p:spPr>
+            <a:xfrm>
+              <a:off x="2428714" y="3409335"/>
+              <a:ext cx="583159" cy="2139171"/>
+            </a:xfrm>
+            <a:prstGeom prst="rect">
+              <a:avLst/>
+            </a:prstGeom>
+            <a:solidFill>
+              <a:srgbClr val="F8766D">
+                <a:alpha val="100000"/>
+              </a:srgbClr>
+            </a:solidFill>
+          </p:spPr>
+          <p:txBody>
+            <a:bodyPr/>
+            <a:lstStyle/>
+            <a:p/>
+          </p:txBody>
+        </p:sp>
+        <p:sp>
+          <p:nvSpPr>
+            <p:cNvPr id="21" name="rc21"/>
+            <p:cNvSpPr/>
+            <p:nvPr/>
+          </p:nvSpPr>
+          <p:spPr>
+            <a:xfrm>
+              <a:off x="4307783" y="4933624"/>
+              <a:ext cx="583159" cy="614882"/>
+            </a:xfrm>
+            <a:prstGeom prst="rect">
+              <a:avLst/>
+            </a:prstGeom>
+            <a:solidFill>
+              <a:srgbClr val="00BFC4">
+                <a:alpha val="100000"/>
+              </a:srgbClr>
+            </a:solidFill>
+          </p:spPr>
+          <p:txBody>
+            <a:bodyPr/>
+            <a:lstStyle/>
+            <a:p/>
+          </p:txBody>
+        </p:sp>
+        <p:sp>
+          <p:nvSpPr>
+            <p:cNvPr id="22" name="rc22"/>
+            <p:cNvSpPr/>
+            <p:nvPr/>
+          </p:nvSpPr>
+          <p:spPr>
+            <a:xfrm>
+              <a:off x="3724624" y="4365245"/>
+              <a:ext cx="583159" cy="1183261"/>
+            </a:xfrm>
+            <a:prstGeom prst="rect">
+              <a:avLst/>
+            </a:prstGeom>
+            <a:solidFill>
+              <a:srgbClr val="F8766D">
+                <a:alpha val="100000"/>
+              </a:srgbClr>
+            </a:solidFill>
+          </p:spPr>
+          <p:txBody>
+            <a:bodyPr/>
+            <a:lstStyle/>
+            <a:p/>
+          </p:txBody>
+        </p:sp>
+        <p:sp>
+          <p:nvSpPr>
+            <p:cNvPr id="23" name="rc23"/>
+            <p:cNvSpPr/>
+            <p:nvPr/>
+          </p:nvSpPr>
+          <p:spPr>
+            <a:xfrm>
+              <a:off x="5603693" y="2138233"/>
+              <a:ext cx="583159" cy="3410273"/>
+            </a:xfrm>
+            <a:prstGeom prst="rect">
+              <a:avLst/>
+            </a:prstGeom>
+            <a:solidFill>
+              <a:srgbClr val="00BFC4">
+                <a:alpha val="100000"/>
+              </a:srgbClr>
+            </a:solidFill>
+          </p:spPr>
+          <p:txBody>
+            <a:bodyPr/>
+            <a:lstStyle/>
+            <a:p/>
+          </p:txBody>
+        </p:sp>
+        <p:sp>
+          <p:nvSpPr>
+            <p:cNvPr id="24" name="rc24"/>
+            <p:cNvSpPr/>
+            <p:nvPr/>
+          </p:nvSpPr>
+          <p:spPr>
+            <a:xfrm>
+              <a:off x="5020534" y="2060727"/>
+              <a:ext cx="583159" cy="3487779"/>
+            </a:xfrm>
+            <a:prstGeom prst="rect">
+              <a:avLst/>
+            </a:prstGeom>
+            <a:solidFill>
+              <a:srgbClr val="F8766D">
+                <a:alpha val="100000"/>
+              </a:srgbClr>
+            </a:solidFill>
+          </p:spPr>
+          <p:txBody>
+            <a:bodyPr/>
+            <a:lstStyle/>
+            <a:p/>
+          </p:txBody>
+        </p:sp>
+        <p:sp>
+          <p:nvSpPr>
+            <p:cNvPr id="25" name="rc25"/>
+            <p:cNvSpPr/>
+            <p:nvPr/>
+          </p:nvSpPr>
+          <p:spPr>
+            <a:xfrm>
+              <a:off x="6899603" y="2944298"/>
+              <a:ext cx="583159" cy="2604208"/>
+            </a:xfrm>
+            <a:prstGeom prst="rect">
+              <a:avLst/>
+            </a:prstGeom>
+            <a:solidFill>
+              <a:srgbClr val="00BFC4">
+                <a:alpha val="100000"/>
+              </a:srgbClr>
+            </a:solidFill>
+          </p:spPr>
+          <p:txBody>
+            <a:bodyPr/>
+            <a:lstStyle/>
+            <a:p/>
+          </p:txBody>
+        </p:sp>
+        <p:sp>
+          <p:nvSpPr>
+            <p:cNvPr id="26" name="rc26"/>
+            <p:cNvSpPr/>
+            <p:nvPr/>
+          </p:nvSpPr>
+          <p:spPr>
+            <a:xfrm>
+              <a:off x="6316443" y="2928796"/>
+              <a:ext cx="583159" cy="2619709"/>
+            </a:xfrm>
+            <a:prstGeom prst="rect">
+              <a:avLst/>
+            </a:prstGeom>
+            <a:solidFill>
+              <a:srgbClr val="F8766D">
+                <a:alpha val="100000"/>
+              </a:srgbClr>
+            </a:solidFill>
+          </p:spPr>
+          <p:txBody>
+            <a:bodyPr/>
+            <a:lstStyle/>
+            <a:p/>
+          </p:txBody>
+        </p:sp>
+        <p:sp>
+          <p:nvSpPr>
+            <p:cNvPr id="27" name="tx27"/>
+            <p:cNvSpPr/>
+            <p:nvPr/>
+          </p:nvSpPr>
+          <p:spPr>
+            <a:xfrm>
+              <a:off x="813632" y="5507824"/>
+              <a:ext cx="62155" cy="79126"/>
+            </a:xfrm>
+            <a:prstGeom prst="rect">
+              <a:avLst/>
+            </a:prstGeom>
+            <a:noFill/>
+          </p:spPr>
+          <p:txBody>
+            <a:bodyPr lIns="0" rIns="0" tIns="0" bIns="0" anchorCtr="1" anchor="ctr" wrap="none"/>
+            <a:lstStyle/>
+            <a:p>
+              <a:pPr algn="l" marL="0" marR="0" indent="0">
+                <a:lnSpc>
+                  <a:spcPts val="880"/>
+                </a:lnSpc>
+                <a:spcBef>
+                  <a:spcPts val="0"/>
+                </a:spcBef>
+                <a:spcAft>
+                  <a:spcPts val="0"/>
+                </a:spcAft>
+              </a:pPr>
+              <a:r>
+                <a:rPr sz="880">
+                  <a:solidFill>
+                    <a:srgbClr val="4D4D4D">
+                      <a:alpha val="100000"/>
+                    </a:srgbClr>
+                  </a:solidFill>
+                  <a:latin typeface="Liberation Sans"/>
+                  <a:cs typeface="Liberation Sans"/>
+                </a:rPr>
+                <a:t>0</a:t>
+              </a:r>
+            </a:p>
+          </p:txBody>
+        </p:sp>
+        <p:sp>
+          <p:nvSpPr>
+            <p:cNvPr id="28" name="tx28"/>
+            <p:cNvSpPr/>
+            <p:nvPr/>
+          </p:nvSpPr>
+          <p:spPr>
+            <a:xfrm>
+              <a:off x="689321" y="4474408"/>
+              <a:ext cx="186466" cy="79126"/>
+            </a:xfrm>
+            <a:prstGeom prst="rect">
+              <a:avLst/>
+            </a:prstGeom>
+            <a:noFill/>
+          </p:spPr>
+          <p:txBody>
+            <a:bodyPr lIns="0" rIns="0" tIns="0" bIns="0" anchorCtr="1" anchor="ctr" wrap="none"/>
+            <a:lstStyle/>
+            <a:p>
+              <a:pPr algn="l" marL="0" marR="0" indent="0">
+                <a:lnSpc>
+                  <a:spcPts val="880"/>
+                </a:lnSpc>
+                <a:spcBef>
+                  <a:spcPts val="0"/>
+                </a:spcBef>
+                <a:spcAft>
+                  <a:spcPts val="0"/>
+                </a:spcAft>
+              </a:pPr>
+              <a:r>
+                <a:rPr sz="880">
+                  <a:solidFill>
+                    <a:srgbClr val="4D4D4D">
+                      <a:alpha val="100000"/>
+                    </a:srgbClr>
+                  </a:solidFill>
+                  <a:latin typeface="Liberation Sans"/>
+                  <a:cs typeface="Liberation Sans"/>
+                </a:rPr>
+                <a:t>200</a:t>
+              </a:r>
+            </a:p>
+          </p:txBody>
+        </p:sp>
+        <p:sp>
+          <p:nvSpPr>
+            <p:cNvPr id="29" name="tx29"/>
+            <p:cNvSpPr/>
+            <p:nvPr/>
+          </p:nvSpPr>
+          <p:spPr>
+            <a:xfrm>
+              <a:off x="689321" y="3440992"/>
+              <a:ext cx="186466" cy="79126"/>
+            </a:xfrm>
+            <a:prstGeom prst="rect">
+              <a:avLst/>
+            </a:prstGeom>
+            <a:noFill/>
+          </p:spPr>
+          <p:txBody>
+            <a:bodyPr lIns="0" rIns="0" tIns="0" bIns="0" anchorCtr="1" anchor="ctr" wrap="none"/>
+            <a:lstStyle/>
+            <a:p>
+              <a:pPr algn="l" marL="0" marR="0" indent="0">
+                <a:lnSpc>
+                  <a:spcPts val="880"/>
+                </a:lnSpc>
+                <a:spcBef>
+                  <a:spcPts val="0"/>
+                </a:spcBef>
+                <a:spcAft>
+                  <a:spcPts val="0"/>
+                </a:spcAft>
+              </a:pPr>
+              <a:r>
+                <a:rPr sz="880">
+                  <a:solidFill>
+                    <a:srgbClr val="4D4D4D">
+                      <a:alpha val="100000"/>
+                    </a:srgbClr>
+                  </a:solidFill>
+                  <a:latin typeface="Liberation Sans"/>
+                  <a:cs typeface="Liberation Sans"/>
+                </a:rPr>
+                <a:t>400</a:t>
+              </a:r>
+            </a:p>
+          </p:txBody>
+        </p:sp>
+        <p:sp>
+          <p:nvSpPr>
+            <p:cNvPr id="30" name="tx30"/>
+            <p:cNvSpPr/>
+            <p:nvPr/>
+          </p:nvSpPr>
+          <p:spPr>
+            <a:xfrm>
+              <a:off x="689321" y="2407576"/>
+              <a:ext cx="186466" cy="79126"/>
+            </a:xfrm>
+            <a:prstGeom prst="rect">
+              <a:avLst/>
+            </a:prstGeom>
+            <a:noFill/>
+          </p:spPr>
+          <p:txBody>
+            <a:bodyPr lIns="0" rIns="0" tIns="0" bIns="0" anchorCtr="1" anchor="ctr" wrap="none"/>
+            <a:lstStyle/>
+            <a:p>
+              <a:pPr algn="l" marL="0" marR="0" indent="0">
+                <a:lnSpc>
+                  <a:spcPts val="880"/>
+                </a:lnSpc>
+                <a:spcBef>
+                  <a:spcPts val="0"/>
+                </a:spcBef>
+                <a:spcAft>
+                  <a:spcPts val="0"/>
+                </a:spcAft>
+              </a:pPr>
+              <a:r>
+                <a:rPr sz="880">
+                  <a:solidFill>
+                    <a:srgbClr val="4D4D4D">
+                      <a:alpha val="100000"/>
+                    </a:srgbClr>
+                  </a:solidFill>
+                  <a:latin typeface="Liberation Sans"/>
+                  <a:cs typeface="Liberation Sans"/>
+                </a:rPr>
+                <a:t>600</a:t>
+              </a:r>
+            </a:p>
+          </p:txBody>
+        </p:sp>
+        <p:sp>
+          <p:nvSpPr>
+            <p:cNvPr id="31" name="tx31"/>
+            <p:cNvSpPr/>
+            <p:nvPr/>
+          </p:nvSpPr>
+          <p:spPr>
+            <a:xfrm>
+              <a:off x="1557519" y="5758240"/>
+              <a:ext cx="316889" cy="104174"/>
+            </a:xfrm>
+            <a:prstGeom prst="rect">
+              <a:avLst/>
+            </a:prstGeom>
+            <a:noFill/>
+          </p:spPr>
+          <p:txBody>
+            <a:bodyPr lIns="0" rIns="0" tIns="0" bIns="0" anchorCtr="1" anchor="ctr" wrap="none"/>
+            <a:lstStyle/>
+            <a:p>
+              <a:pPr algn="l" marL="0" marR="0" indent="0">
+                <a:lnSpc>
+                  <a:spcPts val="880"/>
+                </a:lnSpc>
+                <a:spcBef>
+                  <a:spcPts val="0"/>
+                </a:spcBef>
+                <a:spcAft>
+                  <a:spcPts val="0"/>
+                </a:spcAft>
+              </a:pPr>
+              <a:r>
+                <a:rPr sz="880">
+                  <a:solidFill>
+                    <a:srgbClr val="4D4D4D">
+                      <a:alpha val="100000"/>
+                    </a:srgbClr>
+                  </a:solidFill>
+                  <a:latin typeface="Liberation Sans"/>
+                  <a:cs typeface="Liberation Sans"/>
+                </a:rPr>
+                <a:t>Eating</a:t>
+              </a:r>
+            </a:p>
+          </p:txBody>
+        </p:sp>
+        <p:sp>
+          <p:nvSpPr>
+            <p:cNvPr id="32" name="tx32"/>
+            <p:cNvSpPr/>
+            <p:nvPr/>
+          </p:nvSpPr>
+          <p:spPr>
+            <a:xfrm>
+              <a:off x="2701314" y="5758240"/>
+              <a:ext cx="621119" cy="104174"/>
+            </a:xfrm>
+            <a:prstGeom prst="rect">
+              <a:avLst/>
+            </a:prstGeom>
+            <a:noFill/>
+          </p:spPr>
+          <p:txBody>
+            <a:bodyPr lIns="0" rIns="0" tIns="0" bIns="0" anchorCtr="1" anchor="ctr" wrap="none"/>
+            <a:lstStyle/>
+            <a:p>
+              <a:pPr algn="l" marL="0" marR="0" indent="0">
+                <a:lnSpc>
+                  <a:spcPts val="880"/>
+                </a:lnSpc>
+                <a:spcBef>
+                  <a:spcPts val="0"/>
+                </a:spcBef>
+                <a:spcAft>
+                  <a:spcPts val="0"/>
+                </a:spcAft>
+              </a:pPr>
+              <a:r>
+                <a:rPr sz="880">
+                  <a:solidFill>
+                    <a:srgbClr val="4D4D4D">
+                      <a:alpha val="100000"/>
+                    </a:srgbClr>
+                  </a:solidFill>
+                  <a:latin typeface="Liberation Sans"/>
+                  <a:cs typeface="Liberation Sans"/>
+                </a:rPr>
+                <a:t>Employment</a:t>
+              </a:r>
+            </a:p>
+          </p:txBody>
+        </p:sp>
+        <p:sp>
+          <p:nvSpPr>
+            <p:cNvPr id="33" name="tx33"/>
+            <p:cNvSpPr/>
+            <p:nvPr/>
+          </p:nvSpPr>
+          <p:spPr>
+            <a:xfrm>
+              <a:off x="3646173" y="5758240"/>
+              <a:ext cx="1323220" cy="104174"/>
+            </a:xfrm>
+            <a:prstGeom prst="rect">
+              <a:avLst/>
+            </a:prstGeom>
+            <a:noFill/>
+          </p:spPr>
+          <p:txBody>
+            <a:bodyPr lIns="0" rIns="0" tIns="0" bIns="0" anchorCtr="1" anchor="ctr" wrap="none"/>
+            <a:lstStyle/>
+            <a:p>
+              <a:pPr algn="l" marL="0" marR="0" indent="0">
+                <a:lnSpc>
+                  <a:spcPts val="880"/>
+                </a:lnSpc>
+                <a:spcBef>
+                  <a:spcPts val="0"/>
+                </a:spcBef>
+                <a:spcAft>
+                  <a:spcPts val="0"/>
+                </a:spcAft>
+              </a:pPr>
+              <a:r>
+                <a:rPr sz="880">
+                  <a:solidFill>
+                    <a:srgbClr val="4D4D4D">
+                      <a:alpha val="100000"/>
+                    </a:srgbClr>
+                  </a:solidFill>
+                  <a:latin typeface="Liberation Sans"/>
+                  <a:cs typeface="Liberation Sans"/>
+                </a:rPr>
+                <a:t>Household and family care</a:t>
+              </a:r>
+            </a:p>
+          </p:txBody>
+        </p:sp>
+        <p:sp>
+          <p:nvSpPr>
+            <p:cNvPr id="34" name="tx34"/>
+            <p:cNvSpPr/>
+            <p:nvPr/>
+          </p:nvSpPr>
+          <p:spPr>
+            <a:xfrm>
+              <a:off x="5258918" y="5780341"/>
+              <a:ext cx="689550" cy="82073"/>
+            </a:xfrm>
+            <a:prstGeom prst="rect">
+              <a:avLst/>
+            </a:prstGeom>
+            <a:noFill/>
+          </p:spPr>
+          <p:txBody>
+            <a:bodyPr lIns="0" rIns="0" tIns="0" bIns="0" anchorCtr="1" anchor="ctr" wrap="none"/>
+            <a:lstStyle/>
+            <a:p>
+              <a:pPr algn="l" marL="0" marR="0" indent="0">
+                <a:lnSpc>
+                  <a:spcPts val="880"/>
+                </a:lnSpc>
+                <a:spcBef>
+                  <a:spcPts val="0"/>
+                </a:spcBef>
+                <a:spcAft>
+                  <a:spcPts val="0"/>
+                </a:spcAft>
+              </a:pPr>
+              <a:r>
+                <a:rPr sz="880">
+                  <a:solidFill>
+                    <a:srgbClr val="4D4D4D">
+                      <a:alpha val="100000"/>
+                    </a:srgbClr>
+                  </a:solidFill>
+                  <a:latin typeface="Liberation Sans"/>
+                  <a:cs typeface="Liberation Sans"/>
+                </a:rPr>
+                <a:t>Personal care</a:t>
+              </a:r>
+            </a:p>
+          </p:txBody>
+        </p:sp>
+        <p:sp>
+          <p:nvSpPr>
+            <p:cNvPr id="35" name="tx35"/>
+            <p:cNvSpPr/>
+            <p:nvPr/>
+          </p:nvSpPr>
+          <p:spPr>
+            <a:xfrm>
+              <a:off x="6756683" y="5758240"/>
+              <a:ext cx="285839" cy="104174"/>
+            </a:xfrm>
+            <a:prstGeom prst="rect">
+              <a:avLst/>
+            </a:prstGeom>
+            <a:noFill/>
+          </p:spPr>
+          <p:txBody>
+            <a:bodyPr lIns="0" rIns="0" tIns="0" bIns="0" anchorCtr="1" anchor="ctr" wrap="none"/>
+            <a:lstStyle/>
+            <a:p>
+              <a:pPr algn="l" marL="0" marR="0" indent="0">
+                <a:lnSpc>
+                  <a:spcPts val="880"/>
+                </a:lnSpc>
+                <a:spcBef>
+                  <a:spcPts val="0"/>
+                </a:spcBef>
+                <a:spcAft>
+                  <a:spcPts val="0"/>
+                </a:spcAft>
+              </a:pPr>
+              <a:r>
+                <a:rPr sz="880">
+                  <a:solidFill>
+                    <a:srgbClr val="4D4D4D">
+                      <a:alpha val="100000"/>
+                    </a:srgbClr>
+                  </a:solidFill>
+                  <a:latin typeface="Liberation Sans"/>
+                  <a:cs typeface="Liberation Sans"/>
+                </a:rPr>
+                <a:t>Sleep</a:t>
+              </a:r>
+            </a:p>
+          </p:txBody>
+        </p:sp>
+        <p:sp>
+          <p:nvSpPr>
+            <p:cNvPr id="36" name="tx36"/>
+            <p:cNvSpPr/>
+            <p:nvPr/>
+          </p:nvSpPr>
+          <p:spPr>
+            <a:xfrm>
+              <a:off x="4032203" y="5922355"/>
+              <a:ext cx="551160" cy="102592"/>
+            </a:xfrm>
+            <a:prstGeom prst="rect">
+              <a:avLst/>
+            </a:prstGeom>
+            <a:noFill/>
+          </p:spPr>
+          <p:txBody>
+            <a:bodyPr lIns="0" rIns="0" tIns="0" bIns="0" anchorCtr="1" anchor="ctr" wrap="none"/>
+            <a:lstStyle/>
+            <a:p>
+              <a:pPr algn="l" marL="0" marR="0" indent="0">
+                <a:lnSpc>
+                  <a:spcPts val="1100"/>
+                </a:lnSpc>
+                <a:spcBef>
+                  <a:spcPts val="0"/>
+                </a:spcBef>
+                <a:spcAft>
+                  <a:spcPts val="0"/>
+                </a:spcAft>
+              </a:pPr>
+              <a:r>
+                <a:rPr sz="1100">
+                  <a:solidFill>
+                    <a:srgbClr val="000000">
+                      <a:alpha val="100000"/>
+                    </a:srgbClr>
+                  </a:solidFill>
+                  <a:latin typeface="Liberation Sans"/>
+                  <a:cs typeface="Liberation Sans"/>
+                </a:rPr>
+                <a:t>Activities</a:t>
+              </a:r>
+            </a:p>
+          </p:txBody>
+        </p:sp>
+        <p:sp>
+          <p:nvSpPr>
+            <p:cNvPr id="37" name="tx37"/>
+            <p:cNvSpPr/>
+            <p:nvPr/>
+          </p:nvSpPr>
+          <p:spPr>
+            <a:xfrm rot="-5400000">
+              <a:off x="78630" y="3753321"/>
+              <a:ext cx="985949" cy="102592"/>
+            </a:xfrm>
+            <a:prstGeom prst="rect">
+              <a:avLst/>
+            </a:prstGeom>
+            <a:noFill/>
+          </p:spPr>
+          <p:txBody>
+            <a:bodyPr lIns="0" rIns="0" tIns="0" bIns="0" anchorCtr="1" anchor="ctr" wrap="none"/>
+            <a:lstStyle/>
+            <a:p>
+              <a:pPr algn="l" marL="0" marR="0" indent="0">
+                <a:lnSpc>
+                  <a:spcPts val="1100"/>
+                </a:lnSpc>
+                <a:spcBef>
+                  <a:spcPts val="0"/>
+                </a:spcBef>
+                <a:spcAft>
+                  <a:spcPts val="0"/>
+                </a:spcAft>
+              </a:pPr>
+              <a:r>
+                <a:rPr sz="1100">
+                  <a:solidFill>
+                    <a:srgbClr val="000000">
+                      <a:alpha val="100000"/>
+                    </a:srgbClr>
+                  </a:solidFill>
+                  <a:latin typeface="Liberation Sans"/>
+                  <a:cs typeface="Liberation Sans"/>
+                </a:rPr>
+                <a:t>Time in minutes</a:t>
+              </a:r>
+            </a:p>
+          </p:txBody>
+        </p:sp>
+        <p:sp>
+          <p:nvSpPr>
+            <p:cNvPr id="38" name="tx38"/>
+            <p:cNvSpPr/>
+            <p:nvPr/>
+          </p:nvSpPr>
+          <p:spPr>
+            <a:xfrm>
+              <a:off x="7885916" y="3468204"/>
+              <a:ext cx="644748" cy="130218"/>
+            </a:xfrm>
+            <a:prstGeom prst="rect">
+              <a:avLst/>
+            </a:prstGeom>
+            <a:noFill/>
+          </p:spPr>
+          <p:txBody>
+            <a:bodyPr lIns="0" rIns="0" tIns="0" bIns="0" anchorCtr="1" anchor="ctr" wrap="none"/>
+            <a:lstStyle/>
+            <a:p>
+              <a:pPr algn="l" marL="0" marR="0" indent="0">
+                <a:lnSpc>
+                  <a:spcPts val="1100"/>
+                </a:lnSpc>
+                <a:spcBef>
+                  <a:spcPts val="0"/>
+                </a:spcBef>
+                <a:spcAft>
+                  <a:spcPts val="0"/>
+                </a:spcAft>
+              </a:pPr>
+              <a:r>
+                <a:rPr sz="1100">
+                  <a:solidFill>
+                    <a:srgbClr val="000000">
+                      <a:alpha val="100000"/>
+                    </a:srgbClr>
+                  </a:solidFill>
+                  <a:latin typeface="Liberation Sans"/>
+                  <a:cs typeface="Liberation Sans"/>
+                </a:rPr>
+                <a:t>population</a:t>
+              </a:r>
+            </a:p>
+          </p:txBody>
+        </p:sp>
+        <p:sp>
+          <p:nvSpPr>
+            <p:cNvPr id="39" name="rc39"/>
+            <p:cNvSpPr/>
+            <p:nvPr/>
+          </p:nvSpPr>
+          <p:spPr>
+            <a:xfrm>
+              <a:off x="7894916" y="3692824"/>
+              <a:ext cx="201455" cy="201456"/>
+            </a:xfrm>
+            <a:prstGeom prst="rect">
+              <a:avLst/>
+            </a:prstGeom>
+            <a:solidFill>
+              <a:srgbClr val="F8766D">
+                <a:alpha val="100000"/>
+              </a:srgbClr>
+            </a:solidFill>
+          </p:spPr>
+          <p:txBody>
+            <a:bodyPr/>
+            <a:lstStyle/>
+            <a:p/>
+          </p:txBody>
+        </p:sp>
+        <p:sp>
+          <p:nvSpPr>
+            <p:cNvPr id="40" name="rc40"/>
+            <p:cNvSpPr/>
+            <p:nvPr/>
+          </p:nvSpPr>
+          <p:spPr>
+            <a:xfrm>
+              <a:off x="7894916" y="3912280"/>
+              <a:ext cx="201455" cy="201456"/>
+            </a:xfrm>
+            <a:prstGeom prst="rect">
+              <a:avLst/>
+            </a:prstGeom>
+            <a:solidFill>
+              <a:srgbClr val="00BFC4">
+                <a:alpha val="100000"/>
+              </a:srgbClr>
+            </a:solidFill>
+          </p:spPr>
+          <p:txBody>
+            <a:bodyPr/>
+            <a:lstStyle/>
+            <a:p/>
+          </p:txBody>
+        </p:sp>
+        <p:sp>
+          <p:nvSpPr>
+            <p:cNvPr id="41" name="tx41"/>
+            <p:cNvSpPr/>
+            <p:nvPr/>
+          </p:nvSpPr>
+          <p:spPr>
+            <a:xfrm>
+              <a:off x="8174961" y="3749923"/>
+              <a:ext cx="372660" cy="82073"/>
+            </a:xfrm>
+            <a:prstGeom prst="rect">
+              <a:avLst/>
+            </a:prstGeom>
+            <a:noFill/>
+          </p:spPr>
+          <p:txBody>
+            <a:bodyPr lIns="0" rIns="0" tIns="0" bIns="0" anchorCtr="1" anchor="ctr" wrap="none"/>
+            <a:lstStyle/>
+            <a:p>
+              <a:pPr algn="l" marL="0" marR="0" indent="0">
+                <a:lnSpc>
+                  <a:spcPts val="880"/>
+                </a:lnSpc>
+                <a:spcBef>
+                  <a:spcPts val="0"/>
+                </a:spcBef>
+                <a:spcAft>
+                  <a:spcPts val="0"/>
+                </a:spcAft>
+              </a:pPr>
+              <a:r>
+                <a:rPr sz="880">
+                  <a:solidFill>
+                    <a:srgbClr val="000000">
+                      <a:alpha val="100000"/>
+                    </a:srgbClr>
+                  </a:solidFill>
+                  <a:latin typeface="Liberation Sans"/>
+                  <a:cs typeface="Liberation Sans"/>
+                </a:rPr>
+                <a:t>Female</a:t>
+              </a:r>
+            </a:p>
+          </p:txBody>
+        </p:sp>
+        <p:sp>
+          <p:nvSpPr>
+            <p:cNvPr id="42" name="tx42"/>
+            <p:cNvSpPr/>
+            <p:nvPr/>
+          </p:nvSpPr>
+          <p:spPr>
+            <a:xfrm>
+              <a:off x="8174961" y="3969379"/>
+              <a:ext cx="242237" cy="82073"/>
+            </a:xfrm>
+            <a:prstGeom prst="rect">
+              <a:avLst/>
+            </a:prstGeom>
+            <a:noFill/>
+          </p:spPr>
+          <p:txBody>
+            <a:bodyPr lIns="0" rIns="0" tIns="0" bIns="0" anchorCtr="1" anchor="ctr" wrap="none"/>
+            <a:lstStyle/>
+            <a:p>
+              <a:pPr algn="l" marL="0" marR="0" indent="0">
+                <a:lnSpc>
+                  <a:spcPts val="880"/>
+                </a:lnSpc>
+                <a:spcBef>
+                  <a:spcPts val="0"/>
+                </a:spcBef>
+                <a:spcAft>
+                  <a:spcPts val="0"/>
+                </a:spcAft>
+              </a:pPr>
+              <a:r>
+                <a:rPr sz="880">
+                  <a:solidFill>
+                    <a:srgbClr val="000000">
+                      <a:alpha val="100000"/>
+                    </a:srgbClr>
+                  </a:solidFill>
+                  <a:latin typeface="Liberation Sans"/>
+                  <a:cs typeface="Liberation Sans"/>
+                </a:rPr>
+                <a:t>Male</a:t>
+              </a:r>
+            </a:p>
+          </p:txBody>
+        </p:sp>
+        <p:sp>
+          <p:nvSpPr>
+            <p:cNvPr id="43" name="tx43"/>
+            <p:cNvSpPr/>
+            <p:nvPr/>
+          </p:nvSpPr>
+          <p:spPr>
+            <a:xfrm>
+              <a:off x="938418" y="1628861"/>
+              <a:ext cx="2143221" cy="156262"/>
+            </a:xfrm>
+            <a:prstGeom prst="rect">
+              <a:avLst/>
+            </a:prstGeom>
+            <a:noFill/>
+          </p:spPr>
+          <p:txBody>
+            <a:bodyPr lIns="0" rIns="0" tIns="0" bIns="0" anchorCtr="1" anchor="ctr" wrap="none"/>
+            <a:lstStyle/>
+            <a:p>
+              <a:pPr algn="l" marL="0" marR="0" indent="0">
+                <a:lnSpc>
+                  <a:spcPts val="1320"/>
+                </a:lnSpc>
+                <a:spcBef>
+                  <a:spcPts val="0"/>
+                </a:spcBef>
+                <a:spcAft>
+                  <a:spcPts val="0"/>
+                </a:spcAft>
+              </a:pPr>
+              <a:r>
+                <a:rPr sz="1320">
+                  <a:solidFill>
+                    <a:srgbClr val="000000">
+                      <a:alpha val="100000"/>
+                    </a:srgbClr>
+                  </a:solidFill>
+                  <a:latin typeface="Liberation Sans"/>
+                  <a:cs typeface="Liberation Sans"/>
+                </a:rPr>
+                <a:t>Year 2014_Monday til Friday</a:t>
+              </a:r>
+            </a:p>
+          </p:txBody>
+        </p:sp>
+      </p:grpSp>
+    </p:spTree>
+  </p:cSld>
+  <p:clrMapOvr>
+    <a:masterClrMapping/>
+  </p:clrMapOvr>
+</p:sld>
+</file>
+
+<file path=ppt/slides/slide23.xml><?xml version="1.0" encoding="utf-8"?>
+<p:sld xmlns:a="http://schemas.openxmlformats.org/drawingml/2006/main" xmlns:r="http://schemas.openxmlformats.org/officeDocument/2006/relationships" xmlns:p="http://schemas.openxmlformats.org/presentationml/2006/main">
+  <p:cSld>
+    <p:spTree>
+      <p:nvGrpSpPr>
+        <p:cNvPr id="1" name=""/>
+        <p:cNvGrpSpPr/>
+        <p:nvPr/>
+      </p:nvGrpSpPr>
+      <p:grpSpPr>
+        <a:xfrm>
+          <a:off x="0" y="0"/>
+          <a:ext cx="0" cy="0"/>
+          <a:chOff x="0" y="0"/>
+          <a:chExt cx="0" cy="0"/>
+        </a:xfrm>
+      </p:grpSpPr>
+      <p:grpSp xmlns:a="http://schemas.openxmlformats.org/drawingml/2006/main" xmlns:r="http://schemas.openxmlformats.org/officeDocument/2006/relationships" xmlns:p="http://schemas.openxmlformats.org/presentationml/2006/main" xmlns:pic="http://schemas.openxmlformats.org/drawingml/2006/picture">
+        <p:nvGrpSpPr>
+          <p:cNvPr id="2" name="grp1"/>
+          <p:cNvGrpSpPr/>
+          <p:nvPr/>
+        </p:nvGrpSpPr>
+        <p:grpSpPr>
+          <a:xfrm>
+            <a:off x="457200" y="1600200"/>
+            <a:ext cx="8229600" cy="4525962"/>
+            <a:chOff x="457200" y="1600200"/>
+            <a:chExt cx="8229600" cy="4525962"/>
+          </a:xfrm>
+        </p:grpSpPr>
+        <p:sp>
+          <p:nvSpPr>
+            <p:cNvPr id="3" name="rc3"/>
+            <p:cNvSpPr/>
+            <p:nvPr/>
+          </p:nvSpPr>
+          <p:spPr>
+            <a:xfrm>
+              <a:off x="457200" y="1600200"/>
+              <a:ext cx="8229600" cy="4525962"/>
+            </a:xfrm>
+            <a:prstGeom prst="rect">
+              <a:avLst/>
+            </a:prstGeom>
+            <a:solidFill>
+              <a:srgbClr val="FFFFFF">
+                <a:alpha val="100000"/>
+              </a:srgbClr>
+            </a:solidFill>
+            <a:ln w="9525" cap="rnd">
+              <a:solidFill>
+                <a:srgbClr val="FFFFFF">
+                  <a:alpha val="100000"/>
+                </a:srgbClr>
+              </a:solidFill>
+              <a:prstDash val="solid"/>
+              <a:round/>
+            </a:ln>
+          </p:spPr>
+          <p:txBody>
+            <a:bodyPr/>
+            <a:lstStyle/>
+            <a:p/>
+          </p:txBody>
+        </p:sp>
+        <p:sp>
+          <p:nvSpPr>
+            <p:cNvPr id="4" name="pl4"/>
+            <p:cNvSpPr/>
+            <p:nvPr/>
+          </p:nvSpPr>
+          <p:spPr>
+            <a:xfrm>
+              <a:off x="938418" y="5081601"/>
+              <a:ext cx="6738730" cy="0"/>
+            </a:xfrm>
+            <a:custGeom>
+              <a:avLst/>
+              <a:pathLst>
+                <a:path w="6738730" h="0">
+                  <a:moveTo>
+                    <a:pt x="0" y="0"/>
+                  </a:moveTo>
+                  <a:lnTo>
+                    <a:pt x="6738730" y="0"/>
+                  </a:lnTo>
+                  <a:lnTo>
+                    <a:pt x="6738730" y="0"/>
+                  </a:lnTo>
+                </a:path>
+              </a:pathLst>
+            </a:custGeom>
+            <a:ln w="6775" cap="flat">
+              <a:solidFill>
+                <a:srgbClr val="EBEBEB">
+                  <a:alpha val="100000"/>
+                </a:srgbClr>
+              </a:solidFill>
+              <a:prstDash val="solid"/>
+              <a:round/>
+            </a:ln>
+          </p:spPr>
+          <p:txBody>
+            <a:bodyPr/>
+            <a:lstStyle/>
+            <a:p/>
+          </p:txBody>
+        </p:sp>
+        <p:sp>
+          <p:nvSpPr>
+            <p:cNvPr id="5" name="pl5"/>
+            <p:cNvSpPr/>
+            <p:nvPr/>
+          </p:nvSpPr>
+          <p:spPr>
+            <a:xfrm>
+              <a:off x="938418" y="4147792"/>
+              <a:ext cx="6738730" cy="0"/>
+            </a:xfrm>
+            <a:custGeom>
+              <a:avLst/>
+              <a:pathLst>
+                <a:path w="6738730" h="0">
+                  <a:moveTo>
+                    <a:pt x="0" y="0"/>
+                  </a:moveTo>
+                  <a:lnTo>
+                    <a:pt x="6738730" y="0"/>
+                  </a:lnTo>
+                  <a:lnTo>
+                    <a:pt x="6738730" y="0"/>
+                  </a:lnTo>
+                </a:path>
+              </a:pathLst>
+            </a:custGeom>
+            <a:ln w="6775" cap="flat">
+              <a:solidFill>
+                <a:srgbClr val="EBEBEB">
+                  <a:alpha val="100000"/>
+                </a:srgbClr>
+              </a:solidFill>
+              <a:prstDash val="solid"/>
+              <a:round/>
+            </a:ln>
+          </p:spPr>
+          <p:txBody>
+            <a:bodyPr/>
+            <a:lstStyle/>
+            <a:p/>
+          </p:txBody>
+        </p:sp>
+        <p:sp>
+          <p:nvSpPr>
+            <p:cNvPr id="6" name="pl6"/>
+            <p:cNvSpPr/>
+            <p:nvPr/>
+          </p:nvSpPr>
+          <p:spPr>
+            <a:xfrm>
+              <a:off x="938418" y="3213982"/>
+              <a:ext cx="6738730" cy="0"/>
+            </a:xfrm>
+            <a:custGeom>
+              <a:avLst/>
+              <a:pathLst>
+                <a:path w="6738730" h="0">
+                  <a:moveTo>
+                    <a:pt x="0" y="0"/>
+                  </a:moveTo>
+                  <a:lnTo>
+                    <a:pt x="6738730" y="0"/>
+                  </a:lnTo>
+                  <a:lnTo>
+                    <a:pt x="6738730" y="0"/>
+                  </a:lnTo>
+                </a:path>
+              </a:pathLst>
+            </a:custGeom>
+            <a:ln w="6775" cap="flat">
+              <a:solidFill>
+                <a:srgbClr val="EBEBEB">
+                  <a:alpha val="100000"/>
+                </a:srgbClr>
+              </a:solidFill>
+              <a:prstDash val="solid"/>
+              <a:round/>
+            </a:ln>
+          </p:spPr>
+          <p:txBody>
+            <a:bodyPr/>
+            <a:lstStyle/>
+            <a:p/>
+          </p:txBody>
+        </p:sp>
+        <p:sp>
+          <p:nvSpPr>
+            <p:cNvPr id="7" name="pl7"/>
+            <p:cNvSpPr/>
+            <p:nvPr/>
+          </p:nvSpPr>
+          <p:spPr>
+            <a:xfrm>
+              <a:off x="938418" y="2280172"/>
+              <a:ext cx="6738730" cy="0"/>
+            </a:xfrm>
+            <a:custGeom>
+              <a:avLst/>
+              <a:pathLst>
+                <a:path w="6738730" h="0">
+                  <a:moveTo>
+                    <a:pt x="0" y="0"/>
+                  </a:moveTo>
+                  <a:lnTo>
+                    <a:pt x="6738730" y="0"/>
+                  </a:lnTo>
+                  <a:lnTo>
+                    <a:pt x="6738730" y="0"/>
+                  </a:lnTo>
+                </a:path>
+              </a:pathLst>
+            </a:custGeom>
+            <a:ln w="6775" cap="flat">
+              <a:solidFill>
+                <a:srgbClr val="EBEBEB">
+                  <a:alpha val="100000"/>
+                </a:srgbClr>
+              </a:solidFill>
+              <a:prstDash val="solid"/>
+              <a:round/>
+            </a:ln>
+          </p:spPr>
+          <p:txBody>
+            <a:bodyPr/>
+            <a:lstStyle/>
+            <a:p/>
+          </p:txBody>
+        </p:sp>
+        <p:sp>
+          <p:nvSpPr>
+            <p:cNvPr id="8" name="pl8"/>
+            <p:cNvSpPr/>
+            <p:nvPr/>
+          </p:nvSpPr>
+          <p:spPr>
+            <a:xfrm>
+              <a:off x="938418" y="5548506"/>
+              <a:ext cx="6738730" cy="0"/>
+            </a:xfrm>
+            <a:custGeom>
+              <a:avLst/>
+              <a:pathLst>
+                <a:path w="6738730" h="0">
+                  <a:moveTo>
+                    <a:pt x="0" y="0"/>
+                  </a:moveTo>
+                  <a:lnTo>
+                    <a:pt x="6738730" y="0"/>
+                  </a:lnTo>
+                  <a:lnTo>
+                    <a:pt x="6738730" y="0"/>
+                  </a:lnTo>
+                </a:path>
+              </a:pathLst>
+            </a:custGeom>
+            <a:ln w="13550" cap="flat">
+              <a:solidFill>
+                <a:srgbClr val="EBEBEB">
+                  <a:alpha val="100000"/>
+                </a:srgbClr>
+              </a:solidFill>
+              <a:prstDash val="solid"/>
+              <a:round/>
+            </a:ln>
+          </p:spPr>
+          <p:txBody>
+            <a:bodyPr/>
+            <a:lstStyle/>
+            <a:p/>
+          </p:txBody>
+        </p:sp>
+        <p:sp>
+          <p:nvSpPr>
+            <p:cNvPr id="9" name="pl9"/>
+            <p:cNvSpPr/>
+            <p:nvPr/>
+          </p:nvSpPr>
+          <p:spPr>
+            <a:xfrm>
+              <a:off x="938418" y="4614697"/>
+              <a:ext cx="6738730" cy="0"/>
+            </a:xfrm>
+            <a:custGeom>
+              <a:avLst/>
+              <a:pathLst>
+                <a:path w="6738730" h="0">
+                  <a:moveTo>
+                    <a:pt x="0" y="0"/>
+                  </a:moveTo>
+                  <a:lnTo>
+                    <a:pt x="6738730" y="0"/>
+                  </a:lnTo>
+                  <a:lnTo>
+                    <a:pt x="6738730" y="0"/>
+                  </a:lnTo>
+                </a:path>
+              </a:pathLst>
+            </a:custGeom>
+            <a:ln w="13550" cap="flat">
+              <a:solidFill>
+                <a:srgbClr val="EBEBEB">
+                  <a:alpha val="100000"/>
+                </a:srgbClr>
+              </a:solidFill>
+              <a:prstDash val="solid"/>
+              <a:round/>
+            </a:ln>
+          </p:spPr>
+          <p:txBody>
+            <a:bodyPr/>
+            <a:lstStyle/>
+            <a:p/>
+          </p:txBody>
+        </p:sp>
+        <p:sp>
+          <p:nvSpPr>
+            <p:cNvPr id="10" name="pl10"/>
+            <p:cNvSpPr/>
+            <p:nvPr/>
+          </p:nvSpPr>
+          <p:spPr>
+            <a:xfrm>
+              <a:off x="938418" y="3680887"/>
+              <a:ext cx="6738730" cy="0"/>
+            </a:xfrm>
+            <a:custGeom>
+              <a:avLst/>
+              <a:pathLst>
+                <a:path w="6738730" h="0">
+                  <a:moveTo>
+                    <a:pt x="0" y="0"/>
+                  </a:moveTo>
+                  <a:lnTo>
+                    <a:pt x="6738730" y="0"/>
+                  </a:lnTo>
+                  <a:lnTo>
+                    <a:pt x="6738730" y="0"/>
+                  </a:lnTo>
+                </a:path>
+              </a:pathLst>
+            </a:custGeom>
+            <a:ln w="13550" cap="flat">
+              <a:solidFill>
+                <a:srgbClr val="EBEBEB">
+                  <a:alpha val="100000"/>
+                </a:srgbClr>
+              </a:solidFill>
+              <a:prstDash val="solid"/>
+              <a:round/>
+            </a:ln>
+          </p:spPr>
+          <p:txBody>
+            <a:bodyPr/>
+            <a:lstStyle/>
+            <a:p/>
+          </p:txBody>
+        </p:sp>
+        <p:sp>
+          <p:nvSpPr>
+            <p:cNvPr id="11" name="pl11"/>
+            <p:cNvSpPr/>
+            <p:nvPr/>
+          </p:nvSpPr>
+          <p:spPr>
+            <a:xfrm>
+              <a:off x="938418" y="2747077"/>
+              <a:ext cx="6738730" cy="0"/>
+            </a:xfrm>
+            <a:custGeom>
+              <a:avLst/>
+              <a:pathLst>
+                <a:path w="6738730" h="0">
+                  <a:moveTo>
+                    <a:pt x="0" y="0"/>
+                  </a:moveTo>
+                  <a:lnTo>
+                    <a:pt x="6738730" y="0"/>
+                  </a:lnTo>
+                  <a:lnTo>
+                    <a:pt x="6738730" y="0"/>
+                  </a:lnTo>
+                </a:path>
+              </a:pathLst>
+            </a:custGeom>
+            <a:ln w="13550" cap="flat">
+              <a:solidFill>
+                <a:srgbClr val="EBEBEB">
+                  <a:alpha val="100000"/>
+                </a:srgbClr>
+              </a:solidFill>
+              <a:prstDash val="solid"/>
+              <a:round/>
+            </a:ln>
+          </p:spPr>
+          <p:txBody>
+            <a:bodyPr/>
+            <a:lstStyle/>
+            <a:p/>
+          </p:txBody>
+        </p:sp>
+        <p:sp>
+          <p:nvSpPr>
+            <p:cNvPr id="12" name="pl12"/>
+            <p:cNvSpPr/>
+            <p:nvPr/>
+          </p:nvSpPr>
+          <p:spPr>
+            <a:xfrm>
+              <a:off x="1715964" y="1886338"/>
+              <a:ext cx="0" cy="3836557"/>
+            </a:xfrm>
+            <a:custGeom>
+              <a:avLst/>
+              <a:pathLst>
+                <a:path w="0" h="3836557">
+                  <a:moveTo>
+                    <a:pt x="0" y="3836557"/>
+                  </a:moveTo>
+                  <a:lnTo>
+                    <a:pt x="0" y="0"/>
+                  </a:lnTo>
+                  <a:lnTo>
+                    <a:pt x="0" y="0"/>
+                  </a:lnTo>
+                </a:path>
+              </a:pathLst>
+            </a:custGeom>
+            <a:ln w="13550" cap="flat">
+              <a:solidFill>
+                <a:srgbClr val="EBEBEB">
+                  <a:alpha val="100000"/>
+                </a:srgbClr>
+              </a:solidFill>
+              <a:prstDash val="solid"/>
+              <a:round/>
+            </a:ln>
+          </p:spPr>
+          <p:txBody>
+            <a:bodyPr/>
+            <a:lstStyle/>
+            <a:p/>
+          </p:txBody>
+        </p:sp>
+        <p:sp>
+          <p:nvSpPr>
+            <p:cNvPr id="13" name="pl13"/>
+            <p:cNvSpPr/>
+            <p:nvPr/>
+          </p:nvSpPr>
+          <p:spPr>
+            <a:xfrm>
+              <a:off x="3011873" y="1886338"/>
+              <a:ext cx="0" cy="3836557"/>
+            </a:xfrm>
+            <a:custGeom>
+              <a:avLst/>
+              <a:pathLst>
+                <a:path w="0" h="3836557">
+                  <a:moveTo>
+                    <a:pt x="0" y="3836557"/>
+                  </a:moveTo>
+                  <a:lnTo>
+                    <a:pt x="0" y="0"/>
+                  </a:lnTo>
+                  <a:lnTo>
+                    <a:pt x="0" y="0"/>
+                  </a:lnTo>
+                </a:path>
+              </a:pathLst>
+            </a:custGeom>
+            <a:ln w="13550" cap="flat">
+              <a:solidFill>
+                <a:srgbClr val="EBEBEB">
+                  <a:alpha val="100000"/>
+                </a:srgbClr>
+              </a:solidFill>
+              <a:prstDash val="solid"/>
+              <a:round/>
+            </a:ln>
+          </p:spPr>
+          <p:txBody>
+            <a:bodyPr/>
+            <a:lstStyle/>
+            <a:p/>
+          </p:txBody>
+        </p:sp>
+        <p:sp>
+          <p:nvSpPr>
+            <p:cNvPr id="14" name="pl14"/>
+            <p:cNvSpPr/>
+            <p:nvPr/>
+          </p:nvSpPr>
+          <p:spPr>
+            <a:xfrm>
+              <a:off x="4307783" y="1886338"/>
+              <a:ext cx="0" cy="3836557"/>
+            </a:xfrm>
+            <a:custGeom>
+              <a:avLst/>
+              <a:pathLst>
+                <a:path w="0" h="3836557">
+                  <a:moveTo>
+                    <a:pt x="0" y="3836557"/>
+                  </a:moveTo>
+                  <a:lnTo>
+                    <a:pt x="0" y="0"/>
+                  </a:lnTo>
+                  <a:lnTo>
+                    <a:pt x="0" y="0"/>
+                  </a:lnTo>
+                </a:path>
+              </a:pathLst>
+            </a:custGeom>
+            <a:ln w="13550" cap="flat">
+              <a:solidFill>
+                <a:srgbClr val="EBEBEB">
+                  <a:alpha val="100000"/>
+                </a:srgbClr>
+              </a:solidFill>
+              <a:prstDash val="solid"/>
+              <a:round/>
+            </a:ln>
+          </p:spPr>
+          <p:txBody>
+            <a:bodyPr/>
+            <a:lstStyle/>
+            <a:p/>
+          </p:txBody>
+        </p:sp>
+        <p:sp>
+          <p:nvSpPr>
+            <p:cNvPr id="15" name="pl15"/>
+            <p:cNvSpPr/>
+            <p:nvPr/>
+          </p:nvSpPr>
+          <p:spPr>
+            <a:xfrm>
+              <a:off x="5603693" y="1886338"/>
+              <a:ext cx="0" cy="3836557"/>
+            </a:xfrm>
+            <a:custGeom>
+              <a:avLst/>
+              <a:pathLst>
+                <a:path w="0" h="3836557">
+                  <a:moveTo>
+                    <a:pt x="0" y="3836557"/>
+                  </a:moveTo>
+                  <a:lnTo>
+                    <a:pt x="0" y="0"/>
+                  </a:lnTo>
+                  <a:lnTo>
+                    <a:pt x="0" y="0"/>
+                  </a:lnTo>
+                </a:path>
+              </a:pathLst>
+            </a:custGeom>
+            <a:ln w="13550" cap="flat">
+              <a:solidFill>
+                <a:srgbClr val="EBEBEB">
+                  <a:alpha val="100000"/>
+                </a:srgbClr>
+              </a:solidFill>
+              <a:prstDash val="solid"/>
+              <a:round/>
+            </a:ln>
+          </p:spPr>
+          <p:txBody>
+            <a:bodyPr/>
+            <a:lstStyle/>
+            <a:p/>
+          </p:txBody>
+        </p:sp>
+        <p:sp>
+          <p:nvSpPr>
+            <p:cNvPr id="16" name="pl16"/>
+            <p:cNvSpPr/>
+            <p:nvPr/>
+          </p:nvSpPr>
+          <p:spPr>
+            <a:xfrm>
+              <a:off x="6899603" y="1886338"/>
+              <a:ext cx="0" cy="3836557"/>
+            </a:xfrm>
+            <a:custGeom>
+              <a:avLst/>
+              <a:pathLst>
+                <a:path w="0" h="3836557">
+                  <a:moveTo>
+                    <a:pt x="0" y="3836557"/>
+                  </a:moveTo>
+                  <a:lnTo>
+                    <a:pt x="0" y="0"/>
+                  </a:lnTo>
+                  <a:lnTo>
+                    <a:pt x="0" y="0"/>
+                  </a:lnTo>
+                </a:path>
+              </a:pathLst>
+            </a:custGeom>
+            <a:ln w="13550" cap="flat">
+              <a:solidFill>
+                <a:srgbClr val="EBEBEB">
+                  <a:alpha val="100000"/>
+                </a:srgbClr>
+              </a:solidFill>
+              <a:prstDash val="solid"/>
+              <a:round/>
+            </a:ln>
+          </p:spPr>
+          <p:txBody>
+            <a:bodyPr/>
+            <a:lstStyle/>
+            <a:p/>
+          </p:txBody>
+        </p:sp>
+        <p:sp>
+          <p:nvSpPr>
+            <p:cNvPr id="17" name="rc17"/>
+            <p:cNvSpPr/>
+            <p:nvPr/>
+          </p:nvSpPr>
+          <p:spPr>
+            <a:xfrm>
+              <a:off x="1715964" y="4950868"/>
+              <a:ext cx="583159" cy="597638"/>
+            </a:xfrm>
+            <a:prstGeom prst="rect">
+              <a:avLst/>
+            </a:prstGeom>
+            <a:solidFill>
+              <a:srgbClr val="00BFC4">
+                <a:alpha val="100000"/>
+              </a:srgbClr>
+            </a:solidFill>
+          </p:spPr>
+          <p:txBody>
+            <a:bodyPr/>
+            <a:lstStyle/>
+            <a:p/>
+          </p:txBody>
+        </p:sp>
+        <p:sp>
+          <p:nvSpPr>
+            <p:cNvPr id="18" name="rc18"/>
+            <p:cNvSpPr/>
+            <p:nvPr/>
+          </p:nvSpPr>
+          <p:spPr>
+            <a:xfrm>
+              <a:off x="1132804" y="4941530"/>
+              <a:ext cx="583159" cy="606976"/>
+            </a:xfrm>
+            <a:prstGeom prst="rect">
+              <a:avLst/>
+            </a:prstGeom>
+            <a:solidFill>
+              <a:srgbClr val="F8766D">
+                <a:alpha val="100000"/>
+              </a:srgbClr>
+            </a:solidFill>
+          </p:spPr>
+          <p:txBody>
+            <a:bodyPr/>
+            <a:lstStyle/>
+            <a:p/>
+          </p:txBody>
+        </p:sp>
+        <p:sp>
+          <p:nvSpPr>
+            <p:cNvPr id="19" name="rc19"/>
+            <p:cNvSpPr/>
+            <p:nvPr/>
+          </p:nvSpPr>
+          <p:spPr>
+            <a:xfrm>
+              <a:off x="3011873" y="3666880"/>
+              <a:ext cx="583159" cy="1881626"/>
+            </a:xfrm>
+            <a:prstGeom prst="rect">
+              <a:avLst/>
+            </a:prstGeom>
+            <a:solidFill>
+              <a:srgbClr val="00BFC4">
+                <a:alpha val="100000"/>
+              </a:srgbClr>
+            </a:solidFill>
+          </p:spPr>
+          <p:txBody>
+            <a:bodyPr/>
+            <a:lstStyle/>
+            <a:p/>
+          </p:txBody>
+        </p:sp>
+        <p:sp>
+          <p:nvSpPr>
+            <p:cNvPr id="20" name="rc20"/>
+            <p:cNvSpPr/>
+            <p:nvPr/>
+          </p:nvSpPr>
+          <p:spPr>
+            <a:xfrm>
+              <a:off x="2428714" y="3820958"/>
+              <a:ext cx="583159" cy="1727548"/>
+            </a:xfrm>
+            <a:prstGeom prst="rect">
+              <a:avLst/>
+            </a:prstGeom>
+            <a:solidFill>
+              <a:srgbClr val="F8766D">
+                <a:alpha val="100000"/>
+              </a:srgbClr>
+            </a:solidFill>
+          </p:spPr>
+          <p:txBody>
+            <a:bodyPr/>
+            <a:lstStyle/>
+            <a:p/>
+          </p:txBody>
+        </p:sp>
+        <p:sp>
+          <p:nvSpPr>
+            <p:cNvPr id="21" name="rc21"/>
+            <p:cNvSpPr/>
+            <p:nvPr/>
+          </p:nvSpPr>
+          <p:spPr>
+            <a:xfrm>
+              <a:off x="4307783" y="4712747"/>
+              <a:ext cx="583159" cy="835759"/>
+            </a:xfrm>
+            <a:prstGeom prst="rect">
+              <a:avLst/>
+            </a:prstGeom>
+            <a:solidFill>
+              <a:srgbClr val="00BFC4">
+                <a:alpha val="100000"/>
+              </a:srgbClr>
+            </a:solidFill>
+          </p:spPr>
+          <p:txBody>
+            <a:bodyPr/>
+            <a:lstStyle/>
+            <a:p/>
+          </p:txBody>
+        </p:sp>
+        <p:sp>
+          <p:nvSpPr>
+            <p:cNvPr id="22" name="rc22"/>
+            <p:cNvSpPr/>
+            <p:nvPr/>
+          </p:nvSpPr>
+          <p:spPr>
+            <a:xfrm>
+              <a:off x="3724624" y="4423266"/>
+              <a:ext cx="583159" cy="1125240"/>
+            </a:xfrm>
+            <a:prstGeom prst="rect">
+              <a:avLst/>
+            </a:prstGeom>
+            <a:solidFill>
+              <a:srgbClr val="F8766D">
+                <a:alpha val="100000"/>
+              </a:srgbClr>
+            </a:solidFill>
+          </p:spPr>
+          <p:txBody>
+            <a:bodyPr/>
+            <a:lstStyle/>
+            <a:p/>
+          </p:txBody>
+        </p:sp>
+        <p:sp>
+          <p:nvSpPr>
+            <p:cNvPr id="23" name="rc23"/>
+            <p:cNvSpPr/>
+            <p:nvPr/>
+          </p:nvSpPr>
+          <p:spPr>
+            <a:xfrm>
+              <a:off x="5603693" y="2177453"/>
+              <a:ext cx="583159" cy="3371053"/>
+            </a:xfrm>
+            <a:prstGeom prst="rect">
+              <a:avLst/>
+            </a:prstGeom>
+            <a:solidFill>
+              <a:srgbClr val="00BFC4">
+                <a:alpha val="100000"/>
+              </a:srgbClr>
+            </a:solidFill>
+          </p:spPr>
+          <p:txBody>
+            <a:bodyPr/>
+            <a:lstStyle/>
+            <a:p/>
+          </p:txBody>
+        </p:sp>
+        <p:sp>
+          <p:nvSpPr>
+            <p:cNvPr id="24" name="rc24"/>
+            <p:cNvSpPr/>
+            <p:nvPr/>
+          </p:nvSpPr>
+          <p:spPr>
+            <a:xfrm>
+              <a:off x="5020534" y="2060727"/>
+              <a:ext cx="583159" cy="3487779"/>
+            </a:xfrm>
+            <a:prstGeom prst="rect">
+              <a:avLst/>
+            </a:prstGeom>
+            <a:solidFill>
+              <a:srgbClr val="F8766D">
+                <a:alpha val="100000"/>
+              </a:srgbClr>
+            </a:solidFill>
+          </p:spPr>
+          <p:txBody>
+            <a:bodyPr/>
+            <a:lstStyle/>
+            <a:p/>
+          </p:txBody>
+        </p:sp>
+        <p:sp>
+          <p:nvSpPr>
+            <p:cNvPr id="25" name="rc25"/>
+            <p:cNvSpPr/>
+            <p:nvPr/>
+          </p:nvSpPr>
+          <p:spPr>
+            <a:xfrm>
+              <a:off x="6899603" y="3027220"/>
+              <a:ext cx="583159" cy="2521286"/>
+            </a:xfrm>
+            <a:prstGeom prst="rect">
+              <a:avLst/>
+            </a:prstGeom>
+            <a:solidFill>
+              <a:srgbClr val="00BFC4">
+                <a:alpha val="100000"/>
+              </a:srgbClr>
+            </a:solidFill>
+          </p:spPr>
+          <p:txBody>
+            <a:bodyPr/>
+            <a:lstStyle/>
+            <a:p/>
+          </p:txBody>
+        </p:sp>
+        <p:sp>
+          <p:nvSpPr>
+            <p:cNvPr id="26" name="rc26"/>
+            <p:cNvSpPr/>
+            <p:nvPr/>
+          </p:nvSpPr>
+          <p:spPr>
+            <a:xfrm>
+              <a:off x="6316443" y="2971191"/>
+              <a:ext cx="583159" cy="2577314"/>
+            </a:xfrm>
+            <a:prstGeom prst="rect">
+              <a:avLst/>
+            </a:prstGeom>
+            <a:solidFill>
+              <a:srgbClr val="F8766D">
+                <a:alpha val="100000"/>
+              </a:srgbClr>
+            </a:solidFill>
+          </p:spPr>
+          <p:txBody>
+            <a:bodyPr/>
+            <a:lstStyle/>
+            <a:p/>
+          </p:txBody>
+        </p:sp>
+        <p:sp>
+          <p:nvSpPr>
+            <p:cNvPr id="27" name="tx27"/>
+            <p:cNvSpPr/>
+            <p:nvPr/>
+          </p:nvSpPr>
+          <p:spPr>
+            <a:xfrm>
+              <a:off x="813632" y="5507824"/>
+              <a:ext cx="62155" cy="79126"/>
+            </a:xfrm>
+            <a:prstGeom prst="rect">
+              <a:avLst/>
+            </a:prstGeom>
+            <a:noFill/>
+          </p:spPr>
+          <p:txBody>
+            <a:bodyPr lIns="0" rIns="0" tIns="0" bIns="0" anchorCtr="1" anchor="ctr" wrap="none"/>
+            <a:lstStyle/>
+            <a:p>
+              <a:pPr algn="l" marL="0" marR="0" indent="0">
+                <a:lnSpc>
+                  <a:spcPts val="880"/>
+                </a:lnSpc>
+                <a:spcBef>
+                  <a:spcPts val="0"/>
+                </a:spcBef>
+                <a:spcAft>
+                  <a:spcPts val="0"/>
+                </a:spcAft>
+              </a:pPr>
+              <a:r>
+                <a:rPr sz="880">
+                  <a:solidFill>
+                    <a:srgbClr val="4D4D4D">
+                      <a:alpha val="100000"/>
+                    </a:srgbClr>
+                  </a:solidFill>
+                  <a:latin typeface="Liberation Sans"/>
+                  <a:cs typeface="Liberation Sans"/>
+                </a:rPr>
+                <a:t>0</a:t>
+              </a:r>
+            </a:p>
+          </p:txBody>
+        </p:sp>
+        <p:sp>
+          <p:nvSpPr>
+            <p:cNvPr id="28" name="tx28"/>
+            <p:cNvSpPr/>
+            <p:nvPr/>
+          </p:nvSpPr>
+          <p:spPr>
+            <a:xfrm>
+              <a:off x="689321" y="4574014"/>
+              <a:ext cx="186466" cy="79126"/>
+            </a:xfrm>
+            <a:prstGeom prst="rect">
+              <a:avLst/>
+            </a:prstGeom>
+            <a:noFill/>
+          </p:spPr>
+          <p:txBody>
+            <a:bodyPr lIns="0" rIns="0" tIns="0" bIns="0" anchorCtr="1" anchor="ctr" wrap="none"/>
+            <a:lstStyle/>
+            <a:p>
+              <a:pPr algn="l" marL="0" marR="0" indent="0">
+                <a:lnSpc>
+                  <a:spcPts val="880"/>
+                </a:lnSpc>
+                <a:spcBef>
+                  <a:spcPts val="0"/>
+                </a:spcBef>
+                <a:spcAft>
+                  <a:spcPts val="0"/>
+                </a:spcAft>
+              </a:pPr>
+              <a:r>
+                <a:rPr sz="880">
+                  <a:solidFill>
+                    <a:srgbClr val="4D4D4D">
+                      <a:alpha val="100000"/>
+                    </a:srgbClr>
+                  </a:solidFill>
+                  <a:latin typeface="Liberation Sans"/>
+                  <a:cs typeface="Liberation Sans"/>
+                </a:rPr>
+                <a:t>200</a:t>
+              </a:r>
+            </a:p>
+          </p:txBody>
+        </p:sp>
+        <p:sp>
+          <p:nvSpPr>
+            <p:cNvPr id="29" name="tx29"/>
+            <p:cNvSpPr/>
+            <p:nvPr/>
+          </p:nvSpPr>
+          <p:spPr>
+            <a:xfrm>
+              <a:off x="689321" y="3640205"/>
+              <a:ext cx="186466" cy="79126"/>
+            </a:xfrm>
+            <a:prstGeom prst="rect">
+              <a:avLst/>
+            </a:prstGeom>
+            <a:noFill/>
+          </p:spPr>
+          <p:txBody>
+            <a:bodyPr lIns="0" rIns="0" tIns="0" bIns="0" anchorCtr="1" anchor="ctr" wrap="none"/>
+            <a:lstStyle/>
+            <a:p>
+              <a:pPr algn="l" marL="0" marR="0" indent="0">
+                <a:lnSpc>
+                  <a:spcPts val="880"/>
+                </a:lnSpc>
+                <a:spcBef>
+                  <a:spcPts val="0"/>
+                </a:spcBef>
+                <a:spcAft>
+                  <a:spcPts val="0"/>
+                </a:spcAft>
+              </a:pPr>
+              <a:r>
+                <a:rPr sz="880">
+                  <a:solidFill>
+                    <a:srgbClr val="4D4D4D">
+                      <a:alpha val="100000"/>
+                    </a:srgbClr>
+                  </a:solidFill>
+                  <a:latin typeface="Liberation Sans"/>
+                  <a:cs typeface="Liberation Sans"/>
+                </a:rPr>
+                <a:t>400</a:t>
+              </a:r>
+            </a:p>
+          </p:txBody>
+        </p:sp>
+        <p:sp>
+          <p:nvSpPr>
+            <p:cNvPr id="30" name="tx30"/>
+            <p:cNvSpPr/>
+            <p:nvPr/>
+          </p:nvSpPr>
+          <p:spPr>
+            <a:xfrm>
+              <a:off x="689321" y="2706395"/>
+              <a:ext cx="186466" cy="79126"/>
+            </a:xfrm>
+            <a:prstGeom prst="rect">
+              <a:avLst/>
+            </a:prstGeom>
+            <a:noFill/>
+          </p:spPr>
+          <p:txBody>
+            <a:bodyPr lIns="0" rIns="0" tIns="0" bIns="0" anchorCtr="1" anchor="ctr" wrap="none"/>
+            <a:lstStyle/>
+            <a:p>
+              <a:pPr algn="l" marL="0" marR="0" indent="0">
+                <a:lnSpc>
+                  <a:spcPts val="880"/>
+                </a:lnSpc>
+                <a:spcBef>
+                  <a:spcPts val="0"/>
+                </a:spcBef>
+                <a:spcAft>
+                  <a:spcPts val="0"/>
+                </a:spcAft>
+              </a:pPr>
+              <a:r>
+                <a:rPr sz="880">
+                  <a:solidFill>
+                    <a:srgbClr val="4D4D4D">
+                      <a:alpha val="100000"/>
+                    </a:srgbClr>
+                  </a:solidFill>
+                  <a:latin typeface="Liberation Sans"/>
+                  <a:cs typeface="Liberation Sans"/>
+                </a:rPr>
+                <a:t>600</a:t>
+              </a:r>
+            </a:p>
+          </p:txBody>
+        </p:sp>
+        <p:sp>
+          <p:nvSpPr>
+            <p:cNvPr id="31" name="tx31"/>
+            <p:cNvSpPr/>
+            <p:nvPr/>
+          </p:nvSpPr>
+          <p:spPr>
+            <a:xfrm>
+              <a:off x="1557519" y="5758240"/>
+              <a:ext cx="316889" cy="104174"/>
+            </a:xfrm>
+            <a:prstGeom prst="rect">
+              <a:avLst/>
+            </a:prstGeom>
+            <a:noFill/>
+          </p:spPr>
+          <p:txBody>
+            <a:bodyPr lIns="0" rIns="0" tIns="0" bIns="0" anchorCtr="1" anchor="ctr" wrap="none"/>
+            <a:lstStyle/>
+            <a:p>
+              <a:pPr algn="l" marL="0" marR="0" indent="0">
+                <a:lnSpc>
+                  <a:spcPts val="880"/>
+                </a:lnSpc>
+                <a:spcBef>
+                  <a:spcPts val="0"/>
+                </a:spcBef>
+                <a:spcAft>
+                  <a:spcPts val="0"/>
+                </a:spcAft>
+              </a:pPr>
+              <a:r>
+                <a:rPr sz="880">
+                  <a:solidFill>
+                    <a:srgbClr val="4D4D4D">
+                      <a:alpha val="100000"/>
+                    </a:srgbClr>
+                  </a:solidFill>
+                  <a:latin typeface="Liberation Sans"/>
+                  <a:cs typeface="Liberation Sans"/>
+                </a:rPr>
+                <a:t>Eating</a:t>
+              </a:r>
+            </a:p>
+          </p:txBody>
+        </p:sp>
+        <p:sp>
+          <p:nvSpPr>
+            <p:cNvPr id="32" name="tx32"/>
+            <p:cNvSpPr/>
+            <p:nvPr/>
+          </p:nvSpPr>
+          <p:spPr>
+            <a:xfrm>
+              <a:off x="2701314" y="5758240"/>
+              <a:ext cx="621119" cy="104174"/>
+            </a:xfrm>
+            <a:prstGeom prst="rect">
+              <a:avLst/>
+            </a:prstGeom>
+            <a:noFill/>
+          </p:spPr>
+          <p:txBody>
+            <a:bodyPr lIns="0" rIns="0" tIns="0" bIns="0" anchorCtr="1" anchor="ctr" wrap="none"/>
+            <a:lstStyle/>
+            <a:p>
+              <a:pPr algn="l" marL="0" marR="0" indent="0">
+                <a:lnSpc>
+                  <a:spcPts val="880"/>
+                </a:lnSpc>
+                <a:spcBef>
+                  <a:spcPts val="0"/>
+                </a:spcBef>
+                <a:spcAft>
+                  <a:spcPts val="0"/>
+                </a:spcAft>
+              </a:pPr>
+              <a:r>
+                <a:rPr sz="880">
+                  <a:solidFill>
+                    <a:srgbClr val="4D4D4D">
+                      <a:alpha val="100000"/>
+                    </a:srgbClr>
+                  </a:solidFill>
+                  <a:latin typeface="Liberation Sans"/>
+                  <a:cs typeface="Liberation Sans"/>
+                </a:rPr>
+                <a:t>Employment</a:t>
+              </a:r>
+            </a:p>
+          </p:txBody>
+        </p:sp>
+        <p:sp>
+          <p:nvSpPr>
+            <p:cNvPr id="33" name="tx33"/>
+            <p:cNvSpPr/>
+            <p:nvPr/>
+          </p:nvSpPr>
+          <p:spPr>
+            <a:xfrm>
+              <a:off x="3646173" y="5758240"/>
+              <a:ext cx="1323220" cy="104174"/>
+            </a:xfrm>
+            <a:prstGeom prst="rect">
+              <a:avLst/>
+            </a:prstGeom>
+            <a:noFill/>
+          </p:spPr>
+          <p:txBody>
+            <a:bodyPr lIns="0" rIns="0" tIns="0" bIns="0" anchorCtr="1" anchor="ctr" wrap="none"/>
+            <a:lstStyle/>
+            <a:p>
+              <a:pPr algn="l" marL="0" marR="0" indent="0">
+                <a:lnSpc>
+                  <a:spcPts val="880"/>
+                </a:lnSpc>
+                <a:spcBef>
+                  <a:spcPts val="0"/>
+                </a:spcBef>
+                <a:spcAft>
+                  <a:spcPts val="0"/>
+                </a:spcAft>
+              </a:pPr>
+              <a:r>
+                <a:rPr sz="880">
+                  <a:solidFill>
+                    <a:srgbClr val="4D4D4D">
+                      <a:alpha val="100000"/>
+                    </a:srgbClr>
+                  </a:solidFill>
+                  <a:latin typeface="Liberation Sans"/>
+                  <a:cs typeface="Liberation Sans"/>
+                </a:rPr>
+                <a:t>Household and family care</a:t>
+              </a:r>
+            </a:p>
+          </p:txBody>
+        </p:sp>
+        <p:sp>
+          <p:nvSpPr>
+            <p:cNvPr id="34" name="tx34"/>
+            <p:cNvSpPr/>
+            <p:nvPr/>
+          </p:nvSpPr>
+          <p:spPr>
+            <a:xfrm>
+              <a:off x="5258918" y="5780341"/>
+              <a:ext cx="689550" cy="82073"/>
+            </a:xfrm>
+            <a:prstGeom prst="rect">
+              <a:avLst/>
+            </a:prstGeom>
+            <a:noFill/>
+          </p:spPr>
+          <p:txBody>
+            <a:bodyPr lIns="0" rIns="0" tIns="0" bIns="0" anchorCtr="1" anchor="ctr" wrap="none"/>
+            <a:lstStyle/>
+            <a:p>
+              <a:pPr algn="l" marL="0" marR="0" indent="0">
+                <a:lnSpc>
+                  <a:spcPts val="880"/>
+                </a:lnSpc>
+                <a:spcBef>
+                  <a:spcPts val="0"/>
+                </a:spcBef>
+                <a:spcAft>
+                  <a:spcPts val="0"/>
+                </a:spcAft>
+              </a:pPr>
+              <a:r>
+                <a:rPr sz="880">
+                  <a:solidFill>
+                    <a:srgbClr val="4D4D4D">
+                      <a:alpha val="100000"/>
+                    </a:srgbClr>
+                  </a:solidFill>
+                  <a:latin typeface="Liberation Sans"/>
+                  <a:cs typeface="Liberation Sans"/>
+                </a:rPr>
+                <a:t>Personal care</a:t>
+              </a:r>
+            </a:p>
+          </p:txBody>
+        </p:sp>
+        <p:sp>
+          <p:nvSpPr>
+            <p:cNvPr id="35" name="tx35"/>
+            <p:cNvSpPr/>
+            <p:nvPr/>
+          </p:nvSpPr>
+          <p:spPr>
+            <a:xfrm>
+              <a:off x="6756683" y="5758240"/>
+              <a:ext cx="285839" cy="104174"/>
+            </a:xfrm>
+            <a:prstGeom prst="rect">
+              <a:avLst/>
+            </a:prstGeom>
+            <a:noFill/>
+          </p:spPr>
+          <p:txBody>
+            <a:bodyPr lIns="0" rIns="0" tIns="0" bIns="0" anchorCtr="1" anchor="ctr" wrap="none"/>
+            <a:lstStyle/>
+            <a:p>
+              <a:pPr algn="l" marL="0" marR="0" indent="0">
+                <a:lnSpc>
+                  <a:spcPts val="880"/>
+                </a:lnSpc>
+                <a:spcBef>
+                  <a:spcPts val="0"/>
+                </a:spcBef>
+                <a:spcAft>
+                  <a:spcPts val="0"/>
+                </a:spcAft>
+              </a:pPr>
+              <a:r>
+                <a:rPr sz="880">
+                  <a:solidFill>
+                    <a:srgbClr val="4D4D4D">
+                      <a:alpha val="100000"/>
+                    </a:srgbClr>
+                  </a:solidFill>
+                  <a:latin typeface="Liberation Sans"/>
+                  <a:cs typeface="Liberation Sans"/>
+                </a:rPr>
+                <a:t>Sleep</a:t>
+              </a:r>
+            </a:p>
+          </p:txBody>
+        </p:sp>
+        <p:sp>
+          <p:nvSpPr>
+            <p:cNvPr id="36" name="tx36"/>
+            <p:cNvSpPr/>
+            <p:nvPr/>
+          </p:nvSpPr>
+          <p:spPr>
+            <a:xfrm>
+              <a:off x="4032203" y="5922355"/>
+              <a:ext cx="551160" cy="102592"/>
+            </a:xfrm>
+            <a:prstGeom prst="rect">
+              <a:avLst/>
+            </a:prstGeom>
+            <a:noFill/>
+          </p:spPr>
+          <p:txBody>
+            <a:bodyPr lIns="0" rIns="0" tIns="0" bIns="0" anchorCtr="1" anchor="ctr" wrap="none"/>
+            <a:lstStyle/>
+            <a:p>
+              <a:pPr algn="l" marL="0" marR="0" indent="0">
+                <a:lnSpc>
+                  <a:spcPts val="1100"/>
+                </a:lnSpc>
+                <a:spcBef>
+                  <a:spcPts val="0"/>
+                </a:spcBef>
+                <a:spcAft>
+                  <a:spcPts val="0"/>
+                </a:spcAft>
+              </a:pPr>
+              <a:r>
+                <a:rPr sz="1100">
+                  <a:solidFill>
+                    <a:srgbClr val="000000">
+                      <a:alpha val="100000"/>
+                    </a:srgbClr>
+                  </a:solidFill>
+                  <a:latin typeface="Liberation Sans"/>
+                  <a:cs typeface="Liberation Sans"/>
+                </a:rPr>
+                <a:t>Activities</a:t>
+              </a:r>
+            </a:p>
+          </p:txBody>
+        </p:sp>
+        <p:sp>
+          <p:nvSpPr>
+            <p:cNvPr id="37" name="tx37"/>
+            <p:cNvSpPr/>
+            <p:nvPr/>
+          </p:nvSpPr>
+          <p:spPr>
+            <a:xfrm rot="-5400000">
+              <a:off x="78630" y="3753321"/>
+              <a:ext cx="985949" cy="102592"/>
+            </a:xfrm>
+            <a:prstGeom prst="rect">
+              <a:avLst/>
+            </a:prstGeom>
+            <a:noFill/>
+          </p:spPr>
+          <p:txBody>
+            <a:bodyPr lIns="0" rIns="0" tIns="0" bIns="0" anchorCtr="1" anchor="ctr" wrap="none"/>
+            <a:lstStyle/>
+            <a:p>
+              <a:pPr algn="l" marL="0" marR="0" indent="0">
+                <a:lnSpc>
+                  <a:spcPts val="1100"/>
+                </a:lnSpc>
+                <a:spcBef>
+                  <a:spcPts val="0"/>
+                </a:spcBef>
+                <a:spcAft>
+                  <a:spcPts val="0"/>
+                </a:spcAft>
+              </a:pPr>
+              <a:r>
+                <a:rPr sz="1100">
+                  <a:solidFill>
+                    <a:srgbClr val="000000">
+                      <a:alpha val="100000"/>
+                    </a:srgbClr>
+                  </a:solidFill>
+                  <a:latin typeface="Liberation Sans"/>
+                  <a:cs typeface="Liberation Sans"/>
+                </a:rPr>
+                <a:t>Time in minutes</a:t>
+              </a:r>
+            </a:p>
+          </p:txBody>
+        </p:sp>
+        <p:sp>
+          <p:nvSpPr>
+            <p:cNvPr id="38" name="tx38"/>
+            <p:cNvSpPr/>
+            <p:nvPr/>
+          </p:nvSpPr>
+          <p:spPr>
+            <a:xfrm>
+              <a:off x="7885916" y="3468204"/>
+              <a:ext cx="644748" cy="130218"/>
+            </a:xfrm>
+            <a:prstGeom prst="rect">
+              <a:avLst/>
+            </a:prstGeom>
+            <a:noFill/>
+          </p:spPr>
+          <p:txBody>
+            <a:bodyPr lIns="0" rIns="0" tIns="0" bIns="0" anchorCtr="1" anchor="ctr" wrap="none"/>
+            <a:lstStyle/>
+            <a:p>
+              <a:pPr algn="l" marL="0" marR="0" indent="0">
+                <a:lnSpc>
+                  <a:spcPts val="1100"/>
+                </a:lnSpc>
+                <a:spcBef>
+                  <a:spcPts val="0"/>
+                </a:spcBef>
+                <a:spcAft>
+                  <a:spcPts val="0"/>
+                </a:spcAft>
+              </a:pPr>
+              <a:r>
+                <a:rPr sz="1100">
+                  <a:solidFill>
+                    <a:srgbClr val="000000">
+                      <a:alpha val="100000"/>
+                    </a:srgbClr>
+                  </a:solidFill>
+                  <a:latin typeface="Liberation Sans"/>
+                  <a:cs typeface="Liberation Sans"/>
+                </a:rPr>
+                <a:t>population</a:t>
+              </a:r>
+            </a:p>
+          </p:txBody>
+        </p:sp>
+        <p:sp>
+          <p:nvSpPr>
+            <p:cNvPr id="39" name="rc39"/>
+            <p:cNvSpPr/>
+            <p:nvPr/>
+          </p:nvSpPr>
+          <p:spPr>
+            <a:xfrm>
+              <a:off x="7894916" y="3692824"/>
+              <a:ext cx="201455" cy="201456"/>
+            </a:xfrm>
+            <a:prstGeom prst="rect">
+              <a:avLst/>
+            </a:prstGeom>
+            <a:solidFill>
+              <a:srgbClr val="F8766D">
+                <a:alpha val="100000"/>
+              </a:srgbClr>
+            </a:solidFill>
+          </p:spPr>
+          <p:txBody>
+            <a:bodyPr/>
+            <a:lstStyle/>
+            <a:p/>
+          </p:txBody>
+        </p:sp>
+        <p:sp>
+          <p:nvSpPr>
+            <p:cNvPr id="40" name="rc40"/>
+            <p:cNvSpPr/>
+            <p:nvPr/>
+          </p:nvSpPr>
+          <p:spPr>
+            <a:xfrm>
+              <a:off x="7894916" y="3912280"/>
+              <a:ext cx="201455" cy="201456"/>
+            </a:xfrm>
+            <a:prstGeom prst="rect">
+              <a:avLst/>
+            </a:prstGeom>
+            <a:solidFill>
+              <a:srgbClr val="00BFC4">
+                <a:alpha val="100000"/>
+              </a:srgbClr>
+            </a:solidFill>
+          </p:spPr>
+          <p:txBody>
+            <a:bodyPr/>
+            <a:lstStyle/>
+            <a:p/>
+          </p:txBody>
+        </p:sp>
+        <p:sp>
+          <p:nvSpPr>
+            <p:cNvPr id="41" name="tx41"/>
+            <p:cNvSpPr/>
+            <p:nvPr/>
+          </p:nvSpPr>
+          <p:spPr>
+            <a:xfrm>
+              <a:off x="8174961" y="3749923"/>
+              <a:ext cx="372660" cy="82073"/>
+            </a:xfrm>
+            <a:prstGeom prst="rect">
+              <a:avLst/>
+            </a:prstGeom>
+            <a:noFill/>
+          </p:spPr>
+          <p:txBody>
+            <a:bodyPr lIns="0" rIns="0" tIns="0" bIns="0" anchorCtr="1" anchor="ctr" wrap="none"/>
+            <a:lstStyle/>
+            <a:p>
+              <a:pPr algn="l" marL="0" marR="0" indent="0">
+                <a:lnSpc>
+                  <a:spcPts val="880"/>
+                </a:lnSpc>
+                <a:spcBef>
+                  <a:spcPts val="0"/>
+                </a:spcBef>
+                <a:spcAft>
+                  <a:spcPts val="0"/>
+                </a:spcAft>
+              </a:pPr>
+              <a:r>
+                <a:rPr sz="880">
+                  <a:solidFill>
+                    <a:srgbClr val="000000">
+                      <a:alpha val="100000"/>
+                    </a:srgbClr>
+                  </a:solidFill>
+                  <a:latin typeface="Liberation Sans"/>
+                  <a:cs typeface="Liberation Sans"/>
+                </a:rPr>
+                <a:t>Female</a:t>
+              </a:r>
+            </a:p>
+          </p:txBody>
+        </p:sp>
+        <p:sp>
+          <p:nvSpPr>
+            <p:cNvPr id="42" name="tx42"/>
+            <p:cNvSpPr/>
+            <p:nvPr/>
+          </p:nvSpPr>
+          <p:spPr>
+            <a:xfrm>
+              <a:off x="8174961" y="3969379"/>
+              <a:ext cx="242237" cy="82073"/>
+            </a:xfrm>
+            <a:prstGeom prst="rect">
+              <a:avLst/>
+            </a:prstGeom>
+            <a:noFill/>
+          </p:spPr>
+          <p:txBody>
+            <a:bodyPr lIns="0" rIns="0" tIns="0" bIns="0" anchorCtr="1" anchor="ctr" wrap="none"/>
+            <a:lstStyle/>
+            <a:p>
+              <a:pPr algn="l" marL="0" marR="0" indent="0">
+                <a:lnSpc>
+                  <a:spcPts val="880"/>
+                </a:lnSpc>
+                <a:spcBef>
+                  <a:spcPts val="0"/>
+                </a:spcBef>
+                <a:spcAft>
+                  <a:spcPts val="0"/>
+                </a:spcAft>
+              </a:pPr>
+              <a:r>
+                <a:rPr sz="880">
+                  <a:solidFill>
+                    <a:srgbClr val="000000">
+                      <a:alpha val="100000"/>
+                    </a:srgbClr>
+                  </a:solidFill>
+                  <a:latin typeface="Liberation Sans"/>
+                  <a:cs typeface="Liberation Sans"/>
+                </a:rPr>
+                <a:t>Male</a:t>
+              </a:r>
+            </a:p>
+          </p:txBody>
+        </p:sp>
+        <p:sp>
+          <p:nvSpPr>
+            <p:cNvPr id="43" name="tx43"/>
+            <p:cNvSpPr/>
+            <p:nvPr/>
+          </p:nvSpPr>
+          <p:spPr>
+            <a:xfrm>
+              <a:off x="938418" y="1628861"/>
+              <a:ext cx="1537818" cy="156262"/>
+            </a:xfrm>
+            <a:prstGeom prst="rect">
+              <a:avLst/>
+            </a:prstGeom>
+            <a:noFill/>
+          </p:spPr>
+          <p:txBody>
+            <a:bodyPr lIns="0" rIns="0" tIns="0" bIns="0" anchorCtr="1" anchor="ctr" wrap="none"/>
+            <a:lstStyle/>
+            <a:p>
+              <a:pPr algn="l" marL="0" marR="0" indent="0">
+                <a:lnSpc>
+                  <a:spcPts val="1320"/>
+                </a:lnSpc>
+                <a:spcBef>
+                  <a:spcPts val="0"/>
+                </a:spcBef>
+                <a:spcAft>
+                  <a:spcPts val="0"/>
+                </a:spcAft>
+              </a:pPr>
+              <a:r>
+                <a:rPr sz="1320">
+                  <a:solidFill>
+                    <a:srgbClr val="000000">
+                      <a:alpha val="100000"/>
+                    </a:srgbClr>
+                  </a:solidFill>
+                  <a:latin typeface="Liberation Sans"/>
+                  <a:cs typeface="Liberation Sans"/>
+                </a:rPr>
+                <a:t>Year 2014_Saturday</a:t>
+              </a:r>
+            </a:p>
+          </p:txBody>
+        </p:sp>
+      </p:grpSp>
+    </p:spTree>
+  </p:cSld>
+  <p:clrMapOvr>
+    <a:masterClrMapping/>
+  </p:clrMapOvr>
+</p:sld>
+</file>
+
+<file path=ppt/slides/slide24.xml><?xml version="1.0" encoding="utf-8"?>
+<p:sld xmlns:a="http://schemas.openxmlformats.org/drawingml/2006/main" xmlns:r="http://schemas.openxmlformats.org/officeDocument/2006/relationships" xmlns:p="http://schemas.openxmlformats.org/presentationml/2006/main">
+  <p:cSld>
+    <p:spTree>
+      <p:nvGrpSpPr>
+        <p:cNvPr id="1" name=""/>
+        <p:cNvGrpSpPr/>
+        <p:nvPr/>
+      </p:nvGrpSpPr>
+      <p:grpSpPr>
+        <a:xfrm>
+          <a:off x="0" y="0"/>
+          <a:ext cx="0" cy="0"/>
+          <a:chOff x="0" y="0"/>
+          <a:chExt cx="0" cy="0"/>
+        </a:xfrm>
+      </p:grpSpPr>
+      <p:grpSp xmlns:a="http://schemas.openxmlformats.org/drawingml/2006/main" xmlns:r="http://schemas.openxmlformats.org/officeDocument/2006/relationships" xmlns:p="http://schemas.openxmlformats.org/presentationml/2006/main" xmlns:pic="http://schemas.openxmlformats.org/drawingml/2006/picture">
+        <p:nvGrpSpPr>
+          <p:cNvPr id="2" name="grp1"/>
+          <p:cNvGrpSpPr/>
+          <p:nvPr/>
+        </p:nvGrpSpPr>
+        <p:grpSpPr>
+          <a:xfrm>
+            <a:off x="457200" y="1600200"/>
+            <a:ext cx="8229600" cy="4525962"/>
+            <a:chOff x="457200" y="1600200"/>
+            <a:chExt cx="8229600" cy="4525962"/>
+          </a:xfrm>
+        </p:grpSpPr>
+        <p:sp>
+          <p:nvSpPr>
+            <p:cNvPr id="3" name="rc3"/>
+            <p:cNvSpPr/>
+            <p:nvPr/>
+          </p:nvSpPr>
+          <p:spPr>
+            <a:xfrm>
+              <a:off x="457200" y="1600200"/>
+              <a:ext cx="8229600" cy="4525962"/>
+            </a:xfrm>
+            <a:prstGeom prst="rect">
+              <a:avLst/>
+            </a:prstGeom>
+            <a:solidFill>
+              <a:srgbClr val="FFFFFF">
+                <a:alpha val="100000"/>
+              </a:srgbClr>
+            </a:solidFill>
+            <a:ln w="9525" cap="rnd">
+              <a:solidFill>
+                <a:srgbClr val="FFFFFF">
+                  <a:alpha val="100000"/>
+                </a:srgbClr>
+              </a:solidFill>
+              <a:prstDash val="solid"/>
+              <a:round/>
+            </a:ln>
+          </p:spPr>
+          <p:txBody>
+            <a:bodyPr/>
+            <a:lstStyle/>
+            <a:p/>
+          </p:txBody>
+        </p:sp>
+        <p:sp>
+          <p:nvSpPr>
+            <p:cNvPr id="4" name="pl4"/>
+            <p:cNvSpPr/>
+            <p:nvPr/>
+          </p:nvSpPr>
+          <p:spPr>
+            <a:xfrm>
+              <a:off x="938418" y="5112534"/>
+              <a:ext cx="6738730" cy="0"/>
+            </a:xfrm>
+            <a:custGeom>
+              <a:avLst/>
+              <a:pathLst>
+                <a:path w="6738730" h="0">
+                  <a:moveTo>
+                    <a:pt x="0" y="0"/>
+                  </a:moveTo>
+                  <a:lnTo>
+                    <a:pt x="6738730" y="0"/>
+                  </a:lnTo>
+                  <a:lnTo>
+                    <a:pt x="6738730" y="0"/>
+                  </a:lnTo>
+                </a:path>
+              </a:pathLst>
+            </a:custGeom>
+            <a:ln w="6775" cap="flat">
+              <a:solidFill>
+                <a:srgbClr val="EBEBEB">
+                  <a:alpha val="100000"/>
+                </a:srgbClr>
+              </a:solidFill>
+              <a:prstDash val="solid"/>
+              <a:round/>
+            </a:ln>
+          </p:spPr>
+          <p:txBody>
+            <a:bodyPr/>
+            <a:lstStyle/>
+            <a:p/>
+          </p:txBody>
+        </p:sp>
+        <p:sp>
+          <p:nvSpPr>
+            <p:cNvPr id="5" name="pl5"/>
+            <p:cNvSpPr/>
+            <p:nvPr/>
+          </p:nvSpPr>
+          <p:spPr>
+            <a:xfrm>
+              <a:off x="938418" y="4240589"/>
+              <a:ext cx="6738730" cy="0"/>
+            </a:xfrm>
+            <a:custGeom>
+              <a:avLst/>
+              <a:pathLst>
+                <a:path w="6738730" h="0">
+                  <a:moveTo>
+                    <a:pt x="0" y="0"/>
+                  </a:moveTo>
+                  <a:lnTo>
+                    <a:pt x="6738730" y="0"/>
+                  </a:lnTo>
+                  <a:lnTo>
+                    <a:pt x="6738730" y="0"/>
+                  </a:lnTo>
+                </a:path>
+              </a:pathLst>
+            </a:custGeom>
+            <a:ln w="6775" cap="flat">
+              <a:solidFill>
+                <a:srgbClr val="EBEBEB">
+                  <a:alpha val="100000"/>
+                </a:srgbClr>
+              </a:solidFill>
+              <a:prstDash val="solid"/>
+              <a:round/>
+            </a:ln>
+          </p:spPr>
+          <p:txBody>
+            <a:bodyPr/>
+            <a:lstStyle/>
+            <a:p/>
+          </p:txBody>
+        </p:sp>
+        <p:sp>
+          <p:nvSpPr>
+            <p:cNvPr id="6" name="pl6"/>
+            <p:cNvSpPr/>
+            <p:nvPr/>
+          </p:nvSpPr>
+          <p:spPr>
+            <a:xfrm>
+              <a:off x="938418" y="3368644"/>
+              <a:ext cx="6738730" cy="0"/>
+            </a:xfrm>
+            <a:custGeom>
+              <a:avLst/>
+              <a:pathLst>
+                <a:path w="6738730" h="0">
+                  <a:moveTo>
+                    <a:pt x="0" y="0"/>
+                  </a:moveTo>
+                  <a:lnTo>
+                    <a:pt x="6738730" y="0"/>
+                  </a:lnTo>
+                  <a:lnTo>
+                    <a:pt x="6738730" y="0"/>
+                  </a:lnTo>
+                </a:path>
+              </a:pathLst>
+            </a:custGeom>
+            <a:ln w="6775" cap="flat">
+              <a:solidFill>
+                <a:srgbClr val="EBEBEB">
+                  <a:alpha val="100000"/>
+                </a:srgbClr>
+              </a:solidFill>
+              <a:prstDash val="solid"/>
+              <a:round/>
+            </a:ln>
+          </p:spPr>
+          <p:txBody>
+            <a:bodyPr/>
+            <a:lstStyle/>
+            <a:p/>
+          </p:txBody>
+        </p:sp>
+        <p:sp>
+          <p:nvSpPr>
+            <p:cNvPr id="7" name="pl7"/>
+            <p:cNvSpPr/>
+            <p:nvPr/>
+          </p:nvSpPr>
+          <p:spPr>
+            <a:xfrm>
+              <a:off x="938418" y="2496699"/>
+              <a:ext cx="6738730" cy="0"/>
+            </a:xfrm>
+            <a:custGeom>
+              <a:avLst/>
+              <a:pathLst>
+                <a:path w="6738730" h="0">
+                  <a:moveTo>
+                    <a:pt x="0" y="0"/>
+                  </a:moveTo>
+                  <a:lnTo>
+                    <a:pt x="6738730" y="0"/>
+                  </a:lnTo>
+                  <a:lnTo>
+                    <a:pt x="6738730" y="0"/>
+                  </a:lnTo>
+                </a:path>
+              </a:pathLst>
+            </a:custGeom>
+            <a:ln w="6775" cap="flat">
+              <a:solidFill>
+                <a:srgbClr val="EBEBEB">
+                  <a:alpha val="100000"/>
+                </a:srgbClr>
+              </a:solidFill>
+              <a:prstDash val="solid"/>
+              <a:round/>
+            </a:ln>
+          </p:spPr>
+          <p:txBody>
+            <a:bodyPr/>
+            <a:lstStyle/>
+            <a:p/>
+          </p:txBody>
+        </p:sp>
+        <p:sp>
+          <p:nvSpPr>
+            <p:cNvPr id="8" name="pl8"/>
+            <p:cNvSpPr/>
+            <p:nvPr/>
+          </p:nvSpPr>
+          <p:spPr>
+            <a:xfrm>
+              <a:off x="938418" y="5548506"/>
+              <a:ext cx="6738730" cy="0"/>
+            </a:xfrm>
+            <a:custGeom>
+              <a:avLst/>
+              <a:pathLst>
+                <a:path w="6738730" h="0">
+                  <a:moveTo>
+                    <a:pt x="0" y="0"/>
+                  </a:moveTo>
+                  <a:lnTo>
+                    <a:pt x="6738730" y="0"/>
+                  </a:lnTo>
+                  <a:lnTo>
+                    <a:pt x="6738730" y="0"/>
+                  </a:lnTo>
+                </a:path>
+              </a:pathLst>
+            </a:custGeom>
+            <a:ln w="13550" cap="flat">
+              <a:solidFill>
+                <a:srgbClr val="EBEBEB">
+                  <a:alpha val="100000"/>
+                </a:srgbClr>
+              </a:solidFill>
+              <a:prstDash val="solid"/>
+              <a:round/>
+            </a:ln>
+          </p:spPr>
+          <p:txBody>
+            <a:bodyPr/>
+            <a:lstStyle/>
+            <a:p/>
+          </p:txBody>
+        </p:sp>
+        <p:sp>
+          <p:nvSpPr>
+            <p:cNvPr id="9" name="pl9"/>
+            <p:cNvSpPr/>
+            <p:nvPr/>
+          </p:nvSpPr>
+          <p:spPr>
+            <a:xfrm>
+              <a:off x="938418" y="4676561"/>
+              <a:ext cx="6738730" cy="0"/>
+            </a:xfrm>
+            <a:custGeom>
+              <a:avLst/>
+              <a:pathLst>
+                <a:path w="6738730" h="0">
+                  <a:moveTo>
+                    <a:pt x="0" y="0"/>
+                  </a:moveTo>
+                  <a:lnTo>
+                    <a:pt x="6738730" y="0"/>
+                  </a:lnTo>
+                  <a:lnTo>
+                    <a:pt x="6738730" y="0"/>
+                  </a:lnTo>
+                </a:path>
+              </a:pathLst>
+            </a:custGeom>
+            <a:ln w="13550" cap="flat">
+              <a:solidFill>
+                <a:srgbClr val="EBEBEB">
+                  <a:alpha val="100000"/>
+                </a:srgbClr>
+              </a:solidFill>
+              <a:prstDash val="solid"/>
+              <a:round/>
+            </a:ln>
+          </p:spPr>
+          <p:txBody>
+            <a:bodyPr/>
+            <a:lstStyle/>
+            <a:p/>
+          </p:txBody>
+        </p:sp>
+        <p:sp>
+          <p:nvSpPr>
+            <p:cNvPr id="10" name="pl10"/>
+            <p:cNvSpPr/>
+            <p:nvPr/>
+          </p:nvSpPr>
+          <p:spPr>
+            <a:xfrm>
+              <a:off x="938418" y="3804617"/>
+              <a:ext cx="6738730" cy="0"/>
+            </a:xfrm>
+            <a:custGeom>
+              <a:avLst/>
+              <a:pathLst>
+                <a:path w="6738730" h="0">
+                  <a:moveTo>
+                    <a:pt x="0" y="0"/>
+                  </a:moveTo>
+                  <a:lnTo>
+                    <a:pt x="6738730" y="0"/>
+                  </a:lnTo>
+                  <a:lnTo>
+                    <a:pt x="6738730" y="0"/>
+                  </a:lnTo>
+                </a:path>
+              </a:pathLst>
+            </a:custGeom>
+            <a:ln w="13550" cap="flat">
+              <a:solidFill>
+                <a:srgbClr val="EBEBEB">
+                  <a:alpha val="100000"/>
+                </a:srgbClr>
+              </a:solidFill>
+              <a:prstDash val="solid"/>
+              <a:round/>
+            </a:ln>
+          </p:spPr>
+          <p:txBody>
+            <a:bodyPr/>
+            <a:lstStyle/>
+            <a:p/>
+          </p:txBody>
+        </p:sp>
+        <p:sp>
+          <p:nvSpPr>
+            <p:cNvPr id="11" name="pl11"/>
+            <p:cNvSpPr/>
+            <p:nvPr/>
+          </p:nvSpPr>
+          <p:spPr>
+            <a:xfrm>
+              <a:off x="938418" y="2932672"/>
+              <a:ext cx="6738730" cy="0"/>
+            </a:xfrm>
+            <a:custGeom>
+              <a:avLst/>
+              <a:pathLst>
+                <a:path w="6738730" h="0">
+                  <a:moveTo>
+                    <a:pt x="0" y="0"/>
+                  </a:moveTo>
+                  <a:lnTo>
+                    <a:pt x="6738730" y="0"/>
+                  </a:lnTo>
+                  <a:lnTo>
+                    <a:pt x="6738730" y="0"/>
+                  </a:lnTo>
+                </a:path>
+              </a:pathLst>
+            </a:custGeom>
+            <a:ln w="13550" cap="flat">
+              <a:solidFill>
+                <a:srgbClr val="EBEBEB">
+                  <a:alpha val="100000"/>
+                </a:srgbClr>
+              </a:solidFill>
+              <a:prstDash val="solid"/>
+              <a:round/>
+            </a:ln>
+          </p:spPr>
+          <p:txBody>
+            <a:bodyPr/>
+            <a:lstStyle/>
+            <a:p/>
+          </p:txBody>
+        </p:sp>
+        <p:sp>
+          <p:nvSpPr>
+            <p:cNvPr id="12" name="pl12"/>
+            <p:cNvSpPr/>
+            <p:nvPr/>
+          </p:nvSpPr>
+          <p:spPr>
+            <a:xfrm>
+              <a:off x="938418" y="2060727"/>
+              <a:ext cx="6738730" cy="0"/>
+            </a:xfrm>
+            <a:custGeom>
+              <a:avLst/>
+              <a:pathLst>
+                <a:path w="6738730" h="0">
+                  <a:moveTo>
+                    <a:pt x="0" y="0"/>
+                  </a:moveTo>
+                  <a:lnTo>
+                    <a:pt x="6738730" y="0"/>
+                  </a:lnTo>
+                  <a:lnTo>
+                    <a:pt x="6738730" y="0"/>
+                  </a:lnTo>
+                </a:path>
+              </a:pathLst>
+            </a:custGeom>
+            <a:ln w="13550" cap="flat">
+              <a:solidFill>
+                <a:srgbClr val="EBEBEB">
+                  <a:alpha val="100000"/>
+                </a:srgbClr>
+              </a:solidFill>
+              <a:prstDash val="solid"/>
+              <a:round/>
+            </a:ln>
+          </p:spPr>
+          <p:txBody>
+            <a:bodyPr/>
+            <a:lstStyle/>
+            <a:p/>
+          </p:txBody>
+        </p:sp>
+        <p:sp>
+          <p:nvSpPr>
+            <p:cNvPr id="13" name="pl13"/>
+            <p:cNvSpPr/>
+            <p:nvPr/>
+          </p:nvSpPr>
+          <p:spPr>
+            <a:xfrm>
+              <a:off x="1715964" y="1886338"/>
+              <a:ext cx="0" cy="3836557"/>
+            </a:xfrm>
+            <a:custGeom>
+              <a:avLst/>
+              <a:pathLst>
+                <a:path w="0" h="3836557">
+                  <a:moveTo>
+                    <a:pt x="0" y="3836557"/>
+                  </a:moveTo>
+                  <a:lnTo>
+                    <a:pt x="0" y="0"/>
+                  </a:lnTo>
+                  <a:lnTo>
+                    <a:pt x="0" y="0"/>
+                  </a:lnTo>
+                </a:path>
+              </a:pathLst>
+            </a:custGeom>
+            <a:ln w="13550" cap="flat">
+              <a:solidFill>
+                <a:srgbClr val="EBEBEB">
+                  <a:alpha val="100000"/>
+                </a:srgbClr>
+              </a:solidFill>
+              <a:prstDash val="solid"/>
+              <a:round/>
+            </a:ln>
+          </p:spPr>
+          <p:txBody>
+            <a:bodyPr/>
+            <a:lstStyle/>
+            <a:p/>
+          </p:txBody>
+        </p:sp>
+        <p:sp>
+          <p:nvSpPr>
+            <p:cNvPr id="14" name="pl14"/>
+            <p:cNvSpPr/>
+            <p:nvPr/>
+          </p:nvSpPr>
+          <p:spPr>
+            <a:xfrm>
+              <a:off x="3011873" y="1886338"/>
+              <a:ext cx="0" cy="3836557"/>
+            </a:xfrm>
+            <a:custGeom>
+              <a:avLst/>
+              <a:pathLst>
+                <a:path w="0" h="3836557">
+                  <a:moveTo>
+                    <a:pt x="0" y="3836557"/>
+                  </a:moveTo>
+                  <a:lnTo>
+                    <a:pt x="0" y="0"/>
+                  </a:lnTo>
+                  <a:lnTo>
+                    <a:pt x="0" y="0"/>
+                  </a:lnTo>
+                </a:path>
+              </a:pathLst>
+            </a:custGeom>
+            <a:ln w="13550" cap="flat">
+              <a:solidFill>
+                <a:srgbClr val="EBEBEB">
+                  <a:alpha val="100000"/>
+                </a:srgbClr>
+              </a:solidFill>
+              <a:prstDash val="solid"/>
+              <a:round/>
+            </a:ln>
+          </p:spPr>
+          <p:txBody>
+            <a:bodyPr/>
+            <a:lstStyle/>
+            <a:p/>
+          </p:txBody>
+        </p:sp>
+        <p:sp>
+          <p:nvSpPr>
+            <p:cNvPr id="15" name="pl15"/>
+            <p:cNvSpPr/>
+            <p:nvPr/>
+          </p:nvSpPr>
+          <p:spPr>
+            <a:xfrm>
+              <a:off x="4307783" y="1886338"/>
+              <a:ext cx="0" cy="3836557"/>
+            </a:xfrm>
+            <a:custGeom>
+              <a:avLst/>
+              <a:pathLst>
+                <a:path w="0" h="3836557">
+                  <a:moveTo>
+                    <a:pt x="0" y="3836557"/>
+                  </a:moveTo>
+                  <a:lnTo>
+                    <a:pt x="0" y="0"/>
+                  </a:lnTo>
+                  <a:lnTo>
+                    <a:pt x="0" y="0"/>
+                  </a:lnTo>
+                </a:path>
+              </a:pathLst>
+            </a:custGeom>
+            <a:ln w="13550" cap="flat">
+              <a:solidFill>
+                <a:srgbClr val="EBEBEB">
+                  <a:alpha val="100000"/>
+                </a:srgbClr>
+              </a:solidFill>
+              <a:prstDash val="solid"/>
+              <a:round/>
+            </a:ln>
+          </p:spPr>
+          <p:txBody>
+            <a:bodyPr/>
+            <a:lstStyle/>
+            <a:p/>
+          </p:txBody>
+        </p:sp>
+        <p:sp>
+          <p:nvSpPr>
+            <p:cNvPr id="16" name="pl16"/>
+            <p:cNvSpPr/>
+            <p:nvPr/>
+          </p:nvSpPr>
+          <p:spPr>
+            <a:xfrm>
+              <a:off x="5603693" y="1886338"/>
+              <a:ext cx="0" cy="3836557"/>
+            </a:xfrm>
+            <a:custGeom>
+              <a:avLst/>
+              <a:pathLst>
+                <a:path w="0" h="3836557">
+                  <a:moveTo>
+                    <a:pt x="0" y="3836557"/>
+                  </a:moveTo>
+                  <a:lnTo>
+                    <a:pt x="0" y="0"/>
+                  </a:lnTo>
+                  <a:lnTo>
+                    <a:pt x="0" y="0"/>
+                  </a:lnTo>
+                </a:path>
+              </a:pathLst>
+            </a:custGeom>
+            <a:ln w="13550" cap="flat">
+              <a:solidFill>
+                <a:srgbClr val="EBEBEB">
+                  <a:alpha val="100000"/>
+                </a:srgbClr>
+              </a:solidFill>
+              <a:prstDash val="solid"/>
+              <a:round/>
+            </a:ln>
+          </p:spPr>
+          <p:txBody>
+            <a:bodyPr/>
+            <a:lstStyle/>
+            <a:p/>
+          </p:txBody>
+        </p:sp>
+        <p:sp>
+          <p:nvSpPr>
+            <p:cNvPr id="17" name="pl17"/>
+            <p:cNvSpPr/>
+            <p:nvPr/>
+          </p:nvSpPr>
+          <p:spPr>
+            <a:xfrm>
+              <a:off x="6899603" y="1886338"/>
+              <a:ext cx="0" cy="3836557"/>
+            </a:xfrm>
+            <a:custGeom>
+              <a:avLst/>
+              <a:pathLst>
+                <a:path w="0" h="3836557">
+                  <a:moveTo>
+                    <a:pt x="0" y="3836557"/>
+                  </a:moveTo>
+                  <a:lnTo>
+                    <a:pt x="0" y="0"/>
+                  </a:lnTo>
+                  <a:lnTo>
+                    <a:pt x="0" y="0"/>
+                  </a:lnTo>
+                </a:path>
+              </a:pathLst>
+            </a:custGeom>
+            <a:ln w="13550" cap="flat">
+              <a:solidFill>
+                <a:srgbClr val="EBEBEB">
+                  <a:alpha val="100000"/>
+                </a:srgbClr>
+              </a:solidFill>
+              <a:prstDash val="solid"/>
+              <a:round/>
+            </a:ln>
+          </p:spPr>
+          <p:txBody>
+            <a:bodyPr/>
+            <a:lstStyle/>
+            <a:p/>
+          </p:txBody>
+        </p:sp>
+        <p:sp>
+          <p:nvSpPr>
+            <p:cNvPr id="18" name="rc18"/>
+            <p:cNvSpPr/>
+            <p:nvPr/>
+          </p:nvSpPr>
+          <p:spPr>
+            <a:xfrm>
+              <a:off x="1715964" y="4977382"/>
+              <a:ext cx="583159" cy="571123"/>
+            </a:xfrm>
+            <a:prstGeom prst="rect">
+              <a:avLst/>
+            </a:prstGeom>
+            <a:solidFill>
+              <a:srgbClr val="00BFC4">
+                <a:alpha val="100000"/>
+              </a:srgbClr>
+            </a:solidFill>
+          </p:spPr>
+          <p:txBody>
+            <a:bodyPr/>
+            <a:lstStyle/>
+            <a:p/>
+          </p:txBody>
+        </p:sp>
+        <p:sp>
+          <p:nvSpPr>
+            <p:cNvPr id="19" name="rc19"/>
+            <p:cNvSpPr/>
+            <p:nvPr/>
+          </p:nvSpPr>
+          <p:spPr>
+            <a:xfrm>
+              <a:off x="1132804" y="4977382"/>
+              <a:ext cx="583159" cy="571123"/>
+            </a:xfrm>
+            <a:prstGeom prst="rect">
+              <a:avLst/>
+            </a:prstGeom>
+            <a:solidFill>
+              <a:srgbClr val="F8766D">
+                <a:alpha val="100000"/>
+              </a:srgbClr>
+            </a:solidFill>
+          </p:spPr>
+          <p:txBody>
+            <a:bodyPr/>
+            <a:lstStyle/>
+            <a:p/>
+          </p:txBody>
+        </p:sp>
+        <p:sp>
+          <p:nvSpPr>
+            <p:cNvPr id="20" name="rc20"/>
+            <p:cNvSpPr/>
+            <p:nvPr/>
+          </p:nvSpPr>
+          <p:spPr>
+            <a:xfrm>
+              <a:off x="3011873" y="4131596"/>
+              <a:ext cx="583159" cy="1416910"/>
+            </a:xfrm>
+            <a:prstGeom prst="rect">
+              <a:avLst/>
+            </a:prstGeom>
+            <a:solidFill>
+              <a:srgbClr val="00BFC4">
+                <a:alpha val="100000"/>
+              </a:srgbClr>
+            </a:solidFill>
+          </p:spPr>
+          <p:txBody>
+            <a:bodyPr/>
+            <a:lstStyle/>
+            <a:p/>
+          </p:txBody>
+        </p:sp>
+        <p:sp>
+          <p:nvSpPr>
+            <p:cNvPr id="21" name="rc21"/>
+            <p:cNvSpPr/>
+            <p:nvPr/>
+          </p:nvSpPr>
+          <p:spPr>
+            <a:xfrm>
+              <a:off x="2428714" y="4362661"/>
+              <a:ext cx="583159" cy="1185845"/>
+            </a:xfrm>
+            <a:prstGeom prst="rect">
+              <a:avLst/>
+            </a:prstGeom>
+            <a:solidFill>
+              <a:srgbClr val="F8766D">
+                <a:alpha val="100000"/>
+              </a:srgbClr>
+            </a:solidFill>
+          </p:spPr>
+          <p:txBody>
+            <a:bodyPr/>
+            <a:lstStyle/>
+            <a:p/>
+          </p:txBody>
+        </p:sp>
+        <p:sp>
+          <p:nvSpPr>
+            <p:cNvPr id="22" name="rc22"/>
+            <p:cNvSpPr/>
+            <p:nvPr/>
+          </p:nvSpPr>
+          <p:spPr>
+            <a:xfrm>
+              <a:off x="4307783" y="4925066"/>
+              <a:ext cx="583159" cy="623440"/>
+            </a:xfrm>
+            <a:prstGeom prst="rect">
+              <a:avLst/>
+            </a:prstGeom>
+            <a:solidFill>
+              <a:srgbClr val="00BFC4">
+                <a:alpha val="100000"/>
+              </a:srgbClr>
+            </a:solidFill>
+          </p:spPr>
+          <p:txBody>
+            <a:bodyPr/>
+            <a:lstStyle/>
+            <a:p/>
+          </p:txBody>
+        </p:sp>
+        <p:sp>
+          <p:nvSpPr>
+            <p:cNvPr id="23" name="rc23"/>
+            <p:cNvSpPr/>
+            <p:nvPr/>
+          </p:nvSpPr>
+          <p:spPr>
+            <a:xfrm>
+              <a:off x="3724624" y="4598086"/>
+              <a:ext cx="583159" cy="950419"/>
+            </a:xfrm>
+            <a:prstGeom prst="rect">
+              <a:avLst/>
+            </a:prstGeom>
+            <a:solidFill>
+              <a:srgbClr val="F8766D">
+                <a:alpha val="100000"/>
+              </a:srgbClr>
+            </a:solidFill>
+          </p:spPr>
+          <p:txBody>
+            <a:bodyPr/>
+            <a:lstStyle/>
+            <a:p/>
+          </p:txBody>
+        </p:sp>
+        <p:sp>
+          <p:nvSpPr>
+            <p:cNvPr id="24" name="rc24"/>
+            <p:cNvSpPr/>
+            <p:nvPr/>
+          </p:nvSpPr>
+          <p:spPr>
+            <a:xfrm>
+              <a:off x="5603693" y="2073806"/>
+              <a:ext cx="583159" cy="3474700"/>
+            </a:xfrm>
+            <a:prstGeom prst="rect">
+              <a:avLst/>
+            </a:prstGeom>
+            <a:solidFill>
+              <a:srgbClr val="00BFC4">
+                <a:alpha val="100000"/>
+              </a:srgbClr>
+            </a:solidFill>
+          </p:spPr>
+          <p:txBody>
+            <a:bodyPr/>
+            <a:lstStyle/>
+            <a:p/>
+          </p:txBody>
+        </p:sp>
+        <p:sp>
+          <p:nvSpPr>
+            <p:cNvPr id="25" name="rc25"/>
+            <p:cNvSpPr/>
+            <p:nvPr/>
+          </p:nvSpPr>
+          <p:spPr>
+            <a:xfrm>
+              <a:off x="5020534" y="2060727"/>
+              <a:ext cx="583159" cy="3487779"/>
+            </a:xfrm>
+            <a:prstGeom prst="rect">
+              <a:avLst/>
+            </a:prstGeom>
+            <a:solidFill>
+              <a:srgbClr val="F8766D">
+                <a:alpha val="100000"/>
+              </a:srgbClr>
+            </a:solidFill>
+          </p:spPr>
+          <p:txBody>
+            <a:bodyPr/>
+            <a:lstStyle/>
+            <a:p/>
+          </p:txBody>
+        </p:sp>
+        <p:sp>
+          <p:nvSpPr>
+            <p:cNvPr id="26" name="rc26"/>
+            <p:cNvSpPr/>
+            <p:nvPr/>
+          </p:nvSpPr>
+          <p:spPr>
+            <a:xfrm>
+              <a:off x="6899603" y="2862916"/>
+              <a:ext cx="583159" cy="2685590"/>
+            </a:xfrm>
+            <a:prstGeom prst="rect">
+              <a:avLst/>
+            </a:prstGeom>
+            <a:solidFill>
+              <a:srgbClr val="00BFC4">
+                <a:alpha val="100000"/>
+              </a:srgbClr>
+            </a:solidFill>
+          </p:spPr>
+          <p:txBody>
+            <a:bodyPr/>
+            <a:lstStyle/>
+            <a:p/>
+          </p:txBody>
+        </p:sp>
+        <p:sp>
+          <p:nvSpPr>
+            <p:cNvPr id="27" name="rc27"/>
+            <p:cNvSpPr/>
+            <p:nvPr/>
+          </p:nvSpPr>
+          <p:spPr>
+            <a:xfrm>
+              <a:off x="6316443" y="2893434"/>
+              <a:ext cx="583159" cy="2655072"/>
+            </a:xfrm>
+            <a:prstGeom prst="rect">
+              <a:avLst/>
+            </a:prstGeom>
+            <a:solidFill>
+              <a:srgbClr val="F8766D">
+                <a:alpha val="100000"/>
+              </a:srgbClr>
+            </a:solidFill>
+          </p:spPr>
+          <p:txBody>
+            <a:bodyPr/>
+            <a:lstStyle/>
+            <a:p/>
+          </p:txBody>
+        </p:sp>
+        <p:sp>
+          <p:nvSpPr>
+            <p:cNvPr id="28" name="tx28"/>
+            <p:cNvSpPr/>
+            <p:nvPr/>
+          </p:nvSpPr>
+          <p:spPr>
+            <a:xfrm>
+              <a:off x="813632" y="5507824"/>
+              <a:ext cx="62155" cy="79126"/>
+            </a:xfrm>
+            <a:prstGeom prst="rect">
+              <a:avLst/>
+            </a:prstGeom>
+            <a:noFill/>
+          </p:spPr>
+          <p:txBody>
+            <a:bodyPr lIns="0" rIns="0" tIns="0" bIns="0" anchorCtr="1" anchor="ctr" wrap="none"/>
+            <a:lstStyle/>
+            <a:p>
+              <a:pPr algn="l" marL="0" marR="0" indent="0">
+                <a:lnSpc>
+                  <a:spcPts val="880"/>
+                </a:lnSpc>
+                <a:spcBef>
+                  <a:spcPts val="0"/>
+                </a:spcBef>
+                <a:spcAft>
+                  <a:spcPts val="0"/>
+                </a:spcAft>
+              </a:pPr>
+              <a:r>
+                <a:rPr sz="880">
+                  <a:solidFill>
+                    <a:srgbClr val="4D4D4D">
+                      <a:alpha val="100000"/>
+                    </a:srgbClr>
+                  </a:solidFill>
+                  <a:latin typeface="Liberation Sans"/>
+                  <a:cs typeface="Liberation Sans"/>
+                </a:rPr>
+                <a:t>0</a:t>
+              </a:r>
+            </a:p>
+          </p:txBody>
+        </p:sp>
+        <p:sp>
+          <p:nvSpPr>
+            <p:cNvPr id="29" name="tx29"/>
+            <p:cNvSpPr/>
+            <p:nvPr/>
+          </p:nvSpPr>
+          <p:spPr>
+            <a:xfrm>
+              <a:off x="689321" y="4635879"/>
+              <a:ext cx="186466" cy="79126"/>
+            </a:xfrm>
+            <a:prstGeom prst="rect">
+              <a:avLst/>
+            </a:prstGeom>
+            <a:noFill/>
+          </p:spPr>
+          <p:txBody>
+            <a:bodyPr lIns="0" rIns="0" tIns="0" bIns="0" anchorCtr="1" anchor="ctr" wrap="none"/>
+            <a:lstStyle/>
+            <a:p>
+              <a:pPr algn="l" marL="0" marR="0" indent="0">
+                <a:lnSpc>
+                  <a:spcPts val="880"/>
+                </a:lnSpc>
+                <a:spcBef>
+                  <a:spcPts val="0"/>
+                </a:spcBef>
+                <a:spcAft>
+                  <a:spcPts val="0"/>
+                </a:spcAft>
+              </a:pPr>
+              <a:r>
+                <a:rPr sz="880">
+                  <a:solidFill>
+                    <a:srgbClr val="4D4D4D">
+                      <a:alpha val="100000"/>
+                    </a:srgbClr>
+                  </a:solidFill>
+                  <a:latin typeface="Liberation Sans"/>
+                  <a:cs typeface="Liberation Sans"/>
+                </a:rPr>
+                <a:t>200</a:t>
+              </a:r>
+            </a:p>
+          </p:txBody>
+        </p:sp>
+        <p:sp>
+          <p:nvSpPr>
+            <p:cNvPr id="30" name="tx30"/>
+            <p:cNvSpPr/>
+            <p:nvPr/>
+          </p:nvSpPr>
+          <p:spPr>
+            <a:xfrm>
+              <a:off x="689321" y="3763934"/>
+              <a:ext cx="186466" cy="79126"/>
+            </a:xfrm>
+            <a:prstGeom prst="rect">
+              <a:avLst/>
+            </a:prstGeom>
+            <a:noFill/>
+          </p:spPr>
+          <p:txBody>
+            <a:bodyPr lIns="0" rIns="0" tIns="0" bIns="0" anchorCtr="1" anchor="ctr" wrap="none"/>
+            <a:lstStyle/>
+            <a:p>
+              <a:pPr algn="l" marL="0" marR="0" indent="0">
+                <a:lnSpc>
+                  <a:spcPts val="880"/>
+                </a:lnSpc>
+                <a:spcBef>
+                  <a:spcPts val="0"/>
+                </a:spcBef>
+                <a:spcAft>
+                  <a:spcPts val="0"/>
+                </a:spcAft>
+              </a:pPr>
+              <a:r>
+                <a:rPr sz="880">
+                  <a:solidFill>
+                    <a:srgbClr val="4D4D4D">
+                      <a:alpha val="100000"/>
+                    </a:srgbClr>
+                  </a:solidFill>
+                  <a:latin typeface="Liberation Sans"/>
+                  <a:cs typeface="Liberation Sans"/>
+                </a:rPr>
+                <a:t>400</a:t>
+              </a:r>
+            </a:p>
+          </p:txBody>
+        </p:sp>
+        <p:sp>
+          <p:nvSpPr>
+            <p:cNvPr id="31" name="tx31"/>
+            <p:cNvSpPr/>
+            <p:nvPr/>
+          </p:nvSpPr>
+          <p:spPr>
+            <a:xfrm>
+              <a:off x="689321" y="2891990"/>
+              <a:ext cx="186466" cy="79126"/>
+            </a:xfrm>
+            <a:prstGeom prst="rect">
+              <a:avLst/>
+            </a:prstGeom>
+            <a:noFill/>
+          </p:spPr>
+          <p:txBody>
+            <a:bodyPr lIns="0" rIns="0" tIns="0" bIns="0" anchorCtr="1" anchor="ctr" wrap="none"/>
+            <a:lstStyle/>
+            <a:p>
+              <a:pPr algn="l" marL="0" marR="0" indent="0">
+                <a:lnSpc>
+                  <a:spcPts val="880"/>
+                </a:lnSpc>
+                <a:spcBef>
+                  <a:spcPts val="0"/>
+                </a:spcBef>
+                <a:spcAft>
+                  <a:spcPts val="0"/>
+                </a:spcAft>
+              </a:pPr>
+              <a:r>
+                <a:rPr sz="880">
+                  <a:solidFill>
+                    <a:srgbClr val="4D4D4D">
+                      <a:alpha val="100000"/>
+                    </a:srgbClr>
+                  </a:solidFill>
+                  <a:latin typeface="Liberation Sans"/>
+                  <a:cs typeface="Liberation Sans"/>
+                </a:rPr>
+                <a:t>600</a:t>
+              </a:r>
+            </a:p>
+          </p:txBody>
+        </p:sp>
+        <p:sp>
+          <p:nvSpPr>
+            <p:cNvPr id="32" name="tx32"/>
+            <p:cNvSpPr/>
+            <p:nvPr/>
+          </p:nvSpPr>
+          <p:spPr>
+            <a:xfrm>
+              <a:off x="689321" y="2020045"/>
+              <a:ext cx="186466" cy="79126"/>
+            </a:xfrm>
+            <a:prstGeom prst="rect">
+              <a:avLst/>
+            </a:prstGeom>
+            <a:noFill/>
+          </p:spPr>
+          <p:txBody>
+            <a:bodyPr lIns="0" rIns="0" tIns="0" bIns="0" anchorCtr="1" anchor="ctr" wrap="none"/>
+            <a:lstStyle/>
+            <a:p>
+              <a:pPr algn="l" marL="0" marR="0" indent="0">
+                <a:lnSpc>
+                  <a:spcPts val="880"/>
+                </a:lnSpc>
+                <a:spcBef>
+                  <a:spcPts val="0"/>
+                </a:spcBef>
+                <a:spcAft>
+                  <a:spcPts val="0"/>
+                </a:spcAft>
+              </a:pPr>
+              <a:r>
+                <a:rPr sz="880">
+                  <a:solidFill>
+                    <a:srgbClr val="4D4D4D">
+                      <a:alpha val="100000"/>
+                    </a:srgbClr>
+                  </a:solidFill>
+                  <a:latin typeface="Liberation Sans"/>
+                  <a:cs typeface="Liberation Sans"/>
+                </a:rPr>
+                <a:t>800</a:t>
+              </a:r>
+            </a:p>
+          </p:txBody>
+        </p:sp>
+        <p:sp>
+          <p:nvSpPr>
+            <p:cNvPr id="33" name="tx33"/>
+            <p:cNvSpPr/>
+            <p:nvPr/>
+          </p:nvSpPr>
+          <p:spPr>
+            <a:xfrm>
+              <a:off x="1557519" y="5758240"/>
+              <a:ext cx="316889" cy="104174"/>
+            </a:xfrm>
+            <a:prstGeom prst="rect">
+              <a:avLst/>
+            </a:prstGeom>
+            <a:noFill/>
+          </p:spPr>
+          <p:txBody>
+            <a:bodyPr lIns="0" rIns="0" tIns="0" bIns="0" anchorCtr="1" anchor="ctr" wrap="none"/>
+            <a:lstStyle/>
+            <a:p>
+              <a:pPr algn="l" marL="0" marR="0" indent="0">
+                <a:lnSpc>
+                  <a:spcPts val="880"/>
+                </a:lnSpc>
+                <a:spcBef>
+                  <a:spcPts val="0"/>
+                </a:spcBef>
+                <a:spcAft>
+                  <a:spcPts val="0"/>
+                </a:spcAft>
+              </a:pPr>
+              <a:r>
+                <a:rPr sz="880">
+                  <a:solidFill>
+                    <a:srgbClr val="4D4D4D">
+                      <a:alpha val="100000"/>
+                    </a:srgbClr>
+                  </a:solidFill>
+                  <a:latin typeface="Liberation Sans"/>
+                  <a:cs typeface="Liberation Sans"/>
+                </a:rPr>
+                <a:t>Eating</a:t>
+              </a:r>
+            </a:p>
+          </p:txBody>
+        </p:sp>
+        <p:sp>
+          <p:nvSpPr>
+            <p:cNvPr id="34" name="tx34"/>
+            <p:cNvSpPr/>
+            <p:nvPr/>
+          </p:nvSpPr>
+          <p:spPr>
+            <a:xfrm>
+              <a:off x="2701314" y="5758240"/>
+              <a:ext cx="621119" cy="104174"/>
+            </a:xfrm>
+            <a:prstGeom prst="rect">
+              <a:avLst/>
+            </a:prstGeom>
+            <a:noFill/>
+          </p:spPr>
+          <p:txBody>
+            <a:bodyPr lIns="0" rIns="0" tIns="0" bIns="0" anchorCtr="1" anchor="ctr" wrap="none"/>
+            <a:lstStyle/>
+            <a:p>
+              <a:pPr algn="l" marL="0" marR="0" indent="0">
+                <a:lnSpc>
+                  <a:spcPts val="880"/>
+                </a:lnSpc>
+                <a:spcBef>
+                  <a:spcPts val="0"/>
+                </a:spcBef>
+                <a:spcAft>
+                  <a:spcPts val="0"/>
+                </a:spcAft>
+              </a:pPr>
+              <a:r>
+                <a:rPr sz="880">
+                  <a:solidFill>
+                    <a:srgbClr val="4D4D4D">
+                      <a:alpha val="100000"/>
+                    </a:srgbClr>
+                  </a:solidFill>
+                  <a:latin typeface="Liberation Sans"/>
+                  <a:cs typeface="Liberation Sans"/>
+                </a:rPr>
+                <a:t>Employment</a:t>
+              </a:r>
+            </a:p>
+          </p:txBody>
+        </p:sp>
+        <p:sp>
+          <p:nvSpPr>
+            <p:cNvPr id="35" name="tx35"/>
+            <p:cNvSpPr/>
+            <p:nvPr/>
+          </p:nvSpPr>
+          <p:spPr>
+            <a:xfrm>
+              <a:off x="3646173" y="5758240"/>
+              <a:ext cx="1323220" cy="104174"/>
+            </a:xfrm>
+            <a:prstGeom prst="rect">
+              <a:avLst/>
+            </a:prstGeom>
+            <a:noFill/>
+          </p:spPr>
+          <p:txBody>
+            <a:bodyPr lIns="0" rIns="0" tIns="0" bIns="0" anchorCtr="1" anchor="ctr" wrap="none"/>
+            <a:lstStyle/>
+            <a:p>
+              <a:pPr algn="l" marL="0" marR="0" indent="0">
+                <a:lnSpc>
+                  <a:spcPts val="880"/>
+                </a:lnSpc>
+                <a:spcBef>
+                  <a:spcPts val="0"/>
+                </a:spcBef>
+                <a:spcAft>
+                  <a:spcPts val="0"/>
+                </a:spcAft>
+              </a:pPr>
+              <a:r>
+                <a:rPr sz="880">
+                  <a:solidFill>
+                    <a:srgbClr val="4D4D4D">
+                      <a:alpha val="100000"/>
+                    </a:srgbClr>
+                  </a:solidFill>
+                  <a:latin typeface="Liberation Sans"/>
+                  <a:cs typeface="Liberation Sans"/>
+                </a:rPr>
+                <a:t>Household and family care</a:t>
+              </a:r>
+            </a:p>
+          </p:txBody>
+        </p:sp>
+        <p:sp>
+          <p:nvSpPr>
+            <p:cNvPr id="36" name="tx36"/>
+            <p:cNvSpPr/>
+            <p:nvPr/>
+          </p:nvSpPr>
+          <p:spPr>
+            <a:xfrm>
+              <a:off x="5258918" y="5780341"/>
+              <a:ext cx="689550" cy="82073"/>
+            </a:xfrm>
+            <a:prstGeom prst="rect">
+              <a:avLst/>
+            </a:prstGeom>
+            <a:noFill/>
+          </p:spPr>
+          <p:txBody>
+            <a:bodyPr lIns="0" rIns="0" tIns="0" bIns="0" anchorCtr="1" anchor="ctr" wrap="none"/>
+            <a:lstStyle/>
+            <a:p>
+              <a:pPr algn="l" marL="0" marR="0" indent="0">
+                <a:lnSpc>
+                  <a:spcPts val="880"/>
+                </a:lnSpc>
+                <a:spcBef>
+                  <a:spcPts val="0"/>
+                </a:spcBef>
+                <a:spcAft>
+                  <a:spcPts val="0"/>
+                </a:spcAft>
+              </a:pPr>
+              <a:r>
+                <a:rPr sz="880">
+                  <a:solidFill>
+                    <a:srgbClr val="4D4D4D">
+                      <a:alpha val="100000"/>
+                    </a:srgbClr>
+                  </a:solidFill>
+                  <a:latin typeface="Liberation Sans"/>
+                  <a:cs typeface="Liberation Sans"/>
+                </a:rPr>
+                <a:t>Personal care</a:t>
+              </a:r>
+            </a:p>
+          </p:txBody>
+        </p:sp>
+        <p:sp>
+          <p:nvSpPr>
+            <p:cNvPr id="37" name="tx37"/>
+            <p:cNvSpPr/>
+            <p:nvPr/>
+          </p:nvSpPr>
+          <p:spPr>
+            <a:xfrm>
+              <a:off x="6756683" y="5758240"/>
+              <a:ext cx="285839" cy="104174"/>
+            </a:xfrm>
+            <a:prstGeom prst="rect">
+              <a:avLst/>
+            </a:prstGeom>
+            <a:noFill/>
+          </p:spPr>
+          <p:txBody>
+            <a:bodyPr lIns="0" rIns="0" tIns="0" bIns="0" anchorCtr="1" anchor="ctr" wrap="none"/>
+            <a:lstStyle/>
+            <a:p>
+              <a:pPr algn="l" marL="0" marR="0" indent="0">
+                <a:lnSpc>
+                  <a:spcPts val="880"/>
+                </a:lnSpc>
+                <a:spcBef>
+                  <a:spcPts val="0"/>
+                </a:spcBef>
+                <a:spcAft>
+                  <a:spcPts val="0"/>
+                </a:spcAft>
+              </a:pPr>
+              <a:r>
+                <a:rPr sz="880">
+                  <a:solidFill>
+                    <a:srgbClr val="4D4D4D">
+                      <a:alpha val="100000"/>
+                    </a:srgbClr>
+                  </a:solidFill>
+                  <a:latin typeface="Liberation Sans"/>
+                  <a:cs typeface="Liberation Sans"/>
+                </a:rPr>
+                <a:t>Sleep</a:t>
+              </a:r>
+            </a:p>
+          </p:txBody>
+        </p:sp>
+        <p:sp>
+          <p:nvSpPr>
+            <p:cNvPr id="38" name="tx38"/>
+            <p:cNvSpPr/>
+            <p:nvPr/>
+          </p:nvSpPr>
+          <p:spPr>
+            <a:xfrm>
+              <a:off x="4032203" y="5922355"/>
+              <a:ext cx="551160" cy="102592"/>
+            </a:xfrm>
+            <a:prstGeom prst="rect">
+              <a:avLst/>
+            </a:prstGeom>
+            <a:noFill/>
+          </p:spPr>
+          <p:txBody>
+            <a:bodyPr lIns="0" rIns="0" tIns="0" bIns="0" anchorCtr="1" anchor="ctr" wrap="none"/>
+            <a:lstStyle/>
+            <a:p>
+              <a:pPr algn="l" marL="0" marR="0" indent="0">
+                <a:lnSpc>
+                  <a:spcPts val="1100"/>
+                </a:lnSpc>
+                <a:spcBef>
+                  <a:spcPts val="0"/>
+                </a:spcBef>
+                <a:spcAft>
+                  <a:spcPts val="0"/>
+                </a:spcAft>
+              </a:pPr>
+              <a:r>
+                <a:rPr sz="1100">
+                  <a:solidFill>
+                    <a:srgbClr val="000000">
+                      <a:alpha val="100000"/>
+                    </a:srgbClr>
+                  </a:solidFill>
+                  <a:latin typeface="Liberation Sans"/>
+                  <a:cs typeface="Liberation Sans"/>
+                </a:rPr>
+                <a:t>Activities</a:t>
+              </a:r>
+            </a:p>
+          </p:txBody>
+        </p:sp>
+        <p:sp>
+          <p:nvSpPr>
+            <p:cNvPr id="39" name="tx39"/>
+            <p:cNvSpPr/>
+            <p:nvPr/>
+          </p:nvSpPr>
+          <p:spPr>
+            <a:xfrm rot="-5400000">
+              <a:off x="78630" y="3753321"/>
+              <a:ext cx="985949" cy="102592"/>
+            </a:xfrm>
+            <a:prstGeom prst="rect">
+              <a:avLst/>
+            </a:prstGeom>
+            <a:noFill/>
+          </p:spPr>
+          <p:txBody>
+            <a:bodyPr lIns="0" rIns="0" tIns="0" bIns="0" anchorCtr="1" anchor="ctr" wrap="none"/>
+            <a:lstStyle/>
+            <a:p>
+              <a:pPr algn="l" marL="0" marR="0" indent="0">
+                <a:lnSpc>
+                  <a:spcPts val="1100"/>
+                </a:lnSpc>
+                <a:spcBef>
+                  <a:spcPts val="0"/>
+                </a:spcBef>
+                <a:spcAft>
+                  <a:spcPts val="0"/>
+                </a:spcAft>
+              </a:pPr>
+              <a:r>
+                <a:rPr sz="1100">
+                  <a:solidFill>
+                    <a:srgbClr val="000000">
+                      <a:alpha val="100000"/>
+                    </a:srgbClr>
+                  </a:solidFill>
+                  <a:latin typeface="Liberation Sans"/>
+                  <a:cs typeface="Liberation Sans"/>
+                </a:rPr>
+                <a:t>Time in minutes</a:t>
+              </a:r>
+            </a:p>
+          </p:txBody>
+        </p:sp>
+        <p:sp>
+          <p:nvSpPr>
+            <p:cNvPr id="40" name="tx40"/>
+            <p:cNvSpPr/>
+            <p:nvPr/>
+          </p:nvSpPr>
+          <p:spPr>
+            <a:xfrm>
+              <a:off x="7885916" y="3468204"/>
+              <a:ext cx="644748" cy="130218"/>
+            </a:xfrm>
+            <a:prstGeom prst="rect">
+              <a:avLst/>
+            </a:prstGeom>
+            <a:noFill/>
+          </p:spPr>
+          <p:txBody>
+            <a:bodyPr lIns="0" rIns="0" tIns="0" bIns="0" anchorCtr="1" anchor="ctr" wrap="none"/>
+            <a:lstStyle/>
+            <a:p>
+              <a:pPr algn="l" marL="0" marR="0" indent="0">
+                <a:lnSpc>
+                  <a:spcPts val="1100"/>
+                </a:lnSpc>
+                <a:spcBef>
+                  <a:spcPts val="0"/>
+                </a:spcBef>
+                <a:spcAft>
+                  <a:spcPts val="0"/>
+                </a:spcAft>
+              </a:pPr>
+              <a:r>
+                <a:rPr sz="1100">
+                  <a:solidFill>
+                    <a:srgbClr val="000000">
+                      <a:alpha val="100000"/>
+                    </a:srgbClr>
+                  </a:solidFill>
+                  <a:latin typeface="Liberation Sans"/>
+                  <a:cs typeface="Liberation Sans"/>
+                </a:rPr>
+                <a:t>population</a:t>
+              </a:r>
+            </a:p>
+          </p:txBody>
+        </p:sp>
+        <p:sp>
+          <p:nvSpPr>
+            <p:cNvPr id="41" name="rc41"/>
+            <p:cNvSpPr/>
+            <p:nvPr/>
+          </p:nvSpPr>
+          <p:spPr>
+            <a:xfrm>
+              <a:off x="7894916" y="3692824"/>
+              <a:ext cx="201455" cy="201456"/>
+            </a:xfrm>
+            <a:prstGeom prst="rect">
+              <a:avLst/>
+            </a:prstGeom>
+            <a:solidFill>
+              <a:srgbClr val="F8766D">
+                <a:alpha val="100000"/>
+              </a:srgbClr>
+            </a:solidFill>
+          </p:spPr>
+          <p:txBody>
+            <a:bodyPr/>
+            <a:lstStyle/>
+            <a:p/>
+          </p:txBody>
+        </p:sp>
+        <p:sp>
+          <p:nvSpPr>
+            <p:cNvPr id="42" name="rc42"/>
+            <p:cNvSpPr/>
+            <p:nvPr/>
+          </p:nvSpPr>
+          <p:spPr>
+            <a:xfrm>
+              <a:off x="7894916" y="3912280"/>
+              <a:ext cx="201455" cy="201456"/>
+            </a:xfrm>
+            <a:prstGeom prst="rect">
+              <a:avLst/>
+            </a:prstGeom>
+            <a:solidFill>
+              <a:srgbClr val="00BFC4">
+                <a:alpha val="100000"/>
+              </a:srgbClr>
+            </a:solidFill>
+          </p:spPr>
+          <p:txBody>
+            <a:bodyPr/>
+            <a:lstStyle/>
+            <a:p/>
+          </p:txBody>
+        </p:sp>
+        <p:sp>
+          <p:nvSpPr>
+            <p:cNvPr id="43" name="tx43"/>
+            <p:cNvSpPr/>
+            <p:nvPr/>
+          </p:nvSpPr>
+          <p:spPr>
+            <a:xfrm>
+              <a:off x="8174961" y="3749923"/>
+              <a:ext cx="372660" cy="82073"/>
+            </a:xfrm>
+            <a:prstGeom prst="rect">
+              <a:avLst/>
+            </a:prstGeom>
+            <a:noFill/>
+          </p:spPr>
+          <p:txBody>
+            <a:bodyPr lIns="0" rIns="0" tIns="0" bIns="0" anchorCtr="1" anchor="ctr" wrap="none"/>
+            <a:lstStyle/>
+            <a:p>
+              <a:pPr algn="l" marL="0" marR="0" indent="0">
+                <a:lnSpc>
+                  <a:spcPts val="880"/>
+                </a:lnSpc>
+                <a:spcBef>
+                  <a:spcPts val="0"/>
+                </a:spcBef>
+                <a:spcAft>
+                  <a:spcPts val="0"/>
+                </a:spcAft>
+              </a:pPr>
+              <a:r>
+                <a:rPr sz="880">
+                  <a:solidFill>
+                    <a:srgbClr val="000000">
+                      <a:alpha val="100000"/>
+                    </a:srgbClr>
+                  </a:solidFill>
+                  <a:latin typeface="Liberation Sans"/>
+                  <a:cs typeface="Liberation Sans"/>
+                </a:rPr>
+                <a:t>Female</a:t>
+              </a:r>
+            </a:p>
+          </p:txBody>
+        </p:sp>
+        <p:sp>
+          <p:nvSpPr>
+            <p:cNvPr id="44" name="tx44"/>
+            <p:cNvSpPr/>
+            <p:nvPr/>
+          </p:nvSpPr>
+          <p:spPr>
+            <a:xfrm>
+              <a:off x="8174961" y="3969379"/>
+              <a:ext cx="242237" cy="82073"/>
+            </a:xfrm>
+            <a:prstGeom prst="rect">
+              <a:avLst/>
+            </a:prstGeom>
+            <a:noFill/>
+          </p:spPr>
+          <p:txBody>
+            <a:bodyPr lIns="0" rIns="0" tIns="0" bIns="0" anchorCtr="1" anchor="ctr" wrap="none"/>
+            <a:lstStyle/>
+            <a:p>
+              <a:pPr algn="l" marL="0" marR="0" indent="0">
+                <a:lnSpc>
+                  <a:spcPts val="880"/>
+                </a:lnSpc>
+                <a:spcBef>
+                  <a:spcPts val="0"/>
+                </a:spcBef>
+                <a:spcAft>
+                  <a:spcPts val="0"/>
+                </a:spcAft>
+              </a:pPr>
+              <a:r>
+                <a:rPr sz="880">
+                  <a:solidFill>
+                    <a:srgbClr val="000000">
+                      <a:alpha val="100000"/>
+                    </a:srgbClr>
+                  </a:solidFill>
+                  <a:latin typeface="Liberation Sans"/>
+                  <a:cs typeface="Liberation Sans"/>
+                </a:rPr>
+                <a:t>Male</a:t>
+              </a:r>
+            </a:p>
+          </p:txBody>
+        </p:sp>
+        <p:sp>
+          <p:nvSpPr>
+            <p:cNvPr id="45" name="tx45"/>
+            <p:cNvSpPr/>
+            <p:nvPr/>
+          </p:nvSpPr>
+          <p:spPr>
+            <a:xfrm>
+              <a:off x="938418" y="1628861"/>
+              <a:ext cx="1435417" cy="156262"/>
+            </a:xfrm>
+            <a:prstGeom prst="rect">
+              <a:avLst/>
+            </a:prstGeom>
+            <a:noFill/>
+          </p:spPr>
+          <p:txBody>
+            <a:bodyPr lIns="0" rIns="0" tIns="0" bIns="0" anchorCtr="1" anchor="ctr" wrap="none"/>
+            <a:lstStyle/>
+            <a:p>
+              <a:pPr algn="l" marL="0" marR="0" indent="0">
+                <a:lnSpc>
+                  <a:spcPts val="1320"/>
+                </a:lnSpc>
+                <a:spcBef>
+                  <a:spcPts val="0"/>
+                </a:spcBef>
+                <a:spcAft>
+                  <a:spcPts val="0"/>
+                </a:spcAft>
+              </a:pPr>
+              <a:r>
+                <a:rPr sz="1320">
+                  <a:solidFill>
+                    <a:srgbClr val="000000">
+                      <a:alpha val="100000"/>
+                    </a:srgbClr>
+                  </a:solidFill>
+                  <a:latin typeface="Liberation Sans"/>
+                  <a:cs typeface="Liberation Sans"/>
+                </a:rPr>
+                <a:t>Year 2014_Sunday</a:t>
+              </a:r>
+            </a:p>
+          </p:txBody>
+        </p:sp>
+      </p:grpSp>
+    </p:spTree>
+  </p:cSld>
+  <p:clrMapOvr>
+    <a:masterClrMapping/>
+  </p:clrMapOvr>
+</p:sld>
+</file>
+
 <file path=ppt/slides/slide3.xml><?xml version="1.0" encoding="utf-8"?>
 <p:sld xmlns:a="http://schemas.openxmlformats.org/drawingml/2006/main" xmlns:r="http://schemas.openxmlformats.org/officeDocument/2006/relationships" xmlns:p="http://schemas.openxmlformats.org/presentationml/2006/main">
   <p:cSld>

--- a/content/blog/test.pptx
+++ b/content/blog/test.pptx
@@ -29,6 +29,9 @@
     <p:sldId id="277" r:id="rId29"/>
     <p:sldId id="278" r:id="rId30"/>
     <p:sldId id="279" r:id="rId31"/>
+    <p:sldId id="280" r:id="rId32"/>
+    <p:sldId id="281" r:id="rId33"/>
+    <p:sldId id="282" r:id="rId34"/>
   </p:sldIdLst>
   <p:sldSz cx="9144000" cy="6858000" type="screen4x3"/>
   <p:notesSz cx="6858000" cy="9144000"/>
@@ -30477,6 +30480,5003 @@
 </p:sld>
 </file>
 
+<file path=ppt/slides/slide25.xml><?xml version="1.0" encoding="utf-8"?>
+<p:sld xmlns:a="http://schemas.openxmlformats.org/drawingml/2006/main" xmlns:r="http://schemas.openxmlformats.org/officeDocument/2006/relationships" xmlns:p="http://schemas.openxmlformats.org/presentationml/2006/main">
+  <p:cSld>
+    <p:spTree>
+      <p:nvGrpSpPr>
+        <p:cNvPr id="1" name=""/>
+        <p:cNvGrpSpPr/>
+        <p:nvPr/>
+      </p:nvGrpSpPr>
+      <p:grpSpPr>
+        <a:xfrm>
+          <a:off x="0" y="0"/>
+          <a:ext cx="0" cy="0"/>
+          <a:chOff x="0" y="0"/>
+          <a:chExt cx="0" cy="0"/>
+        </a:xfrm>
+      </p:grpSpPr>
+      <p:grpSp xmlns:a="http://schemas.openxmlformats.org/drawingml/2006/main" xmlns:r="http://schemas.openxmlformats.org/officeDocument/2006/relationships" xmlns:p="http://schemas.openxmlformats.org/presentationml/2006/main" xmlns:pic="http://schemas.openxmlformats.org/drawingml/2006/picture">
+        <p:nvGrpSpPr>
+          <p:cNvPr id="2" name="grp1"/>
+          <p:cNvGrpSpPr/>
+          <p:nvPr/>
+        </p:nvGrpSpPr>
+        <p:grpSpPr>
+          <a:xfrm>
+            <a:off x="457200" y="1600200"/>
+            <a:ext cx="8229600" cy="4525962"/>
+            <a:chOff x="457200" y="1600200"/>
+            <a:chExt cx="8229600" cy="4525962"/>
+          </a:xfrm>
+        </p:grpSpPr>
+        <p:sp>
+          <p:nvSpPr>
+            <p:cNvPr id="3" name="rc3"/>
+            <p:cNvSpPr/>
+            <p:nvPr/>
+          </p:nvSpPr>
+          <p:spPr>
+            <a:xfrm>
+              <a:off x="457200" y="1600200"/>
+              <a:ext cx="8229600" cy="4525962"/>
+            </a:xfrm>
+            <a:prstGeom prst="rect">
+              <a:avLst/>
+            </a:prstGeom>
+            <a:solidFill>
+              <a:srgbClr val="FFFFFF">
+                <a:alpha val="100000"/>
+              </a:srgbClr>
+            </a:solidFill>
+            <a:ln w="9525" cap="rnd">
+              <a:solidFill>
+                <a:srgbClr val="FFFFFF">
+                  <a:alpha val="100000"/>
+                </a:srgbClr>
+              </a:solidFill>
+              <a:prstDash val="solid"/>
+              <a:round/>
+            </a:ln>
+          </p:spPr>
+          <p:txBody>
+            <a:bodyPr/>
+            <a:lstStyle/>
+            <a:p/>
+          </p:txBody>
+        </p:sp>
+        <p:sp>
+          <p:nvSpPr>
+            <p:cNvPr id="4" name="pl4"/>
+            <p:cNvSpPr/>
+            <p:nvPr/>
+          </p:nvSpPr>
+          <p:spPr>
+            <a:xfrm>
+              <a:off x="938418" y="5031798"/>
+              <a:ext cx="6738730" cy="0"/>
+            </a:xfrm>
+            <a:custGeom>
+              <a:avLst/>
+              <a:pathLst>
+                <a:path w="6738730" h="0">
+                  <a:moveTo>
+                    <a:pt x="0" y="0"/>
+                  </a:moveTo>
+                  <a:lnTo>
+                    <a:pt x="6738730" y="0"/>
+                  </a:lnTo>
+                  <a:lnTo>
+                    <a:pt x="6738730" y="0"/>
+                  </a:lnTo>
+                </a:path>
+              </a:pathLst>
+            </a:custGeom>
+            <a:ln w="6775" cap="flat">
+              <a:solidFill>
+                <a:srgbClr val="EBEBEB">
+                  <a:alpha val="100000"/>
+                </a:srgbClr>
+              </a:solidFill>
+              <a:prstDash val="solid"/>
+              <a:round/>
+            </a:ln>
+          </p:spPr>
+          <p:txBody>
+            <a:bodyPr/>
+            <a:lstStyle/>
+            <a:p/>
+          </p:txBody>
+        </p:sp>
+        <p:sp>
+          <p:nvSpPr>
+            <p:cNvPr id="5" name="pl5"/>
+            <p:cNvSpPr/>
+            <p:nvPr/>
+          </p:nvSpPr>
+          <p:spPr>
+            <a:xfrm>
+              <a:off x="938418" y="3998382"/>
+              <a:ext cx="6738730" cy="0"/>
+            </a:xfrm>
+            <a:custGeom>
+              <a:avLst/>
+              <a:pathLst>
+                <a:path w="6738730" h="0">
+                  <a:moveTo>
+                    <a:pt x="0" y="0"/>
+                  </a:moveTo>
+                  <a:lnTo>
+                    <a:pt x="6738730" y="0"/>
+                  </a:lnTo>
+                  <a:lnTo>
+                    <a:pt x="6738730" y="0"/>
+                  </a:lnTo>
+                </a:path>
+              </a:pathLst>
+            </a:custGeom>
+            <a:ln w="6775" cap="flat">
+              <a:solidFill>
+                <a:srgbClr val="EBEBEB">
+                  <a:alpha val="100000"/>
+                </a:srgbClr>
+              </a:solidFill>
+              <a:prstDash val="solid"/>
+              <a:round/>
+            </a:ln>
+          </p:spPr>
+          <p:txBody>
+            <a:bodyPr/>
+            <a:lstStyle/>
+            <a:p/>
+          </p:txBody>
+        </p:sp>
+        <p:sp>
+          <p:nvSpPr>
+            <p:cNvPr id="6" name="pl6"/>
+            <p:cNvSpPr/>
+            <p:nvPr/>
+          </p:nvSpPr>
+          <p:spPr>
+            <a:xfrm>
+              <a:off x="938418" y="2964966"/>
+              <a:ext cx="6738730" cy="0"/>
+            </a:xfrm>
+            <a:custGeom>
+              <a:avLst/>
+              <a:pathLst>
+                <a:path w="6738730" h="0">
+                  <a:moveTo>
+                    <a:pt x="0" y="0"/>
+                  </a:moveTo>
+                  <a:lnTo>
+                    <a:pt x="6738730" y="0"/>
+                  </a:lnTo>
+                  <a:lnTo>
+                    <a:pt x="6738730" y="0"/>
+                  </a:lnTo>
+                </a:path>
+              </a:pathLst>
+            </a:custGeom>
+            <a:ln w="6775" cap="flat">
+              <a:solidFill>
+                <a:srgbClr val="EBEBEB">
+                  <a:alpha val="100000"/>
+                </a:srgbClr>
+              </a:solidFill>
+              <a:prstDash val="solid"/>
+              <a:round/>
+            </a:ln>
+          </p:spPr>
+          <p:txBody>
+            <a:bodyPr/>
+            <a:lstStyle/>
+            <a:p/>
+          </p:txBody>
+        </p:sp>
+        <p:sp>
+          <p:nvSpPr>
+            <p:cNvPr id="7" name="pl7"/>
+            <p:cNvSpPr/>
+            <p:nvPr/>
+          </p:nvSpPr>
+          <p:spPr>
+            <a:xfrm>
+              <a:off x="938418" y="1931550"/>
+              <a:ext cx="6738730" cy="0"/>
+            </a:xfrm>
+            <a:custGeom>
+              <a:avLst/>
+              <a:pathLst>
+                <a:path w="6738730" h="0">
+                  <a:moveTo>
+                    <a:pt x="0" y="0"/>
+                  </a:moveTo>
+                  <a:lnTo>
+                    <a:pt x="6738730" y="0"/>
+                  </a:lnTo>
+                  <a:lnTo>
+                    <a:pt x="6738730" y="0"/>
+                  </a:lnTo>
+                </a:path>
+              </a:pathLst>
+            </a:custGeom>
+            <a:ln w="6775" cap="flat">
+              <a:solidFill>
+                <a:srgbClr val="EBEBEB">
+                  <a:alpha val="100000"/>
+                </a:srgbClr>
+              </a:solidFill>
+              <a:prstDash val="solid"/>
+              <a:round/>
+            </a:ln>
+          </p:spPr>
+          <p:txBody>
+            <a:bodyPr/>
+            <a:lstStyle/>
+            <a:p/>
+          </p:txBody>
+        </p:sp>
+        <p:sp>
+          <p:nvSpPr>
+            <p:cNvPr id="8" name="pl8"/>
+            <p:cNvSpPr/>
+            <p:nvPr/>
+          </p:nvSpPr>
+          <p:spPr>
+            <a:xfrm>
+              <a:off x="938418" y="5548506"/>
+              <a:ext cx="6738730" cy="0"/>
+            </a:xfrm>
+            <a:custGeom>
+              <a:avLst/>
+              <a:pathLst>
+                <a:path w="6738730" h="0">
+                  <a:moveTo>
+                    <a:pt x="0" y="0"/>
+                  </a:moveTo>
+                  <a:lnTo>
+                    <a:pt x="6738730" y="0"/>
+                  </a:lnTo>
+                  <a:lnTo>
+                    <a:pt x="6738730" y="0"/>
+                  </a:lnTo>
+                </a:path>
+              </a:pathLst>
+            </a:custGeom>
+            <a:ln w="13550" cap="flat">
+              <a:solidFill>
+                <a:srgbClr val="EBEBEB">
+                  <a:alpha val="100000"/>
+                </a:srgbClr>
+              </a:solidFill>
+              <a:prstDash val="solid"/>
+              <a:round/>
+            </a:ln>
+          </p:spPr>
+          <p:txBody>
+            <a:bodyPr/>
+            <a:lstStyle/>
+            <a:p/>
+          </p:txBody>
+        </p:sp>
+        <p:sp>
+          <p:nvSpPr>
+            <p:cNvPr id="9" name="pl9"/>
+            <p:cNvSpPr/>
+            <p:nvPr/>
+          </p:nvSpPr>
+          <p:spPr>
+            <a:xfrm>
+              <a:off x="938418" y="4515090"/>
+              <a:ext cx="6738730" cy="0"/>
+            </a:xfrm>
+            <a:custGeom>
+              <a:avLst/>
+              <a:pathLst>
+                <a:path w="6738730" h="0">
+                  <a:moveTo>
+                    <a:pt x="0" y="0"/>
+                  </a:moveTo>
+                  <a:lnTo>
+                    <a:pt x="6738730" y="0"/>
+                  </a:lnTo>
+                  <a:lnTo>
+                    <a:pt x="6738730" y="0"/>
+                  </a:lnTo>
+                </a:path>
+              </a:pathLst>
+            </a:custGeom>
+            <a:ln w="13550" cap="flat">
+              <a:solidFill>
+                <a:srgbClr val="EBEBEB">
+                  <a:alpha val="100000"/>
+                </a:srgbClr>
+              </a:solidFill>
+              <a:prstDash val="solid"/>
+              <a:round/>
+            </a:ln>
+          </p:spPr>
+          <p:txBody>
+            <a:bodyPr/>
+            <a:lstStyle/>
+            <a:p/>
+          </p:txBody>
+        </p:sp>
+        <p:sp>
+          <p:nvSpPr>
+            <p:cNvPr id="10" name="pl10"/>
+            <p:cNvSpPr/>
+            <p:nvPr/>
+          </p:nvSpPr>
+          <p:spPr>
+            <a:xfrm>
+              <a:off x="938418" y="3481674"/>
+              <a:ext cx="6738730" cy="0"/>
+            </a:xfrm>
+            <a:custGeom>
+              <a:avLst/>
+              <a:pathLst>
+                <a:path w="6738730" h="0">
+                  <a:moveTo>
+                    <a:pt x="0" y="0"/>
+                  </a:moveTo>
+                  <a:lnTo>
+                    <a:pt x="6738730" y="0"/>
+                  </a:lnTo>
+                  <a:lnTo>
+                    <a:pt x="6738730" y="0"/>
+                  </a:lnTo>
+                </a:path>
+              </a:pathLst>
+            </a:custGeom>
+            <a:ln w="13550" cap="flat">
+              <a:solidFill>
+                <a:srgbClr val="EBEBEB">
+                  <a:alpha val="100000"/>
+                </a:srgbClr>
+              </a:solidFill>
+              <a:prstDash val="solid"/>
+              <a:round/>
+            </a:ln>
+          </p:spPr>
+          <p:txBody>
+            <a:bodyPr/>
+            <a:lstStyle/>
+            <a:p/>
+          </p:txBody>
+        </p:sp>
+        <p:sp>
+          <p:nvSpPr>
+            <p:cNvPr id="11" name="pl11"/>
+            <p:cNvSpPr/>
+            <p:nvPr/>
+          </p:nvSpPr>
+          <p:spPr>
+            <a:xfrm>
+              <a:off x="938418" y="2448258"/>
+              <a:ext cx="6738730" cy="0"/>
+            </a:xfrm>
+            <a:custGeom>
+              <a:avLst/>
+              <a:pathLst>
+                <a:path w="6738730" h="0">
+                  <a:moveTo>
+                    <a:pt x="0" y="0"/>
+                  </a:moveTo>
+                  <a:lnTo>
+                    <a:pt x="6738730" y="0"/>
+                  </a:lnTo>
+                  <a:lnTo>
+                    <a:pt x="6738730" y="0"/>
+                  </a:lnTo>
+                </a:path>
+              </a:pathLst>
+            </a:custGeom>
+            <a:ln w="13550" cap="flat">
+              <a:solidFill>
+                <a:srgbClr val="EBEBEB">
+                  <a:alpha val="100000"/>
+                </a:srgbClr>
+              </a:solidFill>
+              <a:prstDash val="solid"/>
+              <a:round/>
+            </a:ln>
+          </p:spPr>
+          <p:txBody>
+            <a:bodyPr/>
+            <a:lstStyle/>
+            <a:p/>
+          </p:txBody>
+        </p:sp>
+        <p:sp>
+          <p:nvSpPr>
+            <p:cNvPr id="12" name="pl12"/>
+            <p:cNvSpPr/>
+            <p:nvPr/>
+          </p:nvSpPr>
+          <p:spPr>
+            <a:xfrm>
+              <a:off x="1715964" y="1886338"/>
+              <a:ext cx="0" cy="3836557"/>
+            </a:xfrm>
+            <a:custGeom>
+              <a:avLst/>
+              <a:pathLst>
+                <a:path w="0" h="3836557">
+                  <a:moveTo>
+                    <a:pt x="0" y="3836557"/>
+                  </a:moveTo>
+                  <a:lnTo>
+                    <a:pt x="0" y="0"/>
+                  </a:lnTo>
+                  <a:lnTo>
+                    <a:pt x="0" y="0"/>
+                  </a:lnTo>
+                </a:path>
+              </a:pathLst>
+            </a:custGeom>
+            <a:ln w="13550" cap="flat">
+              <a:solidFill>
+                <a:srgbClr val="EBEBEB">
+                  <a:alpha val="100000"/>
+                </a:srgbClr>
+              </a:solidFill>
+              <a:prstDash val="solid"/>
+              <a:round/>
+            </a:ln>
+          </p:spPr>
+          <p:txBody>
+            <a:bodyPr/>
+            <a:lstStyle/>
+            <a:p/>
+          </p:txBody>
+        </p:sp>
+        <p:sp>
+          <p:nvSpPr>
+            <p:cNvPr id="13" name="pl13"/>
+            <p:cNvSpPr/>
+            <p:nvPr/>
+          </p:nvSpPr>
+          <p:spPr>
+            <a:xfrm>
+              <a:off x="3011873" y="1886338"/>
+              <a:ext cx="0" cy="3836557"/>
+            </a:xfrm>
+            <a:custGeom>
+              <a:avLst/>
+              <a:pathLst>
+                <a:path w="0" h="3836557">
+                  <a:moveTo>
+                    <a:pt x="0" y="3836557"/>
+                  </a:moveTo>
+                  <a:lnTo>
+                    <a:pt x="0" y="0"/>
+                  </a:lnTo>
+                  <a:lnTo>
+                    <a:pt x="0" y="0"/>
+                  </a:lnTo>
+                </a:path>
+              </a:pathLst>
+            </a:custGeom>
+            <a:ln w="13550" cap="flat">
+              <a:solidFill>
+                <a:srgbClr val="EBEBEB">
+                  <a:alpha val="100000"/>
+                </a:srgbClr>
+              </a:solidFill>
+              <a:prstDash val="solid"/>
+              <a:round/>
+            </a:ln>
+          </p:spPr>
+          <p:txBody>
+            <a:bodyPr/>
+            <a:lstStyle/>
+            <a:p/>
+          </p:txBody>
+        </p:sp>
+        <p:sp>
+          <p:nvSpPr>
+            <p:cNvPr id="14" name="pl14"/>
+            <p:cNvSpPr/>
+            <p:nvPr/>
+          </p:nvSpPr>
+          <p:spPr>
+            <a:xfrm>
+              <a:off x="4307783" y="1886338"/>
+              <a:ext cx="0" cy="3836557"/>
+            </a:xfrm>
+            <a:custGeom>
+              <a:avLst/>
+              <a:pathLst>
+                <a:path w="0" h="3836557">
+                  <a:moveTo>
+                    <a:pt x="0" y="3836557"/>
+                  </a:moveTo>
+                  <a:lnTo>
+                    <a:pt x="0" y="0"/>
+                  </a:lnTo>
+                  <a:lnTo>
+                    <a:pt x="0" y="0"/>
+                  </a:lnTo>
+                </a:path>
+              </a:pathLst>
+            </a:custGeom>
+            <a:ln w="13550" cap="flat">
+              <a:solidFill>
+                <a:srgbClr val="EBEBEB">
+                  <a:alpha val="100000"/>
+                </a:srgbClr>
+              </a:solidFill>
+              <a:prstDash val="solid"/>
+              <a:round/>
+            </a:ln>
+          </p:spPr>
+          <p:txBody>
+            <a:bodyPr/>
+            <a:lstStyle/>
+            <a:p/>
+          </p:txBody>
+        </p:sp>
+        <p:sp>
+          <p:nvSpPr>
+            <p:cNvPr id="15" name="pl15"/>
+            <p:cNvSpPr/>
+            <p:nvPr/>
+          </p:nvSpPr>
+          <p:spPr>
+            <a:xfrm>
+              <a:off x="5603693" y="1886338"/>
+              <a:ext cx="0" cy="3836557"/>
+            </a:xfrm>
+            <a:custGeom>
+              <a:avLst/>
+              <a:pathLst>
+                <a:path w="0" h="3836557">
+                  <a:moveTo>
+                    <a:pt x="0" y="3836557"/>
+                  </a:moveTo>
+                  <a:lnTo>
+                    <a:pt x="0" y="0"/>
+                  </a:lnTo>
+                  <a:lnTo>
+                    <a:pt x="0" y="0"/>
+                  </a:lnTo>
+                </a:path>
+              </a:pathLst>
+            </a:custGeom>
+            <a:ln w="13550" cap="flat">
+              <a:solidFill>
+                <a:srgbClr val="EBEBEB">
+                  <a:alpha val="100000"/>
+                </a:srgbClr>
+              </a:solidFill>
+              <a:prstDash val="solid"/>
+              <a:round/>
+            </a:ln>
+          </p:spPr>
+          <p:txBody>
+            <a:bodyPr/>
+            <a:lstStyle/>
+            <a:p/>
+          </p:txBody>
+        </p:sp>
+        <p:sp>
+          <p:nvSpPr>
+            <p:cNvPr id="16" name="pl16"/>
+            <p:cNvSpPr/>
+            <p:nvPr/>
+          </p:nvSpPr>
+          <p:spPr>
+            <a:xfrm>
+              <a:off x="6899603" y="1886338"/>
+              <a:ext cx="0" cy="3836557"/>
+            </a:xfrm>
+            <a:custGeom>
+              <a:avLst/>
+              <a:pathLst>
+                <a:path w="0" h="3836557">
+                  <a:moveTo>
+                    <a:pt x="0" y="3836557"/>
+                  </a:moveTo>
+                  <a:lnTo>
+                    <a:pt x="0" y="0"/>
+                  </a:lnTo>
+                  <a:lnTo>
+                    <a:pt x="0" y="0"/>
+                  </a:lnTo>
+                </a:path>
+              </a:pathLst>
+            </a:custGeom>
+            <a:ln w="13550" cap="flat">
+              <a:solidFill>
+                <a:srgbClr val="EBEBEB">
+                  <a:alpha val="100000"/>
+                </a:srgbClr>
+              </a:solidFill>
+              <a:prstDash val="solid"/>
+              <a:round/>
+            </a:ln>
+          </p:spPr>
+          <p:txBody>
+            <a:bodyPr/>
+            <a:lstStyle/>
+            <a:p/>
+          </p:txBody>
+        </p:sp>
+        <p:sp>
+          <p:nvSpPr>
+            <p:cNvPr id="17" name="rc17"/>
+            <p:cNvSpPr/>
+            <p:nvPr/>
+          </p:nvSpPr>
+          <p:spPr>
+            <a:xfrm>
+              <a:off x="1715964" y="5000796"/>
+              <a:ext cx="583159" cy="547710"/>
+            </a:xfrm>
+            <a:prstGeom prst="rect">
+              <a:avLst/>
+            </a:prstGeom>
+            <a:solidFill>
+              <a:srgbClr val="00BFC4">
+                <a:alpha val="100000"/>
+              </a:srgbClr>
+            </a:solidFill>
+          </p:spPr>
+          <p:txBody>
+            <a:bodyPr/>
+            <a:lstStyle/>
+            <a:p/>
+          </p:txBody>
+        </p:sp>
+        <p:sp>
+          <p:nvSpPr>
+            <p:cNvPr id="18" name="rc18"/>
+            <p:cNvSpPr/>
+            <p:nvPr/>
+          </p:nvSpPr>
+          <p:spPr>
+            <a:xfrm>
+              <a:off x="1132804" y="4990462"/>
+              <a:ext cx="583159" cy="558044"/>
+            </a:xfrm>
+            <a:prstGeom prst="rect">
+              <a:avLst/>
+            </a:prstGeom>
+            <a:solidFill>
+              <a:srgbClr val="F8766D">
+                <a:alpha val="100000"/>
+              </a:srgbClr>
+            </a:solidFill>
+          </p:spPr>
+          <p:txBody>
+            <a:bodyPr/>
+            <a:lstStyle/>
+            <a:p/>
+          </p:txBody>
+        </p:sp>
+        <p:sp>
+          <p:nvSpPr>
+            <p:cNvPr id="19" name="rc19"/>
+            <p:cNvSpPr/>
+            <p:nvPr/>
+          </p:nvSpPr>
+          <p:spPr>
+            <a:xfrm>
+              <a:off x="3011873" y="3011470"/>
+              <a:ext cx="583159" cy="2537036"/>
+            </a:xfrm>
+            <a:prstGeom prst="rect">
+              <a:avLst/>
+            </a:prstGeom>
+            <a:solidFill>
+              <a:srgbClr val="00BFC4">
+                <a:alpha val="100000"/>
+              </a:srgbClr>
+            </a:solidFill>
+          </p:spPr>
+          <p:txBody>
+            <a:bodyPr/>
+            <a:lstStyle/>
+            <a:p/>
+          </p:txBody>
+        </p:sp>
+        <p:sp>
+          <p:nvSpPr>
+            <p:cNvPr id="20" name="rc20"/>
+            <p:cNvSpPr/>
+            <p:nvPr/>
+          </p:nvSpPr>
+          <p:spPr>
+            <a:xfrm>
+              <a:off x="2428714" y="3409335"/>
+              <a:ext cx="583159" cy="2139171"/>
+            </a:xfrm>
+            <a:prstGeom prst="rect">
+              <a:avLst/>
+            </a:prstGeom>
+            <a:solidFill>
+              <a:srgbClr val="F8766D">
+                <a:alpha val="100000"/>
+              </a:srgbClr>
+            </a:solidFill>
+          </p:spPr>
+          <p:txBody>
+            <a:bodyPr/>
+            <a:lstStyle/>
+            <a:p/>
+          </p:txBody>
+        </p:sp>
+        <p:sp>
+          <p:nvSpPr>
+            <p:cNvPr id="21" name="rc21"/>
+            <p:cNvSpPr/>
+            <p:nvPr/>
+          </p:nvSpPr>
+          <p:spPr>
+            <a:xfrm>
+              <a:off x="4307783" y="4933624"/>
+              <a:ext cx="583159" cy="614882"/>
+            </a:xfrm>
+            <a:prstGeom prst="rect">
+              <a:avLst/>
+            </a:prstGeom>
+            <a:solidFill>
+              <a:srgbClr val="00BFC4">
+                <a:alpha val="100000"/>
+              </a:srgbClr>
+            </a:solidFill>
+          </p:spPr>
+          <p:txBody>
+            <a:bodyPr/>
+            <a:lstStyle/>
+            <a:p/>
+          </p:txBody>
+        </p:sp>
+        <p:sp>
+          <p:nvSpPr>
+            <p:cNvPr id="22" name="rc22"/>
+            <p:cNvSpPr/>
+            <p:nvPr/>
+          </p:nvSpPr>
+          <p:spPr>
+            <a:xfrm>
+              <a:off x="3724624" y="4365245"/>
+              <a:ext cx="583159" cy="1183261"/>
+            </a:xfrm>
+            <a:prstGeom prst="rect">
+              <a:avLst/>
+            </a:prstGeom>
+            <a:solidFill>
+              <a:srgbClr val="F8766D">
+                <a:alpha val="100000"/>
+              </a:srgbClr>
+            </a:solidFill>
+          </p:spPr>
+          <p:txBody>
+            <a:bodyPr/>
+            <a:lstStyle/>
+            <a:p/>
+          </p:txBody>
+        </p:sp>
+        <p:sp>
+          <p:nvSpPr>
+            <p:cNvPr id="23" name="rc23"/>
+            <p:cNvSpPr/>
+            <p:nvPr/>
+          </p:nvSpPr>
+          <p:spPr>
+            <a:xfrm>
+              <a:off x="5603693" y="2138233"/>
+              <a:ext cx="583159" cy="3410273"/>
+            </a:xfrm>
+            <a:prstGeom prst="rect">
+              <a:avLst/>
+            </a:prstGeom>
+            <a:solidFill>
+              <a:srgbClr val="00BFC4">
+                <a:alpha val="100000"/>
+              </a:srgbClr>
+            </a:solidFill>
+          </p:spPr>
+          <p:txBody>
+            <a:bodyPr/>
+            <a:lstStyle/>
+            <a:p/>
+          </p:txBody>
+        </p:sp>
+        <p:sp>
+          <p:nvSpPr>
+            <p:cNvPr id="24" name="rc24"/>
+            <p:cNvSpPr/>
+            <p:nvPr/>
+          </p:nvSpPr>
+          <p:spPr>
+            <a:xfrm>
+              <a:off x="5020534" y="2060727"/>
+              <a:ext cx="583159" cy="3487779"/>
+            </a:xfrm>
+            <a:prstGeom prst="rect">
+              <a:avLst/>
+            </a:prstGeom>
+            <a:solidFill>
+              <a:srgbClr val="F8766D">
+                <a:alpha val="100000"/>
+              </a:srgbClr>
+            </a:solidFill>
+          </p:spPr>
+          <p:txBody>
+            <a:bodyPr/>
+            <a:lstStyle/>
+            <a:p/>
+          </p:txBody>
+        </p:sp>
+        <p:sp>
+          <p:nvSpPr>
+            <p:cNvPr id="25" name="rc25"/>
+            <p:cNvSpPr/>
+            <p:nvPr/>
+          </p:nvSpPr>
+          <p:spPr>
+            <a:xfrm>
+              <a:off x="6899603" y="2944298"/>
+              <a:ext cx="583159" cy="2604208"/>
+            </a:xfrm>
+            <a:prstGeom prst="rect">
+              <a:avLst/>
+            </a:prstGeom>
+            <a:solidFill>
+              <a:srgbClr val="00BFC4">
+                <a:alpha val="100000"/>
+              </a:srgbClr>
+            </a:solidFill>
+          </p:spPr>
+          <p:txBody>
+            <a:bodyPr/>
+            <a:lstStyle/>
+            <a:p/>
+          </p:txBody>
+        </p:sp>
+        <p:sp>
+          <p:nvSpPr>
+            <p:cNvPr id="26" name="rc26"/>
+            <p:cNvSpPr/>
+            <p:nvPr/>
+          </p:nvSpPr>
+          <p:spPr>
+            <a:xfrm>
+              <a:off x="6316443" y="2928796"/>
+              <a:ext cx="583159" cy="2619709"/>
+            </a:xfrm>
+            <a:prstGeom prst="rect">
+              <a:avLst/>
+            </a:prstGeom>
+            <a:solidFill>
+              <a:srgbClr val="F8766D">
+                <a:alpha val="100000"/>
+              </a:srgbClr>
+            </a:solidFill>
+          </p:spPr>
+          <p:txBody>
+            <a:bodyPr/>
+            <a:lstStyle/>
+            <a:p/>
+          </p:txBody>
+        </p:sp>
+        <p:sp>
+          <p:nvSpPr>
+            <p:cNvPr id="27" name="tx27"/>
+            <p:cNvSpPr/>
+            <p:nvPr/>
+          </p:nvSpPr>
+          <p:spPr>
+            <a:xfrm>
+              <a:off x="813632" y="5507824"/>
+              <a:ext cx="62155" cy="79126"/>
+            </a:xfrm>
+            <a:prstGeom prst="rect">
+              <a:avLst/>
+            </a:prstGeom>
+            <a:noFill/>
+          </p:spPr>
+          <p:txBody>
+            <a:bodyPr lIns="0" rIns="0" tIns="0" bIns="0" anchorCtr="1" anchor="ctr" wrap="none"/>
+            <a:lstStyle/>
+            <a:p>
+              <a:pPr algn="l" marL="0" marR="0" indent="0">
+                <a:lnSpc>
+                  <a:spcPts val="880"/>
+                </a:lnSpc>
+                <a:spcBef>
+                  <a:spcPts val="0"/>
+                </a:spcBef>
+                <a:spcAft>
+                  <a:spcPts val="0"/>
+                </a:spcAft>
+              </a:pPr>
+              <a:r>
+                <a:rPr sz="880">
+                  <a:solidFill>
+                    <a:srgbClr val="4D4D4D">
+                      <a:alpha val="100000"/>
+                    </a:srgbClr>
+                  </a:solidFill>
+                  <a:latin typeface="Liberation Sans"/>
+                  <a:cs typeface="Liberation Sans"/>
+                </a:rPr>
+                <a:t>0</a:t>
+              </a:r>
+            </a:p>
+          </p:txBody>
+        </p:sp>
+        <p:sp>
+          <p:nvSpPr>
+            <p:cNvPr id="28" name="tx28"/>
+            <p:cNvSpPr/>
+            <p:nvPr/>
+          </p:nvSpPr>
+          <p:spPr>
+            <a:xfrm>
+              <a:off x="689321" y="4474408"/>
+              <a:ext cx="186466" cy="79126"/>
+            </a:xfrm>
+            <a:prstGeom prst="rect">
+              <a:avLst/>
+            </a:prstGeom>
+            <a:noFill/>
+          </p:spPr>
+          <p:txBody>
+            <a:bodyPr lIns="0" rIns="0" tIns="0" bIns="0" anchorCtr="1" anchor="ctr" wrap="none"/>
+            <a:lstStyle/>
+            <a:p>
+              <a:pPr algn="l" marL="0" marR="0" indent="0">
+                <a:lnSpc>
+                  <a:spcPts val="880"/>
+                </a:lnSpc>
+                <a:spcBef>
+                  <a:spcPts val="0"/>
+                </a:spcBef>
+                <a:spcAft>
+                  <a:spcPts val="0"/>
+                </a:spcAft>
+              </a:pPr>
+              <a:r>
+                <a:rPr sz="880">
+                  <a:solidFill>
+                    <a:srgbClr val="4D4D4D">
+                      <a:alpha val="100000"/>
+                    </a:srgbClr>
+                  </a:solidFill>
+                  <a:latin typeface="Liberation Sans"/>
+                  <a:cs typeface="Liberation Sans"/>
+                </a:rPr>
+                <a:t>200</a:t>
+              </a:r>
+            </a:p>
+          </p:txBody>
+        </p:sp>
+        <p:sp>
+          <p:nvSpPr>
+            <p:cNvPr id="29" name="tx29"/>
+            <p:cNvSpPr/>
+            <p:nvPr/>
+          </p:nvSpPr>
+          <p:spPr>
+            <a:xfrm>
+              <a:off x="689321" y="3440992"/>
+              <a:ext cx="186466" cy="79126"/>
+            </a:xfrm>
+            <a:prstGeom prst="rect">
+              <a:avLst/>
+            </a:prstGeom>
+            <a:noFill/>
+          </p:spPr>
+          <p:txBody>
+            <a:bodyPr lIns="0" rIns="0" tIns="0" bIns="0" anchorCtr="1" anchor="ctr" wrap="none"/>
+            <a:lstStyle/>
+            <a:p>
+              <a:pPr algn="l" marL="0" marR="0" indent="0">
+                <a:lnSpc>
+                  <a:spcPts val="880"/>
+                </a:lnSpc>
+                <a:spcBef>
+                  <a:spcPts val="0"/>
+                </a:spcBef>
+                <a:spcAft>
+                  <a:spcPts val="0"/>
+                </a:spcAft>
+              </a:pPr>
+              <a:r>
+                <a:rPr sz="880">
+                  <a:solidFill>
+                    <a:srgbClr val="4D4D4D">
+                      <a:alpha val="100000"/>
+                    </a:srgbClr>
+                  </a:solidFill>
+                  <a:latin typeface="Liberation Sans"/>
+                  <a:cs typeface="Liberation Sans"/>
+                </a:rPr>
+                <a:t>400</a:t>
+              </a:r>
+            </a:p>
+          </p:txBody>
+        </p:sp>
+        <p:sp>
+          <p:nvSpPr>
+            <p:cNvPr id="30" name="tx30"/>
+            <p:cNvSpPr/>
+            <p:nvPr/>
+          </p:nvSpPr>
+          <p:spPr>
+            <a:xfrm>
+              <a:off x="689321" y="2407576"/>
+              <a:ext cx="186466" cy="79126"/>
+            </a:xfrm>
+            <a:prstGeom prst="rect">
+              <a:avLst/>
+            </a:prstGeom>
+            <a:noFill/>
+          </p:spPr>
+          <p:txBody>
+            <a:bodyPr lIns="0" rIns="0" tIns="0" bIns="0" anchorCtr="1" anchor="ctr" wrap="none"/>
+            <a:lstStyle/>
+            <a:p>
+              <a:pPr algn="l" marL="0" marR="0" indent="0">
+                <a:lnSpc>
+                  <a:spcPts val="880"/>
+                </a:lnSpc>
+                <a:spcBef>
+                  <a:spcPts val="0"/>
+                </a:spcBef>
+                <a:spcAft>
+                  <a:spcPts val="0"/>
+                </a:spcAft>
+              </a:pPr>
+              <a:r>
+                <a:rPr sz="880">
+                  <a:solidFill>
+                    <a:srgbClr val="4D4D4D">
+                      <a:alpha val="100000"/>
+                    </a:srgbClr>
+                  </a:solidFill>
+                  <a:latin typeface="Liberation Sans"/>
+                  <a:cs typeface="Liberation Sans"/>
+                </a:rPr>
+                <a:t>600</a:t>
+              </a:r>
+            </a:p>
+          </p:txBody>
+        </p:sp>
+        <p:sp>
+          <p:nvSpPr>
+            <p:cNvPr id="31" name="tx31"/>
+            <p:cNvSpPr/>
+            <p:nvPr/>
+          </p:nvSpPr>
+          <p:spPr>
+            <a:xfrm>
+              <a:off x="1557519" y="5758240"/>
+              <a:ext cx="316889" cy="104174"/>
+            </a:xfrm>
+            <a:prstGeom prst="rect">
+              <a:avLst/>
+            </a:prstGeom>
+            <a:noFill/>
+          </p:spPr>
+          <p:txBody>
+            <a:bodyPr lIns="0" rIns="0" tIns="0" bIns="0" anchorCtr="1" anchor="ctr" wrap="none"/>
+            <a:lstStyle/>
+            <a:p>
+              <a:pPr algn="l" marL="0" marR="0" indent="0">
+                <a:lnSpc>
+                  <a:spcPts val="880"/>
+                </a:lnSpc>
+                <a:spcBef>
+                  <a:spcPts val="0"/>
+                </a:spcBef>
+                <a:spcAft>
+                  <a:spcPts val="0"/>
+                </a:spcAft>
+              </a:pPr>
+              <a:r>
+                <a:rPr sz="880">
+                  <a:solidFill>
+                    <a:srgbClr val="4D4D4D">
+                      <a:alpha val="100000"/>
+                    </a:srgbClr>
+                  </a:solidFill>
+                  <a:latin typeface="Liberation Sans"/>
+                  <a:cs typeface="Liberation Sans"/>
+                </a:rPr>
+                <a:t>Eating</a:t>
+              </a:r>
+            </a:p>
+          </p:txBody>
+        </p:sp>
+        <p:sp>
+          <p:nvSpPr>
+            <p:cNvPr id="32" name="tx32"/>
+            <p:cNvSpPr/>
+            <p:nvPr/>
+          </p:nvSpPr>
+          <p:spPr>
+            <a:xfrm>
+              <a:off x="2701314" y="5758240"/>
+              <a:ext cx="621119" cy="104174"/>
+            </a:xfrm>
+            <a:prstGeom prst="rect">
+              <a:avLst/>
+            </a:prstGeom>
+            <a:noFill/>
+          </p:spPr>
+          <p:txBody>
+            <a:bodyPr lIns="0" rIns="0" tIns="0" bIns="0" anchorCtr="1" anchor="ctr" wrap="none"/>
+            <a:lstStyle/>
+            <a:p>
+              <a:pPr algn="l" marL="0" marR="0" indent="0">
+                <a:lnSpc>
+                  <a:spcPts val="880"/>
+                </a:lnSpc>
+                <a:spcBef>
+                  <a:spcPts val="0"/>
+                </a:spcBef>
+                <a:spcAft>
+                  <a:spcPts val="0"/>
+                </a:spcAft>
+              </a:pPr>
+              <a:r>
+                <a:rPr sz="880">
+                  <a:solidFill>
+                    <a:srgbClr val="4D4D4D">
+                      <a:alpha val="100000"/>
+                    </a:srgbClr>
+                  </a:solidFill>
+                  <a:latin typeface="Liberation Sans"/>
+                  <a:cs typeface="Liberation Sans"/>
+                </a:rPr>
+                <a:t>Employment</a:t>
+              </a:r>
+            </a:p>
+          </p:txBody>
+        </p:sp>
+        <p:sp>
+          <p:nvSpPr>
+            <p:cNvPr id="33" name="tx33"/>
+            <p:cNvSpPr/>
+            <p:nvPr/>
+          </p:nvSpPr>
+          <p:spPr>
+            <a:xfrm>
+              <a:off x="3646173" y="5758240"/>
+              <a:ext cx="1323220" cy="104174"/>
+            </a:xfrm>
+            <a:prstGeom prst="rect">
+              <a:avLst/>
+            </a:prstGeom>
+            <a:noFill/>
+          </p:spPr>
+          <p:txBody>
+            <a:bodyPr lIns="0" rIns="0" tIns="0" bIns="0" anchorCtr="1" anchor="ctr" wrap="none"/>
+            <a:lstStyle/>
+            <a:p>
+              <a:pPr algn="l" marL="0" marR="0" indent="0">
+                <a:lnSpc>
+                  <a:spcPts val="880"/>
+                </a:lnSpc>
+                <a:spcBef>
+                  <a:spcPts val="0"/>
+                </a:spcBef>
+                <a:spcAft>
+                  <a:spcPts val="0"/>
+                </a:spcAft>
+              </a:pPr>
+              <a:r>
+                <a:rPr sz="880">
+                  <a:solidFill>
+                    <a:srgbClr val="4D4D4D">
+                      <a:alpha val="100000"/>
+                    </a:srgbClr>
+                  </a:solidFill>
+                  <a:latin typeface="Liberation Sans"/>
+                  <a:cs typeface="Liberation Sans"/>
+                </a:rPr>
+                <a:t>Household and family care</a:t>
+              </a:r>
+            </a:p>
+          </p:txBody>
+        </p:sp>
+        <p:sp>
+          <p:nvSpPr>
+            <p:cNvPr id="34" name="tx34"/>
+            <p:cNvSpPr/>
+            <p:nvPr/>
+          </p:nvSpPr>
+          <p:spPr>
+            <a:xfrm>
+              <a:off x="5258918" y="5780341"/>
+              <a:ext cx="689550" cy="82073"/>
+            </a:xfrm>
+            <a:prstGeom prst="rect">
+              <a:avLst/>
+            </a:prstGeom>
+            <a:noFill/>
+          </p:spPr>
+          <p:txBody>
+            <a:bodyPr lIns="0" rIns="0" tIns="0" bIns="0" anchorCtr="1" anchor="ctr" wrap="none"/>
+            <a:lstStyle/>
+            <a:p>
+              <a:pPr algn="l" marL="0" marR="0" indent="0">
+                <a:lnSpc>
+                  <a:spcPts val="880"/>
+                </a:lnSpc>
+                <a:spcBef>
+                  <a:spcPts val="0"/>
+                </a:spcBef>
+                <a:spcAft>
+                  <a:spcPts val="0"/>
+                </a:spcAft>
+              </a:pPr>
+              <a:r>
+                <a:rPr sz="880">
+                  <a:solidFill>
+                    <a:srgbClr val="4D4D4D">
+                      <a:alpha val="100000"/>
+                    </a:srgbClr>
+                  </a:solidFill>
+                  <a:latin typeface="Liberation Sans"/>
+                  <a:cs typeface="Liberation Sans"/>
+                </a:rPr>
+                <a:t>Personal care</a:t>
+              </a:r>
+            </a:p>
+          </p:txBody>
+        </p:sp>
+        <p:sp>
+          <p:nvSpPr>
+            <p:cNvPr id="35" name="tx35"/>
+            <p:cNvSpPr/>
+            <p:nvPr/>
+          </p:nvSpPr>
+          <p:spPr>
+            <a:xfrm>
+              <a:off x="6756683" y="5758240"/>
+              <a:ext cx="285839" cy="104174"/>
+            </a:xfrm>
+            <a:prstGeom prst="rect">
+              <a:avLst/>
+            </a:prstGeom>
+            <a:noFill/>
+          </p:spPr>
+          <p:txBody>
+            <a:bodyPr lIns="0" rIns="0" tIns="0" bIns="0" anchorCtr="1" anchor="ctr" wrap="none"/>
+            <a:lstStyle/>
+            <a:p>
+              <a:pPr algn="l" marL="0" marR="0" indent="0">
+                <a:lnSpc>
+                  <a:spcPts val="880"/>
+                </a:lnSpc>
+                <a:spcBef>
+                  <a:spcPts val="0"/>
+                </a:spcBef>
+                <a:spcAft>
+                  <a:spcPts val="0"/>
+                </a:spcAft>
+              </a:pPr>
+              <a:r>
+                <a:rPr sz="880">
+                  <a:solidFill>
+                    <a:srgbClr val="4D4D4D">
+                      <a:alpha val="100000"/>
+                    </a:srgbClr>
+                  </a:solidFill>
+                  <a:latin typeface="Liberation Sans"/>
+                  <a:cs typeface="Liberation Sans"/>
+                </a:rPr>
+                <a:t>Sleep</a:t>
+              </a:r>
+            </a:p>
+          </p:txBody>
+        </p:sp>
+        <p:sp>
+          <p:nvSpPr>
+            <p:cNvPr id="36" name="tx36"/>
+            <p:cNvSpPr/>
+            <p:nvPr/>
+          </p:nvSpPr>
+          <p:spPr>
+            <a:xfrm>
+              <a:off x="4032203" y="5922355"/>
+              <a:ext cx="551160" cy="102592"/>
+            </a:xfrm>
+            <a:prstGeom prst="rect">
+              <a:avLst/>
+            </a:prstGeom>
+            <a:noFill/>
+          </p:spPr>
+          <p:txBody>
+            <a:bodyPr lIns="0" rIns="0" tIns="0" bIns="0" anchorCtr="1" anchor="ctr" wrap="none"/>
+            <a:lstStyle/>
+            <a:p>
+              <a:pPr algn="l" marL="0" marR="0" indent="0">
+                <a:lnSpc>
+                  <a:spcPts val="1100"/>
+                </a:lnSpc>
+                <a:spcBef>
+                  <a:spcPts val="0"/>
+                </a:spcBef>
+                <a:spcAft>
+                  <a:spcPts val="0"/>
+                </a:spcAft>
+              </a:pPr>
+              <a:r>
+                <a:rPr sz="1100">
+                  <a:solidFill>
+                    <a:srgbClr val="000000">
+                      <a:alpha val="100000"/>
+                    </a:srgbClr>
+                  </a:solidFill>
+                  <a:latin typeface="Liberation Sans"/>
+                  <a:cs typeface="Liberation Sans"/>
+                </a:rPr>
+                <a:t>Activities</a:t>
+              </a:r>
+            </a:p>
+          </p:txBody>
+        </p:sp>
+        <p:sp>
+          <p:nvSpPr>
+            <p:cNvPr id="37" name="tx37"/>
+            <p:cNvSpPr/>
+            <p:nvPr/>
+          </p:nvSpPr>
+          <p:spPr>
+            <a:xfrm rot="-5400000">
+              <a:off x="78630" y="3753321"/>
+              <a:ext cx="985949" cy="102592"/>
+            </a:xfrm>
+            <a:prstGeom prst="rect">
+              <a:avLst/>
+            </a:prstGeom>
+            <a:noFill/>
+          </p:spPr>
+          <p:txBody>
+            <a:bodyPr lIns="0" rIns="0" tIns="0" bIns="0" anchorCtr="1" anchor="ctr" wrap="none"/>
+            <a:lstStyle/>
+            <a:p>
+              <a:pPr algn="l" marL="0" marR="0" indent="0">
+                <a:lnSpc>
+                  <a:spcPts val="1100"/>
+                </a:lnSpc>
+                <a:spcBef>
+                  <a:spcPts val="0"/>
+                </a:spcBef>
+                <a:spcAft>
+                  <a:spcPts val="0"/>
+                </a:spcAft>
+              </a:pPr>
+              <a:r>
+                <a:rPr sz="1100">
+                  <a:solidFill>
+                    <a:srgbClr val="000000">
+                      <a:alpha val="100000"/>
+                    </a:srgbClr>
+                  </a:solidFill>
+                  <a:latin typeface="Liberation Sans"/>
+                  <a:cs typeface="Liberation Sans"/>
+                </a:rPr>
+                <a:t>Time in minutes</a:t>
+              </a:r>
+            </a:p>
+          </p:txBody>
+        </p:sp>
+        <p:sp>
+          <p:nvSpPr>
+            <p:cNvPr id="38" name="tx38"/>
+            <p:cNvSpPr/>
+            <p:nvPr/>
+          </p:nvSpPr>
+          <p:spPr>
+            <a:xfrm>
+              <a:off x="7885916" y="3468204"/>
+              <a:ext cx="644748" cy="130218"/>
+            </a:xfrm>
+            <a:prstGeom prst="rect">
+              <a:avLst/>
+            </a:prstGeom>
+            <a:noFill/>
+          </p:spPr>
+          <p:txBody>
+            <a:bodyPr lIns="0" rIns="0" tIns="0" bIns="0" anchorCtr="1" anchor="ctr" wrap="none"/>
+            <a:lstStyle/>
+            <a:p>
+              <a:pPr algn="l" marL="0" marR="0" indent="0">
+                <a:lnSpc>
+                  <a:spcPts val="1100"/>
+                </a:lnSpc>
+                <a:spcBef>
+                  <a:spcPts val="0"/>
+                </a:spcBef>
+                <a:spcAft>
+                  <a:spcPts val="0"/>
+                </a:spcAft>
+              </a:pPr>
+              <a:r>
+                <a:rPr sz="1100">
+                  <a:solidFill>
+                    <a:srgbClr val="000000">
+                      <a:alpha val="100000"/>
+                    </a:srgbClr>
+                  </a:solidFill>
+                  <a:latin typeface="Liberation Sans"/>
+                  <a:cs typeface="Liberation Sans"/>
+                </a:rPr>
+                <a:t>population</a:t>
+              </a:r>
+            </a:p>
+          </p:txBody>
+        </p:sp>
+        <p:sp>
+          <p:nvSpPr>
+            <p:cNvPr id="39" name="rc39"/>
+            <p:cNvSpPr/>
+            <p:nvPr/>
+          </p:nvSpPr>
+          <p:spPr>
+            <a:xfrm>
+              <a:off x="7894916" y="3692824"/>
+              <a:ext cx="201455" cy="201456"/>
+            </a:xfrm>
+            <a:prstGeom prst="rect">
+              <a:avLst/>
+            </a:prstGeom>
+            <a:solidFill>
+              <a:srgbClr val="F8766D">
+                <a:alpha val="100000"/>
+              </a:srgbClr>
+            </a:solidFill>
+          </p:spPr>
+          <p:txBody>
+            <a:bodyPr/>
+            <a:lstStyle/>
+            <a:p/>
+          </p:txBody>
+        </p:sp>
+        <p:sp>
+          <p:nvSpPr>
+            <p:cNvPr id="40" name="rc40"/>
+            <p:cNvSpPr/>
+            <p:nvPr/>
+          </p:nvSpPr>
+          <p:spPr>
+            <a:xfrm>
+              <a:off x="7894916" y="3912280"/>
+              <a:ext cx="201455" cy="201456"/>
+            </a:xfrm>
+            <a:prstGeom prst="rect">
+              <a:avLst/>
+            </a:prstGeom>
+            <a:solidFill>
+              <a:srgbClr val="00BFC4">
+                <a:alpha val="100000"/>
+              </a:srgbClr>
+            </a:solidFill>
+          </p:spPr>
+          <p:txBody>
+            <a:bodyPr/>
+            <a:lstStyle/>
+            <a:p/>
+          </p:txBody>
+        </p:sp>
+        <p:sp>
+          <p:nvSpPr>
+            <p:cNvPr id="41" name="tx41"/>
+            <p:cNvSpPr/>
+            <p:nvPr/>
+          </p:nvSpPr>
+          <p:spPr>
+            <a:xfrm>
+              <a:off x="8174961" y="3749923"/>
+              <a:ext cx="372660" cy="82073"/>
+            </a:xfrm>
+            <a:prstGeom prst="rect">
+              <a:avLst/>
+            </a:prstGeom>
+            <a:noFill/>
+          </p:spPr>
+          <p:txBody>
+            <a:bodyPr lIns="0" rIns="0" tIns="0" bIns="0" anchorCtr="1" anchor="ctr" wrap="none"/>
+            <a:lstStyle/>
+            <a:p>
+              <a:pPr algn="l" marL="0" marR="0" indent="0">
+                <a:lnSpc>
+                  <a:spcPts val="880"/>
+                </a:lnSpc>
+                <a:spcBef>
+                  <a:spcPts val="0"/>
+                </a:spcBef>
+                <a:spcAft>
+                  <a:spcPts val="0"/>
+                </a:spcAft>
+              </a:pPr>
+              <a:r>
+                <a:rPr sz="880">
+                  <a:solidFill>
+                    <a:srgbClr val="000000">
+                      <a:alpha val="100000"/>
+                    </a:srgbClr>
+                  </a:solidFill>
+                  <a:latin typeface="Liberation Sans"/>
+                  <a:cs typeface="Liberation Sans"/>
+                </a:rPr>
+                <a:t>Female</a:t>
+              </a:r>
+            </a:p>
+          </p:txBody>
+        </p:sp>
+        <p:sp>
+          <p:nvSpPr>
+            <p:cNvPr id="42" name="tx42"/>
+            <p:cNvSpPr/>
+            <p:nvPr/>
+          </p:nvSpPr>
+          <p:spPr>
+            <a:xfrm>
+              <a:off x="8174961" y="3969379"/>
+              <a:ext cx="242237" cy="82073"/>
+            </a:xfrm>
+            <a:prstGeom prst="rect">
+              <a:avLst/>
+            </a:prstGeom>
+            <a:noFill/>
+          </p:spPr>
+          <p:txBody>
+            <a:bodyPr lIns="0" rIns="0" tIns="0" bIns="0" anchorCtr="1" anchor="ctr" wrap="none"/>
+            <a:lstStyle/>
+            <a:p>
+              <a:pPr algn="l" marL="0" marR="0" indent="0">
+                <a:lnSpc>
+                  <a:spcPts val="880"/>
+                </a:lnSpc>
+                <a:spcBef>
+                  <a:spcPts val="0"/>
+                </a:spcBef>
+                <a:spcAft>
+                  <a:spcPts val="0"/>
+                </a:spcAft>
+              </a:pPr>
+              <a:r>
+                <a:rPr sz="880">
+                  <a:solidFill>
+                    <a:srgbClr val="000000">
+                      <a:alpha val="100000"/>
+                    </a:srgbClr>
+                  </a:solidFill>
+                  <a:latin typeface="Liberation Sans"/>
+                  <a:cs typeface="Liberation Sans"/>
+                </a:rPr>
+                <a:t>Male</a:t>
+              </a:r>
+            </a:p>
+          </p:txBody>
+        </p:sp>
+        <p:sp>
+          <p:nvSpPr>
+            <p:cNvPr id="43" name="tx43"/>
+            <p:cNvSpPr/>
+            <p:nvPr/>
+          </p:nvSpPr>
+          <p:spPr>
+            <a:xfrm>
+              <a:off x="938418" y="1628861"/>
+              <a:ext cx="2143221" cy="156262"/>
+            </a:xfrm>
+            <a:prstGeom prst="rect">
+              <a:avLst/>
+            </a:prstGeom>
+            <a:noFill/>
+          </p:spPr>
+          <p:txBody>
+            <a:bodyPr lIns="0" rIns="0" tIns="0" bIns="0" anchorCtr="1" anchor="ctr" wrap="none"/>
+            <a:lstStyle/>
+            <a:p>
+              <a:pPr algn="l" marL="0" marR="0" indent="0">
+                <a:lnSpc>
+                  <a:spcPts val="1320"/>
+                </a:lnSpc>
+                <a:spcBef>
+                  <a:spcPts val="0"/>
+                </a:spcBef>
+                <a:spcAft>
+                  <a:spcPts val="0"/>
+                </a:spcAft>
+              </a:pPr>
+              <a:r>
+                <a:rPr sz="1320">
+                  <a:solidFill>
+                    <a:srgbClr val="000000">
+                      <a:alpha val="100000"/>
+                    </a:srgbClr>
+                  </a:solidFill>
+                  <a:latin typeface="Liberation Sans"/>
+                  <a:cs typeface="Liberation Sans"/>
+                </a:rPr>
+                <a:t>Year 2014_Monday til Friday</a:t>
+              </a:r>
+            </a:p>
+          </p:txBody>
+        </p:sp>
+      </p:grpSp>
+    </p:spTree>
+  </p:cSld>
+  <p:clrMapOvr>
+    <a:masterClrMapping/>
+  </p:clrMapOvr>
+</p:sld>
+</file>
+
+<file path=ppt/slides/slide26.xml><?xml version="1.0" encoding="utf-8"?>
+<p:sld xmlns:a="http://schemas.openxmlformats.org/drawingml/2006/main" xmlns:r="http://schemas.openxmlformats.org/officeDocument/2006/relationships" xmlns:p="http://schemas.openxmlformats.org/presentationml/2006/main">
+  <p:cSld>
+    <p:spTree>
+      <p:nvGrpSpPr>
+        <p:cNvPr id="1" name=""/>
+        <p:cNvGrpSpPr/>
+        <p:nvPr/>
+      </p:nvGrpSpPr>
+      <p:grpSpPr>
+        <a:xfrm>
+          <a:off x="0" y="0"/>
+          <a:ext cx="0" cy="0"/>
+          <a:chOff x="0" y="0"/>
+          <a:chExt cx="0" cy="0"/>
+        </a:xfrm>
+      </p:grpSpPr>
+      <p:grpSp xmlns:a="http://schemas.openxmlformats.org/drawingml/2006/main" xmlns:r="http://schemas.openxmlformats.org/officeDocument/2006/relationships" xmlns:p="http://schemas.openxmlformats.org/presentationml/2006/main" xmlns:pic="http://schemas.openxmlformats.org/drawingml/2006/picture">
+        <p:nvGrpSpPr>
+          <p:cNvPr id="2" name="grp1"/>
+          <p:cNvGrpSpPr/>
+          <p:nvPr/>
+        </p:nvGrpSpPr>
+        <p:grpSpPr>
+          <a:xfrm>
+            <a:off x="457200" y="1600200"/>
+            <a:ext cx="8229600" cy="4525962"/>
+            <a:chOff x="457200" y="1600200"/>
+            <a:chExt cx="8229600" cy="4525962"/>
+          </a:xfrm>
+        </p:grpSpPr>
+        <p:sp>
+          <p:nvSpPr>
+            <p:cNvPr id="3" name="rc3"/>
+            <p:cNvSpPr/>
+            <p:nvPr/>
+          </p:nvSpPr>
+          <p:spPr>
+            <a:xfrm>
+              <a:off x="457200" y="1600200"/>
+              <a:ext cx="8229600" cy="4525962"/>
+            </a:xfrm>
+            <a:prstGeom prst="rect">
+              <a:avLst/>
+            </a:prstGeom>
+            <a:solidFill>
+              <a:srgbClr val="FFFFFF">
+                <a:alpha val="100000"/>
+              </a:srgbClr>
+            </a:solidFill>
+            <a:ln w="9525" cap="rnd">
+              <a:solidFill>
+                <a:srgbClr val="FFFFFF">
+                  <a:alpha val="100000"/>
+                </a:srgbClr>
+              </a:solidFill>
+              <a:prstDash val="solid"/>
+              <a:round/>
+            </a:ln>
+          </p:spPr>
+          <p:txBody>
+            <a:bodyPr/>
+            <a:lstStyle/>
+            <a:p/>
+          </p:txBody>
+        </p:sp>
+        <p:sp>
+          <p:nvSpPr>
+            <p:cNvPr id="4" name="pl4"/>
+            <p:cNvSpPr/>
+            <p:nvPr/>
+          </p:nvSpPr>
+          <p:spPr>
+            <a:xfrm>
+              <a:off x="938418" y="5081601"/>
+              <a:ext cx="6738730" cy="0"/>
+            </a:xfrm>
+            <a:custGeom>
+              <a:avLst/>
+              <a:pathLst>
+                <a:path w="6738730" h="0">
+                  <a:moveTo>
+                    <a:pt x="0" y="0"/>
+                  </a:moveTo>
+                  <a:lnTo>
+                    <a:pt x="6738730" y="0"/>
+                  </a:lnTo>
+                  <a:lnTo>
+                    <a:pt x="6738730" y="0"/>
+                  </a:lnTo>
+                </a:path>
+              </a:pathLst>
+            </a:custGeom>
+            <a:ln w="6775" cap="flat">
+              <a:solidFill>
+                <a:srgbClr val="EBEBEB">
+                  <a:alpha val="100000"/>
+                </a:srgbClr>
+              </a:solidFill>
+              <a:prstDash val="solid"/>
+              <a:round/>
+            </a:ln>
+          </p:spPr>
+          <p:txBody>
+            <a:bodyPr/>
+            <a:lstStyle/>
+            <a:p/>
+          </p:txBody>
+        </p:sp>
+        <p:sp>
+          <p:nvSpPr>
+            <p:cNvPr id="5" name="pl5"/>
+            <p:cNvSpPr/>
+            <p:nvPr/>
+          </p:nvSpPr>
+          <p:spPr>
+            <a:xfrm>
+              <a:off x="938418" y="4147792"/>
+              <a:ext cx="6738730" cy="0"/>
+            </a:xfrm>
+            <a:custGeom>
+              <a:avLst/>
+              <a:pathLst>
+                <a:path w="6738730" h="0">
+                  <a:moveTo>
+                    <a:pt x="0" y="0"/>
+                  </a:moveTo>
+                  <a:lnTo>
+                    <a:pt x="6738730" y="0"/>
+                  </a:lnTo>
+                  <a:lnTo>
+                    <a:pt x="6738730" y="0"/>
+                  </a:lnTo>
+                </a:path>
+              </a:pathLst>
+            </a:custGeom>
+            <a:ln w="6775" cap="flat">
+              <a:solidFill>
+                <a:srgbClr val="EBEBEB">
+                  <a:alpha val="100000"/>
+                </a:srgbClr>
+              </a:solidFill>
+              <a:prstDash val="solid"/>
+              <a:round/>
+            </a:ln>
+          </p:spPr>
+          <p:txBody>
+            <a:bodyPr/>
+            <a:lstStyle/>
+            <a:p/>
+          </p:txBody>
+        </p:sp>
+        <p:sp>
+          <p:nvSpPr>
+            <p:cNvPr id="6" name="pl6"/>
+            <p:cNvSpPr/>
+            <p:nvPr/>
+          </p:nvSpPr>
+          <p:spPr>
+            <a:xfrm>
+              <a:off x="938418" y="3213982"/>
+              <a:ext cx="6738730" cy="0"/>
+            </a:xfrm>
+            <a:custGeom>
+              <a:avLst/>
+              <a:pathLst>
+                <a:path w="6738730" h="0">
+                  <a:moveTo>
+                    <a:pt x="0" y="0"/>
+                  </a:moveTo>
+                  <a:lnTo>
+                    <a:pt x="6738730" y="0"/>
+                  </a:lnTo>
+                  <a:lnTo>
+                    <a:pt x="6738730" y="0"/>
+                  </a:lnTo>
+                </a:path>
+              </a:pathLst>
+            </a:custGeom>
+            <a:ln w="6775" cap="flat">
+              <a:solidFill>
+                <a:srgbClr val="EBEBEB">
+                  <a:alpha val="100000"/>
+                </a:srgbClr>
+              </a:solidFill>
+              <a:prstDash val="solid"/>
+              <a:round/>
+            </a:ln>
+          </p:spPr>
+          <p:txBody>
+            <a:bodyPr/>
+            <a:lstStyle/>
+            <a:p/>
+          </p:txBody>
+        </p:sp>
+        <p:sp>
+          <p:nvSpPr>
+            <p:cNvPr id="7" name="pl7"/>
+            <p:cNvSpPr/>
+            <p:nvPr/>
+          </p:nvSpPr>
+          <p:spPr>
+            <a:xfrm>
+              <a:off x="938418" y="2280172"/>
+              <a:ext cx="6738730" cy="0"/>
+            </a:xfrm>
+            <a:custGeom>
+              <a:avLst/>
+              <a:pathLst>
+                <a:path w="6738730" h="0">
+                  <a:moveTo>
+                    <a:pt x="0" y="0"/>
+                  </a:moveTo>
+                  <a:lnTo>
+                    <a:pt x="6738730" y="0"/>
+                  </a:lnTo>
+                  <a:lnTo>
+                    <a:pt x="6738730" y="0"/>
+                  </a:lnTo>
+                </a:path>
+              </a:pathLst>
+            </a:custGeom>
+            <a:ln w="6775" cap="flat">
+              <a:solidFill>
+                <a:srgbClr val="EBEBEB">
+                  <a:alpha val="100000"/>
+                </a:srgbClr>
+              </a:solidFill>
+              <a:prstDash val="solid"/>
+              <a:round/>
+            </a:ln>
+          </p:spPr>
+          <p:txBody>
+            <a:bodyPr/>
+            <a:lstStyle/>
+            <a:p/>
+          </p:txBody>
+        </p:sp>
+        <p:sp>
+          <p:nvSpPr>
+            <p:cNvPr id="8" name="pl8"/>
+            <p:cNvSpPr/>
+            <p:nvPr/>
+          </p:nvSpPr>
+          <p:spPr>
+            <a:xfrm>
+              <a:off x="938418" y="5548506"/>
+              <a:ext cx="6738730" cy="0"/>
+            </a:xfrm>
+            <a:custGeom>
+              <a:avLst/>
+              <a:pathLst>
+                <a:path w="6738730" h="0">
+                  <a:moveTo>
+                    <a:pt x="0" y="0"/>
+                  </a:moveTo>
+                  <a:lnTo>
+                    <a:pt x="6738730" y="0"/>
+                  </a:lnTo>
+                  <a:lnTo>
+                    <a:pt x="6738730" y="0"/>
+                  </a:lnTo>
+                </a:path>
+              </a:pathLst>
+            </a:custGeom>
+            <a:ln w="13550" cap="flat">
+              <a:solidFill>
+                <a:srgbClr val="EBEBEB">
+                  <a:alpha val="100000"/>
+                </a:srgbClr>
+              </a:solidFill>
+              <a:prstDash val="solid"/>
+              <a:round/>
+            </a:ln>
+          </p:spPr>
+          <p:txBody>
+            <a:bodyPr/>
+            <a:lstStyle/>
+            <a:p/>
+          </p:txBody>
+        </p:sp>
+        <p:sp>
+          <p:nvSpPr>
+            <p:cNvPr id="9" name="pl9"/>
+            <p:cNvSpPr/>
+            <p:nvPr/>
+          </p:nvSpPr>
+          <p:spPr>
+            <a:xfrm>
+              <a:off x="938418" y="4614697"/>
+              <a:ext cx="6738730" cy="0"/>
+            </a:xfrm>
+            <a:custGeom>
+              <a:avLst/>
+              <a:pathLst>
+                <a:path w="6738730" h="0">
+                  <a:moveTo>
+                    <a:pt x="0" y="0"/>
+                  </a:moveTo>
+                  <a:lnTo>
+                    <a:pt x="6738730" y="0"/>
+                  </a:lnTo>
+                  <a:lnTo>
+                    <a:pt x="6738730" y="0"/>
+                  </a:lnTo>
+                </a:path>
+              </a:pathLst>
+            </a:custGeom>
+            <a:ln w="13550" cap="flat">
+              <a:solidFill>
+                <a:srgbClr val="EBEBEB">
+                  <a:alpha val="100000"/>
+                </a:srgbClr>
+              </a:solidFill>
+              <a:prstDash val="solid"/>
+              <a:round/>
+            </a:ln>
+          </p:spPr>
+          <p:txBody>
+            <a:bodyPr/>
+            <a:lstStyle/>
+            <a:p/>
+          </p:txBody>
+        </p:sp>
+        <p:sp>
+          <p:nvSpPr>
+            <p:cNvPr id="10" name="pl10"/>
+            <p:cNvSpPr/>
+            <p:nvPr/>
+          </p:nvSpPr>
+          <p:spPr>
+            <a:xfrm>
+              <a:off x="938418" y="3680887"/>
+              <a:ext cx="6738730" cy="0"/>
+            </a:xfrm>
+            <a:custGeom>
+              <a:avLst/>
+              <a:pathLst>
+                <a:path w="6738730" h="0">
+                  <a:moveTo>
+                    <a:pt x="0" y="0"/>
+                  </a:moveTo>
+                  <a:lnTo>
+                    <a:pt x="6738730" y="0"/>
+                  </a:lnTo>
+                  <a:lnTo>
+                    <a:pt x="6738730" y="0"/>
+                  </a:lnTo>
+                </a:path>
+              </a:pathLst>
+            </a:custGeom>
+            <a:ln w="13550" cap="flat">
+              <a:solidFill>
+                <a:srgbClr val="EBEBEB">
+                  <a:alpha val="100000"/>
+                </a:srgbClr>
+              </a:solidFill>
+              <a:prstDash val="solid"/>
+              <a:round/>
+            </a:ln>
+          </p:spPr>
+          <p:txBody>
+            <a:bodyPr/>
+            <a:lstStyle/>
+            <a:p/>
+          </p:txBody>
+        </p:sp>
+        <p:sp>
+          <p:nvSpPr>
+            <p:cNvPr id="11" name="pl11"/>
+            <p:cNvSpPr/>
+            <p:nvPr/>
+          </p:nvSpPr>
+          <p:spPr>
+            <a:xfrm>
+              <a:off x="938418" y="2747077"/>
+              <a:ext cx="6738730" cy="0"/>
+            </a:xfrm>
+            <a:custGeom>
+              <a:avLst/>
+              <a:pathLst>
+                <a:path w="6738730" h="0">
+                  <a:moveTo>
+                    <a:pt x="0" y="0"/>
+                  </a:moveTo>
+                  <a:lnTo>
+                    <a:pt x="6738730" y="0"/>
+                  </a:lnTo>
+                  <a:lnTo>
+                    <a:pt x="6738730" y="0"/>
+                  </a:lnTo>
+                </a:path>
+              </a:pathLst>
+            </a:custGeom>
+            <a:ln w="13550" cap="flat">
+              <a:solidFill>
+                <a:srgbClr val="EBEBEB">
+                  <a:alpha val="100000"/>
+                </a:srgbClr>
+              </a:solidFill>
+              <a:prstDash val="solid"/>
+              <a:round/>
+            </a:ln>
+          </p:spPr>
+          <p:txBody>
+            <a:bodyPr/>
+            <a:lstStyle/>
+            <a:p/>
+          </p:txBody>
+        </p:sp>
+        <p:sp>
+          <p:nvSpPr>
+            <p:cNvPr id="12" name="pl12"/>
+            <p:cNvSpPr/>
+            <p:nvPr/>
+          </p:nvSpPr>
+          <p:spPr>
+            <a:xfrm>
+              <a:off x="1715964" y="1886338"/>
+              <a:ext cx="0" cy="3836557"/>
+            </a:xfrm>
+            <a:custGeom>
+              <a:avLst/>
+              <a:pathLst>
+                <a:path w="0" h="3836557">
+                  <a:moveTo>
+                    <a:pt x="0" y="3836557"/>
+                  </a:moveTo>
+                  <a:lnTo>
+                    <a:pt x="0" y="0"/>
+                  </a:lnTo>
+                  <a:lnTo>
+                    <a:pt x="0" y="0"/>
+                  </a:lnTo>
+                </a:path>
+              </a:pathLst>
+            </a:custGeom>
+            <a:ln w="13550" cap="flat">
+              <a:solidFill>
+                <a:srgbClr val="EBEBEB">
+                  <a:alpha val="100000"/>
+                </a:srgbClr>
+              </a:solidFill>
+              <a:prstDash val="solid"/>
+              <a:round/>
+            </a:ln>
+          </p:spPr>
+          <p:txBody>
+            <a:bodyPr/>
+            <a:lstStyle/>
+            <a:p/>
+          </p:txBody>
+        </p:sp>
+        <p:sp>
+          <p:nvSpPr>
+            <p:cNvPr id="13" name="pl13"/>
+            <p:cNvSpPr/>
+            <p:nvPr/>
+          </p:nvSpPr>
+          <p:spPr>
+            <a:xfrm>
+              <a:off x="3011873" y="1886338"/>
+              <a:ext cx="0" cy="3836557"/>
+            </a:xfrm>
+            <a:custGeom>
+              <a:avLst/>
+              <a:pathLst>
+                <a:path w="0" h="3836557">
+                  <a:moveTo>
+                    <a:pt x="0" y="3836557"/>
+                  </a:moveTo>
+                  <a:lnTo>
+                    <a:pt x="0" y="0"/>
+                  </a:lnTo>
+                  <a:lnTo>
+                    <a:pt x="0" y="0"/>
+                  </a:lnTo>
+                </a:path>
+              </a:pathLst>
+            </a:custGeom>
+            <a:ln w="13550" cap="flat">
+              <a:solidFill>
+                <a:srgbClr val="EBEBEB">
+                  <a:alpha val="100000"/>
+                </a:srgbClr>
+              </a:solidFill>
+              <a:prstDash val="solid"/>
+              <a:round/>
+            </a:ln>
+          </p:spPr>
+          <p:txBody>
+            <a:bodyPr/>
+            <a:lstStyle/>
+            <a:p/>
+          </p:txBody>
+        </p:sp>
+        <p:sp>
+          <p:nvSpPr>
+            <p:cNvPr id="14" name="pl14"/>
+            <p:cNvSpPr/>
+            <p:nvPr/>
+          </p:nvSpPr>
+          <p:spPr>
+            <a:xfrm>
+              <a:off x="4307783" y="1886338"/>
+              <a:ext cx="0" cy="3836557"/>
+            </a:xfrm>
+            <a:custGeom>
+              <a:avLst/>
+              <a:pathLst>
+                <a:path w="0" h="3836557">
+                  <a:moveTo>
+                    <a:pt x="0" y="3836557"/>
+                  </a:moveTo>
+                  <a:lnTo>
+                    <a:pt x="0" y="0"/>
+                  </a:lnTo>
+                  <a:lnTo>
+                    <a:pt x="0" y="0"/>
+                  </a:lnTo>
+                </a:path>
+              </a:pathLst>
+            </a:custGeom>
+            <a:ln w="13550" cap="flat">
+              <a:solidFill>
+                <a:srgbClr val="EBEBEB">
+                  <a:alpha val="100000"/>
+                </a:srgbClr>
+              </a:solidFill>
+              <a:prstDash val="solid"/>
+              <a:round/>
+            </a:ln>
+          </p:spPr>
+          <p:txBody>
+            <a:bodyPr/>
+            <a:lstStyle/>
+            <a:p/>
+          </p:txBody>
+        </p:sp>
+        <p:sp>
+          <p:nvSpPr>
+            <p:cNvPr id="15" name="pl15"/>
+            <p:cNvSpPr/>
+            <p:nvPr/>
+          </p:nvSpPr>
+          <p:spPr>
+            <a:xfrm>
+              <a:off x="5603693" y="1886338"/>
+              <a:ext cx="0" cy="3836557"/>
+            </a:xfrm>
+            <a:custGeom>
+              <a:avLst/>
+              <a:pathLst>
+                <a:path w="0" h="3836557">
+                  <a:moveTo>
+                    <a:pt x="0" y="3836557"/>
+                  </a:moveTo>
+                  <a:lnTo>
+                    <a:pt x="0" y="0"/>
+                  </a:lnTo>
+                  <a:lnTo>
+                    <a:pt x="0" y="0"/>
+                  </a:lnTo>
+                </a:path>
+              </a:pathLst>
+            </a:custGeom>
+            <a:ln w="13550" cap="flat">
+              <a:solidFill>
+                <a:srgbClr val="EBEBEB">
+                  <a:alpha val="100000"/>
+                </a:srgbClr>
+              </a:solidFill>
+              <a:prstDash val="solid"/>
+              <a:round/>
+            </a:ln>
+          </p:spPr>
+          <p:txBody>
+            <a:bodyPr/>
+            <a:lstStyle/>
+            <a:p/>
+          </p:txBody>
+        </p:sp>
+        <p:sp>
+          <p:nvSpPr>
+            <p:cNvPr id="16" name="pl16"/>
+            <p:cNvSpPr/>
+            <p:nvPr/>
+          </p:nvSpPr>
+          <p:spPr>
+            <a:xfrm>
+              <a:off x="6899603" y="1886338"/>
+              <a:ext cx="0" cy="3836557"/>
+            </a:xfrm>
+            <a:custGeom>
+              <a:avLst/>
+              <a:pathLst>
+                <a:path w="0" h="3836557">
+                  <a:moveTo>
+                    <a:pt x="0" y="3836557"/>
+                  </a:moveTo>
+                  <a:lnTo>
+                    <a:pt x="0" y="0"/>
+                  </a:lnTo>
+                  <a:lnTo>
+                    <a:pt x="0" y="0"/>
+                  </a:lnTo>
+                </a:path>
+              </a:pathLst>
+            </a:custGeom>
+            <a:ln w="13550" cap="flat">
+              <a:solidFill>
+                <a:srgbClr val="EBEBEB">
+                  <a:alpha val="100000"/>
+                </a:srgbClr>
+              </a:solidFill>
+              <a:prstDash val="solid"/>
+              <a:round/>
+            </a:ln>
+          </p:spPr>
+          <p:txBody>
+            <a:bodyPr/>
+            <a:lstStyle/>
+            <a:p/>
+          </p:txBody>
+        </p:sp>
+        <p:sp>
+          <p:nvSpPr>
+            <p:cNvPr id="17" name="rc17"/>
+            <p:cNvSpPr/>
+            <p:nvPr/>
+          </p:nvSpPr>
+          <p:spPr>
+            <a:xfrm>
+              <a:off x="1715964" y="4950868"/>
+              <a:ext cx="583159" cy="597638"/>
+            </a:xfrm>
+            <a:prstGeom prst="rect">
+              <a:avLst/>
+            </a:prstGeom>
+            <a:solidFill>
+              <a:srgbClr val="00BFC4">
+                <a:alpha val="100000"/>
+              </a:srgbClr>
+            </a:solidFill>
+          </p:spPr>
+          <p:txBody>
+            <a:bodyPr/>
+            <a:lstStyle/>
+            <a:p/>
+          </p:txBody>
+        </p:sp>
+        <p:sp>
+          <p:nvSpPr>
+            <p:cNvPr id="18" name="rc18"/>
+            <p:cNvSpPr/>
+            <p:nvPr/>
+          </p:nvSpPr>
+          <p:spPr>
+            <a:xfrm>
+              <a:off x="1132804" y="4941530"/>
+              <a:ext cx="583159" cy="606976"/>
+            </a:xfrm>
+            <a:prstGeom prst="rect">
+              <a:avLst/>
+            </a:prstGeom>
+            <a:solidFill>
+              <a:srgbClr val="F8766D">
+                <a:alpha val="100000"/>
+              </a:srgbClr>
+            </a:solidFill>
+          </p:spPr>
+          <p:txBody>
+            <a:bodyPr/>
+            <a:lstStyle/>
+            <a:p/>
+          </p:txBody>
+        </p:sp>
+        <p:sp>
+          <p:nvSpPr>
+            <p:cNvPr id="19" name="rc19"/>
+            <p:cNvSpPr/>
+            <p:nvPr/>
+          </p:nvSpPr>
+          <p:spPr>
+            <a:xfrm>
+              <a:off x="3011873" y="3666880"/>
+              <a:ext cx="583159" cy="1881626"/>
+            </a:xfrm>
+            <a:prstGeom prst="rect">
+              <a:avLst/>
+            </a:prstGeom>
+            <a:solidFill>
+              <a:srgbClr val="00BFC4">
+                <a:alpha val="100000"/>
+              </a:srgbClr>
+            </a:solidFill>
+          </p:spPr>
+          <p:txBody>
+            <a:bodyPr/>
+            <a:lstStyle/>
+            <a:p/>
+          </p:txBody>
+        </p:sp>
+        <p:sp>
+          <p:nvSpPr>
+            <p:cNvPr id="20" name="rc20"/>
+            <p:cNvSpPr/>
+            <p:nvPr/>
+          </p:nvSpPr>
+          <p:spPr>
+            <a:xfrm>
+              <a:off x="2428714" y="3820958"/>
+              <a:ext cx="583159" cy="1727548"/>
+            </a:xfrm>
+            <a:prstGeom prst="rect">
+              <a:avLst/>
+            </a:prstGeom>
+            <a:solidFill>
+              <a:srgbClr val="F8766D">
+                <a:alpha val="100000"/>
+              </a:srgbClr>
+            </a:solidFill>
+          </p:spPr>
+          <p:txBody>
+            <a:bodyPr/>
+            <a:lstStyle/>
+            <a:p/>
+          </p:txBody>
+        </p:sp>
+        <p:sp>
+          <p:nvSpPr>
+            <p:cNvPr id="21" name="rc21"/>
+            <p:cNvSpPr/>
+            <p:nvPr/>
+          </p:nvSpPr>
+          <p:spPr>
+            <a:xfrm>
+              <a:off x="4307783" y="4712747"/>
+              <a:ext cx="583159" cy="835759"/>
+            </a:xfrm>
+            <a:prstGeom prst="rect">
+              <a:avLst/>
+            </a:prstGeom>
+            <a:solidFill>
+              <a:srgbClr val="00BFC4">
+                <a:alpha val="100000"/>
+              </a:srgbClr>
+            </a:solidFill>
+          </p:spPr>
+          <p:txBody>
+            <a:bodyPr/>
+            <a:lstStyle/>
+            <a:p/>
+          </p:txBody>
+        </p:sp>
+        <p:sp>
+          <p:nvSpPr>
+            <p:cNvPr id="22" name="rc22"/>
+            <p:cNvSpPr/>
+            <p:nvPr/>
+          </p:nvSpPr>
+          <p:spPr>
+            <a:xfrm>
+              <a:off x="3724624" y="4423266"/>
+              <a:ext cx="583159" cy="1125240"/>
+            </a:xfrm>
+            <a:prstGeom prst="rect">
+              <a:avLst/>
+            </a:prstGeom>
+            <a:solidFill>
+              <a:srgbClr val="F8766D">
+                <a:alpha val="100000"/>
+              </a:srgbClr>
+            </a:solidFill>
+          </p:spPr>
+          <p:txBody>
+            <a:bodyPr/>
+            <a:lstStyle/>
+            <a:p/>
+          </p:txBody>
+        </p:sp>
+        <p:sp>
+          <p:nvSpPr>
+            <p:cNvPr id="23" name="rc23"/>
+            <p:cNvSpPr/>
+            <p:nvPr/>
+          </p:nvSpPr>
+          <p:spPr>
+            <a:xfrm>
+              <a:off x="5603693" y="2177453"/>
+              <a:ext cx="583159" cy="3371053"/>
+            </a:xfrm>
+            <a:prstGeom prst="rect">
+              <a:avLst/>
+            </a:prstGeom>
+            <a:solidFill>
+              <a:srgbClr val="00BFC4">
+                <a:alpha val="100000"/>
+              </a:srgbClr>
+            </a:solidFill>
+          </p:spPr>
+          <p:txBody>
+            <a:bodyPr/>
+            <a:lstStyle/>
+            <a:p/>
+          </p:txBody>
+        </p:sp>
+        <p:sp>
+          <p:nvSpPr>
+            <p:cNvPr id="24" name="rc24"/>
+            <p:cNvSpPr/>
+            <p:nvPr/>
+          </p:nvSpPr>
+          <p:spPr>
+            <a:xfrm>
+              <a:off x="5020534" y="2060727"/>
+              <a:ext cx="583159" cy="3487779"/>
+            </a:xfrm>
+            <a:prstGeom prst="rect">
+              <a:avLst/>
+            </a:prstGeom>
+            <a:solidFill>
+              <a:srgbClr val="F8766D">
+                <a:alpha val="100000"/>
+              </a:srgbClr>
+            </a:solidFill>
+          </p:spPr>
+          <p:txBody>
+            <a:bodyPr/>
+            <a:lstStyle/>
+            <a:p/>
+          </p:txBody>
+        </p:sp>
+        <p:sp>
+          <p:nvSpPr>
+            <p:cNvPr id="25" name="rc25"/>
+            <p:cNvSpPr/>
+            <p:nvPr/>
+          </p:nvSpPr>
+          <p:spPr>
+            <a:xfrm>
+              <a:off x="6899603" y="3027220"/>
+              <a:ext cx="583159" cy="2521286"/>
+            </a:xfrm>
+            <a:prstGeom prst="rect">
+              <a:avLst/>
+            </a:prstGeom>
+            <a:solidFill>
+              <a:srgbClr val="00BFC4">
+                <a:alpha val="100000"/>
+              </a:srgbClr>
+            </a:solidFill>
+          </p:spPr>
+          <p:txBody>
+            <a:bodyPr/>
+            <a:lstStyle/>
+            <a:p/>
+          </p:txBody>
+        </p:sp>
+        <p:sp>
+          <p:nvSpPr>
+            <p:cNvPr id="26" name="rc26"/>
+            <p:cNvSpPr/>
+            <p:nvPr/>
+          </p:nvSpPr>
+          <p:spPr>
+            <a:xfrm>
+              <a:off x="6316443" y="2971191"/>
+              <a:ext cx="583159" cy="2577314"/>
+            </a:xfrm>
+            <a:prstGeom prst="rect">
+              <a:avLst/>
+            </a:prstGeom>
+            <a:solidFill>
+              <a:srgbClr val="F8766D">
+                <a:alpha val="100000"/>
+              </a:srgbClr>
+            </a:solidFill>
+          </p:spPr>
+          <p:txBody>
+            <a:bodyPr/>
+            <a:lstStyle/>
+            <a:p/>
+          </p:txBody>
+        </p:sp>
+        <p:sp>
+          <p:nvSpPr>
+            <p:cNvPr id="27" name="tx27"/>
+            <p:cNvSpPr/>
+            <p:nvPr/>
+          </p:nvSpPr>
+          <p:spPr>
+            <a:xfrm>
+              <a:off x="813632" y="5507824"/>
+              <a:ext cx="62155" cy="79126"/>
+            </a:xfrm>
+            <a:prstGeom prst="rect">
+              <a:avLst/>
+            </a:prstGeom>
+            <a:noFill/>
+          </p:spPr>
+          <p:txBody>
+            <a:bodyPr lIns="0" rIns="0" tIns="0" bIns="0" anchorCtr="1" anchor="ctr" wrap="none"/>
+            <a:lstStyle/>
+            <a:p>
+              <a:pPr algn="l" marL="0" marR="0" indent="0">
+                <a:lnSpc>
+                  <a:spcPts val="880"/>
+                </a:lnSpc>
+                <a:spcBef>
+                  <a:spcPts val="0"/>
+                </a:spcBef>
+                <a:spcAft>
+                  <a:spcPts val="0"/>
+                </a:spcAft>
+              </a:pPr>
+              <a:r>
+                <a:rPr sz="880">
+                  <a:solidFill>
+                    <a:srgbClr val="4D4D4D">
+                      <a:alpha val="100000"/>
+                    </a:srgbClr>
+                  </a:solidFill>
+                  <a:latin typeface="Liberation Sans"/>
+                  <a:cs typeface="Liberation Sans"/>
+                </a:rPr>
+                <a:t>0</a:t>
+              </a:r>
+            </a:p>
+          </p:txBody>
+        </p:sp>
+        <p:sp>
+          <p:nvSpPr>
+            <p:cNvPr id="28" name="tx28"/>
+            <p:cNvSpPr/>
+            <p:nvPr/>
+          </p:nvSpPr>
+          <p:spPr>
+            <a:xfrm>
+              <a:off x="689321" y="4574014"/>
+              <a:ext cx="186466" cy="79126"/>
+            </a:xfrm>
+            <a:prstGeom prst="rect">
+              <a:avLst/>
+            </a:prstGeom>
+            <a:noFill/>
+          </p:spPr>
+          <p:txBody>
+            <a:bodyPr lIns="0" rIns="0" tIns="0" bIns="0" anchorCtr="1" anchor="ctr" wrap="none"/>
+            <a:lstStyle/>
+            <a:p>
+              <a:pPr algn="l" marL="0" marR="0" indent="0">
+                <a:lnSpc>
+                  <a:spcPts val="880"/>
+                </a:lnSpc>
+                <a:spcBef>
+                  <a:spcPts val="0"/>
+                </a:spcBef>
+                <a:spcAft>
+                  <a:spcPts val="0"/>
+                </a:spcAft>
+              </a:pPr>
+              <a:r>
+                <a:rPr sz="880">
+                  <a:solidFill>
+                    <a:srgbClr val="4D4D4D">
+                      <a:alpha val="100000"/>
+                    </a:srgbClr>
+                  </a:solidFill>
+                  <a:latin typeface="Liberation Sans"/>
+                  <a:cs typeface="Liberation Sans"/>
+                </a:rPr>
+                <a:t>200</a:t>
+              </a:r>
+            </a:p>
+          </p:txBody>
+        </p:sp>
+        <p:sp>
+          <p:nvSpPr>
+            <p:cNvPr id="29" name="tx29"/>
+            <p:cNvSpPr/>
+            <p:nvPr/>
+          </p:nvSpPr>
+          <p:spPr>
+            <a:xfrm>
+              <a:off x="689321" y="3640205"/>
+              <a:ext cx="186466" cy="79126"/>
+            </a:xfrm>
+            <a:prstGeom prst="rect">
+              <a:avLst/>
+            </a:prstGeom>
+            <a:noFill/>
+          </p:spPr>
+          <p:txBody>
+            <a:bodyPr lIns="0" rIns="0" tIns="0" bIns="0" anchorCtr="1" anchor="ctr" wrap="none"/>
+            <a:lstStyle/>
+            <a:p>
+              <a:pPr algn="l" marL="0" marR="0" indent="0">
+                <a:lnSpc>
+                  <a:spcPts val="880"/>
+                </a:lnSpc>
+                <a:spcBef>
+                  <a:spcPts val="0"/>
+                </a:spcBef>
+                <a:spcAft>
+                  <a:spcPts val="0"/>
+                </a:spcAft>
+              </a:pPr>
+              <a:r>
+                <a:rPr sz="880">
+                  <a:solidFill>
+                    <a:srgbClr val="4D4D4D">
+                      <a:alpha val="100000"/>
+                    </a:srgbClr>
+                  </a:solidFill>
+                  <a:latin typeface="Liberation Sans"/>
+                  <a:cs typeface="Liberation Sans"/>
+                </a:rPr>
+                <a:t>400</a:t>
+              </a:r>
+            </a:p>
+          </p:txBody>
+        </p:sp>
+        <p:sp>
+          <p:nvSpPr>
+            <p:cNvPr id="30" name="tx30"/>
+            <p:cNvSpPr/>
+            <p:nvPr/>
+          </p:nvSpPr>
+          <p:spPr>
+            <a:xfrm>
+              <a:off x="689321" y="2706395"/>
+              <a:ext cx="186466" cy="79126"/>
+            </a:xfrm>
+            <a:prstGeom prst="rect">
+              <a:avLst/>
+            </a:prstGeom>
+            <a:noFill/>
+          </p:spPr>
+          <p:txBody>
+            <a:bodyPr lIns="0" rIns="0" tIns="0" bIns="0" anchorCtr="1" anchor="ctr" wrap="none"/>
+            <a:lstStyle/>
+            <a:p>
+              <a:pPr algn="l" marL="0" marR="0" indent="0">
+                <a:lnSpc>
+                  <a:spcPts val="880"/>
+                </a:lnSpc>
+                <a:spcBef>
+                  <a:spcPts val="0"/>
+                </a:spcBef>
+                <a:spcAft>
+                  <a:spcPts val="0"/>
+                </a:spcAft>
+              </a:pPr>
+              <a:r>
+                <a:rPr sz="880">
+                  <a:solidFill>
+                    <a:srgbClr val="4D4D4D">
+                      <a:alpha val="100000"/>
+                    </a:srgbClr>
+                  </a:solidFill>
+                  <a:latin typeface="Liberation Sans"/>
+                  <a:cs typeface="Liberation Sans"/>
+                </a:rPr>
+                <a:t>600</a:t>
+              </a:r>
+            </a:p>
+          </p:txBody>
+        </p:sp>
+        <p:sp>
+          <p:nvSpPr>
+            <p:cNvPr id="31" name="tx31"/>
+            <p:cNvSpPr/>
+            <p:nvPr/>
+          </p:nvSpPr>
+          <p:spPr>
+            <a:xfrm>
+              <a:off x="1557519" y="5758240"/>
+              <a:ext cx="316889" cy="104174"/>
+            </a:xfrm>
+            <a:prstGeom prst="rect">
+              <a:avLst/>
+            </a:prstGeom>
+            <a:noFill/>
+          </p:spPr>
+          <p:txBody>
+            <a:bodyPr lIns="0" rIns="0" tIns="0" bIns="0" anchorCtr="1" anchor="ctr" wrap="none"/>
+            <a:lstStyle/>
+            <a:p>
+              <a:pPr algn="l" marL="0" marR="0" indent="0">
+                <a:lnSpc>
+                  <a:spcPts val="880"/>
+                </a:lnSpc>
+                <a:spcBef>
+                  <a:spcPts val="0"/>
+                </a:spcBef>
+                <a:spcAft>
+                  <a:spcPts val="0"/>
+                </a:spcAft>
+              </a:pPr>
+              <a:r>
+                <a:rPr sz="880">
+                  <a:solidFill>
+                    <a:srgbClr val="4D4D4D">
+                      <a:alpha val="100000"/>
+                    </a:srgbClr>
+                  </a:solidFill>
+                  <a:latin typeface="Liberation Sans"/>
+                  <a:cs typeface="Liberation Sans"/>
+                </a:rPr>
+                <a:t>Eating</a:t>
+              </a:r>
+            </a:p>
+          </p:txBody>
+        </p:sp>
+        <p:sp>
+          <p:nvSpPr>
+            <p:cNvPr id="32" name="tx32"/>
+            <p:cNvSpPr/>
+            <p:nvPr/>
+          </p:nvSpPr>
+          <p:spPr>
+            <a:xfrm>
+              <a:off x="2701314" y="5758240"/>
+              <a:ext cx="621119" cy="104174"/>
+            </a:xfrm>
+            <a:prstGeom prst="rect">
+              <a:avLst/>
+            </a:prstGeom>
+            <a:noFill/>
+          </p:spPr>
+          <p:txBody>
+            <a:bodyPr lIns="0" rIns="0" tIns="0" bIns="0" anchorCtr="1" anchor="ctr" wrap="none"/>
+            <a:lstStyle/>
+            <a:p>
+              <a:pPr algn="l" marL="0" marR="0" indent="0">
+                <a:lnSpc>
+                  <a:spcPts val="880"/>
+                </a:lnSpc>
+                <a:spcBef>
+                  <a:spcPts val="0"/>
+                </a:spcBef>
+                <a:spcAft>
+                  <a:spcPts val="0"/>
+                </a:spcAft>
+              </a:pPr>
+              <a:r>
+                <a:rPr sz="880">
+                  <a:solidFill>
+                    <a:srgbClr val="4D4D4D">
+                      <a:alpha val="100000"/>
+                    </a:srgbClr>
+                  </a:solidFill>
+                  <a:latin typeface="Liberation Sans"/>
+                  <a:cs typeface="Liberation Sans"/>
+                </a:rPr>
+                <a:t>Employment</a:t>
+              </a:r>
+            </a:p>
+          </p:txBody>
+        </p:sp>
+        <p:sp>
+          <p:nvSpPr>
+            <p:cNvPr id="33" name="tx33"/>
+            <p:cNvSpPr/>
+            <p:nvPr/>
+          </p:nvSpPr>
+          <p:spPr>
+            <a:xfrm>
+              <a:off x="3646173" y="5758240"/>
+              <a:ext cx="1323220" cy="104174"/>
+            </a:xfrm>
+            <a:prstGeom prst="rect">
+              <a:avLst/>
+            </a:prstGeom>
+            <a:noFill/>
+          </p:spPr>
+          <p:txBody>
+            <a:bodyPr lIns="0" rIns="0" tIns="0" bIns="0" anchorCtr="1" anchor="ctr" wrap="none"/>
+            <a:lstStyle/>
+            <a:p>
+              <a:pPr algn="l" marL="0" marR="0" indent="0">
+                <a:lnSpc>
+                  <a:spcPts val="880"/>
+                </a:lnSpc>
+                <a:spcBef>
+                  <a:spcPts val="0"/>
+                </a:spcBef>
+                <a:spcAft>
+                  <a:spcPts val="0"/>
+                </a:spcAft>
+              </a:pPr>
+              <a:r>
+                <a:rPr sz="880">
+                  <a:solidFill>
+                    <a:srgbClr val="4D4D4D">
+                      <a:alpha val="100000"/>
+                    </a:srgbClr>
+                  </a:solidFill>
+                  <a:latin typeface="Liberation Sans"/>
+                  <a:cs typeface="Liberation Sans"/>
+                </a:rPr>
+                <a:t>Household and family care</a:t>
+              </a:r>
+            </a:p>
+          </p:txBody>
+        </p:sp>
+        <p:sp>
+          <p:nvSpPr>
+            <p:cNvPr id="34" name="tx34"/>
+            <p:cNvSpPr/>
+            <p:nvPr/>
+          </p:nvSpPr>
+          <p:spPr>
+            <a:xfrm>
+              <a:off x="5258918" y="5780341"/>
+              <a:ext cx="689550" cy="82073"/>
+            </a:xfrm>
+            <a:prstGeom prst="rect">
+              <a:avLst/>
+            </a:prstGeom>
+            <a:noFill/>
+          </p:spPr>
+          <p:txBody>
+            <a:bodyPr lIns="0" rIns="0" tIns="0" bIns="0" anchorCtr="1" anchor="ctr" wrap="none"/>
+            <a:lstStyle/>
+            <a:p>
+              <a:pPr algn="l" marL="0" marR="0" indent="0">
+                <a:lnSpc>
+                  <a:spcPts val="880"/>
+                </a:lnSpc>
+                <a:spcBef>
+                  <a:spcPts val="0"/>
+                </a:spcBef>
+                <a:spcAft>
+                  <a:spcPts val="0"/>
+                </a:spcAft>
+              </a:pPr>
+              <a:r>
+                <a:rPr sz="880">
+                  <a:solidFill>
+                    <a:srgbClr val="4D4D4D">
+                      <a:alpha val="100000"/>
+                    </a:srgbClr>
+                  </a:solidFill>
+                  <a:latin typeface="Liberation Sans"/>
+                  <a:cs typeface="Liberation Sans"/>
+                </a:rPr>
+                <a:t>Personal care</a:t>
+              </a:r>
+            </a:p>
+          </p:txBody>
+        </p:sp>
+        <p:sp>
+          <p:nvSpPr>
+            <p:cNvPr id="35" name="tx35"/>
+            <p:cNvSpPr/>
+            <p:nvPr/>
+          </p:nvSpPr>
+          <p:spPr>
+            <a:xfrm>
+              <a:off x="6756683" y="5758240"/>
+              <a:ext cx="285839" cy="104174"/>
+            </a:xfrm>
+            <a:prstGeom prst="rect">
+              <a:avLst/>
+            </a:prstGeom>
+            <a:noFill/>
+          </p:spPr>
+          <p:txBody>
+            <a:bodyPr lIns="0" rIns="0" tIns="0" bIns="0" anchorCtr="1" anchor="ctr" wrap="none"/>
+            <a:lstStyle/>
+            <a:p>
+              <a:pPr algn="l" marL="0" marR="0" indent="0">
+                <a:lnSpc>
+                  <a:spcPts val="880"/>
+                </a:lnSpc>
+                <a:spcBef>
+                  <a:spcPts val="0"/>
+                </a:spcBef>
+                <a:spcAft>
+                  <a:spcPts val="0"/>
+                </a:spcAft>
+              </a:pPr>
+              <a:r>
+                <a:rPr sz="880">
+                  <a:solidFill>
+                    <a:srgbClr val="4D4D4D">
+                      <a:alpha val="100000"/>
+                    </a:srgbClr>
+                  </a:solidFill>
+                  <a:latin typeface="Liberation Sans"/>
+                  <a:cs typeface="Liberation Sans"/>
+                </a:rPr>
+                <a:t>Sleep</a:t>
+              </a:r>
+            </a:p>
+          </p:txBody>
+        </p:sp>
+        <p:sp>
+          <p:nvSpPr>
+            <p:cNvPr id="36" name="tx36"/>
+            <p:cNvSpPr/>
+            <p:nvPr/>
+          </p:nvSpPr>
+          <p:spPr>
+            <a:xfrm>
+              <a:off x="4032203" y="5922355"/>
+              <a:ext cx="551160" cy="102592"/>
+            </a:xfrm>
+            <a:prstGeom prst="rect">
+              <a:avLst/>
+            </a:prstGeom>
+            <a:noFill/>
+          </p:spPr>
+          <p:txBody>
+            <a:bodyPr lIns="0" rIns="0" tIns="0" bIns="0" anchorCtr="1" anchor="ctr" wrap="none"/>
+            <a:lstStyle/>
+            <a:p>
+              <a:pPr algn="l" marL="0" marR="0" indent="0">
+                <a:lnSpc>
+                  <a:spcPts val="1100"/>
+                </a:lnSpc>
+                <a:spcBef>
+                  <a:spcPts val="0"/>
+                </a:spcBef>
+                <a:spcAft>
+                  <a:spcPts val="0"/>
+                </a:spcAft>
+              </a:pPr>
+              <a:r>
+                <a:rPr sz="1100">
+                  <a:solidFill>
+                    <a:srgbClr val="000000">
+                      <a:alpha val="100000"/>
+                    </a:srgbClr>
+                  </a:solidFill>
+                  <a:latin typeface="Liberation Sans"/>
+                  <a:cs typeface="Liberation Sans"/>
+                </a:rPr>
+                <a:t>Activities</a:t>
+              </a:r>
+            </a:p>
+          </p:txBody>
+        </p:sp>
+        <p:sp>
+          <p:nvSpPr>
+            <p:cNvPr id="37" name="tx37"/>
+            <p:cNvSpPr/>
+            <p:nvPr/>
+          </p:nvSpPr>
+          <p:spPr>
+            <a:xfrm rot="-5400000">
+              <a:off x="78630" y="3753321"/>
+              <a:ext cx="985949" cy="102592"/>
+            </a:xfrm>
+            <a:prstGeom prst="rect">
+              <a:avLst/>
+            </a:prstGeom>
+            <a:noFill/>
+          </p:spPr>
+          <p:txBody>
+            <a:bodyPr lIns="0" rIns="0" tIns="0" bIns="0" anchorCtr="1" anchor="ctr" wrap="none"/>
+            <a:lstStyle/>
+            <a:p>
+              <a:pPr algn="l" marL="0" marR="0" indent="0">
+                <a:lnSpc>
+                  <a:spcPts val="1100"/>
+                </a:lnSpc>
+                <a:spcBef>
+                  <a:spcPts val="0"/>
+                </a:spcBef>
+                <a:spcAft>
+                  <a:spcPts val="0"/>
+                </a:spcAft>
+              </a:pPr>
+              <a:r>
+                <a:rPr sz="1100">
+                  <a:solidFill>
+                    <a:srgbClr val="000000">
+                      <a:alpha val="100000"/>
+                    </a:srgbClr>
+                  </a:solidFill>
+                  <a:latin typeface="Liberation Sans"/>
+                  <a:cs typeface="Liberation Sans"/>
+                </a:rPr>
+                <a:t>Time in minutes</a:t>
+              </a:r>
+            </a:p>
+          </p:txBody>
+        </p:sp>
+        <p:sp>
+          <p:nvSpPr>
+            <p:cNvPr id="38" name="tx38"/>
+            <p:cNvSpPr/>
+            <p:nvPr/>
+          </p:nvSpPr>
+          <p:spPr>
+            <a:xfrm>
+              <a:off x="7885916" y="3468204"/>
+              <a:ext cx="644748" cy="130218"/>
+            </a:xfrm>
+            <a:prstGeom prst="rect">
+              <a:avLst/>
+            </a:prstGeom>
+            <a:noFill/>
+          </p:spPr>
+          <p:txBody>
+            <a:bodyPr lIns="0" rIns="0" tIns="0" bIns="0" anchorCtr="1" anchor="ctr" wrap="none"/>
+            <a:lstStyle/>
+            <a:p>
+              <a:pPr algn="l" marL="0" marR="0" indent="0">
+                <a:lnSpc>
+                  <a:spcPts val="1100"/>
+                </a:lnSpc>
+                <a:spcBef>
+                  <a:spcPts val="0"/>
+                </a:spcBef>
+                <a:spcAft>
+                  <a:spcPts val="0"/>
+                </a:spcAft>
+              </a:pPr>
+              <a:r>
+                <a:rPr sz="1100">
+                  <a:solidFill>
+                    <a:srgbClr val="000000">
+                      <a:alpha val="100000"/>
+                    </a:srgbClr>
+                  </a:solidFill>
+                  <a:latin typeface="Liberation Sans"/>
+                  <a:cs typeface="Liberation Sans"/>
+                </a:rPr>
+                <a:t>population</a:t>
+              </a:r>
+            </a:p>
+          </p:txBody>
+        </p:sp>
+        <p:sp>
+          <p:nvSpPr>
+            <p:cNvPr id="39" name="rc39"/>
+            <p:cNvSpPr/>
+            <p:nvPr/>
+          </p:nvSpPr>
+          <p:spPr>
+            <a:xfrm>
+              <a:off x="7894916" y="3692824"/>
+              <a:ext cx="201455" cy="201456"/>
+            </a:xfrm>
+            <a:prstGeom prst="rect">
+              <a:avLst/>
+            </a:prstGeom>
+            <a:solidFill>
+              <a:srgbClr val="F8766D">
+                <a:alpha val="100000"/>
+              </a:srgbClr>
+            </a:solidFill>
+          </p:spPr>
+          <p:txBody>
+            <a:bodyPr/>
+            <a:lstStyle/>
+            <a:p/>
+          </p:txBody>
+        </p:sp>
+        <p:sp>
+          <p:nvSpPr>
+            <p:cNvPr id="40" name="rc40"/>
+            <p:cNvSpPr/>
+            <p:nvPr/>
+          </p:nvSpPr>
+          <p:spPr>
+            <a:xfrm>
+              <a:off x="7894916" y="3912280"/>
+              <a:ext cx="201455" cy="201456"/>
+            </a:xfrm>
+            <a:prstGeom prst="rect">
+              <a:avLst/>
+            </a:prstGeom>
+            <a:solidFill>
+              <a:srgbClr val="00BFC4">
+                <a:alpha val="100000"/>
+              </a:srgbClr>
+            </a:solidFill>
+          </p:spPr>
+          <p:txBody>
+            <a:bodyPr/>
+            <a:lstStyle/>
+            <a:p/>
+          </p:txBody>
+        </p:sp>
+        <p:sp>
+          <p:nvSpPr>
+            <p:cNvPr id="41" name="tx41"/>
+            <p:cNvSpPr/>
+            <p:nvPr/>
+          </p:nvSpPr>
+          <p:spPr>
+            <a:xfrm>
+              <a:off x="8174961" y="3749923"/>
+              <a:ext cx="372660" cy="82073"/>
+            </a:xfrm>
+            <a:prstGeom prst="rect">
+              <a:avLst/>
+            </a:prstGeom>
+            <a:noFill/>
+          </p:spPr>
+          <p:txBody>
+            <a:bodyPr lIns="0" rIns="0" tIns="0" bIns="0" anchorCtr="1" anchor="ctr" wrap="none"/>
+            <a:lstStyle/>
+            <a:p>
+              <a:pPr algn="l" marL="0" marR="0" indent="0">
+                <a:lnSpc>
+                  <a:spcPts val="880"/>
+                </a:lnSpc>
+                <a:spcBef>
+                  <a:spcPts val="0"/>
+                </a:spcBef>
+                <a:spcAft>
+                  <a:spcPts val="0"/>
+                </a:spcAft>
+              </a:pPr>
+              <a:r>
+                <a:rPr sz="880">
+                  <a:solidFill>
+                    <a:srgbClr val="000000">
+                      <a:alpha val="100000"/>
+                    </a:srgbClr>
+                  </a:solidFill>
+                  <a:latin typeface="Liberation Sans"/>
+                  <a:cs typeface="Liberation Sans"/>
+                </a:rPr>
+                <a:t>Female</a:t>
+              </a:r>
+            </a:p>
+          </p:txBody>
+        </p:sp>
+        <p:sp>
+          <p:nvSpPr>
+            <p:cNvPr id="42" name="tx42"/>
+            <p:cNvSpPr/>
+            <p:nvPr/>
+          </p:nvSpPr>
+          <p:spPr>
+            <a:xfrm>
+              <a:off x="8174961" y="3969379"/>
+              <a:ext cx="242237" cy="82073"/>
+            </a:xfrm>
+            <a:prstGeom prst="rect">
+              <a:avLst/>
+            </a:prstGeom>
+            <a:noFill/>
+          </p:spPr>
+          <p:txBody>
+            <a:bodyPr lIns="0" rIns="0" tIns="0" bIns="0" anchorCtr="1" anchor="ctr" wrap="none"/>
+            <a:lstStyle/>
+            <a:p>
+              <a:pPr algn="l" marL="0" marR="0" indent="0">
+                <a:lnSpc>
+                  <a:spcPts val="880"/>
+                </a:lnSpc>
+                <a:spcBef>
+                  <a:spcPts val="0"/>
+                </a:spcBef>
+                <a:spcAft>
+                  <a:spcPts val="0"/>
+                </a:spcAft>
+              </a:pPr>
+              <a:r>
+                <a:rPr sz="880">
+                  <a:solidFill>
+                    <a:srgbClr val="000000">
+                      <a:alpha val="100000"/>
+                    </a:srgbClr>
+                  </a:solidFill>
+                  <a:latin typeface="Liberation Sans"/>
+                  <a:cs typeface="Liberation Sans"/>
+                </a:rPr>
+                <a:t>Male</a:t>
+              </a:r>
+            </a:p>
+          </p:txBody>
+        </p:sp>
+        <p:sp>
+          <p:nvSpPr>
+            <p:cNvPr id="43" name="tx43"/>
+            <p:cNvSpPr/>
+            <p:nvPr/>
+          </p:nvSpPr>
+          <p:spPr>
+            <a:xfrm>
+              <a:off x="938418" y="1628861"/>
+              <a:ext cx="1537818" cy="156262"/>
+            </a:xfrm>
+            <a:prstGeom prst="rect">
+              <a:avLst/>
+            </a:prstGeom>
+            <a:noFill/>
+          </p:spPr>
+          <p:txBody>
+            <a:bodyPr lIns="0" rIns="0" tIns="0" bIns="0" anchorCtr="1" anchor="ctr" wrap="none"/>
+            <a:lstStyle/>
+            <a:p>
+              <a:pPr algn="l" marL="0" marR="0" indent="0">
+                <a:lnSpc>
+                  <a:spcPts val="1320"/>
+                </a:lnSpc>
+                <a:spcBef>
+                  <a:spcPts val="0"/>
+                </a:spcBef>
+                <a:spcAft>
+                  <a:spcPts val="0"/>
+                </a:spcAft>
+              </a:pPr>
+              <a:r>
+                <a:rPr sz="1320">
+                  <a:solidFill>
+                    <a:srgbClr val="000000">
+                      <a:alpha val="100000"/>
+                    </a:srgbClr>
+                  </a:solidFill>
+                  <a:latin typeface="Liberation Sans"/>
+                  <a:cs typeface="Liberation Sans"/>
+                </a:rPr>
+                <a:t>Year 2014_Saturday</a:t>
+              </a:r>
+            </a:p>
+          </p:txBody>
+        </p:sp>
+      </p:grpSp>
+    </p:spTree>
+  </p:cSld>
+  <p:clrMapOvr>
+    <a:masterClrMapping/>
+  </p:clrMapOvr>
+</p:sld>
+</file>
+
+<file path=ppt/slides/slide27.xml><?xml version="1.0" encoding="utf-8"?>
+<p:sld xmlns:a="http://schemas.openxmlformats.org/drawingml/2006/main" xmlns:r="http://schemas.openxmlformats.org/officeDocument/2006/relationships" xmlns:p="http://schemas.openxmlformats.org/presentationml/2006/main">
+  <p:cSld>
+    <p:spTree>
+      <p:nvGrpSpPr>
+        <p:cNvPr id="1" name=""/>
+        <p:cNvGrpSpPr/>
+        <p:nvPr/>
+      </p:nvGrpSpPr>
+      <p:grpSpPr>
+        <a:xfrm>
+          <a:off x="0" y="0"/>
+          <a:ext cx="0" cy="0"/>
+          <a:chOff x="0" y="0"/>
+          <a:chExt cx="0" cy="0"/>
+        </a:xfrm>
+      </p:grpSpPr>
+      <p:grpSp xmlns:a="http://schemas.openxmlformats.org/drawingml/2006/main" xmlns:r="http://schemas.openxmlformats.org/officeDocument/2006/relationships" xmlns:p="http://schemas.openxmlformats.org/presentationml/2006/main" xmlns:pic="http://schemas.openxmlformats.org/drawingml/2006/picture">
+        <p:nvGrpSpPr>
+          <p:cNvPr id="2" name="grp1"/>
+          <p:cNvGrpSpPr/>
+          <p:nvPr/>
+        </p:nvGrpSpPr>
+        <p:grpSpPr>
+          <a:xfrm>
+            <a:off x="457200" y="1600200"/>
+            <a:ext cx="8229600" cy="4525962"/>
+            <a:chOff x="457200" y="1600200"/>
+            <a:chExt cx="8229600" cy="4525962"/>
+          </a:xfrm>
+        </p:grpSpPr>
+        <p:sp>
+          <p:nvSpPr>
+            <p:cNvPr id="3" name="rc3"/>
+            <p:cNvSpPr/>
+            <p:nvPr/>
+          </p:nvSpPr>
+          <p:spPr>
+            <a:xfrm>
+              <a:off x="457200" y="1600200"/>
+              <a:ext cx="8229600" cy="4525962"/>
+            </a:xfrm>
+            <a:prstGeom prst="rect">
+              <a:avLst/>
+            </a:prstGeom>
+            <a:solidFill>
+              <a:srgbClr val="FFFFFF">
+                <a:alpha val="100000"/>
+              </a:srgbClr>
+            </a:solidFill>
+            <a:ln w="9525" cap="rnd">
+              <a:solidFill>
+                <a:srgbClr val="FFFFFF">
+                  <a:alpha val="100000"/>
+                </a:srgbClr>
+              </a:solidFill>
+              <a:prstDash val="solid"/>
+              <a:round/>
+            </a:ln>
+          </p:spPr>
+          <p:txBody>
+            <a:bodyPr/>
+            <a:lstStyle/>
+            <a:p/>
+          </p:txBody>
+        </p:sp>
+        <p:sp>
+          <p:nvSpPr>
+            <p:cNvPr id="4" name="pl4"/>
+            <p:cNvSpPr/>
+            <p:nvPr/>
+          </p:nvSpPr>
+          <p:spPr>
+            <a:xfrm>
+              <a:off x="938418" y="5112534"/>
+              <a:ext cx="6738730" cy="0"/>
+            </a:xfrm>
+            <a:custGeom>
+              <a:avLst/>
+              <a:pathLst>
+                <a:path w="6738730" h="0">
+                  <a:moveTo>
+                    <a:pt x="0" y="0"/>
+                  </a:moveTo>
+                  <a:lnTo>
+                    <a:pt x="6738730" y="0"/>
+                  </a:lnTo>
+                  <a:lnTo>
+                    <a:pt x="6738730" y="0"/>
+                  </a:lnTo>
+                </a:path>
+              </a:pathLst>
+            </a:custGeom>
+            <a:ln w="6775" cap="flat">
+              <a:solidFill>
+                <a:srgbClr val="EBEBEB">
+                  <a:alpha val="100000"/>
+                </a:srgbClr>
+              </a:solidFill>
+              <a:prstDash val="solid"/>
+              <a:round/>
+            </a:ln>
+          </p:spPr>
+          <p:txBody>
+            <a:bodyPr/>
+            <a:lstStyle/>
+            <a:p/>
+          </p:txBody>
+        </p:sp>
+        <p:sp>
+          <p:nvSpPr>
+            <p:cNvPr id="5" name="pl5"/>
+            <p:cNvSpPr/>
+            <p:nvPr/>
+          </p:nvSpPr>
+          <p:spPr>
+            <a:xfrm>
+              <a:off x="938418" y="4240589"/>
+              <a:ext cx="6738730" cy="0"/>
+            </a:xfrm>
+            <a:custGeom>
+              <a:avLst/>
+              <a:pathLst>
+                <a:path w="6738730" h="0">
+                  <a:moveTo>
+                    <a:pt x="0" y="0"/>
+                  </a:moveTo>
+                  <a:lnTo>
+                    <a:pt x="6738730" y="0"/>
+                  </a:lnTo>
+                  <a:lnTo>
+                    <a:pt x="6738730" y="0"/>
+                  </a:lnTo>
+                </a:path>
+              </a:pathLst>
+            </a:custGeom>
+            <a:ln w="6775" cap="flat">
+              <a:solidFill>
+                <a:srgbClr val="EBEBEB">
+                  <a:alpha val="100000"/>
+                </a:srgbClr>
+              </a:solidFill>
+              <a:prstDash val="solid"/>
+              <a:round/>
+            </a:ln>
+          </p:spPr>
+          <p:txBody>
+            <a:bodyPr/>
+            <a:lstStyle/>
+            <a:p/>
+          </p:txBody>
+        </p:sp>
+        <p:sp>
+          <p:nvSpPr>
+            <p:cNvPr id="6" name="pl6"/>
+            <p:cNvSpPr/>
+            <p:nvPr/>
+          </p:nvSpPr>
+          <p:spPr>
+            <a:xfrm>
+              <a:off x="938418" y="3368644"/>
+              <a:ext cx="6738730" cy="0"/>
+            </a:xfrm>
+            <a:custGeom>
+              <a:avLst/>
+              <a:pathLst>
+                <a:path w="6738730" h="0">
+                  <a:moveTo>
+                    <a:pt x="0" y="0"/>
+                  </a:moveTo>
+                  <a:lnTo>
+                    <a:pt x="6738730" y="0"/>
+                  </a:lnTo>
+                  <a:lnTo>
+                    <a:pt x="6738730" y="0"/>
+                  </a:lnTo>
+                </a:path>
+              </a:pathLst>
+            </a:custGeom>
+            <a:ln w="6775" cap="flat">
+              <a:solidFill>
+                <a:srgbClr val="EBEBEB">
+                  <a:alpha val="100000"/>
+                </a:srgbClr>
+              </a:solidFill>
+              <a:prstDash val="solid"/>
+              <a:round/>
+            </a:ln>
+          </p:spPr>
+          <p:txBody>
+            <a:bodyPr/>
+            <a:lstStyle/>
+            <a:p/>
+          </p:txBody>
+        </p:sp>
+        <p:sp>
+          <p:nvSpPr>
+            <p:cNvPr id="7" name="pl7"/>
+            <p:cNvSpPr/>
+            <p:nvPr/>
+          </p:nvSpPr>
+          <p:spPr>
+            <a:xfrm>
+              <a:off x="938418" y="2496699"/>
+              <a:ext cx="6738730" cy="0"/>
+            </a:xfrm>
+            <a:custGeom>
+              <a:avLst/>
+              <a:pathLst>
+                <a:path w="6738730" h="0">
+                  <a:moveTo>
+                    <a:pt x="0" y="0"/>
+                  </a:moveTo>
+                  <a:lnTo>
+                    <a:pt x="6738730" y="0"/>
+                  </a:lnTo>
+                  <a:lnTo>
+                    <a:pt x="6738730" y="0"/>
+                  </a:lnTo>
+                </a:path>
+              </a:pathLst>
+            </a:custGeom>
+            <a:ln w="6775" cap="flat">
+              <a:solidFill>
+                <a:srgbClr val="EBEBEB">
+                  <a:alpha val="100000"/>
+                </a:srgbClr>
+              </a:solidFill>
+              <a:prstDash val="solid"/>
+              <a:round/>
+            </a:ln>
+          </p:spPr>
+          <p:txBody>
+            <a:bodyPr/>
+            <a:lstStyle/>
+            <a:p/>
+          </p:txBody>
+        </p:sp>
+        <p:sp>
+          <p:nvSpPr>
+            <p:cNvPr id="8" name="pl8"/>
+            <p:cNvSpPr/>
+            <p:nvPr/>
+          </p:nvSpPr>
+          <p:spPr>
+            <a:xfrm>
+              <a:off x="938418" y="5548506"/>
+              <a:ext cx="6738730" cy="0"/>
+            </a:xfrm>
+            <a:custGeom>
+              <a:avLst/>
+              <a:pathLst>
+                <a:path w="6738730" h="0">
+                  <a:moveTo>
+                    <a:pt x="0" y="0"/>
+                  </a:moveTo>
+                  <a:lnTo>
+                    <a:pt x="6738730" y="0"/>
+                  </a:lnTo>
+                  <a:lnTo>
+                    <a:pt x="6738730" y="0"/>
+                  </a:lnTo>
+                </a:path>
+              </a:pathLst>
+            </a:custGeom>
+            <a:ln w="13550" cap="flat">
+              <a:solidFill>
+                <a:srgbClr val="EBEBEB">
+                  <a:alpha val="100000"/>
+                </a:srgbClr>
+              </a:solidFill>
+              <a:prstDash val="solid"/>
+              <a:round/>
+            </a:ln>
+          </p:spPr>
+          <p:txBody>
+            <a:bodyPr/>
+            <a:lstStyle/>
+            <a:p/>
+          </p:txBody>
+        </p:sp>
+        <p:sp>
+          <p:nvSpPr>
+            <p:cNvPr id="9" name="pl9"/>
+            <p:cNvSpPr/>
+            <p:nvPr/>
+          </p:nvSpPr>
+          <p:spPr>
+            <a:xfrm>
+              <a:off x="938418" y="4676561"/>
+              <a:ext cx="6738730" cy="0"/>
+            </a:xfrm>
+            <a:custGeom>
+              <a:avLst/>
+              <a:pathLst>
+                <a:path w="6738730" h="0">
+                  <a:moveTo>
+                    <a:pt x="0" y="0"/>
+                  </a:moveTo>
+                  <a:lnTo>
+                    <a:pt x="6738730" y="0"/>
+                  </a:lnTo>
+                  <a:lnTo>
+                    <a:pt x="6738730" y="0"/>
+                  </a:lnTo>
+                </a:path>
+              </a:pathLst>
+            </a:custGeom>
+            <a:ln w="13550" cap="flat">
+              <a:solidFill>
+                <a:srgbClr val="EBEBEB">
+                  <a:alpha val="100000"/>
+                </a:srgbClr>
+              </a:solidFill>
+              <a:prstDash val="solid"/>
+              <a:round/>
+            </a:ln>
+          </p:spPr>
+          <p:txBody>
+            <a:bodyPr/>
+            <a:lstStyle/>
+            <a:p/>
+          </p:txBody>
+        </p:sp>
+        <p:sp>
+          <p:nvSpPr>
+            <p:cNvPr id="10" name="pl10"/>
+            <p:cNvSpPr/>
+            <p:nvPr/>
+          </p:nvSpPr>
+          <p:spPr>
+            <a:xfrm>
+              <a:off x="938418" y="3804617"/>
+              <a:ext cx="6738730" cy="0"/>
+            </a:xfrm>
+            <a:custGeom>
+              <a:avLst/>
+              <a:pathLst>
+                <a:path w="6738730" h="0">
+                  <a:moveTo>
+                    <a:pt x="0" y="0"/>
+                  </a:moveTo>
+                  <a:lnTo>
+                    <a:pt x="6738730" y="0"/>
+                  </a:lnTo>
+                  <a:lnTo>
+                    <a:pt x="6738730" y="0"/>
+                  </a:lnTo>
+                </a:path>
+              </a:pathLst>
+            </a:custGeom>
+            <a:ln w="13550" cap="flat">
+              <a:solidFill>
+                <a:srgbClr val="EBEBEB">
+                  <a:alpha val="100000"/>
+                </a:srgbClr>
+              </a:solidFill>
+              <a:prstDash val="solid"/>
+              <a:round/>
+            </a:ln>
+          </p:spPr>
+          <p:txBody>
+            <a:bodyPr/>
+            <a:lstStyle/>
+            <a:p/>
+          </p:txBody>
+        </p:sp>
+        <p:sp>
+          <p:nvSpPr>
+            <p:cNvPr id="11" name="pl11"/>
+            <p:cNvSpPr/>
+            <p:nvPr/>
+          </p:nvSpPr>
+          <p:spPr>
+            <a:xfrm>
+              <a:off x="938418" y="2932672"/>
+              <a:ext cx="6738730" cy="0"/>
+            </a:xfrm>
+            <a:custGeom>
+              <a:avLst/>
+              <a:pathLst>
+                <a:path w="6738730" h="0">
+                  <a:moveTo>
+                    <a:pt x="0" y="0"/>
+                  </a:moveTo>
+                  <a:lnTo>
+                    <a:pt x="6738730" y="0"/>
+                  </a:lnTo>
+                  <a:lnTo>
+                    <a:pt x="6738730" y="0"/>
+                  </a:lnTo>
+                </a:path>
+              </a:pathLst>
+            </a:custGeom>
+            <a:ln w="13550" cap="flat">
+              <a:solidFill>
+                <a:srgbClr val="EBEBEB">
+                  <a:alpha val="100000"/>
+                </a:srgbClr>
+              </a:solidFill>
+              <a:prstDash val="solid"/>
+              <a:round/>
+            </a:ln>
+          </p:spPr>
+          <p:txBody>
+            <a:bodyPr/>
+            <a:lstStyle/>
+            <a:p/>
+          </p:txBody>
+        </p:sp>
+        <p:sp>
+          <p:nvSpPr>
+            <p:cNvPr id="12" name="pl12"/>
+            <p:cNvSpPr/>
+            <p:nvPr/>
+          </p:nvSpPr>
+          <p:spPr>
+            <a:xfrm>
+              <a:off x="938418" y="2060727"/>
+              <a:ext cx="6738730" cy="0"/>
+            </a:xfrm>
+            <a:custGeom>
+              <a:avLst/>
+              <a:pathLst>
+                <a:path w="6738730" h="0">
+                  <a:moveTo>
+                    <a:pt x="0" y="0"/>
+                  </a:moveTo>
+                  <a:lnTo>
+                    <a:pt x="6738730" y="0"/>
+                  </a:lnTo>
+                  <a:lnTo>
+                    <a:pt x="6738730" y="0"/>
+                  </a:lnTo>
+                </a:path>
+              </a:pathLst>
+            </a:custGeom>
+            <a:ln w="13550" cap="flat">
+              <a:solidFill>
+                <a:srgbClr val="EBEBEB">
+                  <a:alpha val="100000"/>
+                </a:srgbClr>
+              </a:solidFill>
+              <a:prstDash val="solid"/>
+              <a:round/>
+            </a:ln>
+          </p:spPr>
+          <p:txBody>
+            <a:bodyPr/>
+            <a:lstStyle/>
+            <a:p/>
+          </p:txBody>
+        </p:sp>
+        <p:sp>
+          <p:nvSpPr>
+            <p:cNvPr id="13" name="pl13"/>
+            <p:cNvSpPr/>
+            <p:nvPr/>
+          </p:nvSpPr>
+          <p:spPr>
+            <a:xfrm>
+              <a:off x="1715964" y="1886338"/>
+              <a:ext cx="0" cy="3836557"/>
+            </a:xfrm>
+            <a:custGeom>
+              <a:avLst/>
+              <a:pathLst>
+                <a:path w="0" h="3836557">
+                  <a:moveTo>
+                    <a:pt x="0" y="3836557"/>
+                  </a:moveTo>
+                  <a:lnTo>
+                    <a:pt x="0" y="0"/>
+                  </a:lnTo>
+                  <a:lnTo>
+                    <a:pt x="0" y="0"/>
+                  </a:lnTo>
+                </a:path>
+              </a:pathLst>
+            </a:custGeom>
+            <a:ln w="13550" cap="flat">
+              <a:solidFill>
+                <a:srgbClr val="EBEBEB">
+                  <a:alpha val="100000"/>
+                </a:srgbClr>
+              </a:solidFill>
+              <a:prstDash val="solid"/>
+              <a:round/>
+            </a:ln>
+          </p:spPr>
+          <p:txBody>
+            <a:bodyPr/>
+            <a:lstStyle/>
+            <a:p/>
+          </p:txBody>
+        </p:sp>
+        <p:sp>
+          <p:nvSpPr>
+            <p:cNvPr id="14" name="pl14"/>
+            <p:cNvSpPr/>
+            <p:nvPr/>
+          </p:nvSpPr>
+          <p:spPr>
+            <a:xfrm>
+              <a:off x="3011873" y="1886338"/>
+              <a:ext cx="0" cy="3836557"/>
+            </a:xfrm>
+            <a:custGeom>
+              <a:avLst/>
+              <a:pathLst>
+                <a:path w="0" h="3836557">
+                  <a:moveTo>
+                    <a:pt x="0" y="3836557"/>
+                  </a:moveTo>
+                  <a:lnTo>
+                    <a:pt x="0" y="0"/>
+                  </a:lnTo>
+                  <a:lnTo>
+                    <a:pt x="0" y="0"/>
+                  </a:lnTo>
+                </a:path>
+              </a:pathLst>
+            </a:custGeom>
+            <a:ln w="13550" cap="flat">
+              <a:solidFill>
+                <a:srgbClr val="EBEBEB">
+                  <a:alpha val="100000"/>
+                </a:srgbClr>
+              </a:solidFill>
+              <a:prstDash val="solid"/>
+              <a:round/>
+            </a:ln>
+          </p:spPr>
+          <p:txBody>
+            <a:bodyPr/>
+            <a:lstStyle/>
+            <a:p/>
+          </p:txBody>
+        </p:sp>
+        <p:sp>
+          <p:nvSpPr>
+            <p:cNvPr id="15" name="pl15"/>
+            <p:cNvSpPr/>
+            <p:nvPr/>
+          </p:nvSpPr>
+          <p:spPr>
+            <a:xfrm>
+              <a:off x="4307783" y="1886338"/>
+              <a:ext cx="0" cy="3836557"/>
+            </a:xfrm>
+            <a:custGeom>
+              <a:avLst/>
+              <a:pathLst>
+                <a:path w="0" h="3836557">
+                  <a:moveTo>
+                    <a:pt x="0" y="3836557"/>
+                  </a:moveTo>
+                  <a:lnTo>
+                    <a:pt x="0" y="0"/>
+                  </a:lnTo>
+                  <a:lnTo>
+                    <a:pt x="0" y="0"/>
+                  </a:lnTo>
+                </a:path>
+              </a:pathLst>
+            </a:custGeom>
+            <a:ln w="13550" cap="flat">
+              <a:solidFill>
+                <a:srgbClr val="EBEBEB">
+                  <a:alpha val="100000"/>
+                </a:srgbClr>
+              </a:solidFill>
+              <a:prstDash val="solid"/>
+              <a:round/>
+            </a:ln>
+          </p:spPr>
+          <p:txBody>
+            <a:bodyPr/>
+            <a:lstStyle/>
+            <a:p/>
+          </p:txBody>
+        </p:sp>
+        <p:sp>
+          <p:nvSpPr>
+            <p:cNvPr id="16" name="pl16"/>
+            <p:cNvSpPr/>
+            <p:nvPr/>
+          </p:nvSpPr>
+          <p:spPr>
+            <a:xfrm>
+              <a:off x="5603693" y="1886338"/>
+              <a:ext cx="0" cy="3836557"/>
+            </a:xfrm>
+            <a:custGeom>
+              <a:avLst/>
+              <a:pathLst>
+                <a:path w="0" h="3836557">
+                  <a:moveTo>
+                    <a:pt x="0" y="3836557"/>
+                  </a:moveTo>
+                  <a:lnTo>
+                    <a:pt x="0" y="0"/>
+                  </a:lnTo>
+                  <a:lnTo>
+                    <a:pt x="0" y="0"/>
+                  </a:lnTo>
+                </a:path>
+              </a:pathLst>
+            </a:custGeom>
+            <a:ln w="13550" cap="flat">
+              <a:solidFill>
+                <a:srgbClr val="EBEBEB">
+                  <a:alpha val="100000"/>
+                </a:srgbClr>
+              </a:solidFill>
+              <a:prstDash val="solid"/>
+              <a:round/>
+            </a:ln>
+          </p:spPr>
+          <p:txBody>
+            <a:bodyPr/>
+            <a:lstStyle/>
+            <a:p/>
+          </p:txBody>
+        </p:sp>
+        <p:sp>
+          <p:nvSpPr>
+            <p:cNvPr id="17" name="pl17"/>
+            <p:cNvSpPr/>
+            <p:nvPr/>
+          </p:nvSpPr>
+          <p:spPr>
+            <a:xfrm>
+              <a:off x="6899603" y="1886338"/>
+              <a:ext cx="0" cy="3836557"/>
+            </a:xfrm>
+            <a:custGeom>
+              <a:avLst/>
+              <a:pathLst>
+                <a:path w="0" h="3836557">
+                  <a:moveTo>
+                    <a:pt x="0" y="3836557"/>
+                  </a:moveTo>
+                  <a:lnTo>
+                    <a:pt x="0" y="0"/>
+                  </a:lnTo>
+                  <a:lnTo>
+                    <a:pt x="0" y="0"/>
+                  </a:lnTo>
+                </a:path>
+              </a:pathLst>
+            </a:custGeom>
+            <a:ln w="13550" cap="flat">
+              <a:solidFill>
+                <a:srgbClr val="EBEBEB">
+                  <a:alpha val="100000"/>
+                </a:srgbClr>
+              </a:solidFill>
+              <a:prstDash val="solid"/>
+              <a:round/>
+            </a:ln>
+          </p:spPr>
+          <p:txBody>
+            <a:bodyPr/>
+            <a:lstStyle/>
+            <a:p/>
+          </p:txBody>
+        </p:sp>
+        <p:sp>
+          <p:nvSpPr>
+            <p:cNvPr id="18" name="rc18"/>
+            <p:cNvSpPr/>
+            <p:nvPr/>
+          </p:nvSpPr>
+          <p:spPr>
+            <a:xfrm>
+              <a:off x="1715964" y="4977382"/>
+              <a:ext cx="583159" cy="571123"/>
+            </a:xfrm>
+            <a:prstGeom prst="rect">
+              <a:avLst/>
+            </a:prstGeom>
+            <a:solidFill>
+              <a:srgbClr val="00BFC4">
+                <a:alpha val="100000"/>
+              </a:srgbClr>
+            </a:solidFill>
+          </p:spPr>
+          <p:txBody>
+            <a:bodyPr/>
+            <a:lstStyle/>
+            <a:p/>
+          </p:txBody>
+        </p:sp>
+        <p:sp>
+          <p:nvSpPr>
+            <p:cNvPr id="19" name="rc19"/>
+            <p:cNvSpPr/>
+            <p:nvPr/>
+          </p:nvSpPr>
+          <p:spPr>
+            <a:xfrm>
+              <a:off x="1132804" y="4977382"/>
+              <a:ext cx="583159" cy="571123"/>
+            </a:xfrm>
+            <a:prstGeom prst="rect">
+              <a:avLst/>
+            </a:prstGeom>
+            <a:solidFill>
+              <a:srgbClr val="F8766D">
+                <a:alpha val="100000"/>
+              </a:srgbClr>
+            </a:solidFill>
+          </p:spPr>
+          <p:txBody>
+            <a:bodyPr/>
+            <a:lstStyle/>
+            <a:p/>
+          </p:txBody>
+        </p:sp>
+        <p:sp>
+          <p:nvSpPr>
+            <p:cNvPr id="20" name="rc20"/>
+            <p:cNvSpPr/>
+            <p:nvPr/>
+          </p:nvSpPr>
+          <p:spPr>
+            <a:xfrm>
+              <a:off x="3011873" y="4131596"/>
+              <a:ext cx="583159" cy="1416910"/>
+            </a:xfrm>
+            <a:prstGeom prst="rect">
+              <a:avLst/>
+            </a:prstGeom>
+            <a:solidFill>
+              <a:srgbClr val="00BFC4">
+                <a:alpha val="100000"/>
+              </a:srgbClr>
+            </a:solidFill>
+          </p:spPr>
+          <p:txBody>
+            <a:bodyPr/>
+            <a:lstStyle/>
+            <a:p/>
+          </p:txBody>
+        </p:sp>
+        <p:sp>
+          <p:nvSpPr>
+            <p:cNvPr id="21" name="rc21"/>
+            <p:cNvSpPr/>
+            <p:nvPr/>
+          </p:nvSpPr>
+          <p:spPr>
+            <a:xfrm>
+              <a:off x="2428714" y="4362661"/>
+              <a:ext cx="583159" cy="1185845"/>
+            </a:xfrm>
+            <a:prstGeom prst="rect">
+              <a:avLst/>
+            </a:prstGeom>
+            <a:solidFill>
+              <a:srgbClr val="F8766D">
+                <a:alpha val="100000"/>
+              </a:srgbClr>
+            </a:solidFill>
+          </p:spPr>
+          <p:txBody>
+            <a:bodyPr/>
+            <a:lstStyle/>
+            <a:p/>
+          </p:txBody>
+        </p:sp>
+        <p:sp>
+          <p:nvSpPr>
+            <p:cNvPr id="22" name="rc22"/>
+            <p:cNvSpPr/>
+            <p:nvPr/>
+          </p:nvSpPr>
+          <p:spPr>
+            <a:xfrm>
+              <a:off x="4307783" y="4925066"/>
+              <a:ext cx="583159" cy="623440"/>
+            </a:xfrm>
+            <a:prstGeom prst="rect">
+              <a:avLst/>
+            </a:prstGeom>
+            <a:solidFill>
+              <a:srgbClr val="00BFC4">
+                <a:alpha val="100000"/>
+              </a:srgbClr>
+            </a:solidFill>
+          </p:spPr>
+          <p:txBody>
+            <a:bodyPr/>
+            <a:lstStyle/>
+            <a:p/>
+          </p:txBody>
+        </p:sp>
+        <p:sp>
+          <p:nvSpPr>
+            <p:cNvPr id="23" name="rc23"/>
+            <p:cNvSpPr/>
+            <p:nvPr/>
+          </p:nvSpPr>
+          <p:spPr>
+            <a:xfrm>
+              <a:off x="3724624" y="4598086"/>
+              <a:ext cx="583159" cy="950419"/>
+            </a:xfrm>
+            <a:prstGeom prst="rect">
+              <a:avLst/>
+            </a:prstGeom>
+            <a:solidFill>
+              <a:srgbClr val="F8766D">
+                <a:alpha val="100000"/>
+              </a:srgbClr>
+            </a:solidFill>
+          </p:spPr>
+          <p:txBody>
+            <a:bodyPr/>
+            <a:lstStyle/>
+            <a:p/>
+          </p:txBody>
+        </p:sp>
+        <p:sp>
+          <p:nvSpPr>
+            <p:cNvPr id="24" name="rc24"/>
+            <p:cNvSpPr/>
+            <p:nvPr/>
+          </p:nvSpPr>
+          <p:spPr>
+            <a:xfrm>
+              <a:off x="5603693" y="2073806"/>
+              <a:ext cx="583159" cy="3474700"/>
+            </a:xfrm>
+            <a:prstGeom prst="rect">
+              <a:avLst/>
+            </a:prstGeom>
+            <a:solidFill>
+              <a:srgbClr val="00BFC4">
+                <a:alpha val="100000"/>
+              </a:srgbClr>
+            </a:solidFill>
+          </p:spPr>
+          <p:txBody>
+            <a:bodyPr/>
+            <a:lstStyle/>
+            <a:p/>
+          </p:txBody>
+        </p:sp>
+        <p:sp>
+          <p:nvSpPr>
+            <p:cNvPr id="25" name="rc25"/>
+            <p:cNvSpPr/>
+            <p:nvPr/>
+          </p:nvSpPr>
+          <p:spPr>
+            <a:xfrm>
+              <a:off x="5020534" y="2060727"/>
+              <a:ext cx="583159" cy="3487779"/>
+            </a:xfrm>
+            <a:prstGeom prst="rect">
+              <a:avLst/>
+            </a:prstGeom>
+            <a:solidFill>
+              <a:srgbClr val="F8766D">
+                <a:alpha val="100000"/>
+              </a:srgbClr>
+            </a:solidFill>
+          </p:spPr>
+          <p:txBody>
+            <a:bodyPr/>
+            <a:lstStyle/>
+            <a:p/>
+          </p:txBody>
+        </p:sp>
+        <p:sp>
+          <p:nvSpPr>
+            <p:cNvPr id="26" name="rc26"/>
+            <p:cNvSpPr/>
+            <p:nvPr/>
+          </p:nvSpPr>
+          <p:spPr>
+            <a:xfrm>
+              <a:off x="6899603" y="2862916"/>
+              <a:ext cx="583159" cy="2685590"/>
+            </a:xfrm>
+            <a:prstGeom prst="rect">
+              <a:avLst/>
+            </a:prstGeom>
+            <a:solidFill>
+              <a:srgbClr val="00BFC4">
+                <a:alpha val="100000"/>
+              </a:srgbClr>
+            </a:solidFill>
+          </p:spPr>
+          <p:txBody>
+            <a:bodyPr/>
+            <a:lstStyle/>
+            <a:p/>
+          </p:txBody>
+        </p:sp>
+        <p:sp>
+          <p:nvSpPr>
+            <p:cNvPr id="27" name="rc27"/>
+            <p:cNvSpPr/>
+            <p:nvPr/>
+          </p:nvSpPr>
+          <p:spPr>
+            <a:xfrm>
+              <a:off x="6316443" y="2893434"/>
+              <a:ext cx="583159" cy="2655072"/>
+            </a:xfrm>
+            <a:prstGeom prst="rect">
+              <a:avLst/>
+            </a:prstGeom>
+            <a:solidFill>
+              <a:srgbClr val="F8766D">
+                <a:alpha val="100000"/>
+              </a:srgbClr>
+            </a:solidFill>
+          </p:spPr>
+          <p:txBody>
+            <a:bodyPr/>
+            <a:lstStyle/>
+            <a:p/>
+          </p:txBody>
+        </p:sp>
+        <p:sp>
+          <p:nvSpPr>
+            <p:cNvPr id="28" name="tx28"/>
+            <p:cNvSpPr/>
+            <p:nvPr/>
+          </p:nvSpPr>
+          <p:spPr>
+            <a:xfrm>
+              <a:off x="813632" y="5507824"/>
+              <a:ext cx="62155" cy="79126"/>
+            </a:xfrm>
+            <a:prstGeom prst="rect">
+              <a:avLst/>
+            </a:prstGeom>
+            <a:noFill/>
+          </p:spPr>
+          <p:txBody>
+            <a:bodyPr lIns="0" rIns="0" tIns="0" bIns="0" anchorCtr="1" anchor="ctr" wrap="none"/>
+            <a:lstStyle/>
+            <a:p>
+              <a:pPr algn="l" marL="0" marR="0" indent="0">
+                <a:lnSpc>
+                  <a:spcPts val="880"/>
+                </a:lnSpc>
+                <a:spcBef>
+                  <a:spcPts val="0"/>
+                </a:spcBef>
+                <a:spcAft>
+                  <a:spcPts val="0"/>
+                </a:spcAft>
+              </a:pPr>
+              <a:r>
+                <a:rPr sz="880">
+                  <a:solidFill>
+                    <a:srgbClr val="4D4D4D">
+                      <a:alpha val="100000"/>
+                    </a:srgbClr>
+                  </a:solidFill>
+                  <a:latin typeface="Liberation Sans"/>
+                  <a:cs typeface="Liberation Sans"/>
+                </a:rPr>
+                <a:t>0</a:t>
+              </a:r>
+            </a:p>
+          </p:txBody>
+        </p:sp>
+        <p:sp>
+          <p:nvSpPr>
+            <p:cNvPr id="29" name="tx29"/>
+            <p:cNvSpPr/>
+            <p:nvPr/>
+          </p:nvSpPr>
+          <p:spPr>
+            <a:xfrm>
+              <a:off x="689321" y="4635879"/>
+              <a:ext cx="186466" cy="79126"/>
+            </a:xfrm>
+            <a:prstGeom prst="rect">
+              <a:avLst/>
+            </a:prstGeom>
+            <a:noFill/>
+          </p:spPr>
+          <p:txBody>
+            <a:bodyPr lIns="0" rIns="0" tIns="0" bIns="0" anchorCtr="1" anchor="ctr" wrap="none"/>
+            <a:lstStyle/>
+            <a:p>
+              <a:pPr algn="l" marL="0" marR="0" indent="0">
+                <a:lnSpc>
+                  <a:spcPts val="880"/>
+                </a:lnSpc>
+                <a:spcBef>
+                  <a:spcPts val="0"/>
+                </a:spcBef>
+                <a:spcAft>
+                  <a:spcPts val="0"/>
+                </a:spcAft>
+              </a:pPr>
+              <a:r>
+                <a:rPr sz="880">
+                  <a:solidFill>
+                    <a:srgbClr val="4D4D4D">
+                      <a:alpha val="100000"/>
+                    </a:srgbClr>
+                  </a:solidFill>
+                  <a:latin typeface="Liberation Sans"/>
+                  <a:cs typeface="Liberation Sans"/>
+                </a:rPr>
+                <a:t>200</a:t>
+              </a:r>
+            </a:p>
+          </p:txBody>
+        </p:sp>
+        <p:sp>
+          <p:nvSpPr>
+            <p:cNvPr id="30" name="tx30"/>
+            <p:cNvSpPr/>
+            <p:nvPr/>
+          </p:nvSpPr>
+          <p:spPr>
+            <a:xfrm>
+              <a:off x="689321" y="3763934"/>
+              <a:ext cx="186466" cy="79126"/>
+            </a:xfrm>
+            <a:prstGeom prst="rect">
+              <a:avLst/>
+            </a:prstGeom>
+            <a:noFill/>
+          </p:spPr>
+          <p:txBody>
+            <a:bodyPr lIns="0" rIns="0" tIns="0" bIns="0" anchorCtr="1" anchor="ctr" wrap="none"/>
+            <a:lstStyle/>
+            <a:p>
+              <a:pPr algn="l" marL="0" marR="0" indent="0">
+                <a:lnSpc>
+                  <a:spcPts val="880"/>
+                </a:lnSpc>
+                <a:spcBef>
+                  <a:spcPts val="0"/>
+                </a:spcBef>
+                <a:spcAft>
+                  <a:spcPts val="0"/>
+                </a:spcAft>
+              </a:pPr>
+              <a:r>
+                <a:rPr sz="880">
+                  <a:solidFill>
+                    <a:srgbClr val="4D4D4D">
+                      <a:alpha val="100000"/>
+                    </a:srgbClr>
+                  </a:solidFill>
+                  <a:latin typeface="Liberation Sans"/>
+                  <a:cs typeface="Liberation Sans"/>
+                </a:rPr>
+                <a:t>400</a:t>
+              </a:r>
+            </a:p>
+          </p:txBody>
+        </p:sp>
+        <p:sp>
+          <p:nvSpPr>
+            <p:cNvPr id="31" name="tx31"/>
+            <p:cNvSpPr/>
+            <p:nvPr/>
+          </p:nvSpPr>
+          <p:spPr>
+            <a:xfrm>
+              <a:off x="689321" y="2891990"/>
+              <a:ext cx="186466" cy="79126"/>
+            </a:xfrm>
+            <a:prstGeom prst="rect">
+              <a:avLst/>
+            </a:prstGeom>
+            <a:noFill/>
+          </p:spPr>
+          <p:txBody>
+            <a:bodyPr lIns="0" rIns="0" tIns="0" bIns="0" anchorCtr="1" anchor="ctr" wrap="none"/>
+            <a:lstStyle/>
+            <a:p>
+              <a:pPr algn="l" marL="0" marR="0" indent="0">
+                <a:lnSpc>
+                  <a:spcPts val="880"/>
+                </a:lnSpc>
+                <a:spcBef>
+                  <a:spcPts val="0"/>
+                </a:spcBef>
+                <a:spcAft>
+                  <a:spcPts val="0"/>
+                </a:spcAft>
+              </a:pPr>
+              <a:r>
+                <a:rPr sz="880">
+                  <a:solidFill>
+                    <a:srgbClr val="4D4D4D">
+                      <a:alpha val="100000"/>
+                    </a:srgbClr>
+                  </a:solidFill>
+                  <a:latin typeface="Liberation Sans"/>
+                  <a:cs typeface="Liberation Sans"/>
+                </a:rPr>
+                <a:t>600</a:t>
+              </a:r>
+            </a:p>
+          </p:txBody>
+        </p:sp>
+        <p:sp>
+          <p:nvSpPr>
+            <p:cNvPr id="32" name="tx32"/>
+            <p:cNvSpPr/>
+            <p:nvPr/>
+          </p:nvSpPr>
+          <p:spPr>
+            <a:xfrm>
+              <a:off x="689321" y="2020045"/>
+              <a:ext cx="186466" cy="79126"/>
+            </a:xfrm>
+            <a:prstGeom prst="rect">
+              <a:avLst/>
+            </a:prstGeom>
+            <a:noFill/>
+          </p:spPr>
+          <p:txBody>
+            <a:bodyPr lIns="0" rIns="0" tIns="0" bIns="0" anchorCtr="1" anchor="ctr" wrap="none"/>
+            <a:lstStyle/>
+            <a:p>
+              <a:pPr algn="l" marL="0" marR="0" indent="0">
+                <a:lnSpc>
+                  <a:spcPts val="880"/>
+                </a:lnSpc>
+                <a:spcBef>
+                  <a:spcPts val="0"/>
+                </a:spcBef>
+                <a:spcAft>
+                  <a:spcPts val="0"/>
+                </a:spcAft>
+              </a:pPr>
+              <a:r>
+                <a:rPr sz="880">
+                  <a:solidFill>
+                    <a:srgbClr val="4D4D4D">
+                      <a:alpha val="100000"/>
+                    </a:srgbClr>
+                  </a:solidFill>
+                  <a:latin typeface="Liberation Sans"/>
+                  <a:cs typeface="Liberation Sans"/>
+                </a:rPr>
+                <a:t>800</a:t>
+              </a:r>
+            </a:p>
+          </p:txBody>
+        </p:sp>
+        <p:sp>
+          <p:nvSpPr>
+            <p:cNvPr id="33" name="tx33"/>
+            <p:cNvSpPr/>
+            <p:nvPr/>
+          </p:nvSpPr>
+          <p:spPr>
+            <a:xfrm>
+              <a:off x="1557519" y="5758240"/>
+              <a:ext cx="316889" cy="104174"/>
+            </a:xfrm>
+            <a:prstGeom prst="rect">
+              <a:avLst/>
+            </a:prstGeom>
+            <a:noFill/>
+          </p:spPr>
+          <p:txBody>
+            <a:bodyPr lIns="0" rIns="0" tIns="0" bIns="0" anchorCtr="1" anchor="ctr" wrap="none"/>
+            <a:lstStyle/>
+            <a:p>
+              <a:pPr algn="l" marL="0" marR="0" indent="0">
+                <a:lnSpc>
+                  <a:spcPts val="880"/>
+                </a:lnSpc>
+                <a:spcBef>
+                  <a:spcPts val="0"/>
+                </a:spcBef>
+                <a:spcAft>
+                  <a:spcPts val="0"/>
+                </a:spcAft>
+              </a:pPr>
+              <a:r>
+                <a:rPr sz="880">
+                  <a:solidFill>
+                    <a:srgbClr val="4D4D4D">
+                      <a:alpha val="100000"/>
+                    </a:srgbClr>
+                  </a:solidFill>
+                  <a:latin typeface="Liberation Sans"/>
+                  <a:cs typeface="Liberation Sans"/>
+                </a:rPr>
+                <a:t>Eating</a:t>
+              </a:r>
+            </a:p>
+          </p:txBody>
+        </p:sp>
+        <p:sp>
+          <p:nvSpPr>
+            <p:cNvPr id="34" name="tx34"/>
+            <p:cNvSpPr/>
+            <p:nvPr/>
+          </p:nvSpPr>
+          <p:spPr>
+            <a:xfrm>
+              <a:off x="2701314" y="5758240"/>
+              <a:ext cx="621119" cy="104174"/>
+            </a:xfrm>
+            <a:prstGeom prst="rect">
+              <a:avLst/>
+            </a:prstGeom>
+            <a:noFill/>
+          </p:spPr>
+          <p:txBody>
+            <a:bodyPr lIns="0" rIns="0" tIns="0" bIns="0" anchorCtr="1" anchor="ctr" wrap="none"/>
+            <a:lstStyle/>
+            <a:p>
+              <a:pPr algn="l" marL="0" marR="0" indent="0">
+                <a:lnSpc>
+                  <a:spcPts val="880"/>
+                </a:lnSpc>
+                <a:spcBef>
+                  <a:spcPts val="0"/>
+                </a:spcBef>
+                <a:spcAft>
+                  <a:spcPts val="0"/>
+                </a:spcAft>
+              </a:pPr>
+              <a:r>
+                <a:rPr sz="880">
+                  <a:solidFill>
+                    <a:srgbClr val="4D4D4D">
+                      <a:alpha val="100000"/>
+                    </a:srgbClr>
+                  </a:solidFill>
+                  <a:latin typeface="Liberation Sans"/>
+                  <a:cs typeface="Liberation Sans"/>
+                </a:rPr>
+                <a:t>Employment</a:t>
+              </a:r>
+            </a:p>
+          </p:txBody>
+        </p:sp>
+        <p:sp>
+          <p:nvSpPr>
+            <p:cNvPr id="35" name="tx35"/>
+            <p:cNvSpPr/>
+            <p:nvPr/>
+          </p:nvSpPr>
+          <p:spPr>
+            <a:xfrm>
+              <a:off x="3646173" y="5758240"/>
+              <a:ext cx="1323220" cy="104174"/>
+            </a:xfrm>
+            <a:prstGeom prst="rect">
+              <a:avLst/>
+            </a:prstGeom>
+            <a:noFill/>
+          </p:spPr>
+          <p:txBody>
+            <a:bodyPr lIns="0" rIns="0" tIns="0" bIns="0" anchorCtr="1" anchor="ctr" wrap="none"/>
+            <a:lstStyle/>
+            <a:p>
+              <a:pPr algn="l" marL="0" marR="0" indent="0">
+                <a:lnSpc>
+                  <a:spcPts val="880"/>
+                </a:lnSpc>
+                <a:spcBef>
+                  <a:spcPts val="0"/>
+                </a:spcBef>
+                <a:spcAft>
+                  <a:spcPts val="0"/>
+                </a:spcAft>
+              </a:pPr>
+              <a:r>
+                <a:rPr sz="880">
+                  <a:solidFill>
+                    <a:srgbClr val="4D4D4D">
+                      <a:alpha val="100000"/>
+                    </a:srgbClr>
+                  </a:solidFill>
+                  <a:latin typeface="Liberation Sans"/>
+                  <a:cs typeface="Liberation Sans"/>
+                </a:rPr>
+                <a:t>Household and family care</a:t>
+              </a:r>
+            </a:p>
+          </p:txBody>
+        </p:sp>
+        <p:sp>
+          <p:nvSpPr>
+            <p:cNvPr id="36" name="tx36"/>
+            <p:cNvSpPr/>
+            <p:nvPr/>
+          </p:nvSpPr>
+          <p:spPr>
+            <a:xfrm>
+              <a:off x="5258918" y="5780341"/>
+              <a:ext cx="689550" cy="82073"/>
+            </a:xfrm>
+            <a:prstGeom prst="rect">
+              <a:avLst/>
+            </a:prstGeom>
+            <a:noFill/>
+          </p:spPr>
+          <p:txBody>
+            <a:bodyPr lIns="0" rIns="0" tIns="0" bIns="0" anchorCtr="1" anchor="ctr" wrap="none"/>
+            <a:lstStyle/>
+            <a:p>
+              <a:pPr algn="l" marL="0" marR="0" indent="0">
+                <a:lnSpc>
+                  <a:spcPts val="880"/>
+                </a:lnSpc>
+                <a:spcBef>
+                  <a:spcPts val="0"/>
+                </a:spcBef>
+                <a:spcAft>
+                  <a:spcPts val="0"/>
+                </a:spcAft>
+              </a:pPr>
+              <a:r>
+                <a:rPr sz="880">
+                  <a:solidFill>
+                    <a:srgbClr val="4D4D4D">
+                      <a:alpha val="100000"/>
+                    </a:srgbClr>
+                  </a:solidFill>
+                  <a:latin typeface="Liberation Sans"/>
+                  <a:cs typeface="Liberation Sans"/>
+                </a:rPr>
+                <a:t>Personal care</a:t>
+              </a:r>
+            </a:p>
+          </p:txBody>
+        </p:sp>
+        <p:sp>
+          <p:nvSpPr>
+            <p:cNvPr id="37" name="tx37"/>
+            <p:cNvSpPr/>
+            <p:nvPr/>
+          </p:nvSpPr>
+          <p:spPr>
+            <a:xfrm>
+              <a:off x="6756683" y="5758240"/>
+              <a:ext cx="285839" cy="104174"/>
+            </a:xfrm>
+            <a:prstGeom prst="rect">
+              <a:avLst/>
+            </a:prstGeom>
+            <a:noFill/>
+          </p:spPr>
+          <p:txBody>
+            <a:bodyPr lIns="0" rIns="0" tIns="0" bIns="0" anchorCtr="1" anchor="ctr" wrap="none"/>
+            <a:lstStyle/>
+            <a:p>
+              <a:pPr algn="l" marL="0" marR="0" indent="0">
+                <a:lnSpc>
+                  <a:spcPts val="880"/>
+                </a:lnSpc>
+                <a:spcBef>
+                  <a:spcPts val="0"/>
+                </a:spcBef>
+                <a:spcAft>
+                  <a:spcPts val="0"/>
+                </a:spcAft>
+              </a:pPr>
+              <a:r>
+                <a:rPr sz="880">
+                  <a:solidFill>
+                    <a:srgbClr val="4D4D4D">
+                      <a:alpha val="100000"/>
+                    </a:srgbClr>
+                  </a:solidFill>
+                  <a:latin typeface="Liberation Sans"/>
+                  <a:cs typeface="Liberation Sans"/>
+                </a:rPr>
+                <a:t>Sleep</a:t>
+              </a:r>
+            </a:p>
+          </p:txBody>
+        </p:sp>
+        <p:sp>
+          <p:nvSpPr>
+            <p:cNvPr id="38" name="tx38"/>
+            <p:cNvSpPr/>
+            <p:nvPr/>
+          </p:nvSpPr>
+          <p:spPr>
+            <a:xfrm>
+              <a:off x="4032203" y="5922355"/>
+              <a:ext cx="551160" cy="102592"/>
+            </a:xfrm>
+            <a:prstGeom prst="rect">
+              <a:avLst/>
+            </a:prstGeom>
+            <a:noFill/>
+          </p:spPr>
+          <p:txBody>
+            <a:bodyPr lIns="0" rIns="0" tIns="0" bIns="0" anchorCtr="1" anchor="ctr" wrap="none"/>
+            <a:lstStyle/>
+            <a:p>
+              <a:pPr algn="l" marL="0" marR="0" indent="0">
+                <a:lnSpc>
+                  <a:spcPts val="1100"/>
+                </a:lnSpc>
+                <a:spcBef>
+                  <a:spcPts val="0"/>
+                </a:spcBef>
+                <a:spcAft>
+                  <a:spcPts val="0"/>
+                </a:spcAft>
+              </a:pPr>
+              <a:r>
+                <a:rPr sz="1100">
+                  <a:solidFill>
+                    <a:srgbClr val="000000">
+                      <a:alpha val="100000"/>
+                    </a:srgbClr>
+                  </a:solidFill>
+                  <a:latin typeface="Liberation Sans"/>
+                  <a:cs typeface="Liberation Sans"/>
+                </a:rPr>
+                <a:t>Activities</a:t>
+              </a:r>
+            </a:p>
+          </p:txBody>
+        </p:sp>
+        <p:sp>
+          <p:nvSpPr>
+            <p:cNvPr id="39" name="tx39"/>
+            <p:cNvSpPr/>
+            <p:nvPr/>
+          </p:nvSpPr>
+          <p:spPr>
+            <a:xfrm rot="-5400000">
+              <a:off x="78630" y="3753321"/>
+              <a:ext cx="985949" cy="102592"/>
+            </a:xfrm>
+            <a:prstGeom prst="rect">
+              <a:avLst/>
+            </a:prstGeom>
+            <a:noFill/>
+          </p:spPr>
+          <p:txBody>
+            <a:bodyPr lIns="0" rIns="0" tIns="0" bIns="0" anchorCtr="1" anchor="ctr" wrap="none"/>
+            <a:lstStyle/>
+            <a:p>
+              <a:pPr algn="l" marL="0" marR="0" indent="0">
+                <a:lnSpc>
+                  <a:spcPts val="1100"/>
+                </a:lnSpc>
+                <a:spcBef>
+                  <a:spcPts val="0"/>
+                </a:spcBef>
+                <a:spcAft>
+                  <a:spcPts val="0"/>
+                </a:spcAft>
+              </a:pPr>
+              <a:r>
+                <a:rPr sz="1100">
+                  <a:solidFill>
+                    <a:srgbClr val="000000">
+                      <a:alpha val="100000"/>
+                    </a:srgbClr>
+                  </a:solidFill>
+                  <a:latin typeface="Liberation Sans"/>
+                  <a:cs typeface="Liberation Sans"/>
+                </a:rPr>
+                <a:t>Time in minutes</a:t>
+              </a:r>
+            </a:p>
+          </p:txBody>
+        </p:sp>
+        <p:sp>
+          <p:nvSpPr>
+            <p:cNvPr id="40" name="tx40"/>
+            <p:cNvSpPr/>
+            <p:nvPr/>
+          </p:nvSpPr>
+          <p:spPr>
+            <a:xfrm>
+              <a:off x="7885916" y="3468204"/>
+              <a:ext cx="644748" cy="130218"/>
+            </a:xfrm>
+            <a:prstGeom prst="rect">
+              <a:avLst/>
+            </a:prstGeom>
+            <a:noFill/>
+          </p:spPr>
+          <p:txBody>
+            <a:bodyPr lIns="0" rIns="0" tIns="0" bIns="0" anchorCtr="1" anchor="ctr" wrap="none"/>
+            <a:lstStyle/>
+            <a:p>
+              <a:pPr algn="l" marL="0" marR="0" indent="0">
+                <a:lnSpc>
+                  <a:spcPts val="1100"/>
+                </a:lnSpc>
+                <a:spcBef>
+                  <a:spcPts val="0"/>
+                </a:spcBef>
+                <a:spcAft>
+                  <a:spcPts val="0"/>
+                </a:spcAft>
+              </a:pPr>
+              <a:r>
+                <a:rPr sz="1100">
+                  <a:solidFill>
+                    <a:srgbClr val="000000">
+                      <a:alpha val="100000"/>
+                    </a:srgbClr>
+                  </a:solidFill>
+                  <a:latin typeface="Liberation Sans"/>
+                  <a:cs typeface="Liberation Sans"/>
+                </a:rPr>
+                <a:t>population</a:t>
+              </a:r>
+            </a:p>
+          </p:txBody>
+        </p:sp>
+        <p:sp>
+          <p:nvSpPr>
+            <p:cNvPr id="41" name="rc41"/>
+            <p:cNvSpPr/>
+            <p:nvPr/>
+          </p:nvSpPr>
+          <p:spPr>
+            <a:xfrm>
+              <a:off x="7894916" y="3692824"/>
+              <a:ext cx="201455" cy="201456"/>
+            </a:xfrm>
+            <a:prstGeom prst="rect">
+              <a:avLst/>
+            </a:prstGeom>
+            <a:solidFill>
+              <a:srgbClr val="F8766D">
+                <a:alpha val="100000"/>
+              </a:srgbClr>
+            </a:solidFill>
+          </p:spPr>
+          <p:txBody>
+            <a:bodyPr/>
+            <a:lstStyle/>
+            <a:p/>
+          </p:txBody>
+        </p:sp>
+        <p:sp>
+          <p:nvSpPr>
+            <p:cNvPr id="42" name="rc42"/>
+            <p:cNvSpPr/>
+            <p:nvPr/>
+          </p:nvSpPr>
+          <p:spPr>
+            <a:xfrm>
+              <a:off x="7894916" y="3912280"/>
+              <a:ext cx="201455" cy="201456"/>
+            </a:xfrm>
+            <a:prstGeom prst="rect">
+              <a:avLst/>
+            </a:prstGeom>
+            <a:solidFill>
+              <a:srgbClr val="00BFC4">
+                <a:alpha val="100000"/>
+              </a:srgbClr>
+            </a:solidFill>
+          </p:spPr>
+          <p:txBody>
+            <a:bodyPr/>
+            <a:lstStyle/>
+            <a:p/>
+          </p:txBody>
+        </p:sp>
+        <p:sp>
+          <p:nvSpPr>
+            <p:cNvPr id="43" name="tx43"/>
+            <p:cNvSpPr/>
+            <p:nvPr/>
+          </p:nvSpPr>
+          <p:spPr>
+            <a:xfrm>
+              <a:off x="8174961" y="3749923"/>
+              <a:ext cx="372660" cy="82073"/>
+            </a:xfrm>
+            <a:prstGeom prst="rect">
+              <a:avLst/>
+            </a:prstGeom>
+            <a:noFill/>
+          </p:spPr>
+          <p:txBody>
+            <a:bodyPr lIns="0" rIns="0" tIns="0" bIns="0" anchorCtr="1" anchor="ctr" wrap="none"/>
+            <a:lstStyle/>
+            <a:p>
+              <a:pPr algn="l" marL="0" marR="0" indent="0">
+                <a:lnSpc>
+                  <a:spcPts val="880"/>
+                </a:lnSpc>
+                <a:spcBef>
+                  <a:spcPts val="0"/>
+                </a:spcBef>
+                <a:spcAft>
+                  <a:spcPts val="0"/>
+                </a:spcAft>
+              </a:pPr>
+              <a:r>
+                <a:rPr sz="880">
+                  <a:solidFill>
+                    <a:srgbClr val="000000">
+                      <a:alpha val="100000"/>
+                    </a:srgbClr>
+                  </a:solidFill>
+                  <a:latin typeface="Liberation Sans"/>
+                  <a:cs typeface="Liberation Sans"/>
+                </a:rPr>
+                <a:t>Female</a:t>
+              </a:r>
+            </a:p>
+          </p:txBody>
+        </p:sp>
+        <p:sp>
+          <p:nvSpPr>
+            <p:cNvPr id="44" name="tx44"/>
+            <p:cNvSpPr/>
+            <p:nvPr/>
+          </p:nvSpPr>
+          <p:spPr>
+            <a:xfrm>
+              <a:off x="8174961" y="3969379"/>
+              <a:ext cx="242237" cy="82073"/>
+            </a:xfrm>
+            <a:prstGeom prst="rect">
+              <a:avLst/>
+            </a:prstGeom>
+            <a:noFill/>
+          </p:spPr>
+          <p:txBody>
+            <a:bodyPr lIns="0" rIns="0" tIns="0" bIns="0" anchorCtr="1" anchor="ctr" wrap="none"/>
+            <a:lstStyle/>
+            <a:p>
+              <a:pPr algn="l" marL="0" marR="0" indent="0">
+                <a:lnSpc>
+                  <a:spcPts val="880"/>
+                </a:lnSpc>
+                <a:spcBef>
+                  <a:spcPts val="0"/>
+                </a:spcBef>
+                <a:spcAft>
+                  <a:spcPts val="0"/>
+                </a:spcAft>
+              </a:pPr>
+              <a:r>
+                <a:rPr sz="880">
+                  <a:solidFill>
+                    <a:srgbClr val="000000">
+                      <a:alpha val="100000"/>
+                    </a:srgbClr>
+                  </a:solidFill>
+                  <a:latin typeface="Liberation Sans"/>
+                  <a:cs typeface="Liberation Sans"/>
+                </a:rPr>
+                <a:t>Male</a:t>
+              </a:r>
+            </a:p>
+          </p:txBody>
+        </p:sp>
+        <p:sp>
+          <p:nvSpPr>
+            <p:cNvPr id="45" name="tx45"/>
+            <p:cNvSpPr/>
+            <p:nvPr/>
+          </p:nvSpPr>
+          <p:spPr>
+            <a:xfrm>
+              <a:off x="938418" y="1628861"/>
+              <a:ext cx="1435417" cy="156262"/>
+            </a:xfrm>
+            <a:prstGeom prst="rect">
+              <a:avLst/>
+            </a:prstGeom>
+            <a:noFill/>
+          </p:spPr>
+          <p:txBody>
+            <a:bodyPr lIns="0" rIns="0" tIns="0" bIns="0" anchorCtr="1" anchor="ctr" wrap="none"/>
+            <a:lstStyle/>
+            <a:p>
+              <a:pPr algn="l" marL="0" marR="0" indent="0">
+                <a:lnSpc>
+                  <a:spcPts val="1320"/>
+                </a:lnSpc>
+                <a:spcBef>
+                  <a:spcPts val="0"/>
+                </a:spcBef>
+                <a:spcAft>
+                  <a:spcPts val="0"/>
+                </a:spcAft>
+              </a:pPr>
+              <a:r>
+                <a:rPr sz="1320">
+                  <a:solidFill>
+                    <a:srgbClr val="000000">
+                      <a:alpha val="100000"/>
+                    </a:srgbClr>
+                  </a:solidFill>
+                  <a:latin typeface="Liberation Sans"/>
+                  <a:cs typeface="Liberation Sans"/>
+                </a:rPr>
+                <a:t>Year 2014_Sunday</a:t>
+              </a:r>
+            </a:p>
+          </p:txBody>
+        </p:sp>
+      </p:grpSp>
+    </p:spTree>
+  </p:cSld>
+  <p:clrMapOvr>
+    <a:masterClrMapping/>
+  </p:clrMapOvr>
+</p:sld>
+</file>
+
 <file path=ppt/slides/slide3.xml><?xml version="1.0" encoding="utf-8"?>
 <p:sld xmlns:a="http://schemas.openxmlformats.org/drawingml/2006/main" xmlns:r="http://schemas.openxmlformats.org/officeDocument/2006/relationships" xmlns:p="http://schemas.openxmlformats.org/presentationml/2006/main">
   <p:cSld>

--- a/content/blog/test.pptx
+++ b/content/blog/test.pptx
@@ -32,6 +32,9 @@
     <p:sldId id="280" r:id="rId32"/>
     <p:sldId id="281" r:id="rId33"/>
     <p:sldId id="282" r:id="rId34"/>
+    <p:sldId id="283" r:id="rId35"/>
+    <p:sldId id="284" r:id="rId36"/>
+    <p:sldId id="285" r:id="rId37"/>
   </p:sldIdLst>
   <p:sldSz cx="9144000" cy="6858000" type="screen4x3"/>
   <p:notesSz cx="6858000" cy="9144000"/>
@@ -35477,7 +35480,5004 @@
 </p:sld>
 </file>
 
+<file path=ppt/slides/slide28.xml><?xml version="1.0" encoding="utf-8"?>
+<p:sld xmlns:a="http://schemas.openxmlformats.org/drawingml/2006/main" xmlns:r="http://schemas.openxmlformats.org/officeDocument/2006/relationships" xmlns:p="http://schemas.openxmlformats.org/presentationml/2006/main">
+  <p:cSld>
+    <p:spTree>
+      <p:nvGrpSpPr>
+        <p:cNvPr id="1" name=""/>
+        <p:cNvGrpSpPr/>
+        <p:nvPr/>
+      </p:nvGrpSpPr>
+      <p:grpSpPr>
+        <a:xfrm>
+          <a:off x="0" y="0"/>
+          <a:ext cx="0" cy="0"/>
+          <a:chOff x="0" y="0"/>
+          <a:chExt cx="0" cy="0"/>
+        </a:xfrm>
+      </p:grpSpPr>
+      <p:grpSp xmlns:a="http://schemas.openxmlformats.org/drawingml/2006/main" xmlns:r="http://schemas.openxmlformats.org/officeDocument/2006/relationships" xmlns:p="http://schemas.openxmlformats.org/presentationml/2006/main" xmlns:pic="http://schemas.openxmlformats.org/drawingml/2006/picture">
+        <p:nvGrpSpPr>
+          <p:cNvPr id="2" name="grp1"/>
+          <p:cNvGrpSpPr/>
+          <p:nvPr/>
+        </p:nvGrpSpPr>
+        <p:grpSpPr>
+          <a:xfrm>
+            <a:off x="457200" y="1600200"/>
+            <a:ext cx="8229600" cy="4525962"/>
+            <a:chOff x="457200" y="1600200"/>
+            <a:chExt cx="8229600" cy="4525962"/>
+          </a:xfrm>
+        </p:grpSpPr>
+        <p:sp>
+          <p:nvSpPr>
+            <p:cNvPr id="3" name="rc3"/>
+            <p:cNvSpPr/>
+            <p:nvPr/>
+          </p:nvSpPr>
+          <p:spPr>
+            <a:xfrm>
+              <a:off x="457200" y="1600200"/>
+              <a:ext cx="8229600" cy="4525962"/>
+            </a:xfrm>
+            <a:prstGeom prst="rect">
+              <a:avLst/>
+            </a:prstGeom>
+            <a:solidFill>
+              <a:srgbClr val="FFFFFF">
+                <a:alpha val="100000"/>
+              </a:srgbClr>
+            </a:solidFill>
+            <a:ln w="9525" cap="rnd">
+              <a:solidFill>
+                <a:srgbClr val="FFFFFF">
+                  <a:alpha val="100000"/>
+                </a:srgbClr>
+              </a:solidFill>
+              <a:prstDash val="solid"/>
+              <a:round/>
+            </a:ln>
+          </p:spPr>
+          <p:txBody>
+            <a:bodyPr/>
+            <a:lstStyle/>
+            <a:p/>
+          </p:txBody>
+        </p:sp>
+        <p:sp>
+          <p:nvSpPr>
+            <p:cNvPr id="4" name="pl4"/>
+            <p:cNvSpPr/>
+            <p:nvPr/>
+          </p:nvSpPr>
+          <p:spPr>
+            <a:xfrm>
+              <a:off x="938418" y="5031798"/>
+              <a:ext cx="6738730" cy="0"/>
+            </a:xfrm>
+            <a:custGeom>
+              <a:avLst/>
+              <a:pathLst>
+                <a:path w="6738730" h="0">
+                  <a:moveTo>
+                    <a:pt x="0" y="0"/>
+                  </a:moveTo>
+                  <a:lnTo>
+                    <a:pt x="6738730" y="0"/>
+                  </a:lnTo>
+                  <a:lnTo>
+                    <a:pt x="6738730" y="0"/>
+                  </a:lnTo>
+                </a:path>
+              </a:pathLst>
+            </a:custGeom>
+            <a:ln w="6775" cap="flat">
+              <a:solidFill>
+                <a:srgbClr val="EBEBEB">
+                  <a:alpha val="100000"/>
+                </a:srgbClr>
+              </a:solidFill>
+              <a:prstDash val="solid"/>
+              <a:round/>
+            </a:ln>
+          </p:spPr>
+          <p:txBody>
+            <a:bodyPr/>
+            <a:lstStyle/>
+            <a:p/>
+          </p:txBody>
+        </p:sp>
+        <p:sp>
+          <p:nvSpPr>
+            <p:cNvPr id="5" name="pl5"/>
+            <p:cNvSpPr/>
+            <p:nvPr/>
+          </p:nvSpPr>
+          <p:spPr>
+            <a:xfrm>
+              <a:off x="938418" y="3998382"/>
+              <a:ext cx="6738730" cy="0"/>
+            </a:xfrm>
+            <a:custGeom>
+              <a:avLst/>
+              <a:pathLst>
+                <a:path w="6738730" h="0">
+                  <a:moveTo>
+                    <a:pt x="0" y="0"/>
+                  </a:moveTo>
+                  <a:lnTo>
+                    <a:pt x="6738730" y="0"/>
+                  </a:lnTo>
+                  <a:lnTo>
+                    <a:pt x="6738730" y="0"/>
+                  </a:lnTo>
+                </a:path>
+              </a:pathLst>
+            </a:custGeom>
+            <a:ln w="6775" cap="flat">
+              <a:solidFill>
+                <a:srgbClr val="EBEBEB">
+                  <a:alpha val="100000"/>
+                </a:srgbClr>
+              </a:solidFill>
+              <a:prstDash val="solid"/>
+              <a:round/>
+            </a:ln>
+          </p:spPr>
+          <p:txBody>
+            <a:bodyPr/>
+            <a:lstStyle/>
+            <a:p/>
+          </p:txBody>
+        </p:sp>
+        <p:sp>
+          <p:nvSpPr>
+            <p:cNvPr id="6" name="pl6"/>
+            <p:cNvSpPr/>
+            <p:nvPr/>
+          </p:nvSpPr>
+          <p:spPr>
+            <a:xfrm>
+              <a:off x="938418" y="2964966"/>
+              <a:ext cx="6738730" cy="0"/>
+            </a:xfrm>
+            <a:custGeom>
+              <a:avLst/>
+              <a:pathLst>
+                <a:path w="6738730" h="0">
+                  <a:moveTo>
+                    <a:pt x="0" y="0"/>
+                  </a:moveTo>
+                  <a:lnTo>
+                    <a:pt x="6738730" y="0"/>
+                  </a:lnTo>
+                  <a:lnTo>
+                    <a:pt x="6738730" y="0"/>
+                  </a:lnTo>
+                </a:path>
+              </a:pathLst>
+            </a:custGeom>
+            <a:ln w="6775" cap="flat">
+              <a:solidFill>
+                <a:srgbClr val="EBEBEB">
+                  <a:alpha val="100000"/>
+                </a:srgbClr>
+              </a:solidFill>
+              <a:prstDash val="solid"/>
+              <a:round/>
+            </a:ln>
+          </p:spPr>
+          <p:txBody>
+            <a:bodyPr/>
+            <a:lstStyle/>
+            <a:p/>
+          </p:txBody>
+        </p:sp>
+        <p:sp>
+          <p:nvSpPr>
+            <p:cNvPr id="7" name="pl7"/>
+            <p:cNvSpPr/>
+            <p:nvPr/>
+          </p:nvSpPr>
+          <p:spPr>
+            <a:xfrm>
+              <a:off x="938418" y="1931550"/>
+              <a:ext cx="6738730" cy="0"/>
+            </a:xfrm>
+            <a:custGeom>
+              <a:avLst/>
+              <a:pathLst>
+                <a:path w="6738730" h="0">
+                  <a:moveTo>
+                    <a:pt x="0" y="0"/>
+                  </a:moveTo>
+                  <a:lnTo>
+                    <a:pt x="6738730" y="0"/>
+                  </a:lnTo>
+                  <a:lnTo>
+                    <a:pt x="6738730" y="0"/>
+                  </a:lnTo>
+                </a:path>
+              </a:pathLst>
+            </a:custGeom>
+            <a:ln w="6775" cap="flat">
+              <a:solidFill>
+                <a:srgbClr val="EBEBEB">
+                  <a:alpha val="100000"/>
+                </a:srgbClr>
+              </a:solidFill>
+              <a:prstDash val="solid"/>
+              <a:round/>
+            </a:ln>
+          </p:spPr>
+          <p:txBody>
+            <a:bodyPr/>
+            <a:lstStyle/>
+            <a:p/>
+          </p:txBody>
+        </p:sp>
+        <p:sp>
+          <p:nvSpPr>
+            <p:cNvPr id="8" name="pl8"/>
+            <p:cNvSpPr/>
+            <p:nvPr/>
+          </p:nvSpPr>
+          <p:spPr>
+            <a:xfrm>
+              <a:off x="938418" y="5548506"/>
+              <a:ext cx="6738730" cy="0"/>
+            </a:xfrm>
+            <a:custGeom>
+              <a:avLst/>
+              <a:pathLst>
+                <a:path w="6738730" h="0">
+                  <a:moveTo>
+                    <a:pt x="0" y="0"/>
+                  </a:moveTo>
+                  <a:lnTo>
+                    <a:pt x="6738730" y="0"/>
+                  </a:lnTo>
+                  <a:lnTo>
+                    <a:pt x="6738730" y="0"/>
+                  </a:lnTo>
+                </a:path>
+              </a:pathLst>
+            </a:custGeom>
+            <a:ln w="13550" cap="flat">
+              <a:solidFill>
+                <a:srgbClr val="EBEBEB">
+                  <a:alpha val="100000"/>
+                </a:srgbClr>
+              </a:solidFill>
+              <a:prstDash val="solid"/>
+              <a:round/>
+            </a:ln>
+          </p:spPr>
+          <p:txBody>
+            <a:bodyPr/>
+            <a:lstStyle/>
+            <a:p/>
+          </p:txBody>
+        </p:sp>
+        <p:sp>
+          <p:nvSpPr>
+            <p:cNvPr id="9" name="pl9"/>
+            <p:cNvSpPr/>
+            <p:nvPr/>
+          </p:nvSpPr>
+          <p:spPr>
+            <a:xfrm>
+              <a:off x="938418" y="4515090"/>
+              <a:ext cx="6738730" cy="0"/>
+            </a:xfrm>
+            <a:custGeom>
+              <a:avLst/>
+              <a:pathLst>
+                <a:path w="6738730" h="0">
+                  <a:moveTo>
+                    <a:pt x="0" y="0"/>
+                  </a:moveTo>
+                  <a:lnTo>
+                    <a:pt x="6738730" y="0"/>
+                  </a:lnTo>
+                  <a:lnTo>
+                    <a:pt x="6738730" y="0"/>
+                  </a:lnTo>
+                </a:path>
+              </a:pathLst>
+            </a:custGeom>
+            <a:ln w="13550" cap="flat">
+              <a:solidFill>
+                <a:srgbClr val="EBEBEB">
+                  <a:alpha val="100000"/>
+                </a:srgbClr>
+              </a:solidFill>
+              <a:prstDash val="solid"/>
+              <a:round/>
+            </a:ln>
+          </p:spPr>
+          <p:txBody>
+            <a:bodyPr/>
+            <a:lstStyle/>
+            <a:p/>
+          </p:txBody>
+        </p:sp>
+        <p:sp>
+          <p:nvSpPr>
+            <p:cNvPr id="10" name="pl10"/>
+            <p:cNvSpPr/>
+            <p:nvPr/>
+          </p:nvSpPr>
+          <p:spPr>
+            <a:xfrm>
+              <a:off x="938418" y="3481674"/>
+              <a:ext cx="6738730" cy="0"/>
+            </a:xfrm>
+            <a:custGeom>
+              <a:avLst/>
+              <a:pathLst>
+                <a:path w="6738730" h="0">
+                  <a:moveTo>
+                    <a:pt x="0" y="0"/>
+                  </a:moveTo>
+                  <a:lnTo>
+                    <a:pt x="6738730" y="0"/>
+                  </a:lnTo>
+                  <a:lnTo>
+                    <a:pt x="6738730" y="0"/>
+                  </a:lnTo>
+                </a:path>
+              </a:pathLst>
+            </a:custGeom>
+            <a:ln w="13550" cap="flat">
+              <a:solidFill>
+                <a:srgbClr val="EBEBEB">
+                  <a:alpha val="100000"/>
+                </a:srgbClr>
+              </a:solidFill>
+              <a:prstDash val="solid"/>
+              <a:round/>
+            </a:ln>
+          </p:spPr>
+          <p:txBody>
+            <a:bodyPr/>
+            <a:lstStyle/>
+            <a:p/>
+          </p:txBody>
+        </p:sp>
+        <p:sp>
+          <p:nvSpPr>
+            <p:cNvPr id="11" name="pl11"/>
+            <p:cNvSpPr/>
+            <p:nvPr/>
+          </p:nvSpPr>
+          <p:spPr>
+            <a:xfrm>
+              <a:off x="938418" y="2448258"/>
+              <a:ext cx="6738730" cy="0"/>
+            </a:xfrm>
+            <a:custGeom>
+              <a:avLst/>
+              <a:pathLst>
+                <a:path w="6738730" h="0">
+                  <a:moveTo>
+                    <a:pt x="0" y="0"/>
+                  </a:moveTo>
+                  <a:lnTo>
+                    <a:pt x="6738730" y="0"/>
+                  </a:lnTo>
+                  <a:lnTo>
+                    <a:pt x="6738730" y="0"/>
+                  </a:lnTo>
+                </a:path>
+              </a:pathLst>
+            </a:custGeom>
+            <a:ln w="13550" cap="flat">
+              <a:solidFill>
+                <a:srgbClr val="EBEBEB">
+                  <a:alpha val="100000"/>
+                </a:srgbClr>
+              </a:solidFill>
+              <a:prstDash val="solid"/>
+              <a:round/>
+            </a:ln>
+          </p:spPr>
+          <p:txBody>
+            <a:bodyPr/>
+            <a:lstStyle/>
+            <a:p/>
+          </p:txBody>
+        </p:sp>
+        <p:sp>
+          <p:nvSpPr>
+            <p:cNvPr id="12" name="pl12"/>
+            <p:cNvSpPr/>
+            <p:nvPr/>
+          </p:nvSpPr>
+          <p:spPr>
+            <a:xfrm>
+              <a:off x="1715964" y="1886338"/>
+              <a:ext cx="0" cy="3836557"/>
+            </a:xfrm>
+            <a:custGeom>
+              <a:avLst/>
+              <a:pathLst>
+                <a:path w="0" h="3836557">
+                  <a:moveTo>
+                    <a:pt x="0" y="3836557"/>
+                  </a:moveTo>
+                  <a:lnTo>
+                    <a:pt x="0" y="0"/>
+                  </a:lnTo>
+                  <a:lnTo>
+                    <a:pt x="0" y="0"/>
+                  </a:lnTo>
+                </a:path>
+              </a:pathLst>
+            </a:custGeom>
+            <a:ln w="13550" cap="flat">
+              <a:solidFill>
+                <a:srgbClr val="EBEBEB">
+                  <a:alpha val="100000"/>
+                </a:srgbClr>
+              </a:solidFill>
+              <a:prstDash val="solid"/>
+              <a:round/>
+            </a:ln>
+          </p:spPr>
+          <p:txBody>
+            <a:bodyPr/>
+            <a:lstStyle/>
+            <a:p/>
+          </p:txBody>
+        </p:sp>
+        <p:sp>
+          <p:nvSpPr>
+            <p:cNvPr id="13" name="pl13"/>
+            <p:cNvSpPr/>
+            <p:nvPr/>
+          </p:nvSpPr>
+          <p:spPr>
+            <a:xfrm>
+              <a:off x="3011873" y="1886338"/>
+              <a:ext cx="0" cy="3836557"/>
+            </a:xfrm>
+            <a:custGeom>
+              <a:avLst/>
+              <a:pathLst>
+                <a:path w="0" h="3836557">
+                  <a:moveTo>
+                    <a:pt x="0" y="3836557"/>
+                  </a:moveTo>
+                  <a:lnTo>
+                    <a:pt x="0" y="0"/>
+                  </a:lnTo>
+                  <a:lnTo>
+                    <a:pt x="0" y="0"/>
+                  </a:lnTo>
+                </a:path>
+              </a:pathLst>
+            </a:custGeom>
+            <a:ln w="13550" cap="flat">
+              <a:solidFill>
+                <a:srgbClr val="EBEBEB">
+                  <a:alpha val="100000"/>
+                </a:srgbClr>
+              </a:solidFill>
+              <a:prstDash val="solid"/>
+              <a:round/>
+            </a:ln>
+          </p:spPr>
+          <p:txBody>
+            <a:bodyPr/>
+            <a:lstStyle/>
+            <a:p/>
+          </p:txBody>
+        </p:sp>
+        <p:sp>
+          <p:nvSpPr>
+            <p:cNvPr id="14" name="pl14"/>
+            <p:cNvSpPr/>
+            <p:nvPr/>
+          </p:nvSpPr>
+          <p:spPr>
+            <a:xfrm>
+              <a:off x="4307783" y="1886338"/>
+              <a:ext cx="0" cy="3836557"/>
+            </a:xfrm>
+            <a:custGeom>
+              <a:avLst/>
+              <a:pathLst>
+                <a:path w="0" h="3836557">
+                  <a:moveTo>
+                    <a:pt x="0" y="3836557"/>
+                  </a:moveTo>
+                  <a:lnTo>
+                    <a:pt x="0" y="0"/>
+                  </a:lnTo>
+                  <a:lnTo>
+                    <a:pt x="0" y="0"/>
+                  </a:lnTo>
+                </a:path>
+              </a:pathLst>
+            </a:custGeom>
+            <a:ln w="13550" cap="flat">
+              <a:solidFill>
+                <a:srgbClr val="EBEBEB">
+                  <a:alpha val="100000"/>
+                </a:srgbClr>
+              </a:solidFill>
+              <a:prstDash val="solid"/>
+              <a:round/>
+            </a:ln>
+          </p:spPr>
+          <p:txBody>
+            <a:bodyPr/>
+            <a:lstStyle/>
+            <a:p/>
+          </p:txBody>
+        </p:sp>
+        <p:sp>
+          <p:nvSpPr>
+            <p:cNvPr id="15" name="pl15"/>
+            <p:cNvSpPr/>
+            <p:nvPr/>
+          </p:nvSpPr>
+          <p:spPr>
+            <a:xfrm>
+              <a:off x="5603693" y="1886338"/>
+              <a:ext cx="0" cy="3836557"/>
+            </a:xfrm>
+            <a:custGeom>
+              <a:avLst/>
+              <a:pathLst>
+                <a:path w="0" h="3836557">
+                  <a:moveTo>
+                    <a:pt x="0" y="3836557"/>
+                  </a:moveTo>
+                  <a:lnTo>
+                    <a:pt x="0" y="0"/>
+                  </a:lnTo>
+                  <a:lnTo>
+                    <a:pt x="0" y="0"/>
+                  </a:lnTo>
+                </a:path>
+              </a:pathLst>
+            </a:custGeom>
+            <a:ln w="13550" cap="flat">
+              <a:solidFill>
+                <a:srgbClr val="EBEBEB">
+                  <a:alpha val="100000"/>
+                </a:srgbClr>
+              </a:solidFill>
+              <a:prstDash val="solid"/>
+              <a:round/>
+            </a:ln>
+          </p:spPr>
+          <p:txBody>
+            <a:bodyPr/>
+            <a:lstStyle/>
+            <a:p/>
+          </p:txBody>
+        </p:sp>
+        <p:sp>
+          <p:nvSpPr>
+            <p:cNvPr id="16" name="pl16"/>
+            <p:cNvSpPr/>
+            <p:nvPr/>
+          </p:nvSpPr>
+          <p:spPr>
+            <a:xfrm>
+              <a:off x="6899603" y="1886338"/>
+              <a:ext cx="0" cy="3836557"/>
+            </a:xfrm>
+            <a:custGeom>
+              <a:avLst/>
+              <a:pathLst>
+                <a:path w="0" h="3836557">
+                  <a:moveTo>
+                    <a:pt x="0" y="3836557"/>
+                  </a:moveTo>
+                  <a:lnTo>
+                    <a:pt x="0" y="0"/>
+                  </a:lnTo>
+                  <a:lnTo>
+                    <a:pt x="0" y="0"/>
+                  </a:lnTo>
+                </a:path>
+              </a:pathLst>
+            </a:custGeom>
+            <a:ln w="13550" cap="flat">
+              <a:solidFill>
+                <a:srgbClr val="EBEBEB">
+                  <a:alpha val="100000"/>
+                </a:srgbClr>
+              </a:solidFill>
+              <a:prstDash val="solid"/>
+              <a:round/>
+            </a:ln>
+          </p:spPr>
+          <p:txBody>
+            <a:bodyPr/>
+            <a:lstStyle/>
+            <a:p/>
+          </p:txBody>
+        </p:sp>
+        <p:sp>
+          <p:nvSpPr>
+            <p:cNvPr id="17" name="rc17"/>
+            <p:cNvSpPr/>
+            <p:nvPr/>
+          </p:nvSpPr>
+          <p:spPr>
+            <a:xfrm>
+              <a:off x="1715964" y="5000796"/>
+              <a:ext cx="583159" cy="547710"/>
+            </a:xfrm>
+            <a:prstGeom prst="rect">
+              <a:avLst/>
+            </a:prstGeom>
+            <a:solidFill>
+              <a:srgbClr val="00BFC4">
+                <a:alpha val="100000"/>
+              </a:srgbClr>
+            </a:solidFill>
+          </p:spPr>
+          <p:txBody>
+            <a:bodyPr/>
+            <a:lstStyle/>
+            <a:p/>
+          </p:txBody>
+        </p:sp>
+        <p:sp>
+          <p:nvSpPr>
+            <p:cNvPr id="18" name="rc18"/>
+            <p:cNvSpPr/>
+            <p:nvPr/>
+          </p:nvSpPr>
+          <p:spPr>
+            <a:xfrm>
+              <a:off x="1132804" y="4990462"/>
+              <a:ext cx="583159" cy="558044"/>
+            </a:xfrm>
+            <a:prstGeom prst="rect">
+              <a:avLst/>
+            </a:prstGeom>
+            <a:solidFill>
+              <a:srgbClr val="F8766D">
+                <a:alpha val="100000"/>
+              </a:srgbClr>
+            </a:solidFill>
+          </p:spPr>
+          <p:txBody>
+            <a:bodyPr/>
+            <a:lstStyle/>
+            <a:p/>
+          </p:txBody>
+        </p:sp>
+        <p:sp>
+          <p:nvSpPr>
+            <p:cNvPr id="19" name="rc19"/>
+            <p:cNvSpPr/>
+            <p:nvPr/>
+          </p:nvSpPr>
+          <p:spPr>
+            <a:xfrm>
+              <a:off x="3011873" y="3011470"/>
+              <a:ext cx="583159" cy="2537036"/>
+            </a:xfrm>
+            <a:prstGeom prst="rect">
+              <a:avLst/>
+            </a:prstGeom>
+            <a:solidFill>
+              <a:srgbClr val="00BFC4">
+                <a:alpha val="100000"/>
+              </a:srgbClr>
+            </a:solidFill>
+          </p:spPr>
+          <p:txBody>
+            <a:bodyPr/>
+            <a:lstStyle/>
+            <a:p/>
+          </p:txBody>
+        </p:sp>
+        <p:sp>
+          <p:nvSpPr>
+            <p:cNvPr id="20" name="rc20"/>
+            <p:cNvSpPr/>
+            <p:nvPr/>
+          </p:nvSpPr>
+          <p:spPr>
+            <a:xfrm>
+              <a:off x="2428714" y="3409335"/>
+              <a:ext cx="583159" cy="2139171"/>
+            </a:xfrm>
+            <a:prstGeom prst="rect">
+              <a:avLst/>
+            </a:prstGeom>
+            <a:solidFill>
+              <a:srgbClr val="F8766D">
+                <a:alpha val="100000"/>
+              </a:srgbClr>
+            </a:solidFill>
+          </p:spPr>
+          <p:txBody>
+            <a:bodyPr/>
+            <a:lstStyle/>
+            <a:p/>
+          </p:txBody>
+        </p:sp>
+        <p:sp>
+          <p:nvSpPr>
+            <p:cNvPr id="21" name="rc21"/>
+            <p:cNvSpPr/>
+            <p:nvPr/>
+          </p:nvSpPr>
+          <p:spPr>
+            <a:xfrm>
+              <a:off x="4307783" y="4933624"/>
+              <a:ext cx="583159" cy="614882"/>
+            </a:xfrm>
+            <a:prstGeom prst="rect">
+              <a:avLst/>
+            </a:prstGeom>
+            <a:solidFill>
+              <a:srgbClr val="00BFC4">
+                <a:alpha val="100000"/>
+              </a:srgbClr>
+            </a:solidFill>
+          </p:spPr>
+          <p:txBody>
+            <a:bodyPr/>
+            <a:lstStyle/>
+            <a:p/>
+          </p:txBody>
+        </p:sp>
+        <p:sp>
+          <p:nvSpPr>
+            <p:cNvPr id="22" name="rc22"/>
+            <p:cNvSpPr/>
+            <p:nvPr/>
+          </p:nvSpPr>
+          <p:spPr>
+            <a:xfrm>
+              <a:off x="3724624" y="4365245"/>
+              <a:ext cx="583159" cy="1183261"/>
+            </a:xfrm>
+            <a:prstGeom prst="rect">
+              <a:avLst/>
+            </a:prstGeom>
+            <a:solidFill>
+              <a:srgbClr val="F8766D">
+                <a:alpha val="100000"/>
+              </a:srgbClr>
+            </a:solidFill>
+          </p:spPr>
+          <p:txBody>
+            <a:bodyPr/>
+            <a:lstStyle/>
+            <a:p/>
+          </p:txBody>
+        </p:sp>
+        <p:sp>
+          <p:nvSpPr>
+            <p:cNvPr id="23" name="rc23"/>
+            <p:cNvSpPr/>
+            <p:nvPr/>
+          </p:nvSpPr>
+          <p:spPr>
+            <a:xfrm>
+              <a:off x="5603693" y="2138233"/>
+              <a:ext cx="583159" cy="3410273"/>
+            </a:xfrm>
+            <a:prstGeom prst="rect">
+              <a:avLst/>
+            </a:prstGeom>
+            <a:solidFill>
+              <a:srgbClr val="00BFC4">
+                <a:alpha val="100000"/>
+              </a:srgbClr>
+            </a:solidFill>
+          </p:spPr>
+          <p:txBody>
+            <a:bodyPr/>
+            <a:lstStyle/>
+            <a:p/>
+          </p:txBody>
+        </p:sp>
+        <p:sp>
+          <p:nvSpPr>
+            <p:cNvPr id="24" name="rc24"/>
+            <p:cNvSpPr/>
+            <p:nvPr/>
+          </p:nvSpPr>
+          <p:spPr>
+            <a:xfrm>
+              <a:off x="5020534" y="2060727"/>
+              <a:ext cx="583159" cy="3487779"/>
+            </a:xfrm>
+            <a:prstGeom prst="rect">
+              <a:avLst/>
+            </a:prstGeom>
+            <a:solidFill>
+              <a:srgbClr val="F8766D">
+                <a:alpha val="100000"/>
+              </a:srgbClr>
+            </a:solidFill>
+          </p:spPr>
+          <p:txBody>
+            <a:bodyPr/>
+            <a:lstStyle/>
+            <a:p/>
+          </p:txBody>
+        </p:sp>
+        <p:sp>
+          <p:nvSpPr>
+            <p:cNvPr id="25" name="rc25"/>
+            <p:cNvSpPr/>
+            <p:nvPr/>
+          </p:nvSpPr>
+          <p:spPr>
+            <a:xfrm>
+              <a:off x="6899603" y="2944298"/>
+              <a:ext cx="583159" cy="2604208"/>
+            </a:xfrm>
+            <a:prstGeom prst="rect">
+              <a:avLst/>
+            </a:prstGeom>
+            <a:solidFill>
+              <a:srgbClr val="00BFC4">
+                <a:alpha val="100000"/>
+              </a:srgbClr>
+            </a:solidFill>
+          </p:spPr>
+          <p:txBody>
+            <a:bodyPr/>
+            <a:lstStyle/>
+            <a:p/>
+          </p:txBody>
+        </p:sp>
+        <p:sp>
+          <p:nvSpPr>
+            <p:cNvPr id="26" name="rc26"/>
+            <p:cNvSpPr/>
+            <p:nvPr/>
+          </p:nvSpPr>
+          <p:spPr>
+            <a:xfrm>
+              <a:off x="6316443" y="2928796"/>
+              <a:ext cx="583159" cy="2619709"/>
+            </a:xfrm>
+            <a:prstGeom prst="rect">
+              <a:avLst/>
+            </a:prstGeom>
+            <a:solidFill>
+              <a:srgbClr val="F8766D">
+                <a:alpha val="100000"/>
+              </a:srgbClr>
+            </a:solidFill>
+          </p:spPr>
+          <p:txBody>
+            <a:bodyPr/>
+            <a:lstStyle/>
+            <a:p/>
+          </p:txBody>
+        </p:sp>
+        <p:sp>
+          <p:nvSpPr>
+            <p:cNvPr id="27" name="tx27"/>
+            <p:cNvSpPr/>
+            <p:nvPr/>
+          </p:nvSpPr>
+          <p:spPr>
+            <a:xfrm>
+              <a:off x="813632" y="5507824"/>
+              <a:ext cx="62155" cy="79126"/>
+            </a:xfrm>
+            <a:prstGeom prst="rect">
+              <a:avLst/>
+            </a:prstGeom>
+            <a:noFill/>
+          </p:spPr>
+          <p:txBody>
+            <a:bodyPr lIns="0" rIns="0" tIns="0" bIns="0" anchorCtr="1" anchor="ctr" wrap="none"/>
+            <a:lstStyle/>
+            <a:p>
+              <a:pPr algn="l" marL="0" marR="0" indent="0">
+                <a:lnSpc>
+                  <a:spcPts val="880"/>
+                </a:lnSpc>
+                <a:spcBef>
+                  <a:spcPts val="0"/>
+                </a:spcBef>
+                <a:spcAft>
+                  <a:spcPts val="0"/>
+                </a:spcAft>
+              </a:pPr>
+              <a:r>
+                <a:rPr sz="880">
+                  <a:solidFill>
+                    <a:srgbClr val="4D4D4D">
+                      <a:alpha val="100000"/>
+                    </a:srgbClr>
+                  </a:solidFill>
+                  <a:latin typeface="Liberation Sans"/>
+                  <a:cs typeface="Liberation Sans"/>
+                </a:rPr>
+                <a:t>0</a:t>
+              </a:r>
+            </a:p>
+          </p:txBody>
+        </p:sp>
+        <p:sp>
+          <p:nvSpPr>
+            <p:cNvPr id="28" name="tx28"/>
+            <p:cNvSpPr/>
+            <p:nvPr/>
+          </p:nvSpPr>
+          <p:spPr>
+            <a:xfrm>
+              <a:off x="689321" y="4474408"/>
+              <a:ext cx="186466" cy="79126"/>
+            </a:xfrm>
+            <a:prstGeom prst="rect">
+              <a:avLst/>
+            </a:prstGeom>
+            <a:noFill/>
+          </p:spPr>
+          <p:txBody>
+            <a:bodyPr lIns="0" rIns="0" tIns="0" bIns="0" anchorCtr="1" anchor="ctr" wrap="none"/>
+            <a:lstStyle/>
+            <a:p>
+              <a:pPr algn="l" marL="0" marR="0" indent="0">
+                <a:lnSpc>
+                  <a:spcPts val="880"/>
+                </a:lnSpc>
+                <a:spcBef>
+                  <a:spcPts val="0"/>
+                </a:spcBef>
+                <a:spcAft>
+                  <a:spcPts val="0"/>
+                </a:spcAft>
+              </a:pPr>
+              <a:r>
+                <a:rPr sz="880">
+                  <a:solidFill>
+                    <a:srgbClr val="4D4D4D">
+                      <a:alpha val="100000"/>
+                    </a:srgbClr>
+                  </a:solidFill>
+                  <a:latin typeface="Liberation Sans"/>
+                  <a:cs typeface="Liberation Sans"/>
+                </a:rPr>
+                <a:t>200</a:t>
+              </a:r>
+            </a:p>
+          </p:txBody>
+        </p:sp>
+        <p:sp>
+          <p:nvSpPr>
+            <p:cNvPr id="29" name="tx29"/>
+            <p:cNvSpPr/>
+            <p:nvPr/>
+          </p:nvSpPr>
+          <p:spPr>
+            <a:xfrm>
+              <a:off x="689321" y="3440992"/>
+              <a:ext cx="186466" cy="79126"/>
+            </a:xfrm>
+            <a:prstGeom prst="rect">
+              <a:avLst/>
+            </a:prstGeom>
+            <a:noFill/>
+          </p:spPr>
+          <p:txBody>
+            <a:bodyPr lIns="0" rIns="0" tIns="0" bIns="0" anchorCtr="1" anchor="ctr" wrap="none"/>
+            <a:lstStyle/>
+            <a:p>
+              <a:pPr algn="l" marL="0" marR="0" indent="0">
+                <a:lnSpc>
+                  <a:spcPts val="880"/>
+                </a:lnSpc>
+                <a:spcBef>
+                  <a:spcPts val="0"/>
+                </a:spcBef>
+                <a:spcAft>
+                  <a:spcPts val="0"/>
+                </a:spcAft>
+              </a:pPr>
+              <a:r>
+                <a:rPr sz="880">
+                  <a:solidFill>
+                    <a:srgbClr val="4D4D4D">
+                      <a:alpha val="100000"/>
+                    </a:srgbClr>
+                  </a:solidFill>
+                  <a:latin typeface="Liberation Sans"/>
+                  <a:cs typeface="Liberation Sans"/>
+                </a:rPr>
+                <a:t>400</a:t>
+              </a:r>
+            </a:p>
+          </p:txBody>
+        </p:sp>
+        <p:sp>
+          <p:nvSpPr>
+            <p:cNvPr id="30" name="tx30"/>
+            <p:cNvSpPr/>
+            <p:nvPr/>
+          </p:nvSpPr>
+          <p:spPr>
+            <a:xfrm>
+              <a:off x="689321" y="2407576"/>
+              <a:ext cx="186466" cy="79126"/>
+            </a:xfrm>
+            <a:prstGeom prst="rect">
+              <a:avLst/>
+            </a:prstGeom>
+            <a:noFill/>
+          </p:spPr>
+          <p:txBody>
+            <a:bodyPr lIns="0" rIns="0" tIns="0" bIns="0" anchorCtr="1" anchor="ctr" wrap="none"/>
+            <a:lstStyle/>
+            <a:p>
+              <a:pPr algn="l" marL="0" marR="0" indent="0">
+                <a:lnSpc>
+                  <a:spcPts val="880"/>
+                </a:lnSpc>
+                <a:spcBef>
+                  <a:spcPts val="0"/>
+                </a:spcBef>
+                <a:spcAft>
+                  <a:spcPts val="0"/>
+                </a:spcAft>
+              </a:pPr>
+              <a:r>
+                <a:rPr sz="880">
+                  <a:solidFill>
+                    <a:srgbClr val="4D4D4D">
+                      <a:alpha val="100000"/>
+                    </a:srgbClr>
+                  </a:solidFill>
+                  <a:latin typeface="Liberation Sans"/>
+                  <a:cs typeface="Liberation Sans"/>
+                </a:rPr>
+                <a:t>600</a:t>
+              </a:r>
+            </a:p>
+          </p:txBody>
+        </p:sp>
+        <p:sp>
+          <p:nvSpPr>
+            <p:cNvPr id="31" name="tx31"/>
+            <p:cNvSpPr/>
+            <p:nvPr/>
+          </p:nvSpPr>
+          <p:spPr>
+            <a:xfrm>
+              <a:off x="1557519" y="5758240"/>
+              <a:ext cx="316889" cy="104174"/>
+            </a:xfrm>
+            <a:prstGeom prst="rect">
+              <a:avLst/>
+            </a:prstGeom>
+            <a:noFill/>
+          </p:spPr>
+          <p:txBody>
+            <a:bodyPr lIns="0" rIns="0" tIns="0" bIns="0" anchorCtr="1" anchor="ctr" wrap="none"/>
+            <a:lstStyle/>
+            <a:p>
+              <a:pPr algn="l" marL="0" marR="0" indent="0">
+                <a:lnSpc>
+                  <a:spcPts val="880"/>
+                </a:lnSpc>
+                <a:spcBef>
+                  <a:spcPts val="0"/>
+                </a:spcBef>
+                <a:spcAft>
+                  <a:spcPts val="0"/>
+                </a:spcAft>
+              </a:pPr>
+              <a:r>
+                <a:rPr sz="880">
+                  <a:solidFill>
+                    <a:srgbClr val="4D4D4D">
+                      <a:alpha val="100000"/>
+                    </a:srgbClr>
+                  </a:solidFill>
+                  <a:latin typeface="Liberation Sans"/>
+                  <a:cs typeface="Liberation Sans"/>
+                </a:rPr>
+                <a:t>Eating</a:t>
+              </a:r>
+            </a:p>
+          </p:txBody>
+        </p:sp>
+        <p:sp>
+          <p:nvSpPr>
+            <p:cNvPr id="32" name="tx32"/>
+            <p:cNvSpPr/>
+            <p:nvPr/>
+          </p:nvSpPr>
+          <p:spPr>
+            <a:xfrm>
+              <a:off x="2701314" y="5758240"/>
+              <a:ext cx="621119" cy="104174"/>
+            </a:xfrm>
+            <a:prstGeom prst="rect">
+              <a:avLst/>
+            </a:prstGeom>
+            <a:noFill/>
+          </p:spPr>
+          <p:txBody>
+            <a:bodyPr lIns="0" rIns="0" tIns="0" bIns="0" anchorCtr="1" anchor="ctr" wrap="none"/>
+            <a:lstStyle/>
+            <a:p>
+              <a:pPr algn="l" marL="0" marR="0" indent="0">
+                <a:lnSpc>
+                  <a:spcPts val="880"/>
+                </a:lnSpc>
+                <a:spcBef>
+                  <a:spcPts val="0"/>
+                </a:spcBef>
+                <a:spcAft>
+                  <a:spcPts val="0"/>
+                </a:spcAft>
+              </a:pPr>
+              <a:r>
+                <a:rPr sz="880">
+                  <a:solidFill>
+                    <a:srgbClr val="4D4D4D">
+                      <a:alpha val="100000"/>
+                    </a:srgbClr>
+                  </a:solidFill>
+                  <a:latin typeface="Liberation Sans"/>
+                  <a:cs typeface="Liberation Sans"/>
+                </a:rPr>
+                <a:t>Employment</a:t>
+              </a:r>
+            </a:p>
+          </p:txBody>
+        </p:sp>
+        <p:sp>
+          <p:nvSpPr>
+            <p:cNvPr id="33" name="tx33"/>
+            <p:cNvSpPr/>
+            <p:nvPr/>
+          </p:nvSpPr>
+          <p:spPr>
+            <a:xfrm>
+              <a:off x="3646173" y="5758240"/>
+              <a:ext cx="1323220" cy="104174"/>
+            </a:xfrm>
+            <a:prstGeom prst="rect">
+              <a:avLst/>
+            </a:prstGeom>
+            <a:noFill/>
+          </p:spPr>
+          <p:txBody>
+            <a:bodyPr lIns="0" rIns="0" tIns="0" bIns="0" anchorCtr="1" anchor="ctr" wrap="none"/>
+            <a:lstStyle/>
+            <a:p>
+              <a:pPr algn="l" marL="0" marR="0" indent="0">
+                <a:lnSpc>
+                  <a:spcPts val="880"/>
+                </a:lnSpc>
+                <a:spcBef>
+                  <a:spcPts val="0"/>
+                </a:spcBef>
+                <a:spcAft>
+                  <a:spcPts val="0"/>
+                </a:spcAft>
+              </a:pPr>
+              <a:r>
+                <a:rPr sz="880">
+                  <a:solidFill>
+                    <a:srgbClr val="4D4D4D">
+                      <a:alpha val="100000"/>
+                    </a:srgbClr>
+                  </a:solidFill>
+                  <a:latin typeface="Liberation Sans"/>
+                  <a:cs typeface="Liberation Sans"/>
+                </a:rPr>
+                <a:t>Household and family care</a:t>
+              </a:r>
+            </a:p>
+          </p:txBody>
+        </p:sp>
+        <p:sp>
+          <p:nvSpPr>
+            <p:cNvPr id="34" name="tx34"/>
+            <p:cNvSpPr/>
+            <p:nvPr/>
+          </p:nvSpPr>
+          <p:spPr>
+            <a:xfrm>
+              <a:off x="5258918" y="5780341"/>
+              <a:ext cx="689550" cy="82073"/>
+            </a:xfrm>
+            <a:prstGeom prst="rect">
+              <a:avLst/>
+            </a:prstGeom>
+            <a:noFill/>
+          </p:spPr>
+          <p:txBody>
+            <a:bodyPr lIns="0" rIns="0" tIns="0" bIns="0" anchorCtr="1" anchor="ctr" wrap="none"/>
+            <a:lstStyle/>
+            <a:p>
+              <a:pPr algn="l" marL="0" marR="0" indent="0">
+                <a:lnSpc>
+                  <a:spcPts val="880"/>
+                </a:lnSpc>
+                <a:spcBef>
+                  <a:spcPts val="0"/>
+                </a:spcBef>
+                <a:spcAft>
+                  <a:spcPts val="0"/>
+                </a:spcAft>
+              </a:pPr>
+              <a:r>
+                <a:rPr sz="880">
+                  <a:solidFill>
+                    <a:srgbClr val="4D4D4D">
+                      <a:alpha val="100000"/>
+                    </a:srgbClr>
+                  </a:solidFill>
+                  <a:latin typeface="Liberation Sans"/>
+                  <a:cs typeface="Liberation Sans"/>
+                </a:rPr>
+                <a:t>Personal care</a:t>
+              </a:r>
+            </a:p>
+          </p:txBody>
+        </p:sp>
+        <p:sp>
+          <p:nvSpPr>
+            <p:cNvPr id="35" name="tx35"/>
+            <p:cNvSpPr/>
+            <p:nvPr/>
+          </p:nvSpPr>
+          <p:spPr>
+            <a:xfrm>
+              <a:off x="6756683" y="5758240"/>
+              <a:ext cx="285839" cy="104174"/>
+            </a:xfrm>
+            <a:prstGeom prst="rect">
+              <a:avLst/>
+            </a:prstGeom>
+            <a:noFill/>
+          </p:spPr>
+          <p:txBody>
+            <a:bodyPr lIns="0" rIns="0" tIns="0" bIns="0" anchorCtr="1" anchor="ctr" wrap="none"/>
+            <a:lstStyle/>
+            <a:p>
+              <a:pPr algn="l" marL="0" marR="0" indent="0">
+                <a:lnSpc>
+                  <a:spcPts val="880"/>
+                </a:lnSpc>
+                <a:spcBef>
+                  <a:spcPts val="0"/>
+                </a:spcBef>
+                <a:spcAft>
+                  <a:spcPts val="0"/>
+                </a:spcAft>
+              </a:pPr>
+              <a:r>
+                <a:rPr sz="880">
+                  <a:solidFill>
+                    <a:srgbClr val="4D4D4D">
+                      <a:alpha val="100000"/>
+                    </a:srgbClr>
+                  </a:solidFill>
+                  <a:latin typeface="Liberation Sans"/>
+                  <a:cs typeface="Liberation Sans"/>
+                </a:rPr>
+                <a:t>Sleep</a:t>
+              </a:r>
+            </a:p>
+          </p:txBody>
+        </p:sp>
+        <p:sp>
+          <p:nvSpPr>
+            <p:cNvPr id="36" name="tx36"/>
+            <p:cNvSpPr/>
+            <p:nvPr/>
+          </p:nvSpPr>
+          <p:spPr>
+            <a:xfrm>
+              <a:off x="4032203" y="5922355"/>
+              <a:ext cx="551160" cy="102592"/>
+            </a:xfrm>
+            <a:prstGeom prst="rect">
+              <a:avLst/>
+            </a:prstGeom>
+            <a:noFill/>
+          </p:spPr>
+          <p:txBody>
+            <a:bodyPr lIns="0" rIns="0" tIns="0" bIns="0" anchorCtr="1" anchor="ctr" wrap="none"/>
+            <a:lstStyle/>
+            <a:p>
+              <a:pPr algn="l" marL="0" marR="0" indent="0">
+                <a:lnSpc>
+                  <a:spcPts val="1100"/>
+                </a:lnSpc>
+                <a:spcBef>
+                  <a:spcPts val="0"/>
+                </a:spcBef>
+                <a:spcAft>
+                  <a:spcPts val="0"/>
+                </a:spcAft>
+              </a:pPr>
+              <a:r>
+                <a:rPr sz="1100">
+                  <a:solidFill>
+                    <a:srgbClr val="000000">
+                      <a:alpha val="100000"/>
+                    </a:srgbClr>
+                  </a:solidFill>
+                  <a:latin typeface="Liberation Sans"/>
+                  <a:cs typeface="Liberation Sans"/>
+                </a:rPr>
+                <a:t>Activities</a:t>
+              </a:r>
+            </a:p>
+          </p:txBody>
+        </p:sp>
+        <p:sp>
+          <p:nvSpPr>
+            <p:cNvPr id="37" name="tx37"/>
+            <p:cNvSpPr/>
+            <p:nvPr/>
+          </p:nvSpPr>
+          <p:spPr>
+            <a:xfrm rot="-5400000">
+              <a:off x="78630" y="3753321"/>
+              <a:ext cx="985949" cy="102592"/>
+            </a:xfrm>
+            <a:prstGeom prst="rect">
+              <a:avLst/>
+            </a:prstGeom>
+            <a:noFill/>
+          </p:spPr>
+          <p:txBody>
+            <a:bodyPr lIns="0" rIns="0" tIns="0" bIns="0" anchorCtr="1" anchor="ctr" wrap="none"/>
+            <a:lstStyle/>
+            <a:p>
+              <a:pPr algn="l" marL="0" marR="0" indent="0">
+                <a:lnSpc>
+                  <a:spcPts val="1100"/>
+                </a:lnSpc>
+                <a:spcBef>
+                  <a:spcPts val="0"/>
+                </a:spcBef>
+                <a:spcAft>
+                  <a:spcPts val="0"/>
+                </a:spcAft>
+              </a:pPr>
+              <a:r>
+                <a:rPr sz="1100">
+                  <a:solidFill>
+                    <a:srgbClr val="000000">
+                      <a:alpha val="100000"/>
+                    </a:srgbClr>
+                  </a:solidFill>
+                  <a:latin typeface="Liberation Sans"/>
+                  <a:cs typeface="Liberation Sans"/>
+                </a:rPr>
+                <a:t>Time in minutes</a:t>
+              </a:r>
+            </a:p>
+          </p:txBody>
+        </p:sp>
+        <p:sp>
+          <p:nvSpPr>
+            <p:cNvPr id="38" name="tx38"/>
+            <p:cNvSpPr/>
+            <p:nvPr/>
+          </p:nvSpPr>
+          <p:spPr>
+            <a:xfrm>
+              <a:off x="7885916" y="3468204"/>
+              <a:ext cx="644748" cy="130218"/>
+            </a:xfrm>
+            <a:prstGeom prst="rect">
+              <a:avLst/>
+            </a:prstGeom>
+            <a:noFill/>
+          </p:spPr>
+          <p:txBody>
+            <a:bodyPr lIns="0" rIns="0" tIns="0" bIns="0" anchorCtr="1" anchor="ctr" wrap="none"/>
+            <a:lstStyle/>
+            <a:p>
+              <a:pPr algn="l" marL="0" marR="0" indent="0">
+                <a:lnSpc>
+                  <a:spcPts val="1100"/>
+                </a:lnSpc>
+                <a:spcBef>
+                  <a:spcPts val="0"/>
+                </a:spcBef>
+                <a:spcAft>
+                  <a:spcPts val="0"/>
+                </a:spcAft>
+              </a:pPr>
+              <a:r>
+                <a:rPr sz="1100">
+                  <a:solidFill>
+                    <a:srgbClr val="000000">
+                      <a:alpha val="100000"/>
+                    </a:srgbClr>
+                  </a:solidFill>
+                  <a:latin typeface="Liberation Sans"/>
+                  <a:cs typeface="Liberation Sans"/>
+                </a:rPr>
+                <a:t>population</a:t>
+              </a:r>
+            </a:p>
+          </p:txBody>
+        </p:sp>
+        <p:sp>
+          <p:nvSpPr>
+            <p:cNvPr id="39" name="rc39"/>
+            <p:cNvSpPr/>
+            <p:nvPr/>
+          </p:nvSpPr>
+          <p:spPr>
+            <a:xfrm>
+              <a:off x="7894916" y="3692824"/>
+              <a:ext cx="201455" cy="201456"/>
+            </a:xfrm>
+            <a:prstGeom prst="rect">
+              <a:avLst/>
+            </a:prstGeom>
+            <a:solidFill>
+              <a:srgbClr val="F8766D">
+                <a:alpha val="100000"/>
+              </a:srgbClr>
+            </a:solidFill>
+          </p:spPr>
+          <p:txBody>
+            <a:bodyPr/>
+            <a:lstStyle/>
+            <a:p/>
+          </p:txBody>
+        </p:sp>
+        <p:sp>
+          <p:nvSpPr>
+            <p:cNvPr id="40" name="rc40"/>
+            <p:cNvSpPr/>
+            <p:nvPr/>
+          </p:nvSpPr>
+          <p:spPr>
+            <a:xfrm>
+              <a:off x="7894916" y="3912280"/>
+              <a:ext cx="201455" cy="201456"/>
+            </a:xfrm>
+            <a:prstGeom prst="rect">
+              <a:avLst/>
+            </a:prstGeom>
+            <a:solidFill>
+              <a:srgbClr val="00BFC4">
+                <a:alpha val="100000"/>
+              </a:srgbClr>
+            </a:solidFill>
+          </p:spPr>
+          <p:txBody>
+            <a:bodyPr/>
+            <a:lstStyle/>
+            <a:p/>
+          </p:txBody>
+        </p:sp>
+        <p:sp>
+          <p:nvSpPr>
+            <p:cNvPr id="41" name="tx41"/>
+            <p:cNvSpPr/>
+            <p:nvPr/>
+          </p:nvSpPr>
+          <p:spPr>
+            <a:xfrm>
+              <a:off x="8174961" y="3749923"/>
+              <a:ext cx="372660" cy="82073"/>
+            </a:xfrm>
+            <a:prstGeom prst="rect">
+              <a:avLst/>
+            </a:prstGeom>
+            <a:noFill/>
+          </p:spPr>
+          <p:txBody>
+            <a:bodyPr lIns="0" rIns="0" tIns="0" bIns="0" anchorCtr="1" anchor="ctr" wrap="none"/>
+            <a:lstStyle/>
+            <a:p>
+              <a:pPr algn="l" marL="0" marR="0" indent="0">
+                <a:lnSpc>
+                  <a:spcPts val="880"/>
+                </a:lnSpc>
+                <a:spcBef>
+                  <a:spcPts val="0"/>
+                </a:spcBef>
+                <a:spcAft>
+                  <a:spcPts val="0"/>
+                </a:spcAft>
+              </a:pPr>
+              <a:r>
+                <a:rPr sz="880">
+                  <a:solidFill>
+                    <a:srgbClr val="000000">
+                      <a:alpha val="100000"/>
+                    </a:srgbClr>
+                  </a:solidFill>
+                  <a:latin typeface="Liberation Sans"/>
+                  <a:cs typeface="Liberation Sans"/>
+                </a:rPr>
+                <a:t>Female</a:t>
+              </a:r>
+            </a:p>
+          </p:txBody>
+        </p:sp>
+        <p:sp>
+          <p:nvSpPr>
+            <p:cNvPr id="42" name="tx42"/>
+            <p:cNvSpPr/>
+            <p:nvPr/>
+          </p:nvSpPr>
+          <p:spPr>
+            <a:xfrm>
+              <a:off x="8174961" y="3969379"/>
+              <a:ext cx="242237" cy="82073"/>
+            </a:xfrm>
+            <a:prstGeom prst="rect">
+              <a:avLst/>
+            </a:prstGeom>
+            <a:noFill/>
+          </p:spPr>
+          <p:txBody>
+            <a:bodyPr lIns="0" rIns="0" tIns="0" bIns="0" anchorCtr="1" anchor="ctr" wrap="none"/>
+            <a:lstStyle/>
+            <a:p>
+              <a:pPr algn="l" marL="0" marR="0" indent="0">
+                <a:lnSpc>
+                  <a:spcPts val="880"/>
+                </a:lnSpc>
+                <a:spcBef>
+                  <a:spcPts val="0"/>
+                </a:spcBef>
+                <a:spcAft>
+                  <a:spcPts val="0"/>
+                </a:spcAft>
+              </a:pPr>
+              <a:r>
+                <a:rPr sz="880">
+                  <a:solidFill>
+                    <a:srgbClr val="000000">
+                      <a:alpha val="100000"/>
+                    </a:srgbClr>
+                  </a:solidFill>
+                  <a:latin typeface="Liberation Sans"/>
+                  <a:cs typeface="Liberation Sans"/>
+                </a:rPr>
+                <a:t>Male</a:t>
+              </a:r>
+            </a:p>
+          </p:txBody>
+        </p:sp>
+        <p:sp>
+          <p:nvSpPr>
+            <p:cNvPr id="43" name="tx43"/>
+            <p:cNvSpPr/>
+            <p:nvPr/>
+          </p:nvSpPr>
+          <p:spPr>
+            <a:xfrm>
+              <a:off x="938418" y="1628861"/>
+              <a:ext cx="2143221" cy="156262"/>
+            </a:xfrm>
+            <a:prstGeom prst="rect">
+              <a:avLst/>
+            </a:prstGeom>
+            <a:noFill/>
+          </p:spPr>
+          <p:txBody>
+            <a:bodyPr lIns="0" rIns="0" tIns="0" bIns="0" anchorCtr="1" anchor="ctr" wrap="none"/>
+            <a:lstStyle/>
+            <a:p>
+              <a:pPr algn="l" marL="0" marR="0" indent="0">
+                <a:lnSpc>
+                  <a:spcPts val="1320"/>
+                </a:lnSpc>
+                <a:spcBef>
+                  <a:spcPts val="0"/>
+                </a:spcBef>
+                <a:spcAft>
+                  <a:spcPts val="0"/>
+                </a:spcAft>
+              </a:pPr>
+              <a:r>
+                <a:rPr sz="1320">
+                  <a:solidFill>
+                    <a:srgbClr val="000000">
+                      <a:alpha val="100000"/>
+                    </a:srgbClr>
+                  </a:solidFill>
+                  <a:latin typeface="Liberation Sans"/>
+                  <a:cs typeface="Liberation Sans"/>
+                </a:rPr>
+                <a:t>Year 2014_Monday til Friday</a:t>
+              </a:r>
+            </a:p>
+          </p:txBody>
+        </p:sp>
+      </p:grpSp>
+    </p:spTree>
+  </p:cSld>
+  <p:clrMapOvr>
+    <a:masterClrMapping/>
+  </p:clrMapOvr>
+</p:sld>
+</file>
+
+<file path=ppt/slides/slide29.xml><?xml version="1.0" encoding="utf-8"?>
+<p:sld xmlns:a="http://schemas.openxmlformats.org/drawingml/2006/main" xmlns:r="http://schemas.openxmlformats.org/officeDocument/2006/relationships" xmlns:p="http://schemas.openxmlformats.org/presentationml/2006/main">
+  <p:cSld>
+    <p:spTree>
+      <p:nvGrpSpPr>
+        <p:cNvPr id="1" name=""/>
+        <p:cNvGrpSpPr/>
+        <p:nvPr/>
+      </p:nvGrpSpPr>
+      <p:grpSpPr>
+        <a:xfrm>
+          <a:off x="0" y="0"/>
+          <a:ext cx="0" cy="0"/>
+          <a:chOff x="0" y="0"/>
+          <a:chExt cx="0" cy="0"/>
+        </a:xfrm>
+      </p:grpSpPr>
+      <p:grpSp xmlns:a="http://schemas.openxmlformats.org/drawingml/2006/main" xmlns:r="http://schemas.openxmlformats.org/officeDocument/2006/relationships" xmlns:p="http://schemas.openxmlformats.org/presentationml/2006/main" xmlns:pic="http://schemas.openxmlformats.org/drawingml/2006/picture">
+        <p:nvGrpSpPr>
+          <p:cNvPr id="2" name="grp1"/>
+          <p:cNvGrpSpPr/>
+          <p:nvPr/>
+        </p:nvGrpSpPr>
+        <p:grpSpPr>
+          <a:xfrm>
+            <a:off x="457200" y="1600200"/>
+            <a:ext cx="8229600" cy="4525962"/>
+            <a:chOff x="457200" y="1600200"/>
+            <a:chExt cx="8229600" cy="4525962"/>
+          </a:xfrm>
+        </p:grpSpPr>
+        <p:sp>
+          <p:nvSpPr>
+            <p:cNvPr id="3" name="rc3"/>
+            <p:cNvSpPr/>
+            <p:nvPr/>
+          </p:nvSpPr>
+          <p:spPr>
+            <a:xfrm>
+              <a:off x="457200" y="1600200"/>
+              <a:ext cx="8229600" cy="4525962"/>
+            </a:xfrm>
+            <a:prstGeom prst="rect">
+              <a:avLst/>
+            </a:prstGeom>
+            <a:solidFill>
+              <a:srgbClr val="FFFFFF">
+                <a:alpha val="100000"/>
+              </a:srgbClr>
+            </a:solidFill>
+            <a:ln w="9525" cap="rnd">
+              <a:solidFill>
+                <a:srgbClr val="FFFFFF">
+                  <a:alpha val="100000"/>
+                </a:srgbClr>
+              </a:solidFill>
+              <a:prstDash val="solid"/>
+              <a:round/>
+            </a:ln>
+          </p:spPr>
+          <p:txBody>
+            <a:bodyPr/>
+            <a:lstStyle/>
+            <a:p/>
+          </p:txBody>
+        </p:sp>
+        <p:sp>
+          <p:nvSpPr>
+            <p:cNvPr id="4" name="pl4"/>
+            <p:cNvSpPr/>
+            <p:nvPr/>
+          </p:nvSpPr>
+          <p:spPr>
+            <a:xfrm>
+              <a:off x="938418" y="5081601"/>
+              <a:ext cx="6738730" cy="0"/>
+            </a:xfrm>
+            <a:custGeom>
+              <a:avLst/>
+              <a:pathLst>
+                <a:path w="6738730" h="0">
+                  <a:moveTo>
+                    <a:pt x="0" y="0"/>
+                  </a:moveTo>
+                  <a:lnTo>
+                    <a:pt x="6738730" y="0"/>
+                  </a:lnTo>
+                  <a:lnTo>
+                    <a:pt x="6738730" y="0"/>
+                  </a:lnTo>
+                </a:path>
+              </a:pathLst>
+            </a:custGeom>
+            <a:ln w="6775" cap="flat">
+              <a:solidFill>
+                <a:srgbClr val="EBEBEB">
+                  <a:alpha val="100000"/>
+                </a:srgbClr>
+              </a:solidFill>
+              <a:prstDash val="solid"/>
+              <a:round/>
+            </a:ln>
+          </p:spPr>
+          <p:txBody>
+            <a:bodyPr/>
+            <a:lstStyle/>
+            <a:p/>
+          </p:txBody>
+        </p:sp>
+        <p:sp>
+          <p:nvSpPr>
+            <p:cNvPr id="5" name="pl5"/>
+            <p:cNvSpPr/>
+            <p:nvPr/>
+          </p:nvSpPr>
+          <p:spPr>
+            <a:xfrm>
+              <a:off x="938418" y="4147792"/>
+              <a:ext cx="6738730" cy="0"/>
+            </a:xfrm>
+            <a:custGeom>
+              <a:avLst/>
+              <a:pathLst>
+                <a:path w="6738730" h="0">
+                  <a:moveTo>
+                    <a:pt x="0" y="0"/>
+                  </a:moveTo>
+                  <a:lnTo>
+                    <a:pt x="6738730" y="0"/>
+                  </a:lnTo>
+                  <a:lnTo>
+                    <a:pt x="6738730" y="0"/>
+                  </a:lnTo>
+                </a:path>
+              </a:pathLst>
+            </a:custGeom>
+            <a:ln w="6775" cap="flat">
+              <a:solidFill>
+                <a:srgbClr val="EBEBEB">
+                  <a:alpha val="100000"/>
+                </a:srgbClr>
+              </a:solidFill>
+              <a:prstDash val="solid"/>
+              <a:round/>
+            </a:ln>
+          </p:spPr>
+          <p:txBody>
+            <a:bodyPr/>
+            <a:lstStyle/>
+            <a:p/>
+          </p:txBody>
+        </p:sp>
+        <p:sp>
+          <p:nvSpPr>
+            <p:cNvPr id="6" name="pl6"/>
+            <p:cNvSpPr/>
+            <p:nvPr/>
+          </p:nvSpPr>
+          <p:spPr>
+            <a:xfrm>
+              <a:off x="938418" y="3213982"/>
+              <a:ext cx="6738730" cy="0"/>
+            </a:xfrm>
+            <a:custGeom>
+              <a:avLst/>
+              <a:pathLst>
+                <a:path w="6738730" h="0">
+                  <a:moveTo>
+                    <a:pt x="0" y="0"/>
+                  </a:moveTo>
+                  <a:lnTo>
+                    <a:pt x="6738730" y="0"/>
+                  </a:lnTo>
+                  <a:lnTo>
+                    <a:pt x="6738730" y="0"/>
+                  </a:lnTo>
+                </a:path>
+              </a:pathLst>
+            </a:custGeom>
+            <a:ln w="6775" cap="flat">
+              <a:solidFill>
+                <a:srgbClr val="EBEBEB">
+                  <a:alpha val="100000"/>
+                </a:srgbClr>
+              </a:solidFill>
+              <a:prstDash val="solid"/>
+              <a:round/>
+            </a:ln>
+          </p:spPr>
+          <p:txBody>
+            <a:bodyPr/>
+            <a:lstStyle/>
+            <a:p/>
+          </p:txBody>
+        </p:sp>
+        <p:sp>
+          <p:nvSpPr>
+            <p:cNvPr id="7" name="pl7"/>
+            <p:cNvSpPr/>
+            <p:nvPr/>
+          </p:nvSpPr>
+          <p:spPr>
+            <a:xfrm>
+              <a:off x="938418" y="2280172"/>
+              <a:ext cx="6738730" cy="0"/>
+            </a:xfrm>
+            <a:custGeom>
+              <a:avLst/>
+              <a:pathLst>
+                <a:path w="6738730" h="0">
+                  <a:moveTo>
+                    <a:pt x="0" y="0"/>
+                  </a:moveTo>
+                  <a:lnTo>
+                    <a:pt x="6738730" y="0"/>
+                  </a:lnTo>
+                  <a:lnTo>
+                    <a:pt x="6738730" y="0"/>
+                  </a:lnTo>
+                </a:path>
+              </a:pathLst>
+            </a:custGeom>
+            <a:ln w="6775" cap="flat">
+              <a:solidFill>
+                <a:srgbClr val="EBEBEB">
+                  <a:alpha val="100000"/>
+                </a:srgbClr>
+              </a:solidFill>
+              <a:prstDash val="solid"/>
+              <a:round/>
+            </a:ln>
+          </p:spPr>
+          <p:txBody>
+            <a:bodyPr/>
+            <a:lstStyle/>
+            <a:p/>
+          </p:txBody>
+        </p:sp>
+        <p:sp>
+          <p:nvSpPr>
+            <p:cNvPr id="8" name="pl8"/>
+            <p:cNvSpPr/>
+            <p:nvPr/>
+          </p:nvSpPr>
+          <p:spPr>
+            <a:xfrm>
+              <a:off x="938418" y="5548506"/>
+              <a:ext cx="6738730" cy="0"/>
+            </a:xfrm>
+            <a:custGeom>
+              <a:avLst/>
+              <a:pathLst>
+                <a:path w="6738730" h="0">
+                  <a:moveTo>
+                    <a:pt x="0" y="0"/>
+                  </a:moveTo>
+                  <a:lnTo>
+                    <a:pt x="6738730" y="0"/>
+                  </a:lnTo>
+                  <a:lnTo>
+                    <a:pt x="6738730" y="0"/>
+                  </a:lnTo>
+                </a:path>
+              </a:pathLst>
+            </a:custGeom>
+            <a:ln w="13550" cap="flat">
+              <a:solidFill>
+                <a:srgbClr val="EBEBEB">
+                  <a:alpha val="100000"/>
+                </a:srgbClr>
+              </a:solidFill>
+              <a:prstDash val="solid"/>
+              <a:round/>
+            </a:ln>
+          </p:spPr>
+          <p:txBody>
+            <a:bodyPr/>
+            <a:lstStyle/>
+            <a:p/>
+          </p:txBody>
+        </p:sp>
+        <p:sp>
+          <p:nvSpPr>
+            <p:cNvPr id="9" name="pl9"/>
+            <p:cNvSpPr/>
+            <p:nvPr/>
+          </p:nvSpPr>
+          <p:spPr>
+            <a:xfrm>
+              <a:off x="938418" y="4614697"/>
+              <a:ext cx="6738730" cy="0"/>
+            </a:xfrm>
+            <a:custGeom>
+              <a:avLst/>
+              <a:pathLst>
+                <a:path w="6738730" h="0">
+                  <a:moveTo>
+                    <a:pt x="0" y="0"/>
+                  </a:moveTo>
+                  <a:lnTo>
+                    <a:pt x="6738730" y="0"/>
+                  </a:lnTo>
+                  <a:lnTo>
+                    <a:pt x="6738730" y="0"/>
+                  </a:lnTo>
+                </a:path>
+              </a:pathLst>
+            </a:custGeom>
+            <a:ln w="13550" cap="flat">
+              <a:solidFill>
+                <a:srgbClr val="EBEBEB">
+                  <a:alpha val="100000"/>
+                </a:srgbClr>
+              </a:solidFill>
+              <a:prstDash val="solid"/>
+              <a:round/>
+            </a:ln>
+          </p:spPr>
+          <p:txBody>
+            <a:bodyPr/>
+            <a:lstStyle/>
+            <a:p/>
+          </p:txBody>
+        </p:sp>
+        <p:sp>
+          <p:nvSpPr>
+            <p:cNvPr id="10" name="pl10"/>
+            <p:cNvSpPr/>
+            <p:nvPr/>
+          </p:nvSpPr>
+          <p:spPr>
+            <a:xfrm>
+              <a:off x="938418" y="3680887"/>
+              <a:ext cx="6738730" cy="0"/>
+            </a:xfrm>
+            <a:custGeom>
+              <a:avLst/>
+              <a:pathLst>
+                <a:path w="6738730" h="0">
+                  <a:moveTo>
+                    <a:pt x="0" y="0"/>
+                  </a:moveTo>
+                  <a:lnTo>
+                    <a:pt x="6738730" y="0"/>
+                  </a:lnTo>
+                  <a:lnTo>
+                    <a:pt x="6738730" y="0"/>
+                  </a:lnTo>
+                </a:path>
+              </a:pathLst>
+            </a:custGeom>
+            <a:ln w="13550" cap="flat">
+              <a:solidFill>
+                <a:srgbClr val="EBEBEB">
+                  <a:alpha val="100000"/>
+                </a:srgbClr>
+              </a:solidFill>
+              <a:prstDash val="solid"/>
+              <a:round/>
+            </a:ln>
+          </p:spPr>
+          <p:txBody>
+            <a:bodyPr/>
+            <a:lstStyle/>
+            <a:p/>
+          </p:txBody>
+        </p:sp>
+        <p:sp>
+          <p:nvSpPr>
+            <p:cNvPr id="11" name="pl11"/>
+            <p:cNvSpPr/>
+            <p:nvPr/>
+          </p:nvSpPr>
+          <p:spPr>
+            <a:xfrm>
+              <a:off x="938418" y="2747077"/>
+              <a:ext cx="6738730" cy="0"/>
+            </a:xfrm>
+            <a:custGeom>
+              <a:avLst/>
+              <a:pathLst>
+                <a:path w="6738730" h="0">
+                  <a:moveTo>
+                    <a:pt x="0" y="0"/>
+                  </a:moveTo>
+                  <a:lnTo>
+                    <a:pt x="6738730" y="0"/>
+                  </a:lnTo>
+                  <a:lnTo>
+                    <a:pt x="6738730" y="0"/>
+                  </a:lnTo>
+                </a:path>
+              </a:pathLst>
+            </a:custGeom>
+            <a:ln w="13550" cap="flat">
+              <a:solidFill>
+                <a:srgbClr val="EBEBEB">
+                  <a:alpha val="100000"/>
+                </a:srgbClr>
+              </a:solidFill>
+              <a:prstDash val="solid"/>
+              <a:round/>
+            </a:ln>
+          </p:spPr>
+          <p:txBody>
+            <a:bodyPr/>
+            <a:lstStyle/>
+            <a:p/>
+          </p:txBody>
+        </p:sp>
+        <p:sp>
+          <p:nvSpPr>
+            <p:cNvPr id="12" name="pl12"/>
+            <p:cNvSpPr/>
+            <p:nvPr/>
+          </p:nvSpPr>
+          <p:spPr>
+            <a:xfrm>
+              <a:off x="1715964" y="1886338"/>
+              <a:ext cx="0" cy="3836557"/>
+            </a:xfrm>
+            <a:custGeom>
+              <a:avLst/>
+              <a:pathLst>
+                <a:path w="0" h="3836557">
+                  <a:moveTo>
+                    <a:pt x="0" y="3836557"/>
+                  </a:moveTo>
+                  <a:lnTo>
+                    <a:pt x="0" y="0"/>
+                  </a:lnTo>
+                  <a:lnTo>
+                    <a:pt x="0" y="0"/>
+                  </a:lnTo>
+                </a:path>
+              </a:pathLst>
+            </a:custGeom>
+            <a:ln w="13550" cap="flat">
+              <a:solidFill>
+                <a:srgbClr val="EBEBEB">
+                  <a:alpha val="100000"/>
+                </a:srgbClr>
+              </a:solidFill>
+              <a:prstDash val="solid"/>
+              <a:round/>
+            </a:ln>
+          </p:spPr>
+          <p:txBody>
+            <a:bodyPr/>
+            <a:lstStyle/>
+            <a:p/>
+          </p:txBody>
+        </p:sp>
+        <p:sp>
+          <p:nvSpPr>
+            <p:cNvPr id="13" name="pl13"/>
+            <p:cNvSpPr/>
+            <p:nvPr/>
+          </p:nvSpPr>
+          <p:spPr>
+            <a:xfrm>
+              <a:off x="3011873" y="1886338"/>
+              <a:ext cx="0" cy="3836557"/>
+            </a:xfrm>
+            <a:custGeom>
+              <a:avLst/>
+              <a:pathLst>
+                <a:path w="0" h="3836557">
+                  <a:moveTo>
+                    <a:pt x="0" y="3836557"/>
+                  </a:moveTo>
+                  <a:lnTo>
+                    <a:pt x="0" y="0"/>
+                  </a:lnTo>
+                  <a:lnTo>
+                    <a:pt x="0" y="0"/>
+                  </a:lnTo>
+                </a:path>
+              </a:pathLst>
+            </a:custGeom>
+            <a:ln w="13550" cap="flat">
+              <a:solidFill>
+                <a:srgbClr val="EBEBEB">
+                  <a:alpha val="100000"/>
+                </a:srgbClr>
+              </a:solidFill>
+              <a:prstDash val="solid"/>
+              <a:round/>
+            </a:ln>
+          </p:spPr>
+          <p:txBody>
+            <a:bodyPr/>
+            <a:lstStyle/>
+            <a:p/>
+          </p:txBody>
+        </p:sp>
+        <p:sp>
+          <p:nvSpPr>
+            <p:cNvPr id="14" name="pl14"/>
+            <p:cNvSpPr/>
+            <p:nvPr/>
+          </p:nvSpPr>
+          <p:spPr>
+            <a:xfrm>
+              <a:off x="4307783" y="1886338"/>
+              <a:ext cx="0" cy="3836557"/>
+            </a:xfrm>
+            <a:custGeom>
+              <a:avLst/>
+              <a:pathLst>
+                <a:path w="0" h="3836557">
+                  <a:moveTo>
+                    <a:pt x="0" y="3836557"/>
+                  </a:moveTo>
+                  <a:lnTo>
+                    <a:pt x="0" y="0"/>
+                  </a:lnTo>
+                  <a:lnTo>
+                    <a:pt x="0" y="0"/>
+                  </a:lnTo>
+                </a:path>
+              </a:pathLst>
+            </a:custGeom>
+            <a:ln w="13550" cap="flat">
+              <a:solidFill>
+                <a:srgbClr val="EBEBEB">
+                  <a:alpha val="100000"/>
+                </a:srgbClr>
+              </a:solidFill>
+              <a:prstDash val="solid"/>
+              <a:round/>
+            </a:ln>
+          </p:spPr>
+          <p:txBody>
+            <a:bodyPr/>
+            <a:lstStyle/>
+            <a:p/>
+          </p:txBody>
+        </p:sp>
+        <p:sp>
+          <p:nvSpPr>
+            <p:cNvPr id="15" name="pl15"/>
+            <p:cNvSpPr/>
+            <p:nvPr/>
+          </p:nvSpPr>
+          <p:spPr>
+            <a:xfrm>
+              <a:off x="5603693" y="1886338"/>
+              <a:ext cx="0" cy="3836557"/>
+            </a:xfrm>
+            <a:custGeom>
+              <a:avLst/>
+              <a:pathLst>
+                <a:path w="0" h="3836557">
+                  <a:moveTo>
+                    <a:pt x="0" y="3836557"/>
+                  </a:moveTo>
+                  <a:lnTo>
+                    <a:pt x="0" y="0"/>
+                  </a:lnTo>
+                  <a:lnTo>
+                    <a:pt x="0" y="0"/>
+                  </a:lnTo>
+                </a:path>
+              </a:pathLst>
+            </a:custGeom>
+            <a:ln w="13550" cap="flat">
+              <a:solidFill>
+                <a:srgbClr val="EBEBEB">
+                  <a:alpha val="100000"/>
+                </a:srgbClr>
+              </a:solidFill>
+              <a:prstDash val="solid"/>
+              <a:round/>
+            </a:ln>
+          </p:spPr>
+          <p:txBody>
+            <a:bodyPr/>
+            <a:lstStyle/>
+            <a:p/>
+          </p:txBody>
+        </p:sp>
+        <p:sp>
+          <p:nvSpPr>
+            <p:cNvPr id="16" name="pl16"/>
+            <p:cNvSpPr/>
+            <p:nvPr/>
+          </p:nvSpPr>
+          <p:spPr>
+            <a:xfrm>
+              <a:off x="6899603" y="1886338"/>
+              <a:ext cx="0" cy="3836557"/>
+            </a:xfrm>
+            <a:custGeom>
+              <a:avLst/>
+              <a:pathLst>
+                <a:path w="0" h="3836557">
+                  <a:moveTo>
+                    <a:pt x="0" y="3836557"/>
+                  </a:moveTo>
+                  <a:lnTo>
+                    <a:pt x="0" y="0"/>
+                  </a:lnTo>
+                  <a:lnTo>
+                    <a:pt x="0" y="0"/>
+                  </a:lnTo>
+                </a:path>
+              </a:pathLst>
+            </a:custGeom>
+            <a:ln w="13550" cap="flat">
+              <a:solidFill>
+                <a:srgbClr val="EBEBEB">
+                  <a:alpha val="100000"/>
+                </a:srgbClr>
+              </a:solidFill>
+              <a:prstDash val="solid"/>
+              <a:round/>
+            </a:ln>
+          </p:spPr>
+          <p:txBody>
+            <a:bodyPr/>
+            <a:lstStyle/>
+            <a:p/>
+          </p:txBody>
+        </p:sp>
+        <p:sp>
+          <p:nvSpPr>
+            <p:cNvPr id="17" name="rc17"/>
+            <p:cNvSpPr/>
+            <p:nvPr/>
+          </p:nvSpPr>
+          <p:spPr>
+            <a:xfrm>
+              <a:off x="1715964" y="4950868"/>
+              <a:ext cx="583159" cy="597638"/>
+            </a:xfrm>
+            <a:prstGeom prst="rect">
+              <a:avLst/>
+            </a:prstGeom>
+            <a:solidFill>
+              <a:srgbClr val="00BFC4">
+                <a:alpha val="100000"/>
+              </a:srgbClr>
+            </a:solidFill>
+          </p:spPr>
+          <p:txBody>
+            <a:bodyPr/>
+            <a:lstStyle/>
+            <a:p/>
+          </p:txBody>
+        </p:sp>
+        <p:sp>
+          <p:nvSpPr>
+            <p:cNvPr id="18" name="rc18"/>
+            <p:cNvSpPr/>
+            <p:nvPr/>
+          </p:nvSpPr>
+          <p:spPr>
+            <a:xfrm>
+              <a:off x="1132804" y="4941530"/>
+              <a:ext cx="583159" cy="606976"/>
+            </a:xfrm>
+            <a:prstGeom prst="rect">
+              <a:avLst/>
+            </a:prstGeom>
+            <a:solidFill>
+              <a:srgbClr val="F8766D">
+                <a:alpha val="100000"/>
+              </a:srgbClr>
+            </a:solidFill>
+          </p:spPr>
+          <p:txBody>
+            <a:bodyPr/>
+            <a:lstStyle/>
+            <a:p/>
+          </p:txBody>
+        </p:sp>
+        <p:sp>
+          <p:nvSpPr>
+            <p:cNvPr id="19" name="rc19"/>
+            <p:cNvSpPr/>
+            <p:nvPr/>
+          </p:nvSpPr>
+          <p:spPr>
+            <a:xfrm>
+              <a:off x="3011873" y="3666880"/>
+              <a:ext cx="583159" cy="1881626"/>
+            </a:xfrm>
+            <a:prstGeom prst="rect">
+              <a:avLst/>
+            </a:prstGeom>
+            <a:solidFill>
+              <a:srgbClr val="00BFC4">
+                <a:alpha val="100000"/>
+              </a:srgbClr>
+            </a:solidFill>
+          </p:spPr>
+          <p:txBody>
+            <a:bodyPr/>
+            <a:lstStyle/>
+            <a:p/>
+          </p:txBody>
+        </p:sp>
+        <p:sp>
+          <p:nvSpPr>
+            <p:cNvPr id="20" name="rc20"/>
+            <p:cNvSpPr/>
+            <p:nvPr/>
+          </p:nvSpPr>
+          <p:spPr>
+            <a:xfrm>
+              <a:off x="2428714" y="3820958"/>
+              <a:ext cx="583159" cy="1727548"/>
+            </a:xfrm>
+            <a:prstGeom prst="rect">
+              <a:avLst/>
+            </a:prstGeom>
+            <a:solidFill>
+              <a:srgbClr val="F8766D">
+                <a:alpha val="100000"/>
+              </a:srgbClr>
+            </a:solidFill>
+          </p:spPr>
+          <p:txBody>
+            <a:bodyPr/>
+            <a:lstStyle/>
+            <a:p/>
+          </p:txBody>
+        </p:sp>
+        <p:sp>
+          <p:nvSpPr>
+            <p:cNvPr id="21" name="rc21"/>
+            <p:cNvSpPr/>
+            <p:nvPr/>
+          </p:nvSpPr>
+          <p:spPr>
+            <a:xfrm>
+              <a:off x="4307783" y="4712747"/>
+              <a:ext cx="583159" cy="835759"/>
+            </a:xfrm>
+            <a:prstGeom prst="rect">
+              <a:avLst/>
+            </a:prstGeom>
+            <a:solidFill>
+              <a:srgbClr val="00BFC4">
+                <a:alpha val="100000"/>
+              </a:srgbClr>
+            </a:solidFill>
+          </p:spPr>
+          <p:txBody>
+            <a:bodyPr/>
+            <a:lstStyle/>
+            <a:p/>
+          </p:txBody>
+        </p:sp>
+        <p:sp>
+          <p:nvSpPr>
+            <p:cNvPr id="22" name="rc22"/>
+            <p:cNvSpPr/>
+            <p:nvPr/>
+          </p:nvSpPr>
+          <p:spPr>
+            <a:xfrm>
+              <a:off x="3724624" y="4423266"/>
+              <a:ext cx="583159" cy="1125240"/>
+            </a:xfrm>
+            <a:prstGeom prst="rect">
+              <a:avLst/>
+            </a:prstGeom>
+            <a:solidFill>
+              <a:srgbClr val="F8766D">
+                <a:alpha val="100000"/>
+              </a:srgbClr>
+            </a:solidFill>
+          </p:spPr>
+          <p:txBody>
+            <a:bodyPr/>
+            <a:lstStyle/>
+            <a:p/>
+          </p:txBody>
+        </p:sp>
+        <p:sp>
+          <p:nvSpPr>
+            <p:cNvPr id="23" name="rc23"/>
+            <p:cNvSpPr/>
+            <p:nvPr/>
+          </p:nvSpPr>
+          <p:spPr>
+            <a:xfrm>
+              <a:off x="5603693" y="2177453"/>
+              <a:ext cx="583159" cy="3371053"/>
+            </a:xfrm>
+            <a:prstGeom prst="rect">
+              <a:avLst/>
+            </a:prstGeom>
+            <a:solidFill>
+              <a:srgbClr val="00BFC4">
+                <a:alpha val="100000"/>
+              </a:srgbClr>
+            </a:solidFill>
+          </p:spPr>
+          <p:txBody>
+            <a:bodyPr/>
+            <a:lstStyle/>
+            <a:p/>
+          </p:txBody>
+        </p:sp>
+        <p:sp>
+          <p:nvSpPr>
+            <p:cNvPr id="24" name="rc24"/>
+            <p:cNvSpPr/>
+            <p:nvPr/>
+          </p:nvSpPr>
+          <p:spPr>
+            <a:xfrm>
+              <a:off x="5020534" y="2060727"/>
+              <a:ext cx="583159" cy="3487779"/>
+            </a:xfrm>
+            <a:prstGeom prst="rect">
+              <a:avLst/>
+            </a:prstGeom>
+            <a:solidFill>
+              <a:srgbClr val="F8766D">
+                <a:alpha val="100000"/>
+              </a:srgbClr>
+            </a:solidFill>
+          </p:spPr>
+          <p:txBody>
+            <a:bodyPr/>
+            <a:lstStyle/>
+            <a:p/>
+          </p:txBody>
+        </p:sp>
+        <p:sp>
+          <p:nvSpPr>
+            <p:cNvPr id="25" name="rc25"/>
+            <p:cNvSpPr/>
+            <p:nvPr/>
+          </p:nvSpPr>
+          <p:spPr>
+            <a:xfrm>
+              <a:off x="6899603" y="3027220"/>
+              <a:ext cx="583159" cy="2521286"/>
+            </a:xfrm>
+            <a:prstGeom prst="rect">
+              <a:avLst/>
+            </a:prstGeom>
+            <a:solidFill>
+              <a:srgbClr val="00BFC4">
+                <a:alpha val="100000"/>
+              </a:srgbClr>
+            </a:solidFill>
+          </p:spPr>
+          <p:txBody>
+            <a:bodyPr/>
+            <a:lstStyle/>
+            <a:p/>
+          </p:txBody>
+        </p:sp>
+        <p:sp>
+          <p:nvSpPr>
+            <p:cNvPr id="26" name="rc26"/>
+            <p:cNvSpPr/>
+            <p:nvPr/>
+          </p:nvSpPr>
+          <p:spPr>
+            <a:xfrm>
+              <a:off x="6316443" y="2971191"/>
+              <a:ext cx="583159" cy="2577314"/>
+            </a:xfrm>
+            <a:prstGeom prst="rect">
+              <a:avLst/>
+            </a:prstGeom>
+            <a:solidFill>
+              <a:srgbClr val="F8766D">
+                <a:alpha val="100000"/>
+              </a:srgbClr>
+            </a:solidFill>
+          </p:spPr>
+          <p:txBody>
+            <a:bodyPr/>
+            <a:lstStyle/>
+            <a:p/>
+          </p:txBody>
+        </p:sp>
+        <p:sp>
+          <p:nvSpPr>
+            <p:cNvPr id="27" name="tx27"/>
+            <p:cNvSpPr/>
+            <p:nvPr/>
+          </p:nvSpPr>
+          <p:spPr>
+            <a:xfrm>
+              <a:off x="813632" y="5507824"/>
+              <a:ext cx="62155" cy="79126"/>
+            </a:xfrm>
+            <a:prstGeom prst="rect">
+              <a:avLst/>
+            </a:prstGeom>
+            <a:noFill/>
+          </p:spPr>
+          <p:txBody>
+            <a:bodyPr lIns="0" rIns="0" tIns="0" bIns="0" anchorCtr="1" anchor="ctr" wrap="none"/>
+            <a:lstStyle/>
+            <a:p>
+              <a:pPr algn="l" marL="0" marR="0" indent="0">
+                <a:lnSpc>
+                  <a:spcPts val="880"/>
+                </a:lnSpc>
+                <a:spcBef>
+                  <a:spcPts val="0"/>
+                </a:spcBef>
+                <a:spcAft>
+                  <a:spcPts val="0"/>
+                </a:spcAft>
+              </a:pPr>
+              <a:r>
+                <a:rPr sz="880">
+                  <a:solidFill>
+                    <a:srgbClr val="4D4D4D">
+                      <a:alpha val="100000"/>
+                    </a:srgbClr>
+                  </a:solidFill>
+                  <a:latin typeface="Liberation Sans"/>
+                  <a:cs typeface="Liberation Sans"/>
+                </a:rPr>
+                <a:t>0</a:t>
+              </a:r>
+            </a:p>
+          </p:txBody>
+        </p:sp>
+        <p:sp>
+          <p:nvSpPr>
+            <p:cNvPr id="28" name="tx28"/>
+            <p:cNvSpPr/>
+            <p:nvPr/>
+          </p:nvSpPr>
+          <p:spPr>
+            <a:xfrm>
+              <a:off x="689321" y="4574014"/>
+              <a:ext cx="186466" cy="79126"/>
+            </a:xfrm>
+            <a:prstGeom prst="rect">
+              <a:avLst/>
+            </a:prstGeom>
+            <a:noFill/>
+          </p:spPr>
+          <p:txBody>
+            <a:bodyPr lIns="0" rIns="0" tIns="0" bIns="0" anchorCtr="1" anchor="ctr" wrap="none"/>
+            <a:lstStyle/>
+            <a:p>
+              <a:pPr algn="l" marL="0" marR="0" indent="0">
+                <a:lnSpc>
+                  <a:spcPts val="880"/>
+                </a:lnSpc>
+                <a:spcBef>
+                  <a:spcPts val="0"/>
+                </a:spcBef>
+                <a:spcAft>
+                  <a:spcPts val="0"/>
+                </a:spcAft>
+              </a:pPr>
+              <a:r>
+                <a:rPr sz="880">
+                  <a:solidFill>
+                    <a:srgbClr val="4D4D4D">
+                      <a:alpha val="100000"/>
+                    </a:srgbClr>
+                  </a:solidFill>
+                  <a:latin typeface="Liberation Sans"/>
+                  <a:cs typeface="Liberation Sans"/>
+                </a:rPr>
+                <a:t>200</a:t>
+              </a:r>
+            </a:p>
+          </p:txBody>
+        </p:sp>
+        <p:sp>
+          <p:nvSpPr>
+            <p:cNvPr id="29" name="tx29"/>
+            <p:cNvSpPr/>
+            <p:nvPr/>
+          </p:nvSpPr>
+          <p:spPr>
+            <a:xfrm>
+              <a:off x="689321" y="3640205"/>
+              <a:ext cx="186466" cy="79126"/>
+            </a:xfrm>
+            <a:prstGeom prst="rect">
+              <a:avLst/>
+            </a:prstGeom>
+            <a:noFill/>
+          </p:spPr>
+          <p:txBody>
+            <a:bodyPr lIns="0" rIns="0" tIns="0" bIns="0" anchorCtr="1" anchor="ctr" wrap="none"/>
+            <a:lstStyle/>
+            <a:p>
+              <a:pPr algn="l" marL="0" marR="0" indent="0">
+                <a:lnSpc>
+                  <a:spcPts val="880"/>
+                </a:lnSpc>
+                <a:spcBef>
+                  <a:spcPts val="0"/>
+                </a:spcBef>
+                <a:spcAft>
+                  <a:spcPts val="0"/>
+                </a:spcAft>
+              </a:pPr>
+              <a:r>
+                <a:rPr sz="880">
+                  <a:solidFill>
+                    <a:srgbClr val="4D4D4D">
+                      <a:alpha val="100000"/>
+                    </a:srgbClr>
+                  </a:solidFill>
+                  <a:latin typeface="Liberation Sans"/>
+                  <a:cs typeface="Liberation Sans"/>
+                </a:rPr>
+                <a:t>400</a:t>
+              </a:r>
+            </a:p>
+          </p:txBody>
+        </p:sp>
+        <p:sp>
+          <p:nvSpPr>
+            <p:cNvPr id="30" name="tx30"/>
+            <p:cNvSpPr/>
+            <p:nvPr/>
+          </p:nvSpPr>
+          <p:spPr>
+            <a:xfrm>
+              <a:off x="689321" y="2706395"/>
+              <a:ext cx="186466" cy="79126"/>
+            </a:xfrm>
+            <a:prstGeom prst="rect">
+              <a:avLst/>
+            </a:prstGeom>
+            <a:noFill/>
+          </p:spPr>
+          <p:txBody>
+            <a:bodyPr lIns="0" rIns="0" tIns="0" bIns="0" anchorCtr="1" anchor="ctr" wrap="none"/>
+            <a:lstStyle/>
+            <a:p>
+              <a:pPr algn="l" marL="0" marR="0" indent="0">
+                <a:lnSpc>
+                  <a:spcPts val="880"/>
+                </a:lnSpc>
+                <a:spcBef>
+                  <a:spcPts val="0"/>
+                </a:spcBef>
+                <a:spcAft>
+                  <a:spcPts val="0"/>
+                </a:spcAft>
+              </a:pPr>
+              <a:r>
+                <a:rPr sz="880">
+                  <a:solidFill>
+                    <a:srgbClr val="4D4D4D">
+                      <a:alpha val="100000"/>
+                    </a:srgbClr>
+                  </a:solidFill>
+                  <a:latin typeface="Liberation Sans"/>
+                  <a:cs typeface="Liberation Sans"/>
+                </a:rPr>
+                <a:t>600</a:t>
+              </a:r>
+            </a:p>
+          </p:txBody>
+        </p:sp>
+        <p:sp>
+          <p:nvSpPr>
+            <p:cNvPr id="31" name="tx31"/>
+            <p:cNvSpPr/>
+            <p:nvPr/>
+          </p:nvSpPr>
+          <p:spPr>
+            <a:xfrm>
+              <a:off x="1557519" y="5758240"/>
+              <a:ext cx="316889" cy="104174"/>
+            </a:xfrm>
+            <a:prstGeom prst="rect">
+              <a:avLst/>
+            </a:prstGeom>
+            <a:noFill/>
+          </p:spPr>
+          <p:txBody>
+            <a:bodyPr lIns="0" rIns="0" tIns="0" bIns="0" anchorCtr="1" anchor="ctr" wrap="none"/>
+            <a:lstStyle/>
+            <a:p>
+              <a:pPr algn="l" marL="0" marR="0" indent="0">
+                <a:lnSpc>
+                  <a:spcPts val="880"/>
+                </a:lnSpc>
+                <a:spcBef>
+                  <a:spcPts val="0"/>
+                </a:spcBef>
+                <a:spcAft>
+                  <a:spcPts val="0"/>
+                </a:spcAft>
+              </a:pPr>
+              <a:r>
+                <a:rPr sz="880">
+                  <a:solidFill>
+                    <a:srgbClr val="4D4D4D">
+                      <a:alpha val="100000"/>
+                    </a:srgbClr>
+                  </a:solidFill>
+                  <a:latin typeface="Liberation Sans"/>
+                  <a:cs typeface="Liberation Sans"/>
+                </a:rPr>
+                <a:t>Eating</a:t>
+              </a:r>
+            </a:p>
+          </p:txBody>
+        </p:sp>
+        <p:sp>
+          <p:nvSpPr>
+            <p:cNvPr id="32" name="tx32"/>
+            <p:cNvSpPr/>
+            <p:nvPr/>
+          </p:nvSpPr>
+          <p:spPr>
+            <a:xfrm>
+              <a:off x="2701314" y="5758240"/>
+              <a:ext cx="621119" cy="104174"/>
+            </a:xfrm>
+            <a:prstGeom prst="rect">
+              <a:avLst/>
+            </a:prstGeom>
+            <a:noFill/>
+          </p:spPr>
+          <p:txBody>
+            <a:bodyPr lIns="0" rIns="0" tIns="0" bIns="0" anchorCtr="1" anchor="ctr" wrap="none"/>
+            <a:lstStyle/>
+            <a:p>
+              <a:pPr algn="l" marL="0" marR="0" indent="0">
+                <a:lnSpc>
+                  <a:spcPts val="880"/>
+                </a:lnSpc>
+                <a:spcBef>
+                  <a:spcPts val="0"/>
+                </a:spcBef>
+                <a:spcAft>
+                  <a:spcPts val="0"/>
+                </a:spcAft>
+              </a:pPr>
+              <a:r>
+                <a:rPr sz="880">
+                  <a:solidFill>
+                    <a:srgbClr val="4D4D4D">
+                      <a:alpha val="100000"/>
+                    </a:srgbClr>
+                  </a:solidFill>
+                  <a:latin typeface="Liberation Sans"/>
+                  <a:cs typeface="Liberation Sans"/>
+                </a:rPr>
+                <a:t>Employment</a:t>
+              </a:r>
+            </a:p>
+          </p:txBody>
+        </p:sp>
+        <p:sp>
+          <p:nvSpPr>
+            <p:cNvPr id="33" name="tx33"/>
+            <p:cNvSpPr/>
+            <p:nvPr/>
+          </p:nvSpPr>
+          <p:spPr>
+            <a:xfrm>
+              <a:off x="3646173" y="5758240"/>
+              <a:ext cx="1323220" cy="104174"/>
+            </a:xfrm>
+            <a:prstGeom prst="rect">
+              <a:avLst/>
+            </a:prstGeom>
+            <a:noFill/>
+          </p:spPr>
+          <p:txBody>
+            <a:bodyPr lIns="0" rIns="0" tIns="0" bIns="0" anchorCtr="1" anchor="ctr" wrap="none"/>
+            <a:lstStyle/>
+            <a:p>
+              <a:pPr algn="l" marL="0" marR="0" indent="0">
+                <a:lnSpc>
+                  <a:spcPts val="880"/>
+                </a:lnSpc>
+                <a:spcBef>
+                  <a:spcPts val="0"/>
+                </a:spcBef>
+                <a:spcAft>
+                  <a:spcPts val="0"/>
+                </a:spcAft>
+              </a:pPr>
+              <a:r>
+                <a:rPr sz="880">
+                  <a:solidFill>
+                    <a:srgbClr val="4D4D4D">
+                      <a:alpha val="100000"/>
+                    </a:srgbClr>
+                  </a:solidFill>
+                  <a:latin typeface="Liberation Sans"/>
+                  <a:cs typeface="Liberation Sans"/>
+                </a:rPr>
+                <a:t>Household and family care</a:t>
+              </a:r>
+            </a:p>
+          </p:txBody>
+        </p:sp>
+        <p:sp>
+          <p:nvSpPr>
+            <p:cNvPr id="34" name="tx34"/>
+            <p:cNvSpPr/>
+            <p:nvPr/>
+          </p:nvSpPr>
+          <p:spPr>
+            <a:xfrm>
+              <a:off x="5258918" y="5780341"/>
+              <a:ext cx="689550" cy="82073"/>
+            </a:xfrm>
+            <a:prstGeom prst="rect">
+              <a:avLst/>
+            </a:prstGeom>
+            <a:noFill/>
+          </p:spPr>
+          <p:txBody>
+            <a:bodyPr lIns="0" rIns="0" tIns="0" bIns="0" anchorCtr="1" anchor="ctr" wrap="none"/>
+            <a:lstStyle/>
+            <a:p>
+              <a:pPr algn="l" marL="0" marR="0" indent="0">
+                <a:lnSpc>
+                  <a:spcPts val="880"/>
+                </a:lnSpc>
+                <a:spcBef>
+                  <a:spcPts val="0"/>
+                </a:spcBef>
+                <a:spcAft>
+                  <a:spcPts val="0"/>
+                </a:spcAft>
+              </a:pPr>
+              <a:r>
+                <a:rPr sz="880">
+                  <a:solidFill>
+                    <a:srgbClr val="4D4D4D">
+                      <a:alpha val="100000"/>
+                    </a:srgbClr>
+                  </a:solidFill>
+                  <a:latin typeface="Liberation Sans"/>
+                  <a:cs typeface="Liberation Sans"/>
+                </a:rPr>
+                <a:t>Personal care</a:t>
+              </a:r>
+            </a:p>
+          </p:txBody>
+        </p:sp>
+        <p:sp>
+          <p:nvSpPr>
+            <p:cNvPr id="35" name="tx35"/>
+            <p:cNvSpPr/>
+            <p:nvPr/>
+          </p:nvSpPr>
+          <p:spPr>
+            <a:xfrm>
+              <a:off x="6756683" y="5758240"/>
+              <a:ext cx="285839" cy="104174"/>
+            </a:xfrm>
+            <a:prstGeom prst="rect">
+              <a:avLst/>
+            </a:prstGeom>
+            <a:noFill/>
+          </p:spPr>
+          <p:txBody>
+            <a:bodyPr lIns="0" rIns="0" tIns="0" bIns="0" anchorCtr="1" anchor="ctr" wrap="none"/>
+            <a:lstStyle/>
+            <a:p>
+              <a:pPr algn="l" marL="0" marR="0" indent="0">
+                <a:lnSpc>
+                  <a:spcPts val="880"/>
+                </a:lnSpc>
+                <a:spcBef>
+                  <a:spcPts val="0"/>
+                </a:spcBef>
+                <a:spcAft>
+                  <a:spcPts val="0"/>
+                </a:spcAft>
+              </a:pPr>
+              <a:r>
+                <a:rPr sz="880">
+                  <a:solidFill>
+                    <a:srgbClr val="4D4D4D">
+                      <a:alpha val="100000"/>
+                    </a:srgbClr>
+                  </a:solidFill>
+                  <a:latin typeface="Liberation Sans"/>
+                  <a:cs typeface="Liberation Sans"/>
+                </a:rPr>
+                <a:t>Sleep</a:t>
+              </a:r>
+            </a:p>
+          </p:txBody>
+        </p:sp>
+        <p:sp>
+          <p:nvSpPr>
+            <p:cNvPr id="36" name="tx36"/>
+            <p:cNvSpPr/>
+            <p:nvPr/>
+          </p:nvSpPr>
+          <p:spPr>
+            <a:xfrm>
+              <a:off x="4032203" y="5922355"/>
+              <a:ext cx="551160" cy="102592"/>
+            </a:xfrm>
+            <a:prstGeom prst="rect">
+              <a:avLst/>
+            </a:prstGeom>
+            <a:noFill/>
+          </p:spPr>
+          <p:txBody>
+            <a:bodyPr lIns="0" rIns="0" tIns="0" bIns="0" anchorCtr="1" anchor="ctr" wrap="none"/>
+            <a:lstStyle/>
+            <a:p>
+              <a:pPr algn="l" marL="0" marR="0" indent="0">
+                <a:lnSpc>
+                  <a:spcPts val="1100"/>
+                </a:lnSpc>
+                <a:spcBef>
+                  <a:spcPts val="0"/>
+                </a:spcBef>
+                <a:spcAft>
+                  <a:spcPts val="0"/>
+                </a:spcAft>
+              </a:pPr>
+              <a:r>
+                <a:rPr sz="1100">
+                  <a:solidFill>
+                    <a:srgbClr val="000000">
+                      <a:alpha val="100000"/>
+                    </a:srgbClr>
+                  </a:solidFill>
+                  <a:latin typeface="Liberation Sans"/>
+                  <a:cs typeface="Liberation Sans"/>
+                </a:rPr>
+                <a:t>Activities</a:t>
+              </a:r>
+            </a:p>
+          </p:txBody>
+        </p:sp>
+        <p:sp>
+          <p:nvSpPr>
+            <p:cNvPr id="37" name="tx37"/>
+            <p:cNvSpPr/>
+            <p:nvPr/>
+          </p:nvSpPr>
+          <p:spPr>
+            <a:xfrm rot="-5400000">
+              <a:off x="78630" y="3753321"/>
+              <a:ext cx="985949" cy="102592"/>
+            </a:xfrm>
+            <a:prstGeom prst="rect">
+              <a:avLst/>
+            </a:prstGeom>
+            <a:noFill/>
+          </p:spPr>
+          <p:txBody>
+            <a:bodyPr lIns="0" rIns="0" tIns="0" bIns="0" anchorCtr="1" anchor="ctr" wrap="none"/>
+            <a:lstStyle/>
+            <a:p>
+              <a:pPr algn="l" marL="0" marR="0" indent="0">
+                <a:lnSpc>
+                  <a:spcPts val="1100"/>
+                </a:lnSpc>
+                <a:spcBef>
+                  <a:spcPts val="0"/>
+                </a:spcBef>
+                <a:spcAft>
+                  <a:spcPts val="0"/>
+                </a:spcAft>
+              </a:pPr>
+              <a:r>
+                <a:rPr sz="1100">
+                  <a:solidFill>
+                    <a:srgbClr val="000000">
+                      <a:alpha val="100000"/>
+                    </a:srgbClr>
+                  </a:solidFill>
+                  <a:latin typeface="Liberation Sans"/>
+                  <a:cs typeface="Liberation Sans"/>
+                </a:rPr>
+                <a:t>Time in minutes</a:t>
+              </a:r>
+            </a:p>
+          </p:txBody>
+        </p:sp>
+        <p:sp>
+          <p:nvSpPr>
+            <p:cNvPr id="38" name="tx38"/>
+            <p:cNvSpPr/>
+            <p:nvPr/>
+          </p:nvSpPr>
+          <p:spPr>
+            <a:xfrm>
+              <a:off x="7885916" y="3468204"/>
+              <a:ext cx="644748" cy="130218"/>
+            </a:xfrm>
+            <a:prstGeom prst="rect">
+              <a:avLst/>
+            </a:prstGeom>
+            <a:noFill/>
+          </p:spPr>
+          <p:txBody>
+            <a:bodyPr lIns="0" rIns="0" tIns="0" bIns="0" anchorCtr="1" anchor="ctr" wrap="none"/>
+            <a:lstStyle/>
+            <a:p>
+              <a:pPr algn="l" marL="0" marR="0" indent="0">
+                <a:lnSpc>
+                  <a:spcPts val="1100"/>
+                </a:lnSpc>
+                <a:spcBef>
+                  <a:spcPts val="0"/>
+                </a:spcBef>
+                <a:spcAft>
+                  <a:spcPts val="0"/>
+                </a:spcAft>
+              </a:pPr>
+              <a:r>
+                <a:rPr sz="1100">
+                  <a:solidFill>
+                    <a:srgbClr val="000000">
+                      <a:alpha val="100000"/>
+                    </a:srgbClr>
+                  </a:solidFill>
+                  <a:latin typeface="Liberation Sans"/>
+                  <a:cs typeface="Liberation Sans"/>
+                </a:rPr>
+                <a:t>population</a:t>
+              </a:r>
+            </a:p>
+          </p:txBody>
+        </p:sp>
+        <p:sp>
+          <p:nvSpPr>
+            <p:cNvPr id="39" name="rc39"/>
+            <p:cNvSpPr/>
+            <p:nvPr/>
+          </p:nvSpPr>
+          <p:spPr>
+            <a:xfrm>
+              <a:off x="7894916" y="3692824"/>
+              <a:ext cx="201455" cy="201456"/>
+            </a:xfrm>
+            <a:prstGeom prst="rect">
+              <a:avLst/>
+            </a:prstGeom>
+            <a:solidFill>
+              <a:srgbClr val="F8766D">
+                <a:alpha val="100000"/>
+              </a:srgbClr>
+            </a:solidFill>
+          </p:spPr>
+          <p:txBody>
+            <a:bodyPr/>
+            <a:lstStyle/>
+            <a:p/>
+          </p:txBody>
+        </p:sp>
+        <p:sp>
+          <p:nvSpPr>
+            <p:cNvPr id="40" name="rc40"/>
+            <p:cNvSpPr/>
+            <p:nvPr/>
+          </p:nvSpPr>
+          <p:spPr>
+            <a:xfrm>
+              <a:off x="7894916" y="3912280"/>
+              <a:ext cx="201455" cy="201456"/>
+            </a:xfrm>
+            <a:prstGeom prst="rect">
+              <a:avLst/>
+            </a:prstGeom>
+            <a:solidFill>
+              <a:srgbClr val="00BFC4">
+                <a:alpha val="100000"/>
+              </a:srgbClr>
+            </a:solidFill>
+          </p:spPr>
+          <p:txBody>
+            <a:bodyPr/>
+            <a:lstStyle/>
+            <a:p/>
+          </p:txBody>
+        </p:sp>
+        <p:sp>
+          <p:nvSpPr>
+            <p:cNvPr id="41" name="tx41"/>
+            <p:cNvSpPr/>
+            <p:nvPr/>
+          </p:nvSpPr>
+          <p:spPr>
+            <a:xfrm>
+              <a:off x="8174961" y="3749923"/>
+              <a:ext cx="372660" cy="82073"/>
+            </a:xfrm>
+            <a:prstGeom prst="rect">
+              <a:avLst/>
+            </a:prstGeom>
+            <a:noFill/>
+          </p:spPr>
+          <p:txBody>
+            <a:bodyPr lIns="0" rIns="0" tIns="0" bIns="0" anchorCtr="1" anchor="ctr" wrap="none"/>
+            <a:lstStyle/>
+            <a:p>
+              <a:pPr algn="l" marL="0" marR="0" indent="0">
+                <a:lnSpc>
+                  <a:spcPts val="880"/>
+                </a:lnSpc>
+                <a:spcBef>
+                  <a:spcPts val="0"/>
+                </a:spcBef>
+                <a:spcAft>
+                  <a:spcPts val="0"/>
+                </a:spcAft>
+              </a:pPr>
+              <a:r>
+                <a:rPr sz="880">
+                  <a:solidFill>
+                    <a:srgbClr val="000000">
+                      <a:alpha val="100000"/>
+                    </a:srgbClr>
+                  </a:solidFill>
+                  <a:latin typeface="Liberation Sans"/>
+                  <a:cs typeface="Liberation Sans"/>
+                </a:rPr>
+                <a:t>Female</a:t>
+              </a:r>
+            </a:p>
+          </p:txBody>
+        </p:sp>
+        <p:sp>
+          <p:nvSpPr>
+            <p:cNvPr id="42" name="tx42"/>
+            <p:cNvSpPr/>
+            <p:nvPr/>
+          </p:nvSpPr>
+          <p:spPr>
+            <a:xfrm>
+              <a:off x="8174961" y="3969379"/>
+              <a:ext cx="242237" cy="82073"/>
+            </a:xfrm>
+            <a:prstGeom prst="rect">
+              <a:avLst/>
+            </a:prstGeom>
+            <a:noFill/>
+          </p:spPr>
+          <p:txBody>
+            <a:bodyPr lIns="0" rIns="0" tIns="0" bIns="0" anchorCtr="1" anchor="ctr" wrap="none"/>
+            <a:lstStyle/>
+            <a:p>
+              <a:pPr algn="l" marL="0" marR="0" indent="0">
+                <a:lnSpc>
+                  <a:spcPts val="880"/>
+                </a:lnSpc>
+                <a:spcBef>
+                  <a:spcPts val="0"/>
+                </a:spcBef>
+                <a:spcAft>
+                  <a:spcPts val="0"/>
+                </a:spcAft>
+              </a:pPr>
+              <a:r>
+                <a:rPr sz="880">
+                  <a:solidFill>
+                    <a:srgbClr val="000000">
+                      <a:alpha val="100000"/>
+                    </a:srgbClr>
+                  </a:solidFill>
+                  <a:latin typeface="Liberation Sans"/>
+                  <a:cs typeface="Liberation Sans"/>
+                </a:rPr>
+                <a:t>Male</a:t>
+              </a:r>
+            </a:p>
+          </p:txBody>
+        </p:sp>
+        <p:sp>
+          <p:nvSpPr>
+            <p:cNvPr id="43" name="tx43"/>
+            <p:cNvSpPr/>
+            <p:nvPr/>
+          </p:nvSpPr>
+          <p:spPr>
+            <a:xfrm>
+              <a:off x="938418" y="1628861"/>
+              <a:ext cx="1537818" cy="156262"/>
+            </a:xfrm>
+            <a:prstGeom prst="rect">
+              <a:avLst/>
+            </a:prstGeom>
+            <a:noFill/>
+          </p:spPr>
+          <p:txBody>
+            <a:bodyPr lIns="0" rIns="0" tIns="0" bIns="0" anchorCtr="1" anchor="ctr" wrap="none"/>
+            <a:lstStyle/>
+            <a:p>
+              <a:pPr algn="l" marL="0" marR="0" indent="0">
+                <a:lnSpc>
+                  <a:spcPts val="1320"/>
+                </a:lnSpc>
+                <a:spcBef>
+                  <a:spcPts val="0"/>
+                </a:spcBef>
+                <a:spcAft>
+                  <a:spcPts val="0"/>
+                </a:spcAft>
+              </a:pPr>
+              <a:r>
+                <a:rPr sz="1320">
+                  <a:solidFill>
+                    <a:srgbClr val="000000">
+                      <a:alpha val="100000"/>
+                    </a:srgbClr>
+                  </a:solidFill>
+                  <a:latin typeface="Liberation Sans"/>
+                  <a:cs typeface="Liberation Sans"/>
+                </a:rPr>
+                <a:t>Year 2014_Saturday</a:t>
+              </a:r>
+            </a:p>
+          </p:txBody>
+        </p:sp>
+      </p:grpSp>
+    </p:spTree>
+  </p:cSld>
+  <p:clrMapOvr>
+    <a:masterClrMapping/>
+  </p:clrMapOvr>
+</p:sld>
+</file>
+
 <file path=ppt/slides/slide3.xml><?xml version="1.0" encoding="utf-8"?>
+<p:sld xmlns:a="http://schemas.openxmlformats.org/drawingml/2006/main" xmlns:r="http://schemas.openxmlformats.org/officeDocument/2006/relationships" xmlns:p="http://schemas.openxmlformats.org/presentationml/2006/main">
+  <p:cSld>
+    <p:spTree>
+      <p:nvGrpSpPr>
+        <p:cNvPr id="1" name=""/>
+        <p:cNvGrpSpPr/>
+        <p:nvPr/>
+      </p:nvGrpSpPr>
+      <p:grpSpPr>
+        <a:xfrm>
+          <a:off x="0" y="0"/>
+          <a:ext cx="0" cy="0"/>
+          <a:chOff x="0" y="0"/>
+          <a:chExt cx="0" cy="0"/>
+        </a:xfrm>
+      </p:grpSpPr>
+      <p:grpSp xmlns:a="http://schemas.openxmlformats.org/drawingml/2006/main" xmlns:r="http://schemas.openxmlformats.org/officeDocument/2006/relationships" xmlns:p="http://schemas.openxmlformats.org/presentationml/2006/main" xmlns:pic="http://schemas.openxmlformats.org/drawingml/2006/picture">
+        <p:nvGrpSpPr>
+          <p:cNvPr id="2" name="grp1"/>
+          <p:cNvGrpSpPr/>
+          <p:nvPr/>
+        </p:nvGrpSpPr>
+        <p:grpSpPr>
+          <a:xfrm>
+            <a:off x="457200" y="1600200"/>
+            <a:ext cx="8229600" cy="4525962"/>
+            <a:chOff x="457200" y="1600200"/>
+            <a:chExt cx="8229600" cy="4525962"/>
+          </a:xfrm>
+        </p:grpSpPr>
+        <p:sp>
+          <p:nvSpPr>
+            <p:cNvPr id="3" name="rc3"/>
+            <p:cNvSpPr/>
+            <p:nvPr/>
+          </p:nvSpPr>
+          <p:spPr>
+            <a:xfrm>
+              <a:off x="457200" y="1600200"/>
+              <a:ext cx="8229600" cy="4525962"/>
+            </a:xfrm>
+            <a:prstGeom prst="rect">
+              <a:avLst/>
+            </a:prstGeom>
+            <a:solidFill>
+              <a:srgbClr val="FFFFFF">
+                <a:alpha val="100000"/>
+              </a:srgbClr>
+            </a:solidFill>
+            <a:ln w="9525" cap="rnd">
+              <a:solidFill>
+                <a:srgbClr val="FFFFFF">
+                  <a:alpha val="100000"/>
+                </a:srgbClr>
+              </a:solidFill>
+              <a:prstDash val="solid"/>
+              <a:round/>
+            </a:ln>
+          </p:spPr>
+          <p:txBody>
+            <a:bodyPr/>
+            <a:lstStyle/>
+            <a:p/>
+          </p:txBody>
+        </p:sp>
+        <p:sp>
+          <p:nvSpPr>
+            <p:cNvPr id="4" name="pl4"/>
+            <p:cNvSpPr/>
+            <p:nvPr/>
+          </p:nvSpPr>
+          <p:spPr>
+            <a:xfrm>
+              <a:off x="938418" y="5112534"/>
+              <a:ext cx="6738730" cy="0"/>
+            </a:xfrm>
+            <a:custGeom>
+              <a:avLst/>
+              <a:pathLst>
+                <a:path w="6738730" h="0">
+                  <a:moveTo>
+                    <a:pt x="0" y="0"/>
+                  </a:moveTo>
+                  <a:lnTo>
+                    <a:pt x="6738730" y="0"/>
+                  </a:lnTo>
+                  <a:lnTo>
+                    <a:pt x="6738730" y="0"/>
+                  </a:lnTo>
+                </a:path>
+              </a:pathLst>
+            </a:custGeom>
+            <a:ln w="6775" cap="flat">
+              <a:solidFill>
+                <a:srgbClr val="EBEBEB">
+                  <a:alpha val="100000"/>
+                </a:srgbClr>
+              </a:solidFill>
+              <a:prstDash val="solid"/>
+              <a:round/>
+            </a:ln>
+          </p:spPr>
+          <p:txBody>
+            <a:bodyPr/>
+            <a:lstStyle/>
+            <a:p/>
+          </p:txBody>
+        </p:sp>
+        <p:sp>
+          <p:nvSpPr>
+            <p:cNvPr id="5" name="pl5"/>
+            <p:cNvSpPr/>
+            <p:nvPr/>
+          </p:nvSpPr>
+          <p:spPr>
+            <a:xfrm>
+              <a:off x="938418" y="4240589"/>
+              <a:ext cx="6738730" cy="0"/>
+            </a:xfrm>
+            <a:custGeom>
+              <a:avLst/>
+              <a:pathLst>
+                <a:path w="6738730" h="0">
+                  <a:moveTo>
+                    <a:pt x="0" y="0"/>
+                  </a:moveTo>
+                  <a:lnTo>
+                    <a:pt x="6738730" y="0"/>
+                  </a:lnTo>
+                  <a:lnTo>
+                    <a:pt x="6738730" y="0"/>
+                  </a:lnTo>
+                </a:path>
+              </a:pathLst>
+            </a:custGeom>
+            <a:ln w="6775" cap="flat">
+              <a:solidFill>
+                <a:srgbClr val="EBEBEB">
+                  <a:alpha val="100000"/>
+                </a:srgbClr>
+              </a:solidFill>
+              <a:prstDash val="solid"/>
+              <a:round/>
+            </a:ln>
+          </p:spPr>
+          <p:txBody>
+            <a:bodyPr/>
+            <a:lstStyle/>
+            <a:p/>
+          </p:txBody>
+        </p:sp>
+        <p:sp>
+          <p:nvSpPr>
+            <p:cNvPr id="6" name="pl6"/>
+            <p:cNvSpPr/>
+            <p:nvPr/>
+          </p:nvSpPr>
+          <p:spPr>
+            <a:xfrm>
+              <a:off x="938418" y="3368644"/>
+              <a:ext cx="6738730" cy="0"/>
+            </a:xfrm>
+            <a:custGeom>
+              <a:avLst/>
+              <a:pathLst>
+                <a:path w="6738730" h="0">
+                  <a:moveTo>
+                    <a:pt x="0" y="0"/>
+                  </a:moveTo>
+                  <a:lnTo>
+                    <a:pt x="6738730" y="0"/>
+                  </a:lnTo>
+                  <a:lnTo>
+                    <a:pt x="6738730" y="0"/>
+                  </a:lnTo>
+                </a:path>
+              </a:pathLst>
+            </a:custGeom>
+            <a:ln w="6775" cap="flat">
+              <a:solidFill>
+                <a:srgbClr val="EBEBEB">
+                  <a:alpha val="100000"/>
+                </a:srgbClr>
+              </a:solidFill>
+              <a:prstDash val="solid"/>
+              <a:round/>
+            </a:ln>
+          </p:spPr>
+          <p:txBody>
+            <a:bodyPr/>
+            <a:lstStyle/>
+            <a:p/>
+          </p:txBody>
+        </p:sp>
+        <p:sp>
+          <p:nvSpPr>
+            <p:cNvPr id="7" name="pl7"/>
+            <p:cNvSpPr/>
+            <p:nvPr/>
+          </p:nvSpPr>
+          <p:spPr>
+            <a:xfrm>
+              <a:off x="938418" y="2496699"/>
+              <a:ext cx="6738730" cy="0"/>
+            </a:xfrm>
+            <a:custGeom>
+              <a:avLst/>
+              <a:pathLst>
+                <a:path w="6738730" h="0">
+                  <a:moveTo>
+                    <a:pt x="0" y="0"/>
+                  </a:moveTo>
+                  <a:lnTo>
+                    <a:pt x="6738730" y="0"/>
+                  </a:lnTo>
+                  <a:lnTo>
+                    <a:pt x="6738730" y="0"/>
+                  </a:lnTo>
+                </a:path>
+              </a:pathLst>
+            </a:custGeom>
+            <a:ln w="6775" cap="flat">
+              <a:solidFill>
+                <a:srgbClr val="EBEBEB">
+                  <a:alpha val="100000"/>
+                </a:srgbClr>
+              </a:solidFill>
+              <a:prstDash val="solid"/>
+              <a:round/>
+            </a:ln>
+          </p:spPr>
+          <p:txBody>
+            <a:bodyPr/>
+            <a:lstStyle/>
+            <a:p/>
+          </p:txBody>
+        </p:sp>
+        <p:sp>
+          <p:nvSpPr>
+            <p:cNvPr id="8" name="pl8"/>
+            <p:cNvSpPr/>
+            <p:nvPr/>
+          </p:nvSpPr>
+          <p:spPr>
+            <a:xfrm>
+              <a:off x="938418" y="5548506"/>
+              <a:ext cx="6738730" cy="0"/>
+            </a:xfrm>
+            <a:custGeom>
+              <a:avLst/>
+              <a:pathLst>
+                <a:path w="6738730" h="0">
+                  <a:moveTo>
+                    <a:pt x="0" y="0"/>
+                  </a:moveTo>
+                  <a:lnTo>
+                    <a:pt x="6738730" y="0"/>
+                  </a:lnTo>
+                  <a:lnTo>
+                    <a:pt x="6738730" y="0"/>
+                  </a:lnTo>
+                </a:path>
+              </a:pathLst>
+            </a:custGeom>
+            <a:ln w="13550" cap="flat">
+              <a:solidFill>
+                <a:srgbClr val="EBEBEB">
+                  <a:alpha val="100000"/>
+                </a:srgbClr>
+              </a:solidFill>
+              <a:prstDash val="solid"/>
+              <a:round/>
+            </a:ln>
+          </p:spPr>
+          <p:txBody>
+            <a:bodyPr/>
+            <a:lstStyle/>
+            <a:p/>
+          </p:txBody>
+        </p:sp>
+        <p:sp>
+          <p:nvSpPr>
+            <p:cNvPr id="9" name="pl9"/>
+            <p:cNvSpPr/>
+            <p:nvPr/>
+          </p:nvSpPr>
+          <p:spPr>
+            <a:xfrm>
+              <a:off x="938418" y="4676561"/>
+              <a:ext cx="6738730" cy="0"/>
+            </a:xfrm>
+            <a:custGeom>
+              <a:avLst/>
+              <a:pathLst>
+                <a:path w="6738730" h="0">
+                  <a:moveTo>
+                    <a:pt x="0" y="0"/>
+                  </a:moveTo>
+                  <a:lnTo>
+                    <a:pt x="6738730" y="0"/>
+                  </a:lnTo>
+                  <a:lnTo>
+                    <a:pt x="6738730" y="0"/>
+                  </a:lnTo>
+                </a:path>
+              </a:pathLst>
+            </a:custGeom>
+            <a:ln w="13550" cap="flat">
+              <a:solidFill>
+                <a:srgbClr val="EBEBEB">
+                  <a:alpha val="100000"/>
+                </a:srgbClr>
+              </a:solidFill>
+              <a:prstDash val="solid"/>
+              <a:round/>
+            </a:ln>
+          </p:spPr>
+          <p:txBody>
+            <a:bodyPr/>
+            <a:lstStyle/>
+            <a:p/>
+          </p:txBody>
+        </p:sp>
+        <p:sp>
+          <p:nvSpPr>
+            <p:cNvPr id="10" name="pl10"/>
+            <p:cNvSpPr/>
+            <p:nvPr/>
+          </p:nvSpPr>
+          <p:spPr>
+            <a:xfrm>
+              <a:off x="938418" y="3804617"/>
+              <a:ext cx="6738730" cy="0"/>
+            </a:xfrm>
+            <a:custGeom>
+              <a:avLst/>
+              <a:pathLst>
+                <a:path w="6738730" h="0">
+                  <a:moveTo>
+                    <a:pt x="0" y="0"/>
+                  </a:moveTo>
+                  <a:lnTo>
+                    <a:pt x="6738730" y="0"/>
+                  </a:lnTo>
+                  <a:lnTo>
+                    <a:pt x="6738730" y="0"/>
+                  </a:lnTo>
+                </a:path>
+              </a:pathLst>
+            </a:custGeom>
+            <a:ln w="13550" cap="flat">
+              <a:solidFill>
+                <a:srgbClr val="EBEBEB">
+                  <a:alpha val="100000"/>
+                </a:srgbClr>
+              </a:solidFill>
+              <a:prstDash val="solid"/>
+              <a:round/>
+            </a:ln>
+          </p:spPr>
+          <p:txBody>
+            <a:bodyPr/>
+            <a:lstStyle/>
+            <a:p/>
+          </p:txBody>
+        </p:sp>
+        <p:sp>
+          <p:nvSpPr>
+            <p:cNvPr id="11" name="pl11"/>
+            <p:cNvSpPr/>
+            <p:nvPr/>
+          </p:nvSpPr>
+          <p:spPr>
+            <a:xfrm>
+              <a:off x="938418" y="2932672"/>
+              <a:ext cx="6738730" cy="0"/>
+            </a:xfrm>
+            <a:custGeom>
+              <a:avLst/>
+              <a:pathLst>
+                <a:path w="6738730" h="0">
+                  <a:moveTo>
+                    <a:pt x="0" y="0"/>
+                  </a:moveTo>
+                  <a:lnTo>
+                    <a:pt x="6738730" y="0"/>
+                  </a:lnTo>
+                  <a:lnTo>
+                    <a:pt x="6738730" y="0"/>
+                  </a:lnTo>
+                </a:path>
+              </a:pathLst>
+            </a:custGeom>
+            <a:ln w="13550" cap="flat">
+              <a:solidFill>
+                <a:srgbClr val="EBEBEB">
+                  <a:alpha val="100000"/>
+                </a:srgbClr>
+              </a:solidFill>
+              <a:prstDash val="solid"/>
+              <a:round/>
+            </a:ln>
+          </p:spPr>
+          <p:txBody>
+            <a:bodyPr/>
+            <a:lstStyle/>
+            <a:p/>
+          </p:txBody>
+        </p:sp>
+        <p:sp>
+          <p:nvSpPr>
+            <p:cNvPr id="12" name="pl12"/>
+            <p:cNvSpPr/>
+            <p:nvPr/>
+          </p:nvSpPr>
+          <p:spPr>
+            <a:xfrm>
+              <a:off x="938418" y="2060727"/>
+              <a:ext cx="6738730" cy="0"/>
+            </a:xfrm>
+            <a:custGeom>
+              <a:avLst/>
+              <a:pathLst>
+                <a:path w="6738730" h="0">
+                  <a:moveTo>
+                    <a:pt x="0" y="0"/>
+                  </a:moveTo>
+                  <a:lnTo>
+                    <a:pt x="6738730" y="0"/>
+                  </a:lnTo>
+                  <a:lnTo>
+                    <a:pt x="6738730" y="0"/>
+                  </a:lnTo>
+                </a:path>
+              </a:pathLst>
+            </a:custGeom>
+            <a:ln w="13550" cap="flat">
+              <a:solidFill>
+                <a:srgbClr val="EBEBEB">
+                  <a:alpha val="100000"/>
+                </a:srgbClr>
+              </a:solidFill>
+              <a:prstDash val="solid"/>
+              <a:round/>
+            </a:ln>
+          </p:spPr>
+          <p:txBody>
+            <a:bodyPr/>
+            <a:lstStyle/>
+            <a:p/>
+          </p:txBody>
+        </p:sp>
+        <p:sp>
+          <p:nvSpPr>
+            <p:cNvPr id="13" name="pl13"/>
+            <p:cNvSpPr/>
+            <p:nvPr/>
+          </p:nvSpPr>
+          <p:spPr>
+            <a:xfrm>
+              <a:off x="1715964" y="1886338"/>
+              <a:ext cx="0" cy="3836557"/>
+            </a:xfrm>
+            <a:custGeom>
+              <a:avLst/>
+              <a:pathLst>
+                <a:path w="0" h="3836557">
+                  <a:moveTo>
+                    <a:pt x="0" y="3836557"/>
+                  </a:moveTo>
+                  <a:lnTo>
+                    <a:pt x="0" y="0"/>
+                  </a:lnTo>
+                  <a:lnTo>
+                    <a:pt x="0" y="0"/>
+                  </a:lnTo>
+                </a:path>
+              </a:pathLst>
+            </a:custGeom>
+            <a:ln w="13550" cap="flat">
+              <a:solidFill>
+                <a:srgbClr val="EBEBEB">
+                  <a:alpha val="100000"/>
+                </a:srgbClr>
+              </a:solidFill>
+              <a:prstDash val="solid"/>
+              <a:round/>
+            </a:ln>
+          </p:spPr>
+          <p:txBody>
+            <a:bodyPr/>
+            <a:lstStyle/>
+            <a:p/>
+          </p:txBody>
+        </p:sp>
+        <p:sp>
+          <p:nvSpPr>
+            <p:cNvPr id="14" name="pl14"/>
+            <p:cNvSpPr/>
+            <p:nvPr/>
+          </p:nvSpPr>
+          <p:spPr>
+            <a:xfrm>
+              <a:off x="3011873" y="1886338"/>
+              <a:ext cx="0" cy="3836557"/>
+            </a:xfrm>
+            <a:custGeom>
+              <a:avLst/>
+              <a:pathLst>
+                <a:path w="0" h="3836557">
+                  <a:moveTo>
+                    <a:pt x="0" y="3836557"/>
+                  </a:moveTo>
+                  <a:lnTo>
+                    <a:pt x="0" y="0"/>
+                  </a:lnTo>
+                  <a:lnTo>
+                    <a:pt x="0" y="0"/>
+                  </a:lnTo>
+                </a:path>
+              </a:pathLst>
+            </a:custGeom>
+            <a:ln w="13550" cap="flat">
+              <a:solidFill>
+                <a:srgbClr val="EBEBEB">
+                  <a:alpha val="100000"/>
+                </a:srgbClr>
+              </a:solidFill>
+              <a:prstDash val="solid"/>
+              <a:round/>
+            </a:ln>
+          </p:spPr>
+          <p:txBody>
+            <a:bodyPr/>
+            <a:lstStyle/>
+            <a:p/>
+          </p:txBody>
+        </p:sp>
+        <p:sp>
+          <p:nvSpPr>
+            <p:cNvPr id="15" name="pl15"/>
+            <p:cNvSpPr/>
+            <p:nvPr/>
+          </p:nvSpPr>
+          <p:spPr>
+            <a:xfrm>
+              <a:off x="4307783" y="1886338"/>
+              <a:ext cx="0" cy="3836557"/>
+            </a:xfrm>
+            <a:custGeom>
+              <a:avLst/>
+              <a:pathLst>
+                <a:path w="0" h="3836557">
+                  <a:moveTo>
+                    <a:pt x="0" y="3836557"/>
+                  </a:moveTo>
+                  <a:lnTo>
+                    <a:pt x="0" y="0"/>
+                  </a:lnTo>
+                  <a:lnTo>
+                    <a:pt x="0" y="0"/>
+                  </a:lnTo>
+                </a:path>
+              </a:pathLst>
+            </a:custGeom>
+            <a:ln w="13550" cap="flat">
+              <a:solidFill>
+                <a:srgbClr val="EBEBEB">
+                  <a:alpha val="100000"/>
+                </a:srgbClr>
+              </a:solidFill>
+              <a:prstDash val="solid"/>
+              <a:round/>
+            </a:ln>
+          </p:spPr>
+          <p:txBody>
+            <a:bodyPr/>
+            <a:lstStyle/>
+            <a:p/>
+          </p:txBody>
+        </p:sp>
+        <p:sp>
+          <p:nvSpPr>
+            <p:cNvPr id="16" name="pl16"/>
+            <p:cNvSpPr/>
+            <p:nvPr/>
+          </p:nvSpPr>
+          <p:spPr>
+            <a:xfrm>
+              <a:off x="5603693" y="1886338"/>
+              <a:ext cx="0" cy="3836557"/>
+            </a:xfrm>
+            <a:custGeom>
+              <a:avLst/>
+              <a:pathLst>
+                <a:path w="0" h="3836557">
+                  <a:moveTo>
+                    <a:pt x="0" y="3836557"/>
+                  </a:moveTo>
+                  <a:lnTo>
+                    <a:pt x="0" y="0"/>
+                  </a:lnTo>
+                  <a:lnTo>
+                    <a:pt x="0" y="0"/>
+                  </a:lnTo>
+                </a:path>
+              </a:pathLst>
+            </a:custGeom>
+            <a:ln w="13550" cap="flat">
+              <a:solidFill>
+                <a:srgbClr val="EBEBEB">
+                  <a:alpha val="100000"/>
+                </a:srgbClr>
+              </a:solidFill>
+              <a:prstDash val="solid"/>
+              <a:round/>
+            </a:ln>
+          </p:spPr>
+          <p:txBody>
+            <a:bodyPr/>
+            <a:lstStyle/>
+            <a:p/>
+          </p:txBody>
+        </p:sp>
+        <p:sp>
+          <p:nvSpPr>
+            <p:cNvPr id="17" name="pl17"/>
+            <p:cNvSpPr/>
+            <p:nvPr/>
+          </p:nvSpPr>
+          <p:spPr>
+            <a:xfrm>
+              <a:off x="6899603" y="1886338"/>
+              <a:ext cx="0" cy="3836557"/>
+            </a:xfrm>
+            <a:custGeom>
+              <a:avLst/>
+              <a:pathLst>
+                <a:path w="0" h="3836557">
+                  <a:moveTo>
+                    <a:pt x="0" y="3836557"/>
+                  </a:moveTo>
+                  <a:lnTo>
+                    <a:pt x="0" y="0"/>
+                  </a:lnTo>
+                  <a:lnTo>
+                    <a:pt x="0" y="0"/>
+                  </a:lnTo>
+                </a:path>
+              </a:pathLst>
+            </a:custGeom>
+            <a:ln w="13550" cap="flat">
+              <a:solidFill>
+                <a:srgbClr val="EBEBEB">
+                  <a:alpha val="100000"/>
+                </a:srgbClr>
+              </a:solidFill>
+              <a:prstDash val="solid"/>
+              <a:round/>
+            </a:ln>
+          </p:spPr>
+          <p:txBody>
+            <a:bodyPr/>
+            <a:lstStyle/>
+            <a:p/>
+          </p:txBody>
+        </p:sp>
+        <p:sp>
+          <p:nvSpPr>
+            <p:cNvPr id="18" name="rc18"/>
+            <p:cNvSpPr/>
+            <p:nvPr/>
+          </p:nvSpPr>
+          <p:spPr>
+            <a:xfrm>
+              <a:off x="1715964" y="4977382"/>
+              <a:ext cx="583159" cy="571123"/>
+            </a:xfrm>
+            <a:prstGeom prst="rect">
+              <a:avLst/>
+            </a:prstGeom>
+            <a:solidFill>
+              <a:srgbClr val="00BFC4">
+                <a:alpha val="100000"/>
+              </a:srgbClr>
+            </a:solidFill>
+          </p:spPr>
+          <p:txBody>
+            <a:bodyPr/>
+            <a:lstStyle/>
+            <a:p/>
+          </p:txBody>
+        </p:sp>
+        <p:sp>
+          <p:nvSpPr>
+            <p:cNvPr id="19" name="rc19"/>
+            <p:cNvSpPr/>
+            <p:nvPr/>
+          </p:nvSpPr>
+          <p:spPr>
+            <a:xfrm>
+              <a:off x="1132804" y="4977382"/>
+              <a:ext cx="583159" cy="571123"/>
+            </a:xfrm>
+            <a:prstGeom prst="rect">
+              <a:avLst/>
+            </a:prstGeom>
+            <a:solidFill>
+              <a:srgbClr val="F8766D">
+                <a:alpha val="100000"/>
+              </a:srgbClr>
+            </a:solidFill>
+          </p:spPr>
+          <p:txBody>
+            <a:bodyPr/>
+            <a:lstStyle/>
+            <a:p/>
+          </p:txBody>
+        </p:sp>
+        <p:sp>
+          <p:nvSpPr>
+            <p:cNvPr id="20" name="rc20"/>
+            <p:cNvSpPr/>
+            <p:nvPr/>
+          </p:nvSpPr>
+          <p:spPr>
+            <a:xfrm>
+              <a:off x="3011873" y="4131596"/>
+              <a:ext cx="583159" cy="1416910"/>
+            </a:xfrm>
+            <a:prstGeom prst="rect">
+              <a:avLst/>
+            </a:prstGeom>
+            <a:solidFill>
+              <a:srgbClr val="00BFC4">
+                <a:alpha val="100000"/>
+              </a:srgbClr>
+            </a:solidFill>
+          </p:spPr>
+          <p:txBody>
+            <a:bodyPr/>
+            <a:lstStyle/>
+            <a:p/>
+          </p:txBody>
+        </p:sp>
+        <p:sp>
+          <p:nvSpPr>
+            <p:cNvPr id="21" name="rc21"/>
+            <p:cNvSpPr/>
+            <p:nvPr/>
+          </p:nvSpPr>
+          <p:spPr>
+            <a:xfrm>
+              <a:off x="2428714" y="4362661"/>
+              <a:ext cx="583159" cy="1185845"/>
+            </a:xfrm>
+            <a:prstGeom prst="rect">
+              <a:avLst/>
+            </a:prstGeom>
+            <a:solidFill>
+              <a:srgbClr val="F8766D">
+                <a:alpha val="100000"/>
+              </a:srgbClr>
+            </a:solidFill>
+          </p:spPr>
+          <p:txBody>
+            <a:bodyPr/>
+            <a:lstStyle/>
+            <a:p/>
+          </p:txBody>
+        </p:sp>
+        <p:sp>
+          <p:nvSpPr>
+            <p:cNvPr id="22" name="rc22"/>
+            <p:cNvSpPr/>
+            <p:nvPr/>
+          </p:nvSpPr>
+          <p:spPr>
+            <a:xfrm>
+              <a:off x="4307783" y="4925066"/>
+              <a:ext cx="583159" cy="623440"/>
+            </a:xfrm>
+            <a:prstGeom prst="rect">
+              <a:avLst/>
+            </a:prstGeom>
+            <a:solidFill>
+              <a:srgbClr val="00BFC4">
+                <a:alpha val="100000"/>
+              </a:srgbClr>
+            </a:solidFill>
+          </p:spPr>
+          <p:txBody>
+            <a:bodyPr/>
+            <a:lstStyle/>
+            <a:p/>
+          </p:txBody>
+        </p:sp>
+        <p:sp>
+          <p:nvSpPr>
+            <p:cNvPr id="23" name="rc23"/>
+            <p:cNvSpPr/>
+            <p:nvPr/>
+          </p:nvSpPr>
+          <p:spPr>
+            <a:xfrm>
+              <a:off x="3724624" y="4598086"/>
+              <a:ext cx="583159" cy="950419"/>
+            </a:xfrm>
+            <a:prstGeom prst="rect">
+              <a:avLst/>
+            </a:prstGeom>
+            <a:solidFill>
+              <a:srgbClr val="F8766D">
+                <a:alpha val="100000"/>
+              </a:srgbClr>
+            </a:solidFill>
+          </p:spPr>
+          <p:txBody>
+            <a:bodyPr/>
+            <a:lstStyle/>
+            <a:p/>
+          </p:txBody>
+        </p:sp>
+        <p:sp>
+          <p:nvSpPr>
+            <p:cNvPr id="24" name="rc24"/>
+            <p:cNvSpPr/>
+            <p:nvPr/>
+          </p:nvSpPr>
+          <p:spPr>
+            <a:xfrm>
+              <a:off x="5603693" y="2073806"/>
+              <a:ext cx="583159" cy="3474700"/>
+            </a:xfrm>
+            <a:prstGeom prst="rect">
+              <a:avLst/>
+            </a:prstGeom>
+            <a:solidFill>
+              <a:srgbClr val="00BFC4">
+                <a:alpha val="100000"/>
+              </a:srgbClr>
+            </a:solidFill>
+          </p:spPr>
+          <p:txBody>
+            <a:bodyPr/>
+            <a:lstStyle/>
+            <a:p/>
+          </p:txBody>
+        </p:sp>
+        <p:sp>
+          <p:nvSpPr>
+            <p:cNvPr id="25" name="rc25"/>
+            <p:cNvSpPr/>
+            <p:nvPr/>
+          </p:nvSpPr>
+          <p:spPr>
+            <a:xfrm>
+              <a:off x="5020534" y="2060727"/>
+              <a:ext cx="583159" cy="3487779"/>
+            </a:xfrm>
+            <a:prstGeom prst="rect">
+              <a:avLst/>
+            </a:prstGeom>
+            <a:solidFill>
+              <a:srgbClr val="F8766D">
+                <a:alpha val="100000"/>
+              </a:srgbClr>
+            </a:solidFill>
+          </p:spPr>
+          <p:txBody>
+            <a:bodyPr/>
+            <a:lstStyle/>
+            <a:p/>
+          </p:txBody>
+        </p:sp>
+        <p:sp>
+          <p:nvSpPr>
+            <p:cNvPr id="26" name="rc26"/>
+            <p:cNvSpPr/>
+            <p:nvPr/>
+          </p:nvSpPr>
+          <p:spPr>
+            <a:xfrm>
+              <a:off x="6899603" y="2862916"/>
+              <a:ext cx="583159" cy="2685590"/>
+            </a:xfrm>
+            <a:prstGeom prst="rect">
+              <a:avLst/>
+            </a:prstGeom>
+            <a:solidFill>
+              <a:srgbClr val="00BFC4">
+                <a:alpha val="100000"/>
+              </a:srgbClr>
+            </a:solidFill>
+          </p:spPr>
+          <p:txBody>
+            <a:bodyPr/>
+            <a:lstStyle/>
+            <a:p/>
+          </p:txBody>
+        </p:sp>
+        <p:sp>
+          <p:nvSpPr>
+            <p:cNvPr id="27" name="rc27"/>
+            <p:cNvSpPr/>
+            <p:nvPr/>
+          </p:nvSpPr>
+          <p:spPr>
+            <a:xfrm>
+              <a:off x="6316443" y="2893434"/>
+              <a:ext cx="583159" cy="2655072"/>
+            </a:xfrm>
+            <a:prstGeom prst="rect">
+              <a:avLst/>
+            </a:prstGeom>
+            <a:solidFill>
+              <a:srgbClr val="F8766D">
+                <a:alpha val="100000"/>
+              </a:srgbClr>
+            </a:solidFill>
+          </p:spPr>
+          <p:txBody>
+            <a:bodyPr/>
+            <a:lstStyle/>
+            <a:p/>
+          </p:txBody>
+        </p:sp>
+        <p:sp>
+          <p:nvSpPr>
+            <p:cNvPr id="28" name="tx28"/>
+            <p:cNvSpPr/>
+            <p:nvPr/>
+          </p:nvSpPr>
+          <p:spPr>
+            <a:xfrm>
+              <a:off x="813632" y="5507824"/>
+              <a:ext cx="62155" cy="79126"/>
+            </a:xfrm>
+            <a:prstGeom prst="rect">
+              <a:avLst/>
+            </a:prstGeom>
+            <a:noFill/>
+          </p:spPr>
+          <p:txBody>
+            <a:bodyPr lIns="0" rIns="0" tIns="0" bIns="0" anchorCtr="1" anchor="ctr" wrap="none"/>
+            <a:lstStyle/>
+            <a:p>
+              <a:pPr algn="l" marL="0" marR="0" indent="0">
+                <a:lnSpc>
+                  <a:spcPts val="880"/>
+                </a:lnSpc>
+                <a:spcBef>
+                  <a:spcPts val="0"/>
+                </a:spcBef>
+                <a:spcAft>
+                  <a:spcPts val="0"/>
+                </a:spcAft>
+              </a:pPr>
+              <a:r>
+                <a:rPr sz="880">
+                  <a:solidFill>
+                    <a:srgbClr val="4D4D4D">
+                      <a:alpha val="100000"/>
+                    </a:srgbClr>
+                  </a:solidFill>
+                  <a:latin typeface="Liberation Sans"/>
+                  <a:cs typeface="Liberation Sans"/>
+                </a:rPr>
+                <a:t>0</a:t>
+              </a:r>
+            </a:p>
+          </p:txBody>
+        </p:sp>
+        <p:sp>
+          <p:nvSpPr>
+            <p:cNvPr id="29" name="tx29"/>
+            <p:cNvSpPr/>
+            <p:nvPr/>
+          </p:nvSpPr>
+          <p:spPr>
+            <a:xfrm>
+              <a:off x="689321" y="4635879"/>
+              <a:ext cx="186466" cy="79126"/>
+            </a:xfrm>
+            <a:prstGeom prst="rect">
+              <a:avLst/>
+            </a:prstGeom>
+            <a:noFill/>
+          </p:spPr>
+          <p:txBody>
+            <a:bodyPr lIns="0" rIns="0" tIns="0" bIns="0" anchorCtr="1" anchor="ctr" wrap="none"/>
+            <a:lstStyle/>
+            <a:p>
+              <a:pPr algn="l" marL="0" marR="0" indent="0">
+                <a:lnSpc>
+                  <a:spcPts val="880"/>
+                </a:lnSpc>
+                <a:spcBef>
+                  <a:spcPts val="0"/>
+                </a:spcBef>
+                <a:spcAft>
+                  <a:spcPts val="0"/>
+                </a:spcAft>
+              </a:pPr>
+              <a:r>
+                <a:rPr sz="880">
+                  <a:solidFill>
+                    <a:srgbClr val="4D4D4D">
+                      <a:alpha val="100000"/>
+                    </a:srgbClr>
+                  </a:solidFill>
+                  <a:latin typeface="Liberation Sans"/>
+                  <a:cs typeface="Liberation Sans"/>
+                </a:rPr>
+                <a:t>200</a:t>
+              </a:r>
+            </a:p>
+          </p:txBody>
+        </p:sp>
+        <p:sp>
+          <p:nvSpPr>
+            <p:cNvPr id="30" name="tx30"/>
+            <p:cNvSpPr/>
+            <p:nvPr/>
+          </p:nvSpPr>
+          <p:spPr>
+            <a:xfrm>
+              <a:off x="689321" y="3763934"/>
+              <a:ext cx="186466" cy="79126"/>
+            </a:xfrm>
+            <a:prstGeom prst="rect">
+              <a:avLst/>
+            </a:prstGeom>
+            <a:noFill/>
+          </p:spPr>
+          <p:txBody>
+            <a:bodyPr lIns="0" rIns="0" tIns="0" bIns="0" anchorCtr="1" anchor="ctr" wrap="none"/>
+            <a:lstStyle/>
+            <a:p>
+              <a:pPr algn="l" marL="0" marR="0" indent="0">
+                <a:lnSpc>
+                  <a:spcPts val="880"/>
+                </a:lnSpc>
+                <a:spcBef>
+                  <a:spcPts val="0"/>
+                </a:spcBef>
+                <a:spcAft>
+                  <a:spcPts val="0"/>
+                </a:spcAft>
+              </a:pPr>
+              <a:r>
+                <a:rPr sz="880">
+                  <a:solidFill>
+                    <a:srgbClr val="4D4D4D">
+                      <a:alpha val="100000"/>
+                    </a:srgbClr>
+                  </a:solidFill>
+                  <a:latin typeface="Liberation Sans"/>
+                  <a:cs typeface="Liberation Sans"/>
+                </a:rPr>
+                <a:t>400</a:t>
+              </a:r>
+            </a:p>
+          </p:txBody>
+        </p:sp>
+        <p:sp>
+          <p:nvSpPr>
+            <p:cNvPr id="31" name="tx31"/>
+            <p:cNvSpPr/>
+            <p:nvPr/>
+          </p:nvSpPr>
+          <p:spPr>
+            <a:xfrm>
+              <a:off x="689321" y="2891990"/>
+              <a:ext cx="186466" cy="79126"/>
+            </a:xfrm>
+            <a:prstGeom prst="rect">
+              <a:avLst/>
+            </a:prstGeom>
+            <a:noFill/>
+          </p:spPr>
+          <p:txBody>
+            <a:bodyPr lIns="0" rIns="0" tIns="0" bIns="0" anchorCtr="1" anchor="ctr" wrap="none"/>
+            <a:lstStyle/>
+            <a:p>
+              <a:pPr algn="l" marL="0" marR="0" indent="0">
+                <a:lnSpc>
+                  <a:spcPts val="880"/>
+                </a:lnSpc>
+                <a:spcBef>
+                  <a:spcPts val="0"/>
+                </a:spcBef>
+                <a:spcAft>
+                  <a:spcPts val="0"/>
+                </a:spcAft>
+              </a:pPr>
+              <a:r>
+                <a:rPr sz="880">
+                  <a:solidFill>
+                    <a:srgbClr val="4D4D4D">
+                      <a:alpha val="100000"/>
+                    </a:srgbClr>
+                  </a:solidFill>
+                  <a:latin typeface="Liberation Sans"/>
+                  <a:cs typeface="Liberation Sans"/>
+                </a:rPr>
+                <a:t>600</a:t>
+              </a:r>
+            </a:p>
+          </p:txBody>
+        </p:sp>
+        <p:sp>
+          <p:nvSpPr>
+            <p:cNvPr id="32" name="tx32"/>
+            <p:cNvSpPr/>
+            <p:nvPr/>
+          </p:nvSpPr>
+          <p:spPr>
+            <a:xfrm>
+              <a:off x="689321" y="2020045"/>
+              <a:ext cx="186466" cy="79126"/>
+            </a:xfrm>
+            <a:prstGeom prst="rect">
+              <a:avLst/>
+            </a:prstGeom>
+            <a:noFill/>
+          </p:spPr>
+          <p:txBody>
+            <a:bodyPr lIns="0" rIns="0" tIns="0" bIns="0" anchorCtr="1" anchor="ctr" wrap="none"/>
+            <a:lstStyle/>
+            <a:p>
+              <a:pPr algn="l" marL="0" marR="0" indent="0">
+                <a:lnSpc>
+                  <a:spcPts val="880"/>
+                </a:lnSpc>
+                <a:spcBef>
+                  <a:spcPts val="0"/>
+                </a:spcBef>
+                <a:spcAft>
+                  <a:spcPts val="0"/>
+                </a:spcAft>
+              </a:pPr>
+              <a:r>
+                <a:rPr sz="880">
+                  <a:solidFill>
+                    <a:srgbClr val="4D4D4D">
+                      <a:alpha val="100000"/>
+                    </a:srgbClr>
+                  </a:solidFill>
+                  <a:latin typeface="Liberation Sans"/>
+                  <a:cs typeface="Liberation Sans"/>
+                </a:rPr>
+                <a:t>800</a:t>
+              </a:r>
+            </a:p>
+          </p:txBody>
+        </p:sp>
+        <p:sp>
+          <p:nvSpPr>
+            <p:cNvPr id="33" name="tx33"/>
+            <p:cNvSpPr/>
+            <p:nvPr/>
+          </p:nvSpPr>
+          <p:spPr>
+            <a:xfrm>
+              <a:off x="1557519" y="5758240"/>
+              <a:ext cx="316889" cy="104174"/>
+            </a:xfrm>
+            <a:prstGeom prst="rect">
+              <a:avLst/>
+            </a:prstGeom>
+            <a:noFill/>
+          </p:spPr>
+          <p:txBody>
+            <a:bodyPr lIns="0" rIns="0" tIns="0" bIns="0" anchorCtr="1" anchor="ctr" wrap="none"/>
+            <a:lstStyle/>
+            <a:p>
+              <a:pPr algn="l" marL="0" marR="0" indent="0">
+                <a:lnSpc>
+                  <a:spcPts val="880"/>
+                </a:lnSpc>
+                <a:spcBef>
+                  <a:spcPts val="0"/>
+                </a:spcBef>
+                <a:spcAft>
+                  <a:spcPts val="0"/>
+                </a:spcAft>
+              </a:pPr>
+              <a:r>
+                <a:rPr sz="880">
+                  <a:solidFill>
+                    <a:srgbClr val="4D4D4D">
+                      <a:alpha val="100000"/>
+                    </a:srgbClr>
+                  </a:solidFill>
+                  <a:latin typeface="Liberation Sans"/>
+                  <a:cs typeface="Liberation Sans"/>
+                </a:rPr>
+                <a:t>Eating</a:t>
+              </a:r>
+            </a:p>
+          </p:txBody>
+        </p:sp>
+        <p:sp>
+          <p:nvSpPr>
+            <p:cNvPr id="34" name="tx34"/>
+            <p:cNvSpPr/>
+            <p:nvPr/>
+          </p:nvSpPr>
+          <p:spPr>
+            <a:xfrm>
+              <a:off x="2701314" y="5758240"/>
+              <a:ext cx="621119" cy="104174"/>
+            </a:xfrm>
+            <a:prstGeom prst="rect">
+              <a:avLst/>
+            </a:prstGeom>
+            <a:noFill/>
+          </p:spPr>
+          <p:txBody>
+            <a:bodyPr lIns="0" rIns="0" tIns="0" bIns="0" anchorCtr="1" anchor="ctr" wrap="none"/>
+            <a:lstStyle/>
+            <a:p>
+              <a:pPr algn="l" marL="0" marR="0" indent="0">
+                <a:lnSpc>
+                  <a:spcPts val="880"/>
+                </a:lnSpc>
+                <a:spcBef>
+                  <a:spcPts val="0"/>
+                </a:spcBef>
+                <a:spcAft>
+                  <a:spcPts val="0"/>
+                </a:spcAft>
+              </a:pPr>
+              <a:r>
+                <a:rPr sz="880">
+                  <a:solidFill>
+                    <a:srgbClr val="4D4D4D">
+                      <a:alpha val="100000"/>
+                    </a:srgbClr>
+                  </a:solidFill>
+                  <a:latin typeface="Liberation Sans"/>
+                  <a:cs typeface="Liberation Sans"/>
+                </a:rPr>
+                <a:t>Employment</a:t>
+              </a:r>
+            </a:p>
+          </p:txBody>
+        </p:sp>
+        <p:sp>
+          <p:nvSpPr>
+            <p:cNvPr id="35" name="tx35"/>
+            <p:cNvSpPr/>
+            <p:nvPr/>
+          </p:nvSpPr>
+          <p:spPr>
+            <a:xfrm>
+              <a:off x="3646173" y="5758240"/>
+              <a:ext cx="1323220" cy="104174"/>
+            </a:xfrm>
+            <a:prstGeom prst="rect">
+              <a:avLst/>
+            </a:prstGeom>
+            <a:noFill/>
+          </p:spPr>
+          <p:txBody>
+            <a:bodyPr lIns="0" rIns="0" tIns="0" bIns="0" anchorCtr="1" anchor="ctr" wrap="none"/>
+            <a:lstStyle/>
+            <a:p>
+              <a:pPr algn="l" marL="0" marR="0" indent="0">
+                <a:lnSpc>
+                  <a:spcPts val="880"/>
+                </a:lnSpc>
+                <a:spcBef>
+                  <a:spcPts val="0"/>
+                </a:spcBef>
+                <a:spcAft>
+                  <a:spcPts val="0"/>
+                </a:spcAft>
+              </a:pPr>
+              <a:r>
+                <a:rPr sz="880">
+                  <a:solidFill>
+                    <a:srgbClr val="4D4D4D">
+                      <a:alpha val="100000"/>
+                    </a:srgbClr>
+                  </a:solidFill>
+                  <a:latin typeface="Liberation Sans"/>
+                  <a:cs typeface="Liberation Sans"/>
+                </a:rPr>
+                <a:t>Household and family care</a:t>
+              </a:r>
+            </a:p>
+          </p:txBody>
+        </p:sp>
+        <p:sp>
+          <p:nvSpPr>
+            <p:cNvPr id="36" name="tx36"/>
+            <p:cNvSpPr/>
+            <p:nvPr/>
+          </p:nvSpPr>
+          <p:spPr>
+            <a:xfrm>
+              <a:off x="5258918" y="5780341"/>
+              <a:ext cx="689550" cy="82073"/>
+            </a:xfrm>
+            <a:prstGeom prst="rect">
+              <a:avLst/>
+            </a:prstGeom>
+            <a:noFill/>
+          </p:spPr>
+          <p:txBody>
+            <a:bodyPr lIns="0" rIns="0" tIns="0" bIns="0" anchorCtr="1" anchor="ctr" wrap="none"/>
+            <a:lstStyle/>
+            <a:p>
+              <a:pPr algn="l" marL="0" marR="0" indent="0">
+                <a:lnSpc>
+                  <a:spcPts val="880"/>
+                </a:lnSpc>
+                <a:spcBef>
+                  <a:spcPts val="0"/>
+                </a:spcBef>
+                <a:spcAft>
+                  <a:spcPts val="0"/>
+                </a:spcAft>
+              </a:pPr>
+              <a:r>
+                <a:rPr sz="880">
+                  <a:solidFill>
+                    <a:srgbClr val="4D4D4D">
+                      <a:alpha val="100000"/>
+                    </a:srgbClr>
+                  </a:solidFill>
+                  <a:latin typeface="Liberation Sans"/>
+                  <a:cs typeface="Liberation Sans"/>
+                </a:rPr>
+                <a:t>Personal care</a:t>
+              </a:r>
+            </a:p>
+          </p:txBody>
+        </p:sp>
+        <p:sp>
+          <p:nvSpPr>
+            <p:cNvPr id="37" name="tx37"/>
+            <p:cNvSpPr/>
+            <p:nvPr/>
+          </p:nvSpPr>
+          <p:spPr>
+            <a:xfrm>
+              <a:off x="6756683" y="5758240"/>
+              <a:ext cx="285839" cy="104174"/>
+            </a:xfrm>
+            <a:prstGeom prst="rect">
+              <a:avLst/>
+            </a:prstGeom>
+            <a:noFill/>
+          </p:spPr>
+          <p:txBody>
+            <a:bodyPr lIns="0" rIns="0" tIns="0" bIns="0" anchorCtr="1" anchor="ctr" wrap="none"/>
+            <a:lstStyle/>
+            <a:p>
+              <a:pPr algn="l" marL="0" marR="0" indent="0">
+                <a:lnSpc>
+                  <a:spcPts val="880"/>
+                </a:lnSpc>
+                <a:spcBef>
+                  <a:spcPts val="0"/>
+                </a:spcBef>
+                <a:spcAft>
+                  <a:spcPts val="0"/>
+                </a:spcAft>
+              </a:pPr>
+              <a:r>
+                <a:rPr sz="880">
+                  <a:solidFill>
+                    <a:srgbClr val="4D4D4D">
+                      <a:alpha val="100000"/>
+                    </a:srgbClr>
+                  </a:solidFill>
+                  <a:latin typeface="Liberation Sans"/>
+                  <a:cs typeface="Liberation Sans"/>
+                </a:rPr>
+                <a:t>Sleep</a:t>
+              </a:r>
+            </a:p>
+          </p:txBody>
+        </p:sp>
+        <p:sp>
+          <p:nvSpPr>
+            <p:cNvPr id="38" name="tx38"/>
+            <p:cNvSpPr/>
+            <p:nvPr/>
+          </p:nvSpPr>
+          <p:spPr>
+            <a:xfrm>
+              <a:off x="4032203" y="5922355"/>
+              <a:ext cx="551160" cy="102592"/>
+            </a:xfrm>
+            <a:prstGeom prst="rect">
+              <a:avLst/>
+            </a:prstGeom>
+            <a:noFill/>
+          </p:spPr>
+          <p:txBody>
+            <a:bodyPr lIns="0" rIns="0" tIns="0" bIns="0" anchorCtr="1" anchor="ctr" wrap="none"/>
+            <a:lstStyle/>
+            <a:p>
+              <a:pPr algn="l" marL="0" marR="0" indent="0">
+                <a:lnSpc>
+                  <a:spcPts val="1100"/>
+                </a:lnSpc>
+                <a:spcBef>
+                  <a:spcPts val="0"/>
+                </a:spcBef>
+                <a:spcAft>
+                  <a:spcPts val="0"/>
+                </a:spcAft>
+              </a:pPr>
+              <a:r>
+                <a:rPr sz="1100">
+                  <a:solidFill>
+                    <a:srgbClr val="000000">
+                      <a:alpha val="100000"/>
+                    </a:srgbClr>
+                  </a:solidFill>
+                  <a:latin typeface="Liberation Sans"/>
+                  <a:cs typeface="Liberation Sans"/>
+                </a:rPr>
+                <a:t>Activities</a:t>
+              </a:r>
+            </a:p>
+          </p:txBody>
+        </p:sp>
+        <p:sp>
+          <p:nvSpPr>
+            <p:cNvPr id="39" name="tx39"/>
+            <p:cNvSpPr/>
+            <p:nvPr/>
+          </p:nvSpPr>
+          <p:spPr>
+            <a:xfrm rot="-5400000">
+              <a:off x="78630" y="3753321"/>
+              <a:ext cx="985949" cy="102592"/>
+            </a:xfrm>
+            <a:prstGeom prst="rect">
+              <a:avLst/>
+            </a:prstGeom>
+            <a:noFill/>
+          </p:spPr>
+          <p:txBody>
+            <a:bodyPr lIns="0" rIns="0" tIns="0" bIns="0" anchorCtr="1" anchor="ctr" wrap="none"/>
+            <a:lstStyle/>
+            <a:p>
+              <a:pPr algn="l" marL="0" marR="0" indent="0">
+                <a:lnSpc>
+                  <a:spcPts val="1100"/>
+                </a:lnSpc>
+                <a:spcBef>
+                  <a:spcPts val="0"/>
+                </a:spcBef>
+                <a:spcAft>
+                  <a:spcPts val="0"/>
+                </a:spcAft>
+              </a:pPr>
+              <a:r>
+                <a:rPr sz="1100">
+                  <a:solidFill>
+                    <a:srgbClr val="000000">
+                      <a:alpha val="100000"/>
+                    </a:srgbClr>
+                  </a:solidFill>
+                  <a:latin typeface="Liberation Sans"/>
+                  <a:cs typeface="Liberation Sans"/>
+                </a:rPr>
+                <a:t>Time in minutes</a:t>
+              </a:r>
+            </a:p>
+          </p:txBody>
+        </p:sp>
+        <p:sp>
+          <p:nvSpPr>
+            <p:cNvPr id="40" name="tx40"/>
+            <p:cNvSpPr/>
+            <p:nvPr/>
+          </p:nvSpPr>
+          <p:spPr>
+            <a:xfrm>
+              <a:off x="7885916" y="3468204"/>
+              <a:ext cx="644748" cy="130218"/>
+            </a:xfrm>
+            <a:prstGeom prst="rect">
+              <a:avLst/>
+            </a:prstGeom>
+            <a:noFill/>
+          </p:spPr>
+          <p:txBody>
+            <a:bodyPr lIns="0" rIns="0" tIns="0" bIns="0" anchorCtr="1" anchor="ctr" wrap="none"/>
+            <a:lstStyle/>
+            <a:p>
+              <a:pPr algn="l" marL="0" marR="0" indent="0">
+                <a:lnSpc>
+                  <a:spcPts val="1100"/>
+                </a:lnSpc>
+                <a:spcBef>
+                  <a:spcPts val="0"/>
+                </a:spcBef>
+                <a:spcAft>
+                  <a:spcPts val="0"/>
+                </a:spcAft>
+              </a:pPr>
+              <a:r>
+                <a:rPr sz="1100">
+                  <a:solidFill>
+                    <a:srgbClr val="000000">
+                      <a:alpha val="100000"/>
+                    </a:srgbClr>
+                  </a:solidFill>
+                  <a:latin typeface="Liberation Sans"/>
+                  <a:cs typeface="Liberation Sans"/>
+                </a:rPr>
+                <a:t>population</a:t>
+              </a:r>
+            </a:p>
+          </p:txBody>
+        </p:sp>
+        <p:sp>
+          <p:nvSpPr>
+            <p:cNvPr id="41" name="rc41"/>
+            <p:cNvSpPr/>
+            <p:nvPr/>
+          </p:nvSpPr>
+          <p:spPr>
+            <a:xfrm>
+              <a:off x="7894916" y="3692824"/>
+              <a:ext cx="201455" cy="201456"/>
+            </a:xfrm>
+            <a:prstGeom prst="rect">
+              <a:avLst/>
+            </a:prstGeom>
+            <a:solidFill>
+              <a:srgbClr val="F8766D">
+                <a:alpha val="100000"/>
+              </a:srgbClr>
+            </a:solidFill>
+          </p:spPr>
+          <p:txBody>
+            <a:bodyPr/>
+            <a:lstStyle/>
+            <a:p/>
+          </p:txBody>
+        </p:sp>
+        <p:sp>
+          <p:nvSpPr>
+            <p:cNvPr id="42" name="rc42"/>
+            <p:cNvSpPr/>
+            <p:nvPr/>
+          </p:nvSpPr>
+          <p:spPr>
+            <a:xfrm>
+              <a:off x="7894916" y="3912280"/>
+              <a:ext cx="201455" cy="201456"/>
+            </a:xfrm>
+            <a:prstGeom prst="rect">
+              <a:avLst/>
+            </a:prstGeom>
+            <a:solidFill>
+              <a:srgbClr val="00BFC4">
+                <a:alpha val="100000"/>
+              </a:srgbClr>
+            </a:solidFill>
+          </p:spPr>
+          <p:txBody>
+            <a:bodyPr/>
+            <a:lstStyle/>
+            <a:p/>
+          </p:txBody>
+        </p:sp>
+        <p:sp>
+          <p:nvSpPr>
+            <p:cNvPr id="43" name="tx43"/>
+            <p:cNvSpPr/>
+            <p:nvPr/>
+          </p:nvSpPr>
+          <p:spPr>
+            <a:xfrm>
+              <a:off x="8174961" y="3749923"/>
+              <a:ext cx="372660" cy="82073"/>
+            </a:xfrm>
+            <a:prstGeom prst="rect">
+              <a:avLst/>
+            </a:prstGeom>
+            <a:noFill/>
+          </p:spPr>
+          <p:txBody>
+            <a:bodyPr lIns="0" rIns="0" tIns="0" bIns="0" anchorCtr="1" anchor="ctr" wrap="none"/>
+            <a:lstStyle/>
+            <a:p>
+              <a:pPr algn="l" marL="0" marR="0" indent="0">
+                <a:lnSpc>
+                  <a:spcPts val="880"/>
+                </a:lnSpc>
+                <a:spcBef>
+                  <a:spcPts val="0"/>
+                </a:spcBef>
+                <a:spcAft>
+                  <a:spcPts val="0"/>
+                </a:spcAft>
+              </a:pPr>
+              <a:r>
+                <a:rPr sz="880">
+                  <a:solidFill>
+                    <a:srgbClr val="000000">
+                      <a:alpha val="100000"/>
+                    </a:srgbClr>
+                  </a:solidFill>
+                  <a:latin typeface="Liberation Sans"/>
+                  <a:cs typeface="Liberation Sans"/>
+                </a:rPr>
+                <a:t>Female</a:t>
+              </a:r>
+            </a:p>
+          </p:txBody>
+        </p:sp>
+        <p:sp>
+          <p:nvSpPr>
+            <p:cNvPr id="44" name="tx44"/>
+            <p:cNvSpPr/>
+            <p:nvPr/>
+          </p:nvSpPr>
+          <p:spPr>
+            <a:xfrm>
+              <a:off x="8174961" y="3969379"/>
+              <a:ext cx="242237" cy="82073"/>
+            </a:xfrm>
+            <a:prstGeom prst="rect">
+              <a:avLst/>
+            </a:prstGeom>
+            <a:noFill/>
+          </p:spPr>
+          <p:txBody>
+            <a:bodyPr lIns="0" rIns="0" tIns="0" bIns="0" anchorCtr="1" anchor="ctr" wrap="none"/>
+            <a:lstStyle/>
+            <a:p>
+              <a:pPr algn="l" marL="0" marR="0" indent="0">
+                <a:lnSpc>
+                  <a:spcPts val="880"/>
+                </a:lnSpc>
+                <a:spcBef>
+                  <a:spcPts val="0"/>
+                </a:spcBef>
+                <a:spcAft>
+                  <a:spcPts val="0"/>
+                </a:spcAft>
+              </a:pPr>
+              <a:r>
+                <a:rPr sz="880">
+                  <a:solidFill>
+                    <a:srgbClr val="000000">
+                      <a:alpha val="100000"/>
+                    </a:srgbClr>
+                  </a:solidFill>
+                  <a:latin typeface="Liberation Sans"/>
+                  <a:cs typeface="Liberation Sans"/>
+                </a:rPr>
+                <a:t>Male</a:t>
+              </a:r>
+            </a:p>
+          </p:txBody>
+        </p:sp>
+        <p:sp>
+          <p:nvSpPr>
+            <p:cNvPr id="45" name="tx45"/>
+            <p:cNvSpPr/>
+            <p:nvPr/>
+          </p:nvSpPr>
+          <p:spPr>
+            <a:xfrm>
+              <a:off x="938418" y="1628861"/>
+              <a:ext cx="1435417" cy="156262"/>
+            </a:xfrm>
+            <a:prstGeom prst="rect">
+              <a:avLst/>
+            </a:prstGeom>
+            <a:noFill/>
+          </p:spPr>
+          <p:txBody>
+            <a:bodyPr lIns="0" rIns="0" tIns="0" bIns="0" anchorCtr="1" anchor="ctr" wrap="none"/>
+            <a:lstStyle/>
+            <a:p>
+              <a:pPr algn="l" marL="0" marR="0" indent="0">
+                <a:lnSpc>
+                  <a:spcPts val="1320"/>
+                </a:lnSpc>
+                <a:spcBef>
+                  <a:spcPts val="0"/>
+                </a:spcBef>
+                <a:spcAft>
+                  <a:spcPts val="0"/>
+                </a:spcAft>
+              </a:pPr>
+              <a:r>
+                <a:rPr sz="1320">
+                  <a:solidFill>
+                    <a:srgbClr val="000000">
+                      <a:alpha val="100000"/>
+                    </a:srgbClr>
+                  </a:solidFill>
+                  <a:latin typeface="Liberation Sans"/>
+                  <a:cs typeface="Liberation Sans"/>
+                </a:rPr>
+                <a:t>Year 2014_Sunday</a:t>
+              </a:r>
+            </a:p>
+          </p:txBody>
+        </p:sp>
+      </p:grpSp>
+    </p:spTree>
+  </p:cSld>
+  <p:clrMapOvr>
+    <a:masterClrMapping/>
+  </p:clrMapOvr>
+</p:sld>
+</file>
+
+<file path=ppt/slides/slide30.xml><?xml version="1.0" encoding="utf-8"?>
 <p:sld xmlns:a="http://schemas.openxmlformats.org/drawingml/2006/main" xmlns:r="http://schemas.openxmlformats.org/officeDocument/2006/relationships" xmlns:p="http://schemas.openxmlformats.org/presentationml/2006/main">
   <p:cSld>
     <p:spTree>

--- a/content/blog/test.pptx
+++ b/content/blog/test.pptx
@@ -35,6 +35,9 @@
     <p:sldId id="283" r:id="rId35"/>
     <p:sldId id="284" r:id="rId36"/>
     <p:sldId id="285" r:id="rId37"/>
+    <p:sldId id="286" r:id="rId38"/>
+    <p:sldId id="287" r:id="rId39"/>
+    <p:sldId id="288" r:id="rId40"/>
   </p:sldIdLst>
   <p:sldSz cx="9144000" cy="6858000" type="screen4x3"/>
   <p:notesSz cx="6858000" cy="9144000"/>
@@ -42202,6 +42205,5003 @@
 </p:sld>
 </file>
 
+<file path=ppt/slides/slide31.xml><?xml version="1.0" encoding="utf-8"?>
+<p:sld xmlns:a="http://schemas.openxmlformats.org/drawingml/2006/main" xmlns:r="http://schemas.openxmlformats.org/officeDocument/2006/relationships" xmlns:p="http://schemas.openxmlformats.org/presentationml/2006/main">
+  <p:cSld>
+    <p:spTree>
+      <p:nvGrpSpPr>
+        <p:cNvPr id="1" name=""/>
+        <p:cNvGrpSpPr/>
+        <p:nvPr/>
+      </p:nvGrpSpPr>
+      <p:grpSpPr>
+        <a:xfrm>
+          <a:off x="0" y="0"/>
+          <a:ext cx="0" cy="0"/>
+          <a:chOff x="0" y="0"/>
+          <a:chExt cx="0" cy="0"/>
+        </a:xfrm>
+      </p:grpSpPr>
+      <p:grpSp xmlns:a="http://schemas.openxmlformats.org/drawingml/2006/main" xmlns:r="http://schemas.openxmlformats.org/officeDocument/2006/relationships" xmlns:p="http://schemas.openxmlformats.org/presentationml/2006/main" xmlns:pic="http://schemas.openxmlformats.org/drawingml/2006/picture">
+        <p:nvGrpSpPr>
+          <p:cNvPr id="2" name="grp1"/>
+          <p:cNvGrpSpPr/>
+          <p:nvPr/>
+        </p:nvGrpSpPr>
+        <p:grpSpPr>
+          <a:xfrm>
+            <a:off x="457200" y="1600200"/>
+            <a:ext cx="8229600" cy="4525962"/>
+            <a:chOff x="457200" y="1600200"/>
+            <a:chExt cx="8229600" cy="4525962"/>
+          </a:xfrm>
+        </p:grpSpPr>
+        <p:sp>
+          <p:nvSpPr>
+            <p:cNvPr id="3" name="rc3"/>
+            <p:cNvSpPr/>
+            <p:nvPr/>
+          </p:nvSpPr>
+          <p:spPr>
+            <a:xfrm>
+              <a:off x="457200" y="1600200"/>
+              <a:ext cx="8229600" cy="4525962"/>
+            </a:xfrm>
+            <a:prstGeom prst="rect">
+              <a:avLst/>
+            </a:prstGeom>
+            <a:solidFill>
+              <a:srgbClr val="FFFFFF">
+                <a:alpha val="100000"/>
+              </a:srgbClr>
+            </a:solidFill>
+            <a:ln w="9525" cap="rnd">
+              <a:solidFill>
+                <a:srgbClr val="FFFFFF">
+                  <a:alpha val="100000"/>
+                </a:srgbClr>
+              </a:solidFill>
+              <a:prstDash val="solid"/>
+              <a:round/>
+            </a:ln>
+          </p:spPr>
+          <p:txBody>
+            <a:bodyPr/>
+            <a:lstStyle/>
+            <a:p/>
+          </p:txBody>
+        </p:sp>
+        <p:sp>
+          <p:nvSpPr>
+            <p:cNvPr id="4" name="pl4"/>
+            <p:cNvSpPr/>
+            <p:nvPr/>
+          </p:nvSpPr>
+          <p:spPr>
+            <a:xfrm>
+              <a:off x="938418" y="5031798"/>
+              <a:ext cx="6738730" cy="0"/>
+            </a:xfrm>
+            <a:custGeom>
+              <a:avLst/>
+              <a:pathLst>
+                <a:path w="6738730" h="0">
+                  <a:moveTo>
+                    <a:pt x="0" y="0"/>
+                  </a:moveTo>
+                  <a:lnTo>
+                    <a:pt x="6738730" y="0"/>
+                  </a:lnTo>
+                  <a:lnTo>
+                    <a:pt x="6738730" y="0"/>
+                  </a:lnTo>
+                </a:path>
+              </a:pathLst>
+            </a:custGeom>
+            <a:ln w="6775" cap="flat">
+              <a:solidFill>
+                <a:srgbClr val="EBEBEB">
+                  <a:alpha val="100000"/>
+                </a:srgbClr>
+              </a:solidFill>
+              <a:prstDash val="solid"/>
+              <a:round/>
+            </a:ln>
+          </p:spPr>
+          <p:txBody>
+            <a:bodyPr/>
+            <a:lstStyle/>
+            <a:p/>
+          </p:txBody>
+        </p:sp>
+        <p:sp>
+          <p:nvSpPr>
+            <p:cNvPr id="5" name="pl5"/>
+            <p:cNvSpPr/>
+            <p:nvPr/>
+          </p:nvSpPr>
+          <p:spPr>
+            <a:xfrm>
+              <a:off x="938418" y="3998382"/>
+              <a:ext cx="6738730" cy="0"/>
+            </a:xfrm>
+            <a:custGeom>
+              <a:avLst/>
+              <a:pathLst>
+                <a:path w="6738730" h="0">
+                  <a:moveTo>
+                    <a:pt x="0" y="0"/>
+                  </a:moveTo>
+                  <a:lnTo>
+                    <a:pt x="6738730" y="0"/>
+                  </a:lnTo>
+                  <a:lnTo>
+                    <a:pt x="6738730" y="0"/>
+                  </a:lnTo>
+                </a:path>
+              </a:pathLst>
+            </a:custGeom>
+            <a:ln w="6775" cap="flat">
+              <a:solidFill>
+                <a:srgbClr val="EBEBEB">
+                  <a:alpha val="100000"/>
+                </a:srgbClr>
+              </a:solidFill>
+              <a:prstDash val="solid"/>
+              <a:round/>
+            </a:ln>
+          </p:spPr>
+          <p:txBody>
+            <a:bodyPr/>
+            <a:lstStyle/>
+            <a:p/>
+          </p:txBody>
+        </p:sp>
+        <p:sp>
+          <p:nvSpPr>
+            <p:cNvPr id="6" name="pl6"/>
+            <p:cNvSpPr/>
+            <p:nvPr/>
+          </p:nvSpPr>
+          <p:spPr>
+            <a:xfrm>
+              <a:off x="938418" y="2964966"/>
+              <a:ext cx="6738730" cy="0"/>
+            </a:xfrm>
+            <a:custGeom>
+              <a:avLst/>
+              <a:pathLst>
+                <a:path w="6738730" h="0">
+                  <a:moveTo>
+                    <a:pt x="0" y="0"/>
+                  </a:moveTo>
+                  <a:lnTo>
+                    <a:pt x="6738730" y="0"/>
+                  </a:lnTo>
+                  <a:lnTo>
+                    <a:pt x="6738730" y="0"/>
+                  </a:lnTo>
+                </a:path>
+              </a:pathLst>
+            </a:custGeom>
+            <a:ln w="6775" cap="flat">
+              <a:solidFill>
+                <a:srgbClr val="EBEBEB">
+                  <a:alpha val="100000"/>
+                </a:srgbClr>
+              </a:solidFill>
+              <a:prstDash val="solid"/>
+              <a:round/>
+            </a:ln>
+          </p:spPr>
+          <p:txBody>
+            <a:bodyPr/>
+            <a:lstStyle/>
+            <a:p/>
+          </p:txBody>
+        </p:sp>
+        <p:sp>
+          <p:nvSpPr>
+            <p:cNvPr id="7" name="pl7"/>
+            <p:cNvSpPr/>
+            <p:nvPr/>
+          </p:nvSpPr>
+          <p:spPr>
+            <a:xfrm>
+              <a:off x="938418" y="1931550"/>
+              <a:ext cx="6738730" cy="0"/>
+            </a:xfrm>
+            <a:custGeom>
+              <a:avLst/>
+              <a:pathLst>
+                <a:path w="6738730" h="0">
+                  <a:moveTo>
+                    <a:pt x="0" y="0"/>
+                  </a:moveTo>
+                  <a:lnTo>
+                    <a:pt x="6738730" y="0"/>
+                  </a:lnTo>
+                  <a:lnTo>
+                    <a:pt x="6738730" y="0"/>
+                  </a:lnTo>
+                </a:path>
+              </a:pathLst>
+            </a:custGeom>
+            <a:ln w="6775" cap="flat">
+              <a:solidFill>
+                <a:srgbClr val="EBEBEB">
+                  <a:alpha val="100000"/>
+                </a:srgbClr>
+              </a:solidFill>
+              <a:prstDash val="solid"/>
+              <a:round/>
+            </a:ln>
+          </p:spPr>
+          <p:txBody>
+            <a:bodyPr/>
+            <a:lstStyle/>
+            <a:p/>
+          </p:txBody>
+        </p:sp>
+        <p:sp>
+          <p:nvSpPr>
+            <p:cNvPr id="8" name="pl8"/>
+            <p:cNvSpPr/>
+            <p:nvPr/>
+          </p:nvSpPr>
+          <p:spPr>
+            <a:xfrm>
+              <a:off x="938418" y="5548506"/>
+              <a:ext cx="6738730" cy="0"/>
+            </a:xfrm>
+            <a:custGeom>
+              <a:avLst/>
+              <a:pathLst>
+                <a:path w="6738730" h="0">
+                  <a:moveTo>
+                    <a:pt x="0" y="0"/>
+                  </a:moveTo>
+                  <a:lnTo>
+                    <a:pt x="6738730" y="0"/>
+                  </a:lnTo>
+                  <a:lnTo>
+                    <a:pt x="6738730" y="0"/>
+                  </a:lnTo>
+                </a:path>
+              </a:pathLst>
+            </a:custGeom>
+            <a:ln w="13550" cap="flat">
+              <a:solidFill>
+                <a:srgbClr val="EBEBEB">
+                  <a:alpha val="100000"/>
+                </a:srgbClr>
+              </a:solidFill>
+              <a:prstDash val="solid"/>
+              <a:round/>
+            </a:ln>
+          </p:spPr>
+          <p:txBody>
+            <a:bodyPr/>
+            <a:lstStyle/>
+            <a:p/>
+          </p:txBody>
+        </p:sp>
+        <p:sp>
+          <p:nvSpPr>
+            <p:cNvPr id="9" name="pl9"/>
+            <p:cNvSpPr/>
+            <p:nvPr/>
+          </p:nvSpPr>
+          <p:spPr>
+            <a:xfrm>
+              <a:off x="938418" y="4515090"/>
+              <a:ext cx="6738730" cy="0"/>
+            </a:xfrm>
+            <a:custGeom>
+              <a:avLst/>
+              <a:pathLst>
+                <a:path w="6738730" h="0">
+                  <a:moveTo>
+                    <a:pt x="0" y="0"/>
+                  </a:moveTo>
+                  <a:lnTo>
+                    <a:pt x="6738730" y="0"/>
+                  </a:lnTo>
+                  <a:lnTo>
+                    <a:pt x="6738730" y="0"/>
+                  </a:lnTo>
+                </a:path>
+              </a:pathLst>
+            </a:custGeom>
+            <a:ln w="13550" cap="flat">
+              <a:solidFill>
+                <a:srgbClr val="EBEBEB">
+                  <a:alpha val="100000"/>
+                </a:srgbClr>
+              </a:solidFill>
+              <a:prstDash val="solid"/>
+              <a:round/>
+            </a:ln>
+          </p:spPr>
+          <p:txBody>
+            <a:bodyPr/>
+            <a:lstStyle/>
+            <a:p/>
+          </p:txBody>
+        </p:sp>
+        <p:sp>
+          <p:nvSpPr>
+            <p:cNvPr id="10" name="pl10"/>
+            <p:cNvSpPr/>
+            <p:nvPr/>
+          </p:nvSpPr>
+          <p:spPr>
+            <a:xfrm>
+              <a:off x="938418" y="3481674"/>
+              <a:ext cx="6738730" cy="0"/>
+            </a:xfrm>
+            <a:custGeom>
+              <a:avLst/>
+              <a:pathLst>
+                <a:path w="6738730" h="0">
+                  <a:moveTo>
+                    <a:pt x="0" y="0"/>
+                  </a:moveTo>
+                  <a:lnTo>
+                    <a:pt x="6738730" y="0"/>
+                  </a:lnTo>
+                  <a:lnTo>
+                    <a:pt x="6738730" y="0"/>
+                  </a:lnTo>
+                </a:path>
+              </a:pathLst>
+            </a:custGeom>
+            <a:ln w="13550" cap="flat">
+              <a:solidFill>
+                <a:srgbClr val="EBEBEB">
+                  <a:alpha val="100000"/>
+                </a:srgbClr>
+              </a:solidFill>
+              <a:prstDash val="solid"/>
+              <a:round/>
+            </a:ln>
+          </p:spPr>
+          <p:txBody>
+            <a:bodyPr/>
+            <a:lstStyle/>
+            <a:p/>
+          </p:txBody>
+        </p:sp>
+        <p:sp>
+          <p:nvSpPr>
+            <p:cNvPr id="11" name="pl11"/>
+            <p:cNvSpPr/>
+            <p:nvPr/>
+          </p:nvSpPr>
+          <p:spPr>
+            <a:xfrm>
+              <a:off x="938418" y="2448258"/>
+              <a:ext cx="6738730" cy="0"/>
+            </a:xfrm>
+            <a:custGeom>
+              <a:avLst/>
+              <a:pathLst>
+                <a:path w="6738730" h="0">
+                  <a:moveTo>
+                    <a:pt x="0" y="0"/>
+                  </a:moveTo>
+                  <a:lnTo>
+                    <a:pt x="6738730" y="0"/>
+                  </a:lnTo>
+                  <a:lnTo>
+                    <a:pt x="6738730" y="0"/>
+                  </a:lnTo>
+                </a:path>
+              </a:pathLst>
+            </a:custGeom>
+            <a:ln w="13550" cap="flat">
+              <a:solidFill>
+                <a:srgbClr val="EBEBEB">
+                  <a:alpha val="100000"/>
+                </a:srgbClr>
+              </a:solidFill>
+              <a:prstDash val="solid"/>
+              <a:round/>
+            </a:ln>
+          </p:spPr>
+          <p:txBody>
+            <a:bodyPr/>
+            <a:lstStyle/>
+            <a:p/>
+          </p:txBody>
+        </p:sp>
+        <p:sp>
+          <p:nvSpPr>
+            <p:cNvPr id="12" name="pl12"/>
+            <p:cNvSpPr/>
+            <p:nvPr/>
+          </p:nvSpPr>
+          <p:spPr>
+            <a:xfrm>
+              <a:off x="1715964" y="1886338"/>
+              <a:ext cx="0" cy="3836557"/>
+            </a:xfrm>
+            <a:custGeom>
+              <a:avLst/>
+              <a:pathLst>
+                <a:path w="0" h="3836557">
+                  <a:moveTo>
+                    <a:pt x="0" y="3836557"/>
+                  </a:moveTo>
+                  <a:lnTo>
+                    <a:pt x="0" y="0"/>
+                  </a:lnTo>
+                  <a:lnTo>
+                    <a:pt x="0" y="0"/>
+                  </a:lnTo>
+                </a:path>
+              </a:pathLst>
+            </a:custGeom>
+            <a:ln w="13550" cap="flat">
+              <a:solidFill>
+                <a:srgbClr val="EBEBEB">
+                  <a:alpha val="100000"/>
+                </a:srgbClr>
+              </a:solidFill>
+              <a:prstDash val="solid"/>
+              <a:round/>
+            </a:ln>
+          </p:spPr>
+          <p:txBody>
+            <a:bodyPr/>
+            <a:lstStyle/>
+            <a:p/>
+          </p:txBody>
+        </p:sp>
+        <p:sp>
+          <p:nvSpPr>
+            <p:cNvPr id="13" name="pl13"/>
+            <p:cNvSpPr/>
+            <p:nvPr/>
+          </p:nvSpPr>
+          <p:spPr>
+            <a:xfrm>
+              <a:off x="3011873" y="1886338"/>
+              <a:ext cx="0" cy="3836557"/>
+            </a:xfrm>
+            <a:custGeom>
+              <a:avLst/>
+              <a:pathLst>
+                <a:path w="0" h="3836557">
+                  <a:moveTo>
+                    <a:pt x="0" y="3836557"/>
+                  </a:moveTo>
+                  <a:lnTo>
+                    <a:pt x="0" y="0"/>
+                  </a:lnTo>
+                  <a:lnTo>
+                    <a:pt x="0" y="0"/>
+                  </a:lnTo>
+                </a:path>
+              </a:pathLst>
+            </a:custGeom>
+            <a:ln w="13550" cap="flat">
+              <a:solidFill>
+                <a:srgbClr val="EBEBEB">
+                  <a:alpha val="100000"/>
+                </a:srgbClr>
+              </a:solidFill>
+              <a:prstDash val="solid"/>
+              <a:round/>
+            </a:ln>
+          </p:spPr>
+          <p:txBody>
+            <a:bodyPr/>
+            <a:lstStyle/>
+            <a:p/>
+          </p:txBody>
+        </p:sp>
+        <p:sp>
+          <p:nvSpPr>
+            <p:cNvPr id="14" name="pl14"/>
+            <p:cNvSpPr/>
+            <p:nvPr/>
+          </p:nvSpPr>
+          <p:spPr>
+            <a:xfrm>
+              <a:off x="4307783" y="1886338"/>
+              <a:ext cx="0" cy="3836557"/>
+            </a:xfrm>
+            <a:custGeom>
+              <a:avLst/>
+              <a:pathLst>
+                <a:path w="0" h="3836557">
+                  <a:moveTo>
+                    <a:pt x="0" y="3836557"/>
+                  </a:moveTo>
+                  <a:lnTo>
+                    <a:pt x="0" y="0"/>
+                  </a:lnTo>
+                  <a:lnTo>
+                    <a:pt x="0" y="0"/>
+                  </a:lnTo>
+                </a:path>
+              </a:pathLst>
+            </a:custGeom>
+            <a:ln w="13550" cap="flat">
+              <a:solidFill>
+                <a:srgbClr val="EBEBEB">
+                  <a:alpha val="100000"/>
+                </a:srgbClr>
+              </a:solidFill>
+              <a:prstDash val="solid"/>
+              <a:round/>
+            </a:ln>
+          </p:spPr>
+          <p:txBody>
+            <a:bodyPr/>
+            <a:lstStyle/>
+            <a:p/>
+          </p:txBody>
+        </p:sp>
+        <p:sp>
+          <p:nvSpPr>
+            <p:cNvPr id="15" name="pl15"/>
+            <p:cNvSpPr/>
+            <p:nvPr/>
+          </p:nvSpPr>
+          <p:spPr>
+            <a:xfrm>
+              <a:off x="5603693" y="1886338"/>
+              <a:ext cx="0" cy="3836557"/>
+            </a:xfrm>
+            <a:custGeom>
+              <a:avLst/>
+              <a:pathLst>
+                <a:path w="0" h="3836557">
+                  <a:moveTo>
+                    <a:pt x="0" y="3836557"/>
+                  </a:moveTo>
+                  <a:lnTo>
+                    <a:pt x="0" y="0"/>
+                  </a:lnTo>
+                  <a:lnTo>
+                    <a:pt x="0" y="0"/>
+                  </a:lnTo>
+                </a:path>
+              </a:pathLst>
+            </a:custGeom>
+            <a:ln w="13550" cap="flat">
+              <a:solidFill>
+                <a:srgbClr val="EBEBEB">
+                  <a:alpha val="100000"/>
+                </a:srgbClr>
+              </a:solidFill>
+              <a:prstDash val="solid"/>
+              <a:round/>
+            </a:ln>
+          </p:spPr>
+          <p:txBody>
+            <a:bodyPr/>
+            <a:lstStyle/>
+            <a:p/>
+          </p:txBody>
+        </p:sp>
+        <p:sp>
+          <p:nvSpPr>
+            <p:cNvPr id="16" name="pl16"/>
+            <p:cNvSpPr/>
+            <p:nvPr/>
+          </p:nvSpPr>
+          <p:spPr>
+            <a:xfrm>
+              <a:off x="6899603" y="1886338"/>
+              <a:ext cx="0" cy="3836557"/>
+            </a:xfrm>
+            <a:custGeom>
+              <a:avLst/>
+              <a:pathLst>
+                <a:path w="0" h="3836557">
+                  <a:moveTo>
+                    <a:pt x="0" y="3836557"/>
+                  </a:moveTo>
+                  <a:lnTo>
+                    <a:pt x="0" y="0"/>
+                  </a:lnTo>
+                  <a:lnTo>
+                    <a:pt x="0" y="0"/>
+                  </a:lnTo>
+                </a:path>
+              </a:pathLst>
+            </a:custGeom>
+            <a:ln w="13550" cap="flat">
+              <a:solidFill>
+                <a:srgbClr val="EBEBEB">
+                  <a:alpha val="100000"/>
+                </a:srgbClr>
+              </a:solidFill>
+              <a:prstDash val="solid"/>
+              <a:round/>
+            </a:ln>
+          </p:spPr>
+          <p:txBody>
+            <a:bodyPr/>
+            <a:lstStyle/>
+            <a:p/>
+          </p:txBody>
+        </p:sp>
+        <p:sp>
+          <p:nvSpPr>
+            <p:cNvPr id="17" name="rc17"/>
+            <p:cNvSpPr/>
+            <p:nvPr/>
+          </p:nvSpPr>
+          <p:spPr>
+            <a:xfrm>
+              <a:off x="1715964" y="5000796"/>
+              <a:ext cx="583159" cy="547710"/>
+            </a:xfrm>
+            <a:prstGeom prst="rect">
+              <a:avLst/>
+            </a:prstGeom>
+            <a:solidFill>
+              <a:srgbClr val="00BFC4">
+                <a:alpha val="100000"/>
+              </a:srgbClr>
+            </a:solidFill>
+          </p:spPr>
+          <p:txBody>
+            <a:bodyPr/>
+            <a:lstStyle/>
+            <a:p/>
+          </p:txBody>
+        </p:sp>
+        <p:sp>
+          <p:nvSpPr>
+            <p:cNvPr id="18" name="rc18"/>
+            <p:cNvSpPr/>
+            <p:nvPr/>
+          </p:nvSpPr>
+          <p:spPr>
+            <a:xfrm>
+              <a:off x="1132804" y="4990462"/>
+              <a:ext cx="583159" cy="558044"/>
+            </a:xfrm>
+            <a:prstGeom prst="rect">
+              <a:avLst/>
+            </a:prstGeom>
+            <a:solidFill>
+              <a:srgbClr val="F8766D">
+                <a:alpha val="100000"/>
+              </a:srgbClr>
+            </a:solidFill>
+          </p:spPr>
+          <p:txBody>
+            <a:bodyPr/>
+            <a:lstStyle/>
+            <a:p/>
+          </p:txBody>
+        </p:sp>
+        <p:sp>
+          <p:nvSpPr>
+            <p:cNvPr id="19" name="rc19"/>
+            <p:cNvSpPr/>
+            <p:nvPr/>
+          </p:nvSpPr>
+          <p:spPr>
+            <a:xfrm>
+              <a:off x="3011873" y="3011470"/>
+              <a:ext cx="583159" cy="2537036"/>
+            </a:xfrm>
+            <a:prstGeom prst="rect">
+              <a:avLst/>
+            </a:prstGeom>
+            <a:solidFill>
+              <a:srgbClr val="00BFC4">
+                <a:alpha val="100000"/>
+              </a:srgbClr>
+            </a:solidFill>
+          </p:spPr>
+          <p:txBody>
+            <a:bodyPr/>
+            <a:lstStyle/>
+            <a:p/>
+          </p:txBody>
+        </p:sp>
+        <p:sp>
+          <p:nvSpPr>
+            <p:cNvPr id="20" name="rc20"/>
+            <p:cNvSpPr/>
+            <p:nvPr/>
+          </p:nvSpPr>
+          <p:spPr>
+            <a:xfrm>
+              <a:off x="2428714" y="3409335"/>
+              <a:ext cx="583159" cy="2139171"/>
+            </a:xfrm>
+            <a:prstGeom prst="rect">
+              <a:avLst/>
+            </a:prstGeom>
+            <a:solidFill>
+              <a:srgbClr val="F8766D">
+                <a:alpha val="100000"/>
+              </a:srgbClr>
+            </a:solidFill>
+          </p:spPr>
+          <p:txBody>
+            <a:bodyPr/>
+            <a:lstStyle/>
+            <a:p/>
+          </p:txBody>
+        </p:sp>
+        <p:sp>
+          <p:nvSpPr>
+            <p:cNvPr id="21" name="rc21"/>
+            <p:cNvSpPr/>
+            <p:nvPr/>
+          </p:nvSpPr>
+          <p:spPr>
+            <a:xfrm>
+              <a:off x="4307783" y="4933624"/>
+              <a:ext cx="583159" cy="614882"/>
+            </a:xfrm>
+            <a:prstGeom prst="rect">
+              <a:avLst/>
+            </a:prstGeom>
+            <a:solidFill>
+              <a:srgbClr val="00BFC4">
+                <a:alpha val="100000"/>
+              </a:srgbClr>
+            </a:solidFill>
+          </p:spPr>
+          <p:txBody>
+            <a:bodyPr/>
+            <a:lstStyle/>
+            <a:p/>
+          </p:txBody>
+        </p:sp>
+        <p:sp>
+          <p:nvSpPr>
+            <p:cNvPr id="22" name="rc22"/>
+            <p:cNvSpPr/>
+            <p:nvPr/>
+          </p:nvSpPr>
+          <p:spPr>
+            <a:xfrm>
+              <a:off x="3724624" y="4365245"/>
+              <a:ext cx="583159" cy="1183261"/>
+            </a:xfrm>
+            <a:prstGeom prst="rect">
+              <a:avLst/>
+            </a:prstGeom>
+            <a:solidFill>
+              <a:srgbClr val="F8766D">
+                <a:alpha val="100000"/>
+              </a:srgbClr>
+            </a:solidFill>
+          </p:spPr>
+          <p:txBody>
+            <a:bodyPr/>
+            <a:lstStyle/>
+            <a:p/>
+          </p:txBody>
+        </p:sp>
+        <p:sp>
+          <p:nvSpPr>
+            <p:cNvPr id="23" name="rc23"/>
+            <p:cNvSpPr/>
+            <p:nvPr/>
+          </p:nvSpPr>
+          <p:spPr>
+            <a:xfrm>
+              <a:off x="5603693" y="2138233"/>
+              <a:ext cx="583159" cy="3410273"/>
+            </a:xfrm>
+            <a:prstGeom prst="rect">
+              <a:avLst/>
+            </a:prstGeom>
+            <a:solidFill>
+              <a:srgbClr val="00BFC4">
+                <a:alpha val="100000"/>
+              </a:srgbClr>
+            </a:solidFill>
+          </p:spPr>
+          <p:txBody>
+            <a:bodyPr/>
+            <a:lstStyle/>
+            <a:p/>
+          </p:txBody>
+        </p:sp>
+        <p:sp>
+          <p:nvSpPr>
+            <p:cNvPr id="24" name="rc24"/>
+            <p:cNvSpPr/>
+            <p:nvPr/>
+          </p:nvSpPr>
+          <p:spPr>
+            <a:xfrm>
+              <a:off x="5020534" y="2060727"/>
+              <a:ext cx="583159" cy="3487779"/>
+            </a:xfrm>
+            <a:prstGeom prst="rect">
+              <a:avLst/>
+            </a:prstGeom>
+            <a:solidFill>
+              <a:srgbClr val="F8766D">
+                <a:alpha val="100000"/>
+              </a:srgbClr>
+            </a:solidFill>
+          </p:spPr>
+          <p:txBody>
+            <a:bodyPr/>
+            <a:lstStyle/>
+            <a:p/>
+          </p:txBody>
+        </p:sp>
+        <p:sp>
+          <p:nvSpPr>
+            <p:cNvPr id="25" name="rc25"/>
+            <p:cNvSpPr/>
+            <p:nvPr/>
+          </p:nvSpPr>
+          <p:spPr>
+            <a:xfrm>
+              <a:off x="6899603" y="2944298"/>
+              <a:ext cx="583159" cy="2604208"/>
+            </a:xfrm>
+            <a:prstGeom prst="rect">
+              <a:avLst/>
+            </a:prstGeom>
+            <a:solidFill>
+              <a:srgbClr val="00BFC4">
+                <a:alpha val="100000"/>
+              </a:srgbClr>
+            </a:solidFill>
+          </p:spPr>
+          <p:txBody>
+            <a:bodyPr/>
+            <a:lstStyle/>
+            <a:p/>
+          </p:txBody>
+        </p:sp>
+        <p:sp>
+          <p:nvSpPr>
+            <p:cNvPr id="26" name="rc26"/>
+            <p:cNvSpPr/>
+            <p:nvPr/>
+          </p:nvSpPr>
+          <p:spPr>
+            <a:xfrm>
+              <a:off x="6316443" y="2928796"/>
+              <a:ext cx="583159" cy="2619709"/>
+            </a:xfrm>
+            <a:prstGeom prst="rect">
+              <a:avLst/>
+            </a:prstGeom>
+            <a:solidFill>
+              <a:srgbClr val="F8766D">
+                <a:alpha val="100000"/>
+              </a:srgbClr>
+            </a:solidFill>
+          </p:spPr>
+          <p:txBody>
+            <a:bodyPr/>
+            <a:lstStyle/>
+            <a:p/>
+          </p:txBody>
+        </p:sp>
+        <p:sp>
+          <p:nvSpPr>
+            <p:cNvPr id="27" name="tx27"/>
+            <p:cNvSpPr/>
+            <p:nvPr/>
+          </p:nvSpPr>
+          <p:spPr>
+            <a:xfrm>
+              <a:off x="813632" y="5507824"/>
+              <a:ext cx="62155" cy="79126"/>
+            </a:xfrm>
+            <a:prstGeom prst="rect">
+              <a:avLst/>
+            </a:prstGeom>
+            <a:noFill/>
+          </p:spPr>
+          <p:txBody>
+            <a:bodyPr lIns="0" rIns="0" tIns="0" bIns="0" anchorCtr="1" anchor="ctr" wrap="none"/>
+            <a:lstStyle/>
+            <a:p>
+              <a:pPr algn="l" marL="0" marR="0" indent="0">
+                <a:lnSpc>
+                  <a:spcPts val="880"/>
+                </a:lnSpc>
+                <a:spcBef>
+                  <a:spcPts val="0"/>
+                </a:spcBef>
+                <a:spcAft>
+                  <a:spcPts val="0"/>
+                </a:spcAft>
+              </a:pPr>
+              <a:r>
+                <a:rPr sz="880">
+                  <a:solidFill>
+                    <a:srgbClr val="4D4D4D">
+                      <a:alpha val="100000"/>
+                    </a:srgbClr>
+                  </a:solidFill>
+                  <a:latin typeface="Liberation Sans"/>
+                  <a:cs typeface="Liberation Sans"/>
+                </a:rPr>
+                <a:t>0</a:t>
+              </a:r>
+            </a:p>
+          </p:txBody>
+        </p:sp>
+        <p:sp>
+          <p:nvSpPr>
+            <p:cNvPr id="28" name="tx28"/>
+            <p:cNvSpPr/>
+            <p:nvPr/>
+          </p:nvSpPr>
+          <p:spPr>
+            <a:xfrm>
+              <a:off x="689321" y="4474408"/>
+              <a:ext cx="186466" cy="79126"/>
+            </a:xfrm>
+            <a:prstGeom prst="rect">
+              <a:avLst/>
+            </a:prstGeom>
+            <a:noFill/>
+          </p:spPr>
+          <p:txBody>
+            <a:bodyPr lIns="0" rIns="0" tIns="0" bIns="0" anchorCtr="1" anchor="ctr" wrap="none"/>
+            <a:lstStyle/>
+            <a:p>
+              <a:pPr algn="l" marL="0" marR="0" indent="0">
+                <a:lnSpc>
+                  <a:spcPts val="880"/>
+                </a:lnSpc>
+                <a:spcBef>
+                  <a:spcPts val="0"/>
+                </a:spcBef>
+                <a:spcAft>
+                  <a:spcPts val="0"/>
+                </a:spcAft>
+              </a:pPr>
+              <a:r>
+                <a:rPr sz="880">
+                  <a:solidFill>
+                    <a:srgbClr val="4D4D4D">
+                      <a:alpha val="100000"/>
+                    </a:srgbClr>
+                  </a:solidFill>
+                  <a:latin typeface="Liberation Sans"/>
+                  <a:cs typeface="Liberation Sans"/>
+                </a:rPr>
+                <a:t>200</a:t>
+              </a:r>
+            </a:p>
+          </p:txBody>
+        </p:sp>
+        <p:sp>
+          <p:nvSpPr>
+            <p:cNvPr id="29" name="tx29"/>
+            <p:cNvSpPr/>
+            <p:nvPr/>
+          </p:nvSpPr>
+          <p:spPr>
+            <a:xfrm>
+              <a:off x="689321" y="3440992"/>
+              <a:ext cx="186466" cy="79126"/>
+            </a:xfrm>
+            <a:prstGeom prst="rect">
+              <a:avLst/>
+            </a:prstGeom>
+            <a:noFill/>
+          </p:spPr>
+          <p:txBody>
+            <a:bodyPr lIns="0" rIns="0" tIns="0" bIns="0" anchorCtr="1" anchor="ctr" wrap="none"/>
+            <a:lstStyle/>
+            <a:p>
+              <a:pPr algn="l" marL="0" marR="0" indent="0">
+                <a:lnSpc>
+                  <a:spcPts val="880"/>
+                </a:lnSpc>
+                <a:spcBef>
+                  <a:spcPts val="0"/>
+                </a:spcBef>
+                <a:spcAft>
+                  <a:spcPts val="0"/>
+                </a:spcAft>
+              </a:pPr>
+              <a:r>
+                <a:rPr sz="880">
+                  <a:solidFill>
+                    <a:srgbClr val="4D4D4D">
+                      <a:alpha val="100000"/>
+                    </a:srgbClr>
+                  </a:solidFill>
+                  <a:latin typeface="Liberation Sans"/>
+                  <a:cs typeface="Liberation Sans"/>
+                </a:rPr>
+                <a:t>400</a:t>
+              </a:r>
+            </a:p>
+          </p:txBody>
+        </p:sp>
+        <p:sp>
+          <p:nvSpPr>
+            <p:cNvPr id="30" name="tx30"/>
+            <p:cNvSpPr/>
+            <p:nvPr/>
+          </p:nvSpPr>
+          <p:spPr>
+            <a:xfrm>
+              <a:off x="689321" y="2407576"/>
+              <a:ext cx="186466" cy="79126"/>
+            </a:xfrm>
+            <a:prstGeom prst="rect">
+              <a:avLst/>
+            </a:prstGeom>
+            <a:noFill/>
+          </p:spPr>
+          <p:txBody>
+            <a:bodyPr lIns="0" rIns="0" tIns="0" bIns="0" anchorCtr="1" anchor="ctr" wrap="none"/>
+            <a:lstStyle/>
+            <a:p>
+              <a:pPr algn="l" marL="0" marR="0" indent="0">
+                <a:lnSpc>
+                  <a:spcPts val="880"/>
+                </a:lnSpc>
+                <a:spcBef>
+                  <a:spcPts val="0"/>
+                </a:spcBef>
+                <a:spcAft>
+                  <a:spcPts val="0"/>
+                </a:spcAft>
+              </a:pPr>
+              <a:r>
+                <a:rPr sz="880">
+                  <a:solidFill>
+                    <a:srgbClr val="4D4D4D">
+                      <a:alpha val="100000"/>
+                    </a:srgbClr>
+                  </a:solidFill>
+                  <a:latin typeface="Liberation Sans"/>
+                  <a:cs typeface="Liberation Sans"/>
+                </a:rPr>
+                <a:t>600</a:t>
+              </a:r>
+            </a:p>
+          </p:txBody>
+        </p:sp>
+        <p:sp>
+          <p:nvSpPr>
+            <p:cNvPr id="31" name="tx31"/>
+            <p:cNvSpPr/>
+            <p:nvPr/>
+          </p:nvSpPr>
+          <p:spPr>
+            <a:xfrm>
+              <a:off x="1557519" y="5758240"/>
+              <a:ext cx="316889" cy="104174"/>
+            </a:xfrm>
+            <a:prstGeom prst="rect">
+              <a:avLst/>
+            </a:prstGeom>
+            <a:noFill/>
+          </p:spPr>
+          <p:txBody>
+            <a:bodyPr lIns="0" rIns="0" tIns="0" bIns="0" anchorCtr="1" anchor="ctr" wrap="none"/>
+            <a:lstStyle/>
+            <a:p>
+              <a:pPr algn="l" marL="0" marR="0" indent="0">
+                <a:lnSpc>
+                  <a:spcPts val="880"/>
+                </a:lnSpc>
+                <a:spcBef>
+                  <a:spcPts val="0"/>
+                </a:spcBef>
+                <a:spcAft>
+                  <a:spcPts val="0"/>
+                </a:spcAft>
+              </a:pPr>
+              <a:r>
+                <a:rPr sz="880">
+                  <a:solidFill>
+                    <a:srgbClr val="4D4D4D">
+                      <a:alpha val="100000"/>
+                    </a:srgbClr>
+                  </a:solidFill>
+                  <a:latin typeface="Liberation Sans"/>
+                  <a:cs typeface="Liberation Sans"/>
+                </a:rPr>
+                <a:t>Eating</a:t>
+              </a:r>
+            </a:p>
+          </p:txBody>
+        </p:sp>
+        <p:sp>
+          <p:nvSpPr>
+            <p:cNvPr id="32" name="tx32"/>
+            <p:cNvSpPr/>
+            <p:nvPr/>
+          </p:nvSpPr>
+          <p:spPr>
+            <a:xfrm>
+              <a:off x="2701314" y="5758240"/>
+              <a:ext cx="621119" cy="104174"/>
+            </a:xfrm>
+            <a:prstGeom prst="rect">
+              <a:avLst/>
+            </a:prstGeom>
+            <a:noFill/>
+          </p:spPr>
+          <p:txBody>
+            <a:bodyPr lIns="0" rIns="0" tIns="0" bIns="0" anchorCtr="1" anchor="ctr" wrap="none"/>
+            <a:lstStyle/>
+            <a:p>
+              <a:pPr algn="l" marL="0" marR="0" indent="0">
+                <a:lnSpc>
+                  <a:spcPts val="880"/>
+                </a:lnSpc>
+                <a:spcBef>
+                  <a:spcPts val="0"/>
+                </a:spcBef>
+                <a:spcAft>
+                  <a:spcPts val="0"/>
+                </a:spcAft>
+              </a:pPr>
+              <a:r>
+                <a:rPr sz="880">
+                  <a:solidFill>
+                    <a:srgbClr val="4D4D4D">
+                      <a:alpha val="100000"/>
+                    </a:srgbClr>
+                  </a:solidFill>
+                  <a:latin typeface="Liberation Sans"/>
+                  <a:cs typeface="Liberation Sans"/>
+                </a:rPr>
+                <a:t>Employment</a:t>
+              </a:r>
+            </a:p>
+          </p:txBody>
+        </p:sp>
+        <p:sp>
+          <p:nvSpPr>
+            <p:cNvPr id="33" name="tx33"/>
+            <p:cNvSpPr/>
+            <p:nvPr/>
+          </p:nvSpPr>
+          <p:spPr>
+            <a:xfrm>
+              <a:off x="3646173" y="5758240"/>
+              <a:ext cx="1323220" cy="104174"/>
+            </a:xfrm>
+            <a:prstGeom prst="rect">
+              <a:avLst/>
+            </a:prstGeom>
+            <a:noFill/>
+          </p:spPr>
+          <p:txBody>
+            <a:bodyPr lIns="0" rIns="0" tIns="0" bIns="0" anchorCtr="1" anchor="ctr" wrap="none"/>
+            <a:lstStyle/>
+            <a:p>
+              <a:pPr algn="l" marL="0" marR="0" indent="0">
+                <a:lnSpc>
+                  <a:spcPts val="880"/>
+                </a:lnSpc>
+                <a:spcBef>
+                  <a:spcPts val="0"/>
+                </a:spcBef>
+                <a:spcAft>
+                  <a:spcPts val="0"/>
+                </a:spcAft>
+              </a:pPr>
+              <a:r>
+                <a:rPr sz="880">
+                  <a:solidFill>
+                    <a:srgbClr val="4D4D4D">
+                      <a:alpha val="100000"/>
+                    </a:srgbClr>
+                  </a:solidFill>
+                  <a:latin typeface="Liberation Sans"/>
+                  <a:cs typeface="Liberation Sans"/>
+                </a:rPr>
+                <a:t>Household and family care</a:t>
+              </a:r>
+            </a:p>
+          </p:txBody>
+        </p:sp>
+        <p:sp>
+          <p:nvSpPr>
+            <p:cNvPr id="34" name="tx34"/>
+            <p:cNvSpPr/>
+            <p:nvPr/>
+          </p:nvSpPr>
+          <p:spPr>
+            <a:xfrm>
+              <a:off x="5258918" y="5780341"/>
+              <a:ext cx="689550" cy="82073"/>
+            </a:xfrm>
+            <a:prstGeom prst="rect">
+              <a:avLst/>
+            </a:prstGeom>
+            <a:noFill/>
+          </p:spPr>
+          <p:txBody>
+            <a:bodyPr lIns="0" rIns="0" tIns="0" bIns="0" anchorCtr="1" anchor="ctr" wrap="none"/>
+            <a:lstStyle/>
+            <a:p>
+              <a:pPr algn="l" marL="0" marR="0" indent="0">
+                <a:lnSpc>
+                  <a:spcPts val="880"/>
+                </a:lnSpc>
+                <a:spcBef>
+                  <a:spcPts val="0"/>
+                </a:spcBef>
+                <a:spcAft>
+                  <a:spcPts val="0"/>
+                </a:spcAft>
+              </a:pPr>
+              <a:r>
+                <a:rPr sz="880">
+                  <a:solidFill>
+                    <a:srgbClr val="4D4D4D">
+                      <a:alpha val="100000"/>
+                    </a:srgbClr>
+                  </a:solidFill>
+                  <a:latin typeface="Liberation Sans"/>
+                  <a:cs typeface="Liberation Sans"/>
+                </a:rPr>
+                <a:t>Personal care</a:t>
+              </a:r>
+            </a:p>
+          </p:txBody>
+        </p:sp>
+        <p:sp>
+          <p:nvSpPr>
+            <p:cNvPr id="35" name="tx35"/>
+            <p:cNvSpPr/>
+            <p:nvPr/>
+          </p:nvSpPr>
+          <p:spPr>
+            <a:xfrm>
+              <a:off x="6756683" y="5758240"/>
+              <a:ext cx="285839" cy="104174"/>
+            </a:xfrm>
+            <a:prstGeom prst="rect">
+              <a:avLst/>
+            </a:prstGeom>
+            <a:noFill/>
+          </p:spPr>
+          <p:txBody>
+            <a:bodyPr lIns="0" rIns="0" tIns="0" bIns="0" anchorCtr="1" anchor="ctr" wrap="none"/>
+            <a:lstStyle/>
+            <a:p>
+              <a:pPr algn="l" marL="0" marR="0" indent="0">
+                <a:lnSpc>
+                  <a:spcPts val="880"/>
+                </a:lnSpc>
+                <a:spcBef>
+                  <a:spcPts val="0"/>
+                </a:spcBef>
+                <a:spcAft>
+                  <a:spcPts val="0"/>
+                </a:spcAft>
+              </a:pPr>
+              <a:r>
+                <a:rPr sz="880">
+                  <a:solidFill>
+                    <a:srgbClr val="4D4D4D">
+                      <a:alpha val="100000"/>
+                    </a:srgbClr>
+                  </a:solidFill>
+                  <a:latin typeface="Liberation Sans"/>
+                  <a:cs typeface="Liberation Sans"/>
+                </a:rPr>
+                <a:t>Sleep</a:t>
+              </a:r>
+            </a:p>
+          </p:txBody>
+        </p:sp>
+        <p:sp>
+          <p:nvSpPr>
+            <p:cNvPr id="36" name="tx36"/>
+            <p:cNvSpPr/>
+            <p:nvPr/>
+          </p:nvSpPr>
+          <p:spPr>
+            <a:xfrm>
+              <a:off x="4032203" y="5922355"/>
+              <a:ext cx="551160" cy="102592"/>
+            </a:xfrm>
+            <a:prstGeom prst="rect">
+              <a:avLst/>
+            </a:prstGeom>
+            <a:noFill/>
+          </p:spPr>
+          <p:txBody>
+            <a:bodyPr lIns="0" rIns="0" tIns="0" bIns="0" anchorCtr="1" anchor="ctr" wrap="none"/>
+            <a:lstStyle/>
+            <a:p>
+              <a:pPr algn="l" marL="0" marR="0" indent="0">
+                <a:lnSpc>
+                  <a:spcPts val="1100"/>
+                </a:lnSpc>
+                <a:spcBef>
+                  <a:spcPts val="0"/>
+                </a:spcBef>
+                <a:spcAft>
+                  <a:spcPts val="0"/>
+                </a:spcAft>
+              </a:pPr>
+              <a:r>
+                <a:rPr sz="1100">
+                  <a:solidFill>
+                    <a:srgbClr val="000000">
+                      <a:alpha val="100000"/>
+                    </a:srgbClr>
+                  </a:solidFill>
+                  <a:latin typeface="Liberation Sans"/>
+                  <a:cs typeface="Liberation Sans"/>
+                </a:rPr>
+                <a:t>Activities</a:t>
+              </a:r>
+            </a:p>
+          </p:txBody>
+        </p:sp>
+        <p:sp>
+          <p:nvSpPr>
+            <p:cNvPr id="37" name="tx37"/>
+            <p:cNvSpPr/>
+            <p:nvPr/>
+          </p:nvSpPr>
+          <p:spPr>
+            <a:xfrm rot="-5400000">
+              <a:off x="78630" y="3753321"/>
+              <a:ext cx="985949" cy="102592"/>
+            </a:xfrm>
+            <a:prstGeom prst="rect">
+              <a:avLst/>
+            </a:prstGeom>
+            <a:noFill/>
+          </p:spPr>
+          <p:txBody>
+            <a:bodyPr lIns="0" rIns="0" tIns="0" bIns="0" anchorCtr="1" anchor="ctr" wrap="none"/>
+            <a:lstStyle/>
+            <a:p>
+              <a:pPr algn="l" marL="0" marR="0" indent="0">
+                <a:lnSpc>
+                  <a:spcPts val="1100"/>
+                </a:lnSpc>
+                <a:spcBef>
+                  <a:spcPts val="0"/>
+                </a:spcBef>
+                <a:spcAft>
+                  <a:spcPts val="0"/>
+                </a:spcAft>
+              </a:pPr>
+              <a:r>
+                <a:rPr sz="1100">
+                  <a:solidFill>
+                    <a:srgbClr val="000000">
+                      <a:alpha val="100000"/>
+                    </a:srgbClr>
+                  </a:solidFill>
+                  <a:latin typeface="Liberation Sans"/>
+                  <a:cs typeface="Liberation Sans"/>
+                </a:rPr>
+                <a:t>Time in minutes</a:t>
+              </a:r>
+            </a:p>
+          </p:txBody>
+        </p:sp>
+        <p:sp>
+          <p:nvSpPr>
+            <p:cNvPr id="38" name="tx38"/>
+            <p:cNvSpPr/>
+            <p:nvPr/>
+          </p:nvSpPr>
+          <p:spPr>
+            <a:xfrm>
+              <a:off x="7885916" y="3468204"/>
+              <a:ext cx="644748" cy="130218"/>
+            </a:xfrm>
+            <a:prstGeom prst="rect">
+              <a:avLst/>
+            </a:prstGeom>
+            <a:noFill/>
+          </p:spPr>
+          <p:txBody>
+            <a:bodyPr lIns="0" rIns="0" tIns="0" bIns="0" anchorCtr="1" anchor="ctr" wrap="none"/>
+            <a:lstStyle/>
+            <a:p>
+              <a:pPr algn="l" marL="0" marR="0" indent="0">
+                <a:lnSpc>
+                  <a:spcPts val="1100"/>
+                </a:lnSpc>
+                <a:spcBef>
+                  <a:spcPts val="0"/>
+                </a:spcBef>
+                <a:spcAft>
+                  <a:spcPts val="0"/>
+                </a:spcAft>
+              </a:pPr>
+              <a:r>
+                <a:rPr sz="1100">
+                  <a:solidFill>
+                    <a:srgbClr val="000000">
+                      <a:alpha val="100000"/>
+                    </a:srgbClr>
+                  </a:solidFill>
+                  <a:latin typeface="Liberation Sans"/>
+                  <a:cs typeface="Liberation Sans"/>
+                </a:rPr>
+                <a:t>population</a:t>
+              </a:r>
+            </a:p>
+          </p:txBody>
+        </p:sp>
+        <p:sp>
+          <p:nvSpPr>
+            <p:cNvPr id="39" name="rc39"/>
+            <p:cNvSpPr/>
+            <p:nvPr/>
+          </p:nvSpPr>
+          <p:spPr>
+            <a:xfrm>
+              <a:off x="7894916" y="3692824"/>
+              <a:ext cx="201455" cy="201456"/>
+            </a:xfrm>
+            <a:prstGeom prst="rect">
+              <a:avLst/>
+            </a:prstGeom>
+            <a:solidFill>
+              <a:srgbClr val="F8766D">
+                <a:alpha val="100000"/>
+              </a:srgbClr>
+            </a:solidFill>
+          </p:spPr>
+          <p:txBody>
+            <a:bodyPr/>
+            <a:lstStyle/>
+            <a:p/>
+          </p:txBody>
+        </p:sp>
+        <p:sp>
+          <p:nvSpPr>
+            <p:cNvPr id="40" name="rc40"/>
+            <p:cNvSpPr/>
+            <p:nvPr/>
+          </p:nvSpPr>
+          <p:spPr>
+            <a:xfrm>
+              <a:off x="7894916" y="3912280"/>
+              <a:ext cx="201455" cy="201456"/>
+            </a:xfrm>
+            <a:prstGeom prst="rect">
+              <a:avLst/>
+            </a:prstGeom>
+            <a:solidFill>
+              <a:srgbClr val="00BFC4">
+                <a:alpha val="100000"/>
+              </a:srgbClr>
+            </a:solidFill>
+          </p:spPr>
+          <p:txBody>
+            <a:bodyPr/>
+            <a:lstStyle/>
+            <a:p/>
+          </p:txBody>
+        </p:sp>
+        <p:sp>
+          <p:nvSpPr>
+            <p:cNvPr id="41" name="tx41"/>
+            <p:cNvSpPr/>
+            <p:nvPr/>
+          </p:nvSpPr>
+          <p:spPr>
+            <a:xfrm>
+              <a:off x="8174961" y="3749923"/>
+              <a:ext cx="372660" cy="82073"/>
+            </a:xfrm>
+            <a:prstGeom prst="rect">
+              <a:avLst/>
+            </a:prstGeom>
+            <a:noFill/>
+          </p:spPr>
+          <p:txBody>
+            <a:bodyPr lIns="0" rIns="0" tIns="0" bIns="0" anchorCtr="1" anchor="ctr" wrap="none"/>
+            <a:lstStyle/>
+            <a:p>
+              <a:pPr algn="l" marL="0" marR="0" indent="0">
+                <a:lnSpc>
+                  <a:spcPts val="880"/>
+                </a:lnSpc>
+                <a:spcBef>
+                  <a:spcPts val="0"/>
+                </a:spcBef>
+                <a:spcAft>
+                  <a:spcPts val="0"/>
+                </a:spcAft>
+              </a:pPr>
+              <a:r>
+                <a:rPr sz="880">
+                  <a:solidFill>
+                    <a:srgbClr val="000000">
+                      <a:alpha val="100000"/>
+                    </a:srgbClr>
+                  </a:solidFill>
+                  <a:latin typeface="Liberation Sans"/>
+                  <a:cs typeface="Liberation Sans"/>
+                </a:rPr>
+                <a:t>Female</a:t>
+              </a:r>
+            </a:p>
+          </p:txBody>
+        </p:sp>
+        <p:sp>
+          <p:nvSpPr>
+            <p:cNvPr id="42" name="tx42"/>
+            <p:cNvSpPr/>
+            <p:nvPr/>
+          </p:nvSpPr>
+          <p:spPr>
+            <a:xfrm>
+              <a:off x="8174961" y="3969379"/>
+              <a:ext cx="242237" cy="82073"/>
+            </a:xfrm>
+            <a:prstGeom prst="rect">
+              <a:avLst/>
+            </a:prstGeom>
+            <a:noFill/>
+          </p:spPr>
+          <p:txBody>
+            <a:bodyPr lIns="0" rIns="0" tIns="0" bIns="0" anchorCtr="1" anchor="ctr" wrap="none"/>
+            <a:lstStyle/>
+            <a:p>
+              <a:pPr algn="l" marL="0" marR="0" indent="0">
+                <a:lnSpc>
+                  <a:spcPts val="880"/>
+                </a:lnSpc>
+                <a:spcBef>
+                  <a:spcPts val="0"/>
+                </a:spcBef>
+                <a:spcAft>
+                  <a:spcPts val="0"/>
+                </a:spcAft>
+              </a:pPr>
+              <a:r>
+                <a:rPr sz="880">
+                  <a:solidFill>
+                    <a:srgbClr val="000000">
+                      <a:alpha val="100000"/>
+                    </a:srgbClr>
+                  </a:solidFill>
+                  <a:latin typeface="Liberation Sans"/>
+                  <a:cs typeface="Liberation Sans"/>
+                </a:rPr>
+                <a:t>Male</a:t>
+              </a:r>
+            </a:p>
+          </p:txBody>
+        </p:sp>
+        <p:sp>
+          <p:nvSpPr>
+            <p:cNvPr id="43" name="tx43"/>
+            <p:cNvSpPr/>
+            <p:nvPr/>
+          </p:nvSpPr>
+          <p:spPr>
+            <a:xfrm>
+              <a:off x="938418" y="1628861"/>
+              <a:ext cx="2143221" cy="156262"/>
+            </a:xfrm>
+            <a:prstGeom prst="rect">
+              <a:avLst/>
+            </a:prstGeom>
+            <a:noFill/>
+          </p:spPr>
+          <p:txBody>
+            <a:bodyPr lIns="0" rIns="0" tIns="0" bIns="0" anchorCtr="1" anchor="ctr" wrap="none"/>
+            <a:lstStyle/>
+            <a:p>
+              <a:pPr algn="l" marL="0" marR="0" indent="0">
+                <a:lnSpc>
+                  <a:spcPts val="1320"/>
+                </a:lnSpc>
+                <a:spcBef>
+                  <a:spcPts val="0"/>
+                </a:spcBef>
+                <a:spcAft>
+                  <a:spcPts val="0"/>
+                </a:spcAft>
+              </a:pPr>
+              <a:r>
+                <a:rPr sz="1320">
+                  <a:solidFill>
+                    <a:srgbClr val="000000">
+                      <a:alpha val="100000"/>
+                    </a:srgbClr>
+                  </a:solidFill>
+                  <a:latin typeface="Liberation Sans"/>
+                  <a:cs typeface="Liberation Sans"/>
+                </a:rPr>
+                <a:t>Year 2014_Monday til Friday</a:t>
+              </a:r>
+            </a:p>
+          </p:txBody>
+        </p:sp>
+      </p:grpSp>
+    </p:spTree>
+  </p:cSld>
+  <p:clrMapOvr>
+    <a:masterClrMapping/>
+  </p:clrMapOvr>
+</p:sld>
+</file>
+
+<file path=ppt/slides/slide32.xml><?xml version="1.0" encoding="utf-8"?>
+<p:sld xmlns:a="http://schemas.openxmlformats.org/drawingml/2006/main" xmlns:r="http://schemas.openxmlformats.org/officeDocument/2006/relationships" xmlns:p="http://schemas.openxmlformats.org/presentationml/2006/main">
+  <p:cSld>
+    <p:spTree>
+      <p:nvGrpSpPr>
+        <p:cNvPr id="1" name=""/>
+        <p:cNvGrpSpPr/>
+        <p:nvPr/>
+      </p:nvGrpSpPr>
+      <p:grpSpPr>
+        <a:xfrm>
+          <a:off x="0" y="0"/>
+          <a:ext cx="0" cy="0"/>
+          <a:chOff x="0" y="0"/>
+          <a:chExt cx="0" cy="0"/>
+        </a:xfrm>
+      </p:grpSpPr>
+      <p:grpSp xmlns:a="http://schemas.openxmlformats.org/drawingml/2006/main" xmlns:r="http://schemas.openxmlformats.org/officeDocument/2006/relationships" xmlns:p="http://schemas.openxmlformats.org/presentationml/2006/main" xmlns:pic="http://schemas.openxmlformats.org/drawingml/2006/picture">
+        <p:nvGrpSpPr>
+          <p:cNvPr id="2" name="grp1"/>
+          <p:cNvGrpSpPr/>
+          <p:nvPr/>
+        </p:nvGrpSpPr>
+        <p:grpSpPr>
+          <a:xfrm>
+            <a:off x="457200" y="1600200"/>
+            <a:ext cx="8229600" cy="4525962"/>
+            <a:chOff x="457200" y="1600200"/>
+            <a:chExt cx="8229600" cy="4525962"/>
+          </a:xfrm>
+        </p:grpSpPr>
+        <p:sp>
+          <p:nvSpPr>
+            <p:cNvPr id="3" name="rc3"/>
+            <p:cNvSpPr/>
+            <p:nvPr/>
+          </p:nvSpPr>
+          <p:spPr>
+            <a:xfrm>
+              <a:off x="457200" y="1600200"/>
+              <a:ext cx="8229600" cy="4525962"/>
+            </a:xfrm>
+            <a:prstGeom prst="rect">
+              <a:avLst/>
+            </a:prstGeom>
+            <a:solidFill>
+              <a:srgbClr val="FFFFFF">
+                <a:alpha val="100000"/>
+              </a:srgbClr>
+            </a:solidFill>
+            <a:ln w="9525" cap="rnd">
+              <a:solidFill>
+                <a:srgbClr val="FFFFFF">
+                  <a:alpha val="100000"/>
+                </a:srgbClr>
+              </a:solidFill>
+              <a:prstDash val="solid"/>
+              <a:round/>
+            </a:ln>
+          </p:spPr>
+          <p:txBody>
+            <a:bodyPr/>
+            <a:lstStyle/>
+            <a:p/>
+          </p:txBody>
+        </p:sp>
+        <p:sp>
+          <p:nvSpPr>
+            <p:cNvPr id="4" name="pl4"/>
+            <p:cNvSpPr/>
+            <p:nvPr/>
+          </p:nvSpPr>
+          <p:spPr>
+            <a:xfrm>
+              <a:off x="938418" y="5081601"/>
+              <a:ext cx="6738730" cy="0"/>
+            </a:xfrm>
+            <a:custGeom>
+              <a:avLst/>
+              <a:pathLst>
+                <a:path w="6738730" h="0">
+                  <a:moveTo>
+                    <a:pt x="0" y="0"/>
+                  </a:moveTo>
+                  <a:lnTo>
+                    <a:pt x="6738730" y="0"/>
+                  </a:lnTo>
+                  <a:lnTo>
+                    <a:pt x="6738730" y="0"/>
+                  </a:lnTo>
+                </a:path>
+              </a:pathLst>
+            </a:custGeom>
+            <a:ln w="6775" cap="flat">
+              <a:solidFill>
+                <a:srgbClr val="EBEBEB">
+                  <a:alpha val="100000"/>
+                </a:srgbClr>
+              </a:solidFill>
+              <a:prstDash val="solid"/>
+              <a:round/>
+            </a:ln>
+          </p:spPr>
+          <p:txBody>
+            <a:bodyPr/>
+            <a:lstStyle/>
+            <a:p/>
+          </p:txBody>
+        </p:sp>
+        <p:sp>
+          <p:nvSpPr>
+            <p:cNvPr id="5" name="pl5"/>
+            <p:cNvSpPr/>
+            <p:nvPr/>
+          </p:nvSpPr>
+          <p:spPr>
+            <a:xfrm>
+              <a:off x="938418" y="4147792"/>
+              <a:ext cx="6738730" cy="0"/>
+            </a:xfrm>
+            <a:custGeom>
+              <a:avLst/>
+              <a:pathLst>
+                <a:path w="6738730" h="0">
+                  <a:moveTo>
+                    <a:pt x="0" y="0"/>
+                  </a:moveTo>
+                  <a:lnTo>
+                    <a:pt x="6738730" y="0"/>
+                  </a:lnTo>
+                  <a:lnTo>
+                    <a:pt x="6738730" y="0"/>
+                  </a:lnTo>
+                </a:path>
+              </a:pathLst>
+            </a:custGeom>
+            <a:ln w="6775" cap="flat">
+              <a:solidFill>
+                <a:srgbClr val="EBEBEB">
+                  <a:alpha val="100000"/>
+                </a:srgbClr>
+              </a:solidFill>
+              <a:prstDash val="solid"/>
+              <a:round/>
+            </a:ln>
+          </p:spPr>
+          <p:txBody>
+            <a:bodyPr/>
+            <a:lstStyle/>
+            <a:p/>
+          </p:txBody>
+        </p:sp>
+        <p:sp>
+          <p:nvSpPr>
+            <p:cNvPr id="6" name="pl6"/>
+            <p:cNvSpPr/>
+            <p:nvPr/>
+          </p:nvSpPr>
+          <p:spPr>
+            <a:xfrm>
+              <a:off x="938418" y="3213982"/>
+              <a:ext cx="6738730" cy="0"/>
+            </a:xfrm>
+            <a:custGeom>
+              <a:avLst/>
+              <a:pathLst>
+                <a:path w="6738730" h="0">
+                  <a:moveTo>
+                    <a:pt x="0" y="0"/>
+                  </a:moveTo>
+                  <a:lnTo>
+                    <a:pt x="6738730" y="0"/>
+                  </a:lnTo>
+                  <a:lnTo>
+                    <a:pt x="6738730" y="0"/>
+                  </a:lnTo>
+                </a:path>
+              </a:pathLst>
+            </a:custGeom>
+            <a:ln w="6775" cap="flat">
+              <a:solidFill>
+                <a:srgbClr val="EBEBEB">
+                  <a:alpha val="100000"/>
+                </a:srgbClr>
+              </a:solidFill>
+              <a:prstDash val="solid"/>
+              <a:round/>
+            </a:ln>
+          </p:spPr>
+          <p:txBody>
+            <a:bodyPr/>
+            <a:lstStyle/>
+            <a:p/>
+          </p:txBody>
+        </p:sp>
+        <p:sp>
+          <p:nvSpPr>
+            <p:cNvPr id="7" name="pl7"/>
+            <p:cNvSpPr/>
+            <p:nvPr/>
+          </p:nvSpPr>
+          <p:spPr>
+            <a:xfrm>
+              <a:off x="938418" y="2280172"/>
+              <a:ext cx="6738730" cy="0"/>
+            </a:xfrm>
+            <a:custGeom>
+              <a:avLst/>
+              <a:pathLst>
+                <a:path w="6738730" h="0">
+                  <a:moveTo>
+                    <a:pt x="0" y="0"/>
+                  </a:moveTo>
+                  <a:lnTo>
+                    <a:pt x="6738730" y="0"/>
+                  </a:lnTo>
+                  <a:lnTo>
+                    <a:pt x="6738730" y="0"/>
+                  </a:lnTo>
+                </a:path>
+              </a:pathLst>
+            </a:custGeom>
+            <a:ln w="6775" cap="flat">
+              <a:solidFill>
+                <a:srgbClr val="EBEBEB">
+                  <a:alpha val="100000"/>
+                </a:srgbClr>
+              </a:solidFill>
+              <a:prstDash val="solid"/>
+              <a:round/>
+            </a:ln>
+          </p:spPr>
+          <p:txBody>
+            <a:bodyPr/>
+            <a:lstStyle/>
+            <a:p/>
+          </p:txBody>
+        </p:sp>
+        <p:sp>
+          <p:nvSpPr>
+            <p:cNvPr id="8" name="pl8"/>
+            <p:cNvSpPr/>
+            <p:nvPr/>
+          </p:nvSpPr>
+          <p:spPr>
+            <a:xfrm>
+              <a:off x="938418" y="5548506"/>
+              <a:ext cx="6738730" cy="0"/>
+            </a:xfrm>
+            <a:custGeom>
+              <a:avLst/>
+              <a:pathLst>
+                <a:path w="6738730" h="0">
+                  <a:moveTo>
+                    <a:pt x="0" y="0"/>
+                  </a:moveTo>
+                  <a:lnTo>
+                    <a:pt x="6738730" y="0"/>
+                  </a:lnTo>
+                  <a:lnTo>
+                    <a:pt x="6738730" y="0"/>
+                  </a:lnTo>
+                </a:path>
+              </a:pathLst>
+            </a:custGeom>
+            <a:ln w="13550" cap="flat">
+              <a:solidFill>
+                <a:srgbClr val="EBEBEB">
+                  <a:alpha val="100000"/>
+                </a:srgbClr>
+              </a:solidFill>
+              <a:prstDash val="solid"/>
+              <a:round/>
+            </a:ln>
+          </p:spPr>
+          <p:txBody>
+            <a:bodyPr/>
+            <a:lstStyle/>
+            <a:p/>
+          </p:txBody>
+        </p:sp>
+        <p:sp>
+          <p:nvSpPr>
+            <p:cNvPr id="9" name="pl9"/>
+            <p:cNvSpPr/>
+            <p:nvPr/>
+          </p:nvSpPr>
+          <p:spPr>
+            <a:xfrm>
+              <a:off x="938418" y="4614697"/>
+              <a:ext cx="6738730" cy="0"/>
+            </a:xfrm>
+            <a:custGeom>
+              <a:avLst/>
+              <a:pathLst>
+                <a:path w="6738730" h="0">
+                  <a:moveTo>
+                    <a:pt x="0" y="0"/>
+                  </a:moveTo>
+                  <a:lnTo>
+                    <a:pt x="6738730" y="0"/>
+                  </a:lnTo>
+                  <a:lnTo>
+                    <a:pt x="6738730" y="0"/>
+                  </a:lnTo>
+                </a:path>
+              </a:pathLst>
+            </a:custGeom>
+            <a:ln w="13550" cap="flat">
+              <a:solidFill>
+                <a:srgbClr val="EBEBEB">
+                  <a:alpha val="100000"/>
+                </a:srgbClr>
+              </a:solidFill>
+              <a:prstDash val="solid"/>
+              <a:round/>
+            </a:ln>
+          </p:spPr>
+          <p:txBody>
+            <a:bodyPr/>
+            <a:lstStyle/>
+            <a:p/>
+          </p:txBody>
+        </p:sp>
+        <p:sp>
+          <p:nvSpPr>
+            <p:cNvPr id="10" name="pl10"/>
+            <p:cNvSpPr/>
+            <p:nvPr/>
+          </p:nvSpPr>
+          <p:spPr>
+            <a:xfrm>
+              <a:off x="938418" y="3680887"/>
+              <a:ext cx="6738730" cy="0"/>
+            </a:xfrm>
+            <a:custGeom>
+              <a:avLst/>
+              <a:pathLst>
+                <a:path w="6738730" h="0">
+                  <a:moveTo>
+                    <a:pt x="0" y="0"/>
+                  </a:moveTo>
+                  <a:lnTo>
+                    <a:pt x="6738730" y="0"/>
+                  </a:lnTo>
+                  <a:lnTo>
+                    <a:pt x="6738730" y="0"/>
+                  </a:lnTo>
+                </a:path>
+              </a:pathLst>
+            </a:custGeom>
+            <a:ln w="13550" cap="flat">
+              <a:solidFill>
+                <a:srgbClr val="EBEBEB">
+                  <a:alpha val="100000"/>
+                </a:srgbClr>
+              </a:solidFill>
+              <a:prstDash val="solid"/>
+              <a:round/>
+            </a:ln>
+          </p:spPr>
+          <p:txBody>
+            <a:bodyPr/>
+            <a:lstStyle/>
+            <a:p/>
+          </p:txBody>
+        </p:sp>
+        <p:sp>
+          <p:nvSpPr>
+            <p:cNvPr id="11" name="pl11"/>
+            <p:cNvSpPr/>
+            <p:nvPr/>
+          </p:nvSpPr>
+          <p:spPr>
+            <a:xfrm>
+              <a:off x="938418" y="2747077"/>
+              <a:ext cx="6738730" cy="0"/>
+            </a:xfrm>
+            <a:custGeom>
+              <a:avLst/>
+              <a:pathLst>
+                <a:path w="6738730" h="0">
+                  <a:moveTo>
+                    <a:pt x="0" y="0"/>
+                  </a:moveTo>
+                  <a:lnTo>
+                    <a:pt x="6738730" y="0"/>
+                  </a:lnTo>
+                  <a:lnTo>
+                    <a:pt x="6738730" y="0"/>
+                  </a:lnTo>
+                </a:path>
+              </a:pathLst>
+            </a:custGeom>
+            <a:ln w="13550" cap="flat">
+              <a:solidFill>
+                <a:srgbClr val="EBEBEB">
+                  <a:alpha val="100000"/>
+                </a:srgbClr>
+              </a:solidFill>
+              <a:prstDash val="solid"/>
+              <a:round/>
+            </a:ln>
+          </p:spPr>
+          <p:txBody>
+            <a:bodyPr/>
+            <a:lstStyle/>
+            <a:p/>
+          </p:txBody>
+        </p:sp>
+        <p:sp>
+          <p:nvSpPr>
+            <p:cNvPr id="12" name="pl12"/>
+            <p:cNvSpPr/>
+            <p:nvPr/>
+          </p:nvSpPr>
+          <p:spPr>
+            <a:xfrm>
+              <a:off x="1715964" y="1886338"/>
+              <a:ext cx="0" cy="3836557"/>
+            </a:xfrm>
+            <a:custGeom>
+              <a:avLst/>
+              <a:pathLst>
+                <a:path w="0" h="3836557">
+                  <a:moveTo>
+                    <a:pt x="0" y="3836557"/>
+                  </a:moveTo>
+                  <a:lnTo>
+                    <a:pt x="0" y="0"/>
+                  </a:lnTo>
+                  <a:lnTo>
+                    <a:pt x="0" y="0"/>
+                  </a:lnTo>
+                </a:path>
+              </a:pathLst>
+            </a:custGeom>
+            <a:ln w="13550" cap="flat">
+              <a:solidFill>
+                <a:srgbClr val="EBEBEB">
+                  <a:alpha val="100000"/>
+                </a:srgbClr>
+              </a:solidFill>
+              <a:prstDash val="solid"/>
+              <a:round/>
+            </a:ln>
+          </p:spPr>
+          <p:txBody>
+            <a:bodyPr/>
+            <a:lstStyle/>
+            <a:p/>
+          </p:txBody>
+        </p:sp>
+        <p:sp>
+          <p:nvSpPr>
+            <p:cNvPr id="13" name="pl13"/>
+            <p:cNvSpPr/>
+            <p:nvPr/>
+          </p:nvSpPr>
+          <p:spPr>
+            <a:xfrm>
+              <a:off x="3011873" y="1886338"/>
+              <a:ext cx="0" cy="3836557"/>
+            </a:xfrm>
+            <a:custGeom>
+              <a:avLst/>
+              <a:pathLst>
+                <a:path w="0" h="3836557">
+                  <a:moveTo>
+                    <a:pt x="0" y="3836557"/>
+                  </a:moveTo>
+                  <a:lnTo>
+                    <a:pt x="0" y="0"/>
+                  </a:lnTo>
+                  <a:lnTo>
+                    <a:pt x="0" y="0"/>
+                  </a:lnTo>
+                </a:path>
+              </a:pathLst>
+            </a:custGeom>
+            <a:ln w="13550" cap="flat">
+              <a:solidFill>
+                <a:srgbClr val="EBEBEB">
+                  <a:alpha val="100000"/>
+                </a:srgbClr>
+              </a:solidFill>
+              <a:prstDash val="solid"/>
+              <a:round/>
+            </a:ln>
+          </p:spPr>
+          <p:txBody>
+            <a:bodyPr/>
+            <a:lstStyle/>
+            <a:p/>
+          </p:txBody>
+        </p:sp>
+        <p:sp>
+          <p:nvSpPr>
+            <p:cNvPr id="14" name="pl14"/>
+            <p:cNvSpPr/>
+            <p:nvPr/>
+          </p:nvSpPr>
+          <p:spPr>
+            <a:xfrm>
+              <a:off x="4307783" y="1886338"/>
+              <a:ext cx="0" cy="3836557"/>
+            </a:xfrm>
+            <a:custGeom>
+              <a:avLst/>
+              <a:pathLst>
+                <a:path w="0" h="3836557">
+                  <a:moveTo>
+                    <a:pt x="0" y="3836557"/>
+                  </a:moveTo>
+                  <a:lnTo>
+                    <a:pt x="0" y="0"/>
+                  </a:lnTo>
+                  <a:lnTo>
+                    <a:pt x="0" y="0"/>
+                  </a:lnTo>
+                </a:path>
+              </a:pathLst>
+            </a:custGeom>
+            <a:ln w="13550" cap="flat">
+              <a:solidFill>
+                <a:srgbClr val="EBEBEB">
+                  <a:alpha val="100000"/>
+                </a:srgbClr>
+              </a:solidFill>
+              <a:prstDash val="solid"/>
+              <a:round/>
+            </a:ln>
+          </p:spPr>
+          <p:txBody>
+            <a:bodyPr/>
+            <a:lstStyle/>
+            <a:p/>
+          </p:txBody>
+        </p:sp>
+        <p:sp>
+          <p:nvSpPr>
+            <p:cNvPr id="15" name="pl15"/>
+            <p:cNvSpPr/>
+            <p:nvPr/>
+          </p:nvSpPr>
+          <p:spPr>
+            <a:xfrm>
+              <a:off x="5603693" y="1886338"/>
+              <a:ext cx="0" cy="3836557"/>
+            </a:xfrm>
+            <a:custGeom>
+              <a:avLst/>
+              <a:pathLst>
+                <a:path w="0" h="3836557">
+                  <a:moveTo>
+                    <a:pt x="0" y="3836557"/>
+                  </a:moveTo>
+                  <a:lnTo>
+                    <a:pt x="0" y="0"/>
+                  </a:lnTo>
+                  <a:lnTo>
+                    <a:pt x="0" y="0"/>
+                  </a:lnTo>
+                </a:path>
+              </a:pathLst>
+            </a:custGeom>
+            <a:ln w="13550" cap="flat">
+              <a:solidFill>
+                <a:srgbClr val="EBEBEB">
+                  <a:alpha val="100000"/>
+                </a:srgbClr>
+              </a:solidFill>
+              <a:prstDash val="solid"/>
+              <a:round/>
+            </a:ln>
+          </p:spPr>
+          <p:txBody>
+            <a:bodyPr/>
+            <a:lstStyle/>
+            <a:p/>
+          </p:txBody>
+        </p:sp>
+        <p:sp>
+          <p:nvSpPr>
+            <p:cNvPr id="16" name="pl16"/>
+            <p:cNvSpPr/>
+            <p:nvPr/>
+          </p:nvSpPr>
+          <p:spPr>
+            <a:xfrm>
+              <a:off x="6899603" y="1886338"/>
+              <a:ext cx="0" cy="3836557"/>
+            </a:xfrm>
+            <a:custGeom>
+              <a:avLst/>
+              <a:pathLst>
+                <a:path w="0" h="3836557">
+                  <a:moveTo>
+                    <a:pt x="0" y="3836557"/>
+                  </a:moveTo>
+                  <a:lnTo>
+                    <a:pt x="0" y="0"/>
+                  </a:lnTo>
+                  <a:lnTo>
+                    <a:pt x="0" y="0"/>
+                  </a:lnTo>
+                </a:path>
+              </a:pathLst>
+            </a:custGeom>
+            <a:ln w="13550" cap="flat">
+              <a:solidFill>
+                <a:srgbClr val="EBEBEB">
+                  <a:alpha val="100000"/>
+                </a:srgbClr>
+              </a:solidFill>
+              <a:prstDash val="solid"/>
+              <a:round/>
+            </a:ln>
+          </p:spPr>
+          <p:txBody>
+            <a:bodyPr/>
+            <a:lstStyle/>
+            <a:p/>
+          </p:txBody>
+        </p:sp>
+        <p:sp>
+          <p:nvSpPr>
+            <p:cNvPr id="17" name="rc17"/>
+            <p:cNvSpPr/>
+            <p:nvPr/>
+          </p:nvSpPr>
+          <p:spPr>
+            <a:xfrm>
+              <a:off x="1715964" y="4950868"/>
+              <a:ext cx="583159" cy="597638"/>
+            </a:xfrm>
+            <a:prstGeom prst="rect">
+              <a:avLst/>
+            </a:prstGeom>
+            <a:solidFill>
+              <a:srgbClr val="00BFC4">
+                <a:alpha val="100000"/>
+              </a:srgbClr>
+            </a:solidFill>
+          </p:spPr>
+          <p:txBody>
+            <a:bodyPr/>
+            <a:lstStyle/>
+            <a:p/>
+          </p:txBody>
+        </p:sp>
+        <p:sp>
+          <p:nvSpPr>
+            <p:cNvPr id="18" name="rc18"/>
+            <p:cNvSpPr/>
+            <p:nvPr/>
+          </p:nvSpPr>
+          <p:spPr>
+            <a:xfrm>
+              <a:off x="1132804" y="4941530"/>
+              <a:ext cx="583159" cy="606976"/>
+            </a:xfrm>
+            <a:prstGeom prst="rect">
+              <a:avLst/>
+            </a:prstGeom>
+            <a:solidFill>
+              <a:srgbClr val="F8766D">
+                <a:alpha val="100000"/>
+              </a:srgbClr>
+            </a:solidFill>
+          </p:spPr>
+          <p:txBody>
+            <a:bodyPr/>
+            <a:lstStyle/>
+            <a:p/>
+          </p:txBody>
+        </p:sp>
+        <p:sp>
+          <p:nvSpPr>
+            <p:cNvPr id="19" name="rc19"/>
+            <p:cNvSpPr/>
+            <p:nvPr/>
+          </p:nvSpPr>
+          <p:spPr>
+            <a:xfrm>
+              <a:off x="3011873" y="3666880"/>
+              <a:ext cx="583159" cy="1881626"/>
+            </a:xfrm>
+            <a:prstGeom prst="rect">
+              <a:avLst/>
+            </a:prstGeom>
+            <a:solidFill>
+              <a:srgbClr val="00BFC4">
+                <a:alpha val="100000"/>
+              </a:srgbClr>
+            </a:solidFill>
+          </p:spPr>
+          <p:txBody>
+            <a:bodyPr/>
+            <a:lstStyle/>
+            <a:p/>
+          </p:txBody>
+        </p:sp>
+        <p:sp>
+          <p:nvSpPr>
+            <p:cNvPr id="20" name="rc20"/>
+            <p:cNvSpPr/>
+            <p:nvPr/>
+          </p:nvSpPr>
+          <p:spPr>
+            <a:xfrm>
+              <a:off x="2428714" y="3820958"/>
+              <a:ext cx="583159" cy="1727548"/>
+            </a:xfrm>
+            <a:prstGeom prst="rect">
+              <a:avLst/>
+            </a:prstGeom>
+            <a:solidFill>
+              <a:srgbClr val="F8766D">
+                <a:alpha val="100000"/>
+              </a:srgbClr>
+            </a:solidFill>
+          </p:spPr>
+          <p:txBody>
+            <a:bodyPr/>
+            <a:lstStyle/>
+            <a:p/>
+          </p:txBody>
+        </p:sp>
+        <p:sp>
+          <p:nvSpPr>
+            <p:cNvPr id="21" name="rc21"/>
+            <p:cNvSpPr/>
+            <p:nvPr/>
+          </p:nvSpPr>
+          <p:spPr>
+            <a:xfrm>
+              <a:off x="4307783" y="4712747"/>
+              <a:ext cx="583159" cy="835759"/>
+            </a:xfrm>
+            <a:prstGeom prst="rect">
+              <a:avLst/>
+            </a:prstGeom>
+            <a:solidFill>
+              <a:srgbClr val="00BFC4">
+                <a:alpha val="100000"/>
+              </a:srgbClr>
+            </a:solidFill>
+          </p:spPr>
+          <p:txBody>
+            <a:bodyPr/>
+            <a:lstStyle/>
+            <a:p/>
+          </p:txBody>
+        </p:sp>
+        <p:sp>
+          <p:nvSpPr>
+            <p:cNvPr id="22" name="rc22"/>
+            <p:cNvSpPr/>
+            <p:nvPr/>
+          </p:nvSpPr>
+          <p:spPr>
+            <a:xfrm>
+              <a:off x="3724624" y="4423266"/>
+              <a:ext cx="583159" cy="1125240"/>
+            </a:xfrm>
+            <a:prstGeom prst="rect">
+              <a:avLst/>
+            </a:prstGeom>
+            <a:solidFill>
+              <a:srgbClr val="F8766D">
+                <a:alpha val="100000"/>
+              </a:srgbClr>
+            </a:solidFill>
+          </p:spPr>
+          <p:txBody>
+            <a:bodyPr/>
+            <a:lstStyle/>
+            <a:p/>
+          </p:txBody>
+        </p:sp>
+        <p:sp>
+          <p:nvSpPr>
+            <p:cNvPr id="23" name="rc23"/>
+            <p:cNvSpPr/>
+            <p:nvPr/>
+          </p:nvSpPr>
+          <p:spPr>
+            <a:xfrm>
+              <a:off x="5603693" y="2177453"/>
+              <a:ext cx="583159" cy="3371053"/>
+            </a:xfrm>
+            <a:prstGeom prst="rect">
+              <a:avLst/>
+            </a:prstGeom>
+            <a:solidFill>
+              <a:srgbClr val="00BFC4">
+                <a:alpha val="100000"/>
+              </a:srgbClr>
+            </a:solidFill>
+          </p:spPr>
+          <p:txBody>
+            <a:bodyPr/>
+            <a:lstStyle/>
+            <a:p/>
+          </p:txBody>
+        </p:sp>
+        <p:sp>
+          <p:nvSpPr>
+            <p:cNvPr id="24" name="rc24"/>
+            <p:cNvSpPr/>
+            <p:nvPr/>
+          </p:nvSpPr>
+          <p:spPr>
+            <a:xfrm>
+              <a:off x="5020534" y="2060727"/>
+              <a:ext cx="583159" cy="3487779"/>
+            </a:xfrm>
+            <a:prstGeom prst="rect">
+              <a:avLst/>
+            </a:prstGeom>
+            <a:solidFill>
+              <a:srgbClr val="F8766D">
+                <a:alpha val="100000"/>
+              </a:srgbClr>
+            </a:solidFill>
+          </p:spPr>
+          <p:txBody>
+            <a:bodyPr/>
+            <a:lstStyle/>
+            <a:p/>
+          </p:txBody>
+        </p:sp>
+        <p:sp>
+          <p:nvSpPr>
+            <p:cNvPr id="25" name="rc25"/>
+            <p:cNvSpPr/>
+            <p:nvPr/>
+          </p:nvSpPr>
+          <p:spPr>
+            <a:xfrm>
+              <a:off x="6899603" y="3027220"/>
+              <a:ext cx="583159" cy="2521286"/>
+            </a:xfrm>
+            <a:prstGeom prst="rect">
+              <a:avLst/>
+            </a:prstGeom>
+            <a:solidFill>
+              <a:srgbClr val="00BFC4">
+                <a:alpha val="100000"/>
+              </a:srgbClr>
+            </a:solidFill>
+          </p:spPr>
+          <p:txBody>
+            <a:bodyPr/>
+            <a:lstStyle/>
+            <a:p/>
+          </p:txBody>
+        </p:sp>
+        <p:sp>
+          <p:nvSpPr>
+            <p:cNvPr id="26" name="rc26"/>
+            <p:cNvSpPr/>
+            <p:nvPr/>
+          </p:nvSpPr>
+          <p:spPr>
+            <a:xfrm>
+              <a:off x="6316443" y="2971191"/>
+              <a:ext cx="583159" cy="2577314"/>
+            </a:xfrm>
+            <a:prstGeom prst="rect">
+              <a:avLst/>
+            </a:prstGeom>
+            <a:solidFill>
+              <a:srgbClr val="F8766D">
+                <a:alpha val="100000"/>
+              </a:srgbClr>
+            </a:solidFill>
+          </p:spPr>
+          <p:txBody>
+            <a:bodyPr/>
+            <a:lstStyle/>
+            <a:p/>
+          </p:txBody>
+        </p:sp>
+        <p:sp>
+          <p:nvSpPr>
+            <p:cNvPr id="27" name="tx27"/>
+            <p:cNvSpPr/>
+            <p:nvPr/>
+          </p:nvSpPr>
+          <p:spPr>
+            <a:xfrm>
+              <a:off x="813632" y="5507824"/>
+              <a:ext cx="62155" cy="79126"/>
+            </a:xfrm>
+            <a:prstGeom prst="rect">
+              <a:avLst/>
+            </a:prstGeom>
+            <a:noFill/>
+          </p:spPr>
+          <p:txBody>
+            <a:bodyPr lIns="0" rIns="0" tIns="0" bIns="0" anchorCtr="1" anchor="ctr" wrap="none"/>
+            <a:lstStyle/>
+            <a:p>
+              <a:pPr algn="l" marL="0" marR="0" indent="0">
+                <a:lnSpc>
+                  <a:spcPts val="880"/>
+                </a:lnSpc>
+                <a:spcBef>
+                  <a:spcPts val="0"/>
+                </a:spcBef>
+                <a:spcAft>
+                  <a:spcPts val="0"/>
+                </a:spcAft>
+              </a:pPr>
+              <a:r>
+                <a:rPr sz="880">
+                  <a:solidFill>
+                    <a:srgbClr val="4D4D4D">
+                      <a:alpha val="100000"/>
+                    </a:srgbClr>
+                  </a:solidFill>
+                  <a:latin typeface="Liberation Sans"/>
+                  <a:cs typeface="Liberation Sans"/>
+                </a:rPr>
+                <a:t>0</a:t>
+              </a:r>
+            </a:p>
+          </p:txBody>
+        </p:sp>
+        <p:sp>
+          <p:nvSpPr>
+            <p:cNvPr id="28" name="tx28"/>
+            <p:cNvSpPr/>
+            <p:nvPr/>
+          </p:nvSpPr>
+          <p:spPr>
+            <a:xfrm>
+              <a:off x="689321" y="4574014"/>
+              <a:ext cx="186466" cy="79126"/>
+            </a:xfrm>
+            <a:prstGeom prst="rect">
+              <a:avLst/>
+            </a:prstGeom>
+            <a:noFill/>
+          </p:spPr>
+          <p:txBody>
+            <a:bodyPr lIns="0" rIns="0" tIns="0" bIns="0" anchorCtr="1" anchor="ctr" wrap="none"/>
+            <a:lstStyle/>
+            <a:p>
+              <a:pPr algn="l" marL="0" marR="0" indent="0">
+                <a:lnSpc>
+                  <a:spcPts val="880"/>
+                </a:lnSpc>
+                <a:spcBef>
+                  <a:spcPts val="0"/>
+                </a:spcBef>
+                <a:spcAft>
+                  <a:spcPts val="0"/>
+                </a:spcAft>
+              </a:pPr>
+              <a:r>
+                <a:rPr sz="880">
+                  <a:solidFill>
+                    <a:srgbClr val="4D4D4D">
+                      <a:alpha val="100000"/>
+                    </a:srgbClr>
+                  </a:solidFill>
+                  <a:latin typeface="Liberation Sans"/>
+                  <a:cs typeface="Liberation Sans"/>
+                </a:rPr>
+                <a:t>200</a:t>
+              </a:r>
+            </a:p>
+          </p:txBody>
+        </p:sp>
+        <p:sp>
+          <p:nvSpPr>
+            <p:cNvPr id="29" name="tx29"/>
+            <p:cNvSpPr/>
+            <p:nvPr/>
+          </p:nvSpPr>
+          <p:spPr>
+            <a:xfrm>
+              <a:off x="689321" y="3640205"/>
+              <a:ext cx="186466" cy="79126"/>
+            </a:xfrm>
+            <a:prstGeom prst="rect">
+              <a:avLst/>
+            </a:prstGeom>
+            <a:noFill/>
+          </p:spPr>
+          <p:txBody>
+            <a:bodyPr lIns="0" rIns="0" tIns="0" bIns="0" anchorCtr="1" anchor="ctr" wrap="none"/>
+            <a:lstStyle/>
+            <a:p>
+              <a:pPr algn="l" marL="0" marR="0" indent="0">
+                <a:lnSpc>
+                  <a:spcPts val="880"/>
+                </a:lnSpc>
+                <a:spcBef>
+                  <a:spcPts val="0"/>
+                </a:spcBef>
+                <a:spcAft>
+                  <a:spcPts val="0"/>
+                </a:spcAft>
+              </a:pPr>
+              <a:r>
+                <a:rPr sz="880">
+                  <a:solidFill>
+                    <a:srgbClr val="4D4D4D">
+                      <a:alpha val="100000"/>
+                    </a:srgbClr>
+                  </a:solidFill>
+                  <a:latin typeface="Liberation Sans"/>
+                  <a:cs typeface="Liberation Sans"/>
+                </a:rPr>
+                <a:t>400</a:t>
+              </a:r>
+            </a:p>
+          </p:txBody>
+        </p:sp>
+        <p:sp>
+          <p:nvSpPr>
+            <p:cNvPr id="30" name="tx30"/>
+            <p:cNvSpPr/>
+            <p:nvPr/>
+          </p:nvSpPr>
+          <p:spPr>
+            <a:xfrm>
+              <a:off x="689321" y="2706395"/>
+              <a:ext cx="186466" cy="79126"/>
+            </a:xfrm>
+            <a:prstGeom prst="rect">
+              <a:avLst/>
+            </a:prstGeom>
+            <a:noFill/>
+          </p:spPr>
+          <p:txBody>
+            <a:bodyPr lIns="0" rIns="0" tIns="0" bIns="0" anchorCtr="1" anchor="ctr" wrap="none"/>
+            <a:lstStyle/>
+            <a:p>
+              <a:pPr algn="l" marL="0" marR="0" indent="0">
+                <a:lnSpc>
+                  <a:spcPts val="880"/>
+                </a:lnSpc>
+                <a:spcBef>
+                  <a:spcPts val="0"/>
+                </a:spcBef>
+                <a:spcAft>
+                  <a:spcPts val="0"/>
+                </a:spcAft>
+              </a:pPr>
+              <a:r>
+                <a:rPr sz="880">
+                  <a:solidFill>
+                    <a:srgbClr val="4D4D4D">
+                      <a:alpha val="100000"/>
+                    </a:srgbClr>
+                  </a:solidFill>
+                  <a:latin typeface="Liberation Sans"/>
+                  <a:cs typeface="Liberation Sans"/>
+                </a:rPr>
+                <a:t>600</a:t>
+              </a:r>
+            </a:p>
+          </p:txBody>
+        </p:sp>
+        <p:sp>
+          <p:nvSpPr>
+            <p:cNvPr id="31" name="tx31"/>
+            <p:cNvSpPr/>
+            <p:nvPr/>
+          </p:nvSpPr>
+          <p:spPr>
+            <a:xfrm>
+              <a:off x="1557519" y="5758240"/>
+              <a:ext cx="316889" cy="104174"/>
+            </a:xfrm>
+            <a:prstGeom prst="rect">
+              <a:avLst/>
+            </a:prstGeom>
+            <a:noFill/>
+          </p:spPr>
+          <p:txBody>
+            <a:bodyPr lIns="0" rIns="0" tIns="0" bIns="0" anchorCtr="1" anchor="ctr" wrap="none"/>
+            <a:lstStyle/>
+            <a:p>
+              <a:pPr algn="l" marL="0" marR="0" indent="0">
+                <a:lnSpc>
+                  <a:spcPts val="880"/>
+                </a:lnSpc>
+                <a:spcBef>
+                  <a:spcPts val="0"/>
+                </a:spcBef>
+                <a:spcAft>
+                  <a:spcPts val="0"/>
+                </a:spcAft>
+              </a:pPr>
+              <a:r>
+                <a:rPr sz="880">
+                  <a:solidFill>
+                    <a:srgbClr val="4D4D4D">
+                      <a:alpha val="100000"/>
+                    </a:srgbClr>
+                  </a:solidFill>
+                  <a:latin typeface="Liberation Sans"/>
+                  <a:cs typeface="Liberation Sans"/>
+                </a:rPr>
+                <a:t>Eating</a:t>
+              </a:r>
+            </a:p>
+          </p:txBody>
+        </p:sp>
+        <p:sp>
+          <p:nvSpPr>
+            <p:cNvPr id="32" name="tx32"/>
+            <p:cNvSpPr/>
+            <p:nvPr/>
+          </p:nvSpPr>
+          <p:spPr>
+            <a:xfrm>
+              <a:off x="2701314" y="5758240"/>
+              <a:ext cx="621119" cy="104174"/>
+            </a:xfrm>
+            <a:prstGeom prst="rect">
+              <a:avLst/>
+            </a:prstGeom>
+            <a:noFill/>
+          </p:spPr>
+          <p:txBody>
+            <a:bodyPr lIns="0" rIns="0" tIns="0" bIns="0" anchorCtr="1" anchor="ctr" wrap="none"/>
+            <a:lstStyle/>
+            <a:p>
+              <a:pPr algn="l" marL="0" marR="0" indent="0">
+                <a:lnSpc>
+                  <a:spcPts val="880"/>
+                </a:lnSpc>
+                <a:spcBef>
+                  <a:spcPts val="0"/>
+                </a:spcBef>
+                <a:spcAft>
+                  <a:spcPts val="0"/>
+                </a:spcAft>
+              </a:pPr>
+              <a:r>
+                <a:rPr sz="880">
+                  <a:solidFill>
+                    <a:srgbClr val="4D4D4D">
+                      <a:alpha val="100000"/>
+                    </a:srgbClr>
+                  </a:solidFill>
+                  <a:latin typeface="Liberation Sans"/>
+                  <a:cs typeface="Liberation Sans"/>
+                </a:rPr>
+                <a:t>Employment</a:t>
+              </a:r>
+            </a:p>
+          </p:txBody>
+        </p:sp>
+        <p:sp>
+          <p:nvSpPr>
+            <p:cNvPr id="33" name="tx33"/>
+            <p:cNvSpPr/>
+            <p:nvPr/>
+          </p:nvSpPr>
+          <p:spPr>
+            <a:xfrm>
+              <a:off x="3646173" y="5758240"/>
+              <a:ext cx="1323220" cy="104174"/>
+            </a:xfrm>
+            <a:prstGeom prst="rect">
+              <a:avLst/>
+            </a:prstGeom>
+            <a:noFill/>
+          </p:spPr>
+          <p:txBody>
+            <a:bodyPr lIns="0" rIns="0" tIns="0" bIns="0" anchorCtr="1" anchor="ctr" wrap="none"/>
+            <a:lstStyle/>
+            <a:p>
+              <a:pPr algn="l" marL="0" marR="0" indent="0">
+                <a:lnSpc>
+                  <a:spcPts val="880"/>
+                </a:lnSpc>
+                <a:spcBef>
+                  <a:spcPts val="0"/>
+                </a:spcBef>
+                <a:spcAft>
+                  <a:spcPts val="0"/>
+                </a:spcAft>
+              </a:pPr>
+              <a:r>
+                <a:rPr sz="880">
+                  <a:solidFill>
+                    <a:srgbClr val="4D4D4D">
+                      <a:alpha val="100000"/>
+                    </a:srgbClr>
+                  </a:solidFill>
+                  <a:latin typeface="Liberation Sans"/>
+                  <a:cs typeface="Liberation Sans"/>
+                </a:rPr>
+                <a:t>Household and family care</a:t>
+              </a:r>
+            </a:p>
+          </p:txBody>
+        </p:sp>
+        <p:sp>
+          <p:nvSpPr>
+            <p:cNvPr id="34" name="tx34"/>
+            <p:cNvSpPr/>
+            <p:nvPr/>
+          </p:nvSpPr>
+          <p:spPr>
+            <a:xfrm>
+              <a:off x="5258918" y="5780341"/>
+              <a:ext cx="689550" cy="82073"/>
+            </a:xfrm>
+            <a:prstGeom prst="rect">
+              <a:avLst/>
+            </a:prstGeom>
+            <a:noFill/>
+          </p:spPr>
+          <p:txBody>
+            <a:bodyPr lIns="0" rIns="0" tIns="0" bIns="0" anchorCtr="1" anchor="ctr" wrap="none"/>
+            <a:lstStyle/>
+            <a:p>
+              <a:pPr algn="l" marL="0" marR="0" indent="0">
+                <a:lnSpc>
+                  <a:spcPts val="880"/>
+                </a:lnSpc>
+                <a:spcBef>
+                  <a:spcPts val="0"/>
+                </a:spcBef>
+                <a:spcAft>
+                  <a:spcPts val="0"/>
+                </a:spcAft>
+              </a:pPr>
+              <a:r>
+                <a:rPr sz="880">
+                  <a:solidFill>
+                    <a:srgbClr val="4D4D4D">
+                      <a:alpha val="100000"/>
+                    </a:srgbClr>
+                  </a:solidFill>
+                  <a:latin typeface="Liberation Sans"/>
+                  <a:cs typeface="Liberation Sans"/>
+                </a:rPr>
+                <a:t>Personal care</a:t>
+              </a:r>
+            </a:p>
+          </p:txBody>
+        </p:sp>
+        <p:sp>
+          <p:nvSpPr>
+            <p:cNvPr id="35" name="tx35"/>
+            <p:cNvSpPr/>
+            <p:nvPr/>
+          </p:nvSpPr>
+          <p:spPr>
+            <a:xfrm>
+              <a:off x="6756683" y="5758240"/>
+              <a:ext cx="285839" cy="104174"/>
+            </a:xfrm>
+            <a:prstGeom prst="rect">
+              <a:avLst/>
+            </a:prstGeom>
+            <a:noFill/>
+          </p:spPr>
+          <p:txBody>
+            <a:bodyPr lIns="0" rIns="0" tIns="0" bIns="0" anchorCtr="1" anchor="ctr" wrap="none"/>
+            <a:lstStyle/>
+            <a:p>
+              <a:pPr algn="l" marL="0" marR="0" indent="0">
+                <a:lnSpc>
+                  <a:spcPts val="880"/>
+                </a:lnSpc>
+                <a:spcBef>
+                  <a:spcPts val="0"/>
+                </a:spcBef>
+                <a:spcAft>
+                  <a:spcPts val="0"/>
+                </a:spcAft>
+              </a:pPr>
+              <a:r>
+                <a:rPr sz="880">
+                  <a:solidFill>
+                    <a:srgbClr val="4D4D4D">
+                      <a:alpha val="100000"/>
+                    </a:srgbClr>
+                  </a:solidFill>
+                  <a:latin typeface="Liberation Sans"/>
+                  <a:cs typeface="Liberation Sans"/>
+                </a:rPr>
+                <a:t>Sleep</a:t>
+              </a:r>
+            </a:p>
+          </p:txBody>
+        </p:sp>
+        <p:sp>
+          <p:nvSpPr>
+            <p:cNvPr id="36" name="tx36"/>
+            <p:cNvSpPr/>
+            <p:nvPr/>
+          </p:nvSpPr>
+          <p:spPr>
+            <a:xfrm>
+              <a:off x="4032203" y="5922355"/>
+              <a:ext cx="551160" cy="102592"/>
+            </a:xfrm>
+            <a:prstGeom prst="rect">
+              <a:avLst/>
+            </a:prstGeom>
+            <a:noFill/>
+          </p:spPr>
+          <p:txBody>
+            <a:bodyPr lIns="0" rIns="0" tIns="0" bIns="0" anchorCtr="1" anchor="ctr" wrap="none"/>
+            <a:lstStyle/>
+            <a:p>
+              <a:pPr algn="l" marL="0" marR="0" indent="0">
+                <a:lnSpc>
+                  <a:spcPts val="1100"/>
+                </a:lnSpc>
+                <a:spcBef>
+                  <a:spcPts val="0"/>
+                </a:spcBef>
+                <a:spcAft>
+                  <a:spcPts val="0"/>
+                </a:spcAft>
+              </a:pPr>
+              <a:r>
+                <a:rPr sz="1100">
+                  <a:solidFill>
+                    <a:srgbClr val="000000">
+                      <a:alpha val="100000"/>
+                    </a:srgbClr>
+                  </a:solidFill>
+                  <a:latin typeface="Liberation Sans"/>
+                  <a:cs typeface="Liberation Sans"/>
+                </a:rPr>
+                <a:t>Activities</a:t>
+              </a:r>
+            </a:p>
+          </p:txBody>
+        </p:sp>
+        <p:sp>
+          <p:nvSpPr>
+            <p:cNvPr id="37" name="tx37"/>
+            <p:cNvSpPr/>
+            <p:nvPr/>
+          </p:nvSpPr>
+          <p:spPr>
+            <a:xfrm rot="-5400000">
+              <a:off x="78630" y="3753321"/>
+              <a:ext cx="985949" cy="102592"/>
+            </a:xfrm>
+            <a:prstGeom prst="rect">
+              <a:avLst/>
+            </a:prstGeom>
+            <a:noFill/>
+          </p:spPr>
+          <p:txBody>
+            <a:bodyPr lIns="0" rIns="0" tIns="0" bIns="0" anchorCtr="1" anchor="ctr" wrap="none"/>
+            <a:lstStyle/>
+            <a:p>
+              <a:pPr algn="l" marL="0" marR="0" indent="0">
+                <a:lnSpc>
+                  <a:spcPts val="1100"/>
+                </a:lnSpc>
+                <a:spcBef>
+                  <a:spcPts val="0"/>
+                </a:spcBef>
+                <a:spcAft>
+                  <a:spcPts val="0"/>
+                </a:spcAft>
+              </a:pPr>
+              <a:r>
+                <a:rPr sz="1100">
+                  <a:solidFill>
+                    <a:srgbClr val="000000">
+                      <a:alpha val="100000"/>
+                    </a:srgbClr>
+                  </a:solidFill>
+                  <a:latin typeface="Liberation Sans"/>
+                  <a:cs typeface="Liberation Sans"/>
+                </a:rPr>
+                <a:t>Time in minutes</a:t>
+              </a:r>
+            </a:p>
+          </p:txBody>
+        </p:sp>
+        <p:sp>
+          <p:nvSpPr>
+            <p:cNvPr id="38" name="tx38"/>
+            <p:cNvSpPr/>
+            <p:nvPr/>
+          </p:nvSpPr>
+          <p:spPr>
+            <a:xfrm>
+              <a:off x="7885916" y="3468204"/>
+              <a:ext cx="644748" cy="130218"/>
+            </a:xfrm>
+            <a:prstGeom prst="rect">
+              <a:avLst/>
+            </a:prstGeom>
+            <a:noFill/>
+          </p:spPr>
+          <p:txBody>
+            <a:bodyPr lIns="0" rIns="0" tIns="0" bIns="0" anchorCtr="1" anchor="ctr" wrap="none"/>
+            <a:lstStyle/>
+            <a:p>
+              <a:pPr algn="l" marL="0" marR="0" indent="0">
+                <a:lnSpc>
+                  <a:spcPts val="1100"/>
+                </a:lnSpc>
+                <a:spcBef>
+                  <a:spcPts val="0"/>
+                </a:spcBef>
+                <a:spcAft>
+                  <a:spcPts val="0"/>
+                </a:spcAft>
+              </a:pPr>
+              <a:r>
+                <a:rPr sz="1100">
+                  <a:solidFill>
+                    <a:srgbClr val="000000">
+                      <a:alpha val="100000"/>
+                    </a:srgbClr>
+                  </a:solidFill>
+                  <a:latin typeface="Liberation Sans"/>
+                  <a:cs typeface="Liberation Sans"/>
+                </a:rPr>
+                <a:t>population</a:t>
+              </a:r>
+            </a:p>
+          </p:txBody>
+        </p:sp>
+        <p:sp>
+          <p:nvSpPr>
+            <p:cNvPr id="39" name="rc39"/>
+            <p:cNvSpPr/>
+            <p:nvPr/>
+          </p:nvSpPr>
+          <p:spPr>
+            <a:xfrm>
+              <a:off x="7894916" y="3692824"/>
+              <a:ext cx="201455" cy="201456"/>
+            </a:xfrm>
+            <a:prstGeom prst="rect">
+              <a:avLst/>
+            </a:prstGeom>
+            <a:solidFill>
+              <a:srgbClr val="F8766D">
+                <a:alpha val="100000"/>
+              </a:srgbClr>
+            </a:solidFill>
+          </p:spPr>
+          <p:txBody>
+            <a:bodyPr/>
+            <a:lstStyle/>
+            <a:p/>
+          </p:txBody>
+        </p:sp>
+        <p:sp>
+          <p:nvSpPr>
+            <p:cNvPr id="40" name="rc40"/>
+            <p:cNvSpPr/>
+            <p:nvPr/>
+          </p:nvSpPr>
+          <p:spPr>
+            <a:xfrm>
+              <a:off x="7894916" y="3912280"/>
+              <a:ext cx="201455" cy="201456"/>
+            </a:xfrm>
+            <a:prstGeom prst="rect">
+              <a:avLst/>
+            </a:prstGeom>
+            <a:solidFill>
+              <a:srgbClr val="00BFC4">
+                <a:alpha val="100000"/>
+              </a:srgbClr>
+            </a:solidFill>
+          </p:spPr>
+          <p:txBody>
+            <a:bodyPr/>
+            <a:lstStyle/>
+            <a:p/>
+          </p:txBody>
+        </p:sp>
+        <p:sp>
+          <p:nvSpPr>
+            <p:cNvPr id="41" name="tx41"/>
+            <p:cNvSpPr/>
+            <p:nvPr/>
+          </p:nvSpPr>
+          <p:spPr>
+            <a:xfrm>
+              <a:off x="8174961" y="3749923"/>
+              <a:ext cx="372660" cy="82073"/>
+            </a:xfrm>
+            <a:prstGeom prst="rect">
+              <a:avLst/>
+            </a:prstGeom>
+            <a:noFill/>
+          </p:spPr>
+          <p:txBody>
+            <a:bodyPr lIns="0" rIns="0" tIns="0" bIns="0" anchorCtr="1" anchor="ctr" wrap="none"/>
+            <a:lstStyle/>
+            <a:p>
+              <a:pPr algn="l" marL="0" marR="0" indent="0">
+                <a:lnSpc>
+                  <a:spcPts val="880"/>
+                </a:lnSpc>
+                <a:spcBef>
+                  <a:spcPts val="0"/>
+                </a:spcBef>
+                <a:spcAft>
+                  <a:spcPts val="0"/>
+                </a:spcAft>
+              </a:pPr>
+              <a:r>
+                <a:rPr sz="880">
+                  <a:solidFill>
+                    <a:srgbClr val="000000">
+                      <a:alpha val="100000"/>
+                    </a:srgbClr>
+                  </a:solidFill>
+                  <a:latin typeface="Liberation Sans"/>
+                  <a:cs typeface="Liberation Sans"/>
+                </a:rPr>
+                <a:t>Female</a:t>
+              </a:r>
+            </a:p>
+          </p:txBody>
+        </p:sp>
+        <p:sp>
+          <p:nvSpPr>
+            <p:cNvPr id="42" name="tx42"/>
+            <p:cNvSpPr/>
+            <p:nvPr/>
+          </p:nvSpPr>
+          <p:spPr>
+            <a:xfrm>
+              <a:off x="8174961" y="3969379"/>
+              <a:ext cx="242237" cy="82073"/>
+            </a:xfrm>
+            <a:prstGeom prst="rect">
+              <a:avLst/>
+            </a:prstGeom>
+            <a:noFill/>
+          </p:spPr>
+          <p:txBody>
+            <a:bodyPr lIns="0" rIns="0" tIns="0" bIns="0" anchorCtr="1" anchor="ctr" wrap="none"/>
+            <a:lstStyle/>
+            <a:p>
+              <a:pPr algn="l" marL="0" marR="0" indent="0">
+                <a:lnSpc>
+                  <a:spcPts val="880"/>
+                </a:lnSpc>
+                <a:spcBef>
+                  <a:spcPts val="0"/>
+                </a:spcBef>
+                <a:spcAft>
+                  <a:spcPts val="0"/>
+                </a:spcAft>
+              </a:pPr>
+              <a:r>
+                <a:rPr sz="880">
+                  <a:solidFill>
+                    <a:srgbClr val="000000">
+                      <a:alpha val="100000"/>
+                    </a:srgbClr>
+                  </a:solidFill>
+                  <a:latin typeface="Liberation Sans"/>
+                  <a:cs typeface="Liberation Sans"/>
+                </a:rPr>
+                <a:t>Male</a:t>
+              </a:r>
+            </a:p>
+          </p:txBody>
+        </p:sp>
+        <p:sp>
+          <p:nvSpPr>
+            <p:cNvPr id="43" name="tx43"/>
+            <p:cNvSpPr/>
+            <p:nvPr/>
+          </p:nvSpPr>
+          <p:spPr>
+            <a:xfrm>
+              <a:off x="938418" y="1628861"/>
+              <a:ext cx="1537818" cy="156262"/>
+            </a:xfrm>
+            <a:prstGeom prst="rect">
+              <a:avLst/>
+            </a:prstGeom>
+            <a:noFill/>
+          </p:spPr>
+          <p:txBody>
+            <a:bodyPr lIns="0" rIns="0" tIns="0" bIns="0" anchorCtr="1" anchor="ctr" wrap="none"/>
+            <a:lstStyle/>
+            <a:p>
+              <a:pPr algn="l" marL="0" marR="0" indent="0">
+                <a:lnSpc>
+                  <a:spcPts val="1320"/>
+                </a:lnSpc>
+                <a:spcBef>
+                  <a:spcPts val="0"/>
+                </a:spcBef>
+                <a:spcAft>
+                  <a:spcPts val="0"/>
+                </a:spcAft>
+              </a:pPr>
+              <a:r>
+                <a:rPr sz="1320">
+                  <a:solidFill>
+                    <a:srgbClr val="000000">
+                      <a:alpha val="100000"/>
+                    </a:srgbClr>
+                  </a:solidFill>
+                  <a:latin typeface="Liberation Sans"/>
+                  <a:cs typeface="Liberation Sans"/>
+                </a:rPr>
+                <a:t>Year 2014_Saturday</a:t>
+              </a:r>
+            </a:p>
+          </p:txBody>
+        </p:sp>
+      </p:grpSp>
+    </p:spTree>
+  </p:cSld>
+  <p:clrMapOvr>
+    <a:masterClrMapping/>
+  </p:clrMapOvr>
+</p:sld>
+</file>
+
+<file path=ppt/slides/slide33.xml><?xml version="1.0" encoding="utf-8"?>
+<p:sld xmlns:a="http://schemas.openxmlformats.org/drawingml/2006/main" xmlns:r="http://schemas.openxmlformats.org/officeDocument/2006/relationships" xmlns:p="http://schemas.openxmlformats.org/presentationml/2006/main">
+  <p:cSld>
+    <p:spTree>
+      <p:nvGrpSpPr>
+        <p:cNvPr id="1" name=""/>
+        <p:cNvGrpSpPr/>
+        <p:nvPr/>
+      </p:nvGrpSpPr>
+      <p:grpSpPr>
+        <a:xfrm>
+          <a:off x="0" y="0"/>
+          <a:ext cx="0" cy="0"/>
+          <a:chOff x="0" y="0"/>
+          <a:chExt cx="0" cy="0"/>
+        </a:xfrm>
+      </p:grpSpPr>
+      <p:grpSp xmlns:a="http://schemas.openxmlformats.org/drawingml/2006/main" xmlns:r="http://schemas.openxmlformats.org/officeDocument/2006/relationships" xmlns:p="http://schemas.openxmlformats.org/presentationml/2006/main" xmlns:pic="http://schemas.openxmlformats.org/drawingml/2006/picture">
+        <p:nvGrpSpPr>
+          <p:cNvPr id="2" name="grp1"/>
+          <p:cNvGrpSpPr/>
+          <p:nvPr/>
+        </p:nvGrpSpPr>
+        <p:grpSpPr>
+          <a:xfrm>
+            <a:off x="457200" y="1600200"/>
+            <a:ext cx="8229600" cy="4525962"/>
+            <a:chOff x="457200" y="1600200"/>
+            <a:chExt cx="8229600" cy="4525962"/>
+          </a:xfrm>
+        </p:grpSpPr>
+        <p:sp>
+          <p:nvSpPr>
+            <p:cNvPr id="3" name="rc3"/>
+            <p:cNvSpPr/>
+            <p:nvPr/>
+          </p:nvSpPr>
+          <p:spPr>
+            <a:xfrm>
+              <a:off x="457200" y="1600200"/>
+              <a:ext cx="8229600" cy="4525962"/>
+            </a:xfrm>
+            <a:prstGeom prst="rect">
+              <a:avLst/>
+            </a:prstGeom>
+            <a:solidFill>
+              <a:srgbClr val="FFFFFF">
+                <a:alpha val="100000"/>
+              </a:srgbClr>
+            </a:solidFill>
+            <a:ln w="9525" cap="rnd">
+              <a:solidFill>
+                <a:srgbClr val="FFFFFF">
+                  <a:alpha val="100000"/>
+                </a:srgbClr>
+              </a:solidFill>
+              <a:prstDash val="solid"/>
+              <a:round/>
+            </a:ln>
+          </p:spPr>
+          <p:txBody>
+            <a:bodyPr/>
+            <a:lstStyle/>
+            <a:p/>
+          </p:txBody>
+        </p:sp>
+        <p:sp>
+          <p:nvSpPr>
+            <p:cNvPr id="4" name="pl4"/>
+            <p:cNvSpPr/>
+            <p:nvPr/>
+          </p:nvSpPr>
+          <p:spPr>
+            <a:xfrm>
+              <a:off x="938418" y="5112534"/>
+              <a:ext cx="6738730" cy="0"/>
+            </a:xfrm>
+            <a:custGeom>
+              <a:avLst/>
+              <a:pathLst>
+                <a:path w="6738730" h="0">
+                  <a:moveTo>
+                    <a:pt x="0" y="0"/>
+                  </a:moveTo>
+                  <a:lnTo>
+                    <a:pt x="6738730" y="0"/>
+                  </a:lnTo>
+                  <a:lnTo>
+                    <a:pt x="6738730" y="0"/>
+                  </a:lnTo>
+                </a:path>
+              </a:pathLst>
+            </a:custGeom>
+            <a:ln w="6775" cap="flat">
+              <a:solidFill>
+                <a:srgbClr val="EBEBEB">
+                  <a:alpha val="100000"/>
+                </a:srgbClr>
+              </a:solidFill>
+              <a:prstDash val="solid"/>
+              <a:round/>
+            </a:ln>
+          </p:spPr>
+          <p:txBody>
+            <a:bodyPr/>
+            <a:lstStyle/>
+            <a:p/>
+          </p:txBody>
+        </p:sp>
+        <p:sp>
+          <p:nvSpPr>
+            <p:cNvPr id="5" name="pl5"/>
+            <p:cNvSpPr/>
+            <p:nvPr/>
+          </p:nvSpPr>
+          <p:spPr>
+            <a:xfrm>
+              <a:off x="938418" y="4240589"/>
+              <a:ext cx="6738730" cy="0"/>
+            </a:xfrm>
+            <a:custGeom>
+              <a:avLst/>
+              <a:pathLst>
+                <a:path w="6738730" h="0">
+                  <a:moveTo>
+                    <a:pt x="0" y="0"/>
+                  </a:moveTo>
+                  <a:lnTo>
+                    <a:pt x="6738730" y="0"/>
+                  </a:lnTo>
+                  <a:lnTo>
+                    <a:pt x="6738730" y="0"/>
+                  </a:lnTo>
+                </a:path>
+              </a:pathLst>
+            </a:custGeom>
+            <a:ln w="6775" cap="flat">
+              <a:solidFill>
+                <a:srgbClr val="EBEBEB">
+                  <a:alpha val="100000"/>
+                </a:srgbClr>
+              </a:solidFill>
+              <a:prstDash val="solid"/>
+              <a:round/>
+            </a:ln>
+          </p:spPr>
+          <p:txBody>
+            <a:bodyPr/>
+            <a:lstStyle/>
+            <a:p/>
+          </p:txBody>
+        </p:sp>
+        <p:sp>
+          <p:nvSpPr>
+            <p:cNvPr id="6" name="pl6"/>
+            <p:cNvSpPr/>
+            <p:nvPr/>
+          </p:nvSpPr>
+          <p:spPr>
+            <a:xfrm>
+              <a:off x="938418" y="3368644"/>
+              <a:ext cx="6738730" cy="0"/>
+            </a:xfrm>
+            <a:custGeom>
+              <a:avLst/>
+              <a:pathLst>
+                <a:path w="6738730" h="0">
+                  <a:moveTo>
+                    <a:pt x="0" y="0"/>
+                  </a:moveTo>
+                  <a:lnTo>
+                    <a:pt x="6738730" y="0"/>
+                  </a:lnTo>
+                  <a:lnTo>
+                    <a:pt x="6738730" y="0"/>
+                  </a:lnTo>
+                </a:path>
+              </a:pathLst>
+            </a:custGeom>
+            <a:ln w="6775" cap="flat">
+              <a:solidFill>
+                <a:srgbClr val="EBEBEB">
+                  <a:alpha val="100000"/>
+                </a:srgbClr>
+              </a:solidFill>
+              <a:prstDash val="solid"/>
+              <a:round/>
+            </a:ln>
+          </p:spPr>
+          <p:txBody>
+            <a:bodyPr/>
+            <a:lstStyle/>
+            <a:p/>
+          </p:txBody>
+        </p:sp>
+        <p:sp>
+          <p:nvSpPr>
+            <p:cNvPr id="7" name="pl7"/>
+            <p:cNvSpPr/>
+            <p:nvPr/>
+          </p:nvSpPr>
+          <p:spPr>
+            <a:xfrm>
+              <a:off x="938418" y="2496699"/>
+              <a:ext cx="6738730" cy="0"/>
+            </a:xfrm>
+            <a:custGeom>
+              <a:avLst/>
+              <a:pathLst>
+                <a:path w="6738730" h="0">
+                  <a:moveTo>
+                    <a:pt x="0" y="0"/>
+                  </a:moveTo>
+                  <a:lnTo>
+                    <a:pt x="6738730" y="0"/>
+                  </a:lnTo>
+                  <a:lnTo>
+                    <a:pt x="6738730" y="0"/>
+                  </a:lnTo>
+                </a:path>
+              </a:pathLst>
+            </a:custGeom>
+            <a:ln w="6775" cap="flat">
+              <a:solidFill>
+                <a:srgbClr val="EBEBEB">
+                  <a:alpha val="100000"/>
+                </a:srgbClr>
+              </a:solidFill>
+              <a:prstDash val="solid"/>
+              <a:round/>
+            </a:ln>
+          </p:spPr>
+          <p:txBody>
+            <a:bodyPr/>
+            <a:lstStyle/>
+            <a:p/>
+          </p:txBody>
+        </p:sp>
+        <p:sp>
+          <p:nvSpPr>
+            <p:cNvPr id="8" name="pl8"/>
+            <p:cNvSpPr/>
+            <p:nvPr/>
+          </p:nvSpPr>
+          <p:spPr>
+            <a:xfrm>
+              <a:off x="938418" y="5548506"/>
+              <a:ext cx="6738730" cy="0"/>
+            </a:xfrm>
+            <a:custGeom>
+              <a:avLst/>
+              <a:pathLst>
+                <a:path w="6738730" h="0">
+                  <a:moveTo>
+                    <a:pt x="0" y="0"/>
+                  </a:moveTo>
+                  <a:lnTo>
+                    <a:pt x="6738730" y="0"/>
+                  </a:lnTo>
+                  <a:lnTo>
+                    <a:pt x="6738730" y="0"/>
+                  </a:lnTo>
+                </a:path>
+              </a:pathLst>
+            </a:custGeom>
+            <a:ln w="13550" cap="flat">
+              <a:solidFill>
+                <a:srgbClr val="EBEBEB">
+                  <a:alpha val="100000"/>
+                </a:srgbClr>
+              </a:solidFill>
+              <a:prstDash val="solid"/>
+              <a:round/>
+            </a:ln>
+          </p:spPr>
+          <p:txBody>
+            <a:bodyPr/>
+            <a:lstStyle/>
+            <a:p/>
+          </p:txBody>
+        </p:sp>
+        <p:sp>
+          <p:nvSpPr>
+            <p:cNvPr id="9" name="pl9"/>
+            <p:cNvSpPr/>
+            <p:nvPr/>
+          </p:nvSpPr>
+          <p:spPr>
+            <a:xfrm>
+              <a:off x="938418" y="4676561"/>
+              <a:ext cx="6738730" cy="0"/>
+            </a:xfrm>
+            <a:custGeom>
+              <a:avLst/>
+              <a:pathLst>
+                <a:path w="6738730" h="0">
+                  <a:moveTo>
+                    <a:pt x="0" y="0"/>
+                  </a:moveTo>
+                  <a:lnTo>
+                    <a:pt x="6738730" y="0"/>
+                  </a:lnTo>
+                  <a:lnTo>
+                    <a:pt x="6738730" y="0"/>
+                  </a:lnTo>
+                </a:path>
+              </a:pathLst>
+            </a:custGeom>
+            <a:ln w="13550" cap="flat">
+              <a:solidFill>
+                <a:srgbClr val="EBEBEB">
+                  <a:alpha val="100000"/>
+                </a:srgbClr>
+              </a:solidFill>
+              <a:prstDash val="solid"/>
+              <a:round/>
+            </a:ln>
+          </p:spPr>
+          <p:txBody>
+            <a:bodyPr/>
+            <a:lstStyle/>
+            <a:p/>
+          </p:txBody>
+        </p:sp>
+        <p:sp>
+          <p:nvSpPr>
+            <p:cNvPr id="10" name="pl10"/>
+            <p:cNvSpPr/>
+            <p:nvPr/>
+          </p:nvSpPr>
+          <p:spPr>
+            <a:xfrm>
+              <a:off x="938418" y="3804617"/>
+              <a:ext cx="6738730" cy="0"/>
+            </a:xfrm>
+            <a:custGeom>
+              <a:avLst/>
+              <a:pathLst>
+                <a:path w="6738730" h="0">
+                  <a:moveTo>
+                    <a:pt x="0" y="0"/>
+                  </a:moveTo>
+                  <a:lnTo>
+                    <a:pt x="6738730" y="0"/>
+                  </a:lnTo>
+                  <a:lnTo>
+                    <a:pt x="6738730" y="0"/>
+                  </a:lnTo>
+                </a:path>
+              </a:pathLst>
+            </a:custGeom>
+            <a:ln w="13550" cap="flat">
+              <a:solidFill>
+                <a:srgbClr val="EBEBEB">
+                  <a:alpha val="100000"/>
+                </a:srgbClr>
+              </a:solidFill>
+              <a:prstDash val="solid"/>
+              <a:round/>
+            </a:ln>
+          </p:spPr>
+          <p:txBody>
+            <a:bodyPr/>
+            <a:lstStyle/>
+            <a:p/>
+          </p:txBody>
+        </p:sp>
+        <p:sp>
+          <p:nvSpPr>
+            <p:cNvPr id="11" name="pl11"/>
+            <p:cNvSpPr/>
+            <p:nvPr/>
+          </p:nvSpPr>
+          <p:spPr>
+            <a:xfrm>
+              <a:off x="938418" y="2932672"/>
+              <a:ext cx="6738730" cy="0"/>
+            </a:xfrm>
+            <a:custGeom>
+              <a:avLst/>
+              <a:pathLst>
+                <a:path w="6738730" h="0">
+                  <a:moveTo>
+                    <a:pt x="0" y="0"/>
+                  </a:moveTo>
+                  <a:lnTo>
+                    <a:pt x="6738730" y="0"/>
+                  </a:lnTo>
+                  <a:lnTo>
+                    <a:pt x="6738730" y="0"/>
+                  </a:lnTo>
+                </a:path>
+              </a:pathLst>
+            </a:custGeom>
+            <a:ln w="13550" cap="flat">
+              <a:solidFill>
+                <a:srgbClr val="EBEBEB">
+                  <a:alpha val="100000"/>
+                </a:srgbClr>
+              </a:solidFill>
+              <a:prstDash val="solid"/>
+              <a:round/>
+            </a:ln>
+          </p:spPr>
+          <p:txBody>
+            <a:bodyPr/>
+            <a:lstStyle/>
+            <a:p/>
+          </p:txBody>
+        </p:sp>
+        <p:sp>
+          <p:nvSpPr>
+            <p:cNvPr id="12" name="pl12"/>
+            <p:cNvSpPr/>
+            <p:nvPr/>
+          </p:nvSpPr>
+          <p:spPr>
+            <a:xfrm>
+              <a:off x="938418" y="2060727"/>
+              <a:ext cx="6738730" cy="0"/>
+            </a:xfrm>
+            <a:custGeom>
+              <a:avLst/>
+              <a:pathLst>
+                <a:path w="6738730" h="0">
+                  <a:moveTo>
+                    <a:pt x="0" y="0"/>
+                  </a:moveTo>
+                  <a:lnTo>
+                    <a:pt x="6738730" y="0"/>
+                  </a:lnTo>
+                  <a:lnTo>
+                    <a:pt x="6738730" y="0"/>
+                  </a:lnTo>
+                </a:path>
+              </a:pathLst>
+            </a:custGeom>
+            <a:ln w="13550" cap="flat">
+              <a:solidFill>
+                <a:srgbClr val="EBEBEB">
+                  <a:alpha val="100000"/>
+                </a:srgbClr>
+              </a:solidFill>
+              <a:prstDash val="solid"/>
+              <a:round/>
+            </a:ln>
+          </p:spPr>
+          <p:txBody>
+            <a:bodyPr/>
+            <a:lstStyle/>
+            <a:p/>
+          </p:txBody>
+        </p:sp>
+        <p:sp>
+          <p:nvSpPr>
+            <p:cNvPr id="13" name="pl13"/>
+            <p:cNvSpPr/>
+            <p:nvPr/>
+          </p:nvSpPr>
+          <p:spPr>
+            <a:xfrm>
+              <a:off x="1715964" y="1886338"/>
+              <a:ext cx="0" cy="3836557"/>
+            </a:xfrm>
+            <a:custGeom>
+              <a:avLst/>
+              <a:pathLst>
+                <a:path w="0" h="3836557">
+                  <a:moveTo>
+                    <a:pt x="0" y="3836557"/>
+                  </a:moveTo>
+                  <a:lnTo>
+                    <a:pt x="0" y="0"/>
+                  </a:lnTo>
+                  <a:lnTo>
+                    <a:pt x="0" y="0"/>
+                  </a:lnTo>
+                </a:path>
+              </a:pathLst>
+            </a:custGeom>
+            <a:ln w="13550" cap="flat">
+              <a:solidFill>
+                <a:srgbClr val="EBEBEB">
+                  <a:alpha val="100000"/>
+                </a:srgbClr>
+              </a:solidFill>
+              <a:prstDash val="solid"/>
+              <a:round/>
+            </a:ln>
+          </p:spPr>
+          <p:txBody>
+            <a:bodyPr/>
+            <a:lstStyle/>
+            <a:p/>
+          </p:txBody>
+        </p:sp>
+        <p:sp>
+          <p:nvSpPr>
+            <p:cNvPr id="14" name="pl14"/>
+            <p:cNvSpPr/>
+            <p:nvPr/>
+          </p:nvSpPr>
+          <p:spPr>
+            <a:xfrm>
+              <a:off x="3011873" y="1886338"/>
+              <a:ext cx="0" cy="3836557"/>
+            </a:xfrm>
+            <a:custGeom>
+              <a:avLst/>
+              <a:pathLst>
+                <a:path w="0" h="3836557">
+                  <a:moveTo>
+                    <a:pt x="0" y="3836557"/>
+                  </a:moveTo>
+                  <a:lnTo>
+                    <a:pt x="0" y="0"/>
+                  </a:lnTo>
+                  <a:lnTo>
+                    <a:pt x="0" y="0"/>
+                  </a:lnTo>
+                </a:path>
+              </a:pathLst>
+            </a:custGeom>
+            <a:ln w="13550" cap="flat">
+              <a:solidFill>
+                <a:srgbClr val="EBEBEB">
+                  <a:alpha val="100000"/>
+                </a:srgbClr>
+              </a:solidFill>
+              <a:prstDash val="solid"/>
+              <a:round/>
+            </a:ln>
+          </p:spPr>
+          <p:txBody>
+            <a:bodyPr/>
+            <a:lstStyle/>
+            <a:p/>
+          </p:txBody>
+        </p:sp>
+        <p:sp>
+          <p:nvSpPr>
+            <p:cNvPr id="15" name="pl15"/>
+            <p:cNvSpPr/>
+            <p:nvPr/>
+          </p:nvSpPr>
+          <p:spPr>
+            <a:xfrm>
+              <a:off x="4307783" y="1886338"/>
+              <a:ext cx="0" cy="3836557"/>
+            </a:xfrm>
+            <a:custGeom>
+              <a:avLst/>
+              <a:pathLst>
+                <a:path w="0" h="3836557">
+                  <a:moveTo>
+                    <a:pt x="0" y="3836557"/>
+                  </a:moveTo>
+                  <a:lnTo>
+                    <a:pt x="0" y="0"/>
+                  </a:lnTo>
+                  <a:lnTo>
+                    <a:pt x="0" y="0"/>
+                  </a:lnTo>
+                </a:path>
+              </a:pathLst>
+            </a:custGeom>
+            <a:ln w="13550" cap="flat">
+              <a:solidFill>
+                <a:srgbClr val="EBEBEB">
+                  <a:alpha val="100000"/>
+                </a:srgbClr>
+              </a:solidFill>
+              <a:prstDash val="solid"/>
+              <a:round/>
+            </a:ln>
+          </p:spPr>
+          <p:txBody>
+            <a:bodyPr/>
+            <a:lstStyle/>
+            <a:p/>
+          </p:txBody>
+        </p:sp>
+        <p:sp>
+          <p:nvSpPr>
+            <p:cNvPr id="16" name="pl16"/>
+            <p:cNvSpPr/>
+            <p:nvPr/>
+          </p:nvSpPr>
+          <p:spPr>
+            <a:xfrm>
+              <a:off x="5603693" y="1886338"/>
+              <a:ext cx="0" cy="3836557"/>
+            </a:xfrm>
+            <a:custGeom>
+              <a:avLst/>
+              <a:pathLst>
+                <a:path w="0" h="3836557">
+                  <a:moveTo>
+                    <a:pt x="0" y="3836557"/>
+                  </a:moveTo>
+                  <a:lnTo>
+                    <a:pt x="0" y="0"/>
+                  </a:lnTo>
+                  <a:lnTo>
+                    <a:pt x="0" y="0"/>
+                  </a:lnTo>
+                </a:path>
+              </a:pathLst>
+            </a:custGeom>
+            <a:ln w="13550" cap="flat">
+              <a:solidFill>
+                <a:srgbClr val="EBEBEB">
+                  <a:alpha val="100000"/>
+                </a:srgbClr>
+              </a:solidFill>
+              <a:prstDash val="solid"/>
+              <a:round/>
+            </a:ln>
+          </p:spPr>
+          <p:txBody>
+            <a:bodyPr/>
+            <a:lstStyle/>
+            <a:p/>
+          </p:txBody>
+        </p:sp>
+        <p:sp>
+          <p:nvSpPr>
+            <p:cNvPr id="17" name="pl17"/>
+            <p:cNvSpPr/>
+            <p:nvPr/>
+          </p:nvSpPr>
+          <p:spPr>
+            <a:xfrm>
+              <a:off x="6899603" y="1886338"/>
+              <a:ext cx="0" cy="3836557"/>
+            </a:xfrm>
+            <a:custGeom>
+              <a:avLst/>
+              <a:pathLst>
+                <a:path w="0" h="3836557">
+                  <a:moveTo>
+                    <a:pt x="0" y="3836557"/>
+                  </a:moveTo>
+                  <a:lnTo>
+                    <a:pt x="0" y="0"/>
+                  </a:lnTo>
+                  <a:lnTo>
+                    <a:pt x="0" y="0"/>
+                  </a:lnTo>
+                </a:path>
+              </a:pathLst>
+            </a:custGeom>
+            <a:ln w="13550" cap="flat">
+              <a:solidFill>
+                <a:srgbClr val="EBEBEB">
+                  <a:alpha val="100000"/>
+                </a:srgbClr>
+              </a:solidFill>
+              <a:prstDash val="solid"/>
+              <a:round/>
+            </a:ln>
+          </p:spPr>
+          <p:txBody>
+            <a:bodyPr/>
+            <a:lstStyle/>
+            <a:p/>
+          </p:txBody>
+        </p:sp>
+        <p:sp>
+          <p:nvSpPr>
+            <p:cNvPr id="18" name="rc18"/>
+            <p:cNvSpPr/>
+            <p:nvPr/>
+          </p:nvSpPr>
+          <p:spPr>
+            <a:xfrm>
+              <a:off x="1715964" y="4977382"/>
+              <a:ext cx="583159" cy="571123"/>
+            </a:xfrm>
+            <a:prstGeom prst="rect">
+              <a:avLst/>
+            </a:prstGeom>
+            <a:solidFill>
+              <a:srgbClr val="00BFC4">
+                <a:alpha val="100000"/>
+              </a:srgbClr>
+            </a:solidFill>
+          </p:spPr>
+          <p:txBody>
+            <a:bodyPr/>
+            <a:lstStyle/>
+            <a:p/>
+          </p:txBody>
+        </p:sp>
+        <p:sp>
+          <p:nvSpPr>
+            <p:cNvPr id="19" name="rc19"/>
+            <p:cNvSpPr/>
+            <p:nvPr/>
+          </p:nvSpPr>
+          <p:spPr>
+            <a:xfrm>
+              <a:off x="1132804" y="4977382"/>
+              <a:ext cx="583159" cy="571123"/>
+            </a:xfrm>
+            <a:prstGeom prst="rect">
+              <a:avLst/>
+            </a:prstGeom>
+            <a:solidFill>
+              <a:srgbClr val="F8766D">
+                <a:alpha val="100000"/>
+              </a:srgbClr>
+            </a:solidFill>
+          </p:spPr>
+          <p:txBody>
+            <a:bodyPr/>
+            <a:lstStyle/>
+            <a:p/>
+          </p:txBody>
+        </p:sp>
+        <p:sp>
+          <p:nvSpPr>
+            <p:cNvPr id="20" name="rc20"/>
+            <p:cNvSpPr/>
+            <p:nvPr/>
+          </p:nvSpPr>
+          <p:spPr>
+            <a:xfrm>
+              <a:off x="3011873" y="4131596"/>
+              <a:ext cx="583159" cy="1416910"/>
+            </a:xfrm>
+            <a:prstGeom prst="rect">
+              <a:avLst/>
+            </a:prstGeom>
+            <a:solidFill>
+              <a:srgbClr val="00BFC4">
+                <a:alpha val="100000"/>
+              </a:srgbClr>
+            </a:solidFill>
+          </p:spPr>
+          <p:txBody>
+            <a:bodyPr/>
+            <a:lstStyle/>
+            <a:p/>
+          </p:txBody>
+        </p:sp>
+        <p:sp>
+          <p:nvSpPr>
+            <p:cNvPr id="21" name="rc21"/>
+            <p:cNvSpPr/>
+            <p:nvPr/>
+          </p:nvSpPr>
+          <p:spPr>
+            <a:xfrm>
+              <a:off x="2428714" y="4362661"/>
+              <a:ext cx="583159" cy="1185845"/>
+            </a:xfrm>
+            <a:prstGeom prst="rect">
+              <a:avLst/>
+            </a:prstGeom>
+            <a:solidFill>
+              <a:srgbClr val="F8766D">
+                <a:alpha val="100000"/>
+              </a:srgbClr>
+            </a:solidFill>
+          </p:spPr>
+          <p:txBody>
+            <a:bodyPr/>
+            <a:lstStyle/>
+            <a:p/>
+          </p:txBody>
+        </p:sp>
+        <p:sp>
+          <p:nvSpPr>
+            <p:cNvPr id="22" name="rc22"/>
+            <p:cNvSpPr/>
+            <p:nvPr/>
+          </p:nvSpPr>
+          <p:spPr>
+            <a:xfrm>
+              <a:off x="4307783" y="4925066"/>
+              <a:ext cx="583159" cy="623440"/>
+            </a:xfrm>
+            <a:prstGeom prst="rect">
+              <a:avLst/>
+            </a:prstGeom>
+            <a:solidFill>
+              <a:srgbClr val="00BFC4">
+                <a:alpha val="100000"/>
+              </a:srgbClr>
+            </a:solidFill>
+          </p:spPr>
+          <p:txBody>
+            <a:bodyPr/>
+            <a:lstStyle/>
+            <a:p/>
+          </p:txBody>
+        </p:sp>
+        <p:sp>
+          <p:nvSpPr>
+            <p:cNvPr id="23" name="rc23"/>
+            <p:cNvSpPr/>
+            <p:nvPr/>
+          </p:nvSpPr>
+          <p:spPr>
+            <a:xfrm>
+              <a:off x="3724624" y="4598086"/>
+              <a:ext cx="583159" cy="950419"/>
+            </a:xfrm>
+            <a:prstGeom prst="rect">
+              <a:avLst/>
+            </a:prstGeom>
+            <a:solidFill>
+              <a:srgbClr val="F8766D">
+                <a:alpha val="100000"/>
+              </a:srgbClr>
+            </a:solidFill>
+          </p:spPr>
+          <p:txBody>
+            <a:bodyPr/>
+            <a:lstStyle/>
+            <a:p/>
+          </p:txBody>
+        </p:sp>
+        <p:sp>
+          <p:nvSpPr>
+            <p:cNvPr id="24" name="rc24"/>
+            <p:cNvSpPr/>
+            <p:nvPr/>
+          </p:nvSpPr>
+          <p:spPr>
+            <a:xfrm>
+              <a:off x="5603693" y="2073806"/>
+              <a:ext cx="583159" cy="3474700"/>
+            </a:xfrm>
+            <a:prstGeom prst="rect">
+              <a:avLst/>
+            </a:prstGeom>
+            <a:solidFill>
+              <a:srgbClr val="00BFC4">
+                <a:alpha val="100000"/>
+              </a:srgbClr>
+            </a:solidFill>
+          </p:spPr>
+          <p:txBody>
+            <a:bodyPr/>
+            <a:lstStyle/>
+            <a:p/>
+          </p:txBody>
+        </p:sp>
+        <p:sp>
+          <p:nvSpPr>
+            <p:cNvPr id="25" name="rc25"/>
+            <p:cNvSpPr/>
+            <p:nvPr/>
+          </p:nvSpPr>
+          <p:spPr>
+            <a:xfrm>
+              <a:off x="5020534" y="2060727"/>
+              <a:ext cx="583159" cy="3487779"/>
+            </a:xfrm>
+            <a:prstGeom prst="rect">
+              <a:avLst/>
+            </a:prstGeom>
+            <a:solidFill>
+              <a:srgbClr val="F8766D">
+                <a:alpha val="100000"/>
+              </a:srgbClr>
+            </a:solidFill>
+          </p:spPr>
+          <p:txBody>
+            <a:bodyPr/>
+            <a:lstStyle/>
+            <a:p/>
+          </p:txBody>
+        </p:sp>
+        <p:sp>
+          <p:nvSpPr>
+            <p:cNvPr id="26" name="rc26"/>
+            <p:cNvSpPr/>
+            <p:nvPr/>
+          </p:nvSpPr>
+          <p:spPr>
+            <a:xfrm>
+              <a:off x="6899603" y="2862916"/>
+              <a:ext cx="583159" cy="2685590"/>
+            </a:xfrm>
+            <a:prstGeom prst="rect">
+              <a:avLst/>
+            </a:prstGeom>
+            <a:solidFill>
+              <a:srgbClr val="00BFC4">
+                <a:alpha val="100000"/>
+              </a:srgbClr>
+            </a:solidFill>
+          </p:spPr>
+          <p:txBody>
+            <a:bodyPr/>
+            <a:lstStyle/>
+            <a:p/>
+          </p:txBody>
+        </p:sp>
+        <p:sp>
+          <p:nvSpPr>
+            <p:cNvPr id="27" name="rc27"/>
+            <p:cNvSpPr/>
+            <p:nvPr/>
+          </p:nvSpPr>
+          <p:spPr>
+            <a:xfrm>
+              <a:off x="6316443" y="2893434"/>
+              <a:ext cx="583159" cy="2655072"/>
+            </a:xfrm>
+            <a:prstGeom prst="rect">
+              <a:avLst/>
+            </a:prstGeom>
+            <a:solidFill>
+              <a:srgbClr val="F8766D">
+                <a:alpha val="100000"/>
+              </a:srgbClr>
+            </a:solidFill>
+          </p:spPr>
+          <p:txBody>
+            <a:bodyPr/>
+            <a:lstStyle/>
+            <a:p/>
+          </p:txBody>
+        </p:sp>
+        <p:sp>
+          <p:nvSpPr>
+            <p:cNvPr id="28" name="tx28"/>
+            <p:cNvSpPr/>
+            <p:nvPr/>
+          </p:nvSpPr>
+          <p:spPr>
+            <a:xfrm>
+              <a:off x="813632" y="5507824"/>
+              <a:ext cx="62155" cy="79126"/>
+            </a:xfrm>
+            <a:prstGeom prst="rect">
+              <a:avLst/>
+            </a:prstGeom>
+            <a:noFill/>
+          </p:spPr>
+          <p:txBody>
+            <a:bodyPr lIns="0" rIns="0" tIns="0" bIns="0" anchorCtr="1" anchor="ctr" wrap="none"/>
+            <a:lstStyle/>
+            <a:p>
+              <a:pPr algn="l" marL="0" marR="0" indent="0">
+                <a:lnSpc>
+                  <a:spcPts val="880"/>
+                </a:lnSpc>
+                <a:spcBef>
+                  <a:spcPts val="0"/>
+                </a:spcBef>
+                <a:spcAft>
+                  <a:spcPts val="0"/>
+                </a:spcAft>
+              </a:pPr>
+              <a:r>
+                <a:rPr sz="880">
+                  <a:solidFill>
+                    <a:srgbClr val="4D4D4D">
+                      <a:alpha val="100000"/>
+                    </a:srgbClr>
+                  </a:solidFill>
+                  <a:latin typeface="Liberation Sans"/>
+                  <a:cs typeface="Liberation Sans"/>
+                </a:rPr>
+                <a:t>0</a:t>
+              </a:r>
+            </a:p>
+          </p:txBody>
+        </p:sp>
+        <p:sp>
+          <p:nvSpPr>
+            <p:cNvPr id="29" name="tx29"/>
+            <p:cNvSpPr/>
+            <p:nvPr/>
+          </p:nvSpPr>
+          <p:spPr>
+            <a:xfrm>
+              <a:off x="689321" y="4635879"/>
+              <a:ext cx="186466" cy="79126"/>
+            </a:xfrm>
+            <a:prstGeom prst="rect">
+              <a:avLst/>
+            </a:prstGeom>
+            <a:noFill/>
+          </p:spPr>
+          <p:txBody>
+            <a:bodyPr lIns="0" rIns="0" tIns="0" bIns="0" anchorCtr="1" anchor="ctr" wrap="none"/>
+            <a:lstStyle/>
+            <a:p>
+              <a:pPr algn="l" marL="0" marR="0" indent="0">
+                <a:lnSpc>
+                  <a:spcPts val="880"/>
+                </a:lnSpc>
+                <a:spcBef>
+                  <a:spcPts val="0"/>
+                </a:spcBef>
+                <a:spcAft>
+                  <a:spcPts val="0"/>
+                </a:spcAft>
+              </a:pPr>
+              <a:r>
+                <a:rPr sz="880">
+                  <a:solidFill>
+                    <a:srgbClr val="4D4D4D">
+                      <a:alpha val="100000"/>
+                    </a:srgbClr>
+                  </a:solidFill>
+                  <a:latin typeface="Liberation Sans"/>
+                  <a:cs typeface="Liberation Sans"/>
+                </a:rPr>
+                <a:t>200</a:t>
+              </a:r>
+            </a:p>
+          </p:txBody>
+        </p:sp>
+        <p:sp>
+          <p:nvSpPr>
+            <p:cNvPr id="30" name="tx30"/>
+            <p:cNvSpPr/>
+            <p:nvPr/>
+          </p:nvSpPr>
+          <p:spPr>
+            <a:xfrm>
+              <a:off x="689321" y="3763934"/>
+              <a:ext cx="186466" cy="79126"/>
+            </a:xfrm>
+            <a:prstGeom prst="rect">
+              <a:avLst/>
+            </a:prstGeom>
+            <a:noFill/>
+          </p:spPr>
+          <p:txBody>
+            <a:bodyPr lIns="0" rIns="0" tIns="0" bIns="0" anchorCtr="1" anchor="ctr" wrap="none"/>
+            <a:lstStyle/>
+            <a:p>
+              <a:pPr algn="l" marL="0" marR="0" indent="0">
+                <a:lnSpc>
+                  <a:spcPts val="880"/>
+                </a:lnSpc>
+                <a:spcBef>
+                  <a:spcPts val="0"/>
+                </a:spcBef>
+                <a:spcAft>
+                  <a:spcPts val="0"/>
+                </a:spcAft>
+              </a:pPr>
+              <a:r>
+                <a:rPr sz="880">
+                  <a:solidFill>
+                    <a:srgbClr val="4D4D4D">
+                      <a:alpha val="100000"/>
+                    </a:srgbClr>
+                  </a:solidFill>
+                  <a:latin typeface="Liberation Sans"/>
+                  <a:cs typeface="Liberation Sans"/>
+                </a:rPr>
+                <a:t>400</a:t>
+              </a:r>
+            </a:p>
+          </p:txBody>
+        </p:sp>
+        <p:sp>
+          <p:nvSpPr>
+            <p:cNvPr id="31" name="tx31"/>
+            <p:cNvSpPr/>
+            <p:nvPr/>
+          </p:nvSpPr>
+          <p:spPr>
+            <a:xfrm>
+              <a:off x="689321" y="2891990"/>
+              <a:ext cx="186466" cy="79126"/>
+            </a:xfrm>
+            <a:prstGeom prst="rect">
+              <a:avLst/>
+            </a:prstGeom>
+            <a:noFill/>
+          </p:spPr>
+          <p:txBody>
+            <a:bodyPr lIns="0" rIns="0" tIns="0" bIns="0" anchorCtr="1" anchor="ctr" wrap="none"/>
+            <a:lstStyle/>
+            <a:p>
+              <a:pPr algn="l" marL="0" marR="0" indent="0">
+                <a:lnSpc>
+                  <a:spcPts val="880"/>
+                </a:lnSpc>
+                <a:spcBef>
+                  <a:spcPts val="0"/>
+                </a:spcBef>
+                <a:spcAft>
+                  <a:spcPts val="0"/>
+                </a:spcAft>
+              </a:pPr>
+              <a:r>
+                <a:rPr sz="880">
+                  <a:solidFill>
+                    <a:srgbClr val="4D4D4D">
+                      <a:alpha val="100000"/>
+                    </a:srgbClr>
+                  </a:solidFill>
+                  <a:latin typeface="Liberation Sans"/>
+                  <a:cs typeface="Liberation Sans"/>
+                </a:rPr>
+                <a:t>600</a:t>
+              </a:r>
+            </a:p>
+          </p:txBody>
+        </p:sp>
+        <p:sp>
+          <p:nvSpPr>
+            <p:cNvPr id="32" name="tx32"/>
+            <p:cNvSpPr/>
+            <p:nvPr/>
+          </p:nvSpPr>
+          <p:spPr>
+            <a:xfrm>
+              <a:off x="689321" y="2020045"/>
+              <a:ext cx="186466" cy="79126"/>
+            </a:xfrm>
+            <a:prstGeom prst="rect">
+              <a:avLst/>
+            </a:prstGeom>
+            <a:noFill/>
+          </p:spPr>
+          <p:txBody>
+            <a:bodyPr lIns="0" rIns="0" tIns="0" bIns="0" anchorCtr="1" anchor="ctr" wrap="none"/>
+            <a:lstStyle/>
+            <a:p>
+              <a:pPr algn="l" marL="0" marR="0" indent="0">
+                <a:lnSpc>
+                  <a:spcPts val="880"/>
+                </a:lnSpc>
+                <a:spcBef>
+                  <a:spcPts val="0"/>
+                </a:spcBef>
+                <a:spcAft>
+                  <a:spcPts val="0"/>
+                </a:spcAft>
+              </a:pPr>
+              <a:r>
+                <a:rPr sz="880">
+                  <a:solidFill>
+                    <a:srgbClr val="4D4D4D">
+                      <a:alpha val="100000"/>
+                    </a:srgbClr>
+                  </a:solidFill>
+                  <a:latin typeface="Liberation Sans"/>
+                  <a:cs typeface="Liberation Sans"/>
+                </a:rPr>
+                <a:t>800</a:t>
+              </a:r>
+            </a:p>
+          </p:txBody>
+        </p:sp>
+        <p:sp>
+          <p:nvSpPr>
+            <p:cNvPr id="33" name="tx33"/>
+            <p:cNvSpPr/>
+            <p:nvPr/>
+          </p:nvSpPr>
+          <p:spPr>
+            <a:xfrm>
+              <a:off x="1557519" y="5758240"/>
+              <a:ext cx="316889" cy="104174"/>
+            </a:xfrm>
+            <a:prstGeom prst="rect">
+              <a:avLst/>
+            </a:prstGeom>
+            <a:noFill/>
+          </p:spPr>
+          <p:txBody>
+            <a:bodyPr lIns="0" rIns="0" tIns="0" bIns="0" anchorCtr="1" anchor="ctr" wrap="none"/>
+            <a:lstStyle/>
+            <a:p>
+              <a:pPr algn="l" marL="0" marR="0" indent="0">
+                <a:lnSpc>
+                  <a:spcPts val="880"/>
+                </a:lnSpc>
+                <a:spcBef>
+                  <a:spcPts val="0"/>
+                </a:spcBef>
+                <a:spcAft>
+                  <a:spcPts val="0"/>
+                </a:spcAft>
+              </a:pPr>
+              <a:r>
+                <a:rPr sz="880">
+                  <a:solidFill>
+                    <a:srgbClr val="4D4D4D">
+                      <a:alpha val="100000"/>
+                    </a:srgbClr>
+                  </a:solidFill>
+                  <a:latin typeface="Liberation Sans"/>
+                  <a:cs typeface="Liberation Sans"/>
+                </a:rPr>
+                <a:t>Eating</a:t>
+              </a:r>
+            </a:p>
+          </p:txBody>
+        </p:sp>
+        <p:sp>
+          <p:nvSpPr>
+            <p:cNvPr id="34" name="tx34"/>
+            <p:cNvSpPr/>
+            <p:nvPr/>
+          </p:nvSpPr>
+          <p:spPr>
+            <a:xfrm>
+              <a:off x="2701314" y="5758240"/>
+              <a:ext cx="621119" cy="104174"/>
+            </a:xfrm>
+            <a:prstGeom prst="rect">
+              <a:avLst/>
+            </a:prstGeom>
+            <a:noFill/>
+          </p:spPr>
+          <p:txBody>
+            <a:bodyPr lIns="0" rIns="0" tIns="0" bIns="0" anchorCtr="1" anchor="ctr" wrap="none"/>
+            <a:lstStyle/>
+            <a:p>
+              <a:pPr algn="l" marL="0" marR="0" indent="0">
+                <a:lnSpc>
+                  <a:spcPts val="880"/>
+                </a:lnSpc>
+                <a:spcBef>
+                  <a:spcPts val="0"/>
+                </a:spcBef>
+                <a:spcAft>
+                  <a:spcPts val="0"/>
+                </a:spcAft>
+              </a:pPr>
+              <a:r>
+                <a:rPr sz="880">
+                  <a:solidFill>
+                    <a:srgbClr val="4D4D4D">
+                      <a:alpha val="100000"/>
+                    </a:srgbClr>
+                  </a:solidFill>
+                  <a:latin typeface="Liberation Sans"/>
+                  <a:cs typeface="Liberation Sans"/>
+                </a:rPr>
+                <a:t>Employment</a:t>
+              </a:r>
+            </a:p>
+          </p:txBody>
+        </p:sp>
+        <p:sp>
+          <p:nvSpPr>
+            <p:cNvPr id="35" name="tx35"/>
+            <p:cNvSpPr/>
+            <p:nvPr/>
+          </p:nvSpPr>
+          <p:spPr>
+            <a:xfrm>
+              <a:off x="3646173" y="5758240"/>
+              <a:ext cx="1323220" cy="104174"/>
+            </a:xfrm>
+            <a:prstGeom prst="rect">
+              <a:avLst/>
+            </a:prstGeom>
+            <a:noFill/>
+          </p:spPr>
+          <p:txBody>
+            <a:bodyPr lIns="0" rIns="0" tIns="0" bIns="0" anchorCtr="1" anchor="ctr" wrap="none"/>
+            <a:lstStyle/>
+            <a:p>
+              <a:pPr algn="l" marL="0" marR="0" indent="0">
+                <a:lnSpc>
+                  <a:spcPts val="880"/>
+                </a:lnSpc>
+                <a:spcBef>
+                  <a:spcPts val="0"/>
+                </a:spcBef>
+                <a:spcAft>
+                  <a:spcPts val="0"/>
+                </a:spcAft>
+              </a:pPr>
+              <a:r>
+                <a:rPr sz="880">
+                  <a:solidFill>
+                    <a:srgbClr val="4D4D4D">
+                      <a:alpha val="100000"/>
+                    </a:srgbClr>
+                  </a:solidFill>
+                  <a:latin typeface="Liberation Sans"/>
+                  <a:cs typeface="Liberation Sans"/>
+                </a:rPr>
+                <a:t>Household and family care</a:t>
+              </a:r>
+            </a:p>
+          </p:txBody>
+        </p:sp>
+        <p:sp>
+          <p:nvSpPr>
+            <p:cNvPr id="36" name="tx36"/>
+            <p:cNvSpPr/>
+            <p:nvPr/>
+          </p:nvSpPr>
+          <p:spPr>
+            <a:xfrm>
+              <a:off x="5258918" y="5780341"/>
+              <a:ext cx="689550" cy="82073"/>
+            </a:xfrm>
+            <a:prstGeom prst="rect">
+              <a:avLst/>
+            </a:prstGeom>
+            <a:noFill/>
+          </p:spPr>
+          <p:txBody>
+            <a:bodyPr lIns="0" rIns="0" tIns="0" bIns="0" anchorCtr="1" anchor="ctr" wrap="none"/>
+            <a:lstStyle/>
+            <a:p>
+              <a:pPr algn="l" marL="0" marR="0" indent="0">
+                <a:lnSpc>
+                  <a:spcPts val="880"/>
+                </a:lnSpc>
+                <a:spcBef>
+                  <a:spcPts val="0"/>
+                </a:spcBef>
+                <a:spcAft>
+                  <a:spcPts val="0"/>
+                </a:spcAft>
+              </a:pPr>
+              <a:r>
+                <a:rPr sz="880">
+                  <a:solidFill>
+                    <a:srgbClr val="4D4D4D">
+                      <a:alpha val="100000"/>
+                    </a:srgbClr>
+                  </a:solidFill>
+                  <a:latin typeface="Liberation Sans"/>
+                  <a:cs typeface="Liberation Sans"/>
+                </a:rPr>
+                <a:t>Personal care</a:t>
+              </a:r>
+            </a:p>
+          </p:txBody>
+        </p:sp>
+        <p:sp>
+          <p:nvSpPr>
+            <p:cNvPr id="37" name="tx37"/>
+            <p:cNvSpPr/>
+            <p:nvPr/>
+          </p:nvSpPr>
+          <p:spPr>
+            <a:xfrm>
+              <a:off x="6756683" y="5758240"/>
+              <a:ext cx="285839" cy="104174"/>
+            </a:xfrm>
+            <a:prstGeom prst="rect">
+              <a:avLst/>
+            </a:prstGeom>
+            <a:noFill/>
+          </p:spPr>
+          <p:txBody>
+            <a:bodyPr lIns="0" rIns="0" tIns="0" bIns="0" anchorCtr="1" anchor="ctr" wrap="none"/>
+            <a:lstStyle/>
+            <a:p>
+              <a:pPr algn="l" marL="0" marR="0" indent="0">
+                <a:lnSpc>
+                  <a:spcPts val="880"/>
+                </a:lnSpc>
+                <a:spcBef>
+                  <a:spcPts val="0"/>
+                </a:spcBef>
+                <a:spcAft>
+                  <a:spcPts val="0"/>
+                </a:spcAft>
+              </a:pPr>
+              <a:r>
+                <a:rPr sz="880">
+                  <a:solidFill>
+                    <a:srgbClr val="4D4D4D">
+                      <a:alpha val="100000"/>
+                    </a:srgbClr>
+                  </a:solidFill>
+                  <a:latin typeface="Liberation Sans"/>
+                  <a:cs typeface="Liberation Sans"/>
+                </a:rPr>
+                <a:t>Sleep</a:t>
+              </a:r>
+            </a:p>
+          </p:txBody>
+        </p:sp>
+        <p:sp>
+          <p:nvSpPr>
+            <p:cNvPr id="38" name="tx38"/>
+            <p:cNvSpPr/>
+            <p:nvPr/>
+          </p:nvSpPr>
+          <p:spPr>
+            <a:xfrm>
+              <a:off x="4032203" y="5922355"/>
+              <a:ext cx="551160" cy="102592"/>
+            </a:xfrm>
+            <a:prstGeom prst="rect">
+              <a:avLst/>
+            </a:prstGeom>
+            <a:noFill/>
+          </p:spPr>
+          <p:txBody>
+            <a:bodyPr lIns="0" rIns="0" tIns="0" bIns="0" anchorCtr="1" anchor="ctr" wrap="none"/>
+            <a:lstStyle/>
+            <a:p>
+              <a:pPr algn="l" marL="0" marR="0" indent="0">
+                <a:lnSpc>
+                  <a:spcPts val="1100"/>
+                </a:lnSpc>
+                <a:spcBef>
+                  <a:spcPts val="0"/>
+                </a:spcBef>
+                <a:spcAft>
+                  <a:spcPts val="0"/>
+                </a:spcAft>
+              </a:pPr>
+              <a:r>
+                <a:rPr sz="1100">
+                  <a:solidFill>
+                    <a:srgbClr val="000000">
+                      <a:alpha val="100000"/>
+                    </a:srgbClr>
+                  </a:solidFill>
+                  <a:latin typeface="Liberation Sans"/>
+                  <a:cs typeface="Liberation Sans"/>
+                </a:rPr>
+                <a:t>Activities</a:t>
+              </a:r>
+            </a:p>
+          </p:txBody>
+        </p:sp>
+        <p:sp>
+          <p:nvSpPr>
+            <p:cNvPr id="39" name="tx39"/>
+            <p:cNvSpPr/>
+            <p:nvPr/>
+          </p:nvSpPr>
+          <p:spPr>
+            <a:xfrm rot="-5400000">
+              <a:off x="78630" y="3753321"/>
+              <a:ext cx="985949" cy="102592"/>
+            </a:xfrm>
+            <a:prstGeom prst="rect">
+              <a:avLst/>
+            </a:prstGeom>
+            <a:noFill/>
+          </p:spPr>
+          <p:txBody>
+            <a:bodyPr lIns="0" rIns="0" tIns="0" bIns="0" anchorCtr="1" anchor="ctr" wrap="none"/>
+            <a:lstStyle/>
+            <a:p>
+              <a:pPr algn="l" marL="0" marR="0" indent="0">
+                <a:lnSpc>
+                  <a:spcPts val="1100"/>
+                </a:lnSpc>
+                <a:spcBef>
+                  <a:spcPts val="0"/>
+                </a:spcBef>
+                <a:spcAft>
+                  <a:spcPts val="0"/>
+                </a:spcAft>
+              </a:pPr>
+              <a:r>
+                <a:rPr sz="1100">
+                  <a:solidFill>
+                    <a:srgbClr val="000000">
+                      <a:alpha val="100000"/>
+                    </a:srgbClr>
+                  </a:solidFill>
+                  <a:latin typeface="Liberation Sans"/>
+                  <a:cs typeface="Liberation Sans"/>
+                </a:rPr>
+                <a:t>Time in minutes</a:t>
+              </a:r>
+            </a:p>
+          </p:txBody>
+        </p:sp>
+        <p:sp>
+          <p:nvSpPr>
+            <p:cNvPr id="40" name="tx40"/>
+            <p:cNvSpPr/>
+            <p:nvPr/>
+          </p:nvSpPr>
+          <p:spPr>
+            <a:xfrm>
+              <a:off x="7885916" y="3468204"/>
+              <a:ext cx="644748" cy="130218"/>
+            </a:xfrm>
+            <a:prstGeom prst="rect">
+              <a:avLst/>
+            </a:prstGeom>
+            <a:noFill/>
+          </p:spPr>
+          <p:txBody>
+            <a:bodyPr lIns="0" rIns="0" tIns="0" bIns="0" anchorCtr="1" anchor="ctr" wrap="none"/>
+            <a:lstStyle/>
+            <a:p>
+              <a:pPr algn="l" marL="0" marR="0" indent="0">
+                <a:lnSpc>
+                  <a:spcPts val="1100"/>
+                </a:lnSpc>
+                <a:spcBef>
+                  <a:spcPts val="0"/>
+                </a:spcBef>
+                <a:spcAft>
+                  <a:spcPts val="0"/>
+                </a:spcAft>
+              </a:pPr>
+              <a:r>
+                <a:rPr sz="1100">
+                  <a:solidFill>
+                    <a:srgbClr val="000000">
+                      <a:alpha val="100000"/>
+                    </a:srgbClr>
+                  </a:solidFill>
+                  <a:latin typeface="Liberation Sans"/>
+                  <a:cs typeface="Liberation Sans"/>
+                </a:rPr>
+                <a:t>population</a:t>
+              </a:r>
+            </a:p>
+          </p:txBody>
+        </p:sp>
+        <p:sp>
+          <p:nvSpPr>
+            <p:cNvPr id="41" name="rc41"/>
+            <p:cNvSpPr/>
+            <p:nvPr/>
+          </p:nvSpPr>
+          <p:spPr>
+            <a:xfrm>
+              <a:off x="7894916" y="3692824"/>
+              <a:ext cx="201455" cy="201456"/>
+            </a:xfrm>
+            <a:prstGeom prst="rect">
+              <a:avLst/>
+            </a:prstGeom>
+            <a:solidFill>
+              <a:srgbClr val="F8766D">
+                <a:alpha val="100000"/>
+              </a:srgbClr>
+            </a:solidFill>
+          </p:spPr>
+          <p:txBody>
+            <a:bodyPr/>
+            <a:lstStyle/>
+            <a:p/>
+          </p:txBody>
+        </p:sp>
+        <p:sp>
+          <p:nvSpPr>
+            <p:cNvPr id="42" name="rc42"/>
+            <p:cNvSpPr/>
+            <p:nvPr/>
+          </p:nvSpPr>
+          <p:spPr>
+            <a:xfrm>
+              <a:off x="7894916" y="3912280"/>
+              <a:ext cx="201455" cy="201456"/>
+            </a:xfrm>
+            <a:prstGeom prst="rect">
+              <a:avLst/>
+            </a:prstGeom>
+            <a:solidFill>
+              <a:srgbClr val="00BFC4">
+                <a:alpha val="100000"/>
+              </a:srgbClr>
+            </a:solidFill>
+          </p:spPr>
+          <p:txBody>
+            <a:bodyPr/>
+            <a:lstStyle/>
+            <a:p/>
+          </p:txBody>
+        </p:sp>
+        <p:sp>
+          <p:nvSpPr>
+            <p:cNvPr id="43" name="tx43"/>
+            <p:cNvSpPr/>
+            <p:nvPr/>
+          </p:nvSpPr>
+          <p:spPr>
+            <a:xfrm>
+              <a:off x="8174961" y="3749923"/>
+              <a:ext cx="372660" cy="82073"/>
+            </a:xfrm>
+            <a:prstGeom prst="rect">
+              <a:avLst/>
+            </a:prstGeom>
+            <a:noFill/>
+          </p:spPr>
+          <p:txBody>
+            <a:bodyPr lIns="0" rIns="0" tIns="0" bIns="0" anchorCtr="1" anchor="ctr" wrap="none"/>
+            <a:lstStyle/>
+            <a:p>
+              <a:pPr algn="l" marL="0" marR="0" indent="0">
+                <a:lnSpc>
+                  <a:spcPts val="880"/>
+                </a:lnSpc>
+                <a:spcBef>
+                  <a:spcPts val="0"/>
+                </a:spcBef>
+                <a:spcAft>
+                  <a:spcPts val="0"/>
+                </a:spcAft>
+              </a:pPr>
+              <a:r>
+                <a:rPr sz="880">
+                  <a:solidFill>
+                    <a:srgbClr val="000000">
+                      <a:alpha val="100000"/>
+                    </a:srgbClr>
+                  </a:solidFill>
+                  <a:latin typeface="Liberation Sans"/>
+                  <a:cs typeface="Liberation Sans"/>
+                </a:rPr>
+                <a:t>Female</a:t>
+              </a:r>
+            </a:p>
+          </p:txBody>
+        </p:sp>
+        <p:sp>
+          <p:nvSpPr>
+            <p:cNvPr id="44" name="tx44"/>
+            <p:cNvSpPr/>
+            <p:nvPr/>
+          </p:nvSpPr>
+          <p:spPr>
+            <a:xfrm>
+              <a:off x="8174961" y="3969379"/>
+              <a:ext cx="242237" cy="82073"/>
+            </a:xfrm>
+            <a:prstGeom prst="rect">
+              <a:avLst/>
+            </a:prstGeom>
+            <a:noFill/>
+          </p:spPr>
+          <p:txBody>
+            <a:bodyPr lIns="0" rIns="0" tIns="0" bIns="0" anchorCtr="1" anchor="ctr" wrap="none"/>
+            <a:lstStyle/>
+            <a:p>
+              <a:pPr algn="l" marL="0" marR="0" indent="0">
+                <a:lnSpc>
+                  <a:spcPts val="880"/>
+                </a:lnSpc>
+                <a:spcBef>
+                  <a:spcPts val="0"/>
+                </a:spcBef>
+                <a:spcAft>
+                  <a:spcPts val="0"/>
+                </a:spcAft>
+              </a:pPr>
+              <a:r>
+                <a:rPr sz="880">
+                  <a:solidFill>
+                    <a:srgbClr val="000000">
+                      <a:alpha val="100000"/>
+                    </a:srgbClr>
+                  </a:solidFill>
+                  <a:latin typeface="Liberation Sans"/>
+                  <a:cs typeface="Liberation Sans"/>
+                </a:rPr>
+                <a:t>Male</a:t>
+              </a:r>
+            </a:p>
+          </p:txBody>
+        </p:sp>
+        <p:sp>
+          <p:nvSpPr>
+            <p:cNvPr id="45" name="tx45"/>
+            <p:cNvSpPr/>
+            <p:nvPr/>
+          </p:nvSpPr>
+          <p:spPr>
+            <a:xfrm>
+              <a:off x="938418" y="1628861"/>
+              <a:ext cx="1435417" cy="156262"/>
+            </a:xfrm>
+            <a:prstGeom prst="rect">
+              <a:avLst/>
+            </a:prstGeom>
+            <a:noFill/>
+          </p:spPr>
+          <p:txBody>
+            <a:bodyPr lIns="0" rIns="0" tIns="0" bIns="0" anchorCtr="1" anchor="ctr" wrap="none"/>
+            <a:lstStyle/>
+            <a:p>
+              <a:pPr algn="l" marL="0" marR="0" indent="0">
+                <a:lnSpc>
+                  <a:spcPts val="1320"/>
+                </a:lnSpc>
+                <a:spcBef>
+                  <a:spcPts val="0"/>
+                </a:spcBef>
+                <a:spcAft>
+                  <a:spcPts val="0"/>
+                </a:spcAft>
+              </a:pPr>
+              <a:r>
+                <a:rPr sz="1320">
+                  <a:solidFill>
+                    <a:srgbClr val="000000">
+                      <a:alpha val="100000"/>
+                    </a:srgbClr>
+                  </a:solidFill>
+                  <a:latin typeface="Liberation Sans"/>
+                  <a:cs typeface="Liberation Sans"/>
+                </a:rPr>
+                <a:t>Year 2014_Sunday</a:t>
+              </a:r>
+            </a:p>
+          </p:txBody>
+        </p:sp>
+      </p:grpSp>
+    </p:spTree>
+  </p:cSld>
+  <p:clrMapOvr>
+    <a:masterClrMapping/>
+  </p:clrMapOvr>
+</p:sld>
+</file>
+
 <file path=ppt/slides/slide4.xml><?xml version="1.0" encoding="utf-8"?>
 <p:sld xmlns:a="http://schemas.openxmlformats.org/drawingml/2006/main" xmlns:r="http://schemas.openxmlformats.org/officeDocument/2006/relationships" xmlns:p="http://schemas.openxmlformats.org/presentationml/2006/main">
   <p:cSld>

--- a/content/blog/test.pptx
+++ b/content/blog/test.pptx
@@ -38,6 +38,9 @@
     <p:sldId id="286" r:id="rId38"/>
     <p:sldId id="287" r:id="rId39"/>
     <p:sldId id="288" r:id="rId40"/>
+    <p:sldId id="289" r:id="rId41"/>
+    <p:sldId id="290" r:id="rId42"/>
+    <p:sldId id="291" r:id="rId43"/>
   </p:sldIdLst>
   <p:sldSz cx="9144000" cy="6858000" type="screen4x3"/>
   <p:notesSz cx="6858000" cy="9144000"/>
@@ -47202,6 +47205,5003 @@
 </p:sld>
 </file>
 
+<file path=ppt/slides/slide34.xml><?xml version="1.0" encoding="utf-8"?>
+<p:sld xmlns:a="http://schemas.openxmlformats.org/drawingml/2006/main" xmlns:r="http://schemas.openxmlformats.org/officeDocument/2006/relationships" xmlns:p="http://schemas.openxmlformats.org/presentationml/2006/main">
+  <p:cSld>
+    <p:spTree>
+      <p:nvGrpSpPr>
+        <p:cNvPr id="1" name=""/>
+        <p:cNvGrpSpPr/>
+        <p:nvPr/>
+      </p:nvGrpSpPr>
+      <p:grpSpPr>
+        <a:xfrm>
+          <a:off x="0" y="0"/>
+          <a:ext cx="0" cy="0"/>
+          <a:chOff x="0" y="0"/>
+          <a:chExt cx="0" cy="0"/>
+        </a:xfrm>
+      </p:grpSpPr>
+      <p:grpSp xmlns:a="http://schemas.openxmlformats.org/drawingml/2006/main" xmlns:r="http://schemas.openxmlformats.org/officeDocument/2006/relationships" xmlns:p="http://schemas.openxmlformats.org/presentationml/2006/main" xmlns:pic="http://schemas.openxmlformats.org/drawingml/2006/picture">
+        <p:nvGrpSpPr>
+          <p:cNvPr id="2" name="grp1"/>
+          <p:cNvGrpSpPr/>
+          <p:nvPr/>
+        </p:nvGrpSpPr>
+        <p:grpSpPr>
+          <a:xfrm>
+            <a:off x="457200" y="1600200"/>
+            <a:ext cx="8229600" cy="4525962"/>
+            <a:chOff x="457200" y="1600200"/>
+            <a:chExt cx="8229600" cy="4525962"/>
+          </a:xfrm>
+        </p:grpSpPr>
+        <p:sp>
+          <p:nvSpPr>
+            <p:cNvPr id="3" name="rc3"/>
+            <p:cNvSpPr/>
+            <p:nvPr/>
+          </p:nvSpPr>
+          <p:spPr>
+            <a:xfrm>
+              <a:off x="457200" y="1600200"/>
+              <a:ext cx="8229600" cy="4525962"/>
+            </a:xfrm>
+            <a:prstGeom prst="rect">
+              <a:avLst/>
+            </a:prstGeom>
+            <a:solidFill>
+              <a:srgbClr val="FFFFFF">
+                <a:alpha val="100000"/>
+              </a:srgbClr>
+            </a:solidFill>
+            <a:ln w="9525" cap="rnd">
+              <a:solidFill>
+                <a:srgbClr val="FFFFFF">
+                  <a:alpha val="100000"/>
+                </a:srgbClr>
+              </a:solidFill>
+              <a:prstDash val="solid"/>
+              <a:round/>
+            </a:ln>
+          </p:spPr>
+          <p:txBody>
+            <a:bodyPr/>
+            <a:lstStyle/>
+            <a:p/>
+          </p:txBody>
+        </p:sp>
+        <p:sp>
+          <p:nvSpPr>
+            <p:cNvPr id="4" name="pl4"/>
+            <p:cNvSpPr/>
+            <p:nvPr/>
+          </p:nvSpPr>
+          <p:spPr>
+            <a:xfrm>
+              <a:off x="938418" y="5031798"/>
+              <a:ext cx="6738730" cy="0"/>
+            </a:xfrm>
+            <a:custGeom>
+              <a:avLst/>
+              <a:pathLst>
+                <a:path w="6738730" h="0">
+                  <a:moveTo>
+                    <a:pt x="0" y="0"/>
+                  </a:moveTo>
+                  <a:lnTo>
+                    <a:pt x="6738730" y="0"/>
+                  </a:lnTo>
+                  <a:lnTo>
+                    <a:pt x="6738730" y="0"/>
+                  </a:lnTo>
+                </a:path>
+              </a:pathLst>
+            </a:custGeom>
+            <a:ln w="6775" cap="flat">
+              <a:solidFill>
+                <a:srgbClr val="EBEBEB">
+                  <a:alpha val="100000"/>
+                </a:srgbClr>
+              </a:solidFill>
+              <a:prstDash val="solid"/>
+              <a:round/>
+            </a:ln>
+          </p:spPr>
+          <p:txBody>
+            <a:bodyPr/>
+            <a:lstStyle/>
+            <a:p/>
+          </p:txBody>
+        </p:sp>
+        <p:sp>
+          <p:nvSpPr>
+            <p:cNvPr id="5" name="pl5"/>
+            <p:cNvSpPr/>
+            <p:nvPr/>
+          </p:nvSpPr>
+          <p:spPr>
+            <a:xfrm>
+              <a:off x="938418" y="3998382"/>
+              <a:ext cx="6738730" cy="0"/>
+            </a:xfrm>
+            <a:custGeom>
+              <a:avLst/>
+              <a:pathLst>
+                <a:path w="6738730" h="0">
+                  <a:moveTo>
+                    <a:pt x="0" y="0"/>
+                  </a:moveTo>
+                  <a:lnTo>
+                    <a:pt x="6738730" y="0"/>
+                  </a:lnTo>
+                  <a:lnTo>
+                    <a:pt x="6738730" y="0"/>
+                  </a:lnTo>
+                </a:path>
+              </a:pathLst>
+            </a:custGeom>
+            <a:ln w="6775" cap="flat">
+              <a:solidFill>
+                <a:srgbClr val="EBEBEB">
+                  <a:alpha val="100000"/>
+                </a:srgbClr>
+              </a:solidFill>
+              <a:prstDash val="solid"/>
+              <a:round/>
+            </a:ln>
+          </p:spPr>
+          <p:txBody>
+            <a:bodyPr/>
+            <a:lstStyle/>
+            <a:p/>
+          </p:txBody>
+        </p:sp>
+        <p:sp>
+          <p:nvSpPr>
+            <p:cNvPr id="6" name="pl6"/>
+            <p:cNvSpPr/>
+            <p:nvPr/>
+          </p:nvSpPr>
+          <p:spPr>
+            <a:xfrm>
+              <a:off x="938418" y="2964966"/>
+              <a:ext cx="6738730" cy="0"/>
+            </a:xfrm>
+            <a:custGeom>
+              <a:avLst/>
+              <a:pathLst>
+                <a:path w="6738730" h="0">
+                  <a:moveTo>
+                    <a:pt x="0" y="0"/>
+                  </a:moveTo>
+                  <a:lnTo>
+                    <a:pt x="6738730" y="0"/>
+                  </a:lnTo>
+                  <a:lnTo>
+                    <a:pt x="6738730" y="0"/>
+                  </a:lnTo>
+                </a:path>
+              </a:pathLst>
+            </a:custGeom>
+            <a:ln w="6775" cap="flat">
+              <a:solidFill>
+                <a:srgbClr val="EBEBEB">
+                  <a:alpha val="100000"/>
+                </a:srgbClr>
+              </a:solidFill>
+              <a:prstDash val="solid"/>
+              <a:round/>
+            </a:ln>
+          </p:spPr>
+          <p:txBody>
+            <a:bodyPr/>
+            <a:lstStyle/>
+            <a:p/>
+          </p:txBody>
+        </p:sp>
+        <p:sp>
+          <p:nvSpPr>
+            <p:cNvPr id="7" name="pl7"/>
+            <p:cNvSpPr/>
+            <p:nvPr/>
+          </p:nvSpPr>
+          <p:spPr>
+            <a:xfrm>
+              <a:off x="938418" y="1931550"/>
+              <a:ext cx="6738730" cy="0"/>
+            </a:xfrm>
+            <a:custGeom>
+              <a:avLst/>
+              <a:pathLst>
+                <a:path w="6738730" h="0">
+                  <a:moveTo>
+                    <a:pt x="0" y="0"/>
+                  </a:moveTo>
+                  <a:lnTo>
+                    <a:pt x="6738730" y="0"/>
+                  </a:lnTo>
+                  <a:lnTo>
+                    <a:pt x="6738730" y="0"/>
+                  </a:lnTo>
+                </a:path>
+              </a:pathLst>
+            </a:custGeom>
+            <a:ln w="6775" cap="flat">
+              <a:solidFill>
+                <a:srgbClr val="EBEBEB">
+                  <a:alpha val="100000"/>
+                </a:srgbClr>
+              </a:solidFill>
+              <a:prstDash val="solid"/>
+              <a:round/>
+            </a:ln>
+          </p:spPr>
+          <p:txBody>
+            <a:bodyPr/>
+            <a:lstStyle/>
+            <a:p/>
+          </p:txBody>
+        </p:sp>
+        <p:sp>
+          <p:nvSpPr>
+            <p:cNvPr id="8" name="pl8"/>
+            <p:cNvSpPr/>
+            <p:nvPr/>
+          </p:nvSpPr>
+          <p:spPr>
+            <a:xfrm>
+              <a:off x="938418" y="5548506"/>
+              <a:ext cx="6738730" cy="0"/>
+            </a:xfrm>
+            <a:custGeom>
+              <a:avLst/>
+              <a:pathLst>
+                <a:path w="6738730" h="0">
+                  <a:moveTo>
+                    <a:pt x="0" y="0"/>
+                  </a:moveTo>
+                  <a:lnTo>
+                    <a:pt x="6738730" y="0"/>
+                  </a:lnTo>
+                  <a:lnTo>
+                    <a:pt x="6738730" y="0"/>
+                  </a:lnTo>
+                </a:path>
+              </a:pathLst>
+            </a:custGeom>
+            <a:ln w="13550" cap="flat">
+              <a:solidFill>
+                <a:srgbClr val="EBEBEB">
+                  <a:alpha val="100000"/>
+                </a:srgbClr>
+              </a:solidFill>
+              <a:prstDash val="solid"/>
+              <a:round/>
+            </a:ln>
+          </p:spPr>
+          <p:txBody>
+            <a:bodyPr/>
+            <a:lstStyle/>
+            <a:p/>
+          </p:txBody>
+        </p:sp>
+        <p:sp>
+          <p:nvSpPr>
+            <p:cNvPr id="9" name="pl9"/>
+            <p:cNvSpPr/>
+            <p:nvPr/>
+          </p:nvSpPr>
+          <p:spPr>
+            <a:xfrm>
+              <a:off x="938418" y="4515090"/>
+              <a:ext cx="6738730" cy="0"/>
+            </a:xfrm>
+            <a:custGeom>
+              <a:avLst/>
+              <a:pathLst>
+                <a:path w="6738730" h="0">
+                  <a:moveTo>
+                    <a:pt x="0" y="0"/>
+                  </a:moveTo>
+                  <a:lnTo>
+                    <a:pt x="6738730" y="0"/>
+                  </a:lnTo>
+                  <a:lnTo>
+                    <a:pt x="6738730" y="0"/>
+                  </a:lnTo>
+                </a:path>
+              </a:pathLst>
+            </a:custGeom>
+            <a:ln w="13550" cap="flat">
+              <a:solidFill>
+                <a:srgbClr val="EBEBEB">
+                  <a:alpha val="100000"/>
+                </a:srgbClr>
+              </a:solidFill>
+              <a:prstDash val="solid"/>
+              <a:round/>
+            </a:ln>
+          </p:spPr>
+          <p:txBody>
+            <a:bodyPr/>
+            <a:lstStyle/>
+            <a:p/>
+          </p:txBody>
+        </p:sp>
+        <p:sp>
+          <p:nvSpPr>
+            <p:cNvPr id="10" name="pl10"/>
+            <p:cNvSpPr/>
+            <p:nvPr/>
+          </p:nvSpPr>
+          <p:spPr>
+            <a:xfrm>
+              <a:off x="938418" y="3481674"/>
+              <a:ext cx="6738730" cy="0"/>
+            </a:xfrm>
+            <a:custGeom>
+              <a:avLst/>
+              <a:pathLst>
+                <a:path w="6738730" h="0">
+                  <a:moveTo>
+                    <a:pt x="0" y="0"/>
+                  </a:moveTo>
+                  <a:lnTo>
+                    <a:pt x="6738730" y="0"/>
+                  </a:lnTo>
+                  <a:lnTo>
+                    <a:pt x="6738730" y="0"/>
+                  </a:lnTo>
+                </a:path>
+              </a:pathLst>
+            </a:custGeom>
+            <a:ln w="13550" cap="flat">
+              <a:solidFill>
+                <a:srgbClr val="EBEBEB">
+                  <a:alpha val="100000"/>
+                </a:srgbClr>
+              </a:solidFill>
+              <a:prstDash val="solid"/>
+              <a:round/>
+            </a:ln>
+          </p:spPr>
+          <p:txBody>
+            <a:bodyPr/>
+            <a:lstStyle/>
+            <a:p/>
+          </p:txBody>
+        </p:sp>
+        <p:sp>
+          <p:nvSpPr>
+            <p:cNvPr id="11" name="pl11"/>
+            <p:cNvSpPr/>
+            <p:nvPr/>
+          </p:nvSpPr>
+          <p:spPr>
+            <a:xfrm>
+              <a:off x="938418" y="2448258"/>
+              <a:ext cx="6738730" cy="0"/>
+            </a:xfrm>
+            <a:custGeom>
+              <a:avLst/>
+              <a:pathLst>
+                <a:path w="6738730" h="0">
+                  <a:moveTo>
+                    <a:pt x="0" y="0"/>
+                  </a:moveTo>
+                  <a:lnTo>
+                    <a:pt x="6738730" y="0"/>
+                  </a:lnTo>
+                  <a:lnTo>
+                    <a:pt x="6738730" y="0"/>
+                  </a:lnTo>
+                </a:path>
+              </a:pathLst>
+            </a:custGeom>
+            <a:ln w="13550" cap="flat">
+              <a:solidFill>
+                <a:srgbClr val="EBEBEB">
+                  <a:alpha val="100000"/>
+                </a:srgbClr>
+              </a:solidFill>
+              <a:prstDash val="solid"/>
+              <a:round/>
+            </a:ln>
+          </p:spPr>
+          <p:txBody>
+            <a:bodyPr/>
+            <a:lstStyle/>
+            <a:p/>
+          </p:txBody>
+        </p:sp>
+        <p:sp>
+          <p:nvSpPr>
+            <p:cNvPr id="12" name="pl12"/>
+            <p:cNvSpPr/>
+            <p:nvPr/>
+          </p:nvSpPr>
+          <p:spPr>
+            <a:xfrm>
+              <a:off x="1715964" y="1886338"/>
+              <a:ext cx="0" cy="3836557"/>
+            </a:xfrm>
+            <a:custGeom>
+              <a:avLst/>
+              <a:pathLst>
+                <a:path w="0" h="3836557">
+                  <a:moveTo>
+                    <a:pt x="0" y="3836557"/>
+                  </a:moveTo>
+                  <a:lnTo>
+                    <a:pt x="0" y="0"/>
+                  </a:lnTo>
+                  <a:lnTo>
+                    <a:pt x="0" y="0"/>
+                  </a:lnTo>
+                </a:path>
+              </a:pathLst>
+            </a:custGeom>
+            <a:ln w="13550" cap="flat">
+              <a:solidFill>
+                <a:srgbClr val="EBEBEB">
+                  <a:alpha val="100000"/>
+                </a:srgbClr>
+              </a:solidFill>
+              <a:prstDash val="solid"/>
+              <a:round/>
+            </a:ln>
+          </p:spPr>
+          <p:txBody>
+            <a:bodyPr/>
+            <a:lstStyle/>
+            <a:p/>
+          </p:txBody>
+        </p:sp>
+        <p:sp>
+          <p:nvSpPr>
+            <p:cNvPr id="13" name="pl13"/>
+            <p:cNvSpPr/>
+            <p:nvPr/>
+          </p:nvSpPr>
+          <p:spPr>
+            <a:xfrm>
+              <a:off x="3011873" y="1886338"/>
+              <a:ext cx="0" cy="3836557"/>
+            </a:xfrm>
+            <a:custGeom>
+              <a:avLst/>
+              <a:pathLst>
+                <a:path w="0" h="3836557">
+                  <a:moveTo>
+                    <a:pt x="0" y="3836557"/>
+                  </a:moveTo>
+                  <a:lnTo>
+                    <a:pt x="0" y="0"/>
+                  </a:lnTo>
+                  <a:lnTo>
+                    <a:pt x="0" y="0"/>
+                  </a:lnTo>
+                </a:path>
+              </a:pathLst>
+            </a:custGeom>
+            <a:ln w="13550" cap="flat">
+              <a:solidFill>
+                <a:srgbClr val="EBEBEB">
+                  <a:alpha val="100000"/>
+                </a:srgbClr>
+              </a:solidFill>
+              <a:prstDash val="solid"/>
+              <a:round/>
+            </a:ln>
+          </p:spPr>
+          <p:txBody>
+            <a:bodyPr/>
+            <a:lstStyle/>
+            <a:p/>
+          </p:txBody>
+        </p:sp>
+        <p:sp>
+          <p:nvSpPr>
+            <p:cNvPr id="14" name="pl14"/>
+            <p:cNvSpPr/>
+            <p:nvPr/>
+          </p:nvSpPr>
+          <p:spPr>
+            <a:xfrm>
+              <a:off x="4307783" y="1886338"/>
+              <a:ext cx="0" cy="3836557"/>
+            </a:xfrm>
+            <a:custGeom>
+              <a:avLst/>
+              <a:pathLst>
+                <a:path w="0" h="3836557">
+                  <a:moveTo>
+                    <a:pt x="0" y="3836557"/>
+                  </a:moveTo>
+                  <a:lnTo>
+                    <a:pt x="0" y="0"/>
+                  </a:lnTo>
+                  <a:lnTo>
+                    <a:pt x="0" y="0"/>
+                  </a:lnTo>
+                </a:path>
+              </a:pathLst>
+            </a:custGeom>
+            <a:ln w="13550" cap="flat">
+              <a:solidFill>
+                <a:srgbClr val="EBEBEB">
+                  <a:alpha val="100000"/>
+                </a:srgbClr>
+              </a:solidFill>
+              <a:prstDash val="solid"/>
+              <a:round/>
+            </a:ln>
+          </p:spPr>
+          <p:txBody>
+            <a:bodyPr/>
+            <a:lstStyle/>
+            <a:p/>
+          </p:txBody>
+        </p:sp>
+        <p:sp>
+          <p:nvSpPr>
+            <p:cNvPr id="15" name="pl15"/>
+            <p:cNvSpPr/>
+            <p:nvPr/>
+          </p:nvSpPr>
+          <p:spPr>
+            <a:xfrm>
+              <a:off x="5603693" y="1886338"/>
+              <a:ext cx="0" cy="3836557"/>
+            </a:xfrm>
+            <a:custGeom>
+              <a:avLst/>
+              <a:pathLst>
+                <a:path w="0" h="3836557">
+                  <a:moveTo>
+                    <a:pt x="0" y="3836557"/>
+                  </a:moveTo>
+                  <a:lnTo>
+                    <a:pt x="0" y="0"/>
+                  </a:lnTo>
+                  <a:lnTo>
+                    <a:pt x="0" y="0"/>
+                  </a:lnTo>
+                </a:path>
+              </a:pathLst>
+            </a:custGeom>
+            <a:ln w="13550" cap="flat">
+              <a:solidFill>
+                <a:srgbClr val="EBEBEB">
+                  <a:alpha val="100000"/>
+                </a:srgbClr>
+              </a:solidFill>
+              <a:prstDash val="solid"/>
+              <a:round/>
+            </a:ln>
+          </p:spPr>
+          <p:txBody>
+            <a:bodyPr/>
+            <a:lstStyle/>
+            <a:p/>
+          </p:txBody>
+        </p:sp>
+        <p:sp>
+          <p:nvSpPr>
+            <p:cNvPr id="16" name="pl16"/>
+            <p:cNvSpPr/>
+            <p:nvPr/>
+          </p:nvSpPr>
+          <p:spPr>
+            <a:xfrm>
+              <a:off x="6899603" y="1886338"/>
+              <a:ext cx="0" cy="3836557"/>
+            </a:xfrm>
+            <a:custGeom>
+              <a:avLst/>
+              <a:pathLst>
+                <a:path w="0" h="3836557">
+                  <a:moveTo>
+                    <a:pt x="0" y="3836557"/>
+                  </a:moveTo>
+                  <a:lnTo>
+                    <a:pt x="0" y="0"/>
+                  </a:lnTo>
+                  <a:lnTo>
+                    <a:pt x="0" y="0"/>
+                  </a:lnTo>
+                </a:path>
+              </a:pathLst>
+            </a:custGeom>
+            <a:ln w="13550" cap="flat">
+              <a:solidFill>
+                <a:srgbClr val="EBEBEB">
+                  <a:alpha val="100000"/>
+                </a:srgbClr>
+              </a:solidFill>
+              <a:prstDash val="solid"/>
+              <a:round/>
+            </a:ln>
+          </p:spPr>
+          <p:txBody>
+            <a:bodyPr/>
+            <a:lstStyle/>
+            <a:p/>
+          </p:txBody>
+        </p:sp>
+        <p:sp>
+          <p:nvSpPr>
+            <p:cNvPr id="17" name="rc17"/>
+            <p:cNvSpPr/>
+            <p:nvPr/>
+          </p:nvSpPr>
+          <p:spPr>
+            <a:xfrm>
+              <a:off x="1715964" y="5000796"/>
+              <a:ext cx="583159" cy="547710"/>
+            </a:xfrm>
+            <a:prstGeom prst="rect">
+              <a:avLst/>
+            </a:prstGeom>
+            <a:solidFill>
+              <a:srgbClr val="00BFC4">
+                <a:alpha val="100000"/>
+              </a:srgbClr>
+            </a:solidFill>
+          </p:spPr>
+          <p:txBody>
+            <a:bodyPr/>
+            <a:lstStyle/>
+            <a:p/>
+          </p:txBody>
+        </p:sp>
+        <p:sp>
+          <p:nvSpPr>
+            <p:cNvPr id="18" name="rc18"/>
+            <p:cNvSpPr/>
+            <p:nvPr/>
+          </p:nvSpPr>
+          <p:spPr>
+            <a:xfrm>
+              <a:off x="1132804" y="4990462"/>
+              <a:ext cx="583159" cy="558044"/>
+            </a:xfrm>
+            <a:prstGeom prst="rect">
+              <a:avLst/>
+            </a:prstGeom>
+            <a:solidFill>
+              <a:srgbClr val="F8766D">
+                <a:alpha val="100000"/>
+              </a:srgbClr>
+            </a:solidFill>
+          </p:spPr>
+          <p:txBody>
+            <a:bodyPr/>
+            <a:lstStyle/>
+            <a:p/>
+          </p:txBody>
+        </p:sp>
+        <p:sp>
+          <p:nvSpPr>
+            <p:cNvPr id="19" name="rc19"/>
+            <p:cNvSpPr/>
+            <p:nvPr/>
+          </p:nvSpPr>
+          <p:spPr>
+            <a:xfrm>
+              <a:off x="3011873" y="3011470"/>
+              <a:ext cx="583159" cy="2537036"/>
+            </a:xfrm>
+            <a:prstGeom prst="rect">
+              <a:avLst/>
+            </a:prstGeom>
+            <a:solidFill>
+              <a:srgbClr val="00BFC4">
+                <a:alpha val="100000"/>
+              </a:srgbClr>
+            </a:solidFill>
+          </p:spPr>
+          <p:txBody>
+            <a:bodyPr/>
+            <a:lstStyle/>
+            <a:p/>
+          </p:txBody>
+        </p:sp>
+        <p:sp>
+          <p:nvSpPr>
+            <p:cNvPr id="20" name="rc20"/>
+            <p:cNvSpPr/>
+            <p:nvPr/>
+          </p:nvSpPr>
+          <p:spPr>
+            <a:xfrm>
+              <a:off x="2428714" y="3409335"/>
+              <a:ext cx="583159" cy="2139171"/>
+            </a:xfrm>
+            <a:prstGeom prst="rect">
+              <a:avLst/>
+            </a:prstGeom>
+            <a:solidFill>
+              <a:srgbClr val="F8766D">
+                <a:alpha val="100000"/>
+              </a:srgbClr>
+            </a:solidFill>
+          </p:spPr>
+          <p:txBody>
+            <a:bodyPr/>
+            <a:lstStyle/>
+            <a:p/>
+          </p:txBody>
+        </p:sp>
+        <p:sp>
+          <p:nvSpPr>
+            <p:cNvPr id="21" name="rc21"/>
+            <p:cNvSpPr/>
+            <p:nvPr/>
+          </p:nvSpPr>
+          <p:spPr>
+            <a:xfrm>
+              <a:off x="4307783" y="4933624"/>
+              <a:ext cx="583159" cy="614882"/>
+            </a:xfrm>
+            <a:prstGeom prst="rect">
+              <a:avLst/>
+            </a:prstGeom>
+            <a:solidFill>
+              <a:srgbClr val="00BFC4">
+                <a:alpha val="100000"/>
+              </a:srgbClr>
+            </a:solidFill>
+          </p:spPr>
+          <p:txBody>
+            <a:bodyPr/>
+            <a:lstStyle/>
+            <a:p/>
+          </p:txBody>
+        </p:sp>
+        <p:sp>
+          <p:nvSpPr>
+            <p:cNvPr id="22" name="rc22"/>
+            <p:cNvSpPr/>
+            <p:nvPr/>
+          </p:nvSpPr>
+          <p:spPr>
+            <a:xfrm>
+              <a:off x="3724624" y="4365245"/>
+              <a:ext cx="583159" cy="1183261"/>
+            </a:xfrm>
+            <a:prstGeom prst="rect">
+              <a:avLst/>
+            </a:prstGeom>
+            <a:solidFill>
+              <a:srgbClr val="F8766D">
+                <a:alpha val="100000"/>
+              </a:srgbClr>
+            </a:solidFill>
+          </p:spPr>
+          <p:txBody>
+            <a:bodyPr/>
+            <a:lstStyle/>
+            <a:p/>
+          </p:txBody>
+        </p:sp>
+        <p:sp>
+          <p:nvSpPr>
+            <p:cNvPr id="23" name="rc23"/>
+            <p:cNvSpPr/>
+            <p:nvPr/>
+          </p:nvSpPr>
+          <p:spPr>
+            <a:xfrm>
+              <a:off x="5603693" y="2138233"/>
+              <a:ext cx="583159" cy="3410273"/>
+            </a:xfrm>
+            <a:prstGeom prst="rect">
+              <a:avLst/>
+            </a:prstGeom>
+            <a:solidFill>
+              <a:srgbClr val="00BFC4">
+                <a:alpha val="100000"/>
+              </a:srgbClr>
+            </a:solidFill>
+          </p:spPr>
+          <p:txBody>
+            <a:bodyPr/>
+            <a:lstStyle/>
+            <a:p/>
+          </p:txBody>
+        </p:sp>
+        <p:sp>
+          <p:nvSpPr>
+            <p:cNvPr id="24" name="rc24"/>
+            <p:cNvSpPr/>
+            <p:nvPr/>
+          </p:nvSpPr>
+          <p:spPr>
+            <a:xfrm>
+              <a:off x="5020534" y="2060727"/>
+              <a:ext cx="583159" cy="3487779"/>
+            </a:xfrm>
+            <a:prstGeom prst="rect">
+              <a:avLst/>
+            </a:prstGeom>
+            <a:solidFill>
+              <a:srgbClr val="F8766D">
+                <a:alpha val="100000"/>
+              </a:srgbClr>
+            </a:solidFill>
+          </p:spPr>
+          <p:txBody>
+            <a:bodyPr/>
+            <a:lstStyle/>
+            <a:p/>
+          </p:txBody>
+        </p:sp>
+        <p:sp>
+          <p:nvSpPr>
+            <p:cNvPr id="25" name="rc25"/>
+            <p:cNvSpPr/>
+            <p:nvPr/>
+          </p:nvSpPr>
+          <p:spPr>
+            <a:xfrm>
+              <a:off x="6899603" y="2944298"/>
+              <a:ext cx="583159" cy="2604208"/>
+            </a:xfrm>
+            <a:prstGeom prst="rect">
+              <a:avLst/>
+            </a:prstGeom>
+            <a:solidFill>
+              <a:srgbClr val="00BFC4">
+                <a:alpha val="100000"/>
+              </a:srgbClr>
+            </a:solidFill>
+          </p:spPr>
+          <p:txBody>
+            <a:bodyPr/>
+            <a:lstStyle/>
+            <a:p/>
+          </p:txBody>
+        </p:sp>
+        <p:sp>
+          <p:nvSpPr>
+            <p:cNvPr id="26" name="rc26"/>
+            <p:cNvSpPr/>
+            <p:nvPr/>
+          </p:nvSpPr>
+          <p:spPr>
+            <a:xfrm>
+              <a:off x="6316443" y="2928796"/>
+              <a:ext cx="583159" cy="2619709"/>
+            </a:xfrm>
+            <a:prstGeom prst="rect">
+              <a:avLst/>
+            </a:prstGeom>
+            <a:solidFill>
+              <a:srgbClr val="F8766D">
+                <a:alpha val="100000"/>
+              </a:srgbClr>
+            </a:solidFill>
+          </p:spPr>
+          <p:txBody>
+            <a:bodyPr/>
+            <a:lstStyle/>
+            <a:p/>
+          </p:txBody>
+        </p:sp>
+        <p:sp>
+          <p:nvSpPr>
+            <p:cNvPr id="27" name="tx27"/>
+            <p:cNvSpPr/>
+            <p:nvPr/>
+          </p:nvSpPr>
+          <p:spPr>
+            <a:xfrm>
+              <a:off x="813632" y="5507824"/>
+              <a:ext cx="62155" cy="79126"/>
+            </a:xfrm>
+            <a:prstGeom prst="rect">
+              <a:avLst/>
+            </a:prstGeom>
+            <a:noFill/>
+          </p:spPr>
+          <p:txBody>
+            <a:bodyPr lIns="0" rIns="0" tIns="0" bIns="0" anchorCtr="1" anchor="ctr" wrap="none"/>
+            <a:lstStyle/>
+            <a:p>
+              <a:pPr algn="l" marL="0" marR="0" indent="0">
+                <a:lnSpc>
+                  <a:spcPts val="880"/>
+                </a:lnSpc>
+                <a:spcBef>
+                  <a:spcPts val="0"/>
+                </a:spcBef>
+                <a:spcAft>
+                  <a:spcPts val="0"/>
+                </a:spcAft>
+              </a:pPr>
+              <a:r>
+                <a:rPr sz="880">
+                  <a:solidFill>
+                    <a:srgbClr val="4D4D4D">
+                      <a:alpha val="100000"/>
+                    </a:srgbClr>
+                  </a:solidFill>
+                  <a:latin typeface="Liberation Sans"/>
+                  <a:cs typeface="Liberation Sans"/>
+                </a:rPr>
+                <a:t>0</a:t>
+              </a:r>
+            </a:p>
+          </p:txBody>
+        </p:sp>
+        <p:sp>
+          <p:nvSpPr>
+            <p:cNvPr id="28" name="tx28"/>
+            <p:cNvSpPr/>
+            <p:nvPr/>
+          </p:nvSpPr>
+          <p:spPr>
+            <a:xfrm>
+              <a:off x="689321" y="4474408"/>
+              <a:ext cx="186466" cy="79126"/>
+            </a:xfrm>
+            <a:prstGeom prst="rect">
+              <a:avLst/>
+            </a:prstGeom>
+            <a:noFill/>
+          </p:spPr>
+          <p:txBody>
+            <a:bodyPr lIns="0" rIns="0" tIns="0" bIns="0" anchorCtr="1" anchor="ctr" wrap="none"/>
+            <a:lstStyle/>
+            <a:p>
+              <a:pPr algn="l" marL="0" marR="0" indent="0">
+                <a:lnSpc>
+                  <a:spcPts val="880"/>
+                </a:lnSpc>
+                <a:spcBef>
+                  <a:spcPts val="0"/>
+                </a:spcBef>
+                <a:spcAft>
+                  <a:spcPts val="0"/>
+                </a:spcAft>
+              </a:pPr>
+              <a:r>
+                <a:rPr sz="880">
+                  <a:solidFill>
+                    <a:srgbClr val="4D4D4D">
+                      <a:alpha val="100000"/>
+                    </a:srgbClr>
+                  </a:solidFill>
+                  <a:latin typeface="Liberation Sans"/>
+                  <a:cs typeface="Liberation Sans"/>
+                </a:rPr>
+                <a:t>200</a:t>
+              </a:r>
+            </a:p>
+          </p:txBody>
+        </p:sp>
+        <p:sp>
+          <p:nvSpPr>
+            <p:cNvPr id="29" name="tx29"/>
+            <p:cNvSpPr/>
+            <p:nvPr/>
+          </p:nvSpPr>
+          <p:spPr>
+            <a:xfrm>
+              <a:off x="689321" y="3440992"/>
+              <a:ext cx="186466" cy="79126"/>
+            </a:xfrm>
+            <a:prstGeom prst="rect">
+              <a:avLst/>
+            </a:prstGeom>
+            <a:noFill/>
+          </p:spPr>
+          <p:txBody>
+            <a:bodyPr lIns="0" rIns="0" tIns="0" bIns="0" anchorCtr="1" anchor="ctr" wrap="none"/>
+            <a:lstStyle/>
+            <a:p>
+              <a:pPr algn="l" marL="0" marR="0" indent="0">
+                <a:lnSpc>
+                  <a:spcPts val="880"/>
+                </a:lnSpc>
+                <a:spcBef>
+                  <a:spcPts val="0"/>
+                </a:spcBef>
+                <a:spcAft>
+                  <a:spcPts val="0"/>
+                </a:spcAft>
+              </a:pPr>
+              <a:r>
+                <a:rPr sz="880">
+                  <a:solidFill>
+                    <a:srgbClr val="4D4D4D">
+                      <a:alpha val="100000"/>
+                    </a:srgbClr>
+                  </a:solidFill>
+                  <a:latin typeface="Liberation Sans"/>
+                  <a:cs typeface="Liberation Sans"/>
+                </a:rPr>
+                <a:t>400</a:t>
+              </a:r>
+            </a:p>
+          </p:txBody>
+        </p:sp>
+        <p:sp>
+          <p:nvSpPr>
+            <p:cNvPr id="30" name="tx30"/>
+            <p:cNvSpPr/>
+            <p:nvPr/>
+          </p:nvSpPr>
+          <p:spPr>
+            <a:xfrm>
+              <a:off x="689321" y="2407576"/>
+              <a:ext cx="186466" cy="79126"/>
+            </a:xfrm>
+            <a:prstGeom prst="rect">
+              <a:avLst/>
+            </a:prstGeom>
+            <a:noFill/>
+          </p:spPr>
+          <p:txBody>
+            <a:bodyPr lIns="0" rIns="0" tIns="0" bIns="0" anchorCtr="1" anchor="ctr" wrap="none"/>
+            <a:lstStyle/>
+            <a:p>
+              <a:pPr algn="l" marL="0" marR="0" indent="0">
+                <a:lnSpc>
+                  <a:spcPts val="880"/>
+                </a:lnSpc>
+                <a:spcBef>
+                  <a:spcPts val="0"/>
+                </a:spcBef>
+                <a:spcAft>
+                  <a:spcPts val="0"/>
+                </a:spcAft>
+              </a:pPr>
+              <a:r>
+                <a:rPr sz="880">
+                  <a:solidFill>
+                    <a:srgbClr val="4D4D4D">
+                      <a:alpha val="100000"/>
+                    </a:srgbClr>
+                  </a:solidFill>
+                  <a:latin typeface="Liberation Sans"/>
+                  <a:cs typeface="Liberation Sans"/>
+                </a:rPr>
+                <a:t>600</a:t>
+              </a:r>
+            </a:p>
+          </p:txBody>
+        </p:sp>
+        <p:sp>
+          <p:nvSpPr>
+            <p:cNvPr id="31" name="tx31"/>
+            <p:cNvSpPr/>
+            <p:nvPr/>
+          </p:nvSpPr>
+          <p:spPr>
+            <a:xfrm>
+              <a:off x="1557519" y="5758240"/>
+              <a:ext cx="316889" cy="104174"/>
+            </a:xfrm>
+            <a:prstGeom prst="rect">
+              <a:avLst/>
+            </a:prstGeom>
+            <a:noFill/>
+          </p:spPr>
+          <p:txBody>
+            <a:bodyPr lIns="0" rIns="0" tIns="0" bIns="0" anchorCtr="1" anchor="ctr" wrap="none"/>
+            <a:lstStyle/>
+            <a:p>
+              <a:pPr algn="l" marL="0" marR="0" indent="0">
+                <a:lnSpc>
+                  <a:spcPts val="880"/>
+                </a:lnSpc>
+                <a:spcBef>
+                  <a:spcPts val="0"/>
+                </a:spcBef>
+                <a:spcAft>
+                  <a:spcPts val="0"/>
+                </a:spcAft>
+              </a:pPr>
+              <a:r>
+                <a:rPr sz="880">
+                  <a:solidFill>
+                    <a:srgbClr val="4D4D4D">
+                      <a:alpha val="100000"/>
+                    </a:srgbClr>
+                  </a:solidFill>
+                  <a:latin typeface="Liberation Sans"/>
+                  <a:cs typeface="Liberation Sans"/>
+                </a:rPr>
+                <a:t>Eating</a:t>
+              </a:r>
+            </a:p>
+          </p:txBody>
+        </p:sp>
+        <p:sp>
+          <p:nvSpPr>
+            <p:cNvPr id="32" name="tx32"/>
+            <p:cNvSpPr/>
+            <p:nvPr/>
+          </p:nvSpPr>
+          <p:spPr>
+            <a:xfrm>
+              <a:off x="2701314" y="5758240"/>
+              <a:ext cx="621119" cy="104174"/>
+            </a:xfrm>
+            <a:prstGeom prst="rect">
+              <a:avLst/>
+            </a:prstGeom>
+            <a:noFill/>
+          </p:spPr>
+          <p:txBody>
+            <a:bodyPr lIns="0" rIns="0" tIns="0" bIns="0" anchorCtr="1" anchor="ctr" wrap="none"/>
+            <a:lstStyle/>
+            <a:p>
+              <a:pPr algn="l" marL="0" marR="0" indent="0">
+                <a:lnSpc>
+                  <a:spcPts val="880"/>
+                </a:lnSpc>
+                <a:spcBef>
+                  <a:spcPts val="0"/>
+                </a:spcBef>
+                <a:spcAft>
+                  <a:spcPts val="0"/>
+                </a:spcAft>
+              </a:pPr>
+              <a:r>
+                <a:rPr sz="880">
+                  <a:solidFill>
+                    <a:srgbClr val="4D4D4D">
+                      <a:alpha val="100000"/>
+                    </a:srgbClr>
+                  </a:solidFill>
+                  <a:latin typeface="Liberation Sans"/>
+                  <a:cs typeface="Liberation Sans"/>
+                </a:rPr>
+                <a:t>Employment</a:t>
+              </a:r>
+            </a:p>
+          </p:txBody>
+        </p:sp>
+        <p:sp>
+          <p:nvSpPr>
+            <p:cNvPr id="33" name="tx33"/>
+            <p:cNvSpPr/>
+            <p:nvPr/>
+          </p:nvSpPr>
+          <p:spPr>
+            <a:xfrm>
+              <a:off x="3646173" y="5758240"/>
+              <a:ext cx="1323220" cy="104174"/>
+            </a:xfrm>
+            <a:prstGeom prst="rect">
+              <a:avLst/>
+            </a:prstGeom>
+            <a:noFill/>
+          </p:spPr>
+          <p:txBody>
+            <a:bodyPr lIns="0" rIns="0" tIns="0" bIns="0" anchorCtr="1" anchor="ctr" wrap="none"/>
+            <a:lstStyle/>
+            <a:p>
+              <a:pPr algn="l" marL="0" marR="0" indent="0">
+                <a:lnSpc>
+                  <a:spcPts val="880"/>
+                </a:lnSpc>
+                <a:spcBef>
+                  <a:spcPts val="0"/>
+                </a:spcBef>
+                <a:spcAft>
+                  <a:spcPts val="0"/>
+                </a:spcAft>
+              </a:pPr>
+              <a:r>
+                <a:rPr sz="880">
+                  <a:solidFill>
+                    <a:srgbClr val="4D4D4D">
+                      <a:alpha val="100000"/>
+                    </a:srgbClr>
+                  </a:solidFill>
+                  <a:latin typeface="Liberation Sans"/>
+                  <a:cs typeface="Liberation Sans"/>
+                </a:rPr>
+                <a:t>Household and family care</a:t>
+              </a:r>
+            </a:p>
+          </p:txBody>
+        </p:sp>
+        <p:sp>
+          <p:nvSpPr>
+            <p:cNvPr id="34" name="tx34"/>
+            <p:cNvSpPr/>
+            <p:nvPr/>
+          </p:nvSpPr>
+          <p:spPr>
+            <a:xfrm>
+              <a:off x="5258918" y="5780341"/>
+              <a:ext cx="689550" cy="82073"/>
+            </a:xfrm>
+            <a:prstGeom prst="rect">
+              <a:avLst/>
+            </a:prstGeom>
+            <a:noFill/>
+          </p:spPr>
+          <p:txBody>
+            <a:bodyPr lIns="0" rIns="0" tIns="0" bIns="0" anchorCtr="1" anchor="ctr" wrap="none"/>
+            <a:lstStyle/>
+            <a:p>
+              <a:pPr algn="l" marL="0" marR="0" indent="0">
+                <a:lnSpc>
+                  <a:spcPts val="880"/>
+                </a:lnSpc>
+                <a:spcBef>
+                  <a:spcPts val="0"/>
+                </a:spcBef>
+                <a:spcAft>
+                  <a:spcPts val="0"/>
+                </a:spcAft>
+              </a:pPr>
+              <a:r>
+                <a:rPr sz="880">
+                  <a:solidFill>
+                    <a:srgbClr val="4D4D4D">
+                      <a:alpha val="100000"/>
+                    </a:srgbClr>
+                  </a:solidFill>
+                  <a:latin typeface="Liberation Sans"/>
+                  <a:cs typeface="Liberation Sans"/>
+                </a:rPr>
+                <a:t>Personal care</a:t>
+              </a:r>
+            </a:p>
+          </p:txBody>
+        </p:sp>
+        <p:sp>
+          <p:nvSpPr>
+            <p:cNvPr id="35" name="tx35"/>
+            <p:cNvSpPr/>
+            <p:nvPr/>
+          </p:nvSpPr>
+          <p:spPr>
+            <a:xfrm>
+              <a:off x="6756683" y="5758240"/>
+              <a:ext cx="285839" cy="104174"/>
+            </a:xfrm>
+            <a:prstGeom prst="rect">
+              <a:avLst/>
+            </a:prstGeom>
+            <a:noFill/>
+          </p:spPr>
+          <p:txBody>
+            <a:bodyPr lIns="0" rIns="0" tIns="0" bIns="0" anchorCtr="1" anchor="ctr" wrap="none"/>
+            <a:lstStyle/>
+            <a:p>
+              <a:pPr algn="l" marL="0" marR="0" indent="0">
+                <a:lnSpc>
+                  <a:spcPts val="880"/>
+                </a:lnSpc>
+                <a:spcBef>
+                  <a:spcPts val="0"/>
+                </a:spcBef>
+                <a:spcAft>
+                  <a:spcPts val="0"/>
+                </a:spcAft>
+              </a:pPr>
+              <a:r>
+                <a:rPr sz="880">
+                  <a:solidFill>
+                    <a:srgbClr val="4D4D4D">
+                      <a:alpha val="100000"/>
+                    </a:srgbClr>
+                  </a:solidFill>
+                  <a:latin typeface="Liberation Sans"/>
+                  <a:cs typeface="Liberation Sans"/>
+                </a:rPr>
+                <a:t>Sleep</a:t>
+              </a:r>
+            </a:p>
+          </p:txBody>
+        </p:sp>
+        <p:sp>
+          <p:nvSpPr>
+            <p:cNvPr id="36" name="tx36"/>
+            <p:cNvSpPr/>
+            <p:nvPr/>
+          </p:nvSpPr>
+          <p:spPr>
+            <a:xfrm>
+              <a:off x="4032203" y="5922355"/>
+              <a:ext cx="551160" cy="102592"/>
+            </a:xfrm>
+            <a:prstGeom prst="rect">
+              <a:avLst/>
+            </a:prstGeom>
+            <a:noFill/>
+          </p:spPr>
+          <p:txBody>
+            <a:bodyPr lIns="0" rIns="0" tIns="0" bIns="0" anchorCtr="1" anchor="ctr" wrap="none"/>
+            <a:lstStyle/>
+            <a:p>
+              <a:pPr algn="l" marL="0" marR="0" indent="0">
+                <a:lnSpc>
+                  <a:spcPts val="1100"/>
+                </a:lnSpc>
+                <a:spcBef>
+                  <a:spcPts val="0"/>
+                </a:spcBef>
+                <a:spcAft>
+                  <a:spcPts val="0"/>
+                </a:spcAft>
+              </a:pPr>
+              <a:r>
+                <a:rPr sz="1100">
+                  <a:solidFill>
+                    <a:srgbClr val="000000">
+                      <a:alpha val="100000"/>
+                    </a:srgbClr>
+                  </a:solidFill>
+                  <a:latin typeface="Liberation Sans"/>
+                  <a:cs typeface="Liberation Sans"/>
+                </a:rPr>
+                <a:t>Activities</a:t>
+              </a:r>
+            </a:p>
+          </p:txBody>
+        </p:sp>
+        <p:sp>
+          <p:nvSpPr>
+            <p:cNvPr id="37" name="tx37"/>
+            <p:cNvSpPr/>
+            <p:nvPr/>
+          </p:nvSpPr>
+          <p:spPr>
+            <a:xfrm rot="-5400000">
+              <a:off x="78630" y="3753321"/>
+              <a:ext cx="985949" cy="102592"/>
+            </a:xfrm>
+            <a:prstGeom prst="rect">
+              <a:avLst/>
+            </a:prstGeom>
+            <a:noFill/>
+          </p:spPr>
+          <p:txBody>
+            <a:bodyPr lIns="0" rIns="0" tIns="0" bIns="0" anchorCtr="1" anchor="ctr" wrap="none"/>
+            <a:lstStyle/>
+            <a:p>
+              <a:pPr algn="l" marL="0" marR="0" indent="0">
+                <a:lnSpc>
+                  <a:spcPts val="1100"/>
+                </a:lnSpc>
+                <a:spcBef>
+                  <a:spcPts val="0"/>
+                </a:spcBef>
+                <a:spcAft>
+                  <a:spcPts val="0"/>
+                </a:spcAft>
+              </a:pPr>
+              <a:r>
+                <a:rPr sz="1100">
+                  <a:solidFill>
+                    <a:srgbClr val="000000">
+                      <a:alpha val="100000"/>
+                    </a:srgbClr>
+                  </a:solidFill>
+                  <a:latin typeface="Liberation Sans"/>
+                  <a:cs typeface="Liberation Sans"/>
+                </a:rPr>
+                <a:t>Time in minutes</a:t>
+              </a:r>
+            </a:p>
+          </p:txBody>
+        </p:sp>
+        <p:sp>
+          <p:nvSpPr>
+            <p:cNvPr id="38" name="tx38"/>
+            <p:cNvSpPr/>
+            <p:nvPr/>
+          </p:nvSpPr>
+          <p:spPr>
+            <a:xfrm>
+              <a:off x="7885916" y="3468204"/>
+              <a:ext cx="644748" cy="130218"/>
+            </a:xfrm>
+            <a:prstGeom prst="rect">
+              <a:avLst/>
+            </a:prstGeom>
+            <a:noFill/>
+          </p:spPr>
+          <p:txBody>
+            <a:bodyPr lIns="0" rIns="0" tIns="0" bIns="0" anchorCtr="1" anchor="ctr" wrap="none"/>
+            <a:lstStyle/>
+            <a:p>
+              <a:pPr algn="l" marL="0" marR="0" indent="0">
+                <a:lnSpc>
+                  <a:spcPts val="1100"/>
+                </a:lnSpc>
+                <a:spcBef>
+                  <a:spcPts val="0"/>
+                </a:spcBef>
+                <a:spcAft>
+                  <a:spcPts val="0"/>
+                </a:spcAft>
+              </a:pPr>
+              <a:r>
+                <a:rPr sz="1100">
+                  <a:solidFill>
+                    <a:srgbClr val="000000">
+                      <a:alpha val="100000"/>
+                    </a:srgbClr>
+                  </a:solidFill>
+                  <a:latin typeface="Liberation Sans"/>
+                  <a:cs typeface="Liberation Sans"/>
+                </a:rPr>
+                <a:t>population</a:t>
+              </a:r>
+            </a:p>
+          </p:txBody>
+        </p:sp>
+        <p:sp>
+          <p:nvSpPr>
+            <p:cNvPr id="39" name="rc39"/>
+            <p:cNvSpPr/>
+            <p:nvPr/>
+          </p:nvSpPr>
+          <p:spPr>
+            <a:xfrm>
+              <a:off x="7894916" y="3692824"/>
+              <a:ext cx="201455" cy="201456"/>
+            </a:xfrm>
+            <a:prstGeom prst="rect">
+              <a:avLst/>
+            </a:prstGeom>
+            <a:solidFill>
+              <a:srgbClr val="F8766D">
+                <a:alpha val="100000"/>
+              </a:srgbClr>
+            </a:solidFill>
+          </p:spPr>
+          <p:txBody>
+            <a:bodyPr/>
+            <a:lstStyle/>
+            <a:p/>
+          </p:txBody>
+        </p:sp>
+        <p:sp>
+          <p:nvSpPr>
+            <p:cNvPr id="40" name="rc40"/>
+            <p:cNvSpPr/>
+            <p:nvPr/>
+          </p:nvSpPr>
+          <p:spPr>
+            <a:xfrm>
+              <a:off x="7894916" y="3912280"/>
+              <a:ext cx="201455" cy="201456"/>
+            </a:xfrm>
+            <a:prstGeom prst="rect">
+              <a:avLst/>
+            </a:prstGeom>
+            <a:solidFill>
+              <a:srgbClr val="00BFC4">
+                <a:alpha val="100000"/>
+              </a:srgbClr>
+            </a:solidFill>
+          </p:spPr>
+          <p:txBody>
+            <a:bodyPr/>
+            <a:lstStyle/>
+            <a:p/>
+          </p:txBody>
+        </p:sp>
+        <p:sp>
+          <p:nvSpPr>
+            <p:cNvPr id="41" name="tx41"/>
+            <p:cNvSpPr/>
+            <p:nvPr/>
+          </p:nvSpPr>
+          <p:spPr>
+            <a:xfrm>
+              <a:off x="8174961" y="3749923"/>
+              <a:ext cx="372660" cy="82073"/>
+            </a:xfrm>
+            <a:prstGeom prst="rect">
+              <a:avLst/>
+            </a:prstGeom>
+            <a:noFill/>
+          </p:spPr>
+          <p:txBody>
+            <a:bodyPr lIns="0" rIns="0" tIns="0" bIns="0" anchorCtr="1" anchor="ctr" wrap="none"/>
+            <a:lstStyle/>
+            <a:p>
+              <a:pPr algn="l" marL="0" marR="0" indent="0">
+                <a:lnSpc>
+                  <a:spcPts val="880"/>
+                </a:lnSpc>
+                <a:spcBef>
+                  <a:spcPts val="0"/>
+                </a:spcBef>
+                <a:spcAft>
+                  <a:spcPts val="0"/>
+                </a:spcAft>
+              </a:pPr>
+              <a:r>
+                <a:rPr sz="880">
+                  <a:solidFill>
+                    <a:srgbClr val="000000">
+                      <a:alpha val="100000"/>
+                    </a:srgbClr>
+                  </a:solidFill>
+                  <a:latin typeface="Liberation Sans"/>
+                  <a:cs typeface="Liberation Sans"/>
+                </a:rPr>
+                <a:t>Female</a:t>
+              </a:r>
+            </a:p>
+          </p:txBody>
+        </p:sp>
+        <p:sp>
+          <p:nvSpPr>
+            <p:cNvPr id="42" name="tx42"/>
+            <p:cNvSpPr/>
+            <p:nvPr/>
+          </p:nvSpPr>
+          <p:spPr>
+            <a:xfrm>
+              <a:off x="8174961" y="3969379"/>
+              <a:ext cx="242237" cy="82073"/>
+            </a:xfrm>
+            <a:prstGeom prst="rect">
+              <a:avLst/>
+            </a:prstGeom>
+            <a:noFill/>
+          </p:spPr>
+          <p:txBody>
+            <a:bodyPr lIns="0" rIns="0" tIns="0" bIns="0" anchorCtr="1" anchor="ctr" wrap="none"/>
+            <a:lstStyle/>
+            <a:p>
+              <a:pPr algn="l" marL="0" marR="0" indent="0">
+                <a:lnSpc>
+                  <a:spcPts val="880"/>
+                </a:lnSpc>
+                <a:spcBef>
+                  <a:spcPts val="0"/>
+                </a:spcBef>
+                <a:spcAft>
+                  <a:spcPts val="0"/>
+                </a:spcAft>
+              </a:pPr>
+              <a:r>
+                <a:rPr sz="880">
+                  <a:solidFill>
+                    <a:srgbClr val="000000">
+                      <a:alpha val="100000"/>
+                    </a:srgbClr>
+                  </a:solidFill>
+                  <a:latin typeface="Liberation Sans"/>
+                  <a:cs typeface="Liberation Sans"/>
+                </a:rPr>
+                <a:t>Male</a:t>
+              </a:r>
+            </a:p>
+          </p:txBody>
+        </p:sp>
+        <p:sp>
+          <p:nvSpPr>
+            <p:cNvPr id="43" name="tx43"/>
+            <p:cNvSpPr/>
+            <p:nvPr/>
+          </p:nvSpPr>
+          <p:spPr>
+            <a:xfrm>
+              <a:off x="938418" y="1628861"/>
+              <a:ext cx="2143221" cy="156262"/>
+            </a:xfrm>
+            <a:prstGeom prst="rect">
+              <a:avLst/>
+            </a:prstGeom>
+            <a:noFill/>
+          </p:spPr>
+          <p:txBody>
+            <a:bodyPr lIns="0" rIns="0" tIns="0" bIns="0" anchorCtr="1" anchor="ctr" wrap="none"/>
+            <a:lstStyle/>
+            <a:p>
+              <a:pPr algn="l" marL="0" marR="0" indent="0">
+                <a:lnSpc>
+                  <a:spcPts val="1320"/>
+                </a:lnSpc>
+                <a:spcBef>
+                  <a:spcPts val="0"/>
+                </a:spcBef>
+                <a:spcAft>
+                  <a:spcPts val="0"/>
+                </a:spcAft>
+              </a:pPr>
+              <a:r>
+                <a:rPr sz="1320">
+                  <a:solidFill>
+                    <a:srgbClr val="000000">
+                      <a:alpha val="100000"/>
+                    </a:srgbClr>
+                  </a:solidFill>
+                  <a:latin typeface="Liberation Sans"/>
+                  <a:cs typeface="Liberation Sans"/>
+                </a:rPr>
+                <a:t>Year 2014_Monday til Friday</a:t>
+              </a:r>
+            </a:p>
+          </p:txBody>
+        </p:sp>
+      </p:grpSp>
+    </p:spTree>
+  </p:cSld>
+  <p:clrMapOvr>
+    <a:masterClrMapping/>
+  </p:clrMapOvr>
+</p:sld>
+</file>
+
+<file path=ppt/slides/slide35.xml><?xml version="1.0" encoding="utf-8"?>
+<p:sld xmlns:a="http://schemas.openxmlformats.org/drawingml/2006/main" xmlns:r="http://schemas.openxmlformats.org/officeDocument/2006/relationships" xmlns:p="http://schemas.openxmlformats.org/presentationml/2006/main">
+  <p:cSld>
+    <p:spTree>
+      <p:nvGrpSpPr>
+        <p:cNvPr id="1" name=""/>
+        <p:cNvGrpSpPr/>
+        <p:nvPr/>
+      </p:nvGrpSpPr>
+      <p:grpSpPr>
+        <a:xfrm>
+          <a:off x="0" y="0"/>
+          <a:ext cx="0" cy="0"/>
+          <a:chOff x="0" y="0"/>
+          <a:chExt cx="0" cy="0"/>
+        </a:xfrm>
+      </p:grpSpPr>
+      <p:grpSp xmlns:a="http://schemas.openxmlformats.org/drawingml/2006/main" xmlns:r="http://schemas.openxmlformats.org/officeDocument/2006/relationships" xmlns:p="http://schemas.openxmlformats.org/presentationml/2006/main" xmlns:pic="http://schemas.openxmlformats.org/drawingml/2006/picture">
+        <p:nvGrpSpPr>
+          <p:cNvPr id="2" name="grp1"/>
+          <p:cNvGrpSpPr/>
+          <p:nvPr/>
+        </p:nvGrpSpPr>
+        <p:grpSpPr>
+          <a:xfrm>
+            <a:off x="457200" y="1600200"/>
+            <a:ext cx="8229600" cy="4525962"/>
+            <a:chOff x="457200" y="1600200"/>
+            <a:chExt cx="8229600" cy="4525962"/>
+          </a:xfrm>
+        </p:grpSpPr>
+        <p:sp>
+          <p:nvSpPr>
+            <p:cNvPr id="3" name="rc3"/>
+            <p:cNvSpPr/>
+            <p:nvPr/>
+          </p:nvSpPr>
+          <p:spPr>
+            <a:xfrm>
+              <a:off x="457200" y="1600200"/>
+              <a:ext cx="8229600" cy="4525962"/>
+            </a:xfrm>
+            <a:prstGeom prst="rect">
+              <a:avLst/>
+            </a:prstGeom>
+            <a:solidFill>
+              <a:srgbClr val="FFFFFF">
+                <a:alpha val="100000"/>
+              </a:srgbClr>
+            </a:solidFill>
+            <a:ln w="9525" cap="rnd">
+              <a:solidFill>
+                <a:srgbClr val="FFFFFF">
+                  <a:alpha val="100000"/>
+                </a:srgbClr>
+              </a:solidFill>
+              <a:prstDash val="solid"/>
+              <a:round/>
+            </a:ln>
+          </p:spPr>
+          <p:txBody>
+            <a:bodyPr/>
+            <a:lstStyle/>
+            <a:p/>
+          </p:txBody>
+        </p:sp>
+        <p:sp>
+          <p:nvSpPr>
+            <p:cNvPr id="4" name="pl4"/>
+            <p:cNvSpPr/>
+            <p:nvPr/>
+          </p:nvSpPr>
+          <p:spPr>
+            <a:xfrm>
+              <a:off x="938418" y="5081601"/>
+              <a:ext cx="6738730" cy="0"/>
+            </a:xfrm>
+            <a:custGeom>
+              <a:avLst/>
+              <a:pathLst>
+                <a:path w="6738730" h="0">
+                  <a:moveTo>
+                    <a:pt x="0" y="0"/>
+                  </a:moveTo>
+                  <a:lnTo>
+                    <a:pt x="6738730" y="0"/>
+                  </a:lnTo>
+                  <a:lnTo>
+                    <a:pt x="6738730" y="0"/>
+                  </a:lnTo>
+                </a:path>
+              </a:pathLst>
+            </a:custGeom>
+            <a:ln w="6775" cap="flat">
+              <a:solidFill>
+                <a:srgbClr val="EBEBEB">
+                  <a:alpha val="100000"/>
+                </a:srgbClr>
+              </a:solidFill>
+              <a:prstDash val="solid"/>
+              <a:round/>
+            </a:ln>
+          </p:spPr>
+          <p:txBody>
+            <a:bodyPr/>
+            <a:lstStyle/>
+            <a:p/>
+          </p:txBody>
+        </p:sp>
+        <p:sp>
+          <p:nvSpPr>
+            <p:cNvPr id="5" name="pl5"/>
+            <p:cNvSpPr/>
+            <p:nvPr/>
+          </p:nvSpPr>
+          <p:spPr>
+            <a:xfrm>
+              <a:off x="938418" y="4147792"/>
+              <a:ext cx="6738730" cy="0"/>
+            </a:xfrm>
+            <a:custGeom>
+              <a:avLst/>
+              <a:pathLst>
+                <a:path w="6738730" h="0">
+                  <a:moveTo>
+                    <a:pt x="0" y="0"/>
+                  </a:moveTo>
+                  <a:lnTo>
+                    <a:pt x="6738730" y="0"/>
+                  </a:lnTo>
+                  <a:lnTo>
+                    <a:pt x="6738730" y="0"/>
+                  </a:lnTo>
+                </a:path>
+              </a:pathLst>
+            </a:custGeom>
+            <a:ln w="6775" cap="flat">
+              <a:solidFill>
+                <a:srgbClr val="EBEBEB">
+                  <a:alpha val="100000"/>
+                </a:srgbClr>
+              </a:solidFill>
+              <a:prstDash val="solid"/>
+              <a:round/>
+            </a:ln>
+          </p:spPr>
+          <p:txBody>
+            <a:bodyPr/>
+            <a:lstStyle/>
+            <a:p/>
+          </p:txBody>
+        </p:sp>
+        <p:sp>
+          <p:nvSpPr>
+            <p:cNvPr id="6" name="pl6"/>
+            <p:cNvSpPr/>
+            <p:nvPr/>
+          </p:nvSpPr>
+          <p:spPr>
+            <a:xfrm>
+              <a:off x="938418" y="3213982"/>
+              <a:ext cx="6738730" cy="0"/>
+            </a:xfrm>
+            <a:custGeom>
+              <a:avLst/>
+              <a:pathLst>
+                <a:path w="6738730" h="0">
+                  <a:moveTo>
+                    <a:pt x="0" y="0"/>
+                  </a:moveTo>
+                  <a:lnTo>
+                    <a:pt x="6738730" y="0"/>
+                  </a:lnTo>
+                  <a:lnTo>
+                    <a:pt x="6738730" y="0"/>
+                  </a:lnTo>
+                </a:path>
+              </a:pathLst>
+            </a:custGeom>
+            <a:ln w="6775" cap="flat">
+              <a:solidFill>
+                <a:srgbClr val="EBEBEB">
+                  <a:alpha val="100000"/>
+                </a:srgbClr>
+              </a:solidFill>
+              <a:prstDash val="solid"/>
+              <a:round/>
+            </a:ln>
+          </p:spPr>
+          <p:txBody>
+            <a:bodyPr/>
+            <a:lstStyle/>
+            <a:p/>
+          </p:txBody>
+        </p:sp>
+        <p:sp>
+          <p:nvSpPr>
+            <p:cNvPr id="7" name="pl7"/>
+            <p:cNvSpPr/>
+            <p:nvPr/>
+          </p:nvSpPr>
+          <p:spPr>
+            <a:xfrm>
+              <a:off x="938418" y="2280172"/>
+              <a:ext cx="6738730" cy="0"/>
+            </a:xfrm>
+            <a:custGeom>
+              <a:avLst/>
+              <a:pathLst>
+                <a:path w="6738730" h="0">
+                  <a:moveTo>
+                    <a:pt x="0" y="0"/>
+                  </a:moveTo>
+                  <a:lnTo>
+                    <a:pt x="6738730" y="0"/>
+                  </a:lnTo>
+                  <a:lnTo>
+                    <a:pt x="6738730" y="0"/>
+                  </a:lnTo>
+                </a:path>
+              </a:pathLst>
+            </a:custGeom>
+            <a:ln w="6775" cap="flat">
+              <a:solidFill>
+                <a:srgbClr val="EBEBEB">
+                  <a:alpha val="100000"/>
+                </a:srgbClr>
+              </a:solidFill>
+              <a:prstDash val="solid"/>
+              <a:round/>
+            </a:ln>
+          </p:spPr>
+          <p:txBody>
+            <a:bodyPr/>
+            <a:lstStyle/>
+            <a:p/>
+          </p:txBody>
+        </p:sp>
+        <p:sp>
+          <p:nvSpPr>
+            <p:cNvPr id="8" name="pl8"/>
+            <p:cNvSpPr/>
+            <p:nvPr/>
+          </p:nvSpPr>
+          <p:spPr>
+            <a:xfrm>
+              <a:off x="938418" y="5548506"/>
+              <a:ext cx="6738730" cy="0"/>
+            </a:xfrm>
+            <a:custGeom>
+              <a:avLst/>
+              <a:pathLst>
+                <a:path w="6738730" h="0">
+                  <a:moveTo>
+                    <a:pt x="0" y="0"/>
+                  </a:moveTo>
+                  <a:lnTo>
+                    <a:pt x="6738730" y="0"/>
+                  </a:lnTo>
+                  <a:lnTo>
+                    <a:pt x="6738730" y="0"/>
+                  </a:lnTo>
+                </a:path>
+              </a:pathLst>
+            </a:custGeom>
+            <a:ln w="13550" cap="flat">
+              <a:solidFill>
+                <a:srgbClr val="EBEBEB">
+                  <a:alpha val="100000"/>
+                </a:srgbClr>
+              </a:solidFill>
+              <a:prstDash val="solid"/>
+              <a:round/>
+            </a:ln>
+          </p:spPr>
+          <p:txBody>
+            <a:bodyPr/>
+            <a:lstStyle/>
+            <a:p/>
+          </p:txBody>
+        </p:sp>
+        <p:sp>
+          <p:nvSpPr>
+            <p:cNvPr id="9" name="pl9"/>
+            <p:cNvSpPr/>
+            <p:nvPr/>
+          </p:nvSpPr>
+          <p:spPr>
+            <a:xfrm>
+              <a:off x="938418" y="4614697"/>
+              <a:ext cx="6738730" cy="0"/>
+            </a:xfrm>
+            <a:custGeom>
+              <a:avLst/>
+              <a:pathLst>
+                <a:path w="6738730" h="0">
+                  <a:moveTo>
+                    <a:pt x="0" y="0"/>
+                  </a:moveTo>
+                  <a:lnTo>
+                    <a:pt x="6738730" y="0"/>
+                  </a:lnTo>
+                  <a:lnTo>
+                    <a:pt x="6738730" y="0"/>
+                  </a:lnTo>
+                </a:path>
+              </a:pathLst>
+            </a:custGeom>
+            <a:ln w="13550" cap="flat">
+              <a:solidFill>
+                <a:srgbClr val="EBEBEB">
+                  <a:alpha val="100000"/>
+                </a:srgbClr>
+              </a:solidFill>
+              <a:prstDash val="solid"/>
+              <a:round/>
+            </a:ln>
+          </p:spPr>
+          <p:txBody>
+            <a:bodyPr/>
+            <a:lstStyle/>
+            <a:p/>
+          </p:txBody>
+        </p:sp>
+        <p:sp>
+          <p:nvSpPr>
+            <p:cNvPr id="10" name="pl10"/>
+            <p:cNvSpPr/>
+            <p:nvPr/>
+          </p:nvSpPr>
+          <p:spPr>
+            <a:xfrm>
+              <a:off x="938418" y="3680887"/>
+              <a:ext cx="6738730" cy="0"/>
+            </a:xfrm>
+            <a:custGeom>
+              <a:avLst/>
+              <a:pathLst>
+                <a:path w="6738730" h="0">
+                  <a:moveTo>
+                    <a:pt x="0" y="0"/>
+                  </a:moveTo>
+                  <a:lnTo>
+                    <a:pt x="6738730" y="0"/>
+                  </a:lnTo>
+                  <a:lnTo>
+                    <a:pt x="6738730" y="0"/>
+                  </a:lnTo>
+                </a:path>
+              </a:pathLst>
+            </a:custGeom>
+            <a:ln w="13550" cap="flat">
+              <a:solidFill>
+                <a:srgbClr val="EBEBEB">
+                  <a:alpha val="100000"/>
+                </a:srgbClr>
+              </a:solidFill>
+              <a:prstDash val="solid"/>
+              <a:round/>
+            </a:ln>
+          </p:spPr>
+          <p:txBody>
+            <a:bodyPr/>
+            <a:lstStyle/>
+            <a:p/>
+          </p:txBody>
+        </p:sp>
+        <p:sp>
+          <p:nvSpPr>
+            <p:cNvPr id="11" name="pl11"/>
+            <p:cNvSpPr/>
+            <p:nvPr/>
+          </p:nvSpPr>
+          <p:spPr>
+            <a:xfrm>
+              <a:off x="938418" y="2747077"/>
+              <a:ext cx="6738730" cy="0"/>
+            </a:xfrm>
+            <a:custGeom>
+              <a:avLst/>
+              <a:pathLst>
+                <a:path w="6738730" h="0">
+                  <a:moveTo>
+                    <a:pt x="0" y="0"/>
+                  </a:moveTo>
+                  <a:lnTo>
+                    <a:pt x="6738730" y="0"/>
+                  </a:lnTo>
+                  <a:lnTo>
+                    <a:pt x="6738730" y="0"/>
+                  </a:lnTo>
+                </a:path>
+              </a:pathLst>
+            </a:custGeom>
+            <a:ln w="13550" cap="flat">
+              <a:solidFill>
+                <a:srgbClr val="EBEBEB">
+                  <a:alpha val="100000"/>
+                </a:srgbClr>
+              </a:solidFill>
+              <a:prstDash val="solid"/>
+              <a:round/>
+            </a:ln>
+          </p:spPr>
+          <p:txBody>
+            <a:bodyPr/>
+            <a:lstStyle/>
+            <a:p/>
+          </p:txBody>
+        </p:sp>
+        <p:sp>
+          <p:nvSpPr>
+            <p:cNvPr id="12" name="pl12"/>
+            <p:cNvSpPr/>
+            <p:nvPr/>
+          </p:nvSpPr>
+          <p:spPr>
+            <a:xfrm>
+              <a:off x="1715964" y="1886338"/>
+              <a:ext cx="0" cy="3836557"/>
+            </a:xfrm>
+            <a:custGeom>
+              <a:avLst/>
+              <a:pathLst>
+                <a:path w="0" h="3836557">
+                  <a:moveTo>
+                    <a:pt x="0" y="3836557"/>
+                  </a:moveTo>
+                  <a:lnTo>
+                    <a:pt x="0" y="0"/>
+                  </a:lnTo>
+                  <a:lnTo>
+                    <a:pt x="0" y="0"/>
+                  </a:lnTo>
+                </a:path>
+              </a:pathLst>
+            </a:custGeom>
+            <a:ln w="13550" cap="flat">
+              <a:solidFill>
+                <a:srgbClr val="EBEBEB">
+                  <a:alpha val="100000"/>
+                </a:srgbClr>
+              </a:solidFill>
+              <a:prstDash val="solid"/>
+              <a:round/>
+            </a:ln>
+          </p:spPr>
+          <p:txBody>
+            <a:bodyPr/>
+            <a:lstStyle/>
+            <a:p/>
+          </p:txBody>
+        </p:sp>
+        <p:sp>
+          <p:nvSpPr>
+            <p:cNvPr id="13" name="pl13"/>
+            <p:cNvSpPr/>
+            <p:nvPr/>
+          </p:nvSpPr>
+          <p:spPr>
+            <a:xfrm>
+              <a:off x="3011873" y="1886338"/>
+              <a:ext cx="0" cy="3836557"/>
+            </a:xfrm>
+            <a:custGeom>
+              <a:avLst/>
+              <a:pathLst>
+                <a:path w="0" h="3836557">
+                  <a:moveTo>
+                    <a:pt x="0" y="3836557"/>
+                  </a:moveTo>
+                  <a:lnTo>
+                    <a:pt x="0" y="0"/>
+                  </a:lnTo>
+                  <a:lnTo>
+                    <a:pt x="0" y="0"/>
+                  </a:lnTo>
+                </a:path>
+              </a:pathLst>
+            </a:custGeom>
+            <a:ln w="13550" cap="flat">
+              <a:solidFill>
+                <a:srgbClr val="EBEBEB">
+                  <a:alpha val="100000"/>
+                </a:srgbClr>
+              </a:solidFill>
+              <a:prstDash val="solid"/>
+              <a:round/>
+            </a:ln>
+          </p:spPr>
+          <p:txBody>
+            <a:bodyPr/>
+            <a:lstStyle/>
+            <a:p/>
+          </p:txBody>
+        </p:sp>
+        <p:sp>
+          <p:nvSpPr>
+            <p:cNvPr id="14" name="pl14"/>
+            <p:cNvSpPr/>
+            <p:nvPr/>
+          </p:nvSpPr>
+          <p:spPr>
+            <a:xfrm>
+              <a:off x="4307783" y="1886338"/>
+              <a:ext cx="0" cy="3836557"/>
+            </a:xfrm>
+            <a:custGeom>
+              <a:avLst/>
+              <a:pathLst>
+                <a:path w="0" h="3836557">
+                  <a:moveTo>
+                    <a:pt x="0" y="3836557"/>
+                  </a:moveTo>
+                  <a:lnTo>
+                    <a:pt x="0" y="0"/>
+                  </a:lnTo>
+                  <a:lnTo>
+                    <a:pt x="0" y="0"/>
+                  </a:lnTo>
+                </a:path>
+              </a:pathLst>
+            </a:custGeom>
+            <a:ln w="13550" cap="flat">
+              <a:solidFill>
+                <a:srgbClr val="EBEBEB">
+                  <a:alpha val="100000"/>
+                </a:srgbClr>
+              </a:solidFill>
+              <a:prstDash val="solid"/>
+              <a:round/>
+            </a:ln>
+          </p:spPr>
+          <p:txBody>
+            <a:bodyPr/>
+            <a:lstStyle/>
+            <a:p/>
+          </p:txBody>
+        </p:sp>
+        <p:sp>
+          <p:nvSpPr>
+            <p:cNvPr id="15" name="pl15"/>
+            <p:cNvSpPr/>
+            <p:nvPr/>
+          </p:nvSpPr>
+          <p:spPr>
+            <a:xfrm>
+              <a:off x="5603693" y="1886338"/>
+              <a:ext cx="0" cy="3836557"/>
+            </a:xfrm>
+            <a:custGeom>
+              <a:avLst/>
+              <a:pathLst>
+                <a:path w="0" h="3836557">
+                  <a:moveTo>
+                    <a:pt x="0" y="3836557"/>
+                  </a:moveTo>
+                  <a:lnTo>
+                    <a:pt x="0" y="0"/>
+                  </a:lnTo>
+                  <a:lnTo>
+                    <a:pt x="0" y="0"/>
+                  </a:lnTo>
+                </a:path>
+              </a:pathLst>
+            </a:custGeom>
+            <a:ln w="13550" cap="flat">
+              <a:solidFill>
+                <a:srgbClr val="EBEBEB">
+                  <a:alpha val="100000"/>
+                </a:srgbClr>
+              </a:solidFill>
+              <a:prstDash val="solid"/>
+              <a:round/>
+            </a:ln>
+          </p:spPr>
+          <p:txBody>
+            <a:bodyPr/>
+            <a:lstStyle/>
+            <a:p/>
+          </p:txBody>
+        </p:sp>
+        <p:sp>
+          <p:nvSpPr>
+            <p:cNvPr id="16" name="pl16"/>
+            <p:cNvSpPr/>
+            <p:nvPr/>
+          </p:nvSpPr>
+          <p:spPr>
+            <a:xfrm>
+              <a:off x="6899603" y="1886338"/>
+              <a:ext cx="0" cy="3836557"/>
+            </a:xfrm>
+            <a:custGeom>
+              <a:avLst/>
+              <a:pathLst>
+                <a:path w="0" h="3836557">
+                  <a:moveTo>
+                    <a:pt x="0" y="3836557"/>
+                  </a:moveTo>
+                  <a:lnTo>
+                    <a:pt x="0" y="0"/>
+                  </a:lnTo>
+                  <a:lnTo>
+                    <a:pt x="0" y="0"/>
+                  </a:lnTo>
+                </a:path>
+              </a:pathLst>
+            </a:custGeom>
+            <a:ln w="13550" cap="flat">
+              <a:solidFill>
+                <a:srgbClr val="EBEBEB">
+                  <a:alpha val="100000"/>
+                </a:srgbClr>
+              </a:solidFill>
+              <a:prstDash val="solid"/>
+              <a:round/>
+            </a:ln>
+          </p:spPr>
+          <p:txBody>
+            <a:bodyPr/>
+            <a:lstStyle/>
+            <a:p/>
+          </p:txBody>
+        </p:sp>
+        <p:sp>
+          <p:nvSpPr>
+            <p:cNvPr id="17" name="rc17"/>
+            <p:cNvSpPr/>
+            <p:nvPr/>
+          </p:nvSpPr>
+          <p:spPr>
+            <a:xfrm>
+              <a:off x="1715964" y="4950868"/>
+              <a:ext cx="583159" cy="597638"/>
+            </a:xfrm>
+            <a:prstGeom prst="rect">
+              <a:avLst/>
+            </a:prstGeom>
+            <a:solidFill>
+              <a:srgbClr val="00BFC4">
+                <a:alpha val="100000"/>
+              </a:srgbClr>
+            </a:solidFill>
+          </p:spPr>
+          <p:txBody>
+            <a:bodyPr/>
+            <a:lstStyle/>
+            <a:p/>
+          </p:txBody>
+        </p:sp>
+        <p:sp>
+          <p:nvSpPr>
+            <p:cNvPr id="18" name="rc18"/>
+            <p:cNvSpPr/>
+            <p:nvPr/>
+          </p:nvSpPr>
+          <p:spPr>
+            <a:xfrm>
+              <a:off x="1132804" y="4941530"/>
+              <a:ext cx="583159" cy="606976"/>
+            </a:xfrm>
+            <a:prstGeom prst="rect">
+              <a:avLst/>
+            </a:prstGeom>
+            <a:solidFill>
+              <a:srgbClr val="F8766D">
+                <a:alpha val="100000"/>
+              </a:srgbClr>
+            </a:solidFill>
+          </p:spPr>
+          <p:txBody>
+            <a:bodyPr/>
+            <a:lstStyle/>
+            <a:p/>
+          </p:txBody>
+        </p:sp>
+        <p:sp>
+          <p:nvSpPr>
+            <p:cNvPr id="19" name="rc19"/>
+            <p:cNvSpPr/>
+            <p:nvPr/>
+          </p:nvSpPr>
+          <p:spPr>
+            <a:xfrm>
+              <a:off x="3011873" y="3666880"/>
+              <a:ext cx="583159" cy="1881626"/>
+            </a:xfrm>
+            <a:prstGeom prst="rect">
+              <a:avLst/>
+            </a:prstGeom>
+            <a:solidFill>
+              <a:srgbClr val="00BFC4">
+                <a:alpha val="100000"/>
+              </a:srgbClr>
+            </a:solidFill>
+          </p:spPr>
+          <p:txBody>
+            <a:bodyPr/>
+            <a:lstStyle/>
+            <a:p/>
+          </p:txBody>
+        </p:sp>
+        <p:sp>
+          <p:nvSpPr>
+            <p:cNvPr id="20" name="rc20"/>
+            <p:cNvSpPr/>
+            <p:nvPr/>
+          </p:nvSpPr>
+          <p:spPr>
+            <a:xfrm>
+              <a:off x="2428714" y="3820958"/>
+              <a:ext cx="583159" cy="1727548"/>
+            </a:xfrm>
+            <a:prstGeom prst="rect">
+              <a:avLst/>
+            </a:prstGeom>
+            <a:solidFill>
+              <a:srgbClr val="F8766D">
+                <a:alpha val="100000"/>
+              </a:srgbClr>
+            </a:solidFill>
+          </p:spPr>
+          <p:txBody>
+            <a:bodyPr/>
+            <a:lstStyle/>
+            <a:p/>
+          </p:txBody>
+        </p:sp>
+        <p:sp>
+          <p:nvSpPr>
+            <p:cNvPr id="21" name="rc21"/>
+            <p:cNvSpPr/>
+            <p:nvPr/>
+          </p:nvSpPr>
+          <p:spPr>
+            <a:xfrm>
+              <a:off x="4307783" y="4712747"/>
+              <a:ext cx="583159" cy="835759"/>
+            </a:xfrm>
+            <a:prstGeom prst="rect">
+              <a:avLst/>
+            </a:prstGeom>
+            <a:solidFill>
+              <a:srgbClr val="00BFC4">
+                <a:alpha val="100000"/>
+              </a:srgbClr>
+            </a:solidFill>
+          </p:spPr>
+          <p:txBody>
+            <a:bodyPr/>
+            <a:lstStyle/>
+            <a:p/>
+          </p:txBody>
+        </p:sp>
+        <p:sp>
+          <p:nvSpPr>
+            <p:cNvPr id="22" name="rc22"/>
+            <p:cNvSpPr/>
+            <p:nvPr/>
+          </p:nvSpPr>
+          <p:spPr>
+            <a:xfrm>
+              <a:off x="3724624" y="4423266"/>
+              <a:ext cx="583159" cy="1125240"/>
+            </a:xfrm>
+            <a:prstGeom prst="rect">
+              <a:avLst/>
+            </a:prstGeom>
+            <a:solidFill>
+              <a:srgbClr val="F8766D">
+                <a:alpha val="100000"/>
+              </a:srgbClr>
+            </a:solidFill>
+          </p:spPr>
+          <p:txBody>
+            <a:bodyPr/>
+            <a:lstStyle/>
+            <a:p/>
+          </p:txBody>
+        </p:sp>
+        <p:sp>
+          <p:nvSpPr>
+            <p:cNvPr id="23" name="rc23"/>
+            <p:cNvSpPr/>
+            <p:nvPr/>
+          </p:nvSpPr>
+          <p:spPr>
+            <a:xfrm>
+              <a:off x="5603693" y="2177453"/>
+              <a:ext cx="583159" cy="3371053"/>
+            </a:xfrm>
+            <a:prstGeom prst="rect">
+              <a:avLst/>
+            </a:prstGeom>
+            <a:solidFill>
+              <a:srgbClr val="00BFC4">
+                <a:alpha val="100000"/>
+              </a:srgbClr>
+            </a:solidFill>
+          </p:spPr>
+          <p:txBody>
+            <a:bodyPr/>
+            <a:lstStyle/>
+            <a:p/>
+          </p:txBody>
+        </p:sp>
+        <p:sp>
+          <p:nvSpPr>
+            <p:cNvPr id="24" name="rc24"/>
+            <p:cNvSpPr/>
+            <p:nvPr/>
+          </p:nvSpPr>
+          <p:spPr>
+            <a:xfrm>
+              <a:off x="5020534" y="2060727"/>
+              <a:ext cx="583159" cy="3487779"/>
+            </a:xfrm>
+            <a:prstGeom prst="rect">
+              <a:avLst/>
+            </a:prstGeom>
+            <a:solidFill>
+              <a:srgbClr val="F8766D">
+                <a:alpha val="100000"/>
+              </a:srgbClr>
+            </a:solidFill>
+          </p:spPr>
+          <p:txBody>
+            <a:bodyPr/>
+            <a:lstStyle/>
+            <a:p/>
+          </p:txBody>
+        </p:sp>
+        <p:sp>
+          <p:nvSpPr>
+            <p:cNvPr id="25" name="rc25"/>
+            <p:cNvSpPr/>
+            <p:nvPr/>
+          </p:nvSpPr>
+          <p:spPr>
+            <a:xfrm>
+              <a:off x="6899603" y="3027220"/>
+              <a:ext cx="583159" cy="2521286"/>
+            </a:xfrm>
+            <a:prstGeom prst="rect">
+              <a:avLst/>
+            </a:prstGeom>
+            <a:solidFill>
+              <a:srgbClr val="00BFC4">
+                <a:alpha val="100000"/>
+              </a:srgbClr>
+            </a:solidFill>
+          </p:spPr>
+          <p:txBody>
+            <a:bodyPr/>
+            <a:lstStyle/>
+            <a:p/>
+          </p:txBody>
+        </p:sp>
+        <p:sp>
+          <p:nvSpPr>
+            <p:cNvPr id="26" name="rc26"/>
+            <p:cNvSpPr/>
+            <p:nvPr/>
+          </p:nvSpPr>
+          <p:spPr>
+            <a:xfrm>
+              <a:off x="6316443" y="2971191"/>
+              <a:ext cx="583159" cy="2577314"/>
+            </a:xfrm>
+            <a:prstGeom prst="rect">
+              <a:avLst/>
+            </a:prstGeom>
+            <a:solidFill>
+              <a:srgbClr val="F8766D">
+                <a:alpha val="100000"/>
+              </a:srgbClr>
+            </a:solidFill>
+          </p:spPr>
+          <p:txBody>
+            <a:bodyPr/>
+            <a:lstStyle/>
+            <a:p/>
+          </p:txBody>
+        </p:sp>
+        <p:sp>
+          <p:nvSpPr>
+            <p:cNvPr id="27" name="tx27"/>
+            <p:cNvSpPr/>
+            <p:nvPr/>
+          </p:nvSpPr>
+          <p:spPr>
+            <a:xfrm>
+              <a:off x="813632" y="5507824"/>
+              <a:ext cx="62155" cy="79126"/>
+            </a:xfrm>
+            <a:prstGeom prst="rect">
+              <a:avLst/>
+            </a:prstGeom>
+            <a:noFill/>
+          </p:spPr>
+          <p:txBody>
+            <a:bodyPr lIns="0" rIns="0" tIns="0" bIns="0" anchorCtr="1" anchor="ctr" wrap="none"/>
+            <a:lstStyle/>
+            <a:p>
+              <a:pPr algn="l" marL="0" marR="0" indent="0">
+                <a:lnSpc>
+                  <a:spcPts val="880"/>
+                </a:lnSpc>
+                <a:spcBef>
+                  <a:spcPts val="0"/>
+                </a:spcBef>
+                <a:spcAft>
+                  <a:spcPts val="0"/>
+                </a:spcAft>
+              </a:pPr>
+              <a:r>
+                <a:rPr sz="880">
+                  <a:solidFill>
+                    <a:srgbClr val="4D4D4D">
+                      <a:alpha val="100000"/>
+                    </a:srgbClr>
+                  </a:solidFill>
+                  <a:latin typeface="Liberation Sans"/>
+                  <a:cs typeface="Liberation Sans"/>
+                </a:rPr>
+                <a:t>0</a:t>
+              </a:r>
+            </a:p>
+          </p:txBody>
+        </p:sp>
+        <p:sp>
+          <p:nvSpPr>
+            <p:cNvPr id="28" name="tx28"/>
+            <p:cNvSpPr/>
+            <p:nvPr/>
+          </p:nvSpPr>
+          <p:spPr>
+            <a:xfrm>
+              <a:off x="689321" y="4574014"/>
+              <a:ext cx="186466" cy="79126"/>
+            </a:xfrm>
+            <a:prstGeom prst="rect">
+              <a:avLst/>
+            </a:prstGeom>
+            <a:noFill/>
+          </p:spPr>
+          <p:txBody>
+            <a:bodyPr lIns="0" rIns="0" tIns="0" bIns="0" anchorCtr="1" anchor="ctr" wrap="none"/>
+            <a:lstStyle/>
+            <a:p>
+              <a:pPr algn="l" marL="0" marR="0" indent="0">
+                <a:lnSpc>
+                  <a:spcPts val="880"/>
+                </a:lnSpc>
+                <a:spcBef>
+                  <a:spcPts val="0"/>
+                </a:spcBef>
+                <a:spcAft>
+                  <a:spcPts val="0"/>
+                </a:spcAft>
+              </a:pPr>
+              <a:r>
+                <a:rPr sz="880">
+                  <a:solidFill>
+                    <a:srgbClr val="4D4D4D">
+                      <a:alpha val="100000"/>
+                    </a:srgbClr>
+                  </a:solidFill>
+                  <a:latin typeface="Liberation Sans"/>
+                  <a:cs typeface="Liberation Sans"/>
+                </a:rPr>
+                <a:t>200</a:t>
+              </a:r>
+            </a:p>
+          </p:txBody>
+        </p:sp>
+        <p:sp>
+          <p:nvSpPr>
+            <p:cNvPr id="29" name="tx29"/>
+            <p:cNvSpPr/>
+            <p:nvPr/>
+          </p:nvSpPr>
+          <p:spPr>
+            <a:xfrm>
+              <a:off x="689321" y="3640205"/>
+              <a:ext cx="186466" cy="79126"/>
+            </a:xfrm>
+            <a:prstGeom prst="rect">
+              <a:avLst/>
+            </a:prstGeom>
+            <a:noFill/>
+          </p:spPr>
+          <p:txBody>
+            <a:bodyPr lIns="0" rIns="0" tIns="0" bIns="0" anchorCtr="1" anchor="ctr" wrap="none"/>
+            <a:lstStyle/>
+            <a:p>
+              <a:pPr algn="l" marL="0" marR="0" indent="0">
+                <a:lnSpc>
+                  <a:spcPts val="880"/>
+                </a:lnSpc>
+                <a:spcBef>
+                  <a:spcPts val="0"/>
+                </a:spcBef>
+                <a:spcAft>
+                  <a:spcPts val="0"/>
+                </a:spcAft>
+              </a:pPr>
+              <a:r>
+                <a:rPr sz="880">
+                  <a:solidFill>
+                    <a:srgbClr val="4D4D4D">
+                      <a:alpha val="100000"/>
+                    </a:srgbClr>
+                  </a:solidFill>
+                  <a:latin typeface="Liberation Sans"/>
+                  <a:cs typeface="Liberation Sans"/>
+                </a:rPr>
+                <a:t>400</a:t>
+              </a:r>
+            </a:p>
+          </p:txBody>
+        </p:sp>
+        <p:sp>
+          <p:nvSpPr>
+            <p:cNvPr id="30" name="tx30"/>
+            <p:cNvSpPr/>
+            <p:nvPr/>
+          </p:nvSpPr>
+          <p:spPr>
+            <a:xfrm>
+              <a:off x="689321" y="2706395"/>
+              <a:ext cx="186466" cy="79126"/>
+            </a:xfrm>
+            <a:prstGeom prst="rect">
+              <a:avLst/>
+            </a:prstGeom>
+            <a:noFill/>
+          </p:spPr>
+          <p:txBody>
+            <a:bodyPr lIns="0" rIns="0" tIns="0" bIns="0" anchorCtr="1" anchor="ctr" wrap="none"/>
+            <a:lstStyle/>
+            <a:p>
+              <a:pPr algn="l" marL="0" marR="0" indent="0">
+                <a:lnSpc>
+                  <a:spcPts val="880"/>
+                </a:lnSpc>
+                <a:spcBef>
+                  <a:spcPts val="0"/>
+                </a:spcBef>
+                <a:spcAft>
+                  <a:spcPts val="0"/>
+                </a:spcAft>
+              </a:pPr>
+              <a:r>
+                <a:rPr sz="880">
+                  <a:solidFill>
+                    <a:srgbClr val="4D4D4D">
+                      <a:alpha val="100000"/>
+                    </a:srgbClr>
+                  </a:solidFill>
+                  <a:latin typeface="Liberation Sans"/>
+                  <a:cs typeface="Liberation Sans"/>
+                </a:rPr>
+                <a:t>600</a:t>
+              </a:r>
+            </a:p>
+          </p:txBody>
+        </p:sp>
+        <p:sp>
+          <p:nvSpPr>
+            <p:cNvPr id="31" name="tx31"/>
+            <p:cNvSpPr/>
+            <p:nvPr/>
+          </p:nvSpPr>
+          <p:spPr>
+            <a:xfrm>
+              <a:off x="1557519" y="5758240"/>
+              <a:ext cx="316889" cy="104174"/>
+            </a:xfrm>
+            <a:prstGeom prst="rect">
+              <a:avLst/>
+            </a:prstGeom>
+            <a:noFill/>
+          </p:spPr>
+          <p:txBody>
+            <a:bodyPr lIns="0" rIns="0" tIns="0" bIns="0" anchorCtr="1" anchor="ctr" wrap="none"/>
+            <a:lstStyle/>
+            <a:p>
+              <a:pPr algn="l" marL="0" marR="0" indent="0">
+                <a:lnSpc>
+                  <a:spcPts val="880"/>
+                </a:lnSpc>
+                <a:spcBef>
+                  <a:spcPts val="0"/>
+                </a:spcBef>
+                <a:spcAft>
+                  <a:spcPts val="0"/>
+                </a:spcAft>
+              </a:pPr>
+              <a:r>
+                <a:rPr sz="880">
+                  <a:solidFill>
+                    <a:srgbClr val="4D4D4D">
+                      <a:alpha val="100000"/>
+                    </a:srgbClr>
+                  </a:solidFill>
+                  <a:latin typeface="Liberation Sans"/>
+                  <a:cs typeface="Liberation Sans"/>
+                </a:rPr>
+                <a:t>Eating</a:t>
+              </a:r>
+            </a:p>
+          </p:txBody>
+        </p:sp>
+        <p:sp>
+          <p:nvSpPr>
+            <p:cNvPr id="32" name="tx32"/>
+            <p:cNvSpPr/>
+            <p:nvPr/>
+          </p:nvSpPr>
+          <p:spPr>
+            <a:xfrm>
+              <a:off x="2701314" y="5758240"/>
+              <a:ext cx="621119" cy="104174"/>
+            </a:xfrm>
+            <a:prstGeom prst="rect">
+              <a:avLst/>
+            </a:prstGeom>
+            <a:noFill/>
+          </p:spPr>
+          <p:txBody>
+            <a:bodyPr lIns="0" rIns="0" tIns="0" bIns="0" anchorCtr="1" anchor="ctr" wrap="none"/>
+            <a:lstStyle/>
+            <a:p>
+              <a:pPr algn="l" marL="0" marR="0" indent="0">
+                <a:lnSpc>
+                  <a:spcPts val="880"/>
+                </a:lnSpc>
+                <a:spcBef>
+                  <a:spcPts val="0"/>
+                </a:spcBef>
+                <a:spcAft>
+                  <a:spcPts val="0"/>
+                </a:spcAft>
+              </a:pPr>
+              <a:r>
+                <a:rPr sz="880">
+                  <a:solidFill>
+                    <a:srgbClr val="4D4D4D">
+                      <a:alpha val="100000"/>
+                    </a:srgbClr>
+                  </a:solidFill>
+                  <a:latin typeface="Liberation Sans"/>
+                  <a:cs typeface="Liberation Sans"/>
+                </a:rPr>
+                <a:t>Employment</a:t>
+              </a:r>
+            </a:p>
+          </p:txBody>
+        </p:sp>
+        <p:sp>
+          <p:nvSpPr>
+            <p:cNvPr id="33" name="tx33"/>
+            <p:cNvSpPr/>
+            <p:nvPr/>
+          </p:nvSpPr>
+          <p:spPr>
+            <a:xfrm>
+              <a:off x="3646173" y="5758240"/>
+              <a:ext cx="1323220" cy="104174"/>
+            </a:xfrm>
+            <a:prstGeom prst="rect">
+              <a:avLst/>
+            </a:prstGeom>
+            <a:noFill/>
+          </p:spPr>
+          <p:txBody>
+            <a:bodyPr lIns="0" rIns="0" tIns="0" bIns="0" anchorCtr="1" anchor="ctr" wrap="none"/>
+            <a:lstStyle/>
+            <a:p>
+              <a:pPr algn="l" marL="0" marR="0" indent="0">
+                <a:lnSpc>
+                  <a:spcPts val="880"/>
+                </a:lnSpc>
+                <a:spcBef>
+                  <a:spcPts val="0"/>
+                </a:spcBef>
+                <a:spcAft>
+                  <a:spcPts val="0"/>
+                </a:spcAft>
+              </a:pPr>
+              <a:r>
+                <a:rPr sz="880">
+                  <a:solidFill>
+                    <a:srgbClr val="4D4D4D">
+                      <a:alpha val="100000"/>
+                    </a:srgbClr>
+                  </a:solidFill>
+                  <a:latin typeface="Liberation Sans"/>
+                  <a:cs typeface="Liberation Sans"/>
+                </a:rPr>
+                <a:t>Household and family care</a:t>
+              </a:r>
+            </a:p>
+          </p:txBody>
+        </p:sp>
+        <p:sp>
+          <p:nvSpPr>
+            <p:cNvPr id="34" name="tx34"/>
+            <p:cNvSpPr/>
+            <p:nvPr/>
+          </p:nvSpPr>
+          <p:spPr>
+            <a:xfrm>
+              <a:off x="5258918" y="5780341"/>
+              <a:ext cx="689550" cy="82073"/>
+            </a:xfrm>
+            <a:prstGeom prst="rect">
+              <a:avLst/>
+            </a:prstGeom>
+            <a:noFill/>
+          </p:spPr>
+          <p:txBody>
+            <a:bodyPr lIns="0" rIns="0" tIns="0" bIns="0" anchorCtr="1" anchor="ctr" wrap="none"/>
+            <a:lstStyle/>
+            <a:p>
+              <a:pPr algn="l" marL="0" marR="0" indent="0">
+                <a:lnSpc>
+                  <a:spcPts val="880"/>
+                </a:lnSpc>
+                <a:spcBef>
+                  <a:spcPts val="0"/>
+                </a:spcBef>
+                <a:spcAft>
+                  <a:spcPts val="0"/>
+                </a:spcAft>
+              </a:pPr>
+              <a:r>
+                <a:rPr sz="880">
+                  <a:solidFill>
+                    <a:srgbClr val="4D4D4D">
+                      <a:alpha val="100000"/>
+                    </a:srgbClr>
+                  </a:solidFill>
+                  <a:latin typeface="Liberation Sans"/>
+                  <a:cs typeface="Liberation Sans"/>
+                </a:rPr>
+                <a:t>Personal care</a:t>
+              </a:r>
+            </a:p>
+          </p:txBody>
+        </p:sp>
+        <p:sp>
+          <p:nvSpPr>
+            <p:cNvPr id="35" name="tx35"/>
+            <p:cNvSpPr/>
+            <p:nvPr/>
+          </p:nvSpPr>
+          <p:spPr>
+            <a:xfrm>
+              <a:off x="6756683" y="5758240"/>
+              <a:ext cx="285839" cy="104174"/>
+            </a:xfrm>
+            <a:prstGeom prst="rect">
+              <a:avLst/>
+            </a:prstGeom>
+            <a:noFill/>
+          </p:spPr>
+          <p:txBody>
+            <a:bodyPr lIns="0" rIns="0" tIns="0" bIns="0" anchorCtr="1" anchor="ctr" wrap="none"/>
+            <a:lstStyle/>
+            <a:p>
+              <a:pPr algn="l" marL="0" marR="0" indent="0">
+                <a:lnSpc>
+                  <a:spcPts val="880"/>
+                </a:lnSpc>
+                <a:spcBef>
+                  <a:spcPts val="0"/>
+                </a:spcBef>
+                <a:spcAft>
+                  <a:spcPts val="0"/>
+                </a:spcAft>
+              </a:pPr>
+              <a:r>
+                <a:rPr sz="880">
+                  <a:solidFill>
+                    <a:srgbClr val="4D4D4D">
+                      <a:alpha val="100000"/>
+                    </a:srgbClr>
+                  </a:solidFill>
+                  <a:latin typeface="Liberation Sans"/>
+                  <a:cs typeface="Liberation Sans"/>
+                </a:rPr>
+                <a:t>Sleep</a:t>
+              </a:r>
+            </a:p>
+          </p:txBody>
+        </p:sp>
+        <p:sp>
+          <p:nvSpPr>
+            <p:cNvPr id="36" name="tx36"/>
+            <p:cNvSpPr/>
+            <p:nvPr/>
+          </p:nvSpPr>
+          <p:spPr>
+            <a:xfrm>
+              <a:off x="4032203" y="5922355"/>
+              <a:ext cx="551160" cy="102592"/>
+            </a:xfrm>
+            <a:prstGeom prst="rect">
+              <a:avLst/>
+            </a:prstGeom>
+            <a:noFill/>
+          </p:spPr>
+          <p:txBody>
+            <a:bodyPr lIns="0" rIns="0" tIns="0" bIns="0" anchorCtr="1" anchor="ctr" wrap="none"/>
+            <a:lstStyle/>
+            <a:p>
+              <a:pPr algn="l" marL="0" marR="0" indent="0">
+                <a:lnSpc>
+                  <a:spcPts val="1100"/>
+                </a:lnSpc>
+                <a:spcBef>
+                  <a:spcPts val="0"/>
+                </a:spcBef>
+                <a:spcAft>
+                  <a:spcPts val="0"/>
+                </a:spcAft>
+              </a:pPr>
+              <a:r>
+                <a:rPr sz="1100">
+                  <a:solidFill>
+                    <a:srgbClr val="000000">
+                      <a:alpha val="100000"/>
+                    </a:srgbClr>
+                  </a:solidFill>
+                  <a:latin typeface="Liberation Sans"/>
+                  <a:cs typeface="Liberation Sans"/>
+                </a:rPr>
+                <a:t>Activities</a:t>
+              </a:r>
+            </a:p>
+          </p:txBody>
+        </p:sp>
+        <p:sp>
+          <p:nvSpPr>
+            <p:cNvPr id="37" name="tx37"/>
+            <p:cNvSpPr/>
+            <p:nvPr/>
+          </p:nvSpPr>
+          <p:spPr>
+            <a:xfrm rot="-5400000">
+              <a:off x="78630" y="3753321"/>
+              <a:ext cx="985949" cy="102592"/>
+            </a:xfrm>
+            <a:prstGeom prst="rect">
+              <a:avLst/>
+            </a:prstGeom>
+            <a:noFill/>
+          </p:spPr>
+          <p:txBody>
+            <a:bodyPr lIns="0" rIns="0" tIns="0" bIns="0" anchorCtr="1" anchor="ctr" wrap="none"/>
+            <a:lstStyle/>
+            <a:p>
+              <a:pPr algn="l" marL="0" marR="0" indent="0">
+                <a:lnSpc>
+                  <a:spcPts val="1100"/>
+                </a:lnSpc>
+                <a:spcBef>
+                  <a:spcPts val="0"/>
+                </a:spcBef>
+                <a:spcAft>
+                  <a:spcPts val="0"/>
+                </a:spcAft>
+              </a:pPr>
+              <a:r>
+                <a:rPr sz="1100">
+                  <a:solidFill>
+                    <a:srgbClr val="000000">
+                      <a:alpha val="100000"/>
+                    </a:srgbClr>
+                  </a:solidFill>
+                  <a:latin typeface="Liberation Sans"/>
+                  <a:cs typeface="Liberation Sans"/>
+                </a:rPr>
+                <a:t>Time in minutes</a:t>
+              </a:r>
+            </a:p>
+          </p:txBody>
+        </p:sp>
+        <p:sp>
+          <p:nvSpPr>
+            <p:cNvPr id="38" name="tx38"/>
+            <p:cNvSpPr/>
+            <p:nvPr/>
+          </p:nvSpPr>
+          <p:spPr>
+            <a:xfrm>
+              <a:off x="7885916" y="3468204"/>
+              <a:ext cx="644748" cy="130218"/>
+            </a:xfrm>
+            <a:prstGeom prst="rect">
+              <a:avLst/>
+            </a:prstGeom>
+            <a:noFill/>
+          </p:spPr>
+          <p:txBody>
+            <a:bodyPr lIns="0" rIns="0" tIns="0" bIns="0" anchorCtr="1" anchor="ctr" wrap="none"/>
+            <a:lstStyle/>
+            <a:p>
+              <a:pPr algn="l" marL="0" marR="0" indent="0">
+                <a:lnSpc>
+                  <a:spcPts val="1100"/>
+                </a:lnSpc>
+                <a:spcBef>
+                  <a:spcPts val="0"/>
+                </a:spcBef>
+                <a:spcAft>
+                  <a:spcPts val="0"/>
+                </a:spcAft>
+              </a:pPr>
+              <a:r>
+                <a:rPr sz="1100">
+                  <a:solidFill>
+                    <a:srgbClr val="000000">
+                      <a:alpha val="100000"/>
+                    </a:srgbClr>
+                  </a:solidFill>
+                  <a:latin typeface="Liberation Sans"/>
+                  <a:cs typeface="Liberation Sans"/>
+                </a:rPr>
+                <a:t>population</a:t>
+              </a:r>
+            </a:p>
+          </p:txBody>
+        </p:sp>
+        <p:sp>
+          <p:nvSpPr>
+            <p:cNvPr id="39" name="rc39"/>
+            <p:cNvSpPr/>
+            <p:nvPr/>
+          </p:nvSpPr>
+          <p:spPr>
+            <a:xfrm>
+              <a:off x="7894916" y="3692824"/>
+              <a:ext cx="201455" cy="201456"/>
+            </a:xfrm>
+            <a:prstGeom prst="rect">
+              <a:avLst/>
+            </a:prstGeom>
+            <a:solidFill>
+              <a:srgbClr val="F8766D">
+                <a:alpha val="100000"/>
+              </a:srgbClr>
+            </a:solidFill>
+          </p:spPr>
+          <p:txBody>
+            <a:bodyPr/>
+            <a:lstStyle/>
+            <a:p/>
+          </p:txBody>
+        </p:sp>
+        <p:sp>
+          <p:nvSpPr>
+            <p:cNvPr id="40" name="rc40"/>
+            <p:cNvSpPr/>
+            <p:nvPr/>
+          </p:nvSpPr>
+          <p:spPr>
+            <a:xfrm>
+              <a:off x="7894916" y="3912280"/>
+              <a:ext cx="201455" cy="201456"/>
+            </a:xfrm>
+            <a:prstGeom prst="rect">
+              <a:avLst/>
+            </a:prstGeom>
+            <a:solidFill>
+              <a:srgbClr val="00BFC4">
+                <a:alpha val="100000"/>
+              </a:srgbClr>
+            </a:solidFill>
+          </p:spPr>
+          <p:txBody>
+            <a:bodyPr/>
+            <a:lstStyle/>
+            <a:p/>
+          </p:txBody>
+        </p:sp>
+        <p:sp>
+          <p:nvSpPr>
+            <p:cNvPr id="41" name="tx41"/>
+            <p:cNvSpPr/>
+            <p:nvPr/>
+          </p:nvSpPr>
+          <p:spPr>
+            <a:xfrm>
+              <a:off x="8174961" y="3749923"/>
+              <a:ext cx="372660" cy="82073"/>
+            </a:xfrm>
+            <a:prstGeom prst="rect">
+              <a:avLst/>
+            </a:prstGeom>
+            <a:noFill/>
+          </p:spPr>
+          <p:txBody>
+            <a:bodyPr lIns="0" rIns="0" tIns="0" bIns="0" anchorCtr="1" anchor="ctr" wrap="none"/>
+            <a:lstStyle/>
+            <a:p>
+              <a:pPr algn="l" marL="0" marR="0" indent="0">
+                <a:lnSpc>
+                  <a:spcPts val="880"/>
+                </a:lnSpc>
+                <a:spcBef>
+                  <a:spcPts val="0"/>
+                </a:spcBef>
+                <a:spcAft>
+                  <a:spcPts val="0"/>
+                </a:spcAft>
+              </a:pPr>
+              <a:r>
+                <a:rPr sz="880">
+                  <a:solidFill>
+                    <a:srgbClr val="000000">
+                      <a:alpha val="100000"/>
+                    </a:srgbClr>
+                  </a:solidFill>
+                  <a:latin typeface="Liberation Sans"/>
+                  <a:cs typeface="Liberation Sans"/>
+                </a:rPr>
+                <a:t>Female</a:t>
+              </a:r>
+            </a:p>
+          </p:txBody>
+        </p:sp>
+        <p:sp>
+          <p:nvSpPr>
+            <p:cNvPr id="42" name="tx42"/>
+            <p:cNvSpPr/>
+            <p:nvPr/>
+          </p:nvSpPr>
+          <p:spPr>
+            <a:xfrm>
+              <a:off x="8174961" y="3969379"/>
+              <a:ext cx="242237" cy="82073"/>
+            </a:xfrm>
+            <a:prstGeom prst="rect">
+              <a:avLst/>
+            </a:prstGeom>
+            <a:noFill/>
+          </p:spPr>
+          <p:txBody>
+            <a:bodyPr lIns="0" rIns="0" tIns="0" bIns="0" anchorCtr="1" anchor="ctr" wrap="none"/>
+            <a:lstStyle/>
+            <a:p>
+              <a:pPr algn="l" marL="0" marR="0" indent="0">
+                <a:lnSpc>
+                  <a:spcPts val="880"/>
+                </a:lnSpc>
+                <a:spcBef>
+                  <a:spcPts val="0"/>
+                </a:spcBef>
+                <a:spcAft>
+                  <a:spcPts val="0"/>
+                </a:spcAft>
+              </a:pPr>
+              <a:r>
+                <a:rPr sz="880">
+                  <a:solidFill>
+                    <a:srgbClr val="000000">
+                      <a:alpha val="100000"/>
+                    </a:srgbClr>
+                  </a:solidFill>
+                  <a:latin typeface="Liberation Sans"/>
+                  <a:cs typeface="Liberation Sans"/>
+                </a:rPr>
+                <a:t>Male</a:t>
+              </a:r>
+            </a:p>
+          </p:txBody>
+        </p:sp>
+        <p:sp>
+          <p:nvSpPr>
+            <p:cNvPr id="43" name="tx43"/>
+            <p:cNvSpPr/>
+            <p:nvPr/>
+          </p:nvSpPr>
+          <p:spPr>
+            <a:xfrm>
+              <a:off x="938418" y="1628861"/>
+              <a:ext cx="1537818" cy="156262"/>
+            </a:xfrm>
+            <a:prstGeom prst="rect">
+              <a:avLst/>
+            </a:prstGeom>
+            <a:noFill/>
+          </p:spPr>
+          <p:txBody>
+            <a:bodyPr lIns="0" rIns="0" tIns="0" bIns="0" anchorCtr="1" anchor="ctr" wrap="none"/>
+            <a:lstStyle/>
+            <a:p>
+              <a:pPr algn="l" marL="0" marR="0" indent="0">
+                <a:lnSpc>
+                  <a:spcPts val="1320"/>
+                </a:lnSpc>
+                <a:spcBef>
+                  <a:spcPts val="0"/>
+                </a:spcBef>
+                <a:spcAft>
+                  <a:spcPts val="0"/>
+                </a:spcAft>
+              </a:pPr>
+              <a:r>
+                <a:rPr sz="1320">
+                  <a:solidFill>
+                    <a:srgbClr val="000000">
+                      <a:alpha val="100000"/>
+                    </a:srgbClr>
+                  </a:solidFill>
+                  <a:latin typeface="Liberation Sans"/>
+                  <a:cs typeface="Liberation Sans"/>
+                </a:rPr>
+                <a:t>Year 2014_Saturday</a:t>
+              </a:r>
+            </a:p>
+          </p:txBody>
+        </p:sp>
+      </p:grpSp>
+    </p:spTree>
+  </p:cSld>
+  <p:clrMapOvr>
+    <a:masterClrMapping/>
+  </p:clrMapOvr>
+</p:sld>
+</file>
+
+<file path=ppt/slides/slide36.xml><?xml version="1.0" encoding="utf-8"?>
+<p:sld xmlns:a="http://schemas.openxmlformats.org/drawingml/2006/main" xmlns:r="http://schemas.openxmlformats.org/officeDocument/2006/relationships" xmlns:p="http://schemas.openxmlformats.org/presentationml/2006/main">
+  <p:cSld>
+    <p:spTree>
+      <p:nvGrpSpPr>
+        <p:cNvPr id="1" name=""/>
+        <p:cNvGrpSpPr/>
+        <p:nvPr/>
+      </p:nvGrpSpPr>
+      <p:grpSpPr>
+        <a:xfrm>
+          <a:off x="0" y="0"/>
+          <a:ext cx="0" cy="0"/>
+          <a:chOff x="0" y="0"/>
+          <a:chExt cx="0" cy="0"/>
+        </a:xfrm>
+      </p:grpSpPr>
+      <p:grpSp xmlns:a="http://schemas.openxmlformats.org/drawingml/2006/main" xmlns:r="http://schemas.openxmlformats.org/officeDocument/2006/relationships" xmlns:p="http://schemas.openxmlformats.org/presentationml/2006/main" xmlns:pic="http://schemas.openxmlformats.org/drawingml/2006/picture">
+        <p:nvGrpSpPr>
+          <p:cNvPr id="2" name="grp1"/>
+          <p:cNvGrpSpPr/>
+          <p:nvPr/>
+        </p:nvGrpSpPr>
+        <p:grpSpPr>
+          <a:xfrm>
+            <a:off x="457200" y="1600200"/>
+            <a:ext cx="8229600" cy="4525962"/>
+            <a:chOff x="457200" y="1600200"/>
+            <a:chExt cx="8229600" cy="4525962"/>
+          </a:xfrm>
+        </p:grpSpPr>
+        <p:sp>
+          <p:nvSpPr>
+            <p:cNvPr id="3" name="rc3"/>
+            <p:cNvSpPr/>
+            <p:nvPr/>
+          </p:nvSpPr>
+          <p:spPr>
+            <a:xfrm>
+              <a:off x="457200" y="1600200"/>
+              <a:ext cx="8229600" cy="4525962"/>
+            </a:xfrm>
+            <a:prstGeom prst="rect">
+              <a:avLst/>
+            </a:prstGeom>
+            <a:solidFill>
+              <a:srgbClr val="FFFFFF">
+                <a:alpha val="100000"/>
+              </a:srgbClr>
+            </a:solidFill>
+            <a:ln w="9525" cap="rnd">
+              <a:solidFill>
+                <a:srgbClr val="FFFFFF">
+                  <a:alpha val="100000"/>
+                </a:srgbClr>
+              </a:solidFill>
+              <a:prstDash val="solid"/>
+              <a:round/>
+            </a:ln>
+          </p:spPr>
+          <p:txBody>
+            <a:bodyPr/>
+            <a:lstStyle/>
+            <a:p/>
+          </p:txBody>
+        </p:sp>
+        <p:sp>
+          <p:nvSpPr>
+            <p:cNvPr id="4" name="pl4"/>
+            <p:cNvSpPr/>
+            <p:nvPr/>
+          </p:nvSpPr>
+          <p:spPr>
+            <a:xfrm>
+              <a:off x="938418" y="5112534"/>
+              <a:ext cx="6738730" cy="0"/>
+            </a:xfrm>
+            <a:custGeom>
+              <a:avLst/>
+              <a:pathLst>
+                <a:path w="6738730" h="0">
+                  <a:moveTo>
+                    <a:pt x="0" y="0"/>
+                  </a:moveTo>
+                  <a:lnTo>
+                    <a:pt x="6738730" y="0"/>
+                  </a:lnTo>
+                  <a:lnTo>
+                    <a:pt x="6738730" y="0"/>
+                  </a:lnTo>
+                </a:path>
+              </a:pathLst>
+            </a:custGeom>
+            <a:ln w="6775" cap="flat">
+              <a:solidFill>
+                <a:srgbClr val="EBEBEB">
+                  <a:alpha val="100000"/>
+                </a:srgbClr>
+              </a:solidFill>
+              <a:prstDash val="solid"/>
+              <a:round/>
+            </a:ln>
+          </p:spPr>
+          <p:txBody>
+            <a:bodyPr/>
+            <a:lstStyle/>
+            <a:p/>
+          </p:txBody>
+        </p:sp>
+        <p:sp>
+          <p:nvSpPr>
+            <p:cNvPr id="5" name="pl5"/>
+            <p:cNvSpPr/>
+            <p:nvPr/>
+          </p:nvSpPr>
+          <p:spPr>
+            <a:xfrm>
+              <a:off x="938418" y="4240589"/>
+              <a:ext cx="6738730" cy="0"/>
+            </a:xfrm>
+            <a:custGeom>
+              <a:avLst/>
+              <a:pathLst>
+                <a:path w="6738730" h="0">
+                  <a:moveTo>
+                    <a:pt x="0" y="0"/>
+                  </a:moveTo>
+                  <a:lnTo>
+                    <a:pt x="6738730" y="0"/>
+                  </a:lnTo>
+                  <a:lnTo>
+                    <a:pt x="6738730" y="0"/>
+                  </a:lnTo>
+                </a:path>
+              </a:pathLst>
+            </a:custGeom>
+            <a:ln w="6775" cap="flat">
+              <a:solidFill>
+                <a:srgbClr val="EBEBEB">
+                  <a:alpha val="100000"/>
+                </a:srgbClr>
+              </a:solidFill>
+              <a:prstDash val="solid"/>
+              <a:round/>
+            </a:ln>
+          </p:spPr>
+          <p:txBody>
+            <a:bodyPr/>
+            <a:lstStyle/>
+            <a:p/>
+          </p:txBody>
+        </p:sp>
+        <p:sp>
+          <p:nvSpPr>
+            <p:cNvPr id="6" name="pl6"/>
+            <p:cNvSpPr/>
+            <p:nvPr/>
+          </p:nvSpPr>
+          <p:spPr>
+            <a:xfrm>
+              <a:off x="938418" y="3368644"/>
+              <a:ext cx="6738730" cy="0"/>
+            </a:xfrm>
+            <a:custGeom>
+              <a:avLst/>
+              <a:pathLst>
+                <a:path w="6738730" h="0">
+                  <a:moveTo>
+                    <a:pt x="0" y="0"/>
+                  </a:moveTo>
+                  <a:lnTo>
+                    <a:pt x="6738730" y="0"/>
+                  </a:lnTo>
+                  <a:lnTo>
+                    <a:pt x="6738730" y="0"/>
+                  </a:lnTo>
+                </a:path>
+              </a:pathLst>
+            </a:custGeom>
+            <a:ln w="6775" cap="flat">
+              <a:solidFill>
+                <a:srgbClr val="EBEBEB">
+                  <a:alpha val="100000"/>
+                </a:srgbClr>
+              </a:solidFill>
+              <a:prstDash val="solid"/>
+              <a:round/>
+            </a:ln>
+          </p:spPr>
+          <p:txBody>
+            <a:bodyPr/>
+            <a:lstStyle/>
+            <a:p/>
+          </p:txBody>
+        </p:sp>
+        <p:sp>
+          <p:nvSpPr>
+            <p:cNvPr id="7" name="pl7"/>
+            <p:cNvSpPr/>
+            <p:nvPr/>
+          </p:nvSpPr>
+          <p:spPr>
+            <a:xfrm>
+              <a:off x="938418" y="2496699"/>
+              <a:ext cx="6738730" cy="0"/>
+            </a:xfrm>
+            <a:custGeom>
+              <a:avLst/>
+              <a:pathLst>
+                <a:path w="6738730" h="0">
+                  <a:moveTo>
+                    <a:pt x="0" y="0"/>
+                  </a:moveTo>
+                  <a:lnTo>
+                    <a:pt x="6738730" y="0"/>
+                  </a:lnTo>
+                  <a:lnTo>
+                    <a:pt x="6738730" y="0"/>
+                  </a:lnTo>
+                </a:path>
+              </a:pathLst>
+            </a:custGeom>
+            <a:ln w="6775" cap="flat">
+              <a:solidFill>
+                <a:srgbClr val="EBEBEB">
+                  <a:alpha val="100000"/>
+                </a:srgbClr>
+              </a:solidFill>
+              <a:prstDash val="solid"/>
+              <a:round/>
+            </a:ln>
+          </p:spPr>
+          <p:txBody>
+            <a:bodyPr/>
+            <a:lstStyle/>
+            <a:p/>
+          </p:txBody>
+        </p:sp>
+        <p:sp>
+          <p:nvSpPr>
+            <p:cNvPr id="8" name="pl8"/>
+            <p:cNvSpPr/>
+            <p:nvPr/>
+          </p:nvSpPr>
+          <p:spPr>
+            <a:xfrm>
+              <a:off x="938418" y="5548506"/>
+              <a:ext cx="6738730" cy="0"/>
+            </a:xfrm>
+            <a:custGeom>
+              <a:avLst/>
+              <a:pathLst>
+                <a:path w="6738730" h="0">
+                  <a:moveTo>
+                    <a:pt x="0" y="0"/>
+                  </a:moveTo>
+                  <a:lnTo>
+                    <a:pt x="6738730" y="0"/>
+                  </a:lnTo>
+                  <a:lnTo>
+                    <a:pt x="6738730" y="0"/>
+                  </a:lnTo>
+                </a:path>
+              </a:pathLst>
+            </a:custGeom>
+            <a:ln w="13550" cap="flat">
+              <a:solidFill>
+                <a:srgbClr val="EBEBEB">
+                  <a:alpha val="100000"/>
+                </a:srgbClr>
+              </a:solidFill>
+              <a:prstDash val="solid"/>
+              <a:round/>
+            </a:ln>
+          </p:spPr>
+          <p:txBody>
+            <a:bodyPr/>
+            <a:lstStyle/>
+            <a:p/>
+          </p:txBody>
+        </p:sp>
+        <p:sp>
+          <p:nvSpPr>
+            <p:cNvPr id="9" name="pl9"/>
+            <p:cNvSpPr/>
+            <p:nvPr/>
+          </p:nvSpPr>
+          <p:spPr>
+            <a:xfrm>
+              <a:off x="938418" y="4676561"/>
+              <a:ext cx="6738730" cy="0"/>
+            </a:xfrm>
+            <a:custGeom>
+              <a:avLst/>
+              <a:pathLst>
+                <a:path w="6738730" h="0">
+                  <a:moveTo>
+                    <a:pt x="0" y="0"/>
+                  </a:moveTo>
+                  <a:lnTo>
+                    <a:pt x="6738730" y="0"/>
+                  </a:lnTo>
+                  <a:lnTo>
+                    <a:pt x="6738730" y="0"/>
+                  </a:lnTo>
+                </a:path>
+              </a:pathLst>
+            </a:custGeom>
+            <a:ln w="13550" cap="flat">
+              <a:solidFill>
+                <a:srgbClr val="EBEBEB">
+                  <a:alpha val="100000"/>
+                </a:srgbClr>
+              </a:solidFill>
+              <a:prstDash val="solid"/>
+              <a:round/>
+            </a:ln>
+          </p:spPr>
+          <p:txBody>
+            <a:bodyPr/>
+            <a:lstStyle/>
+            <a:p/>
+          </p:txBody>
+        </p:sp>
+        <p:sp>
+          <p:nvSpPr>
+            <p:cNvPr id="10" name="pl10"/>
+            <p:cNvSpPr/>
+            <p:nvPr/>
+          </p:nvSpPr>
+          <p:spPr>
+            <a:xfrm>
+              <a:off x="938418" y="3804617"/>
+              <a:ext cx="6738730" cy="0"/>
+            </a:xfrm>
+            <a:custGeom>
+              <a:avLst/>
+              <a:pathLst>
+                <a:path w="6738730" h="0">
+                  <a:moveTo>
+                    <a:pt x="0" y="0"/>
+                  </a:moveTo>
+                  <a:lnTo>
+                    <a:pt x="6738730" y="0"/>
+                  </a:lnTo>
+                  <a:lnTo>
+                    <a:pt x="6738730" y="0"/>
+                  </a:lnTo>
+                </a:path>
+              </a:pathLst>
+            </a:custGeom>
+            <a:ln w="13550" cap="flat">
+              <a:solidFill>
+                <a:srgbClr val="EBEBEB">
+                  <a:alpha val="100000"/>
+                </a:srgbClr>
+              </a:solidFill>
+              <a:prstDash val="solid"/>
+              <a:round/>
+            </a:ln>
+          </p:spPr>
+          <p:txBody>
+            <a:bodyPr/>
+            <a:lstStyle/>
+            <a:p/>
+          </p:txBody>
+        </p:sp>
+        <p:sp>
+          <p:nvSpPr>
+            <p:cNvPr id="11" name="pl11"/>
+            <p:cNvSpPr/>
+            <p:nvPr/>
+          </p:nvSpPr>
+          <p:spPr>
+            <a:xfrm>
+              <a:off x="938418" y="2932672"/>
+              <a:ext cx="6738730" cy="0"/>
+            </a:xfrm>
+            <a:custGeom>
+              <a:avLst/>
+              <a:pathLst>
+                <a:path w="6738730" h="0">
+                  <a:moveTo>
+                    <a:pt x="0" y="0"/>
+                  </a:moveTo>
+                  <a:lnTo>
+                    <a:pt x="6738730" y="0"/>
+                  </a:lnTo>
+                  <a:lnTo>
+                    <a:pt x="6738730" y="0"/>
+                  </a:lnTo>
+                </a:path>
+              </a:pathLst>
+            </a:custGeom>
+            <a:ln w="13550" cap="flat">
+              <a:solidFill>
+                <a:srgbClr val="EBEBEB">
+                  <a:alpha val="100000"/>
+                </a:srgbClr>
+              </a:solidFill>
+              <a:prstDash val="solid"/>
+              <a:round/>
+            </a:ln>
+          </p:spPr>
+          <p:txBody>
+            <a:bodyPr/>
+            <a:lstStyle/>
+            <a:p/>
+          </p:txBody>
+        </p:sp>
+        <p:sp>
+          <p:nvSpPr>
+            <p:cNvPr id="12" name="pl12"/>
+            <p:cNvSpPr/>
+            <p:nvPr/>
+          </p:nvSpPr>
+          <p:spPr>
+            <a:xfrm>
+              <a:off x="938418" y="2060727"/>
+              <a:ext cx="6738730" cy="0"/>
+            </a:xfrm>
+            <a:custGeom>
+              <a:avLst/>
+              <a:pathLst>
+                <a:path w="6738730" h="0">
+                  <a:moveTo>
+                    <a:pt x="0" y="0"/>
+                  </a:moveTo>
+                  <a:lnTo>
+                    <a:pt x="6738730" y="0"/>
+                  </a:lnTo>
+                  <a:lnTo>
+                    <a:pt x="6738730" y="0"/>
+                  </a:lnTo>
+                </a:path>
+              </a:pathLst>
+            </a:custGeom>
+            <a:ln w="13550" cap="flat">
+              <a:solidFill>
+                <a:srgbClr val="EBEBEB">
+                  <a:alpha val="100000"/>
+                </a:srgbClr>
+              </a:solidFill>
+              <a:prstDash val="solid"/>
+              <a:round/>
+            </a:ln>
+          </p:spPr>
+          <p:txBody>
+            <a:bodyPr/>
+            <a:lstStyle/>
+            <a:p/>
+          </p:txBody>
+        </p:sp>
+        <p:sp>
+          <p:nvSpPr>
+            <p:cNvPr id="13" name="pl13"/>
+            <p:cNvSpPr/>
+            <p:nvPr/>
+          </p:nvSpPr>
+          <p:spPr>
+            <a:xfrm>
+              <a:off x="1715964" y="1886338"/>
+              <a:ext cx="0" cy="3836557"/>
+            </a:xfrm>
+            <a:custGeom>
+              <a:avLst/>
+              <a:pathLst>
+                <a:path w="0" h="3836557">
+                  <a:moveTo>
+                    <a:pt x="0" y="3836557"/>
+                  </a:moveTo>
+                  <a:lnTo>
+                    <a:pt x="0" y="0"/>
+                  </a:lnTo>
+                  <a:lnTo>
+                    <a:pt x="0" y="0"/>
+                  </a:lnTo>
+                </a:path>
+              </a:pathLst>
+            </a:custGeom>
+            <a:ln w="13550" cap="flat">
+              <a:solidFill>
+                <a:srgbClr val="EBEBEB">
+                  <a:alpha val="100000"/>
+                </a:srgbClr>
+              </a:solidFill>
+              <a:prstDash val="solid"/>
+              <a:round/>
+            </a:ln>
+          </p:spPr>
+          <p:txBody>
+            <a:bodyPr/>
+            <a:lstStyle/>
+            <a:p/>
+          </p:txBody>
+        </p:sp>
+        <p:sp>
+          <p:nvSpPr>
+            <p:cNvPr id="14" name="pl14"/>
+            <p:cNvSpPr/>
+            <p:nvPr/>
+          </p:nvSpPr>
+          <p:spPr>
+            <a:xfrm>
+              <a:off x="3011873" y="1886338"/>
+              <a:ext cx="0" cy="3836557"/>
+            </a:xfrm>
+            <a:custGeom>
+              <a:avLst/>
+              <a:pathLst>
+                <a:path w="0" h="3836557">
+                  <a:moveTo>
+                    <a:pt x="0" y="3836557"/>
+                  </a:moveTo>
+                  <a:lnTo>
+                    <a:pt x="0" y="0"/>
+                  </a:lnTo>
+                  <a:lnTo>
+                    <a:pt x="0" y="0"/>
+                  </a:lnTo>
+                </a:path>
+              </a:pathLst>
+            </a:custGeom>
+            <a:ln w="13550" cap="flat">
+              <a:solidFill>
+                <a:srgbClr val="EBEBEB">
+                  <a:alpha val="100000"/>
+                </a:srgbClr>
+              </a:solidFill>
+              <a:prstDash val="solid"/>
+              <a:round/>
+            </a:ln>
+          </p:spPr>
+          <p:txBody>
+            <a:bodyPr/>
+            <a:lstStyle/>
+            <a:p/>
+          </p:txBody>
+        </p:sp>
+        <p:sp>
+          <p:nvSpPr>
+            <p:cNvPr id="15" name="pl15"/>
+            <p:cNvSpPr/>
+            <p:nvPr/>
+          </p:nvSpPr>
+          <p:spPr>
+            <a:xfrm>
+              <a:off x="4307783" y="1886338"/>
+              <a:ext cx="0" cy="3836557"/>
+            </a:xfrm>
+            <a:custGeom>
+              <a:avLst/>
+              <a:pathLst>
+                <a:path w="0" h="3836557">
+                  <a:moveTo>
+                    <a:pt x="0" y="3836557"/>
+                  </a:moveTo>
+                  <a:lnTo>
+                    <a:pt x="0" y="0"/>
+                  </a:lnTo>
+                  <a:lnTo>
+                    <a:pt x="0" y="0"/>
+                  </a:lnTo>
+                </a:path>
+              </a:pathLst>
+            </a:custGeom>
+            <a:ln w="13550" cap="flat">
+              <a:solidFill>
+                <a:srgbClr val="EBEBEB">
+                  <a:alpha val="100000"/>
+                </a:srgbClr>
+              </a:solidFill>
+              <a:prstDash val="solid"/>
+              <a:round/>
+            </a:ln>
+          </p:spPr>
+          <p:txBody>
+            <a:bodyPr/>
+            <a:lstStyle/>
+            <a:p/>
+          </p:txBody>
+        </p:sp>
+        <p:sp>
+          <p:nvSpPr>
+            <p:cNvPr id="16" name="pl16"/>
+            <p:cNvSpPr/>
+            <p:nvPr/>
+          </p:nvSpPr>
+          <p:spPr>
+            <a:xfrm>
+              <a:off x="5603693" y="1886338"/>
+              <a:ext cx="0" cy="3836557"/>
+            </a:xfrm>
+            <a:custGeom>
+              <a:avLst/>
+              <a:pathLst>
+                <a:path w="0" h="3836557">
+                  <a:moveTo>
+                    <a:pt x="0" y="3836557"/>
+                  </a:moveTo>
+                  <a:lnTo>
+                    <a:pt x="0" y="0"/>
+                  </a:lnTo>
+                  <a:lnTo>
+                    <a:pt x="0" y="0"/>
+                  </a:lnTo>
+                </a:path>
+              </a:pathLst>
+            </a:custGeom>
+            <a:ln w="13550" cap="flat">
+              <a:solidFill>
+                <a:srgbClr val="EBEBEB">
+                  <a:alpha val="100000"/>
+                </a:srgbClr>
+              </a:solidFill>
+              <a:prstDash val="solid"/>
+              <a:round/>
+            </a:ln>
+          </p:spPr>
+          <p:txBody>
+            <a:bodyPr/>
+            <a:lstStyle/>
+            <a:p/>
+          </p:txBody>
+        </p:sp>
+        <p:sp>
+          <p:nvSpPr>
+            <p:cNvPr id="17" name="pl17"/>
+            <p:cNvSpPr/>
+            <p:nvPr/>
+          </p:nvSpPr>
+          <p:spPr>
+            <a:xfrm>
+              <a:off x="6899603" y="1886338"/>
+              <a:ext cx="0" cy="3836557"/>
+            </a:xfrm>
+            <a:custGeom>
+              <a:avLst/>
+              <a:pathLst>
+                <a:path w="0" h="3836557">
+                  <a:moveTo>
+                    <a:pt x="0" y="3836557"/>
+                  </a:moveTo>
+                  <a:lnTo>
+                    <a:pt x="0" y="0"/>
+                  </a:lnTo>
+                  <a:lnTo>
+                    <a:pt x="0" y="0"/>
+                  </a:lnTo>
+                </a:path>
+              </a:pathLst>
+            </a:custGeom>
+            <a:ln w="13550" cap="flat">
+              <a:solidFill>
+                <a:srgbClr val="EBEBEB">
+                  <a:alpha val="100000"/>
+                </a:srgbClr>
+              </a:solidFill>
+              <a:prstDash val="solid"/>
+              <a:round/>
+            </a:ln>
+          </p:spPr>
+          <p:txBody>
+            <a:bodyPr/>
+            <a:lstStyle/>
+            <a:p/>
+          </p:txBody>
+        </p:sp>
+        <p:sp>
+          <p:nvSpPr>
+            <p:cNvPr id="18" name="rc18"/>
+            <p:cNvSpPr/>
+            <p:nvPr/>
+          </p:nvSpPr>
+          <p:spPr>
+            <a:xfrm>
+              <a:off x="1715964" y="4977382"/>
+              <a:ext cx="583159" cy="571123"/>
+            </a:xfrm>
+            <a:prstGeom prst="rect">
+              <a:avLst/>
+            </a:prstGeom>
+            <a:solidFill>
+              <a:srgbClr val="00BFC4">
+                <a:alpha val="100000"/>
+              </a:srgbClr>
+            </a:solidFill>
+          </p:spPr>
+          <p:txBody>
+            <a:bodyPr/>
+            <a:lstStyle/>
+            <a:p/>
+          </p:txBody>
+        </p:sp>
+        <p:sp>
+          <p:nvSpPr>
+            <p:cNvPr id="19" name="rc19"/>
+            <p:cNvSpPr/>
+            <p:nvPr/>
+          </p:nvSpPr>
+          <p:spPr>
+            <a:xfrm>
+              <a:off x="1132804" y="4977382"/>
+              <a:ext cx="583159" cy="571123"/>
+            </a:xfrm>
+            <a:prstGeom prst="rect">
+              <a:avLst/>
+            </a:prstGeom>
+            <a:solidFill>
+              <a:srgbClr val="F8766D">
+                <a:alpha val="100000"/>
+              </a:srgbClr>
+            </a:solidFill>
+          </p:spPr>
+          <p:txBody>
+            <a:bodyPr/>
+            <a:lstStyle/>
+            <a:p/>
+          </p:txBody>
+        </p:sp>
+        <p:sp>
+          <p:nvSpPr>
+            <p:cNvPr id="20" name="rc20"/>
+            <p:cNvSpPr/>
+            <p:nvPr/>
+          </p:nvSpPr>
+          <p:spPr>
+            <a:xfrm>
+              <a:off x="3011873" y="4131596"/>
+              <a:ext cx="583159" cy="1416910"/>
+            </a:xfrm>
+            <a:prstGeom prst="rect">
+              <a:avLst/>
+            </a:prstGeom>
+            <a:solidFill>
+              <a:srgbClr val="00BFC4">
+                <a:alpha val="100000"/>
+              </a:srgbClr>
+            </a:solidFill>
+          </p:spPr>
+          <p:txBody>
+            <a:bodyPr/>
+            <a:lstStyle/>
+            <a:p/>
+          </p:txBody>
+        </p:sp>
+        <p:sp>
+          <p:nvSpPr>
+            <p:cNvPr id="21" name="rc21"/>
+            <p:cNvSpPr/>
+            <p:nvPr/>
+          </p:nvSpPr>
+          <p:spPr>
+            <a:xfrm>
+              <a:off x="2428714" y="4362661"/>
+              <a:ext cx="583159" cy="1185845"/>
+            </a:xfrm>
+            <a:prstGeom prst="rect">
+              <a:avLst/>
+            </a:prstGeom>
+            <a:solidFill>
+              <a:srgbClr val="F8766D">
+                <a:alpha val="100000"/>
+              </a:srgbClr>
+            </a:solidFill>
+          </p:spPr>
+          <p:txBody>
+            <a:bodyPr/>
+            <a:lstStyle/>
+            <a:p/>
+          </p:txBody>
+        </p:sp>
+        <p:sp>
+          <p:nvSpPr>
+            <p:cNvPr id="22" name="rc22"/>
+            <p:cNvSpPr/>
+            <p:nvPr/>
+          </p:nvSpPr>
+          <p:spPr>
+            <a:xfrm>
+              <a:off x="4307783" y="4925066"/>
+              <a:ext cx="583159" cy="623440"/>
+            </a:xfrm>
+            <a:prstGeom prst="rect">
+              <a:avLst/>
+            </a:prstGeom>
+            <a:solidFill>
+              <a:srgbClr val="00BFC4">
+                <a:alpha val="100000"/>
+              </a:srgbClr>
+            </a:solidFill>
+          </p:spPr>
+          <p:txBody>
+            <a:bodyPr/>
+            <a:lstStyle/>
+            <a:p/>
+          </p:txBody>
+        </p:sp>
+        <p:sp>
+          <p:nvSpPr>
+            <p:cNvPr id="23" name="rc23"/>
+            <p:cNvSpPr/>
+            <p:nvPr/>
+          </p:nvSpPr>
+          <p:spPr>
+            <a:xfrm>
+              <a:off x="3724624" y="4598086"/>
+              <a:ext cx="583159" cy="950419"/>
+            </a:xfrm>
+            <a:prstGeom prst="rect">
+              <a:avLst/>
+            </a:prstGeom>
+            <a:solidFill>
+              <a:srgbClr val="F8766D">
+                <a:alpha val="100000"/>
+              </a:srgbClr>
+            </a:solidFill>
+          </p:spPr>
+          <p:txBody>
+            <a:bodyPr/>
+            <a:lstStyle/>
+            <a:p/>
+          </p:txBody>
+        </p:sp>
+        <p:sp>
+          <p:nvSpPr>
+            <p:cNvPr id="24" name="rc24"/>
+            <p:cNvSpPr/>
+            <p:nvPr/>
+          </p:nvSpPr>
+          <p:spPr>
+            <a:xfrm>
+              <a:off x="5603693" y="2073806"/>
+              <a:ext cx="583159" cy="3474700"/>
+            </a:xfrm>
+            <a:prstGeom prst="rect">
+              <a:avLst/>
+            </a:prstGeom>
+            <a:solidFill>
+              <a:srgbClr val="00BFC4">
+                <a:alpha val="100000"/>
+              </a:srgbClr>
+            </a:solidFill>
+          </p:spPr>
+          <p:txBody>
+            <a:bodyPr/>
+            <a:lstStyle/>
+            <a:p/>
+          </p:txBody>
+        </p:sp>
+        <p:sp>
+          <p:nvSpPr>
+            <p:cNvPr id="25" name="rc25"/>
+            <p:cNvSpPr/>
+            <p:nvPr/>
+          </p:nvSpPr>
+          <p:spPr>
+            <a:xfrm>
+              <a:off x="5020534" y="2060727"/>
+              <a:ext cx="583159" cy="3487779"/>
+            </a:xfrm>
+            <a:prstGeom prst="rect">
+              <a:avLst/>
+            </a:prstGeom>
+            <a:solidFill>
+              <a:srgbClr val="F8766D">
+                <a:alpha val="100000"/>
+              </a:srgbClr>
+            </a:solidFill>
+          </p:spPr>
+          <p:txBody>
+            <a:bodyPr/>
+            <a:lstStyle/>
+            <a:p/>
+          </p:txBody>
+        </p:sp>
+        <p:sp>
+          <p:nvSpPr>
+            <p:cNvPr id="26" name="rc26"/>
+            <p:cNvSpPr/>
+            <p:nvPr/>
+          </p:nvSpPr>
+          <p:spPr>
+            <a:xfrm>
+              <a:off x="6899603" y="2862916"/>
+              <a:ext cx="583159" cy="2685590"/>
+            </a:xfrm>
+            <a:prstGeom prst="rect">
+              <a:avLst/>
+            </a:prstGeom>
+            <a:solidFill>
+              <a:srgbClr val="00BFC4">
+                <a:alpha val="100000"/>
+              </a:srgbClr>
+            </a:solidFill>
+          </p:spPr>
+          <p:txBody>
+            <a:bodyPr/>
+            <a:lstStyle/>
+            <a:p/>
+          </p:txBody>
+        </p:sp>
+        <p:sp>
+          <p:nvSpPr>
+            <p:cNvPr id="27" name="rc27"/>
+            <p:cNvSpPr/>
+            <p:nvPr/>
+          </p:nvSpPr>
+          <p:spPr>
+            <a:xfrm>
+              <a:off x="6316443" y="2893434"/>
+              <a:ext cx="583159" cy="2655072"/>
+            </a:xfrm>
+            <a:prstGeom prst="rect">
+              <a:avLst/>
+            </a:prstGeom>
+            <a:solidFill>
+              <a:srgbClr val="F8766D">
+                <a:alpha val="100000"/>
+              </a:srgbClr>
+            </a:solidFill>
+          </p:spPr>
+          <p:txBody>
+            <a:bodyPr/>
+            <a:lstStyle/>
+            <a:p/>
+          </p:txBody>
+        </p:sp>
+        <p:sp>
+          <p:nvSpPr>
+            <p:cNvPr id="28" name="tx28"/>
+            <p:cNvSpPr/>
+            <p:nvPr/>
+          </p:nvSpPr>
+          <p:spPr>
+            <a:xfrm>
+              <a:off x="813632" y="5507824"/>
+              <a:ext cx="62155" cy="79126"/>
+            </a:xfrm>
+            <a:prstGeom prst="rect">
+              <a:avLst/>
+            </a:prstGeom>
+            <a:noFill/>
+          </p:spPr>
+          <p:txBody>
+            <a:bodyPr lIns="0" rIns="0" tIns="0" bIns="0" anchorCtr="1" anchor="ctr" wrap="none"/>
+            <a:lstStyle/>
+            <a:p>
+              <a:pPr algn="l" marL="0" marR="0" indent="0">
+                <a:lnSpc>
+                  <a:spcPts val="880"/>
+                </a:lnSpc>
+                <a:spcBef>
+                  <a:spcPts val="0"/>
+                </a:spcBef>
+                <a:spcAft>
+                  <a:spcPts val="0"/>
+                </a:spcAft>
+              </a:pPr>
+              <a:r>
+                <a:rPr sz="880">
+                  <a:solidFill>
+                    <a:srgbClr val="4D4D4D">
+                      <a:alpha val="100000"/>
+                    </a:srgbClr>
+                  </a:solidFill>
+                  <a:latin typeface="Liberation Sans"/>
+                  <a:cs typeface="Liberation Sans"/>
+                </a:rPr>
+                <a:t>0</a:t>
+              </a:r>
+            </a:p>
+          </p:txBody>
+        </p:sp>
+        <p:sp>
+          <p:nvSpPr>
+            <p:cNvPr id="29" name="tx29"/>
+            <p:cNvSpPr/>
+            <p:nvPr/>
+          </p:nvSpPr>
+          <p:spPr>
+            <a:xfrm>
+              <a:off x="689321" y="4635879"/>
+              <a:ext cx="186466" cy="79126"/>
+            </a:xfrm>
+            <a:prstGeom prst="rect">
+              <a:avLst/>
+            </a:prstGeom>
+            <a:noFill/>
+          </p:spPr>
+          <p:txBody>
+            <a:bodyPr lIns="0" rIns="0" tIns="0" bIns="0" anchorCtr="1" anchor="ctr" wrap="none"/>
+            <a:lstStyle/>
+            <a:p>
+              <a:pPr algn="l" marL="0" marR="0" indent="0">
+                <a:lnSpc>
+                  <a:spcPts val="880"/>
+                </a:lnSpc>
+                <a:spcBef>
+                  <a:spcPts val="0"/>
+                </a:spcBef>
+                <a:spcAft>
+                  <a:spcPts val="0"/>
+                </a:spcAft>
+              </a:pPr>
+              <a:r>
+                <a:rPr sz="880">
+                  <a:solidFill>
+                    <a:srgbClr val="4D4D4D">
+                      <a:alpha val="100000"/>
+                    </a:srgbClr>
+                  </a:solidFill>
+                  <a:latin typeface="Liberation Sans"/>
+                  <a:cs typeface="Liberation Sans"/>
+                </a:rPr>
+                <a:t>200</a:t>
+              </a:r>
+            </a:p>
+          </p:txBody>
+        </p:sp>
+        <p:sp>
+          <p:nvSpPr>
+            <p:cNvPr id="30" name="tx30"/>
+            <p:cNvSpPr/>
+            <p:nvPr/>
+          </p:nvSpPr>
+          <p:spPr>
+            <a:xfrm>
+              <a:off x="689321" y="3763934"/>
+              <a:ext cx="186466" cy="79126"/>
+            </a:xfrm>
+            <a:prstGeom prst="rect">
+              <a:avLst/>
+            </a:prstGeom>
+            <a:noFill/>
+          </p:spPr>
+          <p:txBody>
+            <a:bodyPr lIns="0" rIns="0" tIns="0" bIns="0" anchorCtr="1" anchor="ctr" wrap="none"/>
+            <a:lstStyle/>
+            <a:p>
+              <a:pPr algn="l" marL="0" marR="0" indent="0">
+                <a:lnSpc>
+                  <a:spcPts val="880"/>
+                </a:lnSpc>
+                <a:spcBef>
+                  <a:spcPts val="0"/>
+                </a:spcBef>
+                <a:spcAft>
+                  <a:spcPts val="0"/>
+                </a:spcAft>
+              </a:pPr>
+              <a:r>
+                <a:rPr sz="880">
+                  <a:solidFill>
+                    <a:srgbClr val="4D4D4D">
+                      <a:alpha val="100000"/>
+                    </a:srgbClr>
+                  </a:solidFill>
+                  <a:latin typeface="Liberation Sans"/>
+                  <a:cs typeface="Liberation Sans"/>
+                </a:rPr>
+                <a:t>400</a:t>
+              </a:r>
+            </a:p>
+          </p:txBody>
+        </p:sp>
+        <p:sp>
+          <p:nvSpPr>
+            <p:cNvPr id="31" name="tx31"/>
+            <p:cNvSpPr/>
+            <p:nvPr/>
+          </p:nvSpPr>
+          <p:spPr>
+            <a:xfrm>
+              <a:off x="689321" y="2891990"/>
+              <a:ext cx="186466" cy="79126"/>
+            </a:xfrm>
+            <a:prstGeom prst="rect">
+              <a:avLst/>
+            </a:prstGeom>
+            <a:noFill/>
+          </p:spPr>
+          <p:txBody>
+            <a:bodyPr lIns="0" rIns="0" tIns="0" bIns="0" anchorCtr="1" anchor="ctr" wrap="none"/>
+            <a:lstStyle/>
+            <a:p>
+              <a:pPr algn="l" marL="0" marR="0" indent="0">
+                <a:lnSpc>
+                  <a:spcPts val="880"/>
+                </a:lnSpc>
+                <a:spcBef>
+                  <a:spcPts val="0"/>
+                </a:spcBef>
+                <a:spcAft>
+                  <a:spcPts val="0"/>
+                </a:spcAft>
+              </a:pPr>
+              <a:r>
+                <a:rPr sz="880">
+                  <a:solidFill>
+                    <a:srgbClr val="4D4D4D">
+                      <a:alpha val="100000"/>
+                    </a:srgbClr>
+                  </a:solidFill>
+                  <a:latin typeface="Liberation Sans"/>
+                  <a:cs typeface="Liberation Sans"/>
+                </a:rPr>
+                <a:t>600</a:t>
+              </a:r>
+            </a:p>
+          </p:txBody>
+        </p:sp>
+        <p:sp>
+          <p:nvSpPr>
+            <p:cNvPr id="32" name="tx32"/>
+            <p:cNvSpPr/>
+            <p:nvPr/>
+          </p:nvSpPr>
+          <p:spPr>
+            <a:xfrm>
+              <a:off x="689321" y="2020045"/>
+              <a:ext cx="186466" cy="79126"/>
+            </a:xfrm>
+            <a:prstGeom prst="rect">
+              <a:avLst/>
+            </a:prstGeom>
+            <a:noFill/>
+          </p:spPr>
+          <p:txBody>
+            <a:bodyPr lIns="0" rIns="0" tIns="0" bIns="0" anchorCtr="1" anchor="ctr" wrap="none"/>
+            <a:lstStyle/>
+            <a:p>
+              <a:pPr algn="l" marL="0" marR="0" indent="0">
+                <a:lnSpc>
+                  <a:spcPts val="880"/>
+                </a:lnSpc>
+                <a:spcBef>
+                  <a:spcPts val="0"/>
+                </a:spcBef>
+                <a:spcAft>
+                  <a:spcPts val="0"/>
+                </a:spcAft>
+              </a:pPr>
+              <a:r>
+                <a:rPr sz="880">
+                  <a:solidFill>
+                    <a:srgbClr val="4D4D4D">
+                      <a:alpha val="100000"/>
+                    </a:srgbClr>
+                  </a:solidFill>
+                  <a:latin typeface="Liberation Sans"/>
+                  <a:cs typeface="Liberation Sans"/>
+                </a:rPr>
+                <a:t>800</a:t>
+              </a:r>
+            </a:p>
+          </p:txBody>
+        </p:sp>
+        <p:sp>
+          <p:nvSpPr>
+            <p:cNvPr id="33" name="tx33"/>
+            <p:cNvSpPr/>
+            <p:nvPr/>
+          </p:nvSpPr>
+          <p:spPr>
+            <a:xfrm>
+              <a:off x="1557519" y="5758240"/>
+              <a:ext cx="316889" cy="104174"/>
+            </a:xfrm>
+            <a:prstGeom prst="rect">
+              <a:avLst/>
+            </a:prstGeom>
+            <a:noFill/>
+          </p:spPr>
+          <p:txBody>
+            <a:bodyPr lIns="0" rIns="0" tIns="0" bIns="0" anchorCtr="1" anchor="ctr" wrap="none"/>
+            <a:lstStyle/>
+            <a:p>
+              <a:pPr algn="l" marL="0" marR="0" indent="0">
+                <a:lnSpc>
+                  <a:spcPts val="880"/>
+                </a:lnSpc>
+                <a:spcBef>
+                  <a:spcPts val="0"/>
+                </a:spcBef>
+                <a:spcAft>
+                  <a:spcPts val="0"/>
+                </a:spcAft>
+              </a:pPr>
+              <a:r>
+                <a:rPr sz="880">
+                  <a:solidFill>
+                    <a:srgbClr val="4D4D4D">
+                      <a:alpha val="100000"/>
+                    </a:srgbClr>
+                  </a:solidFill>
+                  <a:latin typeface="Liberation Sans"/>
+                  <a:cs typeface="Liberation Sans"/>
+                </a:rPr>
+                <a:t>Eating</a:t>
+              </a:r>
+            </a:p>
+          </p:txBody>
+        </p:sp>
+        <p:sp>
+          <p:nvSpPr>
+            <p:cNvPr id="34" name="tx34"/>
+            <p:cNvSpPr/>
+            <p:nvPr/>
+          </p:nvSpPr>
+          <p:spPr>
+            <a:xfrm>
+              <a:off x="2701314" y="5758240"/>
+              <a:ext cx="621119" cy="104174"/>
+            </a:xfrm>
+            <a:prstGeom prst="rect">
+              <a:avLst/>
+            </a:prstGeom>
+            <a:noFill/>
+          </p:spPr>
+          <p:txBody>
+            <a:bodyPr lIns="0" rIns="0" tIns="0" bIns="0" anchorCtr="1" anchor="ctr" wrap="none"/>
+            <a:lstStyle/>
+            <a:p>
+              <a:pPr algn="l" marL="0" marR="0" indent="0">
+                <a:lnSpc>
+                  <a:spcPts val="880"/>
+                </a:lnSpc>
+                <a:spcBef>
+                  <a:spcPts val="0"/>
+                </a:spcBef>
+                <a:spcAft>
+                  <a:spcPts val="0"/>
+                </a:spcAft>
+              </a:pPr>
+              <a:r>
+                <a:rPr sz="880">
+                  <a:solidFill>
+                    <a:srgbClr val="4D4D4D">
+                      <a:alpha val="100000"/>
+                    </a:srgbClr>
+                  </a:solidFill>
+                  <a:latin typeface="Liberation Sans"/>
+                  <a:cs typeface="Liberation Sans"/>
+                </a:rPr>
+                <a:t>Employment</a:t>
+              </a:r>
+            </a:p>
+          </p:txBody>
+        </p:sp>
+        <p:sp>
+          <p:nvSpPr>
+            <p:cNvPr id="35" name="tx35"/>
+            <p:cNvSpPr/>
+            <p:nvPr/>
+          </p:nvSpPr>
+          <p:spPr>
+            <a:xfrm>
+              <a:off x="3646173" y="5758240"/>
+              <a:ext cx="1323220" cy="104174"/>
+            </a:xfrm>
+            <a:prstGeom prst="rect">
+              <a:avLst/>
+            </a:prstGeom>
+            <a:noFill/>
+          </p:spPr>
+          <p:txBody>
+            <a:bodyPr lIns="0" rIns="0" tIns="0" bIns="0" anchorCtr="1" anchor="ctr" wrap="none"/>
+            <a:lstStyle/>
+            <a:p>
+              <a:pPr algn="l" marL="0" marR="0" indent="0">
+                <a:lnSpc>
+                  <a:spcPts val="880"/>
+                </a:lnSpc>
+                <a:spcBef>
+                  <a:spcPts val="0"/>
+                </a:spcBef>
+                <a:spcAft>
+                  <a:spcPts val="0"/>
+                </a:spcAft>
+              </a:pPr>
+              <a:r>
+                <a:rPr sz="880">
+                  <a:solidFill>
+                    <a:srgbClr val="4D4D4D">
+                      <a:alpha val="100000"/>
+                    </a:srgbClr>
+                  </a:solidFill>
+                  <a:latin typeface="Liberation Sans"/>
+                  <a:cs typeface="Liberation Sans"/>
+                </a:rPr>
+                <a:t>Household and family care</a:t>
+              </a:r>
+            </a:p>
+          </p:txBody>
+        </p:sp>
+        <p:sp>
+          <p:nvSpPr>
+            <p:cNvPr id="36" name="tx36"/>
+            <p:cNvSpPr/>
+            <p:nvPr/>
+          </p:nvSpPr>
+          <p:spPr>
+            <a:xfrm>
+              <a:off x="5258918" y="5780341"/>
+              <a:ext cx="689550" cy="82073"/>
+            </a:xfrm>
+            <a:prstGeom prst="rect">
+              <a:avLst/>
+            </a:prstGeom>
+            <a:noFill/>
+          </p:spPr>
+          <p:txBody>
+            <a:bodyPr lIns="0" rIns="0" tIns="0" bIns="0" anchorCtr="1" anchor="ctr" wrap="none"/>
+            <a:lstStyle/>
+            <a:p>
+              <a:pPr algn="l" marL="0" marR="0" indent="0">
+                <a:lnSpc>
+                  <a:spcPts val="880"/>
+                </a:lnSpc>
+                <a:spcBef>
+                  <a:spcPts val="0"/>
+                </a:spcBef>
+                <a:spcAft>
+                  <a:spcPts val="0"/>
+                </a:spcAft>
+              </a:pPr>
+              <a:r>
+                <a:rPr sz="880">
+                  <a:solidFill>
+                    <a:srgbClr val="4D4D4D">
+                      <a:alpha val="100000"/>
+                    </a:srgbClr>
+                  </a:solidFill>
+                  <a:latin typeface="Liberation Sans"/>
+                  <a:cs typeface="Liberation Sans"/>
+                </a:rPr>
+                <a:t>Personal care</a:t>
+              </a:r>
+            </a:p>
+          </p:txBody>
+        </p:sp>
+        <p:sp>
+          <p:nvSpPr>
+            <p:cNvPr id="37" name="tx37"/>
+            <p:cNvSpPr/>
+            <p:nvPr/>
+          </p:nvSpPr>
+          <p:spPr>
+            <a:xfrm>
+              <a:off x="6756683" y="5758240"/>
+              <a:ext cx="285839" cy="104174"/>
+            </a:xfrm>
+            <a:prstGeom prst="rect">
+              <a:avLst/>
+            </a:prstGeom>
+            <a:noFill/>
+          </p:spPr>
+          <p:txBody>
+            <a:bodyPr lIns="0" rIns="0" tIns="0" bIns="0" anchorCtr="1" anchor="ctr" wrap="none"/>
+            <a:lstStyle/>
+            <a:p>
+              <a:pPr algn="l" marL="0" marR="0" indent="0">
+                <a:lnSpc>
+                  <a:spcPts val="880"/>
+                </a:lnSpc>
+                <a:spcBef>
+                  <a:spcPts val="0"/>
+                </a:spcBef>
+                <a:spcAft>
+                  <a:spcPts val="0"/>
+                </a:spcAft>
+              </a:pPr>
+              <a:r>
+                <a:rPr sz="880">
+                  <a:solidFill>
+                    <a:srgbClr val="4D4D4D">
+                      <a:alpha val="100000"/>
+                    </a:srgbClr>
+                  </a:solidFill>
+                  <a:latin typeface="Liberation Sans"/>
+                  <a:cs typeface="Liberation Sans"/>
+                </a:rPr>
+                <a:t>Sleep</a:t>
+              </a:r>
+            </a:p>
+          </p:txBody>
+        </p:sp>
+        <p:sp>
+          <p:nvSpPr>
+            <p:cNvPr id="38" name="tx38"/>
+            <p:cNvSpPr/>
+            <p:nvPr/>
+          </p:nvSpPr>
+          <p:spPr>
+            <a:xfrm>
+              <a:off x="4032203" y="5922355"/>
+              <a:ext cx="551160" cy="102592"/>
+            </a:xfrm>
+            <a:prstGeom prst="rect">
+              <a:avLst/>
+            </a:prstGeom>
+            <a:noFill/>
+          </p:spPr>
+          <p:txBody>
+            <a:bodyPr lIns="0" rIns="0" tIns="0" bIns="0" anchorCtr="1" anchor="ctr" wrap="none"/>
+            <a:lstStyle/>
+            <a:p>
+              <a:pPr algn="l" marL="0" marR="0" indent="0">
+                <a:lnSpc>
+                  <a:spcPts val="1100"/>
+                </a:lnSpc>
+                <a:spcBef>
+                  <a:spcPts val="0"/>
+                </a:spcBef>
+                <a:spcAft>
+                  <a:spcPts val="0"/>
+                </a:spcAft>
+              </a:pPr>
+              <a:r>
+                <a:rPr sz="1100">
+                  <a:solidFill>
+                    <a:srgbClr val="000000">
+                      <a:alpha val="100000"/>
+                    </a:srgbClr>
+                  </a:solidFill>
+                  <a:latin typeface="Liberation Sans"/>
+                  <a:cs typeface="Liberation Sans"/>
+                </a:rPr>
+                <a:t>Activities</a:t>
+              </a:r>
+            </a:p>
+          </p:txBody>
+        </p:sp>
+        <p:sp>
+          <p:nvSpPr>
+            <p:cNvPr id="39" name="tx39"/>
+            <p:cNvSpPr/>
+            <p:nvPr/>
+          </p:nvSpPr>
+          <p:spPr>
+            <a:xfrm rot="-5400000">
+              <a:off x="78630" y="3753321"/>
+              <a:ext cx="985949" cy="102592"/>
+            </a:xfrm>
+            <a:prstGeom prst="rect">
+              <a:avLst/>
+            </a:prstGeom>
+            <a:noFill/>
+          </p:spPr>
+          <p:txBody>
+            <a:bodyPr lIns="0" rIns="0" tIns="0" bIns="0" anchorCtr="1" anchor="ctr" wrap="none"/>
+            <a:lstStyle/>
+            <a:p>
+              <a:pPr algn="l" marL="0" marR="0" indent="0">
+                <a:lnSpc>
+                  <a:spcPts val="1100"/>
+                </a:lnSpc>
+                <a:spcBef>
+                  <a:spcPts val="0"/>
+                </a:spcBef>
+                <a:spcAft>
+                  <a:spcPts val="0"/>
+                </a:spcAft>
+              </a:pPr>
+              <a:r>
+                <a:rPr sz="1100">
+                  <a:solidFill>
+                    <a:srgbClr val="000000">
+                      <a:alpha val="100000"/>
+                    </a:srgbClr>
+                  </a:solidFill>
+                  <a:latin typeface="Liberation Sans"/>
+                  <a:cs typeface="Liberation Sans"/>
+                </a:rPr>
+                <a:t>Time in minutes</a:t>
+              </a:r>
+            </a:p>
+          </p:txBody>
+        </p:sp>
+        <p:sp>
+          <p:nvSpPr>
+            <p:cNvPr id="40" name="tx40"/>
+            <p:cNvSpPr/>
+            <p:nvPr/>
+          </p:nvSpPr>
+          <p:spPr>
+            <a:xfrm>
+              <a:off x="7885916" y="3468204"/>
+              <a:ext cx="644748" cy="130218"/>
+            </a:xfrm>
+            <a:prstGeom prst="rect">
+              <a:avLst/>
+            </a:prstGeom>
+            <a:noFill/>
+          </p:spPr>
+          <p:txBody>
+            <a:bodyPr lIns="0" rIns="0" tIns="0" bIns="0" anchorCtr="1" anchor="ctr" wrap="none"/>
+            <a:lstStyle/>
+            <a:p>
+              <a:pPr algn="l" marL="0" marR="0" indent="0">
+                <a:lnSpc>
+                  <a:spcPts val="1100"/>
+                </a:lnSpc>
+                <a:spcBef>
+                  <a:spcPts val="0"/>
+                </a:spcBef>
+                <a:spcAft>
+                  <a:spcPts val="0"/>
+                </a:spcAft>
+              </a:pPr>
+              <a:r>
+                <a:rPr sz="1100">
+                  <a:solidFill>
+                    <a:srgbClr val="000000">
+                      <a:alpha val="100000"/>
+                    </a:srgbClr>
+                  </a:solidFill>
+                  <a:latin typeface="Liberation Sans"/>
+                  <a:cs typeface="Liberation Sans"/>
+                </a:rPr>
+                <a:t>population</a:t>
+              </a:r>
+            </a:p>
+          </p:txBody>
+        </p:sp>
+        <p:sp>
+          <p:nvSpPr>
+            <p:cNvPr id="41" name="rc41"/>
+            <p:cNvSpPr/>
+            <p:nvPr/>
+          </p:nvSpPr>
+          <p:spPr>
+            <a:xfrm>
+              <a:off x="7894916" y="3692824"/>
+              <a:ext cx="201455" cy="201456"/>
+            </a:xfrm>
+            <a:prstGeom prst="rect">
+              <a:avLst/>
+            </a:prstGeom>
+            <a:solidFill>
+              <a:srgbClr val="F8766D">
+                <a:alpha val="100000"/>
+              </a:srgbClr>
+            </a:solidFill>
+          </p:spPr>
+          <p:txBody>
+            <a:bodyPr/>
+            <a:lstStyle/>
+            <a:p/>
+          </p:txBody>
+        </p:sp>
+        <p:sp>
+          <p:nvSpPr>
+            <p:cNvPr id="42" name="rc42"/>
+            <p:cNvSpPr/>
+            <p:nvPr/>
+          </p:nvSpPr>
+          <p:spPr>
+            <a:xfrm>
+              <a:off x="7894916" y="3912280"/>
+              <a:ext cx="201455" cy="201456"/>
+            </a:xfrm>
+            <a:prstGeom prst="rect">
+              <a:avLst/>
+            </a:prstGeom>
+            <a:solidFill>
+              <a:srgbClr val="00BFC4">
+                <a:alpha val="100000"/>
+              </a:srgbClr>
+            </a:solidFill>
+          </p:spPr>
+          <p:txBody>
+            <a:bodyPr/>
+            <a:lstStyle/>
+            <a:p/>
+          </p:txBody>
+        </p:sp>
+        <p:sp>
+          <p:nvSpPr>
+            <p:cNvPr id="43" name="tx43"/>
+            <p:cNvSpPr/>
+            <p:nvPr/>
+          </p:nvSpPr>
+          <p:spPr>
+            <a:xfrm>
+              <a:off x="8174961" y="3749923"/>
+              <a:ext cx="372660" cy="82073"/>
+            </a:xfrm>
+            <a:prstGeom prst="rect">
+              <a:avLst/>
+            </a:prstGeom>
+            <a:noFill/>
+          </p:spPr>
+          <p:txBody>
+            <a:bodyPr lIns="0" rIns="0" tIns="0" bIns="0" anchorCtr="1" anchor="ctr" wrap="none"/>
+            <a:lstStyle/>
+            <a:p>
+              <a:pPr algn="l" marL="0" marR="0" indent="0">
+                <a:lnSpc>
+                  <a:spcPts val="880"/>
+                </a:lnSpc>
+                <a:spcBef>
+                  <a:spcPts val="0"/>
+                </a:spcBef>
+                <a:spcAft>
+                  <a:spcPts val="0"/>
+                </a:spcAft>
+              </a:pPr>
+              <a:r>
+                <a:rPr sz="880">
+                  <a:solidFill>
+                    <a:srgbClr val="000000">
+                      <a:alpha val="100000"/>
+                    </a:srgbClr>
+                  </a:solidFill>
+                  <a:latin typeface="Liberation Sans"/>
+                  <a:cs typeface="Liberation Sans"/>
+                </a:rPr>
+                <a:t>Female</a:t>
+              </a:r>
+            </a:p>
+          </p:txBody>
+        </p:sp>
+        <p:sp>
+          <p:nvSpPr>
+            <p:cNvPr id="44" name="tx44"/>
+            <p:cNvSpPr/>
+            <p:nvPr/>
+          </p:nvSpPr>
+          <p:spPr>
+            <a:xfrm>
+              <a:off x="8174961" y="3969379"/>
+              <a:ext cx="242237" cy="82073"/>
+            </a:xfrm>
+            <a:prstGeom prst="rect">
+              <a:avLst/>
+            </a:prstGeom>
+            <a:noFill/>
+          </p:spPr>
+          <p:txBody>
+            <a:bodyPr lIns="0" rIns="0" tIns="0" bIns="0" anchorCtr="1" anchor="ctr" wrap="none"/>
+            <a:lstStyle/>
+            <a:p>
+              <a:pPr algn="l" marL="0" marR="0" indent="0">
+                <a:lnSpc>
+                  <a:spcPts val="880"/>
+                </a:lnSpc>
+                <a:spcBef>
+                  <a:spcPts val="0"/>
+                </a:spcBef>
+                <a:spcAft>
+                  <a:spcPts val="0"/>
+                </a:spcAft>
+              </a:pPr>
+              <a:r>
+                <a:rPr sz="880">
+                  <a:solidFill>
+                    <a:srgbClr val="000000">
+                      <a:alpha val="100000"/>
+                    </a:srgbClr>
+                  </a:solidFill>
+                  <a:latin typeface="Liberation Sans"/>
+                  <a:cs typeface="Liberation Sans"/>
+                </a:rPr>
+                <a:t>Male</a:t>
+              </a:r>
+            </a:p>
+          </p:txBody>
+        </p:sp>
+        <p:sp>
+          <p:nvSpPr>
+            <p:cNvPr id="45" name="tx45"/>
+            <p:cNvSpPr/>
+            <p:nvPr/>
+          </p:nvSpPr>
+          <p:spPr>
+            <a:xfrm>
+              <a:off x="938418" y="1628861"/>
+              <a:ext cx="1435417" cy="156262"/>
+            </a:xfrm>
+            <a:prstGeom prst="rect">
+              <a:avLst/>
+            </a:prstGeom>
+            <a:noFill/>
+          </p:spPr>
+          <p:txBody>
+            <a:bodyPr lIns="0" rIns="0" tIns="0" bIns="0" anchorCtr="1" anchor="ctr" wrap="none"/>
+            <a:lstStyle/>
+            <a:p>
+              <a:pPr algn="l" marL="0" marR="0" indent="0">
+                <a:lnSpc>
+                  <a:spcPts val="1320"/>
+                </a:lnSpc>
+                <a:spcBef>
+                  <a:spcPts val="0"/>
+                </a:spcBef>
+                <a:spcAft>
+                  <a:spcPts val="0"/>
+                </a:spcAft>
+              </a:pPr>
+              <a:r>
+                <a:rPr sz="1320">
+                  <a:solidFill>
+                    <a:srgbClr val="000000">
+                      <a:alpha val="100000"/>
+                    </a:srgbClr>
+                  </a:solidFill>
+                  <a:latin typeface="Liberation Sans"/>
+                  <a:cs typeface="Liberation Sans"/>
+                </a:rPr>
+                <a:t>Year 2014_Sunday</a:t>
+              </a:r>
+            </a:p>
+          </p:txBody>
+        </p:sp>
+      </p:grpSp>
+    </p:spTree>
+  </p:cSld>
+  <p:clrMapOvr>
+    <a:masterClrMapping/>
+  </p:clrMapOvr>
+</p:sld>
+</file>
+
 <file path=ppt/slides/slide4.xml><?xml version="1.0" encoding="utf-8"?>
 <p:sld xmlns:a="http://schemas.openxmlformats.org/drawingml/2006/main" xmlns:r="http://schemas.openxmlformats.org/officeDocument/2006/relationships" xmlns:p="http://schemas.openxmlformats.org/presentationml/2006/main">
   <p:cSld>

--- a/content/blog/test.pptx
+++ b/content/blog/test.pptx
@@ -41,6 +41,9 @@
     <p:sldId id="289" r:id="rId41"/>
     <p:sldId id="290" r:id="rId42"/>
     <p:sldId id="291" r:id="rId43"/>
+    <p:sldId id="292" r:id="rId44"/>
+    <p:sldId id="293" r:id="rId45"/>
+    <p:sldId id="294" r:id="rId46"/>
   </p:sldIdLst>
   <p:sldSz cx="9144000" cy="6858000" type="screen4x3"/>
   <p:notesSz cx="6858000" cy="9144000"/>
@@ -52202,6 +52205,5003 @@
 </p:sld>
 </file>
 
+<file path=ppt/slides/slide37.xml><?xml version="1.0" encoding="utf-8"?>
+<p:sld xmlns:a="http://schemas.openxmlformats.org/drawingml/2006/main" xmlns:r="http://schemas.openxmlformats.org/officeDocument/2006/relationships" xmlns:p="http://schemas.openxmlformats.org/presentationml/2006/main">
+  <p:cSld>
+    <p:spTree>
+      <p:nvGrpSpPr>
+        <p:cNvPr id="1" name=""/>
+        <p:cNvGrpSpPr/>
+        <p:nvPr/>
+      </p:nvGrpSpPr>
+      <p:grpSpPr>
+        <a:xfrm>
+          <a:off x="0" y="0"/>
+          <a:ext cx="0" cy="0"/>
+          <a:chOff x="0" y="0"/>
+          <a:chExt cx="0" cy="0"/>
+        </a:xfrm>
+      </p:grpSpPr>
+      <p:grpSp xmlns:a="http://schemas.openxmlformats.org/drawingml/2006/main" xmlns:r="http://schemas.openxmlformats.org/officeDocument/2006/relationships" xmlns:p="http://schemas.openxmlformats.org/presentationml/2006/main" xmlns:pic="http://schemas.openxmlformats.org/drawingml/2006/picture">
+        <p:nvGrpSpPr>
+          <p:cNvPr id="2" name="grp1"/>
+          <p:cNvGrpSpPr/>
+          <p:nvPr/>
+        </p:nvGrpSpPr>
+        <p:grpSpPr>
+          <a:xfrm>
+            <a:off x="457200" y="1600200"/>
+            <a:ext cx="8229600" cy="4525962"/>
+            <a:chOff x="457200" y="1600200"/>
+            <a:chExt cx="8229600" cy="4525962"/>
+          </a:xfrm>
+        </p:grpSpPr>
+        <p:sp>
+          <p:nvSpPr>
+            <p:cNvPr id="3" name="rc3"/>
+            <p:cNvSpPr/>
+            <p:nvPr/>
+          </p:nvSpPr>
+          <p:spPr>
+            <a:xfrm>
+              <a:off x="457200" y="1600200"/>
+              <a:ext cx="8229600" cy="4525962"/>
+            </a:xfrm>
+            <a:prstGeom prst="rect">
+              <a:avLst/>
+            </a:prstGeom>
+            <a:solidFill>
+              <a:srgbClr val="FFFFFF">
+                <a:alpha val="100000"/>
+              </a:srgbClr>
+            </a:solidFill>
+            <a:ln w="9525" cap="rnd">
+              <a:solidFill>
+                <a:srgbClr val="FFFFFF">
+                  <a:alpha val="100000"/>
+                </a:srgbClr>
+              </a:solidFill>
+              <a:prstDash val="solid"/>
+              <a:round/>
+            </a:ln>
+          </p:spPr>
+          <p:txBody>
+            <a:bodyPr/>
+            <a:lstStyle/>
+            <a:p/>
+          </p:txBody>
+        </p:sp>
+        <p:sp>
+          <p:nvSpPr>
+            <p:cNvPr id="4" name="pl4"/>
+            <p:cNvSpPr/>
+            <p:nvPr/>
+          </p:nvSpPr>
+          <p:spPr>
+            <a:xfrm>
+              <a:off x="938418" y="5031798"/>
+              <a:ext cx="6738730" cy="0"/>
+            </a:xfrm>
+            <a:custGeom>
+              <a:avLst/>
+              <a:pathLst>
+                <a:path w="6738730" h="0">
+                  <a:moveTo>
+                    <a:pt x="0" y="0"/>
+                  </a:moveTo>
+                  <a:lnTo>
+                    <a:pt x="6738730" y="0"/>
+                  </a:lnTo>
+                  <a:lnTo>
+                    <a:pt x="6738730" y="0"/>
+                  </a:lnTo>
+                </a:path>
+              </a:pathLst>
+            </a:custGeom>
+            <a:ln w="6775" cap="flat">
+              <a:solidFill>
+                <a:srgbClr val="EBEBEB">
+                  <a:alpha val="100000"/>
+                </a:srgbClr>
+              </a:solidFill>
+              <a:prstDash val="solid"/>
+              <a:round/>
+            </a:ln>
+          </p:spPr>
+          <p:txBody>
+            <a:bodyPr/>
+            <a:lstStyle/>
+            <a:p/>
+          </p:txBody>
+        </p:sp>
+        <p:sp>
+          <p:nvSpPr>
+            <p:cNvPr id="5" name="pl5"/>
+            <p:cNvSpPr/>
+            <p:nvPr/>
+          </p:nvSpPr>
+          <p:spPr>
+            <a:xfrm>
+              <a:off x="938418" y="3998382"/>
+              <a:ext cx="6738730" cy="0"/>
+            </a:xfrm>
+            <a:custGeom>
+              <a:avLst/>
+              <a:pathLst>
+                <a:path w="6738730" h="0">
+                  <a:moveTo>
+                    <a:pt x="0" y="0"/>
+                  </a:moveTo>
+                  <a:lnTo>
+                    <a:pt x="6738730" y="0"/>
+                  </a:lnTo>
+                  <a:lnTo>
+                    <a:pt x="6738730" y="0"/>
+                  </a:lnTo>
+                </a:path>
+              </a:pathLst>
+            </a:custGeom>
+            <a:ln w="6775" cap="flat">
+              <a:solidFill>
+                <a:srgbClr val="EBEBEB">
+                  <a:alpha val="100000"/>
+                </a:srgbClr>
+              </a:solidFill>
+              <a:prstDash val="solid"/>
+              <a:round/>
+            </a:ln>
+          </p:spPr>
+          <p:txBody>
+            <a:bodyPr/>
+            <a:lstStyle/>
+            <a:p/>
+          </p:txBody>
+        </p:sp>
+        <p:sp>
+          <p:nvSpPr>
+            <p:cNvPr id="6" name="pl6"/>
+            <p:cNvSpPr/>
+            <p:nvPr/>
+          </p:nvSpPr>
+          <p:spPr>
+            <a:xfrm>
+              <a:off x="938418" y="2964966"/>
+              <a:ext cx="6738730" cy="0"/>
+            </a:xfrm>
+            <a:custGeom>
+              <a:avLst/>
+              <a:pathLst>
+                <a:path w="6738730" h="0">
+                  <a:moveTo>
+                    <a:pt x="0" y="0"/>
+                  </a:moveTo>
+                  <a:lnTo>
+                    <a:pt x="6738730" y="0"/>
+                  </a:lnTo>
+                  <a:lnTo>
+                    <a:pt x="6738730" y="0"/>
+                  </a:lnTo>
+                </a:path>
+              </a:pathLst>
+            </a:custGeom>
+            <a:ln w="6775" cap="flat">
+              <a:solidFill>
+                <a:srgbClr val="EBEBEB">
+                  <a:alpha val="100000"/>
+                </a:srgbClr>
+              </a:solidFill>
+              <a:prstDash val="solid"/>
+              <a:round/>
+            </a:ln>
+          </p:spPr>
+          <p:txBody>
+            <a:bodyPr/>
+            <a:lstStyle/>
+            <a:p/>
+          </p:txBody>
+        </p:sp>
+        <p:sp>
+          <p:nvSpPr>
+            <p:cNvPr id="7" name="pl7"/>
+            <p:cNvSpPr/>
+            <p:nvPr/>
+          </p:nvSpPr>
+          <p:spPr>
+            <a:xfrm>
+              <a:off x="938418" y="1931550"/>
+              <a:ext cx="6738730" cy="0"/>
+            </a:xfrm>
+            <a:custGeom>
+              <a:avLst/>
+              <a:pathLst>
+                <a:path w="6738730" h="0">
+                  <a:moveTo>
+                    <a:pt x="0" y="0"/>
+                  </a:moveTo>
+                  <a:lnTo>
+                    <a:pt x="6738730" y="0"/>
+                  </a:lnTo>
+                  <a:lnTo>
+                    <a:pt x="6738730" y="0"/>
+                  </a:lnTo>
+                </a:path>
+              </a:pathLst>
+            </a:custGeom>
+            <a:ln w="6775" cap="flat">
+              <a:solidFill>
+                <a:srgbClr val="EBEBEB">
+                  <a:alpha val="100000"/>
+                </a:srgbClr>
+              </a:solidFill>
+              <a:prstDash val="solid"/>
+              <a:round/>
+            </a:ln>
+          </p:spPr>
+          <p:txBody>
+            <a:bodyPr/>
+            <a:lstStyle/>
+            <a:p/>
+          </p:txBody>
+        </p:sp>
+        <p:sp>
+          <p:nvSpPr>
+            <p:cNvPr id="8" name="pl8"/>
+            <p:cNvSpPr/>
+            <p:nvPr/>
+          </p:nvSpPr>
+          <p:spPr>
+            <a:xfrm>
+              <a:off x="938418" y="5548506"/>
+              <a:ext cx="6738730" cy="0"/>
+            </a:xfrm>
+            <a:custGeom>
+              <a:avLst/>
+              <a:pathLst>
+                <a:path w="6738730" h="0">
+                  <a:moveTo>
+                    <a:pt x="0" y="0"/>
+                  </a:moveTo>
+                  <a:lnTo>
+                    <a:pt x="6738730" y="0"/>
+                  </a:lnTo>
+                  <a:lnTo>
+                    <a:pt x="6738730" y="0"/>
+                  </a:lnTo>
+                </a:path>
+              </a:pathLst>
+            </a:custGeom>
+            <a:ln w="13550" cap="flat">
+              <a:solidFill>
+                <a:srgbClr val="EBEBEB">
+                  <a:alpha val="100000"/>
+                </a:srgbClr>
+              </a:solidFill>
+              <a:prstDash val="solid"/>
+              <a:round/>
+            </a:ln>
+          </p:spPr>
+          <p:txBody>
+            <a:bodyPr/>
+            <a:lstStyle/>
+            <a:p/>
+          </p:txBody>
+        </p:sp>
+        <p:sp>
+          <p:nvSpPr>
+            <p:cNvPr id="9" name="pl9"/>
+            <p:cNvSpPr/>
+            <p:nvPr/>
+          </p:nvSpPr>
+          <p:spPr>
+            <a:xfrm>
+              <a:off x="938418" y="4515090"/>
+              <a:ext cx="6738730" cy="0"/>
+            </a:xfrm>
+            <a:custGeom>
+              <a:avLst/>
+              <a:pathLst>
+                <a:path w="6738730" h="0">
+                  <a:moveTo>
+                    <a:pt x="0" y="0"/>
+                  </a:moveTo>
+                  <a:lnTo>
+                    <a:pt x="6738730" y="0"/>
+                  </a:lnTo>
+                  <a:lnTo>
+                    <a:pt x="6738730" y="0"/>
+                  </a:lnTo>
+                </a:path>
+              </a:pathLst>
+            </a:custGeom>
+            <a:ln w="13550" cap="flat">
+              <a:solidFill>
+                <a:srgbClr val="EBEBEB">
+                  <a:alpha val="100000"/>
+                </a:srgbClr>
+              </a:solidFill>
+              <a:prstDash val="solid"/>
+              <a:round/>
+            </a:ln>
+          </p:spPr>
+          <p:txBody>
+            <a:bodyPr/>
+            <a:lstStyle/>
+            <a:p/>
+          </p:txBody>
+        </p:sp>
+        <p:sp>
+          <p:nvSpPr>
+            <p:cNvPr id="10" name="pl10"/>
+            <p:cNvSpPr/>
+            <p:nvPr/>
+          </p:nvSpPr>
+          <p:spPr>
+            <a:xfrm>
+              <a:off x="938418" y="3481674"/>
+              <a:ext cx="6738730" cy="0"/>
+            </a:xfrm>
+            <a:custGeom>
+              <a:avLst/>
+              <a:pathLst>
+                <a:path w="6738730" h="0">
+                  <a:moveTo>
+                    <a:pt x="0" y="0"/>
+                  </a:moveTo>
+                  <a:lnTo>
+                    <a:pt x="6738730" y="0"/>
+                  </a:lnTo>
+                  <a:lnTo>
+                    <a:pt x="6738730" y="0"/>
+                  </a:lnTo>
+                </a:path>
+              </a:pathLst>
+            </a:custGeom>
+            <a:ln w="13550" cap="flat">
+              <a:solidFill>
+                <a:srgbClr val="EBEBEB">
+                  <a:alpha val="100000"/>
+                </a:srgbClr>
+              </a:solidFill>
+              <a:prstDash val="solid"/>
+              <a:round/>
+            </a:ln>
+          </p:spPr>
+          <p:txBody>
+            <a:bodyPr/>
+            <a:lstStyle/>
+            <a:p/>
+          </p:txBody>
+        </p:sp>
+        <p:sp>
+          <p:nvSpPr>
+            <p:cNvPr id="11" name="pl11"/>
+            <p:cNvSpPr/>
+            <p:nvPr/>
+          </p:nvSpPr>
+          <p:spPr>
+            <a:xfrm>
+              <a:off x="938418" y="2448258"/>
+              <a:ext cx="6738730" cy="0"/>
+            </a:xfrm>
+            <a:custGeom>
+              <a:avLst/>
+              <a:pathLst>
+                <a:path w="6738730" h="0">
+                  <a:moveTo>
+                    <a:pt x="0" y="0"/>
+                  </a:moveTo>
+                  <a:lnTo>
+                    <a:pt x="6738730" y="0"/>
+                  </a:lnTo>
+                  <a:lnTo>
+                    <a:pt x="6738730" y="0"/>
+                  </a:lnTo>
+                </a:path>
+              </a:pathLst>
+            </a:custGeom>
+            <a:ln w="13550" cap="flat">
+              <a:solidFill>
+                <a:srgbClr val="EBEBEB">
+                  <a:alpha val="100000"/>
+                </a:srgbClr>
+              </a:solidFill>
+              <a:prstDash val="solid"/>
+              <a:round/>
+            </a:ln>
+          </p:spPr>
+          <p:txBody>
+            <a:bodyPr/>
+            <a:lstStyle/>
+            <a:p/>
+          </p:txBody>
+        </p:sp>
+        <p:sp>
+          <p:nvSpPr>
+            <p:cNvPr id="12" name="pl12"/>
+            <p:cNvSpPr/>
+            <p:nvPr/>
+          </p:nvSpPr>
+          <p:spPr>
+            <a:xfrm>
+              <a:off x="1715964" y="1886338"/>
+              <a:ext cx="0" cy="3836557"/>
+            </a:xfrm>
+            <a:custGeom>
+              <a:avLst/>
+              <a:pathLst>
+                <a:path w="0" h="3836557">
+                  <a:moveTo>
+                    <a:pt x="0" y="3836557"/>
+                  </a:moveTo>
+                  <a:lnTo>
+                    <a:pt x="0" y="0"/>
+                  </a:lnTo>
+                  <a:lnTo>
+                    <a:pt x="0" y="0"/>
+                  </a:lnTo>
+                </a:path>
+              </a:pathLst>
+            </a:custGeom>
+            <a:ln w="13550" cap="flat">
+              <a:solidFill>
+                <a:srgbClr val="EBEBEB">
+                  <a:alpha val="100000"/>
+                </a:srgbClr>
+              </a:solidFill>
+              <a:prstDash val="solid"/>
+              <a:round/>
+            </a:ln>
+          </p:spPr>
+          <p:txBody>
+            <a:bodyPr/>
+            <a:lstStyle/>
+            <a:p/>
+          </p:txBody>
+        </p:sp>
+        <p:sp>
+          <p:nvSpPr>
+            <p:cNvPr id="13" name="pl13"/>
+            <p:cNvSpPr/>
+            <p:nvPr/>
+          </p:nvSpPr>
+          <p:spPr>
+            <a:xfrm>
+              <a:off x="3011873" y="1886338"/>
+              <a:ext cx="0" cy="3836557"/>
+            </a:xfrm>
+            <a:custGeom>
+              <a:avLst/>
+              <a:pathLst>
+                <a:path w="0" h="3836557">
+                  <a:moveTo>
+                    <a:pt x="0" y="3836557"/>
+                  </a:moveTo>
+                  <a:lnTo>
+                    <a:pt x="0" y="0"/>
+                  </a:lnTo>
+                  <a:lnTo>
+                    <a:pt x="0" y="0"/>
+                  </a:lnTo>
+                </a:path>
+              </a:pathLst>
+            </a:custGeom>
+            <a:ln w="13550" cap="flat">
+              <a:solidFill>
+                <a:srgbClr val="EBEBEB">
+                  <a:alpha val="100000"/>
+                </a:srgbClr>
+              </a:solidFill>
+              <a:prstDash val="solid"/>
+              <a:round/>
+            </a:ln>
+          </p:spPr>
+          <p:txBody>
+            <a:bodyPr/>
+            <a:lstStyle/>
+            <a:p/>
+          </p:txBody>
+        </p:sp>
+        <p:sp>
+          <p:nvSpPr>
+            <p:cNvPr id="14" name="pl14"/>
+            <p:cNvSpPr/>
+            <p:nvPr/>
+          </p:nvSpPr>
+          <p:spPr>
+            <a:xfrm>
+              <a:off x="4307783" y="1886338"/>
+              <a:ext cx="0" cy="3836557"/>
+            </a:xfrm>
+            <a:custGeom>
+              <a:avLst/>
+              <a:pathLst>
+                <a:path w="0" h="3836557">
+                  <a:moveTo>
+                    <a:pt x="0" y="3836557"/>
+                  </a:moveTo>
+                  <a:lnTo>
+                    <a:pt x="0" y="0"/>
+                  </a:lnTo>
+                  <a:lnTo>
+                    <a:pt x="0" y="0"/>
+                  </a:lnTo>
+                </a:path>
+              </a:pathLst>
+            </a:custGeom>
+            <a:ln w="13550" cap="flat">
+              <a:solidFill>
+                <a:srgbClr val="EBEBEB">
+                  <a:alpha val="100000"/>
+                </a:srgbClr>
+              </a:solidFill>
+              <a:prstDash val="solid"/>
+              <a:round/>
+            </a:ln>
+          </p:spPr>
+          <p:txBody>
+            <a:bodyPr/>
+            <a:lstStyle/>
+            <a:p/>
+          </p:txBody>
+        </p:sp>
+        <p:sp>
+          <p:nvSpPr>
+            <p:cNvPr id="15" name="pl15"/>
+            <p:cNvSpPr/>
+            <p:nvPr/>
+          </p:nvSpPr>
+          <p:spPr>
+            <a:xfrm>
+              <a:off x="5603693" y="1886338"/>
+              <a:ext cx="0" cy="3836557"/>
+            </a:xfrm>
+            <a:custGeom>
+              <a:avLst/>
+              <a:pathLst>
+                <a:path w="0" h="3836557">
+                  <a:moveTo>
+                    <a:pt x="0" y="3836557"/>
+                  </a:moveTo>
+                  <a:lnTo>
+                    <a:pt x="0" y="0"/>
+                  </a:lnTo>
+                  <a:lnTo>
+                    <a:pt x="0" y="0"/>
+                  </a:lnTo>
+                </a:path>
+              </a:pathLst>
+            </a:custGeom>
+            <a:ln w="13550" cap="flat">
+              <a:solidFill>
+                <a:srgbClr val="EBEBEB">
+                  <a:alpha val="100000"/>
+                </a:srgbClr>
+              </a:solidFill>
+              <a:prstDash val="solid"/>
+              <a:round/>
+            </a:ln>
+          </p:spPr>
+          <p:txBody>
+            <a:bodyPr/>
+            <a:lstStyle/>
+            <a:p/>
+          </p:txBody>
+        </p:sp>
+        <p:sp>
+          <p:nvSpPr>
+            <p:cNvPr id="16" name="pl16"/>
+            <p:cNvSpPr/>
+            <p:nvPr/>
+          </p:nvSpPr>
+          <p:spPr>
+            <a:xfrm>
+              <a:off x="6899603" y="1886338"/>
+              <a:ext cx="0" cy="3836557"/>
+            </a:xfrm>
+            <a:custGeom>
+              <a:avLst/>
+              <a:pathLst>
+                <a:path w="0" h="3836557">
+                  <a:moveTo>
+                    <a:pt x="0" y="3836557"/>
+                  </a:moveTo>
+                  <a:lnTo>
+                    <a:pt x="0" y="0"/>
+                  </a:lnTo>
+                  <a:lnTo>
+                    <a:pt x="0" y="0"/>
+                  </a:lnTo>
+                </a:path>
+              </a:pathLst>
+            </a:custGeom>
+            <a:ln w="13550" cap="flat">
+              <a:solidFill>
+                <a:srgbClr val="EBEBEB">
+                  <a:alpha val="100000"/>
+                </a:srgbClr>
+              </a:solidFill>
+              <a:prstDash val="solid"/>
+              <a:round/>
+            </a:ln>
+          </p:spPr>
+          <p:txBody>
+            <a:bodyPr/>
+            <a:lstStyle/>
+            <a:p/>
+          </p:txBody>
+        </p:sp>
+        <p:sp>
+          <p:nvSpPr>
+            <p:cNvPr id="17" name="rc17"/>
+            <p:cNvSpPr/>
+            <p:nvPr/>
+          </p:nvSpPr>
+          <p:spPr>
+            <a:xfrm>
+              <a:off x="1715964" y="5000796"/>
+              <a:ext cx="583159" cy="547710"/>
+            </a:xfrm>
+            <a:prstGeom prst="rect">
+              <a:avLst/>
+            </a:prstGeom>
+            <a:solidFill>
+              <a:srgbClr val="00BFC4">
+                <a:alpha val="100000"/>
+              </a:srgbClr>
+            </a:solidFill>
+          </p:spPr>
+          <p:txBody>
+            <a:bodyPr/>
+            <a:lstStyle/>
+            <a:p/>
+          </p:txBody>
+        </p:sp>
+        <p:sp>
+          <p:nvSpPr>
+            <p:cNvPr id="18" name="rc18"/>
+            <p:cNvSpPr/>
+            <p:nvPr/>
+          </p:nvSpPr>
+          <p:spPr>
+            <a:xfrm>
+              <a:off x="1132804" y="4990462"/>
+              <a:ext cx="583159" cy="558044"/>
+            </a:xfrm>
+            <a:prstGeom prst="rect">
+              <a:avLst/>
+            </a:prstGeom>
+            <a:solidFill>
+              <a:srgbClr val="F8766D">
+                <a:alpha val="100000"/>
+              </a:srgbClr>
+            </a:solidFill>
+          </p:spPr>
+          <p:txBody>
+            <a:bodyPr/>
+            <a:lstStyle/>
+            <a:p/>
+          </p:txBody>
+        </p:sp>
+        <p:sp>
+          <p:nvSpPr>
+            <p:cNvPr id="19" name="rc19"/>
+            <p:cNvSpPr/>
+            <p:nvPr/>
+          </p:nvSpPr>
+          <p:spPr>
+            <a:xfrm>
+              <a:off x="3011873" y="3011470"/>
+              <a:ext cx="583159" cy="2537036"/>
+            </a:xfrm>
+            <a:prstGeom prst="rect">
+              <a:avLst/>
+            </a:prstGeom>
+            <a:solidFill>
+              <a:srgbClr val="00BFC4">
+                <a:alpha val="100000"/>
+              </a:srgbClr>
+            </a:solidFill>
+          </p:spPr>
+          <p:txBody>
+            <a:bodyPr/>
+            <a:lstStyle/>
+            <a:p/>
+          </p:txBody>
+        </p:sp>
+        <p:sp>
+          <p:nvSpPr>
+            <p:cNvPr id="20" name="rc20"/>
+            <p:cNvSpPr/>
+            <p:nvPr/>
+          </p:nvSpPr>
+          <p:spPr>
+            <a:xfrm>
+              <a:off x="2428714" y="3409335"/>
+              <a:ext cx="583159" cy="2139171"/>
+            </a:xfrm>
+            <a:prstGeom prst="rect">
+              <a:avLst/>
+            </a:prstGeom>
+            <a:solidFill>
+              <a:srgbClr val="F8766D">
+                <a:alpha val="100000"/>
+              </a:srgbClr>
+            </a:solidFill>
+          </p:spPr>
+          <p:txBody>
+            <a:bodyPr/>
+            <a:lstStyle/>
+            <a:p/>
+          </p:txBody>
+        </p:sp>
+        <p:sp>
+          <p:nvSpPr>
+            <p:cNvPr id="21" name="rc21"/>
+            <p:cNvSpPr/>
+            <p:nvPr/>
+          </p:nvSpPr>
+          <p:spPr>
+            <a:xfrm>
+              <a:off x="4307783" y="4933624"/>
+              <a:ext cx="583159" cy="614882"/>
+            </a:xfrm>
+            <a:prstGeom prst="rect">
+              <a:avLst/>
+            </a:prstGeom>
+            <a:solidFill>
+              <a:srgbClr val="00BFC4">
+                <a:alpha val="100000"/>
+              </a:srgbClr>
+            </a:solidFill>
+          </p:spPr>
+          <p:txBody>
+            <a:bodyPr/>
+            <a:lstStyle/>
+            <a:p/>
+          </p:txBody>
+        </p:sp>
+        <p:sp>
+          <p:nvSpPr>
+            <p:cNvPr id="22" name="rc22"/>
+            <p:cNvSpPr/>
+            <p:nvPr/>
+          </p:nvSpPr>
+          <p:spPr>
+            <a:xfrm>
+              <a:off x="3724624" y="4365245"/>
+              <a:ext cx="583159" cy="1183261"/>
+            </a:xfrm>
+            <a:prstGeom prst="rect">
+              <a:avLst/>
+            </a:prstGeom>
+            <a:solidFill>
+              <a:srgbClr val="F8766D">
+                <a:alpha val="100000"/>
+              </a:srgbClr>
+            </a:solidFill>
+          </p:spPr>
+          <p:txBody>
+            <a:bodyPr/>
+            <a:lstStyle/>
+            <a:p/>
+          </p:txBody>
+        </p:sp>
+        <p:sp>
+          <p:nvSpPr>
+            <p:cNvPr id="23" name="rc23"/>
+            <p:cNvSpPr/>
+            <p:nvPr/>
+          </p:nvSpPr>
+          <p:spPr>
+            <a:xfrm>
+              <a:off x="5603693" y="2138233"/>
+              <a:ext cx="583159" cy="3410273"/>
+            </a:xfrm>
+            <a:prstGeom prst="rect">
+              <a:avLst/>
+            </a:prstGeom>
+            <a:solidFill>
+              <a:srgbClr val="00BFC4">
+                <a:alpha val="100000"/>
+              </a:srgbClr>
+            </a:solidFill>
+          </p:spPr>
+          <p:txBody>
+            <a:bodyPr/>
+            <a:lstStyle/>
+            <a:p/>
+          </p:txBody>
+        </p:sp>
+        <p:sp>
+          <p:nvSpPr>
+            <p:cNvPr id="24" name="rc24"/>
+            <p:cNvSpPr/>
+            <p:nvPr/>
+          </p:nvSpPr>
+          <p:spPr>
+            <a:xfrm>
+              <a:off x="5020534" y="2060727"/>
+              <a:ext cx="583159" cy="3487779"/>
+            </a:xfrm>
+            <a:prstGeom prst="rect">
+              <a:avLst/>
+            </a:prstGeom>
+            <a:solidFill>
+              <a:srgbClr val="F8766D">
+                <a:alpha val="100000"/>
+              </a:srgbClr>
+            </a:solidFill>
+          </p:spPr>
+          <p:txBody>
+            <a:bodyPr/>
+            <a:lstStyle/>
+            <a:p/>
+          </p:txBody>
+        </p:sp>
+        <p:sp>
+          <p:nvSpPr>
+            <p:cNvPr id="25" name="rc25"/>
+            <p:cNvSpPr/>
+            <p:nvPr/>
+          </p:nvSpPr>
+          <p:spPr>
+            <a:xfrm>
+              <a:off x="6899603" y="2944298"/>
+              <a:ext cx="583159" cy="2604208"/>
+            </a:xfrm>
+            <a:prstGeom prst="rect">
+              <a:avLst/>
+            </a:prstGeom>
+            <a:solidFill>
+              <a:srgbClr val="00BFC4">
+                <a:alpha val="100000"/>
+              </a:srgbClr>
+            </a:solidFill>
+          </p:spPr>
+          <p:txBody>
+            <a:bodyPr/>
+            <a:lstStyle/>
+            <a:p/>
+          </p:txBody>
+        </p:sp>
+        <p:sp>
+          <p:nvSpPr>
+            <p:cNvPr id="26" name="rc26"/>
+            <p:cNvSpPr/>
+            <p:nvPr/>
+          </p:nvSpPr>
+          <p:spPr>
+            <a:xfrm>
+              <a:off x="6316443" y="2928796"/>
+              <a:ext cx="583159" cy="2619709"/>
+            </a:xfrm>
+            <a:prstGeom prst="rect">
+              <a:avLst/>
+            </a:prstGeom>
+            <a:solidFill>
+              <a:srgbClr val="F8766D">
+                <a:alpha val="100000"/>
+              </a:srgbClr>
+            </a:solidFill>
+          </p:spPr>
+          <p:txBody>
+            <a:bodyPr/>
+            <a:lstStyle/>
+            <a:p/>
+          </p:txBody>
+        </p:sp>
+        <p:sp>
+          <p:nvSpPr>
+            <p:cNvPr id="27" name="tx27"/>
+            <p:cNvSpPr/>
+            <p:nvPr/>
+          </p:nvSpPr>
+          <p:spPr>
+            <a:xfrm>
+              <a:off x="813632" y="5507824"/>
+              <a:ext cx="62155" cy="79126"/>
+            </a:xfrm>
+            <a:prstGeom prst="rect">
+              <a:avLst/>
+            </a:prstGeom>
+            <a:noFill/>
+          </p:spPr>
+          <p:txBody>
+            <a:bodyPr lIns="0" rIns="0" tIns="0" bIns="0" anchorCtr="1" anchor="ctr" wrap="none"/>
+            <a:lstStyle/>
+            <a:p>
+              <a:pPr algn="l" marL="0" marR="0" indent="0">
+                <a:lnSpc>
+                  <a:spcPts val="880"/>
+                </a:lnSpc>
+                <a:spcBef>
+                  <a:spcPts val="0"/>
+                </a:spcBef>
+                <a:spcAft>
+                  <a:spcPts val="0"/>
+                </a:spcAft>
+              </a:pPr>
+              <a:r>
+                <a:rPr sz="880">
+                  <a:solidFill>
+                    <a:srgbClr val="4D4D4D">
+                      <a:alpha val="100000"/>
+                    </a:srgbClr>
+                  </a:solidFill>
+                  <a:latin typeface="Liberation Sans"/>
+                  <a:cs typeface="Liberation Sans"/>
+                </a:rPr>
+                <a:t>0</a:t>
+              </a:r>
+            </a:p>
+          </p:txBody>
+        </p:sp>
+        <p:sp>
+          <p:nvSpPr>
+            <p:cNvPr id="28" name="tx28"/>
+            <p:cNvSpPr/>
+            <p:nvPr/>
+          </p:nvSpPr>
+          <p:spPr>
+            <a:xfrm>
+              <a:off x="689321" y="4474408"/>
+              <a:ext cx="186466" cy="79126"/>
+            </a:xfrm>
+            <a:prstGeom prst="rect">
+              <a:avLst/>
+            </a:prstGeom>
+            <a:noFill/>
+          </p:spPr>
+          <p:txBody>
+            <a:bodyPr lIns="0" rIns="0" tIns="0" bIns="0" anchorCtr="1" anchor="ctr" wrap="none"/>
+            <a:lstStyle/>
+            <a:p>
+              <a:pPr algn="l" marL="0" marR="0" indent="0">
+                <a:lnSpc>
+                  <a:spcPts val="880"/>
+                </a:lnSpc>
+                <a:spcBef>
+                  <a:spcPts val="0"/>
+                </a:spcBef>
+                <a:spcAft>
+                  <a:spcPts val="0"/>
+                </a:spcAft>
+              </a:pPr>
+              <a:r>
+                <a:rPr sz="880">
+                  <a:solidFill>
+                    <a:srgbClr val="4D4D4D">
+                      <a:alpha val="100000"/>
+                    </a:srgbClr>
+                  </a:solidFill>
+                  <a:latin typeface="Liberation Sans"/>
+                  <a:cs typeface="Liberation Sans"/>
+                </a:rPr>
+                <a:t>200</a:t>
+              </a:r>
+            </a:p>
+          </p:txBody>
+        </p:sp>
+        <p:sp>
+          <p:nvSpPr>
+            <p:cNvPr id="29" name="tx29"/>
+            <p:cNvSpPr/>
+            <p:nvPr/>
+          </p:nvSpPr>
+          <p:spPr>
+            <a:xfrm>
+              <a:off x="689321" y="3440992"/>
+              <a:ext cx="186466" cy="79126"/>
+            </a:xfrm>
+            <a:prstGeom prst="rect">
+              <a:avLst/>
+            </a:prstGeom>
+            <a:noFill/>
+          </p:spPr>
+          <p:txBody>
+            <a:bodyPr lIns="0" rIns="0" tIns="0" bIns="0" anchorCtr="1" anchor="ctr" wrap="none"/>
+            <a:lstStyle/>
+            <a:p>
+              <a:pPr algn="l" marL="0" marR="0" indent="0">
+                <a:lnSpc>
+                  <a:spcPts val="880"/>
+                </a:lnSpc>
+                <a:spcBef>
+                  <a:spcPts val="0"/>
+                </a:spcBef>
+                <a:spcAft>
+                  <a:spcPts val="0"/>
+                </a:spcAft>
+              </a:pPr>
+              <a:r>
+                <a:rPr sz="880">
+                  <a:solidFill>
+                    <a:srgbClr val="4D4D4D">
+                      <a:alpha val="100000"/>
+                    </a:srgbClr>
+                  </a:solidFill>
+                  <a:latin typeface="Liberation Sans"/>
+                  <a:cs typeface="Liberation Sans"/>
+                </a:rPr>
+                <a:t>400</a:t>
+              </a:r>
+            </a:p>
+          </p:txBody>
+        </p:sp>
+        <p:sp>
+          <p:nvSpPr>
+            <p:cNvPr id="30" name="tx30"/>
+            <p:cNvSpPr/>
+            <p:nvPr/>
+          </p:nvSpPr>
+          <p:spPr>
+            <a:xfrm>
+              <a:off x="689321" y="2407576"/>
+              <a:ext cx="186466" cy="79126"/>
+            </a:xfrm>
+            <a:prstGeom prst="rect">
+              <a:avLst/>
+            </a:prstGeom>
+            <a:noFill/>
+          </p:spPr>
+          <p:txBody>
+            <a:bodyPr lIns="0" rIns="0" tIns="0" bIns="0" anchorCtr="1" anchor="ctr" wrap="none"/>
+            <a:lstStyle/>
+            <a:p>
+              <a:pPr algn="l" marL="0" marR="0" indent="0">
+                <a:lnSpc>
+                  <a:spcPts val="880"/>
+                </a:lnSpc>
+                <a:spcBef>
+                  <a:spcPts val="0"/>
+                </a:spcBef>
+                <a:spcAft>
+                  <a:spcPts val="0"/>
+                </a:spcAft>
+              </a:pPr>
+              <a:r>
+                <a:rPr sz="880">
+                  <a:solidFill>
+                    <a:srgbClr val="4D4D4D">
+                      <a:alpha val="100000"/>
+                    </a:srgbClr>
+                  </a:solidFill>
+                  <a:latin typeface="Liberation Sans"/>
+                  <a:cs typeface="Liberation Sans"/>
+                </a:rPr>
+                <a:t>600</a:t>
+              </a:r>
+            </a:p>
+          </p:txBody>
+        </p:sp>
+        <p:sp>
+          <p:nvSpPr>
+            <p:cNvPr id="31" name="tx31"/>
+            <p:cNvSpPr/>
+            <p:nvPr/>
+          </p:nvSpPr>
+          <p:spPr>
+            <a:xfrm>
+              <a:off x="1557519" y="5758240"/>
+              <a:ext cx="316889" cy="104174"/>
+            </a:xfrm>
+            <a:prstGeom prst="rect">
+              <a:avLst/>
+            </a:prstGeom>
+            <a:noFill/>
+          </p:spPr>
+          <p:txBody>
+            <a:bodyPr lIns="0" rIns="0" tIns="0" bIns="0" anchorCtr="1" anchor="ctr" wrap="none"/>
+            <a:lstStyle/>
+            <a:p>
+              <a:pPr algn="l" marL="0" marR="0" indent="0">
+                <a:lnSpc>
+                  <a:spcPts val="880"/>
+                </a:lnSpc>
+                <a:spcBef>
+                  <a:spcPts val="0"/>
+                </a:spcBef>
+                <a:spcAft>
+                  <a:spcPts val="0"/>
+                </a:spcAft>
+              </a:pPr>
+              <a:r>
+                <a:rPr sz="880">
+                  <a:solidFill>
+                    <a:srgbClr val="4D4D4D">
+                      <a:alpha val="100000"/>
+                    </a:srgbClr>
+                  </a:solidFill>
+                  <a:latin typeface="Liberation Sans"/>
+                  <a:cs typeface="Liberation Sans"/>
+                </a:rPr>
+                <a:t>Eating</a:t>
+              </a:r>
+            </a:p>
+          </p:txBody>
+        </p:sp>
+        <p:sp>
+          <p:nvSpPr>
+            <p:cNvPr id="32" name="tx32"/>
+            <p:cNvSpPr/>
+            <p:nvPr/>
+          </p:nvSpPr>
+          <p:spPr>
+            <a:xfrm>
+              <a:off x="2701314" y="5758240"/>
+              <a:ext cx="621119" cy="104174"/>
+            </a:xfrm>
+            <a:prstGeom prst="rect">
+              <a:avLst/>
+            </a:prstGeom>
+            <a:noFill/>
+          </p:spPr>
+          <p:txBody>
+            <a:bodyPr lIns="0" rIns="0" tIns="0" bIns="0" anchorCtr="1" anchor="ctr" wrap="none"/>
+            <a:lstStyle/>
+            <a:p>
+              <a:pPr algn="l" marL="0" marR="0" indent="0">
+                <a:lnSpc>
+                  <a:spcPts val="880"/>
+                </a:lnSpc>
+                <a:spcBef>
+                  <a:spcPts val="0"/>
+                </a:spcBef>
+                <a:spcAft>
+                  <a:spcPts val="0"/>
+                </a:spcAft>
+              </a:pPr>
+              <a:r>
+                <a:rPr sz="880">
+                  <a:solidFill>
+                    <a:srgbClr val="4D4D4D">
+                      <a:alpha val="100000"/>
+                    </a:srgbClr>
+                  </a:solidFill>
+                  <a:latin typeface="Liberation Sans"/>
+                  <a:cs typeface="Liberation Sans"/>
+                </a:rPr>
+                <a:t>Employment</a:t>
+              </a:r>
+            </a:p>
+          </p:txBody>
+        </p:sp>
+        <p:sp>
+          <p:nvSpPr>
+            <p:cNvPr id="33" name="tx33"/>
+            <p:cNvSpPr/>
+            <p:nvPr/>
+          </p:nvSpPr>
+          <p:spPr>
+            <a:xfrm>
+              <a:off x="3646173" y="5758240"/>
+              <a:ext cx="1323220" cy="104174"/>
+            </a:xfrm>
+            <a:prstGeom prst="rect">
+              <a:avLst/>
+            </a:prstGeom>
+            <a:noFill/>
+          </p:spPr>
+          <p:txBody>
+            <a:bodyPr lIns="0" rIns="0" tIns="0" bIns="0" anchorCtr="1" anchor="ctr" wrap="none"/>
+            <a:lstStyle/>
+            <a:p>
+              <a:pPr algn="l" marL="0" marR="0" indent="0">
+                <a:lnSpc>
+                  <a:spcPts val="880"/>
+                </a:lnSpc>
+                <a:spcBef>
+                  <a:spcPts val="0"/>
+                </a:spcBef>
+                <a:spcAft>
+                  <a:spcPts val="0"/>
+                </a:spcAft>
+              </a:pPr>
+              <a:r>
+                <a:rPr sz="880">
+                  <a:solidFill>
+                    <a:srgbClr val="4D4D4D">
+                      <a:alpha val="100000"/>
+                    </a:srgbClr>
+                  </a:solidFill>
+                  <a:latin typeface="Liberation Sans"/>
+                  <a:cs typeface="Liberation Sans"/>
+                </a:rPr>
+                <a:t>Household and family care</a:t>
+              </a:r>
+            </a:p>
+          </p:txBody>
+        </p:sp>
+        <p:sp>
+          <p:nvSpPr>
+            <p:cNvPr id="34" name="tx34"/>
+            <p:cNvSpPr/>
+            <p:nvPr/>
+          </p:nvSpPr>
+          <p:spPr>
+            <a:xfrm>
+              <a:off x="5258918" y="5780341"/>
+              <a:ext cx="689550" cy="82073"/>
+            </a:xfrm>
+            <a:prstGeom prst="rect">
+              <a:avLst/>
+            </a:prstGeom>
+            <a:noFill/>
+          </p:spPr>
+          <p:txBody>
+            <a:bodyPr lIns="0" rIns="0" tIns="0" bIns="0" anchorCtr="1" anchor="ctr" wrap="none"/>
+            <a:lstStyle/>
+            <a:p>
+              <a:pPr algn="l" marL="0" marR="0" indent="0">
+                <a:lnSpc>
+                  <a:spcPts val="880"/>
+                </a:lnSpc>
+                <a:spcBef>
+                  <a:spcPts val="0"/>
+                </a:spcBef>
+                <a:spcAft>
+                  <a:spcPts val="0"/>
+                </a:spcAft>
+              </a:pPr>
+              <a:r>
+                <a:rPr sz="880">
+                  <a:solidFill>
+                    <a:srgbClr val="4D4D4D">
+                      <a:alpha val="100000"/>
+                    </a:srgbClr>
+                  </a:solidFill>
+                  <a:latin typeface="Liberation Sans"/>
+                  <a:cs typeface="Liberation Sans"/>
+                </a:rPr>
+                <a:t>Personal care</a:t>
+              </a:r>
+            </a:p>
+          </p:txBody>
+        </p:sp>
+        <p:sp>
+          <p:nvSpPr>
+            <p:cNvPr id="35" name="tx35"/>
+            <p:cNvSpPr/>
+            <p:nvPr/>
+          </p:nvSpPr>
+          <p:spPr>
+            <a:xfrm>
+              <a:off x="6756683" y="5758240"/>
+              <a:ext cx="285839" cy="104174"/>
+            </a:xfrm>
+            <a:prstGeom prst="rect">
+              <a:avLst/>
+            </a:prstGeom>
+            <a:noFill/>
+          </p:spPr>
+          <p:txBody>
+            <a:bodyPr lIns="0" rIns="0" tIns="0" bIns="0" anchorCtr="1" anchor="ctr" wrap="none"/>
+            <a:lstStyle/>
+            <a:p>
+              <a:pPr algn="l" marL="0" marR="0" indent="0">
+                <a:lnSpc>
+                  <a:spcPts val="880"/>
+                </a:lnSpc>
+                <a:spcBef>
+                  <a:spcPts val="0"/>
+                </a:spcBef>
+                <a:spcAft>
+                  <a:spcPts val="0"/>
+                </a:spcAft>
+              </a:pPr>
+              <a:r>
+                <a:rPr sz="880">
+                  <a:solidFill>
+                    <a:srgbClr val="4D4D4D">
+                      <a:alpha val="100000"/>
+                    </a:srgbClr>
+                  </a:solidFill>
+                  <a:latin typeface="Liberation Sans"/>
+                  <a:cs typeface="Liberation Sans"/>
+                </a:rPr>
+                <a:t>Sleep</a:t>
+              </a:r>
+            </a:p>
+          </p:txBody>
+        </p:sp>
+        <p:sp>
+          <p:nvSpPr>
+            <p:cNvPr id="36" name="tx36"/>
+            <p:cNvSpPr/>
+            <p:nvPr/>
+          </p:nvSpPr>
+          <p:spPr>
+            <a:xfrm>
+              <a:off x="4032203" y="5922355"/>
+              <a:ext cx="551160" cy="102592"/>
+            </a:xfrm>
+            <a:prstGeom prst="rect">
+              <a:avLst/>
+            </a:prstGeom>
+            <a:noFill/>
+          </p:spPr>
+          <p:txBody>
+            <a:bodyPr lIns="0" rIns="0" tIns="0" bIns="0" anchorCtr="1" anchor="ctr" wrap="none"/>
+            <a:lstStyle/>
+            <a:p>
+              <a:pPr algn="l" marL="0" marR="0" indent="0">
+                <a:lnSpc>
+                  <a:spcPts val="1100"/>
+                </a:lnSpc>
+                <a:spcBef>
+                  <a:spcPts val="0"/>
+                </a:spcBef>
+                <a:spcAft>
+                  <a:spcPts val="0"/>
+                </a:spcAft>
+              </a:pPr>
+              <a:r>
+                <a:rPr sz="1100">
+                  <a:solidFill>
+                    <a:srgbClr val="000000">
+                      <a:alpha val="100000"/>
+                    </a:srgbClr>
+                  </a:solidFill>
+                  <a:latin typeface="Liberation Sans"/>
+                  <a:cs typeface="Liberation Sans"/>
+                </a:rPr>
+                <a:t>Activities</a:t>
+              </a:r>
+            </a:p>
+          </p:txBody>
+        </p:sp>
+        <p:sp>
+          <p:nvSpPr>
+            <p:cNvPr id="37" name="tx37"/>
+            <p:cNvSpPr/>
+            <p:nvPr/>
+          </p:nvSpPr>
+          <p:spPr>
+            <a:xfrm rot="-5400000">
+              <a:off x="78630" y="3753321"/>
+              <a:ext cx="985949" cy="102592"/>
+            </a:xfrm>
+            <a:prstGeom prst="rect">
+              <a:avLst/>
+            </a:prstGeom>
+            <a:noFill/>
+          </p:spPr>
+          <p:txBody>
+            <a:bodyPr lIns="0" rIns="0" tIns="0" bIns="0" anchorCtr="1" anchor="ctr" wrap="none"/>
+            <a:lstStyle/>
+            <a:p>
+              <a:pPr algn="l" marL="0" marR="0" indent="0">
+                <a:lnSpc>
+                  <a:spcPts val="1100"/>
+                </a:lnSpc>
+                <a:spcBef>
+                  <a:spcPts val="0"/>
+                </a:spcBef>
+                <a:spcAft>
+                  <a:spcPts val="0"/>
+                </a:spcAft>
+              </a:pPr>
+              <a:r>
+                <a:rPr sz="1100">
+                  <a:solidFill>
+                    <a:srgbClr val="000000">
+                      <a:alpha val="100000"/>
+                    </a:srgbClr>
+                  </a:solidFill>
+                  <a:latin typeface="Liberation Sans"/>
+                  <a:cs typeface="Liberation Sans"/>
+                </a:rPr>
+                <a:t>Time in minutes</a:t>
+              </a:r>
+            </a:p>
+          </p:txBody>
+        </p:sp>
+        <p:sp>
+          <p:nvSpPr>
+            <p:cNvPr id="38" name="tx38"/>
+            <p:cNvSpPr/>
+            <p:nvPr/>
+          </p:nvSpPr>
+          <p:spPr>
+            <a:xfrm>
+              <a:off x="7885916" y="3468204"/>
+              <a:ext cx="644748" cy="130218"/>
+            </a:xfrm>
+            <a:prstGeom prst="rect">
+              <a:avLst/>
+            </a:prstGeom>
+            <a:noFill/>
+          </p:spPr>
+          <p:txBody>
+            <a:bodyPr lIns="0" rIns="0" tIns="0" bIns="0" anchorCtr="1" anchor="ctr" wrap="none"/>
+            <a:lstStyle/>
+            <a:p>
+              <a:pPr algn="l" marL="0" marR="0" indent="0">
+                <a:lnSpc>
+                  <a:spcPts val="1100"/>
+                </a:lnSpc>
+                <a:spcBef>
+                  <a:spcPts val="0"/>
+                </a:spcBef>
+                <a:spcAft>
+                  <a:spcPts val="0"/>
+                </a:spcAft>
+              </a:pPr>
+              <a:r>
+                <a:rPr sz="1100">
+                  <a:solidFill>
+                    <a:srgbClr val="000000">
+                      <a:alpha val="100000"/>
+                    </a:srgbClr>
+                  </a:solidFill>
+                  <a:latin typeface="Liberation Sans"/>
+                  <a:cs typeface="Liberation Sans"/>
+                </a:rPr>
+                <a:t>population</a:t>
+              </a:r>
+            </a:p>
+          </p:txBody>
+        </p:sp>
+        <p:sp>
+          <p:nvSpPr>
+            <p:cNvPr id="39" name="rc39"/>
+            <p:cNvSpPr/>
+            <p:nvPr/>
+          </p:nvSpPr>
+          <p:spPr>
+            <a:xfrm>
+              <a:off x="7894916" y="3692824"/>
+              <a:ext cx="201455" cy="201456"/>
+            </a:xfrm>
+            <a:prstGeom prst="rect">
+              <a:avLst/>
+            </a:prstGeom>
+            <a:solidFill>
+              <a:srgbClr val="F8766D">
+                <a:alpha val="100000"/>
+              </a:srgbClr>
+            </a:solidFill>
+          </p:spPr>
+          <p:txBody>
+            <a:bodyPr/>
+            <a:lstStyle/>
+            <a:p/>
+          </p:txBody>
+        </p:sp>
+        <p:sp>
+          <p:nvSpPr>
+            <p:cNvPr id="40" name="rc40"/>
+            <p:cNvSpPr/>
+            <p:nvPr/>
+          </p:nvSpPr>
+          <p:spPr>
+            <a:xfrm>
+              <a:off x="7894916" y="3912280"/>
+              <a:ext cx="201455" cy="201456"/>
+            </a:xfrm>
+            <a:prstGeom prst="rect">
+              <a:avLst/>
+            </a:prstGeom>
+            <a:solidFill>
+              <a:srgbClr val="00BFC4">
+                <a:alpha val="100000"/>
+              </a:srgbClr>
+            </a:solidFill>
+          </p:spPr>
+          <p:txBody>
+            <a:bodyPr/>
+            <a:lstStyle/>
+            <a:p/>
+          </p:txBody>
+        </p:sp>
+        <p:sp>
+          <p:nvSpPr>
+            <p:cNvPr id="41" name="tx41"/>
+            <p:cNvSpPr/>
+            <p:nvPr/>
+          </p:nvSpPr>
+          <p:spPr>
+            <a:xfrm>
+              <a:off x="8174961" y="3749923"/>
+              <a:ext cx="372660" cy="82073"/>
+            </a:xfrm>
+            <a:prstGeom prst="rect">
+              <a:avLst/>
+            </a:prstGeom>
+            <a:noFill/>
+          </p:spPr>
+          <p:txBody>
+            <a:bodyPr lIns="0" rIns="0" tIns="0" bIns="0" anchorCtr="1" anchor="ctr" wrap="none"/>
+            <a:lstStyle/>
+            <a:p>
+              <a:pPr algn="l" marL="0" marR="0" indent="0">
+                <a:lnSpc>
+                  <a:spcPts val="880"/>
+                </a:lnSpc>
+                <a:spcBef>
+                  <a:spcPts val="0"/>
+                </a:spcBef>
+                <a:spcAft>
+                  <a:spcPts val="0"/>
+                </a:spcAft>
+              </a:pPr>
+              <a:r>
+                <a:rPr sz="880">
+                  <a:solidFill>
+                    <a:srgbClr val="000000">
+                      <a:alpha val="100000"/>
+                    </a:srgbClr>
+                  </a:solidFill>
+                  <a:latin typeface="Liberation Sans"/>
+                  <a:cs typeface="Liberation Sans"/>
+                </a:rPr>
+                <a:t>Female</a:t>
+              </a:r>
+            </a:p>
+          </p:txBody>
+        </p:sp>
+        <p:sp>
+          <p:nvSpPr>
+            <p:cNvPr id="42" name="tx42"/>
+            <p:cNvSpPr/>
+            <p:nvPr/>
+          </p:nvSpPr>
+          <p:spPr>
+            <a:xfrm>
+              <a:off x="8174961" y="3969379"/>
+              <a:ext cx="242237" cy="82073"/>
+            </a:xfrm>
+            <a:prstGeom prst="rect">
+              <a:avLst/>
+            </a:prstGeom>
+            <a:noFill/>
+          </p:spPr>
+          <p:txBody>
+            <a:bodyPr lIns="0" rIns="0" tIns="0" bIns="0" anchorCtr="1" anchor="ctr" wrap="none"/>
+            <a:lstStyle/>
+            <a:p>
+              <a:pPr algn="l" marL="0" marR="0" indent="0">
+                <a:lnSpc>
+                  <a:spcPts val="880"/>
+                </a:lnSpc>
+                <a:spcBef>
+                  <a:spcPts val="0"/>
+                </a:spcBef>
+                <a:spcAft>
+                  <a:spcPts val="0"/>
+                </a:spcAft>
+              </a:pPr>
+              <a:r>
+                <a:rPr sz="880">
+                  <a:solidFill>
+                    <a:srgbClr val="000000">
+                      <a:alpha val="100000"/>
+                    </a:srgbClr>
+                  </a:solidFill>
+                  <a:latin typeface="Liberation Sans"/>
+                  <a:cs typeface="Liberation Sans"/>
+                </a:rPr>
+                <a:t>Male</a:t>
+              </a:r>
+            </a:p>
+          </p:txBody>
+        </p:sp>
+        <p:sp>
+          <p:nvSpPr>
+            <p:cNvPr id="43" name="tx43"/>
+            <p:cNvSpPr/>
+            <p:nvPr/>
+          </p:nvSpPr>
+          <p:spPr>
+            <a:xfrm>
+              <a:off x="938418" y="1628861"/>
+              <a:ext cx="2143221" cy="156262"/>
+            </a:xfrm>
+            <a:prstGeom prst="rect">
+              <a:avLst/>
+            </a:prstGeom>
+            <a:noFill/>
+          </p:spPr>
+          <p:txBody>
+            <a:bodyPr lIns="0" rIns="0" tIns="0" bIns="0" anchorCtr="1" anchor="ctr" wrap="none"/>
+            <a:lstStyle/>
+            <a:p>
+              <a:pPr algn="l" marL="0" marR="0" indent="0">
+                <a:lnSpc>
+                  <a:spcPts val="1320"/>
+                </a:lnSpc>
+                <a:spcBef>
+                  <a:spcPts val="0"/>
+                </a:spcBef>
+                <a:spcAft>
+                  <a:spcPts val="0"/>
+                </a:spcAft>
+              </a:pPr>
+              <a:r>
+                <a:rPr sz="1320">
+                  <a:solidFill>
+                    <a:srgbClr val="000000">
+                      <a:alpha val="100000"/>
+                    </a:srgbClr>
+                  </a:solidFill>
+                  <a:latin typeface="Liberation Sans"/>
+                  <a:cs typeface="Liberation Sans"/>
+                </a:rPr>
+                <a:t>Year 2014_Monday til Friday</a:t>
+              </a:r>
+            </a:p>
+          </p:txBody>
+        </p:sp>
+      </p:grpSp>
+    </p:spTree>
+  </p:cSld>
+  <p:clrMapOvr>
+    <a:masterClrMapping/>
+  </p:clrMapOvr>
+</p:sld>
+</file>
+
+<file path=ppt/slides/slide38.xml><?xml version="1.0" encoding="utf-8"?>
+<p:sld xmlns:a="http://schemas.openxmlformats.org/drawingml/2006/main" xmlns:r="http://schemas.openxmlformats.org/officeDocument/2006/relationships" xmlns:p="http://schemas.openxmlformats.org/presentationml/2006/main">
+  <p:cSld>
+    <p:spTree>
+      <p:nvGrpSpPr>
+        <p:cNvPr id="1" name=""/>
+        <p:cNvGrpSpPr/>
+        <p:nvPr/>
+      </p:nvGrpSpPr>
+      <p:grpSpPr>
+        <a:xfrm>
+          <a:off x="0" y="0"/>
+          <a:ext cx="0" cy="0"/>
+          <a:chOff x="0" y="0"/>
+          <a:chExt cx="0" cy="0"/>
+        </a:xfrm>
+      </p:grpSpPr>
+      <p:grpSp xmlns:a="http://schemas.openxmlformats.org/drawingml/2006/main" xmlns:r="http://schemas.openxmlformats.org/officeDocument/2006/relationships" xmlns:p="http://schemas.openxmlformats.org/presentationml/2006/main" xmlns:pic="http://schemas.openxmlformats.org/drawingml/2006/picture">
+        <p:nvGrpSpPr>
+          <p:cNvPr id="2" name="grp1"/>
+          <p:cNvGrpSpPr/>
+          <p:nvPr/>
+        </p:nvGrpSpPr>
+        <p:grpSpPr>
+          <a:xfrm>
+            <a:off x="457200" y="1600200"/>
+            <a:ext cx="8229600" cy="4525962"/>
+            <a:chOff x="457200" y="1600200"/>
+            <a:chExt cx="8229600" cy="4525962"/>
+          </a:xfrm>
+        </p:grpSpPr>
+        <p:sp>
+          <p:nvSpPr>
+            <p:cNvPr id="3" name="rc3"/>
+            <p:cNvSpPr/>
+            <p:nvPr/>
+          </p:nvSpPr>
+          <p:spPr>
+            <a:xfrm>
+              <a:off x="457200" y="1600200"/>
+              <a:ext cx="8229600" cy="4525962"/>
+            </a:xfrm>
+            <a:prstGeom prst="rect">
+              <a:avLst/>
+            </a:prstGeom>
+            <a:solidFill>
+              <a:srgbClr val="FFFFFF">
+                <a:alpha val="100000"/>
+              </a:srgbClr>
+            </a:solidFill>
+            <a:ln w="9525" cap="rnd">
+              <a:solidFill>
+                <a:srgbClr val="FFFFFF">
+                  <a:alpha val="100000"/>
+                </a:srgbClr>
+              </a:solidFill>
+              <a:prstDash val="solid"/>
+              <a:round/>
+            </a:ln>
+          </p:spPr>
+          <p:txBody>
+            <a:bodyPr/>
+            <a:lstStyle/>
+            <a:p/>
+          </p:txBody>
+        </p:sp>
+        <p:sp>
+          <p:nvSpPr>
+            <p:cNvPr id="4" name="pl4"/>
+            <p:cNvSpPr/>
+            <p:nvPr/>
+          </p:nvSpPr>
+          <p:spPr>
+            <a:xfrm>
+              <a:off x="938418" y="5081601"/>
+              <a:ext cx="6738730" cy="0"/>
+            </a:xfrm>
+            <a:custGeom>
+              <a:avLst/>
+              <a:pathLst>
+                <a:path w="6738730" h="0">
+                  <a:moveTo>
+                    <a:pt x="0" y="0"/>
+                  </a:moveTo>
+                  <a:lnTo>
+                    <a:pt x="6738730" y="0"/>
+                  </a:lnTo>
+                  <a:lnTo>
+                    <a:pt x="6738730" y="0"/>
+                  </a:lnTo>
+                </a:path>
+              </a:pathLst>
+            </a:custGeom>
+            <a:ln w="6775" cap="flat">
+              <a:solidFill>
+                <a:srgbClr val="EBEBEB">
+                  <a:alpha val="100000"/>
+                </a:srgbClr>
+              </a:solidFill>
+              <a:prstDash val="solid"/>
+              <a:round/>
+            </a:ln>
+          </p:spPr>
+          <p:txBody>
+            <a:bodyPr/>
+            <a:lstStyle/>
+            <a:p/>
+          </p:txBody>
+        </p:sp>
+        <p:sp>
+          <p:nvSpPr>
+            <p:cNvPr id="5" name="pl5"/>
+            <p:cNvSpPr/>
+            <p:nvPr/>
+          </p:nvSpPr>
+          <p:spPr>
+            <a:xfrm>
+              <a:off x="938418" y="4147792"/>
+              <a:ext cx="6738730" cy="0"/>
+            </a:xfrm>
+            <a:custGeom>
+              <a:avLst/>
+              <a:pathLst>
+                <a:path w="6738730" h="0">
+                  <a:moveTo>
+                    <a:pt x="0" y="0"/>
+                  </a:moveTo>
+                  <a:lnTo>
+                    <a:pt x="6738730" y="0"/>
+                  </a:lnTo>
+                  <a:lnTo>
+                    <a:pt x="6738730" y="0"/>
+                  </a:lnTo>
+                </a:path>
+              </a:pathLst>
+            </a:custGeom>
+            <a:ln w="6775" cap="flat">
+              <a:solidFill>
+                <a:srgbClr val="EBEBEB">
+                  <a:alpha val="100000"/>
+                </a:srgbClr>
+              </a:solidFill>
+              <a:prstDash val="solid"/>
+              <a:round/>
+            </a:ln>
+          </p:spPr>
+          <p:txBody>
+            <a:bodyPr/>
+            <a:lstStyle/>
+            <a:p/>
+          </p:txBody>
+        </p:sp>
+        <p:sp>
+          <p:nvSpPr>
+            <p:cNvPr id="6" name="pl6"/>
+            <p:cNvSpPr/>
+            <p:nvPr/>
+          </p:nvSpPr>
+          <p:spPr>
+            <a:xfrm>
+              <a:off x="938418" y="3213982"/>
+              <a:ext cx="6738730" cy="0"/>
+            </a:xfrm>
+            <a:custGeom>
+              <a:avLst/>
+              <a:pathLst>
+                <a:path w="6738730" h="0">
+                  <a:moveTo>
+                    <a:pt x="0" y="0"/>
+                  </a:moveTo>
+                  <a:lnTo>
+                    <a:pt x="6738730" y="0"/>
+                  </a:lnTo>
+                  <a:lnTo>
+                    <a:pt x="6738730" y="0"/>
+                  </a:lnTo>
+                </a:path>
+              </a:pathLst>
+            </a:custGeom>
+            <a:ln w="6775" cap="flat">
+              <a:solidFill>
+                <a:srgbClr val="EBEBEB">
+                  <a:alpha val="100000"/>
+                </a:srgbClr>
+              </a:solidFill>
+              <a:prstDash val="solid"/>
+              <a:round/>
+            </a:ln>
+          </p:spPr>
+          <p:txBody>
+            <a:bodyPr/>
+            <a:lstStyle/>
+            <a:p/>
+          </p:txBody>
+        </p:sp>
+        <p:sp>
+          <p:nvSpPr>
+            <p:cNvPr id="7" name="pl7"/>
+            <p:cNvSpPr/>
+            <p:nvPr/>
+          </p:nvSpPr>
+          <p:spPr>
+            <a:xfrm>
+              <a:off x="938418" y="2280172"/>
+              <a:ext cx="6738730" cy="0"/>
+            </a:xfrm>
+            <a:custGeom>
+              <a:avLst/>
+              <a:pathLst>
+                <a:path w="6738730" h="0">
+                  <a:moveTo>
+                    <a:pt x="0" y="0"/>
+                  </a:moveTo>
+                  <a:lnTo>
+                    <a:pt x="6738730" y="0"/>
+                  </a:lnTo>
+                  <a:lnTo>
+                    <a:pt x="6738730" y="0"/>
+                  </a:lnTo>
+                </a:path>
+              </a:pathLst>
+            </a:custGeom>
+            <a:ln w="6775" cap="flat">
+              <a:solidFill>
+                <a:srgbClr val="EBEBEB">
+                  <a:alpha val="100000"/>
+                </a:srgbClr>
+              </a:solidFill>
+              <a:prstDash val="solid"/>
+              <a:round/>
+            </a:ln>
+          </p:spPr>
+          <p:txBody>
+            <a:bodyPr/>
+            <a:lstStyle/>
+            <a:p/>
+          </p:txBody>
+        </p:sp>
+        <p:sp>
+          <p:nvSpPr>
+            <p:cNvPr id="8" name="pl8"/>
+            <p:cNvSpPr/>
+            <p:nvPr/>
+          </p:nvSpPr>
+          <p:spPr>
+            <a:xfrm>
+              <a:off x="938418" y="5548506"/>
+              <a:ext cx="6738730" cy="0"/>
+            </a:xfrm>
+            <a:custGeom>
+              <a:avLst/>
+              <a:pathLst>
+                <a:path w="6738730" h="0">
+                  <a:moveTo>
+                    <a:pt x="0" y="0"/>
+                  </a:moveTo>
+                  <a:lnTo>
+                    <a:pt x="6738730" y="0"/>
+                  </a:lnTo>
+                  <a:lnTo>
+                    <a:pt x="6738730" y="0"/>
+                  </a:lnTo>
+                </a:path>
+              </a:pathLst>
+            </a:custGeom>
+            <a:ln w="13550" cap="flat">
+              <a:solidFill>
+                <a:srgbClr val="EBEBEB">
+                  <a:alpha val="100000"/>
+                </a:srgbClr>
+              </a:solidFill>
+              <a:prstDash val="solid"/>
+              <a:round/>
+            </a:ln>
+          </p:spPr>
+          <p:txBody>
+            <a:bodyPr/>
+            <a:lstStyle/>
+            <a:p/>
+          </p:txBody>
+        </p:sp>
+        <p:sp>
+          <p:nvSpPr>
+            <p:cNvPr id="9" name="pl9"/>
+            <p:cNvSpPr/>
+            <p:nvPr/>
+          </p:nvSpPr>
+          <p:spPr>
+            <a:xfrm>
+              <a:off x="938418" y="4614697"/>
+              <a:ext cx="6738730" cy="0"/>
+            </a:xfrm>
+            <a:custGeom>
+              <a:avLst/>
+              <a:pathLst>
+                <a:path w="6738730" h="0">
+                  <a:moveTo>
+                    <a:pt x="0" y="0"/>
+                  </a:moveTo>
+                  <a:lnTo>
+                    <a:pt x="6738730" y="0"/>
+                  </a:lnTo>
+                  <a:lnTo>
+                    <a:pt x="6738730" y="0"/>
+                  </a:lnTo>
+                </a:path>
+              </a:pathLst>
+            </a:custGeom>
+            <a:ln w="13550" cap="flat">
+              <a:solidFill>
+                <a:srgbClr val="EBEBEB">
+                  <a:alpha val="100000"/>
+                </a:srgbClr>
+              </a:solidFill>
+              <a:prstDash val="solid"/>
+              <a:round/>
+            </a:ln>
+          </p:spPr>
+          <p:txBody>
+            <a:bodyPr/>
+            <a:lstStyle/>
+            <a:p/>
+          </p:txBody>
+        </p:sp>
+        <p:sp>
+          <p:nvSpPr>
+            <p:cNvPr id="10" name="pl10"/>
+            <p:cNvSpPr/>
+            <p:nvPr/>
+          </p:nvSpPr>
+          <p:spPr>
+            <a:xfrm>
+              <a:off x="938418" y="3680887"/>
+              <a:ext cx="6738730" cy="0"/>
+            </a:xfrm>
+            <a:custGeom>
+              <a:avLst/>
+              <a:pathLst>
+                <a:path w="6738730" h="0">
+                  <a:moveTo>
+                    <a:pt x="0" y="0"/>
+                  </a:moveTo>
+                  <a:lnTo>
+                    <a:pt x="6738730" y="0"/>
+                  </a:lnTo>
+                  <a:lnTo>
+                    <a:pt x="6738730" y="0"/>
+                  </a:lnTo>
+                </a:path>
+              </a:pathLst>
+            </a:custGeom>
+            <a:ln w="13550" cap="flat">
+              <a:solidFill>
+                <a:srgbClr val="EBEBEB">
+                  <a:alpha val="100000"/>
+                </a:srgbClr>
+              </a:solidFill>
+              <a:prstDash val="solid"/>
+              <a:round/>
+            </a:ln>
+          </p:spPr>
+          <p:txBody>
+            <a:bodyPr/>
+            <a:lstStyle/>
+            <a:p/>
+          </p:txBody>
+        </p:sp>
+        <p:sp>
+          <p:nvSpPr>
+            <p:cNvPr id="11" name="pl11"/>
+            <p:cNvSpPr/>
+            <p:nvPr/>
+          </p:nvSpPr>
+          <p:spPr>
+            <a:xfrm>
+              <a:off x="938418" y="2747077"/>
+              <a:ext cx="6738730" cy="0"/>
+            </a:xfrm>
+            <a:custGeom>
+              <a:avLst/>
+              <a:pathLst>
+                <a:path w="6738730" h="0">
+                  <a:moveTo>
+                    <a:pt x="0" y="0"/>
+                  </a:moveTo>
+                  <a:lnTo>
+                    <a:pt x="6738730" y="0"/>
+                  </a:lnTo>
+                  <a:lnTo>
+                    <a:pt x="6738730" y="0"/>
+                  </a:lnTo>
+                </a:path>
+              </a:pathLst>
+            </a:custGeom>
+            <a:ln w="13550" cap="flat">
+              <a:solidFill>
+                <a:srgbClr val="EBEBEB">
+                  <a:alpha val="100000"/>
+                </a:srgbClr>
+              </a:solidFill>
+              <a:prstDash val="solid"/>
+              <a:round/>
+            </a:ln>
+          </p:spPr>
+          <p:txBody>
+            <a:bodyPr/>
+            <a:lstStyle/>
+            <a:p/>
+          </p:txBody>
+        </p:sp>
+        <p:sp>
+          <p:nvSpPr>
+            <p:cNvPr id="12" name="pl12"/>
+            <p:cNvSpPr/>
+            <p:nvPr/>
+          </p:nvSpPr>
+          <p:spPr>
+            <a:xfrm>
+              <a:off x="1715964" y="1886338"/>
+              <a:ext cx="0" cy="3836557"/>
+            </a:xfrm>
+            <a:custGeom>
+              <a:avLst/>
+              <a:pathLst>
+                <a:path w="0" h="3836557">
+                  <a:moveTo>
+                    <a:pt x="0" y="3836557"/>
+                  </a:moveTo>
+                  <a:lnTo>
+                    <a:pt x="0" y="0"/>
+                  </a:lnTo>
+                  <a:lnTo>
+                    <a:pt x="0" y="0"/>
+                  </a:lnTo>
+                </a:path>
+              </a:pathLst>
+            </a:custGeom>
+            <a:ln w="13550" cap="flat">
+              <a:solidFill>
+                <a:srgbClr val="EBEBEB">
+                  <a:alpha val="100000"/>
+                </a:srgbClr>
+              </a:solidFill>
+              <a:prstDash val="solid"/>
+              <a:round/>
+            </a:ln>
+          </p:spPr>
+          <p:txBody>
+            <a:bodyPr/>
+            <a:lstStyle/>
+            <a:p/>
+          </p:txBody>
+        </p:sp>
+        <p:sp>
+          <p:nvSpPr>
+            <p:cNvPr id="13" name="pl13"/>
+            <p:cNvSpPr/>
+            <p:nvPr/>
+          </p:nvSpPr>
+          <p:spPr>
+            <a:xfrm>
+              <a:off x="3011873" y="1886338"/>
+              <a:ext cx="0" cy="3836557"/>
+            </a:xfrm>
+            <a:custGeom>
+              <a:avLst/>
+              <a:pathLst>
+                <a:path w="0" h="3836557">
+                  <a:moveTo>
+                    <a:pt x="0" y="3836557"/>
+                  </a:moveTo>
+                  <a:lnTo>
+                    <a:pt x="0" y="0"/>
+                  </a:lnTo>
+                  <a:lnTo>
+                    <a:pt x="0" y="0"/>
+                  </a:lnTo>
+                </a:path>
+              </a:pathLst>
+            </a:custGeom>
+            <a:ln w="13550" cap="flat">
+              <a:solidFill>
+                <a:srgbClr val="EBEBEB">
+                  <a:alpha val="100000"/>
+                </a:srgbClr>
+              </a:solidFill>
+              <a:prstDash val="solid"/>
+              <a:round/>
+            </a:ln>
+          </p:spPr>
+          <p:txBody>
+            <a:bodyPr/>
+            <a:lstStyle/>
+            <a:p/>
+          </p:txBody>
+        </p:sp>
+        <p:sp>
+          <p:nvSpPr>
+            <p:cNvPr id="14" name="pl14"/>
+            <p:cNvSpPr/>
+            <p:nvPr/>
+          </p:nvSpPr>
+          <p:spPr>
+            <a:xfrm>
+              <a:off x="4307783" y="1886338"/>
+              <a:ext cx="0" cy="3836557"/>
+            </a:xfrm>
+            <a:custGeom>
+              <a:avLst/>
+              <a:pathLst>
+                <a:path w="0" h="3836557">
+                  <a:moveTo>
+                    <a:pt x="0" y="3836557"/>
+                  </a:moveTo>
+                  <a:lnTo>
+                    <a:pt x="0" y="0"/>
+                  </a:lnTo>
+                  <a:lnTo>
+                    <a:pt x="0" y="0"/>
+                  </a:lnTo>
+                </a:path>
+              </a:pathLst>
+            </a:custGeom>
+            <a:ln w="13550" cap="flat">
+              <a:solidFill>
+                <a:srgbClr val="EBEBEB">
+                  <a:alpha val="100000"/>
+                </a:srgbClr>
+              </a:solidFill>
+              <a:prstDash val="solid"/>
+              <a:round/>
+            </a:ln>
+          </p:spPr>
+          <p:txBody>
+            <a:bodyPr/>
+            <a:lstStyle/>
+            <a:p/>
+          </p:txBody>
+        </p:sp>
+        <p:sp>
+          <p:nvSpPr>
+            <p:cNvPr id="15" name="pl15"/>
+            <p:cNvSpPr/>
+            <p:nvPr/>
+          </p:nvSpPr>
+          <p:spPr>
+            <a:xfrm>
+              <a:off x="5603693" y="1886338"/>
+              <a:ext cx="0" cy="3836557"/>
+            </a:xfrm>
+            <a:custGeom>
+              <a:avLst/>
+              <a:pathLst>
+                <a:path w="0" h="3836557">
+                  <a:moveTo>
+                    <a:pt x="0" y="3836557"/>
+                  </a:moveTo>
+                  <a:lnTo>
+                    <a:pt x="0" y="0"/>
+                  </a:lnTo>
+                  <a:lnTo>
+                    <a:pt x="0" y="0"/>
+                  </a:lnTo>
+                </a:path>
+              </a:pathLst>
+            </a:custGeom>
+            <a:ln w="13550" cap="flat">
+              <a:solidFill>
+                <a:srgbClr val="EBEBEB">
+                  <a:alpha val="100000"/>
+                </a:srgbClr>
+              </a:solidFill>
+              <a:prstDash val="solid"/>
+              <a:round/>
+            </a:ln>
+          </p:spPr>
+          <p:txBody>
+            <a:bodyPr/>
+            <a:lstStyle/>
+            <a:p/>
+          </p:txBody>
+        </p:sp>
+        <p:sp>
+          <p:nvSpPr>
+            <p:cNvPr id="16" name="pl16"/>
+            <p:cNvSpPr/>
+            <p:nvPr/>
+          </p:nvSpPr>
+          <p:spPr>
+            <a:xfrm>
+              <a:off x="6899603" y="1886338"/>
+              <a:ext cx="0" cy="3836557"/>
+            </a:xfrm>
+            <a:custGeom>
+              <a:avLst/>
+              <a:pathLst>
+                <a:path w="0" h="3836557">
+                  <a:moveTo>
+                    <a:pt x="0" y="3836557"/>
+                  </a:moveTo>
+                  <a:lnTo>
+                    <a:pt x="0" y="0"/>
+                  </a:lnTo>
+                  <a:lnTo>
+                    <a:pt x="0" y="0"/>
+                  </a:lnTo>
+                </a:path>
+              </a:pathLst>
+            </a:custGeom>
+            <a:ln w="13550" cap="flat">
+              <a:solidFill>
+                <a:srgbClr val="EBEBEB">
+                  <a:alpha val="100000"/>
+                </a:srgbClr>
+              </a:solidFill>
+              <a:prstDash val="solid"/>
+              <a:round/>
+            </a:ln>
+          </p:spPr>
+          <p:txBody>
+            <a:bodyPr/>
+            <a:lstStyle/>
+            <a:p/>
+          </p:txBody>
+        </p:sp>
+        <p:sp>
+          <p:nvSpPr>
+            <p:cNvPr id="17" name="rc17"/>
+            <p:cNvSpPr/>
+            <p:nvPr/>
+          </p:nvSpPr>
+          <p:spPr>
+            <a:xfrm>
+              <a:off x="1715964" y="4950868"/>
+              <a:ext cx="583159" cy="597638"/>
+            </a:xfrm>
+            <a:prstGeom prst="rect">
+              <a:avLst/>
+            </a:prstGeom>
+            <a:solidFill>
+              <a:srgbClr val="00BFC4">
+                <a:alpha val="100000"/>
+              </a:srgbClr>
+            </a:solidFill>
+          </p:spPr>
+          <p:txBody>
+            <a:bodyPr/>
+            <a:lstStyle/>
+            <a:p/>
+          </p:txBody>
+        </p:sp>
+        <p:sp>
+          <p:nvSpPr>
+            <p:cNvPr id="18" name="rc18"/>
+            <p:cNvSpPr/>
+            <p:nvPr/>
+          </p:nvSpPr>
+          <p:spPr>
+            <a:xfrm>
+              <a:off x="1132804" y="4941530"/>
+              <a:ext cx="583159" cy="606976"/>
+            </a:xfrm>
+            <a:prstGeom prst="rect">
+              <a:avLst/>
+            </a:prstGeom>
+            <a:solidFill>
+              <a:srgbClr val="F8766D">
+                <a:alpha val="100000"/>
+              </a:srgbClr>
+            </a:solidFill>
+          </p:spPr>
+          <p:txBody>
+            <a:bodyPr/>
+            <a:lstStyle/>
+            <a:p/>
+          </p:txBody>
+        </p:sp>
+        <p:sp>
+          <p:nvSpPr>
+            <p:cNvPr id="19" name="rc19"/>
+            <p:cNvSpPr/>
+            <p:nvPr/>
+          </p:nvSpPr>
+          <p:spPr>
+            <a:xfrm>
+              <a:off x="3011873" y="3666880"/>
+              <a:ext cx="583159" cy="1881626"/>
+            </a:xfrm>
+            <a:prstGeom prst="rect">
+              <a:avLst/>
+            </a:prstGeom>
+            <a:solidFill>
+              <a:srgbClr val="00BFC4">
+                <a:alpha val="100000"/>
+              </a:srgbClr>
+            </a:solidFill>
+          </p:spPr>
+          <p:txBody>
+            <a:bodyPr/>
+            <a:lstStyle/>
+            <a:p/>
+          </p:txBody>
+        </p:sp>
+        <p:sp>
+          <p:nvSpPr>
+            <p:cNvPr id="20" name="rc20"/>
+            <p:cNvSpPr/>
+            <p:nvPr/>
+          </p:nvSpPr>
+          <p:spPr>
+            <a:xfrm>
+              <a:off x="2428714" y="3820958"/>
+              <a:ext cx="583159" cy="1727548"/>
+            </a:xfrm>
+            <a:prstGeom prst="rect">
+              <a:avLst/>
+            </a:prstGeom>
+            <a:solidFill>
+              <a:srgbClr val="F8766D">
+                <a:alpha val="100000"/>
+              </a:srgbClr>
+            </a:solidFill>
+          </p:spPr>
+          <p:txBody>
+            <a:bodyPr/>
+            <a:lstStyle/>
+            <a:p/>
+          </p:txBody>
+        </p:sp>
+        <p:sp>
+          <p:nvSpPr>
+            <p:cNvPr id="21" name="rc21"/>
+            <p:cNvSpPr/>
+            <p:nvPr/>
+          </p:nvSpPr>
+          <p:spPr>
+            <a:xfrm>
+              <a:off x="4307783" y="4712747"/>
+              <a:ext cx="583159" cy="835759"/>
+            </a:xfrm>
+            <a:prstGeom prst="rect">
+              <a:avLst/>
+            </a:prstGeom>
+            <a:solidFill>
+              <a:srgbClr val="00BFC4">
+                <a:alpha val="100000"/>
+              </a:srgbClr>
+            </a:solidFill>
+          </p:spPr>
+          <p:txBody>
+            <a:bodyPr/>
+            <a:lstStyle/>
+            <a:p/>
+          </p:txBody>
+        </p:sp>
+        <p:sp>
+          <p:nvSpPr>
+            <p:cNvPr id="22" name="rc22"/>
+            <p:cNvSpPr/>
+            <p:nvPr/>
+          </p:nvSpPr>
+          <p:spPr>
+            <a:xfrm>
+              <a:off x="3724624" y="4423266"/>
+              <a:ext cx="583159" cy="1125240"/>
+            </a:xfrm>
+            <a:prstGeom prst="rect">
+              <a:avLst/>
+            </a:prstGeom>
+            <a:solidFill>
+              <a:srgbClr val="F8766D">
+                <a:alpha val="100000"/>
+              </a:srgbClr>
+            </a:solidFill>
+          </p:spPr>
+          <p:txBody>
+            <a:bodyPr/>
+            <a:lstStyle/>
+            <a:p/>
+          </p:txBody>
+        </p:sp>
+        <p:sp>
+          <p:nvSpPr>
+            <p:cNvPr id="23" name="rc23"/>
+            <p:cNvSpPr/>
+            <p:nvPr/>
+          </p:nvSpPr>
+          <p:spPr>
+            <a:xfrm>
+              <a:off x="5603693" y="2177453"/>
+              <a:ext cx="583159" cy="3371053"/>
+            </a:xfrm>
+            <a:prstGeom prst="rect">
+              <a:avLst/>
+            </a:prstGeom>
+            <a:solidFill>
+              <a:srgbClr val="00BFC4">
+                <a:alpha val="100000"/>
+              </a:srgbClr>
+            </a:solidFill>
+          </p:spPr>
+          <p:txBody>
+            <a:bodyPr/>
+            <a:lstStyle/>
+            <a:p/>
+          </p:txBody>
+        </p:sp>
+        <p:sp>
+          <p:nvSpPr>
+            <p:cNvPr id="24" name="rc24"/>
+            <p:cNvSpPr/>
+            <p:nvPr/>
+          </p:nvSpPr>
+          <p:spPr>
+            <a:xfrm>
+              <a:off x="5020534" y="2060727"/>
+              <a:ext cx="583159" cy="3487779"/>
+            </a:xfrm>
+            <a:prstGeom prst="rect">
+              <a:avLst/>
+            </a:prstGeom>
+            <a:solidFill>
+              <a:srgbClr val="F8766D">
+                <a:alpha val="100000"/>
+              </a:srgbClr>
+            </a:solidFill>
+          </p:spPr>
+          <p:txBody>
+            <a:bodyPr/>
+            <a:lstStyle/>
+            <a:p/>
+          </p:txBody>
+        </p:sp>
+        <p:sp>
+          <p:nvSpPr>
+            <p:cNvPr id="25" name="rc25"/>
+            <p:cNvSpPr/>
+            <p:nvPr/>
+          </p:nvSpPr>
+          <p:spPr>
+            <a:xfrm>
+              <a:off x="6899603" y="3027220"/>
+              <a:ext cx="583159" cy="2521286"/>
+            </a:xfrm>
+            <a:prstGeom prst="rect">
+              <a:avLst/>
+            </a:prstGeom>
+            <a:solidFill>
+              <a:srgbClr val="00BFC4">
+                <a:alpha val="100000"/>
+              </a:srgbClr>
+            </a:solidFill>
+          </p:spPr>
+          <p:txBody>
+            <a:bodyPr/>
+            <a:lstStyle/>
+            <a:p/>
+          </p:txBody>
+        </p:sp>
+        <p:sp>
+          <p:nvSpPr>
+            <p:cNvPr id="26" name="rc26"/>
+            <p:cNvSpPr/>
+            <p:nvPr/>
+          </p:nvSpPr>
+          <p:spPr>
+            <a:xfrm>
+              <a:off x="6316443" y="2971191"/>
+              <a:ext cx="583159" cy="2577314"/>
+            </a:xfrm>
+            <a:prstGeom prst="rect">
+              <a:avLst/>
+            </a:prstGeom>
+            <a:solidFill>
+              <a:srgbClr val="F8766D">
+                <a:alpha val="100000"/>
+              </a:srgbClr>
+            </a:solidFill>
+          </p:spPr>
+          <p:txBody>
+            <a:bodyPr/>
+            <a:lstStyle/>
+            <a:p/>
+          </p:txBody>
+        </p:sp>
+        <p:sp>
+          <p:nvSpPr>
+            <p:cNvPr id="27" name="tx27"/>
+            <p:cNvSpPr/>
+            <p:nvPr/>
+          </p:nvSpPr>
+          <p:spPr>
+            <a:xfrm>
+              <a:off x="813632" y="5507824"/>
+              <a:ext cx="62155" cy="79126"/>
+            </a:xfrm>
+            <a:prstGeom prst="rect">
+              <a:avLst/>
+            </a:prstGeom>
+            <a:noFill/>
+          </p:spPr>
+          <p:txBody>
+            <a:bodyPr lIns="0" rIns="0" tIns="0" bIns="0" anchorCtr="1" anchor="ctr" wrap="none"/>
+            <a:lstStyle/>
+            <a:p>
+              <a:pPr algn="l" marL="0" marR="0" indent="0">
+                <a:lnSpc>
+                  <a:spcPts val="880"/>
+                </a:lnSpc>
+                <a:spcBef>
+                  <a:spcPts val="0"/>
+                </a:spcBef>
+                <a:spcAft>
+                  <a:spcPts val="0"/>
+                </a:spcAft>
+              </a:pPr>
+              <a:r>
+                <a:rPr sz="880">
+                  <a:solidFill>
+                    <a:srgbClr val="4D4D4D">
+                      <a:alpha val="100000"/>
+                    </a:srgbClr>
+                  </a:solidFill>
+                  <a:latin typeface="Liberation Sans"/>
+                  <a:cs typeface="Liberation Sans"/>
+                </a:rPr>
+                <a:t>0</a:t>
+              </a:r>
+            </a:p>
+          </p:txBody>
+        </p:sp>
+        <p:sp>
+          <p:nvSpPr>
+            <p:cNvPr id="28" name="tx28"/>
+            <p:cNvSpPr/>
+            <p:nvPr/>
+          </p:nvSpPr>
+          <p:spPr>
+            <a:xfrm>
+              <a:off x="689321" y="4574014"/>
+              <a:ext cx="186466" cy="79126"/>
+            </a:xfrm>
+            <a:prstGeom prst="rect">
+              <a:avLst/>
+            </a:prstGeom>
+            <a:noFill/>
+          </p:spPr>
+          <p:txBody>
+            <a:bodyPr lIns="0" rIns="0" tIns="0" bIns="0" anchorCtr="1" anchor="ctr" wrap="none"/>
+            <a:lstStyle/>
+            <a:p>
+              <a:pPr algn="l" marL="0" marR="0" indent="0">
+                <a:lnSpc>
+                  <a:spcPts val="880"/>
+                </a:lnSpc>
+                <a:spcBef>
+                  <a:spcPts val="0"/>
+                </a:spcBef>
+                <a:spcAft>
+                  <a:spcPts val="0"/>
+                </a:spcAft>
+              </a:pPr>
+              <a:r>
+                <a:rPr sz="880">
+                  <a:solidFill>
+                    <a:srgbClr val="4D4D4D">
+                      <a:alpha val="100000"/>
+                    </a:srgbClr>
+                  </a:solidFill>
+                  <a:latin typeface="Liberation Sans"/>
+                  <a:cs typeface="Liberation Sans"/>
+                </a:rPr>
+                <a:t>200</a:t>
+              </a:r>
+            </a:p>
+          </p:txBody>
+        </p:sp>
+        <p:sp>
+          <p:nvSpPr>
+            <p:cNvPr id="29" name="tx29"/>
+            <p:cNvSpPr/>
+            <p:nvPr/>
+          </p:nvSpPr>
+          <p:spPr>
+            <a:xfrm>
+              <a:off x="689321" y="3640205"/>
+              <a:ext cx="186466" cy="79126"/>
+            </a:xfrm>
+            <a:prstGeom prst="rect">
+              <a:avLst/>
+            </a:prstGeom>
+            <a:noFill/>
+          </p:spPr>
+          <p:txBody>
+            <a:bodyPr lIns="0" rIns="0" tIns="0" bIns="0" anchorCtr="1" anchor="ctr" wrap="none"/>
+            <a:lstStyle/>
+            <a:p>
+              <a:pPr algn="l" marL="0" marR="0" indent="0">
+                <a:lnSpc>
+                  <a:spcPts val="880"/>
+                </a:lnSpc>
+                <a:spcBef>
+                  <a:spcPts val="0"/>
+                </a:spcBef>
+                <a:spcAft>
+                  <a:spcPts val="0"/>
+                </a:spcAft>
+              </a:pPr>
+              <a:r>
+                <a:rPr sz="880">
+                  <a:solidFill>
+                    <a:srgbClr val="4D4D4D">
+                      <a:alpha val="100000"/>
+                    </a:srgbClr>
+                  </a:solidFill>
+                  <a:latin typeface="Liberation Sans"/>
+                  <a:cs typeface="Liberation Sans"/>
+                </a:rPr>
+                <a:t>400</a:t>
+              </a:r>
+            </a:p>
+          </p:txBody>
+        </p:sp>
+        <p:sp>
+          <p:nvSpPr>
+            <p:cNvPr id="30" name="tx30"/>
+            <p:cNvSpPr/>
+            <p:nvPr/>
+          </p:nvSpPr>
+          <p:spPr>
+            <a:xfrm>
+              <a:off x="689321" y="2706395"/>
+              <a:ext cx="186466" cy="79126"/>
+            </a:xfrm>
+            <a:prstGeom prst="rect">
+              <a:avLst/>
+            </a:prstGeom>
+            <a:noFill/>
+          </p:spPr>
+          <p:txBody>
+            <a:bodyPr lIns="0" rIns="0" tIns="0" bIns="0" anchorCtr="1" anchor="ctr" wrap="none"/>
+            <a:lstStyle/>
+            <a:p>
+              <a:pPr algn="l" marL="0" marR="0" indent="0">
+                <a:lnSpc>
+                  <a:spcPts val="880"/>
+                </a:lnSpc>
+                <a:spcBef>
+                  <a:spcPts val="0"/>
+                </a:spcBef>
+                <a:spcAft>
+                  <a:spcPts val="0"/>
+                </a:spcAft>
+              </a:pPr>
+              <a:r>
+                <a:rPr sz="880">
+                  <a:solidFill>
+                    <a:srgbClr val="4D4D4D">
+                      <a:alpha val="100000"/>
+                    </a:srgbClr>
+                  </a:solidFill>
+                  <a:latin typeface="Liberation Sans"/>
+                  <a:cs typeface="Liberation Sans"/>
+                </a:rPr>
+                <a:t>600</a:t>
+              </a:r>
+            </a:p>
+          </p:txBody>
+        </p:sp>
+        <p:sp>
+          <p:nvSpPr>
+            <p:cNvPr id="31" name="tx31"/>
+            <p:cNvSpPr/>
+            <p:nvPr/>
+          </p:nvSpPr>
+          <p:spPr>
+            <a:xfrm>
+              <a:off x="1557519" y="5758240"/>
+              <a:ext cx="316889" cy="104174"/>
+            </a:xfrm>
+            <a:prstGeom prst="rect">
+              <a:avLst/>
+            </a:prstGeom>
+            <a:noFill/>
+          </p:spPr>
+          <p:txBody>
+            <a:bodyPr lIns="0" rIns="0" tIns="0" bIns="0" anchorCtr="1" anchor="ctr" wrap="none"/>
+            <a:lstStyle/>
+            <a:p>
+              <a:pPr algn="l" marL="0" marR="0" indent="0">
+                <a:lnSpc>
+                  <a:spcPts val="880"/>
+                </a:lnSpc>
+                <a:spcBef>
+                  <a:spcPts val="0"/>
+                </a:spcBef>
+                <a:spcAft>
+                  <a:spcPts val="0"/>
+                </a:spcAft>
+              </a:pPr>
+              <a:r>
+                <a:rPr sz="880">
+                  <a:solidFill>
+                    <a:srgbClr val="4D4D4D">
+                      <a:alpha val="100000"/>
+                    </a:srgbClr>
+                  </a:solidFill>
+                  <a:latin typeface="Liberation Sans"/>
+                  <a:cs typeface="Liberation Sans"/>
+                </a:rPr>
+                <a:t>Eating</a:t>
+              </a:r>
+            </a:p>
+          </p:txBody>
+        </p:sp>
+        <p:sp>
+          <p:nvSpPr>
+            <p:cNvPr id="32" name="tx32"/>
+            <p:cNvSpPr/>
+            <p:nvPr/>
+          </p:nvSpPr>
+          <p:spPr>
+            <a:xfrm>
+              <a:off x="2701314" y="5758240"/>
+              <a:ext cx="621119" cy="104174"/>
+            </a:xfrm>
+            <a:prstGeom prst="rect">
+              <a:avLst/>
+            </a:prstGeom>
+            <a:noFill/>
+          </p:spPr>
+          <p:txBody>
+            <a:bodyPr lIns="0" rIns="0" tIns="0" bIns="0" anchorCtr="1" anchor="ctr" wrap="none"/>
+            <a:lstStyle/>
+            <a:p>
+              <a:pPr algn="l" marL="0" marR="0" indent="0">
+                <a:lnSpc>
+                  <a:spcPts val="880"/>
+                </a:lnSpc>
+                <a:spcBef>
+                  <a:spcPts val="0"/>
+                </a:spcBef>
+                <a:spcAft>
+                  <a:spcPts val="0"/>
+                </a:spcAft>
+              </a:pPr>
+              <a:r>
+                <a:rPr sz="880">
+                  <a:solidFill>
+                    <a:srgbClr val="4D4D4D">
+                      <a:alpha val="100000"/>
+                    </a:srgbClr>
+                  </a:solidFill>
+                  <a:latin typeface="Liberation Sans"/>
+                  <a:cs typeface="Liberation Sans"/>
+                </a:rPr>
+                <a:t>Employment</a:t>
+              </a:r>
+            </a:p>
+          </p:txBody>
+        </p:sp>
+        <p:sp>
+          <p:nvSpPr>
+            <p:cNvPr id="33" name="tx33"/>
+            <p:cNvSpPr/>
+            <p:nvPr/>
+          </p:nvSpPr>
+          <p:spPr>
+            <a:xfrm>
+              <a:off x="3646173" y="5758240"/>
+              <a:ext cx="1323220" cy="104174"/>
+            </a:xfrm>
+            <a:prstGeom prst="rect">
+              <a:avLst/>
+            </a:prstGeom>
+            <a:noFill/>
+          </p:spPr>
+          <p:txBody>
+            <a:bodyPr lIns="0" rIns="0" tIns="0" bIns="0" anchorCtr="1" anchor="ctr" wrap="none"/>
+            <a:lstStyle/>
+            <a:p>
+              <a:pPr algn="l" marL="0" marR="0" indent="0">
+                <a:lnSpc>
+                  <a:spcPts val="880"/>
+                </a:lnSpc>
+                <a:spcBef>
+                  <a:spcPts val="0"/>
+                </a:spcBef>
+                <a:spcAft>
+                  <a:spcPts val="0"/>
+                </a:spcAft>
+              </a:pPr>
+              <a:r>
+                <a:rPr sz="880">
+                  <a:solidFill>
+                    <a:srgbClr val="4D4D4D">
+                      <a:alpha val="100000"/>
+                    </a:srgbClr>
+                  </a:solidFill>
+                  <a:latin typeface="Liberation Sans"/>
+                  <a:cs typeface="Liberation Sans"/>
+                </a:rPr>
+                <a:t>Household and family care</a:t>
+              </a:r>
+            </a:p>
+          </p:txBody>
+        </p:sp>
+        <p:sp>
+          <p:nvSpPr>
+            <p:cNvPr id="34" name="tx34"/>
+            <p:cNvSpPr/>
+            <p:nvPr/>
+          </p:nvSpPr>
+          <p:spPr>
+            <a:xfrm>
+              <a:off x="5258918" y="5780341"/>
+              <a:ext cx="689550" cy="82073"/>
+            </a:xfrm>
+            <a:prstGeom prst="rect">
+              <a:avLst/>
+            </a:prstGeom>
+            <a:noFill/>
+          </p:spPr>
+          <p:txBody>
+            <a:bodyPr lIns="0" rIns="0" tIns="0" bIns="0" anchorCtr="1" anchor="ctr" wrap="none"/>
+            <a:lstStyle/>
+            <a:p>
+              <a:pPr algn="l" marL="0" marR="0" indent="0">
+                <a:lnSpc>
+                  <a:spcPts val="880"/>
+                </a:lnSpc>
+                <a:spcBef>
+                  <a:spcPts val="0"/>
+                </a:spcBef>
+                <a:spcAft>
+                  <a:spcPts val="0"/>
+                </a:spcAft>
+              </a:pPr>
+              <a:r>
+                <a:rPr sz="880">
+                  <a:solidFill>
+                    <a:srgbClr val="4D4D4D">
+                      <a:alpha val="100000"/>
+                    </a:srgbClr>
+                  </a:solidFill>
+                  <a:latin typeface="Liberation Sans"/>
+                  <a:cs typeface="Liberation Sans"/>
+                </a:rPr>
+                <a:t>Personal care</a:t>
+              </a:r>
+            </a:p>
+          </p:txBody>
+        </p:sp>
+        <p:sp>
+          <p:nvSpPr>
+            <p:cNvPr id="35" name="tx35"/>
+            <p:cNvSpPr/>
+            <p:nvPr/>
+          </p:nvSpPr>
+          <p:spPr>
+            <a:xfrm>
+              <a:off x="6756683" y="5758240"/>
+              <a:ext cx="285839" cy="104174"/>
+            </a:xfrm>
+            <a:prstGeom prst="rect">
+              <a:avLst/>
+            </a:prstGeom>
+            <a:noFill/>
+          </p:spPr>
+          <p:txBody>
+            <a:bodyPr lIns="0" rIns="0" tIns="0" bIns="0" anchorCtr="1" anchor="ctr" wrap="none"/>
+            <a:lstStyle/>
+            <a:p>
+              <a:pPr algn="l" marL="0" marR="0" indent="0">
+                <a:lnSpc>
+                  <a:spcPts val="880"/>
+                </a:lnSpc>
+                <a:spcBef>
+                  <a:spcPts val="0"/>
+                </a:spcBef>
+                <a:spcAft>
+                  <a:spcPts val="0"/>
+                </a:spcAft>
+              </a:pPr>
+              <a:r>
+                <a:rPr sz="880">
+                  <a:solidFill>
+                    <a:srgbClr val="4D4D4D">
+                      <a:alpha val="100000"/>
+                    </a:srgbClr>
+                  </a:solidFill>
+                  <a:latin typeface="Liberation Sans"/>
+                  <a:cs typeface="Liberation Sans"/>
+                </a:rPr>
+                <a:t>Sleep</a:t>
+              </a:r>
+            </a:p>
+          </p:txBody>
+        </p:sp>
+        <p:sp>
+          <p:nvSpPr>
+            <p:cNvPr id="36" name="tx36"/>
+            <p:cNvSpPr/>
+            <p:nvPr/>
+          </p:nvSpPr>
+          <p:spPr>
+            <a:xfrm>
+              <a:off x="4032203" y="5922355"/>
+              <a:ext cx="551160" cy="102592"/>
+            </a:xfrm>
+            <a:prstGeom prst="rect">
+              <a:avLst/>
+            </a:prstGeom>
+            <a:noFill/>
+          </p:spPr>
+          <p:txBody>
+            <a:bodyPr lIns="0" rIns="0" tIns="0" bIns="0" anchorCtr="1" anchor="ctr" wrap="none"/>
+            <a:lstStyle/>
+            <a:p>
+              <a:pPr algn="l" marL="0" marR="0" indent="0">
+                <a:lnSpc>
+                  <a:spcPts val="1100"/>
+                </a:lnSpc>
+                <a:spcBef>
+                  <a:spcPts val="0"/>
+                </a:spcBef>
+                <a:spcAft>
+                  <a:spcPts val="0"/>
+                </a:spcAft>
+              </a:pPr>
+              <a:r>
+                <a:rPr sz="1100">
+                  <a:solidFill>
+                    <a:srgbClr val="000000">
+                      <a:alpha val="100000"/>
+                    </a:srgbClr>
+                  </a:solidFill>
+                  <a:latin typeface="Liberation Sans"/>
+                  <a:cs typeface="Liberation Sans"/>
+                </a:rPr>
+                <a:t>Activities</a:t>
+              </a:r>
+            </a:p>
+          </p:txBody>
+        </p:sp>
+        <p:sp>
+          <p:nvSpPr>
+            <p:cNvPr id="37" name="tx37"/>
+            <p:cNvSpPr/>
+            <p:nvPr/>
+          </p:nvSpPr>
+          <p:spPr>
+            <a:xfrm rot="-5400000">
+              <a:off x="78630" y="3753321"/>
+              <a:ext cx="985949" cy="102592"/>
+            </a:xfrm>
+            <a:prstGeom prst="rect">
+              <a:avLst/>
+            </a:prstGeom>
+            <a:noFill/>
+          </p:spPr>
+          <p:txBody>
+            <a:bodyPr lIns="0" rIns="0" tIns="0" bIns="0" anchorCtr="1" anchor="ctr" wrap="none"/>
+            <a:lstStyle/>
+            <a:p>
+              <a:pPr algn="l" marL="0" marR="0" indent="0">
+                <a:lnSpc>
+                  <a:spcPts val="1100"/>
+                </a:lnSpc>
+                <a:spcBef>
+                  <a:spcPts val="0"/>
+                </a:spcBef>
+                <a:spcAft>
+                  <a:spcPts val="0"/>
+                </a:spcAft>
+              </a:pPr>
+              <a:r>
+                <a:rPr sz="1100">
+                  <a:solidFill>
+                    <a:srgbClr val="000000">
+                      <a:alpha val="100000"/>
+                    </a:srgbClr>
+                  </a:solidFill>
+                  <a:latin typeface="Liberation Sans"/>
+                  <a:cs typeface="Liberation Sans"/>
+                </a:rPr>
+                <a:t>Time in minutes</a:t>
+              </a:r>
+            </a:p>
+          </p:txBody>
+        </p:sp>
+        <p:sp>
+          <p:nvSpPr>
+            <p:cNvPr id="38" name="tx38"/>
+            <p:cNvSpPr/>
+            <p:nvPr/>
+          </p:nvSpPr>
+          <p:spPr>
+            <a:xfrm>
+              <a:off x="7885916" y="3468204"/>
+              <a:ext cx="644748" cy="130218"/>
+            </a:xfrm>
+            <a:prstGeom prst="rect">
+              <a:avLst/>
+            </a:prstGeom>
+            <a:noFill/>
+          </p:spPr>
+          <p:txBody>
+            <a:bodyPr lIns="0" rIns="0" tIns="0" bIns="0" anchorCtr="1" anchor="ctr" wrap="none"/>
+            <a:lstStyle/>
+            <a:p>
+              <a:pPr algn="l" marL="0" marR="0" indent="0">
+                <a:lnSpc>
+                  <a:spcPts val="1100"/>
+                </a:lnSpc>
+                <a:spcBef>
+                  <a:spcPts val="0"/>
+                </a:spcBef>
+                <a:spcAft>
+                  <a:spcPts val="0"/>
+                </a:spcAft>
+              </a:pPr>
+              <a:r>
+                <a:rPr sz="1100">
+                  <a:solidFill>
+                    <a:srgbClr val="000000">
+                      <a:alpha val="100000"/>
+                    </a:srgbClr>
+                  </a:solidFill>
+                  <a:latin typeface="Liberation Sans"/>
+                  <a:cs typeface="Liberation Sans"/>
+                </a:rPr>
+                <a:t>population</a:t>
+              </a:r>
+            </a:p>
+          </p:txBody>
+        </p:sp>
+        <p:sp>
+          <p:nvSpPr>
+            <p:cNvPr id="39" name="rc39"/>
+            <p:cNvSpPr/>
+            <p:nvPr/>
+          </p:nvSpPr>
+          <p:spPr>
+            <a:xfrm>
+              <a:off x="7894916" y="3692824"/>
+              <a:ext cx="201455" cy="201456"/>
+            </a:xfrm>
+            <a:prstGeom prst="rect">
+              <a:avLst/>
+            </a:prstGeom>
+            <a:solidFill>
+              <a:srgbClr val="F8766D">
+                <a:alpha val="100000"/>
+              </a:srgbClr>
+            </a:solidFill>
+          </p:spPr>
+          <p:txBody>
+            <a:bodyPr/>
+            <a:lstStyle/>
+            <a:p/>
+          </p:txBody>
+        </p:sp>
+        <p:sp>
+          <p:nvSpPr>
+            <p:cNvPr id="40" name="rc40"/>
+            <p:cNvSpPr/>
+            <p:nvPr/>
+          </p:nvSpPr>
+          <p:spPr>
+            <a:xfrm>
+              <a:off x="7894916" y="3912280"/>
+              <a:ext cx="201455" cy="201456"/>
+            </a:xfrm>
+            <a:prstGeom prst="rect">
+              <a:avLst/>
+            </a:prstGeom>
+            <a:solidFill>
+              <a:srgbClr val="00BFC4">
+                <a:alpha val="100000"/>
+              </a:srgbClr>
+            </a:solidFill>
+          </p:spPr>
+          <p:txBody>
+            <a:bodyPr/>
+            <a:lstStyle/>
+            <a:p/>
+          </p:txBody>
+        </p:sp>
+        <p:sp>
+          <p:nvSpPr>
+            <p:cNvPr id="41" name="tx41"/>
+            <p:cNvSpPr/>
+            <p:nvPr/>
+          </p:nvSpPr>
+          <p:spPr>
+            <a:xfrm>
+              <a:off x="8174961" y="3749923"/>
+              <a:ext cx="372660" cy="82073"/>
+            </a:xfrm>
+            <a:prstGeom prst="rect">
+              <a:avLst/>
+            </a:prstGeom>
+            <a:noFill/>
+          </p:spPr>
+          <p:txBody>
+            <a:bodyPr lIns="0" rIns="0" tIns="0" bIns="0" anchorCtr="1" anchor="ctr" wrap="none"/>
+            <a:lstStyle/>
+            <a:p>
+              <a:pPr algn="l" marL="0" marR="0" indent="0">
+                <a:lnSpc>
+                  <a:spcPts val="880"/>
+                </a:lnSpc>
+                <a:spcBef>
+                  <a:spcPts val="0"/>
+                </a:spcBef>
+                <a:spcAft>
+                  <a:spcPts val="0"/>
+                </a:spcAft>
+              </a:pPr>
+              <a:r>
+                <a:rPr sz="880">
+                  <a:solidFill>
+                    <a:srgbClr val="000000">
+                      <a:alpha val="100000"/>
+                    </a:srgbClr>
+                  </a:solidFill>
+                  <a:latin typeface="Liberation Sans"/>
+                  <a:cs typeface="Liberation Sans"/>
+                </a:rPr>
+                <a:t>Female</a:t>
+              </a:r>
+            </a:p>
+          </p:txBody>
+        </p:sp>
+        <p:sp>
+          <p:nvSpPr>
+            <p:cNvPr id="42" name="tx42"/>
+            <p:cNvSpPr/>
+            <p:nvPr/>
+          </p:nvSpPr>
+          <p:spPr>
+            <a:xfrm>
+              <a:off x="8174961" y="3969379"/>
+              <a:ext cx="242237" cy="82073"/>
+            </a:xfrm>
+            <a:prstGeom prst="rect">
+              <a:avLst/>
+            </a:prstGeom>
+            <a:noFill/>
+          </p:spPr>
+          <p:txBody>
+            <a:bodyPr lIns="0" rIns="0" tIns="0" bIns="0" anchorCtr="1" anchor="ctr" wrap="none"/>
+            <a:lstStyle/>
+            <a:p>
+              <a:pPr algn="l" marL="0" marR="0" indent="0">
+                <a:lnSpc>
+                  <a:spcPts val="880"/>
+                </a:lnSpc>
+                <a:spcBef>
+                  <a:spcPts val="0"/>
+                </a:spcBef>
+                <a:spcAft>
+                  <a:spcPts val="0"/>
+                </a:spcAft>
+              </a:pPr>
+              <a:r>
+                <a:rPr sz="880">
+                  <a:solidFill>
+                    <a:srgbClr val="000000">
+                      <a:alpha val="100000"/>
+                    </a:srgbClr>
+                  </a:solidFill>
+                  <a:latin typeface="Liberation Sans"/>
+                  <a:cs typeface="Liberation Sans"/>
+                </a:rPr>
+                <a:t>Male</a:t>
+              </a:r>
+            </a:p>
+          </p:txBody>
+        </p:sp>
+        <p:sp>
+          <p:nvSpPr>
+            <p:cNvPr id="43" name="tx43"/>
+            <p:cNvSpPr/>
+            <p:nvPr/>
+          </p:nvSpPr>
+          <p:spPr>
+            <a:xfrm>
+              <a:off x="938418" y="1628861"/>
+              <a:ext cx="1537818" cy="156262"/>
+            </a:xfrm>
+            <a:prstGeom prst="rect">
+              <a:avLst/>
+            </a:prstGeom>
+            <a:noFill/>
+          </p:spPr>
+          <p:txBody>
+            <a:bodyPr lIns="0" rIns="0" tIns="0" bIns="0" anchorCtr="1" anchor="ctr" wrap="none"/>
+            <a:lstStyle/>
+            <a:p>
+              <a:pPr algn="l" marL="0" marR="0" indent="0">
+                <a:lnSpc>
+                  <a:spcPts val="1320"/>
+                </a:lnSpc>
+                <a:spcBef>
+                  <a:spcPts val="0"/>
+                </a:spcBef>
+                <a:spcAft>
+                  <a:spcPts val="0"/>
+                </a:spcAft>
+              </a:pPr>
+              <a:r>
+                <a:rPr sz="1320">
+                  <a:solidFill>
+                    <a:srgbClr val="000000">
+                      <a:alpha val="100000"/>
+                    </a:srgbClr>
+                  </a:solidFill>
+                  <a:latin typeface="Liberation Sans"/>
+                  <a:cs typeface="Liberation Sans"/>
+                </a:rPr>
+                <a:t>Year 2014_Saturday</a:t>
+              </a:r>
+            </a:p>
+          </p:txBody>
+        </p:sp>
+      </p:grpSp>
+    </p:spTree>
+  </p:cSld>
+  <p:clrMapOvr>
+    <a:masterClrMapping/>
+  </p:clrMapOvr>
+</p:sld>
+</file>
+
+<file path=ppt/slides/slide39.xml><?xml version="1.0" encoding="utf-8"?>
+<p:sld xmlns:a="http://schemas.openxmlformats.org/drawingml/2006/main" xmlns:r="http://schemas.openxmlformats.org/officeDocument/2006/relationships" xmlns:p="http://schemas.openxmlformats.org/presentationml/2006/main">
+  <p:cSld>
+    <p:spTree>
+      <p:nvGrpSpPr>
+        <p:cNvPr id="1" name=""/>
+        <p:cNvGrpSpPr/>
+        <p:nvPr/>
+      </p:nvGrpSpPr>
+      <p:grpSpPr>
+        <a:xfrm>
+          <a:off x="0" y="0"/>
+          <a:ext cx="0" cy="0"/>
+          <a:chOff x="0" y="0"/>
+          <a:chExt cx="0" cy="0"/>
+        </a:xfrm>
+      </p:grpSpPr>
+      <p:grpSp xmlns:a="http://schemas.openxmlformats.org/drawingml/2006/main" xmlns:r="http://schemas.openxmlformats.org/officeDocument/2006/relationships" xmlns:p="http://schemas.openxmlformats.org/presentationml/2006/main" xmlns:pic="http://schemas.openxmlformats.org/drawingml/2006/picture">
+        <p:nvGrpSpPr>
+          <p:cNvPr id="2" name="grp1"/>
+          <p:cNvGrpSpPr/>
+          <p:nvPr/>
+        </p:nvGrpSpPr>
+        <p:grpSpPr>
+          <a:xfrm>
+            <a:off x="457200" y="1600200"/>
+            <a:ext cx="8229600" cy="4525962"/>
+            <a:chOff x="457200" y="1600200"/>
+            <a:chExt cx="8229600" cy="4525962"/>
+          </a:xfrm>
+        </p:grpSpPr>
+        <p:sp>
+          <p:nvSpPr>
+            <p:cNvPr id="3" name="rc3"/>
+            <p:cNvSpPr/>
+            <p:nvPr/>
+          </p:nvSpPr>
+          <p:spPr>
+            <a:xfrm>
+              <a:off x="457200" y="1600200"/>
+              <a:ext cx="8229600" cy="4525962"/>
+            </a:xfrm>
+            <a:prstGeom prst="rect">
+              <a:avLst/>
+            </a:prstGeom>
+            <a:solidFill>
+              <a:srgbClr val="FFFFFF">
+                <a:alpha val="100000"/>
+              </a:srgbClr>
+            </a:solidFill>
+            <a:ln w="9525" cap="rnd">
+              <a:solidFill>
+                <a:srgbClr val="FFFFFF">
+                  <a:alpha val="100000"/>
+                </a:srgbClr>
+              </a:solidFill>
+              <a:prstDash val="solid"/>
+              <a:round/>
+            </a:ln>
+          </p:spPr>
+          <p:txBody>
+            <a:bodyPr/>
+            <a:lstStyle/>
+            <a:p/>
+          </p:txBody>
+        </p:sp>
+        <p:sp>
+          <p:nvSpPr>
+            <p:cNvPr id="4" name="pl4"/>
+            <p:cNvSpPr/>
+            <p:nvPr/>
+          </p:nvSpPr>
+          <p:spPr>
+            <a:xfrm>
+              <a:off x="938418" y="5112534"/>
+              <a:ext cx="6738730" cy="0"/>
+            </a:xfrm>
+            <a:custGeom>
+              <a:avLst/>
+              <a:pathLst>
+                <a:path w="6738730" h="0">
+                  <a:moveTo>
+                    <a:pt x="0" y="0"/>
+                  </a:moveTo>
+                  <a:lnTo>
+                    <a:pt x="6738730" y="0"/>
+                  </a:lnTo>
+                  <a:lnTo>
+                    <a:pt x="6738730" y="0"/>
+                  </a:lnTo>
+                </a:path>
+              </a:pathLst>
+            </a:custGeom>
+            <a:ln w="6775" cap="flat">
+              <a:solidFill>
+                <a:srgbClr val="EBEBEB">
+                  <a:alpha val="100000"/>
+                </a:srgbClr>
+              </a:solidFill>
+              <a:prstDash val="solid"/>
+              <a:round/>
+            </a:ln>
+          </p:spPr>
+          <p:txBody>
+            <a:bodyPr/>
+            <a:lstStyle/>
+            <a:p/>
+          </p:txBody>
+        </p:sp>
+        <p:sp>
+          <p:nvSpPr>
+            <p:cNvPr id="5" name="pl5"/>
+            <p:cNvSpPr/>
+            <p:nvPr/>
+          </p:nvSpPr>
+          <p:spPr>
+            <a:xfrm>
+              <a:off x="938418" y="4240589"/>
+              <a:ext cx="6738730" cy="0"/>
+            </a:xfrm>
+            <a:custGeom>
+              <a:avLst/>
+              <a:pathLst>
+                <a:path w="6738730" h="0">
+                  <a:moveTo>
+                    <a:pt x="0" y="0"/>
+                  </a:moveTo>
+                  <a:lnTo>
+                    <a:pt x="6738730" y="0"/>
+                  </a:lnTo>
+                  <a:lnTo>
+                    <a:pt x="6738730" y="0"/>
+                  </a:lnTo>
+                </a:path>
+              </a:pathLst>
+            </a:custGeom>
+            <a:ln w="6775" cap="flat">
+              <a:solidFill>
+                <a:srgbClr val="EBEBEB">
+                  <a:alpha val="100000"/>
+                </a:srgbClr>
+              </a:solidFill>
+              <a:prstDash val="solid"/>
+              <a:round/>
+            </a:ln>
+          </p:spPr>
+          <p:txBody>
+            <a:bodyPr/>
+            <a:lstStyle/>
+            <a:p/>
+          </p:txBody>
+        </p:sp>
+        <p:sp>
+          <p:nvSpPr>
+            <p:cNvPr id="6" name="pl6"/>
+            <p:cNvSpPr/>
+            <p:nvPr/>
+          </p:nvSpPr>
+          <p:spPr>
+            <a:xfrm>
+              <a:off x="938418" y="3368644"/>
+              <a:ext cx="6738730" cy="0"/>
+            </a:xfrm>
+            <a:custGeom>
+              <a:avLst/>
+              <a:pathLst>
+                <a:path w="6738730" h="0">
+                  <a:moveTo>
+                    <a:pt x="0" y="0"/>
+                  </a:moveTo>
+                  <a:lnTo>
+                    <a:pt x="6738730" y="0"/>
+                  </a:lnTo>
+                  <a:lnTo>
+                    <a:pt x="6738730" y="0"/>
+                  </a:lnTo>
+                </a:path>
+              </a:pathLst>
+            </a:custGeom>
+            <a:ln w="6775" cap="flat">
+              <a:solidFill>
+                <a:srgbClr val="EBEBEB">
+                  <a:alpha val="100000"/>
+                </a:srgbClr>
+              </a:solidFill>
+              <a:prstDash val="solid"/>
+              <a:round/>
+            </a:ln>
+          </p:spPr>
+          <p:txBody>
+            <a:bodyPr/>
+            <a:lstStyle/>
+            <a:p/>
+          </p:txBody>
+        </p:sp>
+        <p:sp>
+          <p:nvSpPr>
+            <p:cNvPr id="7" name="pl7"/>
+            <p:cNvSpPr/>
+            <p:nvPr/>
+          </p:nvSpPr>
+          <p:spPr>
+            <a:xfrm>
+              <a:off x="938418" y="2496699"/>
+              <a:ext cx="6738730" cy="0"/>
+            </a:xfrm>
+            <a:custGeom>
+              <a:avLst/>
+              <a:pathLst>
+                <a:path w="6738730" h="0">
+                  <a:moveTo>
+                    <a:pt x="0" y="0"/>
+                  </a:moveTo>
+                  <a:lnTo>
+                    <a:pt x="6738730" y="0"/>
+                  </a:lnTo>
+                  <a:lnTo>
+                    <a:pt x="6738730" y="0"/>
+                  </a:lnTo>
+                </a:path>
+              </a:pathLst>
+            </a:custGeom>
+            <a:ln w="6775" cap="flat">
+              <a:solidFill>
+                <a:srgbClr val="EBEBEB">
+                  <a:alpha val="100000"/>
+                </a:srgbClr>
+              </a:solidFill>
+              <a:prstDash val="solid"/>
+              <a:round/>
+            </a:ln>
+          </p:spPr>
+          <p:txBody>
+            <a:bodyPr/>
+            <a:lstStyle/>
+            <a:p/>
+          </p:txBody>
+        </p:sp>
+        <p:sp>
+          <p:nvSpPr>
+            <p:cNvPr id="8" name="pl8"/>
+            <p:cNvSpPr/>
+            <p:nvPr/>
+          </p:nvSpPr>
+          <p:spPr>
+            <a:xfrm>
+              <a:off x="938418" y="5548506"/>
+              <a:ext cx="6738730" cy="0"/>
+            </a:xfrm>
+            <a:custGeom>
+              <a:avLst/>
+              <a:pathLst>
+                <a:path w="6738730" h="0">
+                  <a:moveTo>
+                    <a:pt x="0" y="0"/>
+                  </a:moveTo>
+                  <a:lnTo>
+                    <a:pt x="6738730" y="0"/>
+                  </a:lnTo>
+                  <a:lnTo>
+                    <a:pt x="6738730" y="0"/>
+                  </a:lnTo>
+                </a:path>
+              </a:pathLst>
+            </a:custGeom>
+            <a:ln w="13550" cap="flat">
+              <a:solidFill>
+                <a:srgbClr val="EBEBEB">
+                  <a:alpha val="100000"/>
+                </a:srgbClr>
+              </a:solidFill>
+              <a:prstDash val="solid"/>
+              <a:round/>
+            </a:ln>
+          </p:spPr>
+          <p:txBody>
+            <a:bodyPr/>
+            <a:lstStyle/>
+            <a:p/>
+          </p:txBody>
+        </p:sp>
+        <p:sp>
+          <p:nvSpPr>
+            <p:cNvPr id="9" name="pl9"/>
+            <p:cNvSpPr/>
+            <p:nvPr/>
+          </p:nvSpPr>
+          <p:spPr>
+            <a:xfrm>
+              <a:off x="938418" y="4676561"/>
+              <a:ext cx="6738730" cy="0"/>
+            </a:xfrm>
+            <a:custGeom>
+              <a:avLst/>
+              <a:pathLst>
+                <a:path w="6738730" h="0">
+                  <a:moveTo>
+                    <a:pt x="0" y="0"/>
+                  </a:moveTo>
+                  <a:lnTo>
+                    <a:pt x="6738730" y="0"/>
+                  </a:lnTo>
+                  <a:lnTo>
+                    <a:pt x="6738730" y="0"/>
+                  </a:lnTo>
+                </a:path>
+              </a:pathLst>
+            </a:custGeom>
+            <a:ln w="13550" cap="flat">
+              <a:solidFill>
+                <a:srgbClr val="EBEBEB">
+                  <a:alpha val="100000"/>
+                </a:srgbClr>
+              </a:solidFill>
+              <a:prstDash val="solid"/>
+              <a:round/>
+            </a:ln>
+          </p:spPr>
+          <p:txBody>
+            <a:bodyPr/>
+            <a:lstStyle/>
+            <a:p/>
+          </p:txBody>
+        </p:sp>
+        <p:sp>
+          <p:nvSpPr>
+            <p:cNvPr id="10" name="pl10"/>
+            <p:cNvSpPr/>
+            <p:nvPr/>
+          </p:nvSpPr>
+          <p:spPr>
+            <a:xfrm>
+              <a:off x="938418" y="3804617"/>
+              <a:ext cx="6738730" cy="0"/>
+            </a:xfrm>
+            <a:custGeom>
+              <a:avLst/>
+              <a:pathLst>
+                <a:path w="6738730" h="0">
+                  <a:moveTo>
+                    <a:pt x="0" y="0"/>
+                  </a:moveTo>
+                  <a:lnTo>
+                    <a:pt x="6738730" y="0"/>
+                  </a:lnTo>
+                  <a:lnTo>
+                    <a:pt x="6738730" y="0"/>
+                  </a:lnTo>
+                </a:path>
+              </a:pathLst>
+            </a:custGeom>
+            <a:ln w="13550" cap="flat">
+              <a:solidFill>
+                <a:srgbClr val="EBEBEB">
+                  <a:alpha val="100000"/>
+                </a:srgbClr>
+              </a:solidFill>
+              <a:prstDash val="solid"/>
+              <a:round/>
+            </a:ln>
+          </p:spPr>
+          <p:txBody>
+            <a:bodyPr/>
+            <a:lstStyle/>
+            <a:p/>
+          </p:txBody>
+        </p:sp>
+        <p:sp>
+          <p:nvSpPr>
+            <p:cNvPr id="11" name="pl11"/>
+            <p:cNvSpPr/>
+            <p:nvPr/>
+          </p:nvSpPr>
+          <p:spPr>
+            <a:xfrm>
+              <a:off x="938418" y="2932672"/>
+              <a:ext cx="6738730" cy="0"/>
+            </a:xfrm>
+            <a:custGeom>
+              <a:avLst/>
+              <a:pathLst>
+                <a:path w="6738730" h="0">
+                  <a:moveTo>
+                    <a:pt x="0" y="0"/>
+                  </a:moveTo>
+                  <a:lnTo>
+                    <a:pt x="6738730" y="0"/>
+                  </a:lnTo>
+                  <a:lnTo>
+                    <a:pt x="6738730" y="0"/>
+                  </a:lnTo>
+                </a:path>
+              </a:pathLst>
+            </a:custGeom>
+            <a:ln w="13550" cap="flat">
+              <a:solidFill>
+                <a:srgbClr val="EBEBEB">
+                  <a:alpha val="100000"/>
+                </a:srgbClr>
+              </a:solidFill>
+              <a:prstDash val="solid"/>
+              <a:round/>
+            </a:ln>
+          </p:spPr>
+          <p:txBody>
+            <a:bodyPr/>
+            <a:lstStyle/>
+            <a:p/>
+          </p:txBody>
+        </p:sp>
+        <p:sp>
+          <p:nvSpPr>
+            <p:cNvPr id="12" name="pl12"/>
+            <p:cNvSpPr/>
+            <p:nvPr/>
+          </p:nvSpPr>
+          <p:spPr>
+            <a:xfrm>
+              <a:off x="938418" y="2060727"/>
+              <a:ext cx="6738730" cy="0"/>
+            </a:xfrm>
+            <a:custGeom>
+              <a:avLst/>
+              <a:pathLst>
+                <a:path w="6738730" h="0">
+                  <a:moveTo>
+                    <a:pt x="0" y="0"/>
+                  </a:moveTo>
+                  <a:lnTo>
+                    <a:pt x="6738730" y="0"/>
+                  </a:lnTo>
+                  <a:lnTo>
+                    <a:pt x="6738730" y="0"/>
+                  </a:lnTo>
+                </a:path>
+              </a:pathLst>
+            </a:custGeom>
+            <a:ln w="13550" cap="flat">
+              <a:solidFill>
+                <a:srgbClr val="EBEBEB">
+                  <a:alpha val="100000"/>
+                </a:srgbClr>
+              </a:solidFill>
+              <a:prstDash val="solid"/>
+              <a:round/>
+            </a:ln>
+          </p:spPr>
+          <p:txBody>
+            <a:bodyPr/>
+            <a:lstStyle/>
+            <a:p/>
+          </p:txBody>
+        </p:sp>
+        <p:sp>
+          <p:nvSpPr>
+            <p:cNvPr id="13" name="pl13"/>
+            <p:cNvSpPr/>
+            <p:nvPr/>
+          </p:nvSpPr>
+          <p:spPr>
+            <a:xfrm>
+              <a:off x="1715964" y="1886338"/>
+              <a:ext cx="0" cy="3836557"/>
+            </a:xfrm>
+            <a:custGeom>
+              <a:avLst/>
+              <a:pathLst>
+                <a:path w="0" h="3836557">
+                  <a:moveTo>
+                    <a:pt x="0" y="3836557"/>
+                  </a:moveTo>
+                  <a:lnTo>
+                    <a:pt x="0" y="0"/>
+                  </a:lnTo>
+                  <a:lnTo>
+                    <a:pt x="0" y="0"/>
+                  </a:lnTo>
+                </a:path>
+              </a:pathLst>
+            </a:custGeom>
+            <a:ln w="13550" cap="flat">
+              <a:solidFill>
+                <a:srgbClr val="EBEBEB">
+                  <a:alpha val="100000"/>
+                </a:srgbClr>
+              </a:solidFill>
+              <a:prstDash val="solid"/>
+              <a:round/>
+            </a:ln>
+          </p:spPr>
+          <p:txBody>
+            <a:bodyPr/>
+            <a:lstStyle/>
+            <a:p/>
+          </p:txBody>
+        </p:sp>
+        <p:sp>
+          <p:nvSpPr>
+            <p:cNvPr id="14" name="pl14"/>
+            <p:cNvSpPr/>
+            <p:nvPr/>
+          </p:nvSpPr>
+          <p:spPr>
+            <a:xfrm>
+              <a:off x="3011873" y="1886338"/>
+              <a:ext cx="0" cy="3836557"/>
+            </a:xfrm>
+            <a:custGeom>
+              <a:avLst/>
+              <a:pathLst>
+                <a:path w="0" h="3836557">
+                  <a:moveTo>
+                    <a:pt x="0" y="3836557"/>
+                  </a:moveTo>
+                  <a:lnTo>
+                    <a:pt x="0" y="0"/>
+                  </a:lnTo>
+                  <a:lnTo>
+                    <a:pt x="0" y="0"/>
+                  </a:lnTo>
+                </a:path>
+              </a:pathLst>
+            </a:custGeom>
+            <a:ln w="13550" cap="flat">
+              <a:solidFill>
+                <a:srgbClr val="EBEBEB">
+                  <a:alpha val="100000"/>
+                </a:srgbClr>
+              </a:solidFill>
+              <a:prstDash val="solid"/>
+              <a:round/>
+            </a:ln>
+          </p:spPr>
+          <p:txBody>
+            <a:bodyPr/>
+            <a:lstStyle/>
+            <a:p/>
+          </p:txBody>
+        </p:sp>
+        <p:sp>
+          <p:nvSpPr>
+            <p:cNvPr id="15" name="pl15"/>
+            <p:cNvSpPr/>
+            <p:nvPr/>
+          </p:nvSpPr>
+          <p:spPr>
+            <a:xfrm>
+              <a:off x="4307783" y="1886338"/>
+              <a:ext cx="0" cy="3836557"/>
+            </a:xfrm>
+            <a:custGeom>
+              <a:avLst/>
+              <a:pathLst>
+                <a:path w="0" h="3836557">
+                  <a:moveTo>
+                    <a:pt x="0" y="3836557"/>
+                  </a:moveTo>
+                  <a:lnTo>
+                    <a:pt x="0" y="0"/>
+                  </a:lnTo>
+                  <a:lnTo>
+                    <a:pt x="0" y="0"/>
+                  </a:lnTo>
+                </a:path>
+              </a:pathLst>
+            </a:custGeom>
+            <a:ln w="13550" cap="flat">
+              <a:solidFill>
+                <a:srgbClr val="EBEBEB">
+                  <a:alpha val="100000"/>
+                </a:srgbClr>
+              </a:solidFill>
+              <a:prstDash val="solid"/>
+              <a:round/>
+            </a:ln>
+          </p:spPr>
+          <p:txBody>
+            <a:bodyPr/>
+            <a:lstStyle/>
+            <a:p/>
+          </p:txBody>
+        </p:sp>
+        <p:sp>
+          <p:nvSpPr>
+            <p:cNvPr id="16" name="pl16"/>
+            <p:cNvSpPr/>
+            <p:nvPr/>
+          </p:nvSpPr>
+          <p:spPr>
+            <a:xfrm>
+              <a:off x="5603693" y="1886338"/>
+              <a:ext cx="0" cy="3836557"/>
+            </a:xfrm>
+            <a:custGeom>
+              <a:avLst/>
+              <a:pathLst>
+                <a:path w="0" h="3836557">
+                  <a:moveTo>
+                    <a:pt x="0" y="3836557"/>
+                  </a:moveTo>
+                  <a:lnTo>
+                    <a:pt x="0" y="0"/>
+                  </a:lnTo>
+                  <a:lnTo>
+                    <a:pt x="0" y="0"/>
+                  </a:lnTo>
+                </a:path>
+              </a:pathLst>
+            </a:custGeom>
+            <a:ln w="13550" cap="flat">
+              <a:solidFill>
+                <a:srgbClr val="EBEBEB">
+                  <a:alpha val="100000"/>
+                </a:srgbClr>
+              </a:solidFill>
+              <a:prstDash val="solid"/>
+              <a:round/>
+            </a:ln>
+          </p:spPr>
+          <p:txBody>
+            <a:bodyPr/>
+            <a:lstStyle/>
+            <a:p/>
+          </p:txBody>
+        </p:sp>
+        <p:sp>
+          <p:nvSpPr>
+            <p:cNvPr id="17" name="pl17"/>
+            <p:cNvSpPr/>
+            <p:nvPr/>
+          </p:nvSpPr>
+          <p:spPr>
+            <a:xfrm>
+              <a:off x="6899603" y="1886338"/>
+              <a:ext cx="0" cy="3836557"/>
+            </a:xfrm>
+            <a:custGeom>
+              <a:avLst/>
+              <a:pathLst>
+                <a:path w="0" h="3836557">
+                  <a:moveTo>
+                    <a:pt x="0" y="3836557"/>
+                  </a:moveTo>
+                  <a:lnTo>
+                    <a:pt x="0" y="0"/>
+                  </a:lnTo>
+                  <a:lnTo>
+                    <a:pt x="0" y="0"/>
+                  </a:lnTo>
+                </a:path>
+              </a:pathLst>
+            </a:custGeom>
+            <a:ln w="13550" cap="flat">
+              <a:solidFill>
+                <a:srgbClr val="EBEBEB">
+                  <a:alpha val="100000"/>
+                </a:srgbClr>
+              </a:solidFill>
+              <a:prstDash val="solid"/>
+              <a:round/>
+            </a:ln>
+          </p:spPr>
+          <p:txBody>
+            <a:bodyPr/>
+            <a:lstStyle/>
+            <a:p/>
+          </p:txBody>
+        </p:sp>
+        <p:sp>
+          <p:nvSpPr>
+            <p:cNvPr id="18" name="rc18"/>
+            <p:cNvSpPr/>
+            <p:nvPr/>
+          </p:nvSpPr>
+          <p:spPr>
+            <a:xfrm>
+              <a:off x="1715964" y="4977382"/>
+              <a:ext cx="583159" cy="571123"/>
+            </a:xfrm>
+            <a:prstGeom prst="rect">
+              <a:avLst/>
+            </a:prstGeom>
+            <a:solidFill>
+              <a:srgbClr val="00BFC4">
+                <a:alpha val="100000"/>
+              </a:srgbClr>
+            </a:solidFill>
+          </p:spPr>
+          <p:txBody>
+            <a:bodyPr/>
+            <a:lstStyle/>
+            <a:p/>
+          </p:txBody>
+        </p:sp>
+        <p:sp>
+          <p:nvSpPr>
+            <p:cNvPr id="19" name="rc19"/>
+            <p:cNvSpPr/>
+            <p:nvPr/>
+          </p:nvSpPr>
+          <p:spPr>
+            <a:xfrm>
+              <a:off x="1132804" y="4977382"/>
+              <a:ext cx="583159" cy="571123"/>
+            </a:xfrm>
+            <a:prstGeom prst="rect">
+              <a:avLst/>
+            </a:prstGeom>
+            <a:solidFill>
+              <a:srgbClr val="F8766D">
+                <a:alpha val="100000"/>
+              </a:srgbClr>
+            </a:solidFill>
+          </p:spPr>
+          <p:txBody>
+            <a:bodyPr/>
+            <a:lstStyle/>
+            <a:p/>
+          </p:txBody>
+        </p:sp>
+        <p:sp>
+          <p:nvSpPr>
+            <p:cNvPr id="20" name="rc20"/>
+            <p:cNvSpPr/>
+            <p:nvPr/>
+          </p:nvSpPr>
+          <p:spPr>
+            <a:xfrm>
+              <a:off x="3011873" y="4131596"/>
+              <a:ext cx="583159" cy="1416910"/>
+            </a:xfrm>
+            <a:prstGeom prst="rect">
+              <a:avLst/>
+            </a:prstGeom>
+            <a:solidFill>
+              <a:srgbClr val="00BFC4">
+                <a:alpha val="100000"/>
+              </a:srgbClr>
+            </a:solidFill>
+          </p:spPr>
+          <p:txBody>
+            <a:bodyPr/>
+            <a:lstStyle/>
+            <a:p/>
+          </p:txBody>
+        </p:sp>
+        <p:sp>
+          <p:nvSpPr>
+            <p:cNvPr id="21" name="rc21"/>
+            <p:cNvSpPr/>
+            <p:nvPr/>
+          </p:nvSpPr>
+          <p:spPr>
+            <a:xfrm>
+              <a:off x="2428714" y="4362661"/>
+              <a:ext cx="583159" cy="1185845"/>
+            </a:xfrm>
+            <a:prstGeom prst="rect">
+              <a:avLst/>
+            </a:prstGeom>
+            <a:solidFill>
+              <a:srgbClr val="F8766D">
+                <a:alpha val="100000"/>
+              </a:srgbClr>
+            </a:solidFill>
+          </p:spPr>
+          <p:txBody>
+            <a:bodyPr/>
+            <a:lstStyle/>
+            <a:p/>
+          </p:txBody>
+        </p:sp>
+        <p:sp>
+          <p:nvSpPr>
+            <p:cNvPr id="22" name="rc22"/>
+            <p:cNvSpPr/>
+            <p:nvPr/>
+          </p:nvSpPr>
+          <p:spPr>
+            <a:xfrm>
+              <a:off x="4307783" y="4925066"/>
+              <a:ext cx="583159" cy="623440"/>
+            </a:xfrm>
+            <a:prstGeom prst="rect">
+              <a:avLst/>
+            </a:prstGeom>
+            <a:solidFill>
+              <a:srgbClr val="00BFC4">
+                <a:alpha val="100000"/>
+              </a:srgbClr>
+            </a:solidFill>
+          </p:spPr>
+          <p:txBody>
+            <a:bodyPr/>
+            <a:lstStyle/>
+            <a:p/>
+          </p:txBody>
+        </p:sp>
+        <p:sp>
+          <p:nvSpPr>
+            <p:cNvPr id="23" name="rc23"/>
+            <p:cNvSpPr/>
+            <p:nvPr/>
+          </p:nvSpPr>
+          <p:spPr>
+            <a:xfrm>
+              <a:off x="3724624" y="4598086"/>
+              <a:ext cx="583159" cy="950419"/>
+            </a:xfrm>
+            <a:prstGeom prst="rect">
+              <a:avLst/>
+            </a:prstGeom>
+            <a:solidFill>
+              <a:srgbClr val="F8766D">
+                <a:alpha val="100000"/>
+              </a:srgbClr>
+            </a:solidFill>
+          </p:spPr>
+          <p:txBody>
+            <a:bodyPr/>
+            <a:lstStyle/>
+            <a:p/>
+          </p:txBody>
+        </p:sp>
+        <p:sp>
+          <p:nvSpPr>
+            <p:cNvPr id="24" name="rc24"/>
+            <p:cNvSpPr/>
+            <p:nvPr/>
+          </p:nvSpPr>
+          <p:spPr>
+            <a:xfrm>
+              <a:off x="5603693" y="2073806"/>
+              <a:ext cx="583159" cy="3474700"/>
+            </a:xfrm>
+            <a:prstGeom prst="rect">
+              <a:avLst/>
+            </a:prstGeom>
+            <a:solidFill>
+              <a:srgbClr val="00BFC4">
+                <a:alpha val="100000"/>
+              </a:srgbClr>
+            </a:solidFill>
+          </p:spPr>
+          <p:txBody>
+            <a:bodyPr/>
+            <a:lstStyle/>
+            <a:p/>
+          </p:txBody>
+        </p:sp>
+        <p:sp>
+          <p:nvSpPr>
+            <p:cNvPr id="25" name="rc25"/>
+            <p:cNvSpPr/>
+            <p:nvPr/>
+          </p:nvSpPr>
+          <p:spPr>
+            <a:xfrm>
+              <a:off x="5020534" y="2060727"/>
+              <a:ext cx="583159" cy="3487779"/>
+            </a:xfrm>
+            <a:prstGeom prst="rect">
+              <a:avLst/>
+            </a:prstGeom>
+            <a:solidFill>
+              <a:srgbClr val="F8766D">
+                <a:alpha val="100000"/>
+              </a:srgbClr>
+            </a:solidFill>
+          </p:spPr>
+          <p:txBody>
+            <a:bodyPr/>
+            <a:lstStyle/>
+            <a:p/>
+          </p:txBody>
+        </p:sp>
+        <p:sp>
+          <p:nvSpPr>
+            <p:cNvPr id="26" name="rc26"/>
+            <p:cNvSpPr/>
+            <p:nvPr/>
+          </p:nvSpPr>
+          <p:spPr>
+            <a:xfrm>
+              <a:off x="6899603" y="2862916"/>
+              <a:ext cx="583159" cy="2685590"/>
+            </a:xfrm>
+            <a:prstGeom prst="rect">
+              <a:avLst/>
+            </a:prstGeom>
+            <a:solidFill>
+              <a:srgbClr val="00BFC4">
+                <a:alpha val="100000"/>
+              </a:srgbClr>
+            </a:solidFill>
+          </p:spPr>
+          <p:txBody>
+            <a:bodyPr/>
+            <a:lstStyle/>
+            <a:p/>
+          </p:txBody>
+        </p:sp>
+        <p:sp>
+          <p:nvSpPr>
+            <p:cNvPr id="27" name="rc27"/>
+            <p:cNvSpPr/>
+            <p:nvPr/>
+          </p:nvSpPr>
+          <p:spPr>
+            <a:xfrm>
+              <a:off x="6316443" y="2893434"/>
+              <a:ext cx="583159" cy="2655072"/>
+            </a:xfrm>
+            <a:prstGeom prst="rect">
+              <a:avLst/>
+            </a:prstGeom>
+            <a:solidFill>
+              <a:srgbClr val="F8766D">
+                <a:alpha val="100000"/>
+              </a:srgbClr>
+            </a:solidFill>
+          </p:spPr>
+          <p:txBody>
+            <a:bodyPr/>
+            <a:lstStyle/>
+            <a:p/>
+          </p:txBody>
+        </p:sp>
+        <p:sp>
+          <p:nvSpPr>
+            <p:cNvPr id="28" name="tx28"/>
+            <p:cNvSpPr/>
+            <p:nvPr/>
+          </p:nvSpPr>
+          <p:spPr>
+            <a:xfrm>
+              <a:off x="813632" y="5507824"/>
+              <a:ext cx="62155" cy="79126"/>
+            </a:xfrm>
+            <a:prstGeom prst="rect">
+              <a:avLst/>
+            </a:prstGeom>
+            <a:noFill/>
+          </p:spPr>
+          <p:txBody>
+            <a:bodyPr lIns="0" rIns="0" tIns="0" bIns="0" anchorCtr="1" anchor="ctr" wrap="none"/>
+            <a:lstStyle/>
+            <a:p>
+              <a:pPr algn="l" marL="0" marR="0" indent="0">
+                <a:lnSpc>
+                  <a:spcPts val="880"/>
+                </a:lnSpc>
+                <a:spcBef>
+                  <a:spcPts val="0"/>
+                </a:spcBef>
+                <a:spcAft>
+                  <a:spcPts val="0"/>
+                </a:spcAft>
+              </a:pPr>
+              <a:r>
+                <a:rPr sz="880">
+                  <a:solidFill>
+                    <a:srgbClr val="4D4D4D">
+                      <a:alpha val="100000"/>
+                    </a:srgbClr>
+                  </a:solidFill>
+                  <a:latin typeface="Liberation Sans"/>
+                  <a:cs typeface="Liberation Sans"/>
+                </a:rPr>
+                <a:t>0</a:t>
+              </a:r>
+            </a:p>
+          </p:txBody>
+        </p:sp>
+        <p:sp>
+          <p:nvSpPr>
+            <p:cNvPr id="29" name="tx29"/>
+            <p:cNvSpPr/>
+            <p:nvPr/>
+          </p:nvSpPr>
+          <p:spPr>
+            <a:xfrm>
+              <a:off x="689321" y="4635879"/>
+              <a:ext cx="186466" cy="79126"/>
+            </a:xfrm>
+            <a:prstGeom prst="rect">
+              <a:avLst/>
+            </a:prstGeom>
+            <a:noFill/>
+          </p:spPr>
+          <p:txBody>
+            <a:bodyPr lIns="0" rIns="0" tIns="0" bIns="0" anchorCtr="1" anchor="ctr" wrap="none"/>
+            <a:lstStyle/>
+            <a:p>
+              <a:pPr algn="l" marL="0" marR="0" indent="0">
+                <a:lnSpc>
+                  <a:spcPts val="880"/>
+                </a:lnSpc>
+                <a:spcBef>
+                  <a:spcPts val="0"/>
+                </a:spcBef>
+                <a:spcAft>
+                  <a:spcPts val="0"/>
+                </a:spcAft>
+              </a:pPr>
+              <a:r>
+                <a:rPr sz="880">
+                  <a:solidFill>
+                    <a:srgbClr val="4D4D4D">
+                      <a:alpha val="100000"/>
+                    </a:srgbClr>
+                  </a:solidFill>
+                  <a:latin typeface="Liberation Sans"/>
+                  <a:cs typeface="Liberation Sans"/>
+                </a:rPr>
+                <a:t>200</a:t>
+              </a:r>
+            </a:p>
+          </p:txBody>
+        </p:sp>
+        <p:sp>
+          <p:nvSpPr>
+            <p:cNvPr id="30" name="tx30"/>
+            <p:cNvSpPr/>
+            <p:nvPr/>
+          </p:nvSpPr>
+          <p:spPr>
+            <a:xfrm>
+              <a:off x="689321" y="3763934"/>
+              <a:ext cx="186466" cy="79126"/>
+            </a:xfrm>
+            <a:prstGeom prst="rect">
+              <a:avLst/>
+            </a:prstGeom>
+            <a:noFill/>
+          </p:spPr>
+          <p:txBody>
+            <a:bodyPr lIns="0" rIns="0" tIns="0" bIns="0" anchorCtr="1" anchor="ctr" wrap="none"/>
+            <a:lstStyle/>
+            <a:p>
+              <a:pPr algn="l" marL="0" marR="0" indent="0">
+                <a:lnSpc>
+                  <a:spcPts val="880"/>
+                </a:lnSpc>
+                <a:spcBef>
+                  <a:spcPts val="0"/>
+                </a:spcBef>
+                <a:spcAft>
+                  <a:spcPts val="0"/>
+                </a:spcAft>
+              </a:pPr>
+              <a:r>
+                <a:rPr sz="880">
+                  <a:solidFill>
+                    <a:srgbClr val="4D4D4D">
+                      <a:alpha val="100000"/>
+                    </a:srgbClr>
+                  </a:solidFill>
+                  <a:latin typeface="Liberation Sans"/>
+                  <a:cs typeface="Liberation Sans"/>
+                </a:rPr>
+                <a:t>400</a:t>
+              </a:r>
+            </a:p>
+          </p:txBody>
+        </p:sp>
+        <p:sp>
+          <p:nvSpPr>
+            <p:cNvPr id="31" name="tx31"/>
+            <p:cNvSpPr/>
+            <p:nvPr/>
+          </p:nvSpPr>
+          <p:spPr>
+            <a:xfrm>
+              <a:off x="689321" y="2891990"/>
+              <a:ext cx="186466" cy="79126"/>
+            </a:xfrm>
+            <a:prstGeom prst="rect">
+              <a:avLst/>
+            </a:prstGeom>
+            <a:noFill/>
+          </p:spPr>
+          <p:txBody>
+            <a:bodyPr lIns="0" rIns="0" tIns="0" bIns="0" anchorCtr="1" anchor="ctr" wrap="none"/>
+            <a:lstStyle/>
+            <a:p>
+              <a:pPr algn="l" marL="0" marR="0" indent="0">
+                <a:lnSpc>
+                  <a:spcPts val="880"/>
+                </a:lnSpc>
+                <a:spcBef>
+                  <a:spcPts val="0"/>
+                </a:spcBef>
+                <a:spcAft>
+                  <a:spcPts val="0"/>
+                </a:spcAft>
+              </a:pPr>
+              <a:r>
+                <a:rPr sz="880">
+                  <a:solidFill>
+                    <a:srgbClr val="4D4D4D">
+                      <a:alpha val="100000"/>
+                    </a:srgbClr>
+                  </a:solidFill>
+                  <a:latin typeface="Liberation Sans"/>
+                  <a:cs typeface="Liberation Sans"/>
+                </a:rPr>
+                <a:t>600</a:t>
+              </a:r>
+            </a:p>
+          </p:txBody>
+        </p:sp>
+        <p:sp>
+          <p:nvSpPr>
+            <p:cNvPr id="32" name="tx32"/>
+            <p:cNvSpPr/>
+            <p:nvPr/>
+          </p:nvSpPr>
+          <p:spPr>
+            <a:xfrm>
+              <a:off x="689321" y="2020045"/>
+              <a:ext cx="186466" cy="79126"/>
+            </a:xfrm>
+            <a:prstGeom prst="rect">
+              <a:avLst/>
+            </a:prstGeom>
+            <a:noFill/>
+          </p:spPr>
+          <p:txBody>
+            <a:bodyPr lIns="0" rIns="0" tIns="0" bIns="0" anchorCtr="1" anchor="ctr" wrap="none"/>
+            <a:lstStyle/>
+            <a:p>
+              <a:pPr algn="l" marL="0" marR="0" indent="0">
+                <a:lnSpc>
+                  <a:spcPts val="880"/>
+                </a:lnSpc>
+                <a:spcBef>
+                  <a:spcPts val="0"/>
+                </a:spcBef>
+                <a:spcAft>
+                  <a:spcPts val="0"/>
+                </a:spcAft>
+              </a:pPr>
+              <a:r>
+                <a:rPr sz="880">
+                  <a:solidFill>
+                    <a:srgbClr val="4D4D4D">
+                      <a:alpha val="100000"/>
+                    </a:srgbClr>
+                  </a:solidFill>
+                  <a:latin typeface="Liberation Sans"/>
+                  <a:cs typeface="Liberation Sans"/>
+                </a:rPr>
+                <a:t>800</a:t>
+              </a:r>
+            </a:p>
+          </p:txBody>
+        </p:sp>
+        <p:sp>
+          <p:nvSpPr>
+            <p:cNvPr id="33" name="tx33"/>
+            <p:cNvSpPr/>
+            <p:nvPr/>
+          </p:nvSpPr>
+          <p:spPr>
+            <a:xfrm>
+              <a:off x="1557519" y="5758240"/>
+              <a:ext cx="316889" cy="104174"/>
+            </a:xfrm>
+            <a:prstGeom prst="rect">
+              <a:avLst/>
+            </a:prstGeom>
+            <a:noFill/>
+          </p:spPr>
+          <p:txBody>
+            <a:bodyPr lIns="0" rIns="0" tIns="0" bIns="0" anchorCtr="1" anchor="ctr" wrap="none"/>
+            <a:lstStyle/>
+            <a:p>
+              <a:pPr algn="l" marL="0" marR="0" indent="0">
+                <a:lnSpc>
+                  <a:spcPts val="880"/>
+                </a:lnSpc>
+                <a:spcBef>
+                  <a:spcPts val="0"/>
+                </a:spcBef>
+                <a:spcAft>
+                  <a:spcPts val="0"/>
+                </a:spcAft>
+              </a:pPr>
+              <a:r>
+                <a:rPr sz="880">
+                  <a:solidFill>
+                    <a:srgbClr val="4D4D4D">
+                      <a:alpha val="100000"/>
+                    </a:srgbClr>
+                  </a:solidFill>
+                  <a:latin typeface="Liberation Sans"/>
+                  <a:cs typeface="Liberation Sans"/>
+                </a:rPr>
+                <a:t>Eating</a:t>
+              </a:r>
+            </a:p>
+          </p:txBody>
+        </p:sp>
+        <p:sp>
+          <p:nvSpPr>
+            <p:cNvPr id="34" name="tx34"/>
+            <p:cNvSpPr/>
+            <p:nvPr/>
+          </p:nvSpPr>
+          <p:spPr>
+            <a:xfrm>
+              <a:off x="2701314" y="5758240"/>
+              <a:ext cx="621119" cy="104174"/>
+            </a:xfrm>
+            <a:prstGeom prst="rect">
+              <a:avLst/>
+            </a:prstGeom>
+            <a:noFill/>
+          </p:spPr>
+          <p:txBody>
+            <a:bodyPr lIns="0" rIns="0" tIns="0" bIns="0" anchorCtr="1" anchor="ctr" wrap="none"/>
+            <a:lstStyle/>
+            <a:p>
+              <a:pPr algn="l" marL="0" marR="0" indent="0">
+                <a:lnSpc>
+                  <a:spcPts val="880"/>
+                </a:lnSpc>
+                <a:spcBef>
+                  <a:spcPts val="0"/>
+                </a:spcBef>
+                <a:spcAft>
+                  <a:spcPts val="0"/>
+                </a:spcAft>
+              </a:pPr>
+              <a:r>
+                <a:rPr sz="880">
+                  <a:solidFill>
+                    <a:srgbClr val="4D4D4D">
+                      <a:alpha val="100000"/>
+                    </a:srgbClr>
+                  </a:solidFill>
+                  <a:latin typeface="Liberation Sans"/>
+                  <a:cs typeface="Liberation Sans"/>
+                </a:rPr>
+                <a:t>Employment</a:t>
+              </a:r>
+            </a:p>
+          </p:txBody>
+        </p:sp>
+        <p:sp>
+          <p:nvSpPr>
+            <p:cNvPr id="35" name="tx35"/>
+            <p:cNvSpPr/>
+            <p:nvPr/>
+          </p:nvSpPr>
+          <p:spPr>
+            <a:xfrm>
+              <a:off x="3646173" y="5758240"/>
+              <a:ext cx="1323220" cy="104174"/>
+            </a:xfrm>
+            <a:prstGeom prst="rect">
+              <a:avLst/>
+            </a:prstGeom>
+            <a:noFill/>
+          </p:spPr>
+          <p:txBody>
+            <a:bodyPr lIns="0" rIns="0" tIns="0" bIns="0" anchorCtr="1" anchor="ctr" wrap="none"/>
+            <a:lstStyle/>
+            <a:p>
+              <a:pPr algn="l" marL="0" marR="0" indent="0">
+                <a:lnSpc>
+                  <a:spcPts val="880"/>
+                </a:lnSpc>
+                <a:spcBef>
+                  <a:spcPts val="0"/>
+                </a:spcBef>
+                <a:spcAft>
+                  <a:spcPts val="0"/>
+                </a:spcAft>
+              </a:pPr>
+              <a:r>
+                <a:rPr sz="880">
+                  <a:solidFill>
+                    <a:srgbClr val="4D4D4D">
+                      <a:alpha val="100000"/>
+                    </a:srgbClr>
+                  </a:solidFill>
+                  <a:latin typeface="Liberation Sans"/>
+                  <a:cs typeface="Liberation Sans"/>
+                </a:rPr>
+                <a:t>Household and family care</a:t>
+              </a:r>
+            </a:p>
+          </p:txBody>
+        </p:sp>
+        <p:sp>
+          <p:nvSpPr>
+            <p:cNvPr id="36" name="tx36"/>
+            <p:cNvSpPr/>
+            <p:nvPr/>
+          </p:nvSpPr>
+          <p:spPr>
+            <a:xfrm>
+              <a:off x="5258918" y="5780341"/>
+              <a:ext cx="689550" cy="82073"/>
+            </a:xfrm>
+            <a:prstGeom prst="rect">
+              <a:avLst/>
+            </a:prstGeom>
+            <a:noFill/>
+          </p:spPr>
+          <p:txBody>
+            <a:bodyPr lIns="0" rIns="0" tIns="0" bIns="0" anchorCtr="1" anchor="ctr" wrap="none"/>
+            <a:lstStyle/>
+            <a:p>
+              <a:pPr algn="l" marL="0" marR="0" indent="0">
+                <a:lnSpc>
+                  <a:spcPts val="880"/>
+                </a:lnSpc>
+                <a:spcBef>
+                  <a:spcPts val="0"/>
+                </a:spcBef>
+                <a:spcAft>
+                  <a:spcPts val="0"/>
+                </a:spcAft>
+              </a:pPr>
+              <a:r>
+                <a:rPr sz="880">
+                  <a:solidFill>
+                    <a:srgbClr val="4D4D4D">
+                      <a:alpha val="100000"/>
+                    </a:srgbClr>
+                  </a:solidFill>
+                  <a:latin typeface="Liberation Sans"/>
+                  <a:cs typeface="Liberation Sans"/>
+                </a:rPr>
+                <a:t>Personal care</a:t>
+              </a:r>
+            </a:p>
+          </p:txBody>
+        </p:sp>
+        <p:sp>
+          <p:nvSpPr>
+            <p:cNvPr id="37" name="tx37"/>
+            <p:cNvSpPr/>
+            <p:nvPr/>
+          </p:nvSpPr>
+          <p:spPr>
+            <a:xfrm>
+              <a:off x="6756683" y="5758240"/>
+              <a:ext cx="285839" cy="104174"/>
+            </a:xfrm>
+            <a:prstGeom prst="rect">
+              <a:avLst/>
+            </a:prstGeom>
+            <a:noFill/>
+          </p:spPr>
+          <p:txBody>
+            <a:bodyPr lIns="0" rIns="0" tIns="0" bIns="0" anchorCtr="1" anchor="ctr" wrap="none"/>
+            <a:lstStyle/>
+            <a:p>
+              <a:pPr algn="l" marL="0" marR="0" indent="0">
+                <a:lnSpc>
+                  <a:spcPts val="880"/>
+                </a:lnSpc>
+                <a:spcBef>
+                  <a:spcPts val="0"/>
+                </a:spcBef>
+                <a:spcAft>
+                  <a:spcPts val="0"/>
+                </a:spcAft>
+              </a:pPr>
+              <a:r>
+                <a:rPr sz="880">
+                  <a:solidFill>
+                    <a:srgbClr val="4D4D4D">
+                      <a:alpha val="100000"/>
+                    </a:srgbClr>
+                  </a:solidFill>
+                  <a:latin typeface="Liberation Sans"/>
+                  <a:cs typeface="Liberation Sans"/>
+                </a:rPr>
+                <a:t>Sleep</a:t>
+              </a:r>
+            </a:p>
+          </p:txBody>
+        </p:sp>
+        <p:sp>
+          <p:nvSpPr>
+            <p:cNvPr id="38" name="tx38"/>
+            <p:cNvSpPr/>
+            <p:nvPr/>
+          </p:nvSpPr>
+          <p:spPr>
+            <a:xfrm>
+              <a:off x="4032203" y="5922355"/>
+              <a:ext cx="551160" cy="102592"/>
+            </a:xfrm>
+            <a:prstGeom prst="rect">
+              <a:avLst/>
+            </a:prstGeom>
+            <a:noFill/>
+          </p:spPr>
+          <p:txBody>
+            <a:bodyPr lIns="0" rIns="0" tIns="0" bIns="0" anchorCtr="1" anchor="ctr" wrap="none"/>
+            <a:lstStyle/>
+            <a:p>
+              <a:pPr algn="l" marL="0" marR="0" indent="0">
+                <a:lnSpc>
+                  <a:spcPts val="1100"/>
+                </a:lnSpc>
+                <a:spcBef>
+                  <a:spcPts val="0"/>
+                </a:spcBef>
+                <a:spcAft>
+                  <a:spcPts val="0"/>
+                </a:spcAft>
+              </a:pPr>
+              <a:r>
+                <a:rPr sz="1100">
+                  <a:solidFill>
+                    <a:srgbClr val="000000">
+                      <a:alpha val="100000"/>
+                    </a:srgbClr>
+                  </a:solidFill>
+                  <a:latin typeface="Liberation Sans"/>
+                  <a:cs typeface="Liberation Sans"/>
+                </a:rPr>
+                <a:t>Activities</a:t>
+              </a:r>
+            </a:p>
+          </p:txBody>
+        </p:sp>
+        <p:sp>
+          <p:nvSpPr>
+            <p:cNvPr id="39" name="tx39"/>
+            <p:cNvSpPr/>
+            <p:nvPr/>
+          </p:nvSpPr>
+          <p:spPr>
+            <a:xfrm rot="-5400000">
+              <a:off x="78630" y="3753321"/>
+              <a:ext cx="985949" cy="102592"/>
+            </a:xfrm>
+            <a:prstGeom prst="rect">
+              <a:avLst/>
+            </a:prstGeom>
+            <a:noFill/>
+          </p:spPr>
+          <p:txBody>
+            <a:bodyPr lIns="0" rIns="0" tIns="0" bIns="0" anchorCtr="1" anchor="ctr" wrap="none"/>
+            <a:lstStyle/>
+            <a:p>
+              <a:pPr algn="l" marL="0" marR="0" indent="0">
+                <a:lnSpc>
+                  <a:spcPts val="1100"/>
+                </a:lnSpc>
+                <a:spcBef>
+                  <a:spcPts val="0"/>
+                </a:spcBef>
+                <a:spcAft>
+                  <a:spcPts val="0"/>
+                </a:spcAft>
+              </a:pPr>
+              <a:r>
+                <a:rPr sz="1100">
+                  <a:solidFill>
+                    <a:srgbClr val="000000">
+                      <a:alpha val="100000"/>
+                    </a:srgbClr>
+                  </a:solidFill>
+                  <a:latin typeface="Liberation Sans"/>
+                  <a:cs typeface="Liberation Sans"/>
+                </a:rPr>
+                <a:t>Time in minutes</a:t>
+              </a:r>
+            </a:p>
+          </p:txBody>
+        </p:sp>
+        <p:sp>
+          <p:nvSpPr>
+            <p:cNvPr id="40" name="tx40"/>
+            <p:cNvSpPr/>
+            <p:nvPr/>
+          </p:nvSpPr>
+          <p:spPr>
+            <a:xfrm>
+              <a:off x="7885916" y="3468204"/>
+              <a:ext cx="644748" cy="130218"/>
+            </a:xfrm>
+            <a:prstGeom prst="rect">
+              <a:avLst/>
+            </a:prstGeom>
+            <a:noFill/>
+          </p:spPr>
+          <p:txBody>
+            <a:bodyPr lIns="0" rIns="0" tIns="0" bIns="0" anchorCtr="1" anchor="ctr" wrap="none"/>
+            <a:lstStyle/>
+            <a:p>
+              <a:pPr algn="l" marL="0" marR="0" indent="0">
+                <a:lnSpc>
+                  <a:spcPts val="1100"/>
+                </a:lnSpc>
+                <a:spcBef>
+                  <a:spcPts val="0"/>
+                </a:spcBef>
+                <a:spcAft>
+                  <a:spcPts val="0"/>
+                </a:spcAft>
+              </a:pPr>
+              <a:r>
+                <a:rPr sz="1100">
+                  <a:solidFill>
+                    <a:srgbClr val="000000">
+                      <a:alpha val="100000"/>
+                    </a:srgbClr>
+                  </a:solidFill>
+                  <a:latin typeface="Liberation Sans"/>
+                  <a:cs typeface="Liberation Sans"/>
+                </a:rPr>
+                <a:t>population</a:t>
+              </a:r>
+            </a:p>
+          </p:txBody>
+        </p:sp>
+        <p:sp>
+          <p:nvSpPr>
+            <p:cNvPr id="41" name="rc41"/>
+            <p:cNvSpPr/>
+            <p:nvPr/>
+          </p:nvSpPr>
+          <p:spPr>
+            <a:xfrm>
+              <a:off x="7894916" y="3692824"/>
+              <a:ext cx="201455" cy="201456"/>
+            </a:xfrm>
+            <a:prstGeom prst="rect">
+              <a:avLst/>
+            </a:prstGeom>
+            <a:solidFill>
+              <a:srgbClr val="F8766D">
+                <a:alpha val="100000"/>
+              </a:srgbClr>
+            </a:solidFill>
+          </p:spPr>
+          <p:txBody>
+            <a:bodyPr/>
+            <a:lstStyle/>
+            <a:p/>
+          </p:txBody>
+        </p:sp>
+        <p:sp>
+          <p:nvSpPr>
+            <p:cNvPr id="42" name="rc42"/>
+            <p:cNvSpPr/>
+            <p:nvPr/>
+          </p:nvSpPr>
+          <p:spPr>
+            <a:xfrm>
+              <a:off x="7894916" y="3912280"/>
+              <a:ext cx="201455" cy="201456"/>
+            </a:xfrm>
+            <a:prstGeom prst="rect">
+              <a:avLst/>
+            </a:prstGeom>
+            <a:solidFill>
+              <a:srgbClr val="00BFC4">
+                <a:alpha val="100000"/>
+              </a:srgbClr>
+            </a:solidFill>
+          </p:spPr>
+          <p:txBody>
+            <a:bodyPr/>
+            <a:lstStyle/>
+            <a:p/>
+          </p:txBody>
+        </p:sp>
+        <p:sp>
+          <p:nvSpPr>
+            <p:cNvPr id="43" name="tx43"/>
+            <p:cNvSpPr/>
+            <p:nvPr/>
+          </p:nvSpPr>
+          <p:spPr>
+            <a:xfrm>
+              <a:off x="8174961" y="3749923"/>
+              <a:ext cx="372660" cy="82073"/>
+            </a:xfrm>
+            <a:prstGeom prst="rect">
+              <a:avLst/>
+            </a:prstGeom>
+            <a:noFill/>
+          </p:spPr>
+          <p:txBody>
+            <a:bodyPr lIns="0" rIns="0" tIns="0" bIns="0" anchorCtr="1" anchor="ctr" wrap="none"/>
+            <a:lstStyle/>
+            <a:p>
+              <a:pPr algn="l" marL="0" marR="0" indent="0">
+                <a:lnSpc>
+                  <a:spcPts val="880"/>
+                </a:lnSpc>
+                <a:spcBef>
+                  <a:spcPts val="0"/>
+                </a:spcBef>
+                <a:spcAft>
+                  <a:spcPts val="0"/>
+                </a:spcAft>
+              </a:pPr>
+              <a:r>
+                <a:rPr sz="880">
+                  <a:solidFill>
+                    <a:srgbClr val="000000">
+                      <a:alpha val="100000"/>
+                    </a:srgbClr>
+                  </a:solidFill>
+                  <a:latin typeface="Liberation Sans"/>
+                  <a:cs typeface="Liberation Sans"/>
+                </a:rPr>
+                <a:t>Female</a:t>
+              </a:r>
+            </a:p>
+          </p:txBody>
+        </p:sp>
+        <p:sp>
+          <p:nvSpPr>
+            <p:cNvPr id="44" name="tx44"/>
+            <p:cNvSpPr/>
+            <p:nvPr/>
+          </p:nvSpPr>
+          <p:spPr>
+            <a:xfrm>
+              <a:off x="8174961" y="3969379"/>
+              <a:ext cx="242237" cy="82073"/>
+            </a:xfrm>
+            <a:prstGeom prst="rect">
+              <a:avLst/>
+            </a:prstGeom>
+            <a:noFill/>
+          </p:spPr>
+          <p:txBody>
+            <a:bodyPr lIns="0" rIns="0" tIns="0" bIns="0" anchorCtr="1" anchor="ctr" wrap="none"/>
+            <a:lstStyle/>
+            <a:p>
+              <a:pPr algn="l" marL="0" marR="0" indent="0">
+                <a:lnSpc>
+                  <a:spcPts val="880"/>
+                </a:lnSpc>
+                <a:spcBef>
+                  <a:spcPts val="0"/>
+                </a:spcBef>
+                <a:spcAft>
+                  <a:spcPts val="0"/>
+                </a:spcAft>
+              </a:pPr>
+              <a:r>
+                <a:rPr sz="880">
+                  <a:solidFill>
+                    <a:srgbClr val="000000">
+                      <a:alpha val="100000"/>
+                    </a:srgbClr>
+                  </a:solidFill>
+                  <a:latin typeface="Liberation Sans"/>
+                  <a:cs typeface="Liberation Sans"/>
+                </a:rPr>
+                <a:t>Male</a:t>
+              </a:r>
+            </a:p>
+          </p:txBody>
+        </p:sp>
+        <p:sp>
+          <p:nvSpPr>
+            <p:cNvPr id="45" name="tx45"/>
+            <p:cNvSpPr/>
+            <p:nvPr/>
+          </p:nvSpPr>
+          <p:spPr>
+            <a:xfrm>
+              <a:off x="938418" y="1628861"/>
+              <a:ext cx="1435417" cy="156262"/>
+            </a:xfrm>
+            <a:prstGeom prst="rect">
+              <a:avLst/>
+            </a:prstGeom>
+            <a:noFill/>
+          </p:spPr>
+          <p:txBody>
+            <a:bodyPr lIns="0" rIns="0" tIns="0" bIns="0" anchorCtr="1" anchor="ctr" wrap="none"/>
+            <a:lstStyle/>
+            <a:p>
+              <a:pPr algn="l" marL="0" marR="0" indent="0">
+                <a:lnSpc>
+                  <a:spcPts val="1320"/>
+                </a:lnSpc>
+                <a:spcBef>
+                  <a:spcPts val="0"/>
+                </a:spcBef>
+                <a:spcAft>
+                  <a:spcPts val="0"/>
+                </a:spcAft>
+              </a:pPr>
+              <a:r>
+                <a:rPr sz="1320">
+                  <a:solidFill>
+                    <a:srgbClr val="000000">
+                      <a:alpha val="100000"/>
+                    </a:srgbClr>
+                  </a:solidFill>
+                  <a:latin typeface="Liberation Sans"/>
+                  <a:cs typeface="Liberation Sans"/>
+                </a:rPr>
+                <a:t>Year 2014_Sunday</a:t>
+              </a:r>
+            </a:p>
+          </p:txBody>
+        </p:sp>
+      </p:grpSp>
+    </p:spTree>
+  </p:cSld>
+  <p:clrMapOvr>
+    <a:masterClrMapping/>
+  </p:clrMapOvr>
+</p:sld>
+</file>
+
 <file path=ppt/slides/slide4.xml><?xml version="1.0" encoding="utf-8"?>
 <p:sld xmlns:a="http://schemas.openxmlformats.org/drawingml/2006/main" xmlns:r="http://schemas.openxmlformats.org/officeDocument/2006/relationships" xmlns:p="http://schemas.openxmlformats.org/presentationml/2006/main">
   <p:cSld>
